--- a/notes/csc402-ln002.pptx
+++ b/notes/csc402-ln002.pptx
@@ -232,17 +232,17 @@
           </a:ln>
           <a:extLst>
             <a:ext uri="{FAA26D3D-D897-4be2-8F04-BA451C77F1D7}">
-              <ma14:placeholderFlag xmlns:ma14="http://schemas.microsoft.com/office/mac/drawingml/2011/main" val="1"/>
+              <ma14:placeholderFlag xmlns:ma14="http://schemas.microsoft.com/office/mac/drawingml/2011/main" xmlns="" val="1"/>
             </a:ext>
             <a:ext uri="{909E8E84-426E-40dd-AFC4-6F175D3DCCD1}">
-              <a14:hiddenFill xmlns:a14="http://schemas.microsoft.com/office/drawing/2010/main" xmlns="">
+              <a14:hiddenFill xmlns="" xmlns:a14="http://schemas.microsoft.com/office/drawing/2010/main">
                 <a:solidFill>
                   <a:schemeClr val="accent1"/>
                 </a:solidFill>
               </a14:hiddenFill>
             </a:ext>
             <a:ext uri="{91240B29-F687-4f45-9708-019B960494DF}">
-              <a14:hiddenLine xmlns:a14="http://schemas.microsoft.com/office/drawing/2010/main" xmlns="" w="9525">
+              <a14:hiddenLine xmlns="" xmlns:a14="http://schemas.microsoft.com/office/drawing/2010/main" w="9525">
                 <a:solidFill>
                   <a:schemeClr val="tx1"/>
                 </a:solidFill>
@@ -293,17 +293,17 @@
           </a:ln>
           <a:extLst>
             <a:ext uri="{FAA26D3D-D897-4be2-8F04-BA451C77F1D7}">
-              <ma14:placeholderFlag xmlns:ma14="http://schemas.microsoft.com/office/mac/drawingml/2011/main" val="1"/>
+              <ma14:placeholderFlag xmlns:ma14="http://schemas.microsoft.com/office/mac/drawingml/2011/main" xmlns="" val="1"/>
             </a:ext>
             <a:ext uri="{909E8E84-426E-40dd-AFC4-6F175D3DCCD1}">
-              <a14:hiddenFill xmlns:a14="http://schemas.microsoft.com/office/drawing/2010/main" xmlns="">
+              <a14:hiddenFill xmlns="" xmlns:a14="http://schemas.microsoft.com/office/drawing/2010/main">
                 <a:solidFill>
                   <a:schemeClr val="accent1"/>
                 </a:solidFill>
               </a14:hiddenFill>
             </a:ext>
             <a:ext uri="{91240B29-F687-4f45-9708-019B960494DF}">
-              <a14:hiddenLine xmlns:a14="http://schemas.microsoft.com/office/drawing/2010/main" xmlns="" w="9525">
+              <a14:hiddenLine xmlns="" xmlns:a14="http://schemas.microsoft.com/office/drawing/2010/main" w="9525">
                 <a:solidFill>
                   <a:schemeClr val="tx1"/>
                 </a:solidFill>
@@ -360,7 +360,7 @@
           <a:effectLst/>
           <a:extLst>
             <a:ext uri="{AF507438-7753-43e0-B8FC-AC1667EBCBE1}">
-              <a14:hiddenEffects xmlns:a14="http://schemas.microsoft.com/office/drawing/2010/main" xmlns="">
+              <a14:hiddenEffects xmlns="" xmlns:a14="http://schemas.microsoft.com/office/drawing/2010/main">
                 <a:effectLst>
                   <a:outerShdw blurRad="63500" dist="38099" dir="2700000" algn="ctr" rotWithShape="0">
                     <a:srgbClr val="000000">
@@ -371,7 +371,7 @@
               </a14:hiddenEffects>
             </a:ext>
             <a:ext uri="{53640926-AAD7-44d8-BBD7-CCE9431645EC}">
-              <a14:shadowObscured xmlns:a14="http://schemas.microsoft.com/office/drawing/2010/main" xmlns="" val="1"/>
+              <a14:shadowObscured xmlns="" xmlns:a14="http://schemas.microsoft.com/office/drawing/2010/main" val="1"/>
             </a:ext>
           </a:extLst>
         </p:spPr>
@@ -400,17 +400,17 @@
           </a:ln>
           <a:extLst>
             <a:ext uri="{FAA26D3D-D897-4be2-8F04-BA451C77F1D7}">
-              <ma14:placeholderFlag xmlns:ma14="http://schemas.microsoft.com/office/mac/drawingml/2011/main" val="1"/>
+              <ma14:placeholderFlag xmlns:ma14="http://schemas.microsoft.com/office/mac/drawingml/2011/main" xmlns="" val="1"/>
             </a:ext>
             <a:ext uri="{909E8E84-426E-40dd-AFC4-6F175D3DCCD1}">
-              <a14:hiddenFill xmlns:a14="http://schemas.microsoft.com/office/drawing/2010/main" xmlns="">
+              <a14:hiddenFill xmlns="" xmlns:a14="http://schemas.microsoft.com/office/drawing/2010/main">
                 <a:solidFill>
                   <a:schemeClr val="accent1"/>
                 </a:solidFill>
               </a14:hiddenFill>
             </a:ext>
             <a:ext uri="{91240B29-F687-4f45-9708-019B960494DF}">
-              <a14:hiddenLine xmlns:a14="http://schemas.microsoft.com/office/drawing/2010/main" xmlns="" w="9525">
+              <a14:hiddenLine xmlns="" xmlns:a14="http://schemas.microsoft.com/office/drawing/2010/main" w="9525">
                 <a:solidFill>
                   <a:schemeClr val="tx1"/>
                 </a:solidFill>
@@ -489,17 +489,17 @@
           </a:ln>
           <a:extLst>
             <a:ext uri="{FAA26D3D-D897-4be2-8F04-BA451C77F1D7}">
-              <ma14:placeholderFlag xmlns:ma14="http://schemas.microsoft.com/office/mac/drawingml/2011/main" val="1"/>
+              <ma14:placeholderFlag xmlns:ma14="http://schemas.microsoft.com/office/mac/drawingml/2011/main" xmlns="" val="1"/>
             </a:ext>
             <a:ext uri="{909E8E84-426E-40dd-AFC4-6F175D3DCCD1}">
-              <a14:hiddenFill xmlns:a14="http://schemas.microsoft.com/office/drawing/2010/main" xmlns="">
+              <a14:hiddenFill xmlns="" xmlns:a14="http://schemas.microsoft.com/office/drawing/2010/main">
                 <a:solidFill>
                   <a:schemeClr val="accent1"/>
                 </a:solidFill>
               </a14:hiddenFill>
             </a:ext>
             <a:ext uri="{91240B29-F687-4f45-9708-019B960494DF}">
-              <a14:hiddenLine xmlns:a14="http://schemas.microsoft.com/office/drawing/2010/main" xmlns="" w="9525">
+              <a14:hiddenLine xmlns="" xmlns:a14="http://schemas.microsoft.com/office/drawing/2010/main" w="9525">
                 <a:solidFill>
                   <a:schemeClr val="tx1"/>
                 </a:solidFill>
@@ -550,17 +550,17 @@
           </a:ln>
           <a:extLst>
             <a:ext uri="{FAA26D3D-D897-4be2-8F04-BA451C77F1D7}">
-              <ma14:placeholderFlag xmlns:ma14="http://schemas.microsoft.com/office/mac/drawingml/2011/main" val="1"/>
+              <ma14:placeholderFlag xmlns:ma14="http://schemas.microsoft.com/office/mac/drawingml/2011/main" xmlns="" val="1"/>
             </a:ext>
             <a:ext uri="{909E8E84-426E-40dd-AFC4-6F175D3DCCD1}">
-              <a14:hiddenFill xmlns:a14="http://schemas.microsoft.com/office/drawing/2010/main" xmlns="">
+              <a14:hiddenFill xmlns="" xmlns:a14="http://schemas.microsoft.com/office/drawing/2010/main">
                 <a:solidFill>
                   <a:schemeClr val="accent1"/>
                 </a:solidFill>
               </a14:hiddenFill>
             </a:ext>
             <a:ext uri="{91240B29-F687-4f45-9708-019B960494DF}">
-              <a14:hiddenLine xmlns:a14="http://schemas.microsoft.com/office/drawing/2010/main" xmlns="" w="9525">
+              <a14:hiddenLine xmlns="" xmlns:a14="http://schemas.microsoft.com/office/drawing/2010/main" w="9525">
                 <a:solidFill>
                   <a:schemeClr val="tx1"/>
                 </a:solidFill>
@@ -782,7 +782,7 @@
           <a:ln/>
           <a:extLst>
             <a:ext uri="{FAA26D3D-D897-4be2-8F04-BA451C77F1D7}">
-              <ma14:placeholderFlag xmlns:ma14="http://schemas.microsoft.com/office/mac/drawingml/2011/main" val="1"/>
+              <ma14:placeholderFlag xmlns:ma14="http://schemas.microsoft.com/office/mac/drawingml/2011/main" xmlns="" val="1"/>
             </a:ext>
           </a:extLst>
         </p:spPr>
@@ -871,7 +871,7 @@
           <a:ln/>
           <a:extLst>
             <a:ext uri="{FAA26D3D-D897-4be2-8F04-BA451C77F1D7}">
-              <ma14:placeholderFlag xmlns:ma14="http://schemas.microsoft.com/office/mac/drawingml/2011/main" val="1"/>
+              <ma14:placeholderFlag xmlns:ma14="http://schemas.microsoft.com/office/mac/drawingml/2011/main" xmlns="" val="1"/>
             </a:ext>
           </a:extLst>
         </p:spPr>
@@ -960,7 +960,7 @@
           <a:ln/>
           <a:extLst>
             <a:ext uri="{FAA26D3D-D897-4be2-8F04-BA451C77F1D7}">
-              <ma14:placeholderFlag xmlns:ma14="http://schemas.microsoft.com/office/mac/drawingml/2011/main" val="1"/>
+              <ma14:placeholderFlag xmlns:ma14="http://schemas.microsoft.com/office/mac/drawingml/2011/main" xmlns="" val="1"/>
             </a:ext>
           </a:extLst>
         </p:spPr>
@@ -1049,7 +1049,7 @@
           <a:ln/>
           <a:extLst>
             <a:ext uri="{FAA26D3D-D897-4be2-8F04-BA451C77F1D7}">
-              <ma14:placeholderFlag xmlns:ma14="http://schemas.microsoft.com/office/mac/drawingml/2011/main" val="1"/>
+              <ma14:placeholderFlag xmlns:ma14="http://schemas.microsoft.com/office/mac/drawingml/2011/main" xmlns="" val="1"/>
             </a:ext>
           </a:extLst>
         </p:spPr>
@@ -1138,7 +1138,7 @@
           <a:ln/>
           <a:extLst>
             <a:ext uri="{FAA26D3D-D897-4be2-8F04-BA451C77F1D7}">
-              <ma14:placeholderFlag xmlns:ma14="http://schemas.microsoft.com/office/mac/drawingml/2011/main" val="1"/>
+              <ma14:placeholderFlag xmlns:ma14="http://schemas.microsoft.com/office/mac/drawingml/2011/main" xmlns="" val="1"/>
             </a:ext>
           </a:extLst>
         </p:spPr>
@@ -1227,7 +1227,7 @@
           <a:ln/>
           <a:extLst>
             <a:ext uri="{FAA26D3D-D897-4be2-8F04-BA451C77F1D7}">
-              <ma14:placeholderFlag xmlns:ma14="http://schemas.microsoft.com/office/mac/drawingml/2011/main" val="1"/>
+              <ma14:placeholderFlag xmlns:ma14="http://schemas.microsoft.com/office/mac/drawingml/2011/main" xmlns="" val="1"/>
             </a:ext>
           </a:extLst>
         </p:spPr>
@@ -1316,7 +1316,7 @@
           <a:ln/>
           <a:extLst>
             <a:ext uri="{FAA26D3D-D897-4be2-8F04-BA451C77F1D7}">
-              <ma14:placeholderFlag xmlns:ma14="http://schemas.microsoft.com/office/mac/drawingml/2011/main" val="1"/>
+              <ma14:placeholderFlag xmlns:ma14="http://schemas.microsoft.com/office/mac/drawingml/2011/main" xmlns="" val="1"/>
             </a:ext>
           </a:extLst>
         </p:spPr>
@@ -1405,7 +1405,7 @@
           <a:ln/>
           <a:extLst>
             <a:ext uri="{FAA26D3D-D897-4be2-8F04-BA451C77F1D7}">
-              <ma14:placeholderFlag xmlns:ma14="http://schemas.microsoft.com/office/mac/drawingml/2011/main" val="1"/>
+              <ma14:placeholderFlag xmlns:ma14="http://schemas.microsoft.com/office/mac/drawingml/2011/main" xmlns="" val="1"/>
             </a:ext>
           </a:extLst>
         </p:spPr>
@@ -1494,7 +1494,7 @@
           <a:ln/>
           <a:extLst>
             <a:ext uri="{FAA26D3D-D897-4be2-8F04-BA451C77F1D7}">
-              <ma14:placeholderFlag xmlns:ma14="http://schemas.microsoft.com/office/mac/drawingml/2011/main" val="1"/>
+              <ma14:placeholderFlag xmlns:ma14="http://schemas.microsoft.com/office/mac/drawingml/2011/main" xmlns="" val="1"/>
             </a:ext>
           </a:extLst>
         </p:spPr>
@@ -1583,7 +1583,7 @@
           <a:ln/>
           <a:extLst>
             <a:ext uri="{FAA26D3D-D897-4be2-8F04-BA451C77F1D7}">
-              <ma14:placeholderFlag xmlns:ma14="http://schemas.microsoft.com/office/mac/drawingml/2011/main" val="1"/>
+              <ma14:placeholderFlag xmlns:ma14="http://schemas.microsoft.com/office/mac/drawingml/2011/main" xmlns="" val="1"/>
             </a:ext>
           </a:extLst>
         </p:spPr>
@@ -1604,14 +1604,13 @@
           <a:lstStyle/>
           <a:p>
             <a:r>
-              <a:rPr lang="en-US" dirty="0" smtClean="0"/>
+              <a:rPr lang="en-US" dirty="0"/>
               <a:t>Add </a:t>
             </a:r>
             <a:r>
-              <a:rPr lang="en-US" smtClean="0"/>
+              <a:rPr lang="en-US"/>
               <a:t>algorithm box</a:t>
             </a:r>
-            <a:endParaRPr lang="en-US"/>
           </a:p>
         </p:txBody>
       </p:sp>
@@ -1680,7 +1679,7 @@
           <a:ln/>
           <a:extLst>
             <a:ext uri="{FAA26D3D-D897-4be2-8F04-BA451C77F1D7}">
-              <ma14:placeholderFlag xmlns:ma14="http://schemas.microsoft.com/office/mac/drawingml/2011/main" val="1"/>
+              <ma14:placeholderFlag xmlns:ma14="http://schemas.microsoft.com/office/mac/drawingml/2011/main" xmlns="" val="1"/>
             </a:ext>
           </a:extLst>
         </p:spPr>
@@ -1769,7 +1768,7 @@
           <a:ln/>
           <a:extLst>
             <a:ext uri="{FAA26D3D-D897-4be2-8F04-BA451C77F1D7}">
-              <ma14:placeholderFlag xmlns:ma14="http://schemas.microsoft.com/office/mac/drawingml/2011/main" val="1"/>
+              <ma14:placeholderFlag xmlns:ma14="http://schemas.microsoft.com/office/mac/drawingml/2011/main" xmlns="" val="1"/>
             </a:ext>
           </a:extLst>
         </p:spPr>
@@ -1858,7 +1857,7 @@
           <a:ln/>
           <a:extLst>
             <a:ext uri="{FAA26D3D-D897-4be2-8F04-BA451C77F1D7}">
-              <ma14:placeholderFlag xmlns:ma14="http://schemas.microsoft.com/office/mac/drawingml/2011/main" val="1"/>
+              <ma14:placeholderFlag xmlns:ma14="http://schemas.microsoft.com/office/mac/drawingml/2011/main" xmlns="" val="1"/>
             </a:ext>
           </a:extLst>
         </p:spPr>
@@ -1947,7 +1946,7 @@
           <a:ln/>
           <a:extLst>
             <a:ext uri="{FAA26D3D-D897-4be2-8F04-BA451C77F1D7}">
-              <ma14:placeholderFlag xmlns:ma14="http://schemas.microsoft.com/office/mac/drawingml/2011/main" val="1"/>
+              <ma14:placeholderFlag xmlns:ma14="http://schemas.microsoft.com/office/mac/drawingml/2011/main" xmlns="" val="1"/>
             </a:ext>
           </a:extLst>
         </p:spPr>
@@ -2036,7 +2035,7 @@
           <a:ln/>
           <a:extLst>
             <a:ext uri="{FAA26D3D-D897-4be2-8F04-BA451C77F1D7}">
-              <ma14:placeholderFlag xmlns:ma14="http://schemas.microsoft.com/office/mac/drawingml/2011/main" val="1"/>
+              <ma14:placeholderFlag xmlns:ma14="http://schemas.microsoft.com/office/mac/drawingml/2011/main" xmlns="" val="1"/>
             </a:ext>
           </a:extLst>
         </p:spPr>
@@ -2125,7 +2124,7 @@
           <a:ln/>
           <a:extLst>
             <a:ext uri="{FAA26D3D-D897-4be2-8F04-BA451C77F1D7}">
-              <ma14:placeholderFlag xmlns:ma14="http://schemas.microsoft.com/office/mac/drawingml/2011/main" val="1"/>
+              <ma14:placeholderFlag xmlns:ma14="http://schemas.microsoft.com/office/mac/drawingml/2011/main" xmlns="" val="1"/>
             </a:ext>
           </a:extLst>
         </p:spPr>
@@ -2214,7 +2213,7 @@
           <a:ln/>
           <a:extLst>
             <a:ext uri="{FAA26D3D-D897-4be2-8F04-BA451C77F1D7}">
-              <ma14:placeholderFlag xmlns:ma14="http://schemas.microsoft.com/office/mac/drawingml/2011/main" val="1"/>
+              <ma14:placeholderFlag xmlns:ma14="http://schemas.microsoft.com/office/mac/drawingml/2011/main" xmlns="" val="1"/>
             </a:ext>
           </a:extLst>
         </p:spPr>
@@ -2303,7 +2302,7 @@
           <a:ln/>
           <a:extLst>
             <a:ext uri="{FAA26D3D-D897-4be2-8F04-BA451C77F1D7}">
-              <ma14:placeholderFlag xmlns:ma14="http://schemas.microsoft.com/office/mac/drawingml/2011/main" val="1"/>
+              <ma14:placeholderFlag xmlns:ma14="http://schemas.microsoft.com/office/mac/drawingml/2011/main" xmlns="" val="1"/>
             </a:ext>
           </a:extLst>
         </p:spPr>
@@ -2392,7 +2391,7 @@
           <a:ln/>
           <a:extLst>
             <a:ext uri="{FAA26D3D-D897-4be2-8F04-BA451C77F1D7}">
-              <ma14:placeholderFlag xmlns:ma14="http://schemas.microsoft.com/office/mac/drawingml/2011/main" val="1"/>
+              <ma14:placeholderFlag xmlns:ma14="http://schemas.microsoft.com/office/mac/drawingml/2011/main" xmlns="" val="1"/>
             </a:ext>
           </a:extLst>
         </p:spPr>
@@ -2413,14 +2412,13 @@
           <a:lstStyle/>
           <a:p>
             <a:r>
-              <a:rPr lang="en-US" dirty="0" smtClean="0"/>
+              <a:rPr lang="en-US" dirty="0"/>
               <a:t>Show a top-down parser algorithm using a queue – algorithm outline could be similar to the one for LR(1</a:t>
             </a:r>
             <a:r>
-              <a:rPr lang="en-US" smtClean="0"/>
+              <a:rPr lang="en-US"/>
               <a:t>) parsing.</a:t>
             </a:r>
-            <a:endParaRPr lang="en-US"/>
           </a:p>
         </p:txBody>
       </p:sp>
@@ -2506,7 +2504,7 @@
           </a:ln>
           <a:extLst>
             <a:ext uri="{FAA26D3D-D897-4be2-8F04-BA451C77F1D7}">
-              <ma14:placeholderFlag xmlns:ma14="http://schemas.microsoft.com/office/mac/drawingml/2011/main" val="1"/>
+              <ma14:placeholderFlag xmlns:ma14="http://schemas.microsoft.com/office/mac/drawingml/2011/main" xmlns="" val="1"/>
             </a:ext>
           </a:extLst>
         </p:spPr>
@@ -2542,7 +2540,7 @@
           </a:ln>
           <a:extLst>
             <a:ext uri="{FAA26D3D-D897-4be2-8F04-BA451C77F1D7}">
-              <ma14:placeholderFlag xmlns:ma14="http://schemas.microsoft.com/office/mac/drawingml/2011/main" val="1"/>
+              <ma14:placeholderFlag xmlns:ma14="http://schemas.microsoft.com/office/mac/drawingml/2011/main" xmlns="" val="1"/>
             </a:ext>
           </a:extLst>
         </p:spPr>
@@ -2607,12 +2605,12 @@
           <a:effectLst/>
           <a:extLst>
             <a:ext uri="{909E8E84-426E-40dd-AFC4-6F175D3DCCD1}">
-              <a14:hiddenFill xmlns:a14="http://schemas.microsoft.com/office/drawing/2010/main" xmlns="">
+              <a14:hiddenFill xmlns="" xmlns:a14="http://schemas.microsoft.com/office/drawing/2010/main">
                 <a:noFill/>
               </a14:hiddenFill>
             </a:ext>
             <a:ext uri="{AF507438-7753-43e0-B8FC-AC1667EBCBE1}">
-              <a14:hiddenEffects xmlns:a14="http://schemas.microsoft.com/office/drawing/2010/main" xmlns="">
+              <a14:hiddenEffects xmlns="" xmlns:a14="http://schemas.microsoft.com/office/drawing/2010/main">
                 <a:effectLst>
                   <a:outerShdw blurRad="63500" dist="38099" dir="2700000" algn="ctr" rotWithShape="0">
                     <a:schemeClr val="bg2">
@@ -2658,7 +2656,7 @@
           <a:p>
             <a:pPr lvl="0"/>
             <a:r>
-              <a:rPr lang="en-US" noProof="0" smtClean="0"/>
+              <a:rPr lang="en-US" noProof="0"/>
               <a:t>Click to edit Master title style</a:t>
             </a:r>
           </a:p>
@@ -2692,7 +2690,7 @@
           <a:p>
             <a:pPr lvl="0"/>
             <a:r>
-              <a:rPr lang="en-US" noProof="0" smtClean="0"/>
+              <a:rPr lang="en-US" noProof="0"/>
               <a:t>Click to edit Master subtitle style</a:t>
             </a:r>
           </a:p>
@@ -2813,7 +2811,7 @@
             <a:effectLst/>
             <a:extLst>
               <a:ext uri="{91240B29-F687-4f45-9708-019B960494DF}">
-                <a14:hiddenLine xmlns:a14="http://schemas.microsoft.com/office/drawing/2010/main" xmlns="" w="9525">
+                <a14:hiddenLine xmlns="" xmlns:a14="http://schemas.microsoft.com/office/drawing/2010/main" w="9525">
                   <a:solidFill>
                     <a:schemeClr val="tx1"/>
                   </a:solidFill>
@@ -2823,7 +2821,7 @@
                 </a14:hiddenLine>
               </a:ext>
               <a:ext uri="{AF507438-7753-43e0-B8FC-AC1667EBCBE1}">
-                <a14:hiddenEffects xmlns:a14="http://schemas.microsoft.com/office/drawing/2010/main" xmlns="">
+                <a14:hiddenEffects xmlns="" xmlns:a14="http://schemas.microsoft.com/office/drawing/2010/main">
                   <a:effectLst>
                     <a:outerShdw blurRad="63500" dist="38099" dir="2700000" algn="ctr" rotWithShape="0">
                       <a:schemeClr val="bg2">
@@ -2868,7 +2866,7 @@
             <a:effectLst/>
             <a:extLst>
               <a:ext uri="{91240B29-F687-4f45-9708-019B960494DF}">
-                <a14:hiddenLine xmlns:a14="http://schemas.microsoft.com/office/drawing/2010/main" xmlns="" w="9525">
+                <a14:hiddenLine xmlns="" xmlns:a14="http://schemas.microsoft.com/office/drawing/2010/main" w="9525">
                   <a:solidFill>
                     <a:schemeClr val="tx1"/>
                   </a:solidFill>
@@ -2878,7 +2876,7 @@
                 </a14:hiddenLine>
               </a:ext>
               <a:ext uri="{AF507438-7753-43e0-B8FC-AC1667EBCBE1}">
-                <a14:hiddenEffects xmlns:a14="http://schemas.microsoft.com/office/drawing/2010/main" xmlns="">
+                <a14:hiddenEffects xmlns="" xmlns:a14="http://schemas.microsoft.com/office/drawing/2010/main">
                   <a:effectLst>
                     <a:outerShdw blurRad="63500" dist="38099" dir="2700000" algn="ctr" rotWithShape="0">
                       <a:schemeClr val="bg2">
@@ -2923,7 +2921,7 @@
             <a:effectLst/>
             <a:extLst>
               <a:ext uri="{91240B29-F687-4f45-9708-019B960494DF}">
-                <a14:hiddenLine xmlns:a14="http://schemas.microsoft.com/office/drawing/2010/main" xmlns="" w="9525">
+                <a14:hiddenLine xmlns="" xmlns:a14="http://schemas.microsoft.com/office/drawing/2010/main" w="9525">
                   <a:solidFill>
                     <a:schemeClr val="tx1"/>
                   </a:solidFill>
@@ -2933,7 +2931,7 @@
                 </a14:hiddenLine>
               </a:ext>
               <a:ext uri="{AF507438-7753-43e0-B8FC-AC1667EBCBE1}">
-                <a14:hiddenEffects xmlns:a14="http://schemas.microsoft.com/office/drawing/2010/main" xmlns="">
+                <a14:hiddenEffects xmlns="" xmlns:a14="http://schemas.microsoft.com/office/drawing/2010/main">
                   <a:effectLst>
                     <a:outerShdw blurRad="63500" dist="38099" dir="2700000" algn="ctr" rotWithShape="0">
                       <a:schemeClr val="bg2">
@@ -2978,7 +2976,7 @@
             <a:effectLst/>
             <a:extLst>
               <a:ext uri="{91240B29-F687-4f45-9708-019B960494DF}">
-                <a14:hiddenLine xmlns:a14="http://schemas.microsoft.com/office/drawing/2010/main" xmlns="" w="9525">
+                <a14:hiddenLine xmlns="" xmlns:a14="http://schemas.microsoft.com/office/drawing/2010/main" w="9525">
                   <a:solidFill>
                     <a:schemeClr val="tx1"/>
                   </a:solidFill>
@@ -2988,7 +2986,7 @@
                 </a14:hiddenLine>
               </a:ext>
               <a:ext uri="{AF507438-7753-43e0-B8FC-AC1667EBCBE1}">
-                <a14:hiddenEffects xmlns:a14="http://schemas.microsoft.com/office/drawing/2010/main" xmlns="">
+                <a14:hiddenEffects xmlns="" xmlns:a14="http://schemas.microsoft.com/office/drawing/2010/main">
                   <a:effectLst>
                     <a:outerShdw blurRad="63500" dist="38099" dir="2700000" algn="ctr" rotWithShape="0">
                       <a:schemeClr val="bg2">
@@ -3033,7 +3031,7 @@
             <a:effectLst/>
             <a:extLst>
               <a:ext uri="{91240B29-F687-4f45-9708-019B960494DF}">
-                <a14:hiddenLine xmlns:a14="http://schemas.microsoft.com/office/drawing/2010/main" xmlns="" w="9525">
+                <a14:hiddenLine xmlns="" xmlns:a14="http://schemas.microsoft.com/office/drawing/2010/main" w="9525">
                   <a:solidFill>
                     <a:schemeClr val="tx1"/>
                   </a:solidFill>
@@ -3043,7 +3041,7 @@
                 </a14:hiddenLine>
               </a:ext>
               <a:ext uri="{AF507438-7753-43e0-B8FC-AC1667EBCBE1}">
-                <a14:hiddenEffects xmlns:a14="http://schemas.microsoft.com/office/drawing/2010/main" xmlns="">
+                <a14:hiddenEffects xmlns="" xmlns:a14="http://schemas.microsoft.com/office/drawing/2010/main">
                   <a:effectLst>
                     <a:outerShdw blurRad="63500" dist="38099" dir="2700000" algn="ctr" rotWithShape="0">
                       <a:schemeClr val="bg2">
@@ -3088,7 +3086,7 @@
             <a:effectLst/>
             <a:extLst>
               <a:ext uri="{91240B29-F687-4f45-9708-019B960494DF}">
-                <a14:hiddenLine xmlns:a14="http://schemas.microsoft.com/office/drawing/2010/main" xmlns="" w="9525">
+                <a14:hiddenLine xmlns="" xmlns:a14="http://schemas.microsoft.com/office/drawing/2010/main" w="9525">
                   <a:solidFill>
                     <a:schemeClr val="tx1"/>
                   </a:solidFill>
@@ -3098,7 +3096,7 @@
                 </a14:hiddenLine>
               </a:ext>
               <a:ext uri="{AF507438-7753-43e0-B8FC-AC1667EBCBE1}">
-                <a14:hiddenEffects xmlns:a14="http://schemas.microsoft.com/office/drawing/2010/main" xmlns="">
+                <a14:hiddenEffects xmlns="" xmlns:a14="http://schemas.microsoft.com/office/drawing/2010/main">
                   <a:effectLst>
                     <a:outerShdw blurRad="63500" dist="38099" dir="2700000" algn="ctr" rotWithShape="0">
                       <a:schemeClr val="bg2">
@@ -3143,7 +3141,7 @@
             <a:effectLst/>
             <a:extLst>
               <a:ext uri="{91240B29-F687-4f45-9708-019B960494DF}">
-                <a14:hiddenLine xmlns:a14="http://schemas.microsoft.com/office/drawing/2010/main" xmlns="" w="9525">
+                <a14:hiddenLine xmlns="" xmlns:a14="http://schemas.microsoft.com/office/drawing/2010/main" w="9525">
                   <a:solidFill>
                     <a:schemeClr val="tx1"/>
                   </a:solidFill>
@@ -3153,7 +3151,7 @@
                 </a14:hiddenLine>
               </a:ext>
               <a:ext uri="{AF507438-7753-43e0-B8FC-AC1667EBCBE1}">
-                <a14:hiddenEffects xmlns:a14="http://schemas.microsoft.com/office/drawing/2010/main" xmlns="">
+                <a14:hiddenEffects xmlns="" xmlns:a14="http://schemas.microsoft.com/office/drawing/2010/main">
                   <a:effectLst>
                     <a:outerShdw blurRad="63500" dist="38099" dir="2700000" algn="ctr" rotWithShape="0">
                       <a:schemeClr val="bg2">
@@ -3198,7 +3196,7 @@
             <a:effectLst/>
             <a:extLst>
               <a:ext uri="{91240B29-F687-4f45-9708-019B960494DF}">
-                <a14:hiddenLine xmlns:a14="http://schemas.microsoft.com/office/drawing/2010/main" xmlns="" w="9525">
+                <a14:hiddenLine xmlns="" xmlns:a14="http://schemas.microsoft.com/office/drawing/2010/main" w="9525">
                   <a:solidFill>
                     <a:schemeClr val="tx1"/>
                   </a:solidFill>
@@ -3208,7 +3206,7 @@
                 </a14:hiddenLine>
               </a:ext>
               <a:ext uri="{AF507438-7753-43e0-B8FC-AC1667EBCBE1}">
-                <a14:hiddenEffects xmlns:a14="http://schemas.microsoft.com/office/drawing/2010/main" xmlns="">
+                <a14:hiddenEffects xmlns="" xmlns:a14="http://schemas.microsoft.com/office/drawing/2010/main">
                   <a:effectLst>
                     <a:outerShdw blurRad="63500" dist="38099" dir="2700000" algn="ctr" rotWithShape="0">
                       <a:schemeClr val="bg2">
@@ -3253,7 +3251,7 @@
             <a:effectLst/>
             <a:extLst>
               <a:ext uri="{91240B29-F687-4f45-9708-019B960494DF}">
-                <a14:hiddenLine xmlns:a14="http://schemas.microsoft.com/office/drawing/2010/main" xmlns="" w="9525">
+                <a14:hiddenLine xmlns="" xmlns:a14="http://schemas.microsoft.com/office/drawing/2010/main" w="9525">
                   <a:solidFill>
                     <a:schemeClr val="tx1"/>
                   </a:solidFill>
@@ -3263,7 +3261,7 @@
                 </a14:hiddenLine>
               </a:ext>
               <a:ext uri="{AF507438-7753-43e0-B8FC-AC1667EBCBE1}">
-                <a14:hiddenEffects xmlns:a14="http://schemas.microsoft.com/office/drawing/2010/main" xmlns="">
+                <a14:hiddenEffects xmlns="" xmlns:a14="http://schemas.microsoft.com/office/drawing/2010/main">
                   <a:effectLst>
                     <a:outerShdw blurRad="63500" dist="38099" dir="2700000" algn="ctr" rotWithShape="0">
                       <a:schemeClr val="bg2">
@@ -3308,7 +3306,7 @@
             <a:effectLst/>
             <a:extLst>
               <a:ext uri="{91240B29-F687-4f45-9708-019B960494DF}">
-                <a14:hiddenLine xmlns:a14="http://schemas.microsoft.com/office/drawing/2010/main" xmlns="" w="9525">
+                <a14:hiddenLine xmlns="" xmlns:a14="http://schemas.microsoft.com/office/drawing/2010/main" w="9525">
                   <a:solidFill>
                     <a:schemeClr val="tx1"/>
                   </a:solidFill>
@@ -3318,7 +3316,7 @@
                 </a14:hiddenLine>
               </a:ext>
               <a:ext uri="{AF507438-7753-43e0-B8FC-AC1667EBCBE1}">
-                <a14:hiddenEffects xmlns:a14="http://schemas.microsoft.com/office/drawing/2010/main" xmlns="">
+                <a14:hiddenEffects xmlns="" xmlns:a14="http://schemas.microsoft.com/office/drawing/2010/main">
                   <a:effectLst>
                     <a:outerShdw blurRad="63500" dist="38099" dir="2700000" algn="ctr" rotWithShape="0">
                       <a:schemeClr val="bg2">
@@ -3363,7 +3361,7 @@
             <a:effectLst/>
             <a:extLst>
               <a:ext uri="{91240B29-F687-4f45-9708-019B960494DF}">
-                <a14:hiddenLine xmlns:a14="http://schemas.microsoft.com/office/drawing/2010/main" xmlns="" w="9525">
+                <a14:hiddenLine xmlns="" xmlns:a14="http://schemas.microsoft.com/office/drawing/2010/main" w="9525">
                   <a:solidFill>
                     <a:schemeClr val="tx1"/>
                   </a:solidFill>
@@ -3373,7 +3371,7 @@
                 </a14:hiddenLine>
               </a:ext>
               <a:ext uri="{AF507438-7753-43e0-B8FC-AC1667EBCBE1}">
-                <a14:hiddenEffects xmlns:a14="http://schemas.microsoft.com/office/drawing/2010/main" xmlns="">
+                <a14:hiddenEffects xmlns="" xmlns:a14="http://schemas.microsoft.com/office/drawing/2010/main">
                   <a:effectLst>
                     <a:outerShdw blurRad="63500" dist="38099" dir="2700000" algn="ctr" rotWithShape="0">
                       <a:schemeClr val="bg2">
@@ -3418,7 +3416,7 @@
             <a:effectLst/>
             <a:extLst>
               <a:ext uri="{91240B29-F687-4f45-9708-019B960494DF}">
-                <a14:hiddenLine xmlns:a14="http://schemas.microsoft.com/office/drawing/2010/main" xmlns="" w="9525">
+                <a14:hiddenLine xmlns="" xmlns:a14="http://schemas.microsoft.com/office/drawing/2010/main" w="9525">
                   <a:solidFill>
                     <a:schemeClr val="tx1"/>
                   </a:solidFill>
@@ -3428,7 +3426,7 @@
                 </a14:hiddenLine>
               </a:ext>
               <a:ext uri="{AF507438-7753-43e0-B8FC-AC1667EBCBE1}">
-                <a14:hiddenEffects xmlns:a14="http://schemas.microsoft.com/office/drawing/2010/main" xmlns="">
+                <a14:hiddenEffects xmlns="" xmlns:a14="http://schemas.microsoft.com/office/drawing/2010/main">
                   <a:effectLst>
                     <a:outerShdw blurRad="63500" dist="38099" dir="2700000" algn="ctr" rotWithShape="0">
                       <a:schemeClr val="bg2">
@@ -3473,7 +3471,7 @@
             <a:effectLst/>
             <a:extLst>
               <a:ext uri="{91240B29-F687-4f45-9708-019B960494DF}">
-                <a14:hiddenLine xmlns:a14="http://schemas.microsoft.com/office/drawing/2010/main" xmlns="" w="9525">
+                <a14:hiddenLine xmlns="" xmlns:a14="http://schemas.microsoft.com/office/drawing/2010/main" w="9525">
                   <a:solidFill>
                     <a:schemeClr val="tx1"/>
                   </a:solidFill>
@@ -3483,7 +3481,7 @@
                 </a14:hiddenLine>
               </a:ext>
               <a:ext uri="{AF507438-7753-43e0-B8FC-AC1667EBCBE1}">
-                <a14:hiddenEffects xmlns:a14="http://schemas.microsoft.com/office/drawing/2010/main" xmlns="">
+                <a14:hiddenEffects xmlns="" xmlns:a14="http://schemas.microsoft.com/office/drawing/2010/main">
                   <a:effectLst>
                     <a:outerShdw blurRad="63500" dist="38099" dir="2700000" algn="ctr" rotWithShape="0">
                       <a:schemeClr val="bg2">
@@ -3528,7 +3526,7 @@
             <a:effectLst/>
             <a:extLst>
               <a:ext uri="{91240B29-F687-4f45-9708-019B960494DF}">
-                <a14:hiddenLine xmlns:a14="http://schemas.microsoft.com/office/drawing/2010/main" xmlns="" w="9525">
+                <a14:hiddenLine xmlns="" xmlns:a14="http://schemas.microsoft.com/office/drawing/2010/main" w="9525">
                   <a:solidFill>
                     <a:schemeClr val="tx1"/>
                   </a:solidFill>
@@ -3538,7 +3536,7 @@
                 </a14:hiddenLine>
               </a:ext>
               <a:ext uri="{AF507438-7753-43e0-B8FC-AC1667EBCBE1}">
-                <a14:hiddenEffects xmlns:a14="http://schemas.microsoft.com/office/drawing/2010/main" xmlns="">
+                <a14:hiddenEffects xmlns="" xmlns:a14="http://schemas.microsoft.com/office/drawing/2010/main">
                   <a:effectLst>
                     <a:outerShdw blurRad="63500" dist="38099" dir="2700000" algn="ctr" rotWithShape="0">
                       <a:schemeClr val="bg2">
@@ -3583,7 +3581,7 @@
             <a:effectLst/>
             <a:extLst>
               <a:ext uri="{91240B29-F687-4f45-9708-019B960494DF}">
-                <a14:hiddenLine xmlns:a14="http://schemas.microsoft.com/office/drawing/2010/main" xmlns="" w="9525">
+                <a14:hiddenLine xmlns="" xmlns:a14="http://schemas.microsoft.com/office/drawing/2010/main" w="9525">
                   <a:solidFill>
                     <a:schemeClr val="tx1"/>
                   </a:solidFill>
@@ -3593,7 +3591,7 @@
                 </a14:hiddenLine>
               </a:ext>
               <a:ext uri="{AF507438-7753-43e0-B8FC-AC1667EBCBE1}">
-                <a14:hiddenEffects xmlns:a14="http://schemas.microsoft.com/office/drawing/2010/main" xmlns="">
+                <a14:hiddenEffects xmlns="" xmlns:a14="http://schemas.microsoft.com/office/drawing/2010/main">
                   <a:effectLst>
                     <a:outerShdw blurRad="63500" dist="38099" dir="2700000" algn="ctr" rotWithShape="0">
                       <a:schemeClr val="bg2">
@@ -3638,7 +3636,7 @@
             <a:effectLst/>
             <a:extLst>
               <a:ext uri="{91240B29-F687-4f45-9708-019B960494DF}">
-                <a14:hiddenLine xmlns:a14="http://schemas.microsoft.com/office/drawing/2010/main" xmlns="" w="9525">
+                <a14:hiddenLine xmlns="" xmlns:a14="http://schemas.microsoft.com/office/drawing/2010/main" w="9525">
                   <a:solidFill>
                     <a:schemeClr val="tx1"/>
                   </a:solidFill>
@@ -3648,7 +3646,7 @@
                 </a14:hiddenLine>
               </a:ext>
               <a:ext uri="{AF507438-7753-43e0-B8FC-AC1667EBCBE1}">
-                <a14:hiddenEffects xmlns:a14="http://schemas.microsoft.com/office/drawing/2010/main" xmlns="">
+                <a14:hiddenEffects xmlns="" xmlns:a14="http://schemas.microsoft.com/office/drawing/2010/main">
                   <a:effectLst>
                     <a:outerShdw blurRad="63500" dist="38099" dir="2700000" algn="ctr" rotWithShape="0">
                       <a:schemeClr val="bg2">
@@ -3693,7 +3691,7 @@
             <a:effectLst/>
             <a:extLst>
               <a:ext uri="{91240B29-F687-4f45-9708-019B960494DF}">
-                <a14:hiddenLine xmlns:a14="http://schemas.microsoft.com/office/drawing/2010/main" xmlns="" w="9525">
+                <a14:hiddenLine xmlns="" xmlns:a14="http://schemas.microsoft.com/office/drawing/2010/main" w="9525">
                   <a:solidFill>
                     <a:schemeClr val="tx1"/>
                   </a:solidFill>
@@ -3703,7 +3701,7 @@
                 </a14:hiddenLine>
               </a:ext>
               <a:ext uri="{AF507438-7753-43e0-B8FC-AC1667EBCBE1}">
-                <a14:hiddenEffects xmlns:a14="http://schemas.microsoft.com/office/drawing/2010/main" xmlns="">
+                <a14:hiddenEffects xmlns="" xmlns:a14="http://schemas.microsoft.com/office/drawing/2010/main">
                   <a:effectLst>
                     <a:outerShdw blurRad="63500" dist="38099" dir="2700000" algn="ctr" rotWithShape="0">
                       <a:schemeClr val="bg2">
@@ -3748,7 +3746,7 @@
             <a:effectLst/>
             <a:extLst>
               <a:ext uri="{91240B29-F687-4f45-9708-019B960494DF}">
-                <a14:hiddenLine xmlns:a14="http://schemas.microsoft.com/office/drawing/2010/main" xmlns="" w="9525">
+                <a14:hiddenLine xmlns="" xmlns:a14="http://schemas.microsoft.com/office/drawing/2010/main" w="9525">
                   <a:solidFill>
                     <a:schemeClr val="tx1"/>
                   </a:solidFill>
@@ -3758,7 +3756,7 @@
                 </a14:hiddenLine>
               </a:ext>
               <a:ext uri="{AF507438-7753-43e0-B8FC-AC1667EBCBE1}">
-                <a14:hiddenEffects xmlns:a14="http://schemas.microsoft.com/office/drawing/2010/main" xmlns="">
+                <a14:hiddenEffects xmlns="" xmlns:a14="http://schemas.microsoft.com/office/drawing/2010/main">
                   <a:effectLst>
                     <a:outerShdw blurRad="63500" dist="38099" dir="2700000" algn="ctr" rotWithShape="0">
                       <a:schemeClr val="bg2">
@@ -3803,7 +3801,7 @@
             <a:effectLst/>
             <a:extLst>
               <a:ext uri="{91240B29-F687-4f45-9708-019B960494DF}">
-                <a14:hiddenLine xmlns:a14="http://schemas.microsoft.com/office/drawing/2010/main" xmlns="" w="9525">
+                <a14:hiddenLine xmlns="" xmlns:a14="http://schemas.microsoft.com/office/drawing/2010/main" w="9525">
                   <a:solidFill>
                     <a:schemeClr val="tx1"/>
                   </a:solidFill>
@@ -3813,7 +3811,7 @@
                 </a14:hiddenLine>
               </a:ext>
               <a:ext uri="{AF507438-7753-43e0-B8FC-AC1667EBCBE1}">
-                <a14:hiddenEffects xmlns:a14="http://schemas.microsoft.com/office/drawing/2010/main" xmlns="">
+                <a14:hiddenEffects xmlns="" xmlns:a14="http://schemas.microsoft.com/office/drawing/2010/main">
                   <a:effectLst>
                     <a:outerShdw blurRad="63500" dist="38099" dir="2700000" algn="ctr" rotWithShape="0">
                       <a:schemeClr val="bg2">
@@ -3858,7 +3856,7 @@
             <a:effectLst/>
             <a:extLst>
               <a:ext uri="{91240B29-F687-4f45-9708-019B960494DF}">
-                <a14:hiddenLine xmlns:a14="http://schemas.microsoft.com/office/drawing/2010/main" xmlns="" w="9525">
+                <a14:hiddenLine xmlns="" xmlns:a14="http://schemas.microsoft.com/office/drawing/2010/main" w="9525">
                   <a:solidFill>
                     <a:schemeClr val="tx1"/>
                   </a:solidFill>
@@ -3868,7 +3866,7 @@
                 </a14:hiddenLine>
               </a:ext>
               <a:ext uri="{AF507438-7753-43e0-B8FC-AC1667EBCBE1}">
-                <a14:hiddenEffects xmlns:a14="http://schemas.microsoft.com/office/drawing/2010/main" xmlns="">
+                <a14:hiddenEffects xmlns="" xmlns:a14="http://schemas.microsoft.com/office/drawing/2010/main">
                   <a:effectLst>
                     <a:outerShdw blurRad="63500" dist="38099" dir="2700000" algn="ctr" rotWithShape="0">
                       <a:schemeClr val="bg2">
@@ -3913,7 +3911,7 @@
             <a:effectLst/>
             <a:extLst>
               <a:ext uri="{91240B29-F687-4f45-9708-019B960494DF}">
-                <a14:hiddenLine xmlns:a14="http://schemas.microsoft.com/office/drawing/2010/main" xmlns="" w="9525">
+                <a14:hiddenLine xmlns="" xmlns:a14="http://schemas.microsoft.com/office/drawing/2010/main" w="9525">
                   <a:solidFill>
                     <a:schemeClr val="tx1"/>
                   </a:solidFill>
@@ -3923,7 +3921,7 @@
                 </a14:hiddenLine>
               </a:ext>
               <a:ext uri="{AF507438-7753-43e0-B8FC-AC1667EBCBE1}">
-                <a14:hiddenEffects xmlns:a14="http://schemas.microsoft.com/office/drawing/2010/main" xmlns="">
+                <a14:hiddenEffects xmlns="" xmlns:a14="http://schemas.microsoft.com/office/drawing/2010/main">
                   <a:effectLst>
                     <a:outerShdw blurRad="63500" dist="38099" dir="2700000" algn="ctr" rotWithShape="0">
                       <a:schemeClr val="bg2">
@@ -3968,7 +3966,7 @@
             <a:effectLst/>
             <a:extLst>
               <a:ext uri="{91240B29-F687-4f45-9708-019B960494DF}">
-                <a14:hiddenLine xmlns:a14="http://schemas.microsoft.com/office/drawing/2010/main" xmlns="" w="9525">
+                <a14:hiddenLine xmlns="" xmlns:a14="http://schemas.microsoft.com/office/drawing/2010/main" w="9525">
                   <a:solidFill>
                     <a:schemeClr val="tx1"/>
                   </a:solidFill>
@@ -3978,7 +3976,7 @@
                 </a14:hiddenLine>
               </a:ext>
               <a:ext uri="{AF507438-7753-43e0-B8FC-AC1667EBCBE1}">
-                <a14:hiddenEffects xmlns:a14="http://schemas.microsoft.com/office/drawing/2010/main" xmlns="">
+                <a14:hiddenEffects xmlns="" xmlns:a14="http://schemas.microsoft.com/office/drawing/2010/main">
                   <a:effectLst>
                     <a:outerShdw blurRad="63500" dist="38099" dir="2700000" algn="ctr" rotWithShape="0">
                       <a:schemeClr val="bg2">
@@ -4023,7 +4021,7 @@
             <a:effectLst/>
             <a:extLst>
               <a:ext uri="{91240B29-F687-4f45-9708-019B960494DF}">
-                <a14:hiddenLine xmlns:a14="http://schemas.microsoft.com/office/drawing/2010/main" xmlns="" w="9525">
+                <a14:hiddenLine xmlns="" xmlns:a14="http://schemas.microsoft.com/office/drawing/2010/main" w="9525">
                   <a:solidFill>
                     <a:schemeClr val="tx1"/>
                   </a:solidFill>
@@ -4033,7 +4031,7 @@
                 </a14:hiddenLine>
               </a:ext>
               <a:ext uri="{AF507438-7753-43e0-B8FC-AC1667EBCBE1}">
-                <a14:hiddenEffects xmlns:a14="http://schemas.microsoft.com/office/drawing/2010/main" xmlns="">
+                <a14:hiddenEffects xmlns="" xmlns:a14="http://schemas.microsoft.com/office/drawing/2010/main">
                   <a:effectLst>
                     <a:outerShdw blurRad="63500" dist="38099" dir="2700000" algn="ctr" rotWithShape="0">
                       <a:schemeClr val="bg2">
@@ -4078,7 +4076,7 @@
             <a:effectLst/>
             <a:extLst>
               <a:ext uri="{91240B29-F687-4f45-9708-019B960494DF}">
-                <a14:hiddenLine xmlns:a14="http://schemas.microsoft.com/office/drawing/2010/main" xmlns="" w="9525">
+                <a14:hiddenLine xmlns="" xmlns:a14="http://schemas.microsoft.com/office/drawing/2010/main" w="9525">
                   <a:solidFill>
                     <a:schemeClr val="tx1"/>
                   </a:solidFill>
@@ -4088,7 +4086,7 @@
                 </a14:hiddenLine>
               </a:ext>
               <a:ext uri="{AF507438-7753-43e0-B8FC-AC1667EBCBE1}">
-                <a14:hiddenEffects xmlns:a14="http://schemas.microsoft.com/office/drawing/2010/main" xmlns="">
+                <a14:hiddenEffects xmlns="" xmlns:a14="http://schemas.microsoft.com/office/drawing/2010/main">
                   <a:effectLst>
                     <a:outerShdw blurRad="63500" dist="38099" dir="2700000" algn="ctr" rotWithShape="0">
                       <a:schemeClr val="bg2">
@@ -4133,7 +4131,7 @@
             <a:effectLst/>
             <a:extLst>
               <a:ext uri="{91240B29-F687-4f45-9708-019B960494DF}">
-                <a14:hiddenLine xmlns:a14="http://schemas.microsoft.com/office/drawing/2010/main" xmlns="" w="9525">
+                <a14:hiddenLine xmlns="" xmlns:a14="http://schemas.microsoft.com/office/drawing/2010/main" w="9525">
                   <a:solidFill>
                     <a:schemeClr val="tx1"/>
                   </a:solidFill>
@@ -4143,7 +4141,7 @@
                 </a14:hiddenLine>
               </a:ext>
               <a:ext uri="{AF507438-7753-43e0-B8FC-AC1667EBCBE1}">
-                <a14:hiddenEffects xmlns:a14="http://schemas.microsoft.com/office/drawing/2010/main" xmlns="">
+                <a14:hiddenEffects xmlns="" xmlns:a14="http://schemas.microsoft.com/office/drawing/2010/main">
                   <a:effectLst>
                     <a:outerShdw blurRad="63500" dist="38099" dir="2700000" algn="ctr" rotWithShape="0">
                       <a:schemeClr val="bg2">
@@ -4188,7 +4186,7 @@
             <a:effectLst/>
             <a:extLst>
               <a:ext uri="{91240B29-F687-4f45-9708-019B960494DF}">
-                <a14:hiddenLine xmlns:a14="http://schemas.microsoft.com/office/drawing/2010/main" xmlns="" w="9525">
+                <a14:hiddenLine xmlns="" xmlns:a14="http://schemas.microsoft.com/office/drawing/2010/main" w="9525">
                   <a:solidFill>
                     <a:schemeClr val="tx1"/>
                   </a:solidFill>
@@ -4198,7 +4196,7 @@
                 </a14:hiddenLine>
               </a:ext>
               <a:ext uri="{AF507438-7753-43e0-B8FC-AC1667EBCBE1}">
-                <a14:hiddenEffects xmlns:a14="http://schemas.microsoft.com/office/drawing/2010/main" xmlns="">
+                <a14:hiddenEffects xmlns="" xmlns:a14="http://schemas.microsoft.com/office/drawing/2010/main">
                   <a:effectLst>
                     <a:outerShdw blurRad="63500" dist="38099" dir="2700000" algn="ctr" rotWithShape="0">
                       <a:schemeClr val="bg2">
@@ -4243,7 +4241,7 @@
             <a:effectLst/>
             <a:extLst>
               <a:ext uri="{91240B29-F687-4f45-9708-019B960494DF}">
-                <a14:hiddenLine xmlns:a14="http://schemas.microsoft.com/office/drawing/2010/main" xmlns="" w="9525">
+                <a14:hiddenLine xmlns="" xmlns:a14="http://schemas.microsoft.com/office/drawing/2010/main" w="9525">
                   <a:solidFill>
                     <a:schemeClr val="tx1"/>
                   </a:solidFill>
@@ -4253,7 +4251,7 @@
                 </a14:hiddenLine>
               </a:ext>
               <a:ext uri="{AF507438-7753-43e0-B8FC-AC1667EBCBE1}">
-                <a14:hiddenEffects xmlns:a14="http://schemas.microsoft.com/office/drawing/2010/main" xmlns="">
+                <a14:hiddenEffects xmlns="" xmlns:a14="http://schemas.microsoft.com/office/drawing/2010/main">
                   <a:effectLst>
                     <a:outerShdw blurRad="63500" dist="38099" dir="2700000" algn="ctr" rotWithShape="0">
                       <a:schemeClr val="bg2">
@@ -4298,7 +4296,7 @@
             <a:effectLst/>
             <a:extLst>
               <a:ext uri="{91240B29-F687-4f45-9708-019B960494DF}">
-                <a14:hiddenLine xmlns:a14="http://schemas.microsoft.com/office/drawing/2010/main" xmlns="" w="9525">
+                <a14:hiddenLine xmlns="" xmlns:a14="http://schemas.microsoft.com/office/drawing/2010/main" w="9525">
                   <a:solidFill>
                     <a:schemeClr val="tx1"/>
                   </a:solidFill>
@@ -4308,7 +4306,7 @@
                 </a14:hiddenLine>
               </a:ext>
               <a:ext uri="{AF507438-7753-43e0-B8FC-AC1667EBCBE1}">
-                <a14:hiddenEffects xmlns:a14="http://schemas.microsoft.com/office/drawing/2010/main" xmlns="">
+                <a14:hiddenEffects xmlns="" xmlns:a14="http://schemas.microsoft.com/office/drawing/2010/main">
                   <a:effectLst>
                     <a:outerShdw blurRad="63500" dist="38099" dir="2700000" algn="ctr" rotWithShape="0">
                       <a:schemeClr val="bg2">
@@ -4353,7 +4351,7 @@
             <a:effectLst/>
             <a:extLst>
               <a:ext uri="{91240B29-F687-4f45-9708-019B960494DF}">
-                <a14:hiddenLine xmlns:a14="http://schemas.microsoft.com/office/drawing/2010/main" xmlns="" w="9525">
+                <a14:hiddenLine xmlns="" xmlns:a14="http://schemas.microsoft.com/office/drawing/2010/main" w="9525">
                   <a:solidFill>
                     <a:schemeClr val="tx1"/>
                   </a:solidFill>
@@ -4363,7 +4361,7 @@
                 </a14:hiddenLine>
               </a:ext>
               <a:ext uri="{AF507438-7753-43e0-B8FC-AC1667EBCBE1}">
-                <a14:hiddenEffects xmlns:a14="http://schemas.microsoft.com/office/drawing/2010/main" xmlns="">
+                <a14:hiddenEffects xmlns="" xmlns:a14="http://schemas.microsoft.com/office/drawing/2010/main">
                   <a:effectLst>
                     <a:outerShdw blurRad="63500" dist="38099" dir="2700000" algn="ctr" rotWithShape="0">
                       <a:schemeClr val="bg2">
@@ -4408,7 +4406,7 @@
             <a:effectLst/>
             <a:extLst>
               <a:ext uri="{91240B29-F687-4f45-9708-019B960494DF}">
-                <a14:hiddenLine xmlns:a14="http://schemas.microsoft.com/office/drawing/2010/main" xmlns="" w="9525">
+                <a14:hiddenLine xmlns="" xmlns:a14="http://schemas.microsoft.com/office/drawing/2010/main" w="9525">
                   <a:solidFill>
                     <a:schemeClr val="tx1"/>
                   </a:solidFill>
@@ -4418,7 +4416,7 @@
                 </a14:hiddenLine>
               </a:ext>
               <a:ext uri="{AF507438-7753-43e0-B8FC-AC1667EBCBE1}">
-                <a14:hiddenEffects xmlns:a14="http://schemas.microsoft.com/office/drawing/2010/main" xmlns="">
+                <a14:hiddenEffects xmlns="" xmlns:a14="http://schemas.microsoft.com/office/drawing/2010/main">
                   <a:effectLst>
                     <a:outerShdw blurRad="63500" dist="38099" dir="2700000" algn="ctr" rotWithShape="0">
                       <a:schemeClr val="bg2">
@@ -4463,7 +4461,7 @@
             <a:effectLst/>
             <a:extLst>
               <a:ext uri="{91240B29-F687-4f45-9708-019B960494DF}">
-                <a14:hiddenLine xmlns:a14="http://schemas.microsoft.com/office/drawing/2010/main" xmlns="" w="9525">
+                <a14:hiddenLine xmlns="" xmlns:a14="http://schemas.microsoft.com/office/drawing/2010/main" w="9525">
                   <a:solidFill>
                     <a:schemeClr val="tx1"/>
                   </a:solidFill>
@@ -4473,7 +4471,7 @@
                 </a14:hiddenLine>
               </a:ext>
               <a:ext uri="{AF507438-7753-43e0-B8FC-AC1667EBCBE1}">
-                <a14:hiddenEffects xmlns:a14="http://schemas.microsoft.com/office/drawing/2010/main" xmlns="">
+                <a14:hiddenEffects xmlns="" xmlns:a14="http://schemas.microsoft.com/office/drawing/2010/main">
                   <a:effectLst>
                     <a:outerShdw blurRad="63500" dist="38099" dir="2700000" algn="ctr" rotWithShape="0">
                       <a:schemeClr val="bg2">
@@ -4522,12 +4520,12 @@
           <a:effectLst/>
           <a:extLst>
             <a:ext uri="{909E8E84-426E-40dd-AFC4-6F175D3DCCD1}">
-              <a14:hiddenFill xmlns:a14="http://schemas.microsoft.com/office/drawing/2010/main" xmlns="">
+              <a14:hiddenFill xmlns="" xmlns:a14="http://schemas.microsoft.com/office/drawing/2010/main">
                 <a:noFill/>
               </a14:hiddenFill>
             </a:ext>
             <a:ext uri="{AF507438-7753-43e0-B8FC-AC1667EBCBE1}">
-              <a14:hiddenEffects xmlns:a14="http://schemas.microsoft.com/office/drawing/2010/main" xmlns="">
+              <a14:hiddenEffects xmlns="" xmlns:a14="http://schemas.microsoft.com/office/drawing/2010/main">
                 <a:effectLst>
                   <a:outerShdw blurRad="63500" dist="38099" dir="2700000" algn="ctr" rotWithShape="0">
                     <a:schemeClr val="bg2">
@@ -4552,13 +4550,6 @@
   <p:clrMapOvr>
     <a:masterClrMapping/>
   </p:clrMapOvr>
-  <p:timing>
-    <p:tnLst>
-      <p:par>
-        <p:cTn id="1" dur="indefinite" restart="never" nodeType="tmRoot"/>
-      </p:par>
-    </p:tnLst>
-  </p:timing>
 </p:sldLayout>
 </file>
 
@@ -4595,10 +4586,9 @@
           <a:lstStyle/>
           <a:p>
             <a:r>
-              <a:rPr lang="en-US" smtClean="0"/>
+              <a:rPr lang="en-US"/>
               <a:t>Click to edit Master title style</a:t>
             </a:r>
-            <a:endParaRPr lang="en-US"/>
           </a:p>
         </p:txBody>
       </p:sp>
@@ -4619,38 +4609,37 @@
           <a:p>
             <a:pPr lvl="0"/>
             <a:r>
-              <a:rPr lang="en-US" smtClean="0"/>
+              <a:rPr lang="en-US"/>
               <a:t>Click to edit Master text styles</a:t>
             </a:r>
           </a:p>
           <a:p>
             <a:pPr lvl="1"/>
             <a:r>
-              <a:rPr lang="en-US" smtClean="0"/>
+              <a:rPr lang="en-US"/>
               <a:t>Second level</a:t>
             </a:r>
           </a:p>
           <a:p>
             <a:pPr lvl="2"/>
             <a:r>
-              <a:rPr lang="en-US" smtClean="0"/>
+              <a:rPr lang="en-US"/>
               <a:t>Third level</a:t>
             </a:r>
           </a:p>
           <a:p>
             <a:pPr lvl="3"/>
             <a:r>
-              <a:rPr lang="en-US" smtClean="0"/>
+              <a:rPr lang="en-US"/>
               <a:t>Fourth level</a:t>
             </a:r>
           </a:p>
           <a:p>
             <a:pPr lvl="4"/>
             <a:r>
-              <a:rPr lang="en-US" smtClean="0"/>
+              <a:rPr lang="en-US"/>
               <a:t>Fifth level</a:t>
             </a:r>
-            <a:endParaRPr lang="en-US"/>
           </a:p>
         </p:txBody>
       </p:sp>
@@ -4779,10 +4768,9 @@
           <a:lstStyle/>
           <a:p>
             <a:r>
-              <a:rPr lang="en-US" smtClean="0"/>
+              <a:rPr lang="en-US"/>
               <a:t>Click to edit Master title style</a:t>
             </a:r>
-            <a:endParaRPr lang="en-US"/>
           </a:p>
         </p:txBody>
       </p:sp>
@@ -4808,38 +4796,37 @@
           <a:p>
             <a:pPr lvl="0"/>
             <a:r>
-              <a:rPr lang="en-US" smtClean="0"/>
+              <a:rPr lang="en-US"/>
               <a:t>Click to edit Master text styles</a:t>
             </a:r>
           </a:p>
           <a:p>
             <a:pPr lvl="1"/>
             <a:r>
-              <a:rPr lang="en-US" smtClean="0"/>
+              <a:rPr lang="en-US"/>
               <a:t>Second level</a:t>
             </a:r>
           </a:p>
           <a:p>
             <a:pPr lvl="2"/>
             <a:r>
-              <a:rPr lang="en-US" smtClean="0"/>
+              <a:rPr lang="en-US"/>
               <a:t>Third level</a:t>
             </a:r>
           </a:p>
           <a:p>
             <a:pPr lvl="3"/>
             <a:r>
-              <a:rPr lang="en-US" smtClean="0"/>
+              <a:rPr lang="en-US"/>
               <a:t>Fourth level</a:t>
             </a:r>
           </a:p>
           <a:p>
             <a:pPr lvl="4"/>
             <a:r>
-              <a:rPr lang="en-US" smtClean="0"/>
+              <a:rPr lang="en-US"/>
               <a:t>Fifth level</a:t>
             </a:r>
-            <a:endParaRPr lang="en-US"/>
           </a:p>
         </p:txBody>
       </p:sp>
@@ -4963,10 +4950,9 @@
           <a:lstStyle/>
           <a:p>
             <a:r>
-              <a:rPr lang="en-US" smtClean="0"/>
+              <a:rPr lang="en-US"/>
               <a:t>Click to edit Master title style</a:t>
             </a:r>
-            <a:endParaRPr lang="en-US"/>
           </a:p>
         </p:txBody>
       </p:sp>
@@ -4987,38 +4973,37 @@
           <a:p>
             <a:pPr lvl="0"/>
             <a:r>
-              <a:rPr lang="en-US" smtClean="0"/>
+              <a:rPr lang="en-US"/>
               <a:t>Click to edit Master text styles</a:t>
             </a:r>
           </a:p>
           <a:p>
             <a:pPr lvl="1"/>
             <a:r>
-              <a:rPr lang="en-US" smtClean="0"/>
+              <a:rPr lang="en-US"/>
               <a:t>Second level</a:t>
             </a:r>
           </a:p>
           <a:p>
             <a:pPr lvl="2"/>
             <a:r>
-              <a:rPr lang="en-US" smtClean="0"/>
+              <a:rPr lang="en-US"/>
               <a:t>Third level</a:t>
             </a:r>
           </a:p>
           <a:p>
             <a:pPr lvl="3"/>
             <a:r>
-              <a:rPr lang="en-US" smtClean="0"/>
+              <a:rPr lang="en-US"/>
               <a:t>Fourth level</a:t>
             </a:r>
           </a:p>
           <a:p>
             <a:pPr lvl="4"/>
             <a:r>
-              <a:rPr lang="en-US" smtClean="0"/>
+              <a:rPr lang="en-US"/>
               <a:t>Fifth level</a:t>
             </a:r>
-            <a:endParaRPr lang="en-US"/>
           </a:p>
         </p:txBody>
       </p:sp>
@@ -5151,10 +5136,9 @@
           </a:lstStyle>
           <a:p>
             <a:r>
-              <a:rPr lang="en-US" smtClean="0"/>
+              <a:rPr lang="en-US"/>
               <a:t>Click to edit Master title style</a:t>
             </a:r>
-            <a:endParaRPr lang="en-US"/>
           </a:p>
         </p:txBody>
       </p:sp>
@@ -5217,7 +5201,7 @@
           <a:p>
             <a:pPr lvl="0"/>
             <a:r>
-              <a:rPr lang="en-US" smtClean="0"/>
+              <a:rPr lang="en-US"/>
               <a:t>Click to edit Master text styles</a:t>
             </a:r>
           </a:p>
@@ -5343,10 +5327,9 @@
           <a:lstStyle/>
           <a:p>
             <a:r>
-              <a:rPr lang="en-US" smtClean="0"/>
+              <a:rPr lang="en-US"/>
               <a:t>Click to edit Master title style</a:t>
             </a:r>
-            <a:endParaRPr lang="en-US"/>
           </a:p>
         </p:txBody>
       </p:sp>
@@ -5400,38 +5383,37 @@
           <a:p>
             <a:pPr lvl="0"/>
             <a:r>
-              <a:rPr lang="en-US" smtClean="0"/>
+              <a:rPr lang="en-US"/>
               <a:t>Click to edit Master text styles</a:t>
             </a:r>
           </a:p>
           <a:p>
             <a:pPr lvl="1"/>
             <a:r>
-              <a:rPr lang="en-US" smtClean="0"/>
+              <a:rPr lang="en-US"/>
               <a:t>Second level</a:t>
             </a:r>
           </a:p>
           <a:p>
             <a:pPr lvl="2"/>
             <a:r>
-              <a:rPr lang="en-US" smtClean="0"/>
+              <a:rPr lang="en-US"/>
               <a:t>Third level</a:t>
             </a:r>
           </a:p>
           <a:p>
             <a:pPr lvl="3"/>
             <a:r>
-              <a:rPr lang="en-US" smtClean="0"/>
+              <a:rPr lang="en-US"/>
               <a:t>Fourth level</a:t>
             </a:r>
           </a:p>
           <a:p>
             <a:pPr lvl="4"/>
             <a:r>
-              <a:rPr lang="en-US" smtClean="0"/>
+              <a:rPr lang="en-US"/>
               <a:t>Fifth level</a:t>
             </a:r>
-            <a:endParaRPr lang="en-US"/>
           </a:p>
         </p:txBody>
       </p:sp>
@@ -5485,38 +5467,37 @@
           <a:p>
             <a:pPr lvl="0"/>
             <a:r>
-              <a:rPr lang="en-US" smtClean="0"/>
+              <a:rPr lang="en-US"/>
               <a:t>Click to edit Master text styles</a:t>
             </a:r>
           </a:p>
           <a:p>
             <a:pPr lvl="1"/>
             <a:r>
-              <a:rPr lang="en-US" smtClean="0"/>
+              <a:rPr lang="en-US"/>
               <a:t>Second level</a:t>
             </a:r>
           </a:p>
           <a:p>
             <a:pPr lvl="2"/>
             <a:r>
-              <a:rPr lang="en-US" smtClean="0"/>
+              <a:rPr lang="en-US"/>
               <a:t>Third level</a:t>
             </a:r>
           </a:p>
           <a:p>
             <a:pPr lvl="3"/>
             <a:r>
-              <a:rPr lang="en-US" smtClean="0"/>
+              <a:rPr lang="en-US"/>
               <a:t>Fourth level</a:t>
             </a:r>
           </a:p>
           <a:p>
             <a:pPr lvl="4"/>
             <a:r>
-              <a:rPr lang="en-US" smtClean="0"/>
+              <a:rPr lang="en-US"/>
               <a:t>Fifth level</a:t>
             </a:r>
-            <a:endParaRPr lang="en-US"/>
           </a:p>
         </p:txBody>
       </p:sp>
@@ -5649,10 +5630,9 @@
           </a:lstStyle>
           <a:p>
             <a:r>
-              <a:rPr lang="en-US" smtClean="0"/>
+              <a:rPr lang="en-US"/>
               <a:t>Click to edit Master title style</a:t>
             </a:r>
-            <a:endParaRPr lang="en-US"/>
           </a:p>
         </p:txBody>
       </p:sp>
@@ -5715,7 +5695,7 @@
           <a:p>
             <a:pPr lvl="0"/>
             <a:r>
-              <a:rPr lang="en-US" smtClean="0"/>
+              <a:rPr lang="en-US"/>
               <a:t>Click to edit Master text styles</a:t>
             </a:r>
           </a:p>
@@ -5771,38 +5751,37 @@
           <a:p>
             <a:pPr lvl="0"/>
             <a:r>
-              <a:rPr lang="en-US" smtClean="0"/>
+              <a:rPr lang="en-US"/>
               <a:t>Click to edit Master text styles</a:t>
             </a:r>
           </a:p>
           <a:p>
             <a:pPr lvl="1"/>
             <a:r>
-              <a:rPr lang="en-US" smtClean="0"/>
+              <a:rPr lang="en-US"/>
               <a:t>Second level</a:t>
             </a:r>
           </a:p>
           <a:p>
             <a:pPr lvl="2"/>
             <a:r>
-              <a:rPr lang="en-US" smtClean="0"/>
+              <a:rPr lang="en-US"/>
               <a:t>Third level</a:t>
             </a:r>
           </a:p>
           <a:p>
             <a:pPr lvl="3"/>
             <a:r>
-              <a:rPr lang="en-US" smtClean="0"/>
+              <a:rPr lang="en-US"/>
               <a:t>Fourth level</a:t>
             </a:r>
           </a:p>
           <a:p>
             <a:pPr lvl="4"/>
             <a:r>
-              <a:rPr lang="en-US" smtClean="0"/>
+              <a:rPr lang="en-US"/>
               <a:t>Fifth level</a:t>
             </a:r>
-            <a:endParaRPr lang="en-US"/>
           </a:p>
         </p:txBody>
       </p:sp>
@@ -5865,7 +5844,7 @@
           <a:p>
             <a:pPr lvl="0"/>
             <a:r>
-              <a:rPr lang="en-US" smtClean="0"/>
+              <a:rPr lang="en-US"/>
               <a:t>Click to edit Master text styles</a:t>
             </a:r>
           </a:p>
@@ -5921,38 +5900,37 @@
           <a:p>
             <a:pPr lvl="0"/>
             <a:r>
-              <a:rPr lang="en-US" smtClean="0"/>
+              <a:rPr lang="en-US"/>
               <a:t>Click to edit Master text styles</a:t>
             </a:r>
           </a:p>
           <a:p>
             <a:pPr lvl="1"/>
             <a:r>
-              <a:rPr lang="en-US" smtClean="0"/>
+              <a:rPr lang="en-US"/>
               <a:t>Second level</a:t>
             </a:r>
           </a:p>
           <a:p>
             <a:pPr lvl="2"/>
             <a:r>
-              <a:rPr lang="en-US" smtClean="0"/>
+              <a:rPr lang="en-US"/>
               <a:t>Third level</a:t>
             </a:r>
           </a:p>
           <a:p>
             <a:pPr lvl="3"/>
             <a:r>
-              <a:rPr lang="en-US" smtClean="0"/>
+              <a:rPr lang="en-US"/>
               <a:t>Fourth level</a:t>
             </a:r>
           </a:p>
           <a:p>
             <a:pPr lvl="4"/>
             <a:r>
-              <a:rPr lang="en-US" smtClean="0"/>
+              <a:rPr lang="en-US"/>
               <a:t>Fifth level</a:t>
             </a:r>
-            <a:endParaRPr lang="en-US"/>
           </a:p>
         </p:txBody>
       </p:sp>
@@ -6076,10 +6054,9 @@
           <a:lstStyle/>
           <a:p>
             <a:r>
-              <a:rPr lang="en-US" smtClean="0"/>
+              <a:rPr lang="en-US"/>
               <a:t>Click to edit Master title style</a:t>
             </a:r>
-            <a:endParaRPr lang="en-US"/>
           </a:p>
         </p:txBody>
       </p:sp>
@@ -6316,10 +6293,9 @@
           </a:lstStyle>
           <a:p>
             <a:r>
-              <a:rPr lang="en-US" smtClean="0"/>
+              <a:rPr lang="en-US"/>
               <a:t>Click to edit Master title style</a:t>
             </a:r>
-            <a:endParaRPr lang="en-US"/>
           </a:p>
         </p:txBody>
       </p:sp>
@@ -6373,38 +6349,37 @@
           <a:p>
             <a:pPr lvl="0"/>
             <a:r>
-              <a:rPr lang="en-US" smtClean="0"/>
+              <a:rPr lang="en-US"/>
               <a:t>Click to edit Master text styles</a:t>
             </a:r>
           </a:p>
           <a:p>
             <a:pPr lvl="1"/>
             <a:r>
-              <a:rPr lang="en-US" smtClean="0"/>
+              <a:rPr lang="en-US"/>
               <a:t>Second level</a:t>
             </a:r>
           </a:p>
           <a:p>
             <a:pPr lvl="2"/>
             <a:r>
-              <a:rPr lang="en-US" smtClean="0"/>
+              <a:rPr lang="en-US"/>
               <a:t>Third level</a:t>
             </a:r>
           </a:p>
           <a:p>
             <a:pPr lvl="3"/>
             <a:r>
-              <a:rPr lang="en-US" smtClean="0"/>
+              <a:rPr lang="en-US"/>
               <a:t>Fourth level</a:t>
             </a:r>
           </a:p>
           <a:p>
             <a:pPr lvl="4"/>
             <a:r>
-              <a:rPr lang="en-US" smtClean="0"/>
+              <a:rPr lang="en-US"/>
               <a:t>Fifth level</a:t>
             </a:r>
-            <a:endParaRPr lang="en-US"/>
           </a:p>
         </p:txBody>
       </p:sp>
@@ -6467,7 +6442,7 @@
           <a:p>
             <a:pPr lvl="0"/>
             <a:r>
-              <a:rPr lang="en-US" smtClean="0"/>
+              <a:rPr lang="en-US"/>
               <a:t>Click to edit Master text styles</a:t>
             </a:r>
           </a:p>
@@ -6602,10 +6577,9 @@
           </a:lstStyle>
           <a:p>
             <a:r>
-              <a:rPr lang="en-US" smtClean="0"/>
+              <a:rPr lang="en-US"/>
               <a:t>Click to edit Master title style</a:t>
             </a:r>
-            <a:endParaRPr lang="en-US"/>
           </a:p>
         </p:txBody>
       </p:sp>
@@ -6729,7 +6703,7 @@
           <a:p>
             <a:pPr lvl="0"/>
             <a:r>
-              <a:rPr lang="en-US" smtClean="0"/>
+              <a:rPr lang="en-US"/>
               <a:t>Click to edit Master text styles</a:t>
             </a:r>
           </a:p>
@@ -6875,12 +6849,12 @@
           <a:effectLst/>
           <a:extLst>
             <a:ext uri="{909E8E84-426E-40dd-AFC4-6F175D3DCCD1}">
-              <a14:hiddenFill xmlns:a14="http://schemas.microsoft.com/office/drawing/2010/main" xmlns="">
+              <a14:hiddenFill xmlns="" xmlns:a14="http://schemas.microsoft.com/office/drawing/2010/main">
                 <a:noFill/>
               </a14:hiddenFill>
             </a:ext>
             <a:ext uri="{AF507438-7753-43e0-B8FC-AC1667EBCBE1}">
-              <a14:hiddenEffects xmlns:a14="http://schemas.microsoft.com/office/drawing/2010/main" xmlns="">
+              <a14:hiddenEffects xmlns="" xmlns:a14="http://schemas.microsoft.com/office/drawing/2010/main">
                 <a:effectLst>
                   <a:outerShdw blurRad="63500" dist="38099" dir="2700000" algn="ctr" rotWithShape="0">
                     <a:schemeClr val="bg2">
@@ -6925,17 +6899,17 @@
           <a:effectLst/>
           <a:extLst>
             <a:ext uri="{FAA26D3D-D897-4be2-8F04-BA451C77F1D7}">
-              <ma14:placeholderFlag xmlns:ma14="http://schemas.microsoft.com/office/mac/drawingml/2011/main" val="1"/>
+              <ma14:placeholderFlag xmlns:ma14="http://schemas.microsoft.com/office/mac/drawingml/2011/main" xmlns="" val="1"/>
             </a:ext>
             <a:ext uri="{909E8E84-426E-40dd-AFC4-6F175D3DCCD1}">
-              <a14:hiddenFill xmlns:a14="http://schemas.microsoft.com/office/drawing/2010/main" xmlns="">
+              <a14:hiddenFill xmlns="" xmlns:a14="http://schemas.microsoft.com/office/drawing/2010/main">
                 <a:solidFill>
                   <a:schemeClr val="accent1"/>
                 </a:solidFill>
               </a14:hiddenFill>
             </a:ext>
             <a:ext uri="{91240B29-F687-4f45-9708-019B960494DF}">
-              <a14:hiddenLine xmlns:a14="http://schemas.microsoft.com/office/drawing/2010/main" xmlns="" w="9525">
+              <a14:hiddenLine xmlns="" xmlns:a14="http://schemas.microsoft.com/office/drawing/2010/main" w="9525">
                 <a:solidFill>
                   <a:schemeClr val="tx1"/>
                 </a:solidFill>
@@ -6945,7 +6919,7 @@
               </a14:hiddenLine>
             </a:ext>
             <a:ext uri="{AF507438-7753-43e0-B8FC-AC1667EBCBE1}">
-              <a14:hiddenEffects xmlns:a14="http://schemas.microsoft.com/office/drawing/2010/main" xmlns="">
+              <a14:hiddenEffects xmlns="" xmlns:a14="http://schemas.microsoft.com/office/drawing/2010/main">
                 <a:effectLst>
                   <a:outerShdw blurRad="63500" dist="38099" dir="2700000" algn="ctr" rotWithShape="0">
                     <a:schemeClr val="bg2">
@@ -6998,17 +6972,17 @@
           <a:effectLst/>
           <a:extLst>
             <a:ext uri="{FAA26D3D-D897-4be2-8F04-BA451C77F1D7}">
-              <ma14:placeholderFlag xmlns:ma14="http://schemas.microsoft.com/office/mac/drawingml/2011/main" val="1"/>
+              <ma14:placeholderFlag xmlns:ma14="http://schemas.microsoft.com/office/mac/drawingml/2011/main" xmlns="" val="1"/>
             </a:ext>
             <a:ext uri="{909E8E84-426E-40dd-AFC4-6F175D3DCCD1}">
-              <a14:hiddenFill xmlns:a14="http://schemas.microsoft.com/office/drawing/2010/main" xmlns="">
+              <a14:hiddenFill xmlns="" xmlns:a14="http://schemas.microsoft.com/office/drawing/2010/main">
                 <a:solidFill>
                   <a:schemeClr val="accent1"/>
                 </a:solidFill>
               </a14:hiddenFill>
             </a:ext>
             <a:ext uri="{91240B29-F687-4f45-9708-019B960494DF}">
-              <a14:hiddenLine xmlns:a14="http://schemas.microsoft.com/office/drawing/2010/main" xmlns="" w="9525">
+              <a14:hiddenLine xmlns="" xmlns:a14="http://schemas.microsoft.com/office/drawing/2010/main" w="9525">
                 <a:solidFill>
                   <a:schemeClr val="tx1"/>
                 </a:solidFill>
@@ -7018,7 +6992,7 @@
               </a14:hiddenLine>
             </a:ext>
             <a:ext uri="{AF507438-7753-43e0-B8FC-AC1667EBCBE1}">
-              <a14:hiddenEffects xmlns:a14="http://schemas.microsoft.com/office/drawing/2010/main" xmlns="">
+              <a14:hiddenEffects xmlns="" xmlns:a14="http://schemas.microsoft.com/office/drawing/2010/main">
                 <a:effectLst>
                   <a:outerShdw blurRad="63500" dist="38099" dir="2700000" algn="ctr" rotWithShape="0">
                     <a:schemeClr val="bg2">
@@ -7099,17 +7073,17 @@
           <a:effectLst/>
           <a:extLst>
             <a:ext uri="{FAA26D3D-D897-4be2-8F04-BA451C77F1D7}">
-              <ma14:placeholderFlag xmlns:ma14="http://schemas.microsoft.com/office/mac/drawingml/2011/main" val="1"/>
+              <ma14:placeholderFlag xmlns:ma14="http://schemas.microsoft.com/office/mac/drawingml/2011/main" xmlns="" val="1"/>
             </a:ext>
             <a:ext uri="{909E8E84-426E-40dd-AFC4-6F175D3DCCD1}">
-              <a14:hiddenFill xmlns:a14="http://schemas.microsoft.com/office/drawing/2010/main" xmlns="">
+              <a14:hiddenFill xmlns="" xmlns:a14="http://schemas.microsoft.com/office/drawing/2010/main">
                 <a:solidFill>
                   <a:schemeClr val="accent1"/>
                 </a:solidFill>
               </a14:hiddenFill>
             </a:ext>
             <a:ext uri="{91240B29-F687-4f45-9708-019B960494DF}">
-              <a14:hiddenLine xmlns:a14="http://schemas.microsoft.com/office/drawing/2010/main" xmlns="" w="9525">
+              <a14:hiddenLine xmlns="" xmlns:a14="http://schemas.microsoft.com/office/drawing/2010/main" w="9525">
                 <a:solidFill>
                   <a:schemeClr val="tx1"/>
                 </a:solidFill>
@@ -7119,7 +7093,7 @@
               </a14:hiddenLine>
             </a:ext>
             <a:ext uri="{AF507438-7753-43e0-B8FC-AC1667EBCBE1}">
-              <a14:hiddenEffects xmlns:a14="http://schemas.microsoft.com/office/drawing/2010/main" xmlns="">
+              <a14:hiddenEffects xmlns="" xmlns:a14="http://schemas.microsoft.com/office/drawing/2010/main">
                 <a:effectLst>
                   <a:outerShdw blurRad="63500" dist="38099" dir="2700000" algn="ctr" rotWithShape="0">
                     <a:schemeClr val="bg2">
@@ -7172,17 +7146,17 @@
           <a:effectLst/>
           <a:extLst>
             <a:ext uri="{FAA26D3D-D897-4be2-8F04-BA451C77F1D7}">
-              <ma14:placeholderFlag xmlns:ma14="http://schemas.microsoft.com/office/mac/drawingml/2011/main" val="1"/>
+              <ma14:placeholderFlag xmlns:ma14="http://schemas.microsoft.com/office/mac/drawingml/2011/main" xmlns="" val="1"/>
             </a:ext>
             <a:ext uri="{909E8E84-426E-40dd-AFC4-6F175D3DCCD1}">
-              <a14:hiddenFill xmlns:a14="http://schemas.microsoft.com/office/drawing/2010/main" xmlns="">
+              <a14:hiddenFill xmlns="" xmlns:a14="http://schemas.microsoft.com/office/drawing/2010/main">
                 <a:solidFill>
                   <a:schemeClr val="accent1"/>
                 </a:solidFill>
               </a14:hiddenFill>
             </a:ext>
             <a:ext uri="{91240B29-F687-4f45-9708-019B960494DF}">
-              <a14:hiddenLine xmlns:a14="http://schemas.microsoft.com/office/drawing/2010/main" xmlns="" w="9525">
+              <a14:hiddenLine xmlns="" xmlns:a14="http://schemas.microsoft.com/office/drawing/2010/main" w="9525">
                 <a:solidFill>
                   <a:schemeClr val="tx1"/>
                 </a:solidFill>
@@ -7192,7 +7166,7 @@
               </a14:hiddenLine>
             </a:ext>
             <a:ext uri="{AF507438-7753-43e0-B8FC-AC1667EBCBE1}">
-              <a14:hiddenEffects xmlns:a14="http://schemas.microsoft.com/office/drawing/2010/main" xmlns="">
+              <a14:hiddenEffects xmlns="" xmlns:a14="http://schemas.microsoft.com/office/drawing/2010/main">
                 <a:effectLst>
                   <a:outerShdw blurRad="63500" dist="38099" dir="2700000" algn="ctr" rotWithShape="0">
                     <a:schemeClr val="bg2">
@@ -7245,17 +7219,17 @@
           <a:effectLst/>
           <a:extLst>
             <a:ext uri="{FAA26D3D-D897-4be2-8F04-BA451C77F1D7}">
-              <ma14:placeholderFlag xmlns:ma14="http://schemas.microsoft.com/office/mac/drawingml/2011/main" val="1"/>
+              <ma14:placeholderFlag xmlns:ma14="http://schemas.microsoft.com/office/mac/drawingml/2011/main" xmlns="" val="1"/>
             </a:ext>
             <a:ext uri="{909E8E84-426E-40dd-AFC4-6F175D3DCCD1}">
-              <a14:hiddenFill xmlns:a14="http://schemas.microsoft.com/office/drawing/2010/main" xmlns="">
+              <a14:hiddenFill xmlns="" xmlns:a14="http://schemas.microsoft.com/office/drawing/2010/main">
                 <a:solidFill>
                   <a:schemeClr val="accent1"/>
                 </a:solidFill>
               </a14:hiddenFill>
             </a:ext>
             <a:ext uri="{91240B29-F687-4f45-9708-019B960494DF}">
-              <a14:hiddenLine xmlns:a14="http://schemas.microsoft.com/office/drawing/2010/main" xmlns="" w="9525">
+              <a14:hiddenLine xmlns="" xmlns:a14="http://schemas.microsoft.com/office/drawing/2010/main" w="9525">
                 <a:solidFill>
                   <a:schemeClr val="tx1"/>
                 </a:solidFill>
@@ -7265,7 +7239,7 @@
               </a14:hiddenLine>
             </a:ext>
             <a:ext uri="{AF507438-7753-43e0-B8FC-AC1667EBCBE1}">
-              <a14:hiddenEffects xmlns:a14="http://schemas.microsoft.com/office/drawing/2010/main" xmlns="">
+              <a14:hiddenEffects xmlns="" xmlns:a14="http://schemas.microsoft.com/office/drawing/2010/main">
                 <a:effectLst>
                   <a:outerShdw blurRad="63500" dist="38099" dir="2700000" algn="ctr" rotWithShape="0">
                     <a:schemeClr val="bg2">
@@ -7339,7 +7313,7 @@
             <a:effectLst/>
             <a:extLst>
               <a:ext uri="{91240B29-F687-4f45-9708-019B960494DF}">
-                <a14:hiddenLine xmlns:a14="http://schemas.microsoft.com/office/drawing/2010/main" xmlns="" w="9525">
+                <a14:hiddenLine xmlns="" xmlns:a14="http://schemas.microsoft.com/office/drawing/2010/main" w="9525">
                   <a:solidFill>
                     <a:schemeClr val="tx1"/>
                   </a:solidFill>
@@ -7349,7 +7323,7 @@
                 </a14:hiddenLine>
               </a:ext>
               <a:ext uri="{AF507438-7753-43e0-B8FC-AC1667EBCBE1}">
-                <a14:hiddenEffects xmlns:a14="http://schemas.microsoft.com/office/drawing/2010/main" xmlns="">
+                <a14:hiddenEffects xmlns="" xmlns:a14="http://schemas.microsoft.com/office/drawing/2010/main">
                   <a:effectLst>
                     <a:outerShdw blurRad="63500" dist="38099" dir="2700000" algn="ctr" rotWithShape="0">
                       <a:schemeClr val="bg2">
@@ -7394,7 +7368,7 @@
             <a:effectLst/>
             <a:extLst>
               <a:ext uri="{91240B29-F687-4f45-9708-019B960494DF}">
-                <a14:hiddenLine xmlns:a14="http://schemas.microsoft.com/office/drawing/2010/main" xmlns="" w="9525">
+                <a14:hiddenLine xmlns="" xmlns:a14="http://schemas.microsoft.com/office/drawing/2010/main" w="9525">
                   <a:solidFill>
                     <a:schemeClr val="tx1"/>
                   </a:solidFill>
@@ -7404,7 +7378,7 @@
                 </a14:hiddenLine>
               </a:ext>
               <a:ext uri="{AF507438-7753-43e0-B8FC-AC1667EBCBE1}">
-                <a14:hiddenEffects xmlns:a14="http://schemas.microsoft.com/office/drawing/2010/main" xmlns="">
+                <a14:hiddenEffects xmlns="" xmlns:a14="http://schemas.microsoft.com/office/drawing/2010/main">
                   <a:effectLst>
                     <a:outerShdw blurRad="63500" dist="38099" dir="2700000" algn="ctr" rotWithShape="0">
                       <a:schemeClr val="bg2">
@@ -7449,7 +7423,7 @@
             <a:effectLst/>
             <a:extLst>
               <a:ext uri="{91240B29-F687-4f45-9708-019B960494DF}">
-                <a14:hiddenLine xmlns:a14="http://schemas.microsoft.com/office/drawing/2010/main" xmlns="" w="9525">
+                <a14:hiddenLine xmlns="" xmlns:a14="http://schemas.microsoft.com/office/drawing/2010/main" w="9525">
                   <a:solidFill>
                     <a:schemeClr val="tx1"/>
                   </a:solidFill>
@@ -7459,7 +7433,7 @@
                 </a14:hiddenLine>
               </a:ext>
               <a:ext uri="{AF507438-7753-43e0-B8FC-AC1667EBCBE1}">
-                <a14:hiddenEffects xmlns:a14="http://schemas.microsoft.com/office/drawing/2010/main" xmlns="">
+                <a14:hiddenEffects xmlns="" xmlns:a14="http://schemas.microsoft.com/office/drawing/2010/main">
                   <a:effectLst>
                     <a:outerShdw blurRad="63500" dist="38099" dir="2700000" algn="ctr" rotWithShape="0">
                       <a:schemeClr val="bg2">
@@ -7504,7 +7478,7 @@
             <a:effectLst/>
             <a:extLst>
               <a:ext uri="{91240B29-F687-4f45-9708-019B960494DF}">
-                <a14:hiddenLine xmlns:a14="http://schemas.microsoft.com/office/drawing/2010/main" xmlns="" w="9525">
+                <a14:hiddenLine xmlns="" xmlns:a14="http://schemas.microsoft.com/office/drawing/2010/main" w="9525">
                   <a:solidFill>
                     <a:schemeClr val="tx1"/>
                   </a:solidFill>
@@ -7514,7 +7488,7 @@
                 </a14:hiddenLine>
               </a:ext>
               <a:ext uri="{AF507438-7753-43e0-B8FC-AC1667EBCBE1}">
-                <a14:hiddenEffects xmlns:a14="http://schemas.microsoft.com/office/drawing/2010/main" xmlns="">
+                <a14:hiddenEffects xmlns="" xmlns:a14="http://schemas.microsoft.com/office/drawing/2010/main">
                   <a:effectLst>
                     <a:outerShdw blurRad="63500" dist="38099" dir="2700000" algn="ctr" rotWithShape="0">
                       <a:schemeClr val="bg2">
@@ -7559,7 +7533,7 @@
             <a:effectLst/>
             <a:extLst>
               <a:ext uri="{91240B29-F687-4f45-9708-019B960494DF}">
-                <a14:hiddenLine xmlns:a14="http://schemas.microsoft.com/office/drawing/2010/main" xmlns="" w="9525">
+                <a14:hiddenLine xmlns="" xmlns:a14="http://schemas.microsoft.com/office/drawing/2010/main" w="9525">
                   <a:solidFill>
                     <a:schemeClr val="tx1"/>
                   </a:solidFill>
@@ -7569,7 +7543,7 @@
                 </a14:hiddenLine>
               </a:ext>
               <a:ext uri="{AF507438-7753-43e0-B8FC-AC1667EBCBE1}">
-                <a14:hiddenEffects xmlns:a14="http://schemas.microsoft.com/office/drawing/2010/main" xmlns="">
+                <a14:hiddenEffects xmlns="" xmlns:a14="http://schemas.microsoft.com/office/drawing/2010/main">
                   <a:effectLst>
                     <a:outerShdw blurRad="63500" dist="38099" dir="2700000" algn="ctr" rotWithShape="0">
                       <a:schemeClr val="bg2">
@@ -7614,7 +7588,7 @@
             <a:effectLst/>
             <a:extLst>
               <a:ext uri="{91240B29-F687-4f45-9708-019B960494DF}">
-                <a14:hiddenLine xmlns:a14="http://schemas.microsoft.com/office/drawing/2010/main" xmlns="" w="9525">
+                <a14:hiddenLine xmlns="" xmlns:a14="http://schemas.microsoft.com/office/drawing/2010/main" w="9525">
                   <a:solidFill>
                     <a:schemeClr val="tx1"/>
                   </a:solidFill>
@@ -7624,7 +7598,7 @@
                 </a14:hiddenLine>
               </a:ext>
               <a:ext uri="{AF507438-7753-43e0-B8FC-AC1667EBCBE1}">
-                <a14:hiddenEffects xmlns:a14="http://schemas.microsoft.com/office/drawing/2010/main" xmlns="">
+                <a14:hiddenEffects xmlns="" xmlns:a14="http://schemas.microsoft.com/office/drawing/2010/main">
                   <a:effectLst>
                     <a:outerShdw blurRad="63500" dist="38099" dir="2700000" algn="ctr" rotWithShape="0">
                       <a:schemeClr val="bg2">
@@ -7669,7 +7643,7 @@
             <a:effectLst/>
             <a:extLst>
               <a:ext uri="{91240B29-F687-4f45-9708-019B960494DF}">
-                <a14:hiddenLine xmlns:a14="http://schemas.microsoft.com/office/drawing/2010/main" xmlns="" w="9525">
+                <a14:hiddenLine xmlns="" xmlns:a14="http://schemas.microsoft.com/office/drawing/2010/main" w="9525">
                   <a:solidFill>
                     <a:schemeClr val="tx1"/>
                   </a:solidFill>
@@ -7679,7 +7653,7 @@
                 </a14:hiddenLine>
               </a:ext>
               <a:ext uri="{AF507438-7753-43e0-B8FC-AC1667EBCBE1}">
-                <a14:hiddenEffects xmlns:a14="http://schemas.microsoft.com/office/drawing/2010/main" xmlns="">
+                <a14:hiddenEffects xmlns="" xmlns:a14="http://schemas.microsoft.com/office/drawing/2010/main">
                   <a:effectLst>
                     <a:outerShdw blurRad="63500" dist="38099" dir="2700000" algn="ctr" rotWithShape="0">
                       <a:schemeClr val="bg2">
@@ -7724,7 +7698,7 @@
             <a:effectLst/>
             <a:extLst>
               <a:ext uri="{91240B29-F687-4f45-9708-019B960494DF}">
-                <a14:hiddenLine xmlns:a14="http://schemas.microsoft.com/office/drawing/2010/main" xmlns="" w="9525">
+                <a14:hiddenLine xmlns="" xmlns:a14="http://schemas.microsoft.com/office/drawing/2010/main" w="9525">
                   <a:solidFill>
                     <a:schemeClr val="tx1"/>
                   </a:solidFill>
@@ -7734,7 +7708,7 @@
                 </a14:hiddenLine>
               </a:ext>
               <a:ext uri="{AF507438-7753-43e0-B8FC-AC1667EBCBE1}">
-                <a14:hiddenEffects xmlns:a14="http://schemas.microsoft.com/office/drawing/2010/main" xmlns="">
+                <a14:hiddenEffects xmlns="" xmlns:a14="http://schemas.microsoft.com/office/drawing/2010/main">
                   <a:effectLst>
                     <a:outerShdw blurRad="63500" dist="38099" dir="2700000" algn="ctr" rotWithShape="0">
                       <a:schemeClr val="bg2">
@@ -7779,7 +7753,7 @@
             <a:effectLst/>
             <a:extLst>
               <a:ext uri="{91240B29-F687-4f45-9708-019B960494DF}">
-                <a14:hiddenLine xmlns:a14="http://schemas.microsoft.com/office/drawing/2010/main" xmlns="" w="9525">
+                <a14:hiddenLine xmlns="" xmlns:a14="http://schemas.microsoft.com/office/drawing/2010/main" w="9525">
                   <a:solidFill>
                     <a:schemeClr val="tx1"/>
                   </a:solidFill>
@@ -7789,7 +7763,7 @@
                 </a14:hiddenLine>
               </a:ext>
               <a:ext uri="{AF507438-7753-43e0-B8FC-AC1667EBCBE1}">
-                <a14:hiddenEffects xmlns:a14="http://schemas.microsoft.com/office/drawing/2010/main" xmlns="">
+                <a14:hiddenEffects xmlns="" xmlns:a14="http://schemas.microsoft.com/office/drawing/2010/main">
                   <a:effectLst>
                     <a:outerShdw blurRad="63500" dist="38099" dir="2700000" algn="ctr" rotWithShape="0">
                       <a:schemeClr val="bg2">
@@ -7834,7 +7808,7 @@
             <a:effectLst/>
             <a:extLst>
               <a:ext uri="{91240B29-F687-4f45-9708-019B960494DF}">
-                <a14:hiddenLine xmlns:a14="http://schemas.microsoft.com/office/drawing/2010/main" xmlns="" w="9525">
+                <a14:hiddenLine xmlns="" xmlns:a14="http://schemas.microsoft.com/office/drawing/2010/main" w="9525">
                   <a:solidFill>
                     <a:schemeClr val="tx1"/>
                   </a:solidFill>
@@ -7844,7 +7818,7 @@
                 </a14:hiddenLine>
               </a:ext>
               <a:ext uri="{AF507438-7753-43e0-B8FC-AC1667EBCBE1}">
-                <a14:hiddenEffects xmlns:a14="http://schemas.microsoft.com/office/drawing/2010/main" xmlns="">
+                <a14:hiddenEffects xmlns="" xmlns:a14="http://schemas.microsoft.com/office/drawing/2010/main">
                   <a:effectLst>
                     <a:outerShdw blurRad="63500" dist="38099" dir="2700000" algn="ctr" rotWithShape="0">
                       <a:schemeClr val="bg2">
@@ -7889,7 +7863,7 @@
             <a:effectLst/>
             <a:extLst>
               <a:ext uri="{91240B29-F687-4f45-9708-019B960494DF}">
-                <a14:hiddenLine xmlns:a14="http://schemas.microsoft.com/office/drawing/2010/main" xmlns="" w="9525">
+                <a14:hiddenLine xmlns="" xmlns:a14="http://schemas.microsoft.com/office/drawing/2010/main" w="9525">
                   <a:solidFill>
                     <a:schemeClr val="tx1"/>
                   </a:solidFill>
@@ -7899,7 +7873,7 @@
                 </a14:hiddenLine>
               </a:ext>
               <a:ext uri="{AF507438-7753-43e0-B8FC-AC1667EBCBE1}">
-                <a14:hiddenEffects xmlns:a14="http://schemas.microsoft.com/office/drawing/2010/main" xmlns="">
+                <a14:hiddenEffects xmlns="" xmlns:a14="http://schemas.microsoft.com/office/drawing/2010/main">
                   <a:effectLst>
                     <a:outerShdw blurRad="63500" dist="38099" dir="2700000" algn="ctr" rotWithShape="0">
                       <a:schemeClr val="bg2">
@@ -7944,7 +7918,7 @@
             <a:effectLst/>
             <a:extLst>
               <a:ext uri="{91240B29-F687-4f45-9708-019B960494DF}">
-                <a14:hiddenLine xmlns:a14="http://schemas.microsoft.com/office/drawing/2010/main" xmlns="" w="9525">
+                <a14:hiddenLine xmlns="" xmlns:a14="http://schemas.microsoft.com/office/drawing/2010/main" w="9525">
                   <a:solidFill>
                     <a:schemeClr val="tx1"/>
                   </a:solidFill>
@@ -7954,7 +7928,7 @@
                 </a14:hiddenLine>
               </a:ext>
               <a:ext uri="{AF507438-7753-43e0-B8FC-AC1667EBCBE1}">
-                <a14:hiddenEffects xmlns:a14="http://schemas.microsoft.com/office/drawing/2010/main" xmlns="">
+                <a14:hiddenEffects xmlns="" xmlns:a14="http://schemas.microsoft.com/office/drawing/2010/main">
                   <a:effectLst>
                     <a:outerShdw blurRad="63500" dist="38099" dir="2700000" algn="ctr" rotWithShape="0">
                       <a:schemeClr val="bg2">
@@ -7999,7 +7973,7 @@
             <a:effectLst/>
             <a:extLst>
               <a:ext uri="{91240B29-F687-4f45-9708-019B960494DF}">
-                <a14:hiddenLine xmlns:a14="http://schemas.microsoft.com/office/drawing/2010/main" xmlns="" w="9525">
+                <a14:hiddenLine xmlns="" xmlns:a14="http://schemas.microsoft.com/office/drawing/2010/main" w="9525">
                   <a:solidFill>
                     <a:schemeClr val="tx1"/>
                   </a:solidFill>
@@ -8009,7 +7983,7 @@
                 </a14:hiddenLine>
               </a:ext>
               <a:ext uri="{AF507438-7753-43e0-B8FC-AC1667EBCBE1}">
-                <a14:hiddenEffects xmlns:a14="http://schemas.microsoft.com/office/drawing/2010/main" xmlns="">
+                <a14:hiddenEffects xmlns="" xmlns:a14="http://schemas.microsoft.com/office/drawing/2010/main">
                   <a:effectLst>
                     <a:outerShdw blurRad="63500" dist="38099" dir="2700000" algn="ctr" rotWithShape="0">
                       <a:schemeClr val="bg2">
@@ -8054,7 +8028,7 @@
             <a:effectLst/>
             <a:extLst>
               <a:ext uri="{91240B29-F687-4f45-9708-019B960494DF}">
-                <a14:hiddenLine xmlns:a14="http://schemas.microsoft.com/office/drawing/2010/main" xmlns="" w="9525">
+                <a14:hiddenLine xmlns="" xmlns:a14="http://schemas.microsoft.com/office/drawing/2010/main" w="9525">
                   <a:solidFill>
                     <a:schemeClr val="tx1"/>
                   </a:solidFill>
@@ -8064,7 +8038,7 @@
                 </a14:hiddenLine>
               </a:ext>
               <a:ext uri="{AF507438-7753-43e0-B8FC-AC1667EBCBE1}">
-                <a14:hiddenEffects xmlns:a14="http://schemas.microsoft.com/office/drawing/2010/main" xmlns="">
+                <a14:hiddenEffects xmlns="" xmlns:a14="http://schemas.microsoft.com/office/drawing/2010/main">
                   <a:effectLst>
                     <a:outerShdw blurRad="63500" dist="38099" dir="2700000" algn="ctr" rotWithShape="0">
                       <a:schemeClr val="bg2">
@@ -8109,7 +8083,7 @@
             <a:effectLst/>
             <a:extLst>
               <a:ext uri="{91240B29-F687-4f45-9708-019B960494DF}">
-                <a14:hiddenLine xmlns:a14="http://schemas.microsoft.com/office/drawing/2010/main" xmlns="" w="9525">
+                <a14:hiddenLine xmlns="" xmlns:a14="http://schemas.microsoft.com/office/drawing/2010/main" w="9525">
                   <a:solidFill>
                     <a:schemeClr val="tx1"/>
                   </a:solidFill>
@@ -8119,7 +8093,7 @@
                 </a14:hiddenLine>
               </a:ext>
               <a:ext uri="{AF507438-7753-43e0-B8FC-AC1667EBCBE1}">
-                <a14:hiddenEffects xmlns:a14="http://schemas.microsoft.com/office/drawing/2010/main" xmlns="">
+                <a14:hiddenEffects xmlns="" xmlns:a14="http://schemas.microsoft.com/office/drawing/2010/main">
                   <a:effectLst>
                     <a:outerShdw blurRad="63500" dist="38099" dir="2700000" algn="ctr" rotWithShape="0">
                       <a:schemeClr val="bg2">
@@ -8164,7 +8138,7 @@
             <a:effectLst/>
             <a:extLst>
               <a:ext uri="{91240B29-F687-4f45-9708-019B960494DF}">
-                <a14:hiddenLine xmlns:a14="http://schemas.microsoft.com/office/drawing/2010/main" xmlns="" w="9525">
+                <a14:hiddenLine xmlns="" xmlns:a14="http://schemas.microsoft.com/office/drawing/2010/main" w="9525">
                   <a:solidFill>
                     <a:schemeClr val="tx1"/>
                   </a:solidFill>
@@ -8174,7 +8148,7 @@
                 </a14:hiddenLine>
               </a:ext>
               <a:ext uri="{AF507438-7753-43e0-B8FC-AC1667EBCBE1}">
-                <a14:hiddenEffects xmlns:a14="http://schemas.microsoft.com/office/drawing/2010/main" xmlns="">
+                <a14:hiddenEffects xmlns="" xmlns:a14="http://schemas.microsoft.com/office/drawing/2010/main">
                   <a:effectLst>
                     <a:outerShdw blurRad="63500" dist="38099" dir="2700000" algn="ctr" rotWithShape="0">
                       <a:schemeClr val="bg2">
@@ -8219,7 +8193,7 @@
             <a:effectLst/>
             <a:extLst>
               <a:ext uri="{91240B29-F687-4f45-9708-019B960494DF}">
-                <a14:hiddenLine xmlns:a14="http://schemas.microsoft.com/office/drawing/2010/main" xmlns="" w="9525">
+                <a14:hiddenLine xmlns="" xmlns:a14="http://schemas.microsoft.com/office/drawing/2010/main" w="9525">
                   <a:solidFill>
                     <a:schemeClr val="tx1"/>
                   </a:solidFill>
@@ -8229,7 +8203,7 @@
                 </a14:hiddenLine>
               </a:ext>
               <a:ext uri="{AF507438-7753-43e0-B8FC-AC1667EBCBE1}">
-                <a14:hiddenEffects xmlns:a14="http://schemas.microsoft.com/office/drawing/2010/main" xmlns="">
+                <a14:hiddenEffects xmlns="" xmlns:a14="http://schemas.microsoft.com/office/drawing/2010/main">
                   <a:effectLst>
                     <a:outerShdw blurRad="63500" dist="38099" dir="2700000" algn="ctr" rotWithShape="0">
                       <a:schemeClr val="bg2">
@@ -8274,7 +8248,7 @@
             <a:effectLst/>
             <a:extLst>
               <a:ext uri="{91240B29-F687-4f45-9708-019B960494DF}">
-                <a14:hiddenLine xmlns:a14="http://schemas.microsoft.com/office/drawing/2010/main" xmlns="" w="9525">
+                <a14:hiddenLine xmlns="" xmlns:a14="http://schemas.microsoft.com/office/drawing/2010/main" w="9525">
                   <a:solidFill>
                     <a:schemeClr val="tx1"/>
                   </a:solidFill>
@@ -8284,7 +8258,7 @@
                 </a14:hiddenLine>
               </a:ext>
               <a:ext uri="{AF507438-7753-43e0-B8FC-AC1667EBCBE1}">
-                <a14:hiddenEffects xmlns:a14="http://schemas.microsoft.com/office/drawing/2010/main" xmlns="">
+                <a14:hiddenEffects xmlns="" xmlns:a14="http://schemas.microsoft.com/office/drawing/2010/main">
                   <a:effectLst>
                     <a:outerShdw blurRad="63500" dist="38099" dir="2700000" algn="ctr" rotWithShape="0">
                       <a:schemeClr val="bg2">
@@ -8329,7 +8303,7 @@
             <a:effectLst/>
             <a:extLst>
               <a:ext uri="{91240B29-F687-4f45-9708-019B960494DF}">
-                <a14:hiddenLine xmlns:a14="http://schemas.microsoft.com/office/drawing/2010/main" xmlns="" w="9525">
+                <a14:hiddenLine xmlns="" xmlns:a14="http://schemas.microsoft.com/office/drawing/2010/main" w="9525">
                   <a:solidFill>
                     <a:schemeClr val="tx1"/>
                   </a:solidFill>
@@ -8339,7 +8313,7 @@
                 </a14:hiddenLine>
               </a:ext>
               <a:ext uri="{AF507438-7753-43e0-B8FC-AC1667EBCBE1}">
-                <a14:hiddenEffects xmlns:a14="http://schemas.microsoft.com/office/drawing/2010/main" xmlns="">
+                <a14:hiddenEffects xmlns="" xmlns:a14="http://schemas.microsoft.com/office/drawing/2010/main">
                   <a:effectLst>
                     <a:outerShdw blurRad="63500" dist="38099" dir="2700000" algn="ctr" rotWithShape="0">
                       <a:schemeClr val="bg2">
@@ -8384,7 +8358,7 @@
             <a:effectLst/>
             <a:extLst>
               <a:ext uri="{91240B29-F687-4f45-9708-019B960494DF}">
-                <a14:hiddenLine xmlns:a14="http://schemas.microsoft.com/office/drawing/2010/main" xmlns="" w="9525">
+                <a14:hiddenLine xmlns="" xmlns:a14="http://schemas.microsoft.com/office/drawing/2010/main" w="9525">
                   <a:solidFill>
                     <a:schemeClr val="tx1"/>
                   </a:solidFill>
@@ -8394,7 +8368,7 @@
                 </a14:hiddenLine>
               </a:ext>
               <a:ext uri="{AF507438-7753-43e0-B8FC-AC1667EBCBE1}">
-                <a14:hiddenEffects xmlns:a14="http://schemas.microsoft.com/office/drawing/2010/main" xmlns="">
+                <a14:hiddenEffects xmlns="" xmlns:a14="http://schemas.microsoft.com/office/drawing/2010/main">
                   <a:effectLst>
                     <a:outerShdw blurRad="63500" dist="38099" dir="2700000" algn="ctr" rotWithShape="0">
                       <a:schemeClr val="bg2">
@@ -8439,7 +8413,7 @@
             <a:effectLst/>
             <a:extLst>
               <a:ext uri="{91240B29-F687-4f45-9708-019B960494DF}">
-                <a14:hiddenLine xmlns:a14="http://schemas.microsoft.com/office/drawing/2010/main" xmlns="" w="9525">
+                <a14:hiddenLine xmlns="" xmlns:a14="http://schemas.microsoft.com/office/drawing/2010/main" w="9525">
                   <a:solidFill>
                     <a:schemeClr val="tx1"/>
                   </a:solidFill>
@@ -8449,7 +8423,7 @@
                 </a14:hiddenLine>
               </a:ext>
               <a:ext uri="{AF507438-7753-43e0-B8FC-AC1667EBCBE1}">
-                <a14:hiddenEffects xmlns:a14="http://schemas.microsoft.com/office/drawing/2010/main" xmlns="">
+                <a14:hiddenEffects xmlns="" xmlns:a14="http://schemas.microsoft.com/office/drawing/2010/main">
                   <a:effectLst>
                     <a:outerShdw blurRad="63500" dist="38099" dir="2700000" algn="ctr" rotWithShape="0">
                       <a:schemeClr val="bg2">
@@ -8494,7 +8468,7 @@
             <a:effectLst/>
             <a:extLst>
               <a:ext uri="{91240B29-F687-4f45-9708-019B960494DF}">
-                <a14:hiddenLine xmlns:a14="http://schemas.microsoft.com/office/drawing/2010/main" xmlns="" w="9525">
+                <a14:hiddenLine xmlns="" xmlns:a14="http://schemas.microsoft.com/office/drawing/2010/main" w="9525">
                   <a:solidFill>
                     <a:schemeClr val="tx1"/>
                   </a:solidFill>
@@ -8504,7 +8478,7 @@
                 </a14:hiddenLine>
               </a:ext>
               <a:ext uri="{AF507438-7753-43e0-B8FC-AC1667EBCBE1}">
-                <a14:hiddenEffects xmlns:a14="http://schemas.microsoft.com/office/drawing/2010/main" xmlns="">
+                <a14:hiddenEffects xmlns="" xmlns:a14="http://schemas.microsoft.com/office/drawing/2010/main">
                   <a:effectLst>
                     <a:outerShdw blurRad="63500" dist="38099" dir="2700000" algn="ctr" rotWithShape="0">
                       <a:schemeClr val="bg2">
@@ -8549,7 +8523,7 @@
             <a:effectLst/>
             <a:extLst>
               <a:ext uri="{91240B29-F687-4f45-9708-019B960494DF}">
-                <a14:hiddenLine xmlns:a14="http://schemas.microsoft.com/office/drawing/2010/main" xmlns="" w="9525">
+                <a14:hiddenLine xmlns="" xmlns:a14="http://schemas.microsoft.com/office/drawing/2010/main" w="9525">
                   <a:solidFill>
                     <a:schemeClr val="tx1"/>
                   </a:solidFill>
@@ -8559,7 +8533,7 @@
                 </a14:hiddenLine>
               </a:ext>
               <a:ext uri="{AF507438-7753-43e0-B8FC-AC1667EBCBE1}">
-                <a14:hiddenEffects xmlns:a14="http://schemas.microsoft.com/office/drawing/2010/main" xmlns="">
+                <a14:hiddenEffects xmlns="" xmlns:a14="http://schemas.microsoft.com/office/drawing/2010/main">
                   <a:effectLst>
                     <a:outerShdw blurRad="63500" dist="38099" dir="2700000" algn="ctr" rotWithShape="0">
                       <a:schemeClr val="bg2">
@@ -8604,7 +8578,7 @@
             <a:effectLst/>
             <a:extLst>
               <a:ext uri="{91240B29-F687-4f45-9708-019B960494DF}">
-                <a14:hiddenLine xmlns:a14="http://schemas.microsoft.com/office/drawing/2010/main" xmlns="" w="9525">
+                <a14:hiddenLine xmlns="" xmlns:a14="http://schemas.microsoft.com/office/drawing/2010/main" w="9525">
                   <a:solidFill>
                     <a:schemeClr val="tx1"/>
                   </a:solidFill>
@@ -8614,7 +8588,7 @@
                 </a14:hiddenLine>
               </a:ext>
               <a:ext uri="{AF507438-7753-43e0-B8FC-AC1667EBCBE1}">
-                <a14:hiddenEffects xmlns:a14="http://schemas.microsoft.com/office/drawing/2010/main" xmlns="">
+                <a14:hiddenEffects xmlns="" xmlns:a14="http://schemas.microsoft.com/office/drawing/2010/main">
                   <a:effectLst>
                     <a:outerShdw blurRad="63500" dist="38099" dir="2700000" algn="ctr" rotWithShape="0">
                       <a:schemeClr val="bg2">
@@ -8659,7 +8633,7 @@
             <a:effectLst/>
             <a:extLst>
               <a:ext uri="{91240B29-F687-4f45-9708-019B960494DF}">
-                <a14:hiddenLine xmlns:a14="http://schemas.microsoft.com/office/drawing/2010/main" xmlns="" w="9525">
+                <a14:hiddenLine xmlns="" xmlns:a14="http://schemas.microsoft.com/office/drawing/2010/main" w="9525">
                   <a:solidFill>
                     <a:schemeClr val="tx1"/>
                   </a:solidFill>
@@ -8669,7 +8643,7 @@
                 </a14:hiddenLine>
               </a:ext>
               <a:ext uri="{AF507438-7753-43e0-B8FC-AC1667EBCBE1}">
-                <a14:hiddenEffects xmlns:a14="http://schemas.microsoft.com/office/drawing/2010/main" xmlns="">
+                <a14:hiddenEffects xmlns="" xmlns:a14="http://schemas.microsoft.com/office/drawing/2010/main">
                   <a:effectLst>
                     <a:outerShdw blurRad="63500" dist="38099" dir="2700000" algn="ctr" rotWithShape="0">
                       <a:schemeClr val="bg2">
@@ -8714,7 +8688,7 @@
             <a:effectLst/>
             <a:extLst>
               <a:ext uri="{91240B29-F687-4f45-9708-019B960494DF}">
-                <a14:hiddenLine xmlns:a14="http://schemas.microsoft.com/office/drawing/2010/main" xmlns="" w="9525">
+                <a14:hiddenLine xmlns="" xmlns:a14="http://schemas.microsoft.com/office/drawing/2010/main" w="9525">
                   <a:solidFill>
                     <a:schemeClr val="tx1"/>
                   </a:solidFill>
@@ -8724,7 +8698,7 @@
                 </a14:hiddenLine>
               </a:ext>
               <a:ext uri="{AF507438-7753-43e0-B8FC-AC1667EBCBE1}">
-                <a14:hiddenEffects xmlns:a14="http://schemas.microsoft.com/office/drawing/2010/main" xmlns="">
+                <a14:hiddenEffects xmlns="" xmlns:a14="http://schemas.microsoft.com/office/drawing/2010/main">
                   <a:effectLst>
                     <a:outerShdw blurRad="63500" dist="38099" dir="2700000" algn="ctr" rotWithShape="0">
                       <a:schemeClr val="bg2">
@@ -8769,7 +8743,7 @@
             <a:effectLst/>
             <a:extLst>
               <a:ext uri="{91240B29-F687-4f45-9708-019B960494DF}">
-                <a14:hiddenLine xmlns:a14="http://schemas.microsoft.com/office/drawing/2010/main" xmlns="" w="9525">
+                <a14:hiddenLine xmlns="" xmlns:a14="http://schemas.microsoft.com/office/drawing/2010/main" w="9525">
                   <a:solidFill>
                     <a:schemeClr val="tx1"/>
                   </a:solidFill>
@@ -8779,7 +8753,7 @@
                 </a14:hiddenLine>
               </a:ext>
               <a:ext uri="{AF507438-7753-43e0-B8FC-AC1667EBCBE1}">
-                <a14:hiddenEffects xmlns:a14="http://schemas.microsoft.com/office/drawing/2010/main" xmlns="">
+                <a14:hiddenEffects xmlns="" xmlns:a14="http://schemas.microsoft.com/office/drawing/2010/main">
                   <a:effectLst>
                     <a:outerShdw blurRad="63500" dist="38099" dir="2700000" algn="ctr" rotWithShape="0">
                       <a:schemeClr val="bg2">
@@ -8824,7 +8798,7 @@
             <a:effectLst/>
             <a:extLst>
               <a:ext uri="{91240B29-F687-4f45-9708-019B960494DF}">
-                <a14:hiddenLine xmlns:a14="http://schemas.microsoft.com/office/drawing/2010/main" xmlns="" w="9525">
+                <a14:hiddenLine xmlns="" xmlns:a14="http://schemas.microsoft.com/office/drawing/2010/main" w="9525">
                   <a:solidFill>
                     <a:schemeClr val="tx1"/>
                   </a:solidFill>
@@ -8834,7 +8808,7 @@
                 </a14:hiddenLine>
               </a:ext>
               <a:ext uri="{AF507438-7753-43e0-B8FC-AC1667EBCBE1}">
-                <a14:hiddenEffects xmlns:a14="http://schemas.microsoft.com/office/drawing/2010/main" xmlns="">
+                <a14:hiddenEffects xmlns="" xmlns:a14="http://schemas.microsoft.com/office/drawing/2010/main">
                   <a:effectLst>
                     <a:outerShdw blurRad="63500" dist="38099" dir="2700000" algn="ctr" rotWithShape="0">
                       <a:schemeClr val="bg2">
@@ -8879,7 +8853,7 @@
             <a:effectLst/>
             <a:extLst>
               <a:ext uri="{91240B29-F687-4f45-9708-019B960494DF}">
-                <a14:hiddenLine xmlns:a14="http://schemas.microsoft.com/office/drawing/2010/main" xmlns="" w="9525">
+                <a14:hiddenLine xmlns="" xmlns:a14="http://schemas.microsoft.com/office/drawing/2010/main" w="9525">
                   <a:solidFill>
                     <a:schemeClr val="tx1"/>
                   </a:solidFill>
@@ -8889,7 +8863,7 @@
                 </a14:hiddenLine>
               </a:ext>
               <a:ext uri="{AF507438-7753-43e0-B8FC-AC1667EBCBE1}">
-                <a14:hiddenEffects xmlns:a14="http://schemas.microsoft.com/office/drawing/2010/main" xmlns="">
+                <a14:hiddenEffects xmlns="" xmlns:a14="http://schemas.microsoft.com/office/drawing/2010/main">
                   <a:effectLst>
                     <a:outerShdw blurRad="63500" dist="38099" dir="2700000" algn="ctr" rotWithShape="0">
                       <a:schemeClr val="bg2">
@@ -8934,7 +8908,7 @@
             <a:effectLst/>
             <a:extLst>
               <a:ext uri="{91240B29-F687-4f45-9708-019B960494DF}">
-                <a14:hiddenLine xmlns:a14="http://schemas.microsoft.com/office/drawing/2010/main" xmlns="" w="9525">
+                <a14:hiddenLine xmlns="" xmlns:a14="http://schemas.microsoft.com/office/drawing/2010/main" w="9525">
                   <a:solidFill>
                     <a:schemeClr val="tx1"/>
                   </a:solidFill>
@@ -8944,7 +8918,7 @@
                 </a14:hiddenLine>
               </a:ext>
               <a:ext uri="{AF507438-7753-43e0-B8FC-AC1667EBCBE1}">
-                <a14:hiddenEffects xmlns:a14="http://schemas.microsoft.com/office/drawing/2010/main" xmlns="">
+                <a14:hiddenEffects xmlns="" xmlns:a14="http://schemas.microsoft.com/office/drawing/2010/main">
                   <a:effectLst>
                     <a:outerShdw blurRad="63500" dist="38099" dir="2700000" algn="ctr" rotWithShape="0">
                       <a:schemeClr val="bg2">
@@ -8989,7 +8963,7 @@
             <a:effectLst/>
             <a:extLst>
               <a:ext uri="{91240B29-F687-4f45-9708-019B960494DF}">
-                <a14:hiddenLine xmlns:a14="http://schemas.microsoft.com/office/drawing/2010/main" xmlns="" w="9525">
+                <a14:hiddenLine xmlns="" xmlns:a14="http://schemas.microsoft.com/office/drawing/2010/main" w="9525">
                   <a:solidFill>
                     <a:schemeClr val="tx1"/>
                   </a:solidFill>
@@ -8999,7 +8973,7 @@
                 </a14:hiddenLine>
               </a:ext>
               <a:ext uri="{AF507438-7753-43e0-B8FC-AC1667EBCBE1}">
-                <a14:hiddenEffects xmlns:a14="http://schemas.microsoft.com/office/drawing/2010/main" xmlns="">
+                <a14:hiddenEffects xmlns="" xmlns:a14="http://schemas.microsoft.com/office/drawing/2010/main">
                   <a:effectLst>
                     <a:outerShdw blurRad="63500" dist="38099" dir="2700000" algn="ctr" rotWithShape="0">
                       <a:schemeClr val="bg2">
@@ -9036,13 +9010,6 @@
     <p:sldLayoutId id="2147483659" r:id="rId10"/>
     <p:sldLayoutId id="2147483660" r:id="rId11"/>
   </p:sldLayoutIdLst>
-  <p:timing>
-    <p:tnLst>
-      <p:par>
-        <p:cTn id="1" dur="indefinite" restart="never" nodeType="tmRoot"/>
-      </p:par>
-    </p:tnLst>
-  </p:timing>
   <p:txStyles>
     <p:titleStyle>
       <a:lvl1pPr algn="l" rtl="0" fontAlgn="base">
@@ -9506,10 +9473,9 @@
           <a:lstStyle/>
           <a:p>
             <a:r>
-              <a:rPr lang="en-US" dirty="0" smtClean="0"/>
+              <a:rPr lang="en-US" dirty="0"/>
               <a:t>The Structure of Programming Languages</a:t>
             </a:r>
-            <a:endParaRPr lang="en-US" dirty="0"/>
           </a:p>
         </p:txBody>
       </p:sp>
@@ -9529,13 +9495,13 @@
           <a:lstStyle/>
           <a:p>
             <a:r>
-              <a:rPr lang="en-US" dirty="0" smtClean="0"/>
+              <a:rPr lang="en-US" dirty="0"/>
               <a:t>With the exception of the Generator we saw that all language processors perform some kind of syntax analysis – an analysis of the structure of the program.</a:t>
             </a:r>
           </a:p>
           <a:p>
             <a:r>
-              <a:rPr lang="en-US" dirty="0" smtClean="0"/>
+              <a:rPr lang="en-US" dirty="0"/>
               <a:t>To make this efficient and effective we need some mechanism to specify the structure of a programming language in a straight forward manner.</a:t>
             </a:r>
           </a:p>
@@ -9544,7 +9510,7 @@
               <a:buNone/>
             </a:pPr>
             <a:r>
-              <a:rPr lang="en-US" dirty="0" smtClean="0">
+              <a:rPr lang="en-US" dirty="0">
                 <a:latin typeface="Wingdings"/>
                 <a:ea typeface="Wingdings"/>
                 <a:cs typeface="Wingdings"/>
@@ -9553,7 +9519,7 @@
               <a:t></a:t>
             </a:r>
             <a:r>
-              <a:rPr lang="en-US" dirty="0" smtClean="0">
+              <a:rPr lang="en-US" dirty="0">
                 <a:ea typeface="Wingdings"/>
                 <a:cs typeface="Wingdings"/>
                 <a:sym typeface="Wingdings"/>
@@ -9561,7 +9527,7 @@
               <a:t>We use </a:t>
             </a:r>
             <a:r>
-              <a:rPr lang="en-US" i="1" dirty="0" smtClean="0">
+              <a:rPr lang="en-US" i="1" dirty="0">
                 <a:ea typeface="Wingdings"/>
                 <a:cs typeface="Wingdings"/>
                 <a:sym typeface="Wingdings"/>
@@ -9569,7 +9535,7 @@
               <a:t>grammars</a:t>
             </a:r>
             <a:r>
-              <a:rPr lang="en-US" dirty="0" smtClean="0">
+              <a:rPr lang="en-US" dirty="0">
                 <a:ea typeface="Wingdings"/>
                 <a:cs typeface="Wingdings"/>
                 <a:sym typeface="Wingdings"/>
@@ -9590,13 +9556,6 @@
   <p:clrMapOvr>
     <a:masterClrMapping/>
   </p:clrMapOvr>
-  <p:timing>
-    <p:tnLst>
-      <p:par>
-        <p:cTn id="1" dur="indefinite" restart="never" nodeType="tmRoot"/>
-      </p:par>
-    </p:tnLst>
-  </p:timing>
 </p:sld>
 </file>
 
@@ -9633,20 +9592,8 @@
           <a:lstStyle/>
           <a:p>
             <a:r>
-              <a:rPr lang="en-US" dirty="0" smtClean="0"/>
-              <a:t>Top</a:t>
-            </a:r>
-            <a:r>
               <a:rPr lang="en-US" dirty="0"/>
-              <a:t>-Down </a:t>
-            </a:r>
-            <a:r>
-              <a:rPr lang="en-US" dirty="0" smtClean="0"/>
-              <a:t>Parsers </a:t>
-            </a:r>
-            <a:r>
-              <a:rPr lang="en-US" dirty="0"/>
-              <a:t>- LL(1)</a:t>
+              <a:t>Top-Down Parsers - LL(1)</a:t>
             </a:r>
           </a:p>
         </p:txBody>
@@ -9683,7 +9630,6 @@
               <a:rPr lang="en-US" sz="2600" dirty="0"/>
               <a:t> </a:t>
             </a:r>
-            <a:endParaRPr lang="en-US" sz="2600" dirty="0" smtClean="0"/>
           </a:p>
           <a:p>
             <a:pPr lvl="1">
@@ -9692,18 +9638,9 @@
               </a:lnSpc>
             </a:pPr>
             <a:r>
-              <a:rPr lang="en-US" sz="2200" dirty="0" smtClean="0"/>
-              <a:t>as </a:t>
-            </a:r>
-            <a:r>
               <a:rPr lang="en-US" sz="2200" dirty="0"/>
-              <a:t>opposed to bottom up </a:t>
-            </a:r>
-            <a:r>
-              <a:rPr lang="en-US" sz="2200" dirty="0" smtClean="0"/>
-              <a:t>parsers, LR</a:t>
-            </a:r>
-            <a:endParaRPr lang="en-US" sz="2200" dirty="0"/>
+              <a:t>as opposed to bottom up parsers, LR</a:t>
+            </a:r>
           </a:p>
           <a:p>
             <a:pPr>
@@ -9729,21 +9666,8 @@
             </a:r>
             <a:r>
               <a:rPr lang="en-US" sz="2600" dirty="0"/>
-              <a:t> </a:t>
-            </a:r>
-            <a:r>
-              <a:rPr lang="en-US" sz="2600" dirty="0" smtClean="0"/>
-              <a:t>to decide </a:t>
-            </a:r>
-            <a:r>
-              <a:rPr lang="en-US" sz="2600" dirty="0"/>
-              <a:t>how to construct the next node(s) in the </a:t>
-            </a:r>
-            <a:r>
-              <a:rPr lang="en-US" sz="2600" dirty="0" smtClean="0"/>
-              <a:t>parse tree. </a:t>
-            </a:r>
-            <a:endParaRPr lang="en-US" sz="2600" dirty="0"/>
+              <a:t> to decide how to construct the next node(s) in the parse tree. </a:t>
+            </a:r>
           </a:p>
           <a:p>
             <a:pPr>
@@ -9791,11 +9715,7 @@
             </a:r>
             <a:r>
               <a:rPr lang="en-US" sz="2200" dirty="0"/>
-              <a:t>eftmost </a:t>
-            </a:r>
-            <a:r>
-              <a:rPr lang="en-US" sz="2200" dirty="0" smtClean="0"/>
-              <a:t>derivation</a:t>
+              <a:t>eftmost derivation</a:t>
             </a:r>
           </a:p>
           <a:p>
@@ -9805,7 +9725,7 @@
               </a:lnSpc>
             </a:pPr>
             <a:r>
-              <a:rPr lang="en-US" sz="2200" dirty="0" smtClean="0"/>
+              <a:rPr lang="en-US" sz="2200" dirty="0"/>
               <a:t>Uses </a:t>
             </a:r>
             <a:r>
@@ -9832,13 +9752,6 @@
   <p:clrMapOvr>
     <a:masterClrMapping/>
   </p:clrMapOvr>
-  <p:timing>
-    <p:tnLst>
-      <p:par>
-        <p:cTn id="1" dur="indefinite" restart="never" nodeType="tmRoot"/>
-      </p:par>
-    </p:tnLst>
-  </p:timing>
 </p:sld>
 </file>
 
@@ -9908,7 +9821,7 @@
           </a:ln>
           <a:extLst>
             <a:ext uri="{909E8E84-426E-40dd-AFC4-6F175D3DCCD1}">
-              <a14:hiddenFill xmlns:a14="http://schemas.microsoft.com/office/drawing/2010/main" xmlns="">
+              <a14:hiddenFill xmlns="" xmlns:a14="http://schemas.microsoft.com/office/drawing/2010/main">
                 <a:noFill/>
               </a14:hiddenFill>
             </a:ext>
@@ -9937,14 +9850,14 @@
           </a:ln>
           <a:extLst>
             <a:ext uri="{909E8E84-426E-40dd-AFC4-6F175D3DCCD1}">
-              <a14:hiddenFill xmlns:a14="http://schemas.microsoft.com/office/drawing/2010/main" xmlns="">
+              <a14:hiddenFill xmlns="" xmlns:a14="http://schemas.microsoft.com/office/drawing/2010/main">
                 <a:solidFill>
                   <a:schemeClr val="accent1"/>
                 </a:solidFill>
               </a14:hiddenFill>
             </a:ext>
             <a:ext uri="{91240B29-F687-4f45-9708-019B960494DF}">
-              <a14:hiddenLine xmlns:a14="http://schemas.microsoft.com/office/drawing/2010/main" xmlns="" w="9525">
+              <a14:hiddenLine xmlns="" xmlns:a14="http://schemas.microsoft.com/office/drawing/2010/main" w="9525">
                 <a:solidFill>
                   <a:schemeClr val="tx1"/>
                 </a:solidFill>
@@ -9994,14 +9907,14 @@
           </a:ln>
           <a:extLst>
             <a:ext uri="{909E8E84-426E-40dd-AFC4-6F175D3DCCD1}">
-              <a14:hiddenFill xmlns:a14="http://schemas.microsoft.com/office/drawing/2010/main" xmlns="">
+              <a14:hiddenFill xmlns="" xmlns:a14="http://schemas.microsoft.com/office/drawing/2010/main">
                 <a:solidFill>
                   <a:schemeClr val="accent1"/>
                 </a:solidFill>
               </a14:hiddenFill>
             </a:ext>
             <a:ext uri="{91240B29-F687-4f45-9708-019B960494DF}">
-              <a14:hiddenLine xmlns:a14="http://schemas.microsoft.com/office/drawing/2010/main" xmlns="" w="9525">
+              <a14:hiddenLine xmlns="" xmlns:a14="http://schemas.microsoft.com/office/drawing/2010/main" w="9525">
                 <a:solidFill>
                   <a:schemeClr val="tx1"/>
                 </a:solidFill>
@@ -10052,16 +9965,12 @@
           <a:lstStyle/>
           <a:p>
             <a:r>
-              <a:rPr lang="en-US" dirty="0" err="1" smtClean="0"/>
+              <a:rPr lang="en-US" dirty="0" err="1"/>
               <a:t>prog</a:t>
             </a:r>
             <a:r>
-              <a:rPr lang="en-US" dirty="0" smtClean="0"/>
-              <a:t> </a:t>
-            </a:r>
-            <a:r>
               <a:rPr lang="en-US" dirty="0"/>
-              <a:t>: </a:t>
+              <a:t> : </a:t>
             </a:r>
             <a:r>
               <a:rPr lang="en-US" dirty="0">
@@ -10100,7 +10009,7 @@
               <a:t> </a:t>
             </a:r>
             <a:r>
-              <a:rPr lang="en-US" dirty="0" err="1" smtClean="0"/>
+              <a:rPr lang="en-US" dirty="0" err="1"/>
               <a:t>prog</a:t>
             </a:r>
             <a:endParaRPr lang="en-US" dirty="0"/>
@@ -10108,11 +10017,7 @@
           <a:p>
             <a:r>
               <a:rPr lang="en-US" dirty="0"/>
-              <a:t>         </a:t>
-            </a:r>
-            <a:r>
-              <a:rPr lang="en-US" dirty="0" smtClean="0"/>
-              <a:t>| </a:t>
+              <a:t>         | </a:t>
             </a:r>
             <a:r>
               <a:rPr lang="en-US" dirty="0">
@@ -10163,15 +10068,7 @@
           <a:p>
             <a:r>
               <a:rPr lang="sv-SE" dirty="0"/>
-              <a:t>  </a:t>
-            </a:r>
-            <a:r>
-              <a:rPr lang="sv-SE" dirty="0" smtClean="0"/>
-              <a:t>      </a:t>
-            </a:r>
-            <a:r>
-              <a:rPr lang="sv-SE" dirty="0"/>
-              <a:t>| </a:t>
+              <a:t>        | </a:t>
             </a:r>
             <a:r>
               <a:rPr lang="sv-SE" dirty="0">
@@ -10235,15 +10132,7 @@
           <a:p>
             <a:r>
               <a:rPr lang="nl-NL" dirty="0"/>
-              <a:t> </a:t>
-            </a:r>
-            <a:r>
-              <a:rPr lang="nl-NL" dirty="0" smtClean="0"/>
-              <a:t>      </a:t>
-            </a:r>
-            <a:r>
-              <a:rPr lang="nl-NL" dirty="0"/>
-              <a:t>|</a:t>
+              <a:t>       |</a:t>
             </a:r>
             <a:r>
               <a:rPr lang="nl-NL" dirty="0">
@@ -10274,11 +10163,7 @@
           <a:p>
             <a:r>
               <a:rPr lang="nl-NL" dirty="0"/>
-              <a:t>    </a:t>
-            </a:r>
-            <a:r>
-              <a:rPr lang="nl-NL" dirty="0" smtClean="0"/>
-              <a:t>   | </a:t>
+              <a:t>       | </a:t>
             </a:r>
             <a:r>
               <a:rPr lang="nl-NL" dirty="0">
@@ -10304,15 +10189,7 @@
           <a:p>
             <a:r>
               <a:rPr lang="nl-NL" dirty="0"/>
-              <a:t>   </a:t>
-            </a:r>
-            <a:r>
-              <a:rPr lang="nl-NL" dirty="0" smtClean="0"/>
-              <a:t>    </a:t>
-            </a:r>
-            <a:r>
-              <a:rPr lang="nl-NL" dirty="0"/>
-              <a:t>|</a:t>
+              <a:t>       |</a:t>
             </a:r>
             <a:r>
               <a:rPr lang="nl-NL" dirty="0">
@@ -10346,11 +10223,7 @@
           <a:p>
             <a:r>
               <a:rPr lang="ro-RO" dirty="0"/>
-              <a:t>    </a:t>
-            </a:r>
-            <a:r>
-              <a:rPr lang="ro-RO" dirty="0" smtClean="0"/>
-              <a:t>   | </a:t>
+              <a:t>       | </a:t>
             </a:r>
             <a:r>
               <a:rPr lang="ro-RO" dirty="0">
@@ -10575,28 +10448,20 @@
           <a:lstStyle/>
           <a:p>
             <a:r>
-              <a:rPr lang="en-US" dirty="0" smtClean="0"/>
+              <a:rPr lang="en-US" dirty="0"/>
               <a:t>For top-down parsing we can think</a:t>
             </a:r>
           </a:p>
           <a:p>
             <a:r>
               <a:rPr lang="en-US" dirty="0"/>
-              <a:t>o</a:t>
-            </a:r>
-            <a:r>
-              <a:rPr lang="en-US" dirty="0" smtClean="0"/>
-              <a:t>f the grammar extended with the</a:t>
+              <a:t>of the grammar extended with the</a:t>
             </a:r>
           </a:p>
           <a:p>
             <a:r>
               <a:rPr lang="en-US" dirty="0"/>
-              <a:t>o</a:t>
-            </a:r>
-            <a:r>
-              <a:rPr lang="en-US" dirty="0" smtClean="0"/>
-              <a:t>ne token look-ahead set.</a:t>
+              <a:t>one token look-ahead set.</a:t>
             </a:r>
           </a:p>
           <a:p>
@@ -10604,30 +10469,21 @@
           </a:p>
           <a:p>
             <a:r>
-              <a:rPr lang="en-US" dirty="0" smtClean="0"/>
+              <a:rPr lang="en-US" dirty="0"/>
               <a:t>The look-ahead set uniquely identifies</a:t>
             </a:r>
           </a:p>
           <a:p>
             <a:r>
               <a:rPr lang="en-US" dirty="0"/>
-              <a:t>t</a:t>
-            </a:r>
-            <a:r>
-              <a:rPr lang="en-US" dirty="0" smtClean="0"/>
-              <a:t>he selection of each rule within a</a:t>
+              <a:t>the selection of each rule within a</a:t>
             </a:r>
           </a:p>
           <a:p>
             <a:r>
               <a:rPr lang="en-US" dirty="0"/>
-              <a:t>b</a:t>
-            </a:r>
-            <a:r>
-              <a:rPr lang="en-US" dirty="0" smtClean="0"/>
-              <a:t>lock of rules</a:t>
-            </a:r>
-            <a:endParaRPr lang="en-US" dirty="0"/>
+              <a:t>block of rules</a:t>
+            </a:r>
           </a:p>
         </p:txBody>
       </p:sp>
@@ -10636,13 +10492,6 @@
   <p:clrMapOvr>
     <a:masterClrMapping/>
   </p:clrMapOvr>
-  <p:timing>
-    <p:tnLst>
-      <p:par>
-        <p:cTn id="1" dur="indefinite" restart="never" nodeType="tmRoot"/>
-      </p:par>
-    </p:tnLst>
-  </p:timing>
 </p:sld>
 </file>
 
@@ -10716,39 +10565,38 @@
           <a:lstStyle/>
           <a:p>
             <a:r>
-              <a:rPr lang="en-US" dirty="0" smtClean="0"/>
+              <a:rPr lang="en-US" dirty="0"/>
               <a:t>Note: a grammar is a list of rules and a rule is the tuple (non-terminal, body)</a:t>
             </a:r>
           </a:p>
           <a:p>
             <a:r>
-              <a:rPr lang="en-US" dirty="0" smtClean="0"/>
+              <a:rPr lang="en-US" dirty="0"/>
               <a:t>Note: a grammar extended with </a:t>
             </a:r>
             <a:r>
-              <a:rPr lang="en-US" dirty="0" err="1" smtClean="0"/>
+              <a:rPr lang="en-US" dirty="0" err="1"/>
               <a:t>lookahead</a:t>
             </a:r>
             <a:r>
-              <a:rPr lang="en-US" dirty="0" smtClean="0"/>
+              <a:rPr lang="en-US" dirty="0"/>
               <a:t> sets is a list of rules where each rule</a:t>
             </a:r>
             <a:br>
-              <a:rPr lang="en-US" dirty="0" smtClean="0"/>
+              <a:rPr lang="en-US" dirty="0"/>
             </a:br>
             <a:r>
-              <a:rPr lang="en-US" dirty="0" smtClean="0"/>
+              <a:rPr lang="en-US" dirty="0"/>
               <a:t>          is the tuple (non-terminal, </a:t>
             </a:r>
             <a:r>
-              <a:rPr lang="en-US" dirty="0" err="1" smtClean="0"/>
+              <a:rPr lang="en-US" dirty="0" err="1"/>
               <a:t>lookahead</a:t>
             </a:r>
             <a:r>
-              <a:rPr lang="en-US" dirty="0" smtClean="0"/>
+              <a:rPr lang="en-US" dirty="0"/>
               <a:t>-set, body)</a:t>
             </a:r>
-            <a:endParaRPr lang="en-US" dirty="0"/>
           </a:p>
         </p:txBody>
       </p:sp>
@@ -10791,13 +10639,6 @@
   <p:clrMapOvr>
     <a:masterClrMapping/>
   </p:clrMapOvr>
-  <p:timing>
-    <p:tnLst>
-      <p:par>
-        <p:cTn id="1" dur="indefinite" restart="never" nodeType="tmRoot"/>
-      </p:par>
-    </p:tnLst>
-  </p:timing>
 </p:sld>
 </file>
 
@@ -10898,7 +10739,7 @@
           <a:effectLst/>
           <a:extLst>
             <a:ext uri="{AF507438-7753-43e0-B8FC-AC1667EBCBE1}">
-              <a14:hiddenEffects xmlns:a14="http://schemas.microsoft.com/office/drawing/2010/main" xmlns="">
+              <a14:hiddenEffects xmlns="" xmlns:a14="http://schemas.microsoft.com/office/drawing/2010/main">
                 <a:effectLst>
                   <a:outerShdw blurRad="63500" dist="38099" dir="2700000" algn="ctr" rotWithShape="0">
                     <a:schemeClr val="bg2">
@@ -10934,10 +10775,9 @@
           <a:lstStyle/>
           <a:p>
             <a:r>
-              <a:rPr lang="en-US" dirty="0" smtClean="0"/>
+              <a:rPr lang="en-US" dirty="0"/>
               <a:t>set union operator in Python</a:t>
             </a:r>
-            <a:endParaRPr lang="en-US" dirty="0"/>
           </a:p>
         </p:txBody>
       </p:sp>
@@ -10951,13 +10791,6 @@
   <p:clrMapOvr>
     <a:masterClrMapping/>
   </p:clrMapOvr>
-  <p:timing>
-    <p:tnLst>
-      <p:par>
-        <p:cTn id="1" dur="indefinite" restart="never" nodeType="tmRoot"/>
-      </p:par>
-    </p:tnLst>
-  </p:timing>
 </p:sld>
 </file>
 
@@ -11027,7 +10860,6 @@
             <a:tailEnd type="none" w="med" len="med"/>
           </a:ln>
           <a:effectLst/>
-          <a:extLst/>
         </p:spPr>
         <p:txBody>
           <a:bodyPr vert="horz" wrap="square" lIns="91440" tIns="45720" rIns="91440" bIns="45720" numCol="1" rtlCol="0" anchor="t" anchorCtr="0" compatLnSpc="1">
@@ -11095,7 +10927,7 @@
           </a:ln>
           <a:extLst>
             <a:ext uri="{909E8E84-426E-40dd-AFC4-6F175D3DCCD1}">
-              <a14:hiddenFill xmlns:a14="http://schemas.microsoft.com/office/drawing/2010/main" xmlns="">
+              <a14:hiddenFill xmlns="" xmlns:a14="http://schemas.microsoft.com/office/drawing/2010/main">
                 <a:solidFill>
                   <a:schemeClr val="accent1"/>
                 </a:solidFill>
@@ -11110,11 +10942,11 @@
           <a:lstStyle/>
           <a:p>
             <a:r>
-              <a:rPr lang="da-DK" b="1" dirty="0" err="1" smtClean="0"/>
+              <a:rPr lang="da-DK" b="1" dirty="0" err="1"/>
               <a:t>grammar</a:t>
             </a:r>
             <a:r>
-              <a:rPr lang="da-DK" b="1" dirty="0" smtClean="0"/>
+              <a:rPr lang="da-DK" b="1" dirty="0"/>
               <a:t> G:</a:t>
             </a:r>
           </a:p>
@@ -11123,16 +10955,12 @@
           </a:p>
           <a:p>
             <a:r>
-              <a:rPr lang="da-DK" dirty="0" err="1" smtClean="0"/>
+              <a:rPr lang="da-DK" dirty="0" err="1"/>
               <a:t>prog</a:t>
             </a:r>
             <a:r>
-              <a:rPr lang="da-DK" dirty="0" smtClean="0"/>
-              <a:t> </a:t>
-            </a:r>
-            <a:r>
               <a:rPr lang="da-DK" dirty="0"/>
-              <a:t>: </a:t>
+              <a:t> : </a:t>
             </a:r>
             <a:r>
               <a:rPr lang="da-DK" dirty="0" err="1"/>
@@ -11143,7 +10971,7 @@
               <a:t> </a:t>
             </a:r>
             <a:r>
-              <a:rPr lang="da-DK" dirty="0" err="1" smtClean="0"/>
+              <a:rPr lang="da-DK" dirty="0" err="1"/>
               <a:t>prog</a:t>
             </a:r>
             <a:endParaRPr lang="da-DK" dirty="0"/>
@@ -11151,15 +10979,7 @@
           <a:p>
             <a:r>
               <a:rPr lang="da-DK" dirty="0"/>
-              <a:t>    </a:t>
-            </a:r>
-            <a:r>
-              <a:rPr lang="da-DK" dirty="0" smtClean="0"/>
-              <a:t>    | </a:t>
-            </a:r>
-            <a:r>
-              <a:rPr lang="da-DK" dirty="0"/>
-              <a:t>""</a:t>
+              <a:t>        | ""</a:t>
             </a:r>
           </a:p>
           <a:p>
@@ -11189,15 +11009,7 @@
           <a:p>
             <a:r>
               <a:rPr lang="da-DK" dirty="0"/>
-              <a:t>  </a:t>
-            </a:r>
-            <a:r>
-              <a:rPr lang="da-DK" dirty="0" smtClean="0"/>
-              <a:t>      </a:t>
-            </a:r>
-            <a:r>
-              <a:rPr lang="da-DK" dirty="0"/>
-              <a:t>| s var </a:t>
+              <a:t>        | s var </a:t>
             </a:r>
             <a:r>
               <a:rPr lang="da-DK" dirty="0" err="1"/>
@@ -11240,15 +11052,7 @@
           <a:p>
             <a:r>
               <a:rPr lang="da-DK" dirty="0"/>
-              <a:t> </a:t>
-            </a:r>
-            <a:r>
-              <a:rPr lang="da-DK" dirty="0" smtClean="0"/>
-              <a:t>      </a:t>
-            </a:r>
-            <a:r>
-              <a:rPr lang="da-DK" dirty="0"/>
-              <a:t>| - </a:t>
+              <a:t>       | - </a:t>
             </a:r>
             <a:r>
               <a:rPr lang="da-DK" dirty="0" err="1"/>
@@ -11267,15 +11071,7 @@
           <a:p>
             <a:r>
               <a:rPr lang="da-DK" dirty="0"/>
-              <a:t> </a:t>
-            </a:r>
-            <a:r>
-              <a:rPr lang="da-DK" dirty="0" smtClean="0"/>
-              <a:t>      </a:t>
-            </a:r>
-            <a:r>
-              <a:rPr lang="da-DK" dirty="0"/>
-              <a:t>| ( </a:t>
+              <a:t>       | ( </a:t>
             </a:r>
             <a:r>
               <a:rPr lang="da-DK" dirty="0" err="1"/>
@@ -11288,22 +11084,14 @@
           </a:p>
           <a:p>
             <a:r>
-              <a:rPr lang="da-DK" dirty="0" smtClean="0"/>
-              <a:t>       </a:t>
-            </a:r>
-            <a:r>
               <a:rPr lang="da-DK" dirty="0"/>
-              <a:t>| var</a:t>
-            </a:r>
-          </a:p>
-          <a:p>
-            <a:r>
-              <a:rPr lang="da-DK" dirty="0" smtClean="0"/>
-              <a:t>       </a:t>
-            </a:r>
+              <a:t>       | var</a:t>
+            </a:r>
+          </a:p>
+          <a:p>
             <a:r>
               <a:rPr lang="da-DK" dirty="0"/>
-              <a:t>| </a:t>
+              <a:t>       | </a:t>
             </a:r>
             <a:r>
               <a:rPr lang="da-DK" dirty="0" err="1"/>
@@ -11333,13 +11121,8 @@
             </a:r>
             <a:r>
               <a:rPr lang="da-DK" dirty="0"/>
-              <a:t> : 0 | 1 | 2 | 3 | 4 | 5 | 6 | 7 | 8 |</a:t>
-            </a:r>
-            <a:r>
-              <a:rPr lang="da-DK" dirty="0" smtClean="0"/>
-              <a:t>9</a:t>
-            </a:r>
-            <a:endParaRPr lang="da-DK" dirty="0"/>
+              <a:t> : 0 | 1 | 2 | 3 | 4 | 5 | 6 | 7 | 8 |9</a:t>
+            </a:r>
           </a:p>
         </p:txBody>
       </p:sp>
@@ -11370,7 +11153,7 @@
           <a:lstStyle/>
           <a:p>
             <a:r>
-              <a:rPr lang="en-US" b="1" dirty="0" smtClean="0"/>
+              <a:rPr lang="en-US" b="1" dirty="0"/>
               <a:t>grammar GL:</a:t>
             </a:r>
           </a:p>
@@ -11379,16 +11162,12 @@
           </a:p>
           <a:p>
             <a:r>
-              <a:rPr lang="en-US" dirty="0" err="1" smtClean="0"/>
+              <a:rPr lang="en-US" dirty="0" err="1"/>
               <a:t>prog</a:t>
             </a:r>
             <a:r>
-              <a:rPr lang="en-US" dirty="0" smtClean="0"/>
-              <a:t> </a:t>
-            </a:r>
-            <a:r>
               <a:rPr lang="en-US" dirty="0"/>
-              <a:t>: </a:t>
+              <a:t> : </a:t>
             </a:r>
             <a:r>
               <a:rPr lang="en-US" dirty="0">
@@ -11427,7 +11206,7 @@
               <a:t> </a:t>
             </a:r>
             <a:r>
-              <a:rPr lang="en-US" dirty="0" err="1" smtClean="0"/>
+              <a:rPr lang="en-US" dirty="0" err="1"/>
               <a:t>prog</a:t>
             </a:r>
             <a:endParaRPr lang="en-US" dirty="0"/>
@@ -11435,11 +11214,7 @@
           <a:p>
             <a:r>
               <a:rPr lang="en-US" dirty="0"/>
-              <a:t>         </a:t>
-            </a:r>
-            <a:r>
-              <a:rPr lang="en-US" dirty="0" smtClean="0"/>
-              <a:t>| </a:t>
+              <a:t>         | </a:t>
             </a:r>
             <a:r>
               <a:rPr lang="en-US" dirty="0">
@@ -11490,15 +11265,7 @@
           <a:p>
             <a:r>
               <a:rPr lang="sv-SE" dirty="0"/>
-              <a:t>  </a:t>
-            </a:r>
-            <a:r>
-              <a:rPr lang="sv-SE" dirty="0" smtClean="0"/>
-              <a:t>      </a:t>
-            </a:r>
-            <a:r>
-              <a:rPr lang="sv-SE" dirty="0"/>
-              <a:t>| </a:t>
+              <a:t>        | </a:t>
             </a:r>
             <a:r>
               <a:rPr lang="sv-SE" dirty="0">
@@ -11562,15 +11329,7 @@
           <a:p>
             <a:r>
               <a:rPr lang="nl-NL" dirty="0"/>
-              <a:t> </a:t>
-            </a:r>
-            <a:r>
-              <a:rPr lang="nl-NL" dirty="0" smtClean="0"/>
-              <a:t>      </a:t>
-            </a:r>
-            <a:r>
-              <a:rPr lang="nl-NL" dirty="0"/>
-              <a:t>|</a:t>
+              <a:t>       |</a:t>
             </a:r>
             <a:r>
               <a:rPr lang="nl-NL" dirty="0">
@@ -11601,11 +11360,7 @@
           <a:p>
             <a:r>
               <a:rPr lang="nl-NL" dirty="0"/>
-              <a:t>    </a:t>
-            </a:r>
-            <a:r>
-              <a:rPr lang="nl-NL" dirty="0" smtClean="0"/>
-              <a:t>   | </a:t>
+              <a:t>       | </a:t>
             </a:r>
             <a:r>
               <a:rPr lang="nl-NL" dirty="0">
@@ -11631,15 +11386,7 @@
           <a:p>
             <a:r>
               <a:rPr lang="nl-NL" dirty="0"/>
-              <a:t>   </a:t>
-            </a:r>
-            <a:r>
-              <a:rPr lang="nl-NL" dirty="0" smtClean="0"/>
-              <a:t>    </a:t>
-            </a:r>
-            <a:r>
-              <a:rPr lang="nl-NL" dirty="0"/>
-              <a:t>|</a:t>
+              <a:t>       |</a:t>
             </a:r>
             <a:r>
               <a:rPr lang="nl-NL" dirty="0">
@@ -11673,11 +11420,7 @@
           <a:p>
             <a:r>
               <a:rPr lang="ro-RO" dirty="0"/>
-              <a:t>    </a:t>
-            </a:r>
-            <a:r>
-              <a:rPr lang="ro-RO" dirty="0" smtClean="0"/>
-              <a:t>   | </a:t>
+              <a:t>       | </a:t>
             </a:r>
             <a:r>
               <a:rPr lang="ro-RO" dirty="0">
@@ -11786,7 +11529,7 @@
               <a:t>2 | </a:t>
             </a:r>
             <a:r>
-              <a:rPr lang="is-IS" dirty="0" smtClean="0">
+              <a:rPr lang="is-IS" dirty="0">
                 <a:solidFill>
                   <a:srgbClr val="000000"/>
                 </a:solidFill>
@@ -11794,7 +11537,7 @@
               <a:t>... </a:t>
             </a:r>
             <a:r>
-              <a:rPr lang="is-IS" dirty="0" smtClean="0"/>
+              <a:rPr lang="is-IS" dirty="0"/>
               <a:t>| </a:t>
             </a:r>
             <a:r>
@@ -11834,13 +11577,6 @@
   <p:clrMapOvr>
     <a:masterClrMapping/>
   </p:clrMapOvr>
-  <p:timing>
-    <p:tnLst>
-      <p:par>
-        <p:cTn id="1" dur="indefinite" restart="never" nodeType="tmRoot"/>
-      </p:par>
-    </p:tnLst>
-  </p:timing>
 </p:sld>
 </file>
 
@@ -11923,43 +11659,27 @@
           </a:p>
           <a:p>
             <a:r>
-              <a:rPr lang="en-US" sz="2800" dirty="0" err="1" smtClean="0"/>
+              <a:rPr lang="en-US" sz="2800" dirty="0" err="1"/>
               <a:t>sLL</a:t>
             </a:r>
             <a:r>
-              <a:rPr lang="en-US" sz="2800" dirty="0" smtClean="0"/>
-              <a:t>(1</a:t>
-            </a:r>
-            <a:r>
               <a:rPr lang="en-US" sz="2800" dirty="0"/>
-              <a:t>) parsing </a:t>
-            </a:r>
-            <a:r>
-              <a:rPr lang="en-US" sz="2800" dirty="0" smtClean="0"/>
-              <a:t>does not </a:t>
+              <a:t>(1) parsing does not deal with non-terminals that expand into the empty string in the first position of a production </a:t>
+            </a:r>
+            <a:r>
+              <a:rPr lang="mr-IN" sz="2800" dirty="0"/>
+              <a:t>–</a:t>
             </a:r>
             <a:r>
               <a:rPr lang="en-US" sz="2800" dirty="0"/>
-              <a:t>deal with non-terminals that expand into the empty string in the first position of a </a:t>
-            </a:r>
-            <a:r>
-              <a:rPr lang="en-US" sz="2800" dirty="0" smtClean="0"/>
-              <a:t>production </a:t>
-            </a:r>
-            <a:r>
-              <a:rPr lang="mr-IN" sz="2800" dirty="0" smtClean="0"/>
-              <a:t>–</a:t>
-            </a:r>
-            <a:r>
-              <a:rPr lang="en-US" sz="2800" dirty="0" smtClean="0"/>
               <a:t> also called </a:t>
             </a:r>
             <a:r>
-              <a:rPr lang="en-US" sz="2800" i="1" dirty="0" err="1" smtClean="0"/>
+              <a:rPr lang="en-US" sz="2800" i="1" dirty="0" err="1"/>
               <a:t>nullable</a:t>
             </a:r>
             <a:r>
-              <a:rPr lang="en-US" sz="2800" i="1" dirty="0" smtClean="0"/>
+              <a:rPr lang="en-US" sz="2800" i="1" dirty="0"/>
               <a:t> prefixes.</a:t>
             </a:r>
             <a:endParaRPr lang="en-US" sz="2800" dirty="0"/>
@@ -11975,21 +11695,8 @@
             </a:r>
             <a:r>
               <a:rPr lang="en-US" sz="2800" dirty="0"/>
-              <a:t>(1) but when we use </a:t>
-            </a:r>
-            <a:r>
-              <a:rPr lang="en-US" sz="2800" dirty="0" smtClean="0"/>
-              <a:t>Ply and we </a:t>
-            </a:r>
-            <a:r>
-              <a:rPr lang="en-US" sz="2800" dirty="0"/>
-              <a:t>will have access to </a:t>
-            </a:r>
-            <a:r>
-              <a:rPr lang="en-US" sz="2800" dirty="0" smtClean="0"/>
-              <a:t>a powerful parsing technique called LR(1).</a:t>
-            </a:r>
-            <a:endParaRPr lang="en-US" sz="2800" dirty="0"/>
+              <a:t>(1) but when we use Ply and we will have access to a powerful parsing technique called LR(1).</a:t>
+            </a:r>
           </a:p>
         </p:txBody>
       </p:sp>
@@ -12003,13 +11710,6 @@
   <p:clrMapOvr>
     <a:masterClrMapping/>
   </p:clrMapOvr>
-  <p:timing>
-    <p:tnLst>
-      <p:par>
-        <p:cTn id="1" dur="indefinite" restart="never" nodeType="tmRoot"/>
-      </p:par>
-    </p:tnLst>
-  </p:timing>
 </p:sld>
 </file>
 
@@ -12091,14 +11791,10 @@
             </a:r>
             <a:r>
               <a:rPr lang="en-US" i="1" dirty="0"/>
-              <a:t>implements the right sides of the rules for each </a:t>
-            </a:r>
-            <a:r>
-              <a:rPr lang="en-US" i="1" dirty="0" smtClean="0"/>
-              <a:t>non-terminal </a:t>
-            </a:r>
-            <a:r>
-              <a:rPr lang="en-US" dirty="0" smtClean="0"/>
+              <a:t>implements the right sides of the rules for each non-terminal </a:t>
+            </a:r>
+            <a:r>
+              <a:rPr lang="en-US" dirty="0"/>
               <a:t>in order to:</a:t>
             </a:r>
             <a:endParaRPr lang="en-US" i="1" dirty="0"/>
@@ -12124,13 +11820,6 @@
   <p:clrMapOvr>
     <a:masterClrMapping/>
   </p:clrMapOvr>
-  <p:timing>
-    <p:tnLst>
-      <p:par>
-        <p:cTn id="1" dur="indefinite" restart="never" nodeType="tmRoot"/>
-      </p:par>
-    </p:tnLst>
-  </p:timing>
 </p:sld>
 </file>
 
@@ -12168,13 +11857,8 @@
           <a:p>
             <a:r>
               <a:rPr lang="en-US" dirty="0"/>
-              <a:t>Constructing a </a:t>
-            </a:r>
-            <a:r>
-              <a:rPr lang="en-US" dirty="0" smtClean="0"/>
-              <a:t>Parser by Hand</a:t>
-            </a:r>
-            <a:endParaRPr lang="en-US" dirty="0"/>
+              <a:t>Constructing a Parser by Hand</a:t>
+            </a:r>
           </a:p>
         </p:txBody>
       </p:sp>
@@ -12206,7 +11890,7 @@
               </a:lnSpc>
             </a:pPr>
             <a:r>
-              <a:rPr lang="en-US" sz="2600" dirty="0" smtClean="0"/>
+              <a:rPr lang="en-US" sz="2600" dirty="0"/>
               <a:t>A parser for Exp0</a:t>
             </a:r>
           </a:p>
@@ -12217,15 +11901,15 @@
               </a:lnSpc>
             </a:pPr>
             <a:r>
-              <a:rPr lang="en-US" sz="2200" dirty="0" smtClean="0"/>
+              <a:rPr lang="en-US" sz="2200" dirty="0"/>
               <a:t>We start with the grammar for Exp0 extended with the </a:t>
             </a:r>
             <a:r>
-              <a:rPr lang="en-US" sz="2200" dirty="0" err="1" smtClean="0"/>
+              <a:rPr lang="en-US" sz="2200" dirty="0" err="1"/>
               <a:t>lookahead</a:t>
             </a:r>
             <a:r>
-              <a:rPr lang="en-US" sz="2200" dirty="0" smtClean="0"/>
+              <a:rPr lang="en-US" sz="2200" dirty="0"/>
               <a:t> sets</a:t>
             </a:r>
           </a:p>
@@ -12258,16 +11942,12 @@
           <a:lstStyle/>
           <a:p>
             <a:r>
-              <a:rPr lang="en-US" dirty="0" err="1" smtClean="0"/>
+              <a:rPr lang="en-US" dirty="0" err="1"/>
               <a:t>prog</a:t>
             </a:r>
             <a:r>
-              <a:rPr lang="en-US" dirty="0" smtClean="0"/>
-              <a:t> </a:t>
-            </a:r>
-            <a:r>
               <a:rPr lang="en-US" dirty="0"/>
-              <a:t>: </a:t>
+              <a:t> : </a:t>
             </a:r>
             <a:r>
               <a:rPr lang="en-US" dirty="0">
@@ -12306,7 +11986,7 @@
               <a:t> </a:t>
             </a:r>
             <a:r>
-              <a:rPr lang="en-US" dirty="0" err="1" smtClean="0"/>
+              <a:rPr lang="en-US" dirty="0" err="1"/>
               <a:t>prog</a:t>
             </a:r>
             <a:endParaRPr lang="en-US" dirty="0"/>
@@ -12314,11 +11994,7 @@
           <a:p>
             <a:r>
               <a:rPr lang="en-US" dirty="0"/>
-              <a:t>         </a:t>
-            </a:r>
-            <a:r>
-              <a:rPr lang="en-US" dirty="0" smtClean="0"/>
-              <a:t>| </a:t>
+              <a:t>         | </a:t>
             </a:r>
             <a:r>
               <a:rPr lang="en-US" dirty="0">
@@ -12369,15 +12045,7 @@
           <a:p>
             <a:r>
               <a:rPr lang="sv-SE" dirty="0"/>
-              <a:t>  </a:t>
-            </a:r>
-            <a:r>
-              <a:rPr lang="sv-SE" dirty="0" smtClean="0"/>
-              <a:t>      </a:t>
-            </a:r>
-            <a:r>
-              <a:rPr lang="sv-SE" dirty="0"/>
-              <a:t>| </a:t>
+              <a:t>        | </a:t>
             </a:r>
             <a:r>
               <a:rPr lang="sv-SE" dirty="0">
@@ -12441,15 +12109,7 @@
           <a:p>
             <a:r>
               <a:rPr lang="nl-NL" dirty="0"/>
-              <a:t> </a:t>
-            </a:r>
-            <a:r>
-              <a:rPr lang="nl-NL" dirty="0" smtClean="0"/>
-              <a:t>      </a:t>
-            </a:r>
-            <a:r>
-              <a:rPr lang="nl-NL" dirty="0"/>
-              <a:t>|</a:t>
+              <a:t>       |</a:t>
             </a:r>
             <a:r>
               <a:rPr lang="nl-NL" dirty="0">
@@ -12480,11 +12140,7 @@
           <a:p>
             <a:r>
               <a:rPr lang="nl-NL" dirty="0"/>
-              <a:t>    </a:t>
-            </a:r>
-            <a:r>
-              <a:rPr lang="nl-NL" dirty="0" smtClean="0"/>
-              <a:t>   | </a:t>
+              <a:t>       | </a:t>
             </a:r>
             <a:r>
               <a:rPr lang="nl-NL" dirty="0">
@@ -12510,15 +12166,7 @@
           <a:p>
             <a:r>
               <a:rPr lang="nl-NL" dirty="0"/>
-              <a:t>   </a:t>
-            </a:r>
-            <a:r>
-              <a:rPr lang="nl-NL" dirty="0" smtClean="0"/>
-              <a:t>    </a:t>
-            </a:r>
-            <a:r>
-              <a:rPr lang="nl-NL" dirty="0"/>
-              <a:t>|</a:t>
+              <a:t>       |</a:t>
             </a:r>
             <a:r>
               <a:rPr lang="nl-NL" dirty="0">
@@ -12552,11 +12200,7 @@
           <a:p>
             <a:r>
               <a:rPr lang="ro-RO" dirty="0"/>
-              <a:t>    </a:t>
-            </a:r>
-            <a:r>
-              <a:rPr lang="ro-RO" dirty="0" smtClean="0"/>
-              <a:t>   | </a:t>
+              <a:t>       | </a:t>
             </a:r>
             <a:r>
               <a:rPr lang="ro-RO" dirty="0">
@@ -12665,7 +12309,7 @@
               <a:t>2 | </a:t>
             </a:r>
             <a:r>
-              <a:rPr lang="is-IS" dirty="0" smtClean="0">
+              <a:rPr lang="is-IS" dirty="0">
                 <a:solidFill>
                   <a:srgbClr val="000000"/>
                 </a:solidFill>
@@ -12673,7 +12317,7 @@
               <a:t>... </a:t>
             </a:r>
             <a:r>
-              <a:rPr lang="is-IS" dirty="0" smtClean="0"/>
+              <a:rPr lang="is-IS" dirty="0"/>
               <a:t>| </a:t>
             </a:r>
             <a:r>
@@ -12708,13 +12352,6 @@
   <p:clrMapOvr>
     <a:masterClrMapping/>
   </p:clrMapOvr>
-  <p:timing>
-    <p:tnLst>
-      <p:par>
-        <p:cTn id="1" dur="indefinite" restart="never" nodeType="tmRoot"/>
-      </p:par>
-    </p:tnLst>
-  </p:timing>
 </p:sld>
 </file>
 
@@ -12752,13 +12389,8 @@
           <a:p>
             <a:r>
               <a:rPr lang="en-US" dirty="0"/>
-              <a:t>Constructing a </a:t>
-            </a:r>
-            <a:r>
-              <a:rPr lang="en-US" dirty="0" smtClean="0"/>
-              <a:t>Parser by Hand</a:t>
-            </a:r>
-            <a:endParaRPr lang="en-US" dirty="0"/>
+              <a:t>Constructing a Parser by Hand</a:t>
+            </a:r>
           </a:p>
         </p:txBody>
       </p:sp>
@@ -12789,10 +12421,9 @@
               <a:buNone/>
             </a:pPr>
             <a:r>
-              <a:rPr lang="en-US" sz="2600" dirty="0" smtClean="0"/>
+              <a:rPr lang="en-US" sz="2600" dirty="0"/>
               <a:t>We need to set up some sort of character input stream</a:t>
             </a:r>
-            <a:endParaRPr lang="en-US" sz="2600" dirty="0"/>
           </a:p>
         </p:txBody>
       </p:sp>
@@ -12840,82 +12471,71 @@
               <a:t> import </a:t>
             </a:r>
             <a:r>
-              <a:rPr lang="en-US" sz="1600" dirty="0" err="1" smtClean="0">
-                <a:latin typeface="Courier New"/>
-                <a:cs typeface="Courier New"/>
-              </a:rPr>
-              <a:t>InputStream</a:t>
-            </a:r>
-            <a:endParaRPr lang="en-US" sz="1600" dirty="0" smtClean="0">
-              <a:latin typeface="Courier New"/>
-              <a:cs typeface="Courier New"/>
-            </a:endParaRPr>
-          </a:p>
-          <a:p>
-            <a:endParaRPr lang="en-US" sz="1600" dirty="0"/>
-          </a:p>
-          <a:p>
-            <a:r>
-              <a:rPr lang="en-US" sz="1600" dirty="0" err="1" smtClean="0"/>
-              <a:t>InputStream</a:t>
-            </a:r>
-            <a:r>
-              <a:rPr lang="en-US" sz="1600" dirty="0" smtClean="0"/>
-              <a:t> supports the operations: ‘pointer’, ‘next’, and ‘</a:t>
-            </a:r>
-            <a:r>
-              <a:rPr lang="en-US" sz="1600" dirty="0" err="1" smtClean="0"/>
-              <a:t>end_of_file</a:t>
-            </a:r>
-            <a:r>
-              <a:rPr lang="en-US" sz="1600" dirty="0" smtClean="0"/>
-              <a:t>’</a:t>
-            </a:r>
-          </a:p>
-          <a:p>
-            <a:endParaRPr lang="en-US" sz="1600" dirty="0"/>
-          </a:p>
-          <a:p>
-            <a:pPr algn="ctr"/>
-            <a:r>
               <a:rPr lang="en-US" sz="1600" dirty="0" err="1">
                 <a:latin typeface="Courier New"/>
                 <a:cs typeface="Courier New"/>
               </a:rPr>
-              <a:t>s</a:t>
-            </a:r>
-            <a:r>
-              <a:rPr lang="en-US" sz="1600" dirty="0" err="1" smtClean="0">
-                <a:latin typeface="Courier New"/>
-                <a:cs typeface="Courier New"/>
-              </a:rPr>
-              <a:t>et_stream</a:t>
-            </a:r>
-            <a:r>
-              <a:rPr lang="en-US" sz="1600" dirty="0" smtClean="0">
-                <a:latin typeface="Courier New"/>
-                <a:cs typeface="Courier New"/>
-              </a:rPr>
-              <a:t>(</a:t>
-            </a:r>
-            <a:r>
-              <a:rPr lang="en-US" sz="1600" dirty="0" err="1" smtClean="0">
-                <a:latin typeface="Courier New"/>
-                <a:cs typeface="Courier New"/>
-              </a:rPr>
               <a:t>InputStream</a:t>
-            </a:r>
-            <a:r>
-              <a:rPr lang="en-US" sz="1600" dirty="0" smtClean="0">
-                <a:latin typeface="Courier New"/>
-                <a:cs typeface="Courier New"/>
-              </a:rPr>
-              <a:t>([&lt;input list of characters&gt;]))</a:t>
             </a:r>
             <a:endParaRPr lang="en-US" sz="1600" dirty="0">
               <a:latin typeface="Courier New"/>
               <a:cs typeface="Courier New"/>
             </a:endParaRPr>
+          </a:p>
+          <a:p>
+            <a:endParaRPr lang="en-US" sz="1600" dirty="0"/>
+          </a:p>
+          <a:p>
+            <a:r>
+              <a:rPr lang="en-US" sz="1600" dirty="0" err="1"/>
+              <a:t>InputStream</a:t>
+            </a:r>
+            <a:r>
+              <a:rPr lang="en-US" sz="1600" dirty="0"/>
+              <a:t> supports the operations: ‘pointer’, ‘next’, and ‘</a:t>
+            </a:r>
+            <a:r>
+              <a:rPr lang="en-US" sz="1600" dirty="0" err="1"/>
+              <a:t>end_of_file</a:t>
+            </a:r>
+            <a:r>
+              <a:rPr lang="en-US" sz="1600" dirty="0"/>
+              <a:t>’</a:t>
+            </a:r>
+          </a:p>
+          <a:p>
+            <a:endParaRPr lang="en-US" sz="1600" dirty="0"/>
+          </a:p>
+          <a:p>
+            <a:pPr algn="ctr"/>
+            <a:r>
+              <a:rPr lang="en-US" sz="1600" dirty="0" err="1">
+                <a:latin typeface="Courier New"/>
+                <a:cs typeface="Courier New"/>
+              </a:rPr>
+              <a:t>set_stream</a:t>
+            </a:r>
+            <a:r>
+              <a:rPr lang="en-US" sz="1600" dirty="0">
+                <a:latin typeface="Courier New"/>
+                <a:cs typeface="Courier New"/>
+              </a:rPr>
+              <a:t>(</a:t>
+            </a:r>
+            <a:r>
+              <a:rPr lang="en-US" sz="1600" dirty="0" err="1">
+                <a:latin typeface="Courier New"/>
+                <a:cs typeface="Courier New"/>
+              </a:rPr>
+              <a:t>InputStream</a:t>
+            </a:r>
+            <a:r>
+              <a:rPr lang="en-US" sz="1600" dirty="0">
+                <a:latin typeface="Courier New"/>
+                <a:cs typeface="Courier New"/>
+              </a:rPr>
+              <a:t>([&lt;input list of characters&gt;]))</a:t>
+            </a:r>
           </a:p>
         </p:txBody>
       </p:sp>
@@ -12942,19 +12562,19 @@
           <a:lstStyle/>
           <a:p>
             <a:r>
-              <a:rPr lang="en-US" b="1" dirty="0" smtClean="0"/>
+              <a:rPr lang="en-US" b="1" dirty="0"/>
               <a:t>Note</a:t>
             </a:r>
             <a:r>
-              <a:rPr lang="en-US" dirty="0" smtClean="0"/>
+              <a:rPr lang="en-US" dirty="0"/>
               <a:t>: all the Python code given in the slides is available in the ‘code’ section of the </a:t>
             </a:r>
             <a:r>
-              <a:rPr lang="en-US" dirty="0" err="1" smtClean="0"/>
+              <a:rPr lang="en-US" dirty="0" err="1"/>
               <a:t>Plipy</a:t>
             </a:r>
             <a:r>
-              <a:rPr lang="en-US" dirty="0" smtClean="0"/>
+              <a:rPr lang="en-US" dirty="0"/>
               <a:t> Notebooks.</a:t>
             </a:r>
           </a:p>
@@ -12963,14 +12583,13 @@
           </a:p>
           <a:p>
             <a:r>
-              <a:rPr lang="en-US" b="1" dirty="0" smtClean="0"/>
+              <a:rPr lang="en-US" b="1" dirty="0"/>
               <a:t>Note</a:t>
             </a:r>
             <a:r>
-              <a:rPr lang="en-US" dirty="0" smtClean="0"/>
+              <a:rPr lang="en-US" dirty="0"/>
               <a:t>: the hand-built parser for Exp0 is in ’exp0_recdesc.py’</a:t>
             </a:r>
-            <a:endParaRPr lang="en-US" dirty="0"/>
           </a:p>
         </p:txBody>
       </p:sp>
@@ -12984,13 +12603,6 @@
   <p:clrMapOvr>
     <a:masterClrMapping/>
   </p:clrMapOvr>
-  <p:timing>
-    <p:tnLst>
-      <p:par>
-        <p:cTn id="1" dur="indefinite" restart="never" nodeType="tmRoot"/>
-      </p:par>
-    </p:tnLst>
-  </p:timing>
 </p:sld>
 </file>
 
@@ -13028,13 +12640,8 @@
           <a:p>
             <a:r>
               <a:rPr lang="en-US" dirty="0"/>
-              <a:t>Constructing a </a:t>
-            </a:r>
-            <a:r>
-              <a:rPr lang="en-US" dirty="0" smtClean="0"/>
-              <a:t>Parser by Hand</a:t>
-            </a:r>
-            <a:endParaRPr lang="en-US" dirty="0"/>
+              <a:t>Constructing a Parser by Hand</a:t>
+            </a:r>
           </a:p>
         </p:txBody>
       </p:sp>
@@ -13060,14 +12667,14 @@
           </a:ln>
           <a:extLst>
             <a:ext uri="{909E8E84-426E-40dd-AFC4-6F175D3DCCD1}">
-              <a14:hiddenFill xmlns:a14="http://schemas.microsoft.com/office/drawing/2010/main" xmlns="">
+              <a14:hiddenFill xmlns="" xmlns:a14="http://schemas.microsoft.com/office/drawing/2010/main">
                 <a:solidFill>
                   <a:schemeClr val="accent1"/>
                 </a:solidFill>
               </a14:hiddenFill>
             </a:ext>
             <a:ext uri="{91240B29-F687-4f45-9708-019B960494DF}">
-              <a14:hiddenLine xmlns:a14="http://schemas.microsoft.com/office/drawing/2010/main" xmlns="" w="9525">
+              <a14:hiddenLine xmlns="" xmlns:a14="http://schemas.microsoft.com/office/drawing/2010/main" w="9525">
                 <a:solidFill>
                   <a:schemeClr val="tx1"/>
                 </a:solidFill>
@@ -13209,7 +12816,7 @@
               <a:t>         </a:t>
             </a:r>
             <a:r>
-              <a:rPr lang="en-US" sz="1600" dirty="0" smtClean="0">
+              <a:rPr lang="en-US" sz="1600" dirty="0">
                 <a:solidFill>
                   <a:srgbClr val="000000"/>
                 </a:solidFill>
@@ -13219,7 +12826,7 @@
               <a:t>               </a:t>
             </a:r>
             <a:r>
-              <a:rPr lang="mr-IN" sz="1600" dirty="0" smtClean="0">
+              <a:rPr lang="mr-IN" sz="1600" dirty="0">
                 <a:solidFill>
                   <a:srgbClr val="000000"/>
                 </a:solidFill>
@@ -13283,7 +12890,7 @@
           </a:ln>
           <a:extLst>
             <a:ext uri="{909E8E84-426E-40dd-AFC4-6F175D3DCCD1}">
-              <a14:hiddenFill xmlns:a14="http://schemas.microsoft.com/office/drawing/2010/main" xmlns="">
+              <a14:hiddenFill xmlns="" xmlns:a14="http://schemas.microsoft.com/office/drawing/2010/main">
                 <a:solidFill>
                   <a:schemeClr val="accent1"/>
                 </a:solidFill>
@@ -13763,23 +13370,14 @@
             </a:r>
             <a:r>
               <a:rPr lang="en-US" dirty="0"/>
-              <a:t> set is not necessary here – only one rule to choose </a:t>
-            </a:r>
-            <a:r>
-              <a:rPr lang="en-US" dirty="0" smtClean="0"/>
-              <a:t>from </a:t>
+              <a:t> set is not necessary here – only one rule to choose from </a:t>
             </a:r>
           </a:p>
           <a:p>
             <a:r>
               <a:rPr lang="en-US" dirty="0"/>
-              <a:t> </a:t>
-            </a:r>
-            <a:r>
-              <a:rPr lang="en-US" dirty="0" smtClean="0"/>
-              <a:t>          besides the empty rule.</a:t>
-            </a:r>
-            <a:endParaRPr lang="en-US" dirty="0"/>
+              <a:t>           besides the empty rule.</a:t>
+            </a:r>
           </a:p>
         </p:txBody>
       </p:sp>
@@ -13788,13 +13386,6 @@
   <p:clrMapOvr>
     <a:masterClrMapping/>
   </p:clrMapOvr>
-  <p:timing>
-    <p:tnLst>
-      <p:par>
-        <p:cTn id="1" dur="indefinite" restart="never" nodeType="tmRoot"/>
-      </p:par>
-    </p:tnLst>
-  </p:timing>
 </p:sld>
 </file>
 
@@ -13881,21 +13472,16 @@
           <a:p>
             <a:r>
               <a:rPr lang="en-US" sz="2400" dirty="0"/>
-              <a:t>Here we will simply refer to grammars with the understanding that we are referring to CFGs</a:t>
-            </a:r>
-            <a:r>
-              <a:rPr lang="en-US" sz="2400" dirty="0" smtClean="0"/>
-              <a:t>. (there are many kind of other grammars: regular grammars, context-sensitive grammars, </a:t>
-            </a:r>
-            <a:r>
-              <a:rPr lang="en-US" sz="2400" dirty="0" err="1" smtClean="0"/>
+              <a:t>Here we will simply refer to grammars with the understanding that we are referring to CFGs. (there are many kind of other grammars: regular grammars, context-sensitive grammars, </a:t>
+            </a:r>
+            <a:r>
+              <a:rPr lang="en-US" sz="2400" dirty="0" err="1"/>
               <a:t>etc</a:t>
             </a:r>
             <a:r>
-              <a:rPr lang="en-US" sz="2400" dirty="0" smtClean="0"/>
+              <a:rPr lang="en-US" sz="2400" dirty="0"/>
               <a:t>)</a:t>
             </a:r>
-            <a:endParaRPr lang="en-US" sz="2400" dirty="0"/>
           </a:p>
         </p:txBody>
       </p:sp>
@@ -13904,13 +13490,6 @@
   <p:clrMapOvr>
     <a:masterClrMapping/>
   </p:clrMapOvr>
-  <p:timing>
-    <p:tnLst>
-      <p:par>
-        <p:cTn id="1" dur="indefinite" restart="never" nodeType="tmRoot"/>
-      </p:par>
-    </p:tnLst>
-  </p:timing>
 </p:sld>
 </file>
 
@@ -13948,13 +13527,8 @@
           <a:p>
             <a:r>
               <a:rPr lang="en-US" dirty="0"/>
-              <a:t>Constructing a </a:t>
-            </a:r>
-            <a:r>
-              <a:rPr lang="en-US" dirty="0" smtClean="0"/>
-              <a:t>Parser by Hand</a:t>
-            </a:r>
-            <a:endParaRPr lang="en-US" dirty="0"/>
+              <a:t>Constructing a Parser by Hand</a:t>
+            </a:r>
           </a:p>
         </p:txBody>
       </p:sp>
@@ -13980,14 +13554,14 @@
           </a:ln>
           <a:extLst>
             <a:ext uri="{909E8E84-426E-40dd-AFC4-6F175D3DCCD1}">
-              <a14:hiddenFill xmlns:a14="http://schemas.microsoft.com/office/drawing/2010/main" xmlns="">
+              <a14:hiddenFill xmlns="" xmlns:a14="http://schemas.microsoft.com/office/drawing/2010/main">
                 <a:solidFill>
                   <a:schemeClr val="accent1"/>
                 </a:solidFill>
               </a14:hiddenFill>
             </a:ext>
             <a:ext uri="{91240B29-F687-4f45-9708-019B960494DF}">
-              <a14:hiddenLine xmlns:a14="http://schemas.microsoft.com/office/drawing/2010/main" xmlns="" w="9525">
+              <a14:hiddenLine xmlns="" xmlns:a14="http://schemas.microsoft.com/office/drawing/2010/main" w="9525">
                 <a:solidFill>
                   <a:schemeClr val="tx1"/>
                 </a:solidFill>
@@ -14010,14 +13584,10 @@
             </a:r>
             <a:r>
               <a:rPr lang="en-US" sz="1600" dirty="0"/>
-              <a:t>	</a:t>
-            </a:r>
-            <a:r>
-              <a:rPr lang="en-US" sz="1600" dirty="0" smtClean="0"/>
-              <a:t>: </a:t>
-            </a:r>
-            <a:r>
-              <a:rPr lang="en-US" sz="1600" dirty="0" smtClean="0">
+              <a:t>	: </a:t>
+            </a:r>
+            <a:r>
+              <a:rPr lang="en-US" sz="1600" dirty="0">
                 <a:solidFill>
                   <a:srgbClr val="FF0000"/>
                 </a:solidFill>
@@ -14040,14 +13610,10 @@
           <a:p>
             <a:r>
               <a:rPr lang="en-US" sz="1600" dirty="0"/>
-              <a:t>	</a:t>
-            </a:r>
-            <a:r>
-              <a:rPr lang="en-US" sz="1600" dirty="0" smtClean="0"/>
-              <a:t>| </a:t>
-            </a:r>
-            <a:r>
-              <a:rPr lang="en-US" sz="1600" dirty="0" smtClean="0">
+              <a:t>	| </a:t>
+            </a:r>
+            <a:r>
+              <a:rPr lang="en-US" sz="1600" dirty="0">
                 <a:solidFill>
                   <a:srgbClr val="FF0000"/>
                 </a:solidFill>
@@ -14056,18 +13622,14 @@
             </a:r>
             <a:r>
               <a:rPr lang="en-US" sz="1600" dirty="0"/>
-              <a:t>	'</a:t>
-            </a:r>
-            <a:r>
-              <a:rPr lang="en-US" sz="1600" dirty="0" smtClean="0"/>
-              <a:t>s’ </a:t>
-            </a:r>
-            <a:r>
-              <a:rPr lang="en-US" sz="1600" dirty="0" err="1" smtClean="0"/>
+              <a:t>	's’ </a:t>
+            </a:r>
+            <a:r>
+              <a:rPr lang="en-US" sz="1600" dirty="0" err="1"/>
               <a:t>var</a:t>
             </a:r>
             <a:r>
-              <a:rPr lang="en-US" sz="1600" dirty="0" smtClean="0"/>
+              <a:rPr lang="en-US" sz="1600" dirty="0"/>
               <a:t> </a:t>
             </a:r>
             <a:r>
@@ -14108,7 +13670,7 @@
           </a:ln>
           <a:extLst>
             <a:ext uri="{909E8E84-426E-40dd-AFC4-6F175D3DCCD1}">
-              <a14:hiddenFill xmlns:a14="http://schemas.microsoft.com/office/drawing/2010/main" xmlns="">
+              <a14:hiddenFill xmlns="" xmlns:a14="http://schemas.microsoft.com/office/drawing/2010/main">
                 <a:solidFill>
                   <a:schemeClr val="accent1"/>
                 </a:solidFill>
@@ -14338,48 +13900,39 @@
                 </a:solidFill>
                 <a:latin typeface="Menlo" charset="0"/>
               </a:rPr>
-              <a:t>        I.match</a:t>
-            </a:r>
-            <a:r>
-              <a:rPr lang="is-IS" sz="1000" dirty="0" smtClean="0">
+              <a:t>        I.match(</a:t>
+            </a:r>
+            <a:r>
+              <a:rPr lang="is-IS" sz="1000" dirty="0">
+                <a:solidFill>
+                  <a:srgbClr val="272AD8"/>
+                </a:solidFill>
+                <a:latin typeface="Menlo" charset="0"/>
+              </a:rPr>
+              <a:t>';'</a:t>
+            </a:r>
+            <a:r>
+              <a:rPr lang="is-IS" sz="1000" dirty="0">
                 <a:solidFill>
                   <a:srgbClr val="000000"/>
                 </a:solidFill>
                 <a:latin typeface="Menlo" charset="0"/>
               </a:rPr>
-              <a:t>(</a:t>
-            </a:r>
-            <a:r>
-              <a:rPr lang="is-IS" sz="1000" dirty="0" smtClean="0">
-                <a:solidFill>
-                  <a:srgbClr val="272AD8"/>
-                </a:solidFill>
-                <a:latin typeface="Menlo" charset="0"/>
-              </a:rPr>
-              <a:t>';'</a:t>
-            </a:r>
-            <a:r>
-              <a:rPr lang="is-IS" sz="1000" dirty="0" smtClean="0">
+              <a:t>)</a:t>
+            </a:r>
+          </a:p>
+          <a:p>
+            <a:r>
+              <a:rPr lang="is-IS" sz="1000" dirty="0">
                 <a:solidFill>
                   <a:srgbClr val="000000"/>
                 </a:solidFill>
                 <a:latin typeface="Menlo" charset="0"/>
               </a:rPr>
-              <a:t>)</a:t>
-            </a:r>
-          </a:p>
-          <a:p>
-            <a:r>
-              <a:rPr lang="is-IS" sz="1000" dirty="0" smtClean="0">
-                <a:solidFill>
-                  <a:srgbClr val="000000"/>
-                </a:solidFill>
-                <a:latin typeface="Menlo" charset="0"/>
-              </a:rPr>
               <a:t>    </a:t>
             </a:r>
             <a:r>
-              <a:rPr lang="is-IS" sz="1000" dirty="0" smtClean="0">
+              <a:rPr lang="is-IS" sz="1000" dirty="0">
                 <a:solidFill>
                   <a:srgbClr val="BA2DA2"/>
                 </a:solidFill>
@@ -14388,7 +13941,7 @@
               <a:t>else</a:t>
             </a:r>
             <a:r>
-              <a:rPr lang="is-IS" sz="1000" dirty="0" smtClean="0">
+              <a:rPr lang="is-IS" sz="1000" dirty="0">
                 <a:solidFill>
                   <a:srgbClr val="000000"/>
                 </a:solidFill>
@@ -14608,10 +14161,9 @@
           <a:lstStyle/>
           <a:p>
             <a:r>
-              <a:rPr lang="en-US" dirty="0" smtClean="0"/>
+              <a:rPr lang="en-US" dirty="0"/>
               <a:t>Notice that we are using the look-ahead set to decide which rule to call!</a:t>
             </a:r>
-            <a:endParaRPr lang="en-US" dirty="0"/>
           </a:p>
         </p:txBody>
       </p:sp>
@@ -14620,13 +14172,6 @@
   <p:clrMapOvr>
     <a:masterClrMapping/>
   </p:clrMapOvr>
-  <p:timing>
-    <p:tnLst>
-      <p:par>
-        <p:cTn id="1" dur="indefinite" restart="never" nodeType="tmRoot"/>
-      </p:par>
-    </p:tnLst>
-  </p:timing>
 </p:sld>
 </file>
 
@@ -14674,7 +14219,7 @@
           </a:ln>
           <a:extLst>
             <a:ext uri="{909E8E84-426E-40dd-AFC4-6F175D3DCCD1}">
-              <a14:hiddenFill xmlns:a14="http://schemas.microsoft.com/office/drawing/2010/main" xmlns="">
+              <a14:hiddenFill xmlns="" xmlns:a14="http://schemas.microsoft.com/office/drawing/2010/main">
                 <a:solidFill>
                   <a:schemeClr val="accent1"/>
                 </a:solidFill>
@@ -15434,13 +14979,8 @@
           <a:p>
             <a:r>
               <a:rPr lang="en-US" dirty="0"/>
-              <a:t>Constructing a </a:t>
-            </a:r>
-            <a:r>
-              <a:rPr lang="en-US" dirty="0" smtClean="0"/>
-              <a:t>Parser by Hand</a:t>
-            </a:r>
-            <a:endParaRPr lang="en-US" dirty="0"/>
+              <a:t>Constructing a Parser by Hand</a:t>
+            </a:r>
           </a:p>
         </p:txBody>
       </p:sp>
@@ -15466,14 +15006,14 @@
           </a:ln>
           <a:extLst>
             <a:ext uri="{909E8E84-426E-40dd-AFC4-6F175D3DCCD1}">
-              <a14:hiddenFill xmlns:a14="http://schemas.microsoft.com/office/drawing/2010/main" xmlns="">
+              <a14:hiddenFill xmlns="" xmlns:a14="http://schemas.microsoft.com/office/drawing/2010/main">
                 <a:solidFill>
                   <a:schemeClr val="accent1"/>
                 </a:solidFill>
               </a14:hiddenFill>
             </a:ext>
             <a:ext uri="{91240B29-F687-4f45-9708-019B960494DF}">
-              <a14:hiddenLine xmlns:a14="http://schemas.microsoft.com/office/drawing/2010/main" xmlns="" w="9525">
+              <a14:hiddenLine xmlns="" xmlns:a14="http://schemas.microsoft.com/office/drawing/2010/main" w="9525">
                 <a:solidFill>
                   <a:schemeClr val="tx1"/>
                 </a:solidFill>
@@ -15496,14 +15036,10 @@
             </a:r>
             <a:r>
               <a:rPr lang="en-US" sz="1600" dirty="0"/>
-              <a:t>	</a:t>
-            </a:r>
-            <a:r>
-              <a:rPr lang="en-US" sz="1600" dirty="0" smtClean="0"/>
-              <a:t>: </a:t>
-            </a:r>
-            <a:r>
-              <a:rPr lang="en-US" sz="1600" dirty="0" smtClean="0">
+              <a:t>	: </a:t>
+            </a:r>
+            <a:r>
+              <a:rPr lang="en-US" sz="1600" dirty="0">
                 <a:solidFill>
                   <a:srgbClr val="FF0000"/>
                 </a:solidFill>
@@ -15531,14 +15067,10 @@
           <a:p>
             <a:r>
               <a:rPr lang="en-US" sz="1600" dirty="0"/>
-              <a:t>	</a:t>
-            </a:r>
-            <a:r>
-              <a:rPr lang="en-US" sz="1600" dirty="0" smtClean="0"/>
-              <a:t>| </a:t>
-            </a:r>
-            <a:r>
-              <a:rPr lang="en-US" sz="1600" dirty="0" smtClean="0">
+              <a:t>	| </a:t>
+            </a:r>
+            <a:r>
+              <a:rPr lang="en-US" sz="1600" dirty="0">
                 <a:solidFill>
                   <a:srgbClr val="FF0000"/>
                 </a:solidFill>
@@ -15566,14 +15098,10 @@
           <a:p>
             <a:r>
               <a:rPr lang="en-US" dirty="0"/>
-              <a:t>	</a:t>
-            </a:r>
-            <a:r>
-              <a:rPr lang="en-US" dirty="0" smtClean="0"/>
-              <a:t>| </a:t>
-            </a:r>
-            <a:r>
-              <a:rPr lang="en-US" dirty="0" smtClean="0">
+              <a:t>	| </a:t>
+            </a:r>
+            <a:r>
+              <a:rPr lang="en-US" dirty="0">
                 <a:solidFill>
                   <a:srgbClr val="FF0000"/>
                 </a:solidFill>
@@ -15596,14 +15124,10 @@
           <a:p>
             <a:r>
               <a:rPr lang="en-US" sz="1600" dirty="0"/>
-              <a:t>	</a:t>
-            </a:r>
-            <a:r>
-              <a:rPr lang="en-US" sz="1600" dirty="0" smtClean="0"/>
-              <a:t>| </a:t>
-            </a:r>
-            <a:r>
-              <a:rPr lang="en-US" sz="1600" dirty="0" smtClean="0">
+              <a:t>	| </a:t>
+            </a:r>
+            <a:r>
+              <a:rPr lang="en-US" sz="1600" dirty="0">
                 <a:solidFill>
                   <a:srgbClr val="FF0000"/>
                 </a:solidFill>
@@ -15611,7 +15135,7 @@
               <a:t>{‘</a:t>
             </a:r>
             <a:r>
-              <a:rPr lang="en-US" sz="1600" dirty="0" err="1" smtClean="0">
+              <a:rPr lang="en-US" sz="1600" dirty="0" err="1">
                 <a:solidFill>
                   <a:srgbClr val="FF0000"/>
                 </a:solidFill>
@@ -15619,7 +15143,7 @@
               <a:t>x’,’y’,’z</a:t>
             </a:r>
             <a:r>
-              <a:rPr lang="en-US" sz="1600" dirty="0" smtClean="0">
+              <a:rPr lang="en-US" sz="1600" dirty="0">
                 <a:solidFill>
                   <a:srgbClr val="FF0000"/>
                 </a:solidFill>
@@ -15631,7 +15155,7 @@
               <a:t>	</a:t>
             </a:r>
             <a:r>
-              <a:rPr lang="en-US" sz="1600" dirty="0" err="1" smtClean="0"/>
+              <a:rPr lang="en-US" sz="1600" dirty="0" err="1"/>
               <a:t>var</a:t>
             </a:r>
             <a:endParaRPr lang="en-US" sz="1600" dirty="0"/>
@@ -15639,14 +15163,10 @@
           <a:p>
             <a:r>
               <a:rPr lang="en-US" sz="1600" dirty="0"/>
-              <a:t>	</a:t>
-            </a:r>
-            <a:r>
-              <a:rPr lang="en-US" sz="1600" dirty="0" smtClean="0"/>
-              <a:t>| </a:t>
-            </a:r>
-            <a:r>
-              <a:rPr lang="en-US" sz="1600" dirty="0" smtClean="0">
+              <a:t>	| </a:t>
+            </a:r>
+            <a:r>
+              <a:rPr lang="en-US" sz="1600" dirty="0">
                 <a:solidFill>
                   <a:srgbClr val="FF0000"/>
                 </a:solidFill>
@@ -15802,13 +15322,6 @@
   <p:clrMapOvr>
     <a:masterClrMapping/>
   </p:clrMapOvr>
-  <p:timing>
-    <p:tnLst>
-      <p:par>
-        <p:cTn id="1" dur="indefinite" restart="never" nodeType="tmRoot"/>
-      </p:par>
-    </p:tnLst>
-  </p:timing>
 </p:sld>
 </file>
 
@@ -15856,7 +15369,7 @@
           </a:ln>
           <a:extLst>
             <a:ext uri="{909E8E84-426E-40dd-AFC4-6F175D3DCCD1}">
-              <a14:hiddenFill xmlns:a14="http://schemas.microsoft.com/office/drawing/2010/main" xmlns="">
+              <a14:hiddenFill xmlns="" xmlns:a14="http://schemas.microsoft.com/office/drawing/2010/main">
                 <a:solidFill>
                   <a:schemeClr val="accent1"/>
                 </a:solidFill>
@@ -16176,13 +15689,8 @@
           <a:p>
             <a:r>
               <a:rPr lang="en-US" dirty="0"/>
-              <a:t>Constructing a </a:t>
-            </a:r>
-            <a:r>
-              <a:rPr lang="en-US" dirty="0" smtClean="0"/>
-              <a:t>Parser by Hand</a:t>
-            </a:r>
-            <a:endParaRPr lang="en-US" dirty="0"/>
+              <a:t>Constructing a Parser by Hand</a:t>
+            </a:r>
           </a:p>
         </p:txBody>
       </p:sp>
@@ -16208,14 +15716,14 @@
           </a:ln>
           <a:extLst>
             <a:ext uri="{909E8E84-426E-40dd-AFC4-6F175D3DCCD1}">
-              <a14:hiddenFill xmlns:a14="http://schemas.microsoft.com/office/drawing/2010/main" xmlns="">
+              <a14:hiddenFill xmlns="" xmlns:a14="http://schemas.microsoft.com/office/drawing/2010/main">
                 <a:solidFill>
                   <a:schemeClr val="accent1"/>
                 </a:solidFill>
               </a14:hiddenFill>
             </a:ext>
             <a:ext uri="{91240B29-F687-4f45-9708-019B960494DF}">
-              <a14:hiddenLine xmlns:a14="http://schemas.microsoft.com/office/drawing/2010/main" xmlns="" w="9525">
+              <a14:hiddenLine xmlns="" xmlns:a14="http://schemas.microsoft.com/office/drawing/2010/main" w="9525">
                 <a:solidFill>
                   <a:schemeClr val="tx1"/>
                 </a:solidFill>
@@ -16233,11 +15741,11 @@
           <a:lstStyle/>
           <a:p>
             <a:r>
-              <a:rPr lang="en-US" sz="1600" dirty="0" err="1" smtClean="0"/>
+              <a:rPr lang="en-US" sz="1600" dirty="0" err="1"/>
               <a:t>var</a:t>
             </a:r>
             <a:r>
-              <a:rPr lang="en-US" sz="1600" dirty="0" smtClean="0"/>
+              <a:rPr lang="en-US" sz="1600" dirty="0"/>
               <a:t>  : </a:t>
             </a:r>
             <a:r>
@@ -16523,13 +16031,6 @@
   <p:clrMapOvr>
     <a:masterClrMapping/>
   </p:clrMapOvr>
-  <p:timing>
-    <p:tnLst>
-      <p:par>
-        <p:cTn id="1" dur="indefinite" restart="never" nodeType="tmRoot"/>
-      </p:par>
-    </p:tnLst>
-  </p:timing>
 </p:sld>
 </file>
 
@@ -16594,14 +16095,14 @@
           </a:ln>
           <a:extLst>
             <a:ext uri="{909E8E84-426E-40dd-AFC4-6F175D3DCCD1}">
-              <a14:hiddenFill xmlns:a14="http://schemas.microsoft.com/office/drawing/2010/main" xmlns="">
+              <a14:hiddenFill xmlns="" xmlns:a14="http://schemas.microsoft.com/office/drawing/2010/main">
                 <a:solidFill>
                   <a:schemeClr val="accent1"/>
                 </a:solidFill>
               </a14:hiddenFill>
             </a:ext>
             <a:ext uri="{91240B29-F687-4f45-9708-019B960494DF}">
-              <a14:hiddenLine xmlns:a14="http://schemas.microsoft.com/office/drawing/2010/main" xmlns="" w="9525">
+              <a14:hiddenLine xmlns="" xmlns:a14="http://schemas.microsoft.com/office/drawing/2010/main" w="9525">
                 <a:solidFill>
                   <a:schemeClr val="tx1"/>
                 </a:solidFill>
@@ -16931,7 +16432,7 @@
           </a:ln>
           <a:extLst>
             <a:ext uri="{909E8E84-426E-40dd-AFC4-6F175D3DCCD1}">
-              <a14:hiddenFill xmlns:a14="http://schemas.microsoft.com/office/drawing/2010/main" xmlns="">
+              <a14:hiddenFill xmlns="" xmlns:a14="http://schemas.microsoft.com/office/drawing/2010/main">
                 <a:solidFill>
                   <a:schemeClr val="accent1"/>
                 </a:solidFill>
@@ -17453,13 +16954,6 @@
   <p:clrMapOvr>
     <a:masterClrMapping/>
   </p:clrMapOvr>
-  <p:timing>
-    <p:tnLst>
-      <p:par>
-        <p:cTn id="1" dur="indefinite" restart="never" nodeType="tmRoot"/>
-      </p:par>
-    </p:tnLst>
-  </p:timing>
 </p:sld>
 </file>
 
@@ -17529,7 +17023,7 @@
           </a:ln>
           <a:extLst>
             <a:ext uri="{909E8E84-426E-40dd-AFC4-6F175D3DCCD1}">
-              <a14:hiddenFill xmlns:a14="http://schemas.microsoft.com/office/drawing/2010/main" xmlns="">
+              <a14:hiddenFill xmlns="" xmlns:a14="http://schemas.microsoft.com/office/drawing/2010/main">
                 <a:solidFill>
                   <a:schemeClr val="accent1"/>
                 </a:solidFill>
@@ -17577,7 +17071,7 @@
           </a:ln>
           <a:extLst>
             <a:ext uri="{909E8E84-426E-40dd-AFC4-6F175D3DCCD1}">
-              <a14:hiddenFill xmlns:a14="http://schemas.microsoft.com/office/drawing/2010/main" xmlns="">
+              <a14:hiddenFill xmlns="" xmlns:a14="http://schemas.microsoft.com/office/drawing/2010/main">
                 <a:solidFill>
                   <a:schemeClr val="accent1"/>
                 </a:solidFill>
@@ -17854,19 +17348,10 @@
                 </a:solidFill>
                 <a:latin typeface="Menlo" charset="0"/>
               </a:rPr>
-              <a:t> SyntaxError</a:t>
-            </a:r>
-            <a:r>
-              <a:rPr lang="is-IS" sz="1000" dirty="0" smtClean="0">
-                <a:solidFill>
-                  <a:srgbClr val="000000"/>
-                </a:solidFill>
-                <a:latin typeface="Menlo" charset="0"/>
-              </a:rPr>
-              <a:t>(</a:t>
-            </a:r>
-            <a:r>
-              <a:rPr lang="is-IS" sz="1000" dirty="0" smtClean="0">
+              <a:t> SyntaxError(</a:t>
+            </a:r>
+            <a:r>
+              <a:rPr lang="is-IS" sz="1000" dirty="0">
                 <a:solidFill>
                   <a:srgbClr val="272AD8"/>
                 </a:solidFill>
@@ -17875,7 +17360,7 @@
               <a:t>...</a:t>
             </a:r>
             <a:r>
-              <a:rPr lang="is-IS" sz="1000" dirty="0" smtClean="0">
+              <a:rPr lang="is-IS" sz="1000" dirty="0">
                 <a:solidFill>
                   <a:srgbClr val="000000"/>
                 </a:solidFill>
@@ -17892,16 +17377,12 @@
           </a:p>
           <a:p>
             <a:r>
-              <a:rPr lang="en-US" sz="1000" dirty="0" smtClean="0">
+              <a:rPr lang="en-US" sz="1000" dirty="0">
                 <a:latin typeface="Courier New"/>
                 <a:cs typeface="Courier New"/>
               </a:rPr>
               <a:t>)</a:t>
             </a:r>
-            <a:endParaRPr lang="en-US" sz="1000" dirty="0">
-              <a:latin typeface="Courier New"/>
-              <a:cs typeface="Courier New"/>
-            </a:endParaRPr>
           </a:p>
         </p:txBody>
       </p:sp>
@@ -17935,72 +17416,64 @@
           <a:lstStyle/>
           <a:p>
             <a:r>
-              <a:rPr lang="en-US" sz="1200" dirty="0" smtClean="0"/>
+              <a:rPr lang="en-US" sz="1200" dirty="0"/>
               <a:t>Call Tree:</a:t>
             </a:r>
             <a:br>
-              <a:rPr lang="en-US" sz="1200" dirty="0" smtClean="0"/>
+              <a:rPr lang="en-US" sz="1200" dirty="0"/>
             </a:br>
-            <a:r>
-              <a:rPr lang="en-US" sz="1200" dirty="0" smtClean="0"/>
-              <a:t/>
-            </a:r>
             <a:br>
-              <a:rPr lang="en-US" sz="1200" dirty="0" smtClean="0"/>
+              <a:rPr lang="en-US" sz="1200" dirty="0"/>
             </a:br>
             <a:r>
-              <a:rPr lang="en-US" sz="1200" dirty="0" err="1" smtClean="0"/>
+              <a:rPr lang="en-US" sz="1200" dirty="0" err="1"/>
               <a:t>prog</a:t>
             </a:r>
             <a:r>
-              <a:rPr lang="en-US" sz="1200" dirty="0" smtClean="0"/>
+              <a:rPr lang="en-US" sz="1200" dirty="0"/>
               <a:t>()</a:t>
             </a:r>
           </a:p>
           <a:p>
             <a:r>
               <a:rPr lang="en-US" sz="1200" dirty="0"/>
-              <a:t> </a:t>
-            </a:r>
-            <a:r>
-              <a:rPr lang="en-US" sz="1200" dirty="0" smtClean="0"/>
-              <a:t>  </a:t>
-            </a:r>
-            <a:r>
-              <a:rPr lang="en-US" sz="1200" dirty="0" err="1" smtClean="0"/>
+              <a:t>   </a:t>
+            </a:r>
+            <a:r>
+              <a:rPr lang="en-US" sz="1200" dirty="0" err="1"/>
               <a:t>stmt</a:t>
             </a:r>
             <a:r>
-              <a:rPr lang="en-US" sz="1200" dirty="0" smtClean="0"/>
+              <a:rPr lang="en-US" sz="1200" dirty="0"/>
               <a:t>()</a:t>
             </a:r>
             <a:br>
-              <a:rPr lang="en-US" sz="1200" dirty="0" smtClean="0"/>
+              <a:rPr lang="en-US" sz="1200" dirty="0"/>
             </a:br>
             <a:r>
-              <a:rPr lang="en-US" sz="1200" dirty="0" smtClean="0"/>
+              <a:rPr lang="en-US" sz="1200" dirty="0"/>
               <a:t>      </a:t>
             </a:r>
             <a:r>
-              <a:rPr lang="en-US" sz="1200" dirty="0" err="1" smtClean="0"/>
+              <a:rPr lang="en-US" sz="1200" dirty="0" err="1"/>
               <a:t>I.next</a:t>
             </a:r>
             <a:r>
-              <a:rPr lang="en-US" sz="1200" dirty="0" smtClean="0"/>
+              <a:rPr lang="en-US" sz="1200" dirty="0"/>
               <a:t>() #‘p’</a:t>
             </a:r>
           </a:p>
           <a:p>
             <a:r>
-              <a:rPr lang="en-US" sz="1200" dirty="0" smtClean="0"/>
+              <a:rPr lang="en-US" sz="1200" dirty="0"/>
               <a:t>      </a:t>
             </a:r>
             <a:r>
-              <a:rPr lang="en-US" sz="1200" dirty="0" err="1" smtClean="0"/>
+              <a:rPr lang="en-US" sz="1200" dirty="0" err="1"/>
               <a:t>exp</a:t>
             </a:r>
             <a:r>
-              <a:rPr lang="en-US" sz="1200" dirty="0" smtClean="0"/>
+              <a:rPr lang="en-US" sz="1200" dirty="0"/>
               <a:t>()</a:t>
             </a:r>
           </a:p>
@@ -18010,124 +17483,40 @@
               <a:t>         </a:t>
             </a:r>
             <a:r>
-              <a:rPr lang="en-US" sz="1200" dirty="0" err="1" smtClean="0"/>
+              <a:rPr lang="en-US" sz="1200" dirty="0" err="1"/>
               <a:t>I.next</a:t>
             </a:r>
             <a:r>
-              <a:rPr lang="en-US" sz="1200" dirty="0" smtClean="0"/>
+              <a:rPr lang="en-US" sz="1200" dirty="0"/>
+              <a:t>() #‘+’</a:t>
+            </a:r>
+          </a:p>
+          <a:p>
+            <a:r>
+              <a:rPr lang="en-US" sz="1200" dirty="0"/>
+              <a:t>         </a:t>
+            </a:r>
+            <a:r>
+              <a:rPr lang="en-US" sz="1200" dirty="0" err="1"/>
+              <a:t>exp</a:t>
+            </a:r>
+            <a:r>
+              <a:rPr lang="en-US" sz="1200" dirty="0"/>
               <a:t>()</a:t>
             </a:r>
-            <a:r>
+            <a:br>
               <a:rPr lang="en-US" sz="1200" dirty="0"/>
-              <a:t> </a:t>
-            </a:r>
-            <a:r>
-              <a:rPr lang="en-US" sz="1200" dirty="0" smtClean="0"/>
-              <a:t>#‘</a:t>
-            </a:r>
+            </a:br>
             <a:r>
               <a:rPr lang="en-US" sz="1200" dirty="0"/>
-              <a:t>+</a:t>
-            </a:r>
-            <a:r>
-              <a:rPr lang="en-US" sz="1200" dirty="0" smtClean="0"/>
-              <a:t>’</a:t>
-            </a:r>
-          </a:p>
-          <a:p>
+              <a:t>              </a:t>
+            </a:r>
+            <a:r>
+              <a:rPr lang="en-US" sz="1200" dirty="0" err="1"/>
+              <a:t>var</a:t>
+            </a:r>
             <a:r>
               <a:rPr lang="en-US" sz="1200" dirty="0"/>
-              <a:t> </a:t>
-            </a:r>
-            <a:r>
-              <a:rPr lang="en-US" sz="1200" dirty="0" smtClean="0"/>
-              <a:t>        </a:t>
-            </a:r>
-            <a:r>
-              <a:rPr lang="en-US" sz="1200" dirty="0" err="1" smtClean="0"/>
-              <a:t>exp</a:t>
-            </a:r>
-            <a:r>
-              <a:rPr lang="en-US" sz="1200" dirty="0" smtClean="0"/>
-              <a:t>()</a:t>
-            </a:r>
-            <a:br>
-              <a:rPr lang="en-US" sz="1200" dirty="0" smtClean="0"/>
-            </a:br>
-            <a:r>
-              <a:rPr lang="en-US" sz="1200" dirty="0" smtClean="0"/>
-              <a:t>             </a:t>
-            </a:r>
-            <a:r>
-              <a:rPr lang="en-US" sz="1200" dirty="0"/>
-              <a:t> </a:t>
-            </a:r>
-            <a:r>
-              <a:rPr lang="en-US" sz="1200" dirty="0" err="1" smtClean="0"/>
-              <a:t>var</a:t>
-            </a:r>
-            <a:r>
-              <a:rPr lang="en-US" sz="1200" dirty="0" smtClean="0"/>
-              <a:t>()</a:t>
-            </a:r>
-          </a:p>
-          <a:p>
-            <a:r>
-              <a:rPr lang="en-US" sz="1200" dirty="0" smtClean="0"/>
-              <a:t>                   </a:t>
-            </a:r>
-            <a:r>
-              <a:rPr lang="en-US" sz="1200" dirty="0" err="1" smtClean="0"/>
-              <a:t>I.next</a:t>
-            </a:r>
-            <a:r>
-              <a:rPr lang="en-US" sz="1200" dirty="0" smtClean="0"/>
-              <a:t>() </a:t>
-            </a:r>
-            <a:r>
-              <a:rPr lang="en-US" sz="1200" dirty="0"/>
-              <a:t>#</a:t>
-            </a:r>
-            <a:r>
-              <a:rPr lang="en-US" sz="1200" dirty="0" smtClean="0"/>
-              <a:t>‘</a:t>
-            </a:r>
-            <a:r>
-              <a:rPr lang="en-US" sz="1200" dirty="0"/>
-              <a:t>x</a:t>
-            </a:r>
-            <a:r>
-              <a:rPr lang="en-US" sz="1200" dirty="0" smtClean="0"/>
-              <a:t>’</a:t>
-            </a:r>
-            <a:endParaRPr lang="en-US" sz="1200" dirty="0"/>
-          </a:p>
-          <a:p>
-            <a:r>
-              <a:rPr lang="en-US" sz="1200" dirty="0" smtClean="0"/>
-              <a:t>         </a:t>
-            </a:r>
-            <a:r>
-              <a:rPr lang="en-US" sz="1200" dirty="0" err="1" smtClean="0"/>
-              <a:t>exp</a:t>
-            </a:r>
-            <a:r>
-              <a:rPr lang="en-US" sz="1200" dirty="0" smtClean="0"/>
-              <a:t>()</a:t>
-            </a:r>
-            <a:br>
-              <a:rPr lang="en-US" sz="1200" dirty="0" smtClean="0"/>
-            </a:br>
-            <a:r>
-              <a:rPr lang="en-US" sz="1200" dirty="0" smtClean="0"/>
-              <a:t>              </a:t>
-            </a:r>
-            <a:r>
-              <a:rPr lang="en-US" sz="1200" dirty="0" err="1" smtClean="0"/>
-              <a:t>num</a:t>
-            </a:r>
-            <a:r>
-              <a:rPr lang="en-US" sz="1200" dirty="0" smtClean="0"/>
               <a:t>()</a:t>
             </a:r>
           </a:p>
@@ -18137,59 +17526,85 @@
               <a:t>                   </a:t>
             </a:r>
             <a:r>
-              <a:rPr lang="en-US" sz="1200" dirty="0" err="1" smtClean="0"/>
+              <a:rPr lang="en-US" sz="1200" dirty="0" err="1"/>
               <a:t>I.next</a:t>
             </a:r>
             <a:r>
-              <a:rPr lang="en-US" sz="1200" dirty="0" smtClean="0"/>
-              <a:t>() #‘</a:t>
-            </a:r>
-            <a:r>
               <a:rPr lang="en-US" sz="1200" dirty="0"/>
-              <a:t>1</a:t>
-            </a:r>
-            <a:r>
-              <a:rPr lang="en-US" sz="1200" dirty="0" smtClean="0"/>
-              <a:t>’</a:t>
+              <a:t>() #‘x’</a:t>
+            </a:r>
+          </a:p>
+          <a:p>
+            <a:r>
+              <a:rPr lang="en-US" sz="1200" dirty="0"/>
+              <a:t>         </a:t>
+            </a:r>
+            <a:r>
+              <a:rPr lang="en-US" sz="1200" dirty="0" err="1"/>
+              <a:t>exp</a:t>
+            </a:r>
+            <a:r>
+              <a:rPr lang="en-US" sz="1200" dirty="0"/>
+              <a:t>()</a:t>
             </a:r>
             <a:br>
-              <a:rPr lang="en-US" sz="1200" dirty="0" smtClean="0"/>
+              <a:rPr lang="en-US" sz="1200" dirty="0"/>
             </a:br>
             <a:r>
-              <a:rPr lang="en-US" sz="1200" dirty="0" smtClean="0"/>
+              <a:rPr lang="en-US" sz="1200" dirty="0"/>
+              <a:t>              </a:t>
+            </a:r>
+            <a:r>
+              <a:rPr lang="en-US" sz="1200" dirty="0" err="1"/>
+              <a:t>num</a:t>
+            </a:r>
+            <a:r>
+              <a:rPr lang="en-US" sz="1200" dirty="0"/>
+              <a:t>()</a:t>
+            </a:r>
+          </a:p>
+          <a:p>
+            <a:r>
+              <a:rPr lang="en-US" sz="1200" dirty="0"/>
+              <a:t>                   </a:t>
+            </a:r>
+            <a:r>
+              <a:rPr lang="en-US" sz="1200" dirty="0" err="1"/>
+              <a:t>I.next</a:t>
+            </a:r>
+            <a:r>
+              <a:rPr lang="en-US" sz="1200" dirty="0"/>
+              <a:t>() #‘1’</a:t>
+            </a:r>
+            <a:br>
+              <a:rPr lang="en-US" sz="1200" dirty="0"/>
+            </a:br>
+            <a:r>
+              <a:rPr lang="en-US" sz="1200" dirty="0"/>
               <a:t>      </a:t>
             </a:r>
             <a:r>
-              <a:rPr lang="en-US" sz="1200" dirty="0" err="1" smtClean="0"/>
+              <a:rPr lang="en-US" sz="1200" dirty="0" err="1"/>
               <a:t>I.match</a:t>
             </a:r>
             <a:r>
-              <a:rPr lang="en-US" sz="1200" dirty="0" smtClean="0"/>
+              <a:rPr lang="en-US" sz="1200" dirty="0"/>
               <a:t>(‘;’) </a:t>
             </a:r>
           </a:p>
           <a:p>
             <a:r>
               <a:rPr lang="en-US" sz="1200" dirty="0"/>
-              <a:t> </a:t>
-            </a:r>
-            <a:r>
-              <a:rPr lang="en-US" sz="1200" dirty="0" smtClean="0"/>
-              <a:t>  </a:t>
-            </a:r>
-            <a:r>
-              <a:rPr lang="en-US" sz="1200" dirty="0" err="1" smtClean="0"/>
+              <a:t>   </a:t>
+            </a:r>
+            <a:r>
+              <a:rPr lang="en-US" sz="1200" dirty="0" err="1"/>
               <a:t>prog</a:t>
             </a:r>
             <a:r>
-              <a:rPr lang="en-US" sz="1200" dirty="0" smtClean="0"/>
-              <a:t>()</a:t>
-            </a:r>
-            <a:r>
-              <a:rPr lang="en-US" sz="1200" dirty="0" smtClean="0"/>
-              <a:t>  </a:t>
-            </a:r>
-            <a:endParaRPr lang="en-US" sz="1200" dirty="0"/>
+              <a:rPr lang="en-US" sz="1200" dirty="0"/>
+              <a:t>()  </a:t>
+            </a:r>
           </a:p>
         </p:txBody>
       </p:sp>
@@ -18216,7 +17631,7 @@
           <a:lstStyle/>
           <a:p>
             <a:r>
-              <a:rPr lang="en-US" dirty="0" err="1" smtClean="0"/>
+              <a:rPr lang="en-US" dirty="0" err="1"/>
               <a:t>prog</a:t>
             </a:r>
             <a:endParaRPr lang="en-US" dirty="0"/>
@@ -18247,11 +17662,7 @@
           <a:p>
             <a:r>
               <a:rPr lang="en-US" dirty="0" err="1"/>
-              <a:t>s</a:t>
-            </a:r>
-            <a:r>
-              <a:rPr lang="en-US" dirty="0" err="1" smtClean="0"/>
-              <a:t>tmt</a:t>
+              <a:t>stmt</a:t>
             </a:r>
             <a:endParaRPr lang="en-US" dirty="0"/>
           </a:p>
@@ -18309,7 +17720,7 @@
           <a:lstStyle/>
           <a:p>
             <a:r>
-              <a:rPr lang="en-US" dirty="0" err="1" smtClean="0"/>
+              <a:rPr lang="en-US" dirty="0" err="1"/>
               <a:t>exp</a:t>
             </a:r>
             <a:endParaRPr lang="en-US" dirty="0"/>
@@ -18339,10 +17750,9 @@
           <a:lstStyle/>
           <a:p>
             <a:r>
-              <a:rPr lang="en-US" dirty="0" smtClean="0"/>
+              <a:rPr lang="en-US" dirty="0"/>
               <a:t>;</a:t>
             </a:r>
-            <a:endParaRPr lang="en-US" dirty="0"/>
           </a:p>
         </p:txBody>
       </p:sp>
@@ -18369,10 +17779,9 @@
           <a:lstStyle/>
           <a:p>
             <a:r>
-              <a:rPr lang="en-US" dirty="0" smtClean="0"/>
+              <a:rPr lang="en-US" dirty="0"/>
               <a:t>x</a:t>
             </a:r>
-            <a:endParaRPr lang="en-US" dirty="0"/>
           </a:p>
         </p:txBody>
       </p:sp>
@@ -18437,7 +17846,7 @@
           <a:effectLst/>
           <a:extLst>
             <a:ext uri="{AF507438-7753-43e0-B8FC-AC1667EBCBE1}">
-              <a14:hiddenEffects xmlns:a14="http://schemas.microsoft.com/office/drawing/2010/main" xmlns="">
+              <a14:hiddenEffects xmlns="" xmlns:a14="http://schemas.microsoft.com/office/drawing/2010/main">
                 <a:effectLst>
                   <a:outerShdw blurRad="63500" dist="38099" dir="2700000" algn="ctr" rotWithShape="0">
                     <a:schemeClr val="bg2">
@@ -18482,7 +17891,7 @@
           <a:effectLst/>
           <a:extLst>
             <a:ext uri="{AF507438-7753-43e0-B8FC-AC1667EBCBE1}">
-              <a14:hiddenEffects xmlns:a14="http://schemas.microsoft.com/office/drawing/2010/main" xmlns="">
+              <a14:hiddenEffects xmlns="" xmlns:a14="http://schemas.microsoft.com/office/drawing/2010/main">
                 <a:effectLst>
                   <a:outerShdw blurRad="63500" dist="38099" dir="2700000" algn="ctr" rotWithShape="0">
                     <a:schemeClr val="bg2">
@@ -18527,7 +17936,7 @@
           <a:effectLst/>
           <a:extLst>
             <a:ext uri="{AF507438-7753-43e0-B8FC-AC1667EBCBE1}">
-              <a14:hiddenEffects xmlns:a14="http://schemas.microsoft.com/office/drawing/2010/main" xmlns="">
+              <a14:hiddenEffects xmlns="" xmlns:a14="http://schemas.microsoft.com/office/drawing/2010/main">
                 <a:effectLst>
                   <a:outerShdw blurRad="63500" dist="38099" dir="2700000" algn="ctr" rotWithShape="0">
                     <a:schemeClr val="bg2">
@@ -18563,7 +17972,7 @@
           <a:lstStyle/>
           <a:p>
             <a:r>
-              <a:rPr lang="en-US" dirty="0" err="1" smtClean="0"/>
+              <a:rPr lang="en-US" dirty="0" err="1"/>
               <a:t>exp</a:t>
             </a:r>
             <a:endParaRPr lang="en-US" dirty="0"/>
@@ -18593,7 +18002,7 @@
           <a:lstStyle/>
           <a:p>
             <a:r>
-              <a:rPr lang="en-US" dirty="0" err="1" smtClean="0"/>
+              <a:rPr lang="en-US" dirty="0" err="1"/>
               <a:t>exp</a:t>
             </a:r>
             <a:endParaRPr lang="en-US" dirty="0"/>
@@ -18623,7 +18032,7 @@
           <a:lstStyle/>
           <a:p>
             <a:r>
-              <a:rPr lang="en-US" dirty="0" err="1" smtClean="0"/>
+              <a:rPr lang="en-US" dirty="0" err="1"/>
               <a:t>rhsvar</a:t>
             </a:r>
             <a:endParaRPr lang="en-US" dirty="0"/>
@@ -18653,7 +18062,7 @@
           <a:lstStyle/>
           <a:p>
             <a:r>
-              <a:rPr lang="en-US" dirty="0" err="1" smtClean="0"/>
+              <a:rPr lang="en-US" dirty="0" err="1"/>
               <a:t>num</a:t>
             </a:r>
             <a:endParaRPr lang="en-US" dirty="0"/>
@@ -18692,7 +18101,7 @@
           <a:effectLst/>
           <a:extLst>
             <a:ext uri="{AF507438-7753-43e0-B8FC-AC1667EBCBE1}">
-              <a14:hiddenEffects xmlns:a14="http://schemas.microsoft.com/office/drawing/2010/main" xmlns="">
+              <a14:hiddenEffects xmlns="" xmlns:a14="http://schemas.microsoft.com/office/drawing/2010/main">
                 <a:effectLst>
                   <a:outerShdw blurRad="63500" dist="38099" dir="2700000" algn="ctr" rotWithShape="0">
                     <a:schemeClr val="bg2">
@@ -18737,7 +18146,7 @@
           <a:effectLst/>
           <a:extLst>
             <a:ext uri="{AF507438-7753-43e0-B8FC-AC1667EBCBE1}">
-              <a14:hiddenEffects xmlns:a14="http://schemas.microsoft.com/office/drawing/2010/main" xmlns="">
+              <a14:hiddenEffects xmlns="" xmlns:a14="http://schemas.microsoft.com/office/drawing/2010/main">
                 <a:effectLst>
                   <a:outerShdw blurRad="63500" dist="38099" dir="2700000" algn="ctr" rotWithShape="0">
                     <a:schemeClr val="bg2">
@@ -18782,7 +18191,7 @@
           <a:effectLst/>
           <a:extLst>
             <a:ext uri="{AF507438-7753-43e0-B8FC-AC1667EBCBE1}">
-              <a14:hiddenEffects xmlns:a14="http://schemas.microsoft.com/office/drawing/2010/main" xmlns="">
+              <a14:hiddenEffects xmlns="" xmlns:a14="http://schemas.microsoft.com/office/drawing/2010/main">
                 <a:effectLst>
                   <a:outerShdw blurRad="63500" dist="38099" dir="2700000" algn="ctr" rotWithShape="0">
                     <a:schemeClr val="bg2">
@@ -18827,7 +18236,7 @@
           <a:effectLst/>
           <a:extLst>
             <a:ext uri="{AF507438-7753-43e0-B8FC-AC1667EBCBE1}">
-              <a14:hiddenEffects xmlns:a14="http://schemas.microsoft.com/office/drawing/2010/main" xmlns="">
+              <a14:hiddenEffects xmlns="" xmlns:a14="http://schemas.microsoft.com/office/drawing/2010/main">
                 <a:effectLst>
                   <a:outerShdw blurRad="63500" dist="38099" dir="2700000" algn="ctr" rotWithShape="0">
                     <a:schemeClr val="bg2">
@@ -18872,7 +18281,7 @@
           <a:effectLst/>
           <a:extLst>
             <a:ext uri="{AF507438-7753-43e0-B8FC-AC1667EBCBE1}">
-              <a14:hiddenEffects xmlns:a14="http://schemas.microsoft.com/office/drawing/2010/main" xmlns="">
+              <a14:hiddenEffects xmlns="" xmlns:a14="http://schemas.microsoft.com/office/drawing/2010/main">
                 <a:effectLst>
                   <a:outerShdw blurRad="63500" dist="38099" dir="2700000" algn="ctr" rotWithShape="0">
                     <a:schemeClr val="bg2">
@@ -18917,7 +18326,7 @@
           <a:effectLst/>
           <a:extLst>
             <a:ext uri="{AF507438-7753-43e0-B8FC-AC1667EBCBE1}">
-              <a14:hiddenEffects xmlns:a14="http://schemas.microsoft.com/office/drawing/2010/main" xmlns="">
+              <a14:hiddenEffects xmlns="" xmlns:a14="http://schemas.microsoft.com/office/drawing/2010/main">
                 <a:effectLst>
                   <a:outerShdw blurRad="63500" dist="38099" dir="2700000" algn="ctr" rotWithShape="0">
                     <a:schemeClr val="bg2">
@@ -18953,10 +18362,9 @@
           <a:lstStyle/>
           <a:p>
             <a:r>
-              <a:rPr lang="en-US" dirty="0" smtClean="0"/>
+              <a:rPr lang="en-US" dirty="0"/>
               <a:t>+</a:t>
             </a:r>
-            <a:endParaRPr lang="en-US" dirty="0"/>
           </a:p>
         </p:txBody>
       </p:sp>
@@ -18992,7 +18400,7 @@
           <a:effectLst/>
           <a:extLst>
             <a:ext uri="{AF507438-7753-43e0-B8FC-AC1667EBCBE1}">
-              <a14:hiddenEffects xmlns:a14="http://schemas.microsoft.com/office/drawing/2010/main" xmlns="">
+              <a14:hiddenEffects xmlns="" xmlns:a14="http://schemas.microsoft.com/office/drawing/2010/main">
                 <a:effectLst>
                   <a:outerShdw blurRad="63500" dist="38099" dir="2700000" algn="ctr" rotWithShape="0">
                     <a:schemeClr val="bg2">
@@ -19032,7 +18440,7 @@
           </a:ln>
           <a:extLst>
             <a:ext uri="{909E8E84-426E-40dd-AFC4-6F175D3DCCD1}">
-              <a14:hiddenFill xmlns:a14="http://schemas.microsoft.com/office/drawing/2010/main" xmlns="">
+              <a14:hiddenFill xmlns="" xmlns:a14="http://schemas.microsoft.com/office/drawing/2010/main">
                 <a:solidFill>
                   <a:schemeClr val="accent1"/>
                 </a:solidFill>
@@ -19262,119 +18670,95 @@
                 </a:solidFill>
                 <a:latin typeface="Menlo" charset="0"/>
               </a:rPr>
-              <a:t>        I.match</a:t>
-            </a:r>
-            <a:r>
-              <a:rPr lang="is-IS" sz="1000" dirty="0" smtClean="0">
+              <a:t>        I.match(</a:t>
+            </a:r>
+            <a:r>
+              <a:rPr lang="is-IS" sz="1000" dirty="0">
+                <a:solidFill>
+                  <a:srgbClr val="272AD8"/>
+                </a:solidFill>
+                <a:latin typeface="Menlo" charset="0"/>
+              </a:rPr>
+              <a:t>';'</a:t>
+            </a:r>
+            <a:r>
+              <a:rPr lang="is-IS" sz="1000" dirty="0">
                 <a:solidFill>
                   <a:srgbClr val="000000"/>
                 </a:solidFill>
                 <a:latin typeface="Menlo" charset="0"/>
               </a:rPr>
-              <a:t>(</a:t>
-            </a:r>
-            <a:r>
-              <a:rPr lang="is-IS" sz="1000" dirty="0" smtClean="0">
+              <a:t>)</a:t>
+            </a:r>
+          </a:p>
+          <a:p>
+            <a:r>
+              <a:rPr lang="is-IS" sz="1000" dirty="0">
+                <a:solidFill>
+                  <a:srgbClr val="000000"/>
+                </a:solidFill>
+                <a:latin typeface="Menlo" charset="0"/>
+              </a:rPr>
+              <a:t>    </a:t>
+            </a:r>
+            <a:r>
+              <a:rPr lang="is-IS" sz="1000" dirty="0">
+                <a:solidFill>
+                  <a:srgbClr val="BA2DA2"/>
+                </a:solidFill>
+                <a:latin typeface="Menlo" charset="0"/>
+              </a:rPr>
+              <a:t>else</a:t>
+            </a:r>
+            <a:r>
+              <a:rPr lang="is-IS" sz="1000" dirty="0">
+                <a:solidFill>
+                  <a:srgbClr val="000000"/>
+                </a:solidFill>
+                <a:latin typeface="Menlo" charset="0"/>
+              </a:rPr>
+              <a:t>:</a:t>
+            </a:r>
+          </a:p>
+          <a:p>
+            <a:r>
+              <a:rPr lang="is-IS" sz="1000" dirty="0">
+                <a:solidFill>
+                  <a:srgbClr val="000000"/>
+                </a:solidFill>
+                <a:latin typeface="Menlo" charset="0"/>
+              </a:rPr>
+              <a:t>        </a:t>
+            </a:r>
+            <a:r>
+              <a:rPr lang="is-IS" sz="1000" dirty="0">
+                <a:solidFill>
+                  <a:srgbClr val="BA2DA2"/>
+                </a:solidFill>
+                <a:latin typeface="Menlo" charset="0"/>
+              </a:rPr>
+              <a:t>raise</a:t>
+            </a:r>
+            <a:r>
+              <a:rPr lang="is-IS" sz="1000" dirty="0">
+                <a:solidFill>
+                  <a:srgbClr val="000000"/>
+                </a:solidFill>
+                <a:latin typeface="Menlo" charset="0"/>
+              </a:rPr>
+              <a:t> SyntaxError(</a:t>
+            </a:r>
+            <a:r>
+              <a:rPr lang="is-IS" sz="1000" dirty="0">
                 <a:solidFill>
                   <a:srgbClr val="272AD8"/>
                 </a:solidFill>
                 <a:latin typeface="Menlo" charset="0"/>
               </a:rPr>
-              <a:t>';'</a:t>
-            </a:r>
-            <a:r>
-              <a:rPr lang="is-IS" sz="1000" dirty="0" smtClean="0">
-                <a:solidFill>
-                  <a:srgbClr val="000000"/>
-                </a:solidFill>
-                <a:latin typeface="Menlo" charset="0"/>
-              </a:rPr>
-              <a:t>)</a:t>
-            </a:r>
-            <a:endParaRPr lang="is-IS" sz="1000" dirty="0">
-              <a:solidFill>
-                <a:srgbClr val="000000"/>
-              </a:solidFill>
-              <a:latin typeface="Menlo" charset="0"/>
-            </a:endParaRPr>
-          </a:p>
-          <a:p>
-            <a:r>
-              <a:rPr lang="is-IS" sz="1000" dirty="0">
-                <a:solidFill>
-                  <a:srgbClr val="000000"/>
-                </a:solidFill>
-                <a:latin typeface="Menlo" charset="0"/>
-              </a:rPr>
-              <a:t>    </a:t>
-            </a:r>
-            <a:r>
-              <a:rPr lang="is-IS" sz="1000" dirty="0">
-                <a:solidFill>
-                  <a:srgbClr val="BA2DA2"/>
-                </a:solidFill>
-                <a:latin typeface="Menlo" charset="0"/>
-              </a:rPr>
-              <a:t>else</a:t>
-            </a:r>
-            <a:r>
-              <a:rPr lang="is-IS" sz="1000" dirty="0">
-                <a:solidFill>
-                  <a:srgbClr val="000000"/>
-                </a:solidFill>
-                <a:latin typeface="Menlo" charset="0"/>
-              </a:rPr>
-              <a:t>:</a:t>
-            </a:r>
-          </a:p>
-          <a:p>
-            <a:r>
-              <a:rPr lang="is-IS" sz="1000" dirty="0">
-                <a:solidFill>
-                  <a:srgbClr val="000000"/>
-                </a:solidFill>
-                <a:latin typeface="Menlo" charset="0"/>
-              </a:rPr>
-              <a:t>        </a:t>
-            </a:r>
-            <a:r>
-              <a:rPr lang="is-IS" sz="1000" dirty="0">
-                <a:solidFill>
-                  <a:srgbClr val="BA2DA2"/>
-                </a:solidFill>
-                <a:latin typeface="Menlo" charset="0"/>
-              </a:rPr>
-              <a:t>raise</a:t>
-            </a:r>
-            <a:r>
-              <a:rPr lang="is-IS" sz="1000" dirty="0">
-                <a:solidFill>
-                  <a:srgbClr val="000000"/>
-                </a:solidFill>
-                <a:latin typeface="Menlo" charset="0"/>
-              </a:rPr>
-              <a:t> SyntaxError</a:t>
-            </a:r>
-            <a:r>
-              <a:rPr lang="is-IS" sz="1000" dirty="0" smtClean="0">
-                <a:solidFill>
-                  <a:srgbClr val="000000"/>
-                </a:solidFill>
-                <a:latin typeface="Menlo" charset="0"/>
-              </a:rPr>
-              <a:t>(</a:t>
-            </a:r>
-            <a:r>
-              <a:rPr lang="is-IS" sz="1000" dirty="0" smtClean="0">
-                <a:solidFill>
-                  <a:srgbClr val="272AD8"/>
-                </a:solidFill>
-                <a:latin typeface="Menlo" charset="0"/>
-              </a:rPr>
               <a:t>...</a:t>
             </a:r>
             <a:r>
-              <a:rPr lang="is-IS" sz="1000" dirty="0" smtClean="0">
+              <a:rPr lang="is-IS" sz="1000" dirty="0">
                 <a:solidFill>
                   <a:srgbClr val="000000"/>
                 </a:solidFill>
@@ -19419,7 +18803,7 @@
           </a:ln>
           <a:extLst>
             <a:ext uri="{909E8E84-426E-40dd-AFC4-6F175D3DCCD1}">
-              <a14:hiddenFill xmlns:a14="http://schemas.microsoft.com/office/drawing/2010/main" xmlns="">
+              <a14:hiddenFill xmlns="" xmlns:a14="http://schemas.microsoft.com/office/drawing/2010/main">
                 <a:solidFill>
                   <a:schemeClr val="accent1"/>
                 </a:solidFill>
@@ -19898,7 +19282,7 @@
               <a:t>, </a:t>
             </a:r>
             <a:r>
-              <a:rPr lang="is-IS" sz="1000" dirty="0" smtClean="0">
+              <a:rPr lang="is-IS" sz="1000" dirty="0">
                 <a:solidFill>
                   <a:srgbClr val="272AD8"/>
                 </a:solidFill>
@@ -19907,7 +19291,7 @@
               <a:t>... </a:t>
             </a:r>
             <a:r>
-              <a:rPr lang="is-IS" sz="1000" dirty="0" smtClean="0">
+              <a:rPr lang="is-IS" sz="1000" dirty="0">
                 <a:solidFill>
                   <a:srgbClr val="000000"/>
                 </a:solidFill>
@@ -20006,19 +19390,10 @@
                 </a:solidFill>
                 <a:latin typeface="Menlo" charset="0"/>
               </a:rPr>
-              <a:t> SyntaxError</a:t>
-            </a:r>
-            <a:r>
-              <a:rPr lang="is-IS" sz="1000" dirty="0" smtClean="0">
-                <a:solidFill>
-                  <a:srgbClr val="000000"/>
-                </a:solidFill>
-                <a:latin typeface="Menlo" charset="0"/>
-              </a:rPr>
-              <a:t>(</a:t>
-            </a:r>
-            <a:r>
-              <a:rPr lang="is-IS" sz="1000" dirty="0" smtClean="0">
+              <a:t> SyntaxError(</a:t>
+            </a:r>
+            <a:r>
+              <a:rPr lang="is-IS" sz="1000" dirty="0">
                 <a:solidFill>
                   <a:srgbClr val="272AD8"/>
                 </a:solidFill>
@@ -20027,7 +19402,7 @@
               <a:t>...</a:t>
             </a:r>
             <a:r>
-              <a:rPr lang="is-IS" sz="1000" dirty="0" smtClean="0">
+              <a:rPr lang="is-IS" sz="1000" dirty="0">
                 <a:solidFill>
                   <a:srgbClr val="000000"/>
                 </a:solidFill>
@@ -20102,7 +19477,7 @@
           <a:lstStyle/>
           <a:p>
             <a:r>
-              <a:rPr lang="en-US" dirty="0" err="1" smtClean="0"/>
+              <a:rPr lang="en-US" dirty="0" err="1"/>
               <a:t>prog</a:t>
             </a:r>
             <a:endParaRPr lang="en-US" dirty="0"/>
@@ -20141,7 +19516,7 @@
           <a:effectLst/>
           <a:extLst>
             <a:ext uri="{AF507438-7753-43e0-B8FC-AC1667EBCBE1}">
-              <a14:hiddenEffects xmlns:a14="http://schemas.microsoft.com/office/drawing/2010/main" xmlns="">
+              <a14:hiddenEffects xmlns="" xmlns:a14="http://schemas.microsoft.com/office/drawing/2010/main">
                 <a:effectLst>
                   <a:outerShdw blurRad="63500" dist="38099" dir="2700000" algn="ctr" rotWithShape="0">
                     <a:schemeClr val="bg2">
@@ -20186,7 +19561,7 @@
           <a:effectLst/>
           <a:extLst>
             <a:ext uri="{AF507438-7753-43e0-B8FC-AC1667EBCBE1}">
-              <a14:hiddenEffects xmlns:a14="http://schemas.microsoft.com/office/drawing/2010/main" xmlns="">
+              <a14:hiddenEffects xmlns="" xmlns:a14="http://schemas.microsoft.com/office/drawing/2010/main">
                 <a:effectLst>
                   <a:outerShdw blurRad="63500" dist="38099" dir="2700000" algn="ctr" rotWithShape="0">
                     <a:schemeClr val="bg2">
@@ -20222,10 +19597,9 @@
           <a:lstStyle/>
           <a:p>
             <a:r>
-              <a:rPr lang="en-US" dirty="0" smtClean="0"/>
+              <a:rPr lang="en-US" dirty="0"/>
               <a:t>“”</a:t>
             </a:r>
-            <a:endParaRPr lang="en-US" dirty="0"/>
           </a:p>
         </p:txBody>
       </p:sp>
@@ -20261,7 +19635,7 @@
           <a:effectLst/>
           <a:extLst>
             <a:ext uri="{AF507438-7753-43e0-B8FC-AC1667EBCBE1}">
-              <a14:hiddenEffects xmlns:a14="http://schemas.microsoft.com/office/drawing/2010/main" xmlns="">
+              <a14:hiddenEffects xmlns="" xmlns:a14="http://schemas.microsoft.com/office/drawing/2010/main">
                 <a:effectLst>
                   <a:outerShdw blurRad="63500" dist="38099" dir="2700000" algn="ctr" rotWithShape="0">
                     <a:schemeClr val="bg2">
@@ -20279,13 +19653,6 @@
   <p:clrMapOvr>
     <a:masterClrMapping/>
   </p:clrMapOvr>
-  <p:timing>
-    <p:tnLst>
-      <p:par>
-        <p:cTn id="1" dur="indefinite" restart="never" nodeType="tmRoot"/>
-      </p:par>
-    </p:tnLst>
-  </p:timing>
 </p:sld>
 </file>
 
@@ -20361,22 +19728,20 @@
               <a:rPr lang="en-US" dirty="0"/>
               <a:t>The parse tree is implicit in the function call activation record stack </a:t>
             </a:r>
-            <a:endParaRPr lang="en-US" dirty="0" smtClean="0"/>
           </a:p>
           <a:p>
             <a:pPr lvl="1"/>
             <a:r>
-              <a:rPr lang="en-US" dirty="0" smtClean="0"/>
+              <a:rPr lang="en-US" dirty="0"/>
               <a:t>Building a parser by hand is a lot of work and the parser is difficult to maintain.</a:t>
             </a:r>
           </a:p>
           <a:p>
             <a:pPr lvl="1"/>
             <a:r>
-              <a:rPr lang="en-US" dirty="0" smtClean="0"/>
+              <a:rPr lang="en-US" dirty="0"/>
               <a:t>We would like a tool that reads our grammar file and converts it automatically into a parser – that is what Ply does!</a:t>
             </a:r>
-            <a:endParaRPr lang="en-US" dirty="0"/>
           </a:p>
         </p:txBody>
       </p:sp>
@@ -20385,13 +19750,6 @@
   <p:clrMapOvr>
     <a:masterClrMapping/>
   </p:clrMapOvr>
-  <p:timing>
-    <p:tnLst>
-      <p:par>
-        <p:cTn id="1" dur="indefinite" restart="never" nodeType="tmRoot"/>
-      </p:par>
-    </p:tnLst>
-  </p:timing>
 </p:sld>
 </file>
 
@@ -20428,10 +19786,9 @@
           <a:lstStyle/>
           <a:p>
             <a:r>
-              <a:rPr lang="en-US" dirty="0" smtClean="0"/>
+              <a:rPr lang="en-US" dirty="0"/>
               <a:t>Running the Parser</a:t>
             </a:r>
-            <a:endParaRPr lang="en-US" dirty="0"/>
           </a:p>
         </p:txBody>
       </p:sp>
@@ -20451,38 +19808,37 @@
           <a:lstStyle/>
           <a:p>
             <a:r>
-              <a:rPr lang="en-US" dirty="0" smtClean="0"/>
+              <a:rPr lang="en-US" dirty="0"/>
               <a:t>The examples assume that you have cloned/downloaded the </a:t>
             </a:r>
             <a:r>
-              <a:rPr lang="en-US" dirty="0" err="1" smtClean="0"/>
+              <a:rPr lang="en-US" dirty="0" err="1"/>
               <a:t>Plipy</a:t>
             </a:r>
             <a:r>
-              <a:rPr lang="en-US" dirty="0" smtClean="0"/>
+              <a:rPr lang="en-US" dirty="0"/>
               <a:t> book and have access to the ‘code’ folder.</a:t>
             </a:r>
           </a:p>
           <a:p>
             <a:r>
-              <a:rPr lang="en-US" dirty="0" smtClean="0"/>
+              <a:rPr lang="en-US" dirty="0"/>
               <a:t>For notebook demos it is assumed that you navigated </a:t>
             </a:r>
             <a:r>
-              <a:rPr lang="en-US" dirty="0" err="1" smtClean="0"/>
+              <a:rPr lang="en-US" dirty="0" err="1"/>
               <a:t>Jupyter</a:t>
             </a:r>
             <a:r>
-              <a:rPr lang="en-US" dirty="0" smtClean="0"/>
+              <a:rPr lang="en-US" dirty="0"/>
               <a:t> to the ‘code’ folder and started a new notebook</a:t>
             </a:r>
           </a:p>
           <a:p>
             <a:r>
-              <a:rPr lang="en-US" dirty="0" smtClean="0"/>
+              <a:rPr lang="en-US" dirty="0"/>
               <a:t>This works for all OS’s that Anaconda supports</a:t>
             </a:r>
-            <a:endParaRPr lang="en-US" dirty="0"/>
           </a:p>
         </p:txBody>
       </p:sp>
@@ -20496,13 +19852,6 @@
   <p:clrMapOvr>
     <a:masterClrMapping/>
   </p:clrMapOvr>
-  <p:timing>
-    <p:tnLst>
-      <p:par>
-        <p:cTn id="1" dur="indefinite" restart="never" nodeType="tmRoot"/>
-      </p:par>
-    </p:tnLst>
-  </p:timing>
 </p:sld>
 </file>
 
@@ -20539,10 +19888,9 @@
           <a:lstStyle/>
           <a:p>
             <a:r>
-              <a:rPr lang="en-US" dirty="0" smtClean="0"/>
+              <a:rPr lang="en-US" dirty="0"/>
               <a:t>Running the Parser</a:t>
             </a:r>
-            <a:endParaRPr lang="en-US" dirty="0"/>
           </a:p>
         </p:txBody>
       </p:sp>
@@ -20580,13 +19928,6 @@
   <p:clrMapOvr>
     <a:masterClrMapping/>
   </p:clrMapOvr>
-  <p:timing>
-    <p:tnLst>
-      <p:par>
-        <p:cTn id="1" dur="indefinite" restart="never" nodeType="tmRoot"/>
-      </p:par>
-    </p:tnLst>
-  </p:timing>
 </p:sld>
 </file>
 
@@ -20645,15 +19986,18 @@
           <a:lstStyle/>
           <a:p>
             <a:r>
-              <a:rPr lang="en-US" dirty="0" smtClean="0"/>
+              <a:rPr lang="en-US" dirty="0"/>
               <a:t>Read Chapter 2</a:t>
             </a:r>
-            <a:endParaRPr lang="en-US" dirty="0"/>
-          </a:p>
-          <a:p>
-            <a:r>
-              <a:rPr lang="en-US" dirty="0" smtClean="0"/>
-              <a:t>Assignment #1 -- see the website</a:t>
+          </a:p>
+          <a:p>
+            <a:r>
+              <a:rPr lang="en-US" dirty="0"/>
+              <a:t>Assignment #1 -- see </a:t>
+            </a:r>
+            <a:r>
+              <a:rPr lang="en-US" dirty="0" err="1"/>
+              <a:t>BrightSpace</a:t>
             </a:r>
             <a:endParaRPr lang="en-US" dirty="0"/>
           </a:p>
@@ -20664,13 +20008,6 @@
   <p:clrMapOvr>
     <a:masterClrMapping/>
   </p:clrMapOvr>
-  <p:timing>
-    <p:tnLst>
-      <p:par>
-        <p:cTn id="1" dur="indefinite" restart="never" nodeType="tmRoot"/>
-      </p:par>
-    </p:tnLst>
-  </p:timing>
 </p:sld>
 </file>
 
@@ -20734,90 +20071,82 @@
           <a:lstStyle/>
           <a:p>
             <a:r>
-              <a:rPr lang="en-US" sz="2400" dirty="0" smtClean="0"/>
-              <a:t>Grammars </a:t>
-            </a:r>
-            <a:r>
               <a:rPr lang="en-US" sz="2400" dirty="0"/>
-              <a:t>can readily express the structure of phrases in programming </a:t>
-            </a:r>
-            <a:r>
-              <a:rPr lang="en-US" sz="2400" dirty="0" smtClean="0"/>
-              <a:t>languages</a:t>
+              <a:t>Grammars can readily express the structure of phrases in programming languages</a:t>
             </a:r>
           </a:p>
           <a:p>
             <a:pPr lvl="1"/>
             <a:r>
-              <a:rPr lang="en-US" sz="2000" dirty="0" err="1" smtClean="0"/>
+              <a:rPr lang="en-US" sz="2000" dirty="0" err="1"/>
               <a:t>stmt</a:t>
             </a:r>
             <a:r>
-              <a:rPr lang="en-US" sz="2000" dirty="0" smtClean="0"/>
+              <a:rPr lang="en-US" sz="2000" dirty="0"/>
               <a:t>: function-</a:t>
             </a:r>
             <a:r>
-              <a:rPr lang="en-US" sz="2000" dirty="0" err="1" smtClean="0"/>
+              <a:rPr lang="en-US" sz="2000" dirty="0" err="1"/>
               <a:t>def</a:t>
             </a:r>
             <a:r>
-              <a:rPr lang="en-US" sz="2000" dirty="0" smtClean="0"/>
+              <a:rPr lang="en-US" sz="2000" dirty="0"/>
               <a:t> | return-</a:t>
             </a:r>
             <a:r>
-              <a:rPr lang="en-US" sz="2000" dirty="0" err="1" smtClean="0"/>
+              <a:rPr lang="en-US" sz="2000" dirty="0" err="1"/>
               <a:t>stmt</a:t>
             </a:r>
             <a:r>
-              <a:rPr lang="en-US" sz="2000" dirty="0" smtClean="0"/>
+              <a:rPr lang="en-US" sz="2000" dirty="0"/>
               <a:t> | if-</a:t>
             </a:r>
             <a:r>
-              <a:rPr lang="en-US" sz="2000" dirty="0" err="1" smtClean="0"/>
+              <a:rPr lang="en-US" sz="2000" dirty="0" err="1"/>
               <a:t>stmt</a:t>
             </a:r>
             <a:r>
-              <a:rPr lang="en-US" sz="2000" dirty="0" smtClean="0"/>
+              <a:rPr lang="en-US" sz="2000" dirty="0"/>
               <a:t> | while-</a:t>
             </a:r>
             <a:r>
-              <a:rPr lang="en-US" sz="2000" dirty="0" err="1" smtClean="0"/>
+              <a:rPr lang="en-US" sz="2000" dirty="0" err="1"/>
               <a:t>stmt</a:t>
             </a:r>
-            <a:endParaRPr lang="en-US" sz="2000" dirty="0" smtClean="0"/>
+            <a:endParaRPr lang="en-US" sz="2000" dirty="0"/>
           </a:p>
           <a:p>
             <a:pPr lvl="1"/>
             <a:r>
-              <a:rPr lang="en-US" sz="2000" dirty="0" smtClean="0"/>
+              <a:rPr lang="en-US" sz="2000" dirty="0"/>
               <a:t>function-</a:t>
             </a:r>
             <a:r>
-              <a:rPr lang="en-US" sz="2000" dirty="0" err="1" smtClean="0"/>
+              <a:rPr lang="en-US" sz="2000" dirty="0" err="1"/>
               <a:t>def</a:t>
             </a:r>
             <a:r>
-              <a:rPr lang="en-US" sz="2000" dirty="0" smtClean="0"/>
+              <a:rPr lang="en-US" sz="2000" dirty="0"/>
               <a:t>: </a:t>
             </a:r>
             <a:r>
-              <a:rPr lang="en-US" sz="2000" b="1" dirty="0" smtClean="0"/>
+              <a:rPr lang="en-US" sz="2000" b="1" dirty="0"/>
               <a:t>function</a:t>
             </a:r>
             <a:r>
-              <a:rPr lang="en-US" sz="2000" dirty="0" smtClean="0"/>
+              <a:rPr lang="en-US" sz="2000" dirty="0"/>
               <a:t> name </a:t>
             </a:r>
             <a:r>
-              <a:rPr lang="en-US" sz="2000" dirty="0" err="1" smtClean="0"/>
+              <a:rPr lang="en-US" sz="2000" dirty="0" err="1"/>
               <a:t>expr</a:t>
             </a:r>
             <a:r>
-              <a:rPr lang="en-US" sz="2000" dirty="0" smtClean="0"/>
+              <a:rPr lang="en-US" sz="2000" dirty="0"/>
               <a:t> </a:t>
             </a:r>
             <a:r>
-              <a:rPr lang="en-US" sz="2000" dirty="0" err="1" smtClean="0"/>
+              <a:rPr lang="en-US" sz="2000" dirty="0" err="1"/>
               <a:t>stmt</a:t>
             </a:r>
             <a:endParaRPr lang="en-US" sz="2000" dirty="0"/>
@@ -20837,15 +20166,15 @@
               <a:t> : </a:t>
             </a:r>
             <a:r>
-              <a:rPr lang="en-US" sz="2000" b="1" dirty="0" smtClean="0"/>
+              <a:rPr lang="en-US" sz="2000" b="1" dirty="0"/>
               <a:t>return</a:t>
             </a:r>
             <a:r>
-              <a:rPr lang="en-US" sz="2000" dirty="0" smtClean="0"/>
+              <a:rPr lang="en-US" sz="2000" dirty="0"/>
               <a:t> </a:t>
             </a:r>
             <a:r>
-              <a:rPr lang="en-US" sz="2000" dirty="0" err="1" smtClean="0"/>
+              <a:rPr lang="en-US" sz="2000" dirty="0" err="1"/>
               <a:t>expr</a:t>
             </a:r>
             <a:endParaRPr lang="en-US" sz="2000" dirty="0"/>
@@ -20865,11 +20194,11 @@
               <a:t> : </a:t>
             </a:r>
             <a:r>
-              <a:rPr lang="en-US" sz="2000" b="1" dirty="0" smtClean="0"/>
+              <a:rPr lang="en-US" sz="2000" b="1" dirty="0"/>
               <a:t>if</a:t>
             </a:r>
             <a:r>
-              <a:rPr lang="en-US" sz="2000" dirty="0" smtClean="0"/>
+              <a:rPr lang="en-US" sz="2000" dirty="0"/>
               <a:t> </a:t>
             </a:r>
             <a:r>
@@ -20881,11 +20210,11 @@
               <a:t> </a:t>
             </a:r>
             <a:r>
-              <a:rPr lang="en-US" sz="2000" b="1" dirty="0" smtClean="0"/>
+              <a:rPr lang="en-US" sz="2000" b="1" dirty="0"/>
               <a:t>then</a:t>
             </a:r>
             <a:r>
-              <a:rPr lang="en-US" sz="2000" dirty="0" smtClean="0"/>
+              <a:rPr lang="en-US" sz="2000" dirty="0"/>
               <a:t> </a:t>
             </a:r>
             <a:r>
@@ -20897,11 +20226,11 @@
               <a:t> </a:t>
             </a:r>
             <a:r>
-              <a:rPr lang="en-US" sz="2000" b="1" dirty="0" smtClean="0"/>
+              <a:rPr lang="en-US" sz="2000" b="1" dirty="0"/>
               <a:t>else</a:t>
             </a:r>
             <a:r>
-              <a:rPr lang="en-US" sz="2000" dirty="0" smtClean="0"/>
+              <a:rPr lang="en-US" sz="2000" dirty="0"/>
               <a:t> </a:t>
             </a:r>
             <a:r>
@@ -20913,62 +20242,58 @@
               <a:t> </a:t>
             </a:r>
             <a:r>
-              <a:rPr lang="en-US" sz="2000" b="1" dirty="0" err="1" smtClean="0"/>
+              <a:rPr lang="en-US" sz="2000" b="1" dirty="0" err="1"/>
               <a:t>endif</a:t>
             </a:r>
-            <a:endParaRPr lang="en-US" sz="2000" b="1" dirty="0" smtClean="0"/>
+            <a:endParaRPr lang="en-US" sz="2000" b="1" dirty="0"/>
           </a:p>
           <a:p>
             <a:pPr lvl="1"/>
             <a:r>
               <a:rPr lang="en-US" sz="2000" dirty="0"/>
-              <a:t>w</a:t>
-            </a:r>
-            <a:r>
-              <a:rPr lang="en-US" sz="2000" dirty="0" smtClean="0"/>
-              <a:t>hile-</a:t>
-            </a:r>
-            <a:r>
-              <a:rPr lang="en-US" sz="2000" dirty="0" err="1" smtClean="0"/>
+              <a:t>while-</a:t>
+            </a:r>
+            <a:r>
+              <a:rPr lang="en-US" sz="2000" dirty="0" err="1"/>
               <a:t>stmt</a:t>
             </a:r>
             <a:r>
-              <a:rPr lang="en-US" sz="2000" dirty="0" smtClean="0"/>
+              <a:rPr lang="en-US" sz="2000" dirty="0"/>
               <a:t>: </a:t>
             </a:r>
             <a:r>
-              <a:rPr lang="en-US" sz="2000" b="1" dirty="0" smtClean="0"/>
+              <a:rPr lang="en-US" sz="2000" b="1" dirty="0"/>
               <a:t>while </a:t>
             </a:r>
             <a:r>
-              <a:rPr lang="en-US" sz="2000" dirty="0" err="1" smtClean="0"/>
+              <a:rPr lang="en-US" sz="2000" dirty="0" err="1"/>
               <a:t>expr</a:t>
             </a:r>
             <a:r>
-              <a:rPr lang="en-US" sz="2000" dirty="0" smtClean="0"/>
+              <a:rPr lang="en-US" sz="2000" dirty="0"/>
               <a:t> </a:t>
             </a:r>
             <a:r>
-              <a:rPr lang="en-US" sz="2000" b="1" dirty="0" smtClean="0"/>
+              <a:rPr lang="en-US" sz="2000" b="1" dirty="0"/>
               <a:t>do</a:t>
             </a:r>
             <a:r>
-              <a:rPr lang="en-US" sz="2000" dirty="0" smtClean="0"/>
+              <a:rPr lang="en-US" sz="2000" dirty="0"/>
               <a:t> </a:t>
             </a:r>
             <a:r>
-              <a:rPr lang="en-US" sz="2000" dirty="0" err="1" smtClean="0"/>
+              <a:rPr lang="en-US" sz="2000" dirty="0" err="1"/>
               <a:t>stmt</a:t>
             </a:r>
             <a:r>
-              <a:rPr lang="en-US" sz="2000" dirty="0" smtClean="0"/>
+              <a:rPr lang="en-US" sz="2000" dirty="0"/>
               <a:t> </a:t>
             </a:r>
             <a:r>
-              <a:rPr lang="en-US" sz="2000" b="1" dirty="0" err="1" smtClean="0"/>
+              <a:rPr lang="en-US" sz="2000" b="1" dirty="0" err="1"/>
               <a:t>enddo</a:t>
             </a:r>
-            <a:endParaRPr lang="en-US" sz="2000" dirty="0" smtClean="0"/>
+            <a:endParaRPr lang="en-US" sz="2000" dirty="0"/>
           </a:p>
           <a:p>
             <a:pPr lvl="1"/>
@@ -20986,13 +20311,6 @@
   <p:clrMapOvr>
     <a:masterClrMapping/>
   </p:clrMapOvr>
-  <p:timing>
-    <p:tnLst>
-      <p:par>
-        <p:cTn id="1" dur="indefinite" restart="never" nodeType="tmRoot"/>
-      </p:par>
-    </p:tnLst>
-  </p:timing>
 </p:sld>
 </file>
 
@@ -21070,14 +20388,10 @@
             </a:pPr>
             <a:r>
               <a:rPr lang="en-US" sz="2200" dirty="0"/>
-              <a:t>Non-terminal Symbols - these give names to phrase </a:t>
-            </a:r>
-            <a:r>
-              <a:rPr lang="en-US" sz="2200" dirty="0" smtClean="0"/>
-              <a:t>structures - e.g. function-</a:t>
-            </a:r>
-            <a:r>
-              <a:rPr lang="en-US" sz="2200" dirty="0" err="1" smtClean="0"/>
+              <a:t>Non-terminal Symbols - these give names to phrase structures - e.g. function-</a:t>
+            </a:r>
+            <a:r>
+              <a:rPr lang="en-US" sz="2200" dirty="0" err="1"/>
               <a:t>def</a:t>
             </a:r>
             <a:endParaRPr lang="en-US" sz="2200" dirty="0"/>
@@ -21092,23 +20406,15 @@
             </a:pPr>
             <a:r>
               <a:rPr lang="en-US" sz="2200" dirty="0"/>
-              <a:t>Terminal Symbols - these give names to the tokens in a language </a:t>
-            </a:r>
-            <a:r>
-              <a:rPr lang="en-US" sz="2200" dirty="0" smtClean="0"/>
-              <a:t>– e.g. </a:t>
-            </a:r>
-            <a:r>
-              <a:rPr lang="en-US" sz="2200" b="1" dirty="0" smtClean="0"/>
+              <a:t>Terminal Symbols - these give names to the tokens in a language – e.g. </a:t>
+            </a:r>
+            <a:r>
+              <a:rPr lang="en-US" sz="2200" b="1" dirty="0"/>
               <a:t>while </a:t>
             </a:r>
             <a:r>
-              <a:rPr lang="en-US" sz="2200" dirty="0" smtClean="0"/>
-              <a:t>(</a:t>
-            </a:r>
-            <a:r>
               <a:rPr lang="en-US" sz="2200" dirty="0"/>
-              <a:t>sometimes we don</a:t>
+              <a:t>(sometimes we don</a:t>
             </a:r>
             <a:r>
               <a:rPr lang="ja-JP" altLang="en-US" sz="2200" dirty="0">
@@ -21131,30 +20437,26 @@
             </a:pPr>
             <a:r>
               <a:rPr lang="en-US" sz="2200" dirty="0"/>
-              <a:t>Rules - these describe that actual structure of phrases in a language </a:t>
-            </a:r>
-            <a:r>
-              <a:rPr lang="en-US" sz="2200" dirty="0" smtClean="0"/>
-              <a:t>– e.g. return-</a:t>
-            </a:r>
-            <a:r>
-              <a:rPr lang="en-US" sz="2200" dirty="0" err="1" smtClean="0"/>
+              <a:t>Rules - these describe that actual structure of phrases in a language – e.g. return-</a:t>
+            </a:r>
+            <a:r>
+              <a:rPr lang="en-US" sz="2200" dirty="0" err="1"/>
               <a:t>stmt</a:t>
             </a:r>
             <a:r>
-              <a:rPr lang="en-US" sz="2200" dirty="0" smtClean="0"/>
+              <a:rPr lang="en-US" sz="2200" dirty="0"/>
               <a:t>: </a:t>
             </a:r>
             <a:r>
-              <a:rPr lang="en-US" sz="2200" b="1" dirty="0" smtClean="0"/>
+              <a:rPr lang="en-US" sz="2200" b="1" dirty="0"/>
               <a:t>return</a:t>
             </a:r>
             <a:r>
-              <a:rPr lang="en-US" sz="2200" dirty="0" smtClean="0"/>
+              <a:rPr lang="en-US" sz="2200" dirty="0"/>
               <a:t> </a:t>
             </a:r>
             <a:r>
-              <a:rPr lang="en-US" sz="2200" dirty="0" err="1" smtClean="0"/>
+              <a:rPr lang="en-US" sz="2200" dirty="0" err="1"/>
               <a:t>exp</a:t>
             </a:r>
             <a:endParaRPr lang="en-US" sz="2200" dirty="0"/>
@@ -21169,11 +20471,7 @@
             </a:pPr>
             <a:r>
               <a:rPr lang="en-US" sz="2200" dirty="0"/>
-              <a:t>Start Symbol - a special non-terminal that gives a name to the largest possible phrase(s) in the language (often denoted by an asterisk</a:t>
-            </a:r>
-            <a:r>
-              <a:rPr lang="en-US" sz="2200" dirty="0" smtClean="0"/>
-              <a:t>)</a:t>
+              <a:t>Start Symbol - a special non-terminal that gives a name to the largest possible phrase(s) in the language (often denoted by an asterisk)</a:t>
             </a:r>
           </a:p>
           <a:p>
@@ -21183,18 +20481,17 @@
               </a:lnSpc>
             </a:pPr>
             <a:r>
-              <a:rPr lang="en-US" sz="1900" dirty="0" smtClean="0"/>
+              <a:rPr lang="en-US" sz="1900" dirty="0"/>
               <a:t>In our case that would probably be the </a:t>
             </a:r>
             <a:r>
-              <a:rPr lang="en-US" sz="1900" dirty="0" err="1" smtClean="0"/>
+              <a:rPr lang="en-US" sz="1900" dirty="0" err="1"/>
               <a:t>stmt</a:t>
             </a:r>
             <a:r>
-              <a:rPr lang="en-US" sz="1900" dirty="0" smtClean="0"/>
+              <a:rPr lang="en-US" sz="1900" dirty="0"/>
               <a:t> non-terminal</a:t>
             </a:r>
-            <a:endParaRPr lang="en-US" sz="1900" dirty="0"/>
           </a:p>
         </p:txBody>
       </p:sp>
@@ -21203,13 +20500,6 @@
   <p:clrMapOvr>
     <a:masterClrMapping/>
   </p:clrMapOvr>
-  <p:timing>
-    <p:tnLst>
-      <p:par>
-        <p:cTn id="1" dur="indefinite" restart="never" nodeType="tmRoot"/>
-      </p:par>
-    </p:tnLst>
-  </p:timing>
 </p:sld>
 </file>
 
@@ -21279,7 +20569,7 @@
           </a:ln>
           <a:extLst>
             <a:ext uri="{909E8E84-426E-40dd-AFC4-6F175D3DCCD1}">
-              <a14:hiddenFill xmlns:a14="http://schemas.microsoft.com/office/drawing/2010/main" xmlns="">
+              <a14:hiddenFill xmlns="" xmlns:a14="http://schemas.microsoft.com/office/drawing/2010/main">
                 <a:solidFill>
                   <a:schemeClr val="accent1"/>
                 </a:solidFill>
@@ -21294,16 +20584,12 @@
           <a:lstStyle/>
           <a:p>
             <a:r>
-              <a:rPr lang="da-DK" sz="1200" dirty="0" err="1" smtClean="0"/>
+              <a:rPr lang="da-DK" sz="1200" dirty="0" err="1"/>
               <a:t>prog</a:t>
             </a:r>
             <a:r>
-              <a:rPr lang="da-DK" sz="1200" dirty="0" smtClean="0"/>
-              <a:t> </a:t>
-            </a:r>
-            <a:r>
               <a:rPr lang="da-DK" sz="1200" dirty="0"/>
-              <a:t>: </a:t>
+              <a:t> : </a:t>
             </a:r>
             <a:r>
               <a:rPr lang="da-DK" sz="1200" dirty="0" err="1"/>
@@ -21314,61 +20600,88 @@
               <a:t> </a:t>
             </a:r>
             <a:r>
-              <a:rPr lang="da-DK" sz="1200" dirty="0" err="1" smtClean="0"/>
+              <a:rPr lang="da-DK" sz="1200" dirty="0" err="1"/>
               <a:t>prog</a:t>
             </a:r>
             <a:endParaRPr lang="da-DK" sz="1200" dirty="0"/>
           </a:p>
           <a:p>
+            <a:r>
+              <a:rPr lang="da-DK" sz="1200" dirty="0"/>
+              <a:t>         | ""</a:t>
+            </a:r>
+          </a:p>
+          <a:p>
+            <a:r>
+              <a:rPr lang="da-DK" sz="1200" dirty="0"/>
+              <a:t>          </a:t>
+            </a:r>
+          </a:p>
+          <a:p>
+            <a:r>
+              <a:rPr lang="da-DK" sz="1200" dirty="0" err="1"/>
+              <a:t>stmt</a:t>
+            </a:r>
+            <a:r>
+              <a:rPr lang="da-DK" sz="1200" dirty="0"/>
+              <a:t> : p </a:t>
+            </a:r>
+            <a:r>
+              <a:rPr lang="da-DK" sz="1200" dirty="0" err="1"/>
+              <a:t>exp</a:t>
+            </a:r>
+            <a:r>
+              <a:rPr lang="da-DK" sz="1200" dirty="0"/>
+              <a:t> ;</a:t>
+            </a:r>
+          </a:p>
+          <a:p>
+            <a:r>
+              <a:rPr lang="da-DK" sz="1200" dirty="0"/>
+              <a:t>        | s var </a:t>
+            </a:r>
+            <a:r>
+              <a:rPr lang="da-DK" sz="1200" dirty="0" err="1"/>
+              <a:t>exp</a:t>
+            </a:r>
+            <a:r>
+              <a:rPr lang="da-DK" sz="1200" dirty="0"/>
+              <a:t> ;</a:t>
+            </a:r>
+          </a:p>
+          <a:p>
+            <a:r>
+              <a:rPr lang="da-DK" sz="1200" dirty="0"/>
+              <a:t>     </a:t>
+            </a:r>
+          </a:p>
+          <a:p>
+            <a:r>
+              <a:rPr lang="da-DK" sz="1200" dirty="0" err="1"/>
+              <a:t>exp</a:t>
+            </a:r>
+            <a:r>
+              <a:rPr lang="da-DK" sz="1200" dirty="0"/>
+              <a:t> : + </a:t>
+            </a:r>
+            <a:r>
+              <a:rPr lang="da-DK" sz="1200" dirty="0" err="1"/>
+              <a:t>exp</a:t>
+            </a:r>
             <a:r>
               <a:rPr lang="da-DK" sz="1200" dirty="0"/>
               <a:t> </a:t>
             </a:r>
             <a:r>
-              <a:rPr lang="da-DK" sz="1200" dirty="0" smtClean="0"/>
-              <a:t>        </a:t>
-            </a:r>
-            <a:r>
-              <a:rPr lang="da-DK" sz="1200" dirty="0"/>
-              <a:t>| ""</a:t>
-            </a:r>
-          </a:p>
-          <a:p>
-            <a:r>
-              <a:rPr lang="da-DK" sz="1200" dirty="0"/>
-              <a:t>          </a:t>
-            </a:r>
-          </a:p>
-          <a:p>
-            <a:r>
-              <a:rPr lang="da-DK" sz="1200" dirty="0" err="1"/>
-              <a:t>stmt</a:t>
-            </a:r>
-            <a:r>
-              <a:rPr lang="da-DK" sz="1200" dirty="0"/>
-              <a:t> : p </a:t>
-            </a:r>
-            <a:r>
               <a:rPr lang="da-DK" sz="1200" dirty="0" err="1"/>
               <a:t>exp</a:t>
             </a:r>
+            <a:endParaRPr lang="da-DK" sz="1200" dirty="0"/>
+          </a:p>
+          <a:p>
             <a:r>
               <a:rPr lang="da-DK" sz="1200" dirty="0"/>
-              <a:t> ;</a:t>
-            </a:r>
-          </a:p>
-          <a:p>
-            <a:r>
-              <a:rPr lang="da-DK" sz="1200" dirty="0"/>
-              <a:t>  </a:t>
-            </a:r>
-            <a:r>
-              <a:rPr lang="da-DK" sz="1200" dirty="0" smtClean="0"/>
-              <a:t>      </a:t>
-            </a:r>
-            <a:r>
-              <a:rPr lang="da-DK" sz="1200" dirty="0"/>
-              <a:t>| s var </a:t>
+              <a:t>       | - </a:t>
             </a:r>
             <a:r>
               <a:rPr lang="da-DK" sz="1200" dirty="0" err="1"/>
@@ -21376,23 +20689,18 @@
             </a:r>
             <a:r>
               <a:rPr lang="da-DK" sz="1200" dirty="0"/>
-              <a:t> ;</a:t>
-            </a:r>
-          </a:p>
-          <a:p>
-            <a:r>
-              <a:rPr lang="da-DK" sz="1200" dirty="0"/>
-              <a:t>     </a:t>
-            </a:r>
-          </a:p>
-          <a:p>
+              <a:t> </a:t>
+            </a:r>
             <a:r>
               <a:rPr lang="da-DK" sz="1200" dirty="0" err="1"/>
               <a:t>exp</a:t>
             </a:r>
+            <a:endParaRPr lang="da-DK" sz="1200" dirty="0"/>
+          </a:p>
+          <a:p>
             <a:r>
               <a:rPr lang="da-DK" sz="1200" dirty="0"/>
-              <a:t> : + </a:t>
+              <a:t>       | ( </a:t>
             </a:r>
             <a:r>
               <a:rPr lang="da-DK" sz="1200" dirty="0" err="1"/>
@@ -21400,81 +20708,19 @@
             </a:r>
             <a:r>
               <a:rPr lang="da-DK" sz="1200" dirty="0"/>
-              <a:t> </a:t>
-            </a:r>
-            <a:r>
-              <a:rPr lang="da-DK" sz="1200" dirty="0" err="1"/>
-              <a:t>exp</a:t>
-            </a:r>
-            <a:endParaRPr lang="da-DK" sz="1200" dirty="0"/>
+              <a:t> )</a:t>
+            </a:r>
           </a:p>
           <a:p>
             <a:r>
               <a:rPr lang="da-DK" sz="1200" dirty="0"/>
-              <a:t> </a:t>
-            </a:r>
-            <a:r>
-              <a:rPr lang="da-DK" sz="1200" dirty="0" smtClean="0"/>
-              <a:t>      </a:t>
-            </a:r>
+              <a:t>       | var</a:t>
+            </a:r>
+          </a:p>
+          <a:p>
             <a:r>
               <a:rPr lang="da-DK" sz="1200" dirty="0"/>
-              <a:t>| - </a:t>
-            </a:r>
-            <a:r>
-              <a:rPr lang="da-DK" sz="1200" dirty="0" err="1"/>
-              <a:t>exp</a:t>
-            </a:r>
-            <a:r>
-              <a:rPr lang="da-DK" sz="1200" dirty="0"/>
-              <a:t> </a:t>
-            </a:r>
-            <a:r>
-              <a:rPr lang="da-DK" sz="1200" dirty="0" err="1"/>
-              <a:t>exp</a:t>
-            </a:r>
-            <a:endParaRPr lang="da-DK" sz="1200" dirty="0"/>
-          </a:p>
-          <a:p>
-            <a:r>
-              <a:rPr lang="da-DK" sz="1200" dirty="0"/>
-              <a:t> </a:t>
-            </a:r>
-            <a:r>
-              <a:rPr lang="da-DK" sz="1200" dirty="0" smtClean="0"/>
-              <a:t>      </a:t>
-            </a:r>
-            <a:r>
-              <a:rPr lang="da-DK" sz="1200" dirty="0"/>
-              <a:t>| ( </a:t>
-            </a:r>
-            <a:r>
-              <a:rPr lang="da-DK" sz="1200" dirty="0" err="1"/>
-              <a:t>exp</a:t>
-            </a:r>
-            <a:r>
-              <a:rPr lang="da-DK" sz="1200" dirty="0"/>
-              <a:t> )</a:t>
-            </a:r>
-          </a:p>
-          <a:p>
-            <a:r>
-              <a:rPr lang="da-DK" sz="1200" dirty="0" smtClean="0"/>
-              <a:t>       </a:t>
-            </a:r>
-            <a:r>
-              <a:rPr lang="da-DK" sz="1200" dirty="0"/>
-              <a:t>| var</a:t>
-            </a:r>
-          </a:p>
-          <a:p>
-            <a:r>
-              <a:rPr lang="da-DK" sz="1200" dirty="0" smtClean="0"/>
-              <a:t>       </a:t>
-            </a:r>
-            <a:r>
-              <a:rPr lang="da-DK" sz="1200" dirty="0"/>
-              <a:t>| </a:t>
+              <a:t>       | </a:t>
             </a:r>
             <a:r>
               <a:rPr lang="da-DK" sz="1200" dirty="0" err="1"/>
@@ -21534,14 +20780,14 @@
           </a:ln>
           <a:extLst>
             <a:ext uri="{909E8E84-426E-40dd-AFC4-6F175D3DCCD1}">
-              <a14:hiddenFill xmlns:a14="http://schemas.microsoft.com/office/drawing/2010/main" xmlns="">
+              <a14:hiddenFill xmlns="" xmlns:a14="http://schemas.microsoft.com/office/drawing/2010/main">
                 <a:solidFill>
                   <a:schemeClr val="accent1"/>
                 </a:solidFill>
               </a14:hiddenFill>
             </a:ext>
             <a:ext uri="{91240B29-F687-4f45-9708-019B960494DF}">
-              <a14:hiddenLine xmlns:a14="http://schemas.microsoft.com/office/drawing/2010/main" xmlns="" w="9525">
+              <a14:hiddenLine xmlns="" xmlns:a14="http://schemas.microsoft.com/office/drawing/2010/main" w="9525">
                 <a:solidFill>
                   <a:schemeClr val="tx1"/>
                 </a:solidFill>
@@ -21588,7 +20834,7 @@
           <a:lstStyle/>
           <a:p>
             <a:r>
-              <a:rPr lang="en-US" dirty="0" smtClean="0"/>
+              <a:rPr lang="en-US" dirty="0"/>
               <a:t>Example Exp0 Program:</a:t>
             </a:r>
           </a:p>
@@ -21598,13 +20844,8 @@
           <a:p>
             <a:r>
               <a:rPr lang="en-US" dirty="0"/>
-              <a:t>s</a:t>
-            </a:r>
-            <a:r>
-              <a:rPr lang="en-US" dirty="0" smtClean="0"/>
-              <a:t> x 1 ; p + x 1 ; </a:t>
-            </a:r>
-            <a:endParaRPr lang="en-US" dirty="0"/>
+              <a:t>s x 1 ; p + x 1 ; </a:t>
+            </a:r>
           </a:p>
         </p:txBody>
       </p:sp>
@@ -21613,13 +20854,6 @@
   <p:clrMapOvr>
     <a:masterClrMapping/>
   </p:clrMapOvr>
-  <p:timing>
-    <p:tnLst>
-      <p:par>
-        <p:cTn id="1" dur="indefinite" restart="never" nodeType="tmRoot"/>
-      </p:par>
-    </p:tnLst>
-  </p:timing>
 </p:sld>
 </file>
 
@@ -21691,7 +20925,6 @@
               <a:rPr lang="en-US" sz="2600" dirty="0"/>
               <a:t>A grammar tells us if a sentence belongs to the language, </a:t>
             </a:r>
-            <a:endParaRPr lang="en-US" sz="2600" dirty="0" smtClean="0"/>
           </a:p>
           <a:p>
             <a:pPr lvl="1">
@@ -21700,12 +20933,8 @@
               </a:lnSpc>
             </a:pPr>
             <a:r>
-              <a:rPr lang="en-US" sz="2200" dirty="0" smtClean="0"/>
-              <a:t>e</a:t>
-            </a:r>
-            <a:r>
               <a:rPr lang="en-US" sz="2200" dirty="0"/>
-              <a:t>.g. Does </a:t>
+              <a:t>e.g. Does </a:t>
             </a:r>
             <a:r>
               <a:rPr lang="ja-JP" altLang="en-US" sz="2200" dirty="0">
@@ -21725,11 +20954,7 @@
             </a:r>
             <a:r>
               <a:rPr lang="en-US" sz="2200" dirty="0"/>
-              <a:t> belong to the language</a:t>
-            </a:r>
-            <a:r>
-              <a:rPr lang="en-US" sz="2200" dirty="0" smtClean="0"/>
-              <a:t>?</a:t>
+              <a:t> belong to the language?</a:t>
             </a:r>
           </a:p>
           <a:p>
@@ -21739,7 +20964,7 @@
               </a:lnSpc>
             </a:pPr>
             <a:r>
-              <a:rPr lang="en-US" dirty="0" smtClean="0"/>
+              <a:rPr lang="en-US" dirty="0"/>
               <a:t>We can show that a sentence belongs to the language by constructing a parse tree starting at the start symbol</a:t>
             </a:r>
           </a:p>
@@ -21750,13 +20975,6 @@
   <p:clrMapOvr>
     <a:masterClrMapping/>
   </p:clrMapOvr>
-  <p:timing>
-    <p:tnLst>
-      <p:par>
-        <p:cTn id="1" dur="indefinite" restart="never" nodeType="tmRoot"/>
-      </p:par>
-    </p:tnLst>
-  </p:timing>
 </p:sld>
 </file>
 
@@ -21793,10 +21011,9 @@
           <a:lstStyle/>
           <a:p>
             <a:r>
-              <a:rPr lang="en-US" dirty="0" smtClean="0"/>
+              <a:rPr lang="en-US" dirty="0"/>
               <a:t>Grammars</a:t>
             </a:r>
-            <a:endParaRPr lang="en-US" dirty="0"/>
           </a:p>
         </p:txBody>
       </p:sp>
@@ -21824,13 +21041,8 @@
           <a:p>
             <a:r>
               <a:rPr lang="en-US" sz="1800" dirty="0"/>
-              <a:t>s</a:t>
-            </a:r>
-            <a:r>
-              <a:rPr lang="en-US" sz="1800" dirty="0" smtClean="0"/>
-              <a:t> x 3 ;</a:t>
-            </a:r>
-            <a:endParaRPr lang="en-US" sz="1800" dirty="0"/>
+              <a:t>s x 3 ;</a:t>
+            </a:r>
           </a:p>
         </p:txBody>
       </p:sp>
@@ -21842,7 +21054,7 @@
         </p:nvSpPr>
         <p:spPr>
           <a:xfrm>
-            <a:off x="5633976" y="1143000"/>
+            <a:off x="5633976" y="457200"/>
             <a:ext cx="544002" cy="307777"/>
           </a:xfrm>
           <a:prstGeom prst="rect">
@@ -21857,7 +21069,7 @@
           <a:lstStyle/>
           <a:p>
             <a:r>
-              <a:rPr lang="en-US" dirty="0" err="1" smtClean="0"/>
+              <a:rPr lang="en-US" dirty="0" err="1"/>
               <a:t>prog</a:t>
             </a:r>
             <a:endParaRPr lang="en-US" dirty="0"/>
@@ -21872,7 +21084,7 @@
         </p:nvSpPr>
         <p:spPr>
           <a:xfrm>
-            <a:off x="4909400" y="1987245"/>
+            <a:off x="4909400" y="1301445"/>
             <a:ext cx="530915" cy="307777"/>
           </a:xfrm>
           <a:prstGeom prst="rect">
@@ -21887,7 +21099,7 @@
           <a:lstStyle/>
           <a:p>
             <a:r>
-              <a:rPr lang="en-US" dirty="0" err="1" smtClean="0"/>
+              <a:rPr lang="en-US" dirty="0" err="1"/>
               <a:t>stmt</a:t>
             </a:r>
             <a:endParaRPr lang="en-US" dirty="0"/>
@@ -21902,7 +21114,7 @@
         </p:nvSpPr>
         <p:spPr>
           <a:xfrm>
-            <a:off x="4343400" y="2593777"/>
+            <a:off x="4343400" y="1907977"/>
             <a:ext cx="274434" cy="307777"/>
           </a:xfrm>
           <a:prstGeom prst="rect">
@@ -21917,10 +21129,9 @@
           <a:lstStyle/>
           <a:p>
             <a:r>
-              <a:rPr lang="en-US" dirty="0" smtClean="0"/>
+              <a:rPr lang="en-US" dirty="0"/>
               <a:t>s</a:t>
             </a:r>
-            <a:endParaRPr lang="en-US" dirty="0"/>
           </a:p>
         </p:txBody>
       </p:sp>
@@ -21932,7 +21143,7 @@
         </p:nvSpPr>
         <p:spPr>
           <a:xfrm>
-            <a:off x="4923242" y="2593777"/>
+            <a:off x="4923242" y="1907977"/>
             <a:ext cx="453970" cy="307777"/>
           </a:xfrm>
           <a:prstGeom prst="rect">
@@ -21947,7 +21158,7 @@
           <a:lstStyle/>
           <a:p>
             <a:r>
-              <a:rPr lang="en-US" dirty="0" err="1" smtClean="0"/>
+              <a:rPr lang="en-US" dirty="0" err="1"/>
               <a:t>var</a:t>
             </a:r>
             <a:endParaRPr lang="en-US" dirty="0"/>
@@ -21962,7 +21173,7 @@
         </p:nvSpPr>
         <p:spPr>
           <a:xfrm>
-            <a:off x="5703388" y="2590800"/>
+            <a:off x="5703388" y="1905000"/>
             <a:ext cx="474133" cy="307777"/>
           </a:xfrm>
           <a:prstGeom prst="rect">
@@ -21977,7 +21188,7 @@
           <a:lstStyle/>
           <a:p>
             <a:r>
-              <a:rPr lang="en-US" dirty="0" err="1" smtClean="0"/>
+              <a:rPr lang="en-US" dirty="0" err="1"/>
               <a:t>exp</a:t>
             </a:r>
             <a:endParaRPr lang="en-US" dirty="0"/>
@@ -21992,7 +21203,7 @@
         </p:nvSpPr>
         <p:spPr>
           <a:xfrm>
-            <a:off x="6329921" y="2593777"/>
+            <a:off x="6329921" y="1907977"/>
             <a:ext cx="234547" cy="307777"/>
           </a:xfrm>
           <a:prstGeom prst="rect">
@@ -22007,10 +21218,9 @@
           <a:lstStyle/>
           <a:p>
             <a:r>
-              <a:rPr lang="en-US" dirty="0" smtClean="0"/>
+              <a:rPr lang="en-US" dirty="0"/>
               <a:t>;</a:t>
             </a:r>
-            <a:endParaRPr lang="en-US" dirty="0"/>
           </a:p>
         </p:txBody>
       </p:sp>
@@ -22022,7 +21232,7 @@
         </p:nvSpPr>
         <p:spPr>
           <a:xfrm>
-            <a:off x="4958321" y="3276600"/>
+            <a:off x="4958321" y="2590800"/>
             <a:ext cx="274434" cy="307777"/>
           </a:xfrm>
           <a:prstGeom prst="rect">
@@ -22037,10 +21247,9 @@
           <a:lstStyle/>
           <a:p>
             <a:r>
-              <a:rPr lang="en-US" dirty="0" smtClean="0"/>
+              <a:rPr lang="en-US" dirty="0"/>
               <a:t>x</a:t>
             </a:r>
-            <a:endParaRPr lang="en-US" dirty="0"/>
           </a:p>
         </p:txBody>
       </p:sp>
@@ -22052,8 +21261,8 @@
         </p:nvSpPr>
         <p:spPr>
           <a:xfrm>
-            <a:off x="5755106" y="3279577"/>
-            <a:ext cx="284515" cy="307777"/>
+            <a:off x="5715000" y="2593777"/>
+            <a:ext cx="532518" cy="307777"/>
           </a:xfrm>
           <a:prstGeom prst="rect">
             <a:avLst/>
@@ -22067,10 +21276,9 @@
           <a:lstStyle/>
           <a:p>
             <a:r>
-              <a:rPr lang="en-US" dirty="0" smtClean="0"/>
-              <a:t>3</a:t>
-            </a:r>
-            <a:endParaRPr lang="en-US" dirty="0"/>
+              <a:rPr lang="en-US" dirty="0"/>
+              <a:t>num</a:t>
+            </a:r>
           </a:p>
         </p:txBody>
       </p:sp>
@@ -22085,7 +21293,7 @@
         </p:nvCxnSpPr>
         <p:spPr bwMode="auto">
           <a:xfrm flipH="1">
-            <a:off x="5174858" y="1450777"/>
+            <a:off x="5174858" y="764977"/>
             <a:ext cx="731119" cy="536468"/>
           </a:xfrm>
           <a:prstGeom prst="line">
@@ -22106,7 +21314,7 @@
           <a:effectLst/>
           <a:extLst>
             <a:ext uri="{AF507438-7753-43e0-B8FC-AC1667EBCBE1}">
-              <a14:hiddenEffects xmlns:a14="http://schemas.microsoft.com/office/drawing/2010/main" xmlns="">
+              <a14:hiddenEffects xmlns="" xmlns:a14="http://schemas.microsoft.com/office/drawing/2010/main">
                 <a:effectLst>
                   <a:outerShdw blurRad="63500" dist="38099" dir="2700000" algn="ctr" rotWithShape="0">
                     <a:schemeClr val="bg2">
@@ -22129,7 +21337,7 @@
         </p:nvCxnSpPr>
         <p:spPr bwMode="auto">
           <a:xfrm flipH="1">
-            <a:off x="4653523" y="2295022"/>
+            <a:off x="4653523" y="1609222"/>
             <a:ext cx="521335" cy="222555"/>
           </a:xfrm>
           <a:prstGeom prst="line">
@@ -22150,7 +21358,7 @@
           <a:effectLst/>
           <a:extLst>
             <a:ext uri="{AF507438-7753-43e0-B8FC-AC1667EBCBE1}">
-              <a14:hiddenEffects xmlns:a14="http://schemas.microsoft.com/office/drawing/2010/main" xmlns="">
+              <a14:hiddenEffects xmlns="" xmlns:a14="http://schemas.microsoft.com/office/drawing/2010/main">
                 <a:effectLst>
                   <a:outerShdw blurRad="63500" dist="38099" dir="2700000" algn="ctr" rotWithShape="0">
                     <a:schemeClr val="bg2">
@@ -22174,7 +21382,7 @@
         </p:nvCxnSpPr>
         <p:spPr bwMode="auto">
           <a:xfrm flipH="1">
-            <a:off x="5150227" y="2295022"/>
+            <a:off x="5150227" y="1609222"/>
             <a:ext cx="24631" cy="298755"/>
           </a:xfrm>
           <a:prstGeom prst="line">
@@ -22195,7 +21403,7 @@
           <a:effectLst/>
           <a:extLst>
             <a:ext uri="{AF507438-7753-43e0-B8FC-AC1667EBCBE1}">
-              <a14:hiddenEffects xmlns:a14="http://schemas.microsoft.com/office/drawing/2010/main" xmlns="">
+              <a14:hiddenEffects xmlns="" xmlns:a14="http://schemas.microsoft.com/office/drawing/2010/main">
                 <a:effectLst>
                   <a:outerShdw blurRad="63500" dist="38099" dir="2700000" algn="ctr" rotWithShape="0">
                     <a:schemeClr val="bg2">
@@ -22219,7 +21427,7 @@
         </p:nvCxnSpPr>
         <p:spPr bwMode="auto">
           <a:xfrm>
-            <a:off x="5174858" y="2295022"/>
+            <a:off x="5174858" y="1609222"/>
             <a:ext cx="765597" cy="295778"/>
           </a:xfrm>
           <a:prstGeom prst="line">
@@ -22240,7 +21448,7 @@
           <a:effectLst/>
           <a:extLst>
             <a:ext uri="{AF507438-7753-43e0-B8FC-AC1667EBCBE1}">
-              <a14:hiddenEffects xmlns:a14="http://schemas.microsoft.com/office/drawing/2010/main" xmlns="">
+              <a14:hiddenEffects xmlns="" xmlns:a14="http://schemas.microsoft.com/office/drawing/2010/main">
                 <a:effectLst>
                   <a:outerShdw blurRad="63500" dist="38099" dir="2700000" algn="ctr" rotWithShape="0">
                     <a:schemeClr val="bg2">
@@ -22264,7 +21472,7 @@
         </p:nvCxnSpPr>
         <p:spPr bwMode="auto">
           <a:xfrm>
-            <a:off x="5174858" y="2295022"/>
+            <a:off x="5174858" y="1609222"/>
             <a:ext cx="1272337" cy="298755"/>
           </a:xfrm>
           <a:prstGeom prst="line">
@@ -22285,7 +21493,7 @@
           <a:effectLst/>
           <a:extLst>
             <a:ext uri="{AF507438-7753-43e0-B8FC-AC1667EBCBE1}">
-              <a14:hiddenEffects xmlns:a14="http://schemas.microsoft.com/office/drawing/2010/main" xmlns="">
+              <a14:hiddenEffects xmlns="" xmlns:a14="http://schemas.microsoft.com/office/drawing/2010/main">
                 <a:effectLst>
                   <a:outerShdw blurRad="63500" dist="38099" dir="2700000" algn="ctr" rotWithShape="0">
                     <a:schemeClr val="bg2">
@@ -22309,7 +21517,7 @@
         </p:nvCxnSpPr>
         <p:spPr bwMode="auto">
           <a:xfrm flipH="1">
-            <a:off x="5095538" y="2901554"/>
+            <a:off x="5095538" y="2215754"/>
             <a:ext cx="54689" cy="375046"/>
           </a:xfrm>
           <a:prstGeom prst="line">
@@ -22330,7 +21538,7 @@
           <a:effectLst/>
           <a:extLst>
             <a:ext uri="{AF507438-7753-43e0-B8FC-AC1667EBCBE1}">
-              <a14:hiddenEffects xmlns:a14="http://schemas.microsoft.com/office/drawing/2010/main" xmlns="">
+              <a14:hiddenEffects xmlns="" xmlns:a14="http://schemas.microsoft.com/office/drawing/2010/main">
                 <a:effectLst>
                   <a:outerShdw blurRad="63500" dist="38099" dir="2700000" algn="ctr" rotWithShape="0">
                     <a:schemeClr val="bg2">
@@ -22347,14 +21555,16 @@
         <p:nvCxnSpPr>
           <p:cNvPr id="28" name="Straight Connector 27"/>
           <p:cNvCxnSpPr>
+            <a:cxnSpLocks/>
             <a:stCxn id="11" idx="2"/>
+            <a:endCxn id="14" idx="0"/>
           </p:cNvCxnSpPr>
           <p:nvPr/>
         </p:nvCxnSpPr>
         <p:spPr bwMode="auto">
-          <a:xfrm flipH="1">
-            <a:off x="5897364" y="2898577"/>
-            <a:ext cx="43091" cy="381000"/>
+          <a:xfrm>
+            <a:off x="5940455" y="2212777"/>
+            <a:ext cx="40804" cy="381000"/>
           </a:xfrm>
           <a:prstGeom prst="line">
             <a:avLst/>
@@ -22374,7 +21584,7 @@
           <a:effectLst/>
           <a:extLst>
             <a:ext uri="{AF507438-7753-43e0-B8FC-AC1667EBCBE1}">
-              <a14:hiddenEffects xmlns:a14="http://schemas.microsoft.com/office/drawing/2010/main" xmlns="">
+              <a14:hiddenEffects xmlns="" xmlns:a14="http://schemas.microsoft.com/office/drawing/2010/main">
                 <a:effectLst>
                   <a:outerShdw blurRad="63500" dist="38099" dir="2700000" algn="ctr" rotWithShape="0">
                     <a:schemeClr val="bg2">
@@ -22396,7 +21606,7 @@
         <p:spPr>
           <a:xfrm>
             <a:off x="3124200" y="3810000"/>
-            <a:ext cx="5373774" cy="2677656"/>
+            <a:ext cx="5355953" cy="2893100"/>
           </a:xfrm>
           <a:prstGeom prst="rect">
             <a:avLst/>
@@ -22410,22 +21620,22 @@
           <a:lstStyle/>
           <a:p>
             <a:r>
-              <a:rPr lang="en-US" dirty="0" smtClean="0"/>
+              <a:rPr lang="en-US" dirty="0"/>
               <a:t>Note: constructing the parse tree by filling in the leftmost</a:t>
             </a:r>
             <a:br>
-              <a:rPr lang="en-US" dirty="0" smtClean="0"/>
+              <a:rPr lang="en-US" dirty="0"/>
             </a:br>
             <a:r>
-              <a:rPr lang="en-US" dirty="0" smtClean="0"/>
+              <a:rPr lang="en-US" dirty="0"/>
               <a:t>non-terminal at each step we obtain </a:t>
             </a:r>
             <a:r>
-              <a:rPr lang="en-US" b="1" dirty="0" smtClean="0"/>
+              <a:rPr lang="en-US" b="1" dirty="0"/>
               <a:t>the left-most derivation</a:t>
             </a:r>
             <a:r>
-              <a:rPr lang="en-US" dirty="0" smtClean="0"/>
+              <a:rPr lang="en-US" dirty="0"/>
               <a:t>:</a:t>
             </a:r>
           </a:p>
@@ -22434,15 +21644,15 @@
           </a:p>
           <a:p>
             <a:r>
-              <a:rPr lang="en-US" dirty="0" err="1" smtClean="0"/>
+              <a:rPr lang="en-US" dirty="0" err="1"/>
               <a:t>prog</a:t>
             </a:r>
             <a:r>
-              <a:rPr lang="en-US" dirty="0" smtClean="0"/>
+              <a:rPr lang="en-US" dirty="0"/>
               <a:t> </a:t>
             </a:r>
             <a:r>
-              <a:rPr lang="en-US" dirty="0" smtClean="0">
+              <a:rPr lang="en-US" dirty="0">
                 <a:sym typeface="Symbol"/>
               </a:rPr>
               <a:t></a:t>
@@ -22451,31 +21661,31 @@
           </a:p>
           <a:p>
             <a:r>
-              <a:rPr lang="en-US" dirty="0" err="1" smtClean="0">
+              <a:rPr lang="en-US" dirty="0" err="1">
                 <a:sym typeface="Wingdings"/>
               </a:rPr>
               <a:t>stmt</a:t>
             </a:r>
             <a:r>
-              <a:rPr lang="en-US" dirty="0" smtClean="0">
+              <a:rPr lang="en-US" dirty="0">
                 <a:sym typeface="Wingdings"/>
               </a:rPr>
               <a:t> </a:t>
             </a:r>
             <a:r>
-              <a:rPr lang="en-US" dirty="0" err="1" smtClean="0">
+              <a:rPr lang="en-US" dirty="0" err="1">
                 <a:sym typeface="Wingdings"/>
               </a:rPr>
               <a:t>prog</a:t>
             </a:r>
             <a:r>
-              <a:rPr lang="en-US" dirty="0" smtClean="0">
+              <a:rPr lang="en-US" dirty="0">
                 <a:sym typeface="Wingdings"/>
               </a:rPr>
               <a:t> </a:t>
             </a:r>
             <a:r>
-              <a:rPr lang="en-US" dirty="0" smtClean="0">
+              <a:rPr lang="en-US" dirty="0">
                 <a:sym typeface="Symbol"/>
               </a:rPr>
               <a:t></a:t>
@@ -22483,51 +21693,6 @@
             <a:endParaRPr lang="en-US" dirty="0"/>
           </a:p>
           <a:p>
-            <a:r>
-              <a:rPr lang="en-US" dirty="0" smtClean="0">
-                <a:latin typeface="+mn-lt"/>
-                <a:ea typeface="Wingdings"/>
-                <a:cs typeface="Wingdings"/>
-                <a:sym typeface="Wingdings"/>
-              </a:rPr>
-              <a:t>s </a:t>
-            </a:r>
-            <a:r>
-              <a:rPr lang="en-US" dirty="0" err="1" smtClean="0">
-                <a:latin typeface="+mn-lt"/>
-                <a:ea typeface="Wingdings"/>
-                <a:cs typeface="Wingdings"/>
-                <a:sym typeface="Wingdings"/>
-              </a:rPr>
-              <a:t>var</a:t>
-            </a:r>
-            <a:r>
-              <a:rPr lang="en-US" dirty="0" smtClean="0">
-                <a:latin typeface="+mn-lt"/>
-                <a:ea typeface="Wingdings"/>
-                <a:cs typeface="Wingdings"/>
-                <a:sym typeface="Wingdings"/>
-              </a:rPr>
-              <a:t> </a:t>
-            </a:r>
-            <a:r>
-              <a:rPr lang="en-US" dirty="0" err="1" smtClean="0">
-                <a:latin typeface="+mn-lt"/>
-                <a:ea typeface="Wingdings"/>
-                <a:cs typeface="Wingdings"/>
-                <a:sym typeface="Wingdings"/>
-              </a:rPr>
-              <a:t>exp</a:t>
-            </a:r>
-            <a:r>
-              <a:rPr lang="en-US" dirty="0" smtClean="0">
-                <a:latin typeface="+mn-lt"/>
-                <a:ea typeface="Wingdings"/>
-                <a:cs typeface="Wingdings"/>
-                <a:sym typeface="Wingdings"/>
-              </a:rPr>
-              <a:t> ;</a:t>
-            </a:r>
             <a:r>
               <a:rPr lang="en-US" dirty="0">
                 <a:latin typeface="+mn-lt"/>
@@ -22535,19 +21700,19 @@
                 <a:cs typeface="Wingdings"/>
                 <a:sym typeface="Wingdings"/>
               </a:rPr>
-              <a:t> </a:t>
-            </a:r>
-            <a:r>
-              <a:rPr lang="en-US" dirty="0" err="1" smtClean="0">
+              <a:t>s </a:t>
+            </a:r>
+            <a:r>
+              <a:rPr lang="en-US" dirty="0" err="1">
                 <a:latin typeface="+mn-lt"/>
                 <a:ea typeface="Wingdings"/>
                 <a:cs typeface="Wingdings"/>
                 <a:sym typeface="Wingdings"/>
               </a:rPr>
-              <a:t>prog</a:t>
-            </a:r>
-            <a:r>
-              <a:rPr lang="en-US" dirty="0" smtClean="0">
+              <a:t>var</a:t>
+            </a:r>
+            <a:r>
+              <a:rPr lang="en-US" dirty="0">
                 <a:latin typeface="+mn-lt"/>
                 <a:ea typeface="Wingdings"/>
                 <a:cs typeface="Wingdings"/>
@@ -22556,61 +21721,95 @@
               <a:t> </a:t>
             </a:r>
             <a:r>
-              <a:rPr lang="en-US" dirty="0" smtClean="0">
-                <a:sym typeface="Symbol"/>
-              </a:rPr>
-              <a:t></a:t>
-            </a:r>
-            <a:endParaRPr lang="en-US" dirty="0"/>
-          </a:p>
-          <a:p>
-            <a:r>
-              <a:rPr lang="en-US" dirty="0" smtClean="0">
+              <a:rPr lang="en-US" dirty="0" err="1">
                 <a:latin typeface="+mn-lt"/>
                 <a:ea typeface="Wingdings"/>
                 <a:cs typeface="Wingdings"/>
                 <a:sym typeface="Wingdings"/>
               </a:rPr>
-              <a:t>s x </a:t>
-            </a:r>
-            <a:r>
-              <a:rPr lang="en-US" dirty="0" err="1" smtClean="0">
+              <a:t>exp</a:t>
+            </a:r>
+            <a:r>
+              <a:rPr lang="en-US" dirty="0">
                 <a:latin typeface="+mn-lt"/>
                 <a:ea typeface="Wingdings"/>
                 <a:cs typeface="Wingdings"/>
                 <a:sym typeface="Wingdings"/>
               </a:rPr>
-              <a:t>exp</a:t>
-            </a:r>
-            <a:r>
-              <a:rPr lang="en-US" dirty="0" smtClean="0">
+              <a:t> ; </a:t>
+            </a:r>
+            <a:r>
+              <a:rPr lang="en-US" dirty="0" err="1">
                 <a:latin typeface="+mn-lt"/>
                 <a:ea typeface="Wingdings"/>
                 <a:cs typeface="Wingdings"/>
                 <a:sym typeface="Wingdings"/>
               </a:rPr>
-              <a:t> ; </a:t>
-            </a:r>
-            <a:r>
-              <a:rPr lang="en-US" dirty="0" err="1" smtClean="0">
+              <a:t>prog</a:t>
+            </a:r>
+            <a:r>
+              <a:rPr lang="en-US" dirty="0">
                 <a:latin typeface="+mn-lt"/>
                 <a:ea typeface="Wingdings"/>
                 <a:cs typeface="Wingdings"/>
                 <a:sym typeface="Wingdings"/>
               </a:rPr>
-              <a:t>prog</a:t>
-            </a:r>
-            <a:r>
-              <a:rPr lang="en-US" dirty="0" smtClean="0">
+              <a:t> </a:t>
+            </a:r>
+            <a:r>
+              <a:rPr lang="en-US" dirty="0">
+                <a:sym typeface="Symbol"/>
+              </a:rPr>
+              <a:t></a:t>
+            </a:r>
+            <a:endParaRPr lang="en-US" dirty="0"/>
+          </a:p>
+          <a:p>
+            <a:r>
+              <a:rPr lang="en-US" dirty="0">
+                <a:ea typeface="Wingdings"/>
+                <a:cs typeface="Wingdings"/>
+                <a:sym typeface="Wingdings"/>
+              </a:rPr>
+              <a:t>s x exp ; prog </a:t>
+            </a:r>
+            <a:r>
+              <a:rPr lang="en-US" dirty="0">
+                <a:sym typeface="Symbol"/>
+              </a:rPr>
+              <a:t></a:t>
+            </a:r>
+            <a:endParaRPr lang="en-US" dirty="0"/>
+          </a:p>
+          <a:p>
+            <a:r>
+              <a:rPr lang="en-US" dirty="0">
+                <a:ea typeface="Wingdings"/>
+                <a:cs typeface="Wingdings"/>
+                <a:sym typeface="Wingdings"/>
+              </a:rPr>
+              <a:t>s x num ; prog </a:t>
+            </a:r>
+            <a:r>
+              <a:rPr lang="en-US" dirty="0">
+                <a:sym typeface="Symbol"/>
+              </a:rPr>
+              <a:t></a:t>
+            </a:r>
+            <a:endParaRPr lang="en-US" dirty="0"/>
+          </a:p>
+          <a:p>
+            <a:r>
+              <a:rPr lang="en-US" dirty="0">
                 <a:latin typeface="+mn-lt"/>
                 <a:ea typeface="Wingdings"/>
                 <a:cs typeface="Wingdings"/>
                 <a:sym typeface="Wingdings"/>
               </a:rPr>
-              <a:t> </a:t>
-            </a:r>
-            <a:r>
-              <a:rPr lang="en-US" dirty="0" smtClean="0">
+              <a:t>s x 3 ; prog </a:t>
+            </a:r>
+            <a:r>
+              <a:rPr lang="en-US" dirty="0">
                 <a:sym typeface="Symbol"/>
               </a:rPr>
               <a:t></a:t>
@@ -22618,66 +21817,14 @@
             <a:endParaRPr lang="en-US" dirty="0"/>
           </a:p>
           <a:p>
-            <a:r>
-              <a:rPr lang="en-US" dirty="0" smtClean="0">
-                <a:latin typeface="+mn-lt"/>
-                <a:ea typeface="Wingdings"/>
-                <a:cs typeface="Wingdings"/>
-                <a:sym typeface="Wingdings"/>
-              </a:rPr>
-              <a:t>s x 3 ; </a:t>
-            </a:r>
-            <a:r>
-              <a:rPr lang="en-US" dirty="0" err="1" smtClean="0">
-                <a:latin typeface="+mn-lt"/>
-                <a:ea typeface="Wingdings"/>
-                <a:cs typeface="Wingdings"/>
-                <a:sym typeface="Wingdings"/>
-              </a:rPr>
-              <a:t>prog</a:t>
-            </a:r>
-            <a:r>
-              <a:rPr lang="en-US" dirty="0" smtClean="0">
-                <a:latin typeface="+mn-lt"/>
-                <a:ea typeface="Wingdings"/>
-                <a:cs typeface="Wingdings"/>
-                <a:sym typeface="Wingdings"/>
-              </a:rPr>
-              <a:t> </a:t>
-            </a:r>
-            <a:r>
-              <a:rPr lang="en-US" dirty="0" smtClean="0">
-                <a:sym typeface="Symbol"/>
-              </a:rPr>
-              <a:t></a:t>
-            </a:r>
-            <a:endParaRPr lang="en-US" dirty="0"/>
-          </a:p>
-          <a:p>
-            <a:r>
-              <a:rPr lang="en-US" dirty="0" smtClean="0">
-                <a:ea typeface="Wingdings"/>
-                <a:cs typeface="Wingdings"/>
-                <a:sym typeface="Wingdings"/>
-              </a:rPr>
-              <a:t>s </a:t>
-            </a:r>
             <a:r>
               <a:rPr lang="en-US" dirty="0">
                 <a:ea typeface="Wingdings"/>
                 <a:cs typeface="Wingdings"/>
                 <a:sym typeface="Wingdings"/>
               </a:rPr>
-              <a:t>x 3 ;</a:t>
-            </a:r>
-            <a:endParaRPr lang="en-US" dirty="0" smtClean="0">
-              <a:latin typeface="+mn-lt"/>
-              <a:ea typeface="Wingdings"/>
-              <a:cs typeface="Wingdings"/>
-              <a:sym typeface="Wingdings"/>
-            </a:endParaRPr>
-          </a:p>
-          <a:p>
+              <a:t>s x 3 ;</a:t>
+            </a:r>
             <a:endParaRPr lang="en-US" dirty="0">
               <a:latin typeface="+mn-lt"/>
               <a:ea typeface="Wingdings"/>
@@ -22686,8 +21833,16 @@
             </a:endParaRPr>
           </a:p>
           <a:p>
-            <a:r>
-              <a:rPr lang="en-US" dirty="0" smtClean="0">
+            <a:endParaRPr lang="en-US" dirty="0">
+              <a:latin typeface="+mn-lt"/>
+              <a:ea typeface="Wingdings"/>
+              <a:cs typeface="Wingdings"/>
+              <a:sym typeface="Wingdings"/>
+            </a:endParaRPr>
+          </a:p>
+          <a:p>
+            <a:r>
+              <a:rPr lang="en-US" dirty="0">
                 <a:latin typeface="+mn-lt"/>
                 <a:ea typeface="Wingdings"/>
                 <a:cs typeface="Wingdings"/>
@@ -22698,7 +21853,7 @@
           </a:p>
           <a:p>
             <a:r>
-              <a:rPr lang="en-US" dirty="0" smtClean="0">
+              <a:rPr lang="en-US" dirty="0">
                 <a:latin typeface="+mn-lt"/>
                 <a:ea typeface="Wingdings"/>
                 <a:cs typeface="Wingdings"/>
@@ -22707,7 +21862,7 @@
               <a:t>at each step we obtain the </a:t>
             </a:r>
             <a:r>
-              <a:rPr lang="en-US" b="1" dirty="0" smtClean="0">
+              <a:rPr lang="en-US" b="1" dirty="0">
                 <a:latin typeface="+mn-lt"/>
                 <a:ea typeface="Wingdings"/>
                 <a:cs typeface="Wingdings"/>
@@ -22716,7 +21871,7 @@
               <a:t>right-most derivation.</a:t>
             </a:r>
             <a:r>
-              <a:rPr lang="en-US" dirty="0" smtClean="0">
+              <a:rPr lang="en-US" dirty="0">
                 <a:latin typeface="+mn-lt"/>
                 <a:ea typeface="Wingdings"/>
                 <a:cs typeface="Wingdings"/>
@@ -22754,7 +21909,7 @@
           </a:ln>
           <a:extLst>
             <a:ext uri="{909E8E84-426E-40dd-AFC4-6F175D3DCCD1}">
-              <a14:hiddenFill xmlns:a14="http://schemas.microsoft.com/office/drawing/2010/main" xmlns="">
+              <a14:hiddenFill xmlns="" xmlns:a14="http://schemas.microsoft.com/office/drawing/2010/main">
                 <a:solidFill>
                   <a:schemeClr val="accent1"/>
                 </a:solidFill>
@@ -22769,43 +21924,31 @@
           <a:lstStyle/>
           <a:p>
             <a:r>
-              <a:rPr lang="da-DK" sz="1200" dirty="0" err="1" smtClean="0"/>
+              <a:rPr lang="da-DK" sz="1200" dirty="0" err="1"/>
               <a:t>prog</a:t>
             </a:r>
             <a:r>
-              <a:rPr lang="da-DK" sz="1200" dirty="0" smtClean="0"/>
+              <a:rPr lang="da-DK" sz="1200" dirty="0"/>
+              <a:t> : </a:t>
+            </a:r>
+            <a:r>
+              <a:rPr lang="da-DK" sz="1200" dirty="0" err="1"/>
+              <a:t>stmt</a:t>
+            </a:r>
+            <a:r>
+              <a:rPr lang="da-DK" sz="1200" dirty="0"/>
               <a:t> </a:t>
             </a:r>
             <a:r>
+              <a:rPr lang="da-DK" sz="1200" dirty="0" err="1"/>
+              <a:t>prog</a:t>
+            </a:r>
+            <a:endParaRPr lang="da-DK" sz="1200" dirty="0"/>
+          </a:p>
+          <a:p>
+            <a:r>
               <a:rPr lang="da-DK" sz="1200" dirty="0"/>
-              <a:t>: </a:t>
-            </a:r>
-            <a:r>
-              <a:rPr lang="da-DK" sz="1200" dirty="0" err="1" smtClean="0"/>
-              <a:t>stmt</a:t>
-            </a:r>
-            <a:r>
-              <a:rPr lang="da-DK" sz="1200" dirty="0" smtClean="0"/>
-              <a:t> </a:t>
-            </a:r>
-            <a:r>
-              <a:rPr lang="da-DK" sz="1200" dirty="0" err="1" smtClean="0"/>
-              <a:t>prog</a:t>
-            </a:r>
-            <a:endParaRPr lang="da-DK" sz="1200" dirty="0"/>
-          </a:p>
-          <a:p>
-            <a:r>
-              <a:rPr lang="da-DK" sz="1200" dirty="0"/>
-              <a:t>    </a:t>
-            </a:r>
-            <a:r>
-              <a:rPr lang="da-DK" sz="1200" dirty="0" smtClean="0"/>
-              <a:t>     | </a:t>
-            </a:r>
-            <a:r>
-              <a:rPr lang="da-DK" sz="1200" dirty="0"/>
-              <a:t>""</a:t>
+              <a:t>         | ""</a:t>
             </a:r>
           </a:p>
           <a:p>
@@ -22835,15 +21978,7 @@
           <a:p>
             <a:r>
               <a:rPr lang="da-DK" sz="1200" dirty="0"/>
-              <a:t>  </a:t>
-            </a:r>
-            <a:r>
-              <a:rPr lang="da-DK" sz="1200" dirty="0" smtClean="0"/>
-              <a:t>      </a:t>
-            </a:r>
-            <a:r>
-              <a:rPr lang="da-DK" sz="1200" dirty="0"/>
-              <a:t>| s var </a:t>
+              <a:t>        | s var </a:t>
             </a:r>
             <a:r>
               <a:rPr lang="da-DK" sz="1200" dirty="0" err="1"/>
@@ -22886,15 +22021,7 @@
           <a:p>
             <a:r>
               <a:rPr lang="da-DK" sz="1200" dirty="0"/>
-              <a:t> </a:t>
-            </a:r>
-            <a:r>
-              <a:rPr lang="da-DK" sz="1200" dirty="0" smtClean="0"/>
-              <a:t>      </a:t>
-            </a:r>
-            <a:r>
-              <a:rPr lang="da-DK" sz="1200" dirty="0"/>
-              <a:t>| - </a:t>
+              <a:t>       | - </a:t>
             </a:r>
             <a:r>
               <a:rPr lang="da-DK" sz="1200" dirty="0" err="1"/>
@@ -22913,15 +22040,7 @@
           <a:p>
             <a:r>
               <a:rPr lang="da-DK" sz="1200" dirty="0"/>
-              <a:t> </a:t>
-            </a:r>
-            <a:r>
-              <a:rPr lang="da-DK" sz="1200" dirty="0" smtClean="0"/>
-              <a:t>      </a:t>
-            </a:r>
-            <a:r>
-              <a:rPr lang="da-DK" sz="1200" dirty="0"/>
-              <a:t>| ( </a:t>
+              <a:t>       | ( </a:t>
             </a:r>
             <a:r>
               <a:rPr lang="da-DK" sz="1200" dirty="0" err="1"/>
@@ -22934,22 +22053,14 @@
           </a:p>
           <a:p>
             <a:r>
-              <a:rPr lang="da-DK" sz="1200" dirty="0" smtClean="0"/>
-              <a:t>       </a:t>
-            </a:r>
-            <a:r>
               <a:rPr lang="da-DK" sz="1200" dirty="0"/>
-              <a:t>| var</a:t>
-            </a:r>
-          </a:p>
-          <a:p>
-            <a:r>
-              <a:rPr lang="da-DK" sz="1200" dirty="0" smtClean="0"/>
-              <a:t>       </a:t>
-            </a:r>
+              <a:t>       | var</a:t>
+            </a:r>
+          </a:p>
+          <a:p>
             <a:r>
               <a:rPr lang="da-DK" sz="1200" dirty="0"/>
-              <a:t>| </a:t>
+              <a:t>       | </a:t>
             </a:r>
             <a:r>
               <a:rPr lang="da-DK" sz="1200" dirty="0" err="1"/>
@@ -22995,7 +22106,7 @@
         </p:nvSpPr>
         <p:spPr>
           <a:xfrm>
-            <a:off x="6477000" y="1978223"/>
+            <a:off x="6477000" y="1292423"/>
             <a:ext cx="544002" cy="307777"/>
           </a:xfrm>
           <a:prstGeom prst="rect">
@@ -23010,7 +22121,7 @@
           <a:lstStyle/>
           <a:p>
             <a:r>
-              <a:rPr lang="en-US" dirty="0" err="1" smtClean="0"/>
+              <a:rPr lang="en-US" dirty="0" err="1"/>
               <a:t>prog</a:t>
             </a:r>
             <a:endParaRPr lang="en-US" dirty="0"/>
@@ -23025,7 +22136,7 @@
         </p:nvSpPr>
         <p:spPr>
           <a:xfrm>
-            <a:off x="6778415" y="2587823"/>
+            <a:off x="6778415" y="1902023"/>
             <a:ext cx="308185" cy="307777"/>
           </a:xfrm>
           <a:prstGeom prst="rect">
@@ -23040,10 +22151,9 @@
           <a:lstStyle/>
           <a:p>
             <a:r>
-              <a:rPr lang="en-US" dirty="0" smtClean="0"/>
+              <a:rPr lang="en-US" dirty="0"/>
               <a:t>“”</a:t>
             </a:r>
-            <a:endParaRPr lang="en-US" dirty="0"/>
           </a:p>
         </p:txBody>
       </p:sp>
@@ -23058,7 +22168,7 @@
         </p:nvCxnSpPr>
         <p:spPr bwMode="auto">
           <a:xfrm>
-            <a:off x="5905977" y="1450777"/>
+            <a:off x="5905977" y="764977"/>
             <a:ext cx="843024" cy="527446"/>
           </a:xfrm>
           <a:prstGeom prst="line">
@@ -23079,7 +22189,7 @@
           <a:effectLst/>
           <a:extLst>
             <a:ext uri="{AF507438-7753-43e0-B8FC-AC1667EBCBE1}">
-              <a14:hiddenEffects xmlns:a14="http://schemas.microsoft.com/office/drawing/2010/main" xmlns="">
+              <a14:hiddenEffects xmlns="" xmlns:a14="http://schemas.microsoft.com/office/drawing/2010/main">
                 <a:effectLst>
                   <a:outerShdw blurRad="63500" dist="38099" dir="2700000" algn="ctr" rotWithShape="0">
                     <a:schemeClr val="bg2">
@@ -23103,8 +22213,95 @@
         </p:nvCxnSpPr>
         <p:spPr bwMode="auto">
           <a:xfrm>
-            <a:off x="6749001" y="2286000"/>
+            <a:off x="6749001" y="1600200"/>
             <a:ext cx="183507" cy="301823"/>
+          </a:xfrm>
+          <a:prstGeom prst="line">
+            <a:avLst/>
+          </a:prstGeom>
+          <a:solidFill>
+            <a:schemeClr val="accent1"/>
+          </a:solidFill>
+          <a:ln w="9525" cap="flat" cmpd="sng" algn="ctr">
+            <a:solidFill>
+              <a:schemeClr val="tx1"/>
+            </a:solidFill>
+            <a:prstDash val="solid"/>
+            <a:round/>
+            <a:headEnd type="none" w="med" len="med"/>
+            <a:tailEnd type="none" w="med" len="med"/>
+          </a:ln>
+          <a:effectLst/>
+          <a:extLst>
+            <a:ext uri="{AF507438-7753-43e0-B8FC-AC1667EBCBE1}">
+              <a14:hiddenEffects xmlns="" xmlns:a14="http://schemas.microsoft.com/office/drawing/2010/main">
+                <a:effectLst>
+                  <a:outerShdw blurRad="63500" dist="38099" dir="2700000" algn="ctr" rotWithShape="0">
+                    <a:schemeClr val="bg2">
+                      <a:alpha val="74998"/>
+                    </a:schemeClr>
+                  </a:outerShdw>
+                </a:effectLst>
+              </a14:hiddenEffects>
+            </a:ext>
+          </a:extLst>
+        </p:spPr>
+      </p:cxnSp>
+      <p:sp>
+        <p:nvSpPr>
+          <p:cNvPr id="2" name="TextBox 1">
+            <a:extLst>
+              <a:ext uri="{FF2B5EF4-FFF2-40B4-BE49-F238E27FC236}">
+                <a16:creationId xmlns:a16="http://schemas.microsoft.com/office/drawing/2014/main" id="{6C53189A-791C-5A4F-8347-1F059EDB9A34}"/>
+              </a:ext>
+            </a:extLst>
+          </p:cNvPr>
+          <p:cNvSpPr txBox="1"/>
+          <p:nvPr/>
+        </p:nvSpPr>
+        <p:spPr>
+          <a:xfrm>
+            <a:off x="5879339" y="3194446"/>
+            <a:ext cx="284052" cy="307777"/>
+          </a:xfrm>
+          <a:prstGeom prst="rect">
+            <a:avLst/>
+          </a:prstGeom>
+          <a:noFill/>
+        </p:spPr>
+        <p:txBody>
+          <a:bodyPr wrap="none" rtlCol="0">
+            <a:spAutoFit/>
+          </a:bodyPr>
+          <a:lstStyle/>
+          <a:p>
+            <a:r>
+              <a:rPr lang="en-US" dirty="0"/>
+              <a:t>3</a:t>
+            </a:r>
+          </a:p>
+        </p:txBody>
+      </p:sp>
+      <p:cxnSp>
+        <p:nvCxnSpPr>
+          <p:cNvPr id="17" name="Straight Connector 16">
+            <a:extLst>
+              <a:ext uri="{FF2B5EF4-FFF2-40B4-BE49-F238E27FC236}">
+                <a16:creationId xmlns:a16="http://schemas.microsoft.com/office/drawing/2014/main" id="{C28DEA42-68A3-8B49-9C22-B6B47C0B5DBC}"/>
+              </a:ext>
+            </a:extLst>
+          </p:cNvPr>
+          <p:cNvCxnSpPr>
+            <a:cxnSpLocks/>
+            <a:stCxn id="2" idx="0"/>
+            <a:endCxn id="14" idx="2"/>
+          </p:cNvCxnSpPr>
+          <p:nvPr/>
+        </p:nvCxnSpPr>
+        <p:spPr bwMode="auto">
+          <a:xfrm flipH="1" flipV="1">
+            <a:off x="5981259" y="2901554"/>
+            <a:ext cx="40106" cy="292892"/>
           </a:xfrm>
           <a:prstGeom prst="line">
             <a:avLst/>
@@ -23147,13 +22344,6 @@
   <p:clrMapOvr>
     <a:masterClrMapping/>
   </p:clrMapOvr>
-  <p:timing>
-    <p:tnLst>
-      <p:par>
-        <p:cTn id="1" dur="indefinite" restart="never" nodeType="tmRoot"/>
-      </p:par>
-    </p:tnLst>
-  </p:timing>
 </p:sld>
 </file>
 
@@ -23212,56 +22402,56 @@
           <a:lstStyle/>
           <a:p>
             <a:r>
-              <a:rPr lang="en-US"/>
+              <a:rPr lang="en-US" dirty="0"/>
               <a:t>Every </a:t>
             </a:r>
             <a:r>
-              <a:rPr lang="en-US" u="sng"/>
+              <a:rPr lang="en-US" u="sng" dirty="0"/>
               <a:t>valid</a:t>
             </a:r>
             <a:r>
-              <a:rPr lang="en-US"/>
+              <a:rPr lang="en-US" dirty="0"/>
               <a:t> sentence (a sentence that belongs to the language) has a parse tree.</a:t>
             </a:r>
           </a:p>
           <a:p>
             <a:r>
-              <a:rPr lang="en-US"/>
+              <a:rPr lang="en-US" dirty="0"/>
               <a:t>Test if these sentences are valid:</a:t>
             </a:r>
           </a:p>
           <a:p>
             <a:pPr lvl="1"/>
             <a:r>
-              <a:rPr lang="en-US"/>
+              <a:rPr lang="en-US" dirty="0"/>
               <a:t>p x + 1 ;</a:t>
             </a:r>
           </a:p>
           <a:p>
             <a:pPr lvl="1"/>
             <a:r>
-              <a:rPr lang="en-US"/>
+              <a:rPr lang="en-US" dirty="0"/>
               <a:t>s x 1 ; s y x ;</a:t>
             </a:r>
           </a:p>
           <a:p>
             <a:pPr lvl="1"/>
             <a:r>
-              <a:rPr lang="en-US"/>
+              <a:rPr lang="en-US" dirty="0"/>
               <a:t>s x 1 ; p (+ x 1) ;</a:t>
             </a:r>
           </a:p>
           <a:p>
             <a:pPr lvl="1"/>
             <a:r>
-              <a:rPr lang="en-US"/>
+              <a:rPr lang="en-US" dirty="0"/>
               <a:t>s y + 3 x ;</a:t>
             </a:r>
           </a:p>
           <a:p>
             <a:pPr lvl="1"/>
             <a:r>
-              <a:rPr lang="en-US"/>
+              <a:rPr lang="en-US" dirty="0"/>
               <a:t>s + y 3 x ;</a:t>
             </a:r>
           </a:p>
@@ -23272,13 +22462,6 @@
   <p:clrMapOvr>
     <a:masterClrMapping/>
   </p:clrMapOvr>
-  <p:timing>
-    <p:tnLst>
-      <p:par>
-        <p:cTn id="1" dur="indefinite" restart="never" nodeType="tmRoot"/>
-      </p:par>
-    </p:tnLst>
-  </p:timing>
 </p:sld>
 </file>
 
@@ -23338,21 +22521,15 @@
           <a:p>
             <a:r>
               <a:rPr lang="en-US" dirty="0"/>
-              <a:t>The converse is also </a:t>
-            </a:r>
-            <a:r>
-              <a:rPr lang="en-US" dirty="0" smtClean="0"/>
-              <a:t>true:</a:t>
-            </a:r>
-            <a:endParaRPr lang="en-US" dirty="0"/>
+              <a:t>The converse is also true:</a:t>
+            </a:r>
           </a:p>
           <a:p>
             <a:pPr lvl="1"/>
             <a:r>
-              <a:rPr lang="en-US" dirty="0" smtClean="0"/>
+              <a:rPr lang="en-US" dirty="0"/>
               <a:t>If a sentence has a parse tree, then it belongs to the language.</a:t>
             </a:r>
-            <a:endParaRPr lang="en-US" dirty="0"/>
           </a:p>
           <a:p>
             <a:pPr lvl="1"/>
@@ -23370,19 +22547,11 @@
             </a:r>
             <a:r>
               <a:rPr lang="en-US" u="sng" dirty="0"/>
-              <a:t>syntactically </a:t>
-            </a:r>
-            <a:r>
-              <a:rPr lang="en-US" u="sng" dirty="0" smtClean="0"/>
-              <a:t>correct,</a:t>
-            </a:r>
-            <a:r>
-              <a:rPr lang="en-US" dirty="0" smtClean="0"/>
-              <a:t> </a:t>
+              <a:t>syntactically correct,</a:t>
             </a:r>
             <a:r>
               <a:rPr lang="en-US" dirty="0"/>
-              <a:t>parsers construct a </a:t>
+              <a:t> parsers construct a </a:t>
             </a:r>
             <a:r>
               <a:rPr lang="en-US" u="sng" dirty="0"/>
@@ -23397,13 +22566,6 @@
   <p:clrMapOvr>
     <a:masterClrMapping/>
   </p:clrMapOvr>
-  <p:timing>
-    <p:tnLst>
-      <p:par>
-        <p:cTn id="1" dur="indefinite" restart="never" nodeType="tmRoot"/>
-      </p:par>
-    </p:tnLst>
-  </p:timing>
 </p:sld>
 </file>
 
@@ -23653,7 +22815,7 @@
         <a:effectLst/>
         <a:extLst>
           <a:ext uri="{AF507438-7753-43e0-B8FC-AC1667EBCBE1}">
-            <a14:hiddenEffects xmlns:a14="http://schemas.microsoft.com/office/drawing/2010/main" xmlns="">
+            <a14:hiddenEffects xmlns="" xmlns:a14="http://schemas.microsoft.com/office/drawing/2010/main">
               <a:effectLst>
                 <a:outerShdw blurRad="63500" dist="38099" dir="2700000" algn="ctr" rotWithShape="0">
                   <a:schemeClr val="bg2">
@@ -23730,7 +22892,7 @@
         <a:effectLst/>
         <a:extLst>
           <a:ext uri="{AF507438-7753-43e0-B8FC-AC1667EBCBE1}">
-            <a14:hiddenEffects xmlns:a14="http://schemas.microsoft.com/office/drawing/2010/main" xmlns="">
+            <a14:hiddenEffects xmlns="" xmlns:a14="http://schemas.microsoft.com/office/drawing/2010/main">
               <a:effectLst>
                 <a:outerShdw blurRad="63500" dist="38099" dir="2700000" algn="ctr" rotWithShape="0">
                   <a:schemeClr val="bg2">

--- a/notes/csc402-ln002.pptx
+++ b/notes/csc402-ln002.pptx
@@ -26,8 +26,8 @@
     <p:sldId id="263" r:id="rId17"/>
     <p:sldId id="270" r:id="rId18"/>
     <p:sldId id="283" r:id="rId19"/>
-    <p:sldId id="264" r:id="rId20"/>
-    <p:sldId id="265" r:id="rId21"/>
+    <p:sldId id="265" r:id="rId20"/>
+    <p:sldId id="264" r:id="rId21"/>
     <p:sldId id="267" r:id="rId22"/>
     <p:sldId id="268" r:id="rId23"/>
     <p:sldId id="269" r:id="rId24"/>
@@ -232,17 +232,17 @@
           </a:ln>
           <a:extLst>
             <a:ext uri="{FAA26D3D-D897-4be2-8F04-BA451C77F1D7}">
-              <ma14:placeholderFlag xmlns:ma14="http://schemas.microsoft.com/office/mac/drawingml/2011/main" xmlns="" val="1"/>
+              <ma14:placeholderFlag xmlns="" xmlns:ma14="http://schemas.microsoft.com/office/mac/drawingml/2011/main" val="1"/>
             </a:ext>
             <a:ext uri="{909E8E84-426E-40dd-AFC4-6F175D3DCCD1}">
-              <a14:hiddenFill xmlns="" xmlns:a14="http://schemas.microsoft.com/office/drawing/2010/main">
+              <a14:hiddenFill xmlns:a14="http://schemas.microsoft.com/office/drawing/2010/main" xmlns="">
                 <a:solidFill>
                   <a:schemeClr val="accent1"/>
                 </a:solidFill>
               </a14:hiddenFill>
             </a:ext>
             <a:ext uri="{91240B29-F687-4f45-9708-019B960494DF}">
-              <a14:hiddenLine xmlns="" xmlns:a14="http://schemas.microsoft.com/office/drawing/2010/main" w="9525">
+              <a14:hiddenLine xmlns:a14="http://schemas.microsoft.com/office/drawing/2010/main" xmlns="" w="9525">
                 <a:solidFill>
                   <a:schemeClr val="tx1"/>
                 </a:solidFill>
@@ -293,17 +293,17 @@
           </a:ln>
           <a:extLst>
             <a:ext uri="{FAA26D3D-D897-4be2-8F04-BA451C77F1D7}">
-              <ma14:placeholderFlag xmlns:ma14="http://schemas.microsoft.com/office/mac/drawingml/2011/main" xmlns="" val="1"/>
+              <ma14:placeholderFlag xmlns="" xmlns:ma14="http://schemas.microsoft.com/office/mac/drawingml/2011/main" val="1"/>
             </a:ext>
             <a:ext uri="{909E8E84-426E-40dd-AFC4-6F175D3DCCD1}">
-              <a14:hiddenFill xmlns="" xmlns:a14="http://schemas.microsoft.com/office/drawing/2010/main">
+              <a14:hiddenFill xmlns:a14="http://schemas.microsoft.com/office/drawing/2010/main" xmlns="">
                 <a:solidFill>
                   <a:schemeClr val="accent1"/>
                 </a:solidFill>
               </a14:hiddenFill>
             </a:ext>
             <a:ext uri="{91240B29-F687-4f45-9708-019B960494DF}">
-              <a14:hiddenLine xmlns="" xmlns:a14="http://schemas.microsoft.com/office/drawing/2010/main" w="9525">
+              <a14:hiddenLine xmlns:a14="http://schemas.microsoft.com/office/drawing/2010/main" xmlns="" w="9525">
                 <a:solidFill>
                   <a:schemeClr val="tx1"/>
                 </a:solidFill>
@@ -360,7 +360,7 @@
           <a:effectLst/>
           <a:extLst>
             <a:ext uri="{AF507438-7753-43e0-B8FC-AC1667EBCBE1}">
-              <a14:hiddenEffects xmlns="" xmlns:a14="http://schemas.microsoft.com/office/drawing/2010/main">
+              <a14:hiddenEffects xmlns:a14="http://schemas.microsoft.com/office/drawing/2010/main" xmlns="">
                 <a:effectLst>
                   <a:outerShdw blurRad="63500" dist="38099" dir="2700000" algn="ctr" rotWithShape="0">
                     <a:srgbClr val="000000">
@@ -371,7 +371,7 @@
               </a14:hiddenEffects>
             </a:ext>
             <a:ext uri="{53640926-AAD7-44d8-BBD7-CCE9431645EC}">
-              <a14:shadowObscured xmlns="" xmlns:a14="http://schemas.microsoft.com/office/drawing/2010/main" val="1"/>
+              <a14:shadowObscured xmlns:a14="http://schemas.microsoft.com/office/drawing/2010/main" xmlns="" val="1"/>
             </a:ext>
           </a:extLst>
         </p:spPr>
@@ -400,17 +400,17 @@
           </a:ln>
           <a:extLst>
             <a:ext uri="{FAA26D3D-D897-4be2-8F04-BA451C77F1D7}">
-              <ma14:placeholderFlag xmlns:ma14="http://schemas.microsoft.com/office/mac/drawingml/2011/main" xmlns="" val="1"/>
+              <ma14:placeholderFlag xmlns="" xmlns:ma14="http://schemas.microsoft.com/office/mac/drawingml/2011/main" val="1"/>
             </a:ext>
             <a:ext uri="{909E8E84-426E-40dd-AFC4-6F175D3DCCD1}">
-              <a14:hiddenFill xmlns="" xmlns:a14="http://schemas.microsoft.com/office/drawing/2010/main">
+              <a14:hiddenFill xmlns:a14="http://schemas.microsoft.com/office/drawing/2010/main" xmlns="">
                 <a:solidFill>
                   <a:schemeClr val="accent1"/>
                 </a:solidFill>
               </a14:hiddenFill>
             </a:ext>
             <a:ext uri="{91240B29-F687-4f45-9708-019B960494DF}">
-              <a14:hiddenLine xmlns="" xmlns:a14="http://schemas.microsoft.com/office/drawing/2010/main" w="9525">
+              <a14:hiddenLine xmlns:a14="http://schemas.microsoft.com/office/drawing/2010/main" xmlns="" w="9525">
                 <a:solidFill>
                   <a:schemeClr val="tx1"/>
                 </a:solidFill>
@@ -489,17 +489,17 @@
           </a:ln>
           <a:extLst>
             <a:ext uri="{FAA26D3D-D897-4be2-8F04-BA451C77F1D7}">
-              <ma14:placeholderFlag xmlns:ma14="http://schemas.microsoft.com/office/mac/drawingml/2011/main" xmlns="" val="1"/>
+              <ma14:placeholderFlag xmlns="" xmlns:ma14="http://schemas.microsoft.com/office/mac/drawingml/2011/main" val="1"/>
             </a:ext>
             <a:ext uri="{909E8E84-426E-40dd-AFC4-6F175D3DCCD1}">
-              <a14:hiddenFill xmlns="" xmlns:a14="http://schemas.microsoft.com/office/drawing/2010/main">
+              <a14:hiddenFill xmlns:a14="http://schemas.microsoft.com/office/drawing/2010/main" xmlns="">
                 <a:solidFill>
                   <a:schemeClr val="accent1"/>
                 </a:solidFill>
               </a14:hiddenFill>
             </a:ext>
             <a:ext uri="{91240B29-F687-4f45-9708-019B960494DF}">
-              <a14:hiddenLine xmlns="" xmlns:a14="http://schemas.microsoft.com/office/drawing/2010/main" w="9525">
+              <a14:hiddenLine xmlns:a14="http://schemas.microsoft.com/office/drawing/2010/main" xmlns="" w="9525">
                 <a:solidFill>
                   <a:schemeClr val="tx1"/>
                 </a:solidFill>
@@ -550,17 +550,17 @@
           </a:ln>
           <a:extLst>
             <a:ext uri="{FAA26D3D-D897-4be2-8F04-BA451C77F1D7}">
-              <ma14:placeholderFlag xmlns:ma14="http://schemas.microsoft.com/office/mac/drawingml/2011/main" xmlns="" val="1"/>
+              <ma14:placeholderFlag xmlns="" xmlns:ma14="http://schemas.microsoft.com/office/mac/drawingml/2011/main" val="1"/>
             </a:ext>
             <a:ext uri="{909E8E84-426E-40dd-AFC4-6F175D3DCCD1}">
-              <a14:hiddenFill xmlns="" xmlns:a14="http://schemas.microsoft.com/office/drawing/2010/main">
+              <a14:hiddenFill xmlns:a14="http://schemas.microsoft.com/office/drawing/2010/main" xmlns="">
                 <a:solidFill>
                   <a:schemeClr val="accent1"/>
                 </a:solidFill>
               </a14:hiddenFill>
             </a:ext>
             <a:ext uri="{91240B29-F687-4f45-9708-019B960494DF}">
-              <a14:hiddenLine xmlns="" xmlns:a14="http://schemas.microsoft.com/office/drawing/2010/main" w="9525">
+              <a14:hiddenLine xmlns:a14="http://schemas.microsoft.com/office/drawing/2010/main" xmlns="" w="9525">
                 <a:solidFill>
                   <a:schemeClr val="tx1"/>
                 </a:solidFill>
@@ -782,7 +782,7 @@
           <a:ln/>
           <a:extLst>
             <a:ext uri="{FAA26D3D-D897-4be2-8F04-BA451C77F1D7}">
-              <ma14:placeholderFlag xmlns:ma14="http://schemas.microsoft.com/office/mac/drawingml/2011/main" xmlns="" val="1"/>
+              <ma14:placeholderFlag xmlns="" xmlns:ma14="http://schemas.microsoft.com/office/mac/drawingml/2011/main" val="1"/>
             </a:ext>
           </a:extLst>
         </p:spPr>
@@ -871,7 +871,7 @@
           <a:ln/>
           <a:extLst>
             <a:ext uri="{FAA26D3D-D897-4be2-8F04-BA451C77F1D7}">
-              <ma14:placeholderFlag xmlns:ma14="http://schemas.microsoft.com/office/mac/drawingml/2011/main" xmlns="" val="1"/>
+              <ma14:placeholderFlag xmlns="" xmlns:ma14="http://schemas.microsoft.com/office/mac/drawingml/2011/main" val="1"/>
             </a:ext>
           </a:extLst>
         </p:spPr>
@@ -960,7 +960,7 @@
           <a:ln/>
           <a:extLst>
             <a:ext uri="{FAA26D3D-D897-4be2-8F04-BA451C77F1D7}">
-              <ma14:placeholderFlag xmlns:ma14="http://schemas.microsoft.com/office/mac/drawingml/2011/main" xmlns="" val="1"/>
+              <ma14:placeholderFlag xmlns="" xmlns:ma14="http://schemas.microsoft.com/office/mac/drawingml/2011/main" val="1"/>
             </a:ext>
           </a:extLst>
         </p:spPr>
@@ -1049,7 +1049,7 @@
           <a:ln/>
           <a:extLst>
             <a:ext uri="{FAA26D3D-D897-4be2-8F04-BA451C77F1D7}">
-              <ma14:placeholderFlag xmlns:ma14="http://schemas.microsoft.com/office/mac/drawingml/2011/main" xmlns="" val="1"/>
+              <ma14:placeholderFlag xmlns="" xmlns:ma14="http://schemas.microsoft.com/office/mac/drawingml/2011/main" val="1"/>
             </a:ext>
           </a:extLst>
         </p:spPr>
@@ -1115,7 +1115,7 @@
           <a:bodyPr/>
           <a:lstStyle/>
           <a:p>
-            <a:fld id="{224C3F65-07BF-AC4E-B6AE-333D7243BA93}" type="slidenum">
+            <a:fld id="{94D058BB-FE08-0D48-8FC7-6AC549DF5A4E}" type="slidenum">
               <a:rPr lang="en-US"/>
               <a:pPr/>
               <a:t>19</a:t>
@@ -1126,7 +1126,7 @@
       </p:sp>
       <p:sp>
         <p:nvSpPr>
-          <p:cNvPr id="32770" name="Rectangle 2"/>
+          <p:cNvPr id="33794" name="Rectangle 2"/>
           <p:cNvSpPr>
             <a:spLocks noGrp="1" noRot="1" noChangeAspect="1" noChangeArrowheads="1" noTextEdit="1"/>
           </p:cNvSpPr>
@@ -1138,14 +1138,14 @@
           <a:ln/>
           <a:extLst>
             <a:ext uri="{FAA26D3D-D897-4be2-8F04-BA451C77F1D7}">
-              <ma14:placeholderFlag xmlns:ma14="http://schemas.microsoft.com/office/mac/drawingml/2011/main" xmlns="" val="1"/>
+              <ma14:placeholderFlag xmlns="" xmlns:ma14="http://schemas.microsoft.com/office/mac/drawingml/2011/main" val="1"/>
             </a:ext>
           </a:extLst>
         </p:spPr>
       </p:sp>
       <p:sp>
         <p:nvSpPr>
-          <p:cNvPr id="32771" name="Rectangle 3"/>
+          <p:cNvPr id="33795" name="Rectangle 3"/>
           <p:cNvSpPr>
             <a:spLocks noGrp="1" noChangeArrowheads="1"/>
           </p:cNvSpPr>
@@ -1204,7 +1204,7 @@
           <a:bodyPr/>
           <a:lstStyle/>
           <a:p>
-            <a:fld id="{94D058BB-FE08-0D48-8FC7-6AC549DF5A4E}" type="slidenum">
+            <a:fld id="{224C3F65-07BF-AC4E-B6AE-333D7243BA93}" type="slidenum">
               <a:rPr lang="en-US"/>
               <a:pPr/>
               <a:t>20</a:t>
@@ -1215,7 +1215,7 @@
       </p:sp>
       <p:sp>
         <p:nvSpPr>
-          <p:cNvPr id="33794" name="Rectangle 2"/>
+          <p:cNvPr id="32770" name="Rectangle 2"/>
           <p:cNvSpPr>
             <a:spLocks noGrp="1" noRot="1" noChangeAspect="1" noChangeArrowheads="1" noTextEdit="1"/>
           </p:cNvSpPr>
@@ -1227,14 +1227,14 @@
           <a:ln/>
           <a:extLst>
             <a:ext uri="{FAA26D3D-D897-4be2-8F04-BA451C77F1D7}">
-              <ma14:placeholderFlag xmlns:ma14="http://schemas.microsoft.com/office/mac/drawingml/2011/main" xmlns="" val="1"/>
+              <ma14:placeholderFlag xmlns="" xmlns:ma14="http://schemas.microsoft.com/office/mac/drawingml/2011/main" val="1"/>
             </a:ext>
           </a:extLst>
         </p:spPr>
       </p:sp>
       <p:sp>
         <p:nvSpPr>
-          <p:cNvPr id="33795" name="Rectangle 3"/>
+          <p:cNvPr id="32771" name="Rectangle 3"/>
           <p:cNvSpPr>
             <a:spLocks noGrp="1" noChangeArrowheads="1"/>
           </p:cNvSpPr>
@@ -1316,7 +1316,7 @@
           <a:ln/>
           <a:extLst>
             <a:ext uri="{FAA26D3D-D897-4be2-8F04-BA451C77F1D7}">
-              <ma14:placeholderFlag xmlns:ma14="http://schemas.microsoft.com/office/mac/drawingml/2011/main" xmlns="" val="1"/>
+              <ma14:placeholderFlag xmlns="" xmlns:ma14="http://schemas.microsoft.com/office/mac/drawingml/2011/main" val="1"/>
             </a:ext>
           </a:extLst>
         </p:spPr>
@@ -1405,7 +1405,7 @@
           <a:ln/>
           <a:extLst>
             <a:ext uri="{FAA26D3D-D897-4be2-8F04-BA451C77F1D7}">
-              <ma14:placeholderFlag xmlns:ma14="http://schemas.microsoft.com/office/mac/drawingml/2011/main" xmlns="" val="1"/>
+              <ma14:placeholderFlag xmlns="" xmlns:ma14="http://schemas.microsoft.com/office/mac/drawingml/2011/main" val="1"/>
             </a:ext>
           </a:extLst>
         </p:spPr>
@@ -1494,7 +1494,7 @@
           <a:ln/>
           <a:extLst>
             <a:ext uri="{FAA26D3D-D897-4be2-8F04-BA451C77F1D7}">
-              <ma14:placeholderFlag xmlns:ma14="http://schemas.microsoft.com/office/mac/drawingml/2011/main" xmlns="" val="1"/>
+              <ma14:placeholderFlag xmlns="" xmlns:ma14="http://schemas.microsoft.com/office/mac/drawingml/2011/main" val="1"/>
             </a:ext>
           </a:extLst>
         </p:spPr>
@@ -1583,7 +1583,7 @@
           <a:ln/>
           <a:extLst>
             <a:ext uri="{FAA26D3D-D897-4be2-8F04-BA451C77F1D7}">
-              <ma14:placeholderFlag xmlns:ma14="http://schemas.microsoft.com/office/mac/drawingml/2011/main" xmlns="" val="1"/>
+              <ma14:placeholderFlag xmlns="" xmlns:ma14="http://schemas.microsoft.com/office/mac/drawingml/2011/main" val="1"/>
             </a:ext>
           </a:extLst>
         </p:spPr>
@@ -1605,11 +1605,7 @@
           <a:p>
             <a:r>
               <a:rPr lang="en-US" dirty="0"/>
-              <a:t>Add </a:t>
-            </a:r>
-            <a:r>
-              <a:rPr lang="en-US"/>
-              <a:t>algorithm box</a:t>
+              <a:t>Add algorithm box</a:t>
             </a:r>
           </a:p>
         </p:txBody>
@@ -1679,7 +1675,7 @@
           <a:ln/>
           <a:extLst>
             <a:ext uri="{FAA26D3D-D897-4be2-8F04-BA451C77F1D7}">
-              <ma14:placeholderFlag xmlns:ma14="http://schemas.microsoft.com/office/mac/drawingml/2011/main" xmlns="" val="1"/>
+              <ma14:placeholderFlag xmlns="" xmlns:ma14="http://schemas.microsoft.com/office/mac/drawingml/2011/main" val="1"/>
             </a:ext>
           </a:extLst>
         </p:spPr>
@@ -1768,7 +1764,7 @@
           <a:ln/>
           <a:extLst>
             <a:ext uri="{FAA26D3D-D897-4be2-8F04-BA451C77F1D7}">
-              <ma14:placeholderFlag xmlns:ma14="http://schemas.microsoft.com/office/mac/drawingml/2011/main" xmlns="" val="1"/>
+              <ma14:placeholderFlag xmlns="" xmlns:ma14="http://schemas.microsoft.com/office/mac/drawingml/2011/main" val="1"/>
             </a:ext>
           </a:extLst>
         </p:spPr>
@@ -1857,7 +1853,7 @@
           <a:ln/>
           <a:extLst>
             <a:ext uri="{FAA26D3D-D897-4be2-8F04-BA451C77F1D7}">
-              <ma14:placeholderFlag xmlns:ma14="http://schemas.microsoft.com/office/mac/drawingml/2011/main" xmlns="" val="1"/>
+              <ma14:placeholderFlag xmlns="" xmlns:ma14="http://schemas.microsoft.com/office/mac/drawingml/2011/main" val="1"/>
             </a:ext>
           </a:extLst>
         </p:spPr>
@@ -1946,7 +1942,7 @@
           <a:ln/>
           <a:extLst>
             <a:ext uri="{FAA26D3D-D897-4be2-8F04-BA451C77F1D7}">
-              <ma14:placeholderFlag xmlns:ma14="http://schemas.microsoft.com/office/mac/drawingml/2011/main" xmlns="" val="1"/>
+              <ma14:placeholderFlag xmlns="" xmlns:ma14="http://schemas.microsoft.com/office/mac/drawingml/2011/main" val="1"/>
             </a:ext>
           </a:extLst>
         </p:spPr>
@@ -2035,7 +2031,7 @@
           <a:ln/>
           <a:extLst>
             <a:ext uri="{FAA26D3D-D897-4be2-8F04-BA451C77F1D7}">
-              <ma14:placeholderFlag xmlns:ma14="http://schemas.microsoft.com/office/mac/drawingml/2011/main" xmlns="" val="1"/>
+              <ma14:placeholderFlag xmlns="" xmlns:ma14="http://schemas.microsoft.com/office/mac/drawingml/2011/main" val="1"/>
             </a:ext>
           </a:extLst>
         </p:spPr>
@@ -2124,7 +2120,7 @@
           <a:ln/>
           <a:extLst>
             <a:ext uri="{FAA26D3D-D897-4be2-8F04-BA451C77F1D7}">
-              <ma14:placeholderFlag xmlns:ma14="http://schemas.microsoft.com/office/mac/drawingml/2011/main" xmlns="" val="1"/>
+              <ma14:placeholderFlag xmlns="" xmlns:ma14="http://schemas.microsoft.com/office/mac/drawingml/2011/main" val="1"/>
             </a:ext>
           </a:extLst>
         </p:spPr>
@@ -2213,7 +2209,7 @@
           <a:ln/>
           <a:extLst>
             <a:ext uri="{FAA26D3D-D897-4be2-8F04-BA451C77F1D7}">
-              <ma14:placeholderFlag xmlns:ma14="http://schemas.microsoft.com/office/mac/drawingml/2011/main" xmlns="" val="1"/>
+              <ma14:placeholderFlag xmlns="" xmlns:ma14="http://schemas.microsoft.com/office/mac/drawingml/2011/main" val="1"/>
             </a:ext>
           </a:extLst>
         </p:spPr>
@@ -2302,7 +2298,7 @@
           <a:ln/>
           <a:extLst>
             <a:ext uri="{FAA26D3D-D897-4be2-8F04-BA451C77F1D7}">
-              <ma14:placeholderFlag xmlns:ma14="http://schemas.microsoft.com/office/mac/drawingml/2011/main" xmlns="" val="1"/>
+              <ma14:placeholderFlag xmlns="" xmlns:ma14="http://schemas.microsoft.com/office/mac/drawingml/2011/main" val="1"/>
             </a:ext>
           </a:extLst>
         </p:spPr>
@@ -2391,7 +2387,7 @@
           <a:ln/>
           <a:extLst>
             <a:ext uri="{FAA26D3D-D897-4be2-8F04-BA451C77F1D7}">
-              <ma14:placeholderFlag xmlns:ma14="http://schemas.microsoft.com/office/mac/drawingml/2011/main" xmlns="" val="1"/>
+              <ma14:placeholderFlag xmlns="" xmlns:ma14="http://schemas.microsoft.com/office/mac/drawingml/2011/main" val="1"/>
             </a:ext>
           </a:extLst>
         </p:spPr>
@@ -2504,7 +2500,7 @@
           </a:ln>
           <a:extLst>
             <a:ext uri="{FAA26D3D-D897-4be2-8F04-BA451C77F1D7}">
-              <ma14:placeholderFlag xmlns:ma14="http://schemas.microsoft.com/office/mac/drawingml/2011/main" xmlns="" val="1"/>
+              <ma14:placeholderFlag xmlns="" xmlns:ma14="http://schemas.microsoft.com/office/mac/drawingml/2011/main" val="1"/>
             </a:ext>
           </a:extLst>
         </p:spPr>
@@ -2540,7 +2536,7 @@
           </a:ln>
           <a:extLst>
             <a:ext uri="{FAA26D3D-D897-4be2-8F04-BA451C77F1D7}">
-              <ma14:placeholderFlag xmlns:ma14="http://schemas.microsoft.com/office/mac/drawingml/2011/main" xmlns="" val="1"/>
+              <ma14:placeholderFlag xmlns="" xmlns:ma14="http://schemas.microsoft.com/office/mac/drawingml/2011/main" val="1"/>
             </a:ext>
           </a:extLst>
         </p:spPr>
@@ -2605,12 +2601,12 @@
           <a:effectLst/>
           <a:extLst>
             <a:ext uri="{909E8E84-426E-40dd-AFC4-6F175D3DCCD1}">
-              <a14:hiddenFill xmlns="" xmlns:a14="http://schemas.microsoft.com/office/drawing/2010/main">
+              <a14:hiddenFill xmlns:a14="http://schemas.microsoft.com/office/drawing/2010/main" xmlns="">
                 <a:noFill/>
               </a14:hiddenFill>
             </a:ext>
             <a:ext uri="{AF507438-7753-43e0-B8FC-AC1667EBCBE1}">
-              <a14:hiddenEffects xmlns="" xmlns:a14="http://schemas.microsoft.com/office/drawing/2010/main">
+              <a14:hiddenEffects xmlns:a14="http://schemas.microsoft.com/office/drawing/2010/main" xmlns="">
                 <a:effectLst>
                   <a:outerShdw blurRad="63500" dist="38099" dir="2700000" algn="ctr" rotWithShape="0">
                     <a:schemeClr val="bg2">
@@ -2811,7 +2807,7 @@
             <a:effectLst/>
             <a:extLst>
               <a:ext uri="{91240B29-F687-4f45-9708-019B960494DF}">
-                <a14:hiddenLine xmlns="" xmlns:a14="http://schemas.microsoft.com/office/drawing/2010/main" w="9525">
+                <a14:hiddenLine xmlns:a14="http://schemas.microsoft.com/office/drawing/2010/main" xmlns="" w="9525">
                   <a:solidFill>
                     <a:schemeClr val="tx1"/>
                   </a:solidFill>
@@ -2821,7 +2817,7 @@
                 </a14:hiddenLine>
               </a:ext>
               <a:ext uri="{AF507438-7753-43e0-B8FC-AC1667EBCBE1}">
-                <a14:hiddenEffects xmlns="" xmlns:a14="http://schemas.microsoft.com/office/drawing/2010/main">
+                <a14:hiddenEffects xmlns:a14="http://schemas.microsoft.com/office/drawing/2010/main" xmlns="">
                   <a:effectLst>
                     <a:outerShdw blurRad="63500" dist="38099" dir="2700000" algn="ctr" rotWithShape="0">
                       <a:schemeClr val="bg2">
@@ -2866,7 +2862,7 @@
             <a:effectLst/>
             <a:extLst>
               <a:ext uri="{91240B29-F687-4f45-9708-019B960494DF}">
-                <a14:hiddenLine xmlns="" xmlns:a14="http://schemas.microsoft.com/office/drawing/2010/main" w="9525">
+                <a14:hiddenLine xmlns:a14="http://schemas.microsoft.com/office/drawing/2010/main" xmlns="" w="9525">
                   <a:solidFill>
                     <a:schemeClr val="tx1"/>
                   </a:solidFill>
@@ -2876,7 +2872,7 @@
                 </a14:hiddenLine>
               </a:ext>
               <a:ext uri="{AF507438-7753-43e0-B8FC-AC1667EBCBE1}">
-                <a14:hiddenEffects xmlns="" xmlns:a14="http://schemas.microsoft.com/office/drawing/2010/main">
+                <a14:hiddenEffects xmlns:a14="http://schemas.microsoft.com/office/drawing/2010/main" xmlns="">
                   <a:effectLst>
                     <a:outerShdw blurRad="63500" dist="38099" dir="2700000" algn="ctr" rotWithShape="0">
                       <a:schemeClr val="bg2">
@@ -2921,7 +2917,7 @@
             <a:effectLst/>
             <a:extLst>
               <a:ext uri="{91240B29-F687-4f45-9708-019B960494DF}">
-                <a14:hiddenLine xmlns="" xmlns:a14="http://schemas.microsoft.com/office/drawing/2010/main" w="9525">
+                <a14:hiddenLine xmlns:a14="http://schemas.microsoft.com/office/drawing/2010/main" xmlns="" w="9525">
                   <a:solidFill>
                     <a:schemeClr val="tx1"/>
                   </a:solidFill>
@@ -2931,7 +2927,7 @@
                 </a14:hiddenLine>
               </a:ext>
               <a:ext uri="{AF507438-7753-43e0-B8FC-AC1667EBCBE1}">
-                <a14:hiddenEffects xmlns="" xmlns:a14="http://schemas.microsoft.com/office/drawing/2010/main">
+                <a14:hiddenEffects xmlns:a14="http://schemas.microsoft.com/office/drawing/2010/main" xmlns="">
                   <a:effectLst>
                     <a:outerShdw blurRad="63500" dist="38099" dir="2700000" algn="ctr" rotWithShape="0">
                       <a:schemeClr val="bg2">
@@ -2976,7 +2972,7 @@
             <a:effectLst/>
             <a:extLst>
               <a:ext uri="{91240B29-F687-4f45-9708-019B960494DF}">
-                <a14:hiddenLine xmlns="" xmlns:a14="http://schemas.microsoft.com/office/drawing/2010/main" w="9525">
+                <a14:hiddenLine xmlns:a14="http://schemas.microsoft.com/office/drawing/2010/main" xmlns="" w="9525">
                   <a:solidFill>
                     <a:schemeClr val="tx1"/>
                   </a:solidFill>
@@ -2986,7 +2982,7 @@
                 </a14:hiddenLine>
               </a:ext>
               <a:ext uri="{AF507438-7753-43e0-B8FC-AC1667EBCBE1}">
-                <a14:hiddenEffects xmlns="" xmlns:a14="http://schemas.microsoft.com/office/drawing/2010/main">
+                <a14:hiddenEffects xmlns:a14="http://schemas.microsoft.com/office/drawing/2010/main" xmlns="">
                   <a:effectLst>
                     <a:outerShdw blurRad="63500" dist="38099" dir="2700000" algn="ctr" rotWithShape="0">
                       <a:schemeClr val="bg2">
@@ -3031,7 +3027,7 @@
             <a:effectLst/>
             <a:extLst>
               <a:ext uri="{91240B29-F687-4f45-9708-019B960494DF}">
-                <a14:hiddenLine xmlns="" xmlns:a14="http://schemas.microsoft.com/office/drawing/2010/main" w="9525">
+                <a14:hiddenLine xmlns:a14="http://schemas.microsoft.com/office/drawing/2010/main" xmlns="" w="9525">
                   <a:solidFill>
                     <a:schemeClr val="tx1"/>
                   </a:solidFill>
@@ -3041,7 +3037,7 @@
                 </a14:hiddenLine>
               </a:ext>
               <a:ext uri="{AF507438-7753-43e0-B8FC-AC1667EBCBE1}">
-                <a14:hiddenEffects xmlns="" xmlns:a14="http://schemas.microsoft.com/office/drawing/2010/main">
+                <a14:hiddenEffects xmlns:a14="http://schemas.microsoft.com/office/drawing/2010/main" xmlns="">
                   <a:effectLst>
                     <a:outerShdw blurRad="63500" dist="38099" dir="2700000" algn="ctr" rotWithShape="0">
                       <a:schemeClr val="bg2">
@@ -3086,7 +3082,7 @@
             <a:effectLst/>
             <a:extLst>
               <a:ext uri="{91240B29-F687-4f45-9708-019B960494DF}">
-                <a14:hiddenLine xmlns="" xmlns:a14="http://schemas.microsoft.com/office/drawing/2010/main" w="9525">
+                <a14:hiddenLine xmlns:a14="http://schemas.microsoft.com/office/drawing/2010/main" xmlns="" w="9525">
                   <a:solidFill>
                     <a:schemeClr val="tx1"/>
                   </a:solidFill>
@@ -3096,7 +3092,7 @@
                 </a14:hiddenLine>
               </a:ext>
               <a:ext uri="{AF507438-7753-43e0-B8FC-AC1667EBCBE1}">
-                <a14:hiddenEffects xmlns="" xmlns:a14="http://schemas.microsoft.com/office/drawing/2010/main">
+                <a14:hiddenEffects xmlns:a14="http://schemas.microsoft.com/office/drawing/2010/main" xmlns="">
                   <a:effectLst>
                     <a:outerShdw blurRad="63500" dist="38099" dir="2700000" algn="ctr" rotWithShape="0">
                       <a:schemeClr val="bg2">
@@ -3141,7 +3137,7 @@
             <a:effectLst/>
             <a:extLst>
               <a:ext uri="{91240B29-F687-4f45-9708-019B960494DF}">
-                <a14:hiddenLine xmlns="" xmlns:a14="http://schemas.microsoft.com/office/drawing/2010/main" w="9525">
+                <a14:hiddenLine xmlns:a14="http://schemas.microsoft.com/office/drawing/2010/main" xmlns="" w="9525">
                   <a:solidFill>
                     <a:schemeClr val="tx1"/>
                   </a:solidFill>
@@ -3151,7 +3147,7 @@
                 </a14:hiddenLine>
               </a:ext>
               <a:ext uri="{AF507438-7753-43e0-B8FC-AC1667EBCBE1}">
-                <a14:hiddenEffects xmlns="" xmlns:a14="http://schemas.microsoft.com/office/drawing/2010/main">
+                <a14:hiddenEffects xmlns:a14="http://schemas.microsoft.com/office/drawing/2010/main" xmlns="">
                   <a:effectLst>
                     <a:outerShdw blurRad="63500" dist="38099" dir="2700000" algn="ctr" rotWithShape="0">
                       <a:schemeClr val="bg2">
@@ -3196,7 +3192,7 @@
             <a:effectLst/>
             <a:extLst>
               <a:ext uri="{91240B29-F687-4f45-9708-019B960494DF}">
-                <a14:hiddenLine xmlns="" xmlns:a14="http://schemas.microsoft.com/office/drawing/2010/main" w="9525">
+                <a14:hiddenLine xmlns:a14="http://schemas.microsoft.com/office/drawing/2010/main" xmlns="" w="9525">
                   <a:solidFill>
                     <a:schemeClr val="tx1"/>
                   </a:solidFill>
@@ -3206,7 +3202,7 @@
                 </a14:hiddenLine>
               </a:ext>
               <a:ext uri="{AF507438-7753-43e0-B8FC-AC1667EBCBE1}">
-                <a14:hiddenEffects xmlns="" xmlns:a14="http://schemas.microsoft.com/office/drawing/2010/main">
+                <a14:hiddenEffects xmlns:a14="http://schemas.microsoft.com/office/drawing/2010/main" xmlns="">
                   <a:effectLst>
                     <a:outerShdw blurRad="63500" dist="38099" dir="2700000" algn="ctr" rotWithShape="0">
                       <a:schemeClr val="bg2">
@@ -3251,7 +3247,7 @@
             <a:effectLst/>
             <a:extLst>
               <a:ext uri="{91240B29-F687-4f45-9708-019B960494DF}">
-                <a14:hiddenLine xmlns="" xmlns:a14="http://schemas.microsoft.com/office/drawing/2010/main" w="9525">
+                <a14:hiddenLine xmlns:a14="http://schemas.microsoft.com/office/drawing/2010/main" xmlns="" w="9525">
                   <a:solidFill>
                     <a:schemeClr val="tx1"/>
                   </a:solidFill>
@@ -3261,7 +3257,7 @@
                 </a14:hiddenLine>
               </a:ext>
               <a:ext uri="{AF507438-7753-43e0-B8FC-AC1667EBCBE1}">
-                <a14:hiddenEffects xmlns="" xmlns:a14="http://schemas.microsoft.com/office/drawing/2010/main">
+                <a14:hiddenEffects xmlns:a14="http://schemas.microsoft.com/office/drawing/2010/main" xmlns="">
                   <a:effectLst>
                     <a:outerShdw blurRad="63500" dist="38099" dir="2700000" algn="ctr" rotWithShape="0">
                       <a:schemeClr val="bg2">
@@ -3306,7 +3302,7 @@
             <a:effectLst/>
             <a:extLst>
               <a:ext uri="{91240B29-F687-4f45-9708-019B960494DF}">
-                <a14:hiddenLine xmlns="" xmlns:a14="http://schemas.microsoft.com/office/drawing/2010/main" w="9525">
+                <a14:hiddenLine xmlns:a14="http://schemas.microsoft.com/office/drawing/2010/main" xmlns="" w="9525">
                   <a:solidFill>
                     <a:schemeClr val="tx1"/>
                   </a:solidFill>
@@ -3316,7 +3312,7 @@
                 </a14:hiddenLine>
               </a:ext>
               <a:ext uri="{AF507438-7753-43e0-B8FC-AC1667EBCBE1}">
-                <a14:hiddenEffects xmlns="" xmlns:a14="http://schemas.microsoft.com/office/drawing/2010/main">
+                <a14:hiddenEffects xmlns:a14="http://schemas.microsoft.com/office/drawing/2010/main" xmlns="">
                   <a:effectLst>
                     <a:outerShdw blurRad="63500" dist="38099" dir="2700000" algn="ctr" rotWithShape="0">
                       <a:schemeClr val="bg2">
@@ -3361,7 +3357,7 @@
             <a:effectLst/>
             <a:extLst>
               <a:ext uri="{91240B29-F687-4f45-9708-019B960494DF}">
-                <a14:hiddenLine xmlns="" xmlns:a14="http://schemas.microsoft.com/office/drawing/2010/main" w="9525">
+                <a14:hiddenLine xmlns:a14="http://schemas.microsoft.com/office/drawing/2010/main" xmlns="" w="9525">
                   <a:solidFill>
                     <a:schemeClr val="tx1"/>
                   </a:solidFill>
@@ -3371,7 +3367,7 @@
                 </a14:hiddenLine>
               </a:ext>
               <a:ext uri="{AF507438-7753-43e0-B8FC-AC1667EBCBE1}">
-                <a14:hiddenEffects xmlns="" xmlns:a14="http://schemas.microsoft.com/office/drawing/2010/main">
+                <a14:hiddenEffects xmlns:a14="http://schemas.microsoft.com/office/drawing/2010/main" xmlns="">
                   <a:effectLst>
                     <a:outerShdw blurRad="63500" dist="38099" dir="2700000" algn="ctr" rotWithShape="0">
                       <a:schemeClr val="bg2">
@@ -3416,7 +3412,7 @@
             <a:effectLst/>
             <a:extLst>
               <a:ext uri="{91240B29-F687-4f45-9708-019B960494DF}">
-                <a14:hiddenLine xmlns="" xmlns:a14="http://schemas.microsoft.com/office/drawing/2010/main" w="9525">
+                <a14:hiddenLine xmlns:a14="http://schemas.microsoft.com/office/drawing/2010/main" xmlns="" w="9525">
                   <a:solidFill>
                     <a:schemeClr val="tx1"/>
                   </a:solidFill>
@@ -3426,7 +3422,7 @@
                 </a14:hiddenLine>
               </a:ext>
               <a:ext uri="{AF507438-7753-43e0-B8FC-AC1667EBCBE1}">
-                <a14:hiddenEffects xmlns="" xmlns:a14="http://schemas.microsoft.com/office/drawing/2010/main">
+                <a14:hiddenEffects xmlns:a14="http://schemas.microsoft.com/office/drawing/2010/main" xmlns="">
                   <a:effectLst>
                     <a:outerShdw blurRad="63500" dist="38099" dir="2700000" algn="ctr" rotWithShape="0">
                       <a:schemeClr val="bg2">
@@ -3471,7 +3467,7 @@
             <a:effectLst/>
             <a:extLst>
               <a:ext uri="{91240B29-F687-4f45-9708-019B960494DF}">
-                <a14:hiddenLine xmlns="" xmlns:a14="http://schemas.microsoft.com/office/drawing/2010/main" w="9525">
+                <a14:hiddenLine xmlns:a14="http://schemas.microsoft.com/office/drawing/2010/main" xmlns="" w="9525">
                   <a:solidFill>
                     <a:schemeClr val="tx1"/>
                   </a:solidFill>
@@ -3481,7 +3477,7 @@
                 </a14:hiddenLine>
               </a:ext>
               <a:ext uri="{AF507438-7753-43e0-B8FC-AC1667EBCBE1}">
-                <a14:hiddenEffects xmlns="" xmlns:a14="http://schemas.microsoft.com/office/drawing/2010/main">
+                <a14:hiddenEffects xmlns:a14="http://schemas.microsoft.com/office/drawing/2010/main" xmlns="">
                   <a:effectLst>
                     <a:outerShdw blurRad="63500" dist="38099" dir="2700000" algn="ctr" rotWithShape="0">
                       <a:schemeClr val="bg2">
@@ -3526,7 +3522,7 @@
             <a:effectLst/>
             <a:extLst>
               <a:ext uri="{91240B29-F687-4f45-9708-019B960494DF}">
-                <a14:hiddenLine xmlns="" xmlns:a14="http://schemas.microsoft.com/office/drawing/2010/main" w="9525">
+                <a14:hiddenLine xmlns:a14="http://schemas.microsoft.com/office/drawing/2010/main" xmlns="" w="9525">
                   <a:solidFill>
                     <a:schemeClr val="tx1"/>
                   </a:solidFill>
@@ -3536,7 +3532,7 @@
                 </a14:hiddenLine>
               </a:ext>
               <a:ext uri="{AF507438-7753-43e0-B8FC-AC1667EBCBE1}">
-                <a14:hiddenEffects xmlns="" xmlns:a14="http://schemas.microsoft.com/office/drawing/2010/main">
+                <a14:hiddenEffects xmlns:a14="http://schemas.microsoft.com/office/drawing/2010/main" xmlns="">
                   <a:effectLst>
                     <a:outerShdw blurRad="63500" dist="38099" dir="2700000" algn="ctr" rotWithShape="0">
                       <a:schemeClr val="bg2">
@@ -3581,7 +3577,7 @@
             <a:effectLst/>
             <a:extLst>
               <a:ext uri="{91240B29-F687-4f45-9708-019B960494DF}">
-                <a14:hiddenLine xmlns="" xmlns:a14="http://schemas.microsoft.com/office/drawing/2010/main" w="9525">
+                <a14:hiddenLine xmlns:a14="http://schemas.microsoft.com/office/drawing/2010/main" xmlns="" w="9525">
                   <a:solidFill>
                     <a:schemeClr val="tx1"/>
                   </a:solidFill>
@@ -3591,7 +3587,7 @@
                 </a14:hiddenLine>
               </a:ext>
               <a:ext uri="{AF507438-7753-43e0-B8FC-AC1667EBCBE1}">
-                <a14:hiddenEffects xmlns="" xmlns:a14="http://schemas.microsoft.com/office/drawing/2010/main">
+                <a14:hiddenEffects xmlns:a14="http://schemas.microsoft.com/office/drawing/2010/main" xmlns="">
                   <a:effectLst>
                     <a:outerShdw blurRad="63500" dist="38099" dir="2700000" algn="ctr" rotWithShape="0">
                       <a:schemeClr val="bg2">
@@ -3636,7 +3632,7 @@
             <a:effectLst/>
             <a:extLst>
               <a:ext uri="{91240B29-F687-4f45-9708-019B960494DF}">
-                <a14:hiddenLine xmlns="" xmlns:a14="http://schemas.microsoft.com/office/drawing/2010/main" w="9525">
+                <a14:hiddenLine xmlns:a14="http://schemas.microsoft.com/office/drawing/2010/main" xmlns="" w="9525">
                   <a:solidFill>
                     <a:schemeClr val="tx1"/>
                   </a:solidFill>
@@ -3646,7 +3642,7 @@
                 </a14:hiddenLine>
               </a:ext>
               <a:ext uri="{AF507438-7753-43e0-B8FC-AC1667EBCBE1}">
-                <a14:hiddenEffects xmlns="" xmlns:a14="http://schemas.microsoft.com/office/drawing/2010/main">
+                <a14:hiddenEffects xmlns:a14="http://schemas.microsoft.com/office/drawing/2010/main" xmlns="">
                   <a:effectLst>
                     <a:outerShdw blurRad="63500" dist="38099" dir="2700000" algn="ctr" rotWithShape="0">
                       <a:schemeClr val="bg2">
@@ -3691,7 +3687,7 @@
             <a:effectLst/>
             <a:extLst>
               <a:ext uri="{91240B29-F687-4f45-9708-019B960494DF}">
-                <a14:hiddenLine xmlns="" xmlns:a14="http://schemas.microsoft.com/office/drawing/2010/main" w="9525">
+                <a14:hiddenLine xmlns:a14="http://schemas.microsoft.com/office/drawing/2010/main" xmlns="" w="9525">
                   <a:solidFill>
                     <a:schemeClr val="tx1"/>
                   </a:solidFill>
@@ -3701,7 +3697,7 @@
                 </a14:hiddenLine>
               </a:ext>
               <a:ext uri="{AF507438-7753-43e0-B8FC-AC1667EBCBE1}">
-                <a14:hiddenEffects xmlns="" xmlns:a14="http://schemas.microsoft.com/office/drawing/2010/main">
+                <a14:hiddenEffects xmlns:a14="http://schemas.microsoft.com/office/drawing/2010/main" xmlns="">
                   <a:effectLst>
                     <a:outerShdw blurRad="63500" dist="38099" dir="2700000" algn="ctr" rotWithShape="0">
                       <a:schemeClr val="bg2">
@@ -3746,7 +3742,7 @@
             <a:effectLst/>
             <a:extLst>
               <a:ext uri="{91240B29-F687-4f45-9708-019B960494DF}">
-                <a14:hiddenLine xmlns="" xmlns:a14="http://schemas.microsoft.com/office/drawing/2010/main" w="9525">
+                <a14:hiddenLine xmlns:a14="http://schemas.microsoft.com/office/drawing/2010/main" xmlns="" w="9525">
                   <a:solidFill>
                     <a:schemeClr val="tx1"/>
                   </a:solidFill>
@@ -3756,7 +3752,7 @@
                 </a14:hiddenLine>
               </a:ext>
               <a:ext uri="{AF507438-7753-43e0-B8FC-AC1667EBCBE1}">
-                <a14:hiddenEffects xmlns="" xmlns:a14="http://schemas.microsoft.com/office/drawing/2010/main">
+                <a14:hiddenEffects xmlns:a14="http://schemas.microsoft.com/office/drawing/2010/main" xmlns="">
                   <a:effectLst>
                     <a:outerShdw blurRad="63500" dist="38099" dir="2700000" algn="ctr" rotWithShape="0">
                       <a:schemeClr val="bg2">
@@ -3801,7 +3797,7 @@
             <a:effectLst/>
             <a:extLst>
               <a:ext uri="{91240B29-F687-4f45-9708-019B960494DF}">
-                <a14:hiddenLine xmlns="" xmlns:a14="http://schemas.microsoft.com/office/drawing/2010/main" w="9525">
+                <a14:hiddenLine xmlns:a14="http://schemas.microsoft.com/office/drawing/2010/main" xmlns="" w="9525">
                   <a:solidFill>
                     <a:schemeClr val="tx1"/>
                   </a:solidFill>
@@ -3811,7 +3807,7 @@
                 </a14:hiddenLine>
               </a:ext>
               <a:ext uri="{AF507438-7753-43e0-B8FC-AC1667EBCBE1}">
-                <a14:hiddenEffects xmlns="" xmlns:a14="http://schemas.microsoft.com/office/drawing/2010/main">
+                <a14:hiddenEffects xmlns:a14="http://schemas.microsoft.com/office/drawing/2010/main" xmlns="">
                   <a:effectLst>
                     <a:outerShdw blurRad="63500" dist="38099" dir="2700000" algn="ctr" rotWithShape="0">
                       <a:schemeClr val="bg2">
@@ -3856,7 +3852,7 @@
             <a:effectLst/>
             <a:extLst>
               <a:ext uri="{91240B29-F687-4f45-9708-019B960494DF}">
-                <a14:hiddenLine xmlns="" xmlns:a14="http://schemas.microsoft.com/office/drawing/2010/main" w="9525">
+                <a14:hiddenLine xmlns:a14="http://schemas.microsoft.com/office/drawing/2010/main" xmlns="" w="9525">
                   <a:solidFill>
                     <a:schemeClr val="tx1"/>
                   </a:solidFill>
@@ -3866,7 +3862,7 @@
                 </a14:hiddenLine>
               </a:ext>
               <a:ext uri="{AF507438-7753-43e0-B8FC-AC1667EBCBE1}">
-                <a14:hiddenEffects xmlns="" xmlns:a14="http://schemas.microsoft.com/office/drawing/2010/main">
+                <a14:hiddenEffects xmlns:a14="http://schemas.microsoft.com/office/drawing/2010/main" xmlns="">
                   <a:effectLst>
                     <a:outerShdw blurRad="63500" dist="38099" dir="2700000" algn="ctr" rotWithShape="0">
                       <a:schemeClr val="bg2">
@@ -3911,7 +3907,7 @@
             <a:effectLst/>
             <a:extLst>
               <a:ext uri="{91240B29-F687-4f45-9708-019B960494DF}">
-                <a14:hiddenLine xmlns="" xmlns:a14="http://schemas.microsoft.com/office/drawing/2010/main" w="9525">
+                <a14:hiddenLine xmlns:a14="http://schemas.microsoft.com/office/drawing/2010/main" xmlns="" w="9525">
                   <a:solidFill>
                     <a:schemeClr val="tx1"/>
                   </a:solidFill>
@@ -3921,7 +3917,7 @@
                 </a14:hiddenLine>
               </a:ext>
               <a:ext uri="{AF507438-7753-43e0-B8FC-AC1667EBCBE1}">
-                <a14:hiddenEffects xmlns="" xmlns:a14="http://schemas.microsoft.com/office/drawing/2010/main">
+                <a14:hiddenEffects xmlns:a14="http://schemas.microsoft.com/office/drawing/2010/main" xmlns="">
                   <a:effectLst>
                     <a:outerShdw blurRad="63500" dist="38099" dir="2700000" algn="ctr" rotWithShape="0">
                       <a:schemeClr val="bg2">
@@ -3966,7 +3962,7 @@
             <a:effectLst/>
             <a:extLst>
               <a:ext uri="{91240B29-F687-4f45-9708-019B960494DF}">
-                <a14:hiddenLine xmlns="" xmlns:a14="http://schemas.microsoft.com/office/drawing/2010/main" w="9525">
+                <a14:hiddenLine xmlns:a14="http://schemas.microsoft.com/office/drawing/2010/main" xmlns="" w="9525">
                   <a:solidFill>
                     <a:schemeClr val="tx1"/>
                   </a:solidFill>
@@ -3976,7 +3972,7 @@
                 </a14:hiddenLine>
               </a:ext>
               <a:ext uri="{AF507438-7753-43e0-B8FC-AC1667EBCBE1}">
-                <a14:hiddenEffects xmlns="" xmlns:a14="http://schemas.microsoft.com/office/drawing/2010/main">
+                <a14:hiddenEffects xmlns:a14="http://schemas.microsoft.com/office/drawing/2010/main" xmlns="">
                   <a:effectLst>
                     <a:outerShdw blurRad="63500" dist="38099" dir="2700000" algn="ctr" rotWithShape="0">
                       <a:schemeClr val="bg2">
@@ -4021,7 +4017,7 @@
             <a:effectLst/>
             <a:extLst>
               <a:ext uri="{91240B29-F687-4f45-9708-019B960494DF}">
-                <a14:hiddenLine xmlns="" xmlns:a14="http://schemas.microsoft.com/office/drawing/2010/main" w="9525">
+                <a14:hiddenLine xmlns:a14="http://schemas.microsoft.com/office/drawing/2010/main" xmlns="" w="9525">
                   <a:solidFill>
                     <a:schemeClr val="tx1"/>
                   </a:solidFill>
@@ -4031,7 +4027,7 @@
                 </a14:hiddenLine>
               </a:ext>
               <a:ext uri="{AF507438-7753-43e0-B8FC-AC1667EBCBE1}">
-                <a14:hiddenEffects xmlns="" xmlns:a14="http://schemas.microsoft.com/office/drawing/2010/main">
+                <a14:hiddenEffects xmlns:a14="http://schemas.microsoft.com/office/drawing/2010/main" xmlns="">
                   <a:effectLst>
                     <a:outerShdw blurRad="63500" dist="38099" dir="2700000" algn="ctr" rotWithShape="0">
                       <a:schemeClr val="bg2">
@@ -4076,7 +4072,7 @@
             <a:effectLst/>
             <a:extLst>
               <a:ext uri="{91240B29-F687-4f45-9708-019B960494DF}">
-                <a14:hiddenLine xmlns="" xmlns:a14="http://schemas.microsoft.com/office/drawing/2010/main" w="9525">
+                <a14:hiddenLine xmlns:a14="http://schemas.microsoft.com/office/drawing/2010/main" xmlns="" w="9525">
                   <a:solidFill>
                     <a:schemeClr val="tx1"/>
                   </a:solidFill>
@@ -4086,7 +4082,7 @@
                 </a14:hiddenLine>
               </a:ext>
               <a:ext uri="{AF507438-7753-43e0-B8FC-AC1667EBCBE1}">
-                <a14:hiddenEffects xmlns="" xmlns:a14="http://schemas.microsoft.com/office/drawing/2010/main">
+                <a14:hiddenEffects xmlns:a14="http://schemas.microsoft.com/office/drawing/2010/main" xmlns="">
                   <a:effectLst>
                     <a:outerShdw blurRad="63500" dist="38099" dir="2700000" algn="ctr" rotWithShape="0">
                       <a:schemeClr val="bg2">
@@ -4131,7 +4127,7 @@
             <a:effectLst/>
             <a:extLst>
               <a:ext uri="{91240B29-F687-4f45-9708-019B960494DF}">
-                <a14:hiddenLine xmlns="" xmlns:a14="http://schemas.microsoft.com/office/drawing/2010/main" w="9525">
+                <a14:hiddenLine xmlns:a14="http://schemas.microsoft.com/office/drawing/2010/main" xmlns="" w="9525">
                   <a:solidFill>
                     <a:schemeClr val="tx1"/>
                   </a:solidFill>
@@ -4141,7 +4137,7 @@
                 </a14:hiddenLine>
               </a:ext>
               <a:ext uri="{AF507438-7753-43e0-B8FC-AC1667EBCBE1}">
-                <a14:hiddenEffects xmlns="" xmlns:a14="http://schemas.microsoft.com/office/drawing/2010/main">
+                <a14:hiddenEffects xmlns:a14="http://schemas.microsoft.com/office/drawing/2010/main" xmlns="">
                   <a:effectLst>
                     <a:outerShdw blurRad="63500" dist="38099" dir="2700000" algn="ctr" rotWithShape="0">
                       <a:schemeClr val="bg2">
@@ -4186,7 +4182,7 @@
             <a:effectLst/>
             <a:extLst>
               <a:ext uri="{91240B29-F687-4f45-9708-019B960494DF}">
-                <a14:hiddenLine xmlns="" xmlns:a14="http://schemas.microsoft.com/office/drawing/2010/main" w="9525">
+                <a14:hiddenLine xmlns:a14="http://schemas.microsoft.com/office/drawing/2010/main" xmlns="" w="9525">
                   <a:solidFill>
                     <a:schemeClr val="tx1"/>
                   </a:solidFill>
@@ -4196,7 +4192,7 @@
                 </a14:hiddenLine>
               </a:ext>
               <a:ext uri="{AF507438-7753-43e0-B8FC-AC1667EBCBE1}">
-                <a14:hiddenEffects xmlns="" xmlns:a14="http://schemas.microsoft.com/office/drawing/2010/main">
+                <a14:hiddenEffects xmlns:a14="http://schemas.microsoft.com/office/drawing/2010/main" xmlns="">
                   <a:effectLst>
                     <a:outerShdw blurRad="63500" dist="38099" dir="2700000" algn="ctr" rotWithShape="0">
                       <a:schemeClr val="bg2">
@@ -4241,7 +4237,7 @@
             <a:effectLst/>
             <a:extLst>
               <a:ext uri="{91240B29-F687-4f45-9708-019B960494DF}">
-                <a14:hiddenLine xmlns="" xmlns:a14="http://schemas.microsoft.com/office/drawing/2010/main" w="9525">
+                <a14:hiddenLine xmlns:a14="http://schemas.microsoft.com/office/drawing/2010/main" xmlns="" w="9525">
                   <a:solidFill>
                     <a:schemeClr val="tx1"/>
                   </a:solidFill>
@@ -4251,7 +4247,7 @@
                 </a14:hiddenLine>
               </a:ext>
               <a:ext uri="{AF507438-7753-43e0-B8FC-AC1667EBCBE1}">
-                <a14:hiddenEffects xmlns="" xmlns:a14="http://schemas.microsoft.com/office/drawing/2010/main">
+                <a14:hiddenEffects xmlns:a14="http://schemas.microsoft.com/office/drawing/2010/main" xmlns="">
                   <a:effectLst>
                     <a:outerShdw blurRad="63500" dist="38099" dir="2700000" algn="ctr" rotWithShape="0">
                       <a:schemeClr val="bg2">
@@ -4296,7 +4292,7 @@
             <a:effectLst/>
             <a:extLst>
               <a:ext uri="{91240B29-F687-4f45-9708-019B960494DF}">
-                <a14:hiddenLine xmlns="" xmlns:a14="http://schemas.microsoft.com/office/drawing/2010/main" w="9525">
+                <a14:hiddenLine xmlns:a14="http://schemas.microsoft.com/office/drawing/2010/main" xmlns="" w="9525">
                   <a:solidFill>
                     <a:schemeClr val="tx1"/>
                   </a:solidFill>
@@ -4306,7 +4302,7 @@
                 </a14:hiddenLine>
               </a:ext>
               <a:ext uri="{AF507438-7753-43e0-B8FC-AC1667EBCBE1}">
-                <a14:hiddenEffects xmlns="" xmlns:a14="http://schemas.microsoft.com/office/drawing/2010/main">
+                <a14:hiddenEffects xmlns:a14="http://schemas.microsoft.com/office/drawing/2010/main" xmlns="">
                   <a:effectLst>
                     <a:outerShdw blurRad="63500" dist="38099" dir="2700000" algn="ctr" rotWithShape="0">
                       <a:schemeClr val="bg2">
@@ -4351,7 +4347,7 @@
             <a:effectLst/>
             <a:extLst>
               <a:ext uri="{91240B29-F687-4f45-9708-019B960494DF}">
-                <a14:hiddenLine xmlns="" xmlns:a14="http://schemas.microsoft.com/office/drawing/2010/main" w="9525">
+                <a14:hiddenLine xmlns:a14="http://schemas.microsoft.com/office/drawing/2010/main" xmlns="" w="9525">
                   <a:solidFill>
                     <a:schemeClr val="tx1"/>
                   </a:solidFill>
@@ -4361,7 +4357,7 @@
                 </a14:hiddenLine>
               </a:ext>
               <a:ext uri="{AF507438-7753-43e0-B8FC-AC1667EBCBE1}">
-                <a14:hiddenEffects xmlns="" xmlns:a14="http://schemas.microsoft.com/office/drawing/2010/main">
+                <a14:hiddenEffects xmlns:a14="http://schemas.microsoft.com/office/drawing/2010/main" xmlns="">
                   <a:effectLst>
                     <a:outerShdw blurRad="63500" dist="38099" dir="2700000" algn="ctr" rotWithShape="0">
                       <a:schemeClr val="bg2">
@@ -4406,7 +4402,7 @@
             <a:effectLst/>
             <a:extLst>
               <a:ext uri="{91240B29-F687-4f45-9708-019B960494DF}">
-                <a14:hiddenLine xmlns="" xmlns:a14="http://schemas.microsoft.com/office/drawing/2010/main" w="9525">
+                <a14:hiddenLine xmlns:a14="http://schemas.microsoft.com/office/drawing/2010/main" xmlns="" w="9525">
                   <a:solidFill>
                     <a:schemeClr val="tx1"/>
                   </a:solidFill>
@@ -4416,7 +4412,7 @@
                 </a14:hiddenLine>
               </a:ext>
               <a:ext uri="{AF507438-7753-43e0-B8FC-AC1667EBCBE1}">
-                <a14:hiddenEffects xmlns="" xmlns:a14="http://schemas.microsoft.com/office/drawing/2010/main">
+                <a14:hiddenEffects xmlns:a14="http://schemas.microsoft.com/office/drawing/2010/main" xmlns="">
                   <a:effectLst>
                     <a:outerShdw blurRad="63500" dist="38099" dir="2700000" algn="ctr" rotWithShape="0">
                       <a:schemeClr val="bg2">
@@ -4461,7 +4457,7 @@
             <a:effectLst/>
             <a:extLst>
               <a:ext uri="{91240B29-F687-4f45-9708-019B960494DF}">
-                <a14:hiddenLine xmlns="" xmlns:a14="http://schemas.microsoft.com/office/drawing/2010/main" w="9525">
+                <a14:hiddenLine xmlns:a14="http://schemas.microsoft.com/office/drawing/2010/main" xmlns="" w="9525">
                   <a:solidFill>
                     <a:schemeClr val="tx1"/>
                   </a:solidFill>
@@ -4471,7 +4467,7 @@
                 </a14:hiddenLine>
               </a:ext>
               <a:ext uri="{AF507438-7753-43e0-B8FC-AC1667EBCBE1}">
-                <a14:hiddenEffects xmlns="" xmlns:a14="http://schemas.microsoft.com/office/drawing/2010/main">
+                <a14:hiddenEffects xmlns:a14="http://schemas.microsoft.com/office/drawing/2010/main" xmlns="">
                   <a:effectLst>
                     <a:outerShdw blurRad="63500" dist="38099" dir="2700000" algn="ctr" rotWithShape="0">
                       <a:schemeClr val="bg2">
@@ -4520,12 +4516,12 @@
           <a:effectLst/>
           <a:extLst>
             <a:ext uri="{909E8E84-426E-40dd-AFC4-6F175D3DCCD1}">
-              <a14:hiddenFill xmlns="" xmlns:a14="http://schemas.microsoft.com/office/drawing/2010/main">
+              <a14:hiddenFill xmlns:a14="http://schemas.microsoft.com/office/drawing/2010/main" xmlns="">
                 <a:noFill/>
               </a14:hiddenFill>
             </a:ext>
             <a:ext uri="{AF507438-7753-43e0-B8FC-AC1667EBCBE1}">
-              <a14:hiddenEffects xmlns="" xmlns:a14="http://schemas.microsoft.com/office/drawing/2010/main">
+              <a14:hiddenEffects xmlns:a14="http://schemas.microsoft.com/office/drawing/2010/main" xmlns="">
                 <a:effectLst>
                   <a:outerShdw blurRad="63500" dist="38099" dir="2700000" algn="ctr" rotWithShape="0">
                     <a:schemeClr val="bg2">
@@ -6849,12 +6845,12 @@
           <a:effectLst/>
           <a:extLst>
             <a:ext uri="{909E8E84-426E-40dd-AFC4-6F175D3DCCD1}">
-              <a14:hiddenFill xmlns="" xmlns:a14="http://schemas.microsoft.com/office/drawing/2010/main">
+              <a14:hiddenFill xmlns:a14="http://schemas.microsoft.com/office/drawing/2010/main" xmlns="">
                 <a:noFill/>
               </a14:hiddenFill>
             </a:ext>
             <a:ext uri="{AF507438-7753-43e0-B8FC-AC1667EBCBE1}">
-              <a14:hiddenEffects xmlns="" xmlns:a14="http://schemas.microsoft.com/office/drawing/2010/main">
+              <a14:hiddenEffects xmlns:a14="http://schemas.microsoft.com/office/drawing/2010/main" xmlns="">
                 <a:effectLst>
                   <a:outerShdw blurRad="63500" dist="38099" dir="2700000" algn="ctr" rotWithShape="0">
                     <a:schemeClr val="bg2">
@@ -6899,17 +6895,17 @@
           <a:effectLst/>
           <a:extLst>
             <a:ext uri="{FAA26D3D-D897-4be2-8F04-BA451C77F1D7}">
-              <ma14:placeholderFlag xmlns:ma14="http://schemas.microsoft.com/office/mac/drawingml/2011/main" xmlns="" val="1"/>
+              <ma14:placeholderFlag xmlns="" xmlns:ma14="http://schemas.microsoft.com/office/mac/drawingml/2011/main" val="1"/>
             </a:ext>
             <a:ext uri="{909E8E84-426E-40dd-AFC4-6F175D3DCCD1}">
-              <a14:hiddenFill xmlns="" xmlns:a14="http://schemas.microsoft.com/office/drawing/2010/main">
+              <a14:hiddenFill xmlns:a14="http://schemas.microsoft.com/office/drawing/2010/main" xmlns="">
                 <a:solidFill>
                   <a:schemeClr val="accent1"/>
                 </a:solidFill>
               </a14:hiddenFill>
             </a:ext>
             <a:ext uri="{91240B29-F687-4f45-9708-019B960494DF}">
-              <a14:hiddenLine xmlns="" xmlns:a14="http://schemas.microsoft.com/office/drawing/2010/main" w="9525">
+              <a14:hiddenLine xmlns:a14="http://schemas.microsoft.com/office/drawing/2010/main" xmlns="" w="9525">
                 <a:solidFill>
                   <a:schemeClr val="tx1"/>
                 </a:solidFill>
@@ -6919,7 +6915,7 @@
               </a14:hiddenLine>
             </a:ext>
             <a:ext uri="{AF507438-7753-43e0-B8FC-AC1667EBCBE1}">
-              <a14:hiddenEffects xmlns="" xmlns:a14="http://schemas.microsoft.com/office/drawing/2010/main">
+              <a14:hiddenEffects xmlns:a14="http://schemas.microsoft.com/office/drawing/2010/main" xmlns="">
                 <a:effectLst>
                   <a:outerShdw blurRad="63500" dist="38099" dir="2700000" algn="ctr" rotWithShape="0">
                     <a:schemeClr val="bg2">
@@ -6972,17 +6968,17 @@
           <a:effectLst/>
           <a:extLst>
             <a:ext uri="{FAA26D3D-D897-4be2-8F04-BA451C77F1D7}">
-              <ma14:placeholderFlag xmlns:ma14="http://schemas.microsoft.com/office/mac/drawingml/2011/main" xmlns="" val="1"/>
+              <ma14:placeholderFlag xmlns="" xmlns:ma14="http://schemas.microsoft.com/office/mac/drawingml/2011/main" val="1"/>
             </a:ext>
             <a:ext uri="{909E8E84-426E-40dd-AFC4-6F175D3DCCD1}">
-              <a14:hiddenFill xmlns="" xmlns:a14="http://schemas.microsoft.com/office/drawing/2010/main">
+              <a14:hiddenFill xmlns:a14="http://schemas.microsoft.com/office/drawing/2010/main" xmlns="">
                 <a:solidFill>
                   <a:schemeClr val="accent1"/>
                 </a:solidFill>
               </a14:hiddenFill>
             </a:ext>
             <a:ext uri="{91240B29-F687-4f45-9708-019B960494DF}">
-              <a14:hiddenLine xmlns="" xmlns:a14="http://schemas.microsoft.com/office/drawing/2010/main" w="9525">
+              <a14:hiddenLine xmlns:a14="http://schemas.microsoft.com/office/drawing/2010/main" xmlns="" w="9525">
                 <a:solidFill>
                   <a:schemeClr val="tx1"/>
                 </a:solidFill>
@@ -6992,7 +6988,7 @@
               </a14:hiddenLine>
             </a:ext>
             <a:ext uri="{AF507438-7753-43e0-B8FC-AC1667EBCBE1}">
-              <a14:hiddenEffects xmlns="" xmlns:a14="http://schemas.microsoft.com/office/drawing/2010/main">
+              <a14:hiddenEffects xmlns:a14="http://schemas.microsoft.com/office/drawing/2010/main" xmlns="">
                 <a:effectLst>
                   <a:outerShdw blurRad="63500" dist="38099" dir="2700000" algn="ctr" rotWithShape="0">
                     <a:schemeClr val="bg2">
@@ -7073,17 +7069,17 @@
           <a:effectLst/>
           <a:extLst>
             <a:ext uri="{FAA26D3D-D897-4be2-8F04-BA451C77F1D7}">
-              <ma14:placeholderFlag xmlns:ma14="http://schemas.microsoft.com/office/mac/drawingml/2011/main" xmlns="" val="1"/>
+              <ma14:placeholderFlag xmlns="" xmlns:ma14="http://schemas.microsoft.com/office/mac/drawingml/2011/main" val="1"/>
             </a:ext>
             <a:ext uri="{909E8E84-426E-40dd-AFC4-6F175D3DCCD1}">
-              <a14:hiddenFill xmlns="" xmlns:a14="http://schemas.microsoft.com/office/drawing/2010/main">
+              <a14:hiddenFill xmlns:a14="http://schemas.microsoft.com/office/drawing/2010/main" xmlns="">
                 <a:solidFill>
                   <a:schemeClr val="accent1"/>
                 </a:solidFill>
               </a14:hiddenFill>
             </a:ext>
             <a:ext uri="{91240B29-F687-4f45-9708-019B960494DF}">
-              <a14:hiddenLine xmlns="" xmlns:a14="http://schemas.microsoft.com/office/drawing/2010/main" w="9525">
+              <a14:hiddenLine xmlns:a14="http://schemas.microsoft.com/office/drawing/2010/main" xmlns="" w="9525">
                 <a:solidFill>
                   <a:schemeClr val="tx1"/>
                 </a:solidFill>
@@ -7093,7 +7089,7 @@
               </a14:hiddenLine>
             </a:ext>
             <a:ext uri="{AF507438-7753-43e0-B8FC-AC1667EBCBE1}">
-              <a14:hiddenEffects xmlns="" xmlns:a14="http://schemas.microsoft.com/office/drawing/2010/main">
+              <a14:hiddenEffects xmlns:a14="http://schemas.microsoft.com/office/drawing/2010/main" xmlns="">
                 <a:effectLst>
                   <a:outerShdw blurRad="63500" dist="38099" dir="2700000" algn="ctr" rotWithShape="0">
                     <a:schemeClr val="bg2">
@@ -7146,17 +7142,17 @@
           <a:effectLst/>
           <a:extLst>
             <a:ext uri="{FAA26D3D-D897-4be2-8F04-BA451C77F1D7}">
-              <ma14:placeholderFlag xmlns:ma14="http://schemas.microsoft.com/office/mac/drawingml/2011/main" xmlns="" val="1"/>
+              <ma14:placeholderFlag xmlns="" xmlns:ma14="http://schemas.microsoft.com/office/mac/drawingml/2011/main" val="1"/>
             </a:ext>
             <a:ext uri="{909E8E84-426E-40dd-AFC4-6F175D3DCCD1}">
-              <a14:hiddenFill xmlns="" xmlns:a14="http://schemas.microsoft.com/office/drawing/2010/main">
+              <a14:hiddenFill xmlns:a14="http://schemas.microsoft.com/office/drawing/2010/main" xmlns="">
                 <a:solidFill>
                   <a:schemeClr val="accent1"/>
                 </a:solidFill>
               </a14:hiddenFill>
             </a:ext>
             <a:ext uri="{91240B29-F687-4f45-9708-019B960494DF}">
-              <a14:hiddenLine xmlns="" xmlns:a14="http://schemas.microsoft.com/office/drawing/2010/main" w="9525">
+              <a14:hiddenLine xmlns:a14="http://schemas.microsoft.com/office/drawing/2010/main" xmlns="" w="9525">
                 <a:solidFill>
                   <a:schemeClr val="tx1"/>
                 </a:solidFill>
@@ -7166,7 +7162,7 @@
               </a14:hiddenLine>
             </a:ext>
             <a:ext uri="{AF507438-7753-43e0-B8FC-AC1667EBCBE1}">
-              <a14:hiddenEffects xmlns="" xmlns:a14="http://schemas.microsoft.com/office/drawing/2010/main">
+              <a14:hiddenEffects xmlns:a14="http://schemas.microsoft.com/office/drawing/2010/main" xmlns="">
                 <a:effectLst>
                   <a:outerShdw blurRad="63500" dist="38099" dir="2700000" algn="ctr" rotWithShape="0">
                     <a:schemeClr val="bg2">
@@ -7219,17 +7215,17 @@
           <a:effectLst/>
           <a:extLst>
             <a:ext uri="{FAA26D3D-D897-4be2-8F04-BA451C77F1D7}">
-              <ma14:placeholderFlag xmlns:ma14="http://schemas.microsoft.com/office/mac/drawingml/2011/main" xmlns="" val="1"/>
+              <ma14:placeholderFlag xmlns="" xmlns:ma14="http://schemas.microsoft.com/office/mac/drawingml/2011/main" val="1"/>
             </a:ext>
             <a:ext uri="{909E8E84-426E-40dd-AFC4-6F175D3DCCD1}">
-              <a14:hiddenFill xmlns="" xmlns:a14="http://schemas.microsoft.com/office/drawing/2010/main">
+              <a14:hiddenFill xmlns:a14="http://schemas.microsoft.com/office/drawing/2010/main" xmlns="">
                 <a:solidFill>
                   <a:schemeClr val="accent1"/>
                 </a:solidFill>
               </a14:hiddenFill>
             </a:ext>
             <a:ext uri="{91240B29-F687-4f45-9708-019B960494DF}">
-              <a14:hiddenLine xmlns="" xmlns:a14="http://schemas.microsoft.com/office/drawing/2010/main" w="9525">
+              <a14:hiddenLine xmlns:a14="http://schemas.microsoft.com/office/drawing/2010/main" xmlns="" w="9525">
                 <a:solidFill>
                   <a:schemeClr val="tx1"/>
                 </a:solidFill>
@@ -7239,7 +7235,7 @@
               </a14:hiddenLine>
             </a:ext>
             <a:ext uri="{AF507438-7753-43e0-B8FC-AC1667EBCBE1}">
-              <a14:hiddenEffects xmlns="" xmlns:a14="http://schemas.microsoft.com/office/drawing/2010/main">
+              <a14:hiddenEffects xmlns:a14="http://schemas.microsoft.com/office/drawing/2010/main" xmlns="">
                 <a:effectLst>
                   <a:outerShdw blurRad="63500" dist="38099" dir="2700000" algn="ctr" rotWithShape="0">
                     <a:schemeClr val="bg2">
@@ -7313,7 +7309,7 @@
             <a:effectLst/>
             <a:extLst>
               <a:ext uri="{91240B29-F687-4f45-9708-019B960494DF}">
-                <a14:hiddenLine xmlns="" xmlns:a14="http://schemas.microsoft.com/office/drawing/2010/main" w="9525">
+                <a14:hiddenLine xmlns:a14="http://schemas.microsoft.com/office/drawing/2010/main" xmlns="" w="9525">
                   <a:solidFill>
                     <a:schemeClr val="tx1"/>
                   </a:solidFill>
@@ -7323,7 +7319,7 @@
                 </a14:hiddenLine>
               </a:ext>
               <a:ext uri="{AF507438-7753-43e0-B8FC-AC1667EBCBE1}">
-                <a14:hiddenEffects xmlns="" xmlns:a14="http://schemas.microsoft.com/office/drawing/2010/main">
+                <a14:hiddenEffects xmlns:a14="http://schemas.microsoft.com/office/drawing/2010/main" xmlns="">
                   <a:effectLst>
                     <a:outerShdw blurRad="63500" dist="38099" dir="2700000" algn="ctr" rotWithShape="0">
                       <a:schemeClr val="bg2">
@@ -7368,7 +7364,7 @@
             <a:effectLst/>
             <a:extLst>
               <a:ext uri="{91240B29-F687-4f45-9708-019B960494DF}">
-                <a14:hiddenLine xmlns="" xmlns:a14="http://schemas.microsoft.com/office/drawing/2010/main" w="9525">
+                <a14:hiddenLine xmlns:a14="http://schemas.microsoft.com/office/drawing/2010/main" xmlns="" w="9525">
                   <a:solidFill>
                     <a:schemeClr val="tx1"/>
                   </a:solidFill>
@@ -7378,7 +7374,7 @@
                 </a14:hiddenLine>
               </a:ext>
               <a:ext uri="{AF507438-7753-43e0-B8FC-AC1667EBCBE1}">
-                <a14:hiddenEffects xmlns="" xmlns:a14="http://schemas.microsoft.com/office/drawing/2010/main">
+                <a14:hiddenEffects xmlns:a14="http://schemas.microsoft.com/office/drawing/2010/main" xmlns="">
                   <a:effectLst>
                     <a:outerShdw blurRad="63500" dist="38099" dir="2700000" algn="ctr" rotWithShape="0">
                       <a:schemeClr val="bg2">
@@ -7423,7 +7419,7 @@
             <a:effectLst/>
             <a:extLst>
               <a:ext uri="{91240B29-F687-4f45-9708-019B960494DF}">
-                <a14:hiddenLine xmlns="" xmlns:a14="http://schemas.microsoft.com/office/drawing/2010/main" w="9525">
+                <a14:hiddenLine xmlns:a14="http://schemas.microsoft.com/office/drawing/2010/main" xmlns="" w="9525">
                   <a:solidFill>
                     <a:schemeClr val="tx1"/>
                   </a:solidFill>
@@ -7433,7 +7429,7 @@
                 </a14:hiddenLine>
               </a:ext>
               <a:ext uri="{AF507438-7753-43e0-B8FC-AC1667EBCBE1}">
-                <a14:hiddenEffects xmlns="" xmlns:a14="http://schemas.microsoft.com/office/drawing/2010/main">
+                <a14:hiddenEffects xmlns:a14="http://schemas.microsoft.com/office/drawing/2010/main" xmlns="">
                   <a:effectLst>
                     <a:outerShdw blurRad="63500" dist="38099" dir="2700000" algn="ctr" rotWithShape="0">
                       <a:schemeClr val="bg2">
@@ -7478,7 +7474,7 @@
             <a:effectLst/>
             <a:extLst>
               <a:ext uri="{91240B29-F687-4f45-9708-019B960494DF}">
-                <a14:hiddenLine xmlns="" xmlns:a14="http://schemas.microsoft.com/office/drawing/2010/main" w="9525">
+                <a14:hiddenLine xmlns:a14="http://schemas.microsoft.com/office/drawing/2010/main" xmlns="" w="9525">
                   <a:solidFill>
                     <a:schemeClr val="tx1"/>
                   </a:solidFill>
@@ -7488,7 +7484,7 @@
                 </a14:hiddenLine>
               </a:ext>
               <a:ext uri="{AF507438-7753-43e0-B8FC-AC1667EBCBE1}">
-                <a14:hiddenEffects xmlns="" xmlns:a14="http://schemas.microsoft.com/office/drawing/2010/main">
+                <a14:hiddenEffects xmlns:a14="http://schemas.microsoft.com/office/drawing/2010/main" xmlns="">
                   <a:effectLst>
                     <a:outerShdw blurRad="63500" dist="38099" dir="2700000" algn="ctr" rotWithShape="0">
                       <a:schemeClr val="bg2">
@@ -7533,7 +7529,7 @@
             <a:effectLst/>
             <a:extLst>
               <a:ext uri="{91240B29-F687-4f45-9708-019B960494DF}">
-                <a14:hiddenLine xmlns="" xmlns:a14="http://schemas.microsoft.com/office/drawing/2010/main" w="9525">
+                <a14:hiddenLine xmlns:a14="http://schemas.microsoft.com/office/drawing/2010/main" xmlns="" w="9525">
                   <a:solidFill>
                     <a:schemeClr val="tx1"/>
                   </a:solidFill>
@@ -7543,7 +7539,7 @@
                 </a14:hiddenLine>
               </a:ext>
               <a:ext uri="{AF507438-7753-43e0-B8FC-AC1667EBCBE1}">
-                <a14:hiddenEffects xmlns="" xmlns:a14="http://schemas.microsoft.com/office/drawing/2010/main">
+                <a14:hiddenEffects xmlns:a14="http://schemas.microsoft.com/office/drawing/2010/main" xmlns="">
                   <a:effectLst>
                     <a:outerShdw blurRad="63500" dist="38099" dir="2700000" algn="ctr" rotWithShape="0">
                       <a:schemeClr val="bg2">
@@ -7588,7 +7584,7 @@
             <a:effectLst/>
             <a:extLst>
               <a:ext uri="{91240B29-F687-4f45-9708-019B960494DF}">
-                <a14:hiddenLine xmlns="" xmlns:a14="http://schemas.microsoft.com/office/drawing/2010/main" w="9525">
+                <a14:hiddenLine xmlns:a14="http://schemas.microsoft.com/office/drawing/2010/main" xmlns="" w="9525">
                   <a:solidFill>
                     <a:schemeClr val="tx1"/>
                   </a:solidFill>
@@ -7598,7 +7594,7 @@
                 </a14:hiddenLine>
               </a:ext>
               <a:ext uri="{AF507438-7753-43e0-B8FC-AC1667EBCBE1}">
-                <a14:hiddenEffects xmlns="" xmlns:a14="http://schemas.microsoft.com/office/drawing/2010/main">
+                <a14:hiddenEffects xmlns:a14="http://schemas.microsoft.com/office/drawing/2010/main" xmlns="">
                   <a:effectLst>
                     <a:outerShdw blurRad="63500" dist="38099" dir="2700000" algn="ctr" rotWithShape="0">
                       <a:schemeClr val="bg2">
@@ -7643,7 +7639,7 @@
             <a:effectLst/>
             <a:extLst>
               <a:ext uri="{91240B29-F687-4f45-9708-019B960494DF}">
-                <a14:hiddenLine xmlns="" xmlns:a14="http://schemas.microsoft.com/office/drawing/2010/main" w="9525">
+                <a14:hiddenLine xmlns:a14="http://schemas.microsoft.com/office/drawing/2010/main" xmlns="" w="9525">
                   <a:solidFill>
                     <a:schemeClr val="tx1"/>
                   </a:solidFill>
@@ -7653,7 +7649,7 @@
                 </a14:hiddenLine>
               </a:ext>
               <a:ext uri="{AF507438-7753-43e0-B8FC-AC1667EBCBE1}">
-                <a14:hiddenEffects xmlns="" xmlns:a14="http://schemas.microsoft.com/office/drawing/2010/main">
+                <a14:hiddenEffects xmlns:a14="http://schemas.microsoft.com/office/drawing/2010/main" xmlns="">
                   <a:effectLst>
                     <a:outerShdw blurRad="63500" dist="38099" dir="2700000" algn="ctr" rotWithShape="0">
                       <a:schemeClr val="bg2">
@@ -7698,7 +7694,7 @@
             <a:effectLst/>
             <a:extLst>
               <a:ext uri="{91240B29-F687-4f45-9708-019B960494DF}">
-                <a14:hiddenLine xmlns="" xmlns:a14="http://schemas.microsoft.com/office/drawing/2010/main" w="9525">
+                <a14:hiddenLine xmlns:a14="http://schemas.microsoft.com/office/drawing/2010/main" xmlns="" w="9525">
                   <a:solidFill>
                     <a:schemeClr val="tx1"/>
                   </a:solidFill>
@@ -7708,7 +7704,7 @@
                 </a14:hiddenLine>
               </a:ext>
               <a:ext uri="{AF507438-7753-43e0-B8FC-AC1667EBCBE1}">
-                <a14:hiddenEffects xmlns="" xmlns:a14="http://schemas.microsoft.com/office/drawing/2010/main">
+                <a14:hiddenEffects xmlns:a14="http://schemas.microsoft.com/office/drawing/2010/main" xmlns="">
                   <a:effectLst>
                     <a:outerShdw blurRad="63500" dist="38099" dir="2700000" algn="ctr" rotWithShape="0">
                       <a:schemeClr val="bg2">
@@ -7753,7 +7749,7 @@
             <a:effectLst/>
             <a:extLst>
               <a:ext uri="{91240B29-F687-4f45-9708-019B960494DF}">
-                <a14:hiddenLine xmlns="" xmlns:a14="http://schemas.microsoft.com/office/drawing/2010/main" w="9525">
+                <a14:hiddenLine xmlns:a14="http://schemas.microsoft.com/office/drawing/2010/main" xmlns="" w="9525">
                   <a:solidFill>
                     <a:schemeClr val="tx1"/>
                   </a:solidFill>
@@ -7763,7 +7759,7 @@
                 </a14:hiddenLine>
               </a:ext>
               <a:ext uri="{AF507438-7753-43e0-B8FC-AC1667EBCBE1}">
-                <a14:hiddenEffects xmlns="" xmlns:a14="http://schemas.microsoft.com/office/drawing/2010/main">
+                <a14:hiddenEffects xmlns:a14="http://schemas.microsoft.com/office/drawing/2010/main" xmlns="">
                   <a:effectLst>
                     <a:outerShdw blurRad="63500" dist="38099" dir="2700000" algn="ctr" rotWithShape="0">
                       <a:schemeClr val="bg2">
@@ -7808,7 +7804,7 @@
             <a:effectLst/>
             <a:extLst>
               <a:ext uri="{91240B29-F687-4f45-9708-019B960494DF}">
-                <a14:hiddenLine xmlns="" xmlns:a14="http://schemas.microsoft.com/office/drawing/2010/main" w="9525">
+                <a14:hiddenLine xmlns:a14="http://schemas.microsoft.com/office/drawing/2010/main" xmlns="" w="9525">
                   <a:solidFill>
                     <a:schemeClr val="tx1"/>
                   </a:solidFill>
@@ -7818,7 +7814,7 @@
                 </a14:hiddenLine>
               </a:ext>
               <a:ext uri="{AF507438-7753-43e0-B8FC-AC1667EBCBE1}">
-                <a14:hiddenEffects xmlns="" xmlns:a14="http://schemas.microsoft.com/office/drawing/2010/main">
+                <a14:hiddenEffects xmlns:a14="http://schemas.microsoft.com/office/drawing/2010/main" xmlns="">
                   <a:effectLst>
                     <a:outerShdw blurRad="63500" dist="38099" dir="2700000" algn="ctr" rotWithShape="0">
                       <a:schemeClr val="bg2">
@@ -7863,7 +7859,7 @@
             <a:effectLst/>
             <a:extLst>
               <a:ext uri="{91240B29-F687-4f45-9708-019B960494DF}">
-                <a14:hiddenLine xmlns="" xmlns:a14="http://schemas.microsoft.com/office/drawing/2010/main" w="9525">
+                <a14:hiddenLine xmlns:a14="http://schemas.microsoft.com/office/drawing/2010/main" xmlns="" w="9525">
                   <a:solidFill>
                     <a:schemeClr val="tx1"/>
                   </a:solidFill>
@@ -7873,7 +7869,7 @@
                 </a14:hiddenLine>
               </a:ext>
               <a:ext uri="{AF507438-7753-43e0-B8FC-AC1667EBCBE1}">
-                <a14:hiddenEffects xmlns="" xmlns:a14="http://schemas.microsoft.com/office/drawing/2010/main">
+                <a14:hiddenEffects xmlns:a14="http://schemas.microsoft.com/office/drawing/2010/main" xmlns="">
                   <a:effectLst>
                     <a:outerShdw blurRad="63500" dist="38099" dir="2700000" algn="ctr" rotWithShape="0">
                       <a:schemeClr val="bg2">
@@ -7918,7 +7914,7 @@
             <a:effectLst/>
             <a:extLst>
               <a:ext uri="{91240B29-F687-4f45-9708-019B960494DF}">
-                <a14:hiddenLine xmlns="" xmlns:a14="http://schemas.microsoft.com/office/drawing/2010/main" w="9525">
+                <a14:hiddenLine xmlns:a14="http://schemas.microsoft.com/office/drawing/2010/main" xmlns="" w="9525">
                   <a:solidFill>
                     <a:schemeClr val="tx1"/>
                   </a:solidFill>
@@ -7928,7 +7924,7 @@
                 </a14:hiddenLine>
               </a:ext>
               <a:ext uri="{AF507438-7753-43e0-B8FC-AC1667EBCBE1}">
-                <a14:hiddenEffects xmlns="" xmlns:a14="http://schemas.microsoft.com/office/drawing/2010/main">
+                <a14:hiddenEffects xmlns:a14="http://schemas.microsoft.com/office/drawing/2010/main" xmlns="">
                   <a:effectLst>
                     <a:outerShdw blurRad="63500" dist="38099" dir="2700000" algn="ctr" rotWithShape="0">
                       <a:schemeClr val="bg2">
@@ -7973,7 +7969,7 @@
             <a:effectLst/>
             <a:extLst>
               <a:ext uri="{91240B29-F687-4f45-9708-019B960494DF}">
-                <a14:hiddenLine xmlns="" xmlns:a14="http://schemas.microsoft.com/office/drawing/2010/main" w="9525">
+                <a14:hiddenLine xmlns:a14="http://schemas.microsoft.com/office/drawing/2010/main" xmlns="" w="9525">
                   <a:solidFill>
                     <a:schemeClr val="tx1"/>
                   </a:solidFill>
@@ -7983,7 +7979,7 @@
                 </a14:hiddenLine>
               </a:ext>
               <a:ext uri="{AF507438-7753-43e0-B8FC-AC1667EBCBE1}">
-                <a14:hiddenEffects xmlns="" xmlns:a14="http://schemas.microsoft.com/office/drawing/2010/main">
+                <a14:hiddenEffects xmlns:a14="http://schemas.microsoft.com/office/drawing/2010/main" xmlns="">
                   <a:effectLst>
                     <a:outerShdw blurRad="63500" dist="38099" dir="2700000" algn="ctr" rotWithShape="0">
                       <a:schemeClr val="bg2">
@@ -8028,7 +8024,7 @@
             <a:effectLst/>
             <a:extLst>
               <a:ext uri="{91240B29-F687-4f45-9708-019B960494DF}">
-                <a14:hiddenLine xmlns="" xmlns:a14="http://schemas.microsoft.com/office/drawing/2010/main" w="9525">
+                <a14:hiddenLine xmlns:a14="http://schemas.microsoft.com/office/drawing/2010/main" xmlns="" w="9525">
                   <a:solidFill>
                     <a:schemeClr val="tx1"/>
                   </a:solidFill>
@@ -8038,7 +8034,7 @@
                 </a14:hiddenLine>
               </a:ext>
               <a:ext uri="{AF507438-7753-43e0-B8FC-AC1667EBCBE1}">
-                <a14:hiddenEffects xmlns="" xmlns:a14="http://schemas.microsoft.com/office/drawing/2010/main">
+                <a14:hiddenEffects xmlns:a14="http://schemas.microsoft.com/office/drawing/2010/main" xmlns="">
                   <a:effectLst>
                     <a:outerShdw blurRad="63500" dist="38099" dir="2700000" algn="ctr" rotWithShape="0">
                       <a:schemeClr val="bg2">
@@ -8083,7 +8079,7 @@
             <a:effectLst/>
             <a:extLst>
               <a:ext uri="{91240B29-F687-4f45-9708-019B960494DF}">
-                <a14:hiddenLine xmlns="" xmlns:a14="http://schemas.microsoft.com/office/drawing/2010/main" w="9525">
+                <a14:hiddenLine xmlns:a14="http://schemas.microsoft.com/office/drawing/2010/main" xmlns="" w="9525">
                   <a:solidFill>
                     <a:schemeClr val="tx1"/>
                   </a:solidFill>
@@ -8093,7 +8089,7 @@
                 </a14:hiddenLine>
               </a:ext>
               <a:ext uri="{AF507438-7753-43e0-B8FC-AC1667EBCBE1}">
-                <a14:hiddenEffects xmlns="" xmlns:a14="http://schemas.microsoft.com/office/drawing/2010/main">
+                <a14:hiddenEffects xmlns:a14="http://schemas.microsoft.com/office/drawing/2010/main" xmlns="">
                   <a:effectLst>
                     <a:outerShdw blurRad="63500" dist="38099" dir="2700000" algn="ctr" rotWithShape="0">
                       <a:schemeClr val="bg2">
@@ -8138,7 +8134,7 @@
             <a:effectLst/>
             <a:extLst>
               <a:ext uri="{91240B29-F687-4f45-9708-019B960494DF}">
-                <a14:hiddenLine xmlns="" xmlns:a14="http://schemas.microsoft.com/office/drawing/2010/main" w="9525">
+                <a14:hiddenLine xmlns:a14="http://schemas.microsoft.com/office/drawing/2010/main" xmlns="" w="9525">
                   <a:solidFill>
                     <a:schemeClr val="tx1"/>
                   </a:solidFill>
@@ -8148,7 +8144,7 @@
                 </a14:hiddenLine>
               </a:ext>
               <a:ext uri="{AF507438-7753-43e0-B8FC-AC1667EBCBE1}">
-                <a14:hiddenEffects xmlns="" xmlns:a14="http://schemas.microsoft.com/office/drawing/2010/main">
+                <a14:hiddenEffects xmlns:a14="http://schemas.microsoft.com/office/drawing/2010/main" xmlns="">
                   <a:effectLst>
                     <a:outerShdw blurRad="63500" dist="38099" dir="2700000" algn="ctr" rotWithShape="0">
                       <a:schemeClr val="bg2">
@@ -8193,7 +8189,7 @@
             <a:effectLst/>
             <a:extLst>
               <a:ext uri="{91240B29-F687-4f45-9708-019B960494DF}">
-                <a14:hiddenLine xmlns="" xmlns:a14="http://schemas.microsoft.com/office/drawing/2010/main" w="9525">
+                <a14:hiddenLine xmlns:a14="http://schemas.microsoft.com/office/drawing/2010/main" xmlns="" w="9525">
                   <a:solidFill>
                     <a:schemeClr val="tx1"/>
                   </a:solidFill>
@@ -8203,7 +8199,7 @@
                 </a14:hiddenLine>
               </a:ext>
               <a:ext uri="{AF507438-7753-43e0-B8FC-AC1667EBCBE1}">
-                <a14:hiddenEffects xmlns="" xmlns:a14="http://schemas.microsoft.com/office/drawing/2010/main">
+                <a14:hiddenEffects xmlns:a14="http://schemas.microsoft.com/office/drawing/2010/main" xmlns="">
                   <a:effectLst>
                     <a:outerShdw blurRad="63500" dist="38099" dir="2700000" algn="ctr" rotWithShape="0">
                       <a:schemeClr val="bg2">
@@ -8248,7 +8244,7 @@
             <a:effectLst/>
             <a:extLst>
               <a:ext uri="{91240B29-F687-4f45-9708-019B960494DF}">
-                <a14:hiddenLine xmlns="" xmlns:a14="http://schemas.microsoft.com/office/drawing/2010/main" w="9525">
+                <a14:hiddenLine xmlns:a14="http://schemas.microsoft.com/office/drawing/2010/main" xmlns="" w="9525">
                   <a:solidFill>
                     <a:schemeClr val="tx1"/>
                   </a:solidFill>
@@ -8258,7 +8254,7 @@
                 </a14:hiddenLine>
               </a:ext>
               <a:ext uri="{AF507438-7753-43e0-B8FC-AC1667EBCBE1}">
-                <a14:hiddenEffects xmlns="" xmlns:a14="http://schemas.microsoft.com/office/drawing/2010/main">
+                <a14:hiddenEffects xmlns:a14="http://schemas.microsoft.com/office/drawing/2010/main" xmlns="">
                   <a:effectLst>
                     <a:outerShdw blurRad="63500" dist="38099" dir="2700000" algn="ctr" rotWithShape="0">
                       <a:schemeClr val="bg2">
@@ -8303,7 +8299,7 @@
             <a:effectLst/>
             <a:extLst>
               <a:ext uri="{91240B29-F687-4f45-9708-019B960494DF}">
-                <a14:hiddenLine xmlns="" xmlns:a14="http://schemas.microsoft.com/office/drawing/2010/main" w="9525">
+                <a14:hiddenLine xmlns:a14="http://schemas.microsoft.com/office/drawing/2010/main" xmlns="" w="9525">
                   <a:solidFill>
                     <a:schemeClr val="tx1"/>
                   </a:solidFill>
@@ -8313,7 +8309,7 @@
                 </a14:hiddenLine>
               </a:ext>
               <a:ext uri="{AF507438-7753-43e0-B8FC-AC1667EBCBE1}">
-                <a14:hiddenEffects xmlns="" xmlns:a14="http://schemas.microsoft.com/office/drawing/2010/main">
+                <a14:hiddenEffects xmlns:a14="http://schemas.microsoft.com/office/drawing/2010/main" xmlns="">
                   <a:effectLst>
                     <a:outerShdw blurRad="63500" dist="38099" dir="2700000" algn="ctr" rotWithShape="0">
                       <a:schemeClr val="bg2">
@@ -8358,7 +8354,7 @@
             <a:effectLst/>
             <a:extLst>
               <a:ext uri="{91240B29-F687-4f45-9708-019B960494DF}">
-                <a14:hiddenLine xmlns="" xmlns:a14="http://schemas.microsoft.com/office/drawing/2010/main" w="9525">
+                <a14:hiddenLine xmlns:a14="http://schemas.microsoft.com/office/drawing/2010/main" xmlns="" w="9525">
                   <a:solidFill>
                     <a:schemeClr val="tx1"/>
                   </a:solidFill>
@@ -8368,7 +8364,7 @@
                 </a14:hiddenLine>
               </a:ext>
               <a:ext uri="{AF507438-7753-43e0-B8FC-AC1667EBCBE1}">
-                <a14:hiddenEffects xmlns="" xmlns:a14="http://schemas.microsoft.com/office/drawing/2010/main">
+                <a14:hiddenEffects xmlns:a14="http://schemas.microsoft.com/office/drawing/2010/main" xmlns="">
                   <a:effectLst>
                     <a:outerShdw blurRad="63500" dist="38099" dir="2700000" algn="ctr" rotWithShape="0">
                       <a:schemeClr val="bg2">
@@ -8413,7 +8409,7 @@
             <a:effectLst/>
             <a:extLst>
               <a:ext uri="{91240B29-F687-4f45-9708-019B960494DF}">
-                <a14:hiddenLine xmlns="" xmlns:a14="http://schemas.microsoft.com/office/drawing/2010/main" w="9525">
+                <a14:hiddenLine xmlns:a14="http://schemas.microsoft.com/office/drawing/2010/main" xmlns="" w="9525">
                   <a:solidFill>
                     <a:schemeClr val="tx1"/>
                   </a:solidFill>
@@ -8423,7 +8419,7 @@
                 </a14:hiddenLine>
               </a:ext>
               <a:ext uri="{AF507438-7753-43e0-B8FC-AC1667EBCBE1}">
-                <a14:hiddenEffects xmlns="" xmlns:a14="http://schemas.microsoft.com/office/drawing/2010/main">
+                <a14:hiddenEffects xmlns:a14="http://schemas.microsoft.com/office/drawing/2010/main" xmlns="">
                   <a:effectLst>
                     <a:outerShdw blurRad="63500" dist="38099" dir="2700000" algn="ctr" rotWithShape="0">
                       <a:schemeClr val="bg2">
@@ -8468,7 +8464,7 @@
             <a:effectLst/>
             <a:extLst>
               <a:ext uri="{91240B29-F687-4f45-9708-019B960494DF}">
-                <a14:hiddenLine xmlns="" xmlns:a14="http://schemas.microsoft.com/office/drawing/2010/main" w="9525">
+                <a14:hiddenLine xmlns:a14="http://schemas.microsoft.com/office/drawing/2010/main" xmlns="" w="9525">
                   <a:solidFill>
                     <a:schemeClr val="tx1"/>
                   </a:solidFill>
@@ -8478,7 +8474,7 @@
                 </a14:hiddenLine>
               </a:ext>
               <a:ext uri="{AF507438-7753-43e0-B8FC-AC1667EBCBE1}">
-                <a14:hiddenEffects xmlns="" xmlns:a14="http://schemas.microsoft.com/office/drawing/2010/main">
+                <a14:hiddenEffects xmlns:a14="http://schemas.microsoft.com/office/drawing/2010/main" xmlns="">
                   <a:effectLst>
                     <a:outerShdw blurRad="63500" dist="38099" dir="2700000" algn="ctr" rotWithShape="0">
                       <a:schemeClr val="bg2">
@@ -8523,7 +8519,7 @@
             <a:effectLst/>
             <a:extLst>
               <a:ext uri="{91240B29-F687-4f45-9708-019B960494DF}">
-                <a14:hiddenLine xmlns="" xmlns:a14="http://schemas.microsoft.com/office/drawing/2010/main" w="9525">
+                <a14:hiddenLine xmlns:a14="http://schemas.microsoft.com/office/drawing/2010/main" xmlns="" w="9525">
                   <a:solidFill>
                     <a:schemeClr val="tx1"/>
                   </a:solidFill>
@@ -8533,7 +8529,7 @@
                 </a14:hiddenLine>
               </a:ext>
               <a:ext uri="{AF507438-7753-43e0-B8FC-AC1667EBCBE1}">
-                <a14:hiddenEffects xmlns="" xmlns:a14="http://schemas.microsoft.com/office/drawing/2010/main">
+                <a14:hiddenEffects xmlns:a14="http://schemas.microsoft.com/office/drawing/2010/main" xmlns="">
                   <a:effectLst>
                     <a:outerShdw blurRad="63500" dist="38099" dir="2700000" algn="ctr" rotWithShape="0">
                       <a:schemeClr val="bg2">
@@ -8578,7 +8574,7 @@
             <a:effectLst/>
             <a:extLst>
               <a:ext uri="{91240B29-F687-4f45-9708-019B960494DF}">
-                <a14:hiddenLine xmlns="" xmlns:a14="http://schemas.microsoft.com/office/drawing/2010/main" w="9525">
+                <a14:hiddenLine xmlns:a14="http://schemas.microsoft.com/office/drawing/2010/main" xmlns="" w="9525">
                   <a:solidFill>
                     <a:schemeClr val="tx1"/>
                   </a:solidFill>
@@ -8588,7 +8584,7 @@
                 </a14:hiddenLine>
               </a:ext>
               <a:ext uri="{AF507438-7753-43e0-B8FC-AC1667EBCBE1}">
-                <a14:hiddenEffects xmlns="" xmlns:a14="http://schemas.microsoft.com/office/drawing/2010/main">
+                <a14:hiddenEffects xmlns:a14="http://schemas.microsoft.com/office/drawing/2010/main" xmlns="">
                   <a:effectLst>
                     <a:outerShdw blurRad="63500" dist="38099" dir="2700000" algn="ctr" rotWithShape="0">
                       <a:schemeClr val="bg2">
@@ -8633,7 +8629,7 @@
             <a:effectLst/>
             <a:extLst>
               <a:ext uri="{91240B29-F687-4f45-9708-019B960494DF}">
-                <a14:hiddenLine xmlns="" xmlns:a14="http://schemas.microsoft.com/office/drawing/2010/main" w="9525">
+                <a14:hiddenLine xmlns:a14="http://schemas.microsoft.com/office/drawing/2010/main" xmlns="" w="9525">
                   <a:solidFill>
                     <a:schemeClr val="tx1"/>
                   </a:solidFill>
@@ -8643,7 +8639,7 @@
                 </a14:hiddenLine>
               </a:ext>
               <a:ext uri="{AF507438-7753-43e0-B8FC-AC1667EBCBE1}">
-                <a14:hiddenEffects xmlns="" xmlns:a14="http://schemas.microsoft.com/office/drawing/2010/main">
+                <a14:hiddenEffects xmlns:a14="http://schemas.microsoft.com/office/drawing/2010/main" xmlns="">
                   <a:effectLst>
                     <a:outerShdw blurRad="63500" dist="38099" dir="2700000" algn="ctr" rotWithShape="0">
                       <a:schemeClr val="bg2">
@@ -8688,7 +8684,7 @@
             <a:effectLst/>
             <a:extLst>
               <a:ext uri="{91240B29-F687-4f45-9708-019B960494DF}">
-                <a14:hiddenLine xmlns="" xmlns:a14="http://schemas.microsoft.com/office/drawing/2010/main" w="9525">
+                <a14:hiddenLine xmlns:a14="http://schemas.microsoft.com/office/drawing/2010/main" xmlns="" w="9525">
                   <a:solidFill>
                     <a:schemeClr val="tx1"/>
                   </a:solidFill>
@@ -8698,7 +8694,7 @@
                 </a14:hiddenLine>
               </a:ext>
               <a:ext uri="{AF507438-7753-43e0-B8FC-AC1667EBCBE1}">
-                <a14:hiddenEffects xmlns="" xmlns:a14="http://schemas.microsoft.com/office/drawing/2010/main">
+                <a14:hiddenEffects xmlns:a14="http://schemas.microsoft.com/office/drawing/2010/main" xmlns="">
                   <a:effectLst>
                     <a:outerShdw blurRad="63500" dist="38099" dir="2700000" algn="ctr" rotWithShape="0">
                       <a:schemeClr val="bg2">
@@ -8743,7 +8739,7 @@
             <a:effectLst/>
             <a:extLst>
               <a:ext uri="{91240B29-F687-4f45-9708-019B960494DF}">
-                <a14:hiddenLine xmlns="" xmlns:a14="http://schemas.microsoft.com/office/drawing/2010/main" w="9525">
+                <a14:hiddenLine xmlns:a14="http://schemas.microsoft.com/office/drawing/2010/main" xmlns="" w="9525">
                   <a:solidFill>
                     <a:schemeClr val="tx1"/>
                   </a:solidFill>
@@ -8753,7 +8749,7 @@
                 </a14:hiddenLine>
               </a:ext>
               <a:ext uri="{AF507438-7753-43e0-B8FC-AC1667EBCBE1}">
-                <a14:hiddenEffects xmlns="" xmlns:a14="http://schemas.microsoft.com/office/drawing/2010/main">
+                <a14:hiddenEffects xmlns:a14="http://schemas.microsoft.com/office/drawing/2010/main" xmlns="">
                   <a:effectLst>
                     <a:outerShdw blurRad="63500" dist="38099" dir="2700000" algn="ctr" rotWithShape="0">
                       <a:schemeClr val="bg2">
@@ -8798,7 +8794,7 @@
             <a:effectLst/>
             <a:extLst>
               <a:ext uri="{91240B29-F687-4f45-9708-019B960494DF}">
-                <a14:hiddenLine xmlns="" xmlns:a14="http://schemas.microsoft.com/office/drawing/2010/main" w="9525">
+                <a14:hiddenLine xmlns:a14="http://schemas.microsoft.com/office/drawing/2010/main" xmlns="" w="9525">
                   <a:solidFill>
                     <a:schemeClr val="tx1"/>
                   </a:solidFill>
@@ -8808,7 +8804,7 @@
                 </a14:hiddenLine>
               </a:ext>
               <a:ext uri="{AF507438-7753-43e0-B8FC-AC1667EBCBE1}">
-                <a14:hiddenEffects xmlns="" xmlns:a14="http://schemas.microsoft.com/office/drawing/2010/main">
+                <a14:hiddenEffects xmlns:a14="http://schemas.microsoft.com/office/drawing/2010/main" xmlns="">
                   <a:effectLst>
                     <a:outerShdw blurRad="63500" dist="38099" dir="2700000" algn="ctr" rotWithShape="0">
                       <a:schemeClr val="bg2">
@@ -8853,7 +8849,7 @@
             <a:effectLst/>
             <a:extLst>
               <a:ext uri="{91240B29-F687-4f45-9708-019B960494DF}">
-                <a14:hiddenLine xmlns="" xmlns:a14="http://schemas.microsoft.com/office/drawing/2010/main" w="9525">
+                <a14:hiddenLine xmlns:a14="http://schemas.microsoft.com/office/drawing/2010/main" xmlns="" w="9525">
                   <a:solidFill>
                     <a:schemeClr val="tx1"/>
                   </a:solidFill>
@@ -8863,7 +8859,7 @@
                 </a14:hiddenLine>
               </a:ext>
               <a:ext uri="{AF507438-7753-43e0-B8FC-AC1667EBCBE1}">
-                <a14:hiddenEffects xmlns="" xmlns:a14="http://schemas.microsoft.com/office/drawing/2010/main">
+                <a14:hiddenEffects xmlns:a14="http://schemas.microsoft.com/office/drawing/2010/main" xmlns="">
                   <a:effectLst>
                     <a:outerShdw blurRad="63500" dist="38099" dir="2700000" algn="ctr" rotWithShape="0">
                       <a:schemeClr val="bg2">
@@ -8908,7 +8904,7 @@
             <a:effectLst/>
             <a:extLst>
               <a:ext uri="{91240B29-F687-4f45-9708-019B960494DF}">
-                <a14:hiddenLine xmlns="" xmlns:a14="http://schemas.microsoft.com/office/drawing/2010/main" w="9525">
+                <a14:hiddenLine xmlns:a14="http://schemas.microsoft.com/office/drawing/2010/main" xmlns="" w="9525">
                   <a:solidFill>
                     <a:schemeClr val="tx1"/>
                   </a:solidFill>
@@ -8918,7 +8914,7 @@
                 </a14:hiddenLine>
               </a:ext>
               <a:ext uri="{AF507438-7753-43e0-B8FC-AC1667EBCBE1}">
-                <a14:hiddenEffects xmlns="" xmlns:a14="http://schemas.microsoft.com/office/drawing/2010/main">
+                <a14:hiddenEffects xmlns:a14="http://schemas.microsoft.com/office/drawing/2010/main" xmlns="">
                   <a:effectLst>
                     <a:outerShdw blurRad="63500" dist="38099" dir="2700000" algn="ctr" rotWithShape="0">
                       <a:schemeClr val="bg2">
@@ -8963,7 +8959,7 @@
             <a:effectLst/>
             <a:extLst>
               <a:ext uri="{91240B29-F687-4f45-9708-019B960494DF}">
-                <a14:hiddenLine xmlns="" xmlns:a14="http://schemas.microsoft.com/office/drawing/2010/main" w="9525">
+                <a14:hiddenLine xmlns:a14="http://schemas.microsoft.com/office/drawing/2010/main" xmlns="" w="9525">
                   <a:solidFill>
                     <a:schemeClr val="tx1"/>
                   </a:solidFill>
@@ -8973,7 +8969,7 @@
                 </a14:hiddenLine>
               </a:ext>
               <a:ext uri="{AF507438-7753-43e0-B8FC-AC1667EBCBE1}">
-                <a14:hiddenEffects xmlns="" xmlns:a14="http://schemas.microsoft.com/office/drawing/2010/main">
+                <a14:hiddenEffects xmlns:a14="http://schemas.microsoft.com/office/drawing/2010/main" xmlns="">
                   <a:effectLst>
                     <a:outerShdw blurRad="63500" dist="38099" dir="2700000" algn="ctr" rotWithShape="0">
                       <a:schemeClr val="bg2">
@@ -9821,7 +9817,7 @@
           </a:ln>
           <a:extLst>
             <a:ext uri="{909E8E84-426E-40dd-AFC4-6F175D3DCCD1}">
-              <a14:hiddenFill xmlns="" xmlns:a14="http://schemas.microsoft.com/office/drawing/2010/main">
+              <a14:hiddenFill xmlns:a14="http://schemas.microsoft.com/office/drawing/2010/main" xmlns="">
                 <a:noFill/>
               </a14:hiddenFill>
             </a:ext>
@@ -9850,14 +9846,14 @@
           </a:ln>
           <a:extLst>
             <a:ext uri="{909E8E84-426E-40dd-AFC4-6F175D3DCCD1}">
-              <a14:hiddenFill xmlns="" xmlns:a14="http://schemas.microsoft.com/office/drawing/2010/main">
+              <a14:hiddenFill xmlns:a14="http://schemas.microsoft.com/office/drawing/2010/main" xmlns="">
                 <a:solidFill>
                   <a:schemeClr val="accent1"/>
                 </a:solidFill>
               </a14:hiddenFill>
             </a:ext>
             <a:ext uri="{91240B29-F687-4f45-9708-019B960494DF}">
-              <a14:hiddenLine xmlns="" xmlns:a14="http://schemas.microsoft.com/office/drawing/2010/main" w="9525">
+              <a14:hiddenLine xmlns:a14="http://schemas.microsoft.com/office/drawing/2010/main" xmlns="" w="9525">
                 <a:solidFill>
                   <a:schemeClr val="tx1"/>
                 </a:solidFill>
@@ -9907,14 +9903,14 @@
           </a:ln>
           <a:extLst>
             <a:ext uri="{909E8E84-426E-40dd-AFC4-6F175D3DCCD1}">
-              <a14:hiddenFill xmlns="" xmlns:a14="http://schemas.microsoft.com/office/drawing/2010/main">
+              <a14:hiddenFill xmlns:a14="http://schemas.microsoft.com/office/drawing/2010/main" xmlns="">
                 <a:solidFill>
                   <a:schemeClr val="accent1"/>
                 </a:solidFill>
               </a14:hiddenFill>
             </a:ext>
             <a:ext uri="{91240B29-F687-4f45-9708-019B960494DF}">
-              <a14:hiddenLine xmlns="" xmlns:a14="http://schemas.microsoft.com/office/drawing/2010/main" w="9525">
+              <a14:hiddenLine xmlns:a14="http://schemas.microsoft.com/office/drawing/2010/main" xmlns="" w="9525">
                 <a:solidFill>
                   <a:schemeClr val="tx1"/>
                 </a:solidFill>
@@ -10739,7 +10735,7 @@
           <a:effectLst/>
           <a:extLst>
             <a:ext uri="{AF507438-7753-43e0-B8FC-AC1667EBCBE1}">
-              <a14:hiddenEffects xmlns="" xmlns:a14="http://schemas.microsoft.com/office/drawing/2010/main">
+              <a14:hiddenEffects xmlns:a14="http://schemas.microsoft.com/office/drawing/2010/main" xmlns="">
                 <a:effectLst>
                   <a:outerShdw blurRad="63500" dist="38099" dir="2700000" algn="ctr" rotWithShape="0">
                     <a:schemeClr val="bg2">
@@ -10927,7 +10923,7 @@
           </a:ln>
           <a:extLst>
             <a:ext uri="{909E8E84-426E-40dd-AFC4-6F175D3DCCD1}">
-              <a14:hiddenFill xmlns="" xmlns:a14="http://schemas.microsoft.com/office/drawing/2010/main">
+              <a14:hiddenFill xmlns:a14="http://schemas.microsoft.com/office/drawing/2010/main" xmlns="">
                 <a:solidFill>
                   <a:schemeClr val="accent1"/>
                 </a:solidFill>
@@ -12625,6 +12621,792 @@
       </p:grpSpPr>
       <p:sp>
         <p:nvSpPr>
+          <p:cNvPr id="20482" name="Rectangle 2"/>
+          <p:cNvSpPr>
+            <a:spLocks noGrp="1" noChangeArrowheads="1"/>
+          </p:cNvSpPr>
+          <p:nvPr>
+            <p:ph type="title"/>
+          </p:nvPr>
+        </p:nvSpPr>
+        <p:spPr/>
+        <p:txBody>
+          <a:bodyPr/>
+          <a:lstStyle/>
+          <a:p>
+            <a:r>
+              <a:rPr lang="en-US" dirty="0"/>
+              <a:t>Constructing a Parser by Hand</a:t>
+            </a:r>
+          </a:p>
+        </p:txBody>
+      </p:sp>
+      <p:sp>
+        <p:nvSpPr>
+          <p:cNvPr id="20483" name="Text Box 3"/>
+          <p:cNvSpPr txBox="1">
+            <a:spLocks noChangeArrowheads="1"/>
+          </p:cNvSpPr>
+          <p:nvPr/>
+        </p:nvSpPr>
+        <p:spPr bwMode="auto">
+          <a:xfrm>
+            <a:off x="857250" y="1922463"/>
+            <a:ext cx="3178875" cy="584776"/>
+          </a:xfrm>
+          <a:prstGeom prst="rect">
+            <a:avLst/>
+          </a:prstGeom>
+          <a:noFill/>
+          <a:ln>
+            <a:noFill/>
+          </a:ln>
+          <a:extLst>
+            <a:ext uri="{909E8E84-426E-40dd-AFC4-6F175D3DCCD1}">
+              <a14:hiddenFill xmlns:a14="http://schemas.microsoft.com/office/drawing/2010/main" xmlns="">
+                <a:solidFill>
+                  <a:schemeClr val="accent1"/>
+                </a:solidFill>
+              </a14:hiddenFill>
+            </a:ext>
+            <a:ext uri="{91240B29-F687-4f45-9708-019B960494DF}">
+              <a14:hiddenLine xmlns:a14="http://schemas.microsoft.com/office/drawing/2010/main" xmlns="" w="9525">
+                <a:solidFill>
+                  <a:schemeClr val="tx1"/>
+                </a:solidFill>
+                <a:miter lim="800000"/>
+                <a:headEnd/>
+                <a:tailEnd/>
+              </a14:hiddenLine>
+            </a:ext>
+          </a:extLst>
+        </p:spPr>
+        <p:txBody>
+          <a:bodyPr wrap="none">
+            <a:spAutoFit/>
+          </a:bodyPr>
+          <a:lstStyle/>
+          <a:p>
+            <a:r>
+              <a:rPr lang="en-US" sz="1600" dirty="0" err="1"/>
+              <a:t>stmt</a:t>
+            </a:r>
+            <a:r>
+              <a:rPr lang="en-US" sz="1600" dirty="0"/>
+              <a:t>	: </a:t>
+            </a:r>
+            <a:r>
+              <a:rPr lang="en-US" sz="1600" dirty="0">
+                <a:solidFill>
+                  <a:srgbClr val="FF0000"/>
+                </a:solidFill>
+              </a:rPr>
+              <a:t>{‘p’}</a:t>
+            </a:r>
+            <a:r>
+              <a:rPr lang="en-US" sz="1600" dirty="0"/>
+              <a:t>	'p' </a:t>
+            </a:r>
+            <a:r>
+              <a:rPr lang="en-US" sz="1600" dirty="0" err="1"/>
+              <a:t>exp</a:t>
+            </a:r>
+            <a:r>
+              <a:rPr lang="en-US" sz="1600" dirty="0"/>
+              <a:t> ';'</a:t>
+            </a:r>
+          </a:p>
+          <a:p>
+            <a:r>
+              <a:rPr lang="en-US" sz="1600" dirty="0"/>
+              <a:t>	| </a:t>
+            </a:r>
+            <a:r>
+              <a:rPr lang="en-US" sz="1600" dirty="0">
+                <a:solidFill>
+                  <a:srgbClr val="FF0000"/>
+                </a:solidFill>
+              </a:rPr>
+              <a:t>{‘s’}</a:t>
+            </a:r>
+            <a:r>
+              <a:rPr lang="en-US" sz="1600" dirty="0"/>
+              <a:t>	's’ </a:t>
+            </a:r>
+            <a:r>
+              <a:rPr lang="en-US" sz="1600" dirty="0" err="1"/>
+              <a:t>var</a:t>
+            </a:r>
+            <a:r>
+              <a:rPr lang="en-US" sz="1600" dirty="0"/>
+              <a:t> </a:t>
+            </a:r>
+            <a:r>
+              <a:rPr lang="en-US" sz="1600" dirty="0" err="1"/>
+              <a:t>exp</a:t>
+            </a:r>
+            <a:r>
+              <a:rPr lang="en-US" sz="1600" dirty="0"/>
+              <a:t> ';'</a:t>
+            </a:r>
+          </a:p>
+        </p:txBody>
+      </p:sp>
+      <p:sp>
+        <p:nvSpPr>
+          <p:cNvPr id="20484" name="Text Box 4"/>
+          <p:cNvSpPr txBox="1">
+            <a:spLocks noChangeArrowheads="1"/>
+          </p:cNvSpPr>
+          <p:nvPr/>
+        </p:nvSpPr>
+        <p:spPr bwMode="auto">
+          <a:xfrm>
+            <a:off x="2743200" y="3276600"/>
+            <a:ext cx="6019800" cy="2092881"/>
+          </a:xfrm>
+          <a:prstGeom prst="rect">
+            <a:avLst/>
+          </a:prstGeom>
+          <a:noFill/>
+          <a:ln w="9525">
+            <a:solidFill>
+              <a:schemeClr val="tx1"/>
+            </a:solidFill>
+            <a:miter lim="800000"/>
+            <a:headEnd/>
+            <a:tailEnd/>
+          </a:ln>
+          <a:extLst>
+            <a:ext uri="{909E8E84-426E-40dd-AFC4-6F175D3DCCD1}">
+              <a14:hiddenFill xmlns:a14="http://schemas.microsoft.com/office/drawing/2010/main" xmlns="">
+                <a:solidFill>
+                  <a:schemeClr val="accent1"/>
+                </a:solidFill>
+              </a14:hiddenFill>
+            </a:ext>
+          </a:extLst>
+        </p:spPr>
+        <p:txBody>
+          <a:bodyPr wrap="square">
+            <a:spAutoFit/>
+          </a:bodyPr>
+          <a:lstStyle/>
+          <a:p>
+            <a:r>
+              <a:rPr lang="is-IS" sz="1000" dirty="0">
+                <a:solidFill>
+                  <a:srgbClr val="BA2DA2"/>
+                </a:solidFill>
+                <a:latin typeface="Menlo" charset="0"/>
+              </a:rPr>
+              <a:t>def</a:t>
+            </a:r>
+            <a:r>
+              <a:rPr lang="is-IS" sz="1000" dirty="0">
+                <a:solidFill>
+                  <a:srgbClr val="000000"/>
+                </a:solidFill>
+                <a:latin typeface="Menlo" charset="0"/>
+              </a:rPr>
+              <a:t> stmt():</a:t>
+            </a:r>
+          </a:p>
+          <a:p>
+            <a:r>
+              <a:rPr lang="is-IS" sz="1000" dirty="0">
+                <a:solidFill>
+                  <a:srgbClr val="000000"/>
+                </a:solidFill>
+                <a:latin typeface="Menlo" charset="0"/>
+              </a:rPr>
+              <a:t>    sym = I.pointer()</a:t>
+            </a:r>
+          </a:p>
+          <a:p>
+            <a:r>
+              <a:rPr lang="is-IS" sz="1000" dirty="0">
+                <a:solidFill>
+                  <a:srgbClr val="000000"/>
+                </a:solidFill>
+                <a:latin typeface="Menlo" charset="0"/>
+              </a:rPr>
+              <a:t>    </a:t>
+            </a:r>
+            <a:r>
+              <a:rPr lang="is-IS" sz="1000" dirty="0">
+                <a:solidFill>
+                  <a:srgbClr val="BA2DA2"/>
+                </a:solidFill>
+                <a:latin typeface="Menlo" charset="0"/>
+              </a:rPr>
+              <a:t>if</a:t>
+            </a:r>
+            <a:r>
+              <a:rPr lang="is-IS" sz="1000" dirty="0">
+                <a:solidFill>
+                  <a:srgbClr val="000000"/>
+                </a:solidFill>
+                <a:latin typeface="Menlo" charset="0"/>
+              </a:rPr>
+              <a:t> sym == </a:t>
+            </a:r>
+            <a:r>
+              <a:rPr lang="is-IS" sz="1000" dirty="0">
+                <a:solidFill>
+                  <a:srgbClr val="272AD8"/>
+                </a:solidFill>
+                <a:latin typeface="Menlo" charset="0"/>
+              </a:rPr>
+              <a:t>'p'</a:t>
+            </a:r>
+            <a:r>
+              <a:rPr lang="is-IS" sz="1000" dirty="0">
+                <a:solidFill>
+                  <a:srgbClr val="000000"/>
+                </a:solidFill>
+                <a:latin typeface="Menlo" charset="0"/>
+              </a:rPr>
+              <a:t>:</a:t>
+            </a:r>
+          </a:p>
+          <a:p>
+            <a:r>
+              <a:rPr lang="is-IS" sz="1000" dirty="0">
+                <a:solidFill>
+                  <a:srgbClr val="000000"/>
+                </a:solidFill>
+                <a:latin typeface="Menlo" charset="0"/>
+              </a:rPr>
+              <a:t>        I.next()</a:t>
+            </a:r>
+          </a:p>
+          <a:p>
+            <a:r>
+              <a:rPr lang="is-IS" sz="1000" dirty="0">
+                <a:solidFill>
+                  <a:srgbClr val="000000"/>
+                </a:solidFill>
+                <a:latin typeface="Menlo" charset="0"/>
+              </a:rPr>
+              <a:t>        exp()</a:t>
+            </a:r>
+          </a:p>
+          <a:p>
+            <a:r>
+              <a:rPr lang="is-IS" sz="1000" dirty="0">
+                <a:solidFill>
+                  <a:srgbClr val="000000"/>
+                </a:solidFill>
+                <a:latin typeface="Menlo" charset="0"/>
+              </a:rPr>
+              <a:t>        I.match(</a:t>
+            </a:r>
+            <a:r>
+              <a:rPr lang="is-IS" sz="1000" dirty="0">
+                <a:solidFill>
+                  <a:srgbClr val="272AD8"/>
+                </a:solidFill>
+                <a:latin typeface="Menlo" charset="0"/>
+              </a:rPr>
+              <a:t>';'</a:t>
+            </a:r>
+            <a:r>
+              <a:rPr lang="is-IS" sz="1000" dirty="0">
+                <a:solidFill>
+                  <a:srgbClr val="000000"/>
+                </a:solidFill>
+                <a:latin typeface="Menlo" charset="0"/>
+              </a:rPr>
+              <a:t>)</a:t>
+            </a:r>
+          </a:p>
+          <a:p>
+            <a:r>
+              <a:rPr lang="is-IS" sz="1000" dirty="0">
+                <a:solidFill>
+                  <a:srgbClr val="000000"/>
+                </a:solidFill>
+                <a:latin typeface="Menlo" charset="0"/>
+              </a:rPr>
+              <a:t>    </a:t>
+            </a:r>
+            <a:r>
+              <a:rPr lang="is-IS" sz="1000" dirty="0">
+                <a:solidFill>
+                  <a:srgbClr val="BA2DA2"/>
+                </a:solidFill>
+                <a:latin typeface="Menlo" charset="0"/>
+              </a:rPr>
+              <a:t>elif</a:t>
+            </a:r>
+            <a:r>
+              <a:rPr lang="is-IS" sz="1000" dirty="0">
+                <a:solidFill>
+                  <a:srgbClr val="000000"/>
+                </a:solidFill>
+                <a:latin typeface="Menlo" charset="0"/>
+              </a:rPr>
+              <a:t> sym == </a:t>
+            </a:r>
+            <a:r>
+              <a:rPr lang="is-IS" sz="1000" dirty="0">
+                <a:solidFill>
+                  <a:srgbClr val="272AD8"/>
+                </a:solidFill>
+                <a:latin typeface="Menlo" charset="0"/>
+              </a:rPr>
+              <a:t>'s'</a:t>
+            </a:r>
+            <a:r>
+              <a:rPr lang="is-IS" sz="1000" dirty="0">
+                <a:solidFill>
+                  <a:srgbClr val="000000"/>
+                </a:solidFill>
+                <a:latin typeface="Menlo" charset="0"/>
+              </a:rPr>
+              <a:t>:</a:t>
+            </a:r>
+          </a:p>
+          <a:p>
+            <a:r>
+              <a:rPr lang="is-IS" sz="1000" dirty="0">
+                <a:solidFill>
+                  <a:srgbClr val="000000"/>
+                </a:solidFill>
+                <a:latin typeface="Menlo" charset="0"/>
+              </a:rPr>
+              <a:t>        I.next()</a:t>
+            </a:r>
+          </a:p>
+          <a:p>
+            <a:r>
+              <a:rPr lang="is-IS" sz="1000" dirty="0">
+                <a:solidFill>
+                  <a:srgbClr val="000000"/>
+                </a:solidFill>
+                <a:latin typeface="Menlo" charset="0"/>
+              </a:rPr>
+              <a:t>        var()</a:t>
+            </a:r>
+          </a:p>
+          <a:p>
+            <a:r>
+              <a:rPr lang="is-IS" sz="1000" dirty="0">
+                <a:solidFill>
+                  <a:srgbClr val="000000"/>
+                </a:solidFill>
+                <a:latin typeface="Menlo" charset="0"/>
+              </a:rPr>
+              <a:t>        exp()</a:t>
+            </a:r>
+          </a:p>
+          <a:p>
+            <a:r>
+              <a:rPr lang="is-IS" sz="1000" dirty="0">
+                <a:solidFill>
+                  <a:srgbClr val="000000"/>
+                </a:solidFill>
+                <a:latin typeface="Menlo" charset="0"/>
+              </a:rPr>
+              <a:t>        I.match(</a:t>
+            </a:r>
+            <a:r>
+              <a:rPr lang="is-IS" sz="1000" dirty="0">
+                <a:solidFill>
+                  <a:srgbClr val="272AD8"/>
+                </a:solidFill>
+                <a:latin typeface="Menlo" charset="0"/>
+              </a:rPr>
+              <a:t>';'</a:t>
+            </a:r>
+            <a:r>
+              <a:rPr lang="is-IS" sz="1000" dirty="0">
+                <a:solidFill>
+                  <a:srgbClr val="000000"/>
+                </a:solidFill>
+                <a:latin typeface="Menlo" charset="0"/>
+              </a:rPr>
+              <a:t>)</a:t>
+            </a:r>
+          </a:p>
+          <a:p>
+            <a:r>
+              <a:rPr lang="is-IS" sz="1000" dirty="0">
+                <a:solidFill>
+                  <a:srgbClr val="000000"/>
+                </a:solidFill>
+                <a:latin typeface="Menlo" charset="0"/>
+              </a:rPr>
+              <a:t>    </a:t>
+            </a:r>
+            <a:r>
+              <a:rPr lang="is-IS" sz="1000" dirty="0">
+                <a:solidFill>
+                  <a:srgbClr val="BA2DA2"/>
+                </a:solidFill>
+                <a:latin typeface="Menlo" charset="0"/>
+              </a:rPr>
+              <a:t>else</a:t>
+            </a:r>
+            <a:r>
+              <a:rPr lang="is-IS" sz="1000" dirty="0">
+                <a:solidFill>
+                  <a:srgbClr val="000000"/>
+                </a:solidFill>
+                <a:latin typeface="Menlo" charset="0"/>
+              </a:rPr>
+              <a:t>:</a:t>
+            </a:r>
+          </a:p>
+          <a:p>
+            <a:r>
+              <a:rPr lang="is-IS" sz="1000" dirty="0">
+                <a:solidFill>
+                  <a:srgbClr val="000000"/>
+                </a:solidFill>
+                <a:latin typeface="Menlo" charset="0"/>
+              </a:rPr>
+              <a:t>        </a:t>
+            </a:r>
+            <a:r>
+              <a:rPr lang="is-IS" sz="1000" dirty="0">
+                <a:solidFill>
+                  <a:srgbClr val="BA2DA2"/>
+                </a:solidFill>
+                <a:latin typeface="Menlo" charset="0"/>
+              </a:rPr>
+              <a:t>raise</a:t>
+            </a:r>
+            <a:r>
+              <a:rPr lang="is-IS" sz="1000" dirty="0">
+                <a:solidFill>
+                  <a:srgbClr val="000000"/>
+                </a:solidFill>
+                <a:latin typeface="Menlo" charset="0"/>
+              </a:rPr>
+              <a:t> SyntaxError(</a:t>
+            </a:r>
+            <a:r>
+              <a:rPr lang="is-IS" sz="1000" dirty="0">
+                <a:solidFill>
+                  <a:srgbClr val="272AD8"/>
+                </a:solidFill>
+                <a:latin typeface="Menlo" charset="0"/>
+              </a:rPr>
+              <a:t>'unexpected symbol {} while parsing'</a:t>
+            </a:r>
+            <a:r>
+              <a:rPr lang="is-IS" sz="1000" dirty="0">
+                <a:solidFill>
+                  <a:srgbClr val="000000"/>
+                </a:solidFill>
+                <a:latin typeface="Menlo" charset="0"/>
+              </a:rPr>
+              <a:t>.format(sym))</a:t>
+            </a:r>
+            <a:endParaRPr lang="is-IS" sz="1000" dirty="0">
+              <a:solidFill>
+                <a:srgbClr val="272AD8"/>
+              </a:solidFill>
+              <a:effectLst/>
+              <a:latin typeface="Menlo" charset="0"/>
+            </a:endParaRPr>
+          </a:p>
+        </p:txBody>
+      </p:sp>
+      <p:sp>
+        <p:nvSpPr>
+          <p:cNvPr id="20485" name="AutoShape 5"/>
+          <p:cNvSpPr>
+            <a:spLocks noChangeArrowheads="1"/>
+          </p:cNvSpPr>
+          <p:nvPr/>
+        </p:nvSpPr>
+        <p:spPr bwMode="auto">
+          <a:xfrm rot="-16269426">
+            <a:off x="1473002" y="3398044"/>
+            <a:ext cx="852487" cy="733425"/>
+          </a:xfrm>
+          <a:custGeom>
+            <a:avLst/>
+            <a:gdLst>
+              <a:gd name="G0" fmla="+- 9257 0 0"/>
+              <a:gd name="G1" fmla="+- 18514 0 0"/>
+              <a:gd name="G2" fmla="+- 7200 0 0"/>
+              <a:gd name="G3" fmla="*/ 9257 1 2"/>
+              <a:gd name="G4" fmla="+- G3 10800 0"/>
+              <a:gd name="G5" fmla="+- 21600 9257 18514"/>
+              <a:gd name="G6" fmla="+- 18514 7200 0"/>
+              <a:gd name="G7" fmla="*/ G6 1 2"/>
+              <a:gd name="G8" fmla="*/ 18514 2 1"/>
+              <a:gd name="G9" fmla="+- G8 0 21600"/>
+              <a:gd name="G10" fmla="*/ 21600 G0 G1"/>
+              <a:gd name="G11" fmla="*/ 21600 G4 G1"/>
+              <a:gd name="G12" fmla="*/ 21600 G5 G1"/>
+              <a:gd name="G13" fmla="*/ 21600 G7 G1"/>
+              <a:gd name="G14" fmla="*/ 18514 1 2"/>
+              <a:gd name="G15" fmla="+- G5 0 G4"/>
+              <a:gd name="G16" fmla="+- G0 0 G4"/>
+              <a:gd name="G17" fmla="*/ G2 G15 G16"/>
+              <a:gd name="T0" fmla="*/ 15429 w 21600"/>
+              <a:gd name="T1" fmla="*/ 0 h 21600"/>
+              <a:gd name="T2" fmla="*/ 9257 w 21600"/>
+              <a:gd name="T3" fmla="*/ 7200 h 21600"/>
+              <a:gd name="T4" fmla="*/ 0 w 21600"/>
+              <a:gd name="T5" fmla="*/ 18001 h 21600"/>
+              <a:gd name="T6" fmla="*/ 9257 w 21600"/>
+              <a:gd name="T7" fmla="*/ 21600 h 21600"/>
+              <a:gd name="T8" fmla="*/ 18514 w 21600"/>
+              <a:gd name="T9" fmla="*/ 15000 h 21600"/>
+              <a:gd name="T10" fmla="*/ 21600 w 21600"/>
+              <a:gd name="T11" fmla="*/ 7200 h 21600"/>
+              <a:gd name="T12" fmla="*/ 17694720 60000 65536"/>
+              <a:gd name="T13" fmla="*/ 11796480 60000 65536"/>
+              <a:gd name="T14" fmla="*/ 11796480 60000 65536"/>
+              <a:gd name="T15" fmla="*/ 5898240 60000 65536"/>
+              <a:gd name="T16" fmla="*/ 0 60000 65536"/>
+              <a:gd name="T17" fmla="*/ 0 60000 65536"/>
+              <a:gd name="T18" fmla="*/ 0 w 21600"/>
+              <a:gd name="T19" fmla="*/ G12 h 21600"/>
+              <a:gd name="T20" fmla="*/ G1 w 21600"/>
+              <a:gd name="T21" fmla="*/ 21600 h 21600"/>
+            </a:gdLst>
+            <a:ahLst/>
+            <a:cxnLst>
+              <a:cxn ang="T12">
+                <a:pos x="T0" y="T1"/>
+              </a:cxn>
+              <a:cxn ang="T13">
+                <a:pos x="T2" y="T3"/>
+              </a:cxn>
+              <a:cxn ang="T14">
+                <a:pos x="T4" y="T5"/>
+              </a:cxn>
+              <a:cxn ang="T15">
+                <a:pos x="T6" y="T7"/>
+              </a:cxn>
+              <a:cxn ang="T16">
+                <a:pos x="T8" y="T9"/>
+              </a:cxn>
+              <a:cxn ang="T17">
+                <a:pos x="T10" y="T11"/>
+              </a:cxn>
+            </a:cxnLst>
+            <a:rect l="T18" t="T19" r="T20" b="T21"/>
+            <a:pathLst>
+              <a:path w="21600" h="21600">
+                <a:moveTo>
+                  <a:pt x="15429" y="0"/>
+                </a:moveTo>
+                <a:lnTo>
+                  <a:pt x="9257" y="7200"/>
+                </a:lnTo>
+                <a:lnTo>
+                  <a:pt x="12343" y="7200"/>
+                </a:lnTo>
+                <a:lnTo>
+                  <a:pt x="12343" y="14400"/>
+                </a:lnTo>
+                <a:lnTo>
+                  <a:pt x="0" y="14400"/>
+                </a:lnTo>
+                <a:lnTo>
+                  <a:pt x="0" y="21600"/>
+                </a:lnTo>
+                <a:lnTo>
+                  <a:pt x="18514" y="21600"/>
+                </a:lnTo>
+                <a:lnTo>
+                  <a:pt x="18514" y="7200"/>
+                </a:lnTo>
+                <a:lnTo>
+                  <a:pt x="21600" y="7200"/>
+                </a:lnTo>
+                <a:close/>
+              </a:path>
+            </a:pathLst>
+          </a:custGeom>
+          <a:solidFill>
+            <a:srgbClr val="FF0000"/>
+          </a:solidFill>
+          <a:ln w="9525">
+            <a:solidFill>
+              <a:schemeClr val="tx1"/>
+            </a:solidFill>
+            <a:miter lim="800000"/>
+            <a:headEnd/>
+            <a:tailEnd/>
+          </a:ln>
+        </p:spPr>
+        <p:txBody>
+          <a:bodyPr wrap="none" anchor="ctr"/>
+          <a:lstStyle/>
+          <a:p>
+            <a:endParaRPr lang="en-US"/>
+          </a:p>
+        </p:txBody>
+      </p:sp>
+      <p:sp>
+        <p:nvSpPr>
+          <p:cNvPr id="2" name="TextBox 1"/>
+          <p:cNvSpPr txBox="1"/>
+          <p:nvPr/>
+        </p:nvSpPr>
+        <p:spPr>
+          <a:xfrm>
+            <a:off x="895764" y="6350639"/>
+            <a:ext cx="5843304" cy="307777"/>
+          </a:xfrm>
+          <a:prstGeom prst="rect">
+            <a:avLst/>
+          </a:prstGeom>
+          <a:noFill/>
+        </p:spPr>
+        <p:txBody>
+          <a:bodyPr wrap="none" rtlCol="0">
+            <a:spAutoFit/>
+          </a:bodyPr>
+          <a:lstStyle/>
+          <a:p>
+            <a:r>
+              <a:rPr lang="en-US" dirty="0"/>
+              <a:t>Notice that we are using the look-ahead set to decide which rule to call!</a:t>
+            </a:r>
+          </a:p>
+        </p:txBody>
+      </p:sp>
+    </p:spTree>
+  </p:cSld>
+  <p:clrMapOvr>
+    <a:masterClrMapping/>
+  </p:clrMapOvr>
+</p:sld>
+</file>
+
+<file path=ppt/slides/slide2.xml><?xml version="1.0" encoding="utf-8"?>
+<p:sld xmlns:a="http://schemas.openxmlformats.org/drawingml/2006/main" xmlns:r="http://schemas.openxmlformats.org/officeDocument/2006/relationships" xmlns:p="http://schemas.openxmlformats.org/presentationml/2006/main">
+  <p:cSld>
+    <p:spTree>
+      <p:nvGrpSpPr>
+        <p:cNvPr id="1" name=""/>
+        <p:cNvGrpSpPr/>
+        <p:nvPr/>
+      </p:nvGrpSpPr>
+      <p:grpSpPr>
+        <a:xfrm>
+          <a:off x="0" y="0"/>
+          <a:ext cx="0" cy="0"/>
+          <a:chOff x="0" y="0"/>
+          <a:chExt cx="0" cy="0"/>
+        </a:xfrm>
+      </p:grpSpPr>
+      <p:sp>
+        <p:nvSpPr>
+          <p:cNvPr id="2050" name="Rectangle 2"/>
+          <p:cNvSpPr>
+            <a:spLocks noGrp="1" noChangeArrowheads="1"/>
+          </p:cNvSpPr>
+          <p:nvPr>
+            <p:ph type="title"/>
+          </p:nvPr>
+        </p:nvSpPr>
+        <p:spPr/>
+        <p:txBody>
+          <a:bodyPr/>
+          <a:lstStyle/>
+          <a:p>
+            <a:r>
+              <a:rPr lang="en-US"/>
+              <a:t>Grammars</a:t>
+            </a:r>
+          </a:p>
+        </p:txBody>
+      </p:sp>
+      <p:sp>
+        <p:nvSpPr>
+          <p:cNvPr id="2051" name="Rectangle 3"/>
+          <p:cNvSpPr>
+            <a:spLocks noGrp="1" noChangeArrowheads="1"/>
+          </p:cNvSpPr>
+          <p:nvPr>
+            <p:ph type="body" idx="1"/>
+          </p:nvPr>
+        </p:nvSpPr>
+        <p:spPr>
+          <a:xfrm>
+            <a:off x="381000" y="1719263"/>
+            <a:ext cx="8229600" cy="4411662"/>
+          </a:xfrm>
+        </p:spPr>
+        <p:txBody>
+          <a:bodyPr/>
+          <a:lstStyle/>
+          <a:p>
+            <a:r>
+              <a:rPr lang="en-US" sz="2400" dirty="0"/>
+              <a:t>The most convenient way to describe the structure of programming languages is using a context-free grammar (often called CFG or BNF for </a:t>
+            </a:r>
+            <a:r>
+              <a:rPr lang="en-US" sz="2400" i="1" dirty="0"/>
+              <a:t>Backus-</a:t>
+            </a:r>
+            <a:r>
+              <a:rPr lang="en-US" sz="2400" i="1" dirty="0" err="1"/>
+              <a:t>Nauer</a:t>
+            </a:r>
+            <a:r>
+              <a:rPr lang="en-US" sz="2400" i="1" dirty="0"/>
+              <a:t> Form</a:t>
+            </a:r>
+            <a:r>
+              <a:rPr lang="en-US" sz="2400" dirty="0"/>
+              <a:t>).  </a:t>
+            </a:r>
+          </a:p>
+          <a:p>
+            <a:r>
+              <a:rPr lang="en-US" sz="2400" dirty="0"/>
+              <a:t>Here we will simply refer to grammars with the understanding that we are referring to CFGs. (there are many kind of other grammars: regular grammars, context-sensitive grammars, </a:t>
+            </a:r>
+            <a:r>
+              <a:rPr lang="en-US" sz="2400" dirty="0" err="1"/>
+              <a:t>etc</a:t>
+            </a:r>
+            <a:r>
+              <a:rPr lang="en-US" sz="2400" dirty="0"/>
+              <a:t>)</a:t>
+            </a:r>
+          </a:p>
+        </p:txBody>
+      </p:sp>
+    </p:spTree>
+  </p:cSld>
+  <p:clrMapOvr>
+    <a:masterClrMapping/>
+  </p:clrMapOvr>
+</p:sld>
+</file>
+
+<file path=ppt/slides/slide20.xml><?xml version="1.0" encoding="utf-8"?>
+<p:sld xmlns:a="http://schemas.openxmlformats.org/drawingml/2006/main" xmlns:r="http://schemas.openxmlformats.org/officeDocument/2006/relationships" xmlns:p="http://schemas.openxmlformats.org/presentationml/2006/main">
+  <p:cSld>
+    <p:spTree>
+      <p:nvGrpSpPr>
+        <p:cNvPr id="1" name=""/>
+        <p:cNvGrpSpPr/>
+        <p:nvPr/>
+      </p:nvGrpSpPr>
+      <p:grpSpPr>
+        <a:xfrm>
+          <a:off x="0" y="0"/>
+          <a:ext cx="0" cy="0"/>
+          <a:chOff x="0" y="0"/>
+          <a:chExt cx="0" cy="0"/>
+        </a:xfrm>
+      </p:grpSpPr>
+      <p:sp>
+        <p:nvSpPr>
           <p:cNvPr id="19458" name="Rectangle 2"/>
           <p:cNvSpPr>
             <a:spLocks noGrp="1" noChangeArrowheads="1"/>
@@ -12667,14 +13449,14 @@
           </a:ln>
           <a:extLst>
             <a:ext uri="{909E8E84-426E-40dd-AFC4-6F175D3DCCD1}">
-              <a14:hiddenFill xmlns="" xmlns:a14="http://schemas.microsoft.com/office/drawing/2010/main">
+              <a14:hiddenFill xmlns:a14="http://schemas.microsoft.com/office/drawing/2010/main" xmlns="">
                 <a:solidFill>
                   <a:schemeClr val="accent1"/>
                 </a:solidFill>
               </a14:hiddenFill>
             </a:ext>
             <a:ext uri="{91240B29-F687-4f45-9708-019B960494DF}">
-              <a14:hiddenLine xmlns="" xmlns:a14="http://schemas.microsoft.com/office/drawing/2010/main" w="9525">
+              <a14:hiddenLine xmlns:a14="http://schemas.microsoft.com/office/drawing/2010/main" xmlns="" w="9525">
                 <a:solidFill>
                   <a:schemeClr val="tx1"/>
                 </a:solidFill>
@@ -12890,7 +13672,7 @@
           </a:ln>
           <a:extLst>
             <a:ext uri="{909E8E84-426E-40dd-AFC4-6F175D3DCCD1}">
-              <a14:hiddenFill xmlns="" xmlns:a14="http://schemas.microsoft.com/office/drawing/2010/main">
+              <a14:hiddenFill xmlns:a14="http://schemas.microsoft.com/office/drawing/2010/main" xmlns="">
                 <a:solidFill>
                   <a:schemeClr val="accent1"/>
                 </a:solidFill>
@@ -13334,839 +14116,6 @@
           </a:p>
         </p:txBody>
       </p:sp>
-      <p:sp>
-        <p:nvSpPr>
-          <p:cNvPr id="2" name="TextBox 1"/>
-          <p:cNvSpPr txBox="1"/>
-          <p:nvPr/>
-        </p:nvSpPr>
-        <p:spPr>
-          <a:xfrm>
-            <a:off x="1409450" y="5715645"/>
-            <a:ext cx="6202639" cy="523220"/>
-          </a:xfrm>
-          <a:prstGeom prst="rect">
-            <a:avLst/>
-          </a:prstGeom>
-          <a:noFill/>
-        </p:spPr>
-        <p:txBody>
-          <a:bodyPr wrap="none" rtlCol="0">
-            <a:spAutoFit/>
-          </a:bodyPr>
-          <a:lstStyle/>
-          <a:p>
-            <a:r>
-              <a:rPr lang="en-US" b="1" dirty="0"/>
-              <a:t>Note</a:t>
-            </a:r>
-            <a:r>
-              <a:rPr lang="en-US" dirty="0"/>
-              <a:t>:  a </a:t>
-            </a:r>
-            <a:r>
-              <a:rPr lang="en-US" dirty="0" err="1"/>
-              <a:t>lookahead</a:t>
-            </a:r>
-            <a:r>
-              <a:rPr lang="en-US" dirty="0"/>
-              <a:t> set is not necessary here – only one rule to choose from </a:t>
-            </a:r>
-          </a:p>
-          <a:p>
-            <a:r>
-              <a:rPr lang="en-US" dirty="0"/>
-              <a:t>           besides the empty rule.</a:t>
-            </a:r>
-          </a:p>
-        </p:txBody>
-      </p:sp>
-    </p:spTree>
-  </p:cSld>
-  <p:clrMapOvr>
-    <a:masterClrMapping/>
-  </p:clrMapOvr>
-</p:sld>
-</file>
-
-<file path=ppt/slides/slide2.xml><?xml version="1.0" encoding="utf-8"?>
-<p:sld xmlns:a="http://schemas.openxmlformats.org/drawingml/2006/main" xmlns:r="http://schemas.openxmlformats.org/officeDocument/2006/relationships" xmlns:p="http://schemas.openxmlformats.org/presentationml/2006/main">
-  <p:cSld>
-    <p:spTree>
-      <p:nvGrpSpPr>
-        <p:cNvPr id="1" name=""/>
-        <p:cNvGrpSpPr/>
-        <p:nvPr/>
-      </p:nvGrpSpPr>
-      <p:grpSpPr>
-        <a:xfrm>
-          <a:off x="0" y="0"/>
-          <a:ext cx="0" cy="0"/>
-          <a:chOff x="0" y="0"/>
-          <a:chExt cx="0" cy="0"/>
-        </a:xfrm>
-      </p:grpSpPr>
-      <p:sp>
-        <p:nvSpPr>
-          <p:cNvPr id="2050" name="Rectangle 2"/>
-          <p:cNvSpPr>
-            <a:spLocks noGrp="1" noChangeArrowheads="1"/>
-          </p:cNvSpPr>
-          <p:nvPr>
-            <p:ph type="title"/>
-          </p:nvPr>
-        </p:nvSpPr>
-        <p:spPr/>
-        <p:txBody>
-          <a:bodyPr/>
-          <a:lstStyle/>
-          <a:p>
-            <a:r>
-              <a:rPr lang="en-US"/>
-              <a:t>Grammars</a:t>
-            </a:r>
-          </a:p>
-        </p:txBody>
-      </p:sp>
-      <p:sp>
-        <p:nvSpPr>
-          <p:cNvPr id="2051" name="Rectangle 3"/>
-          <p:cNvSpPr>
-            <a:spLocks noGrp="1" noChangeArrowheads="1"/>
-          </p:cNvSpPr>
-          <p:nvPr>
-            <p:ph type="body" idx="1"/>
-          </p:nvPr>
-        </p:nvSpPr>
-        <p:spPr>
-          <a:xfrm>
-            <a:off x="381000" y="1719263"/>
-            <a:ext cx="8229600" cy="4411662"/>
-          </a:xfrm>
-        </p:spPr>
-        <p:txBody>
-          <a:bodyPr/>
-          <a:lstStyle/>
-          <a:p>
-            <a:r>
-              <a:rPr lang="en-US" sz="2400" dirty="0"/>
-              <a:t>The most convenient way to describe the structure of programming languages is using a context-free grammar (often called CFG or BNF for </a:t>
-            </a:r>
-            <a:r>
-              <a:rPr lang="en-US" sz="2400" i="1" dirty="0"/>
-              <a:t>Backus-</a:t>
-            </a:r>
-            <a:r>
-              <a:rPr lang="en-US" sz="2400" i="1" dirty="0" err="1"/>
-              <a:t>Nauer</a:t>
-            </a:r>
-            <a:r>
-              <a:rPr lang="en-US" sz="2400" i="1" dirty="0"/>
-              <a:t> Form</a:t>
-            </a:r>
-            <a:r>
-              <a:rPr lang="en-US" sz="2400" dirty="0"/>
-              <a:t>).  </a:t>
-            </a:r>
-          </a:p>
-          <a:p>
-            <a:r>
-              <a:rPr lang="en-US" sz="2400" dirty="0"/>
-              <a:t>Here we will simply refer to grammars with the understanding that we are referring to CFGs. (there are many kind of other grammars: regular grammars, context-sensitive grammars, </a:t>
-            </a:r>
-            <a:r>
-              <a:rPr lang="en-US" sz="2400" dirty="0" err="1"/>
-              <a:t>etc</a:t>
-            </a:r>
-            <a:r>
-              <a:rPr lang="en-US" sz="2400" dirty="0"/>
-              <a:t>)</a:t>
-            </a:r>
-          </a:p>
-        </p:txBody>
-      </p:sp>
-    </p:spTree>
-  </p:cSld>
-  <p:clrMapOvr>
-    <a:masterClrMapping/>
-  </p:clrMapOvr>
-</p:sld>
-</file>
-
-<file path=ppt/slides/slide20.xml><?xml version="1.0" encoding="utf-8"?>
-<p:sld xmlns:a="http://schemas.openxmlformats.org/drawingml/2006/main" xmlns:r="http://schemas.openxmlformats.org/officeDocument/2006/relationships" xmlns:p="http://schemas.openxmlformats.org/presentationml/2006/main">
-  <p:cSld>
-    <p:spTree>
-      <p:nvGrpSpPr>
-        <p:cNvPr id="1" name=""/>
-        <p:cNvGrpSpPr/>
-        <p:nvPr/>
-      </p:nvGrpSpPr>
-      <p:grpSpPr>
-        <a:xfrm>
-          <a:off x="0" y="0"/>
-          <a:ext cx="0" cy="0"/>
-          <a:chOff x="0" y="0"/>
-          <a:chExt cx="0" cy="0"/>
-        </a:xfrm>
-      </p:grpSpPr>
-      <p:sp>
-        <p:nvSpPr>
-          <p:cNvPr id="20482" name="Rectangle 2"/>
-          <p:cNvSpPr>
-            <a:spLocks noGrp="1" noChangeArrowheads="1"/>
-          </p:cNvSpPr>
-          <p:nvPr>
-            <p:ph type="title"/>
-          </p:nvPr>
-        </p:nvSpPr>
-        <p:spPr/>
-        <p:txBody>
-          <a:bodyPr/>
-          <a:lstStyle/>
-          <a:p>
-            <a:r>
-              <a:rPr lang="en-US" dirty="0"/>
-              <a:t>Constructing a Parser by Hand</a:t>
-            </a:r>
-          </a:p>
-        </p:txBody>
-      </p:sp>
-      <p:sp>
-        <p:nvSpPr>
-          <p:cNvPr id="20483" name="Text Box 3"/>
-          <p:cNvSpPr txBox="1">
-            <a:spLocks noChangeArrowheads="1"/>
-          </p:cNvSpPr>
-          <p:nvPr/>
-        </p:nvSpPr>
-        <p:spPr bwMode="auto">
-          <a:xfrm>
-            <a:off x="857250" y="1922463"/>
-            <a:ext cx="3178875" cy="584776"/>
-          </a:xfrm>
-          <a:prstGeom prst="rect">
-            <a:avLst/>
-          </a:prstGeom>
-          <a:noFill/>
-          <a:ln>
-            <a:noFill/>
-          </a:ln>
-          <a:extLst>
-            <a:ext uri="{909E8E84-426E-40dd-AFC4-6F175D3DCCD1}">
-              <a14:hiddenFill xmlns="" xmlns:a14="http://schemas.microsoft.com/office/drawing/2010/main">
-                <a:solidFill>
-                  <a:schemeClr val="accent1"/>
-                </a:solidFill>
-              </a14:hiddenFill>
-            </a:ext>
-            <a:ext uri="{91240B29-F687-4f45-9708-019B960494DF}">
-              <a14:hiddenLine xmlns="" xmlns:a14="http://schemas.microsoft.com/office/drawing/2010/main" w="9525">
-                <a:solidFill>
-                  <a:schemeClr val="tx1"/>
-                </a:solidFill>
-                <a:miter lim="800000"/>
-                <a:headEnd/>
-                <a:tailEnd/>
-              </a14:hiddenLine>
-            </a:ext>
-          </a:extLst>
-        </p:spPr>
-        <p:txBody>
-          <a:bodyPr wrap="none">
-            <a:spAutoFit/>
-          </a:bodyPr>
-          <a:lstStyle/>
-          <a:p>
-            <a:r>
-              <a:rPr lang="en-US" sz="1600" dirty="0" err="1"/>
-              <a:t>stmt</a:t>
-            </a:r>
-            <a:r>
-              <a:rPr lang="en-US" sz="1600" dirty="0"/>
-              <a:t>	: </a:t>
-            </a:r>
-            <a:r>
-              <a:rPr lang="en-US" sz="1600" dirty="0">
-                <a:solidFill>
-                  <a:srgbClr val="FF0000"/>
-                </a:solidFill>
-              </a:rPr>
-              <a:t>{‘p’}</a:t>
-            </a:r>
-            <a:r>
-              <a:rPr lang="en-US" sz="1600" dirty="0"/>
-              <a:t>	'p' </a:t>
-            </a:r>
-            <a:r>
-              <a:rPr lang="en-US" sz="1600" dirty="0" err="1"/>
-              <a:t>exp</a:t>
-            </a:r>
-            <a:r>
-              <a:rPr lang="en-US" sz="1600" dirty="0"/>
-              <a:t> ';'</a:t>
-            </a:r>
-          </a:p>
-          <a:p>
-            <a:r>
-              <a:rPr lang="en-US" sz="1600" dirty="0"/>
-              <a:t>	| </a:t>
-            </a:r>
-            <a:r>
-              <a:rPr lang="en-US" sz="1600" dirty="0">
-                <a:solidFill>
-                  <a:srgbClr val="FF0000"/>
-                </a:solidFill>
-              </a:rPr>
-              <a:t>{‘s’}</a:t>
-            </a:r>
-            <a:r>
-              <a:rPr lang="en-US" sz="1600" dirty="0"/>
-              <a:t>	's’ </a:t>
-            </a:r>
-            <a:r>
-              <a:rPr lang="en-US" sz="1600" dirty="0" err="1"/>
-              <a:t>var</a:t>
-            </a:r>
-            <a:r>
-              <a:rPr lang="en-US" sz="1600" dirty="0"/>
-              <a:t> </a:t>
-            </a:r>
-            <a:r>
-              <a:rPr lang="en-US" sz="1600" dirty="0" err="1"/>
-              <a:t>exp</a:t>
-            </a:r>
-            <a:r>
-              <a:rPr lang="en-US" sz="1600" dirty="0"/>
-              <a:t> ';'</a:t>
-            </a:r>
-          </a:p>
-        </p:txBody>
-      </p:sp>
-      <p:sp>
-        <p:nvSpPr>
-          <p:cNvPr id="20484" name="Text Box 4"/>
-          <p:cNvSpPr txBox="1">
-            <a:spLocks noChangeArrowheads="1"/>
-          </p:cNvSpPr>
-          <p:nvPr/>
-        </p:nvSpPr>
-        <p:spPr bwMode="auto">
-          <a:xfrm>
-            <a:off x="2743200" y="3276600"/>
-            <a:ext cx="6019800" cy="2092881"/>
-          </a:xfrm>
-          <a:prstGeom prst="rect">
-            <a:avLst/>
-          </a:prstGeom>
-          <a:noFill/>
-          <a:ln w="9525">
-            <a:solidFill>
-              <a:schemeClr val="tx1"/>
-            </a:solidFill>
-            <a:miter lim="800000"/>
-            <a:headEnd/>
-            <a:tailEnd/>
-          </a:ln>
-          <a:extLst>
-            <a:ext uri="{909E8E84-426E-40dd-AFC4-6F175D3DCCD1}">
-              <a14:hiddenFill xmlns="" xmlns:a14="http://schemas.microsoft.com/office/drawing/2010/main">
-                <a:solidFill>
-                  <a:schemeClr val="accent1"/>
-                </a:solidFill>
-              </a14:hiddenFill>
-            </a:ext>
-          </a:extLst>
-        </p:spPr>
-        <p:txBody>
-          <a:bodyPr wrap="square">
-            <a:spAutoFit/>
-          </a:bodyPr>
-          <a:lstStyle/>
-          <a:p>
-            <a:r>
-              <a:rPr lang="is-IS" sz="1000" dirty="0">
-                <a:solidFill>
-                  <a:srgbClr val="BA2DA2"/>
-                </a:solidFill>
-                <a:latin typeface="Menlo" charset="0"/>
-              </a:rPr>
-              <a:t>def</a:t>
-            </a:r>
-            <a:r>
-              <a:rPr lang="is-IS" sz="1000" dirty="0">
-                <a:solidFill>
-                  <a:srgbClr val="000000"/>
-                </a:solidFill>
-                <a:latin typeface="Menlo" charset="0"/>
-              </a:rPr>
-              <a:t> stmt():</a:t>
-            </a:r>
-          </a:p>
-          <a:p>
-            <a:r>
-              <a:rPr lang="is-IS" sz="1000" dirty="0">
-                <a:solidFill>
-                  <a:srgbClr val="000000"/>
-                </a:solidFill>
-                <a:latin typeface="Menlo" charset="0"/>
-              </a:rPr>
-              <a:t>    sym = I.pointer()</a:t>
-            </a:r>
-          </a:p>
-          <a:p>
-            <a:r>
-              <a:rPr lang="is-IS" sz="1000" dirty="0">
-                <a:solidFill>
-                  <a:srgbClr val="000000"/>
-                </a:solidFill>
-                <a:latin typeface="Menlo" charset="0"/>
-              </a:rPr>
-              <a:t>    </a:t>
-            </a:r>
-            <a:r>
-              <a:rPr lang="is-IS" sz="1000" dirty="0">
-                <a:solidFill>
-                  <a:srgbClr val="BA2DA2"/>
-                </a:solidFill>
-                <a:latin typeface="Menlo" charset="0"/>
-              </a:rPr>
-              <a:t>if</a:t>
-            </a:r>
-            <a:r>
-              <a:rPr lang="is-IS" sz="1000" dirty="0">
-                <a:solidFill>
-                  <a:srgbClr val="000000"/>
-                </a:solidFill>
-                <a:latin typeface="Menlo" charset="0"/>
-              </a:rPr>
-              <a:t> sym == </a:t>
-            </a:r>
-            <a:r>
-              <a:rPr lang="is-IS" sz="1000" dirty="0">
-                <a:solidFill>
-                  <a:srgbClr val="272AD8"/>
-                </a:solidFill>
-                <a:latin typeface="Menlo" charset="0"/>
-              </a:rPr>
-              <a:t>'p'</a:t>
-            </a:r>
-            <a:r>
-              <a:rPr lang="is-IS" sz="1000" dirty="0">
-                <a:solidFill>
-                  <a:srgbClr val="000000"/>
-                </a:solidFill>
-                <a:latin typeface="Menlo" charset="0"/>
-              </a:rPr>
-              <a:t>:</a:t>
-            </a:r>
-          </a:p>
-          <a:p>
-            <a:r>
-              <a:rPr lang="is-IS" sz="1000" dirty="0">
-                <a:solidFill>
-                  <a:srgbClr val="000000"/>
-                </a:solidFill>
-                <a:latin typeface="Menlo" charset="0"/>
-              </a:rPr>
-              <a:t>        I.next()</a:t>
-            </a:r>
-          </a:p>
-          <a:p>
-            <a:r>
-              <a:rPr lang="is-IS" sz="1000" dirty="0">
-                <a:solidFill>
-                  <a:srgbClr val="000000"/>
-                </a:solidFill>
-                <a:latin typeface="Menlo" charset="0"/>
-              </a:rPr>
-              <a:t>        exp()</a:t>
-            </a:r>
-          </a:p>
-          <a:p>
-            <a:r>
-              <a:rPr lang="is-IS" sz="1000" dirty="0">
-                <a:solidFill>
-                  <a:srgbClr val="000000"/>
-                </a:solidFill>
-                <a:latin typeface="Menlo" charset="0"/>
-              </a:rPr>
-              <a:t>        I.match(</a:t>
-            </a:r>
-            <a:r>
-              <a:rPr lang="is-IS" sz="1000" dirty="0">
-                <a:solidFill>
-                  <a:srgbClr val="272AD8"/>
-                </a:solidFill>
-                <a:latin typeface="Menlo" charset="0"/>
-              </a:rPr>
-              <a:t>';'</a:t>
-            </a:r>
-            <a:r>
-              <a:rPr lang="is-IS" sz="1000" dirty="0">
-                <a:solidFill>
-                  <a:srgbClr val="000000"/>
-                </a:solidFill>
-                <a:latin typeface="Menlo" charset="0"/>
-              </a:rPr>
-              <a:t>)</a:t>
-            </a:r>
-          </a:p>
-          <a:p>
-            <a:r>
-              <a:rPr lang="is-IS" sz="1000" dirty="0">
-                <a:solidFill>
-                  <a:srgbClr val="000000"/>
-                </a:solidFill>
-                <a:latin typeface="Menlo" charset="0"/>
-              </a:rPr>
-              <a:t>    </a:t>
-            </a:r>
-            <a:r>
-              <a:rPr lang="is-IS" sz="1000" dirty="0">
-                <a:solidFill>
-                  <a:srgbClr val="BA2DA2"/>
-                </a:solidFill>
-                <a:latin typeface="Menlo" charset="0"/>
-              </a:rPr>
-              <a:t>elif</a:t>
-            </a:r>
-            <a:r>
-              <a:rPr lang="is-IS" sz="1000" dirty="0">
-                <a:solidFill>
-                  <a:srgbClr val="000000"/>
-                </a:solidFill>
-                <a:latin typeface="Menlo" charset="0"/>
-              </a:rPr>
-              <a:t> sym == </a:t>
-            </a:r>
-            <a:r>
-              <a:rPr lang="is-IS" sz="1000" dirty="0">
-                <a:solidFill>
-                  <a:srgbClr val="272AD8"/>
-                </a:solidFill>
-                <a:latin typeface="Menlo" charset="0"/>
-              </a:rPr>
-              <a:t>'s'</a:t>
-            </a:r>
-            <a:r>
-              <a:rPr lang="is-IS" sz="1000" dirty="0">
-                <a:solidFill>
-                  <a:srgbClr val="000000"/>
-                </a:solidFill>
-                <a:latin typeface="Menlo" charset="0"/>
-              </a:rPr>
-              <a:t>:</a:t>
-            </a:r>
-          </a:p>
-          <a:p>
-            <a:r>
-              <a:rPr lang="is-IS" sz="1000" dirty="0">
-                <a:solidFill>
-                  <a:srgbClr val="000000"/>
-                </a:solidFill>
-                <a:latin typeface="Menlo" charset="0"/>
-              </a:rPr>
-              <a:t>        I.next()</a:t>
-            </a:r>
-          </a:p>
-          <a:p>
-            <a:r>
-              <a:rPr lang="is-IS" sz="1000" dirty="0">
-                <a:solidFill>
-                  <a:srgbClr val="000000"/>
-                </a:solidFill>
-                <a:latin typeface="Menlo" charset="0"/>
-              </a:rPr>
-              <a:t>        var()</a:t>
-            </a:r>
-          </a:p>
-          <a:p>
-            <a:r>
-              <a:rPr lang="is-IS" sz="1000" dirty="0">
-                <a:solidFill>
-                  <a:srgbClr val="000000"/>
-                </a:solidFill>
-                <a:latin typeface="Menlo" charset="0"/>
-              </a:rPr>
-              <a:t>        exp()</a:t>
-            </a:r>
-          </a:p>
-          <a:p>
-            <a:r>
-              <a:rPr lang="is-IS" sz="1000" dirty="0">
-                <a:solidFill>
-                  <a:srgbClr val="000000"/>
-                </a:solidFill>
-                <a:latin typeface="Menlo" charset="0"/>
-              </a:rPr>
-              <a:t>        I.match(</a:t>
-            </a:r>
-            <a:r>
-              <a:rPr lang="is-IS" sz="1000" dirty="0">
-                <a:solidFill>
-                  <a:srgbClr val="272AD8"/>
-                </a:solidFill>
-                <a:latin typeface="Menlo" charset="0"/>
-              </a:rPr>
-              <a:t>';'</a:t>
-            </a:r>
-            <a:r>
-              <a:rPr lang="is-IS" sz="1000" dirty="0">
-                <a:solidFill>
-                  <a:srgbClr val="000000"/>
-                </a:solidFill>
-                <a:latin typeface="Menlo" charset="0"/>
-              </a:rPr>
-              <a:t>)</a:t>
-            </a:r>
-          </a:p>
-          <a:p>
-            <a:r>
-              <a:rPr lang="is-IS" sz="1000" dirty="0">
-                <a:solidFill>
-                  <a:srgbClr val="000000"/>
-                </a:solidFill>
-                <a:latin typeface="Menlo" charset="0"/>
-              </a:rPr>
-              <a:t>    </a:t>
-            </a:r>
-            <a:r>
-              <a:rPr lang="is-IS" sz="1000" dirty="0">
-                <a:solidFill>
-                  <a:srgbClr val="BA2DA2"/>
-                </a:solidFill>
-                <a:latin typeface="Menlo" charset="0"/>
-              </a:rPr>
-              <a:t>else</a:t>
-            </a:r>
-            <a:r>
-              <a:rPr lang="is-IS" sz="1000" dirty="0">
-                <a:solidFill>
-                  <a:srgbClr val="000000"/>
-                </a:solidFill>
-                <a:latin typeface="Menlo" charset="0"/>
-              </a:rPr>
-              <a:t>:</a:t>
-            </a:r>
-          </a:p>
-          <a:p>
-            <a:r>
-              <a:rPr lang="is-IS" sz="1000" dirty="0">
-                <a:solidFill>
-                  <a:srgbClr val="000000"/>
-                </a:solidFill>
-                <a:latin typeface="Menlo" charset="0"/>
-              </a:rPr>
-              <a:t>        </a:t>
-            </a:r>
-            <a:r>
-              <a:rPr lang="is-IS" sz="1000" dirty="0">
-                <a:solidFill>
-                  <a:srgbClr val="BA2DA2"/>
-                </a:solidFill>
-                <a:latin typeface="Menlo" charset="0"/>
-              </a:rPr>
-              <a:t>raise</a:t>
-            </a:r>
-            <a:r>
-              <a:rPr lang="is-IS" sz="1000" dirty="0">
-                <a:solidFill>
-                  <a:srgbClr val="000000"/>
-                </a:solidFill>
-                <a:latin typeface="Menlo" charset="0"/>
-              </a:rPr>
-              <a:t> SyntaxError(</a:t>
-            </a:r>
-            <a:r>
-              <a:rPr lang="is-IS" sz="1000" dirty="0">
-                <a:solidFill>
-                  <a:srgbClr val="272AD8"/>
-                </a:solidFill>
-                <a:latin typeface="Menlo" charset="0"/>
-              </a:rPr>
-              <a:t>'unexpected symbol {} while parsing'</a:t>
-            </a:r>
-            <a:r>
-              <a:rPr lang="is-IS" sz="1000" dirty="0">
-                <a:solidFill>
-                  <a:srgbClr val="000000"/>
-                </a:solidFill>
-                <a:latin typeface="Menlo" charset="0"/>
-              </a:rPr>
-              <a:t>.format(sym))</a:t>
-            </a:r>
-            <a:endParaRPr lang="is-IS" sz="1000" dirty="0">
-              <a:solidFill>
-                <a:srgbClr val="272AD8"/>
-              </a:solidFill>
-              <a:effectLst/>
-              <a:latin typeface="Menlo" charset="0"/>
-            </a:endParaRPr>
-          </a:p>
-        </p:txBody>
-      </p:sp>
-      <p:sp>
-        <p:nvSpPr>
-          <p:cNvPr id="20485" name="AutoShape 5"/>
-          <p:cNvSpPr>
-            <a:spLocks noChangeArrowheads="1"/>
-          </p:cNvSpPr>
-          <p:nvPr/>
-        </p:nvSpPr>
-        <p:spPr bwMode="auto">
-          <a:xfrm rot="-16269426">
-            <a:off x="1473002" y="3398044"/>
-            <a:ext cx="852487" cy="733425"/>
-          </a:xfrm>
-          <a:custGeom>
-            <a:avLst/>
-            <a:gdLst>
-              <a:gd name="G0" fmla="+- 9257 0 0"/>
-              <a:gd name="G1" fmla="+- 18514 0 0"/>
-              <a:gd name="G2" fmla="+- 7200 0 0"/>
-              <a:gd name="G3" fmla="*/ 9257 1 2"/>
-              <a:gd name="G4" fmla="+- G3 10800 0"/>
-              <a:gd name="G5" fmla="+- 21600 9257 18514"/>
-              <a:gd name="G6" fmla="+- 18514 7200 0"/>
-              <a:gd name="G7" fmla="*/ G6 1 2"/>
-              <a:gd name="G8" fmla="*/ 18514 2 1"/>
-              <a:gd name="G9" fmla="+- G8 0 21600"/>
-              <a:gd name="G10" fmla="*/ 21600 G0 G1"/>
-              <a:gd name="G11" fmla="*/ 21600 G4 G1"/>
-              <a:gd name="G12" fmla="*/ 21600 G5 G1"/>
-              <a:gd name="G13" fmla="*/ 21600 G7 G1"/>
-              <a:gd name="G14" fmla="*/ 18514 1 2"/>
-              <a:gd name="G15" fmla="+- G5 0 G4"/>
-              <a:gd name="G16" fmla="+- G0 0 G4"/>
-              <a:gd name="G17" fmla="*/ G2 G15 G16"/>
-              <a:gd name="T0" fmla="*/ 15429 w 21600"/>
-              <a:gd name="T1" fmla="*/ 0 h 21600"/>
-              <a:gd name="T2" fmla="*/ 9257 w 21600"/>
-              <a:gd name="T3" fmla="*/ 7200 h 21600"/>
-              <a:gd name="T4" fmla="*/ 0 w 21600"/>
-              <a:gd name="T5" fmla="*/ 18001 h 21600"/>
-              <a:gd name="T6" fmla="*/ 9257 w 21600"/>
-              <a:gd name="T7" fmla="*/ 21600 h 21600"/>
-              <a:gd name="T8" fmla="*/ 18514 w 21600"/>
-              <a:gd name="T9" fmla="*/ 15000 h 21600"/>
-              <a:gd name="T10" fmla="*/ 21600 w 21600"/>
-              <a:gd name="T11" fmla="*/ 7200 h 21600"/>
-              <a:gd name="T12" fmla="*/ 17694720 60000 65536"/>
-              <a:gd name="T13" fmla="*/ 11796480 60000 65536"/>
-              <a:gd name="T14" fmla="*/ 11796480 60000 65536"/>
-              <a:gd name="T15" fmla="*/ 5898240 60000 65536"/>
-              <a:gd name="T16" fmla="*/ 0 60000 65536"/>
-              <a:gd name="T17" fmla="*/ 0 60000 65536"/>
-              <a:gd name="T18" fmla="*/ 0 w 21600"/>
-              <a:gd name="T19" fmla="*/ G12 h 21600"/>
-              <a:gd name="T20" fmla="*/ G1 w 21600"/>
-              <a:gd name="T21" fmla="*/ 21600 h 21600"/>
-            </a:gdLst>
-            <a:ahLst/>
-            <a:cxnLst>
-              <a:cxn ang="T12">
-                <a:pos x="T0" y="T1"/>
-              </a:cxn>
-              <a:cxn ang="T13">
-                <a:pos x="T2" y="T3"/>
-              </a:cxn>
-              <a:cxn ang="T14">
-                <a:pos x="T4" y="T5"/>
-              </a:cxn>
-              <a:cxn ang="T15">
-                <a:pos x="T6" y="T7"/>
-              </a:cxn>
-              <a:cxn ang="T16">
-                <a:pos x="T8" y="T9"/>
-              </a:cxn>
-              <a:cxn ang="T17">
-                <a:pos x="T10" y="T11"/>
-              </a:cxn>
-            </a:cxnLst>
-            <a:rect l="T18" t="T19" r="T20" b="T21"/>
-            <a:pathLst>
-              <a:path w="21600" h="21600">
-                <a:moveTo>
-                  <a:pt x="15429" y="0"/>
-                </a:moveTo>
-                <a:lnTo>
-                  <a:pt x="9257" y="7200"/>
-                </a:lnTo>
-                <a:lnTo>
-                  <a:pt x="12343" y="7200"/>
-                </a:lnTo>
-                <a:lnTo>
-                  <a:pt x="12343" y="14400"/>
-                </a:lnTo>
-                <a:lnTo>
-                  <a:pt x="0" y="14400"/>
-                </a:lnTo>
-                <a:lnTo>
-                  <a:pt x="0" y="21600"/>
-                </a:lnTo>
-                <a:lnTo>
-                  <a:pt x="18514" y="21600"/>
-                </a:lnTo>
-                <a:lnTo>
-                  <a:pt x="18514" y="7200"/>
-                </a:lnTo>
-                <a:lnTo>
-                  <a:pt x="21600" y="7200"/>
-                </a:lnTo>
-                <a:close/>
-              </a:path>
-            </a:pathLst>
-          </a:custGeom>
-          <a:solidFill>
-            <a:srgbClr val="FF0000"/>
-          </a:solidFill>
-          <a:ln w="9525">
-            <a:solidFill>
-              <a:schemeClr val="tx1"/>
-            </a:solidFill>
-            <a:miter lim="800000"/>
-            <a:headEnd/>
-            <a:tailEnd/>
-          </a:ln>
-        </p:spPr>
-        <p:txBody>
-          <a:bodyPr wrap="none" anchor="ctr"/>
-          <a:lstStyle/>
-          <a:p>
-            <a:endParaRPr lang="en-US"/>
-          </a:p>
-        </p:txBody>
-      </p:sp>
-      <p:sp>
-        <p:nvSpPr>
-          <p:cNvPr id="2" name="TextBox 1"/>
-          <p:cNvSpPr txBox="1"/>
-          <p:nvPr/>
-        </p:nvSpPr>
-        <p:spPr>
-          <a:xfrm>
-            <a:off x="895764" y="6350639"/>
-            <a:ext cx="5843304" cy="307777"/>
-          </a:xfrm>
-          <a:prstGeom prst="rect">
-            <a:avLst/>
-          </a:prstGeom>
-          <a:noFill/>
-        </p:spPr>
-        <p:txBody>
-          <a:bodyPr wrap="none" rtlCol="0">
-            <a:spAutoFit/>
-          </a:bodyPr>
-          <a:lstStyle/>
-          <a:p>
-            <a:r>
-              <a:rPr lang="en-US" dirty="0"/>
-              <a:t>Notice that we are using the look-ahead set to decide which rule to call!</a:t>
-            </a:r>
-          </a:p>
-        </p:txBody>
-      </p:sp>
     </p:spTree>
   </p:cSld>
   <p:clrMapOvr>
@@ -14219,7 +14168,7 @@
           </a:ln>
           <a:extLst>
             <a:ext uri="{909E8E84-426E-40dd-AFC4-6F175D3DCCD1}">
-              <a14:hiddenFill xmlns="" xmlns:a14="http://schemas.microsoft.com/office/drawing/2010/main">
+              <a14:hiddenFill xmlns:a14="http://schemas.microsoft.com/office/drawing/2010/main" xmlns="">
                 <a:solidFill>
                   <a:schemeClr val="accent1"/>
                 </a:solidFill>
@@ -15006,14 +14955,14 @@
           </a:ln>
           <a:extLst>
             <a:ext uri="{909E8E84-426E-40dd-AFC4-6F175D3DCCD1}">
-              <a14:hiddenFill xmlns="" xmlns:a14="http://schemas.microsoft.com/office/drawing/2010/main">
+              <a14:hiddenFill xmlns:a14="http://schemas.microsoft.com/office/drawing/2010/main" xmlns="">
                 <a:solidFill>
                   <a:schemeClr val="accent1"/>
                 </a:solidFill>
               </a14:hiddenFill>
             </a:ext>
             <a:ext uri="{91240B29-F687-4f45-9708-019B960494DF}">
-              <a14:hiddenLine xmlns="" xmlns:a14="http://schemas.microsoft.com/office/drawing/2010/main" w="9525">
+              <a14:hiddenLine xmlns:a14="http://schemas.microsoft.com/office/drawing/2010/main" xmlns="" w="9525">
                 <a:solidFill>
                   <a:schemeClr val="tx1"/>
                 </a:solidFill>
@@ -15369,7 +15318,7 @@
           </a:ln>
           <a:extLst>
             <a:ext uri="{909E8E84-426E-40dd-AFC4-6F175D3DCCD1}">
-              <a14:hiddenFill xmlns="" xmlns:a14="http://schemas.microsoft.com/office/drawing/2010/main">
+              <a14:hiddenFill xmlns:a14="http://schemas.microsoft.com/office/drawing/2010/main" xmlns="">
                 <a:solidFill>
                   <a:schemeClr val="accent1"/>
                 </a:solidFill>
@@ -15716,14 +15665,14 @@
           </a:ln>
           <a:extLst>
             <a:ext uri="{909E8E84-426E-40dd-AFC4-6F175D3DCCD1}">
-              <a14:hiddenFill xmlns="" xmlns:a14="http://schemas.microsoft.com/office/drawing/2010/main">
+              <a14:hiddenFill xmlns:a14="http://schemas.microsoft.com/office/drawing/2010/main" xmlns="">
                 <a:solidFill>
                   <a:schemeClr val="accent1"/>
                 </a:solidFill>
               </a14:hiddenFill>
             </a:ext>
             <a:ext uri="{91240B29-F687-4f45-9708-019B960494DF}">
-              <a14:hiddenLine xmlns="" xmlns:a14="http://schemas.microsoft.com/office/drawing/2010/main" w="9525">
+              <a14:hiddenLine xmlns:a14="http://schemas.microsoft.com/office/drawing/2010/main" xmlns="" w="9525">
                 <a:solidFill>
                   <a:schemeClr val="tx1"/>
                 </a:solidFill>
@@ -16095,14 +16044,14 @@
           </a:ln>
           <a:extLst>
             <a:ext uri="{909E8E84-426E-40dd-AFC4-6F175D3DCCD1}">
-              <a14:hiddenFill xmlns="" xmlns:a14="http://schemas.microsoft.com/office/drawing/2010/main">
+              <a14:hiddenFill xmlns:a14="http://schemas.microsoft.com/office/drawing/2010/main" xmlns="">
                 <a:solidFill>
                   <a:schemeClr val="accent1"/>
                 </a:solidFill>
               </a14:hiddenFill>
             </a:ext>
             <a:ext uri="{91240B29-F687-4f45-9708-019B960494DF}">
-              <a14:hiddenLine xmlns="" xmlns:a14="http://schemas.microsoft.com/office/drawing/2010/main" w="9525">
+              <a14:hiddenLine xmlns:a14="http://schemas.microsoft.com/office/drawing/2010/main" xmlns="" w="9525">
                 <a:solidFill>
                   <a:schemeClr val="tx1"/>
                 </a:solidFill>
@@ -16432,7 +16381,7 @@
           </a:ln>
           <a:extLst>
             <a:ext uri="{909E8E84-426E-40dd-AFC4-6F175D3DCCD1}">
-              <a14:hiddenFill xmlns="" xmlns:a14="http://schemas.microsoft.com/office/drawing/2010/main">
+              <a14:hiddenFill xmlns:a14="http://schemas.microsoft.com/office/drawing/2010/main" xmlns="">
                 <a:solidFill>
                   <a:schemeClr val="accent1"/>
                 </a:solidFill>
@@ -16990,7 +16939,7 @@
           <a:lstStyle/>
           <a:p>
             <a:r>
-              <a:rPr lang="en-US"/>
+              <a:rPr lang="en-US" dirty="0"/>
               <a:t>Constructing a Parser: An Example</a:t>
             </a:r>
           </a:p>
@@ -17023,7 +16972,7 @@
           </a:ln>
           <a:extLst>
             <a:ext uri="{909E8E84-426E-40dd-AFC4-6F175D3DCCD1}">
-              <a14:hiddenFill xmlns="" xmlns:a14="http://schemas.microsoft.com/office/drawing/2010/main">
+              <a14:hiddenFill xmlns:a14="http://schemas.microsoft.com/office/drawing/2010/main" xmlns="">
                 <a:solidFill>
                   <a:schemeClr val="accent1"/>
                 </a:solidFill>
@@ -17071,7 +17020,7 @@
           </a:ln>
           <a:extLst>
             <a:ext uri="{909E8E84-426E-40dd-AFC4-6F175D3DCCD1}">
-              <a14:hiddenFill xmlns="" xmlns:a14="http://schemas.microsoft.com/office/drawing/2010/main">
+              <a14:hiddenFill xmlns:a14="http://schemas.microsoft.com/office/drawing/2010/main" xmlns="">
                 <a:solidFill>
                   <a:schemeClr val="accent1"/>
                 </a:solidFill>
@@ -17846,7 +17795,7 @@
           <a:effectLst/>
           <a:extLst>
             <a:ext uri="{AF507438-7753-43e0-B8FC-AC1667EBCBE1}">
-              <a14:hiddenEffects xmlns="" xmlns:a14="http://schemas.microsoft.com/office/drawing/2010/main">
+              <a14:hiddenEffects xmlns:a14="http://schemas.microsoft.com/office/drawing/2010/main" xmlns="">
                 <a:effectLst>
                   <a:outerShdw blurRad="63500" dist="38099" dir="2700000" algn="ctr" rotWithShape="0">
                     <a:schemeClr val="bg2">
@@ -17891,7 +17840,7 @@
           <a:effectLst/>
           <a:extLst>
             <a:ext uri="{AF507438-7753-43e0-B8FC-AC1667EBCBE1}">
-              <a14:hiddenEffects xmlns="" xmlns:a14="http://schemas.microsoft.com/office/drawing/2010/main">
+              <a14:hiddenEffects xmlns:a14="http://schemas.microsoft.com/office/drawing/2010/main" xmlns="">
                 <a:effectLst>
                   <a:outerShdw blurRad="63500" dist="38099" dir="2700000" algn="ctr" rotWithShape="0">
                     <a:schemeClr val="bg2">
@@ -17936,7 +17885,7 @@
           <a:effectLst/>
           <a:extLst>
             <a:ext uri="{AF507438-7753-43e0-B8FC-AC1667EBCBE1}">
-              <a14:hiddenEffects xmlns="" xmlns:a14="http://schemas.microsoft.com/office/drawing/2010/main">
+              <a14:hiddenEffects xmlns:a14="http://schemas.microsoft.com/office/drawing/2010/main" xmlns="">
                 <a:effectLst>
                   <a:outerShdw blurRad="63500" dist="38099" dir="2700000" algn="ctr" rotWithShape="0">
                     <a:schemeClr val="bg2">
@@ -18018,7 +17967,7 @@
         <p:spPr>
           <a:xfrm>
             <a:off x="5105400" y="6096000"/>
-            <a:ext cx="684803" cy="307777"/>
+            <a:ext cx="433132" cy="307777"/>
           </a:xfrm>
           <a:prstGeom prst="rect">
             <a:avLst/>
@@ -18032,10 +17981,9 @@
           <a:lstStyle/>
           <a:p>
             <a:r>
-              <a:rPr lang="en-US" dirty="0" err="1"/>
-              <a:t>rhsvar</a:t>
-            </a:r>
-            <a:endParaRPr lang="en-US" dirty="0"/>
+              <a:rPr lang="en-US" dirty="0"/>
+              <a:t>var</a:t>
+            </a:r>
           </a:p>
         </p:txBody>
       </p:sp>
@@ -18101,7 +18049,7 @@
           <a:effectLst/>
           <a:extLst>
             <a:ext uri="{AF507438-7753-43e0-B8FC-AC1667EBCBE1}">
-              <a14:hiddenEffects xmlns="" xmlns:a14="http://schemas.microsoft.com/office/drawing/2010/main">
+              <a14:hiddenEffects xmlns:a14="http://schemas.microsoft.com/office/drawing/2010/main" xmlns="">
                 <a:effectLst>
                   <a:outerShdw blurRad="63500" dist="38099" dir="2700000" algn="ctr" rotWithShape="0">
                     <a:schemeClr val="bg2">
@@ -18146,7 +18094,7 @@
           <a:effectLst/>
           <a:extLst>
             <a:ext uri="{AF507438-7753-43e0-B8FC-AC1667EBCBE1}">
-              <a14:hiddenEffects xmlns="" xmlns:a14="http://schemas.microsoft.com/office/drawing/2010/main">
+              <a14:hiddenEffects xmlns:a14="http://schemas.microsoft.com/office/drawing/2010/main" xmlns="">
                 <a:effectLst>
                   <a:outerShdw blurRad="63500" dist="38099" dir="2700000" algn="ctr" rotWithShape="0">
                     <a:schemeClr val="bg2">
@@ -18169,9 +18117,9 @@
           <p:nvPr/>
         </p:nvCxnSpPr>
         <p:spPr bwMode="auto">
-          <a:xfrm>
-            <a:off x="5418667" y="5870377"/>
-            <a:ext cx="29135" cy="225623"/>
+          <a:xfrm flipH="1">
+            <a:off x="5321966" y="5870377"/>
+            <a:ext cx="96701" cy="225623"/>
           </a:xfrm>
           <a:prstGeom prst="line">
             <a:avLst/>
@@ -18191,7 +18139,7 @@
           <a:effectLst/>
           <a:extLst>
             <a:ext uri="{AF507438-7753-43e0-B8FC-AC1667EBCBE1}">
-              <a14:hiddenEffects xmlns="" xmlns:a14="http://schemas.microsoft.com/office/drawing/2010/main">
+              <a14:hiddenEffects xmlns:a14="http://schemas.microsoft.com/office/drawing/2010/main" xmlns="">
                 <a:effectLst>
                   <a:outerShdw blurRad="63500" dist="38099" dir="2700000" algn="ctr" rotWithShape="0">
                     <a:schemeClr val="bg2">
@@ -18236,7 +18184,7 @@
           <a:effectLst/>
           <a:extLst>
             <a:ext uri="{AF507438-7753-43e0-B8FC-AC1667EBCBE1}">
-              <a14:hiddenEffects xmlns="" xmlns:a14="http://schemas.microsoft.com/office/drawing/2010/main">
+              <a14:hiddenEffects xmlns:a14="http://schemas.microsoft.com/office/drawing/2010/main" xmlns="">
                 <a:effectLst>
                   <a:outerShdw blurRad="63500" dist="38099" dir="2700000" algn="ctr" rotWithShape="0">
                     <a:schemeClr val="bg2">
@@ -18260,8 +18208,8 @@
         </p:nvCxnSpPr>
         <p:spPr bwMode="auto">
           <a:xfrm>
-            <a:off x="5447802" y="6403777"/>
-            <a:ext cx="23415" cy="146446"/>
+            <a:off x="5321966" y="6403777"/>
+            <a:ext cx="149251" cy="146446"/>
           </a:xfrm>
           <a:prstGeom prst="line">
             <a:avLst/>
@@ -18281,7 +18229,7 @@
           <a:effectLst/>
           <a:extLst>
             <a:ext uri="{AF507438-7753-43e0-B8FC-AC1667EBCBE1}">
-              <a14:hiddenEffects xmlns="" xmlns:a14="http://schemas.microsoft.com/office/drawing/2010/main">
+              <a14:hiddenEffects xmlns:a14="http://schemas.microsoft.com/office/drawing/2010/main" xmlns="">
                 <a:effectLst>
                   <a:outerShdw blurRad="63500" dist="38099" dir="2700000" algn="ctr" rotWithShape="0">
                     <a:schemeClr val="bg2">
@@ -18326,7 +18274,7 @@
           <a:effectLst/>
           <a:extLst>
             <a:ext uri="{AF507438-7753-43e0-B8FC-AC1667EBCBE1}">
-              <a14:hiddenEffects xmlns="" xmlns:a14="http://schemas.microsoft.com/office/drawing/2010/main">
+              <a14:hiddenEffects xmlns:a14="http://schemas.microsoft.com/office/drawing/2010/main" xmlns="">
                 <a:effectLst>
                   <a:outerShdw blurRad="63500" dist="38099" dir="2700000" algn="ctr" rotWithShape="0">
                     <a:schemeClr val="bg2">
@@ -18400,7 +18348,7 @@
           <a:effectLst/>
           <a:extLst>
             <a:ext uri="{AF507438-7753-43e0-B8FC-AC1667EBCBE1}">
-              <a14:hiddenEffects xmlns="" xmlns:a14="http://schemas.microsoft.com/office/drawing/2010/main">
+              <a14:hiddenEffects xmlns:a14="http://schemas.microsoft.com/office/drawing/2010/main" xmlns="">
                 <a:effectLst>
                   <a:outerShdw blurRad="63500" dist="38099" dir="2700000" algn="ctr" rotWithShape="0">
                     <a:schemeClr val="bg2">
@@ -18440,7 +18388,7 @@
           </a:ln>
           <a:extLst>
             <a:ext uri="{909E8E84-426E-40dd-AFC4-6F175D3DCCD1}">
-              <a14:hiddenFill xmlns="" xmlns:a14="http://schemas.microsoft.com/office/drawing/2010/main">
+              <a14:hiddenFill xmlns:a14="http://schemas.microsoft.com/office/drawing/2010/main" xmlns="">
                 <a:solidFill>
                   <a:schemeClr val="accent1"/>
                 </a:solidFill>
@@ -18803,7 +18751,7 @@
           </a:ln>
           <a:extLst>
             <a:ext uri="{909E8E84-426E-40dd-AFC4-6F175D3DCCD1}">
-              <a14:hiddenFill xmlns="" xmlns:a14="http://schemas.microsoft.com/office/drawing/2010/main">
+              <a14:hiddenFill xmlns:a14="http://schemas.microsoft.com/office/drawing/2010/main" xmlns="">
                 <a:solidFill>
                   <a:schemeClr val="accent1"/>
                 </a:solidFill>
@@ -19422,35 +19370,6 @@
               <a:latin typeface="Courier New"/>
               <a:cs typeface="Courier New"/>
             </a:endParaRPr>
-          </a:p>
-        </p:txBody>
-      </p:sp>
-      <p:sp>
-        <p:nvSpPr>
-          <p:cNvPr id="9" name="Rectangle 8"/>
-          <p:cNvSpPr/>
-          <p:nvPr/>
-        </p:nvSpPr>
-        <p:spPr>
-          <a:xfrm>
-            <a:off x="4300932" y="3275112"/>
-            <a:ext cx="542136" cy="307777"/>
-          </a:xfrm>
-          <a:prstGeom prst="rect">
-            <a:avLst/>
-          </a:prstGeom>
-        </p:spPr>
-        <p:txBody>
-          <a:bodyPr wrap="none">
-            <a:spAutoFit/>
-          </a:bodyPr>
-          <a:lstStyle/>
-          <a:p>
-            <a:r>
-              <a:rPr lang="en-US" dirty="0" err="1"/>
-              <a:t>prog</a:t>
-            </a:r>
-            <a:endParaRPr lang="en-US" dirty="0"/>
           </a:p>
         </p:txBody>
       </p:sp>
@@ -19516,7 +19435,7 @@
           <a:effectLst/>
           <a:extLst>
             <a:ext uri="{AF507438-7753-43e0-B8FC-AC1667EBCBE1}">
-              <a14:hiddenEffects xmlns="" xmlns:a14="http://schemas.microsoft.com/office/drawing/2010/main">
+              <a14:hiddenEffects xmlns:a14="http://schemas.microsoft.com/office/drawing/2010/main" xmlns="">
                 <a:effectLst>
                   <a:outerShdw blurRad="63500" dist="38099" dir="2700000" algn="ctr" rotWithShape="0">
                     <a:schemeClr val="bg2">
@@ -19561,7 +19480,7 @@
           <a:effectLst/>
           <a:extLst>
             <a:ext uri="{AF507438-7753-43e0-B8FC-AC1667EBCBE1}">
-              <a14:hiddenEffects xmlns="" xmlns:a14="http://schemas.microsoft.com/office/drawing/2010/main">
+              <a14:hiddenEffects xmlns:a14="http://schemas.microsoft.com/office/drawing/2010/main" xmlns="">
                 <a:effectLst>
                   <a:outerShdw blurRad="63500" dist="38099" dir="2700000" algn="ctr" rotWithShape="0">
                     <a:schemeClr val="bg2">
@@ -19635,7 +19554,7 @@
           <a:effectLst/>
           <a:extLst>
             <a:ext uri="{AF507438-7753-43e0-B8FC-AC1667EBCBE1}">
-              <a14:hiddenEffects xmlns="" xmlns:a14="http://schemas.microsoft.com/office/drawing/2010/main">
+              <a14:hiddenEffects xmlns:a14="http://schemas.microsoft.com/office/drawing/2010/main" xmlns="">
                 <a:effectLst>
                   <a:outerShdw blurRad="63500" dist="38099" dir="2700000" algn="ctr" rotWithShape="0">
                     <a:schemeClr val="bg2">
@@ -20569,7 +20488,7 @@
           </a:ln>
           <a:extLst>
             <a:ext uri="{909E8E84-426E-40dd-AFC4-6F175D3DCCD1}">
-              <a14:hiddenFill xmlns="" xmlns:a14="http://schemas.microsoft.com/office/drawing/2010/main">
+              <a14:hiddenFill xmlns:a14="http://schemas.microsoft.com/office/drawing/2010/main" xmlns="">
                 <a:solidFill>
                   <a:schemeClr val="accent1"/>
                 </a:solidFill>
@@ -20780,14 +20699,14 @@
           </a:ln>
           <a:extLst>
             <a:ext uri="{909E8E84-426E-40dd-AFC4-6F175D3DCCD1}">
-              <a14:hiddenFill xmlns="" xmlns:a14="http://schemas.microsoft.com/office/drawing/2010/main">
+              <a14:hiddenFill xmlns:a14="http://schemas.microsoft.com/office/drawing/2010/main" xmlns="">
                 <a:solidFill>
                   <a:schemeClr val="accent1"/>
                 </a:solidFill>
               </a14:hiddenFill>
             </a:ext>
             <a:ext uri="{91240B29-F687-4f45-9708-019B960494DF}">
-              <a14:hiddenLine xmlns="" xmlns:a14="http://schemas.microsoft.com/office/drawing/2010/main" w="9525">
+              <a14:hiddenLine xmlns:a14="http://schemas.microsoft.com/office/drawing/2010/main" xmlns="" w="9525">
                 <a:solidFill>
                   <a:schemeClr val="tx1"/>
                 </a:solidFill>
@@ -21314,7 +21233,7 @@
           <a:effectLst/>
           <a:extLst>
             <a:ext uri="{AF507438-7753-43e0-B8FC-AC1667EBCBE1}">
-              <a14:hiddenEffects xmlns="" xmlns:a14="http://schemas.microsoft.com/office/drawing/2010/main">
+              <a14:hiddenEffects xmlns:a14="http://schemas.microsoft.com/office/drawing/2010/main" xmlns="">
                 <a:effectLst>
                   <a:outerShdw blurRad="63500" dist="38099" dir="2700000" algn="ctr" rotWithShape="0">
                     <a:schemeClr val="bg2">
@@ -21358,7 +21277,7 @@
           <a:effectLst/>
           <a:extLst>
             <a:ext uri="{AF507438-7753-43e0-B8FC-AC1667EBCBE1}">
-              <a14:hiddenEffects xmlns="" xmlns:a14="http://schemas.microsoft.com/office/drawing/2010/main">
+              <a14:hiddenEffects xmlns:a14="http://schemas.microsoft.com/office/drawing/2010/main" xmlns="">
                 <a:effectLst>
                   <a:outerShdw blurRad="63500" dist="38099" dir="2700000" algn="ctr" rotWithShape="0">
                     <a:schemeClr val="bg2">
@@ -21403,7 +21322,7 @@
           <a:effectLst/>
           <a:extLst>
             <a:ext uri="{AF507438-7753-43e0-B8FC-AC1667EBCBE1}">
-              <a14:hiddenEffects xmlns="" xmlns:a14="http://schemas.microsoft.com/office/drawing/2010/main">
+              <a14:hiddenEffects xmlns:a14="http://schemas.microsoft.com/office/drawing/2010/main" xmlns="">
                 <a:effectLst>
                   <a:outerShdw blurRad="63500" dist="38099" dir="2700000" algn="ctr" rotWithShape="0">
                     <a:schemeClr val="bg2">
@@ -21448,7 +21367,7 @@
           <a:effectLst/>
           <a:extLst>
             <a:ext uri="{AF507438-7753-43e0-B8FC-AC1667EBCBE1}">
-              <a14:hiddenEffects xmlns="" xmlns:a14="http://schemas.microsoft.com/office/drawing/2010/main">
+              <a14:hiddenEffects xmlns:a14="http://schemas.microsoft.com/office/drawing/2010/main" xmlns="">
                 <a:effectLst>
                   <a:outerShdw blurRad="63500" dist="38099" dir="2700000" algn="ctr" rotWithShape="0">
                     <a:schemeClr val="bg2">
@@ -21493,7 +21412,7 @@
           <a:effectLst/>
           <a:extLst>
             <a:ext uri="{AF507438-7753-43e0-B8FC-AC1667EBCBE1}">
-              <a14:hiddenEffects xmlns="" xmlns:a14="http://schemas.microsoft.com/office/drawing/2010/main">
+              <a14:hiddenEffects xmlns:a14="http://schemas.microsoft.com/office/drawing/2010/main" xmlns="">
                 <a:effectLst>
                   <a:outerShdw blurRad="63500" dist="38099" dir="2700000" algn="ctr" rotWithShape="0">
                     <a:schemeClr val="bg2">
@@ -21538,7 +21457,7 @@
           <a:effectLst/>
           <a:extLst>
             <a:ext uri="{AF507438-7753-43e0-B8FC-AC1667EBCBE1}">
-              <a14:hiddenEffects xmlns="" xmlns:a14="http://schemas.microsoft.com/office/drawing/2010/main">
+              <a14:hiddenEffects xmlns:a14="http://schemas.microsoft.com/office/drawing/2010/main" xmlns="">
                 <a:effectLst>
                   <a:outerShdw blurRad="63500" dist="38099" dir="2700000" algn="ctr" rotWithShape="0">
                     <a:schemeClr val="bg2">
@@ -21584,7 +21503,7 @@
           <a:effectLst/>
           <a:extLst>
             <a:ext uri="{AF507438-7753-43e0-B8FC-AC1667EBCBE1}">
-              <a14:hiddenEffects xmlns="" xmlns:a14="http://schemas.microsoft.com/office/drawing/2010/main">
+              <a14:hiddenEffects xmlns:a14="http://schemas.microsoft.com/office/drawing/2010/main" xmlns="">
                 <a:effectLst>
                   <a:outerShdw blurRad="63500" dist="38099" dir="2700000" algn="ctr" rotWithShape="0">
                     <a:schemeClr val="bg2">
@@ -21909,7 +21828,7 @@
           </a:ln>
           <a:extLst>
             <a:ext uri="{909E8E84-426E-40dd-AFC4-6F175D3DCCD1}">
-              <a14:hiddenFill xmlns="" xmlns:a14="http://schemas.microsoft.com/office/drawing/2010/main">
+              <a14:hiddenFill xmlns:a14="http://schemas.microsoft.com/office/drawing/2010/main" xmlns="">
                 <a:solidFill>
                   <a:schemeClr val="accent1"/>
                 </a:solidFill>
@@ -22189,7 +22108,7 @@
           <a:effectLst/>
           <a:extLst>
             <a:ext uri="{AF507438-7753-43e0-B8FC-AC1667EBCBE1}">
-              <a14:hiddenEffects xmlns="" xmlns:a14="http://schemas.microsoft.com/office/drawing/2010/main">
+              <a14:hiddenEffects xmlns:a14="http://schemas.microsoft.com/office/drawing/2010/main" xmlns="">
                 <a:effectLst>
                   <a:outerShdw blurRad="63500" dist="38099" dir="2700000" algn="ctr" rotWithShape="0">
                     <a:schemeClr val="bg2">
@@ -22234,7 +22153,7 @@
           <a:effectLst/>
           <a:extLst>
             <a:ext uri="{AF507438-7753-43e0-B8FC-AC1667EBCBE1}">
-              <a14:hiddenEffects xmlns="" xmlns:a14="http://schemas.microsoft.com/office/drawing/2010/main">
+              <a14:hiddenEffects xmlns:a14="http://schemas.microsoft.com/office/drawing/2010/main" xmlns="">
                 <a:effectLst>
                   <a:outerShdw blurRad="63500" dist="38099" dir="2700000" algn="ctr" rotWithShape="0">
                     <a:schemeClr val="bg2">
@@ -22321,7 +22240,7 @@
           <a:effectLst/>
           <a:extLst>
             <a:ext uri="{AF507438-7753-43e0-B8FC-AC1667EBCBE1}">
-              <a14:hiddenEffects xmlns:a14="http://schemas.microsoft.com/office/drawing/2010/main" xmlns="">
+              <a14:hiddenEffects xmlns="" xmlns:a14="http://schemas.microsoft.com/office/drawing/2010/main">
                 <a:effectLst>
                   <a:outerShdw blurRad="63500" dist="38099" dir="2700000" algn="ctr" rotWithShape="0">
                     <a:schemeClr val="bg2">
@@ -22815,7 +22734,7 @@
         <a:effectLst/>
         <a:extLst>
           <a:ext uri="{AF507438-7753-43e0-B8FC-AC1667EBCBE1}">
-            <a14:hiddenEffects xmlns="" xmlns:a14="http://schemas.microsoft.com/office/drawing/2010/main">
+            <a14:hiddenEffects xmlns:a14="http://schemas.microsoft.com/office/drawing/2010/main" xmlns="">
               <a:effectLst>
                 <a:outerShdw blurRad="63500" dist="38099" dir="2700000" algn="ctr" rotWithShape="0">
                   <a:schemeClr val="bg2">
@@ -22892,7 +22811,7 @@
         <a:effectLst/>
         <a:extLst>
           <a:ext uri="{AF507438-7753-43e0-B8FC-AC1667EBCBE1}">
-            <a14:hiddenEffects xmlns="" xmlns:a14="http://schemas.microsoft.com/office/drawing/2010/main">
+            <a14:hiddenEffects xmlns:a14="http://schemas.microsoft.com/office/drawing/2010/main" xmlns="">
               <a:effectLst>
                 <a:outerShdw blurRad="63500" dist="38099" dir="2700000" algn="ctr" rotWithShape="0">
                   <a:schemeClr val="bg2">

--- a/notes/csc402-ln002.pptx
+++ b/notes/csc402-ln002.pptx
@@ -5,7 +5,7 @@
     <p:sldMasterId id="2147483649" r:id="rId1"/>
   </p:sldMasterIdLst>
   <p:notesMasterIdLst>
-    <p:notesMasterId r:id="rId31"/>
+    <p:notesMasterId r:id="rId33"/>
   </p:notesMasterIdLst>
   <p:sldIdLst>
     <p:sldId id="276" r:id="rId2"/>
@@ -36,7 +36,9 @@
     <p:sldId id="269" r:id="rId27"/>
     <p:sldId id="289" r:id="rId28"/>
     <p:sldId id="290" r:id="rId29"/>
-    <p:sldId id="273" r:id="rId30"/>
+    <p:sldId id="291" r:id="rId30"/>
+    <p:sldId id="292" r:id="rId31"/>
+    <p:sldId id="273" r:id="rId32"/>
   </p:sldIdLst>
   <p:sldSz cx="9144000" cy="6858000" type="screen4x3"/>
   <p:notesSz cx="6858000" cy="9144000"/>
@@ -233,17 +235,17 @@
           </a:ln>
           <a:extLst>
             <a:ext uri="{FAA26D3D-D897-4be2-8F04-BA451C77F1D7}">
-              <ma14:placeholderFlag xmlns:ma14="http://schemas.microsoft.com/office/mac/drawingml/2011/main" xmlns="" val="1"/>
+              <ma14:placeholderFlag xmlns="" xmlns:ma14="http://schemas.microsoft.com/office/mac/drawingml/2011/main" val="1"/>
             </a:ext>
             <a:ext uri="{909E8E84-426E-40dd-AFC4-6F175D3DCCD1}">
-              <a14:hiddenFill xmlns="" xmlns:a14="http://schemas.microsoft.com/office/drawing/2010/main">
+              <a14:hiddenFill xmlns:a14="http://schemas.microsoft.com/office/drawing/2010/main" xmlns="">
                 <a:solidFill>
                   <a:schemeClr val="accent1"/>
                 </a:solidFill>
               </a14:hiddenFill>
             </a:ext>
             <a:ext uri="{91240B29-F687-4f45-9708-019B960494DF}">
-              <a14:hiddenLine xmlns="" xmlns:a14="http://schemas.microsoft.com/office/drawing/2010/main" w="9525">
+              <a14:hiddenLine xmlns:a14="http://schemas.microsoft.com/office/drawing/2010/main" xmlns="" w="9525">
                 <a:solidFill>
                   <a:schemeClr val="tx1"/>
                 </a:solidFill>
@@ -294,17 +296,17 @@
           </a:ln>
           <a:extLst>
             <a:ext uri="{FAA26D3D-D897-4be2-8F04-BA451C77F1D7}">
-              <ma14:placeholderFlag xmlns:ma14="http://schemas.microsoft.com/office/mac/drawingml/2011/main" xmlns="" val="1"/>
+              <ma14:placeholderFlag xmlns="" xmlns:ma14="http://schemas.microsoft.com/office/mac/drawingml/2011/main" val="1"/>
             </a:ext>
             <a:ext uri="{909E8E84-426E-40dd-AFC4-6F175D3DCCD1}">
-              <a14:hiddenFill xmlns="" xmlns:a14="http://schemas.microsoft.com/office/drawing/2010/main">
+              <a14:hiddenFill xmlns:a14="http://schemas.microsoft.com/office/drawing/2010/main" xmlns="">
                 <a:solidFill>
                   <a:schemeClr val="accent1"/>
                 </a:solidFill>
               </a14:hiddenFill>
             </a:ext>
             <a:ext uri="{91240B29-F687-4f45-9708-019B960494DF}">
-              <a14:hiddenLine xmlns="" xmlns:a14="http://schemas.microsoft.com/office/drawing/2010/main" w="9525">
+              <a14:hiddenLine xmlns:a14="http://schemas.microsoft.com/office/drawing/2010/main" xmlns="" w="9525">
                 <a:solidFill>
                   <a:schemeClr val="tx1"/>
                 </a:solidFill>
@@ -361,7 +363,7 @@
           <a:effectLst/>
           <a:extLst>
             <a:ext uri="{AF507438-7753-43e0-B8FC-AC1667EBCBE1}">
-              <a14:hiddenEffects xmlns="" xmlns:a14="http://schemas.microsoft.com/office/drawing/2010/main">
+              <a14:hiddenEffects xmlns:a14="http://schemas.microsoft.com/office/drawing/2010/main" xmlns="">
                 <a:effectLst>
                   <a:outerShdw blurRad="63500" dist="38099" dir="2700000" algn="ctr" rotWithShape="0">
                     <a:srgbClr val="000000">
@@ -372,7 +374,7 @@
               </a14:hiddenEffects>
             </a:ext>
             <a:ext uri="{53640926-AAD7-44d8-BBD7-CCE9431645EC}">
-              <a14:shadowObscured xmlns="" xmlns:a14="http://schemas.microsoft.com/office/drawing/2010/main" val="1"/>
+              <a14:shadowObscured xmlns:a14="http://schemas.microsoft.com/office/drawing/2010/main" xmlns="" val="1"/>
             </a:ext>
           </a:extLst>
         </p:spPr>
@@ -401,17 +403,17 @@
           </a:ln>
           <a:extLst>
             <a:ext uri="{FAA26D3D-D897-4be2-8F04-BA451C77F1D7}">
-              <ma14:placeholderFlag xmlns:ma14="http://schemas.microsoft.com/office/mac/drawingml/2011/main" xmlns="" val="1"/>
+              <ma14:placeholderFlag xmlns="" xmlns:ma14="http://schemas.microsoft.com/office/mac/drawingml/2011/main" val="1"/>
             </a:ext>
             <a:ext uri="{909E8E84-426E-40dd-AFC4-6F175D3DCCD1}">
-              <a14:hiddenFill xmlns="" xmlns:a14="http://schemas.microsoft.com/office/drawing/2010/main">
+              <a14:hiddenFill xmlns:a14="http://schemas.microsoft.com/office/drawing/2010/main" xmlns="">
                 <a:solidFill>
                   <a:schemeClr val="accent1"/>
                 </a:solidFill>
               </a14:hiddenFill>
             </a:ext>
             <a:ext uri="{91240B29-F687-4f45-9708-019B960494DF}">
-              <a14:hiddenLine xmlns="" xmlns:a14="http://schemas.microsoft.com/office/drawing/2010/main" w="9525">
+              <a14:hiddenLine xmlns:a14="http://schemas.microsoft.com/office/drawing/2010/main" xmlns="" w="9525">
                 <a:solidFill>
                   <a:schemeClr val="tx1"/>
                 </a:solidFill>
@@ -490,17 +492,17 @@
           </a:ln>
           <a:extLst>
             <a:ext uri="{FAA26D3D-D897-4be2-8F04-BA451C77F1D7}">
-              <ma14:placeholderFlag xmlns:ma14="http://schemas.microsoft.com/office/mac/drawingml/2011/main" xmlns="" val="1"/>
+              <ma14:placeholderFlag xmlns="" xmlns:ma14="http://schemas.microsoft.com/office/mac/drawingml/2011/main" val="1"/>
             </a:ext>
             <a:ext uri="{909E8E84-426E-40dd-AFC4-6F175D3DCCD1}">
-              <a14:hiddenFill xmlns="" xmlns:a14="http://schemas.microsoft.com/office/drawing/2010/main">
+              <a14:hiddenFill xmlns:a14="http://schemas.microsoft.com/office/drawing/2010/main" xmlns="">
                 <a:solidFill>
                   <a:schemeClr val="accent1"/>
                 </a:solidFill>
               </a14:hiddenFill>
             </a:ext>
             <a:ext uri="{91240B29-F687-4f45-9708-019B960494DF}">
-              <a14:hiddenLine xmlns="" xmlns:a14="http://schemas.microsoft.com/office/drawing/2010/main" w="9525">
+              <a14:hiddenLine xmlns:a14="http://schemas.microsoft.com/office/drawing/2010/main" xmlns="" w="9525">
                 <a:solidFill>
                   <a:schemeClr val="tx1"/>
                 </a:solidFill>
@@ -551,17 +553,17 @@
           </a:ln>
           <a:extLst>
             <a:ext uri="{FAA26D3D-D897-4be2-8F04-BA451C77F1D7}">
-              <ma14:placeholderFlag xmlns:ma14="http://schemas.microsoft.com/office/mac/drawingml/2011/main" xmlns="" val="1"/>
+              <ma14:placeholderFlag xmlns="" xmlns:ma14="http://schemas.microsoft.com/office/mac/drawingml/2011/main" val="1"/>
             </a:ext>
             <a:ext uri="{909E8E84-426E-40dd-AFC4-6F175D3DCCD1}">
-              <a14:hiddenFill xmlns="" xmlns:a14="http://schemas.microsoft.com/office/drawing/2010/main">
+              <a14:hiddenFill xmlns:a14="http://schemas.microsoft.com/office/drawing/2010/main" xmlns="">
                 <a:solidFill>
                   <a:schemeClr val="accent1"/>
                 </a:solidFill>
               </a14:hiddenFill>
             </a:ext>
             <a:ext uri="{91240B29-F687-4f45-9708-019B960494DF}">
-              <a14:hiddenLine xmlns="" xmlns:a14="http://schemas.microsoft.com/office/drawing/2010/main" w="9525">
+              <a14:hiddenLine xmlns:a14="http://schemas.microsoft.com/office/drawing/2010/main" xmlns="" w="9525">
                 <a:solidFill>
                   <a:schemeClr val="tx1"/>
                 </a:solidFill>
@@ -783,7 +785,7 @@
           <a:ln/>
           <a:extLst>
             <a:ext uri="{FAA26D3D-D897-4be2-8F04-BA451C77F1D7}">
-              <ma14:placeholderFlag xmlns:ma14="http://schemas.microsoft.com/office/mac/drawingml/2011/main" xmlns="" val="1"/>
+              <ma14:placeholderFlag xmlns="" xmlns:ma14="http://schemas.microsoft.com/office/mac/drawingml/2011/main" val="1"/>
             </a:ext>
           </a:extLst>
         </p:spPr>
@@ -872,7 +874,7 @@
           <a:ln/>
           <a:extLst>
             <a:ext uri="{FAA26D3D-D897-4be2-8F04-BA451C77F1D7}">
-              <ma14:placeholderFlag xmlns:ma14="http://schemas.microsoft.com/office/mac/drawingml/2011/main" xmlns="" val="1"/>
+              <ma14:placeholderFlag xmlns="" xmlns:ma14="http://schemas.microsoft.com/office/mac/drawingml/2011/main" val="1"/>
             </a:ext>
           </a:extLst>
         </p:spPr>
@@ -961,7 +963,7 @@
           <a:ln/>
           <a:extLst>
             <a:ext uri="{FAA26D3D-D897-4be2-8F04-BA451C77F1D7}">
-              <ma14:placeholderFlag xmlns:ma14="http://schemas.microsoft.com/office/mac/drawingml/2011/main" xmlns="" val="1"/>
+              <ma14:placeholderFlag xmlns="" xmlns:ma14="http://schemas.microsoft.com/office/mac/drawingml/2011/main" val="1"/>
             </a:ext>
           </a:extLst>
         </p:spPr>
@@ -1050,7 +1052,7 @@
           <a:ln/>
           <a:extLst>
             <a:ext uri="{FAA26D3D-D897-4be2-8F04-BA451C77F1D7}">
-              <ma14:placeholderFlag xmlns:ma14="http://schemas.microsoft.com/office/mac/drawingml/2011/main" xmlns="" val="1"/>
+              <ma14:placeholderFlag xmlns="" xmlns:ma14="http://schemas.microsoft.com/office/mac/drawingml/2011/main" val="1"/>
             </a:ext>
           </a:extLst>
         </p:spPr>
@@ -1139,7 +1141,7 @@
           <a:ln/>
           <a:extLst>
             <a:ext uri="{FAA26D3D-D897-4be2-8F04-BA451C77F1D7}">
-              <ma14:placeholderFlag xmlns:ma14="http://schemas.microsoft.com/office/mac/drawingml/2011/main" xmlns="" val="1"/>
+              <ma14:placeholderFlag xmlns="" xmlns:ma14="http://schemas.microsoft.com/office/mac/drawingml/2011/main" val="1"/>
             </a:ext>
           </a:extLst>
         </p:spPr>
@@ -1228,7 +1230,7 @@
           <a:ln/>
           <a:extLst>
             <a:ext uri="{FAA26D3D-D897-4be2-8F04-BA451C77F1D7}">
-              <ma14:placeholderFlag xmlns:ma14="http://schemas.microsoft.com/office/mac/drawingml/2011/main" xmlns="" val="1"/>
+              <ma14:placeholderFlag xmlns="" xmlns:ma14="http://schemas.microsoft.com/office/mac/drawingml/2011/main" val="1"/>
             </a:ext>
           </a:extLst>
         </p:spPr>
@@ -1317,7 +1319,7 @@
           <a:ln/>
           <a:extLst>
             <a:ext uri="{FAA26D3D-D897-4be2-8F04-BA451C77F1D7}">
-              <ma14:placeholderFlag xmlns:ma14="http://schemas.microsoft.com/office/mac/drawingml/2011/main" xmlns="" val="1"/>
+              <ma14:placeholderFlag xmlns="" xmlns:ma14="http://schemas.microsoft.com/office/mac/drawingml/2011/main" val="1"/>
             </a:ext>
           </a:extLst>
         </p:spPr>
@@ -1406,7 +1408,7 @@
           <a:ln/>
           <a:extLst>
             <a:ext uri="{FAA26D3D-D897-4be2-8F04-BA451C77F1D7}">
-              <ma14:placeholderFlag xmlns:ma14="http://schemas.microsoft.com/office/mac/drawingml/2011/main" xmlns="" val="1"/>
+              <ma14:placeholderFlag xmlns="" xmlns:ma14="http://schemas.microsoft.com/office/mac/drawingml/2011/main" val="1"/>
             </a:ext>
           </a:extLst>
         </p:spPr>
@@ -1495,7 +1497,7 @@
           <a:ln/>
           <a:extLst>
             <a:ext uri="{FAA26D3D-D897-4be2-8F04-BA451C77F1D7}">
-              <ma14:placeholderFlag xmlns:ma14="http://schemas.microsoft.com/office/mac/drawingml/2011/main" xmlns="" val="1"/>
+              <ma14:placeholderFlag xmlns="" xmlns:ma14="http://schemas.microsoft.com/office/mac/drawingml/2011/main" val="1"/>
             </a:ext>
           </a:extLst>
         </p:spPr>
@@ -1564,7 +1566,7 @@
             <a:fld id="{C4563DD0-9C28-644C-BF19-35289DCA5972}" type="slidenum">
               <a:rPr lang="en-US"/>
               <a:pPr/>
-              <a:t>29</a:t>
+              <a:t>31</a:t>
             </a:fld>
             <a:endParaRPr lang="en-US"/>
           </a:p>
@@ -1584,7 +1586,7 @@
           <a:ln/>
           <a:extLst>
             <a:ext uri="{FAA26D3D-D897-4be2-8F04-BA451C77F1D7}">
-              <ma14:placeholderFlag xmlns:ma14="http://schemas.microsoft.com/office/mac/drawingml/2011/main" xmlns="" val="1"/>
+              <ma14:placeholderFlag xmlns="" xmlns:ma14="http://schemas.microsoft.com/office/mac/drawingml/2011/main" val="1"/>
             </a:ext>
           </a:extLst>
         </p:spPr>
@@ -1673,7 +1675,7 @@
           <a:ln/>
           <a:extLst>
             <a:ext uri="{FAA26D3D-D897-4be2-8F04-BA451C77F1D7}">
-              <ma14:placeholderFlag xmlns:ma14="http://schemas.microsoft.com/office/mac/drawingml/2011/main" xmlns="" val="1"/>
+              <ma14:placeholderFlag xmlns="" xmlns:ma14="http://schemas.microsoft.com/office/mac/drawingml/2011/main" val="1"/>
             </a:ext>
           </a:extLst>
         </p:spPr>
@@ -1762,7 +1764,7 @@
           <a:ln/>
           <a:extLst>
             <a:ext uri="{FAA26D3D-D897-4be2-8F04-BA451C77F1D7}">
-              <ma14:placeholderFlag xmlns:ma14="http://schemas.microsoft.com/office/mac/drawingml/2011/main" xmlns="" val="1"/>
+              <ma14:placeholderFlag xmlns="" xmlns:ma14="http://schemas.microsoft.com/office/mac/drawingml/2011/main" val="1"/>
             </a:ext>
           </a:extLst>
         </p:spPr>
@@ -1851,7 +1853,7 @@
           <a:ln/>
           <a:extLst>
             <a:ext uri="{FAA26D3D-D897-4be2-8F04-BA451C77F1D7}">
-              <ma14:placeholderFlag xmlns:ma14="http://schemas.microsoft.com/office/mac/drawingml/2011/main" xmlns="" val="1"/>
+              <ma14:placeholderFlag xmlns="" xmlns:ma14="http://schemas.microsoft.com/office/mac/drawingml/2011/main" val="1"/>
             </a:ext>
           </a:extLst>
         </p:spPr>
@@ -1940,7 +1942,7 @@
           <a:ln/>
           <a:extLst>
             <a:ext uri="{FAA26D3D-D897-4be2-8F04-BA451C77F1D7}">
-              <ma14:placeholderFlag xmlns:ma14="http://schemas.microsoft.com/office/mac/drawingml/2011/main" xmlns="" val="1"/>
+              <ma14:placeholderFlag xmlns="" xmlns:ma14="http://schemas.microsoft.com/office/mac/drawingml/2011/main" val="1"/>
             </a:ext>
           </a:extLst>
         </p:spPr>
@@ -2029,7 +2031,7 @@
           <a:ln/>
           <a:extLst>
             <a:ext uri="{FAA26D3D-D897-4be2-8F04-BA451C77F1D7}">
-              <ma14:placeholderFlag xmlns:ma14="http://schemas.microsoft.com/office/mac/drawingml/2011/main" xmlns="" val="1"/>
+              <ma14:placeholderFlag xmlns="" xmlns:ma14="http://schemas.microsoft.com/office/mac/drawingml/2011/main" val="1"/>
             </a:ext>
           </a:extLst>
         </p:spPr>
@@ -2118,7 +2120,7 @@
           <a:ln/>
           <a:extLst>
             <a:ext uri="{FAA26D3D-D897-4be2-8F04-BA451C77F1D7}">
-              <ma14:placeholderFlag xmlns:ma14="http://schemas.microsoft.com/office/mac/drawingml/2011/main" xmlns="" val="1"/>
+              <ma14:placeholderFlag xmlns="" xmlns:ma14="http://schemas.microsoft.com/office/mac/drawingml/2011/main" val="1"/>
             </a:ext>
           </a:extLst>
         </p:spPr>
@@ -2207,7 +2209,7 @@
           <a:ln/>
           <a:extLst>
             <a:ext uri="{FAA26D3D-D897-4be2-8F04-BA451C77F1D7}">
-              <ma14:placeholderFlag xmlns:ma14="http://schemas.microsoft.com/office/mac/drawingml/2011/main" xmlns="" val="1"/>
+              <ma14:placeholderFlag xmlns="" xmlns:ma14="http://schemas.microsoft.com/office/mac/drawingml/2011/main" val="1"/>
             </a:ext>
           </a:extLst>
         </p:spPr>
@@ -2320,7 +2322,7 @@
           </a:ln>
           <a:extLst>
             <a:ext uri="{FAA26D3D-D897-4be2-8F04-BA451C77F1D7}">
-              <ma14:placeholderFlag xmlns:ma14="http://schemas.microsoft.com/office/mac/drawingml/2011/main" xmlns="" val="1"/>
+              <ma14:placeholderFlag xmlns="" xmlns:ma14="http://schemas.microsoft.com/office/mac/drawingml/2011/main" val="1"/>
             </a:ext>
           </a:extLst>
         </p:spPr>
@@ -2356,7 +2358,7 @@
           </a:ln>
           <a:extLst>
             <a:ext uri="{FAA26D3D-D897-4be2-8F04-BA451C77F1D7}">
-              <ma14:placeholderFlag xmlns:ma14="http://schemas.microsoft.com/office/mac/drawingml/2011/main" xmlns="" val="1"/>
+              <ma14:placeholderFlag xmlns="" xmlns:ma14="http://schemas.microsoft.com/office/mac/drawingml/2011/main" val="1"/>
             </a:ext>
           </a:extLst>
         </p:spPr>
@@ -2421,12 +2423,12 @@
           <a:effectLst/>
           <a:extLst>
             <a:ext uri="{909E8E84-426E-40dd-AFC4-6F175D3DCCD1}">
-              <a14:hiddenFill xmlns="" xmlns:a14="http://schemas.microsoft.com/office/drawing/2010/main">
+              <a14:hiddenFill xmlns:a14="http://schemas.microsoft.com/office/drawing/2010/main" xmlns="">
                 <a:noFill/>
               </a14:hiddenFill>
             </a:ext>
             <a:ext uri="{AF507438-7753-43e0-B8FC-AC1667EBCBE1}">
-              <a14:hiddenEffects xmlns="" xmlns:a14="http://schemas.microsoft.com/office/drawing/2010/main">
+              <a14:hiddenEffects xmlns:a14="http://schemas.microsoft.com/office/drawing/2010/main" xmlns="">
                 <a:effectLst>
                   <a:outerShdw blurRad="63500" dist="38099" dir="2700000" algn="ctr" rotWithShape="0">
                     <a:schemeClr val="bg2">
@@ -2627,7 +2629,7 @@
             <a:effectLst/>
             <a:extLst>
               <a:ext uri="{91240B29-F687-4f45-9708-019B960494DF}">
-                <a14:hiddenLine xmlns="" xmlns:a14="http://schemas.microsoft.com/office/drawing/2010/main" w="9525">
+                <a14:hiddenLine xmlns:a14="http://schemas.microsoft.com/office/drawing/2010/main" xmlns="" w="9525">
                   <a:solidFill>
                     <a:schemeClr val="tx1"/>
                   </a:solidFill>
@@ -2637,7 +2639,7 @@
                 </a14:hiddenLine>
               </a:ext>
               <a:ext uri="{AF507438-7753-43e0-B8FC-AC1667EBCBE1}">
-                <a14:hiddenEffects xmlns="" xmlns:a14="http://schemas.microsoft.com/office/drawing/2010/main">
+                <a14:hiddenEffects xmlns:a14="http://schemas.microsoft.com/office/drawing/2010/main" xmlns="">
                   <a:effectLst>
                     <a:outerShdw blurRad="63500" dist="38099" dir="2700000" algn="ctr" rotWithShape="0">
                       <a:schemeClr val="bg2">
@@ -2682,7 +2684,7 @@
             <a:effectLst/>
             <a:extLst>
               <a:ext uri="{91240B29-F687-4f45-9708-019B960494DF}">
-                <a14:hiddenLine xmlns="" xmlns:a14="http://schemas.microsoft.com/office/drawing/2010/main" w="9525">
+                <a14:hiddenLine xmlns:a14="http://schemas.microsoft.com/office/drawing/2010/main" xmlns="" w="9525">
                   <a:solidFill>
                     <a:schemeClr val="tx1"/>
                   </a:solidFill>
@@ -2692,7 +2694,7 @@
                 </a14:hiddenLine>
               </a:ext>
               <a:ext uri="{AF507438-7753-43e0-B8FC-AC1667EBCBE1}">
-                <a14:hiddenEffects xmlns="" xmlns:a14="http://schemas.microsoft.com/office/drawing/2010/main">
+                <a14:hiddenEffects xmlns:a14="http://schemas.microsoft.com/office/drawing/2010/main" xmlns="">
                   <a:effectLst>
                     <a:outerShdw blurRad="63500" dist="38099" dir="2700000" algn="ctr" rotWithShape="0">
                       <a:schemeClr val="bg2">
@@ -2737,7 +2739,7 @@
             <a:effectLst/>
             <a:extLst>
               <a:ext uri="{91240B29-F687-4f45-9708-019B960494DF}">
-                <a14:hiddenLine xmlns="" xmlns:a14="http://schemas.microsoft.com/office/drawing/2010/main" w="9525">
+                <a14:hiddenLine xmlns:a14="http://schemas.microsoft.com/office/drawing/2010/main" xmlns="" w="9525">
                   <a:solidFill>
                     <a:schemeClr val="tx1"/>
                   </a:solidFill>
@@ -2747,7 +2749,7 @@
                 </a14:hiddenLine>
               </a:ext>
               <a:ext uri="{AF507438-7753-43e0-B8FC-AC1667EBCBE1}">
-                <a14:hiddenEffects xmlns="" xmlns:a14="http://schemas.microsoft.com/office/drawing/2010/main">
+                <a14:hiddenEffects xmlns:a14="http://schemas.microsoft.com/office/drawing/2010/main" xmlns="">
                   <a:effectLst>
                     <a:outerShdw blurRad="63500" dist="38099" dir="2700000" algn="ctr" rotWithShape="0">
                       <a:schemeClr val="bg2">
@@ -2792,7 +2794,7 @@
             <a:effectLst/>
             <a:extLst>
               <a:ext uri="{91240B29-F687-4f45-9708-019B960494DF}">
-                <a14:hiddenLine xmlns="" xmlns:a14="http://schemas.microsoft.com/office/drawing/2010/main" w="9525">
+                <a14:hiddenLine xmlns:a14="http://schemas.microsoft.com/office/drawing/2010/main" xmlns="" w="9525">
                   <a:solidFill>
                     <a:schemeClr val="tx1"/>
                   </a:solidFill>
@@ -2802,7 +2804,7 @@
                 </a14:hiddenLine>
               </a:ext>
               <a:ext uri="{AF507438-7753-43e0-B8FC-AC1667EBCBE1}">
-                <a14:hiddenEffects xmlns="" xmlns:a14="http://schemas.microsoft.com/office/drawing/2010/main">
+                <a14:hiddenEffects xmlns:a14="http://schemas.microsoft.com/office/drawing/2010/main" xmlns="">
                   <a:effectLst>
                     <a:outerShdw blurRad="63500" dist="38099" dir="2700000" algn="ctr" rotWithShape="0">
                       <a:schemeClr val="bg2">
@@ -2847,7 +2849,7 @@
             <a:effectLst/>
             <a:extLst>
               <a:ext uri="{91240B29-F687-4f45-9708-019B960494DF}">
-                <a14:hiddenLine xmlns="" xmlns:a14="http://schemas.microsoft.com/office/drawing/2010/main" w="9525">
+                <a14:hiddenLine xmlns:a14="http://schemas.microsoft.com/office/drawing/2010/main" xmlns="" w="9525">
                   <a:solidFill>
                     <a:schemeClr val="tx1"/>
                   </a:solidFill>
@@ -2857,7 +2859,7 @@
                 </a14:hiddenLine>
               </a:ext>
               <a:ext uri="{AF507438-7753-43e0-B8FC-AC1667EBCBE1}">
-                <a14:hiddenEffects xmlns="" xmlns:a14="http://schemas.microsoft.com/office/drawing/2010/main">
+                <a14:hiddenEffects xmlns:a14="http://schemas.microsoft.com/office/drawing/2010/main" xmlns="">
                   <a:effectLst>
                     <a:outerShdw blurRad="63500" dist="38099" dir="2700000" algn="ctr" rotWithShape="0">
                       <a:schemeClr val="bg2">
@@ -2902,7 +2904,7 @@
             <a:effectLst/>
             <a:extLst>
               <a:ext uri="{91240B29-F687-4f45-9708-019B960494DF}">
-                <a14:hiddenLine xmlns="" xmlns:a14="http://schemas.microsoft.com/office/drawing/2010/main" w="9525">
+                <a14:hiddenLine xmlns:a14="http://schemas.microsoft.com/office/drawing/2010/main" xmlns="" w="9525">
                   <a:solidFill>
                     <a:schemeClr val="tx1"/>
                   </a:solidFill>
@@ -2912,7 +2914,7 @@
                 </a14:hiddenLine>
               </a:ext>
               <a:ext uri="{AF507438-7753-43e0-B8FC-AC1667EBCBE1}">
-                <a14:hiddenEffects xmlns="" xmlns:a14="http://schemas.microsoft.com/office/drawing/2010/main">
+                <a14:hiddenEffects xmlns:a14="http://schemas.microsoft.com/office/drawing/2010/main" xmlns="">
                   <a:effectLst>
                     <a:outerShdw blurRad="63500" dist="38099" dir="2700000" algn="ctr" rotWithShape="0">
                       <a:schemeClr val="bg2">
@@ -2957,7 +2959,7 @@
             <a:effectLst/>
             <a:extLst>
               <a:ext uri="{91240B29-F687-4f45-9708-019B960494DF}">
-                <a14:hiddenLine xmlns="" xmlns:a14="http://schemas.microsoft.com/office/drawing/2010/main" w="9525">
+                <a14:hiddenLine xmlns:a14="http://schemas.microsoft.com/office/drawing/2010/main" xmlns="" w="9525">
                   <a:solidFill>
                     <a:schemeClr val="tx1"/>
                   </a:solidFill>
@@ -2967,7 +2969,7 @@
                 </a14:hiddenLine>
               </a:ext>
               <a:ext uri="{AF507438-7753-43e0-B8FC-AC1667EBCBE1}">
-                <a14:hiddenEffects xmlns="" xmlns:a14="http://schemas.microsoft.com/office/drawing/2010/main">
+                <a14:hiddenEffects xmlns:a14="http://schemas.microsoft.com/office/drawing/2010/main" xmlns="">
                   <a:effectLst>
                     <a:outerShdw blurRad="63500" dist="38099" dir="2700000" algn="ctr" rotWithShape="0">
                       <a:schemeClr val="bg2">
@@ -3012,7 +3014,7 @@
             <a:effectLst/>
             <a:extLst>
               <a:ext uri="{91240B29-F687-4f45-9708-019B960494DF}">
-                <a14:hiddenLine xmlns="" xmlns:a14="http://schemas.microsoft.com/office/drawing/2010/main" w="9525">
+                <a14:hiddenLine xmlns:a14="http://schemas.microsoft.com/office/drawing/2010/main" xmlns="" w="9525">
                   <a:solidFill>
                     <a:schemeClr val="tx1"/>
                   </a:solidFill>
@@ -3022,7 +3024,7 @@
                 </a14:hiddenLine>
               </a:ext>
               <a:ext uri="{AF507438-7753-43e0-B8FC-AC1667EBCBE1}">
-                <a14:hiddenEffects xmlns="" xmlns:a14="http://schemas.microsoft.com/office/drawing/2010/main">
+                <a14:hiddenEffects xmlns:a14="http://schemas.microsoft.com/office/drawing/2010/main" xmlns="">
                   <a:effectLst>
                     <a:outerShdw blurRad="63500" dist="38099" dir="2700000" algn="ctr" rotWithShape="0">
                       <a:schemeClr val="bg2">
@@ -3067,7 +3069,7 @@
             <a:effectLst/>
             <a:extLst>
               <a:ext uri="{91240B29-F687-4f45-9708-019B960494DF}">
-                <a14:hiddenLine xmlns="" xmlns:a14="http://schemas.microsoft.com/office/drawing/2010/main" w="9525">
+                <a14:hiddenLine xmlns:a14="http://schemas.microsoft.com/office/drawing/2010/main" xmlns="" w="9525">
                   <a:solidFill>
                     <a:schemeClr val="tx1"/>
                   </a:solidFill>
@@ -3077,7 +3079,7 @@
                 </a14:hiddenLine>
               </a:ext>
               <a:ext uri="{AF507438-7753-43e0-B8FC-AC1667EBCBE1}">
-                <a14:hiddenEffects xmlns="" xmlns:a14="http://schemas.microsoft.com/office/drawing/2010/main">
+                <a14:hiddenEffects xmlns:a14="http://schemas.microsoft.com/office/drawing/2010/main" xmlns="">
                   <a:effectLst>
                     <a:outerShdw blurRad="63500" dist="38099" dir="2700000" algn="ctr" rotWithShape="0">
                       <a:schemeClr val="bg2">
@@ -3122,7 +3124,7 @@
             <a:effectLst/>
             <a:extLst>
               <a:ext uri="{91240B29-F687-4f45-9708-019B960494DF}">
-                <a14:hiddenLine xmlns="" xmlns:a14="http://schemas.microsoft.com/office/drawing/2010/main" w="9525">
+                <a14:hiddenLine xmlns:a14="http://schemas.microsoft.com/office/drawing/2010/main" xmlns="" w="9525">
                   <a:solidFill>
                     <a:schemeClr val="tx1"/>
                   </a:solidFill>
@@ -3132,7 +3134,7 @@
                 </a14:hiddenLine>
               </a:ext>
               <a:ext uri="{AF507438-7753-43e0-B8FC-AC1667EBCBE1}">
-                <a14:hiddenEffects xmlns="" xmlns:a14="http://schemas.microsoft.com/office/drawing/2010/main">
+                <a14:hiddenEffects xmlns:a14="http://schemas.microsoft.com/office/drawing/2010/main" xmlns="">
                   <a:effectLst>
                     <a:outerShdw blurRad="63500" dist="38099" dir="2700000" algn="ctr" rotWithShape="0">
                       <a:schemeClr val="bg2">
@@ -3177,7 +3179,7 @@
             <a:effectLst/>
             <a:extLst>
               <a:ext uri="{91240B29-F687-4f45-9708-019B960494DF}">
-                <a14:hiddenLine xmlns="" xmlns:a14="http://schemas.microsoft.com/office/drawing/2010/main" w="9525">
+                <a14:hiddenLine xmlns:a14="http://schemas.microsoft.com/office/drawing/2010/main" xmlns="" w="9525">
                   <a:solidFill>
                     <a:schemeClr val="tx1"/>
                   </a:solidFill>
@@ -3187,7 +3189,7 @@
                 </a14:hiddenLine>
               </a:ext>
               <a:ext uri="{AF507438-7753-43e0-B8FC-AC1667EBCBE1}">
-                <a14:hiddenEffects xmlns="" xmlns:a14="http://schemas.microsoft.com/office/drawing/2010/main">
+                <a14:hiddenEffects xmlns:a14="http://schemas.microsoft.com/office/drawing/2010/main" xmlns="">
                   <a:effectLst>
                     <a:outerShdw blurRad="63500" dist="38099" dir="2700000" algn="ctr" rotWithShape="0">
                       <a:schemeClr val="bg2">
@@ -3232,7 +3234,7 @@
             <a:effectLst/>
             <a:extLst>
               <a:ext uri="{91240B29-F687-4f45-9708-019B960494DF}">
-                <a14:hiddenLine xmlns="" xmlns:a14="http://schemas.microsoft.com/office/drawing/2010/main" w="9525">
+                <a14:hiddenLine xmlns:a14="http://schemas.microsoft.com/office/drawing/2010/main" xmlns="" w="9525">
                   <a:solidFill>
                     <a:schemeClr val="tx1"/>
                   </a:solidFill>
@@ -3242,7 +3244,7 @@
                 </a14:hiddenLine>
               </a:ext>
               <a:ext uri="{AF507438-7753-43e0-B8FC-AC1667EBCBE1}">
-                <a14:hiddenEffects xmlns="" xmlns:a14="http://schemas.microsoft.com/office/drawing/2010/main">
+                <a14:hiddenEffects xmlns:a14="http://schemas.microsoft.com/office/drawing/2010/main" xmlns="">
                   <a:effectLst>
                     <a:outerShdw blurRad="63500" dist="38099" dir="2700000" algn="ctr" rotWithShape="0">
                       <a:schemeClr val="bg2">
@@ -3287,7 +3289,7 @@
             <a:effectLst/>
             <a:extLst>
               <a:ext uri="{91240B29-F687-4f45-9708-019B960494DF}">
-                <a14:hiddenLine xmlns="" xmlns:a14="http://schemas.microsoft.com/office/drawing/2010/main" w="9525">
+                <a14:hiddenLine xmlns:a14="http://schemas.microsoft.com/office/drawing/2010/main" xmlns="" w="9525">
                   <a:solidFill>
                     <a:schemeClr val="tx1"/>
                   </a:solidFill>
@@ -3297,7 +3299,7 @@
                 </a14:hiddenLine>
               </a:ext>
               <a:ext uri="{AF507438-7753-43e0-B8FC-AC1667EBCBE1}">
-                <a14:hiddenEffects xmlns="" xmlns:a14="http://schemas.microsoft.com/office/drawing/2010/main">
+                <a14:hiddenEffects xmlns:a14="http://schemas.microsoft.com/office/drawing/2010/main" xmlns="">
                   <a:effectLst>
                     <a:outerShdw blurRad="63500" dist="38099" dir="2700000" algn="ctr" rotWithShape="0">
                       <a:schemeClr val="bg2">
@@ -3342,7 +3344,7 @@
             <a:effectLst/>
             <a:extLst>
               <a:ext uri="{91240B29-F687-4f45-9708-019B960494DF}">
-                <a14:hiddenLine xmlns="" xmlns:a14="http://schemas.microsoft.com/office/drawing/2010/main" w="9525">
+                <a14:hiddenLine xmlns:a14="http://schemas.microsoft.com/office/drawing/2010/main" xmlns="" w="9525">
                   <a:solidFill>
                     <a:schemeClr val="tx1"/>
                   </a:solidFill>
@@ -3352,7 +3354,7 @@
                 </a14:hiddenLine>
               </a:ext>
               <a:ext uri="{AF507438-7753-43e0-B8FC-AC1667EBCBE1}">
-                <a14:hiddenEffects xmlns="" xmlns:a14="http://schemas.microsoft.com/office/drawing/2010/main">
+                <a14:hiddenEffects xmlns:a14="http://schemas.microsoft.com/office/drawing/2010/main" xmlns="">
                   <a:effectLst>
                     <a:outerShdw blurRad="63500" dist="38099" dir="2700000" algn="ctr" rotWithShape="0">
                       <a:schemeClr val="bg2">
@@ -3397,7 +3399,7 @@
             <a:effectLst/>
             <a:extLst>
               <a:ext uri="{91240B29-F687-4f45-9708-019B960494DF}">
-                <a14:hiddenLine xmlns="" xmlns:a14="http://schemas.microsoft.com/office/drawing/2010/main" w="9525">
+                <a14:hiddenLine xmlns:a14="http://schemas.microsoft.com/office/drawing/2010/main" xmlns="" w="9525">
                   <a:solidFill>
                     <a:schemeClr val="tx1"/>
                   </a:solidFill>
@@ -3407,7 +3409,7 @@
                 </a14:hiddenLine>
               </a:ext>
               <a:ext uri="{AF507438-7753-43e0-B8FC-AC1667EBCBE1}">
-                <a14:hiddenEffects xmlns="" xmlns:a14="http://schemas.microsoft.com/office/drawing/2010/main">
+                <a14:hiddenEffects xmlns:a14="http://schemas.microsoft.com/office/drawing/2010/main" xmlns="">
                   <a:effectLst>
                     <a:outerShdw blurRad="63500" dist="38099" dir="2700000" algn="ctr" rotWithShape="0">
                       <a:schemeClr val="bg2">
@@ -3452,7 +3454,7 @@
             <a:effectLst/>
             <a:extLst>
               <a:ext uri="{91240B29-F687-4f45-9708-019B960494DF}">
-                <a14:hiddenLine xmlns="" xmlns:a14="http://schemas.microsoft.com/office/drawing/2010/main" w="9525">
+                <a14:hiddenLine xmlns:a14="http://schemas.microsoft.com/office/drawing/2010/main" xmlns="" w="9525">
                   <a:solidFill>
                     <a:schemeClr val="tx1"/>
                   </a:solidFill>
@@ -3462,7 +3464,7 @@
                 </a14:hiddenLine>
               </a:ext>
               <a:ext uri="{AF507438-7753-43e0-B8FC-AC1667EBCBE1}">
-                <a14:hiddenEffects xmlns="" xmlns:a14="http://schemas.microsoft.com/office/drawing/2010/main">
+                <a14:hiddenEffects xmlns:a14="http://schemas.microsoft.com/office/drawing/2010/main" xmlns="">
                   <a:effectLst>
                     <a:outerShdw blurRad="63500" dist="38099" dir="2700000" algn="ctr" rotWithShape="0">
                       <a:schemeClr val="bg2">
@@ -3507,7 +3509,7 @@
             <a:effectLst/>
             <a:extLst>
               <a:ext uri="{91240B29-F687-4f45-9708-019B960494DF}">
-                <a14:hiddenLine xmlns="" xmlns:a14="http://schemas.microsoft.com/office/drawing/2010/main" w="9525">
+                <a14:hiddenLine xmlns:a14="http://schemas.microsoft.com/office/drawing/2010/main" xmlns="" w="9525">
                   <a:solidFill>
                     <a:schemeClr val="tx1"/>
                   </a:solidFill>
@@ -3517,7 +3519,7 @@
                 </a14:hiddenLine>
               </a:ext>
               <a:ext uri="{AF507438-7753-43e0-B8FC-AC1667EBCBE1}">
-                <a14:hiddenEffects xmlns="" xmlns:a14="http://schemas.microsoft.com/office/drawing/2010/main">
+                <a14:hiddenEffects xmlns:a14="http://schemas.microsoft.com/office/drawing/2010/main" xmlns="">
                   <a:effectLst>
                     <a:outerShdw blurRad="63500" dist="38099" dir="2700000" algn="ctr" rotWithShape="0">
                       <a:schemeClr val="bg2">
@@ -3562,7 +3564,7 @@
             <a:effectLst/>
             <a:extLst>
               <a:ext uri="{91240B29-F687-4f45-9708-019B960494DF}">
-                <a14:hiddenLine xmlns="" xmlns:a14="http://schemas.microsoft.com/office/drawing/2010/main" w="9525">
+                <a14:hiddenLine xmlns:a14="http://schemas.microsoft.com/office/drawing/2010/main" xmlns="" w="9525">
                   <a:solidFill>
                     <a:schemeClr val="tx1"/>
                   </a:solidFill>
@@ -3572,7 +3574,7 @@
                 </a14:hiddenLine>
               </a:ext>
               <a:ext uri="{AF507438-7753-43e0-B8FC-AC1667EBCBE1}">
-                <a14:hiddenEffects xmlns="" xmlns:a14="http://schemas.microsoft.com/office/drawing/2010/main">
+                <a14:hiddenEffects xmlns:a14="http://schemas.microsoft.com/office/drawing/2010/main" xmlns="">
                   <a:effectLst>
                     <a:outerShdw blurRad="63500" dist="38099" dir="2700000" algn="ctr" rotWithShape="0">
                       <a:schemeClr val="bg2">
@@ -3617,7 +3619,7 @@
             <a:effectLst/>
             <a:extLst>
               <a:ext uri="{91240B29-F687-4f45-9708-019B960494DF}">
-                <a14:hiddenLine xmlns="" xmlns:a14="http://schemas.microsoft.com/office/drawing/2010/main" w="9525">
+                <a14:hiddenLine xmlns:a14="http://schemas.microsoft.com/office/drawing/2010/main" xmlns="" w="9525">
                   <a:solidFill>
                     <a:schemeClr val="tx1"/>
                   </a:solidFill>
@@ -3627,7 +3629,7 @@
                 </a14:hiddenLine>
               </a:ext>
               <a:ext uri="{AF507438-7753-43e0-B8FC-AC1667EBCBE1}">
-                <a14:hiddenEffects xmlns="" xmlns:a14="http://schemas.microsoft.com/office/drawing/2010/main">
+                <a14:hiddenEffects xmlns:a14="http://schemas.microsoft.com/office/drawing/2010/main" xmlns="">
                   <a:effectLst>
                     <a:outerShdw blurRad="63500" dist="38099" dir="2700000" algn="ctr" rotWithShape="0">
                       <a:schemeClr val="bg2">
@@ -3672,7 +3674,7 @@
             <a:effectLst/>
             <a:extLst>
               <a:ext uri="{91240B29-F687-4f45-9708-019B960494DF}">
-                <a14:hiddenLine xmlns="" xmlns:a14="http://schemas.microsoft.com/office/drawing/2010/main" w="9525">
+                <a14:hiddenLine xmlns:a14="http://schemas.microsoft.com/office/drawing/2010/main" xmlns="" w="9525">
                   <a:solidFill>
                     <a:schemeClr val="tx1"/>
                   </a:solidFill>
@@ -3682,7 +3684,7 @@
                 </a14:hiddenLine>
               </a:ext>
               <a:ext uri="{AF507438-7753-43e0-B8FC-AC1667EBCBE1}">
-                <a14:hiddenEffects xmlns="" xmlns:a14="http://schemas.microsoft.com/office/drawing/2010/main">
+                <a14:hiddenEffects xmlns:a14="http://schemas.microsoft.com/office/drawing/2010/main" xmlns="">
                   <a:effectLst>
                     <a:outerShdw blurRad="63500" dist="38099" dir="2700000" algn="ctr" rotWithShape="0">
                       <a:schemeClr val="bg2">
@@ -3727,7 +3729,7 @@
             <a:effectLst/>
             <a:extLst>
               <a:ext uri="{91240B29-F687-4f45-9708-019B960494DF}">
-                <a14:hiddenLine xmlns="" xmlns:a14="http://schemas.microsoft.com/office/drawing/2010/main" w="9525">
+                <a14:hiddenLine xmlns:a14="http://schemas.microsoft.com/office/drawing/2010/main" xmlns="" w="9525">
                   <a:solidFill>
                     <a:schemeClr val="tx1"/>
                   </a:solidFill>
@@ -3737,7 +3739,7 @@
                 </a14:hiddenLine>
               </a:ext>
               <a:ext uri="{AF507438-7753-43e0-B8FC-AC1667EBCBE1}">
-                <a14:hiddenEffects xmlns="" xmlns:a14="http://schemas.microsoft.com/office/drawing/2010/main">
+                <a14:hiddenEffects xmlns:a14="http://schemas.microsoft.com/office/drawing/2010/main" xmlns="">
                   <a:effectLst>
                     <a:outerShdw blurRad="63500" dist="38099" dir="2700000" algn="ctr" rotWithShape="0">
                       <a:schemeClr val="bg2">
@@ -3782,7 +3784,7 @@
             <a:effectLst/>
             <a:extLst>
               <a:ext uri="{91240B29-F687-4f45-9708-019B960494DF}">
-                <a14:hiddenLine xmlns="" xmlns:a14="http://schemas.microsoft.com/office/drawing/2010/main" w="9525">
+                <a14:hiddenLine xmlns:a14="http://schemas.microsoft.com/office/drawing/2010/main" xmlns="" w="9525">
                   <a:solidFill>
                     <a:schemeClr val="tx1"/>
                   </a:solidFill>
@@ -3792,7 +3794,7 @@
                 </a14:hiddenLine>
               </a:ext>
               <a:ext uri="{AF507438-7753-43e0-B8FC-AC1667EBCBE1}">
-                <a14:hiddenEffects xmlns="" xmlns:a14="http://schemas.microsoft.com/office/drawing/2010/main">
+                <a14:hiddenEffects xmlns:a14="http://schemas.microsoft.com/office/drawing/2010/main" xmlns="">
                   <a:effectLst>
                     <a:outerShdw blurRad="63500" dist="38099" dir="2700000" algn="ctr" rotWithShape="0">
                       <a:schemeClr val="bg2">
@@ -3837,7 +3839,7 @@
             <a:effectLst/>
             <a:extLst>
               <a:ext uri="{91240B29-F687-4f45-9708-019B960494DF}">
-                <a14:hiddenLine xmlns="" xmlns:a14="http://schemas.microsoft.com/office/drawing/2010/main" w="9525">
+                <a14:hiddenLine xmlns:a14="http://schemas.microsoft.com/office/drawing/2010/main" xmlns="" w="9525">
                   <a:solidFill>
                     <a:schemeClr val="tx1"/>
                   </a:solidFill>
@@ -3847,7 +3849,7 @@
                 </a14:hiddenLine>
               </a:ext>
               <a:ext uri="{AF507438-7753-43e0-B8FC-AC1667EBCBE1}">
-                <a14:hiddenEffects xmlns="" xmlns:a14="http://schemas.microsoft.com/office/drawing/2010/main">
+                <a14:hiddenEffects xmlns:a14="http://schemas.microsoft.com/office/drawing/2010/main" xmlns="">
                   <a:effectLst>
                     <a:outerShdw blurRad="63500" dist="38099" dir="2700000" algn="ctr" rotWithShape="0">
                       <a:schemeClr val="bg2">
@@ -3892,7 +3894,7 @@
             <a:effectLst/>
             <a:extLst>
               <a:ext uri="{91240B29-F687-4f45-9708-019B960494DF}">
-                <a14:hiddenLine xmlns="" xmlns:a14="http://schemas.microsoft.com/office/drawing/2010/main" w="9525">
+                <a14:hiddenLine xmlns:a14="http://schemas.microsoft.com/office/drawing/2010/main" xmlns="" w="9525">
                   <a:solidFill>
                     <a:schemeClr val="tx1"/>
                   </a:solidFill>
@@ -3902,7 +3904,7 @@
                 </a14:hiddenLine>
               </a:ext>
               <a:ext uri="{AF507438-7753-43e0-B8FC-AC1667EBCBE1}">
-                <a14:hiddenEffects xmlns="" xmlns:a14="http://schemas.microsoft.com/office/drawing/2010/main">
+                <a14:hiddenEffects xmlns:a14="http://schemas.microsoft.com/office/drawing/2010/main" xmlns="">
                   <a:effectLst>
                     <a:outerShdw blurRad="63500" dist="38099" dir="2700000" algn="ctr" rotWithShape="0">
                       <a:schemeClr val="bg2">
@@ -3947,7 +3949,7 @@
             <a:effectLst/>
             <a:extLst>
               <a:ext uri="{91240B29-F687-4f45-9708-019B960494DF}">
-                <a14:hiddenLine xmlns="" xmlns:a14="http://schemas.microsoft.com/office/drawing/2010/main" w="9525">
+                <a14:hiddenLine xmlns:a14="http://schemas.microsoft.com/office/drawing/2010/main" xmlns="" w="9525">
                   <a:solidFill>
                     <a:schemeClr val="tx1"/>
                   </a:solidFill>
@@ -3957,7 +3959,7 @@
                 </a14:hiddenLine>
               </a:ext>
               <a:ext uri="{AF507438-7753-43e0-B8FC-AC1667EBCBE1}">
-                <a14:hiddenEffects xmlns="" xmlns:a14="http://schemas.microsoft.com/office/drawing/2010/main">
+                <a14:hiddenEffects xmlns:a14="http://schemas.microsoft.com/office/drawing/2010/main" xmlns="">
                   <a:effectLst>
                     <a:outerShdw blurRad="63500" dist="38099" dir="2700000" algn="ctr" rotWithShape="0">
                       <a:schemeClr val="bg2">
@@ -4002,7 +4004,7 @@
             <a:effectLst/>
             <a:extLst>
               <a:ext uri="{91240B29-F687-4f45-9708-019B960494DF}">
-                <a14:hiddenLine xmlns="" xmlns:a14="http://schemas.microsoft.com/office/drawing/2010/main" w="9525">
+                <a14:hiddenLine xmlns:a14="http://schemas.microsoft.com/office/drawing/2010/main" xmlns="" w="9525">
                   <a:solidFill>
                     <a:schemeClr val="tx1"/>
                   </a:solidFill>
@@ -4012,7 +4014,7 @@
                 </a14:hiddenLine>
               </a:ext>
               <a:ext uri="{AF507438-7753-43e0-B8FC-AC1667EBCBE1}">
-                <a14:hiddenEffects xmlns="" xmlns:a14="http://schemas.microsoft.com/office/drawing/2010/main">
+                <a14:hiddenEffects xmlns:a14="http://schemas.microsoft.com/office/drawing/2010/main" xmlns="">
                   <a:effectLst>
                     <a:outerShdw blurRad="63500" dist="38099" dir="2700000" algn="ctr" rotWithShape="0">
                       <a:schemeClr val="bg2">
@@ -4057,7 +4059,7 @@
             <a:effectLst/>
             <a:extLst>
               <a:ext uri="{91240B29-F687-4f45-9708-019B960494DF}">
-                <a14:hiddenLine xmlns="" xmlns:a14="http://schemas.microsoft.com/office/drawing/2010/main" w="9525">
+                <a14:hiddenLine xmlns:a14="http://schemas.microsoft.com/office/drawing/2010/main" xmlns="" w="9525">
                   <a:solidFill>
                     <a:schemeClr val="tx1"/>
                   </a:solidFill>
@@ -4067,7 +4069,7 @@
                 </a14:hiddenLine>
               </a:ext>
               <a:ext uri="{AF507438-7753-43e0-B8FC-AC1667EBCBE1}">
-                <a14:hiddenEffects xmlns="" xmlns:a14="http://schemas.microsoft.com/office/drawing/2010/main">
+                <a14:hiddenEffects xmlns:a14="http://schemas.microsoft.com/office/drawing/2010/main" xmlns="">
                   <a:effectLst>
                     <a:outerShdw blurRad="63500" dist="38099" dir="2700000" algn="ctr" rotWithShape="0">
                       <a:schemeClr val="bg2">
@@ -4112,7 +4114,7 @@
             <a:effectLst/>
             <a:extLst>
               <a:ext uri="{91240B29-F687-4f45-9708-019B960494DF}">
-                <a14:hiddenLine xmlns="" xmlns:a14="http://schemas.microsoft.com/office/drawing/2010/main" w="9525">
+                <a14:hiddenLine xmlns:a14="http://schemas.microsoft.com/office/drawing/2010/main" xmlns="" w="9525">
                   <a:solidFill>
                     <a:schemeClr val="tx1"/>
                   </a:solidFill>
@@ -4122,7 +4124,7 @@
                 </a14:hiddenLine>
               </a:ext>
               <a:ext uri="{AF507438-7753-43e0-B8FC-AC1667EBCBE1}">
-                <a14:hiddenEffects xmlns="" xmlns:a14="http://schemas.microsoft.com/office/drawing/2010/main">
+                <a14:hiddenEffects xmlns:a14="http://schemas.microsoft.com/office/drawing/2010/main" xmlns="">
                   <a:effectLst>
                     <a:outerShdw blurRad="63500" dist="38099" dir="2700000" algn="ctr" rotWithShape="0">
                       <a:schemeClr val="bg2">
@@ -4167,7 +4169,7 @@
             <a:effectLst/>
             <a:extLst>
               <a:ext uri="{91240B29-F687-4f45-9708-019B960494DF}">
-                <a14:hiddenLine xmlns="" xmlns:a14="http://schemas.microsoft.com/office/drawing/2010/main" w="9525">
+                <a14:hiddenLine xmlns:a14="http://schemas.microsoft.com/office/drawing/2010/main" xmlns="" w="9525">
                   <a:solidFill>
                     <a:schemeClr val="tx1"/>
                   </a:solidFill>
@@ -4177,7 +4179,7 @@
                 </a14:hiddenLine>
               </a:ext>
               <a:ext uri="{AF507438-7753-43e0-B8FC-AC1667EBCBE1}">
-                <a14:hiddenEffects xmlns="" xmlns:a14="http://schemas.microsoft.com/office/drawing/2010/main">
+                <a14:hiddenEffects xmlns:a14="http://schemas.microsoft.com/office/drawing/2010/main" xmlns="">
                   <a:effectLst>
                     <a:outerShdw blurRad="63500" dist="38099" dir="2700000" algn="ctr" rotWithShape="0">
                       <a:schemeClr val="bg2">
@@ -4222,7 +4224,7 @@
             <a:effectLst/>
             <a:extLst>
               <a:ext uri="{91240B29-F687-4f45-9708-019B960494DF}">
-                <a14:hiddenLine xmlns="" xmlns:a14="http://schemas.microsoft.com/office/drawing/2010/main" w="9525">
+                <a14:hiddenLine xmlns:a14="http://schemas.microsoft.com/office/drawing/2010/main" xmlns="" w="9525">
                   <a:solidFill>
                     <a:schemeClr val="tx1"/>
                   </a:solidFill>
@@ -4232,7 +4234,7 @@
                 </a14:hiddenLine>
               </a:ext>
               <a:ext uri="{AF507438-7753-43e0-B8FC-AC1667EBCBE1}">
-                <a14:hiddenEffects xmlns="" xmlns:a14="http://schemas.microsoft.com/office/drawing/2010/main">
+                <a14:hiddenEffects xmlns:a14="http://schemas.microsoft.com/office/drawing/2010/main" xmlns="">
                   <a:effectLst>
                     <a:outerShdw blurRad="63500" dist="38099" dir="2700000" algn="ctr" rotWithShape="0">
                       <a:schemeClr val="bg2">
@@ -4277,7 +4279,7 @@
             <a:effectLst/>
             <a:extLst>
               <a:ext uri="{91240B29-F687-4f45-9708-019B960494DF}">
-                <a14:hiddenLine xmlns="" xmlns:a14="http://schemas.microsoft.com/office/drawing/2010/main" w="9525">
+                <a14:hiddenLine xmlns:a14="http://schemas.microsoft.com/office/drawing/2010/main" xmlns="" w="9525">
                   <a:solidFill>
                     <a:schemeClr val="tx1"/>
                   </a:solidFill>
@@ -4287,7 +4289,7 @@
                 </a14:hiddenLine>
               </a:ext>
               <a:ext uri="{AF507438-7753-43e0-B8FC-AC1667EBCBE1}">
-                <a14:hiddenEffects xmlns="" xmlns:a14="http://schemas.microsoft.com/office/drawing/2010/main">
+                <a14:hiddenEffects xmlns:a14="http://schemas.microsoft.com/office/drawing/2010/main" xmlns="">
                   <a:effectLst>
                     <a:outerShdw blurRad="63500" dist="38099" dir="2700000" algn="ctr" rotWithShape="0">
                       <a:schemeClr val="bg2">
@@ -4336,12 +4338,12 @@
           <a:effectLst/>
           <a:extLst>
             <a:ext uri="{909E8E84-426E-40dd-AFC4-6F175D3DCCD1}">
-              <a14:hiddenFill xmlns="" xmlns:a14="http://schemas.microsoft.com/office/drawing/2010/main">
+              <a14:hiddenFill xmlns:a14="http://schemas.microsoft.com/office/drawing/2010/main" xmlns="">
                 <a:noFill/>
               </a14:hiddenFill>
             </a:ext>
             <a:ext uri="{AF507438-7753-43e0-B8FC-AC1667EBCBE1}">
-              <a14:hiddenEffects xmlns="" xmlns:a14="http://schemas.microsoft.com/office/drawing/2010/main">
+              <a14:hiddenEffects xmlns:a14="http://schemas.microsoft.com/office/drawing/2010/main" xmlns="">
                 <a:effectLst>
                   <a:outerShdw blurRad="63500" dist="38099" dir="2700000" algn="ctr" rotWithShape="0">
                     <a:schemeClr val="bg2">
@@ -6665,12 +6667,12 @@
           <a:effectLst/>
           <a:extLst>
             <a:ext uri="{909E8E84-426E-40dd-AFC4-6F175D3DCCD1}">
-              <a14:hiddenFill xmlns="" xmlns:a14="http://schemas.microsoft.com/office/drawing/2010/main">
+              <a14:hiddenFill xmlns:a14="http://schemas.microsoft.com/office/drawing/2010/main" xmlns="">
                 <a:noFill/>
               </a14:hiddenFill>
             </a:ext>
             <a:ext uri="{AF507438-7753-43e0-B8FC-AC1667EBCBE1}">
-              <a14:hiddenEffects xmlns="" xmlns:a14="http://schemas.microsoft.com/office/drawing/2010/main">
+              <a14:hiddenEffects xmlns:a14="http://schemas.microsoft.com/office/drawing/2010/main" xmlns="">
                 <a:effectLst>
                   <a:outerShdw blurRad="63500" dist="38099" dir="2700000" algn="ctr" rotWithShape="0">
                     <a:schemeClr val="bg2">
@@ -6715,17 +6717,17 @@
           <a:effectLst/>
           <a:extLst>
             <a:ext uri="{FAA26D3D-D897-4be2-8F04-BA451C77F1D7}">
-              <ma14:placeholderFlag xmlns:ma14="http://schemas.microsoft.com/office/mac/drawingml/2011/main" xmlns="" val="1"/>
+              <ma14:placeholderFlag xmlns="" xmlns:ma14="http://schemas.microsoft.com/office/mac/drawingml/2011/main" val="1"/>
             </a:ext>
             <a:ext uri="{909E8E84-426E-40dd-AFC4-6F175D3DCCD1}">
-              <a14:hiddenFill xmlns="" xmlns:a14="http://schemas.microsoft.com/office/drawing/2010/main">
+              <a14:hiddenFill xmlns:a14="http://schemas.microsoft.com/office/drawing/2010/main" xmlns="">
                 <a:solidFill>
                   <a:schemeClr val="accent1"/>
                 </a:solidFill>
               </a14:hiddenFill>
             </a:ext>
             <a:ext uri="{91240B29-F687-4f45-9708-019B960494DF}">
-              <a14:hiddenLine xmlns="" xmlns:a14="http://schemas.microsoft.com/office/drawing/2010/main" w="9525">
+              <a14:hiddenLine xmlns:a14="http://schemas.microsoft.com/office/drawing/2010/main" xmlns="" w="9525">
                 <a:solidFill>
                   <a:schemeClr val="tx1"/>
                 </a:solidFill>
@@ -6735,7 +6737,7 @@
               </a14:hiddenLine>
             </a:ext>
             <a:ext uri="{AF507438-7753-43e0-B8FC-AC1667EBCBE1}">
-              <a14:hiddenEffects xmlns="" xmlns:a14="http://schemas.microsoft.com/office/drawing/2010/main">
+              <a14:hiddenEffects xmlns:a14="http://schemas.microsoft.com/office/drawing/2010/main" xmlns="">
                 <a:effectLst>
                   <a:outerShdw blurRad="63500" dist="38099" dir="2700000" algn="ctr" rotWithShape="0">
                     <a:schemeClr val="bg2">
@@ -6788,17 +6790,17 @@
           <a:effectLst/>
           <a:extLst>
             <a:ext uri="{FAA26D3D-D897-4be2-8F04-BA451C77F1D7}">
-              <ma14:placeholderFlag xmlns:ma14="http://schemas.microsoft.com/office/mac/drawingml/2011/main" xmlns="" val="1"/>
+              <ma14:placeholderFlag xmlns="" xmlns:ma14="http://schemas.microsoft.com/office/mac/drawingml/2011/main" val="1"/>
             </a:ext>
             <a:ext uri="{909E8E84-426E-40dd-AFC4-6F175D3DCCD1}">
-              <a14:hiddenFill xmlns="" xmlns:a14="http://schemas.microsoft.com/office/drawing/2010/main">
+              <a14:hiddenFill xmlns:a14="http://schemas.microsoft.com/office/drawing/2010/main" xmlns="">
                 <a:solidFill>
                   <a:schemeClr val="accent1"/>
                 </a:solidFill>
               </a14:hiddenFill>
             </a:ext>
             <a:ext uri="{91240B29-F687-4f45-9708-019B960494DF}">
-              <a14:hiddenLine xmlns="" xmlns:a14="http://schemas.microsoft.com/office/drawing/2010/main" w="9525">
+              <a14:hiddenLine xmlns:a14="http://schemas.microsoft.com/office/drawing/2010/main" xmlns="" w="9525">
                 <a:solidFill>
                   <a:schemeClr val="tx1"/>
                 </a:solidFill>
@@ -6808,7 +6810,7 @@
               </a14:hiddenLine>
             </a:ext>
             <a:ext uri="{AF507438-7753-43e0-B8FC-AC1667EBCBE1}">
-              <a14:hiddenEffects xmlns="" xmlns:a14="http://schemas.microsoft.com/office/drawing/2010/main">
+              <a14:hiddenEffects xmlns:a14="http://schemas.microsoft.com/office/drawing/2010/main" xmlns="">
                 <a:effectLst>
                   <a:outerShdw blurRad="63500" dist="38099" dir="2700000" algn="ctr" rotWithShape="0">
                     <a:schemeClr val="bg2">
@@ -6889,17 +6891,17 @@
           <a:effectLst/>
           <a:extLst>
             <a:ext uri="{FAA26D3D-D897-4be2-8F04-BA451C77F1D7}">
-              <ma14:placeholderFlag xmlns:ma14="http://schemas.microsoft.com/office/mac/drawingml/2011/main" xmlns="" val="1"/>
+              <ma14:placeholderFlag xmlns="" xmlns:ma14="http://schemas.microsoft.com/office/mac/drawingml/2011/main" val="1"/>
             </a:ext>
             <a:ext uri="{909E8E84-426E-40dd-AFC4-6F175D3DCCD1}">
-              <a14:hiddenFill xmlns="" xmlns:a14="http://schemas.microsoft.com/office/drawing/2010/main">
+              <a14:hiddenFill xmlns:a14="http://schemas.microsoft.com/office/drawing/2010/main" xmlns="">
                 <a:solidFill>
                   <a:schemeClr val="accent1"/>
                 </a:solidFill>
               </a14:hiddenFill>
             </a:ext>
             <a:ext uri="{91240B29-F687-4f45-9708-019B960494DF}">
-              <a14:hiddenLine xmlns="" xmlns:a14="http://schemas.microsoft.com/office/drawing/2010/main" w="9525">
+              <a14:hiddenLine xmlns:a14="http://schemas.microsoft.com/office/drawing/2010/main" xmlns="" w="9525">
                 <a:solidFill>
                   <a:schemeClr val="tx1"/>
                 </a:solidFill>
@@ -6909,7 +6911,7 @@
               </a14:hiddenLine>
             </a:ext>
             <a:ext uri="{AF507438-7753-43e0-B8FC-AC1667EBCBE1}">
-              <a14:hiddenEffects xmlns="" xmlns:a14="http://schemas.microsoft.com/office/drawing/2010/main">
+              <a14:hiddenEffects xmlns:a14="http://schemas.microsoft.com/office/drawing/2010/main" xmlns="">
                 <a:effectLst>
                   <a:outerShdw blurRad="63500" dist="38099" dir="2700000" algn="ctr" rotWithShape="0">
                     <a:schemeClr val="bg2">
@@ -6962,17 +6964,17 @@
           <a:effectLst/>
           <a:extLst>
             <a:ext uri="{FAA26D3D-D897-4be2-8F04-BA451C77F1D7}">
-              <ma14:placeholderFlag xmlns:ma14="http://schemas.microsoft.com/office/mac/drawingml/2011/main" xmlns="" val="1"/>
+              <ma14:placeholderFlag xmlns="" xmlns:ma14="http://schemas.microsoft.com/office/mac/drawingml/2011/main" val="1"/>
             </a:ext>
             <a:ext uri="{909E8E84-426E-40dd-AFC4-6F175D3DCCD1}">
-              <a14:hiddenFill xmlns="" xmlns:a14="http://schemas.microsoft.com/office/drawing/2010/main">
+              <a14:hiddenFill xmlns:a14="http://schemas.microsoft.com/office/drawing/2010/main" xmlns="">
                 <a:solidFill>
                   <a:schemeClr val="accent1"/>
                 </a:solidFill>
               </a14:hiddenFill>
             </a:ext>
             <a:ext uri="{91240B29-F687-4f45-9708-019B960494DF}">
-              <a14:hiddenLine xmlns="" xmlns:a14="http://schemas.microsoft.com/office/drawing/2010/main" w="9525">
+              <a14:hiddenLine xmlns:a14="http://schemas.microsoft.com/office/drawing/2010/main" xmlns="" w="9525">
                 <a:solidFill>
                   <a:schemeClr val="tx1"/>
                 </a:solidFill>
@@ -6982,7 +6984,7 @@
               </a14:hiddenLine>
             </a:ext>
             <a:ext uri="{AF507438-7753-43e0-B8FC-AC1667EBCBE1}">
-              <a14:hiddenEffects xmlns="" xmlns:a14="http://schemas.microsoft.com/office/drawing/2010/main">
+              <a14:hiddenEffects xmlns:a14="http://schemas.microsoft.com/office/drawing/2010/main" xmlns="">
                 <a:effectLst>
                   <a:outerShdw blurRad="63500" dist="38099" dir="2700000" algn="ctr" rotWithShape="0">
                     <a:schemeClr val="bg2">
@@ -7035,17 +7037,17 @@
           <a:effectLst/>
           <a:extLst>
             <a:ext uri="{FAA26D3D-D897-4be2-8F04-BA451C77F1D7}">
-              <ma14:placeholderFlag xmlns:ma14="http://schemas.microsoft.com/office/mac/drawingml/2011/main" xmlns="" val="1"/>
+              <ma14:placeholderFlag xmlns="" xmlns:ma14="http://schemas.microsoft.com/office/mac/drawingml/2011/main" val="1"/>
             </a:ext>
             <a:ext uri="{909E8E84-426E-40dd-AFC4-6F175D3DCCD1}">
-              <a14:hiddenFill xmlns="" xmlns:a14="http://schemas.microsoft.com/office/drawing/2010/main">
+              <a14:hiddenFill xmlns:a14="http://schemas.microsoft.com/office/drawing/2010/main" xmlns="">
                 <a:solidFill>
                   <a:schemeClr val="accent1"/>
                 </a:solidFill>
               </a14:hiddenFill>
             </a:ext>
             <a:ext uri="{91240B29-F687-4f45-9708-019B960494DF}">
-              <a14:hiddenLine xmlns="" xmlns:a14="http://schemas.microsoft.com/office/drawing/2010/main" w="9525">
+              <a14:hiddenLine xmlns:a14="http://schemas.microsoft.com/office/drawing/2010/main" xmlns="" w="9525">
                 <a:solidFill>
                   <a:schemeClr val="tx1"/>
                 </a:solidFill>
@@ -7055,7 +7057,7 @@
               </a14:hiddenLine>
             </a:ext>
             <a:ext uri="{AF507438-7753-43e0-B8FC-AC1667EBCBE1}">
-              <a14:hiddenEffects xmlns="" xmlns:a14="http://schemas.microsoft.com/office/drawing/2010/main">
+              <a14:hiddenEffects xmlns:a14="http://schemas.microsoft.com/office/drawing/2010/main" xmlns="">
                 <a:effectLst>
                   <a:outerShdw blurRad="63500" dist="38099" dir="2700000" algn="ctr" rotWithShape="0">
                     <a:schemeClr val="bg2">
@@ -7129,7 +7131,7 @@
             <a:effectLst/>
             <a:extLst>
               <a:ext uri="{91240B29-F687-4f45-9708-019B960494DF}">
-                <a14:hiddenLine xmlns="" xmlns:a14="http://schemas.microsoft.com/office/drawing/2010/main" w="9525">
+                <a14:hiddenLine xmlns:a14="http://schemas.microsoft.com/office/drawing/2010/main" xmlns="" w="9525">
                   <a:solidFill>
                     <a:schemeClr val="tx1"/>
                   </a:solidFill>
@@ -7139,7 +7141,7 @@
                 </a14:hiddenLine>
               </a:ext>
               <a:ext uri="{AF507438-7753-43e0-B8FC-AC1667EBCBE1}">
-                <a14:hiddenEffects xmlns="" xmlns:a14="http://schemas.microsoft.com/office/drawing/2010/main">
+                <a14:hiddenEffects xmlns:a14="http://schemas.microsoft.com/office/drawing/2010/main" xmlns="">
                   <a:effectLst>
                     <a:outerShdw blurRad="63500" dist="38099" dir="2700000" algn="ctr" rotWithShape="0">
                       <a:schemeClr val="bg2">
@@ -7184,7 +7186,7 @@
             <a:effectLst/>
             <a:extLst>
               <a:ext uri="{91240B29-F687-4f45-9708-019B960494DF}">
-                <a14:hiddenLine xmlns="" xmlns:a14="http://schemas.microsoft.com/office/drawing/2010/main" w="9525">
+                <a14:hiddenLine xmlns:a14="http://schemas.microsoft.com/office/drawing/2010/main" xmlns="" w="9525">
                   <a:solidFill>
                     <a:schemeClr val="tx1"/>
                   </a:solidFill>
@@ -7194,7 +7196,7 @@
                 </a14:hiddenLine>
               </a:ext>
               <a:ext uri="{AF507438-7753-43e0-B8FC-AC1667EBCBE1}">
-                <a14:hiddenEffects xmlns="" xmlns:a14="http://schemas.microsoft.com/office/drawing/2010/main">
+                <a14:hiddenEffects xmlns:a14="http://schemas.microsoft.com/office/drawing/2010/main" xmlns="">
                   <a:effectLst>
                     <a:outerShdw blurRad="63500" dist="38099" dir="2700000" algn="ctr" rotWithShape="0">
                       <a:schemeClr val="bg2">
@@ -7239,7 +7241,7 @@
             <a:effectLst/>
             <a:extLst>
               <a:ext uri="{91240B29-F687-4f45-9708-019B960494DF}">
-                <a14:hiddenLine xmlns="" xmlns:a14="http://schemas.microsoft.com/office/drawing/2010/main" w="9525">
+                <a14:hiddenLine xmlns:a14="http://schemas.microsoft.com/office/drawing/2010/main" xmlns="" w="9525">
                   <a:solidFill>
                     <a:schemeClr val="tx1"/>
                   </a:solidFill>
@@ -7249,7 +7251,7 @@
                 </a14:hiddenLine>
               </a:ext>
               <a:ext uri="{AF507438-7753-43e0-B8FC-AC1667EBCBE1}">
-                <a14:hiddenEffects xmlns="" xmlns:a14="http://schemas.microsoft.com/office/drawing/2010/main">
+                <a14:hiddenEffects xmlns:a14="http://schemas.microsoft.com/office/drawing/2010/main" xmlns="">
                   <a:effectLst>
                     <a:outerShdw blurRad="63500" dist="38099" dir="2700000" algn="ctr" rotWithShape="0">
                       <a:schemeClr val="bg2">
@@ -7294,7 +7296,7 @@
             <a:effectLst/>
             <a:extLst>
               <a:ext uri="{91240B29-F687-4f45-9708-019B960494DF}">
-                <a14:hiddenLine xmlns="" xmlns:a14="http://schemas.microsoft.com/office/drawing/2010/main" w="9525">
+                <a14:hiddenLine xmlns:a14="http://schemas.microsoft.com/office/drawing/2010/main" xmlns="" w="9525">
                   <a:solidFill>
                     <a:schemeClr val="tx1"/>
                   </a:solidFill>
@@ -7304,7 +7306,7 @@
                 </a14:hiddenLine>
               </a:ext>
               <a:ext uri="{AF507438-7753-43e0-B8FC-AC1667EBCBE1}">
-                <a14:hiddenEffects xmlns="" xmlns:a14="http://schemas.microsoft.com/office/drawing/2010/main">
+                <a14:hiddenEffects xmlns:a14="http://schemas.microsoft.com/office/drawing/2010/main" xmlns="">
                   <a:effectLst>
                     <a:outerShdw blurRad="63500" dist="38099" dir="2700000" algn="ctr" rotWithShape="0">
                       <a:schemeClr val="bg2">
@@ -7349,7 +7351,7 @@
             <a:effectLst/>
             <a:extLst>
               <a:ext uri="{91240B29-F687-4f45-9708-019B960494DF}">
-                <a14:hiddenLine xmlns="" xmlns:a14="http://schemas.microsoft.com/office/drawing/2010/main" w="9525">
+                <a14:hiddenLine xmlns:a14="http://schemas.microsoft.com/office/drawing/2010/main" xmlns="" w="9525">
                   <a:solidFill>
                     <a:schemeClr val="tx1"/>
                   </a:solidFill>
@@ -7359,7 +7361,7 @@
                 </a14:hiddenLine>
               </a:ext>
               <a:ext uri="{AF507438-7753-43e0-B8FC-AC1667EBCBE1}">
-                <a14:hiddenEffects xmlns="" xmlns:a14="http://schemas.microsoft.com/office/drawing/2010/main">
+                <a14:hiddenEffects xmlns:a14="http://schemas.microsoft.com/office/drawing/2010/main" xmlns="">
                   <a:effectLst>
                     <a:outerShdw blurRad="63500" dist="38099" dir="2700000" algn="ctr" rotWithShape="0">
                       <a:schemeClr val="bg2">
@@ -7404,7 +7406,7 @@
             <a:effectLst/>
             <a:extLst>
               <a:ext uri="{91240B29-F687-4f45-9708-019B960494DF}">
-                <a14:hiddenLine xmlns="" xmlns:a14="http://schemas.microsoft.com/office/drawing/2010/main" w="9525">
+                <a14:hiddenLine xmlns:a14="http://schemas.microsoft.com/office/drawing/2010/main" xmlns="" w="9525">
                   <a:solidFill>
                     <a:schemeClr val="tx1"/>
                   </a:solidFill>
@@ -7414,7 +7416,7 @@
                 </a14:hiddenLine>
               </a:ext>
               <a:ext uri="{AF507438-7753-43e0-B8FC-AC1667EBCBE1}">
-                <a14:hiddenEffects xmlns="" xmlns:a14="http://schemas.microsoft.com/office/drawing/2010/main">
+                <a14:hiddenEffects xmlns:a14="http://schemas.microsoft.com/office/drawing/2010/main" xmlns="">
                   <a:effectLst>
                     <a:outerShdw blurRad="63500" dist="38099" dir="2700000" algn="ctr" rotWithShape="0">
                       <a:schemeClr val="bg2">
@@ -7459,7 +7461,7 @@
             <a:effectLst/>
             <a:extLst>
               <a:ext uri="{91240B29-F687-4f45-9708-019B960494DF}">
-                <a14:hiddenLine xmlns="" xmlns:a14="http://schemas.microsoft.com/office/drawing/2010/main" w="9525">
+                <a14:hiddenLine xmlns:a14="http://schemas.microsoft.com/office/drawing/2010/main" xmlns="" w="9525">
                   <a:solidFill>
                     <a:schemeClr val="tx1"/>
                   </a:solidFill>
@@ -7469,7 +7471,7 @@
                 </a14:hiddenLine>
               </a:ext>
               <a:ext uri="{AF507438-7753-43e0-B8FC-AC1667EBCBE1}">
-                <a14:hiddenEffects xmlns="" xmlns:a14="http://schemas.microsoft.com/office/drawing/2010/main">
+                <a14:hiddenEffects xmlns:a14="http://schemas.microsoft.com/office/drawing/2010/main" xmlns="">
                   <a:effectLst>
                     <a:outerShdw blurRad="63500" dist="38099" dir="2700000" algn="ctr" rotWithShape="0">
                       <a:schemeClr val="bg2">
@@ -7514,7 +7516,7 @@
             <a:effectLst/>
             <a:extLst>
               <a:ext uri="{91240B29-F687-4f45-9708-019B960494DF}">
-                <a14:hiddenLine xmlns="" xmlns:a14="http://schemas.microsoft.com/office/drawing/2010/main" w="9525">
+                <a14:hiddenLine xmlns:a14="http://schemas.microsoft.com/office/drawing/2010/main" xmlns="" w="9525">
                   <a:solidFill>
                     <a:schemeClr val="tx1"/>
                   </a:solidFill>
@@ -7524,7 +7526,7 @@
                 </a14:hiddenLine>
               </a:ext>
               <a:ext uri="{AF507438-7753-43e0-B8FC-AC1667EBCBE1}">
-                <a14:hiddenEffects xmlns="" xmlns:a14="http://schemas.microsoft.com/office/drawing/2010/main">
+                <a14:hiddenEffects xmlns:a14="http://schemas.microsoft.com/office/drawing/2010/main" xmlns="">
                   <a:effectLst>
                     <a:outerShdw blurRad="63500" dist="38099" dir="2700000" algn="ctr" rotWithShape="0">
                       <a:schemeClr val="bg2">
@@ -7569,7 +7571,7 @@
             <a:effectLst/>
             <a:extLst>
               <a:ext uri="{91240B29-F687-4f45-9708-019B960494DF}">
-                <a14:hiddenLine xmlns="" xmlns:a14="http://schemas.microsoft.com/office/drawing/2010/main" w="9525">
+                <a14:hiddenLine xmlns:a14="http://schemas.microsoft.com/office/drawing/2010/main" xmlns="" w="9525">
                   <a:solidFill>
                     <a:schemeClr val="tx1"/>
                   </a:solidFill>
@@ -7579,7 +7581,7 @@
                 </a14:hiddenLine>
               </a:ext>
               <a:ext uri="{AF507438-7753-43e0-B8FC-AC1667EBCBE1}">
-                <a14:hiddenEffects xmlns="" xmlns:a14="http://schemas.microsoft.com/office/drawing/2010/main">
+                <a14:hiddenEffects xmlns:a14="http://schemas.microsoft.com/office/drawing/2010/main" xmlns="">
                   <a:effectLst>
                     <a:outerShdw blurRad="63500" dist="38099" dir="2700000" algn="ctr" rotWithShape="0">
                       <a:schemeClr val="bg2">
@@ -7624,7 +7626,7 @@
             <a:effectLst/>
             <a:extLst>
               <a:ext uri="{91240B29-F687-4f45-9708-019B960494DF}">
-                <a14:hiddenLine xmlns="" xmlns:a14="http://schemas.microsoft.com/office/drawing/2010/main" w="9525">
+                <a14:hiddenLine xmlns:a14="http://schemas.microsoft.com/office/drawing/2010/main" xmlns="" w="9525">
                   <a:solidFill>
                     <a:schemeClr val="tx1"/>
                   </a:solidFill>
@@ -7634,7 +7636,7 @@
                 </a14:hiddenLine>
               </a:ext>
               <a:ext uri="{AF507438-7753-43e0-B8FC-AC1667EBCBE1}">
-                <a14:hiddenEffects xmlns="" xmlns:a14="http://schemas.microsoft.com/office/drawing/2010/main">
+                <a14:hiddenEffects xmlns:a14="http://schemas.microsoft.com/office/drawing/2010/main" xmlns="">
                   <a:effectLst>
                     <a:outerShdw blurRad="63500" dist="38099" dir="2700000" algn="ctr" rotWithShape="0">
                       <a:schemeClr val="bg2">
@@ -7679,7 +7681,7 @@
             <a:effectLst/>
             <a:extLst>
               <a:ext uri="{91240B29-F687-4f45-9708-019B960494DF}">
-                <a14:hiddenLine xmlns="" xmlns:a14="http://schemas.microsoft.com/office/drawing/2010/main" w="9525">
+                <a14:hiddenLine xmlns:a14="http://schemas.microsoft.com/office/drawing/2010/main" xmlns="" w="9525">
                   <a:solidFill>
                     <a:schemeClr val="tx1"/>
                   </a:solidFill>
@@ -7689,7 +7691,7 @@
                 </a14:hiddenLine>
               </a:ext>
               <a:ext uri="{AF507438-7753-43e0-B8FC-AC1667EBCBE1}">
-                <a14:hiddenEffects xmlns="" xmlns:a14="http://schemas.microsoft.com/office/drawing/2010/main">
+                <a14:hiddenEffects xmlns:a14="http://schemas.microsoft.com/office/drawing/2010/main" xmlns="">
                   <a:effectLst>
                     <a:outerShdw blurRad="63500" dist="38099" dir="2700000" algn="ctr" rotWithShape="0">
                       <a:schemeClr val="bg2">
@@ -7734,7 +7736,7 @@
             <a:effectLst/>
             <a:extLst>
               <a:ext uri="{91240B29-F687-4f45-9708-019B960494DF}">
-                <a14:hiddenLine xmlns="" xmlns:a14="http://schemas.microsoft.com/office/drawing/2010/main" w="9525">
+                <a14:hiddenLine xmlns:a14="http://schemas.microsoft.com/office/drawing/2010/main" xmlns="" w="9525">
                   <a:solidFill>
                     <a:schemeClr val="tx1"/>
                   </a:solidFill>
@@ -7744,7 +7746,7 @@
                 </a14:hiddenLine>
               </a:ext>
               <a:ext uri="{AF507438-7753-43e0-B8FC-AC1667EBCBE1}">
-                <a14:hiddenEffects xmlns="" xmlns:a14="http://schemas.microsoft.com/office/drawing/2010/main">
+                <a14:hiddenEffects xmlns:a14="http://schemas.microsoft.com/office/drawing/2010/main" xmlns="">
                   <a:effectLst>
                     <a:outerShdw blurRad="63500" dist="38099" dir="2700000" algn="ctr" rotWithShape="0">
                       <a:schemeClr val="bg2">
@@ -7789,7 +7791,7 @@
             <a:effectLst/>
             <a:extLst>
               <a:ext uri="{91240B29-F687-4f45-9708-019B960494DF}">
-                <a14:hiddenLine xmlns="" xmlns:a14="http://schemas.microsoft.com/office/drawing/2010/main" w="9525">
+                <a14:hiddenLine xmlns:a14="http://schemas.microsoft.com/office/drawing/2010/main" xmlns="" w="9525">
                   <a:solidFill>
                     <a:schemeClr val="tx1"/>
                   </a:solidFill>
@@ -7799,7 +7801,7 @@
                 </a14:hiddenLine>
               </a:ext>
               <a:ext uri="{AF507438-7753-43e0-B8FC-AC1667EBCBE1}">
-                <a14:hiddenEffects xmlns="" xmlns:a14="http://schemas.microsoft.com/office/drawing/2010/main">
+                <a14:hiddenEffects xmlns:a14="http://schemas.microsoft.com/office/drawing/2010/main" xmlns="">
                   <a:effectLst>
                     <a:outerShdw blurRad="63500" dist="38099" dir="2700000" algn="ctr" rotWithShape="0">
                       <a:schemeClr val="bg2">
@@ -7844,7 +7846,7 @@
             <a:effectLst/>
             <a:extLst>
               <a:ext uri="{91240B29-F687-4f45-9708-019B960494DF}">
-                <a14:hiddenLine xmlns="" xmlns:a14="http://schemas.microsoft.com/office/drawing/2010/main" w="9525">
+                <a14:hiddenLine xmlns:a14="http://schemas.microsoft.com/office/drawing/2010/main" xmlns="" w="9525">
                   <a:solidFill>
                     <a:schemeClr val="tx1"/>
                   </a:solidFill>
@@ -7854,7 +7856,7 @@
                 </a14:hiddenLine>
               </a:ext>
               <a:ext uri="{AF507438-7753-43e0-B8FC-AC1667EBCBE1}">
-                <a14:hiddenEffects xmlns="" xmlns:a14="http://schemas.microsoft.com/office/drawing/2010/main">
+                <a14:hiddenEffects xmlns:a14="http://schemas.microsoft.com/office/drawing/2010/main" xmlns="">
                   <a:effectLst>
                     <a:outerShdw blurRad="63500" dist="38099" dir="2700000" algn="ctr" rotWithShape="0">
                       <a:schemeClr val="bg2">
@@ -7899,7 +7901,7 @@
             <a:effectLst/>
             <a:extLst>
               <a:ext uri="{91240B29-F687-4f45-9708-019B960494DF}">
-                <a14:hiddenLine xmlns="" xmlns:a14="http://schemas.microsoft.com/office/drawing/2010/main" w="9525">
+                <a14:hiddenLine xmlns:a14="http://schemas.microsoft.com/office/drawing/2010/main" xmlns="" w="9525">
                   <a:solidFill>
                     <a:schemeClr val="tx1"/>
                   </a:solidFill>
@@ -7909,7 +7911,7 @@
                 </a14:hiddenLine>
               </a:ext>
               <a:ext uri="{AF507438-7753-43e0-B8FC-AC1667EBCBE1}">
-                <a14:hiddenEffects xmlns="" xmlns:a14="http://schemas.microsoft.com/office/drawing/2010/main">
+                <a14:hiddenEffects xmlns:a14="http://schemas.microsoft.com/office/drawing/2010/main" xmlns="">
                   <a:effectLst>
                     <a:outerShdw blurRad="63500" dist="38099" dir="2700000" algn="ctr" rotWithShape="0">
                       <a:schemeClr val="bg2">
@@ -7954,7 +7956,7 @@
             <a:effectLst/>
             <a:extLst>
               <a:ext uri="{91240B29-F687-4f45-9708-019B960494DF}">
-                <a14:hiddenLine xmlns="" xmlns:a14="http://schemas.microsoft.com/office/drawing/2010/main" w="9525">
+                <a14:hiddenLine xmlns:a14="http://schemas.microsoft.com/office/drawing/2010/main" xmlns="" w="9525">
                   <a:solidFill>
                     <a:schemeClr val="tx1"/>
                   </a:solidFill>
@@ -7964,7 +7966,7 @@
                 </a14:hiddenLine>
               </a:ext>
               <a:ext uri="{AF507438-7753-43e0-B8FC-AC1667EBCBE1}">
-                <a14:hiddenEffects xmlns="" xmlns:a14="http://schemas.microsoft.com/office/drawing/2010/main">
+                <a14:hiddenEffects xmlns:a14="http://schemas.microsoft.com/office/drawing/2010/main" xmlns="">
                   <a:effectLst>
                     <a:outerShdw blurRad="63500" dist="38099" dir="2700000" algn="ctr" rotWithShape="0">
                       <a:schemeClr val="bg2">
@@ -8009,7 +8011,7 @@
             <a:effectLst/>
             <a:extLst>
               <a:ext uri="{91240B29-F687-4f45-9708-019B960494DF}">
-                <a14:hiddenLine xmlns="" xmlns:a14="http://schemas.microsoft.com/office/drawing/2010/main" w="9525">
+                <a14:hiddenLine xmlns:a14="http://schemas.microsoft.com/office/drawing/2010/main" xmlns="" w="9525">
                   <a:solidFill>
                     <a:schemeClr val="tx1"/>
                   </a:solidFill>
@@ -8019,7 +8021,7 @@
                 </a14:hiddenLine>
               </a:ext>
               <a:ext uri="{AF507438-7753-43e0-B8FC-AC1667EBCBE1}">
-                <a14:hiddenEffects xmlns="" xmlns:a14="http://schemas.microsoft.com/office/drawing/2010/main">
+                <a14:hiddenEffects xmlns:a14="http://schemas.microsoft.com/office/drawing/2010/main" xmlns="">
                   <a:effectLst>
                     <a:outerShdw blurRad="63500" dist="38099" dir="2700000" algn="ctr" rotWithShape="0">
                       <a:schemeClr val="bg2">
@@ -8064,7 +8066,7 @@
             <a:effectLst/>
             <a:extLst>
               <a:ext uri="{91240B29-F687-4f45-9708-019B960494DF}">
-                <a14:hiddenLine xmlns="" xmlns:a14="http://schemas.microsoft.com/office/drawing/2010/main" w="9525">
+                <a14:hiddenLine xmlns:a14="http://schemas.microsoft.com/office/drawing/2010/main" xmlns="" w="9525">
                   <a:solidFill>
                     <a:schemeClr val="tx1"/>
                   </a:solidFill>
@@ -8074,7 +8076,7 @@
                 </a14:hiddenLine>
               </a:ext>
               <a:ext uri="{AF507438-7753-43e0-B8FC-AC1667EBCBE1}">
-                <a14:hiddenEffects xmlns="" xmlns:a14="http://schemas.microsoft.com/office/drawing/2010/main">
+                <a14:hiddenEffects xmlns:a14="http://schemas.microsoft.com/office/drawing/2010/main" xmlns="">
                   <a:effectLst>
                     <a:outerShdw blurRad="63500" dist="38099" dir="2700000" algn="ctr" rotWithShape="0">
                       <a:schemeClr val="bg2">
@@ -8119,7 +8121,7 @@
             <a:effectLst/>
             <a:extLst>
               <a:ext uri="{91240B29-F687-4f45-9708-019B960494DF}">
-                <a14:hiddenLine xmlns="" xmlns:a14="http://schemas.microsoft.com/office/drawing/2010/main" w="9525">
+                <a14:hiddenLine xmlns:a14="http://schemas.microsoft.com/office/drawing/2010/main" xmlns="" w="9525">
                   <a:solidFill>
                     <a:schemeClr val="tx1"/>
                   </a:solidFill>
@@ -8129,7 +8131,7 @@
                 </a14:hiddenLine>
               </a:ext>
               <a:ext uri="{AF507438-7753-43e0-B8FC-AC1667EBCBE1}">
-                <a14:hiddenEffects xmlns="" xmlns:a14="http://schemas.microsoft.com/office/drawing/2010/main">
+                <a14:hiddenEffects xmlns:a14="http://schemas.microsoft.com/office/drawing/2010/main" xmlns="">
                   <a:effectLst>
                     <a:outerShdw blurRad="63500" dist="38099" dir="2700000" algn="ctr" rotWithShape="0">
                       <a:schemeClr val="bg2">
@@ -8174,7 +8176,7 @@
             <a:effectLst/>
             <a:extLst>
               <a:ext uri="{91240B29-F687-4f45-9708-019B960494DF}">
-                <a14:hiddenLine xmlns="" xmlns:a14="http://schemas.microsoft.com/office/drawing/2010/main" w="9525">
+                <a14:hiddenLine xmlns:a14="http://schemas.microsoft.com/office/drawing/2010/main" xmlns="" w="9525">
                   <a:solidFill>
                     <a:schemeClr val="tx1"/>
                   </a:solidFill>
@@ -8184,7 +8186,7 @@
                 </a14:hiddenLine>
               </a:ext>
               <a:ext uri="{AF507438-7753-43e0-B8FC-AC1667EBCBE1}">
-                <a14:hiddenEffects xmlns="" xmlns:a14="http://schemas.microsoft.com/office/drawing/2010/main">
+                <a14:hiddenEffects xmlns:a14="http://schemas.microsoft.com/office/drawing/2010/main" xmlns="">
                   <a:effectLst>
                     <a:outerShdw blurRad="63500" dist="38099" dir="2700000" algn="ctr" rotWithShape="0">
                       <a:schemeClr val="bg2">
@@ -8229,7 +8231,7 @@
             <a:effectLst/>
             <a:extLst>
               <a:ext uri="{91240B29-F687-4f45-9708-019B960494DF}">
-                <a14:hiddenLine xmlns="" xmlns:a14="http://schemas.microsoft.com/office/drawing/2010/main" w="9525">
+                <a14:hiddenLine xmlns:a14="http://schemas.microsoft.com/office/drawing/2010/main" xmlns="" w="9525">
                   <a:solidFill>
                     <a:schemeClr val="tx1"/>
                   </a:solidFill>
@@ -8239,7 +8241,7 @@
                 </a14:hiddenLine>
               </a:ext>
               <a:ext uri="{AF507438-7753-43e0-B8FC-AC1667EBCBE1}">
-                <a14:hiddenEffects xmlns="" xmlns:a14="http://schemas.microsoft.com/office/drawing/2010/main">
+                <a14:hiddenEffects xmlns:a14="http://schemas.microsoft.com/office/drawing/2010/main" xmlns="">
                   <a:effectLst>
                     <a:outerShdw blurRad="63500" dist="38099" dir="2700000" algn="ctr" rotWithShape="0">
                       <a:schemeClr val="bg2">
@@ -8284,7 +8286,7 @@
             <a:effectLst/>
             <a:extLst>
               <a:ext uri="{91240B29-F687-4f45-9708-019B960494DF}">
-                <a14:hiddenLine xmlns="" xmlns:a14="http://schemas.microsoft.com/office/drawing/2010/main" w="9525">
+                <a14:hiddenLine xmlns:a14="http://schemas.microsoft.com/office/drawing/2010/main" xmlns="" w="9525">
                   <a:solidFill>
                     <a:schemeClr val="tx1"/>
                   </a:solidFill>
@@ -8294,7 +8296,7 @@
                 </a14:hiddenLine>
               </a:ext>
               <a:ext uri="{AF507438-7753-43e0-B8FC-AC1667EBCBE1}">
-                <a14:hiddenEffects xmlns="" xmlns:a14="http://schemas.microsoft.com/office/drawing/2010/main">
+                <a14:hiddenEffects xmlns:a14="http://schemas.microsoft.com/office/drawing/2010/main" xmlns="">
                   <a:effectLst>
                     <a:outerShdw blurRad="63500" dist="38099" dir="2700000" algn="ctr" rotWithShape="0">
                       <a:schemeClr val="bg2">
@@ -8339,7 +8341,7 @@
             <a:effectLst/>
             <a:extLst>
               <a:ext uri="{91240B29-F687-4f45-9708-019B960494DF}">
-                <a14:hiddenLine xmlns="" xmlns:a14="http://schemas.microsoft.com/office/drawing/2010/main" w="9525">
+                <a14:hiddenLine xmlns:a14="http://schemas.microsoft.com/office/drawing/2010/main" xmlns="" w="9525">
                   <a:solidFill>
                     <a:schemeClr val="tx1"/>
                   </a:solidFill>
@@ -8349,7 +8351,7 @@
                 </a14:hiddenLine>
               </a:ext>
               <a:ext uri="{AF507438-7753-43e0-B8FC-AC1667EBCBE1}">
-                <a14:hiddenEffects xmlns="" xmlns:a14="http://schemas.microsoft.com/office/drawing/2010/main">
+                <a14:hiddenEffects xmlns:a14="http://schemas.microsoft.com/office/drawing/2010/main" xmlns="">
                   <a:effectLst>
                     <a:outerShdw blurRad="63500" dist="38099" dir="2700000" algn="ctr" rotWithShape="0">
                       <a:schemeClr val="bg2">
@@ -8394,7 +8396,7 @@
             <a:effectLst/>
             <a:extLst>
               <a:ext uri="{91240B29-F687-4f45-9708-019B960494DF}">
-                <a14:hiddenLine xmlns="" xmlns:a14="http://schemas.microsoft.com/office/drawing/2010/main" w="9525">
+                <a14:hiddenLine xmlns:a14="http://schemas.microsoft.com/office/drawing/2010/main" xmlns="" w="9525">
                   <a:solidFill>
                     <a:schemeClr val="tx1"/>
                   </a:solidFill>
@@ -8404,7 +8406,7 @@
                 </a14:hiddenLine>
               </a:ext>
               <a:ext uri="{AF507438-7753-43e0-B8FC-AC1667EBCBE1}">
-                <a14:hiddenEffects xmlns="" xmlns:a14="http://schemas.microsoft.com/office/drawing/2010/main">
+                <a14:hiddenEffects xmlns:a14="http://schemas.microsoft.com/office/drawing/2010/main" xmlns="">
                   <a:effectLst>
                     <a:outerShdw blurRad="63500" dist="38099" dir="2700000" algn="ctr" rotWithShape="0">
                       <a:schemeClr val="bg2">
@@ -8449,7 +8451,7 @@
             <a:effectLst/>
             <a:extLst>
               <a:ext uri="{91240B29-F687-4f45-9708-019B960494DF}">
-                <a14:hiddenLine xmlns="" xmlns:a14="http://schemas.microsoft.com/office/drawing/2010/main" w="9525">
+                <a14:hiddenLine xmlns:a14="http://schemas.microsoft.com/office/drawing/2010/main" xmlns="" w="9525">
                   <a:solidFill>
                     <a:schemeClr val="tx1"/>
                   </a:solidFill>
@@ -8459,7 +8461,7 @@
                 </a14:hiddenLine>
               </a:ext>
               <a:ext uri="{AF507438-7753-43e0-B8FC-AC1667EBCBE1}">
-                <a14:hiddenEffects xmlns="" xmlns:a14="http://schemas.microsoft.com/office/drawing/2010/main">
+                <a14:hiddenEffects xmlns:a14="http://schemas.microsoft.com/office/drawing/2010/main" xmlns="">
                   <a:effectLst>
                     <a:outerShdw blurRad="63500" dist="38099" dir="2700000" algn="ctr" rotWithShape="0">
                       <a:schemeClr val="bg2">
@@ -8504,7 +8506,7 @@
             <a:effectLst/>
             <a:extLst>
               <a:ext uri="{91240B29-F687-4f45-9708-019B960494DF}">
-                <a14:hiddenLine xmlns="" xmlns:a14="http://schemas.microsoft.com/office/drawing/2010/main" w="9525">
+                <a14:hiddenLine xmlns:a14="http://schemas.microsoft.com/office/drawing/2010/main" xmlns="" w="9525">
                   <a:solidFill>
                     <a:schemeClr val="tx1"/>
                   </a:solidFill>
@@ -8514,7 +8516,7 @@
                 </a14:hiddenLine>
               </a:ext>
               <a:ext uri="{AF507438-7753-43e0-B8FC-AC1667EBCBE1}">
-                <a14:hiddenEffects xmlns="" xmlns:a14="http://schemas.microsoft.com/office/drawing/2010/main">
+                <a14:hiddenEffects xmlns:a14="http://schemas.microsoft.com/office/drawing/2010/main" xmlns="">
                   <a:effectLst>
                     <a:outerShdw blurRad="63500" dist="38099" dir="2700000" algn="ctr" rotWithShape="0">
                       <a:schemeClr val="bg2">
@@ -8559,7 +8561,7 @@
             <a:effectLst/>
             <a:extLst>
               <a:ext uri="{91240B29-F687-4f45-9708-019B960494DF}">
-                <a14:hiddenLine xmlns="" xmlns:a14="http://schemas.microsoft.com/office/drawing/2010/main" w="9525">
+                <a14:hiddenLine xmlns:a14="http://schemas.microsoft.com/office/drawing/2010/main" xmlns="" w="9525">
                   <a:solidFill>
                     <a:schemeClr val="tx1"/>
                   </a:solidFill>
@@ -8569,7 +8571,7 @@
                 </a14:hiddenLine>
               </a:ext>
               <a:ext uri="{AF507438-7753-43e0-B8FC-AC1667EBCBE1}">
-                <a14:hiddenEffects xmlns="" xmlns:a14="http://schemas.microsoft.com/office/drawing/2010/main">
+                <a14:hiddenEffects xmlns:a14="http://schemas.microsoft.com/office/drawing/2010/main" xmlns="">
                   <a:effectLst>
                     <a:outerShdw blurRad="63500" dist="38099" dir="2700000" algn="ctr" rotWithShape="0">
                       <a:schemeClr val="bg2">
@@ -8614,7 +8616,7 @@
             <a:effectLst/>
             <a:extLst>
               <a:ext uri="{91240B29-F687-4f45-9708-019B960494DF}">
-                <a14:hiddenLine xmlns="" xmlns:a14="http://schemas.microsoft.com/office/drawing/2010/main" w="9525">
+                <a14:hiddenLine xmlns:a14="http://schemas.microsoft.com/office/drawing/2010/main" xmlns="" w="9525">
                   <a:solidFill>
                     <a:schemeClr val="tx1"/>
                   </a:solidFill>
@@ -8624,7 +8626,7 @@
                 </a14:hiddenLine>
               </a:ext>
               <a:ext uri="{AF507438-7753-43e0-B8FC-AC1667EBCBE1}">
-                <a14:hiddenEffects xmlns="" xmlns:a14="http://schemas.microsoft.com/office/drawing/2010/main">
+                <a14:hiddenEffects xmlns:a14="http://schemas.microsoft.com/office/drawing/2010/main" xmlns="">
                   <a:effectLst>
                     <a:outerShdw blurRad="63500" dist="38099" dir="2700000" algn="ctr" rotWithShape="0">
                       <a:schemeClr val="bg2">
@@ -8669,7 +8671,7 @@
             <a:effectLst/>
             <a:extLst>
               <a:ext uri="{91240B29-F687-4f45-9708-019B960494DF}">
-                <a14:hiddenLine xmlns="" xmlns:a14="http://schemas.microsoft.com/office/drawing/2010/main" w="9525">
+                <a14:hiddenLine xmlns:a14="http://schemas.microsoft.com/office/drawing/2010/main" xmlns="" w="9525">
                   <a:solidFill>
                     <a:schemeClr val="tx1"/>
                   </a:solidFill>
@@ -8679,7 +8681,7 @@
                 </a14:hiddenLine>
               </a:ext>
               <a:ext uri="{AF507438-7753-43e0-B8FC-AC1667EBCBE1}">
-                <a14:hiddenEffects xmlns="" xmlns:a14="http://schemas.microsoft.com/office/drawing/2010/main">
+                <a14:hiddenEffects xmlns:a14="http://schemas.microsoft.com/office/drawing/2010/main" xmlns="">
                   <a:effectLst>
                     <a:outerShdw blurRad="63500" dist="38099" dir="2700000" algn="ctr" rotWithShape="0">
                       <a:schemeClr val="bg2">
@@ -8724,7 +8726,7 @@
             <a:effectLst/>
             <a:extLst>
               <a:ext uri="{91240B29-F687-4f45-9708-019B960494DF}">
-                <a14:hiddenLine xmlns="" xmlns:a14="http://schemas.microsoft.com/office/drawing/2010/main" w="9525">
+                <a14:hiddenLine xmlns:a14="http://schemas.microsoft.com/office/drawing/2010/main" xmlns="" w="9525">
                   <a:solidFill>
                     <a:schemeClr val="tx1"/>
                   </a:solidFill>
@@ -8734,7 +8736,7 @@
                 </a14:hiddenLine>
               </a:ext>
               <a:ext uri="{AF507438-7753-43e0-B8FC-AC1667EBCBE1}">
-                <a14:hiddenEffects xmlns="" xmlns:a14="http://schemas.microsoft.com/office/drawing/2010/main">
+                <a14:hiddenEffects xmlns:a14="http://schemas.microsoft.com/office/drawing/2010/main" xmlns="">
                   <a:effectLst>
                     <a:outerShdw blurRad="63500" dist="38099" dir="2700000" algn="ctr" rotWithShape="0">
                       <a:schemeClr val="bg2">
@@ -8779,7 +8781,7 @@
             <a:effectLst/>
             <a:extLst>
               <a:ext uri="{91240B29-F687-4f45-9708-019B960494DF}">
-                <a14:hiddenLine xmlns="" xmlns:a14="http://schemas.microsoft.com/office/drawing/2010/main" w="9525">
+                <a14:hiddenLine xmlns:a14="http://schemas.microsoft.com/office/drawing/2010/main" xmlns="" w="9525">
                   <a:solidFill>
                     <a:schemeClr val="tx1"/>
                   </a:solidFill>
@@ -8789,7 +8791,7 @@
                 </a14:hiddenLine>
               </a:ext>
               <a:ext uri="{AF507438-7753-43e0-B8FC-AC1667EBCBE1}">
-                <a14:hiddenEffects xmlns="" xmlns:a14="http://schemas.microsoft.com/office/drawing/2010/main">
+                <a14:hiddenEffects xmlns:a14="http://schemas.microsoft.com/office/drawing/2010/main" xmlns="">
                   <a:effectLst>
                     <a:outerShdw blurRad="63500" dist="38099" dir="2700000" algn="ctr" rotWithShape="0">
                       <a:schemeClr val="bg2">
@@ -9859,7 +9861,7 @@
           </a:ln>
           <a:extLst>
             <a:ext uri="{909E8E84-426E-40dd-AFC4-6F175D3DCCD1}">
-              <a14:hiddenFill xmlns="" xmlns:a14="http://schemas.microsoft.com/office/drawing/2010/main">
+              <a14:hiddenFill xmlns:a14="http://schemas.microsoft.com/office/drawing/2010/main" xmlns="">
                 <a:noFill/>
               </a14:hiddenFill>
             </a:ext>
@@ -9888,14 +9890,14 @@
           </a:ln>
           <a:extLst>
             <a:ext uri="{909E8E84-426E-40dd-AFC4-6F175D3DCCD1}">
-              <a14:hiddenFill xmlns="" xmlns:a14="http://schemas.microsoft.com/office/drawing/2010/main">
+              <a14:hiddenFill xmlns:a14="http://schemas.microsoft.com/office/drawing/2010/main" xmlns="">
                 <a:solidFill>
                   <a:schemeClr val="accent1"/>
                 </a:solidFill>
               </a14:hiddenFill>
             </a:ext>
             <a:ext uri="{91240B29-F687-4f45-9708-019B960494DF}">
-              <a14:hiddenLine xmlns="" xmlns:a14="http://schemas.microsoft.com/office/drawing/2010/main" w="9525">
+              <a14:hiddenLine xmlns:a14="http://schemas.microsoft.com/office/drawing/2010/main" xmlns="" w="9525">
                 <a:solidFill>
                   <a:schemeClr val="tx1"/>
                 </a:solidFill>
@@ -9945,14 +9947,14 @@
           </a:ln>
           <a:extLst>
             <a:ext uri="{909E8E84-426E-40dd-AFC4-6F175D3DCCD1}">
-              <a14:hiddenFill xmlns="" xmlns:a14="http://schemas.microsoft.com/office/drawing/2010/main">
+              <a14:hiddenFill xmlns:a14="http://schemas.microsoft.com/office/drawing/2010/main" xmlns="">
                 <a:solidFill>
                   <a:schemeClr val="accent1"/>
                 </a:solidFill>
               </a14:hiddenFill>
             </a:ext>
             <a:ext uri="{91240B29-F687-4f45-9708-019B960494DF}">
-              <a14:hiddenLine xmlns="" xmlns:a14="http://schemas.microsoft.com/office/drawing/2010/main" w="9525">
+              <a14:hiddenLine xmlns:a14="http://schemas.microsoft.com/office/drawing/2010/main" xmlns="" w="9525">
                 <a:solidFill>
                   <a:schemeClr val="tx1"/>
                 </a:solidFill>
@@ -10777,7 +10779,7 @@
           <a:effectLst/>
           <a:extLst>
             <a:ext uri="{AF507438-7753-43e0-B8FC-AC1667EBCBE1}">
-              <a14:hiddenEffects xmlns="" xmlns:a14="http://schemas.microsoft.com/office/drawing/2010/main">
+              <a14:hiddenEffects xmlns:a14="http://schemas.microsoft.com/office/drawing/2010/main" xmlns="">
                 <a:effectLst>
                   <a:outerShdw blurRad="63500" dist="38099" dir="2700000" algn="ctr" rotWithShape="0">
                     <a:schemeClr val="bg2">
@@ -10965,7 +10967,7 @@
           </a:ln>
           <a:extLst>
             <a:ext uri="{909E8E84-426E-40dd-AFC4-6F175D3DCCD1}">
-              <a14:hiddenFill xmlns="" xmlns:a14="http://schemas.microsoft.com/office/drawing/2010/main">
+              <a14:hiddenFill xmlns:a14="http://schemas.microsoft.com/office/drawing/2010/main" xmlns="">
                 <a:solidFill>
                   <a:schemeClr val="accent1"/>
                 </a:solidFill>
@@ -12853,14 +12855,14 @@
           </a:ln>
           <a:extLst>
             <a:ext uri="{909E8E84-426E-40dd-AFC4-6F175D3DCCD1}">
-              <a14:hiddenFill xmlns="" xmlns:a14="http://schemas.microsoft.com/office/drawing/2010/main">
+              <a14:hiddenFill xmlns:a14="http://schemas.microsoft.com/office/drawing/2010/main" xmlns="">
                 <a:solidFill>
                   <a:schemeClr val="accent1"/>
                 </a:solidFill>
               </a14:hiddenFill>
             </a:ext>
             <a:ext uri="{91240B29-F687-4f45-9708-019B960494DF}">
-              <a14:hiddenLine xmlns="" xmlns:a14="http://schemas.microsoft.com/office/drawing/2010/main" w="9525">
+              <a14:hiddenLine xmlns:a14="http://schemas.microsoft.com/office/drawing/2010/main" xmlns="" w="9525">
                 <a:solidFill>
                   <a:schemeClr val="tx1"/>
                 </a:solidFill>
@@ -13191,14 +13193,14 @@
           </a:ln>
           <a:extLst>
             <a:ext uri="{909E8E84-426E-40dd-AFC4-6F175D3DCCD1}">
-              <a14:hiddenFill xmlns="" xmlns:a14="http://schemas.microsoft.com/office/drawing/2010/main">
+              <a14:hiddenFill xmlns:a14="http://schemas.microsoft.com/office/drawing/2010/main" xmlns="">
                 <a:solidFill>
                   <a:schemeClr val="accent1"/>
                 </a:solidFill>
               </a14:hiddenFill>
             </a:ext>
             <a:ext uri="{91240B29-F687-4f45-9708-019B960494DF}">
-              <a14:hiddenLine xmlns="" xmlns:a14="http://schemas.microsoft.com/office/drawing/2010/main" w="9525">
+              <a14:hiddenLine xmlns:a14="http://schemas.microsoft.com/office/drawing/2010/main" xmlns="" w="9525">
                 <a:solidFill>
                   <a:schemeClr val="tx1"/>
                 </a:solidFill>
@@ -13623,14 +13625,14 @@
           </a:ln>
           <a:extLst>
             <a:ext uri="{909E8E84-426E-40dd-AFC4-6F175D3DCCD1}">
-              <a14:hiddenFill xmlns="" xmlns:a14="http://schemas.microsoft.com/office/drawing/2010/main">
+              <a14:hiddenFill xmlns:a14="http://schemas.microsoft.com/office/drawing/2010/main" xmlns="">
                 <a:solidFill>
                   <a:schemeClr val="accent1"/>
                 </a:solidFill>
               </a14:hiddenFill>
             </a:ext>
             <a:ext uri="{91240B29-F687-4f45-9708-019B960494DF}">
-              <a14:hiddenLine xmlns="" xmlns:a14="http://schemas.microsoft.com/office/drawing/2010/main" w="9525">
+              <a14:hiddenLine xmlns:a14="http://schemas.microsoft.com/office/drawing/2010/main" xmlns="" w="9525">
                 <a:solidFill>
                   <a:schemeClr val="tx1"/>
                 </a:solidFill>
@@ -13990,14 +13992,14 @@
           </a:ln>
           <a:extLst>
             <a:ext uri="{909E8E84-426E-40dd-AFC4-6F175D3DCCD1}">
-              <a14:hiddenFill xmlns="" xmlns:a14="http://schemas.microsoft.com/office/drawing/2010/main">
+              <a14:hiddenFill xmlns:a14="http://schemas.microsoft.com/office/drawing/2010/main" xmlns="">
                 <a:solidFill>
                   <a:schemeClr val="accent1"/>
                 </a:solidFill>
               </a14:hiddenFill>
             </a:ext>
             <a:ext uri="{91240B29-F687-4f45-9708-019B960494DF}">
-              <a14:hiddenLine xmlns="" xmlns:a14="http://schemas.microsoft.com/office/drawing/2010/main" w="9525">
+              <a14:hiddenLine xmlns:a14="http://schemas.microsoft.com/office/drawing/2010/main" xmlns="" w="9525">
                 <a:solidFill>
                   <a:schemeClr val="tx1"/>
                 </a:solidFill>
@@ -14320,14 +14322,14 @@
           </a:ln>
           <a:extLst>
             <a:ext uri="{909E8E84-426E-40dd-AFC4-6F175D3DCCD1}">
-              <a14:hiddenFill xmlns="" xmlns:a14="http://schemas.microsoft.com/office/drawing/2010/main">
+              <a14:hiddenFill xmlns:a14="http://schemas.microsoft.com/office/drawing/2010/main" xmlns="">
                 <a:solidFill>
                   <a:schemeClr val="accent1"/>
                 </a:solidFill>
               </a14:hiddenFill>
             </a:ext>
             <a:ext uri="{91240B29-F687-4f45-9708-019B960494DF}">
-              <a14:hiddenLine xmlns="" xmlns:a14="http://schemas.microsoft.com/office/drawing/2010/main" w="9525">
+              <a14:hiddenLine xmlns:a14="http://schemas.microsoft.com/office/drawing/2010/main" xmlns="" w="9525">
                 <a:solidFill>
                   <a:schemeClr val="tx1"/>
                 </a:solidFill>
@@ -14978,7 +14980,7 @@
           <a:effectLst/>
           <a:extLst>
             <a:ext uri="{AF507438-7753-43e0-B8FC-AC1667EBCBE1}">
-              <a14:hiddenEffects xmlns:a14="http://schemas.microsoft.com/office/drawing/2010/main" xmlns="">
+              <a14:hiddenEffects xmlns="" xmlns:a14="http://schemas.microsoft.com/office/drawing/2010/main">
                 <a:effectLst>
                   <a:outerShdw blurRad="63500" dist="38099" dir="2700000" algn="ctr" rotWithShape="0">
                     <a:schemeClr val="bg2">
@@ -15023,9 +15025,15 @@
       </p:grpSpPr>
       <p:sp>
         <p:nvSpPr>
-          <p:cNvPr id="28674" name="Rectangle 2"/>
+          <p:cNvPr id="2" name="Title 1">
+            <a:extLst>
+              <a:ext uri="{FF2B5EF4-FFF2-40B4-BE49-F238E27FC236}">
+                <a16:creationId xmlns:a16="http://schemas.microsoft.com/office/drawing/2014/main" id="{20B36E8E-3031-B04E-A23E-D938D3C3CE33}"/>
+              </a:ext>
+            </a:extLst>
+          </p:cNvPr>
           <p:cNvSpPr>
-            <a:spLocks noGrp="1" noChangeArrowheads="1"/>
+            <a:spLocks noGrp="1"/>
           </p:cNvSpPr>
           <p:nvPr>
             <p:ph type="title"/>
@@ -15037,46 +15045,108 @@
           <a:lstStyle/>
           <a:p>
             <a:r>
-              <a:rPr lang="en-US"/>
-              <a:t>Assignments</a:t>
-            </a:r>
-          </a:p>
-        </p:txBody>
-      </p:sp>
-      <p:sp>
-        <p:nvSpPr>
-          <p:cNvPr id="28675" name="Rectangle 3"/>
+              <a:rPr lang="en-US" dirty="0"/>
+              <a:t>Our First Language Processor	</a:t>
+            </a:r>
+          </a:p>
+        </p:txBody>
+      </p:sp>
+      <p:sp>
+        <p:nvSpPr>
+          <p:cNvPr id="3" name="Content Placeholder 2">
+            <a:extLst>
+              <a:ext uri="{FF2B5EF4-FFF2-40B4-BE49-F238E27FC236}">
+                <a16:creationId xmlns:a16="http://schemas.microsoft.com/office/drawing/2014/main" id="{5E37563C-89E2-0148-ABBC-2F2D8AB4B5D1}"/>
+              </a:ext>
+            </a:extLst>
+          </p:cNvPr>
           <p:cNvSpPr>
-            <a:spLocks noGrp="1" noChangeArrowheads="1"/>
+            <a:spLocks noGrp="1"/>
           </p:cNvSpPr>
           <p:nvPr>
-            <p:ph type="body" idx="1"/>
+            <p:ph idx="1"/>
           </p:nvPr>
         </p:nvSpPr>
         <p:spPr/>
         <p:txBody>
-          <a:bodyPr/>
+          <a:bodyPr>
+            <a:normAutofit fontScale="77500" lnSpcReduction="20000"/>
+          </a:bodyPr>
           <a:lstStyle/>
           <a:p>
             <a:r>
               <a:rPr lang="en-US" dirty="0"/>
-              <a:t>Read Chapter 2</a:t>
+              <a:t>Parsers are good because they can tell us if a program is valid or not</a:t>
             </a:r>
           </a:p>
           <a:p>
             <a:r>
               <a:rPr lang="en-US" dirty="0"/>
-              <a:t>Assignment #1 -- see </a:t>
+              <a:t>But in order to have to extend it with “actions”, code that does something useful.</a:t>
+            </a:r>
+          </a:p>
+          <a:p>
+            <a:r>
+              <a:rPr lang="en-US" dirty="0"/>
+              <a:t>Idea: Our first language processor parses Exp0 programs and counts the number of times the value of a variable is accessed</a:t>
+            </a:r>
+          </a:p>
+          <a:p>
+            <a:pPr lvl="1"/>
+            <a:r>
+              <a:rPr lang="en-US" dirty="0"/>
+              <a:t>Example:  s x 1; s x (+ </a:t>
+            </a:r>
+            <a:r>
+              <a:rPr lang="en-US" dirty="0">
+                <a:solidFill>
+                  <a:srgbClr val="FF0000"/>
+                </a:solidFill>
+              </a:rPr>
+              <a:t>x</a:t>
+            </a:r>
+            <a:r>
+              <a:rPr lang="en-US" dirty="0"/>
+              <a:t> 1); </a:t>
+            </a:r>
+          </a:p>
+          <a:p>
+            <a:pPr lvl="1"/>
+            <a:r>
+              <a:rPr lang="en-US" dirty="0"/>
+              <a:t>In this program we only access the value of a variable once!</a:t>
+            </a:r>
+          </a:p>
+          <a:p>
+            <a:r>
+              <a:rPr lang="en-US" dirty="0"/>
+              <a:t>Note: Scanning for variable names and counting the number of times a variable name occurs does NOT work, we need to use a parser that understands the difference between a variable value reference and a variable storage reference (</a:t>
             </a:r>
             <a:r>
               <a:rPr lang="en-US" dirty="0" err="1"/>
-              <a:t>BrightSpace</a:t>
-            </a:r>
-            <a:endParaRPr lang="en-US" dirty="0"/>
+              <a:t>rvalues</a:t>
+            </a:r>
+            <a:r>
+              <a:rPr lang="en-US" dirty="0"/>
+              <a:t> and </a:t>
+            </a:r>
+            <a:r>
+              <a:rPr lang="en-US" dirty="0" err="1"/>
+              <a:t>lvalues</a:t>
+            </a:r>
+            <a:r>
+              <a:rPr lang="en-US" dirty="0"/>
+              <a:t>).</a:t>
+            </a:r>
           </a:p>
         </p:txBody>
       </p:sp>
     </p:spTree>
+    <p:extLst>
+      <p:ext uri="{BB962C8B-B14F-4D97-AF65-F5344CB8AC3E}">
+        <p14:creationId xmlns:p14="http://schemas.microsoft.com/office/powerpoint/2010/main" val="1873311692"/>
+      </p:ext>
+    </p:extLst>
   </p:cSld>
   <p:clrMapOvr>
     <a:masterClrMapping/>
@@ -15233,6 +15303,628 @@
         <p14:creationId xmlns:p14="http://schemas.microsoft.com/office/powerpoint/2010/main" val="1764857920"/>
       </p:ext>
     </p:extLst>
+  </p:cSld>
+  <p:clrMapOvr>
+    <a:masterClrMapping/>
+  </p:clrMapOvr>
+</p:sld>
+</file>
+
+<file path=ppt/slides/slide30.xml><?xml version="1.0" encoding="utf-8"?>
+<p:sld xmlns:a="http://schemas.openxmlformats.org/drawingml/2006/main" xmlns:r="http://schemas.openxmlformats.org/officeDocument/2006/relationships" xmlns:p="http://schemas.openxmlformats.org/presentationml/2006/main">
+  <p:cSld>
+    <p:spTree>
+      <p:nvGrpSpPr>
+        <p:cNvPr id="1" name=""/>
+        <p:cNvGrpSpPr/>
+        <p:nvPr/>
+      </p:nvGrpSpPr>
+      <p:grpSpPr>
+        <a:xfrm>
+          <a:off x="0" y="0"/>
+          <a:ext cx="0" cy="0"/>
+          <a:chOff x="0" y="0"/>
+          <a:chExt cx="0" cy="0"/>
+        </a:xfrm>
+      </p:grpSpPr>
+      <p:sp>
+        <p:nvSpPr>
+          <p:cNvPr id="2" name="Title 1">
+            <a:extLst>
+              <a:ext uri="{FF2B5EF4-FFF2-40B4-BE49-F238E27FC236}">
+                <a16:creationId xmlns:a16="http://schemas.microsoft.com/office/drawing/2014/main" id="{18E5D215-747A-434B-8768-A1CB92A2D25A}"/>
+              </a:ext>
+            </a:extLst>
+          </p:cNvPr>
+          <p:cNvSpPr>
+            <a:spLocks noGrp="1"/>
+          </p:cNvSpPr>
+          <p:nvPr>
+            <p:ph type="title"/>
+          </p:nvPr>
+        </p:nvSpPr>
+        <p:spPr/>
+        <p:txBody>
+          <a:bodyPr/>
+          <a:lstStyle/>
+          <a:p>
+            <a:r>
+              <a:rPr lang="en-US" dirty="0"/>
+              <a:t>Extended Parser</a:t>
+            </a:r>
+          </a:p>
+        </p:txBody>
+      </p:sp>
+      <p:pic>
+        <p:nvPicPr>
+          <p:cNvPr id="4" name="Picture 3">
+            <a:extLst>
+              <a:ext uri="{FF2B5EF4-FFF2-40B4-BE49-F238E27FC236}">
+                <a16:creationId xmlns:a16="http://schemas.microsoft.com/office/drawing/2014/main" id="{A3BC2440-57DA-154D-8609-B460CAB67BC5}"/>
+              </a:ext>
+            </a:extLst>
+          </p:cNvPr>
+          <p:cNvPicPr>
+            <a:picLocks noChangeAspect="1"/>
+          </p:cNvPicPr>
+          <p:nvPr/>
+        </p:nvPicPr>
+        <p:blipFill>
+          <a:blip r:embed="rId2"/>
+          <a:stretch>
+            <a:fillRect/>
+          </a:stretch>
+        </p:blipFill>
+        <p:spPr>
+          <a:xfrm>
+            <a:off x="381000" y="1417638"/>
+            <a:ext cx="5511800" cy="3033121"/>
+          </a:xfrm>
+          <a:prstGeom prst="rect">
+            <a:avLst/>
+          </a:prstGeom>
+          <a:ln>
+            <a:solidFill>
+              <a:schemeClr val="tx1"/>
+            </a:solidFill>
+          </a:ln>
+        </p:spPr>
+      </p:pic>
+      <p:sp>
+        <p:nvSpPr>
+          <p:cNvPr id="5" name="Left Arrow 4">
+            <a:extLst>
+              <a:ext uri="{FF2B5EF4-FFF2-40B4-BE49-F238E27FC236}">
+                <a16:creationId xmlns:a16="http://schemas.microsoft.com/office/drawing/2014/main" id="{40755A63-8889-944E-B0A9-F2B5A3831091}"/>
+              </a:ext>
+            </a:extLst>
+          </p:cNvPr>
+          <p:cNvSpPr/>
+          <p:nvPr/>
+        </p:nvSpPr>
+        <p:spPr bwMode="auto">
+          <a:xfrm>
+            <a:off x="1676400" y="1676400"/>
+            <a:ext cx="228600" cy="152400"/>
+          </a:xfrm>
+          <a:prstGeom prst="leftArrow">
+            <a:avLst/>
+          </a:prstGeom>
+          <a:solidFill>
+            <a:srgbClr val="FF0000"/>
+          </a:solidFill>
+          <a:ln w="9525" cap="flat" cmpd="sng" algn="ctr">
+            <a:solidFill>
+              <a:schemeClr val="tx1"/>
+            </a:solidFill>
+            <a:prstDash val="solid"/>
+            <a:round/>
+            <a:headEnd type="none" w="med" len="med"/>
+            <a:tailEnd type="none" w="med" len="med"/>
+          </a:ln>
+          <a:effectLst/>
+          <a:extLst>
+            <a:ext uri="{AF507438-7753-43e0-B8FC-AC1667EBCBE1}">
+              <a14:hiddenEffects xmlns="" xmlns:a14="http://schemas.microsoft.com/office/drawing/2010/main">
+                <a:effectLst>
+                  <a:outerShdw blurRad="63500" dist="38099" dir="2700000" algn="ctr" rotWithShape="0">
+                    <a:schemeClr val="bg2">
+                      <a:alpha val="74998"/>
+                    </a:schemeClr>
+                  </a:outerShdw>
+                </a:effectLst>
+              </a14:hiddenEffects>
+            </a:ext>
+          </a:extLst>
+        </p:spPr>
+        <p:txBody>
+          <a:bodyPr vert="horz" wrap="square" lIns="91440" tIns="45720" rIns="91440" bIns="45720" numCol="1" rtlCol="0" anchor="t" anchorCtr="0" compatLnSpc="1">
+            <a:prstTxWarp prst="textNoShape">
+              <a:avLst/>
+            </a:prstTxWarp>
+          </a:bodyPr>
+          <a:lstStyle/>
+          <a:p>
+            <a:pPr marL="0" marR="0" indent="0" algn="l" defTabSz="914400" rtl="0" eaLnBrk="0" fontAlgn="base" latinLnBrk="0" hangingPunct="0">
+              <a:lnSpc>
+                <a:spcPct val="100000"/>
+              </a:lnSpc>
+              <a:spcBef>
+                <a:spcPct val="0"/>
+              </a:spcBef>
+              <a:spcAft>
+                <a:spcPct val="0"/>
+              </a:spcAft>
+              <a:buClrTx/>
+              <a:buSzTx/>
+              <a:buFontTx/>
+              <a:buNone/>
+              <a:tabLst/>
+            </a:pPr>
+            <a:endParaRPr kumimoji="0" lang="en-US" sz="2400" b="0" i="0" u="none" strike="noStrike" cap="none" normalizeH="0" baseline="0">
+              <a:ln>
+                <a:noFill/>
+              </a:ln>
+              <a:solidFill>
+                <a:srgbClr val="000000"/>
+              </a:solidFill>
+              <a:effectLst/>
+              <a:latin typeface="Arial" charset="0"/>
+              <a:ea typeface="ＭＳ Ｐゴシック" charset="0"/>
+              <a:cs typeface="ＭＳ Ｐゴシック" charset="0"/>
+            </a:endParaRPr>
+          </a:p>
+        </p:txBody>
+      </p:sp>
+      <p:sp>
+        <p:nvSpPr>
+          <p:cNvPr id="6" name="Left Arrow 5">
+            <a:extLst>
+              <a:ext uri="{FF2B5EF4-FFF2-40B4-BE49-F238E27FC236}">
+                <a16:creationId xmlns:a16="http://schemas.microsoft.com/office/drawing/2014/main" id="{D93167B3-7561-7A42-8DE1-B86B86E970BB}"/>
+              </a:ext>
+            </a:extLst>
+          </p:cNvPr>
+          <p:cNvSpPr/>
+          <p:nvPr/>
+        </p:nvSpPr>
+        <p:spPr bwMode="auto">
+          <a:xfrm>
+            <a:off x="1790700" y="2209800"/>
+            <a:ext cx="228600" cy="152400"/>
+          </a:xfrm>
+          <a:prstGeom prst="leftArrow">
+            <a:avLst/>
+          </a:prstGeom>
+          <a:solidFill>
+            <a:srgbClr val="FF0000"/>
+          </a:solidFill>
+          <a:ln w="9525" cap="flat" cmpd="sng" algn="ctr">
+            <a:solidFill>
+              <a:schemeClr val="tx1"/>
+            </a:solidFill>
+            <a:prstDash val="solid"/>
+            <a:round/>
+            <a:headEnd type="none" w="med" len="med"/>
+            <a:tailEnd type="none" w="med" len="med"/>
+          </a:ln>
+          <a:effectLst/>
+          <a:extLst>
+            <a:ext uri="{AF507438-7753-43e0-B8FC-AC1667EBCBE1}">
+              <a14:hiddenEffects xmlns="" xmlns:a14="http://schemas.microsoft.com/office/drawing/2010/main">
+                <a:effectLst>
+                  <a:outerShdw blurRad="63500" dist="38099" dir="2700000" algn="ctr" rotWithShape="0">
+                    <a:schemeClr val="bg2">
+                      <a:alpha val="74998"/>
+                    </a:schemeClr>
+                  </a:outerShdw>
+                </a:effectLst>
+              </a14:hiddenEffects>
+            </a:ext>
+          </a:extLst>
+        </p:spPr>
+        <p:txBody>
+          <a:bodyPr vert="horz" wrap="square" lIns="91440" tIns="45720" rIns="91440" bIns="45720" numCol="1" rtlCol="0" anchor="t" anchorCtr="0" compatLnSpc="1">
+            <a:prstTxWarp prst="textNoShape">
+              <a:avLst/>
+            </a:prstTxWarp>
+          </a:bodyPr>
+          <a:lstStyle/>
+          <a:p>
+            <a:pPr marL="0" marR="0" indent="0" algn="l" defTabSz="914400" rtl="0" eaLnBrk="0" fontAlgn="base" latinLnBrk="0" hangingPunct="0">
+              <a:lnSpc>
+                <a:spcPct val="100000"/>
+              </a:lnSpc>
+              <a:spcBef>
+                <a:spcPct val="0"/>
+              </a:spcBef>
+              <a:spcAft>
+                <a:spcPct val="0"/>
+              </a:spcAft>
+              <a:buClrTx/>
+              <a:buSzTx/>
+              <a:buFontTx/>
+              <a:buNone/>
+              <a:tabLst/>
+            </a:pPr>
+            <a:endParaRPr kumimoji="0" lang="en-US" sz="2400" b="0" i="0" u="none" strike="noStrike" cap="none" normalizeH="0" baseline="0">
+              <a:ln>
+                <a:noFill/>
+              </a:ln>
+              <a:solidFill>
+                <a:srgbClr val="000000"/>
+              </a:solidFill>
+              <a:effectLst/>
+              <a:latin typeface="Arial" charset="0"/>
+              <a:ea typeface="ＭＳ Ｐゴシック" charset="0"/>
+              <a:cs typeface="ＭＳ Ｐゴシック" charset="0"/>
+            </a:endParaRPr>
+          </a:p>
+        </p:txBody>
+      </p:sp>
+      <p:sp>
+        <p:nvSpPr>
+          <p:cNvPr id="7" name="Left Arrow 6">
+            <a:extLst>
+              <a:ext uri="{FF2B5EF4-FFF2-40B4-BE49-F238E27FC236}">
+                <a16:creationId xmlns:a16="http://schemas.microsoft.com/office/drawing/2014/main" id="{7503F119-1A7B-BE43-8E24-5DEB091DBD0F}"/>
+              </a:ext>
+            </a:extLst>
+          </p:cNvPr>
+          <p:cNvSpPr/>
+          <p:nvPr/>
+        </p:nvSpPr>
+        <p:spPr bwMode="auto">
+          <a:xfrm>
+            <a:off x="4343400" y="3429000"/>
+            <a:ext cx="228600" cy="152400"/>
+          </a:xfrm>
+          <a:prstGeom prst="leftArrow">
+            <a:avLst/>
+          </a:prstGeom>
+          <a:solidFill>
+            <a:srgbClr val="FF0000"/>
+          </a:solidFill>
+          <a:ln w="9525" cap="flat" cmpd="sng" algn="ctr">
+            <a:solidFill>
+              <a:schemeClr val="tx1"/>
+            </a:solidFill>
+            <a:prstDash val="solid"/>
+            <a:round/>
+            <a:headEnd type="none" w="med" len="med"/>
+            <a:tailEnd type="none" w="med" len="med"/>
+          </a:ln>
+          <a:effectLst/>
+          <a:extLst>
+            <a:ext uri="{AF507438-7753-43e0-B8FC-AC1667EBCBE1}">
+              <a14:hiddenEffects xmlns="" xmlns:a14="http://schemas.microsoft.com/office/drawing/2010/main">
+                <a:effectLst>
+                  <a:outerShdw blurRad="63500" dist="38099" dir="2700000" algn="ctr" rotWithShape="0">
+                    <a:schemeClr val="bg2">
+                      <a:alpha val="74998"/>
+                    </a:schemeClr>
+                  </a:outerShdw>
+                </a:effectLst>
+              </a14:hiddenEffects>
+            </a:ext>
+          </a:extLst>
+        </p:spPr>
+        <p:txBody>
+          <a:bodyPr vert="horz" wrap="square" lIns="91440" tIns="45720" rIns="91440" bIns="45720" numCol="1" rtlCol="0" anchor="t" anchorCtr="0" compatLnSpc="1">
+            <a:prstTxWarp prst="textNoShape">
+              <a:avLst/>
+            </a:prstTxWarp>
+          </a:bodyPr>
+          <a:lstStyle/>
+          <a:p>
+            <a:pPr marL="0" marR="0" indent="0" algn="l" defTabSz="914400" rtl="0" eaLnBrk="0" fontAlgn="base" latinLnBrk="0" hangingPunct="0">
+              <a:lnSpc>
+                <a:spcPct val="100000"/>
+              </a:lnSpc>
+              <a:spcBef>
+                <a:spcPct val="0"/>
+              </a:spcBef>
+              <a:spcAft>
+                <a:spcPct val="0"/>
+              </a:spcAft>
+              <a:buClrTx/>
+              <a:buSzTx/>
+              <a:buFontTx/>
+              <a:buNone/>
+              <a:tabLst/>
+            </a:pPr>
+            <a:endParaRPr kumimoji="0" lang="en-US" sz="2400" b="0" i="0" u="none" strike="noStrike" cap="none" normalizeH="0" baseline="0">
+              <a:ln>
+                <a:noFill/>
+              </a:ln>
+              <a:solidFill>
+                <a:srgbClr val="000000"/>
+              </a:solidFill>
+              <a:effectLst/>
+              <a:latin typeface="Arial" charset="0"/>
+              <a:ea typeface="ＭＳ Ｐゴシック" charset="0"/>
+              <a:cs typeface="ＭＳ Ｐゴシック" charset="0"/>
+            </a:endParaRPr>
+          </a:p>
+        </p:txBody>
+      </p:sp>
+      <p:pic>
+        <p:nvPicPr>
+          <p:cNvPr id="8" name="Picture 7">
+            <a:extLst>
+              <a:ext uri="{FF2B5EF4-FFF2-40B4-BE49-F238E27FC236}">
+                <a16:creationId xmlns:a16="http://schemas.microsoft.com/office/drawing/2014/main" id="{E295B1F9-78D9-9547-B267-A05A047E23C5}"/>
+              </a:ext>
+            </a:extLst>
+          </p:cNvPr>
+          <p:cNvPicPr>
+            <a:picLocks noChangeAspect="1"/>
+          </p:cNvPicPr>
+          <p:nvPr/>
+        </p:nvPicPr>
+        <p:blipFill>
+          <a:blip r:embed="rId3"/>
+          <a:stretch>
+            <a:fillRect/>
+          </a:stretch>
+        </p:blipFill>
+        <p:spPr>
+          <a:xfrm>
+            <a:off x="3476625" y="4033470"/>
+            <a:ext cx="4832350" cy="2428651"/>
+          </a:xfrm>
+          <a:prstGeom prst="rect">
+            <a:avLst/>
+          </a:prstGeom>
+          <a:ln>
+            <a:solidFill>
+              <a:schemeClr val="tx1"/>
+            </a:solidFill>
+          </a:ln>
+        </p:spPr>
+      </p:pic>
+      <p:sp>
+        <p:nvSpPr>
+          <p:cNvPr id="9" name="Left Arrow 8">
+            <a:extLst>
+              <a:ext uri="{FF2B5EF4-FFF2-40B4-BE49-F238E27FC236}">
+                <a16:creationId xmlns:a16="http://schemas.microsoft.com/office/drawing/2014/main" id="{C903C18C-1204-5343-AA4C-85A39D79518E}"/>
+              </a:ext>
+            </a:extLst>
+          </p:cNvPr>
+          <p:cNvSpPr/>
+          <p:nvPr/>
+        </p:nvSpPr>
+        <p:spPr bwMode="auto">
+          <a:xfrm flipH="1">
+            <a:off x="3810000" y="5321430"/>
+            <a:ext cx="228600" cy="152400"/>
+          </a:xfrm>
+          <a:prstGeom prst="leftArrow">
+            <a:avLst/>
+          </a:prstGeom>
+          <a:solidFill>
+            <a:srgbClr val="FF0000"/>
+          </a:solidFill>
+          <a:ln w="9525" cap="flat" cmpd="sng" algn="ctr">
+            <a:solidFill>
+              <a:schemeClr val="tx1"/>
+            </a:solidFill>
+            <a:prstDash val="solid"/>
+            <a:round/>
+            <a:headEnd type="none" w="med" len="med"/>
+            <a:tailEnd type="none" w="med" len="med"/>
+          </a:ln>
+          <a:effectLst/>
+          <a:extLst>
+            <a:ext uri="{AF507438-7753-43e0-B8FC-AC1667EBCBE1}">
+              <a14:hiddenEffects xmlns="" xmlns:a14="http://schemas.microsoft.com/office/drawing/2010/main">
+                <a:effectLst>
+                  <a:outerShdw blurRad="63500" dist="38099" dir="2700000" algn="ctr" rotWithShape="0">
+                    <a:schemeClr val="bg2">
+                      <a:alpha val="74998"/>
+                    </a:schemeClr>
+                  </a:outerShdw>
+                </a:effectLst>
+              </a14:hiddenEffects>
+            </a:ext>
+          </a:extLst>
+        </p:spPr>
+        <p:txBody>
+          <a:bodyPr vert="horz" wrap="square" lIns="91440" tIns="45720" rIns="91440" bIns="45720" numCol="1" rtlCol="0" anchor="t" anchorCtr="0" compatLnSpc="1">
+            <a:prstTxWarp prst="textNoShape">
+              <a:avLst/>
+            </a:prstTxWarp>
+          </a:bodyPr>
+          <a:lstStyle/>
+          <a:p>
+            <a:pPr marL="0" marR="0" indent="0" algn="l" defTabSz="914400" rtl="0" eaLnBrk="0" fontAlgn="base" latinLnBrk="0" hangingPunct="0">
+              <a:lnSpc>
+                <a:spcPct val="100000"/>
+              </a:lnSpc>
+              <a:spcBef>
+                <a:spcPct val="0"/>
+              </a:spcBef>
+              <a:spcAft>
+                <a:spcPct val="0"/>
+              </a:spcAft>
+              <a:buClrTx/>
+              <a:buSzTx/>
+              <a:buFontTx/>
+              <a:buNone/>
+              <a:tabLst/>
+            </a:pPr>
+            <a:endParaRPr kumimoji="0" lang="en-US" sz="2400" b="0" i="0" u="none" strike="noStrike" cap="none" normalizeH="0" baseline="0">
+              <a:ln>
+                <a:noFill/>
+              </a:ln>
+              <a:solidFill>
+                <a:srgbClr val="000000"/>
+              </a:solidFill>
+              <a:effectLst/>
+              <a:latin typeface="Arial" charset="0"/>
+              <a:ea typeface="ＭＳ Ｐゴシック" charset="0"/>
+              <a:cs typeface="ＭＳ Ｐゴシック" charset="0"/>
+            </a:endParaRPr>
+          </a:p>
+        </p:txBody>
+      </p:sp>
+      <p:pic>
+        <p:nvPicPr>
+          <p:cNvPr id="11" name="Picture 10">
+            <a:extLst>
+              <a:ext uri="{FF2B5EF4-FFF2-40B4-BE49-F238E27FC236}">
+                <a16:creationId xmlns:a16="http://schemas.microsoft.com/office/drawing/2014/main" id="{6BE589C6-BE03-0B4F-B5F8-7BB2F7D66CB3}"/>
+              </a:ext>
+            </a:extLst>
+          </p:cNvPr>
+          <p:cNvPicPr>
+            <a:picLocks noChangeAspect="1"/>
+          </p:cNvPicPr>
+          <p:nvPr/>
+        </p:nvPicPr>
+        <p:blipFill>
+          <a:blip r:embed="rId4"/>
+          <a:stretch>
+            <a:fillRect/>
+          </a:stretch>
+        </p:blipFill>
+        <p:spPr>
+          <a:xfrm>
+            <a:off x="256822" y="5347858"/>
+            <a:ext cx="2943578" cy="870769"/>
+          </a:xfrm>
+          <a:prstGeom prst="rect">
+            <a:avLst/>
+          </a:prstGeom>
+          <a:ln>
+            <a:solidFill>
+              <a:schemeClr val="tx1"/>
+            </a:solidFill>
+          </a:ln>
+        </p:spPr>
+      </p:pic>
+      <p:sp>
+        <p:nvSpPr>
+          <p:cNvPr id="12" name="TextBox 11">
+            <a:extLst>
+              <a:ext uri="{FF2B5EF4-FFF2-40B4-BE49-F238E27FC236}">
+                <a16:creationId xmlns:a16="http://schemas.microsoft.com/office/drawing/2014/main" id="{7DFEFFD1-21CF-9140-8AA4-DAB35932153B}"/>
+              </a:ext>
+            </a:extLst>
+          </p:cNvPr>
+          <p:cNvSpPr txBox="1"/>
+          <p:nvPr/>
+        </p:nvSpPr>
+        <p:spPr>
+          <a:xfrm>
+            <a:off x="256822" y="5047484"/>
+            <a:ext cx="2005677" cy="307777"/>
+          </a:xfrm>
+          <a:prstGeom prst="rect">
+            <a:avLst/>
+          </a:prstGeom>
+          <a:noFill/>
+        </p:spPr>
+        <p:txBody>
+          <a:bodyPr wrap="none" rtlCol="0">
+            <a:spAutoFit/>
+          </a:bodyPr>
+          <a:lstStyle/>
+          <a:p>
+            <a:r>
+              <a:rPr lang="en-US" dirty="0"/>
+              <a:t>Running the Processor</a:t>
+            </a:r>
+          </a:p>
+        </p:txBody>
+      </p:sp>
+    </p:spTree>
+    <p:extLst>
+      <p:ext uri="{BB962C8B-B14F-4D97-AF65-F5344CB8AC3E}">
+        <p14:creationId xmlns:p14="http://schemas.microsoft.com/office/powerpoint/2010/main" val="2682712985"/>
+      </p:ext>
+    </p:extLst>
+  </p:cSld>
+  <p:clrMapOvr>
+    <a:masterClrMapping/>
+  </p:clrMapOvr>
+</p:sld>
+</file>
+
+<file path=ppt/slides/slide31.xml><?xml version="1.0" encoding="utf-8"?>
+<p:sld xmlns:a="http://schemas.openxmlformats.org/drawingml/2006/main" xmlns:r="http://schemas.openxmlformats.org/officeDocument/2006/relationships" xmlns:p="http://schemas.openxmlformats.org/presentationml/2006/main">
+  <p:cSld>
+    <p:spTree>
+      <p:nvGrpSpPr>
+        <p:cNvPr id="1" name=""/>
+        <p:cNvGrpSpPr/>
+        <p:nvPr/>
+      </p:nvGrpSpPr>
+      <p:grpSpPr>
+        <a:xfrm>
+          <a:off x="0" y="0"/>
+          <a:ext cx="0" cy="0"/>
+          <a:chOff x="0" y="0"/>
+          <a:chExt cx="0" cy="0"/>
+        </a:xfrm>
+      </p:grpSpPr>
+      <p:sp>
+        <p:nvSpPr>
+          <p:cNvPr id="28674" name="Rectangle 2"/>
+          <p:cNvSpPr>
+            <a:spLocks noGrp="1" noChangeArrowheads="1"/>
+          </p:cNvSpPr>
+          <p:nvPr>
+            <p:ph type="title"/>
+          </p:nvPr>
+        </p:nvSpPr>
+        <p:spPr/>
+        <p:txBody>
+          <a:bodyPr/>
+          <a:lstStyle/>
+          <a:p>
+            <a:r>
+              <a:rPr lang="en-US"/>
+              <a:t>Assignments</a:t>
+            </a:r>
+          </a:p>
+        </p:txBody>
+      </p:sp>
+      <p:sp>
+        <p:nvSpPr>
+          <p:cNvPr id="28675" name="Rectangle 3"/>
+          <p:cNvSpPr>
+            <a:spLocks noGrp="1" noChangeArrowheads="1"/>
+          </p:cNvSpPr>
+          <p:nvPr>
+            <p:ph type="body" idx="1"/>
+          </p:nvPr>
+        </p:nvSpPr>
+        <p:spPr/>
+        <p:txBody>
+          <a:bodyPr/>
+          <a:lstStyle/>
+          <a:p>
+            <a:r>
+              <a:rPr lang="en-US" dirty="0"/>
+              <a:t>Read Chapter 2</a:t>
+            </a:r>
+          </a:p>
+          <a:p>
+            <a:r>
+              <a:rPr lang="en-US" dirty="0"/>
+              <a:t>Assignment #1 -- see </a:t>
+            </a:r>
+            <a:r>
+              <a:rPr lang="en-US" dirty="0" err="1"/>
+              <a:t>BrightSpace</a:t>
+            </a:r>
+            <a:endParaRPr lang="en-US" dirty="0"/>
+          </a:p>
+        </p:txBody>
+      </p:sp>
+    </p:spTree>
   </p:cSld>
   <p:clrMapOvr>
     <a:masterClrMapping/>
@@ -15957,7 +16649,7 @@
           </a:ln>
           <a:extLst>
             <a:ext uri="{909E8E84-426E-40dd-AFC4-6F175D3DCCD1}">
-              <a14:hiddenFill xmlns="" xmlns:a14="http://schemas.microsoft.com/office/drawing/2010/main">
+              <a14:hiddenFill xmlns:a14="http://schemas.microsoft.com/office/drawing/2010/main" xmlns="">
                 <a:solidFill>
                   <a:schemeClr val="accent1"/>
                 </a:solidFill>
@@ -16160,14 +16852,14 @@
           </a:ln>
           <a:extLst>
             <a:ext uri="{909E8E84-426E-40dd-AFC4-6F175D3DCCD1}">
-              <a14:hiddenFill xmlns="" xmlns:a14="http://schemas.microsoft.com/office/drawing/2010/main">
+              <a14:hiddenFill xmlns:a14="http://schemas.microsoft.com/office/drawing/2010/main" xmlns="">
                 <a:solidFill>
                   <a:schemeClr val="accent1"/>
                 </a:solidFill>
               </a14:hiddenFill>
             </a:ext>
             <a:ext uri="{91240B29-F687-4f45-9708-019B960494DF}">
-              <a14:hiddenLine xmlns="" xmlns:a14="http://schemas.microsoft.com/office/drawing/2010/main" w="9525">
+              <a14:hiddenLine xmlns:a14="http://schemas.microsoft.com/office/drawing/2010/main" xmlns="" w="9525">
                 <a:solidFill>
                   <a:schemeClr val="tx1"/>
                 </a:solidFill>
@@ -16694,7 +17386,7 @@
           <a:effectLst/>
           <a:extLst>
             <a:ext uri="{AF507438-7753-43e0-B8FC-AC1667EBCBE1}">
-              <a14:hiddenEffects xmlns="" xmlns:a14="http://schemas.microsoft.com/office/drawing/2010/main">
+              <a14:hiddenEffects xmlns:a14="http://schemas.microsoft.com/office/drawing/2010/main" xmlns="">
                 <a:effectLst>
                   <a:outerShdw blurRad="63500" dist="38099" dir="2700000" algn="ctr" rotWithShape="0">
                     <a:schemeClr val="bg2">
@@ -16738,7 +17430,7 @@
           <a:effectLst/>
           <a:extLst>
             <a:ext uri="{AF507438-7753-43e0-B8FC-AC1667EBCBE1}">
-              <a14:hiddenEffects xmlns="" xmlns:a14="http://schemas.microsoft.com/office/drawing/2010/main">
+              <a14:hiddenEffects xmlns:a14="http://schemas.microsoft.com/office/drawing/2010/main" xmlns="">
                 <a:effectLst>
                   <a:outerShdw blurRad="63500" dist="38099" dir="2700000" algn="ctr" rotWithShape="0">
                     <a:schemeClr val="bg2">
@@ -16783,7 +17475,7 @@
           <a:effectLst/>
           <a:extLst>
             <a:ext uri="{AF507438-7753-43e0-B8FC-AC1667EBCBE1}">
-              <a14:hiddenEffects xmlns="" xmlns:a14="http://schemas.microsoft.com/office/drawing/2010/main">
+              <a14:hiddenEffects xmlns:a14="http://schemas.microsoft.com/office/drawing/2010/main" xmlns="">
                 <a:effectLst>
                   <a:outerShdw blurRad="63500" dist="38099" dir="2700000" algn="ctr" rotWithShape="0">
                     <a:schemeClr val="bg2">
@@ -16828,7 +17520,7 @@
           <a:effectLst/>
           <a:extLst>
             <a:ext uri="{AF507438-7753-43e0-B8FC-AC1667EBCBE1}">
-              <a14:hiddenEffects xmlns="" xmlns:a14="http://schemas.microsoft.com/office/drawing/2010/main">
+              <a14:hiddenEffects xmlns:a14="http://schemas.microsoft.com/office/drawing/2010/main" xmlns="">
                 <a:effectLst>
                   <a:outerShdw blurRad="63500" dist="38099" dir="2700000" algn="ctr" rotWithShape="0">
                     <a:schemeClr val="bg2">
@@ -16873,7 +17565,7 @@
           <a:effectLst/>
           <a:extLst>
             <a:ext uri="{AF507438-7753-43e0-B8FC-AC1667EBCBE1}">
-              <a14:hiddenEffects xmlns="" xmlns:a14="http://schemas.microsoft.com/office/drawing/2010/main">
+              <a14:hiddenEffects xmlns:a14="http://schemas.microsoft.com/office/drawing/2010/main" xmlns="">
                 <a:effectLst>
                   <a:outerShdw blurRad="63500" dist="38099" dir="2700000" algn="ctr" rotWithShape="0">
                     <a:schemeClr val="bg2">
@@ -16918,7 +17610,7 @@
           <a:effectLst/>
           <a:extLst>
             <a:ext uri="{AF507438-7753-43e0-B8FC-AC1667EBCBE1}">
-              <a14:hiddenEffects xmlns="" xmlns:a14="http://schemas.microsoft.com/office/drawing/2010/main">
+              <a14:hiddenEffects xmlns:a14="http://schemas.microsoft.com/office/drawing/2010/main" xmlns="">
                 <a:effectLst>
                   <a:outerShdw blurRad="63500" dist="38099" dir="2700000" algn="ctr" rotWithShape="0">
                     <a:schemeClr val="bg2">
@@ -16964,7 +17656,7 @@
           <a:effectLst/>
           <a:extLst>
             <a:ext uri="{AF507438-7753-43e0-B8FC-AC1667EBCBE1}">
-              <a14:hiddenEffects xmlns="" xmlns:a14="http://schemas.microsoft.com/office/drawing/2010/main">
+              <a14:hiddenEffects xmlns:a14="http://schemas.microsoft.com/office/drawing/2010/main" xmlns="">
                 <a:effectLst>
                   <a:outerShdw blurRad="63500" dist="38099" dir="2700000" algn="ctr" rotWithShape="0">
                     <a:schemeClr val="bg2">
@@ -17367,7 +18059,7 @@
           <a:effectLst/>
           <a:extLst>
             <a:ext uri="{AF507438-7753-43e0-B8FC-AC1667EBCBE1}">
-              <a14:hiddenEffects xmlns="" xmlns:a14="http://schemas.microsoft.com/office/drawing/2010/main">
+              <a14:hiddenEffects xmlns:a14="http://schemas.microsoft.com/office/drawing/2010/main" xmlns="">
                 <a:effectLst>
                   <a:outerShdw blurRad="63500" dist="38099" dir="2700000" algn="ctr" rotWithShape="0">
                     <a:schemeClr val="bg2">
@@ -17412,7 +18104,7 @@
           <a:effectLst/>
           <a:extLst>
             <a:ext uri="{AF507438-7753-43e0-B8FC-AC1667EBCBE1}">
-              <a14:hiddenEffects xmlns="" xmlns:a14="http://schemas.microsoft.com/office/drawing/2010/main">
+              <a14:hiddenEffects xmlns:a14="http://schemas.microsoft.com/office/drawing/2010/main" xmlns="">
                 <a:effectLst>
                   <a:outerShdw blurRad="63500" dist="38099" dir="2700000" algn="ctr" rotWithShape="0">
                     <a:schemeClr val="bg2">
@@ -17499,7 +18191,7 @@
           <a:effectLst/>
           <a:extLst>
             <a:ext uri="{AF507438-7753-43e0-B8FC-AC1667EBCBE1}">
-              <a14:hiddenEffects xmlns:a14="http://schemas.microsoft.com/office/drawing/2010/main" xmlns="">
+              <a14:hiddenEffects xmlns="" xmlns:a14="http://schemas.microsoft.com/office/drawing/2010/main">
                 <a:effectLst>
                   <a:outerShdw blurRad="63500" dist="38099" dir="2700000" algn="ctr" rotWithShape="0">
                     <a:schemeClr val="bg2">
@@ -17545,7 +18237,7 @@
           </a:ln>
           <a:extLst>
             <a:ext uri="{909E8E84-426E-40dd-AFC4-6F175D3DCCD1}">
-              <a14:hiddenFill xmlns="" xmlns:a14="http://schemas.microsoft.com/office/drawing/2010/main">
+              <a14:hiddenFill xmlns:a14="http://schemas.microsoft.com/office/drawing/2010/main" xmlns="">
                 <a:solidFill>
                   <a:schemeClr val="accent1"/>
                 </a:solidFill>
@@ -17985,7 +18677,7 @@
         <a:effectLst/>
         <a:extLst>
           <a:ext uri="{AF507438-7753-43e0-B8FC-AC1667EBCBE1}">
-            <a14:hiddenEffects xmlns="" xmlns:a14="http://schemas.microsoft.com/office/drawing/2010/main">
+            <a14:hiddenEffects xmlns:a14="http://schemas.microsoft.com/office/drawing/2010/main" xmlns="">
               <a:effectLst>
                 <a:outerShdw blurRad="63500" dist="38099" dir="2700000" algn="ctr" rotWithShape="0">
                   <a:schemeClr val="bg2">
@@ -18062,7 +18754,7 @@
         <a:effectLst/>
         <a:extLst>
           <a:ext uri="{AF507438-7753-43e0-B8FC-AC1667EBCBE1}">
-            <a14:hiddenEffects xmlns="" xmlns:a14="http://schemas.microsoft.com/office/drawing/2010/main">
+            <a14:hiddenEffects xmlns:a14="http://schemas.microsoft.com/office/drawing/2010/main" xmlns="">
               <a:effectLst>
                 <a:outerShdw blurRad="63500" dist="38099" dir="2700000" algn="ctr" rotWithShape="0">
                   <a:schemeClr val="bg2">

--- a/notes/csc402-ln002.pptx
+++ b/notes/csc402-ln002.pptx
@@ -5,7 +5,7 @@
     <p:sldMasterId id="2147483649" r:id="rId1"/>
   </p:sldMasterIdLst>
   <p:notesMasterIdLst>
-    <p:notesMasterId r:id="rId33"/>
+    <p:notesMasterId r:id="rId34"/>
   </p:notesMasterIdLst>
   <p:sldIdLst>
     <p:sldId id="276" r:id="rId2"/>
@@ -36,9 +36,10 @@
     <p:sldId id="269" r:id="rId27"/>
     <p:sldId id="289" r:id="rId28"/>
     <p:sldId id="290" r:id="rId29"/>
-    <p:sldId id="291" r:id="rId30"/>
-    <p:sldId id="292" r:id="rId31"/>
-    <p:sldId id="273" r:id="rId32"/>
+    <p:sldId id="293" r:id="rId30"/>
+    <p:sldId id="291" r:id="rId31"/>
+    <p:sldId id="292" r:id="rId32"/>
+    <p:sldId id="273" r:id="rId33"/>
   </p:sldIdLst>
   <p:sldSz cx="9144000" cy="6858000" type="screen4x3"/>
   <p:notesSz cx="6858000" cy="9144000"/>
@@ -1566,7 +1567,7 @@
             <a:fld id="{C4563DD0-9C28-644C-BF19-35289DCA5972}" type="slidenum">
               <a:rPr lang="en-US"/>
               <a:pPr/>
-              <a:t>31</a:t>
+              <a:t>32</a:t>
             </a:fld>
             <a:endParaRPr lang="en-US"/>
           </a:p>
@@ -15028,7 +15029,7 @@
           <p:cNvPr id="2" name="Title 1">
             <a:extLst>
               <a:ext uri="{FF2B5EF4-FFF2-40B4-BE49-F238E27FC236}">
-                <a16:creationId xmlns:a16="http://schemas.microsoft.com/office/drawing/2014/main" id="{20B36E8E-3031-B04E-A23E-D938D3C3CE33}"/>
+                <a16:creationId xmlns:a16="http://schemas.microsoft.com/office/drawing/2014/main" id="{6D56CFF7-63E1-D64E-8DBD-476031B7DDF2}"/>
               </a:ext>
             </a:extLst>
           </p:cNvPr>
@@ -15046,7 +15047,7 @@
           <a:p>
             <a:r>
               <a:rPr lang="en-US" dirty="0"/>
-              <a:t>Our First Language Processor	</a:t>
+              <a:t>Parsers build Parse Trees</a:t>
             </a:r>
           </a:p>
         </p:txBody>
@@ -15056,7 +15057,7 @@
           <p:cNvPr id="3" name="Content Placeholder 2">
             <a:extLst>
               <a:ext uri="{FF2B5EF4-FFF2-40B4-BE49-F238E27FC236}">
-                <a16:creationId xmlns:a16="http://schemas.microsoft.com/office/drawing/2014/main" id="{5E37563C-89E2-0148-ABBC-2F2D8AB4B5D1}"/>
+                <a16:creationId xmlns:a16="http://schemas.microsoft.com/office/drawing/2014/main" id="{1E1D4981-5D7C-1549-B751-0DE4D0CFF9CA}"/>
               </a:ext>
             </a:extLst>
           </p:cNvPr>
@@ -15067,76 +15068,229 @@
             <p:ph idx="1"/>
           </p:nvPr>
         </p:nvSpPr>
-        <p:spPr/>
+        <p:spPr>
+          <a:xfrm>
+            <a:off x="457200" y="1719263"/>
+            <a:ext cx="8229600" cy="795337"/>
+          </a:xfrm>
+        </p:spPr>
         <p:txBody>
           <a:bodyPr>
-            <a:normAutofit fontScale="77500" lnSpcReduction="20000"/>
+            <a:normAutofit fontScale="62500" lnSpcReduction="20000"/>
           </a:bodyPr>
           <a:lstStyle/>
           <a:p>
             <a:r>
               <a:rPr lang="en-US" dirty="0"/>
-              <a:t>Parsers are good because they can tell us if a program is valid or not</a:t>
-            </a:r>
-          </a:p>
+              <a:t>In order to see that parsers build parse trees in order to prove that a sentence belongs to a language consider the expression: + x y</a:t>
+            </a:r>
+          </a:p>
+        </p:txBody>
+      </p:sp>
+      <p:pic>
+        <p:nvPicPr>
+          <p:cNvPr id="4" name="Picture 3">
+            <a:extLst>
+              <a:ext uri="{FF2B5EF4-FFF2-40B4-BE49-F238E27FC236}">
+                <a16:creationId xmlns:a16="http://schemas.microsoft.com/office/drawing/2014/main" id="{B4E22343-43B4-B648-B1E5-97AF21DEC524}"/>
+              </a:ext>
+            </a:extLst>
+          </p:cNvPr>
+          <p:cNvPicPr>
+            <a:picLocks noChangeAspect="1"/>
+          </p:cNvPicPr>
+          <p:nvPr/>
+        </p:nvPicPr>
+        <p:blipFill>
+          <a:blip r:embed="rId2"/>
+          <a:stretch>
+            <a:fillRect/>
+          </a:stretch>
+        </p:blipFill>
+        <p:spPr>
+          <a:xfrm>
+            <a:off x="420511" y="2286000"/>
+            <a:ext cx="4146550" cy="3409551"/>
+          </a:xfrm>
+          <a:prstGeom prst="rect">
+            <a:avLst/>
+          </a:prstGeom>
+          <a:ln>
+            <a:solidFill>
+              <a:schemeClr val="tx1"/>
+            </a:solidFill>
+          </a:ln>
+        </p:spPr>
+      </p:pic>
+      <p:pic>
+        <p:nvPicPr>
+          <p:cNvPr id="5" name="Picture 4">
+            <a:extLst>
+              <a:ext uri="{FF2B5EF4-FFF2-40B4-BE49-F238E27FC236}">
+                <a16:creationId xmlns:a16="http://schemas.microsoft.com/office/drawing/2014/main" id="{A33F473B-8839-4F45-A8A0-AE9F2F62D640}"/>
+              </a:ext>
+            </a:extLst>
+          </p:cNvPr>
+          <p:cNvPicPr>
+            <a:picLocks noChangeAspect="1"/>
+          </p:cNvPicPr>
+          <p:nvPr/>
+        </p:nvPicPr>
+        <p:blipFill>
+          <a:blip r:embed="rId3"/>
+          <a:stretch>
+            <a:fillRect/>
+          </a:stretch>
+        </p:blipFill>
+        <p:spPr>
+          <a:xfrm>
+            <a:off x="2359731" y="2443462"/>
+            <a:ext cx="4267200" cy="1899938"/>
+          </a:xfrm>
+          <a:prstGeom prst="rect">
+            <a:avLst/>
+          </a:prstGeom>
+          <a:ln>
+            <a:solidFill>
+              <a:schemeClr val="tx1"/>
+            </a:solidFill>
+          </a:ln>
+        </p:spPr>
+      </p:pic>
+      <p:sp>
+        <p:nvSpPr>
+          <p:cNvPr id="6" name="TextBox 5">
+            <a:extLst>
+              <a:ext uri="{FF2B5EF4-FFF2-40B4-BE49-F238E27FC236}">
+                <a16:creationId xmlns:a16="http://schemas.microsoft.com/office/drawing/2014/main" id="{776CDB2A-A7B0-5644-855D-3432D3AC3598}"/>
+              </a:ext>
+            </a:extLst>
+          </p:cNvPr>
+          <p:cNvSpPr txBox="1"/>
+          <p:nvPr/>
+        </p:nvSpPr>
+        <p:spPr>
+          <a:xfrm>
+            <a:off x="5073212" y="4648200"/>
+            <a:ext cx="3158237" cy="1754326"/>
+          </a:xfrm>
+          <a:prstGeom prst="rect">
+            <a:avLst/>
+          </a:prstGeom>
+          <a:noFill/>
+          <a:ln>
+            <a:solidFill>
+              <a:schemeClr val="tx1"/>
+            </a:solidFill>
+          </a:ln>
+        </p:spPr>
+        <p:txBody>
+          <a:bodyPr wrap="none" rtlCol="0">
+            <a:spAutoFit/>
+          </a:bodyPr>
+          <a:lstStyle/>
+          <a:p>
+            <a:r>
+              <a:rPr lang="en-US" sz="1200" dirty="0"/>
+              <a:t>Parsing + x y will result in the following tree:</a:t>
+            </a:r>
+            <a:br>
+              <a:rPr lang="en-US" sz="1200" dirty="0"/>
+            </a:br>
+            <a:r>
+              <a:rPr lang="en-US" sz="1200" dirty="0"/>
+              <a:t>exp</a:t>
+            </a:r>
+          </a:p>
+          <a:p>
+            <a:r>
+              <a:rPr lang="en-US" sz="1200" dirty="0"/>
+              <a:t>  match(+)</a:t>
+            </a:r>
+          </a:p>
+          <a:p>
+            <a:r>
+              <a:rPr lang="en-US" sz="1200" dirty="0"/>
+              <a:t>  exp</a:t>
+            </a:r>
+          </a:p>
+          <a:p>
+            <a:r>
+              <a:rPr lang="en-US" sz="1200" dirty="0"/>
+              <a:t>    var</a:t>
+            </a:r>
+          </a:p>
+          <a:p>
+            <a:r>
+              <a:rPr lang="en-US" sz="1200" dirty="0"/>
+              <a:t>      match(x)</a:t>
+            </a:r>
+          </a:p>
+          <a:p>
+            <a:r>
+              <a:rPr lang="en-US" sz="1200" dirty="0"/>
+              <a:t>  exp</a:t>
+            </a:r>
+          </a:p>
+          <a:p>
+            <a:r>
+              <a:rPr lang="en-US" sz="1200" dirty="0"/>
+              <a:t>    var</a:t>
+            </a:r>
+          </a:p>
+          <a:p>
+            <a:r>
+              <a:rPr lang="en-US" sz="1200" dirty="0"/>
+              <a:t>      match(y)</a:t>
+            </a:r>
+          </a:p>
+        </p:txBody>
+      </p:sp>
+      <p:sp>
+        <p:nvSpPr>
+          <p:cNvPr id="7" name="TextBox 6">
+            <a:extLst>
+              <a:ext uri="{FF2B5EF4-FFF2-40B4-BE49-F238E27FC236}">
+                <a16:creationId xmlns:a16="http://schemas.microsoft.com/office/drawing/2014/main" id="{9AB656B2-0855-C744-93F8-B84D7BD3B72A}"/>
+              </a:ext>
+            </a:extLst>
+          </p:cNvPr>
+          <p:cNvSpPr txBox="1"/>
+          <p:nvPr/>
+        </p:nvSpPr>
+        <p:spPr>
+          <a:xfrm>
+            <a:off x="6799564" y="5188560"/>
+            <a:ext cx="1923925" cy="523220"/>
+          </a:xfrm>
+          <a:prstGeom prst="rect">
+            <a:avLst/>
+          </a:prstGeom>
+          <a:solidFill>
+            <a:schemeClr val="bg1"/>
+          </a:solidFill>
+          <a:ln>
+            <a:solidFill>
+              <a:schemeClr val="tx1"/>
+            </a:solidFill>
+          </a:ln>
+        </p:spPr>
+        <p:txBody>
+          <a:bodyPr wrap="none" rtlCol="0">
+            <a:spAutoFit/>
+          </a:bodyPr>
+          <a:lstStyle/>
           <a:p>
             <a:r>
               <a:rPr lang="en-US" dirty="0"/>
-              <a:t>But in order to have to extend it with “actions”, code that does something useful.</a:t>
-            </a:r>
-          </a:p>
-          <a:p>
-            <a:r>
+              <a:t>Parsing function</a:t>
+            </a:r>
+            <a:br>
               <a:rPr lang="en-US" dirty="0"/>
-              <a:t>Idea: Our first language processor parses Exp0 programs and counts the number of times the value of a variable is accessed</a:t>
-            </a:r>
-          </a:p>
-          <a:p>
-            <a:pPr lvl="1"/>
+            </a:br>
             <a:r>
               <a:rPr lang="en-US" dirty="0"/>
-              <a:t>Example:  s x 1; s x (+ </a:t>
-            </a:r>
-            <a:r>
-              <a:rPr lang="en-US" dirty="0">
-                <a:solidFill>
-                  <a:srgbClr val="FF0000"/>
-                </a:solidFill>
-              </a:rPr>
-              <a:t>x</a:t>
-            </a:r>
-            <a:r>
-              <a:rPr lang="en-US" dirty="0"/>
-              <a:t> 1); </a:t>
-            </a:r>
-          </a:p>
-          <a:p>
-            <a:pPr lvl="1"/>
-            <a:r>
-              <a:rPr lang="en-US" dirty="0"/>
-              <a:t>In this program we only access the value of a variable once!</a:t>
-            </a:r>
-          </a:p>
-          <a:p>
-            <a:r>
-              <a:rPr lang="en-US" dirty="0"/>
-              <a:t>Note: Scanning for variable names and counting the number of times a variable name occurs does NOT work, we need to use a parser that understands the difference between a variable value reference and a variable storage reference (</a:t>
-            </a:r>
-            <a:r>
-              <a:rPr lang="en-US" dirty="0" err="1"/>
-              <a:t>rvalues</a:t>
-            </a:r>
-            <a:r>
-              <a:rPr lang="en-US" dirty="0"/>
-              <a:t> and </a:t>
-            </a:r>
-            <a:r>
-              <a:rPr lang="en-US" dirty="0" err="1"/>
-              <a:t>lvalues</a:t>
-            </a:r>
-            <a:r>
-              <a:rPr lang="en-US" dirty="0"/>
-              <a:t>).</a:t>
+              <a:t>call tree == parse tree</a:t>
             </a:r>
           </a:p>
         </p:txBody>
@@ -15144,7 +15298,7 @@
     </p:spTree>
     <p:extLst>
       <p:ext uri="{BB962C8B-B14F-4D97-AF65-F5344CB8AC3E}">
-        <p14:creationId xmlns:p14="http://schemas.microsoft.com/office/powerpoint/2010/main" val="1873311692"/>
+        <p14:creationId xmlns:p14="http://schemas.microsoft.com/office/powerpoint/2010/main" val="3293663197"/>
       </p:ext>
     </p:extLst>
   </p:cSld>
@@ -15332,6 +15486,154 @@
           <p:cNvPr id="2" name="Title 1">
             <a:extLst>
               <a:ext uri="{FF2B5EF4-FFF2-40B4-BE49-F238E27FC236}">
+                <a16:creationId xmlns:a16="http://schemas.microsoft.com/office/drawing/2014/main" id="{20B36E8E-3031-B04E-A23E-D938D3C3CE33}"/>
+              </a:ext>
+            </a:extLst>
+          </p:cNvPr>
+          <p:cNvSpPr>
+            <a:spLocks noGrp="1"/>
+          </p:cNvSpPr>
+          <p:nvPr>
+            <p:ph type="title"/>
+          </p:nvPr>
+        </p:nvSpPr>
+        <p:spPr/>
+        <p:txBody>
+          <a:bodyPr/>
+          <a:lstStyle/>
+          <a:p>
+            <a:r>
+              <a:rPr lang="en-US" dirty="0"/>
+              <a:t>Our First Language Processor	</a:t>
+            </a:r>
+          </a:p>
+        </p:txBody>
+      </p:sp>
+      <p:sp>
+        <p:nvSpPr>
+          <p:cNvPr id="3" name="Content Placeholder 2">
+            <a:extLst>
+              <a:ext uri="{FF2B5EF4-FFF2-40B4-BE49-F238E27FC236}">
+                <a16:creationId xmlns:a16="http://schemas.microsoft.com/office/drawing/2014/main" id="{5E37563C-89E2-0148-ABBC-2F2D8AB4B5D1}"/>
+              </a:ext>
+            </a:extLst>
+          </p:cNvPr>
+          <p:cNvSpPr>
+            <a:spLocks noGrp="1"/>
+          </p:cNvSpPr>
+          <p:nvPr>
+            <p:ph idx="1"/>
+          </p:nvPr>
+        </p:nvSpPr>
+        <p:spPr/>
+        <p:txBody>
+          <a:bodyPr>
+            <a:normAutofit fontScale="77500" lnSpcReduction="20000"/>
+          </a:bodyPr>
+          <a:lstStyle/>
+          <a:p>
+            <a:r>
+              <a:rPr lang="en-US" dirty="0"/>
+              <a:t>Parsers are good because they can tell us if a program is valid or not</a:t>
+            </a:r>
+          </a:p>
+          <a:p>
+            <a:r>
+              <a:rPr lang="en-US" dirty="0"/>
+              <a:t>But in order to have to extend it with “actions”, code that does something useful.</a:t>
+            </a:r>
+          </a:p>
+          <a:p>
+            <a:r>
+              <a:rPr lang="en-US" dirty="0"/>
+              <a:t>Idea: Our first language processor parses Exp0 programs and counts the number of times the value of a variable is accessed</a:t>
+            </a:r>
+          </a:p>
+          <a:p>
+            <a:pPr lvl="1"/>
+            <a:r>
+              <a:rPr lang="en-US" dirty="0"/>
+              <a:t>Example:  s x 1; s x (+ </a:t>
+            </a:r>
+            <a:r>
+              <a:rPr lang="en-US" dirty="0">
+                <a:solidFill>
+                  <a:srgbClr val="FF0000"/>
+                </a:solidFill>
+              </a:rPr>
+              <a:t>x</a:t>
+            </a:r>
+            <a:r>
+              <a:rPr lang="en-US" dirty="0"/>
+              <a:t> 1); </a:t>
+            </a:r>
+          </a:p>
+          <a:p>
+            <a:pPr lvl="1"/>
+            <a:r>
+              <a:rPr lang="en-US" dirty="0"/>
+              <a:t>In this program we only access the value of a variable once!</a:t>
+            </a:r>
+          </a:p>
+          <a:p>
+            <a:r>
+              <a:rPr lang="en-US" dirty="0"/>
+              <a:t>Note: Scanning for variable names and counting the number of times a variable name occurs does NOT work, we need to use a parser that understands the difference between a variable value reference and a variable storage reference (</a:t>
+            </a:r>
+            <a:r>
+              <a:rPr lang="en-US" dirty="0" err="1"/>
+              <a:t>rvalues</a:t>
+            </a:r>
+            <a:r>
+              <a:rPr lang="en-US" dirty="0"/>
+              <a:t> and </a:t>
+            </a:r>
+            <a:r>
+              <a:rPr lang="en-US" dirty="0" err="1"/>
+              <a:t>lvalues</a:t>
+            </a:r>
+            <a:r>
+              <a:rPr lang="en-US" dirty="0"/>
+              <a:t>).</a:t>
+            </a:r>
+          </a:p>
+        </p:txBody>
+      </p:sp>
+    </p:spTree>
+    <p:extLst>
+      <p:ext uri="{BB962C8B-B14F-4D97-AF65-F5344CB8AC3E}">
+        <p14:creationId xmlns:p14="http://schemas.microsoft.com/office/powerpoint/2010/main" val="1873311692"/>
+      </p:ext>
+    </p:extLst>
+  </p:cSld>
+  <p:clrMapOvr>
+    <a:masterClrMapping/>
+  </p:clrMapOvr>
+</p:sld>
+</file>
+
+<file path=ppt/slides/slide31.xml><?xml version="1.0" encoding="utf-8"?>
+<p:sld xmlns:a="http://schemas.openxmlformats.org/drawingml/2006/main" xmlns:r="http://schemas.openxmlformats.org/officeDocument/2006/relationships" xmlns:p="http://schemas.openxmlformats.org/presentationml/2006/main">
+  <p:cSld>
+    <p:spTree>
+      <p:nvGrpSpPr>
+        <p:cNvPr id="1" name=""/>
+        <p:cNvGrpSpPr/>
+        <p:nvPr/>
+      </p:nvGrpSpPr>
+      <p:grpSpPr>
+        <a:xfrm>
+          <a:off x="0" y="0"/>
+          <a:ext cx="0" cy="0"/>
+          <a:chOff x="0" y="0"/>
+          <a:chExt cx="0" cy="0"/>
+        </a:xfrm>
+      </p:grpSpPr>
+      <p:sp>
+        <p:nvSpPr>
+          <p:cNvPr id="2" name="Title 1">
+            <a:extLst>
+              <a:ext uri="{FF2B5EF4-FFF2-40B4-BE49-F238E27FC236}">
                 <a16:creationId xmlns:a16="http://schemas.microsoft.com/office/drawing/2014/main" id="{18E5D215-747A-434B-8768-A1CB92A2D25A}"/>
               </a:ext>
             </a:extLst>
@@ -15852,7 +16154,7 @@
 </p:sld>
 </file>
 
-<file path=ppt/slides/slide31.xml><?xml version="1.0" encoding="utf-8"?>
+<file path=ppt/slides/slide32.xml><?xml version="1.0" encoding="utf-8"?>
 <p:sld xmlns:a="http://schemas.openxmlformats.org/drawingml/2006/main" xmlns:r="http://schemas.openxmlformats.org/officeDocument/2006/relationships" xmlns:p="http://schemas.openxmlformats.org/presentationml/2006/main">
   <p:cSld>
     <p:spTree>

--- a/notes/csc402-ln002.pptx
+++ b/notes/csc402-ln002.pptx
@@ -236,17 +236,17 @@
           </a:ln>
           <a:extLst>
             <a:ext uri="{FAA26D3D-D897-4be2-8F04-BA451C77F1D7}">
-              <ma14:placeholderFlag xmlns="" xmlns:ma14="http://schemas.microsoft.com/office/mac/drawingml/2011/main" val="1"/>
+              <ma14:placeholderFlag xmlns:ma14="http://schemas.microsoft.com/office/mac/drawingml/2011/main" xmlns="" val="1"/>
             </a:ext>
             <a:ext uri="{909E8E84-426E-40dd-AFC4-6F175D3DCCD1}">
-              <a14:hiddenFill xmlns:a14="http://schemas.microsoft.com/office/drawing/2010/main" xmlns="">
+              <a14:hiddenFill xmlns="" xmlns:a14="http://schemas.microsoft.com/office/drawing/2010/main">
                 <a:solidFill>
                   <a:schemeClr val="accent1"/>
                 </a:solidFill>
               </a14:hiddenFill>
             </a:ext>
             <a:ext uri="{91240B29-F687-4f45-9708-019B960494DF}">
-              <a14:hiddenLine xmlns:a14="http://schemas.microsoft.com/office/drawing/2010/main" xmlns="" w="9525">
+              <a14:hiddenLine xmlns="" xmlns:a14="http://schemas.microsoft.com/office/drawing/2010/main" w="9525">
                 <a:solidFill>
                   <a:schemeClr val="tx1"/>
                 </a:solidFill>
@@ -297,17 +297,17 @@
           </a:ln>
           <a:extLst>
             <a:ext uri="{FAA26D3D-D897-4be2-8F04-BA451C77F1D7}">
-              <ma14:placeholderFlag xmlns="" xmlns:ma14="http://schemas.microsoft.com/office/mac/drawingml/2011/main" val="1"/>
+              <ma14:placeholderFlag xmlns:ma14="http://schemas.microsoft.com/office/mac/drawingml/2011/main" xmlns="" val="1"/>
             </a:ext>
             <a:ext uri="{909E8E84-426E-40dd-AFC4-6F175D3DCCD1}">
-              <a14:hiddenFill xmlns:a14="http://schemas.microsoft.com/office/drawing/2010/main" xmlns="">
+              <a14:hiddenFill xmlns="" xmlns:a14="http://schemas.microsoft.com/office/drawing/2010/main">
                 <a:solidFill>
                   <a:schemeClr val="accent1"/>
                 </a:solidFill>
               </a14:hiddenFill>
             </a:ext>
             <a:ext uri="{91240B29-F687-4f45-9708-019B960494DF}">
-              <a14:hiddenLine xmlns:a14="http://schemas.microsoft.com/office/drawing/2010/main" xmlns="" w="9525">
+              <a14:hiddenLine xmlns="" xmlns:a14="http://schemas.microsoft.com/office/drawing/2010/main" w="9525">
                 <a:solidFill>
                   <a:schemeClr val="tx1"/>
                 </a:solidFill>
@@ -364,7 +364,7 @@
           <a:effectLst/>
           <a:extLst>
             <a:ext uri="{AF507438-7753-43e0-B8FC-AC1667EBCBE1}">
-              <a14:hiddenEffects xmlns:a14="http://schemas.microsoft.com/office/drawing/2010/main" xmlns="">
+              <a14:hiddenEffects xmlns="" xmlns:a14="http://schemas.microsoft.com/office/drawing/2010/main">
                 <a:effectLst>
                   <a:outerShdw blurRad="63500" dist="38099" dir="2700000" algn="ctr" rotWithShape="0">
                     <a:srgbClr val="000000">
@@ -375,7 +375,7 @@
               </a14:hiddenEffects>
             </a:ext>
             <a:ext uri="{53640926-AAD7-44d8-BBD7-CCE9431645EC}">
-              <a14:shadowObscured xmlns:a14="http://schemas.microsoft.com/office/drawing/2010/main" xmlns="" val="1"/>
+              <a14:shadowObscured xmlns="" xmlns:a14="http://schemas.microsoft.com/office/drawing/2010/main" val="1"/>
             </a:ext>
           </a:extLst>
         </p:spPr>
@@ -404,17 +404,17 @@
           </a:ln>
           <a:extLst>
             <a:ext uri="{FAA26D3D-D897-4be2-8F04-BA451C77F1D7}">
-              <ma14:placeholderFlag xmlns="" xmlns:ma14="http://schemas.microsoft.com/office/mac/drawingml/2011/main" val="1"/>
+              <ma14:placeholderFlag xmlns:ma14="http://schemas.microsoft.com/office/mac/drawingml/2011/main" xmlns="" val="1"/>
             </a:ext>
             <a:ext uri="{909E8E84-426E-40dd-AFC4-6F175D3DCCD1}">
-              <a14:hiddenFill xmlns:a14="http://schemas.microsoft.com/office/drawing/2010/main" xmlns="">
+              <a14:hiddenFill xmlns="" xmlns:a14="http://schemas.microsoft.com/office/drawing/2010/main">
                 <a:solidFill>
                   <a:schemeClr val="accent1"/>
                 </a:solidFill>
               </a14:hiddenFill>
             </a:ext>
             <a:ext uri="{91240B29-F687-4f45-9708-019B960494DF}">
-              <a14:hiddenLine xmlns:a14="http://schemas.microsoft.com/office/drawing/2010/main" xmlns="" w="9525">
+              <a14:hiddenLine xmlns="" xmlns:a14="http://schemas.microsoft.com/office/drawing/2010/main" w="9525">
                 <a:solidFill>
                   <a:schemeClr val="tx1"/>
                 </a:solidFill>
@@ -493,17 +493,17 @@
           </a:ln>
           <a:extLst>
             <a:ext uri="{FAA26D3D-D897-4be2-8F04-BA451C77F1D7}">
-              <ma14:placeholderFlag xmlns="" xmlns:ma14="http://schemas.microsoft.com/office/mac/drawingml/2011/main" val="1"/>
+              <ma14:placeholderFlag xmlns:ma14="http://schemas.microsoft.com/office/mac/drawingml/2011/main" xmlns="" val="1"/>
             </a:ext>
             <a:ext uri="{909E8E84-426E-40dd-AFC4-6F175D3DCCD1}">
-              <a14:hiddenFill xmlns:a14="http://schemas.microsoft.com/office/drawing/2010/main" xmlns="">
+              <a14:hiddenFill xmlns="" xmlns:a14="http://schemas.microsoft.com/office/drawing/2010/main">
                 <a:solidFill>
                   <a:schemeClr val="accent1"/>
                 </a:solidFill>
               </a14:hiddenFill>
             </a:ext>
             <a:ext uri="{91240B29-F687-4f45-9708-019B960494DF}">
-              <a14:hiddenLine xmlns:a14="http://schemas.microsoft.com/office/drawing/2010/main" xmlns="" w="9525">
+              <a14:hiddenLine xmlns="" xmlns:a14="http://schemas.microsoft.com/office/drawing/2010/main" w="9525">
                 <a:solidFill>
                   <a:schemeClr val="tx1"/>
                 </a:solidFill>
@@ -554,17 +554,17 @@
           </a:ln>
           <a:extLst>
             <a:ext uri="{FAA26D3D-D897-4be2-8F04-BA451C77F1D7}">
-              <ma14:placeholderFlag xmlns="" xmlns:ma14="http://schemas.microsoft.com/office/mac/drawingml/2011/main" val="1"/>
+              <ma14:placeholderFlag xmlns:ma14="http://schemas.microsoft.com/office/mac/drawingml/2011/main" xmlns="" val="1"/>
             </a:ext>
             <a:ext uri="{909E8E84-426E-40dd-AFC4-6F175D3DCCD1}">
-              <a14:hiddenFill xmlns:a14="http://schemas.microsoft.com/office/drawing/2010/main" xmlns="">
+              <a14:hiddenFill xmlns="" xmlns:a14="http://schemas.microsoft.com/office/drawing/2010/main">
                 <a:solidFill>
                   <a:schemeClr val="accent1"/>
                 </a:solidFill>
               </a14:hiddenFill>
             </a:ext>
             <a:ext uri="{91240B29-F687-4f45-9708-019B960494DF}">
-              <a14:hiddenLine xmlns:a14="http://schemas.microsoft.com/office/drawing/2010/main" xmlns="" w="9525">
+              <a14:hiddenLine xmlns="" xmlns:a14="http://schemas.microsoft.com/office/drawing/2010/main" w="9525">
                 <a:solidFill>
                   <a:schemeClr val="tx1"/>
                 </a:solidFill>
@@ -786,7 +786,7 @@
           <a:ln/>
           <a:extLst>
             <a:ext uri="{FAA26D3D-D897-4be2-8F04-BA451C77F1D7}">
-              <ma14:placeholderFlag xmlns="" xmlns:ma14="http://schemas.microsoft.com/office/mac/drawingml/2011/main" val="1"/>
+              <ma14:placeholderFlag xmlns:ma14="http://schemas.microsoft.com/office/mac/drawingml/2011/main" xmlns="" val="1"/>
             </a:ext>
           </a:extLst>
         </p:spPr>
@@ -875,7 +875,7 @@
           <a:ln/>
           <a:extLst>
             <a:ext uri="{FAA26D3D-D897-4be2-8F04-BA451C77F1D7}">
-              <ma14:placeholderFlag xmlns="" xmlns:ma14="http://schemas.microsoft.com/office/mac/drawingml/2011/main" val="1"/>
+              <ma14:placeholderFlag xmlns:ma14="http://schemas.microsoft.com/office/mac/drawingml/2011/main" xmlns="" val="1"/>
             </a:ext>
           </a:extLst>
         </p:spPr>
@@ -964,7 +964,7 @@
           <a:ln/>
           <a:extLst>
             <a:ext uri="{FAA26D3D-D897-4be2-8F04-BA451C77F1D7}">
-              <ma14:placeholderFlag xmlns="" xmlns:ma14="http://schemas.microsoft.com/office/mac/drawingml/2011/main" val="1"/>
+              <ma14:placeholderFlag xmlns:ma14="http://schemas.microsoft.com/office/mac/drawingml/2011/main" xmlns="" val="1"/>
             </a:ext>
           </a:extLst>
         </p:spPr>
@@ -1053,7 +1053,7 @@
           <a:ln/>
           <a:extLst>
             <a:ext uri="{FAA26D3D-D897-4be2-8F04-BA451C77F1D7}">
-              <ma14:placeholderFlag xmlns="" xmlns:ma14="http://schemas.microsoft.com/office/mac/drawingml/2011/main" val="1"/>
+              <ma14:placeholderFlag xmlns:ma14="http://schemas.microsoft.com/office/mac/drawingml/2011/main" xmlns="" val="1"/>
             </a:ext>
           </a:extLst>
         </p:spPr>
@@ -1142,7 +1142,7 @@
           <a:ln/>
           <a:extLst>
             <a:ext uri="{FAA26D3D-D897-4be2-8F04-BA451C77F1D7}">
-              <ma14:placeholderFlag xmlns="" xmlns:ma14="http://schemas.microsoft.com/office/mac/drawingml/2011/main" val="1"/>
+              <ma14:placeholderFlag xmlns:ma14="http://schemas.microsoft.com/office/mac/drawingml/2011/main" xmlns="" val="1"/>
             </a:ext>
           </a:extLst>
         </p:spPr>
@@ -1231,7 +1231,7 @@
           <a:ln/>
           <a:extLst>
             <a:ext uri="{FAA26D3D-D897-4be2-8F04-BA451C77F1D7}">
-              <ma14:placeholderFlag xmlns="" xmlns:ma14="http://schemas.microsoft.com/office/mac/drawingml/2011/main" val="1"/>
+              <ma14:placeholderFlag xmlns:ma14="http://schemas.microsoft.com/office/mac/drawingml/2011/main" xmlns="" val="1"/>
             </a:ext>
           </a:extLst>
         </p:spPr>
@@ -1320,7 +1320,7 @@
           <a:ln/>
           <a:extLst>
             <a:ext uri="{FAA26D3D-D897-4be2-8F04-BA451C77F1D7}">
-              <ma14:placeholderFlag xmlns="" xmlns:ma14="http://schemas.microsoft.com/office/mac/drawingml/2011/main" val="1"/>
+              <ma14:placeholderFlag xmlns:ma14="http://schemas.microsoft.com/office/mac/drawingml/2011/main" xmlns="" val="1"/>
             </a:ext>
           </a:extLst>
         </p:spPr>
@@ -1409,7 +1409,7 @@
           <a:ln/>
           <a:extLst>
             <a:ext uri="{FAA26D3D-D897-4be2-8F04-BA451C77F1D7}">
-              <ma14:placeholderFlag xmlns="" xmlns:ma14="http://schemas.microsoft.com/office/mac/drawingml/2011/main" val="1"/>
+              <ma14:placeholderFlag xmlns:ma14="http://schemas.microsoft.com/office/mac/drawingml/2011/main" xmlns="" val="1"/>
             </a:ext>
           </a:extLst>
         </p:spPr>
@@ -1498,7 +1498,7 @@
           <a:ln/>
           <a:extLst>
             <a:ext uri="{FAA26D3D-D897-4be2-8F04-BA451C77F1D7}">
-              <ma14:placeholderFlag xmlns="" xmlns:ma14="http://schemas.microsoft.com/office/mac/drawingml/2011/main" val="1"/>
+              <ma14:placeholderFlag xmlns:ma14="http://schemas.microsoft.com/office/mac/drawingml/2011/main" xmlns="" val="1"/>
             </a:ext>
           </a:extLst>
         </p:spPr>
@@ -1587,7 +1587,7 @@
           <a:ln/>
           <a:extLst>
             <a:ext uri="{FAA26D3D-D897-4be2-8F04-BA451C77F1D7}">
-              <ma14:placeholderFlag xmlns="" xmlns:ma14="http://schemas.microsoft.com/office/mac/drawingml/2011/main" val="1"/>
+              <ma14:placeholderFlag xmlns:ma14="http://schemas.microsoft.com/office/mac/drawingml/2011/main" xmlns="" val="1"/>
             </a:ext>
           </a:extLst>
         </p:spPr>
@@ -1676,7 +1676,7 @@
           <a:ln/>
           <a:extLst>
             <a:ext uri="{FAA26D3D-D897-4be2-8F04-BA451C77F1D7}">
-              <ma14:placeholderFlag xmlns="" xmlns:ma14="http://schemas.microsoft.com/office/mac/drawingml/2011/main" val="1"/>
+              <ma14:placeholderFlag xmlns:ma14="http://schemas.microsoft.com/office/mac/drawingml/2011/main" xmlns="" val="1"/>
             </a:ext>
           </a:extLst>
         </p:spPr>
@@ -1765,7 +1765,7 @@
           <a:ln/>
           <a:extLst>
             <a:ext uri="{FAA26D3D-D897-4be2-8F04-BA451C77F1D7}">
-              <ma14:placeholderFlag xmlns="" xmlns:ma14="http://schemas.microsoft.com/office/mac/drawingml/2011/main" val="1"/>
+              <ma14:placeholderFlag xmlns:ma14="http://schemas.microsoft.com/office/mac/drawingml/2011/main" xmlns="" val="1"/>
             </a:ext>
           </a:extLst>
         </p:spPr>
@@ -1854,7 +1854,7 @@
           <a:ln/>
           <a:extLst>
             <a:ext uri="{FAA26D3D-D897-4be2-8F04-BA451C77F1D7}">
-              <ma14:placeholderFlag xmlns="" xmlns:ma14="http://schemas.microsoft.com/office/mac/drawingml/2011/main" val="1"/>
+              <ma14:placeholderFlag xmlns:ma14="http://schemas.microsoft.com/office/mac/drawingml/2011/main" xmlns="" val="1"/>
             </a:ext>
           </a:extLst>
         </p:spPr>
@@ -1943,7 +1943,7 @@
           <a:ln/>
           <a:extLst>
             <a:ext uri="{FAA26D3D-D897-4be2-8F04-BA451C77F1D7}">
-              <ma14:placeholderFlag xmlns="" xmlns:ma14="http://schemas.microsoft.com/office/mac/drawingml/2011/main" val="1"/>
+              <ma14:placeholderFlag xmlns:ma14="http://schemas.microsoft.com/office/mac/drawingml/2011/main" xmlns="" val="1"/>
             </a:ext>
           </a:extLst>
         </p:spPr>
@@ -2032,7 +2032,7 @@
           <a:ln/>
           <a:extLst>
             <a:ext uri="{FAA26D3D-D897-4be2-8F04-BA451C77F1D7}">
-              <ma14:placeholderFlag xmlns="" xmlns:ma14="http://schemas.microsoft.com/office/mac/drawingml/2011/main" val="1"/>
+              <ma14:placeholderFlag xmlns:ma14="http://schemas.microsoft.com/office/mac/drawingml/2011/main" xmlns="" val="1"/>
             </a:ext>
           </a:extLst>
         </p:spPr>
@@ -2121,7 +2121,7 @@
           <a:ln/>
           <a:extLst>
             <a:ext uri="{FAA26D3D-D897-4be2-8F04-BA451C77F1D7}">
-              <ma14:placeholderFlag xmlns="" xmlns:ma14="http://schemas.microsoft.com/office/mac/drawingml/2011/main" val="1"/>
+              <ma14:placeholderFlag xmlns:ma14="http://schemas.microsoft.com/office/mac/drawingml/2011/main" xmlns="" val="1"/>
             </a:ext>
           </a:extLst>
         </p:spPr>
@@ -2210,7 +2210,7 @@
           <a:ln/>
           <a:extLst>
             <a:ext uri="{FAA26D3D-D897-4be2-8F04-BA451C77F1D7}">
-              <ma14:placeholderFlag xmlns="" xmlns:ma14="http://schemas.microsoft.com/office/mac/drawingml/2011/main" val="1"/>
+              <ma14:placeholderFlag xmlns:ma14="http://schemas.microsoft.com/office/mac/drawingml/2011/main" xmlns="" val="1"/>
             </a:ext>
           </a:extLst>
         </p:spPr>
@@ -2323,7 +2323,7 @@
           </a:ln>
           <a:extLst>
             <a:ext uri="{FAA26D3D-D897-4be2-8F04-BA451C77F1D7}">
-              <ma14:placeholderFlag xmlns="" xmlns:ma14="http://schemas.microsoft.com/office/mac/drawingml/2011/main" val="1"/>
+              <ma14:placeholderFlag xmlns:ma14="http://schemas.microsoft.com/office/mac/drawingml/2011/main" xmlns="" val="1"/>
             </a:ext>
           </a:extLst>
         </p:spPr>
@@ -2359,7 +2359,7 @@
           </a:ln>
           <a:extLst>
             <a:ext uri="{FAA26D3D-D897-4be2-8F04-BA451C77F1D7}">
-              <ma14:placeholderFlag xmlns="" xmlns:ma14="http://schemas.microsoft.com/office/mac/drawingml/2011/main" val="1"/>
+              <ma14:placeholderFlag xmlns:ma14="http://schemas.microsoft.com/office/mac/drawingml/2011/main" xmlns="" val="1"/>
             </a:ext>
           </a:extLst>
         </p:spPr>
@@ -2424,12 +2424,12 @@
           <a:effectLst/>
           <a:extLst>
             <a:ext uri="{909E8E84-426E-40dd-AFC4-6F175D3DCCD1}">
-              <a14:hiddenFill xmlns:a14="http://schemas.microsoft.com/office/drawing/2010/main" xmlns="">
+              <a14:hiddenFill xmlns="" xmlns:a14="http://schemas.microsoft.com/office/drawing/2010/main">
                 <a:noFill/>
               </a14:hiddenFill>
             </a:ext>
             <a:ext uri="{AF507438-7753-43e0-B8FC-AC1667EBCBE1}">
-              <a14:hiddenEffects xmlns:a14="http://schemas.microsoft.com/office/drawing/2010/main" xmlns="">
+              <a14:hiddenEffects xmlns="" xmlns:a14="http://schemas.microsoft.com/office/drawing/2010/main">
                 <a:effectLst>
                   <a:outerShdw blurRad="63500" dist="38099" dir="2700000" algn="ctr" rotWithShape="0">
                     <a:schemeClr val="bg2">
@@ -2630,7 +2630,7 @@
             <a:effectLst/>
             <a:extLst>
               <a:ext uri="{91240B29-F687-4f45-9708-019B960494DF}">
-                <a14:hiddenLine xmlns:a14="http://schemas.microsoft.com/office/drawing/2010/main" xmlns="" w="9525">
+                <a14:hiddenLine xmlns="" xmlns:a14="http://schemas.microsoft.com/office/drawing/2010/main" w="9525">
                   <a:solidFill>
                     <a:schemeClr val="tx1"/>
                   </a:solidFill>
@@ -2640,7 +2640,7 @@
                 </a14:hiddenLine>
               </a:ext>
               <a:ext uri="{AF507438-7753-43e0-B8FC-AC1667EBCBE1}">
-                <a14:hiddenEffects xmlns:a14="http://schemas.microsoft.com/office/drawing/2010/main" xmlns="">
+                <a14:hiddenEffects xmlns="" xmlns:a14="http://schemas.microsoft.com/office/drawing/2010/main">
                   <a:effectLst>
                     <a:outerShdw blurRad="63500" dist="38099" dir="2700000" algn="ctr" rotWithShape="0">
                       <a:schemeClr val="bg2">
@@ -2685,7 +2685,7 @@
             <a:effectLst/>
             <a:extLst>
               <a:ext uri="{91240B29-F687-4f45-9708-019B960494DF}">
-                <a14:hiddenLine xmlns:a14="http://schemas.microsoft.com/office/drawing/2010/main" xmlns="" w="9525">
+                <a14:hiddenLine xmlns="" xmlns:a14="http://schemas.microsoft.com/office/drawing/2010/main" w="9525">
                   <a:solidFill>
                     <a:schemeClr val="tx1"/>
                   </a:solidFill>
@@ -2695,7 +2695,7 @@
                 </a14:hiddenLine>
               </a:ext>
               <a:ext uri="{AF507438-7753-43e0-B8FC-AC1667EBCBE1}">
-                <a14:hiddenEffects xmlns:a14="http://schemas.microsoft.com/office/drawing/2010/main" xmlns="">
+                <a14:hiddenEffects xmlns="" xmlns:a14="http://schemas.microsoft.com/office/drawing/2010/main">
                   <a:effectLst>
                     <a:outerShdw blurRad="63500" dist="38099" dir="2700000" algn="ctr" rotWithShape="0">
                       <a:schemeClr val="bg2">
@@ -2740,7 +2740,7 @@
             <a:effectLst/>
             <a:extLst>
               <a:ext uri="{91240B29-F687-4f45-9708-019B960494DF}">
-                <a14:hiddenLine xmlns:a14="http://schemas.microsoft.com/office/drawing/2010/main" xmlns="" w="9525">
+                <a14:hiddenLine xmlns="" xmlns:a14="http://schemas.microsoft.com/office/drawing/2010/main" w="9525">
                   <a:solidFill>
                     <a:schemeClr val="tx1"/>
                   </a:solidFill>
@@ -2750,7 +2750,7 @@
                 </a14:hiddenLine>
               </a:ext>
               <a:ext uri="{AF507438-7753-43e0-B8FC-AC1667EBCBE1}">
-                <a14:hiddenEffects xmlns:a14="http://schemas.microsoft.com/office/drawing/2010/main" xmlns="">
+                <a14:hiddenEffects xmlns="" xmlns:a14="http://schemas.microsoft.com/office/drawing/2010/main">
                   <a:effectLst>
                     <a:outerShdw blurRad="63500" dist="38099" dir="2700000" algn="ctr" rotWithShape="0">
                       <a:schemeClr val="bg2">
@@ -2795,7 +2795,7 @@
             <a:effectLst/>
             <a:extLst>
               <a:ext uri="{91240B29-F687-4f45-9708-019B960494DF}">
-                <a14:hiddenLine xmlns:a14="http://schemas.microsoft.com/office/drawing/2010/main" xmlns="" w="9525">
+                <a14:hiddenLine xmlns="" xmlns:a14="http://schemas.microsoft.com/office/drawing/2010/main" w="9525">
                   <a:solidFill>
                     <a:schemeClr val="tx1"/>
                   </a:solidFill>
@@ -2805,7 +2805,7 @@
                 </a14:hiddenLine>
               </a:ext>
               <a:ext uri="{AF507438-7753-43e0-B8FC-AC1667EBCBE1}">
-                <a14:hiddenEffects xmlns:a14="http://schemas.microsoft.com/office/drawing/2010/main" xmlns="">
+                <a14:hiddenEffects xmlns="" xmlns:a14="http://schemas.microsoft.com/office/drawing/2010/main">
                   <a:effectLst>
                     <a:outerShdw blurRad="63500" dist="38099" dir="2700000" algn="ctr" rotWithShape="0">
                       <a:schemeClr val="bg2">
@@ -2850,7 +2850,7 @@
             <a:effectLst/>
             <a:extLst>
               <a:ext uri="{91240B29-F687-4f45-9708-019B960494DF}">
-                <a14:hiddenLine xmlns:a14="http://schemas.microsoft.com/office/drawing/2010/main" xmlns="" w="9525">
+                <a14:hiddenLine xmlns="" xmlns:a14="http://schemas.microsoft.com/office/drawing/2010/main" w="9525">
                   <a:solidFill>
                     <a:schemeClr val="tx1"/>
                   </a:solidFill>
@@ -2860,7 +2860,7 @@
                 </a14:hiddenLine>
               </a:ext>
               <a:ext uri="{AF507438-7753-43e0-B8FC-AC1667EBCBE1}">
-                <a14:hiddenEffects xmlns:a14="http://schemas.microsoft.com/office/drawing/2010/main" xmlns="">
+                <a14:hiddenEffects xmlns="" xmlns:a14="http://schemas.microsoft.com/office/drawing/2010/main">
                   <a:effectLst>
                     <a:outerShdw blurRad="63500" dist="38099" dir="2700000" algn="ctr" rotWithShape="0">
                       <a:schemeClr val="bg2">
@@ -2905,7 +2905,7 @@
             <a:effectLst/>
             <a:extLst>
               <a:ext uri="{91240B29-F687-4f45-9708-019B960494DF}">
-                <a14:hiddenLine xmlns:a14="http://schemas.microsoft.com/office/drawing/2010/main" xmlns="" w="9525">
+                <a14:hiddenLine xmlns="" xmlns:a14="http://schemas.microsoft.com/office/drawing/2010/main" w="9525">
                   <a:solidFill>
                     <a:schemeClr val="tx1"/>
                   </a:solidFill>
@@ -2915,7 +2915,7 @@
                 </a14:hiddenLine>
               </a:ext>
               <a:ext uri="{AF507438-7753-43e0-B8FC-AC1667EBCBE1}">
-                <a14:hiddenEffects xmlns:a14="http://schemas.microsoft.com/office/drawing/2010/main" xmlns="">
+                <a14:hiddenEffects xmlns="" xmlns:a14="http://schemas.microsoft.com/office/drawing/2010/main">
                   <a:effectLst>
                     <a:outerShdw blurRad="63500" dist="38099" dir="2700000" algn="ctr" rotWithShape="0">
                       <a:schemeClr val="bg2">
@@ -2960,7 +2960,7 @@
             <a:effectLst/>
             <a:extLst>
               <a:ext uri="{91240B29-F687-4f45-9708-019B960494DF}">
-                <a14:hiddenLine xmlns:a14="http://schemas.microsoft.com/office/drawing/2010/main" xmlns="" w="9525">
+                <a14:hiddenLine xmlns="" xmlns:a14="http://schemas.microsoft.com/office/drawing/2010/main" w="9525">
                   <a:solidFill>
                     <a:schemeClr val="tx1"/>
                   </a:solidFill>
@@ -2970,7 +2970,7 @@
                 </a14:hiddenLine>
               </a:ext>
               <a:ext uri="{AF507438-7753-43e0-B8FC-AC1667EBCBE1}">
-                <a14:hiddenEffects xmlns:a14="http://schemas.microsoft.com/office/drawing/2010/main" xmlns="">
+                <a14:hiddenEffects xmlns="" xmlns:a14="http://schemas.microsoft.com/office/drawing/2010/main">
                   <a:effectLst>
                     <a:outerShdw blurRad="63500" dist="38099" dir="2700000" algn="ctr" rotWithShape="0">
                       <a:schemeClr val="bg2">
@@ -3015,7 +3015,7 @@
             <a:effectLst/>
             <a:extLst>
               <a:ext uri="{91240B29-F687-4f45-9708-019B960494DF}">
-                <a14:hiddenLine xmlns:a14="http://schemas.microsoft.com/office/drawing/2010/main" xmlns="" w="9525">
+                <a14:hiddenLine xmlns="" xmlns:a14="http://schemas.microsoft.com/office/drawing/2010/main" w="9525">
                   <a:solidFill>
                     <a:schemeClr val="tx1"/>
                   </a:solidFill>
@@ -3025,7 +3025,7 @@
                 </a14:hiddenLine>
               </a:ext>
               <a:ext uri="{AF507438-7753-43e0-B8FC-AC1667EBCBE1}">
-                <a14:hiddenEffects xmlns:a14="http://schemas.microsoft.com/office/drawing/2010/main" xmlns="">
+                <a14:hiddenEffects xmlns="" xmlns:a14="http://schemas.microsoft.com/office/drawing/2010/main">
                   <a:effectLst>
                     <a:outerShdw blurRad="63500" dist="38099" dir="2700000" algn="ctr" rotWithShape="0">
                       <a:schemeClr val="bg2">
@@ -3070,7 +3070,7 @@
             <a:effectLst/>
             <a:extLst>
               <a:ext uri="{91240B29-F687-4f45-9708-019B960494DF}">
-                <a14:hiddenLine xmlns:a14="http://schemas.microsoft.com/office/drawing/2010/main" xmlns="" w="9525">
+                <a14:hiddenLine xmlns="" xmlns:a14="http://schemas.microsoft.com/office/drawing/2010/main" w="9525">
                   <a:solidFill>
                     <a:schemeClr val="tx1"/>
                   </a:solidFill>
@@ -3080,7 +3080,7 @@
                 </a14:hiddenLine>
               </a:ext>
               <a:ext uri="{AF507438-7753-43e0-B8FC-AC1667EBCBE1}">
-                <a14:hiddenEffects xmlns:a14="http://schemas.microsoft.com/office/drawing/2010/main" xmlns="">
+                <a14:hiddenEffects xmlns="" xmlns:a14="http://schemas.microsoft.com/office/drawing/2010/main">
                   <a:effectLst>
                     <a:outerShdw blurRad="63500" dist="38099" dir="2700000" algn="ctr" rotWithShape="0">
                       <a:schemeClr val="bg2">
@@ -3125,7 +3125,7 @@
             <a:effectLst/>
             <a:extLst>
               <a:ext uri="{91240B29-F687-4f45-9708-019B960494DF}">
-                <a14:hiddenLine xmlns:a14="http://schemas.microsoft.com/office/drawing/2010/main" xmlns="" w="9525">
+                <a14:hiddenLine xmlns="" xmlns:a14="http://schemas.microsoft.com/office/drawing/2010/main" w="9525">
                   <a:solidFill>
                     <a:schemeClr val="tx1"/>
                   </a:solidFill>
@@ -3135,7 +3135,7 @@
                 </a14:hiddenLine>
               </a:ext>
               <a:ext uri="{AF507438-7753-43e0-B8FC-AC1667EBCBE1}">
-                <a14:hiddenEffects xmlns:a14="http://schemas.microsoft.com/office/drawing/2010/main" xmlns="">
+                <a14:hiddenEffects xmlns="" xmlns:a14="http://schemas.microsoft.com/office/drawing/2010/main">
                   <a:effectLst>
                     <a:outerShdw blurRad="63500" dist="38099" dir="2700000" algn="ctr" rotWithShape="0">
                       <a:schemeClr val="bg2">
@@ -3180,7 +3180,7 @@
             <a:effectLst/>
             <a:extLst>
               <a:ext uri="{91240B29-F687-4f45-9708-019B960494DF}">
-                <a14:hiddenLine xmlns:a14="http://schemas.microsoft.com/office/drawing/2010/main" xmlns="" w="9525">
+                <a14:hiddenLine xmlns="" xmlns:a14="http://schemas.microsoft.com/office/drawing/2010/main" w="9525">
                   <a:solidFill>
                     <a:schemeClr val="tx1"/>
                   </a:solidFill>
@@ -3190,7 +3190,7 @@
                 </a14:hiddenLine>
               </a:ext>
               <a:ext uri="{AF507438-7753-43e0-B8FC-AC1667EBCBE1}">
-                <a14:hiddenEffects xmlns:a14="http://schemas.microsoft.com/office/drawing/2010/main" xmlns="">
+                <a14:hiddenEffects xmlns="" xmlns:a14="http://schemas.microsoft.com/office/drawing/2010/main">
                   <a:effectLst>
                     <a:outerShdw blurRad="63500" dist="38099" dir="2700000" algn="ctr" rotWithShape="0">
                       <a:schemeClr val="bg2">
@@ -3235,7 +3235,7 @@
             <a:effectLst/>
             <a:extLst>
               <a:ext uri="{91240B29-F687-4f45-9708-019B960494DF}">
-                <a14:hiddenLine xmlns:a14="http://schemas.microsoft.com/office/drawing/2010/main" xmlns="" w="9525">
+                <a14:hiddenLine xmlns="" xmlns:a14="http://schemas.microsoft.com/office/drawing/2010/main" w="9525">
                   <a:solidFill>
                     <a:schemeClr val="tx1"/>
                   </a:solidFill>
@@ -3245,7 +3245,7 @@
                 </a14:hiddenLine>
               </a:ext>
               <a:ext uri="{AF507438-7753-43e0-B8FC-AC1667EBCBE1}">
-                <a14:hiddenEffects xmlns:a14="http://schemas.microsoft.com/office/drawing/2010/main" xmlns="">
+                <a14:hiddenEffects xmlns="" xmlns:a14="http://schemas.microsoft.com/office/drawing/2010/main">
                   <a:effectLst>
                     <a:outerShdw blurRad="63500" dist="38099" dir="2700000" algn="ctr" rotWithShape="0">
                       <a:schemeClr val="bg2">
@@ -3290,7 +3290,7 @@
             <a:effectLst/>
             <a:extLst>
               <a:ext uri="{91240B29-F687-4f45-9708-019B960494DF}">
-                <a14:hiddenLine xmlns:a14="http://schemas.microsoft.com/office/drawing/2010/main" xmlns="" w="9525">
+                <a14:hiddenLine xmlns="" xmlns:a14="http://schemas.microsoft.com/office/drawing/2010/main" w="9525">
                   <a:solidFill>
                     <a:schemeClr val="tx1"/>
                   </a:solidFill>
@@ -3300,7 +3300,7 @@
                 </a14:hiddenLine>
               </a:ext>
               <a:ext uri="{AF507438-7753-43e0-B8FC-AC1667EBCBE1}">
-                <a14:hiddenEffects xmlns:a14="http://schemas.microsoft.com/office/drawing/2010/main" xmlns="">
+                <a14:hiddenEffects xmlns="" xmlns:a14="http://schemas.microsoft.com/office/drawing/2010/main">
                   <a:effectLst>
                     <a:outerShdw blurRad="63500" dist="38099" dir="2700000" algn="ctr" rotWithShape="0">
                       <a:schemeClr val="bg2">
@@ -3345,7 +3345,7 @@
             <a:effectLst/>
             <a:extLst>
               <a:ext uri="{91240B29-F687-4f45-9708-019B960494DF}">
-                <a14:hiddenLine xmlns:a14="http://schemas.microsoft.com/office/drawing/2010/main" xmlns="" w="9525">
+                <a14:hiddenLine xmlns="" xmlns:a14="http://schemas.microsoft.com/office/drawing/2010/main" w="9525">
                   <a:solidFill>
                     <a:schemeClr val="tx1"/>
                   </a:solidFill>
@@ -3355,7 +3355,7 @@
                 </a14:hiddenLine>
               </a:ext>
               <a:ext uri="{AF507438-7753-43e0-B8FC-AC1667EBCBE1}">
-                <a14:hiddenEffects xmlns:a14="http://schemas.microsoft.com/office/drawing/2010/main" xmlns="">
+                <a14:hiddenEffects xmlns="" xmlns:a14="http://schemas.microsoft.com/office/drawing/2010/main">
                   <a:effectLst>
                     <a:outerShdw blurRad="63500" dist="38099" dir="2700000" algn="ctr" rotWithShape="0">
                       <a:schemeClr val="bg2">
@@ -3400,7 +3400,7 @@
             <a:effectLst/>
             <a:extLst>
               <a:ext uri="{91240B29-F687-4f45-9708-019B960494DF}">
-                <a14:hiddenLine xmlns:a14="http://schemas.microsoft.com/office/drawing/2010/main" xmlns="" w="9525">
+                <a14:hiddenLine xmlns="" xmlns:a14="http://schemas.microsoft.com/office/drawing/2010/main" w="9525">
                   <a:solidFill>
                     <a:schemeClr val="tx1"/>
                   </a:solidFill>
@@ -3410,7 +3410,7 @@
                 </a14:hiddenLine>
               </a:ext>
               <a:ext uri="{AF507438-7753-43e0-B8FC-AC1667EBCBE1}">
-                <a14:hiddenEffects xmlns:a14="http://schemas.microsoft.com/office/drawing/2010/main" xmlns="">
+                <a14:hiddenEffects xmlns="" xmlns:a14="http://schemas.microsoft.com/office/drawing/2010/main">
                   <a:effectLst>
                     <a:outerShdw blurRad="63500" dist="38099" dir="2700000" algn="ctr" rotWithShape="0">
                       <a:schemeClr val="bg2">
@@ -3455,7 +3455,7 @@
             <a:effectLst/>
             <a:extLst>
               <a:ext uri="{91240B29-F687-4f45-9708-019B960494DF}">
-                <a14:hiddenLine xmlns:a14="http://schemas.microsoft.com/office/drawing/2010/main" xmlns="" w="9525">
+                <a14:hiddenLine xmlns="" xmlns:a14="http://schemas.microsoft.com/office/drawing/2010/main" w="9525">
                   <a:solidFill>
                     <a:schemeClr val="tx1"/>
                   </a:solidFill>
@@ -3465,7 +3465,7 @@
                 </a14:hiddenLine>
               </a:ext>
               <a:ext uri="{AF507438-7753-43e0-B8FC-AC1667EBCBE1}">
-                <a14:hiddenEffects xmlns:a14="http://schemas.microsoft.com/office/drawing/2010/main" xmlns="">
+                <a14:hiddenEffects xmlns="" xmlns:a14="http://schemas.microsoft.com/office/drawing/2010/main">
                   <a:effectLst>
                     <a:outerShdw blurRad="63500" dist="38099" dir="2700000" algn="ctr" rotWithShape="0">
                       <a:schemeClr val="bg2">
@@ -3510,7 +3510,7 @@
             <a:effectLst/>
             <a:extLst>
               <a:ext uri="{91240B29-F687-4f45-9708-019B960494DF}">
-                <a14:hiddenLine xmlns:a14="http://schemas.microsoft.com/office/drawing/2010/main" xmlns="" w="9525">
+                <a14:hiddenLine xmlns="" xmlns:a14="http://schemas.microsoft.com/office/drawing/2010/main" w="9525">
                   <a:solidFill>
                     <a:schemeClr val="tx1"/>
                   </a:solidFill>
@@ -3520,7 +3520,7 @@
                 </a14:hiddenLine>
               </a:ext>
               <a:ext uri="{AF507438-7753-43e0-B8FC-AC1667EBCBE1}">
-                <a14:hiddenEffects xmlns:a14="http://schemas.microsoft.com/office/drawing/2010/main" xmlns="">
+                <a14:hiddenEffects xmlns="" xmlns:a14="http://schemas.microsoft.com/office/drawing/2010/main">
                   <a:effectLst>
                     <a:outerShdw blurRad="63500" dist="38099" dir="2700000" algn="ctr" rotWithShape="0">
                       <a:schemeClr val="bg2">
@@ -3565,7 +3565,7 @@
             <a:effectLst/>
             <a:extLst>
               <a:ext uri="{91240B29-F687-4f45-9708-019B960494DF}">
-                <a14:hiddenLine xmlns:a14="http://schemas.microsoft.com/office/drawing/2010/main" xmlns="" w="9525">
+                <a14:hiddenLine xmlns="" xmlns:a14="http://schemas.microsoft.com/office/drawing/2010/main" w="9525">
                   <a:solidFill>
                     <a:schemeClr val="tx1"/>
                   </a:solidFill>
@@ -3575,7 +3575,7 @@
                 </a14:hiddenLine>
               </a:ext>
               <a:ext uri="{AF507438-7753-43e0-B8FC-AC1667EBCBE1}">
-                <a14:hiddenEffects xmlns:a14="http://schemas.microsoft.com/office/drawing/2010/main" xmlns="">
+                <a14:hiddenEffects xmlns="" xmlns:a14="http://schemas.microsoft.com/office/drawing/2010/main">
                   <a:effectLst>
                     <a:outerShdw blurRad="63500" dist="38099" dir="2700000" algn="ctr" rotWithShape="0">
                       <a:schemeClr val="bg2">
@@ -3620,7 +3620,7 @@
             <a:effectLst/>
             <a:extLst>
               <a:ext uri="{91240B29-F687-4f45-9708-019B960494DF}">
-                <a14:hiddenLine xmlns:a14="http://schemas.microsoft.com/office/drawing/2010/main" xmlns="" w="9525">
+                <a14:hiddenLine xmlns="" xmlns:a14="http://schemas.microsoft.com/office/drawing/2010/main" w="9525">
                   <a:solidFill>
                     <a:schemeClr val="tx1"/>
                   </a:solidFill>
@@ -3630,7 +3630,7 @@
                 </a14:hiddenLine>
               </a:ext>
               <a:ext uri="{AF507438-7753-43e0-B8FC-AC1667EBCBE1}">
-                <a14:hiddenEffects xmlns:a14="http://schemas.microsoft.com/office/drawing/2010/main" xmlns="">
+                <a14:hiddenEffects xmlns="" xmlns:a14="http://schemas.microsoft.com/office/drawing/2010/main">
                   <a:effectLst>
                     <a:outerShdw blurRad="63500" dist="38099" dir="2700000" algn="ctr" rotWithShape="0">
                       <a:schemeClr val="bg2">
@@ -3675,7 +3675,7 @@
             <a:effectLst/>
             <a:extLst>
               <a:ext uri="{91240B29-F687-4f45-9708-019B960494DF}">
-                <a14:hiddenLine xmlns:a14="http://schemas.microsoft.com/office/drawing/2010/main" xmlns="" w="9525">
+                <a14:hiddenLine xmlns="" xmlns:a14="http://schemas.microsoft.com/office/drawing/2010/main" w="9525">
                   <a:solidFill>
                     <a:schemeClr val="tx1"/>
                   </a:solidFill>
@@ -3685,7 +3685,7 @@
                 </a14:hiddenLine>
               </a:ext>
               <a:ext uri="{AF507438-7753-43e0-B8FC-AC1667EBCBE1}">
-                <a14:hiddenEffects xmlns:a14="http://schemas.microsoft.com/office/drawing/2010/main" xmlns="">
+                <a14:hiddenEffects xmlns="" xmlns:a14="http://schemas.microsoft.com/office/drawing/2010/main">
                   <a:effectLst>
                     <a:outerShdw blurRad="63500" dist="38099" dir="2700000" algn="ctr" rotWithShape="0">
                       <a:schemeClr val="bg2">
@@ -3730,7 +3730,7 @@
             <a:effectLst/>
             <a:extLst>
               <a:ext uri="{91240B29-F687-4f45-9708-019B960494DF}">
-                <a14:hiddenLine xmlns:a14="http://schemas.microsoft.com/office/drawing/2010/main" xmlns="" w="9525">
+                <a14:hiddenLine xmlns="" xmlns:a14="http://schemas.microsoft.com/office/drawing/2010/main" w="9525">
                   <a:solidFill>
                     <a:schemeClr val="tx1"/>
                   </a:solidFill>
@@ -3740,7 +3740,7 @@
                 </a14:hiddenLine>
               </a:ext>
               <a:ext uri="{AF507438-7753-43e0-B8FC-AC1667EBCBE1}">
-                <a14:hiddenEffects xmlns:a14="http://schemas.microsoft.com/office/drawing/2010/main" xmlns="">
+                <a14:hiddenEffects xmlns="" xmlns:a14="http://schemas.microsoft.com/office/drawing/2010/main">
                   <a:effectLst>
                     <a:outerShdw blurRad="63500" dist="38099" dir="2700000" algn="ctr" rotWithShape="0">
                       <a:schemeClr val="bg2">
@@ -3785,7 +3785,7 @@
             <a:effectLst/>
             <a:extLst>
               <a:ext uri="{91240B29-F687-4f45-9708-019B960494DF}">
-                <a14:hiddenLine xmlns:a14="http://schemas.microsoft.com/office/drawing/2010/main" xmlns="" w="9525">
+                <a14:hiddenLine xmlns="" xmlns:a14="http://schemas.microsoft.com/office/drawing/2010/main" w="9525">
                   <a:solidFill>
                     <a:schemeClr val="tx1"/>
                   </a:solidFill>
@@ -3795,7 +3795,7 @@
                 </a14:hiddenLine>
               </a:ext>
               <a:ext uri="{AF507438-7753-43e0-B8FC-AC1667EBCBE1}">
-                <a14:hiddenEffects xmlns:a14="http://schemas.microsoft.com/office/drawing/2010/main" xmlns="">
+                <a14:hiddenEffects xmlns="" xmlns:a14="http://schemas.microsoft.com/office/drawing/2010/main">
                   <a:effectLst>
                     <a:outerShdw blurRad="63500" dist="38099" dir="2700000" algn="ctr" rotWithShape="0">
                       <a:schemeClr val="bg2">
@@ -3840,7 +3840,7 @@
             <a:effectLst/>
             <a:extLst>
               <a:ext uri="{91240B29-F687-4f45-9708-019B960494DF}">
-                <a14:hiddenLine xmlns:a14="http://schemas.microsoft.com/office/drawing/2010/main" xmlns="" w="9525">
+                <a14:hiddenLine xmlns="" xmlns:a14="http://schemas.microsoft.com/office/drawing/2010/main" w="9525">
                   <a:solidFill>
                     <a:schemeClr val="tx1"/>
                   </a:solidFill>
@@ -3850,7 +3850,7 @@
                 </a14:hiddenLine>
               </a:ext>
               <a:ext uri="{AF507438-7753-43e0-B8FC-AC1667EBCBE1}">
-                <a14:hiddenEffects xmlns:a14="http://schemas.microsoft.com/office/drawing/2010/main" xmlns="">
+                <a14:hiddenEffects xmlns="" xmlns:a14="http://schemas.microsoft.com/office/drawing/2010/main">
                   <a:effectLst>
                     <a:outerShdw blurRad="63500" dist="38099" dir="2700000" algn="ctr" rotWithShape="0">
                       <a:schemeClr val="bg2">
@@ -3895,7 +3895,7 @@
             <a:effectLst/>
             <a:extLst>
               <a:ext uri="{91240B29-F687-4f45-9708-019B960494DF}">
-                <a14:hiddenLine xmlns:a14="http://schemas.microsoft.com/office/drawing/2010/main" xmlns="" w="9525">
+                <a14:hiddenLine xmlns="" xmlns:a14="http://schemas.microsoft.com/office/drawing/2010/main" w="9525">
                   <a:solidFill>
                     <a:schemeClr val="tx1"/>
                   </a:solidFill>
@@ -3905,7 +3905,7 @@
                 </a14:hiddenLine>
               </a:ext>
               <a:ext uri="{AF507438-7753-43e0-B8FC-AC1667EBCBE1}">
-                <a14:hiddenEffects xmlns:a14="http://schemas.microsoft.com/office/drawing/2010/main" xmlns="">
+                <a14:hiddenEffects xmlns="" xmlns:a14="http://schemas.microsoft.com/office/drawing/2010/main">
                   <a:effectLst>
                     <a:outerShdw blurRad="63500" dist="38099" dir="2700000" algn="ctr" rotWithShape="0">
                       <a:schemeClr val="bg2">
@@ -3950,7 +3950,7 @@
             <a:effectLst/>
             <a:extLst>
               <a:ext uri="{91240B29-F687-4f45-9708-019B960494DF}">
-                <a14:hiddenLine xmlns:a14="http://schemas.microsoft.com/office/drawing/2010/main" xmlns="" w="9525">
+                <a14:hiddenLine xmlns="" xmlns:a14="http://schemas.microsoft.com/office/drawing/2010/main" w="9525">
                   <a:solidFill>
                     <a:schemeClr val="tx1"/>
                   </a:solidFill>
@@ -3960,7 +3960,7 @@
                 </a14:hiddenLine>
               </a:ext>
               <a:ext uri="{AF507438-7753-43e0-B8FC-AC1667EBCBE1}">
-                <a14:hiddenEffects xmlns:a14="http://schemas.microsoft.com/office/drawing/2010/main" xmlns="">
+                <a14:hiddenEffects xmlns="" xmlns:a14="http://schemas.microsoft.com/office/drawing/2010/main">
                   <a:effectLst>
                     <a:outerShdw blurRad="63500" dist="38099" dir="2700000" algn="ctr" rotWithShape="0">
                       <a:schemeClr val="bg2">
@@ -4005,7 +4005,7 @@
             <a:effectLst/>
             <a:extLst>
               <a:ext uri="{91240B29-F687-4f45-9708-019B960494DF}">
-                <a14:hiddenLine xmlns:a14="http://schemas.microsoft.com/office/drawing/2010/main" xmlns="" w="9525">
+                <a14:hiddenLine xmlns="" xmlns:a14="http://schemas.microsoft.com/office/drawing/2010/main" w="9525">
                   <a:solidFill>
                     <a:schemeClr val="tx1"/>
                   </a:solidFill>
@@ -4015,7 +4015,7 @@
                 </a14:hiddenLine>
               </a:ext>
               <a:ext uri="{AF507438-7753-43e0-B8FC-AC1667EBCBE1}">
-                <a14:hiddenEffects xmlns:a14="http://schemas.microsoft.com/office/drawing/2010/main" xmlns="">
+                <a14:hiddenEffects xmlns="" xmlns:a14="http://schemas.microsoft.com/office/drawing/2010/main">
                   <a:effectLst>
                     <a:outerShdw blurRad="63500" dist="38099" dir="2700000" algn="ctr" rotWithShape="0">
                       <a:schemeClr val="bg2">
@@ -4060,7 +4060,7 @@
             <a:effectLst/>
             <a:extLst>
               <a:ext uri="{91240B29-F687-4f45-9708-019B960494DF}">
-                <a14:hiddenLine xmlns:a14="http://schemas.microsoft.com/office/drawing/2010/main" xmlns="" w="9525">
+                <a14:hiddenLine xmlns="" xmlns:a14="http://schemas.microsoft.com/office/drawing/2010/main" w="9525">
                   <a:solidFill>
                     <a:schemeClr val="tx1"/>
                   </a:solidFill>
@@ -4070,7 +4070,7 @@
                 </a14:hiddenLine>
               </a:ext>
               <a:ext uri="{AF507438-7753-43e0-B8FC-AC1667EBCBE1}">
-                <a14:hiddenEffects xmlns:a14="http://schemas.microsoft.com/office/drawing/2010/main" xmlns="">
+                <a14:hiddenEffects xmlns="" xmlns:a14="http://schemas.microsoft.com/office/drawing/2010/main">
                   <a:effectLst>
                     <a:outerShdw blurRad="63500" dist="38099" dir="2700000" algn="ctr" rotWithShape="0">
                       <a:schemeClr val="bg2">
@@ -4115,7 +4115,7 @@
             <a:effectLst/>
             <a:extLst>
               <a:ext uri="{91240B29-F687-4f45-9708-019B960494DF}">
-                <a14:hiddenLine xmlns:a14="http://schemas.microsoft.com/office/drawing/2010/main" xmlns="" w="9525">
+                <a14:hiddenLine xmlns="" xmlns:a14="http://schemas.microsoft.com/office/drawing/2010/main" w="9525">
                   <a:solidFill>
                     <a:schemeClr val="tx1"/>
                   </a:solidFill>
@@ -4125,7 +4125,7 @@
                 </a14:hiddenLine>
               </a:ext>
               <a:ext uri="{AF507438-7753-43e0-B8FC-AC1667EBCBE1}">
-                <a14:hiddenEffects xmlns:a14="http://schemas.microsoft.com/office/drawing/2010/main" xmlns="">
+                <a14:hiddenEffects xmlns="" xmlns:a14="http://schemas.microsoft.com/office/drawing/2010/main">
                   <a:effectLst>
                     <a:outerShdw blurRad="63500" dist="38099" dir="2700000" algn="ctr" rotWithShape="0">
                       <a:schemeClr val="bg2">
@@ -4170,7 +4170,7 @@
             <a:effectLst/>
             <a:extLst>
               <a:ext uri="{91240B29-F687-4f45-9708-019B960494DF}">
-                <a14:hiddenLine xmlns:a14="http://schemas.microsoft.com/office/drawing/2010/main" xmlns="" w="9525">
+                <a14:hiddenLine xmlns="" xmlns:a14="http://schemas.microsoft.com/office/drawing/2010/main" w="9525">
                   <a:solidFill>
                     <a:schemeClr val="tx1"/>
                   </a:solidFill>
@@ -4180,7 +4180,7 @@
                 </a14:hiddenLine>
               </a:ext>
               <a:ext uri="{AF507438-7753-43e0-B8FC-AC1667EBCBE1}">
-                <a14:hiddenEffects xmlns:a14="http://schemas.microsoft.com/office/drawing/2010/main" xmlns="">
+                <a14:hiddenEffects xmlns="" xmlns:a14="http://schemas.microsoft.com/office/drawing/2010/main">
                   <a:effectLst>
                     <a:outerShdw blurRad="63500" dist="38099" dir="2700000" algn="ctr" rotWithShape="0">
                       <a:schemeClr val="bg2">
@@ -4225,7 +4225,7 @@
             <a:effectLst/>
             <a:extLst>
               <a:ext uri="{91240B29-F687-4f45-9708-019B960494DF}">
-                <a14:hiddenLine xmlns:a14="http://schemas.microsoft.com/office/drawing/2010/main" xmlns="" w="9525">
+                <a14:hiddenLine xmlns="" xmlns:a14="http://schemas.microsoft.com/office/drawing/2010/main" w="9525">
                   <a:solidFill>
                     <a:schemeClr val="tx1"/>
                   </a:solidFill>
@@ -4235,7 +4235,7 @@
                 </a14:hiddenLine>
               </a:ext>
               <a:ext uri="{AF507438-7753-43e0-B8FC-AC1667EBCBE1}">
-                <a14:hiddenEffects xmlns:a14="http://schemas.microsoft.com/office/drawing/2010/main" xmlns="">
+                <a14:hiddenEffects xmlns="" xmlns:a14="http://schemas.microsoft.com/office/drawing/2010/main">
                   <a:effectLst>
                     <a:outerShdw blurRad="63500" dist="38099" dir="2700000" algn="ctr" rotWithShape="0">
                       <a:schemeClr val="bg2">
@@ -4280,7 +4280,7 @@
             <a:effectLst/>
             <a:extLst>
               <a:ext uri="{91240B29-F687-4f45-9708-019B960494DF}">
-                <a14:hiddenLine xmlns:a14="http://schemas.microsoft.com/office/drawing/2010/main" xmlns="" w="9525">
+                <a14:hiddenLine xmlns="" xmlns:a14="http://schemas.microsoft.com/office/drawing/2010/main" w="9525">
                   <a:solidFill>
                     <a:schemeClr val="tx1"/>
                   </a:solidFill>
@@ -4290,7 +4290,7 @@
                 </a14:hiddenLine>
               </a:ext>
               <a:ext uri="{AF507438-7753-43e0-B8FC-AC1667EBCBE1}">
-                <a14:hiddenEffects xmlns:a14="http://schemas.microsoft.com/office/drawing/2010/main" xmlns="">
+                <a14:hiddenEffects xmlns="" xmlns:a14="http://schemas.microsoft.com/office/drawing/2010/main">
                   <a:effectLst>
                     <a:outerShdw blurRad="63500" dist="38099" dir="2700000" algn="ctr" rotWithShape="0">
                       <a:schemeClr val="bg2">
@@ -4339,12 +4339,12 @@
           <a:effectLst/>
           <a:extLst>
             <a:ext uri="{909E8E84-426E-40dd-AFC4-6F175D3DCCD1}">
-              <a14:hiddenFill xmlns:a14="http://schemas.microsoft.com/office/drawing/2010/main" xmlns="">
+              <a14:hiddenFill xmlns="" xmlns:a14="http://schemas.microsoft.com/office/drawing/2010/main">
                 <a:noFill/>
               </a14:hiddenFill>
             </a:ext>
             <a:ext uri="{AF507438-7753-43e0-B8FC-AC1667EBCBE1}">
-              <a14:hiddenEffects xmlns:a14="http://schemas.microsoft.com/office/drawing/2010/main" xmlns="">
+              <a14:hiddenEffects xmlns="" xmlns:a14="http://schemas.microsoft.com/office/drawing/2010/main">
                 <a:effectLst>
                   <a:outerShdw blurRad="63500" dist="38099" dir="2700000" algn="ctr" rotWithShape="0">
                     <a:schemeClr val="bg2">
@@ -6668,12 +6668,12 @@
           <a:effectLst/>
           <a:extLst>
             <a:ext uri="{909E8E84-426E-40dd-AFC4-6F175D3DCCD1}">
-              <a14:hiddenFill xmlns:a14="http://schemas.microsoft.com/office/drawing/2010/main" xmlns="">
+              <a14:hiddenFill xmlns="" xmlns:a14="http://schemas.microsoft.com/office/drawing/2010/main">
                 <a:noFill/>
               </a14:hiddenFill>
             </a:ext>
             <a:ext uri="{AF507438-7753-43e0-B8FC-AC1667EBCBE1}">
-              <a14:hiddenEffects xmlns:a14="http://schemas.microsoft.com/office/drawing/2010/main" xmlns="">
+              <a14:hiddenEffects xmlns="" xmlns:a14="http://schemas.microsoft.com/office/drawing/2010/main">
                 <a:effectLst>
                   <a:outerShdw blurRad="63500" dist="38099" dir="2700000" algn="ctr" rotWithShape="0">
                     <a:schemeClr val="bg2">
@@ -6718,17 +6718,17 @@
           <a:effectLst/>
           <a:extLst>
             <a:ext uri="{FAA26D3D-D897-4be2-8F04-BA451C77F1D7}">
-              <ma14:placeholderFlag xmlns="" xmlns:ma14="http://schemas.microsoft.com/office/mac/drawingml/2011/main" val="1"/>
+              <ma14:placeholderFlag xmlns:ma14="http://schemas.microsoft.com/office/mac/drawingml/2011/main" xmlns="" val="1"/>
             </a:ext>
             <a:ext uri="{909E8E84-426E-40dd-AFC4-6F175D3DCCD1}">
-              <a14:hiddenFill xmlns:a14="http://schemas.microsoft.com/office/drawing/2010/main" xmlns="">
+              <a14:hiddenFill xmlns="" xmlns:a14="http://schemas.microsoft.com/office/drawing/2010/main">
                 <a:solidFill>
                   <a:schemeClr val="accent1"/>
                 </a:solidFill>
               </a14:hiddenFill>
             </a:ext>
             <a:ext uri="{91240B29-F687-4f45-9708-019B960494DF}">
-              <a14:hiddenLine xmlns:a14="http://schemas.microsoft.com/office/drawing/2010/main" xmlns="" w="9525">
+              <a14:hiddenLine xmlns="" xmlns:a14="http://schemas.microsoft.com/office/drawing/2010/main" w="9525">
                 <a:solidFill>
                   <a:schemeClr val="tx1"/>
                 </a:solidFill>
@@ -6738,7 +6738,7 @@
               </a14:hiddenLine>
             </a:ext>
             <a:ext uri="{AF507438-7753-43e0-B8FC-AC1667EBCBE1}">
-              <a14:hiddenEffects xmlns:a14="http://schemas.microsoft.com/office/drawing/2010/main" xmlns="">
+              <a14:hiddenEffects xmlns="" xmlns:a14="http://schemas.microsoft.com/office/drawing/2010/main">
                 <a:effectLst>
                   <a:outerShdw blurRad="63500" dist="38099" dir="2700000" algn="ctr" rotWithShape="0">
                     <a:schemeClr val="bg2">
@@ -6791,17 +6791,17 @@
           <a:effectLst/>
           <a:extLst>
             <a:ext uri="{FAA26D3D-D897-4be2-8F04-BA451C77F1D7}">
-              <ma14:placeholderFlag xmlns="" xmlns:ma14="http://schemas.microsoft.com/office/mac/drawingml/2011/main" val="1"/>
+              <ma14:placeholderFlag xmlns:ma14="http://schemas.microsoft.com/office/mac/drawingml/2011/main" xmlns="" val="1"/>
             </a:ext>
             <a:ext uri="{909E8E84-426E-40dd-AFC4-6F175D3DCCD1}">
-              <a14:hiddenFill xmlns:a14="http://schemas.microsoft.com/office/drawing/2010/main" xmlns="">
+              <a14:hiddenFill xmlns="" xmlns:a14="http://schemas.microsoft.com/office/drawing/2010/main">
                 <a:solidFill>
                   <a:schemeClr val="accent1"/>
                 </a:solidFill>
               </a14:hiddenFill>
             </a:ext>
             <a:ext uri="{91240B29-F687-4f45-9708-019B960494DF}">
-              <a14:hiddenLine xmlns:a14="http://schemas.microsoft.com/office/drawing/2010/main" xmlns="" w="9525">
+              <a14:hiddenLine xmlns="" xmlns:a14="http://schemas.microsoft.com/office/drawing/2010/main" w="9525">
                 <a:solidFill>
                   <a:schemeClr val="tx1"/>
                 </a:solidFill>
@@ -6811,7 +6811,7 @@
               </a14:hiddenLine>
             </a:ext>
             <a:ext uri="{AF507438-7753-43e0-B8FC-AC1667EBCBE1}">
-              <a14:hiddenEffects xmlns:a14="http://schemas.microsoft.com/office/drawing/2010/main" xmlns="">
+              <a14:hiddenEffects xmlns="" xmlns:a14="http://schemas.microsoft.com/office/drawing/2010/main">
                 <a:effectLst>
                   <a:outerShdw blurRad="63500" dist="38099" dir="2700000" algn="ctr" rotWithShape="0">
                     <a:schemeClr val="bg2">
@@ -6892,17 +6892,17 @@
           <a:effectLst/>
           <a:extLst>
             <a:ext uri="{FAA26D3D-D897-4be2-8F04-BA451C77F1D7}">
-              <ma14:placeholderFlag xmlns="" xmlns:ma14="http://schemas.microsoft.com/office/mac/drawingml/2011/main" val="1"/>
+              <ma14:placeholderFlag xmlns:ma14="http://schemas.microsoft.com/office/mac/drawingml/2011/main" xmlns="" val="1"/>
             </a:ext>
             <a:ext uri="{909E8E84-426E-40dd-AFC4-6F175D3DCCD1}">
-              <a14:hiddenFill xmlns:a14="http://schemas.microsoft.com/office/drawing/2010/main" xmlns="">
+              <a14:hiddenFill xmlns="" xmlns:a14="http://schemas.microsoft.com/office/drawing/2010/main">
                 <a:solidFill>
                   <a:schemeClr val="accent1"/>
                 </a:solidFill>
               </a14:hiddenFill>
             </a:ext>
             <a:ext uri="{91240B29-F687-4f45-9708-019B960494DF}">
-              <a14:hiddenLine xmlns:a14="http://schemas.microsoft.com/office/drawing/2010/main" xmlns="" w="9525">
+              <a14:hiddenLine xmlns="" xmlns:a14="http://schemas.microsoft.com/office/drawing/2010/main" w="9525">
                 <a:solidFill>
                   <a:schemeClr val="tx1"/>
                 </a:solidFill>
@@ -6912,7 +6912,7 @@
               </a14:hiddenLine>
             </a:ext>
             <a:ext uri="{AF507438-7753-43e0-B8FC-AC1667EBCBE1}">
-              <a14:hiddenEffects xmlns:a14="http://schemas.microsoft.com/office/drawing/2010/main" xmlns="">
+              <a14:hiddenEffects xmlns="" xmlns:a14="http://schemas.microsoft.com/office/drawing/2010/main">
                 <a:effectLst>
                   <a:outerShdw blurRad="63500" dist="38099" dir="2700000" algn="ctr" rotWithShape="0">
                     <a:schemeClr val="bg2">
@@ -6965,17 +6965,17 @@
           <a:effectLst/>
           <a:extLst>
             <a:ext uri="{FAA26D3D-D897-4be2-8F04-BA451C77F1D7}">
-              <ma14:placeholderFlag xmlns="" xmlns:ma14="http://schemas.microsoft.com/office/mac/drawingml/2011/main" val="1"/>
+              <ma14:placeholderFlag xmlns:ma14="http://schemas.microsoft.com/office/mac/drawingml/2011/main" xmlns="" val="1"/>
             </a:ext>
             <a:ext uri="{909E8E84-426E-40dd-AFC4-6F175D3DCCD1}">
-              <a14:hiddenFill xmlns:a14="http://schemas.microsoft.com/office/drawing/2010/main" xmlns="">
+              <a14:hiddenFill xmlns="" xmlns:a14="http://schemas.microsoft.com/office/drawing/2010/main">
                 <a:solidFill>
                   <a:schemeClr val="accent1"/>
                 </a:solidFill>
               </a14:hiddenFill>
             </a:ext>
             <a:ext uri="{91240B29-F687-4f45-9708-019B960494DF}">
-              <a14:hiddenLine xmlns:a14="http://schemas.microsoft.com/office/drawing/2010/main" xmlns="" w="9525">
+              <a14:hiddenLine xmlns="" xmlns:a14="http://schemas.microsoft.com/office/drawing/2010/main" w="9525">
                 <a:solidFill>
                   <a:schemeClr val="tx1"/>
                 </a:solidFill>
@@ -6985,7 +6985,7 @@
               </a14:hiddenLine>
             </a:ext>
             <a:ext uri="{AF507438-7753-43e0-B8FC-AC1667EBCBE1}">
-              <a14:hiddenEffects xmlns:a14="http://schemas.microsoft.com/office/drawing/2010/main" xmlns="">
+              <a14:hiddenEffects xmlns="" xmlns:a14="http://schemas.microsoft.com/office/drawing/2010/main">
                 <a:effectLst>
                   <a:outerShdw blurRad="63500" dist="38099" dir="2700000" algn="ctr" rotWithShape="0">
                     <a:schemeClr val="bg2">
@@ -7038,17 +7038,17 @@
           <a:effectLst/>
           <a:extLst>
             <a:ext uri="{FAA26D3D-D897-4be2-8F04-BA451C77F1D7}">
-              <ma14:placeholderFlag xmlns="" xmlns:ma14="http://schemas.microsoft.com/office/mac/drawingml/2011/main" val="1"/>
+              <ma14:placeholderFlag xmlns:ma14="http://schemas.microsoft.com/office/mac/drawingml/2011/main" xmlns="" val="1"/>
             </a:ext>
             <a:ext uri="{909E8E84-426E-40dd-AFC4-6F175D3DCCD1}">
-              <a14:hiddenFill xmlns:a14="http://schemas.microsoft.com/office/drawing/2010/main" xmlns="">
+              <a14:hiddenFill xmlns="" xmlns:a14="http://schemas.microsoft.com/office/drawing/2010/main">
                 <a:solidFill>
                   <a:schemeClr val="accent1"/>
                 </a:solidFill>
               </a14:hiddenFill>
             </a:ext>
             <a:ext uri="{91240B29-F687-4f45-9708-019B960494DF}">
-              <a14:hiddenLine xmlns:a14="http://schemas.microsoft.com/office/drawing/2010/main" xmlns="" w="9525">
+              <a14:hiddenLine xmlns="" xmlns:a14="http://schemas.microsoft.com/office/drawing/2010/main" w="9525">
                 <a:solidFill>
                   <a:schemeClr val="tx1"/>
                 </a:solidFill>
@@ -7058,7 +7058,7 @@
               </a14:hiddenLine>
             </a:ext>
             <a:ext uri="{AF507438-7753-43e0-B8FC-AC1667EBCBE1}">
-              <a14:hiddenEffects xmlns:a14="http://schemas.microsoft.com/office/drawing/2010/main" xmlns="">
+              <a14:hiddenEffects xmlns="" xmlns:a14="http://schemas.microsoft.com/office/drawing/2010/main">
                 <a:effectLst>
                   <a:outerShdw blurRad="63500" dist="38099" dir="2700000" algn="ctr" rotWithShape="0">
                     <a:schemeClr val="bg2">
@@ -7132,7 +7132,7 @@
             <a:effectLst/>
             <a:extLst>
               <a:ext uri="{91240B29-F687-4f45-9708-019B960494DF}">
-                <a14:hiddenLine xmlns:a14="http://schemas.microsoft.com/office/drawing/2010/main" xmlns="" w="9525">
+                <a14:hiddenLine xmlns="" xmlns:a14="http://schemas.microsoft.com/office/drawing/2010/main" w="9525">
                   <a:solidFill>
                     <a:schemeClr val="tx1"/>
                   </a:solidFill>
@@ -7142,7 +7142,7 @@
                 </a14:hiddenLine>
               </a:ext>
               <a:ext uri="{AF507438-7753-43e0-B8FC-AC1667EBCBE1}">
-                <a14:hiddenEffects xmlns:a14="http://schemas.microsoft.com/office/drawing/2010/main" xmlns="">
+                <a14:hiddenEffects xmlns="" xmlns:a14="http://schemas.microsoft.com/office/drawing/2010/main">
                   <a:effectLst>
                     <a:outerShdw blurRad="63500" dist="38099" dir="2700000" algn="ctr" rotWithShape="0">
                       <a:schemeClr val="bg2">
@@ -7187,7 +7187,7 @@
             <a:effectLst/>
             <a:extLst>
               <a:ext uri="{91240B29-F687-4f45-9708-019B960494DF}">
-                <a14:hiddenLine xmlns:a14="http://schemas.microsoft.com/office/drawing/2010/main" xmlns="" w="9525">
+                <a14:hiddenLine xmlns="" xmlns:a14="http://schemas.microsoft.com/office/drawing/2010/main" w="9525">
                   <a:solidFill>
                     <a:schemeClr val="tx1"/>
                   </a:solidFill>
@@ -7197,7 +7197,7 @@
                 </a14:hiddenLine>
               </a:ext>
               <a:ext uri="{AF507438-7753-43e0-B8FC-AC1667EBCBE1}">
-                <a14:hiddenEffects xmlns:a14="http://schemas.microsoft.com/office/drawing/2010/main" xmlns="">
+                <a14:hiddenEffects xmlns="" xmlns:a14="http://schemas.microsoft.com/office/drawing/2010/main">
                   <a:effectLst>
                     <a:outerShdw blurRad="63500" dist="38099" dir="2700000" algn="ctr" rotWithShape="0">
                       <a:schemeClr val="bg2">
@@ -7242,7 +7242,7 @@
             <a:effectLst/>
             <a:extLst>
               <a:ext uri="{91240B29-F687-4f45-9708-019B960494DF}">
-                <a14:hiddenLine xmlns:a14="http://schemas.microsoft.com/office/drawing/2010/main" xmlns="" w="9525">
+                <a14:hiddenLine xmlns="" xmlns:a14="http://schemas.microsoft.com/office/drawing/2010/main" w="9525">
                   <a:solidFill>
                     <a:schemeClr val="tx1"/>
                   </a:solidFill>
@@ -7252,7 +7252,7 @@
                 </a14:hiddenLine>
               </a:ext>
               <a:ext uri="{AF507438-7753-43e0-B8FC-AC1667EBCBE1}">
-                <a14:hiddenEffects xmlns:a14="http://schemas.microsoft.com/office/drawing/2010/main" xmlns="">
+                <a14:hiddenEffects xmlns="" xmlns:a14="http://schemas.microsoft.com/office/drawing/2010/main">
                   <a:effectLst>
                     <a:outerShdw blurRad="63500" dist="38099" dir="2700000" algn="ctr" rotWithShape="0">
                       <a:schemeClr val="bg2">
@@ -7297,7 +7297,7 @@
             <a:effectLst/>
             <a:extLst>
               <a:ext uri="{91240B29-F687-4f45-9708-019B960494DF}">
-                <a14:hiddenLine xmlns:a14="http://schemas.microsoft.com/office/drawing/2010/main" xmlns="" w="9525">
+                <a14:hiddenLine xmlns="" xmlns:a14="http://schemas.microsoft.com/office/drawing/2010/main" w="9525">
                   <a:solidFill>
                     <a:schemeClr val="tx1"/>
                   </a:solidFill>
@@ -7307,7 +7307,7 @@
                 </a14:hiddenLine>
               </a:ext>
               <a:ext uri="{AF507438-7753-43e0-B8FC-AC1667EBCBE1}">
-                <a14:hiddenEffects xmlns:a14="http://schemas.microsoft.com/office/drawing/2010/main" xmlns="">
+                <a14:hiddenEffects xmlns="" xmlns:a14="http://schemas.microsoft.com/office/drawing/2010/main">
                   <a:effectLst>
                     <a:outerShdw blurRad="63500" dist="38099" dir="2700000" algn="ctr" rotWithShape="0">
                       <a:schemeClr val="bg2">
@@ -7352,7 +7352,7 @@
             <a:effectLst/>
             <a:extLst>
               <a:ext uri="{91240B29-F687-4f45-9708-019B960494DF}">
-                <a14:hiddenLine xmlns:a14="http://schemas.microsoft.com/office/drawing/2010/main" xmlns="" w="9525">
+                <a14:hiddenLine xmlns="" xmlns:a14="http://schemas.microsoft.com/office/drawing/2010/main" w="9525">
                   <a:solidFill>
                     <a:schemeClr val="tx1"/>
                   </a:solidFill>
@@ -7362,7 +7362,7 @@
                 </a14:hiddenLine>
               </a:ext>
               <a:ext uri="{AF507438-7753-43e0-B8FC-AC1667EBCBE1}">
-                <a14:hiddenEffects xmlns:a14="http://schemas.microsoft.com/office/drawing/2010/main" xmlns="">
+                <a14:hiddenEffects xmlns="" xmlns:a14="http://schemas.microsoft.com/office/drawing/2010/main">
                   <a:effectLst>
                     <a:outerShdw blurRad="63500" dist="38099" dir="2700000" algn="ctr" rotWithShape="0">
                       <a:schemeClr val="bg2">
@@ -7407,7 +7407,7 @@
             <a:effectLst/>
             <a:extLst>
               <a:ext uri="{91240B29-F687-4f45-9708-019B960494DF}">
-                <a14:hiddenLine xmlns:a14="http://schemas.microsoft.com/office/drawing/2010/main" xmlns="" w="9525">
+                <a14:hiddenLine xmlns="" xmlns:a14="http://schemas.microsoft.com/office/drawing/2010/main" w="9525">
                   <a:solidFill>
                     <a:schemeClr val="tx1"/>
                   </a:solidFill>
@@ -7417,7 +7417,7 @@
                 </a14:hiddenLine>
               </a:ext>
               <a:ext uri="{AF507438-7753-43e0-B8FC-AC1667EBCBE1}">
-                <a14:hiddenEffects xmlns:a14="http://schemas.microsoft.com/office/drawing/2010/main" xmlns="">
+                <a14:hiddenEffects xmlns="" xmlns:a14="http://schemas.microsoft.com/office/drawing/2010/main">
                   <a:effectLst>
                     <a:outerShdw blurRad="63500" dist="38099" dir="2700000" algn="ctr" rotWithShape="0">
                       <a:schemeClr val="bg2">
@@ -7462,7 +7462,7 @@
             <a:effectLst/>
             <a:extLst>
               <a:ext uri="{91240B29-F687-4f45-9708-019B960494DF}">
-                <a14:hiddenLine xmlns:a14="http://schemas.microsoft.com/office/drawing/2010/main" xmlns="" w="9525">
+                <a14:hiddenLine xmlns="" xmlns:a14="http://schemas.microsoft.com/office/drawing/2010/main" w="9525">
                   <a:solidFill>
                     <a:schemeClr val="tx1"/>
                   </a:solidFill>
@@ -7472,7 +7472,7 @@
                 </a14:hiddenLine>
               </a:ext>
               <a:ext uri="{AF507438-7753-43e0-B8FC-AC1667EBCBE1}">
-                <a14:hiddenEffects xmlns:a14="http://schemas.microsoft.com/office/drawing/2010/main" xmlns="">
+                <a14:hiddenEffects xmlns="" xmlns:a14="http://schemas.microsoft.com/office/drawing/2010/main">
                   <a:effectLst>
                     <a:outerShdw blurRad="63500" dist="38099" dir="2700000" algn="ctr" rotWithShape="0">
                       <a:schemeClr val="bg2">
@@ -7517,7 +7517,7 @@
             <a:effectLst/>
             <a:extLst>
               <a:ext uri="{91240B29-F687-4f45-9708-019B960494DF}">
-                <a14:hiddenLine xmlns:a14="http://schemas.microsoft.com/office/drawing/2010/main" xmlns="" w="9525">
+                <a14:hiddenLine xmlns="" xmlns:a14="http://schemas.microsoft.com/office/drawing/2010/main" w="9525">
                   <a:solidFill>
                     <a:schemeClr val="tx1"/>
                   </a:solidFill>
@@ -7527,7 +7527,7 @@
                 </a14:hiddenLine>
               </a:ext>
               <a:ext uri="{AF507438-7753-43e0-B8FC-AC1667EBCBE1}">
-                <a14:hiddenEffects xmlns:a14="http://schemas.microsoft.com/office/drawing/2010/main" xmlns="">
+                <a14:hiddenEffects xmlns="" xmlns:a14="http://schemas.microsoft.com/office/drawing/2010/main">
                   <a:effectLst>
                     <a:outerShdw blurRad="63500" dist="38099" dir="2700000" algn="ctr" rotWithShape="0">
                       <a:schemeClr val="bg2">
@@ -7572,7 +7572,7 @@
             <a:effectLst/>
             <a:extLst>
               <a:ext uri="{91240B29-F687-4f45-9708-019B960494DF}">
-                <a14:hiddenLine xmlns:a14="http://schemas.microsoft.com/office/drawing/2010/main" xmlns="" w="9525">
+                <a14:hiddenLine xmlns="" xmlns:a14="http://schemas.microsoft.com/office/drawing/2010/main" w="9525">
                   <a:solidFill>
                     <a:schemeClr val="tx1"/>
                   </a:solidFill>
@@ -7582,7 +7582,7 @@
                 </a14:hiddenLine>
               </a:ext>
               <a:ext uri="{AF507438-7753-43e0-B8FC-AC1667EBCBE1}">
-                <a14:hiddenEffects xmlns:a14="http://schemas.microsoft.com/office/drawing/2010/main" xmlns="">
+                <a14:hiddenEffects xmlns="" xmlns:a14="http://schemas.microsoft.com/office/drawing/2010/main">
                   <a:effectLst>
                     <a:outerShdw blurRad="63500" dist="38099" dir="2700000" algn="ctr" rotWithShape="0">
                       <a:schemeClr val="bg2">
@@ -7627,7 +7627,7 @@
             <a:effectLst/>
             <a:extLst>
               <a:ext uri="{91240B29-F687-4f45-9708-019B960494DF}">
-                <a14:hiddenLine xmlns:a14="http://schemas.microsoft.com/office/drawing/2010/main" xmlns="" w="9525">
+                <a14:hiddenLine xmlns="" xmlns:a14="http://schemas.microsoft.com/office/drawing/2010/main" w="9525">
                   <a:solidFill>
                     <a:schemeClr val="tx1"/>
                   </a:solidFill>
@@ -7637,7 +7637,7 @@
                 </a14:hiddenLine>
               </a:ext>
               <a:ext uri="{AF507438-7753-43e0-B8FC-AC1667EBCBE1}">
-                <a14:hiddenEffects xmlns:a14="http://schemas.microsoft.com/office/drawing/2010/main" xmlns="">
+                <a14:hiddenEffects xmlns="" xmlns:a14="http://schemas.microsoft.com/office/drawing/2010/main">
                   <a:effectLst>
                     <a:outerShdw blurRad="63500" dist="38099" dir="2700000" algn="ctr" rotWithShape="0">
                       <a:schemeClr val="bg2">
@@ -7682,7 +7682,7 @@
             <a:effectLst/>
             <a:extLst>
               <a:ext uri="{91240B29-F687-4f45-9708-019B960494DF}">
-                <a14:hiddenLine xmlns:a14="http://schemas.microsoft.com/office/drawing/2010/main" xmlns="" w="9525">
+                <a14:hiddenLine xmlns="" xmlns:a14="http://schemas.microsoft.com/office/drawing/2010/main" w="9525">
                   <a:solidFill>
                     <a:schemeClr val="tx1"/>
                   </a:solidFill>
@@ -7692,7 +7692,7 @@
                 </a14:hiddenLine>
               </a:ext>
               <a:ext uri="{AF507438-7753-43e0-B8FC-AC1667EBCBE1}">
-                <a14:hiddenEffects xmlns:a14="http://schemas.microsoft.com/office/drawing/2010/main" xmlns="">
+                <a14:hiddenEffects xmlns="" xmlns:a14="http://schemas.microsoft.com/office/drawing/2010/main">
                   <a:effectLst>
                     <a:outerShdw blurRad="63500" dist="38099" dir="2700000" algn="ctr" rotWithShape="0">
                       <a:schemeClr val="bg2">
@@ -7737,7 +7737,7 @@
             <a:effectLst/>
             <a:extLst>
               <a:ext uri="{91240B29-F687-4f45-9708-019B960494DF}">
-                <a14:hiddenLine xmlns:a14="http://schemas.microsoft.com/office/drawing/2010/main" xmlns="" w="9525">
+                <a14:hiddenLine xmlns="" xmlns:a14="http://schemas.microsoft.com/office/drawing/2010/main" w="9525">
                   <a:solidFill>
                     <a:schemeClr val="tx1"/>
                   </a:solidFill>
@@ -7747,7 +7747,7 @@
                 </a14:hiddenLine>
               </a:ext>
               <a:ext uri="{AF507438-7753-43e0-B8FC-AC1667EBCBE1}">
-                <a14:hiddenEffects xmlns:a14="http://schemas.microsoft.com/office/drawing/2010/main" xmlns="">
+                <a14:hiddenEffects xmlns="" xmlns:a14="http://schemas.microsoft.com/office/drawing/2010/main">
                   <a:effectLst>
                     <a:outerShdw blurRad="63500" dist="38099" dir="2700000" algn="ctr" rotWithShape="0">
                       <a:schemeClr val="bg2">
@@ -7792,7 +7792,7 @@
             <a:effectLst/>
             <a:extLst>
               <a:ext uri="{91240B29-F687-4f45-9708-019B960494DF}">
-                <a14:hiddenLine xmlns:a14="http://schemas.microsoft.com/office/drawing/2010/main" xmlns="" w="9525">
+                <a14:hiddenLine xmlns="" xmlns:a14="http://schemas.microsoft.com/office/drawing/2010/main" w="9525">
                   <a:solidFill>
                     <a:schemeClr val="tx1"/>
                   </a:solidFill>
@@ -7802,7 +7802,7 @@
                 </a14:hiddenLine>
               </a:ext>
               <a:ext uri="{AF507438-7753-43e0-B8FC-AC1667EBCBE1}">
-                <a14:hiddenEffects xmlns:a14="http://schemas.microsoft.com/office/drawing/2010/main" xmlns="">
+                <a14:hiddenEffects xmlns="" xmlns:a14="http://schemas.microsoft.com/office/drawing/2010/main">
                   <a:effectLst>
                     <a:outerShdw blurRad="63500" dist="38099" dir="2700000" algn="ctr" rotWithShape="0">
                       <a:schemeClr val="bg2">
@@ -7847,7 +7847,7 @@
             <a:effectLst/>
             <a:extLst>
               <a:ext uri="{91240B29-F687-4f45-9708-019B960494DF}">
-                <a14:hiddenLine xmlns:a14="http://schemas.microsoft.com/office/drawing/2010/main" xmlns="" w="9525">
+                <a14:hiddenLine xmlns="" xmlns:a14="http://schemas.microsoft.com/office/drawing/2010/main" w="9525">
                   <a:solidFill>
                     <a:schemeClr val="tx1"/>
                   </a:solidFill>
@@ -7857,7 +7857,7 @@
                 </a14:hiddenLine>
               </a:ext>
               <a:ext uri="{AF507438-7753-43e0-B8FC-AC1667EBCBE1}">
-                <a14:hiddenEffects xmlns:a14="http://schemas.microsoft.com/office/drawing/2010/main" xmlns="">
+                <a14:hiddenEffects xmlns="" xmlns:a14="http://schemas.microsoft.com/office/drawing/2010/main">
                   <a:effectLst>
                     <a:outerShdw blurRad="63500" dist="38099" dir="2700000" algn="ctr" rotWithShape="0">
                       <a:schemeClr val="bg2">
@@ -7902,7 +7902,7 @@
             <a:effectLst/>
             <a:extLst>
               <a:ext uri="{91240B29-F687-4f45-9708-019B960494DF}">
-                <a14:hiddenLine xmlns:a14="http://schemas.microsoft.com/office/drawing/2010/main" xmlns="" w="9525">
+                <a14:hiddenLine xmlns="" xmlns:a14="http://schemas.microsoft.com/office/drawing/2010/main" w="9525">
                   <a:solidFill>
                     <a:schemeClr val="tx1"/>
                   </a:solidFill>
@@ -7912,7 +7912,7 @@
                 </a14:hiddenLine>
               </a:ext>
               <a:ext uri="{AF507438-7753-43e0-B8FC-AC1667EBCBE1}">
-                <a14:hiddenEffects xmlns:a14="http://schemas.microsoft.com/office/drawing/2010/main" xmlns="">
+                <a14:hiddenEffects xmlns="" xmlns:a14="http://schemas.microsoft.com/office/drawing/2010/main">
                   <a:effectLst>
                     <a:outerShdw blurRad="63500" dist="38099" dir="2700000" algn="ctr" rotWithShape="0">
                       <a:schemeClr val="bg2">
@@ -7957,7 +7957,7 @@
             <a:effectLst/>
             <a:extLst>
               <a:ext uri="{91240B29-F687-4f45-9708-019B960494DF}">
-                <a14:hiddenLine xmlns:a14="http://schemas.microsoft.com/office/drawing/2010/main" xmlns="" w="9525">
+                <a14:hiddenLine xmlns="" xmlns:a14="http://schemas.microsoft.com/office/drawing/2010/main" w="9525">
                   <a:solidFill>
                     <a:schemeClr val="tx1"/>
                   </a:solidFill>
@@ -7967,7 +7967,7 @@
                 </a14:hiddenLine>
               </a:ext>
               <a:ext uri="{AF507438-7753-43e0-B8FC-AC1667EBCBE1}">
-                <a14:hiddenEffects xmlns:a14="http://schemas.microsoft.com/office/drawing/2010/main" xmlns="">
+                <a14:hiddenEffects xmlns="" xmlns:a14="http://schemas.microsoft.com/office/drawing/2010/main">
                   <a:effectLst>
                     <a:outerShdw blurRad="63500" dist="38099" dir="2700000" algn="ctr" rotWithShape="0">
                       <a:schemeClr val="bg2">
@@ -8012,7 +8012,7 @@
             <a:effectLst/>
             <a:extLst>
               <a:ext uri="{91240B29-F687-4f45-9708-019B960494DF}">
-                <a14:hiddenLine xmlns:a14="http://schemas.microsoft.com/office/drawing/2010/main" xmlns="" w="9525">
+                <a14:hiddenLine xmlns="" xmlns:a14="http://schemas.microsoft.com/office/drawing/2010/main" w="9525">
                   <a:solidFill>
                     <a:schemeClr val="tx1"/>
                   </a:solidFill>
@@ -8022,7 +8022,7 @@
                 </a14:hiddenLine>
               </a:ext>
               <a:ext uri="{AF507438-7753-43e0-B8FC-AC1667EBCBE1}">
-                <a14:hiddenEffects xmlns:a14="http://schemas.microsoft.com/office/drawing/2010/main" xmlns="">
+                <a14:hiddenEffects xmlns="" xmlns:a14="http://schemas.microsoft.com/office/drawing/2010/main">
                   <a:effectLst>
                     <a:outerShdw blurRad="63500" dist="38099" dir="2700000" algn="ctr" rotWithShape="0">
                       <a:schemeClr val="bg2">
@@ -8067,7 +8067,7 @@
             <a:effectLst/>
             <a:extLst>
               <a:ext uri="{91240B29-F687-4f45-9708-019B960494DF}">
-                <a14:hiddenLine xmlns:a14="http://schemas.microsoft.com/office/drawing/2010/main" xmlns="" w="9525">
+                <a14:hiddenLine xmlns="" xmlns:a14="http://schemas.microsoft.com/office/drawing/2010/main" w="9525">
                   <a:solidFill>
                     <a:schemeClr val="tx1"/>
                   </a:solidFill>
@@ -8077,7 +8077,7 @@
                 </a14:hiddenLine>
               </a:ext>
               <a:ext uri="{AF507438-7753-43e0-B8FC-AC1667EBCBE1}">
-                <a14:hiddenEffects xmlns:a14="http://schemas.microsoft.com/office/drawing/2010/main" xmlns="">
+                <a14:hiddenEffects xmlns="" xmlns:a14="http://schemas.microsoft.com/office/drawing/2010/main">
                   <a:effectLst>
                     <a:outerShdw blurRad="63500" dist="38099" dir="2700000" algn="ctr" rotWithShape="0">
                       <a:schemeClr val="bg2">
@@ -8122,7 +8122,7 @@
             <a:effectLst/>
             <a:extLst>
               <a:ext uri="{91240B29-F687-4f45-9708-019B960494DF}">
-                <a14:hiddenLine xmlns:a14="http://schemas.microsoft.com/office/drawing/2010/main" xmlns="" w="9525">
+                <a14:hiddenLine xmlns="" xmlns:a14="http://schemas.microsoft.com/office/drawing/2010/main" w="9525">
                   <a:solidFill>
                     <a:schemeClr val="tx1"/>
                   </a:solidFill>
@@ -8132,7 +8132,7 @@
                 </a14:hiddenLine>
               </a:ext>
               <a:ext uri="{AF507438-7753-43e0-B8FC-AC1667EBCBE1}">
-                <a14:hiddenEffects xmlns:a14="http://schemas.microsoft.com/office/drawing/2010/main" xmlns="">
+                <a14:hiddenEffects xmlns="" xmlns:a14="http://schemas.microsoft.com/office/drawing/2010/main">
                   <a:effectLst>
                     <a:outerShdw blurRad="63500" dist="38099" dir="2700000" algn="ctr" rotWithShape="0">
                       <a:schemeClr val="bg2">
@@ -8177,7 +8177,7 @@
             <a:effectLst/>
             <a:extLst>
               <a:ext uri="{91240B29-F687-4f45-9708-019B960494DF}">
-                <a14:hiddenLine xmlns:a14="http://schemas.microsoft.com/office/drawing/2010/main" xmlns="" w="9525">
+                <a14:hiddenLine xmlns="" xmlns:a14="http://schemas.microsoft.com/office/drawing/2010/main" w="9525">
                   <a:solidFill>
                     <a:schemeClr val="tx1"/>
                   </a:solidFill>
@@ -8187,7 +8187,7 @@
                 </a14:hiddenLine>
               </a:ext>
               <a:ext uri="{AF507438-7753-43e0-B8FC-AC1667EBCBE1}">
-                <a14:hiddenEffects xmlns:a14="http://schemas.microsoft.com/office/drawing/2010/main" xmlns="">
+                <a14:hiddenEffects xmlns="" xmlns:a14="http://schemas.microsoft.com/office/drawing/2010/main">
                   <a:effectLst>
                     <a:outerShdw blurRad="63500" dist="38099" dir="2700000" algn="ctr" rotWithShape="0">
                       <a:schemeClr val="bg2">
@@ -8232,7 +8232,7 @@
             <a:effectLst/>
             <a:extLst>
               <a:ext uri="{91240B29-F687-4f45-9708-019B960494DF}">
-                <a14:hiddenLine xmlns:a14="http://schemas.microsoft.com/office/drawing/2010/main" xmlns="" w="9525">
+                <a14:hiddenLine xmlns="" xmlns:a14="http://schemas.microsoft.com/office/drawing/2010/main" w="9525">
                   <a:solidFill>
                     <a:schemeClr val="tx1"/>
                   </a:solidFill>
@@ -8242,7 +8242,7 @@
                 </a14:hiddenLine>
               </a:ext>
               <a:ext uri="{AF507438-7753-43e0-B8FC-AC1667EBCBE1}">
-                <a14:hiddenEffects xmlns:a14="http://schemas.microsoft.com/office/drawing/2010/main" xmlns="">
+                <a14:hiddenEffects xmlns="" xmlns:a14="http://schemas.microsoft.com/office/drawing/2010/main">
                   <a:effectLst>
                     <a:outerShdw blurRad="63500" dist="38099" dir="2700000" algn="ctr" rotWithShape="0">
                       <a:schemeClr val="bg2">
@@ -8287,7 +8287,7 @@
             <a:effectLst/>
             <a:extLst>
               <a:ext uri="{91240B29-F687-4f45-9708-019B960494DF}">
-                <a14:hiddenLine xmlns:a14="http://schemas.microsoft.com/office/drawing/2010/main" xmlns="" w="9525">
+                <a14:hiddenLine xmlns="" xmlns:a14="http://schemas.microsoft.com/office/drawing/2010/main" w="9525">
                   <a:solidFill>
                     <a:schemeClr val="tx1"/>
                   </a:solidFill>
@@ -8297,7 +8297,7 @@
                 </a14:hiddenLine>
               </a:ext>
               <a:ext uri="{AF507438-7753-43e0-B8FC-AC1667EBCBE1}">
-                <a14:hiddenEffects xmlns:a14="http://schemas.microsoft.com/office/drawing/2010/main" xmlns="">
+                <a14:hiddenEffects xmlns="" xmlns:a14="http://schemas.microsoft.com/office/drawing/2010/main">
                   <a:effectLst>
                     <a:outerShdw blurRad="63500" dist="38099" dir="2700000" algn="ctr" rotWithShape="0">
                       <a:schemeClr val="bg2">
@@ -8342,7 +8342,7 @@
             <a:effectLst/>
             <a:extLst>
               <a:ext uri="{91240B29-F687-4f45-9708-019B960494DF}">
-                <a14:hiddenLine xmlns:a14="http://schemas.microsoft.com/office/drawing/2010/main" xmlns="" w="9525">
+                <a14:hiddenLine xmlns="" xmlns:a14="http://schemas.microsoft.com/office/drawing/2010/main" w="9525">
                   <a:solidFill>
                     <a:schemeClr val="tx1"/>
                   </a:solidFill>
@@ -8352,7 +8352,7 @@
                 </a14:hiddenLine>
               </a:ext>
               <a:ext uri="{AF507438-7753-43e0-B8FC-AC1667EBCBE1}">
-                <a14:hiddenEffects xmlns:a14="http://schemas.microsoft.com/office/drawing/2010/main" xmlns="">
+                <a14:hiddenEffects xmlns="" xmlns:a14="http://schemas.microsoft.com/office/drawing/2010/main">
                   <a:effectLst>
                     <a:outerShdw blurRad="63500" dist="38099" dir="2700000" algn="ctr" rotWithShape="0">
                       <a:schemeClr val="bg2">
@@ -8397,7 +8397,7 @@
             <a:effectLst/>
             <a:extLst>
               <a:ext uri="{91240B29-F687-4f45-9708-019B960494DF}">
-                <a14:hiddenLine xmlns:a14="http://schemas.microsoft.com/office/drawing/2010/main" xmlns="" w="9525">
+                <a14:hiddenLine xmlns="" xmlns:a14="http://schemas.microsoft.com/office/drawing/2010/main" w="9525">
                   <a:solidFill>
                     <a:schemeClr val="tx1"/>
                   </a:solidFill>
@@ -8407,7 +8407,7 @@
                 </a14:hiddenLine>
               </a:ext>
               <a:ext uri="{AF507438-7753-43e0-B8FC-AC1667EBCBE1}">
-                <a14:hiddenEffects xmlns:a14="http://schemas.microsoft.com/office/drawing/2010/main" xmlns="">
+                <a14:hiddenEffects xmlns="" xmlns:a14="http://schemas.microsoft.com/office/drawing/2010/main">
                   <a:effectLst>
                     <a:outerShdw blurRad="63500" dist="38099" dir="2700000" algn="ctr" rotWithShape="0">
                       <a:schemeClr val="bg2">
@@ -8452,7 +8452,7 @@
             <a:effectLst/>
             <a:extLst>
               <a:ext uri="{91240B29-F687-4f45-9708-019B960494DF}">
-                <a14:hiddenLine xmlns:a14="http://schemas.microsoft.com/office/drawing/2010/main" xmlns="" w="9525">
+                <a14:hiddenLine xmlns="" xmlns:a14="http://schemas.microsoft.com/office/drawing/2010/main" w="9525">
                   <a:solidFill>
                     <a:schemeClr val="tx1"/>
                   </a:solidFill>
@@ -8462,7 +8462,7 @@
                 </a14:hiddenLine>
               </a:ext>
               <a:ext uri="{AF507438-7753-43e0-B8FC-AC1667EBCBE1}">
-                <a14:hiddenEffects xmlns:a14="http://schemas.microsoft.com/office/drawing/2010/main" xmlns="">
+                <a14:hiddenEffects xmlns="" xmlns:a14="http://schemas.microsoft.com/office/drawing/2010/main">
                   <a:effectLst>
                     <a:outerShdw blurRad="63500" dist="38099" dir="2700000" algn="ctr" rotWithShape="0">
                       <a:schemeClr val="bg2">
@@ -8507,7 +8507,7 @@
             <a:effectLst/>
             <a:extLst>
               <a:ext uri="{91240B29-F687-4f45-9708-019B960494DF}">
-                <a14:hiddenLine xmlns:a14="http://schemas.microsoft.com/office/drawing/2010/main" xmlns="" w="9525">
+                <a14:hiddenLine xmlns="" xmlns:a14="http://schemas.microsoft.com/office/drawing/2010/main" w="9525">
                   <a:solidFill>
                     <a:schemeClr val="tx1"/>
                   </a:solidFill>
@@ -8517,7 +8517,7 @@
                 </a14:hiddenLine>
               </a:ext>
               <a:ext uri="{AF507438-7753-43e0-B8FC-AC1667EBCBE1}">
-                <a14:hiddenEffects xmlns:a14="http://schemas.microsoft.com/office/drawing/2010/main" xmlns="">
+                <a14:hiddenEffects xmlns="" xmlns:a14="http://schemas.microsoft.com/office/drawing/2010/main">
                   <a:effectLst>
                     <a:outerShdw blurRad="63500" dist="38099" dir="2700000" algn="ctr" rotWithShape="0">
                       <a:schemeClr val="bg2">
@@ -8562,7 +8562,7 @@
             <a:effectLst/>
             <a:extLst>
               <a:ext uri="{91240B29-F687-4f45-9708-019B960494DF}">
-                <a14:hiddenLine xmlns:a14="http://schemas.microsoft.com/office/drawing/2010/main" xmlns="" w="9525">
+                <a14:hiddenLine xmlns="" xmlns:a14="http://schemas.microsoft.com/office/drawing/2010/main" w="9525">
                   <a:solidFill>
                     <a:schemeClr val="tx1"/>
                   </a:solidFill>
@@ -8572,7 +8572,7 @@
                 </a14:hiddenLine>
               </a:ext>
               <a:ext uri="{AF507438-7753-43e0-B8FC-AC1667EBCBE1}">
-                <a14:hiddenEffects xmlns:a14="http://schemas.microsoft.com/office/drawing/2010/main" xmlns="">
+                <a14:hiddenEffects xmlns="" xmlns:a14="http://schemas.microsoft.com/office/drawing/2010/main">
                   <a:effectLst>
                     <a:outerShdw blurRad="63500" dist="38099" dir="2700000" algn="ctr" rotWithShape="0">
                       <a:schemeClr val="bg2">
@@ -8617,7 +8617,7 @@
             <a:effectLst/>
             <a:extLst>
               <a:ext uri="{91240B29-F687-4f45-9708-019B960494DF}">
-                <a14:hiddenLine xmlns:a14="http://schemas.microsoft.com/office/drawing/2010/main" xmlns="" w="9525">
+                <a14:hiddenLine xmlns="" xmlns:a14="http://schemas.microsoft.com/office/drawing/2010/main" w="9525">
                   <a:solidFill>
                     <a:schemeClr val="tx1"/>
                   </a:solidFill>
@@ -8627,7 +8627,7 @@
                 </a14:hiddenLine>
               </a:ext>
               <a:ext uri="{AF507438-7753-43e0-B8FC-AC1667EBCBE1}">
-                <a14:hiddenEffects xmlns:a14="http://schemas.microsoft.com/office/drawing/2010/main" xmlns="">
+                <a14:hiddenEffects xmlns="" xmlns:a14="http://schemas.microsoft.com/office/drawing/2010/main">
                   <a:effectLst>
                     <a:outerShdw blurRad="63500" dist="38099" dir="2700000" algn="ctr" rotWithShape="0">
                       <a:schemeClr val="bg2">
@@ -8672,7 +8672,7 @@
             <a:effectLst/>
             <a:extLst>
               <a:ext uri="{91240B29-F687-4f45-9708-019B960494DF}">
-                <a14:hiddenLine xmlns:a14="http://schemas.microsoft.com/office/drawing/2010/main" xmlns="" w="9525">
+                <a14:hiddenLine xmlns="" xmlns:a14="http://schemas.microsoft.com/office/drawing/2010/main" w="9525">
                   <a:solidFill>
                     <a:schemeClr val="tx1"/>
                   </a:solidFill>
@@ -8682,7 +8682,7 @@
                 </a14:hiddenLine>
               </a:ext>
               <a:ext uri="{AF507438-7753-43e0-B8FC-AC1667EBCBE1}">
-                <a14:hiddenEffects xmlns:a14="http://schemas.microsoft.com/office/drawing/2010/main" xmlns="">
+                <a14:hiddenEffects xmlns="" xmlns:a14="http://schemas.microsoft.com/office/drawing/2010/main">
                   <a:effectLst>
                     <a:outerShdw blurRad="63500" dist="38099" dir="2700000" algn="ctr" rotWithShape="0">
                       <a:schemeClr val="bg2">
@@ -8727,7 +8727,7 @@
             <a:effectLst/>
             <a:extLst>
               <a:ext uri="{91240B29-F687-4f45-9708-019B960494DF}">
-                <a14:hiddenLine xmlns:a14="http://schemas.microsoft.com/office/drawing/2010/main" xmlns="" w="9525">
+                <a14:hiddenLine xmlns="" xmlns:a14="http://schemas.microsoft.com/office/drawing/2010/main" w="9525">
                   <a:solidFill>
                     <a:schemeClr val="tx1"/>
                   </a:solidFill>
@@ -8737,7 +8737,7 @@
                 </a14:hiddenLine>
               </a:ext>
               <a:ext uri="{AF507438-7753-43e0-B8FC-AC1667EBCBE1}">
-                <a14:hiddenEffects xmlns:a14="http://schemas.microsoft.com/office/drawing/2010/main" xmlns="">
+                <a14:hiddenEffects xmlns="" xmlns:a14="http://schemas.microsoft.com/office/drawing/2010/main">
                   <a:effectLst>
                     <a:outerShdw blurRad="63500" dist="38099" dir="2700000" algn="ctr" rotWithShape="0">
                       <a:schemeClr val="bg2">
@@ -8782,7 +8782,7 @@
             <a:effectLst/>
             <a:extLst>
               <a:ext uri="{91240B29-F687-4f45-9708-019B960494DF}">
-                <a14:hiddenLine xmlns:a14="http://schemas.microsoft.com/office/drawing/2010/main" xmlns="" w="9525">
+                <a14:hiddenLine xmlns="" xmlns:a14="http://schemas.microsoft.com/office/drawing/2010/main" w="9525">
                   <a:solidFill>
                     <a:schemeClr val="tx1"/>
                   </a:solidFill>
@@ -8792,7 +8792,7 @@
                 </a14:hiddenLine>
               </a:ext>
               <a:ext uri="{AF507438-7753-43e0-B8FC-AC1667EBCBE1}">
-                <a14:hiddenEffects xmlns:a14="http://schemas.microsoft.com/office/drawing/2010/main" xmlns="">
+                <a14:hiddenEffects xmlns="" xmlns:a14="http://schemas.microsoft.com/office/drawing/2010/main">
                   <a:effectLst>
                     <a:outerShdw blurRad="63500" dist="38099" dir="2700000" algn="ctr" rotWithShape="0">
                       <a:schemeClr val="bg2">
@@ -9862,7 +9862,7 @@
           </a:ln>
           <a:extLst>
             <a:ext uri="{909E8E84-426E-40dd-AFC4-6F175D3DCCD1}">
-              <a14:hiddenFill xmlns:a14="http://schemas.microsoft.com/office/drawing/2010/main" xmlns="">
+              <a14:hiddenFill xmlns="" xmlns:a14="http://schemas.microsoft.com/office/drawing/2010/main">
                 <a:noFill/>
               </a14:hiddenFill>
             </a:ext>
@@ -9891,14 +9891,14 @@
           </a:ln>
           <a:extLst>
             <a:ext uri="{909E8E84-426E-40dd-AFC4-6F175D3DCCD1}">
-              <a14:hiddenFill xmlns:a14="http://schemas.microsoft.com/office/drawing/2010/main" xmlns="">
+              <a14:hiddenFill xmlns="" xmlns:a14="http://schemas.microsoft.com/office/drawing/2010/main">
                 <a:solidFill>
                   <a:schemeClr val="accent1"/>
                 </a:solidFill>
               </a14:hiddenFill>
             </a:ext>
             <a:ext uri="{91240B29-F687-4f45-9708-019B960494DF}">
-              <a14:hiddenLine xmlns:a14="http://schemas.microsoft.com/office/drawing/2010/main" xmlns="" w="9525">
+              <a14:hiddenLine xmlns="" xmlns:a14="http://schemas.microsoft.com/office/drawing/2010/main" w="9525">
                 <a:solidFill>
                   <a:schemeClr val="tx1"/>
                 </a:solidFill>
@@ -9948,14 +9948,14 @@
           </a:ln>
           <a:extLst>
             <a:ext uri="{909E8E84-426E-40dd-AFC4-6F175D3DCCD1}">
-              <a14:hiddenFill xmlns:a14="http://schemas.microsoft.com/office/drawing/2010/main" xmlns="">
+              <a14:hiddenFill xmlns="" xmlns:a14="http://schemas.microsoft.com/office/drawing/2010/main">
                 <a:solidFill>
                   <a:schemeClr val="accent1"/>
                 </a:solidFill>
               </a14:hiddenFill>
             </a:ext>
             <a:ext uri="{91240B29-F687-4f45-9708-019B960494DF}">
-              <a14:hiddenLine xmlns:a14="http://schemas.microsoft.com/office/drawing/2010/main" xmlns="" w="9525">
+              <a14:hiddenLine xmlns="" xmlns:a14="http://schemas.microsoft.com/office/drawing/2010/main" w="9525">
                 <a:solidFill>
                   <a:schemeClr val="tx1"/>
                 </a:solidFill>
@@ -10780,7 +10780,7 @@
           <a:effectLst/>
           <a:extLst>
             <a:ext uri="{AF507438-7753-43e0-B8FC-AC1667EBCBE1}">
-              <a14:hiddenEffects xmlns:a14="http://schemas.microsoft.com/office/drawing/2010/main" xmlns="">
+              <a14:hiddenEffects xmlns="" xmlns:a14="http://schemas.microsoft.com/office/drawing/2010/main">
                 <a:effectLst>
                   <a:outerShdw blurRad="63500" dist="38099" dir="2700000" algn="ctr" rotWithShape="0">
                     <a:schemeClr val="bg2">
@@ -10968,7 +10968,7 @@
           </a:ln>
           <a:extLst>
             <a:ext uri="{909E8E84-426E-40dd-AFC4-6F175D3DCCD1}">
-              <a14:hiddenFill xmlns:a14="http://schemas.microsoft.com/office/drawing/2010/main" xmlns="">
+              <a14:hiddenFill xmlns="" xmlns:a14="http://schemas.microsoft.com/office/drawing/2010/main">
                 <a:solidFill>
                   <a:schemeClr val="accent1"/>
                 </a:solidFill>
@@ -12856,14 +12856,14 @@
           </a:ln>
           <a:extLst>
             <a:ext uri="{909E8E84-426E-40dd-AFC4-6F175D3DCCD1}">
-              <a14:hiddenFill xmlns:a14="http://schemas.microsoft.com/office/drawing/2010/main" xmlns="">
+              <a14:hiddenFill xmlns="" xmlns:a14="http://schemas.microsoft.com/office/drawing/2010/main">
                 <a:solidFill>
                   <a:schemeClr val="accent1"/>
                 </a:solidFill>
               </a14:hiddenFill>
             </a:ext>
             <a:ext uri="{91240B29-F687-4f45-9708-019B960494DF}">
-              <a14:hiddenLine xmlns:a14="http://schemas.microsoft.com/office/drawing/2010/main" xmlns="" w="9525">
+              <a14:hiddenLine xmlns="" xmlns:a14="http://schemas.microsoft.com/office/drawing/2010/main" w="9525">
                 <a:solidFill>
                   <a:schemeClr val="tx1"/>
                 </a:solidFill>
@@ -12898,15 +12898,7 @@
             </a:r>
             <a:r>
               <a:rPr lang="en-US" sz="1600" dirty="0"/>
-              <a:t>	</a:t>
-            </a:r>
-            <a:r>
-              <a:rPr lang="en-US" sz="1600" dirty="0" err="1"/>
-              <a:t>pexp</a:t>
-            </a:r>
-            <a:r>
-              <a:rPr lang="en-US" sz="1600" dirty="0"/>
-              <a:t> ;</a:t>
+              <a:t>	p exp ;</a:t>
             </a:r>
           </a:p>
           <a:p>
@@ -13194,14 +13186,14 @@
           </a:ln>
           <a:extLst>
             <a:ext uri="{909E8E84-426E-40dd-AFC4-6F175D3DCCD1}">
-              <a14:hiddenFill xmlns:a14="http://schemas.microsoft.com/office/drawing/2010/main" xmlns="">
+              <a14:hiddenFill xmlns="" xmlns:a14="http://schemas.microsoft.com/office/drawing/2010/main">
                 <a:solidFill>
                   <a:schemeClr val="accent1"/>
                 </a:solidFill>
               </a14:hiddenFill>
             </a:ext>
             <a:ext uri="{91240B29-F687-4f45-9708-019B960494DF}">
-              <a14:hiddenLine xmlns:a14="http://schemas.microsoft.com/office/drawing/2010/main" xmlns="" w="9525">
+              <a14:hiddenLine xmlns="" xmlns:a14="http://schemas.microsoft.com/office/drawing/2010/main" w="9525">
                 <a:solidFill>
                   <a:schemeClr val="tx1"/>
                 </a:solidFill>
@@ -13626,14 +13618,14 @@
           </a:ln>
           <a:extLst>
             <a:ext uri="{909E8E84-426E-40dd-AFC4-6F175D3DCCD1}">
-              <a14:hiddenFill xmlns:a14="http://schemas.microsoft.com/office/drawing/2010/main" xmlns="">
+              <a14:hiddenFill xmlns="" xmlns:a14="http://schemas.microsoft.com/office/drawing/2010/main">
                 <a:solidFill>
                   <a:schemeClr val="accent1"/>
                 </a:solidFill>
               </a14:hiddenFill>
             </a:ext>
             <a:ext uri="{91240B29-F687-4f45-9708-019B960494DF}">
-              <a14:hiddenLine xmlns:a14="http://schemas.microsoft.com/office/drawing/2010/main" xmlns="" w="9525">
+              <a14:hiddenLine xmlns="" xmlns:a14="http://schemas.microsoft.com/office/drawing/2010/main" w="9525">
                 <a:solidFill>
                   <a:schemeClr val="tx1"/>
                 </a:solidFill>
@@ -13993,14 +13985,14 @@
           </a:ln>
           <a:extLst>
             <a:ext uri="{909E8E84-426E-40dd-AFC4-6F175D3DCCD1}">
-              <a14:hiddenFill xmlns:a14="http://schemas.microsoft.com/office/drawing/2010/main" xmlns="">
+              <a14:hiddenFill xmlns="" xmlns:a14="http://schemas.microsoft.com/office/drawing/2010/main">
                 <a:solidFill>
                   <a:schemeClr val="accent1"/>
                 </a:solidFill>
               </a14:hiddenFill>
             </a:ext>
             <a:ext uri="{91240B29-F687-4f45-9708-019B960494DF}">
-              <a14:hiddenLine xmlns:a14="http://schemas.microsoft.com/office/drawing/2010/main" xmlns="" w="9525">
+              <a14:hiddenLine xmlns="" xmlns:a14="http://schemas.microsoft.com/office/drawing/2010/main" w="9525">
                 <a:solidFill>
                   <a:schemeClr val="tx1"/>
                 </a:solidFill>
@@ -14323,14 +14315,14 @@
           </a:ln>
           <a:extLst>
             <a:ext uri="{909E8E84-426E-40dd-AFC4-6F175D3DCCD1}">
-              <a14:hiddenFill xmlns:a14="http://schemas.microsoft.com/office/drawing/2010/main" xmlns="">
+              <a14:hiddenFill xmlns="" xmlns:a14="http://schemas.microsoft.com/office/drawing/2010/main">
                 <a:solidFill>
                   <a:schemeClr val="accent1"/>
                 </a:solidFill>
               </a14:hiddenFill>
             </a:ext>
             <a:ext uri="{91240B29-F687-4f45-9708-019B960494DF}">
-              <a14:hiddenLine xmlns:a14="http://schemas.microsoft.com/office/drawing/2010/main" xmlns="" w="9525">
+              <a14:hiddenLine xmlns="" xmlns:a14="http://schemas.microsoft.com/office/drawing/2010/main" w="9525">
                 <a:solidFill>
                   <a:schemeClr val="tx1"/>
                 </a:solidFill>
@@ -14357,31 +14349,7 @@
                   <a:srgbClr val="FF0000"/>
                 </a:solidFill>
               </a:rPr>
-              <a:t>{ </a:t>
-            </a:r>
-            <a:r>
-              <a:rPr lang="ja-JP" altLang="en-US" dirty="0">
-                <a:solidFill>
-                  <a:srgbClr val="FF0000"/>
-                </a:solidFill>
-              </a:rPr>
-              <a:t>‘</a:t>
-            </a:r>
-            <a:r>
-              <a:rPr lang="en-US" dirty="0">
-                <a:solidFill>
-                  <a:srgbClr val="FF0000"/>
-                </a:solidFill>
-              </a:rPr>
-              <a:t>0</a:t>
-            </a:r>
-            <a:r>
-              <a:rPr lang="ja-JP" altLang="en-US" dirty="0">
-                <a:solidFill>
-                  <a:srgbClr val="FF0000"/>
-                </a:solidFill>
-              </a:rPr>
-              <a:t>’</a:t>
+              <a:t>{ 0</a:t>
             </a:r>
             <a:r>
               <a:rPr lang="en-US" altLang="ja-JP" dirty="0">
@@ -14401,7 +14369,7 @@
             </a:r>
             <a:r>
               <a:rPr lang="en-US" dirty="0"/>
-              <a:t>‘0’ | </a:t>
+              <a:t>0 | </a:t>
             </a:r>
             <a:r>
               <a:rPr lang="en-US" dirty="0">
@@ -14412,40 +14380,16 @@
               <a:t>{ </a:t>
             </a:r>
             <a:r>
-              <a:rPr lang="ja-JP" altLang="en-US" dirty="0">
-                <a:solidFill>
-                  <a:srgbClr val="FF0000"/>
-                </a:solidFill>
-              </a:rPr>
-              <a:t>‘</a:t>
-            </a:r>
-            <a:r>
               <a:rPr lang="en-US" altLang="ja-JP" dirty="0">
                 <a:solidFill>
                   <a:srgbClr val="FF0000"/>
                 </a:solidFill>
               </a:rPr>
-              <a:t>1</a:t>
-            </a:r>
-            <a:r>
-              <a:rPr lang="ja-JP" altLang="en-US" dirty="0">
-                <a:solidFill>
-                  <a:srgbClr val="FF0000"/>
-                </a:solidFill>
-              </a:rPr>
-              <a:t>’</a:t>
-            </a:r>
-            <a:r>
-              <a:rPr lang="en-US" altLang="ja-JP" dirty="0">
-                <a:solidFill>
-                  <a:srgbClr val="FF0000"/>
-                </a:solidFill>
-              </a:rPr>
-              <a:t> } </a:t>
+              <a:t>1 } </a:t>
             </a:r>
             <a:r>
               <a:rPr lang="en-US" dirty="0"/>
-              <a:t>‘1’ | … | </a:t>
+              <a:t>1 | … | </a:t>
             </a:r>
             <a:r>
               <a:rPr lang="en-US" dirty="0">
@@ -14456,40 +14400,16 @@
               <a:t>{ </a:t>
             </a:r>
             <a:r>
-              <a:rPr lang="ja-JP" altLang="en-US" dirty="0">
-                <a:solidFill>
-                  <a:srgbClr val="FF0000"/>
-                </a:solidFill>
-              </a:rPr>
-              <a:t>‘</a:t>
-            </a:r>
-            <a:r>
               <a:rPr lang="en-US" altLang="ja-JP" dirty="0">
                 <a:solidFill>
                   <a:srgbClr val="FF0000"/>
                 </a:solidFill>
               </a:rPr>
+              <a:t>9 } </a:t>
+            </a:r>
+            <a:r>
+              <a:rPr lang="en-US" dirty="0"/>
               <a:t>9</a:t>
-            </a:r>
-            <a:r>
-              <a:rPr lang="ja-JP" altLang="en-US" dirty="0">
-                <a:solidFill>
-                  <a:srgbClr val="FF0000"/>
-                </a:solidFill>
-              </a:rPr>
-              <a:t>’</a:t>
-            </a:r>
-            <a:r>
-              <a:rPr lang="en-US" altLang="ja-JP" dirty="0">
-                <a:solidFill>
-                  <a:srgbClr val="FF0000"/>
-                </a:solidFill>
-              </a:rPr>
-              <a:t> } </a:t>
-            </a:r>
-            <a:r>
-              <a:rPr lang="en-US" dirty="0"/>
-              <a:t>'9'</a:t>
             </a:r>
           </a:p>
           <a:p>
@@ -14981,7 +14901,7 @@
           <a:effectLst/>
           <a:extLst>
             <a:ext uri="{AF507438-7753-43e0-B8FC-AC1667EBCBE1}">
-              <a14:hiddenEffects xmlns="" xmlns:a14="http://schemas.microsoft.com/office/drawing/2010/main">
+              <a14:hiddenEffects xmlns:a14="http://schemas.microsoft.com/office/drawing/2010/main" xmlns="">
                 <a:effectLst>
                   <a:outerShdw blurRad="63500" dist="38099" dir="2700000" algn="ctr" rotWithShape="0">
                     <a:schemeClr val="bg2">
@@ -15727,7 +15647,7 @@
           <a:effectLst/>
           <a:extLst>
             <a:ext uri="{AF507438-7753-43e0-B8FC-AC1667EBCBE1}">
-              <a14:hiddenEffects xmlns="" xmlns:a14="http://schemas.microsoft.com/office/drawing/2010/main">
+              <a14:hiddenEffects xmlns:a14="http://schemas.microsoft.com/office/drawing/2010/main" xmlns="">
                 <a:effectLst>
                   <a:outerShdw blurRad="63500" dist="38099" dir="2700000" algn="ctr" rotWithShape="0">
                     <a:schemeClr val="bg2">
@@ -15813,7 +15733,7 @@
           <a:effectLst/>
           <a:extLst>
             <a:ext uri="{AF507438-7753-43e0-B8FC-AC1667EBCBE1}">
-              <a14:hiddenEffects xmlns="" xmlns:a14="http://schemas.microsoft.com/office/drawing/2010/main">
+              <a14:hiddenEffects xmlns:a14="http://schemas.microsoft.com/office/drawing/2010/main" xmlns="">
                 <a:effectLst>
                   <a:outerShdw blurRad="63500" dist="38099" dir="2700000" algn="ctr" rotWithShape="0">
                     <a:schemeClr val="bg2">
@@ -15899,7 +15819,7 @@
           <a:effectLst/>
           <a:extLst>
             <a:ext uri="{AF507438-7753-43e0-B8FC-AC1667EBCBE1}">
-              <a14:hiddenEffects xmlns="" xmlns:a14="http://schemas.microsoft.com/office/drawing/2010/main">
+              <a14:hiddenEffects xmlns:a14="http://schemas.microsoft.com/office/drawing/2010/main" xmlns="">
                 <a:effectLst>
                   <a:outerShdw blurRad="63500" dist="38099" dir="2700000" algn="ctr" rotWithShape="0">
                     <a:schemeClr val="bg2">
@@ -16020,7 +15940,7 @@
           <a:effectLst/>
           <a:extLst>
             <a:ext uri="{AF507438-7753-43e0-B8FC-AC1667EBCBE1}">
-              <a14:hiddenEffects xmlns="" xmlns:a14="http://schemas.microsoft.com/office/drawing/2010/main">
+              <a14:hiddenEffects xmlns:a14="http://schemas.microsoft.com/office/drawing/2010/main" xmlns="">
                 <a:effectLst>
                   <a:outerShdw blurRad="63500" dist="38099" dir="2700000" algn="ctr" rotWithShape="0">
                     <a:schemeClr val="bg2">
@@ -16951,7 +16871,7 @@
           </a:ln>
           <a:extLst>
             <a:ext uri="{909E8E84-426E-40dd-AFC4-6F175D3DCCD1}">
-              <a14:hiddenFill xmlns:a14="http://schemas.microsoft.com/office/drawing/2010/main" xmlns="">
+              <a14:hiddenFill xmlns="" xmlns:a14="http://schemas.microsoft.com/office/drawing/2010/main">
                 <a:solidFill>
                   <a:schemeClr val="accent1"/>
                 </a:solidFill>
@@ -17154,14 +17074,14 @@
           </a:ln>
           <a:extLst>
             <a:ext uri="{909E8E84-426E-40dd-AFC4-6F175D3DCCD1}">
-              <a14:hiddenFill xmlns:a14="http://schemas.microsoft.com/office/drawing/2010/main" xmlns="">
+              <a14:hiddenFill xmlns="" xmlns:a14="http://schemas.microsoft.com/office/drawing/2010/main">
                 <a:solidFill>
                   <a:schemeClr val="accent1"/>
                 </a:solidFill>
               </a14:hiddenFill>
             </a:ext>
             <a:ext uri="{91240B29-F687-4f45-9708-019B960494DF}">
-              <a14:hiddenLine xmlns:a14="http://schemas.microsoft.com/office/drawing/2010/main" xmlns="" w="9525">
+              <a14:hiddenLine xmlns="" xmlns:a14="http://schemas.microsoft.com/office/drawing/2010/main" w="9525">
                 <a:solidFill>
                   <a:schemeClr val="tx1"/>
                 </a:solidFill>
@@ -17688,7 +17608,7 @@
           <a:effectLst/>
           <a:extLst>
             <a:ext uri="{AF507438-7753-43e0-B8FC-AC1667EBCBE1}">
-              <a14:hiddenEffects xmlns:a14="http://schemas.microsoft.com/office/drawing/2010/main" xmlns="">
+              <a14:hiddenEffects xmlns="" xmlns:a14="http://schemas.microsoft.com/office/drawing/2010/main">
                 <a:effectLst>
                   <a:outerShdw blurRad="63500" dist="38099" dir="2700000" algn="ctr" rotWithShape="0">
                     <a:schemeClr val="bg2">
@@ -17732,7 +17652,7 @@
           <a:effectLst/>
           <a:extLst>
             <a:ext uri="{AF507438-7753-43e0-B8FC-AC1667EBCBE1}">
-              <a14:hiddenEffects xmlns:a14="http://schemas.microsoft.com/office/drawing/2010/main" xmlns="">
+              <a14:hiddenEffects xmlns="" xmlns:a14="http://schemas.microsoft.com/office/drawing/2010/main">
                 <a:effectLst>
                   <a:outerShdw blurRad="63500" dist="38099" dir="2700000" algn="ctr" rotWithShape="0">
                     <a:schemeClr val="bg2">
@@ -17777,7 +17697,7 @@
           <a:effectLst/>
           <a:extLst>
             <a:ext uri="{AF507438-7753-43e0-B8FC-AC1667EBCBE1}">
-              <a14:hiddenEffects xmlns:a14="http://schemas.microsoft.com/office/drawing/2010/main" xmlns="">
+              <a14:hiddenEffects xmlns="" xmlns:a14="http://schemas.microsoft.com/office/drawing/2010/main">
                 <a:effectLst>
                   <a:outerShdw blurRad="63500" dist="38099" dir="2700000" algn="ctr" rotWithShape="0">
                     <a:schemeClr val="bg2">
@@ -17822,7 +17742,7 @@
           <a:effectLst/>
           <a:extLst>
             <a:ext uri="{AF507438-7753-43e0-B8FC-AC1667EBCBE1}">
-              <a14:hiddenEffects xmlns:a14="http://schemas.microsoft.com/office/drawing/2010/main" xmlns="">
+              <a14:hiddenEffects xmlns="" xmlns:a14="http://schemas.microsoft.com/office/drawing/2010/main">
                 <a:effectLst>
                   <a:outerShdw blurRad="63500" dist="38099" dir="2700000" algn="ctr" rotWithShape="0">
                     <a:schemeClr val="bg2">
@@ -17867,7 +17787,7 @@
           <a:effectLst/>
           <a:extLst>
             <a:ext uri="{AF507438-7753-43e0-B8FC-AC1667EBCBE1}">
-              <a14:hiddenEffects xmlns:a14="http://schemas.microsoft.com/office/drawing/2010/main" xmlns="">
+              <a14:hiddenEffects xmlns="" xmlns:a14="http://schemas.microsoft.com/office/drawing/2010/main">
                 <a:effectLst>
                   <a:outerShdw blurRad="63500" dist="38099" dir="2700000" algn="ctr" rotWithShape="0">
                     <a:schemeClr val="bg2">
@@ -17912,7 +17832,7 @@
           <a:effectLst/>
           <a:extLst>
             <a:ext uri="{AF507438-7753-43e0-B8FC-AC1667EBCBE1}">
-              <a14:hiddenEffects xmlns:a14="http://schemas.microsoft.com/office/drawing/2010/main" xmlns="">
+              <a14:hiddenEffects xmlns="" xmlns:a14="http://schemas.microsoft.com/office/drawing/2010/main">
                 <a:effectLst>
                   <a:outerShdw blurRad="63500" dist="38099" dir="2700000" algn="ctr" rotWithShape="0">
                     <a:schemeClr val="bg2">
@@ -17958,7 +17878,7 @@
           <a:effectLst/>
           <a:extLst>
             <a:ext uri="{AF507438-7753-43e0-B8FC-AC1667EBCBE1}">
-              <a14:hiddenEffects xmlns:a14="http://schemas.microsoft.com/office/drawing/2010/main" xmlns="">
+              <a14:hiddenEffects xmlns="" xmlns:a14="http://schemas.microsoft.com/office/drawing/2010/main">
                 <a:effectLst>
                   <a:outerShdw blurRad="63500" dist="38099" dir="2700000" algn="ctr" rotWithShape="0">
                     <a:schemeClr val="bg2">
@@ -18361,7 +18281,7 @@
           <a:effectLst/>
           <a:extLst>
             <a:ext uri="{AF507438-7753-43e0-B8FC-AC1667EBCBE1}">
-              <a14:hiddenEffects xmlns:a14="http://schemas.microsoft.com/office/drawing/2010/main" xmlns="">
+              <a14:hiddenEffects xmlns="" xmlns:a14="http://schemas.microsoft.com/office/drawing/2010/main">
                 <a:effectLst>
                   <a:outerShdw blurRad="63500" dist="38099" dir="2700000" algn="ctr" rotWithShape="0">
                     <a:schemeClr val="bg2">
@@ -18406,7 +18326,7 @@
           <a:effectLst/>
           <a:extLst>
             <a:ext uri="{AF507438-7753-43e0-B8FC-AC1667EBCBE1}">
-              <a14:hiddenEffects xmlns:a14="http://schemas.microsoft.com/office/drawing/2010/main" xmlns="">
+              <a14:hiddenEffects xmlns="" xmlns:a14="http://schemas.microsoft.com/office/drawing/2010/main">
                 <a:effectLst>
                   <a:outerShdw blurRad="63500" dist="38099" dir="2700000" algn="ctr" rotWithShape="0">
                     <a:schemeClr val="bg2">
@@ -18493,7 +18413,7 @@
           <a:effectLst/>
           <a:extLst>
             <a:ext uri="{AF507438-7753-43e0-B8FC-AC1667EBCBE1}">
-              <a14:hiddenEffects xmlns="" xmlns:a14="http://schemas.microsoft.com/office/drawing/2010/main">
+              <a14:hiddenEffects xmlns:a14="http://schemas.microsoft.com/office/drawing/2010/main" xmlns="">
                 <a:effectLst>
                   <a:outerShdw blurRad="63500" dist="38099" dir="2700000" algn="ctr" rotWithShape="0">
                     <a:schemeClr val="bg2">
@@ -18539,7 +18459,7 @@
           </a:ln>
           <a:extLst>
             <a:ext uri="{909E8E84-426E-40dd-AFC4-6F175D3DCCD1}">
-              <a14:hiddenFill xmlns:a14="http://schemas.microsoft.com/office/drawing/2010/main" xmlns="">
+              <a14:hiddenFill xmlns="" xmlns:a14="http://schemas.microsoft.com/office/drawing/2010/main">
                 <a:solidFill>
                   <a:schemeClr val="accent1"/>
                 </a:solidFill>
@@ -18979,7 +18899,7 @@
         <a:effectLst/>
         <a:extLst>
           <a:ext uri="{AF507438-7753-43e0-B8FC-AC1667EBCBE1}">
-            <a14:hiddenEffects xmlns:a14="http://schemas.microsoft.com/office/drawing/2010/main" xmlns="">
+            <a14:hiddenEffects xmlns="" xmlns:a14="http://schemas.microsoft.com/office/drawing/2010/main">
               <a:effectLst>
                 <a:outerShdw blurRad="63500" dist="38099" dir="2700000" algn="ctr" rotWithShape="0">
                   <a:schemeClr val="bg2">
@@ -19056,7 +18976,7 @@
         <a:effectLst/>
         <a:extLst>
           <a:ext uri="{AF507438-7753-43e0-B8FC-AC1667EBCBE1}">
-            <a14:hiddenEffects xmlns:a14="http://schemas.microsoft.com/office/drawing/2010/main" xmlns="">
+            <a14:hiddenEffects xmlns="" xmlns:a14="http://schemas.microsoft.com/office/drawing/2010/main">
               <a:effectLst>
                 <a:outerShdw blurRad="63500" dist="38099" dir="2700000" algn="ctr" rotWithShape="0">
                   <a:schemeClr val="bg2">

--- a/notes/csc402-ln002.pptx
+++ b/notes/csc402-ln002.pptx
@@ -5,41 +5,42 @@
     <p:sldMasterId id="2147483649" r:id="rId1"/>
   </p:sldMasterIdLst>
   <p:notesMasterIdLst>
-    <p:notesMasterId r:id="rId34"/>
+    <p:notesMasterId r:id="rId35"/>
   </p:notesMasterIdLst>
   <p:sldIdLst>
     <p:sldId id="276" r:id="rId2"/>
-    <p:sldId id="256" r:id="rId3"/>
-    <p:sldId id="277" r:id="rId4"/>
-    <p:sldId id="257" r:id="rId5"/>
-    <p:sldId id="286" r:id="rId6"/>
-    <p:sldId id="287" r:id="rId7"/>
-    <p:sldId id="258" r:id="rId8"/>
-    <p:sldId id="259" r:id="rId9"/>
-    <p:sldId id="278" r:id="rId10"/>
-    <p:sldId id="260" r:id="rId11"/>
-    <p:sldId id="261" r:id="rId12"/>
-    <p:sldId id="262" r:id="rId13"/>
-    <p:sldId id="275" r:id="rId14"/>
-    <p:sldId id="279" r:id="rId15"/>
-    <p:sldId id="280" r:id="rId16"/>
-    <p:sldId id="282" r:id="rId17"/>
-    <p:sldId id="281" r:id="rId18"/>
-    <p:sldId id="263" r:id="rId19"/>
-    <p:sldId id="270" r:id="rId20"/>
-    <p:sldId id="283" r:id="rId21"/>
-    <p:sldId id="288" r:id="rId22"/>
-    <p:sldId id="265" r:id="rId23"/>
-    <p:sldId id="264" r:id="rId24"/>
-    <p:sldId id="267" r:id="rId25"/>
-    <p:sldId id="268" r:id="rId26"/>
-    <p:sldId id="269" r:id="rId27"/>
-    <p:sldId id="289" r:id="rId28"/>
-    <p:sldId id="290" r:id="rId29"/>
-    <p:sldId id="293" r:id="rId30"/>
-    <p:sldId id="291" r:id="rId31"/>
-    <p:sldId id="292" r:id="rId32"/>
-    <p:sldId id="273" r:id="rId33"/>
+    <p:sldId id="294" r:id="rId3"/>
+    <p:sldId id="256" r:id="rId4"/>
+    <p:sldId id="277" r:id="rId5"/>
+    <p:sldId id="257" r:id="rId6"/>
+    <p:sldId id="286" r:id="rId7"/>
+    <p:sldId id="287" r:id="rId8"/>
+    <p:sldId id="258" r:id="rId9"/>
+    <p:sldId id="259" r:id="rId10"/>
+    <p:sldId id="278" r:id="rId11"/>
+    <p:sldId id="260" r:id="rId12"/>
+    <p:sldId id="261" r:id="rId13"/>
+    <p:sldId id="262" r:id="rId14"/>
+    <p:sldId id="275" r:id="rId15"/>
+    <p:sldId id="279" r:id="rId16"/>
+    <p:sldId id="280" r:id="rId17"/>
+    <p:sldId id="282" r:id="rId18"/>
+    <p:sldId id="281" r:id="rId19"/>
+    <p:sldId id="263" r:id="rId20"/>
+    <p:sldId id="270" r:id="rId21"/>
+    <p:sldId id="283" r:id="rId22"/>
+    <p:sldId id="288" r:id="rId23"/>
+    <p:sldId id="265" r:id="rId24"/>
+    <p:sldId id="264" r:id="rId25"/>
+    <p:sldId id="267" r:id="rId26"/>
+    <p:sldId id="268" r:id="rId27"/>
+    <p:sldId id="269" r:id="rId28"/>
+    <p:sldId id="289" r:id="rId29"/>
+    <p:sldId id="290" r:id="rId30"/>
+    <p:sldId id="293" r:id="rId31"/>
+    <p:sldId id="291" r:id="rId32"/>
+    <p:sldId id="292" r:id="rId33"/>
+    <p:sldId id="273" r:id="rId34"/>
   </p:sldIdLst>
   <p:sldSz cx="9144000" cy="6858000" type="screen4x3"/>
   <p:notesSz cx="6858000" cy="9144000"/>
@@ -236,17 +237,17 @@
           </a:ln>
           <a:extLst>
             <a:ext uri="{FAA26D3D-D897-4be2-8F04-BA451C77F1D7}">
-              <ma14:placeholderFlag xmlns:ma14="http://schemas.microsoft.com/office/mac/drawingml/2011/main" xmlns="" val="1"/>
+              <ma14:placeholderFlag xmlns="" xmlns:ma14="http://schemas.microsoft.com/office/mac/drawingml/2011/main" val="1"/>
             </a:ext>
             <a:ext uri="{909E8E84-426E-40dd-AFC4-6F175D3DCCD1}">
-              <a14:hiddenFill xmlns="" xmlns:a14="http://schemas.microsoft.com/office/drawing/2010/main">
+              <a14:hiddenFill xmlns:a14="http://schemas.microsoft.com/office/drawing/2010/main" xmlns="">
                 <a:solidFill>
                   <a:schemeClr val="accent1"/>
                 </a:solidFill>
               </a14:hiddenFill>
             </a:ext>
             <a:ext uri="{91240B29-F687-4f45-9708-019B960494DF}">
-              <a14:hiddenLine xmlns="" xmlns:a14="http://schemas.microsoft.com/office/drawing/2010/main" w="9525">
+              <a14:hiddenLine xmlns:a14="http://schemas.microsoft.com/office/drawing/2010/main" xmlns="" w="9525">
                 <a:solidFill>
                   <a:schemeClr val="tx1"/>
                 </a:solidFill>
@@ -297,17 +298,17 @@
           </a:ln>
           <a:extLst>
             <a:ext uri="{FAA26D3D-D897-4be2-8F04-BA451C77F1D7}">
-              <ma14:placeholderFlag xmlns:ma14="http://schemas.microsoft.com/office/mac/drawingml/2011/main" xmlns="" val="1"/>
+              <ma14:placeholderFlag xmlns="" xmlns:ma14="http://schemas.microsoft.com/office/mac/drawingml/2011/main" val="1"/>
             </a:ext>
             <a:ext uri="{909E8E84-426E-40dd-AFC4-6F175D3DCCD1}">
-              <a14:hiddenFill xmlns="" xmlns:a14="http://schemas.microsoft.com/office/drawing/2010/main">
+              <a14:hiddenFill xmlns:a14="http://schemas.microsoft.com/office/drawing/2010/main" xmlns="">
                 <a:solidFill>
                   <a:schemeClr val="accent1"/>
                 </a:solidFill>
               </a14:hiddenFill>
             </a:ext>
             <a:ext uri="{91240B29-F687-4f45-9708-019B960494DF}">
-              <a14:hiddenLine xmlns="" xmlns:a14="http://schemas.microsoft.com/office/drawing/2010/main" w="9525">
+              <a14:hiddenLine xmlns:a14="http://schemas.microsoft.com/office/drawing/2010/main" xmlns="" w="9525">
                 <a:solidFill>
                   <a:schemeClr val="tx1"/>
                 </a:solidFill>
@@ -364,7 +365,7 @@
           <a:effectLst/>
           <a:extLst>
             <a:ext uri="{AF507438-7753-43e0-B8FC-AC1667EBCBE1}">
-              <a14:hiddenEffects xmlns="" xmlns:a14="http://schemas.microsoft.com/office/drawing/2010/main">
+              <a14:hiddenEffects xmlns:a14="http://schemas.microsoft.com/office/drawing/2010/main" xmlns="">
                 <a:effectLst>
                   <a:outerShdw blurRad="63500" dist="38099" dir="2700000" algn="ctr" rotWithShape="0">
                     <a:srgbClr val="000000">
@@ -375,7 +376,7 @@
               </a14:hiddenEffects>
             </a:ext>
             <a:ext uri="{53640926-AAD7-44d8-BBD7-CCE9431645EC}">
-              <a14:shadowObscured xmlns="" xmlns:a14="http://schemas.microsoft.com/office/drawing/2010/main" val="1"/>
+              <a14:shadowObscured xmlns:a14="http://schemas.microsoft.com/office/drawing/2010/main" xmlns="" val="1"/>
             </a:ext>
           </a:extLst>
         </p:spPr>
@@ -404,17 +405,17 @@
           </a:ln>
           <a:extLst>
             <a:ext uri="{FAA26D3D-D897-4be2-8F04-BA451C77F1D7}">
-              <ma14:placeholderFlag xmlns:ma14="http://schemas.microsoft.com/office/mac/drawingml/2011/main" xmlns="" val="1"/>
+              <ma14:placeholderFlag xmlns="" xmlns:ma14="http://schemas.microsoft.com/office/mac/drawingml/2011/main" val="1"/>
             </a:ext>
             <a:ext uri="{909E8E84-426E-40dd-AFC4-6F175D3DCCD1}">
-              <a14:hiddenFill xmlns="" xmlns:a14="http://schemas.microsoft.com/office/drawing/2010/main">
+              <a14:hiddenFill xmlns:a14="http://schemas.microsoft.com/office/drawing/2010/main" xmlns="">
                 <a:solidFill>
                   <a:schemeClr val="accent1"/>
                 </a:solidFill>
               </a14:hiddenFill>
             </a:ext>
             <a:ext uri="{91240B29-F687-4f45-9708-019B960494DF}">
-              <a14:hiddenLine xmlns="" xmlns:a14="http://schemas.microsoft.com/office/drawing/2010/main" w="9525">
+              <a14:hiddenLine xmlns:a14="http://schemas.microsoft.com/office/drawing/2010/main" xmlns="" w="9525">
                 <a:solidFill>
                   <a:schemeClr val="tx1"/>
                 </a:solidFill>
@@ -493,17 +494,17 @@
           </a:ln>
           <a:extLst>
             <a:ext uri="{FAA26D3D-D897-4be2-8F04-BA451C77F1D7}">
-              <ma14:placeholderFlag xmlns:ma14="http://schemas.microsoft.com/office/mac/drawingml/2011/main" xmlns="" val="1"/>
+              <ma14:placeholderFlag xmlns="" xmlns:ma14="http://schemas.microsoft.com/office/mac/drawingml/2011/main" val="1"/>
             </a:ext>
             <a:ext uri="{909E8E84-426E-40dd-AFC4-6F175D3DCCD1}">
-              <a14:hiddenFill xmlns="" xmlns:a14="http://schemas.microsoft.com/office/drawing/2010/main">
+              <a14:hiddenFill xmlns:a14="http://schemas.microsoft.com/office/drawing/2010/main" xmlns="">
                 <a:solidFill>
                   <a:schemeClr val="accent1"/>
                 </a:solidFill>
               </a14:hiddenFill>
             </a:ext>
             <a:ext uri="{91240B29-F687-4f45-9708-019B960494DF}">
-              <a14:hiddenLine xmlns="" xmlns:a14="http://schemas.microsoft.com/office/drawing/2010/main" w="9525">
+              <a14:hiddenLine xmlns:a14="http://schemas.microsoft.com/office/drawing/2010/main" xmlns="" w="9525">
                 <a:solidFill>
                   <a:schemeClr val="tx1"/>
                 </a:solidFill>
@@ -554,17 +555,17 @@
           </a:ln>
           <a:extLst>
             <a:ext uri="{FAA26D3D-D897-4be2-8F04-BA451C77F1D7}">
-              <ma14:placeholderFlag xmlns:ma14="http://schemas.microsoft.com/office/mac/drawingml/2011/main" xmlns="" val="1"/>
+              <ma14:placeholderFlag xmlns="" xmlns:ma14="http://schemas.microsoft.com/office/mac/drawingml/2011/main" val="1"/>
             </a:ext>
             <a:ext uri="{909E8E84-426E-40dd-AFC4-6F175D3DCCD1}">
-              <a14:hiddenFill xmlns="" xmlns:a14="http://schemas.microsoft.com/office/drawing/2010/main">
+              <a14:hiddenFill xmlns:a14="http://schemas.microsoft.com/office/drawing/2010/main" xmlns="">
                 <a:solidFill>
                   <a:schemeClr val="accent1"/>
                 </a:solidFill>
               </a14:hiddenFill>
             </a:ext>
             <a:ext uri="{91240B29-F687-4f45-9708-019B960494DF}">
-              <a14:hiddenLine xmlns="" xmlns:a14="http://schemas.microsoft.com/office/drawing/2010/main" w="9525">
+              <a14:hiddenLine xmlns:a14="http://schemas.microsoft.com/office/drawing/2010/main" xmlns="" w="9525">
                 <a:solidFill>
                   <a:schemeClr val="tx1"/>
                 </a:solidFill>
@@ -766,7 +767,7 @@
             <a:fld id="{E270752B-3A62-4941-8C9B-E00CA0FCE892}" type="slidenum">
               <a:rPr lang="en-US"/>
               <a:pPr/>
-              <a:t>2</a:t>
+              <a:t>3</a:t>
             </a:fld>
             <a:endParaRPr lang="en-US"/>
           </a:p>
@@ -786,7 +787,7 @@
           <a:ln/>
           <a:extLst>
             <a:ext uri="{FAA26D3D-D897-4be2-8F04-BA451C77F1D7}">
-              <ma14:placeholderFlag xmlns:ma14="http://schemas.microsoft.com/office/mac/drawingml/2011/main" xmlns="" val="1"/>
+              <ma14:placeholderFlag xmlns="" xmlns:ma14="http://schemas.microsoft.com/office/mac/drawingml/2011/main" val="1"/>
             </a:ext>
           </a:extLst>
         </p:spPr>
@@ -855,7 +856,7 @@
             <a:fld id="{ACDB3720-8FE2-B84E-9B3C-C76BF2BAB038}" type="slidenum">
               <a:rPr lang="en-US"/>
               <a:pPr/>
-              <a:t>18</a:t>
+              <a:t>19</a:t>
             </a:fld>
             <a:endParaRPr lang="en-US"/>
           </a:p>
@@ -875,7 +876,7 @@
           <a:ln/>
           <a:extLst>
             <a:ext uri="{FAA26D3D-D897-4be2-8F04-BA451C77F1D7}">
-              <ma14:placeholderFlag xmlns:ma14="http://schemas.microsoft.com/office/mac/drawingml/2011/main" xmlns="" val="1"/>
+              <ma14:placeholderFlag xmlns="" xmlns:ma14="http://schemas.microsoft.com/office/mac/drawingml/2011/main" val="1"/>
             </a:ext>
           </a:extLst>
         </p:spPr>
@@ -944,7 +945,7 @@
             <a:fld id="{ADDAC0CC-93CF-0046-BE19-32B96DD3D6A6}" type="slidenum">
               <a:rPr lang="en-US"/>
               <a:pPr/>
-              <a:t>19</a:t>
+              <a:t>20</a:t>
             </a:fld>
             <a:endParaRPr lang="en-US"/>
           </a:p>
@@ -964,7 +965,7 @@
           <a:ln/>
           <a:extLst>
             <a:ext uri="{FAA26D3D-D897-4be2-8F04-BA451C77F1D7}">
-              <ma14:placeholderFlag xmlns:ma14="http://schemas.microsoft.com/office/mac/drawingml/2011/main" xmlns="" val="1"/>
+              <ma14:placeholderFlag xmlns="" xmlns:ma14="http://schemas.microsoft.com/office/mac/drawingml/2011/main" val="1"/>
             </a:ext>
           </a:extLst>
         </p:spPr>
@@ -1033,7 +1034,7 @@
             <a:fld id="{ADDAC0CC-93CF-0046-BE19-32B96DD3D6A6}" type="slidenum">
               <a:rPr lang="en-US"/>
               <a:pPr/>
-              <a:t>20</a:t>
+              <a:t>21</a:t>
             </a:fld>
             <a:endParaRPr lang="en-US"/>
           </a:p>
@@ -1053,7 +1054,7 @@
           <a:ln/>
           <a:extLst>
             <a:ext uri="{FAA26D3D-D897-4be2-8F04-BA451C77F1D7}">
-              <ma14:placeholderFlag xmlns:ma14="http://schemas.microsoft.com/office/mac/drawingml/2011/main" xmlns="" val="1"/>
+              <ma14:placeholderFlag xmlns="" xmlns:ma14="http://schemas.microsoft.com/office/mac/drawingml/2011/main" val="1"/>
             </a:ext>
           </a:extLst>
         </p:spPr>
@@ -1122,7 +1123,7 @@
             <a:fld id="{94D058BB-FE08-0D48-8FC7-6AC549DF5A4E}" type="slidenum">
               <a:rPr lang="en-US"/>
               <a:pPr/>
-              <a:t>22</a:t>
+              <a:t>23</a:t>
             </a:fld>
             <a:endParaRPr lang="en-US"/>
           </a:p>
@@ -1142,7 +1143,7 @@
           <a:ln/>
           <a:extLst>
             <a:ext uri="{FAA26D3D-D897-4be2-8F04-BA451C77F1D7}">
-              <ma14:placeholderFlag xmlns:ma14="http://schemas.microsoft.com/office/mac/drawingml/2011/main" xmlns="" val="1"/>
+              <ma14:placeholderFlag xmlns="" xmlns:ma14="http://schemas.microsoft.com/office/mac/drawingml/2011/main" val="1"/>
             </a:ext>
           </a:extLst>
         </p:spPr>
@@ -1211,7 +1212,7 @@
             <a:fld id="{224C3F65-07BF-AC4E-B6AE-333D7243BA93}" type="slidenum">
               <a:rPr lang="en-US"/>
               <a:pPr/>
-              <a:t>23</a:t>
+              <a:t>24</a:t>
             </a:fld>
             <a:endParaRPr lang="en-US"/>
           </a:p>
@@ -1231,7 +1232,7 @@
           <a:ln/>
           <a:extLst>
             <a:ext uri="{FAA26D3D-D897-4be2-8F04-BA451C77F1D7}">
-              <ma14:placeholderFlag xmlns:ma14="http://schemas.microsoft.com/office/mac/drawingml/2011/main" xmlns="" val="1"/>
+              <ma14:placeholderFlag xmlns="" xmlns:ma14="http://schemas.microsoft.com/office/mac/drawingml/2011/main" val="1"/>
             </a:ext>
           </a:extLst>
         </p:spPr>
@@ -1300,7 +1301,7 @@
             <a:fld id="{28FED3C2-EF1E-9A41-ADC7-28145028E695}" type="slidenum">
               <a:rPr lang="en-US"/>
               <a:pPr/>
-              <a:t>24</a:t>
+              <a:t>25</a:t>
             </a:fld>
             <a:endParaRPr lang="en-US"/>
           </a:p>
@@ -1320,7 +1321,7 @@
           <a:ln/>
           <a:extLst>
             <a:ext uri="{FAA26D3D-D897-4be2-8F04-BA451C77F1D7}">
-              <ma14:placeholderFlag xmlns:ma14="http://schemas.microsoft.com/office/mac/drawingml/2011/main" xmlns="" val="1"/>
+              <ma14:placeholderFlag xmlns="" xmlns:ma14="http://schemas.microsoft.com/office/mac/drawingml/2011/main" val="1"/>
             </a:ext>
           </a:extLst>
         </p:spPr>
@@ -1389,7 +1390,7 @@
             <a:fld id="{161C72C9-B84B-8B4F-BAE4-F2621C5E2938}" type="slidenum">
               <a:rPr lang="en-US"/>
               <a:pPr/>
-              <a:t>25</a:t>
+              <a:t>26</a:t>
             </a:fld>
             <a:endParaRPr lang="en-US"/>
           </a:p>
@@ -1409,7 +1410,7 @@
           <a:ln/>
           <a:extLst>
             <a:ext uri="{FAA26D3D-D897-4be2-8F04-BA451C77F1D7}">
-              <ma14:placeholderFlag xmlns:ma14="http://schemas.microsoft.com/office/mac/drawingml/2011/main" xmlns="" val="1"/>
+              <ma14:placeholderFlag xmlns="" xmlns:ma14="http://schemas.microsoft.com/office/mac/drawingml/2011/main" val="1"/>
             </a:ext>
           </a:extLst>
         </p:spPr>
@@ -1478,7 +1479,7 @@
             <a:fld id="{98FB16F8-6B86-9E4C-B49F-D1BE27B916B6}" type="slidenum">
               <a:rPr lang="en-US"/>
               <a:pPr/>
-              <a:t>26</a:t>
+              <a:t>27</a:t>
             </a:fld>
             <a:endParaRPr lang="en-US"/>
           </a:p>
@@ -1498,7 +1499,7 @@
           <a:ln/>
           <a:extLst>
             <a:ext uri="{FAA26D3D-D897-4be2-8F04-BA451C77F1D7}">
-              <ma14:placeholderFlag xmlns:ma14="http://schemas.microsoft.com/office/mac/drawingml/2011/main" xmlns="" val="1"/>
+              <ma14:placeholderFlag xmlns="" xmlns:ma14="http://schemas.microsoft.com/office/mac/drawingml/2011/main" val="1"/>
             </a:ext>
           </a:extLst>
         </p:spPr>
@@ -1567,7 +1568,7 @@
             <a:fld id="{C4563DD0-9C28-644C-BF19-35289DCA5972}" type="slidenum">
               <a:rPr lang="en-US"/>
               <a:pPr/>
-              <a:t>32</a:t>
+              <a:t>33</a:t>
             </a:fld>
             <a:endParaRPr lang="en-US"/>
           </a:p>
@@ -1587,7 +1588,7 @@
           <a:ln/>
           <a:extLst>
             <a:ext uri="{FAA26D3D-D897-4be2-8F04-BA451C77F1D7}">
-              <ma14:placeholderFlag xmlns:ma14="http://schemas.microsoft.com/office/mac/drawingml/2011/main" xmlns="" val="1"/>
+              <ma14:placeholderFlag xmlns="" xmlns:ma14="http://schemas.microsoft.com/office/mac/drawingml/2011/main" val="1"/>
             </a:ext>
           </a:extLst>
         </p:spPr>
@@ -1656,7 +1657,7 @@
             <a:fld id="{E270752B-3A62-4941-8C9B-E00CA0FCE892}" type="slidenum">
               <a:rPr lang="en-US"/>
               <a:pPr/>
-              <a:t>3</a:t>
+              <a:t>4</a:t>
             </a:fld>
             <a:endParaRPr lang="en-US"/>
           </a:p>
@@ -1676,7 +1677,7 @@
           <a:ln/>
           <a:extLst>
             <a:ext uri="{FAA26D3D-D897-4be2-8F04-BA451C77F1D7}">
-              <ma14:placeholderFlag xmlns:ma14="http://schemas.microsoft.com/office/mac/drawingml/2011/main" xmlns="" val="1"/>
+              <ma14:placeholderFlag xmlns="" xmlns:ma14="http://schemas.microsoft.com/office/mac/drawingml/2011/main" val="1"/>
             </a:ext>
           </a:extLst>
         </p:spPr>
@@ -1745,7 +1746,7 @@
             <a:fld id="{84145A9D-379B-234E-8897-6FEA8472B779}" type="slidenum">
               <a:rPr lang="en-US"/>
               <a:pPr/>
-              <a:t>4</a:t>
+              <a:t>5</a:t>
             </a:fld>
             <a:endParaRPr lang="en-US"/>
           </a:p>
@@ -1765,7 +1766,7 @@
           <a:ln/>
           <a:extLst>
             <a:ext uri="{FAA26D3D-D897-4be2-8F04-BA451C77F1D7}">
-              <ma14:placeholderFlag xmlns:ma14="http://schemas.microsoft.com/office/mac/drawingml/2011/main" xmlns="" val="1"/>
+              <ma14:placeholderFlag xmlns="" xmlns:ma14="http://schemas.microsoft.com/office/mac/drawingml/2011/main" val="1"/>
             </a:ext>
           </a:extLst>
         </p:spPr>
@@ -1834,7 +1835,7 @@
             <a:fld id="{A65C65C3-D315-F041-8C82-D5065BD24181}" type="slidenum">
               <a:rPr lang="en-US"/>
               <a:pPr/>
-              <a:t>7</a:t>
+              <a:t>8</a:t>
             </a:fld>
             <a:endParaRPr lang="en-US"/>
           </a:p>
@@ -1854,7 +1855,7 @@
           <a:ln/>
           <a:extLst>
             <a:ext uri="{FAA26D3D-D897-4be2-8F04-BA451C77F1D7}">
-              <ma14:placeholderFlag xmlns:ma14="http://schemas.microsoft.com/office/mac/drawingml/2011/main" xmlns="" val="1"/>
+              <ma14:placeholderFlag xmlns="" xmlns:ma14="http://schemas.microsoft.com/office/mac/drawingml/2011/main" val="1"/>
             </a:ext>
           </a:extLst>
         </p:spPr>
@@ -1923,7 +1924,7 @@
             <a:fld id="{87ABB599-19E3-1148-B0D9-D392C9F32148}" type="slidenum">
               <a:rPr lang="en-US"/>
               <a:pPr/>
-              <a:t>8</a:t>
+              <a:t>9</a:t>
             </a:fld>
             <a:endParaRPr lang="en-US"/>
           </a:p>
@@ -1943,7 +1944,7 @@
           <a:ln/>
           <a:extLst>
             <a:ext uri="{FAA26D3D-D897-4be2-8F04-BA451C77F1D7}">
-              <ma14:placeholderFlag xmlns:ma14="http://schemas.microsoft.com/office/mac/drawingml/2011/main" xmlns="" val="1"/>
+              <ma14:placeholderFlag xmlns="" xmlns:ma14="http://schemas.microsoft.com/office/mac/drawingml/2011/main" val="1"/>
             </a:ext>
           </a:extLst>
         </p:spPr>
@@ -2012,7 +2013,7 @@
             <a:fld id="{113ECA9D-C379-D545-99F6-85A0F11F48C5}" type="slidenum">
               <a:rPr lang="en-US"/>
               <a:pPr/>
-              <a:t>10</a:t>
+              <a:t>11</a:t>
             </a:fld>
             <a:endParaRPr lang="en-US"/>
           </a:p>
@@ -2032,7 +2033,7 @@
           <a:ln/>
           <a:extLst>
             <a:ext uri="{FAA26D3D-D897-4be2-8F04-BA451C77F1D7}">
-              <ma14:placeholderFlag xmlns:ma14="http://schemas.microsoft.com/office/mac/drawingml/2011/main" xmlns="" val="1"/>
+              <ma14:placeholderFlag xmlns="" xmlns:ma14="http://schemas.microsoft.com/office/mac/drawingml/2011/main" val="1"/>
             </a:ext>
           </a:extLst>
         </p:spPr>
@@ -2101,7 +2102,7 @@
             <a:fld id="{E8ABB8E6-4E11-244F-9F34-DB9E418C403D}" type="slidenum">
               <a:rPr lang="en-US"/>
               <a:pPr/>
-              <a:t>11</a:t>
+              <a:t>12</a:t>
             </a:fld>
             <a:endParaRPr lang="en-US"/>
           </a:p>
@@ -2121,7 +2122,7 @@
           <a:ln/>
           <a:extLst>
             <a:ext uri="{FAA26D3D-D897-4be2-8F04-BA451C77F1D7}">
-              <ma14:placeholderFlag xmlns:ma14="http://schemas.microsoft.com/office/mac/drawingml/2011/main" xmlns="" val="1"/>
+              <ma14:placeholderFlag xmlns="" xmlns:ma14="http://schemas.microsoft.com/office/mac/drawingml/2011/main" val="1"/>
             </a:ext>
           </a:extLst>
         </p:spPr>
@@ -2190,7 +2191,7 @@
             <a:fld id="{5BDB96EC-BB54-644A-A49E-D722968FDC93}" type="slidenum">
               <a:rPr lang="en-US"/>
               <a:pPr/>
-              <a:t>12</a:t>
+              <a:t>13</a:t>
             </a:fld>
             <a:endParaRPr lang="en-US"/>
           </a:p>
@@ -2210,7 +2211,7 @@
           <a:ln/>
           <a:extLst>
             <a:ext uri="{FAA26D3D-D897-4be2-8F04-BA451C77F1D7}">
-              <ma14:placeholderFlag xmlns:ma14="http://schemas.microsoft.com/office/mac/drawingml/2011/main" xmlns="" val="1"/>
+              <ma14:placeholderFlag xmlns="" xmlns:ma14="http://schemas.microsoft.com/office/mac/drawingml/2011/main" val="1"/>
             </a:ext>
           </a:extLst>
         </p:spPr>
@@ -2286,7 +2287,7 @@
             <a:fld id="{961D7AEA-884C-C34C-8CD4-1DE3C993939E}" type="slidenum">
               <a:rPr lang="en-US"/>
               <a:pPr/>
-              <a:t>13</a:t>
+              <a:t>14</a:t>
             </a:fld>
             <a:endParaRPr lang="en-US"/>
           </a:p>
@@ -2323,7 +2324,7 @@
           </a:ln>
           <a:extLst>
             <a:ext uri="{FAA26D3D-D897-4be2-8F04-BA451C77F1D7}">
-              <ma14:placeholderFlag xmlns:ma14="http://schemas.microsoft.com/office/mac/drawingml/2011/main" xmlns="" val="1"/>
+              <ma14:placeholderFlag xmlns="" xmlns:ma14="http://schemas.microsoft.com/office/mac/drawingml/2011/main" val="1"/>
             </a:ext>
           </a:extLst>
         </p:spPr>
@@ -2359,7 +2360,7 @@
           </a:ln>
           <a:extLst>
             <a:ext uri="{FAA26D3D-D897-4be2-8F04-BA451C77F1D7}">
-              <ma14:placeholderFlag xmlns:ma14="http://schemas.microsoft.com/office/mac/drawingml/2011/main" xmlns="" val="1"/>
+              <ma14:placeholderFlag xmlns="" xmlns:ma14="http://schemas.microsoft.com/office/mac/drawingml/2011/main" val="1"/>
             </a:ext>
           </a:extLst>
         </p:spPr>
@@ -2424,12 +2425,12 @@
           <a:effectLst/>
           <a:extLst>
             <a:ext uri="{909E8E84-426E-40dd-AFC4-6F175D3DCCD1}">
-              <a14:hiddenFill xmlns="" xmlns:a14="http://schemas.microsoft.com/office/drawing/2010/main">
+              <a14:hiddenFill xmlns:a14="http://schemas.microsoft.com/office/drawing/2010/main" xmlns="">
                 <a:noFill/>
               </a14:hiddenFill>
             </a:ext>
             <a:ext uri="{AF507438-7753-43e0-B8FC-AC1667EBCBE1}">
-              <a14:hiddenEffects xmlns="" xmlns:a14="http://schemas.microsoft.com/office/drawing/2010/main">
+              <a14:hiddenEffects xmlns:a14="http://schemas.microsoft.com/office/drawing/2010/main" xmlns="">
                 <a:effectLst>
                   <a:outerShdw blurRad="63500" dist="38099" dir="2700000" algn="ctr" rotWithShape="0">
                     <a:schemeClr val="bg2">
@@ -2630,7 +2631,7 @@
             <a:effectLst/>
             <a:extLst>
               <a:ext uri="{91240B29-F687-4f45-9708-019B960494DF}">
-                <a14:hiddenLine xmlns="" xmlns:a14="http://schemas.microsoft.com/office/drawing/2010/main" w="9525">
+                <a14:hiddenLine xmlns:a14="http://schemas.microsoft.com/office/drawing/2010/main" xmlns="" w="9525">
                   <a:solidFill>
                     <a:schemeClr val="tx1"/>
                   </a:solidFill>
@@ -2640,7 +2641,7 @@
                 </a14:hiddenLine>
               </a:ext>
               <a:ext uri="{AF507438-7753-43e0-B8FC-AC1667EBCBE1}">
-                <a14:hiddenEffects xmlns="" xmlns:a14="http://schemas.microsoft.com/office/drawing/2010/main">
+                <a14:hiddenEffects xmlns:a14="http://schemas.microsoft.com/office/drawing/2010/main" xmlns="">
                   <a:effectLst>
                     <a:outerShdw blurRad="63500" dist="38099" dir="2700000" algn="ctr" rotWithShape="0">
                       <a:schemeClr val="bg2">
@@ -2685,7 +2686,7 @@
             <a:effectLst/>
             <a:extLst>
               <a:ext uri="{91240B29-F687-4f45-9708-019B960494DF}">
-                <a14:hiddenLine xmlns="" xmlns:a14="http://schemas.microsoft.com/office/drawing/2010/main" w="9525">
+                <a14:hiddenLine xmlns:a14="http://schemas.microsoft.com/office/drawing/2010/main" xmlns="" w="9525">
                   <a:solidFill>
                     <a:schemeClr val="tx1"/>
                   </a:solidFill>
@@ -2695,7 +2696,7 @@
                 </a14:hiddenLine>
               </a:ext>
               <a:ext uri="{AF507438-7753-43e0-B8FC-AC1667EBCBE1}">
-                <a14:hiddenEffects xmlns="" xmlns:a14="http://schemas.microsoft.com/office/drawing/2010/main">
+                <a14:hiddenEffects xmlns:a14="http://schemas.microsoft.com/office/drawing/2010/main" xmlns="">
                   <a:effectLst>
                     <a:outerShdw blurRad="63500" dist="38099" dir="2700000" algn="ctr" rotWithShape="0">
                       <a:schemeClr val="bg2">
@@ -2740,7 +2741,7 @@
             <a:effectLst/>
             <a:extLst>
               <a:ext uri="{91240B29-F687-4f45-9708-019B960494DF}">
-                <a14:hiddenLine xmlns="" xmlns:a14="http://schemas.microsoft.com/office/drawing/2010/main" w="9525">
+                <a14:hiddenLine xmlns:a14="http://schemas.microsoft.com/office/drawing/2010/main" xmlns="" w="9525">
                   <a:solidFill>
                     <a:schemeClr val="tx1"/>
                   </a:solidFill>
@@ -2750,7 +2751,7 @@
                 </a14:hiddenLine>
               </a:ext>
               <a:ext uri="{AF507438-7753-43e0-B8FC-AC1667EBCBE1}">
-                <a14:hiddenEffects xmlns="" xmlns:a14="http://schemas.microsoft.com/office/drawing/2010/main">
+                <a14:hiddenEffects xmlns:a14="http://schemas.microsoft.com/office/drawing/2010/main" xmlns="">
                   <a:effectLst>
                     <a:outerShdw blurRad="63500" dist="38099" dir="2700000" algn="ctr" rotWithShape="0">
                       <a:schemeClr val="bg2">
@@ -2795,7 +2796,7 @@
             <a:effectLst/>
             <a:extLst>
               <a:ext uri="{91240B29-F687-4f45-9708-019B960494DF}">
-                <a14:hiddenLine xmlns="" xmlns:a14="http://schemas.microsoft.com/office/drawing/2010/main" w="9525">
+                <a14:hiddenLine xmlns:a14="http://schemas.microsoft.com/office/drawing/2010/main" xmlns="" w="9525">
                   <a:solidFill>
                     <a:schemeClr val="tx1"/>
                   </a:solidFill>
@@ -2805,7 +2806,7 @@
                 </a14:hiddenLine>
               </a:ext>
               <a:ext uri="{AF507438-7753-43e0-B8FC-AC1667EBCBE1}">
-                <a14:hiddenEffects xmlns="" xmlns:a14="http://schemas.microsoft.com/office/drawing/2010/main">
+                <a14:hiddenEffects xmlns:a14="http://schemas.microsoft.com/office/drawing/2010/main" xmlns="">
                   <a:effectLst>
                     <a:outerShdw blurRad="63500" dist="38099" dir="2700000" algn="ctr" rotWithShape="0">
                       <a:schemeClr val="bg2">
@@ -2850,7 +2851,7 @@
             <a:effectLst/>
             <a:extLst>
               <a:ext uri="{91240B29-F687-4f45-9708-019B960494DF}">
-                <a14:hiddenLine xmlns="" xmlns:a14="http://schemas.microsoft.com/office/drawing/2010/main" w="9525">
+                <a14:hiddenLine xmlns:a14="http://schemas.microsoft.com/office/drawing/2010/main" xmlns="" w="9525">
                   <a:solidFill>
                     <a:schemeClr val="tx1"/>
                   </a:solidFill>
@@ -2860,7 +2861,7 @@
                 </a14:hiddenLine>
               </a:ext>
               <a:ext uri="{AF507438-7753-43e0-B8FC-AC1667EBCBE1}">
-                <a14:hiddenEffects xmlns="" xmlns:a14="http://schemas.microsoft.com/office/drawing/2010/main">
+                <a14:hiddenEffects xmlns:a14="http://schemas.microsoft.com/office/drawing/2010/main" xmlns="">
                   <a:effectLst>
                     <a:outerShdw blurRad="63500" dist="38099" dir="2700000" algn="ctr" rotWithShape="0">
                       <a:schemeClr val="bg2">
@@ -2905,7 +2906,7 @@
             <a:effectLst/>
             <a:extLst>
               <a:ext uri="{91240B29-F687-4f45-9708-019B960494DF}">
-                <a14:hiddenLine xmlns="" xmlns:a14="http://schemas.microsoft.com/office/drawing/2010/main" w="9525">
+                <a14:hiddenLine xmlns:a14="http://schemas.microsoft.com/office/drawing/2010/main" xmlns="" w="9525">
                   <a:solidFill>
                     <a:schemeClr val="tx1"/>
                   </a:solidFill>
@@ -2915,7 +2916,7 @@
                 </a14:hiddenLine>
               </a:ext>
               <a:ext uri="{AF507438-7753-43e0-B8FC-AC1667EBCBE1}">
-                <a14:hiddenEffects xmlns="" xmlns:a14="http://schemas.microsoft.com/office/drawing/2010/main">
+                <a14:hiddenEffects xmlns:a14="http://schemas.microsoft.com/office/drawing/2010/main" xmlns="">
                   <a:effectLst>
                     <a:outerShdw blurRad="63500" dist="38099" dir="2700000" algn="ctr" rotWithShape="0">
                       <a:schemeClr val="bg2">
@@ -2960,7 +2961,7 @@
             <a:effectLst/>
             <a:extLst>
               <a:ext uri="{91240B29-F687-4f45-9708-019B960494DF}">
-                <a14:hiddenLine xmlns="" xmlns:a14="http://schemas.microsoft.com/office/drawing/2010/main" w="9525">
+                <a14:hiddenLine xmlns:a14="http://schemas.microsoft.com/office/drawing/2010/main" xmlns="" w="9525">
                   <a:solidFill>
                     <a:schemeClr val="tx1"/>
                   </a:solidFill>
@@ -2970,7 +2971,7 @@
                 </a14:hiddenLine>
               </a:ext>
               <a:ext uri="{AF507438-7753-43e0-B8FC-AC1667EBCBE1}">
-                <a14:hiddenEffects xmlns="" xmlns:a14="http://schemas.microsoft.com/office/drawing/2010/main">
+                <a14:hiddenEffects xmlns:a14="http://schemas.microsoft.com/office/drawing/2010/main" xmlns="">
                   <a:effectLst>
                     <a:outerShdw blurRad="63500" dist="38099" dir="2700000" algn="ctr" rotWithShape="0">
                       <a:schemeClr val="bg2">
@@ -3015,7 +3016,7 @@
             <a:effectLst/>
             <a:extLst>
               <a:ext uri="{91240B29-F687-4f45-9708-019B960494DF}">
-                <a14:hiddenLine xmlns="" xmlns:a14="http://schemas.microsoft.com/office/drawing/2010/main" w="9525">
+                <a14:hiddenLine xmlns:a14="http://schemas.microsoft.com/office/drawing/2010/main" xmlns="" w="9525">
                   <a:solidFill>
                     <a:schemeClr val="tx1"/>
                   </a:solidFill>
@@ -3025,7 +3026,7 @@
                 </a14:hiddenLine>
               </a:ext>
               <a:ext uri="{AF507438-7753-43e0-B8FC-AC1667EBCBE1}">
-                <a14:hiddenEffects xmlns="" xmlns:a14="http://schemas.microsoft.com/office/drawing/2010/main">
+                <a14:hiddenEffects xmlns:a14="http://schemas.microsoft.com/office/drawing/2010/main" xmlns="">
                   <a:effectLst>
                     <a:outerShdw blurRad="63500" dist="38099" dir="2700000" algn="ctr" rotWithShape="0">
                       <a:schemeClr val="bg2">
@@ -3070,7 +3071,7 @@
             <a:effectLst/>
             <a:extLst>
               <a:ext uri="{91240B29-F687-4f45-9708-019B960494DF}">
-                <a14:hiddenLine xmlns="" xmlns:a14="http://schemas.microsoft.com/office/drawing/2010/main" w="9525">
+                <a14:hiddenLine xmlns:a14="http://schemas.microsoft.com/office/drawing/2010/main" xmlns="" w="9525">
                   <a:solidFill>
                     <a:schemeClr val="tx1"/>
                   </a:solidFill>
@@ -3080,7 +3081,7 @@
                 </a14:hiddenLine>
               </a:ext>
               <a:ext uri="{AF507438-7753-43e0-B8FC-AC1667EBCBE1}">
-                <a14:hiddenEffects xmlns="" xmlns:a14="http://schemas.microsoft.com/office/drawing/2010/main">
+                <a14:hiddenEffects xmlns:a14="http://schemas.microsoft.com/office/drawing/2010/main" xmlns="">
                   <a:effectLst>
                     <a:outerShdw blurRad="63500" dist="38099" dir="2700000" algn="ctr" rotWithShape="0">
                       <a:schemeClr val="bg2">
@@ -3125,7 +3126,7 @@
             <a:effectLst/>
             <a:extLst>
               <a:ext uri="{91240B29-F687-4f45-9708-019B960494DF}">
-                <a14:hiddenLine xmlns="" xmlns:a14="http://schemas.microsoft.com/office/drawing/2010/main" w="9525">
+                <a14:hiddenLine xmlns:a14="http://schemas.microsoft.com/office/drawing/2010/main" xmlns="" w="9525">
                   <a:solidFill>
                     <a:schemeClr val="tx1"/>
                   </a:solidFill>
@@ -3135,7 +3136,7 @@
                 </a14:hiddenLine>
               </a:ext>
               <a:ext uri="{AF507438-7753-43e0-B8FC-AC1667EBCBE1}">
-                <a14:hiddenEffects xmlns="" xmlns:a14="http://schemas.microsoft.com/office/drawing/2010/main">
+                <a14:hiddenEffects xmlns:a14="http://schemas.microsoft.com/office/drawing/2010/main" xmlns="">
                   <a:effectLst>
                     <a:outerShdw blurRad="63500" dist="38099" dir="2700000" algn="ctr" rotWithShape="0">
                       <a:schemeClr val="bg2">
@@ -3180,7 +3181,7 @@
             <a:effectLst/>
             <a:extLst>
               <a:ext uri="{91240B29-F687-4f45-9708-019B960494DF}">
-                <a14:hiddenLine xmlns="" xmlns:a14="http://schemas.microsoft.com/office/drawing/2010/main" w="9525">
+                <a14:hiddenLine xmlns:a14="http://schemas.microsoft.com/office/drawing/2010/main" xmlns="" w="9525">
                   <a:solidFill>
                     <a:schemeClr val="tx1"/>
                   </a:solidFill>
@@ -3190,7 +3191,7 @@
                 </a14:hiddenLine>
               </a:ext>
               <a:ext uri="{AF507438-7753-43e0-B8FC-AC1667EBCBE1}">
-                <a14:hiddenEffects xmlns="" xmlns:a14="http://schemas.microsoft.com/office/drawing/2010/main">
+                <a14:hiddenEffects xmlns:a14="http://schemas.microsoft.com/office/drawing/2010/main" xmlns="">
                   <a:effectLst>
                     <a:outerShdw blurRad="63500" dist="38099" dir="2700000" algn="ctr" rotWithShape="0">
                       <a:schemeClr val="bg2">
@@ -3235,7 +3236,7 @@
             <a:effectLst/>
             <a:extLst>
               <a:ext uri="{91240B29-F687-4f45-9708-019B960494DF}">
-                <a14:hiddenLine xmlns="" xmlns:a14="http://schemas.microsoft.com/office/drawing/2010/main" w="9525">
+                <a14:hiddenLine xmlns:a14="http://schemas.microsoft.com/office/drawing/2010/main" xmlns="" w="9525">
                   <a:solidFill>
                     <a:schemeClr val="tx1"/>
                   </a:solidFill>
@@ -3245,7 +3246,7 @@
                 </a14:hiddenLine>
               </a:ext>
               <a:ext uri="{AF507438-7753-43e0-B8FC-AC1667EBCBE1}">
-                <a14:hiddenEffects xmlns="" xmlns:a14="http://schemas.microsoft.com/office/drawing/2010/main">
+                <a14:hiddenEffects xmlns:a14="http://schemas.microsoft.com/office/drawing/2010/main" xmlns="">
                   <a:effectLst>
                     <a:outerShdw blurRad="63500" dist="38099" dir="2700000" algn="ctr" rotWithShape="0">
                       <a:schemeClr val="bg2">
@@ -3290,7 +3291,7 @@
             <a:effectLst/>
             <a:extLst>
               <a:ext uri="{91240B29-F687-4f45-9708-019B960494DF}">
-                <a14:hiddenLine xmlns="" xmlns:a14="http://schemas.microsoft.com/office/drawing/2010/main" w="9525">
+                <a14:hiddenLine xmlns:a14="http://schemas.microsoft.com/office/drawing/2010/main" xmlns="" w="9525">
                   <a:solidFill>
                     <a:schemeClr val="tx1"/>
                   </a:solidFill>
@@ -3300,7 +3301,7 @@
                 </a14:hiddenLine>
               </a:ext>
               <a:ext uri="{AF507438-7753-43e0-B8FC-AC1667EBCBE1}">
-                <a14:hiddenEffects xmlns="" xmlns:a14="http://schemas.microsoft.com/office/drawing/2010/main">
+                <a14:hiddenEffects xmlns:a14="http://schemas.microsoft.com/office/drawing/2010/main" xmlns="">
                   <a:effectLst>
                     <a:outerShdw blurRad="63500" dist="38099" dir="2700000" algn="ctr" rotWithShape="0">
                       <a:schemeClr val="bg2">
@@ -3345,7 +3346,7 @@
             <a:effectLst/>
             <a:extLst>
               <a:ext uri="{91240B29-F687-4f45-9708-019B960494DF}">
-                <a14:hiddenLine xmlns="" xmlns:a14="http://schemas.microsoft.com/office/drawing/2010/main" w="9525">
+                <a14:hiddenLine xmlns:a14="http://schemas.microsoft.com/office/drawing/2010/main" xmlns="" w="9525">
                   <a:solidFill>
                     <a:schemeClr val="tx1"/>
                   </a:solidFill>
@@ -3355,7 +3356,7 @@
                 </a14:hiddenLine>
               </a:ext>
               <a:ext uri="{AF507438-7753-43e0-B8FC-AC1667EBCBE1}">
-                <a14:hiddenEffects xmlns="" xmlns:a14="http://schemas.microsoft.com/office/drawing/2010/main">
+                <a14:hiddenEffects xmlns:a14="http://schemas.microsoft.com/office/drawing/2010/main" xmlns="">
                   <a:effectLst>
                     <a:outerShdw blurRad="63500" dist="38099" dir="2700000" algn="ctr" rotWithShape="0">
                       <a:schemeClr val="bg2">
@@ -3400,7 +3401,7 @@
             <a:effectLst/>
             <a:extLst>
               <a:ext uri="{91240B29-F687-4f45-9708-019B960494DF}">
-                <a14:hiddenLine xmlns="" xmlns:a14="http://schemas.microsoft.com/office/drawing/2010/main" w="9525">
+                <a14:hiddenLine xmlns:a14="http://schemas.microsoft.com/office/drawing/2010/main" xmlns="" w="9525">
                   <a:solidFill>
                     <a:schemeClr val="tx1"/>
                   </a:solidFill>
@@ -3410,7 +3411,7 @@
                 </a14:hiddenLine>
               </a:ext>
               <a:ext uri="{AF507438-7753-43e0-B8FC-AC1667EBCBE1}">
-                <a14:hiddenEffects xmlns="" xmlns:a14="http://schemas.microsoft.com/office/drawing/2010/main">
+                <a14:hiddenEffects xmlns:a14="http://schemas.microsoft.com/office/drawing/2010/main" xmlns="">
                   <a:effectLst>
                     <a:outerShdw blurRad="63500" dist="38099" dir="2700000" algn="ctr" rotWithShape="0">
                       <a:schemeClr val="bg2">
@@ -3455,7 +3456,7 @@
             <a:effectLst/>
             <a:extLst>
               <a:ext uri="{91240B29-F687-4f45-9708-019B960494DF}">
-                <a14:hiddenLine xmlns="" xmlns:a14="http://schemas.microsoft.com/office/drawing/2010/main" w="9525">
+                <a14:hiddenLine xmlns:a14="http://schemas.microsoft.com/office/drawing/2010/main" xmlns="" w="9525">
                   <a:solidFill>
                     <a:schemeClr val="tx1"/>
                   </a:solidFill>
@@ -3465,7 +3466,7 @@
                 </a14:hiddenLine>
               </a:ext>
               <a:ext uri="{AF507438-7753-43e0-B8FC-AC1667EBCBE1}">
-                <a14:hiddenEffects xmlns="" xmlns:a14="http://schemas.microsoft.com/office/drawing/2010/main">
+                <a14:hiddenEffects xmlns:a14="http://schemas.microsoft.com/office/drawing/2010/main" xmlns="">
                   <a:effectLst>
                     <a:outerShdw blurRad="63500" dist="38099" dir="2700000" algn="ctr" rotWithShape="0">
                       <a:schemeClr val="bg2">
@@ -3510,7 +3511,7 @@
             <a:effectLst/>
             <a:extLst>
               <a:ext uri="{91240B29-F687-4f45-9708-019B960494DF}">
-                <a14:hiddenLine xmlns="" xmlns:a14="http://schemas.microsoft.com/office/drawing/2010/main" w="9525">
+                <a14:hiddenLine xmlns:a14="http://schemas.microsoft.com/office/drawing/2010/main" xmlns="" w="9525">
                   <a:solidFill>
                     <a:schemeClr val="tx1"/>
                   </a:solidFill>
@@ -3520,7 +3521,7 @@
                 </a14:hiddenLine>
               </a:ext>
               <a:ext uri="{AF507438-7753-43e0-B8FC-AC1667EBCBE1}">
-                <a14:hiddenEffects xmlns="" xmlns:a14="http://schemas.microsoft.com/office/drawing/2010/main">
+                <a14:hiddenEffects xmlns:a14="http://schemas.microsoft.com/office/drawing/2010/main" xmlns="">
                   <a:effectLst>
                     <a:outerShdw blurRad="63500" dist="38099" dir="2700000" algn="ctr" rotWithShape="0">
                       <a:schemeClr val="bg2">
@@ -3565,7 +3566,7 @@
             <a:effectLst/>
             <a:extLst>
               <a:ext uri="{91240B29-F687-4f45-9708-019B960494DF}">
-                <a14:hiddenLine xmlns="" xmlns:a14="http://schemas.microsoft.com/office/drawing/2010/main" w="9525">
+                <a14:hiddenLine xmlns:a14="http://schemas.microsoft.com/office/drawing/2010/main" xmlns="" w="9525">
                   <a:solidFill>
                     <a:schemeClr val="tx1"/>
                   </a:solidFill>
@@ -3575,7 +3576,7 @@
                 </a14:hiddenLine>
               </a:ext>
               <a:ext uri="{AF507438-7753-43e0-B8FC-AC1667EBCBE1}">
-                <a14:hiddenEffects xmlns="" xmlns:a14="http://schemas.microsoft.com/office/drawing/2010/main">
+                <a14:hiddenEffects xmlns:a14="http://schemas.microsoft.com/office/drawing/2010/main" xmlns="">
                   <a:effectLst>
                     <a:outerShdw blurRad="63500" dist="38099" dir="2700000" algn="ctr" rotWithShape="0">
                       <a:schemeClr val="bg2">
@@ -3620,7 +3621,7 @@
             <a:effectLst/>
             <a:extLst>
               <a:ext uri="{91240B29-F687-4f45-9708-019B960494DF}">
-                <a14:hiddenLine xmlns="" xmlns:a14="http://schemas.microsoft.com/office/drawing/2010/main" w="9525">
+                <a14:hiddenLine xmlns:a14="http://schemas.microsoft.com/office/drawing/2010/main" xmlns="" w="9525">
                   <a:solidFill>
                     <a:schemeClr val="tx1"/>
                   </a:solidFill>
@@ -3630,7 +3631,7 @@
                 </a14:hiddenLine>
               </a:ext>
               <a:ext uri="{AF507438-7753-43e0-B8FC-AC1667EBCBE1}">
-                <a14:hiddenEffects xmlns="" xmlns:a14="http://schemas.microsoft.com/office/drawing/2010/main">
+                <a14:hiddenEffects xmlns:a14="http://schemas.microsoft.com/office/drawing/2010/main" xmlns="">
                   <a:effectLst>
                     <a:outerShdw blurRad="63500" dist="38099" dir="2700000" algn="ctr" rotWithShape="0">
                       <a:schemeClr val="bg2">
@@ -3675,7 +3676,7 @@
             <a:effectLst/>
             <a:extLst>
               <a:ext uri="{91240B29-F687-4f45-9708-019B960494DF}">
-                <a14:hiddenLine xmlns="" xmlns:a14="http://schemas.microsoft.com/office/drawing/2010/main" w="9525">
+                <a14:hiddenLine xmlns:a14="http://schemas.microsoft.com/office/drawing/2010/main" xmlns="" w="9525">
                   <a:solidFill>
                     <a:schemeClr val="tx1"/>
                   </a:solidFill>
@@ -3685,7 +3686,7 @@
                 </a14:hiddenLine>
               </a:ext>
               <a:ext uri="{AF507438-7753-43e0-B8FC-AC1667EBCBE1}">
-                <a14:hiddenEffects xmlns="" xmlns:a14="http://schemas.microsoft.com/office/drawing/2010/main">
+                <a14:hiddenEffects xmlns:a14="http://schemas.microsoft.com/office/drawing/2010/main" xmlns="">
                   <a:effectLst>
                     <a:outerShdw blurRad="63500" dist="38099" dir="2700000" algn="ctr" rotWithShape="0">
                       <a:schemeClr val="bg2">
@@ -3730,7 +3731,7 @@
             <a:effectLst/>
             <a:extLst>
               <a:ext uri="{91240B29-F687-4f45-9708-019B960494DF}">
-                <a14:hiddenLine xmlns="" xmlns:a14="http://schemas.microsoft.com/office/drawing/2010/main" w="9525">
+                <a14:hiddenLine xmlns:a14="http://schemas.microsoft.com/office/drawing/2010/main" xmlns="" w="9525">
                   <a:solidFill>
                     <a:schemeClr val="tx1"/>
                   </a:solidFill>
@@ -3740,7 +3741,7 @@
                 </a14:hiddenLine>
               </a:ext>
               <a:ext uri="{AF507438-7753-43e0-B8FC-AC1667EBCBE1}">
-                <a14:hiddenEffects xmlns="" xmlns:a14="http://schemas.microsoft.com/office/drawing/2010/main">
+                <a14:hiddenEffects xmlns:a14="http://schemas.microsoft.com/office/drawing/2010/main" xmlns="">
                   <a:effectLst>
                     <a:outerShdw blurRad="63500" dist="38099" dir="2700000" algn="ctr" rotWithShape="0">
                       <a:schemeClr val="bg2">
@@ -3785,7 +3786,7 @@
             <a:effectLst/>
             <a:extLst>
               <a:ext uri="{91240B29-F687-4f45-9708-019B960494DF}">
-                <a14:hiddenLine xmlns="" xmlns:a14="http://schemas.microsoft.com/office/drawing/2010/main" w="9525">
+                <a14:hiddenLine xmlns:a14="http://schemas.microsoft.com/office/drawing/2010/main" xmlns="" w="9525">
                   <a:solidFill>
                     <a:schemeClr val="tx1"/>
                   </a:solidFill>
@@ -3795,7 +3796,7 @@
                 </a14:hiddenLine>
               </a:ext>
               <a:ext uri="{AF507438-7753-43e0-B8FC-AC1667EBCBE1}">
-                <a14:hiddenEffects xmlns="" xmlns:a14="http://schemas.microsoft.com/office/drawing/2010/main">
+                <a14:hiddenEffects xmlns:a14="http://schemas.microsoft.com/office/drawing/2010/main" xmlns="">
                   <a:effectLst>
                     <a:outerShdw blurRad="63500" dist="38099" dir="2700000" algn="ctr" rotWithShape="0">
                       <a:schemeClr val="bg2">
@@ -3840,7 +3841,7 @@
             <a:effectLst/>
             <a:extLst>
               <a:ext uri="{91240B29-F687-4f45-9708-019B960494DF}">
-                <a14:hiddenLine xmlns="" xmlns:a14="http://schemas.microsoft.com/office/drawing/2010/main" w="9525">
+                <a14:hiddenLine xmlns:a14="http://schemas.microsoft.com/office/drawing/2010/main" xmlns="" w="9525">
                   <a:solidFill>
                     <a:schemeClr val="tx1"/>
                   </a:solidFill>
@@ -3850,7 +3851,7 @@
                 </a14:hiddenLine>
               </a:ext>
               <a:ext uri="{AF507438-7753-43e0-B8FC-AC1667EBCBE1}">
-                <a14:hiddenEffects xmlns="" xmlns:a14="http://schemas.microsoft.com/office/drawing/2010/main">
+                <a14:hiddenEffects xmlns:a14="http://schemas.microsoft.com/office/drawing/2010/main" xmlns="">
                   <a:effectLst>
                     <a:outerShdw blurRad="63500" dist="38099" dir="2700000" algn="ctr" rotWithShape="0">
                       <a:schemeClr val="bg2">
@@ -3895,7 +3896,7 @@
             <a:effectLst/>
             <a:extLst>
               <a:ext uri="{91240B29-F687-4f45-9708-019B960494DF}">
-                <a14:hiddenLine xmlns="" xmlns:a14="http://schemas.microsoft.com/office/drawing/2010/main" w="9525">
+                <a14:hiddenLine xmlns:a14="http://schemas.microsoft.com/office/drawing/2010/main" xmlns="" w="9525">
                   <a:solidFill>
                     <a:schemeClr val="tx1"/>
                   </a:solidFill>
@@ -3905,7 +3906,7 @@
                 </a14:hiddenLine>
               </a:ext>
               <a:ext uri="{AF507438-7753-43e0-B8FC-AC1667EBCBE1}">
-                <a14:hiddenEffects xmlns="" xmlns:a14="http://schemas.microsoft.com/office/drawing/2010/main">
+                <a14:hiddenEffects xmlns:a14="http://schemas.microsoft.com/office/drawing/2010/main" xmlns="">
                   <a:effectLst>
                     <a:outerShdw blurRad="63500" dist="38099" dir="2700000" algn="ctr" rotWithShape="0">
                       <a:schemeClr val="bg2">
@@ -3950,7 +3951,7 @@
             <a:effectLst/>
             <a:extLst>
               <a:ext uri="{91240B29-F687-4f45-9708-019B960494DF}">
-                <a14:hiddenLine xmlns="" xmlns:a14="http://schemas.microsoft.com/office/drawing/2010/main" w="9525">
+                <a14:hiddenLine xmlns:a14="http://schemas.microsoft.com/office/drawing/2010/main" xmlns="" w="9525">
                   <a:solidFill>
                     <a:schemeClr val="tx1"/>
                   </a:solidFill>
@@ -3960,7 +3961,7 @@
                 </a14:hiddenLine>
               </a:ext>
               <a:ext uri="{AF507438-7753-43e0-B8FC-AC1667EBCBE1}">
-                <a14:hiddenEffects xmlns="" xmlns:a14="http://schemas.microsoft.com/office/drawing/2010/main">
+                <a14:hiddenEffects xmlns:a14="http://schemas.microsoft.com/office/drawing/2010/main" xmlns="">
                   <a:effectLst>
                     <a:outerShdw blurRad="63500" dist="38099" dir="2700000" algn="ctr" rotWithShape="0">
                       <a:schemeClr val="bg2">
@@ -4005,7 +4006,7 @@
             <a:effectLst/>
             <a:extLst>
               <a:ext uri="{91240B29-F687-4f45-9708-019B960494DF}">
-                <a14:hiddenLine xmlns="" xmlns:a14="http://schemas.microsoft.com/office/drawing/2010/main" w="9525">
+                <a14:hiddenLine xmlns:a14="http://schemas.microsoft.com/office/drawing/2010/main" xmlns="" w="9525">
                   <a:solidFill>
                     <a:schemeClr val="tx1"/>
                   </a:solidFill>
@@ -4015,7 +4016,7 @@
                 </a14:hiddenLine>
               </a:ext>
               <a:ext uri="{AF507438-7753-43e0-B8FC-AC1667EBCBE1}">
-                <a14:hiddenEffects xmlns="" xmlns:a14="http://schemas.microsoft.com/office/drawing/2010/main">
+                <a14:hiddenEffects xmlns:a14="http://schemas.microsoft.com/office/drawing/2010/main" xmlns="">
                   <a:effectLst>
                     <a:outerShdw blurRad="63500" dist="38099" dir="2700000" algn="ctr" rotWithShape="0">
                       <a:schemeClr val="bg2">
@@ -4060,7 +4061,7 @@
             <a:effectLst/>
             <a:extLst>
               <a:ext uri="{91240B29-F687-4f45-9708-019B960494DF}">
-                <a14:hiddenLine xmlns="" xmlns:a14="http://schemas.microsoft.com/office/drawing/2010/main" w="9525">
+                <a14:hiddenLine xmlns:a14="http://schemas.microsoft.com/office/drawing/2010/main" xmlns="" w="9525">
                   <a:solidFill>
                     <a:schemeClr val="tx1"/>
                   </a:solidFill>
@@ -4070,7 +4071,7 @@
                 </a14:hiddenLine>
               </a:ext>
               <a:ext uri="{AF507438-7753-43e0-B8FC-AC1667EBCBE1}">
-                <a14:hiddenEffects xmlns="" xmlns:a14="http://schemas.microsoft.com/office/drawing/2010/main">
+                <a14:hiddenEffects xmlns:a14="http://schemas.microsoft.com/office/drawing/2010/main" xmlns="">
                   <a:effectLst>
                     <a:outerShdw blurRad="63500" dist="38099" dir="2700000" algn="ctr" rotWithShape="0">
                       <a:schemeClr val="bg2">
@@ -4115,7 +4116,7 @@
             <a:effectLst/>
             <a:extLst>
               <a:ext uri="{91240B29-F687-4f45-9708-019B960494DF}">
-                <a14:hiddenLine xmlns="" xmlns:a14="http://schemas.microsoft.com/office/drawing/2010/main" w="9525">
+                <a14:hiddenLine xmlns:a14="http://schemas.microsoft.com/office/drawing/2010/main" xmlns="" w="9525">
                   <a:solidFill>
                     <a:schemeClr val="tx1"/>
                   </a:solidFill>
@@ -4125,7 +4126,7 @@
                 </a14:hiddenLine>
               </a:ext>
               <a:ext uri="{AF507438-7753-43e0-B8FC-AC1667EBCBE1}">
-                <a14:hiddenEffects xmlns="" xmlns:a14="http://schemas.microsoft.com/office/drawing/2010/main">
+                <a14:hiddenEffects xmlns:a14="http://schemas.microsoft.com/office/drawing/2010/main" xmlns="">
                   <a:effectLst>
                     <a:outerShdw blurRad="63500" dist="38099" dir="2700000" algn="ctr" rotWithShape="0">
                       <a:schemeClr val="bg2">
@@ -4170,7 +4171,7 @@
             <a:effectLst/>
             <a:extLst>
               <a:ext uri="{91240B29-F687-4f45-9708-019B960494DF}">
-                <a14:hiddenLine xmlns="" xmlns:a14="http://schemas.microsoft.com/office/drawing/2010/main" w="9525">
+                <a14:hiddenLine xmlns:a14="http://schemas.microsoft.com/office/drawing/2010/main" xmlns="" w="9525">
                   <a:solidFill>
                     <a:schemeClr val="tx1"/>
                   </a:solidFill>
@@ -4180,7 +4181,7 @@
                 </a14:hiddenLine>
               </a:ext>
               <a:ext uri="{AF507438-7753-43e0-B8FC-AC1667EBCBE1}">
-                <a14:hiddenEffects xmlns="" xmlns:a14="http://schemas.microsoft.com/office/drawing/2010/main">
+                <a14:hiddenEffects xmlns:a14="http://schemas.microsoft.com/office/drawing/2010/main" xmlns="">
                   <a:effectLst>
                     <a:outerShdw blurRad="63500" dist="38099" dir="2700000" algn="ctr" rotWithShape="0">
                       <a:schemeClr val="bg2">
@@ -4225,7 +4226,7 @@
             <a:effectLst/>
             <a:extLst>
               <a:ext uri="{91240B29-F687-4f45-9708-019B960494DF}">
-                <a14:hiddenLine xmlns="" xmlns:a14="http://schemas.microsoft.com/office/drawing/2010/main" w="9525">
+                <a14:hiddenLine xmlns:a14="http://schemas.microsoft.com/office/drawing/2010/main" xmlns="" w="9525">
                   <a:solidFill>
                     <a:schemeClr val="tx1"/>
                   </a:solidFill>
@@ -4235,7 +4236,7 @@
                 </a14:hiddenLine>
               </a:ext>
               <a:ext uri="{AF507438-7753-43e0-B8FC-AC1667EBCBE1}">
-                <a14:hiddenEffects xmlns="" xmlns:a14="http://schemas.microsoft.com/office/drawing/2010/main">
+                <a14:hiddenEffects xmlns:a14="http://schemas.microsoft.com/office/drawing/2010/main" xmlns="">
                   <a:effectLst>
                     <a:outerShdw blurRad="63500" dist="38099" dir="2700000" algn="ctr" rotWithShape="0">
                       <a:schemeClr val="bg2">
@@ -4280,7 +4281,7 @@
             <a:effectLst/>
             <a:extLst>
               <a:ext uri="{91240B29-F687-4f45-9708-019B960494DF}">
-                <a14:hiddenLine xmlns="" xmlns:a14="http://schemas.microsoft.com/office/drawing/2010/main" w="9525">
+                <a14:hiddenLine xmlns:a14="http://schemas.microsoft.com/office/drawing/2010/main" xmlns="" w="9525">
                   <a:solidFill>
                     <a:schemeClr val="tx1"/>
                   </a:solidFill>
@@ -4290,7 +4291,7 @@
                 </a14:hiddenLine>
               </a:ext>
               <a:ext uri="{AF507438-7753-43e0-B8FC-AC1667EBCBE1}">
-                <a14:hiddenEffects xmlns="" xmlns:a14="http://schemas.microsoft.com/office/drawing/2010/main">
+                <a14:hiddenEffects xmlns:a14="http://schemas.microsoft.com/office/drawing/2010/main" xmlns="">
                   <a:effectLst>
                     <a:outerShdw blurRad="63500" dist="38099" dir="2700000" algn="ctr" rotWithShape="0">
                       <a:schemeClr val="bg2">
@@ -4339,12 +4340,12 @@
           <a:effectLst/>
           <a:extLst>
             <a:ext uri="{909E8E84-426E-40dd-AFC4-6F175D3DCCD1}">
-              <a14:hiddenFill xmlns="" xmlns:a14="http://schemas.microsoft.com/office/drawing/2010/main">
+              <a14:hiddenFill xmlns:a14="http://schemas.microsoft.com/office/drawing/2010/main" xmlns="">
                 <a:noFill/>
               </a14:hiddenFill>
             </a:ext>
             <a:ext uri="{AF507438-7753-43e0-B8FC-AC1667EBCBE1}">
-              <a14:hiddenEffects xmlns="" xmlns:a14="http://schemas.microsoft.com/office/drawing/2010/main">
+              <a14:hiddenEffects xmlns:a14="http://schemas.microsoft.com/office/drawing/2010/main" xmlns="">
                 <a:effectLst>
                   <a:outerShdw blurRad="63500" dist="38099" dir="2700000" algn="ctr" rotWithShape="0">
                     <a:schemeClr val="bg2">
@@ -6668,12 +6669,12 @@
           <a:effectLst/>
           <a:extLst>
             <a:ext uri="{909E8E84-426E-40dd-AFC4-6F175D3DCCD1}">
-              <a14:hiddenFill xmlns="" xmlns:a14="http://schemas.microsoft.com/office/drawing/2010/main">
+              <a14:hiddenFill xmlns:a14="http://schemas.microsoft.com/office/drawing/2010/main" xmlns="">
                 <a:noFill/>
               </a14:hiddenFill>
             </a:ext>
             <a:ext uri="{AF507438-7753-43e0-B8FC-AC1667EBCBE1}">
-              <a14:hiddenEffects xmlns="" xmlns:a14="http://schemas.microsoft.com/office/drawing/2010/main">
+              <a14:hiddenEffects xmlns:a14="http://schemas.microsoft.com/office/drawing/2010/main" xmlns="">
                 <a:effectLst>
                   <a:outerShdw blurRad="63500" dist="38099" dir="2700000" algn="ctr" rotWithShape="0">
                     <a:schemeClr val="bg2">
@@ -6718,17 +6719,17 @@
           <a:effectLst/>
           <a:extLst>
             <a:ext uri="{FAA26D3D-D897-4be2-8F04-BA451C77F1D7}">
-              <ma14:placeholderFlag xmlns:ma14="http://schemas.microsoft.com/office/mac/drawingml/2011/main" xmlns="" val="1"/>
+              <ma14:placeholderFlag xmlns="" xmlns:ma14="http://schemas.microsoft.com/office/mac/drawingml/2011/main" val="1"/>
             </a:ext>
             <a:ext uri="{909E8E84-426E-40dd-AFC4-6F175D3DCCD1}">
-              <a14:hiddenFill xmlns="" xmlns:a14="http://schemas.microsoft.com/office/drawing/2010/main">
+              <a14:hiddenFill xmlns:a14="http://schemas.microsoft.com/office/drawing/2010/main" xmlns="">
                 <a:solidFill>
                   <a:schemeClr val="accent1"/>
                 </a:solidFill>
               </a14:hiddenFill>
             </a:ext>
             <a:ext uri="{91240B29-F687-4f45-9708-019B960494DF}">
-              <a14:hiddenLine xmlns="" xmlns:a14="http://schemas.microsoft.com/office/drawing/2010/main" w="9525">
+              <a14:hiddenLine xmlns:a14="http://schemas.microsoft.com/office/drawing/2010/main" xmlns="" w="9525">
                 <a:solidFill>
                   <a:schemeClr val="tx1"/>
                 </a:solidFill>
@@ -6738,7 +6739,7 @@
               </a14:hiddenLine>
             </a:ext>
             <a:ext uri="{AF507438-7753-43e0-B8FC-AC1667EBCBE1}">
-              <a14:hiddenEffects xmlns="" xmlns:a14="http://schemas.microsoft.com/office/drawing/2010/main">
+              <a14:hiddenEffects xmlns:a14="http://schemas.microsoft.com/office/drawing/2010/main" xmlns="">
                 <a:effectLst>
                   <a:outerShdw blurRad="63500" dist="38099" dir="2700000" algn="ctr" rotWithShape="0">
                     <a:schemeClr val="bg2">
@@ -6791,17 +6792,17 @@
           <a:effectLst/>
           <a:extLst>
             <a:ext uri="{FAA26D3D-D897-4be2-8F04-BA451C77F1D7}">
-              <ma14:placeholderFlag xmlns:ma14="http://schemas.microsoft.com/office/mac/drawingml/2011/main" xmlns="" val="1"/>
+              <ma14:placeholderFlag xmlns="" xmlns:ma14="http://schemas.microsoft.com/office/mac/drawingml/2011/main" val="1"/>
             </a:ext>
             <a:ext uri="{909E8E84-426E-40dd-AFC4-6F175D3DCCD1}">
-              <a14:hiddenFill xmlns="" xmlns:a14="http://schemas.microsoft.com/office/drawing/2010/main">
+              <a14:hiddenFill xmlns:a14="http://schemas.microsoft.com/office/drawing/2010/main" xmlns="">
                 <a:solidFill>
                   <a:schemeClr val="accent1"/>
                 </a:solidFill>
               </a14:hiddenFill>
             </a:ext>
             <a:ext uri="{91240B29-F687-4f45-9708-019B960494DF}">
-              <a14:hiddenLine xmlns="" xmlns:a14="http://schemas.microsoft.com/office/drawing/2010/main" w="9525">
+              <a14:hiddenLine xmlns:a14="http://schemas.microsoft.com/office/drawing/2010/main" xmlns="" w="9525">
                 <a:solidFill>
                   <a:schemeClr val="tx1"/>
                 </a:solidFill>
@@ -6811,7 +6812,7 @@
               </a14:hiddenLine>
             </a:ext>
             <a:ext uri="{AF507438-7753-43e0-B8FC-AC1667EBCBE1}">
-              <a14:hiddenEffects xmlns="" xmlns:a14="http://schemas.microsoft.com/office/drawing/2010/main">
+              <a14:hiddenEffects xmlns:a14="http://schemas.microsoft.com/office/drawing/2010/main" xmlns="">
                 <a:effectLst>
                   <a:outerShdw blurRad="63500" dist="38099" dir="2700000" algn="ctr" rotWithShape="0">
                     <a:schemeClr val="bg2">
@@ -6892,17 +6893,17 @@
           <a:effectLst/>
           <a:extLst>
             <a:ext uri="{FAA26D3D-D897-4be2-8F04-BA451C77F1D7}">
-              <ma14:placeholderFlag xmlns:ma14="http://schemas.microsoft.com/office/mac/drawingml/2011/main" xmlns="" val="1"/>
+              <ma14:placeholderFlag xmlns="" xmlns:ma14="http://schemas.microsoft.com/office/mac/drawingml/2011/main" val="1"/>
             </a:ext>
             <a:ext uri="{909E8E84-426E-40dd-AFC4-6F175D3DCCD1}">
-              <a14:hiddenFill xmlns="" xmlns:a14="http://schemas.microsoft.com/office/drawing/2010/main">
+              <a14:hiddenFill xmlns:a14="http://schemas.microsoft.com/office/drawing/2010/main" xmlns="">
                 <a:solidFill>
                   <a:schemeClr val="accent1"/>
                 </a:solidFill>
               </a14:hiddenFill>
             </a:ext>
             <a:ext uri="{91240B29-F687-4f45-9708-019B960494DF}">
-              <a14:hiddenLine xmlns="" xmlns:a14="http://schemas.microsoft.com/office/drawing/2010/main" w="9525">
+              <a14:hiddenLine xmlns:a14="http://schemas.microsoft.com/office/drawing/2010/main" xmlns="" w="9525">
                 <a:solidFill>
                   <a:schemeClr val="tx1"/>
                 </a:solidFill>
@@ -6912,7 +6913,7 @@
               </a14:hiddenLine>
             </a:ext>
             <a:ext uri="{AF507438-7753-43e0-B8FC-AC1667EBCBE1}">
-              <a14:hiddenEffects xmlns="" xmlns:a14="http://schemas.microsoft.com/office/drawing/2010/main">
+              <a14:hiddenEffects xmlns:a14="http://schemas.microsoft.com/office/drawing/2010/main" xmlns="">
                 <a:effectLst>
                   <a:outerShdw blurRad="63500" dist="38099" dir="2700000" algn="ctr" rotWithShape="0">
                     <a:schemeClr val="bg2">
@@ -6965,17 +6966,17 @@
           <a:effectLst/>
           <a:extLst>
             <a:ext uri="{FAA26D3D-D897-4be2-8F04-BA451C77F1D7}">
-              <ma14:placeholderFlag xmlns:ma14="http://schemas.microsoft.com/office/mac/drawingml/2011/main" xmlns="" val="1"/>
+              <ma14:placeholderFlag xmlns="" xmlns:ma14="http://schemas.microsoft.com/office/mac/drawingml/2011/main" val="1"/>
             </a:ext>
             <a:ext uri="{909E8E84-426E-40dd-AFC4-6F175D3DCCD1}">
-              <a14:hiddenFill xmlns="" xmlns:a14="http://schemas.microsoft.com/office/drawing/2010/main">
+              <a14:hiddenFill xmlns:a14="http://schemas.microsoft.com/office/drawing/2010/main" xmlns="">
                 <a:solidFill>
                   <a:schemeClr val="accent1"/>
                 </a:solidFill>
               </a14:hiddenFill>
             </a:ext>
             <a:ext uri="{91240B29-F687-4f45-9708-019B960494DF}">
-              <a14:hiddenLine xmlns="" xmlns:a14="http://schemas.microsoft.com/office/drawing/2010/main" w="9525">
+              <a14:hiddenLine xmlns:a14="http://schemas.microsoft.com/office/drawing/2010/main" xmlns="" w="9525">
                 <a:solidFill>
                   <a:schemeClr val="tx1"/>
                 </a:solidFill>
@@ -6985,7 +6986,7 @@
               </a14:hiddenLine>
             </a:ext>
             <a:ext uri="{AF507438-7753-43e0-B8FC-AC1667EBCBE1}">
-              <a14:hiddenEffects xmlns="" xmlns:a14="http://schemas.microsoft.com/office/drawing/2010/main">
+              <a14:hiddenEffects xmlns:a14="http://schemas.microsoft.com/office/drawing/2010/main" xmlns="">
                 <a:effectLst>
                   <a:outerShdw blurRad="63500" dist="38099" dir="2700000" algn="ctr" rotWithShape="0">
                     <a:schemeClr val="bg2">
@@ -7038,17 +7039,17 @@
           <a:effectLst/>
           <a:extLst>
             <a:ext uri="{FAA26D3D-D897-4be2-8F04-BA451C77F1D7}">
-              <ma14:placeholderFlag xmlns:ma14="http://schemas.microsoft.com/office/mac/drawingml/2011/main" xmlns="" val="1"/>
+              <ma14:placeholderFlag xmlns="" xmlns:ma14="http://schemas.microsoft.com/office/mac/drawingml/2011/main" val="1"/>
             </a:ext>
             <a:ext uri="{909E8E84-426E-40dd-AFC4-6F175D3DCCD1}">
-              <a14:hiddenFill xmlns="" xmlns:a14="http://schemas.microsoft.com/office/drawing/2010/main">
+              <a14:hiddenFill xmlns:a14="http://schemas.microsoft.com/office/drawing/2010/main" xmlns="">
                 <a:solidFill>
                   <a:schemeClr val="accent1"/>
                 </a:solidFill>
               </a14:hiddenFill>
             </a:ext>
             <a:ext uri="{91240B29-F687-4f45-9708-019B960494DF}">
-              <a14:hiddenLine xmlns="" xmlns:a14="http://schemas.microsoft.com/office/drawing/2010/main" w="9525">
+              <a14:hiddenLine xmlns:a14="http://schemas.microsoft.com/office/drawing/2010/main" xmlns="" w="9525">
                 <a:solidFill>
                   <a:schemeClr val="tx1"/>
                 </a:solidFill>
@@ -7058,7 +7059,7 @@
               </a14:hiddenLine>
             </a:ext>
             <a:ext uri="{AF507438-7753-43e0-B8FC-AC1667EBCBE1}">
-              <a14:hiddenEffects xmlns="" xmlns:a14="http://schemas.microsoft.com/office/drawing/2010/main">
+              <a14:hiddenEffects xmlns:a14="http://schemas.microsoft.com/office/drawing/2010/main" xmlns="">
                 <a:effectLst>
                   <a:outerShdw blurRad="63500" dist="38099" dir="2700000" algn="ctr" rotWithShape="0">
                     <a:schemeClr val="bg2">
@@ -7132,7 +7133,7 @@
             <a:effectLst/>
             <a:extLst>
               <a:ext uri="{91240B29-F687-4f45-9708-019B960494DF}">
-                <a14:hiddenLine xmlns="" xmlns:a14="http://schemas.microsoft.com/office/drawing/2010/main" w="9525">
+                <a14:hiddenLine xmlns:a14="http://schemas.microsoft.com/office/drawing/2010/main" xmlns="" w="9525">
                   <a:solidFill>
                     <a:schemeClr val="tx1"/>
                   </a:solidFill>
@@ -7142,7 +7143,7 @@
                 </a14:hiddenLine>
               </a:ext>
               <a:ext uri="{AF507438-7753-43e0-B8FC-AC1667EBCBE1}">
-                <a14:hiddenEffects xmlns="" xmlns:a14="http://schemas.microsoft.com/office/drawing/2010/main">
+                <a14:hiddenEffects xmlns:a14="http://schemas.microsoft.com/office/drawing/2010/main" xmlns="">
                   <a:effectLst>
                     <a:outerShdw blurRad="63500" dist="38099" dir="2700000" algn="ctr" rotWithShape="0">
                       <a:schemeClr val="bg2">
@@ -7187,7 +7188,7 @@
             <a:effectLst/>
             <a:extLst>
               <a:ext uri="{91240B29-F687-4f45-9708-019B960494DF}">
-                <a14:hiddenLine xmlns="" xmlns:a14="http://schemas.microsoft.com/office/drawing/2010/main" w="9525">
+                <a14:hiddenLine xmlns:a14="http://schemas.microsoft.com/office/drawing/2010/main" xmlns="" w="9525">
                   <a:solidFill>
                     <a:schemeClr val="tx1"/>
                   </a:solidFill>
@@ -7197,7 +7198,7 @@
                 </a14:hiddenLine>
               </a:ext>
               <a:ext uri="{AF507438-7753-43e0-B8FC-AC1667EBCBE1}">
-                <a14:hiddenEffects xmlns="" xmlns:a14="http://schemas.microsoft.com/office/drawing/2010/main">
+                <a14:hiddenEffects xmlns:a14="http://schemas.microsoft.com/office/drawing/2010/main" xmlns="">
                   <a:effectLst>
                     <a:outerShdw blurRad="63500" dist="38099" dir="2700000" algn="ctr" rotWithShape="0">
                       <a:schemeClr val="bg2">
@@ -7242,7 +7243,7 @@
             <a:effectLst/>
             <a:extLst>
               <a:ext uri="{91240B29-F687-4f45-9708-019B960494DF}">
-                <a14:hiddenLine xmlns="" xmlns:a14="http://schemas.microsoft.com/office/drawing/2010/main" w="9525">
+                <a14:hiddenLine xmlns:a14="http://schemas.microsoft.com/office/drawing/2010/main" xmlns="" w="9525">
                   <a:solidFill>
                     <a:schemeClr val="tx1"/>
                   </a:solidFill>
@@ -7252,7 +7253,7 @@
                 </a14:hiddenLine>
               </a:ext>
               <a:ext uri="{AF507438-7753-43e0-B8FC-AC1667EBCBE1}">
-                <a14:hiddenEffects xmlns="" xmlns:a14="http://schemas.microsoft.com/office/drawing/2010/main">
+                <a14:hiddenEffects xmlns:a14="http://schemas.microsoft.com/office/drawing/2010/main" xmlns="">
                   <a:effectLst>
                     <a:outerShdw blurRad="63500" dist="38099" dir="2700000" algn="ctr" rotWithShape="0">
                       <a:schemeClr val="bg2">
@@ -7297,7 +7298,7 @@
             <a:effectLst/>
             <a:extLst>
               <a:ext uri="{91240B29-F687-4f45-9708-019B960494DF}">
-                <a14:hiddenLine xmlns="" xmlns:a14="http://schemas.microsoft.com/office/drawing/2010/main" w="9525">
+                <a14:hiddenLine xmlns:a14="http://schemas.microsoft.com/office/drawing/2010/main" xmlns="" w="9525">
                   <a:solidFill>
                     <a:schemeClr val="tx1"/>
                   </a:solidFill>
@@ -7307,7 +7308,7 @@
                 </a14:hiddenLine>
               </a:ext>
               <a:ext uri="{AF507438-7753-43e0-B8FC-AC1667EBCBE1}">
-                <a14:hiddenEffects xmlns="" xmlns:a14="http://schemas.microsoft.com/office/drawing/2010/main">
+                <a14:hiddenEffects xmlns:a14="http://schemas.microsoft.com/office/drawing/2010/main" xmlns="">
                   <a:effectLst>
                     <a:outerShdw blurRad="63500" dist="38099" dir="2700000" algn="ctr" rotWithShape="0">
                       <a:schemeClr val="bg2">
@@ -7352,7 +7353,7 @@
             <a:effectLst/>
             <a:extLst>
               <a:ext uri="{91240B29-F687-4f45-9708-019B960494DF}">
-                <a14:hiddenLine xmlns="" xmlns:a14="http://schemas.microsoft.com/office/drawing/2010/main" w="9525">
+                <a14:hiddenLine xmlns:a14="http://schemas.microsoft.com/office/drawing/2010/main" xmlns="" w="9525">
                   <a:solidFill>
                     <a:schemeClr val="tx1"/>
                   </a:solidFill>
@@ -7362,7 +7363,7 @@
                 </a14:hiddenLine>
               </a:ext>
               <a:ext uri="{AF507438-7753-43e0-B8FC-AC1667EBCBE1}">
-                <a14:hiddenEffects xmlns="" xmlns:a14="http://schemas.microsoft.com/office/drawing/2010/main">
+                <a14:hiddenEffects xmlns:a14="http://schemas.microsoft.com/office/drawing/2010/main" xmlns="">
                   <a:effectLst>
                     <a:outerShdw blurRad="63500" dist="38099" dir="2700000" algn="ctr" rotWithShape="0">
                       <a:schemeClr val="bg2">
@@ -7407,7 +7408,7 @@
             <a:effectLst/>
             <a:extLst>
               <a:ext uri="{91240B29-F687-4f45-9708-019B960494DF}">
-                <a14:hiddenLine xmlns="" xmlns:a14="http://schemas.microsoft.com/office/drawing/2010/main" w="9525">
+                <a14:hiddenLine xmlns:a14="http://schemas.microsoft.com/office/drawing/2010/main" xmlns="" w="9525">
                   <a:solidFill>
                     <a:schemeClr val="tx1"/>
                   </a:solidFill>
@@ -7417,7 +7418,7 @@
                 </a14:hiddenLine>
               </a:ext>
               <a:ext uri="{AF507438-7753-43e0-B8FC-AC1667EBCBE1}">
-                <a14:hiddenEffects xmlns="" xmlns:a14="http://schemas.microsoft.com/office/drawing/2010/main">
+                <a14:hiddenEffects xmlns:a14="http://schemas.microsoft.com/office/drawing/2010/main" xmlns="">
                   <a:effectLst>
                     <a:outerShdw blurRad="63500" dist="38099" dir="2700000" algn="ctr" rotWithShape="0">
                       <a:schemeClr val="bg2">
@@ -7462,7 +7463,7 @@
             <a:effectLst/>
             <a:extLst>
               <a:ext uri="{91240B29-F687-4f45-9708-019B960494DF}">
-                <a14:hiddenLine xmlns="" xmlns:a14="http://schemas.microsoft.com/office/drawing/2010/main" w="9525">
+                <a14:hiddenLine xmlns:a14="http://schemas.microsoft.com/office/drawing/2010/main" xmlns="" w="9525">
                   <a:solidFill>
                     <a:schemeClr val="tx1"/>
                   </a:solidFill>
@@ -7472,7 +7473,7 @@
                 </a14:hiddenLine>
               </a:ext>
               <a:ext uri="{AF507438-7753-43e0-B8FC-AC1667EBCBE1}">
-                <a14:hiddenEffects xmlns="" xmlns:a14="http://schemas.microsoft.com/office/drawing/2010/main">
+                <a14:hiddenEffects xmlns:a14="http://schemas.microsoft.com/office/drawing/2010/main" xmlns="">
                   <a:effectLst>
                     <a:outerShdw blurRad="63500" dist="38099" dir="2700000" algn="ctr" rotWithShape="0">
                       <a:schemeClr val="bg2">
@@ -7517,7 +7518,7 @@
             <a:effectLst/>
             <a:extLst>
               <a:ext uri="{91240B29-F687-4f45-9708-019B960494DF}">
-                <a14:hiddenLine xmlns="" xmlns:a14="http://schemas.microsoft.com/office/drawing/2010/main" w="9525">
+                <a14:hiddenLine xmlns:a14="http://schemas.microsoft.com/office/drawing/2010/main" xmlns="" w="9525">
                   <a:solidFill>
                     <a:schemeClr val="tx1"/>
                   </a:solidFill>
@@ -7527,7 +7528,7 @@
                 </a14:hiddenLine>
               </a:ext>
               <a:ext uri="{AF507438-7753-43e0-B8FC-AC1667EBCBE1}">
-                <a14:hiddenEffects xmlns="" xmlns:a14="http://schemas.microsoft.com/office/drawing/2010/main">
+                <a14:hiddenEffects xmlns:a14="http://schemas.microsoft.com/office/drawing/2010/main" xmlns="">
                   <a:effectLst>
                     <a:outerShdw blurRad="63500" dist="38099" dir="2700000" algn="ctr" rotWithShape="0">
                       <a:schemeClr val="bg2">
@@ -7572,7 +7573,7 @@
             <a:effectLst/>
             <a:extLst>
               <a:ext uri="{91240B29-F687-4f45-9708-019B960494DF}">
-                <a14:hiddenLine xmlns="" xmlns:a14="http://schemas.microsoft.com/office/drawing/2010/main" w="9525">
+                <a14:hiddenLine xmlns:a14="http://schemas.microsoft.com/office/drawing/2010/main" xmlns="" w="9525">
                   <a:solidFill>
                     <a:schemeClr val="tx1"/>
                   </a:solidFill>
@@ -7582,7 +7583,7 @@
                 </a14:hiddenLine>
               </a:ext>
               <a:ext uri="{AF507438-7753-43e0-B8FC-AC1667EBCBE1}">
-                <a14:hiddenEffects xmlns="" xmlns:a14="http://schemas.microsoft.com/office/drawing/2010/main">
+                <a14:hiddenEffects xmlns:a14="http://schemas.microsoft.com/office/drawing/2010/main" xmlns="">
                   <a:effectLst>
                     <a:outerShdw blurRad="63500" dist="38099" dir="2700000" algn="ctr" rotWithShape="0">
                       <a:schemeClr val="bg2">
@@ -7627,7 +7628,7 @@
             <a:effectLst/>
             <a:extLst>
               <a:ext uri="{91240B29-F687-4f45-9708-019B960494DF}">
-                <a14:hiddenLine xmlns="" xmlns:a14="http://schemas.microsoft.com/office/drawing/2010/main" w="9525">
+                <a14:hiddenLine xmlns:a14="http://schemas.microsoft.com/office/drawing/2010/main" xmlns="" w="9525">
                   <a:solidFill>
                     <a:schemeClr val="tx1"/>
                   </a:solidFill>
@@ -7637,7 +7638,7 @@
                 </a14:hiddenLine>
               </a:ext>
               <a:ext uri="{AF507438-7753-43e0-B8FC-AC1667EBCBE1}">
-                <a14:hiddenEffects xmlns="" xmlns:a14="http://schemas.microsoft.com/office/drawing/2010/main">
+                <a14:hiddenEffects xmlns:a14="http://schemas.microsoft.com/office/drawing/2010/main" xmlns="">
                   <a:effectLst>
                     <a:outerShdw blurRad="63500" dist="38099" dir="2700000" algn="ctr" rotWithShape="0">
                       <a:schemeClr val="bg2">
@@ -7682,7 +7683,7 @@
             <a:effectLst/>
             <a:extLst>
               <a:ext uri="{91240B29-F687-4f45-9708-019B960494DF}">
-                <a14:hiddenLine xmlns="" xmlns:a14="http://schemas.microsoft.com/office/drawing/2010/main" w="9525">
+                <a14:hiddenLine xmlns:a14="http://schemas.microsoft.com/office/drawing/2010/main" xmlns="" w="9525">
                   <a:solidFill>
                     <a:schemeClr val="tx1"/>
                   </a:solidFill>
@@ -7692,7 +7693,7 @@
                 </a14:hiddenLine>
               </a:ext>
               <a:ext uri="{AF507438-7753-43e0-B8FC-AC1667EBCBE1}">
-                <a14:hiddenEffects xmlns="" xmlns:a14="http://schemas.microsoft.com/office/drawing/2010/main">
+                <a14:hiddenEffects xmlns:a14="http://schemas.microsoft.com/office/drawing/2010/main" xmlns="">
                   <a:effectLst>
                     <a:outerShdw blurRad="63500" dist="38099" dir="2700000" algn="ctr" rotWithShape="0">
                       <a:schemeClr val="bg2">
@@ -7737,7 +7738,7 @@
             <a:effectLst/>
             <a:extLst>
               <a:ext uri="{91240B29-F687-4f45-9708-019B960494DF}">
-                <a14:hiddenLine xmlns="" xmlns:a14="http://schemas.microsoft.com/office/drawing/2010/main" w="9525">
+                <a14:hiddenLine xmlns:a14="http://schemas.microsoft.com/office/drawing/2010/main" xmlns="" w="9525">
                   <a:solidFill>
                     <a:schemeClr val="tx1"/>
                   </a:solidFill>
@@ -7747,7 +7748,7 @@
                 </a14:hiddenLine>
               </a:ext>
               <a:ext uri="{AF507438-7753-43e0-B8FC-AC1667EBCBE1}">
-                <a14:hiddenEffects xmlns="" xmlns:a14="http://schemas.microsoft.com/office/drawing/2010/main">
+                <a14:hiddenEffects xmlns:a14="http://schemas.microsoft.com/office/drawing/2010/main" xmlns="">
                   <a:effectLst>
                     <a:outerShdw blurRad="63500" dist="38099" dir="2700000" algn="ctr" rotWithShape="0">
                       <a:schemeClr val="bg2">
@@ -7792,7 +7793,7 @@
             <a:effectLst/>
             <a:extLst>
               <a:ext uri="{91240B29-F687-4f45-9708-019B960494DF}">
-                <a14:hiddenLine xmlns="" xmlns:a14="http://schemas.microsoft.com/office/drawing/2010/main" w="9525">
+                <a14:hiddenLine xmlns:a14="http://schemas.microsoft.com/office/drawing/2010/main" xmlns="" w="9525">
                   <a:solidFill>
                     <a:schemeClr val="tx1"/>
                   </a:solidFill>
@@ -7802,7 +7803,7 @@
                 </a14:hiddenLine>
               </a:ext>
               <a:ext uri="{AF507438-7753-43e0-B8FC-AC1667EBCBE1}">
-                <a14:hiddenEffects xmlns="" xmlns:a14="http://schemas.microsoft.com/office/drawing/2010/main">
+                <a14:hiddenEffects xmlns:a14="http://schemas.microsoft.com/office/drawing/2010/main" xmlns="">
                   <a:effectLst>
                     <a:outerShdw blurRad="63500" dist="38099" dir="2700000" algn="ctr" rotWithShape="0">
                       <a:schemeClr val="bg2">
@@ -7847,7 +7848,7 @@
             <a:effectLst/>
             <a:extLst>
               <a:ext uri="{91240B29-F687-4f45-9708-019B960494DF}">
-                <a14:hiddenLine xmlns="" xmlns:a14="http://schemas.microsoft.com/office/drawing/2010/main" w="9525">
+                <a14:hiddenLine xmlns:a14="http://schemas.microsoft.com/office/drawing/2010/main" xmlns="" w="9525">
                   <a:solidFill>
                     <a:schemeClr val="tx1"/>
                   </a:solidFill>
@@ -7857,7 +7858,7 @@
                 </a14:hiddenLine>
               </a:ext>
               <a:ext uri="{AF507438-7753-43e0-B8FC-AC1667EBCBE1}">
-                <a14:hiddenEffects xmlns="" xmlns:a14="http://schemas.microsoft.com/office/drawing/2010/main">
+                <a14:hiddenEffects xmlns:a14="http://schemas.microsoft.com/office/drawing/2010/main" xmlns="">
                   <a:effectLst>
                     <a:outerShdw blurRad="63500" dist="38099" dir="2700000" algn="ctr" rotWithShape="0">
                       <a:schemeClr val="bg2">
@@ -7902,7 +7903,7 @@
             <a:effectLst/>
             <a:extLst>
               <a:ext uri="{91240B29-F687-4f45-9708-019B960494DF}">
-                <a14:hiddenLine xmlns="" xmlns:a14="http://schemas.microsoft.com/office/drawing/2010/main" w="9525">
+                <a14:hiddenLine xmlns:a14="http://schemas.microsoft.com/office/drawing/2010/main" xmlns="" w="9525">
                   <a:solidFill>
                     <a:schemeClr val="tx1"/>
                   </a:solidFill>
@@ -7912,7 +7913,7 @@
                 </a14:hiddenLine>
               </a:ext>
               <a:ext uri="{AF507438-7753-43e0-B8FC-AC1667EBCBE1}">
-                <a14:hiddenEffects xmlns="" xmlns:a14="http://schemas.microsoft.com/office/drawing/2010/main">
+                <a14:hiddenEffects xmlns:a14="http://schemas.microsoft.com/office/drawing/2010/main" xmlns="">
                   <a:effectLst>
                     <a:outerShdw blurRad="63500" dist="38099" dir="2700000" algn="ctr" rotWithShape="0">
                       <a:schemeClr val="bg2">
@@ -7957,7 +7958,7 @@
             <a:effectLst/>
             <a:extLst>
               <a:ext uri="{91240B29-F687-4f45-9708-019B960494DF}">
-                <a14:hiddenLine xmlns="" xmlns:a14="http://schemas.microsoft.com/office/drawing/2010/main" w="9525">
+                <a14:hiddenLine xmlns:a14="http://schemas.microsoft.com/office/drawing/2010/main" xmlns="" w="9525">
                   <a:solidFill>
                     <a:schemeClr val="tx1"/>
                   </a:solidFill>
@@ -7967,7 +7968,7 @@
                 </a14:hiddenLine>
               </a:ext>
               <a:ext uri="{AF507438-7753-43e0-B8FC-AC1667EBCBE1}">
-                <a14:hiddenEffects xmlns="" xmlns:a14="http://schemas.microsoft.com/office/drawing/2010/main">
+                <a14:hiddenEffects xmlns:a14="http://schemas.microsoft.com/office/drawing/2010/main" xmlns="">
                   <a:effectLst>
                     <a:outerShdw blurRad="63500" dist="38099" dir="2700000" algn="ctr" rotWithShape="0">
                       <a:schemeClr val="bg2">
@@ -8012,7 +8013,7 @@
             <a:effectLst/>
             <a:extLst>
               <a:ext uri="{91240B29-F687-4f45-9708-019B960494DF}">
-                <a14:hiddenLine xmlns="" xmlns:a14="http://schemas.microsoft.com/office/drawing/2010/main" w="9525">
+                <a14:hiddenLine xmlns:a14="http://schemas.microsoft.com/office/drawing/2010/main" xmlns="" w="9525">
                   <a:solidFill>
                     <a:schemeClr val="tx1"/>
                   </a:solidFill>
@@ -8022,7 +8023,7 @@
                 </a14:hiddenLine>
               </a:ext>
               <a:ext uri="{AF507438-7753-43e0-B8FC-AC1667EBCBE1}">
-                <a14:hiddenEffects xmlns="" xmlns:a14="http://schemas.microsoft.com/office/drawing/2010/main">
+                <a14:hiddenEffects xmlns:a14="http://schemas.microsoft.com/office/drawing/2010/main" xmlns="">
                   <a:effectLst>
                     <a:outerShdw blurRad="63500" dist="38099" dir="2700000" algn="ctr" rotWithShape="0">
                       <a:schemeClr val="bg2">
@@ -8067,7 +8068,7 @@
             <a:effectLst/>
             <a:extLst>
               <a:ext uri="{91240B29-F687-4f45-9708-019B960494DF}">
-                <a14:hiddenLine xmlns="" xmlns:a14="http://schemas.microsoft.com/office/drawing/2010/main" w="9525">
+                <a14:hiddenLine xmlns:a14="http://schemas.microsoft.com/office/drawing/2010/main" xmlns="" w="9525">
                   <a:solidFill>
                     <a:schemeClr val="tx1"/>
                   </a:solidFill>
@@ -8077,7 +8078,7 @@
                 </a14:hiddenLine>
               </a:ext>
               <a:ext uri="{AF507438-7753-43e0-B8FC-AC1667EBCBE1}">
-                <a14:hiddenEffects xmlns="" xmlns:a14="http://schemas.microsoft.com/office/drawing/2010/main">
+                <a14:hiddenEffects xmlns:a14="http://schemas.microsoft.com/office/drawing/2010/main" xmlns="">
                   <a:effectLst>
                     <a:outerShdw blurRad="63500" dist="38099" dir="2700000" algn="ctr" rotWithShape="0">
                       <a:schemeClr val="bg2">
@@ -8122,7 +8123,7 @@
             <a:effectLst/>
             <a:extLst>
               <a:ext uri="{91240B29-F687-4f45-9708-019B960494DF}">
-                <a14:hiddenLine xmlns="" xmlns:a14="http://schemas.microsoft.com/office/drawing/2010/main" w="9525">
+                <a14:hiddenLine xmlns:a14="http://schemas.microsoft.com/office/drawing/2010/main" xmlns="" w="9525">
                   <a:solidFill>
                     <a:schemeClr val="tx1"/>
                   </a:solidFill>
@@ -8132,7 +8133,7 @@
                 </a14:hiddenLine>
               </a:ext>
               <a:ext uri="{AF507438-7753-43e0-B8FC-AC1667EBCBE1}">
-                <a14:hiddenEffects xmlns="" xmlns:a14="http://schemas.microsoft.com/office/drawing/2010/main">
+                <a14:hiddenEffects xmlns:a14="http://schemas.microsoft.com/office/drawing/2010/main" xmlns="">
                   <a:effectLst>
                     <a:outerShdw blurRad="63500" dist="38099" dir="2700000" algn="ctr" rotWithShape="0">
                       <a:schemeClr val="bg2">
@@ -8177,7 +8178,7 @@
             <a:effectLst/>
             <a:extLst>
               <a:ext uri="{91240B29-F687-4f45-9708-019B960494DF}">
-                <a14:hiddenLine xmlns="" xmlns:a14="http://schemas.microsoft.com/office/drawing/2010/main" w="9525">
+                <a14:hiddenLine xmlns:a14="http://schemas.microsoft.com/office/drawing/2010/main" xmlns="" w="9525">
                   <a:solidFill>
                     <a:schemeClr val="tx1"/>
                   </a:solidFill>
@@ -8187,7 +8188,7 @@
                 </a14:hiddenLine>
               </a:ext>
               <a:ext uri="{AF507438-7753-43e0-B8FC-AC1667EBCBE1}">
-                <a14:hiddenEffects xmlns="" xmlns:a14="http://schemas.microsoft.com/office/drawing/2010/main">
+                <a14:hiddenEffects xmlns:a14="http://schemas.microsoft.com/office/drawing/2010/main" xmlns="">
                   <a:effectLst>
                     <a:outerShdw blurRad="63500" dist="38099" dir="2700000" algn="ctr" rotWithShape="0">
                       <a:schemeClr val="bg2">
@@ -8232,7 +8233,7 @@
             <a:effectLst/>
             <a:extLst>
               <a:ext uri="{91240B29-F687-4f45-9708-019B960494DF}">
-                <a14:hiddenLine xmlns="" xmlns:a14="http://schemas.microsoft.com/office/drawing/2010/main" w="9525">
+                <a14:hiddenLine xmlns:a14="http://schemas.microsoft.com/office/drawing/2010/main" xmlns="" w="9525">
                   <a:solidFill>
                     <a:schemeClr val="tx1"/>
                   </a:solidFill>
@@ -8242,7 +8243,7 @@
                 </a14:hiddenLine>
               </a:ext>
               <a:ext uri="{AF507438-7753-43e0-B8FC-AC1667EBCBE1}">
-                <a14:hiddenEffects xmlns="" xmlns:a14="http://schemas.microsoft.com/office/drawing/2010/main">
+                <a14:hiddenEffects xmlns:a14="http://schemas.microsoft.com/office/drawing/2010/main" xmlns="">
                   <a:effectLst>
                     <a:outerShdw blurRad="63500" dist="38099" dir="2700000" algn="ctr" rotWithShape="0">
                       <a:schemeClr val="bg2">
@@ -8287,7 +8288,7 @@
             <a:effectLst/>
             <a:extLst>
               <a:ext uri="{91240B29-F687-4f45-9708-019B960494DF}">
-                <a14:hiddenLine xmlns="" xmlns:a14="http://schemas.microsoft.com/office/drawing/2010/main" w="9525">
+                <a14:hiddenLine xmlns:a14="http://schemas.microsoft.com/office/drawing/2010/main" xmlns="" w="9525">
                   <a:solidFill>
                     <a:schemeClr val="tx1"/>
                   </a:solidFill>
@@ -8297,7 +8298,7 @@
                 </a14:hiddenLine>
               </a:ext>
               <a:ext uri="{AF507438-7753-43e0-B8FC-AC1667EBCBE1}">
-                <a14:hiddenEffects xmlns="" xmlns:a14="http://schemas.microsoft.com/office/drawing/2010/main">
+                <a14:hiddenEffects xmlns:a14="http://schemas.microsoft.com/office/drawing/2010/main" xmlns="">
                   <a:effectLst>
                     <a:outerShdw blurRad="63500" dist="38099" dir="2700000" algn="ctr" rotWithShape="0">
                       <a:schemeClr val="bg2">
@@ -8342,7 +8343,7 @@
             <a:effectLst/>
             <a:extLst>
               <a:ext uri="{91240B29-F687-4f45-9708-019B960494DF}">
-                <a14:hiddenLine xmlns="" xmlns:a14="http://schemas.microsoft.com/office/drawing/2010/main" w="9525">
+                <a14:hiddenLine xmlns:a14="http://schemas.microsoft.com/office/drawing/2010/main" xmlns="" w="9525">
                   <a:solidFill>
                     <a:schemeClr val="tx1"/>
                   </a:solidFill>
@@ -8352,7 +8353,7 @@
                 </a14:hiddenLine>
               </a:ext>
               <a:ext uri="{AF507438-7753-43e0-B8FC-AC1667EBCBE1}">
-                <a14:hiddenEffects xmlns="" xmlns:a14="http://schemas.microsoft.com/office/drawing/2010/main">
+                <a14:hiddenEffects xmlns:a14="http://schemas.microsoft.com/office/drawing/2010/main" xmlns="">
                   <a:effectLst>
                     <a:outerShdw blurRad="63500" dist="38099" dir="2700000" algn="ctr" rotWithShape="0">
                       <a:schemeClr val="bg2">
@@ -8397,7 +8398,7 @@
             <a:effectLst/>
             <a:extLst>
               <a:ext uri="{91240B29-F687-4f45-9708-019B960494DF}">
-                <a14:hiddenLine xmlns="" xmlns:a14="http://schemas.microsoft.com/office/drawing/2010/main" w="9525">
+                <a14:hiddenLine xmlns:a14="http://schemas.microsoft.com/office/drawing/2010/main" xmlns="" w="9525">
                   <a:solidFill>
                     <a:schemeClr val="tx1"/>
                   </a:solidFill>
@@ -8407,7 +8408,7 @@
                 </a14:hiddenLine>
               </a:ext>
               <a:ext uri="{AF507438-7753-43e0-B8FC-AC1667EBCBE1}">
-                <a14:hiddenEffects xmlns="" xmlns:a14="http://schemas.microsoft.com/office/drawing/2010/main">
+                <a14:hiddenEffects xmlns:a14="http://schemas.microsoft.com/office/drawing/2010/main" xmlns="">
                   <a:effectLst>
                     <a:outerShdw blurRad="63500" dist="38099" dir="2700000" algn="ctr" rotWithShape="0">
                       <a:schemeClr val="bg2">
@@ -8452,7 +8453,7 @@
             <a:effectLst/>
             <a:extLst>
               <a:ext uri="{91240B29-F687-4f45-9708-019B960494DF}">
-                <a14:hiddenLine xmlns="" xmlns:a14="http://schemas.microsoft.com/office/drawing/2010/main" w="9525">
+                <a14:hiddenLine xmlns:a14="http://schemas.microsoft.com/office/drawing/2010/main" xmlns="" w="9525">
                   <a:solidFill>
                     <a:schemeClr val="tx1"/>
                   </a:solidFill>
@@ -8462,7 +8463,7 @@
                 </a14:hiddenLine>
               </a:ext>
               <a:ext uri="{AF507438-7753-43e0-B8FC-AC1667EBCBE1}">
-                <a14:hiddenEffects xmlns="" xmlns:a14="http://schemas.microsoft.com/office/drawing/2010/main">
+                <a14:hiddenEffects xmlns:a14="http://schemas.microsoft.com/office/drawing/2010/main" xmlns="">
                   <a:effectLst>
                     <a:outerShdw blurRad="63500" dist="38099" dir="2700000" algn="ctr" rotWithShape="0">
                       <a:schemeClr val="bg2">
@@ -8507,7 +8508,7 @@
             <a:effectLst/>
             <a:extLst>
               <a:ext uri="{91240B29-F687-4f45-9708-019B960494DF}">
-                <a14:hiddenLine xmlns="" xmlns:a14="http://schemas.microsoft.com/office/drawing/2010/main" w="9525">
+                <a14:hiddenLine xmlns:a14="http://schemas.microsoft.com/office/drawing/2010/main" xmlns="" w="9525">
                   <a:solidFill>
                     <a:schemeClr val="tx1"/>
                   </a:solidFill>
@@ -8517,7 +8518,7 @@
                 </a14:hiddenLine>
               </a:ext>
               <a:ext uri="{AF507438-7753-43e0-B8FC-AC1667EBCBE1}">
-                <a14:hiddenEffects xmlns="" xmlns:a14="http://schemas.microsoft.com/office/drawing/2010/main">
+                <a14:hiddenEffects xmlns:a14="http://schemas.microsoft.com/office/drawing/2010/main" xmlns="">
                   <a:effectLst>
                     <a:outerShdw blurRad="63500" dist="38099" dir="2700000" algn="ctr" rotWithShape="0">
                       <a:schemeClr val="bg2">
@@ -8562,7 +8563,7 @@
             <a:effectLst/>
             <a:extLst>
               <a:ext uri="{91240B29-F687-4f45-9708-019B960494DF}">
-                <a14:hiddenLine xmlns="" xmlns:a14="http://schemas.microsoft.com/office/drawing/2010/main" w="9525">
+                <a14:hiddenLine xmlns:a14="http://schemas.microsoft.com/office/drawing/2010/main" xmlns="" w="9525">
                   <a:solidFill>
                     <a:schemeClr val="tx1"/>
                   </a:solidFill>
@@ -8572,7 +8573,7 @@
                 </a14:hiddenLine>
               </a:ext>
               <a:ext uri="{AF507438-7753-43e0-B8FC-AC1667EBCBE1}">
-                <a14:hiddenEffects xmlns="" xmlns:a14="http://schemas.microsoft.com/office/drawing/2010/main">
+                <a14:hiddenEffects xmlns:a14="http://schemas.microsoft.com/office/drawing/2010/main" xmlns="">
                   <a:effectLst>
                     <a:outerShdw blurRad="63500" dist="38099" dir="2700000" algn="ctr" rotWithShape="0">
                       <a:schemeClr val="bg2">
@@ -8617,7 +8618,7 @@
             <a:effectLst/>
             <a:extLst>
               <a:ext uri="{91240B29-F687-4f45-9708-019B960494DF}">
-                <a14:hiddenLine xmlns="" xmlns:a14="http://schemas.microsoft.com/office/drawing/2010/main" w="9525">
+                <a14:hiddenLine xmlns:a14="http://schemas.microsoft.com/office/drawing/2010/main" xmlns="" w="9525">
                   <a:solidFill>
                     <a:schemeClr val="tx1"/>
                   </a:solidFill>
@@ -8627,7 +8628,7 @@
                 </a14:hiddenLine>
               </a:ext>
               <a:ext uri="{AF507438-7753-43e0-B8FC-AC1667EBCBE1}">
-                <a14:hiddenEffects xmlns="" xmlns:a14="http://schemas.microsoft.com/office/drawing/2010/main">
+                <a14:hiddenEffects xmlns:a14="http://schemas.microsoft.com/office/drawing/2010/main" xmlns="">
                   <a:effectLst>
                     <a:outerShdw blurRad="63500" dist="38099" dir="2700000" algn="ctr" rotWithShape="0">
                       <a:schemeClr val="bg2">
@@ -8672,7 +8673,7 @@
             <a:effectLst/>
             <a:extLst>
               <a:ext uri="{91240B29-F687-4f45-9708-019B960494DF}">
-                <a14:hiddenLine xmlns="" xmlns:a14="http://schemas.microsoft.com/office/drawing/2010/main" w="9525">
+                <a14:hiddenLine xmlns:a14="http://schemas.microsoft.com/office/drawing/2010/main" xmlns="" w="9525">
                   <a:solidFill>
                     <a:schemeClr val="tx1"/>
                   </a:solidFill>
@@ -8682,7 +8683,7 @@
                 </a14:hiddenLine>
               </a:ext>
               <a:ext uri="{AF507438-7753-43e0-B8FC-AC1667EBCBE1}">
-                <a14:hiddenEffects xmlns="" xmlns:a14="http://schemas.microsoft.com/office/drawing/2010/main">
+                <a14:hiddenEffects xmlns:a14="http://schemas.microsoft.com/office/drawing/2010/main" xmlns="">
                   <a:effectLst>
                     <a:outerShdw blurRad="63500" dist="38099" dir="2700000" algn="ctr" rotWithShape="0">
                       <a:schemeClr val="bg2">
@@ -8727,7 +8728,7 @@
             <a:effectLst/>
             <a:extLst>
               <a:ext uri="{91240B29-F687-4f45-9708-019B960494DF}">
-                <a14:hiddenLine xmlns="" xmlns:a14="http://schemas.microsoft.com/office/drawing/2010/main" w="9525">
+                <a14:hiddenLine xmlns:a14="http://schemas.microsoft.com/office/drawing/2010/main" xmlns="" w="9525">
                   <a:solidFill>
                     <a:schemeClr val="tx1"/>
                   </a:solidFill>
@@ -8737,7 +8738,7 @@
                 </a14:hiddenLine>
               </a:ext>
               <a:ext uri="{AF507438-7753-43e0-B8FC-AC1667EBCBE1}">
-                <a14:hiddenEffects xmlns="" xmlns:a14="http://schemas.microsoft.com/office/drawing/2010/main">
+                <a14:hiddenEffects xmlns:a14="http://schemas.microsoft.com/office/drawing/2010/main" xmlns="">
                   <a:effectLst>
                     <a:outerShdw blurRad="63500" dist="38099" dir="2700000" algn="ctr" rotWithShape="0">
                       <a:schemeClr val="bg2">
@@ -8782,7 +8783,7 @@
             <a:effectLst/>
             <a:extLst>
               <a:ext uri="{91240B29-F687-4f45-9708-019B960494DF}">
-                <a14:hiddenLine xmlns="" xmlns:a14="http://schemas.microsoft.com/office/drawing/2010/main" w="9525">
+                <a14:hiddenLine xmlns:a14="http://schemas.microsoft.com/office/drawing/2010/main" xmlns="" w="9525">
                   <a:solidFill>
                     <a:schemeClr val="tx1"/>
                   </a:solidFill>
@@ -8792,7 +8793,7 @@
                 </a14:hiddenLine>
               </a:ext>
               <a:ext uri="{AF507438-7753-43e0-B8FC-AC1667EBCBE1}">
-                <a14:hiddenEffects xmlns="" xmlns:a14="http://schemas.microsoft.com/office/drawing/2010/main">
+                <a14:hiddenEffects xmlns:a14="http://schemas.microsoft.com/office/drawing/2010/main" xmlns="">
                   <a:effectLst>
                     <a:outerShdw blurRad="63500" dist="38099" dir="2700000" algn="ctr" rotWithShape="0">
                       <a:schemeClr val="bg2">
@@ -9397,9 +9398,9 @@
       </p:grpSpPr>
       <p:sp>
         <p:nvSpPr>
-          <p:cNvPr id="13314" name="Rectangle 2"/>
+          <p:cNvPr id="4" name="Title 3"/>
           <p:cNvSpPr>
-            <a:spLocks noGrp="1" noChangeArrowheads="1"/>
+            <a:spLocks noGrp="1"/>
           </p:cNvSpPr>
           <p:nvPr>
             <p:ph type="title"/>
@@ -9411,7 +9412,7 @@
           <a:lstStyle/>
           <a:p>
             <a:r>
-              <a:rPr lang="en-US"/>
+              <a:rPr lang="en-US" dirty="0"/>
               <a:t>Grammars</a:t>
             </a:r>
           </a:p>
@@ -9419,76 +9420,1339 @@
       </p:sp>
       <p:sp>
         <p:nvSpPr>
-          <p:cNvPr id="13315" name="Rectangle 3"/>
-          <p:cNvSpPr>
-            <a:spLocks noGrp="1" noChangeArrowheads="1"/>
+          <p:cNvPr id="5" name="TextBox 4"/>
+          <p:cNvSpPr txBox="1"/>
+          <p:nvPr/>
+        </p:nvSpPr>
+        <p:spPr>
+          <a:xfrm>
+            <a:off x="704048" y="1988026"/>
+            <a:ext cx="800407" cy="369332"/>
+          </a:xfrm>
+          <a:prstGeom prst="rect">
+            <a:avLst/>
+          </a:prstGeom>
+          <a:noFill/>
+        </p:spPr>
+        <p:txBody>
+          <a:bodyPr wrap="none" rtlCol="0">
+            <a:spAutoFit/>
+          </a:bodyPr>
+          <a:lstStyle/>
+          <a:p>
+            <a:r>
+              <a:rPr lang="en-US" sz="1800" dirty="0"/>
+              <a:t>s x 3 ;</a:t>
+            </a:r>
+          </a:p>
+        </p:txBody>
+      </p:sp>
+      <p:sp>
+        <p:nvSpPr>
+          <p:cNvPr id="6" name="TextBox 5"/>
+          <p:cNvSpPr txBox="1"/>
+          <p:nvPr/>
+        </p:nvSpPr>
+        <p:spPr>
+          <a:xfrm>
+            <a:off x="5633976" y="457200"/>
+            <a:ext cx="841897" cy="307777"/>
+          </a:xfrm>
+          <a:prstGeom prst="rect">
+            <a:avLst/>
+          </a:prstGeom>
+          <a:noFill/>
+        </p:spPr>
+        <p:txBody>
+          <a:bodyPr wrap="none" rtlCol="0">
+            <a:spAutoFit/>
+          </a:bodyPr>
+          <a:lstStyle/>
+          <a:p>
+            <a:r>
+              <a:rPr lang="en-US" dirty="0" err="1"/>
+              <a:t>stmt_list</a:t>
+            </a:r>
+            <a:endParaRPr lang="en-US" dirty="0"/>
+          </a:p>
+        </p:txBody>
+      </p:sp>
+      <p:sp>
+        <p:nvSpPr>
+          <p:cNvPr id="8" name="TextBox 7"/>
+          <p:cNvSpPr txBox="1"/>
+          <p:nvPr/>
+        </p:nvSpPr>
+        <p:spPr>
+          <a:xfrm>
+            <a:off x="4909400" y="1301445"/>
+            <a:ext cx="530915" cy="307777"/>
+          </a:xfrm>
+          <a:prstGeom prst="rect">
+            <a:avLst/>
+          </a:prstGeom>
+          <a:noFill/>
+        </p:spPr>
+        <p:txBody>
+          <a:bodyPr wrap="none" rtlCol="0">
+            <a:spAutoFit/>
+          </a:bodyPr>
+          <a:lstStyle/>
+          <a:p>
+            <a:r>
+              <a:rPr lang="en-US" dirty="0" err="1"/>
+              <a:t>stmt</a:t>
+            </a:r>
+            <a:endParaRPr lang="en-US" dirty="0"/>
+          </a:p>
+        </p:txBody>
+      </p:sp>
+      <p:sp>
+        <p:nvSpPr>
+          <p:cNvPr id="9" name="TextBox 8"/>
+          <p:cNvSpPr txBox="1"/>
+          <p:nvPr/>
+        </p:nvSpPr>
+        <p:spPr>
+          <a:xfrm>
+            <a:off x="4343400" y="1907977"/>
+            <a:ext cx="274434" cy="307777"/>
+          </a:xfrm>
+          <a:prstGeom prst="rect">
+            <a:avLst/>
+          </a:prstGeom>
+          <a:noFill/>
+        </p:spPr>
+        <p:txBody>
+          <a:bodyPr wrap="none" rtlCol="0">
+            <a:spAutoFit/>
+          </a:bodyPr>
+          <a:lstStyle/>
+          <a:p>
+            <a:r>
+              <a:rPr lang="en-US" dirty="0"/>
+              <a:t>s</a:t>
+            </a:r>
+          </a:p>
+        </p:txBody>
+      </p:sp>
+      <p:sp>
+        <p:nvSpPr>
+          <p:cNvPr id="10" name="TextBox 9"/>
+          <p:cNvSpPr txBox="1"/>
+          <p:nvPr/>
+        </p:nvSpPr>
+        <p:spPr>
+          <a:xfrm>
+            <a:off x="4923242" y="1907977"/>
+            <a:ext cx="453970" cy="307777"/>
+          </a:xfrm>
+          <a:prstGeom prst="rect">
+            <a:avLst/>
+          </a:prstGeom>
+          <a:noFill/>
+        </p:spPr>
+        <p:txBody>
+          <a:bodyPr wrap="none" rtlCol="0">
+            <a:spAutoFit/>
+          </a:bodyPr>
+          <a:lstStyle/>
+          <a:p>
+            <a:r>
+              <a:rPr lang="en-US" dirty="0" err="1"/>
+              <a:t>var</a:t>
+            </a:r>
+            <a:endParaRPr lang="en-US" dirty="0"/>
+          </a:p>
+        </p:txBody>
+      </p:sp>
+      <p:sp>
+        <p:nvSpPr>
+          <p:cNvPr id="11" name="TextBox 10"/>
+          <p:cNvSpPr txBox="1"/>
+          <p:nvPr/>
+        </p:nvSpPr>
+        <p:spPr>
+          <a:xfrm>
+            <a:off x="5703388" y="1905000"/>
+            <a:ext cx="474133" cy="307777"/>
+          </a:xfrm>
+          <a:prstGeom prst="rect">
+            <a:avLst/>
+          </a:prstGeom>
+          <a:noFill/>
+        </p:spPr>
+        <p:txBody>
+          <a:bodyPr wrap="none" rtlCol="0">
+            <a:spAutoFit/>
+          </a:bodyPr>
+          <a:lstStyle/>
+          <a:p>
+            <a:r>
+              <a:rPr lang="en-US" dirty="0" err="1"/>
+              <a:t>exp</a:t>
+            </a:r>
+            <a:endParaRPr lang="en-US" dirty="0"/>
+          </a:p>
+        </p:txBody>
+      </p:sp>
+      <p:sp>
+        <p:nvSpPr>
+          <p:cNvPr id="12" name="TextBox 11"/>
+          <p:cNvSpPr txBox="1"/>
+          <p:nvPr/>
+        </p:nvSpPr>
+        <p:spPr>
+          <a:xfrm>
+            <a:off x="6329921" y="1907977"/>
+            <a:ext cx="234547" cy="307777"/>
+          </a:xfrm>
+          <a:prstGeom prst="rect">
+            <a:avLst/>
+          </a:prstGeom>
+          <a:noFill/>
+        </p:spPr>
+        <p:txBody>
+          <a:bodyPr wrap="none" rtlCol="0">
+            <a:spAutoFit/>
+          </a:bodyPr>
+          <a:lstStyle/>
+          <a:p>
+            <a:r>
+              <a:rPr lang="en-US" dirty="0"/>
+              <a:t>;</a:t>
+            </a:r>
+          </a:p>
+        </p:txBody>
+      </p:sp>
+      <p:sp>
+        <p:nvSpPr>
+          <p:cNvPr id="13" name="TextBox 12"/>
+          <p:cNvSpPr txBox="1"/>
+          <p:nvPr/>
+        </p:nvSpPr>
+        <p:spPr>
+          <a:xfrm>
+            <a:off x="4958321" y="2590800"/>
+            <a:ext cx="274434" cy="307777"/>
+          </a:xfrm>
+          <a:prstGeom prst="rect">
+            <a:avLst/>
+          </a:prstGeom>
+          <a:noFill/>
+        </p:spPr>
+        <p:txBody>
+          <a:bodyPr wrap="none" rtlCol="0">
+            <a:spAutoFit/>
+          </a:bodyPr>
+          <a:lstStyle/>
+          <a:p>
+            <a:r>
+              <a:rPr lang="en-US" dirty="0"/>
+              <a:t>x</a:t>
+            </a:r>
+          </a:p>
+        </p:txBody>
+      </p:sp>
+      <p:sp>
+        <p:nvSpPr>
+          <p:cNvPr id="14" name="TextBox 13"/>
+          <p:cNvSpPr txBox="1"/>
+          <p:nvPr/>
+        </p:nvSpPr>
+        <p:spPr>
+          <a:xfrm>
+            <a:off x="5715000" y="2593777"/>
+            <a:ext cx="532518" cy="307777"/>
+          </a:xfrm>
+          <a:prstGeom prst="rect">
+            <a:avLst/>
+          </a:prstGeom>
+          <a:noFill/>
+        </p:spPr>
+        <p:txBody>
+          <a:bodyPr wrap="none" rtlCol="0">
+            <a:spAutoFit/>
+          </a:bodyPr>
+          <a:lstStyle/>
+          <a:p>
+            <a:r>
+              <a:rPr lang="en-US" dirty="0"/>
+              <a:t>num</a:t>
+            </a:r>
+          </a:p>
+        </p:txBody>
+      </p:sp>
+      <p:cxnSp>
+        <p:nvCxnSpPr>
+          <p:cNvPr id="16" name="Straight Connector 15"/>
+          <p:cNvCxnSpPr>
+            <a:stCxn id="6" idx="2"/>
+            <a:endCxn id="8" idx="0"/>
+          </p:cNvCxnSpPr>
+          <p:nvPr/>
+        </p:nvCxnSpPr>
+        <p:spPr bwMode="auto">
+          <a:xfrm flipH="1">
+            <a:off x="5174858" y="764977"/>
+            <a:ext cx="880067" cy="536468"/>
+          </a:xfrm>
+          <a:prstGeom prst="line">
+            <a:avLst/>
+          </a:prstGeom>
+          <a:solidFill>
+            <a:schemeClr val="accent1"/>
+          </a:solidFill>
+          <a:ln w="9525" cap="flat" cmpd="sng" algn="ctr">
+            <a:solidFill>
+              <a:schemeClr val="tx1"/>
+            </a:solidFill>
+            <a:prstDash val="solid"/>
+            <a:round/>
+            <a:headEnd type="none" w="med" len="med"/>
+            <a:tailEnd type="none" w="med" len="med"/>
+          </a:ln>
+          <a:effectLst/>
+          <a:extLst>
+            <a:ext uri="{AF507438-7753-43e0-B8FC-AC1667EBCBE1}">
+              <a14:hiddenEffects xmlns:a14="http://schemas.microsoft.com/office/drawing/2010/main" xmlns="">
+                <a:effectLst>
+                  <a:outerShdw blurRad="63500" dist="38099" dir="2700000" algn="ctr" rotWithShape="0">
+                    <a:schemeClr val="bg2">
+                      <a:alpha val="74998"/>
+                    </a:schemeClr>
+                  </a:outerShdw>
+                </a:effectLst>
+              </a14:hiddenEffects>
+            </a:ext>
+          </a:extLst>
+        </p:spPr>
+      </p:cxnSp>
+      <p:cxnSp>
+        <p:nvCxnSpPr>
+          <p:cNvPr id="18" name="Straight Connector 17"/>
+          <p:cNvCxnSpPr>
+            <a:stCxn id="8" idx="2"/>
+          </p:cNvCxnSpPr>
+          <p:nvPr/>
+        </p:nvCxnSpPr>
+        <p:spPr bwMode="auto">
+          <a:xfrm flipH="1">
+            <a:off x="4653523" y="1609222"/>
+            <a:ext cx="521335" cy="222555"/>
+          </a:xfrm>
+          <a:prstGeom prst="line">
+            <a:avLst/>
+          </a:prstGeom>
+          <a:solidFill>
+            <a:schemeClr val="accent1"/>
+          </a:solidFill>
+          <a:ln w="9525" cap="flat" cmpd="sng" algn="ctr">
+            <a:solidFill>
+              <a:schemeClr val="tx1"/>
+            </a:solidFill>
+            <a:prstDash val="solid"/>
+            <a:round/>
+            <a:headEnd type="none" w="med" len="med"/>
+            <a:tailEnd type="none" w="med" len="med"/>
+          </a:ln>
+          <a:effectLst/>
+          <a:extLst>
+            <a:ext uri="{AF507438-7753-43e0-B8FC-AC1667EBCBE1}">
+              <a14:hiddenEffects xmlns:a14="http://schemas.microsoft.com/office/drawing/2010/main" xmlns="">
+                <a:effectLst>
+                  <a:outerShdw blurRad="63500" dist="38099" dir="2700000" algn="ctr" rotWithShape="0">
+                    <a:schemeClr val="bg2">
+                      <a:alpha val="74998"/>
+                    </a:schemeClr>
+                  </a:outerShdw>
+                </a:effectLst>
+              </a14:hiddenEffects>
+            </a:ext>
+          </a:extLst>
+        </p:spPr>
+      </p:cxnSp>
+      <p:cxnSp>
+        <p:nvCxnSpPr>
+          <p:cNvPr id="20" name="Straight Connector 19"/>
+          <p:cNvCxnSpPr>
+            <a:stCxn id="8" idx="2"/>
+            <a:endCxn id="10" idx="0"/>
+          </p:cNvCxnSpPr>
+          <p:nvPr/>
+        </p:nvCxnSpPr>
+        <p:spPr bwMode="auto">
+          <a:xfrm flipH="1">
+            <a:off x="5150227" y="1609222"/>
+            <a:ext cx="24631" cy="298755"/>
+          </a:xfrm>
+          <a:prstGeom prst="line">
+            <a:avLst/>
+          </a:prstGeom>
+          <a:solidFill>
+            <a:schemeClr val="accent1"/>
+          </a:solidFill>
+          <a:ln w="9525" cap="flat" cmpd="sng" algn="ctr">
+            <a:solidFill>
+              <a:schemeClr val="tx1"/>
+            </a:solidFill>
+            <a:prstDash val="solid"/>
+            <a:round/>
+            <a:headEnd type="none" w="med" len="med"/>
+            <a:tailEnd type="none" w="med" len="med"/>
+          </a:ln>
+          <a:effectLst/>
+          <a:extLst>
+            <a:ext uri="{AF507438-7753-43e0-B8FC-AC1667EBCBE1}">
+              <a14:hiddenEffects xmlns:a14="http://schemas.microsoft.com/office/drawing/2010/main" xmlns="">
+                <a:effectLst>
+                  <a:outerShdw blurRad="63500" dist="38099" dir="2700000" algn="ctr" rotWithShape="0">
+                    <a:schemeClr val="bg2">
+                      <a:alpha val="74998"/>
+                    </a:schemeClr>
+                  </a:outerShdw>
+                </a:effectLst>
+              </a14:hiddenEffects>
+            </a:ext>
+          </a:extLst>
+        </p:spPr>
+      </p:cxnSp>
+      <p:cxnSp>
+        <p:nvCxnSpPr>
+          <p:cNvPr id="22" name="Straight Connector 21"/>
+          <p:cNvCxnSpPr>
+            <a:stCxn id="8" idx="2"/>
+            <a:endCxn id="11" idx="0"/>
+          </p:cNvCxnSpPr>
+          <p:nvPr/>
+        </p:nvCxnSpPr>
+        <p:spPr bwMode="auto">
+          <a:xfrm>
+            <a:off x="5174858" y="1609222"/>
+            <a:ext cx="765597" cy="295778"/>
+          </a:xfrm>
+          <a:prstGeom prst="line">
+            <a:avLst/>
+          </a:prstGeom>
+          <a:solidFill>
+            <a:schemeClr val="accent1"/>
+          </a:solidFill>
+          <a:ln w="9525" cap="flat" cmpd="sng" algn="ctr">
+            <a:solidFill>
+              <a:schemeClr val="tx1"/>
+            </a:solidFill>
+            <a:prstDash val="solid"/>
+            <a:round/>
+            <a:headEnd type="none" w="med" len="med"/>
+            <a:tailEnd type="none" w="med" len="med"/>
+          </a:ln>
+          <a:effectLst/>
+          <a:extLst>
+            <a:ext uri="{AF507438-7753-43e0-B8FC-AC1667EBCBE1}">
+              <a14:hiddenEffects xmlns:a14="http://schemas.microsoft.com/office/drawing/2010/main" xmlns="">
+                <a:effectLst>
+                  <a:outerShdw blurRad="63500" dist="38099" dir="2700000" algn="ctr" rotWithShape="0">
+                    <a:schemeClr val="bg2">
+                      <a:alpha val="74998"/>
+                    </a:schemeClr>
+                  </a:outerShdw>
+                </a:effectLst>
+              </a14:hiddenEffects>
+            </a:ext>
+          </a:extLst>
+        </p:spPr>
+      </p:cxnSp>
+      <p:cxnSp>
+        <p:nvCxnSpPr>
+          <p:cNvPr id="24" name="Straight Connector 23"/>
+          <p:cNvCxnSpPr>
+            <a:stCxn id="8" idx="2"/>
+            <a:endCxn id="12" idx="0"/>
+          </p:cNvCxnSpPr>
+          <p:nvPr/>
+        </p:nvCxnSpPr>
+        <p:spPr bwMode="auto">
+          <a:xfrm>
+            <a:off x="5174858" y="1609222"/>
+            <a:ext cx="1272337" cy="298755"/>
+          </a:xfrm>
+          <a:prstGeom prst="line">
+            <a:avLst/>
+          </a:prstGeom>
+          <a:solidFill>
+            <a:schemeClr val="accent1"/>
+          </a:solidFill>
+          <a:ln w="9525" cap="flat" cmpd="sng" algn="ctr">
+            <a:solidFill>
+              <a:schemeClr val="tx1"/>
+            </a:solidFill>
+            <a:prstDash val="solid"/>
+            <a:round/>
+            <a:headEnd type="none" w="med" len="med"/>
+            <a:tailEnd type="none" w="med" len="med"/>
+          </a:ln>
+          <a:effectLst/>
+          <a:extLst>
+            <a:ext uri="{AF507438-7753-43e0-B8FC-AC1667EBCBE1}">
+              <a14:hiddenEffects xmlns:a14="http://schemas.microsoft.com/office/drawing/2010/main" xmlns="">
+                <a:effectLst>
+                  <a:outerShdw blurRad="63500" dist="38099" dir="2700000" algn="ctr" rotWithShape="0">
+                    <a:schemeClr val="bg2">
+                      <a:alpha val="74998"/>
+                    </a:schemeClr>
+                  </a:outerShdw>
+                </a:effectLst>
+              </a14:hiddenEffects>
+            </a:ext>
+          </a:extLst>
+        </p:spPr>
+      </p:cxnSp>
+      <p:cxnSp>
+        <p:nvCxnSpPr>
+          <p:cNvPr id="26" name="Straight Connector 25"/>
+          <p:cNvCxnSpPr>
+            <a:stCxn id="10" idx="2"/>
+            <a:endCxn id="13" idx="0"/>
+          </p:cNvCxnSpPr>
+          <p:nvPr/>
+        </p:nvCxnSpPr>
+        <p:spPr bwMode="auto">
+          <a:xfrm flipH="1">
+            <a:off x="5095538" y="2215754"/>
+            <a:ext cx="54689" cy="375046"/>
+          </a:xfrm>
+          <a:prstGeom prst="line">
+            <a:avLst/>
+          </a:prstGeom>
+          <a:solidFill>
+            <a:schemeClr val="accent1"/>
+          </a:solidFill>
+          <a:ln w="9525" cap="flat" cmpd="sng" algn="ctr">
+            <a:solidFill>
+              <a:schemeClr val="tx1"/>
+            </a:solidFill>
+            <a:prstDash val="solid"/>
+            <a:round/>
+            <a:headEnd type="none" w="med" len="med"/>
+            <a:tailEnd type="none" w="med" len="med"/>
+          </a:ln>
+          <a:effectLst/>
+          <a:extLst>
+            <a:ext uri="{AF507438-7753-43e0-B8FC-AC1667EBCBE1}">
+              <a14:hiddenEffects xmlns:a14="http://schemas.microsoft.com/office/drawing/2010/main" xmlns="">
+                <a:effectLst>
+                  <a:outerShdw blurRad="63500" dist="38099" dir="2700000" algn="ctr" rotWithShape="0">
+                    <a:schemeClr val="bg2">
+                      <a:alpha val="74998"/>
+                    </a:schemeClr>
+                  </a:outerShdw>
+                </a:effectLst>
+              </a14:hiddenEffects>
+            </a:ext>
+          </a:extLst>
+        </p:spPr>
+      </p:cxnSp>
+      <p:cxnSp>
+        <p:nvCxnSpPr>
+          <p:cNvPr id="28" name="Straight Connector 27"/>
+          <p:cNvCxnSpPr>
+            <a:cxnSpLocks/>
+            <a:stCxn id="11" idx="2"/>
+            <a:endCxn id="14" idx="0"/>
+          </p:cNvCxnSpPr>
+          <p:nvPr/>
+        </p:nvCxnSpPr>
+        <p:spPr bwMode="auto">
+          <a:xfrm>
+            <a:off x="5940455" y="2212777"/>
+            <a:ext cx="40804" cy="381000"/>
+          </a:xfrm>
+          <a:prstGeom prst="line">
+            <a:avLst/>
+          </a:prstGeom>
+          <a:solidFill>
+            <a:schemeClr val="accent1"/>
+          </a:solidFill>
+          <a:ln w="9525" cap="flat" cmpd="sng" algn="ctr">
+            <a:solidFill>
+              <a:schemeClr val="tx1"/>
+            </a:solidFill>
+            <a:prstDash val="solid"/>
+            <a:round/>
+            <a:headEnd type="none" w="med" len="med"/>
+            <a:tailEnd type="none" w="med" len="med"/>
+          </a:ln>
+          <a:effectLst/>
+          <a:extLst>
+            <a:ext uri="{AF507438-7753-43e0-B8FC-AC1667EBCBE1}">
+              <a14:hiddenEffects xmlns:a14="http://schemas.microsoft.com/office/drawing/2010/main" xmlns="">
+                <a:effectLst>
+                  <a:outerShdw blurRad="63500" dist="38099" dir="2700000" algn="ctr" rotWithShape="0">
+                    <a:schemeClr val="bg2">
+                      <a:alpha val="74998"/>
+                    </a:schemeClr>
+                  </a:outerShdw>
+                </a:effectLst>
+              </a14:hiddenEffects>
+            </a:ext>
+          </a:extLst>
+        </p:spPr>
+      </p:cxnSp>
+      <p:sp>
+        <p:nvSpPr>
+          <p:cNvPr id="29" name="TextBox 28"/>
+          <p:cNvSpPr txBox="1"/>
+          <p:nvPr/>
+        </p:nvSpPr>
+        <p:spPr>
+          <a:xfrm>
+            <a:off x="3124200" y="3810000"/>
+            <a:ext cx="5355953" cy="2893100"/>
+          </a:xfrm>
+          <a:prstGeom prst="rect">
+            <a:avLst/>
+          </a:prstGeom>
+          <a:noFill/>
+        </p:spPr>
+        <p:txBody>
+          <a:bodyPr wrap="none" rtlCol="0">
+            <a:spAutoFit/>
+          </a:bodyPr>
+          <a:lstStyle/>
+          <a:p>
+            <a:r>
+              <a:rPr lang="en-US" dirty="0"/>
+              <a:t>Note: constructing the parse tree by filling in the leftmost</a:t>
+            </a:r>
+            <a:br>
+              <a:rPr lang="en-US" dirty="0"/>
+            </a:br>
+            <a:r>
+              <a:rPr lang="en-US" dirty="0"/>
+              <a:t>non-terminal at each step we obtain </a:t>
+            </a:r>
+            <a:r>
+              <a:rPr lang="en-US" b="1" dirty="0"/>
+              <a:t>the left-most derivation</a:t>
+            </a:r>
+            <a:r>
+              <a:rPr lang="en-US" dirty="0"/>
+              <a:t>:</a:t>
+            </a:r>
+          </a:p>
+          <a:p>
+            <a:endParaRPr lang="en-US" dirty="0"/>
+          </a:p>
+          <a:p>
+            <a:r>
+              <a:rPr lang="en-US" dirty="0" err="1"/>
+              <a:t>stmt_list</a:t>
+            </a:r>
+            <a:r>
+              <a:rPr lang="en-US" dirty="0"/>
+              <a:t> </a:t>
+            </a:r>
+            <a:r>
+              <a:rPr lang="en-US" dirty="0">
+                <a:sym typeface="Symbol"/>
+              </a:rPr>
+              <a:t></a:t>
+            </a:r>
+            <a:endParaRPr lang="en-US" dirty="0"/>
+          </a:p>
+          <a:p>
+            <a:r>
+              <a:rPr lang="en-US" dirty="0" err="1">
+                <a:sym typeface="Wingdings"/>
+              </a:rPr>
+              <a:t>stmt</a:t>
+            </a:r>
+            <a:r>
+              <a:rPr lang="en-US" dirty="0">
+                <a:sym typeface="Wingdings"/>
+              </a:rPr>
+              <a:t> </a:t>
+            </a:r>
+            <a:r>
+              <a:rPr lang="en-US" dirty="0" err="1">
+                <a:sym typeface="Wingdings"/>
+              </a:rPr>
+              <a:t>stmt_list</a:t>
+            </a:r>
+            <a:r>
+              <a:rPr lang="en-US" dirty="0">
+                <a:sym typeface="Wingdings"/>
+              </a:rPr>
+              <a:t> </a:t>
+            </a:r>
+            <a:r>
+              <a:rPr lang="en-US" dirty="0">
+                <a:sym typeface="Symbol"/>
+              </a:rPr>
+              <a:t></a:t>
+            </a:r>
+            <a:endParaRPr lang="en-US" dirty="0"/>
+          </a:p>
+          <a:p>
+            <a:r>
+              <a:rPr lang="en-US" dirty="0">
+                <a:latin typeface="+mn-lt"/>
+                <a:ea typeface="Wingdings"/>
+                <a:cs typeface="Wingdings"/>
+                <a:sym typeface="Wingdings"/>
+              </a:rPr>
+              <a:t>s var exp ; </a:t>
+            </a:r>
+            <a:r>
+              <a:rPr lang="en-US" dirty="0" err="1">
+                <a:latin typeface="+mn-lt"/>
+                <a:ea typeface="Wingdings"/>
+                <a:cs typeface="Wingdings"/>
+                <a:sym typeface="Wingdings"/>
+              </a:rPr>
+              <a:t>stmt_list</a:t>
+            </a:r>
+            <a:r>
+              <a:rPr lang="en-US" dirty="0">
+                <a:latin typeface="+mn-lt"/>
+                <a:ea typeface="Wingdings"/>
+                <a:cs typeface="Wingdings"/>
+                <a:sym typeface="Wingdings"/>
+              </a:rPr>
+              <a:t> </a:t>
+            </a:r>
+            <a:r>
+              <a:rPr lang="en-US" dirty="0">
+                <a:sym typeface="Symbol"/>
+              </a:rPr>
+              <a:t></a:t>
+            </a:r>
+            <a:endParaRPr lang="en-US" dirty="0"/>
+          </a:p>
+          <a:p>
+            <a:r>
+              <a:rPr lang="en-US" dirty="0">
+                <a:ea typeface="Wingdings"/>
+                <a:cs typeface="Wingdings"/>
+                <a:sym typeface="Wingdings"/>
+              </a:rPr>
+              <a:t>s x exp ; </a:t>
+            </a:r>
+            <a:r>
+              <a:rPr lang="en-US" dirty="0" err="1">
+                <a:ea typeface="Wingdings"/>
+                <a:cs typeface="Wingdings"/>
+                <a:sym typeface="Wingdings"/>
+              </a:rPr>
+              <a:t>stmt_list</a:t>
+            </a:r>
+            <a:r>
+              <a:rPr lang="en-US" dirty="0">
+                <a:ea typeface="Wingdings"/>
+                <a:cs typeface="Wingdings"/>
+                <a:sym typeface="Wingdings"/>
+              </a:rPr>
+              <a:t> </a:t>
+            </a:r>
+            <a:r>
+              <a:rPr lang="en-US" dirty="0">
+                <a:sym typeface="Symbol"/>
+              </a:rPr>
+              <a:t></a:t>
+            </a:r>
+            <a:endParaRPr lang="en-US" dirty="0"/>
+          </a:p>
+          <a:p>
+            <a:r>
+              <a:rPr lang="en-US" dirty="0">
+                <a:ea typeface="Wingdings"/>
+                <a:cs typeface="Wingdings"/>
+                <a:sym typeface="Wingdings"/>
+              </a:rPr>
+              <a:t>s x num ; </a:t>
+            </a:r>
+            <a:r>
+              <a:rPr lang="en-US" dirty="0" err="1">
+                <a:ea typeface="Wingdings"/>
+                <a:cs typeface="Wingdings"/>
+                <a:sym typeface="Wingdings"/>
+              </a:rPr>
+              <a:t>stmt_list</a:t>
+            </a:r>
+            <a:r>
+              <a:rPr lang="en-US" dirty="0">
+                <a:ea typeface="Wingdings"/>
+                <a:cs typeface="Wingdings"/>
+                <a:sym typeface="Wingdings"/>
+              </a:rPr>
+              <a:t> </a:t>
+            </a:r>
+            <a:r>
+              <a:rPr lang="en-US" dirty="0">
+                <a:sym typeface="Symbol"/>
+              </a:rPr>
+              <a:t></a:t>
+            </a:r>
+            <a:endParaRPr lang="en-US" dirty="0"/>
+          </a:p>
+          <a:p>
+            <a:r>
+              <a:rPr lang="en-US" dirty="0">
+                <a:latin typeface="+mn-lt"/>
+                <a:ea typeface="Wingdings"/>
+                <a:cs typeface="Wingdings"/>
+                <a:sym typeface="Wingdings"/>
+              </a:rPr>
+              <a:t>s x 3 ; </a:t>
+            </a:r>
+            <a:r>
+              <a:rPr lang="en-US" dirty="0" err="1">
+                <a:latin typeface="+mn-lt"/>
+                <a:ea typeface="Wingdings"/>
+                <a:cs typeface="Wingdings"/>
+                <a:sym typeface="Wingdings"/>
+              </a:rPr>
+              <a:t>stmt_list</a:t>
+            </a:r>
+            <a:r>
+              <a:rPr lang="en-US" dirty="0">
+                <a:latin typeface="+mn-lt"/>
+                <a:ea typeface="Wingdings"/>
+                <a:cs typeface="Wingdings"/>
+                <a:sym typeface="Wingdings"/>
+              </a:rPr>
+              <a:t> </a:t>
+            </a:r>
+            <a:r>
+              <a:rPr lang="en-US" dirty="0">
+                <a:sym typeface="Symbol"/>
+              </a:rPr>
+              <a:t></a:t>
+            </a:r>
+            <a:endParaRPr lang="en-US" dirty="0"/>
+          </a:p>
+          <a:p>
+            <a:r>
+              <a:rPr lang="en-US" dirty="0">
+                <a:ea typeface="Wingdings"/>
+                <a:cs typeface="Wingdings"/>
+                <a:sym typeface="Wingdings"/>
+              </a:rPr>
+              <a:t>s x 3 ;</a:t>
+            </a:r>
+            <a:endParaRPr lang="en-US" dirty="0">
+              <a:latin typeface="+mn-lt"/>
+              <a:ea typeface="Wingdings"/>
+              <a:cs typeface="Wingdings"/>
+              <a:sym typeface="Wingdings"/>
+            </a:endParaRPr>
+          </a:p>
+          <a:p>
+            <a:endParaRPr lang="en-US" dirty="0">
+              <a:latin typeface="+mn-lt"/>
+              <a:ea typeface="Wingdings"/>
+              <a:cs typeface="Wingdings"/>
+              <a:sym typeface="Wingdings"/>
+            </a:endParaRPr>
+          </a:p>
+          <a:p>
+            <a:r>
+              <a:rPr lang="en-US" dirty="0">
+                <a:latin typeface="+mn-lt"/>
+                <a:ea typeface="Wingdings"/>
+                <a:cs typeface="Wingdings"/>
+                <a:sym typeface="Wingdings"/>
+              </a:rPr>
+              <a:t>Constructing the parse tree by filling in the rightmost non-terminal</a:t>
+            </a:r>
+          </a:p>
+          <a:p>
+            <a:r>
+              <a:rPr lang="en-US" dirty="0">
+                <a:latin typeface="+mn-lt"/>
+                <a:ea typeface="Wingdings"/>
+                <a:cs typeface="Wingdings"/>
+                <a:sym typeface="Wingdings"/>
+              </a:rPr>
+              <a:t>at each step we obtain the </a:t>
+            </a:r>
+            <a:r>
+              <a:rPr lang="en-US" b="1" dirty="0">
+                <a:latin typeface="+mn-lt"/>
+                <a:ea typeface="Wingdings"/>
+                <a:cs typeface="Wingdings"/>
+                <a:sym typeface="Wingdings"/>
+              </a:rPr>
+              <a:t>right-most derivation.</a:t>
+            </a:r>
+            <a:r>
+              <a:rPr lang="en-US" dirty="0">
+                <a:latin typeface="+mn-lt"/>
+                <a:ea typeface="Wingdings"/>
+                <a:cs typeface="Wingdings"/>
+                <a:sym typeface="Wingdings"/>
+              </a:rPr>
+              <a:t> </a:t>
+            </a:r>
+          </a:p>
+        </p:txBody>
+      </p:sp>
+      <p:sp>
+        <p:nvSpPr>
+          <p:cNvPr id="3" name="TextBox 2"/>
+          <p:cNvSpPr txBox="1"/>
+          <p:nvPr/>
+        </p:nvSpPr>
+        <p:spPr>
+          <a:xfrm>
+            <a:off x="6477000" y="1292423"/>
+            <a:ext cx="841897" cy="307777"/>
+          </a:xfrm>
+          <a:prstGeom prst="rect">
+            <a:avLst/>
+          </a:prstGeom>
+          <a:noFill/>
+        </p:spPr>
+        <p:txBody>
+          <a:bodyPr wrap="none" rtlCol="0">
+            <a:spAutoFit/>
+          </a:bodyPr>
+          <a:lstStyle/>
+          <a:p>
+            <a:r>
+              <a:rPr lang="en-US" dirty="0" err="1"/>
+              <a:t>stmt_list</a:t>
+            </a:r>
+            <a:endParaRPr lang="en-US" dirty="0"/>
+          </a:p>
+        </p:txBody>
+      </p:sp>
+      <p:sp>
+        <p:nvSpPr>
+          <p:cNvPr id="15" name="TextBox 14"/>
+          <p:cNvSpPr txBox="1"/>
+          <p:nvPr/>
+        </p:nvSpPr>
+        <p:spPr>
+          <a:xfrm>
+            <a:off x="6778415" y="1902023"/>
+            <a:ext cx="308185" cy="307777"/>
+          </a:xfrm>
+          <a:prstGeom prst="rect">
+            <a:avLst/>
+          </a:prstGeom>
+          <a:noFill/>
+        </p:spPr>
+        <p:txBody>
+          <a:bodyPr wrap="none" rtlCol="0">
+            <a:spAutoFit/>
+          </a:bodyPr>
+          <a:lstStyle/>
+          <a:p>
+            <a:r>
+              <a:rPr lang="en-US" dirty="0"/>
+              <a:t>“”</a:t>
+            </a:r>
+          </a:p>
+        </p:txBody>
+      </p:sp>
+      <p:cxnSp>
+        <p:nvCxnSpPr>
+          <p:cNvPr id="19" name="Straight Connector 18"/>
+          <p:cNvCxnSpPr>
+            <a:stCxn id="6" idx="2"/>
+            <a:endCxn id="3" idx="0"/>
+          </p:cNvCxnSpPr>
+          <p:nvPr/>
+        </p:nvCxnSpPr>
+        <p:spPr bwMode="auto">
+          <a:xfrm>
+            <a:off x="6054925" y="764977"/>
+            <a:ext cx="843024" cy="527446"/>
+          </a:xfrm>
+          <a:prstGeom prst="line">
+            <a:avLst/>
+          </a:prstGeom>
+          <a:solidFill>
+            <a:schemeClr val="accent1"/>
+          </a:solidFill>
+          <a:ln w="9525" cap="flat" cmpd="sng" algn="ctr">
+            <a:solidFill>
+              <a:schemeClr val="tx1"/>
+            </a:solidFill>
+            <a:prstDash val="solid"/>
+            <a:round/>
+            <a:headEnd type="none" w="med" len="med"/>
+            <a:tailEnd type="none" w="med" len="med"/>
+          </a:ln>
+          <a:effectLst/>
+          <a:extLst>
+            <a:ext uri="{AF507438-7753-43e0-B8FC-AC1667EBCBE1}">
+              <a14:hiddenEffects xmlns:a14="http://schemas.microsoft.com/office/drawing/2010/main" xmlns="">
+                <a:effectLst>
+                  <a:outerShdw blurRad="63500" dist="38099" dir="2700000" algn="ctr" rotWithShape="0">
+                    <a:schemeClr val="bg2">
+                      <a:alpha val="74998"/>
+                    </a:schemeClr>
+                  </a:outerShdw>
+                </a:effectLst>
+              </a14:hiddenEffects>
+            </a:ext>
+          </a:extLst>
+        </p:spPr>
+      </p:cxnSp>
+      <p:cxnSp>
+        <p:nvCxnSpPr>
+          <p:cNvPr id="25" name="Straight Connector 24"/>
+          <p:cNvCxnSpPr>
+            <a:stCxn id="3" idx="2"/>
+            <a:endCxn id="15" idx="0"/>
+          </p:cNvCxnSpPr>
+          <p:nvPr/>
+        </p:nvCxnSpPr>
+        <p:spPr bwMode="auto">
+          <a:xfrm>
+            <a:off x="6897949" y="1600200"/>
+            <a:ext cx="34559" cy="301823"/>
+          </a:xfrm>
+          <a:prstGeom prst="line">
+            <a:avLst/>
+          </a:prstGeom>
+          <a:solidFill>
+            <a:schemeClr val="accent1"/>
+          </a:solidFill>
+          <a:ln w="9525" cap="flat" cmpd="sng" algn="ctr">
+            <a:solidFill>
+              <a:schemeClr val="tx1"/>
+            </a:solidFill>
+            <a:prstDash val="solid"/>
+            <a:round/>
+            <a:headEnd type="none" w="med" len="med"/>
+            <a:tailEnd type="none" w="med" len="med"/>
+          </a:ln>
+          <a:effectLst/>
+          <a:extLst>
+            <a:ext uri="{AF507438-7753-43e0-B8FC-AC1667EBCBE1}">
+              <a14:hiddenEffects xmlns:a14="http://schemas.microsoft.com/office/drawing/2010/main" xmlns="">
+                <a:effectLst>
+                  <a:outerShdw blurRad="63500" dist="38099" dir="2700000" algn="ctr" rotWithShape="0">
+                    <a:schemeClr val="bg2">
+                      <a:alpha val="74998"/>
+                    </a:schemeClr>
+                  </a:outerShdw>
+                </a:effectLst>
+              </a14:hiddenEffects>
+            </a:ext>
+          </a:extLst>
+        </p:spPr>
+      </p:cxnSp>
+      <p:sp>
+        <p:nvSpPr>
+          <p:cNvPr id="2" name="TextBox 1">
+            <a:extLst>
+              <a:ext uri="{FF2B5EF4-FFF2-40B4-BE49-F238E27FC236}">
+                <a16:creationId xmlns:a16="http://schemas.microsoft.com/office/drawing/2014/main" id="{6C53189A-791C-5A4F-8347-1F059EDB9A34}"/>
+              </a:ext>
+            </a:extLst>
+          </p:cNvPr>
+          <p:cNvSpPr txBox="1"/>
+          <p:nvPr/>
+        </p:nvSpPr>
+        <p:spPr>
+          <a:xfrm>
+            <a:off x="5879339" y="3194446"/>
+            <a:ext cx="284052" cy="307777"/>
+          </a:xfrm>
+          <a:prstGeom prst="rect">
+            <a:avLst/>
+          </a:prstGeom>
+          <a:noFill/>
+        </p:spPr>
+        <p:txBody>
+          <a:bodyPr wrap="none" rtlCol="0">
+            <a:spAutoFit/>
+          </a:bodyPr>
+          <a:lstStyle/>
+          <a:p>
+            <a:r>
+              <a:rPr lang="en-US" dirty="0"/>
+              <a:t>3</a:t>
+            </a:r>
+          </a:p>
+        </p:txBody>
+      </p:sp>
+      <p:cxnSp>
+        <p:nvCxnSpPr>
+          <p:cNvPr id="17" name="Straight Connector 16">
+            <a:extLst>
+              <a:ext uri="{FF2B5EF4-FFF2-40B4-BE49-F238E27FC236}">
+                <a16:creationId xmlns:a16="http://schemas.microsoft.com/office/drawing/2014/main" id="{C28DEA42-68A3-8B49-9C22-B6B47C0B5DBC}"/>
+              </a:ext>
+            </a:extLst>
+          </p:cNvPr>
+          <p:cNvCxnSpPr>
+            <a:cxnSpLocks/>
+            <a:stCxn id="2" idx="0"/>
+            <a:endCxn id="14" idx="2"/>
+          </p:cNvCxnSpPr>
+          <p:nvPr/>
+        </p:nvCxnSpPr>
+        <p:spPr bwMode="auto">
+          <a:xfrm flipH="1" flipV="1">
+            <a:off x="5981259" y="2901554"/>
+            <a:ext cx="40106" cy="292892"/>
+          </a:xfrm>
+          <a:prstGeom prst="line">
+            <a:avLst/>
+          </a:prstGeom>
+          <a:solidFill>
+            <a:schemeClr val="accent1"/>
+          </a:solidFill>
+          <a:ln w="9525" cap="flat" cmpd="sng" algn="ctr">
+            <a:solidFill>
+              <a:schemeClr val="tx1"/>
+            </a:solidFill>
+            <a:prstDash val="solid"/>
+            <a:round/>
+            <a:headEnd type="none" w="med" len="med"/>
+            <a:tailEnd type="none" w="med" len="med"/>
+          </a:ln>
+          <a:effectLst/>
+          <a:extLst>
+            <a:ext uri="{AF507438-7753-43e0-B8FC-AC1667EBCBE1}">
+              <a14:hiddenEffects xmlns="" xmlns:a14="http://schemas.microsoft.com/office/drawing/2010/main">
+                <a:effectLst>
+                  <a:outerShdw blurRad="63500" dist="38099" dir="2700000" algn="ctr" rotWithShape="0">
+                    <a:schemeClr val="bg2">
+                      <a:alpha val="74998"/>
+                    </a:schemeClr>
+                  </a:outerShdw>
+                </a:effectLst>
+              </a14:hiddenEffects>
+            </a:ext>
+          </a:extLst>
+        </p:spPr>
+      </p:cxnSp>
+      <p:sp>
+        <p:nvSpPr>
+          <p:cNvPr id="27" name="Text Box 4">
+            <a:extLst>
+              <a:ext uri="{FF2B5EF4-FFF2-40B4-BE49-F238E27FC236}">
+                <a16:creationId xmlns:a16="http://schemas.microsoft.com/office/drawing/2014/main" id="{E843ACC5-E151-2F4A-BB88-C7225A2C09F3}"/>
+              </a:ext>
+            </a:extLst>
+          </p:cNvPr>
+          <p:cNvSpPr txBox="1">
+            <a:spLocks noChangeArrowheads="1"/>
           </p:cNvSpPr>
-          <p:nvPr>
-            <p:ph type="body" idx="1"/>
-          </p:nvPr>
-        </p:nvSpPr>
-        <p:spPr/>
-        <p:txBody>
-          <a:bodyPr/>
+          <p:nvPr/>
+        </p:nvSpPr>
+        <p:spPr bwMode="auto">
+          <a:xfrm>
+            <a:off x="302144" y="2812087"/>
+            <a:ext cx="2741844" cy="3046987"/>
+          </a:xfrm>
+          <a:prstGeom prst="rect">
+            <a:avLst/>
+          </a:prstGeom>
+          <a:noFill/>
+          <a:ln w="9525">
+            <a:solidFill>
+              <a:schemeClr val="tx1"/>
+            </a:solidFill>
+            <a:miter lim="800000"/>
+            <a:headEnd/>
+            <a:tailEnd/>
+          </a:ln>
+          <a:extLst>
+            <a:ext uri="{909E8E84-426E-40dd-AFC4-6F175D3DCCD1}">
+              <a14:hiddenFill xmlns:a14="http://schemas.microsoft.com/office/drawing/2010/main" xmlns="">
+                <a:solidFill>
+                  <a:schemeClr val="accent1"/>
+                </a:solidFill>
+              </a14:hiddenFill>
+            </a:ext>
+          </a:extLst>
+        </p:spPr>
+        <p:txBody>
+          <a:bodyPr wrap="square">
+            <a:spAutoFit/>
+          </a:bodyPr>
           <a:lstStyle/>
           <a:p>
             <a:r>
-              <a:rPr lang="en-US" dirty="0"/>
-              <a:t>Every </a:t>
-            </a:r>
-            <a:r>
-              <a:rPr lang="en-US" u="sng" dirty="0"/>
-              <a:t>valid</a:t>
-            </a:r>
-            <a:r>
-              <a:rPr lang="en-US" dirty="0"/>
-              <a:t> sentence (a sentence that belongs to the language) has a parse tree.</a:t>
-            </a:r>
-          </a:p>
-          <a:p>
-            <a:r>
-              <a:rPr lang="en-US" dirty="0"/>
-              <a:t>Test if these sentences are valid:</a:t>
-            </a:r>
-          </a:p>
-          <a:p>
-            <a:pPr lvl="1"/>
-            <a:r>
-              <a:rPr lang="en-US" dirty="0"/>
-              <a:t>p x + 1 ;</a:t>
-            </a:r>
-          </a:p>
-          <a:p>
-            <a:pPr lvl="1"/>
-            <a:r>
-              <a:rPr lang="en-US" dirty="0"/>
-              <a:t>s x 1 ; s y x ;</a:t>
-            </a:r>
-          </a:p>
-          <a:p>
-            <a:pPr lvl="1"/>
-            <a:r>
-              <a:rPr lang="en-US" dirty="0"/>
-              <a:t>s x 1 ; p (+ x 1) ;</a:t>
-            </a:r>
-          </a:p>
-          <a:p>
-            <a:pPr lvl="1"/>
-            <a:r>
-              <a:rPr lang="en-US" dirty="0"/>
-              <a:t>s y + 3 x ;</a:t>
-            </a:r>
-          </a:p>
-          <a:p>
-            <a:pPr lvl="1"/>
-            <a:r>
-              <a:rPr lang="en-US" dirty="0"/>
-              <a:t>s + y 3 x ;</a:t>
-            </a:r>
+              <a:rPr lang="da-DK" sz="1200" dirty="0" err="1"/>
+              <a:t>stmt_list</a:t>
+            </a:r>
+            <a:r>
+              <a:rPr lang="da-DK" sz="1200" dirty="0"/>
+              <a:t> : </a:t>
+            </a:r>
+            <a:r>
+              <a:rPr lang="da-DK" sz="1200" dirty="0" err="1"/>
+              <a:t>stmt</a:t>
+            </a:r>
+            <a:r>
+              <a:rPr lang="da-DK" sz="1200" dirty="0"/>
+              <a:t> </a:t>
+            </a:r>
+            <a:r>
+              <a:rPr lang="da-DK" sz="1200" dirty="0" err="1"/>
+              <a:t>stmt_list</a:t>
+            </a:r>
+            <a:endParaRPr lang="da-DK" sz="1200" dirty="0"/>
+          </a:p>
+          <a:p>
+            <a:r>
+              <a:rPr lang="da-DK" sz="1200" dirty="0"/>
+              <a:t>               | ""</a:t>
+            </a:r>
+          </a:p>
+          <a:p>
+            <a:r>
+              <a:rPr lang="da-DK" sz="1200" dirty="0"/>
+              <a:t>          </a:t>
+            </a:r>
+          </a:p>
+          <a:p>
+            <a:r>
+              <a:rPr lang="da-DK" sz="1200" dirty="0" err="1"/>
+              <a:t>stmt</a:t>
+            </a:r>
+            <a:r>
+              <a:rPr lang="da-DK" sz="1200" dirty="0"/>
+              <a:t> : p </a:t>
+            </a:r>
+            <a:r>
+              <a:rPr lang="da-DK" sz="1200" dirty="0" err="1"/>
+              <a:t>exp</a:t>
+            </a:r>
+            <a:r>
+              <a:rPr lang="da-DK" sz="1200" dirty="0"/>
+              <a:t> ;</a:t>
+            </a:r>
+          </a:p>
+          <a:p>
+            <a:r>
+              <a:rPr lang="da-DK" sz="1200" dirty="0"/>
+              <a:t>        | s var </a:t>
+            </a:r>
+            <a:r>
+              <a:rPr lang="da-DK" sz="1200" dirty="0" err="1"/>
+              <a:t>exp</a:t>
+            </a:r>
+            <a:r>
+              <a:rPr lang="da-DK" sz="1200" dirty="0"/>
+              <a:t> ;</a:t>
+            </a:r>
+          </a:p>
+          <a:p>
+            <a:r>
+              <a:rPr lang="da-DK" sz="1200" dirty="0"/>
+              <a:t>     </a:t>
+            </a:r>
+          </a:p>
+          <a:p>
+            <a:r>
+              <a:rPr lang="da-DK" sz="1200" dirty="0" err="1"/>
+              <a:t>exp</a:t>
+            </a:r>
+            <a:r>
+              <a:rPr lang="da-DK" sz="1200" dirty="0"/>
+              <a:t> : + </a:t>
+            </a:r>
+            <a:r>
+              <a:rPr lang="da-DK" sz="1200" dirty="0" err="1"/>
+              <a:t>exp</a:t>
+            </a:r>
+            <a:r>
+              <a:rPr lang="da-DK" sz="1200" dirty="0"/>
+              <a:t> </a:t>
+            </a:r>
+            <a:r>
+              <a:rPr lang="da-DK" sz="1200" dirty="0" err="1"/>
+              <a:t>exp</a:t>
+            </a:r>
+            <a:endParaRPr lang="da-DK" sz="1200" dirty="0"/>
+          </a:p>
+          <a:p>
+            <a:r>
+              <a:rPr lang="da-DK" sz="1200" dirty="0"/>
+              <a:t>       | - </a:t>
+            </a:r>
+            <a:r>
+              <a:rPr lang="da-DK" sz="1200" dirty="0" err="1"/>
+              <a:t>exp</a:t>
+            </a:r>
+            <a:r>
+              <a:rPr lang="da-DK" sz="1200" dirty="0"/>
+              <a:t> </a:t>
+            </a:r>
+            <a:r>
+              <a:rPr lang="da-DK" sz="1200" dirty="0" err="1"/>
+              <a:t>exp</a:t>
+            </a:r>
+            <a:endParaRPr lang="da-DK" sz="1200" dirty="0"/>
+          </a:p>
+          <a:p>
+            <a:r>
+              <a:rPr lang="da-DK" sz="1200" dirty="0"/>
+              <a:t>       | \( exp \)</a:t>
+            </a:r>
+          </a:p>
+          <a:p>
+            <a:r>
+              <a:rPr lang="da-DK" sz="1200" dirty="0"/>
+              <a:t>       | var</a:t>
+            </a:r>
+          </a:p>
+          <a:p>
+            <a:r>
+              <a:rPr lang="da-DK" sz="1200" dirty="0"/>
+              <a:t>       | </a:t>
+            </a:r>
+            <a:r>
+              <a:rPr lang="da-DK" sz="1200" dirty="0" err="1"/>
+              <a:t>num</a:t>
+            </a:r>
+            <a:endParaRPr lang="da-DK" sz="1200" dirty="0"/>
+          </a:p>
+          <a:p>
+            <a:r>
+              <a:rPr lang="da-DK" sz="1200" dirty="0"/>
+              <a:t>	</a:t>
+            </a:r>
+          </a:p>
+          <a:p>
+            <a:r>
+              <a:rPr lang="da-DK" sz="1200" dirty="0"/>
+              <a:t>var : x | y | z</a:t>
+            </a:r>
+          </a:p>
+          <a:p>
+            <a:endParaRPr lang="da-DK" sz="1200" dirty="0"/>
+          </a:p>
+          <a:p>
+            <a:r>
+              <a:rPr lang="da-DK" sz="1200" dirty="0" err="1"/>
+              <a:t>num</a:t>
+            </a:r>
+            <a:r>
+              <a:rPr lang="da-DK" sz="1200" dirty="0"/>
+              <a:t> : 0 | 1 | 2 | 3 | 4 | 5 | 6 | 7 | 8 |9</a:t>
+            </a:r>
+          </a:p>
+          <a:p>
+            <a:endParaRPr lang="da-DK" sz="1200" dirty="0"/>
           </a:p>
         </p:txBody>
       </p:sp>
     </p:spTree>
+    <p:extLst>
+      <p:ext uri="{BB962C8B-B14F-4D97-AF65-F5344CB8AC3E}">
+        <p14:creationId xmlns:p14="http://schemas.microsoft.com/office/powerpoint/2010/main" val="3484949466"/>
+      </p:ext>
+    </p:extLst>
   </p:cSld>
   <p:clrMapOvr>
     <a:masterClrMapping/>
@@ -9515,7 +10779,7 @@
       </p:grpSpPr>
       <p:sp>
         <p:nvSpPr>
-          <p:cNvPr id="15362" name="Rectangle 2"/>
+          <p:cNvPr id="13314" name="Rectangle 2"/>
           <p:cNvSpPr>
             <a:spLocks noGrp="1" noChangeArrowheads="1"/>
           </p:cNvSpPr>
@@ -9530,14 +10794,14 @@
           <a:p>
             <a:r>
               <a:rPr lang="en-US"/>
-              <a:t>Parsers</a:t>
-            </a:r>
-          </a:p>
-        </p:txBody>
-      </p:sp>
-      <p:sp>
-        <p:nvSpPr>
-          <p:cNvPr id="15363" name="Rectangle 3"/>
+              <a:t>Grammars</a:t>
+            </a:r>
+          </a:p>
+        </p:txBody>
+      </p:sp>
+      <p:sp>
+        <p:nvSpPr>
+          <p:cNvPr id="13315" name="Rectangle 3"/>
           <p:cNvSpPr>
             <a:spLocks noGrp="1" noChangeArrowheads="1"/>
           </p:cNvSpPr>
@@ -9552,43 +10816,57 @@
           <a:p>
             <a:r>
               <a:rPr lang="en-US" dirty="0"/>
-              <a:t>The converse is also true:</a:t>
+              <a:t>Every </a:t>
+            </a:r>
+            <a:r>
+              <a:rPr lang="en-US" u="sng" dirty="0"/>
+              <a:t>valid</a:t>
+            </a:r>
+            <a:r>
+              <a:rPr lang="en-US" dirty="0"/>
+              <a:t> sentence (a sentence that belongs to the language) has a parse tree.</a:t>
+            </a:r>
+          </a:p>
+          <a:p>
+            <a:r>
+              <a:rPr lang="en-US" dirty="0"/>
+              <a:t>Test if these sentences are valid:</a:t>
             </a:r>
           </a:p>
           <a:p>
             <a:pPr lvl="1"/>
             <a:r>
               <a:rPr lang="en-US" dirty="0"/>
-              <a:t>If a sentence has a parse tree, then it belongs to the language.</a:t>
+              <a:t>p x + 1 ;</a:t>
             </a:r>
           </a:p>
           <a:p>
             <a:pPr lvl="1"/>
             <a:r>
               <a:rPr lang="en-US" dirty="0"/>
-              <a:t>This is precisely what </a:t>
-            </a:r>
-            <a:r>
-              <a:rPr lang="en-US" u="sng" dirty="0"/>
-              <a:t>parsers</a:t>
-            </a:r>
+              <a:t>s x 1 ; s y x ;</a:t>
+            </a:r>
+          </a:p>
+          <a:p>
+            <a:pPr lvl="1"/>
             <a:r>
               <a:rPr lang="en-US" dirty="0"/>
-              <a:t> do: to show a program is </a:t>
-            </a:r>
-            <a:r>
-              <a:rPr lang="en-US" u="sng" dirty="0"/>
-              <a:t>syntactically correct,</a:t>
-            </a:r>
+              <a:t>s x 1 ; p (+ x 1) ;</a:t>
+            </a:r>
+          </a:p>
+          <a:p>
+            <a:pPr lvl="1"/>
             <a:r>
               <a:rPr lang="en-US" dirty="0"/>
-              <a:t> parsers construct a </a:t>
-            </a:r>
-            <a:r>
-              <a:rPr lang="en-US" u="sng" dirty="0"/>
-              <a:t>parse tree</a:t>
-            </a:r>
-            <a:endParaRPr lang="en-US" dirty="0"/>
+              <a:t>s y + 3 x ;</a:t>
+            </a:r>
+          </a:p>
+          <a:p>
+            <a:pPr lvl="1"/>
+            <a:r>
+              <a:rPr lang="en-US" dirty="0"/>
+              <a:t>s + y 3 x ;</a:t>
+            </a:r>
           </a:p>
         </p:txBody>
       </p:sp>
@@ -9619,7 +10897,7 @@
       </p:grpSpPr>
       <p:sp>
         <p:nvSpPr>
-          <p:cNvPr id="17410" name="Rectangle 2"/>
+          <p:cNvPr id="15362" name="Rectangle 2"/>
           <p:cNvSpPr>
             <a:spLocks noGrp="1" noChangeArrowheads="1"/>
           </p:cNvSpPr>
@@ -9633,15 +10911,15 @@
           <a:lstStyle/>
           <a:p>
             <a:r>
-              <a:rPr lang="en-US" dirty="0"/>
-              <a:t>Top-Down Parsers - LL(1)</a:t>
-            </a:r>
-          </a:p>
-        </p:txBody>
-      </p:sp>
-      <p:sp>
-        <p:nvSpPr>
-          <p:cNvPr id="17411" name="Rectangle 3"/>
+              <a:rPr lang="en-US"/>
+              <a:t>Parsers</a:t>
+            </a:r>
+          </a:p>
+        </p:txBody>
+      </p:sp>
+      <p:sp>
+        <p:nvSpPr>
+          <p:cNvPr id="15363" name="Rectangle 3"/>
           <p:cNvSpPr>
             <a:spLocks noGrp="1" noChangeArrowheads="1"/>
           </p:cNvSpPr>
@@ -9654,137 +10932,45 @@
           <a:bodyPr/>
           <a:lstStyle/>
           <a:p>
-            <a:pPr>
-              <a:lnSpc>
-                <a:spcPct val="90000"/>
-              </a:lnSpc>
-            </a:pPr>
-            <a:r>
-              <a:rPr lang="en-US" sz="2600" dirty="0"/>
-              <a:t>LL(1) parsers start constructing the parse tree at the </a:t>
-            </a:r>
-            <a:r>
-              <a:rPr lang="en-US" sz="2600" i="1" dirty="0"/>
-              <a:t>start symbol</a:t>
-            </a:r>
-            <a:r>
-              <a:rPr lang="en-US" sz="2600" dirty="0"/>
-              <a:t> </a:t>
-            </a:r>
-          </a:p>
-          <a:p>
-            <a:pPr lvl="1">
-              <a:lnSpc>
-                <a:spcPct val="90000"/>
-              </a:lnSpc>
-            </a:pPr>
-            <a:r>
-              <a:rPr lang="en-US" sz="2200" dirty="0"/>
-              <a:t>as opposed to bottom-up parsers, LR</a:t>
-            </a:r>
-          </a:p>
-          <a:p>
-            <a:pPr>
-              <a:lnSpc>
-                <a:spcPct val="90000"/>
-              </a:lnSpc>
-            </a:pPr>
-            <a:r>
-              <a:rPr lang="en-US" sz="2600" dirty="0"/>
-              <a:t>LL(1) parsers use the </a:t>
-            </a:r>
-            <a:r>
-              <a:rPr lang="en-US" sz="2600" u="sng" dirty="0"/>
-              <a:t>current position</a:t>
-            </a:r>
-            <a:r>
-              <a:rPr lang="en-US" sz="2600" dirty="0"/>
-              <a:t> in the input stream and a </a:t>
-            </a:r>
-            <a:r>
-              <a:rPr lang="en-US" sz="2600" u="sng" dirty="0"/>
-              <a:t>single look-ahead token</a:t>
-            </a:r>
-            <a:r>
-              <a:rPr lang="en-US" sz="2600" dirty="0"/>
-              <a:t> to decide how to construct the next node(s) in the parse tree. </a:t>
-            </a:r>
-          </a:p>
-          <a:p>
-            <a:pPr>
-              <a:lnSpc>
-                <a:spcPct val="90000"/>
-              </a:lnSpc>
-            </a:pPr>
-            <a:r>
-              <a:rPr lang="en-US" sz="2600" dirty="0"/>
-              <a:t>LL(1)</a:t>
-            </a:r>
-          </a:p>
-          <a:p>
-            <a:pPr lvl="1">
-              <a:lnSpc>
-                <a:spcPct val="90000"/>
-              </a:lnSpc>
-            </a:pPr>
-            <a:r>
-              <a:rPr lang="en-US" sz="2200" dirty="0"/>
-              <a:t>Reads input from </a:t>
-            </a:r>
-            <a:r>
-              <a:rPr lang="en-US" sz="2200" u="sng" dirty="0"/>
-              <a:t>L</a:t>
-            </a:r>
-            <a:r>
-              <a:rPr lang="en-US" sz="2200" dirty="0"/>
-              <a:t>eft to right.</a:t>
-            </a:r>
-          </a:p>
-          <a:p>
-            <a:pPr lvl="1">
-              <a:lnSpc>
-                <a:spcPct val="90000"/>
-              </a:lnSpc>
-            </a:pPr>
-            <a:r>
-              <a:rPr lang="en-US" sz="2200" dirty="0"/>
-              <a:t>Constructs the </a:t>
-            </a:r>
-            <a:r>
-              <a:rPr lang="en-US" sz="2200" u="sng" dirty="0"/>
-              <a:t>L</a:t>
-            </a:r>
-            <a:r>
-              <a:rPr lang="en-US" sz="2200" dirty="0"/>
-              <a:t>eftmost derivation</a:t>
-            </a:r>
-          </a:p>
-          <a:p>
-            <a:pPr lvl="1">
-              <a:lnSpc>
-                <a:spcPct val="90000"/>
-              </a:lnSpc>
-            </a:pPr>
-            <a:r>
-              <a:rPr lang="en-US" sz="2200" dirty="0"/>
-              <a:t>Uses </a:t>
-            </a:r>
-            <a:r>
-              <a:rPr lang="en-US" sz="2200" u="sng" dirty="0"/>
-              <a:t>1</a:t>
-            </a:r>
-            <a:r>
-              <a:rPr lang="en-US" sz="2200" dirty="0"/>
-              <a:t> look-ahead token.</a:t>
-            </a:r>
-          </a:p>
-          <a:p>
-            <a:pPr lvl="1">
-              <a:lnSpc>
-                <a:spcPct val="90000"/>
-              </a:lnSpc>
-            </a:pPr>
-            <a:endParaRPr lang="en-US" sz="2200" u="sng" dirty="0"/>
+            <a:r>
+              <a:rPr lang="en-US" dirty="0"/>
+              <a:t>The converse is also true:</a:t>
+            </a:r>
+          </a:p>
+          <a:p>
+            <a:pPr lvl="1"/>
+            <a:r>
+              <a:rPr lang="en-US" dirty="0"/>
+              <a:t>If a sentence has a parse tree, then it belongs to the language.</a:t>
+            </a:r>
+          </a:p>
+          <a:p>
+            <a:pPr lvl="1"/>
+            <a:r>
+              <a:rPr lang="en-US" dirty="0"/>
+              <a:t>This is precisely what </a:t>
+            </a:r>
+            <a:r>
+              <a:rPr lang="en-US" u="sng" dirty="0"/>
+              <a:t>parsers</a:t>
+            </a:r>
+            <a:r>
+              <a:rPr lang="en-US" dirty="0"/>
+              <a:t> do: to show a program is </a:t>
+            </a:r>
+            <a:r>
+              <a:rPr lang="en-US" u="sng" dirty="0"/>
+              <a:t>syntactically correct,</a:t>
+            </a:r>
+            <a:r>
+              <a:rPr lang="en-US" dirty="0"/>
+              <a:t> parsers construct a </a:t>
+            </a:r>
+            <a:r>
+              <a:rPr lang="en-US" u="sng" dirty="0"/>
+              <a:t>parse tree</a:t>
+            </a:r>
+            <a:endParaRPr lang="en-US" dirty="0"/>
           </a:p>
         </p:txBody>
       </p:sp>
@@ -9797,6 +10983,202 @@
 </file>
 
 <file path=ppt/slides/slide13.xml><?xml version="1.0" encoding="utf-8"?>
+<p:sld xmlns:a="http://schemas.openxmlformats.org/drawingml/2006/main" xmlns:r="http://schemas.openxmlformats.org/officeDocument/2006/relationships" xmlns:p="http://schemas.openxmlformats.org/presentationml/2006/main">
+  <p:cSld>
+    <p:spTree>
+      <p:nvGrpSpPr>
+        <p:cNvPr id="1" name=""/>
+        <p:cNvGrpSpPr/>
+        <p:nvPr/>
+      </p:nvGrpSpPr>
+      <p:grpSpPr>
+        <a:xfrm>
+          <a:off x="0" y="0"/>
+          <a:ext cx="0" cy="0"/>
+          <a:chOff x="0" y="0"/>
+          <a:chExt cx="0" cy="0"/>
+        </a:xfrm>
+      </p:grpSpPr>
+      <p:sp>
+        <p:nvSpPr>
+          <p:cNvPr id="17410" name="Rectangle 2"/>
+          <p:cNvSpPr>
+            <a:spLocks noGrp="1" noChangeArrowheads="1"/>
+          </p:cNvSpPr>
+          <p:nvPr>
+            <p:ph type="title"/>
+          </p:nvPr>
+        </p:nvSpPr>
+        <p:spPr/>
+        <p:txBody>
+          <a:bodyPr/>
+          <a:lstStyle/>
+          <a:p>
+            <a:r>
+              <a:rPr lang="en-US" dirty="0"/>
+              <a:t>Top-Down Parsers - LL(1)</a:t>
+            </a:r>
+          </a:p>
+        </p:txBody>
+      </p:sp>
+      <p:sp>
+        <p:nvSpPr>
+          <p:cNvPr id="17411" name="Rectangle 3"/>
+          <p:cNvSpPr>
+            <a:spLocks noGrp="1" noChangeArrowheads="1"/>
+          </p:cNvSpPr>
+          <p:nvPr>
+            <p:ph type="body" idx="1"/>
+          </p:nvPr>
+        </p:nvSpPr>
+        <p:spPr/>
+        <p:txBody>
+          <a:bodyPr/>
+          <a:lstStyle/>
+          <a:p>
+            <a:pPr>
+              <a:lnSpc>
+                <a:spcPct val="90000"/>
+              </a:lnSpc>
+            </a:pPr>
+            <a:r>
+              <a:rPr lang="en-US" sz="2600" dirty="0"/>
+              <a:t>LL(1) parsers start constructing the parse tree at the </a:t>
+            </a:r>
+            <a:r>
+              <a:rPr lang="en-US" sz="2600" i="1" dirty="0"/>
+              <a:t>start symbol</a:t>
+            </a:r>
+            <a:r>
+              <a:rPr lang="en-US" sz="2600" dirty="0"/>
+              <a:t> </a:t>
+            </a:r>
+          </a:p>
+          <a:p>
+            <a:pPr lvl="1">
+              <a:lnSpc>
+                <a:spcPct val="90000"/>
+              </a:lnSpc>
+            </a:pPr>
+            <a:r>
+              <a:rPr lang="en-US" sz="2200" dirty="0"/>
+              <a:t>as opposed to bottom-up parsers, LR</a:t>
+            </a:r>
+          </a:p>
+          <a:p>
+            <a:pPr>
+              <a:lnSpc>
+                <a:spcPct val="90000"/>
+              </a:lnSpc>
+            </a:pPr>
+            <a:r>
+              <a:rPr lang="en-US" sz="2600" dirty="0"/>
+              <a:t>LL(1) parsers use the </a:t>
+            </a:r>
+            <a:r>
+              <a:rPr lang="en-US" sz="2600" u="sng" dirty="0"/>
+              <a:t>current position</a:t>
+            </a:r>
+            <a:r>
+              <a:rPr lang="en-US" sz="2600" dirty="0"/>
+              <a:t> in the input stream and a </a:t>
+            </a:r>
+            <a:r>
+              <a:rPr lang="en-US" sz="2600" u="sng" dirty="0"/>
+              <a:t>single look-ahead token</a:t>
+            </a:r>
+            <a:r>
+              <a:rPr lang="en-US" sz="2600" dirty="0"/>
+              <a:t> to decide how to construct the next node(s) in the parse tree. </a:t>
+            </a:r>
+          </a:p>
+          <a:p>
+            <a:pPr>
+              <a:lnSpc>
+                <a:spcPct val="90000"/>
+              </a:lnSpc>
+            </a:pPr>
+            <a:r>
+              <a:rPr lang="en-US" sz="2600" dirty="0"/>
+              <a:t>LL(1)</a:t>
+            </a:r>
+          </a:p>
+          <a:p>
+            <a:pPr lvl="1">
+              <a:lnSpc>
+                <a:spcPct val="90000"/>
+              </a:lnSpc>
+            </a:pPr>
+            <a:r>
+              <a:rPr lang="en-US" sz="2200" dirty="0"/>
+              <a:t>Reads input from </a:t>
+            </a:r>
+            <a:r>
+              <a:rPr lang="en-US" sz="2200" u="sng" dirty="0"/>
+              <a:t>L</a:t>
+            </a:r>
+            <a:r>
+              <a:rPr lang="en-US" sz="2200" dirty="0"/>
+              <a:t>eft to right.</a:t>
+            </a:r>
+          </a:p>
+          <a:p>
+            <a:pPr lvl="1">
+              <a:lnSpc>
+                <a:spcPct val="90000"/>
+              </a:lnSpc>
+            </a:pPr>
+            <a:r>
+              <a:rPr lang="en-US" sz="2200" dirty="0"/>
+              <a:t>Constructs the </a:t>
+            </a:r>
+            <a:r>
+              <a:rPr lang="en-US" sz="2200" u="sng" dirty="0"/>
+              <a:t>L</a:t>
+            </a:r>
+            <a:r>
+              <a:rPr lang="en-US" sz="2200" dirty="0"/>
+              <a:t>eftmost derivation</a:t>
+            </a:r>
+          </a:p>
+          <a:p>
+            <a:pPr lvl="1">
+              <a:lnSpc>
+                <a:spcPct val="90000"/>
+              </a:lnSpc>
+            </a:pPr>
+            <a:r>
+              <a:rPr lang="en-US" sz="2200" dirty="0"/>
+              <a:t>Uses </a:t>
+            </a:r>
+            <a:r>
+              <a:rPr lang="en-US" sz="2200" u="sng" dirty="0"/>
+              <a:t>1</a:t>
+            </a:r>
+            <a:r>
+              <a:rPr lang="en-US" sz="2200" dirty="0"/>
+              <a:t> look-ahead token.</a:t>
+            </a:r>
+          </a:p>
+          <a:p>
+            <a:pPr lvl="1">
+              <a:lnSpc>
+                <a:spcPct val="90000"/>
+              </a:lnSpc>
+            </a:pPr>
+            <a:endParaRPr lang="en-US" sz="2200" u="sng" dirty="0"/>
+          </a:p>
+        </p:txBody>
+      </p:sp>
+    </p:spTree>
+  </p:cSld>
+  <p:clrMapOvr>
+    <a:masterClrMapping/>
+  </p:clrMapOvr>
+</p:sld>
+</file>
+
+<file path=ppt/slides/slide14.xml><?xml version="1.0" encoding="utf-8"?>
 <p:sld xmlns:a="http://schemas.openxmlformats.org/drawingml/2006/main" xmlns:r="http://schemas.openxmlformats.org/officeDocument/2006/relationships" xmlns:p="http://schemas.openxmlformats.org/presentationml/2006/main">
   <p:cSld>
     <p:spTree>
@@ -9862,7 +11244,7 @@
           </a:ln>
           <a:extLst>
             <a:ext uri="{909E8E84-426E-40dd-AFC4-6F175D3DCCD1}">
-              <a14:hiddenFill xmlns="" xmlns:a14="http://schemas.microsoft.com/office/drawing/2010/main">
+              <a14:hiddenFill xmlns:a14="http://schemas.microsoft.com/office/drawing/2010/main" xmlns="">
                 <a:noFill/>
               </a14:hiddenFill>
             </a:ext>
@@ -9891,14 +11273,14 @@
           </a:ln>
           <a:extLst>
             <a:ext uri="{909E8E84-426E-40dd-AFC4-6F175D3DCCD1}">
-              <a14:hiddenFill xmlns="" xmlns:a14="http://schemas.microsoft.com/office/drawing/2010/main">
+              <a14:hiddenFill xmlns:a14="http://schemas.microsoft.com/office/drawing/2010/main" xmlns="">
                 <a:solidFill>
                   <a:schemeClr val="accent1"/>
                 </a:solidFill>
               </a14:hiddenFill>
             </a:ext>
             <a:ext uri="{91240B29-F687-4f45-9708-019B960494DF}">
-              <a14:hiddenLine xmlns="" xmlns:a14="http://schemas.microsoft.com/office/drawing/2010/main" w="9525">
+              <a14:hiddenLine xmlns:a14="http://schemas.microsoft.com/office/drawing/2010/main" xmlns="" w="9525">
                 <a:solidFill>
                   <a:schemeClr val="tx1"/>
                 </a:solidFill>
@@ -9948,14 +11330,14 @@
           </a:ln>
           <a:extLst>
             <a:ext uri="{909E8E84-426E-40dd-AFC4-6F175D3DCCD1}">
-              <a14:hiddenFill xmlns="" xmlns:a14="http://schemas.microsoft.com/office/drawing/2010/main">
+              <a14:hiddenFill xmlns:a14="http://schemas.microsoft.com/office/drawing/2010/main" xmlns="">
                 <a:solidFill>
                   <a:schemeClr val="accent1"/>
                 </a:solidFill>
               </a14:hiddenFill>
             </a:ext>
             <a:ext uri="{91240B29-F687-4f45-9708-019B960494DF}">
-              <a14:hiddenLine xmlns="" xmlns:a14="http://schemas.microsoft.com/office/drawing/2010/main" w="9525">
+              <a14:hiddenLine xmlns:a14="http://schemas.microsoft.com/office/drawing/2010/main" xmlns="" w="9525">
                 <a:solidFill>
                   <a:schemeClr val="tx1"/>
                 </a:solidFill>
@@ -10536,7 +11918,7 @@
 </p:sld>
 </file>
 
-<file path=ppt/slides/slide14.xml><?xml version="1.0" encoding="utf-8"?>
+<file path=ppt/slides/slide15.xml><?xml version="1.0" encoding="utf-8"?>
 <p:sld xmlns:a="http://schemas.openxmlformats.org/drawingml/2006/main" xmlns:r="http://schemas.openxmlformats.org/officeDocument/2006/relationships" xmlns:p="http://schemas.openxmlformats.org/presentationml/2006/main">
   <p:cSld>
     <p:spTree>
@@ -10683,7 +12065,7 @@
 </p:sld>
 </file>
 
-<file path=ppt/slides/slide15.xml><?xml version="1.0" encoding="utf-8"?>
+<file path=ppt/slides/slide16.xml><?xml version="1.0" encoding="utf-8"?>
 <p:sld xmlns:a="http://schemas.openxmlformats.org/drawingml/2006/main" xmlns:r="http://schemas.openxmlformats.org/officeDocument/2006/relationships" xmlns:p="http://schemas.openxmlformats.org/presentationml/2006/main">
   <p:cSld>
     <p:spTree>
@@ -10780,7 +12162,7 @@
           <a:effectLst/>
           <a:extLst>
             <a:ext uri="{AF507438-7753-43e0-B8FC-AC1667EBCBE1}">
-              <a14:hiddenEffects xmlns="" xmlns:a14="http://schemas.microsoft.com/office/drawing/2010/main">
+              <a14:hiddenEffects xmlns:a14="http://schemas.microsoft.com/office/drawing/2010/main" xmlns="">
                 <a:effectLst>
                   <a:outerShdw blurRad="63500" dist="38099" dir="2700000" algn="ctr" rotWithShape="0">
                     <a:schemeClr val="bg2">
@@ -10835,7 +12217,7 @@
 </p:sld>
 </file>
 
-<file path=ppt/slides/slide16.xml><?xml version="1.0" encoding="utf-8"?>
+<file path=ppt/slides/slide17.xml><?xml version="1.0" encoding="utf-8"?>
 <p:sld xmlns:a="http://schemas.openxmlformats.org/drawingml/2006/main" xmlns:r="http://schemas.openxmlformats.org/officeDocument/2006/relationships" xmlns:p="http://schemas.openxmlformats.org/presentationml/2006/main">
   <p:cSld>
     <p:spTree>
@@ -10968,7 +12350,7 @@
           </a:ln>
           <a:extLst>
             <a:ext uri="{909E8E84-426E-40dd-AFC4-6F175D3DCCD1}">
-              <a14:hiddenFill xmlns="" xmlns:a14="http://schemas.microsoft.com/office/drawing/2010/main">
+              <a14:hiddenFill xmlns:a14="http://schemas.microsoft.com/office/drawing/2010/main" xmlns="">
                 <a:solidFill>
                   <a:schemeClr val="accent1"/>
                 </a:solidFill>
@@ -11604,146 +12986,6 @@
     <p:extLst>
       <p:ext uri="{BB962C8B-B14F-4D97-AF65-F5344CB8AC3E}">
         <p14:creationId xmlns:p14="http://schemas.microsoft.com/office/powerpoint/2010/main" val="2015729207"/>
-      </p:ext>
-    </p:extLst>
-  </p:cSld>
-  <p:clrMapOvr>
-    <a:masterClrMapping/>
-  </p:clrMapOvr>
-</p:sld>
-</file>
-
-<file path=ppt/slides/slide17.xml><?xml version="1.0" encoding="utf-8"?>
-<p:sld xmlns:a="http://schemas.openxmlformats.org/drawingml/2006/main" xmlns:r="http://schemas.openxmlformats.org/officeDocument/2006/relationships" xmlns:p="http://schemas.openxmlformats.org/presentationml/2006/main">
-  <p:cSld>
-    <p:spTree>
-      <p:nvGrpSpPr>
-        <p:cNvPr id="1" name=""/>
-        <p:cNvGrpSpPr/>
-        <p:nvPr/>
-      </p:nvGrpSpPr>
-      <p:grpSpPr>
-        <a:xfrm>
-          <a:off x="0" y="0"/>
-          <a:ext cx="0" cy="0"/>
-          <a:chOff x="0" y="0"/>
-          <a:chExt cx="0" cy="0"/>
-        </a:xfrm>
-      </p:grpSpPr>
-      <p:sp>
-        <p:nvSpPr>
-          <p:cNvPr id="2" name="Title 1"/>
-          <p:cNvSpPr>
-            <a:spLocks noGrp="1"/>
-          </p:cNvSpPr>
-          <p:nvPr>
-            <p:ph type="title"/>
-          </p:nvPr>
-        </p:nvSpPr>
-        <p:spPr/>
-        <p:txBody>
-          <a:bodyPr/>
-          <a:lstStyle/>
-          <a:p>
-            <a:r>
-              <a:rPr lang="en-US"/>
-              <a:t>Computing the Lookahead Set</a:t>
-            </a:r>
-          </a:p>
-        </p:txBody>
-      </p:sp>
-      <p:sp>
-        <p:nvSpPr>
-          <p:cNvPr id="3" name="Content Placeholder 2"/>
-          <p:cNvSpPr>
-            <a:spLocks noGrp="1"/>
-          </p:cNvSpPr>
-          <p:nvPr>
-            <p:ph idx="1"/>
-          </p:nvPr>
-        </p:nvSpPr>
-        <p:spPr/>
-        <p:txBody>
-          <a:bodyPr>
-            <a:normAutofit fontScale="92500"/>
-          </a:bodyPr>
-          <a:lstStyle/>
-          <a:p>
-            <a:r>
-              <a:rPr lang="en-US" sz="2800" dirty="0"/>
-              <a:t>Actually, the algorithm we have outlined computes the </a:t>
-            </a:r>
-            <a:r>
-              <a:rPr lang="en-US" sz="2800" dirty="0" err="1"/>
-              <a:t>lookahead</a:t>
-            </a:r>
-            <a:r>
-              <a:rPr lang="en-US" sz="2800" dirty="0"/>
-              <a:t> set for a simpler parsing technique called </a:t>
-            </a:r>
-            <a:r>
-              <a:rPr lang="en-US" sz="2800" dirty="0" err="1"/>
-              <a:t>sLL</a:t>
-            </a:r>
-            <a:r>
-              <a:rPr lang="en-US" sz="2800" dirty="0"/>
-              <a:t>(1) – simplified LL (1) parsing.</a:t>
-            </a:r>
-          </a:p>
-          <a:p>
-            <a:r>
-              <a:rPr lang="en-US" sz="2800" dirty="0" err="1"/>
-              <a:t>sLL</a:t>
-            </a:r>
-            <a:r>
-              <a:rPr lang="en-US" sz="2800" dirty="0"/>
-              <a:t>(1) parsing does not deal with non-terminals that expand into the empty string in the first position of a production </a:t>
-            </a:r>
-            <a:r>
-              <a:rPr lang="mr-IN" sz="2800" dirty="0"/>
-              <a:t>–</a:t>
-            </a:r>
-            <a:r>
-              <a:rPr lang="en-US" sz="2800" dirty="0"/>
-              <a:t> also called </a:t>
-            </a:r>
-            <a:r>
-              <a:rPr lang="en-US" sz="2800" i="1" dirty="0" err="1"/>
-              <a:t>nullable</a:t>
-            </a:r>
-            <a:r>
-              <a:rPr lang="en-US" sz="2800" i="1" dirty="0"/>
-              <a:t> prefixes.</a:t>
-            </a:r>
-            <a:endParaRPr lang="en-US" sz="2800" dirty="0"/>
-          </a:p>
-          <a:p>
-            <a:r>
-              <a:rPr lang="en-US" sz="2800" dirty="0"/>
-              <a:t>All our parsers will be </a:t>
-            </a:r>
-            <a:r>
-              <a:rPr lang="en-US" sz="2800" dirty="0" err="1"/>
-              <a:t>sLL</a:t>
-            </a:r>
-            <a:r>
-              <a:rPr lang="en-US" sz="2800" dirty="0"/>
-              <a:t>(1) </a:t>
-            </a:r>
-          </a:p>
-          <a:p>
-            <a:pPr lvl="1"/>
-            <a:r>
-              <a:rPr lang="en-US" sz="2400" dirty="0"/>
-              <a:t>Later in the course we will discuss a tool called Ply and we will have access to another parsing technique called LR(1) – which is bottom-up parsing</a:t>
-            </a:r>
-          </a:p>
-        </p:txBody>
-      </p:sp>
-    </p:spTree>
-    <p:extLst>
-      <p:ext uri="{BB962C8B-B14F-4D97-AF65-F5344CB8AC3E}">
-        <p14:creationId xmlns:p14="http://schemas.microsoft.com/office/powerpoint/2010/main" val="2021618348"/>
       </p:ext>
     </p:extLst>
   </p:cSld>
@@ -11772,9 +13014,9 @@
       </p:grpSpPr>
       <p:sp>
         <p:nvSpPr>
-          <p:cNvPr id="18434" name="Rectangle 2"/>
+          <p:cNvPr id="2" name="Title 1"/>
           <p:cNvSpPr>
-            <a:spLocks noGrp="1" noChangeArrowheads="1"/>
+            <a:spLocks noGrp="1"/>
           </p:cNvSpPr>
           <p:nvPr>
             <p:ph type="title"/>
@@ -11787,75 +13029,105 @@
           <a:p>
             <a:r>
               <a:rPr lang="en-US"/>
-              <a:t>Constructing a Parser</a:t>
-            </a:r>
-          </a:p>
-        </p:txBody>
-      </p:sp>
-      <p:sp>
-        <p:nvSpPr>
-          <p:cNvPr id="18435" name="Rectangle 3"/>
+              <a:t>Computing the Lookahead Set</a:t>
+            </a:r>
+          </a:p>
+        </p:txBody>
+      </p:sp>
+      <p:sp>
+        <p:nvSpPr>
+          <p:cNvPr id="3" name="Content Placeholder 2"/>
           <p:cNvSpPr>
-            <a:spLocks noGrp="1" noChangeArrowheads="1"/>
+            <a:spLocks noGrp="1"/>
           </p:cNvSpPr>
           <p:nvPr>
-            <p:ph type="body" idx="1"/>
+            <p:ph idx="1"/>
           </p:nvPr>
         </p:nvSpPr>
         <p:spPr/>
         <p:txBody>
-          <a:bodyPr/>
+          <a:bodyPr>
+            <a:normAutofit fontScale="92500"/>
+          </a:bodyPr>
           <a:lstStyle/>
           <a:p>
             <a:r>
-              <a:rPr lang="en-US" dirty="0"/>
-              <a:t>A </a:t>
-            </a:r>
-            <a:r>
-              <a:rPr lang="en-US" dirty="0" err="1"/>
+              <a:rPr lang="en-US" sz="2800" dirty="0"/>
+              <a:t>Actually, the algorithm we have outlined computes the </a:t>
+            </a:r>
+            <a:r>
+              <a:rPr lang="en-US" sz="2800" dirty="0" err="1"/>
+              <a:t>lookahead</a:t>
+            </a:r>
+            <a:r>
+              <a:rPr lang="en-US" sz="2800" dirty="0"/>
+              <a:t> set for a simpler parsing technique called </a:t>
+            </a:r>
+            <a:r>
+              <a:rPr lang="en-US" sz="2800" dirty="0" err="1"/>
               <a:t>sLL</a:t>
             </a:r>
             <a:r>
-              <a:rPr lang="en-US" dirty="0"/>
-              <a:t>(1) parser can be constructed by hand by </a:t>
-            </a:r>
-            <a:r>
-              <a:rPr lang="en-US" i="1" dirty="0"/>
-              <a:t>converting each non-terminal into a function</a:t>
-            </a:r>
-          </a:p>
-          <a:p>
-            <a:r>
-              <a:rPr lang="en-US" dirty="0"/>
-              <a:t>The body of the function </a:t>
-            </a:r>
-            <a:r>
-              <a:rPr lang="en-US" i="1" dirty="0"/>
-              <a:t>implements the right sides of the rules for each non-terminal </a:t>
-            </a:r>
-            <a:r>
-              <a:rPr lang="en-US" dirty="0"/>
-              <a:t>in order to:</a:t>
-            </a:r>
-            <a:endParaRPr lang="en-US" i="1" dirty="0"/>
+              <a:rPr lang="en-US" sz="2800" dirty="0"/>
+              <a:t>(1) – simplified LL (1) parsing.</a:t>
+            </a:r>
+          </a:p>
+          <a:p>
+            <a:r>
+              <a:rPr lang="en-US" sz="2800" dirty="0" err="1"/>
+              <a:t>sLL</a:t>
+            </a:r>
+            <a:r>
+              <a:rPr lang="en-US" sz="2800" dirty="0"/>
+              <a:t>(1) parsing does not deal with non-terminals that expand into the empty string in the first position of a production </a:t>
+            </a:r>
+            <a:r>
+              <a:rPr lang="mr-IN" sz="2800" dirty="0"/>
+              <a:t>–</a:t>
+            </a:r>
+            <a:r>
+              <a:rPr lang="en-US" sz="2800" dirty="0"/>
+              <a:t> also called </a:t>
+            </a:r>
+            <a:r>
+              <a:rPr lang="en-US" sz="2800" i="1" dirty="0" err="1"/>
+              <a:t>nullable</a:t>
+            </a:r>
+            <a:r>
+              <a:rPr lang="en-US" sz="2800" i="1" dirty="0"/>
+              <a:t> prefixes.</a:t>
+            </a:r>
+            <a:endParaRPr lang="en-US" sz="2800" dirty="0"/>
+          </a:p>
+          <a:p>
+            <a:r>
+              <a:rPr lang="en-US" sz="2800" dirty="0"/>
+              <a:t>All our parsers will be </a:t>
+            </a:r>
+            <a:r>
+              <a:rPr lang="en-US" sz="2800" dirty="0" err="1"/>
+              <a:t>sLL</a:t>
+            </a:r>
+            <a:r>
+              <a:rPr lang="en-US" sz="2800" dirty="0"/>
+              <a:t>(1) </a:t>
+            </a:r>
           </a:p>
           <a:p>
             <a:pPr lvl="1"/>
             <a:r>
-              <a:rPr lang="en-US" dirty="0"/>
-              <a:t>Process terminals</a:t>
-            </a:r>
-          </a:p>
-          <a:p>
-            <a:pPr lvl="1"/>
-            <a:r>
-              <a:rPr lang="en-US" dirty="0"/>
-              <a:t>Call the functions of other non-terminals as appropriate</a:t>
+              <a:rPr lang="en-US" sz="2400" dirty="0"/>
+              <a:t>Later in the course we will discuss a tool called Ply and we will have access to another parsing technique called LR(1) – which is bottom-up parsing</a:t>
             </a:r>
           </a:p>
         </p:txBody>
       </p:sp>
     </p:spTree>
+    <p:extLst>
+      <p:ext uri="{BB962C8B-B14F-4D97-AF65-F5344CB8AC3E}">
+        <p14:creationId xmlns:p14="http://schemas.microsoft.com/office/powerpoint/2010/main" val="2021618348"/>
+      </p:ext>
+    </p:extLst>
   </p:cSld>
   <p:clrMapOvr>
     <a:masterClrMapping/>
@@ -11882,7 +13154,7 @@
       </p:grpSpPr>
       <p:sp>
         <p:nvSpPr>
-          <p:cNvPr id="25602" name="Rectangle 2"/>
+          <p:cNvPr id="18434" name="Rectangle 2"/>
           <p:cNvSpPr>
             <a:spLocks noGrp="1" noChangeArrowheads="1"/>
           </p:cNvSpPr>
@@ -11896,15 +13168,15 @@
           <a:lstStyle/>
           <a:p>
             <a:r>
-              <a:rPr lang="en-US" dirty="0"/>
-              <a:t>Constructing LL(1) Parsers</a:t>
-            </a:r>
-          </a:p>
-        </p:txBody>
-      </p:sp>
-      <p:sp>
-        <p:nvSpPr>
-          <p:cNvPr id="25603" name="Rectangle 3"/>
+              <a:rPr lang="en-US"/>
+              <a:t>Constructing a Parser</a:t>
+            </a:r>
+          </a:p>
+        </p:txBody>
+      </p:sp>
+      <p:sp>
+        <p:nvSpPr>
+          <p:cNvPr id="18435" name="Rectangle 3"/>
           <p:cNvSpPr>
             <a:spLocks noGrp="1" noChangeArrowheads="1"/>
           </p:cNvSpPr>
@@ -11912,477 +13184,55 @@
             <p:ph type="body" idx="1"/>
           </p:nvPr>
         </p:nvSpPr>
-        <p:spPr>
-          <a:xfrm>
-            <a:off x="457200" y="1719263"/>
-            <a:ext cx="8229600" cy="719137"/>
-          </a:xfrm>
-        </p:spPr>
-        <p:txBody>
-          <a:bodyPr>
-            <a:normAutofit fontScale="77500" lnSpcReduction="20000"/>
-          </a:bodyPr>
+        <p:spPr/>
+        <p:txBody>
+          <a:bodyPr/>
           <a:lstStyle/>
           <a:p>
-            <a:pPr>
-              <a:lnSpc>
-                <a:spcPct val="90000"/>
-              </a:lnSpc>
-            </a:pPr>
-            <a:r>
-              <a:rPr lang="en-US" sz="2600" dirty="0"/>
-              <a:t>A parser for Exp0</a:t>
-            </a:r>
-          </a:p>
-          <a:p>
-            <a:pPr lvl="1">
-              <a:lnSpc>
-                <a:spcPct val="90000"/>
-              </a:lnSpc>
-            </a:pPr>
-            <a:r>
-              <a:rPr lang="en-US" sz="2200" dirty="0"/>
-              <a:t>We start with the grammar for Exp0 extended with the </a:t>
-            </a:r>
-            <a:r>
-              <a:rPr lang="en-US" sz="2200" dirty="0" err="1"/>
-              <a:t>lookahead</a:t>
-            </a:r>
-            <a:r>
-              <a:rPr lang="en-US" sz="2200" dirty="0"/>
-              <a:t> sets</a:t>
-            </a:r>
-          </a:p>
-        </p:txBody>
-      </p:sp>
-      <p:sp>
-        <p:nvSpPr>
-          <p:cNvPr id="10" name="Rectangle 9"/>
-          <p:cNvSpPr/>
-          <p:nvPr/>
-        </p:nvSpPr>
-        <p:spPr>
-          <a:xfrm>
-            <a:off x="2514600" y="2514600"/>
-            <a:ext cx="3505200" cy="3323987"/>
-          </a:xfrm>
-          <a:prstGeom prst="rect">
-            <a:avLst/>
-          </a:prstGeom>
-          <a:ln>
-            <a:solidFill>
-              <a:schemeClr val="tx1"/>
-            </a:solidFill>
-          </a:ln>
-        </p:spPr>
-        <p:txBody>
-          <a:bodyPr wrap="square">
-            <a:spAutoFit/>
-          </a:bodyPr>
-          <a:lstStyle/>
-          <a:p>
+            <a:r>
+              <a:rPr lang="en-US" dirty="0"/>
+              <a:t>A </a:t>
+            </a:r>
             <a:r>
               <a:rPr lang="en-US" dirty="0" err="1"/>
-              <a:t>stmt_list</a:t>
+              <a:t>sLL</a:t>
             </a:r>
             <a:r>
               <a:rPr lang="en-US" dirty="0"/>
-              <a:t> : </a:t>
-            </a:r>
-            <a:r>
-              <a:rPr lang="en-US" dirty="0">
-                <a:solidFill>
-                  <a:srgbClr val="FF0000"/>
-                </a:solidFill>
-              </a:rPr>
-              <a:t>{</a:t>
-            </a:r>
-            <a:r>
-              <a:rPr lang="en-US" dirty="0" err="1">
-                <a:solidFill>
-                  <a:srgbClr val="FF0000"/>
-                </a:solidFill>
-              </a:rPr>
-              <a:t>p,s</a:t>
-            </a:r>
-            <a:r>
-              <a:rPr lang="en-US" dirty="0">
-                <a:solidFill>
-                  <a:srgbClr val="FF0000"/>
-                </a:solidFill>
-              </a:rPr>
-              <a:t>}</a:t>
-            </a:r>
+              <a:t>(1) parser can be constructed by hand by </a:t>
+            </a:r>
+            <a:r>
+              <a:rPr lang="en-US" i="1" dirty="0"/>
+              <a:t>converting each non-terminal into a function</a:t>
+            </a:r>
+          </a:p>
+          <a:p>
             <a:r>
               <a:rPr lang="en-US" dirty="0"/>
-              <a:t> </a:t>
-            </a:r>
-            <a:r>
-              <a:rPr lang="en-US" dirty="0" err="1"/>
-              <a:t>stmt</a:t>
+              <a:t>The body of the function </a:t>
+            </a:r>
+            <a:r>
+              <a:rPr lang="en-US" i="1" dirty="0"/>
+              <a:t>implements the right sides of the rules for each non-terminal </a:t>
             </a:r>
             <a:r>
               <a:rPr lang="en-US" dirty="0"/>
-              <a:t> </a:t>
-            </a:r>
-            <a:r>
-              <a:rPr lang="en-US" dirty="0" err="1"/>
-              <a:t>stmt_list</a:t>
-            </a:r>
-            <a:endParaRPr lang="en-US" dirty="0"/>
-          </a:p>
-          <a:p>
+              <a:t>in order to:</a:t>
+            </a:r>
+            <a:endParaRPr lang="en-US" i="1" dirty="0"/>
+          </a:p>
+          <a:p>
+            <a:pPr lvl="1"/>
             <a:r>
               <a:rPr lang="en-US" dirty="0"/>
-              <a:t>         | </a:t>
-            </a:r>
-            <a:r>
-              <a:rPr lang="en-US" dirty="0">
-                <a:solidFill>
-                  <a:srgbClr val="FF0000"/>
-                </a:solidFill>
-              </a:rPr>
-              <a:t>{""}</a:t>
-            </a:r>
+              <a:t>Process terminals</a:t>
+            </a:r>
+          </a:p>
+          <a:p>
+            <a:pPr lvl="1"/>
             <a:r>
               <a:rPr lang="en-US" dirty="0"/>
-              <a:t> ""</a:t>
-            </a:r>
-          </a:p>
-          <a:p>
-            <a:endParaRPr lang="en-US" dirty="0"/>
-          </a:p>
-          <a:p>
-            <a:r>
-              <a:rPr lang="nl-NL" dirty="0" err="1"/>
-              <a:t>stmt</a:t>
-            </a:r>
-            <a:r>
-              <a:rPr lang="nl-NL" dirty="0"/>
-              <a:t> : </a:t>
-            </a:r>
-            <a:r>
-              <a:rPr lang="nl-NL" dirty="0">
-                <a:solidFill>
-                  <a:srgbClr val="FF0000"/>
-                </a:solidFill>
-              </a:rPr>
-              <a:t>{p}</a:t>
-            </a:r>
-            <a:r>
-              <a:rPr lang="nl-NL" dirty="0"/>
-              <a:t> p </a:t>
-            </a:r>
-            <a:r>
-              <a:rPr lang="nl-NL" dirty="0" err="1"/>
-              <a:t>exp</a:t>
-            </a:r>
-            <a:r>
-              <a:rPr lang="nl-NL" dirty="0"/>
-              <a:t> ;</a:t>
-            </a:r>
-          </a:p>
-          <a:p>
-            <a:r>
-              <a:rPr lang="sv-SE" dirty="0"/>
-              <a:t>        | </a:t>
-            </a:r>
-            <a:r>
-              <a:rPr lang="sv-SE" dirty="0">
-                <a:solidFill>
-                  <a:srgbClr val="FF0000"/>
-                </a:solidFill>
-              </a:rPr>
-              <a:t>{s}</a:t>
-            </a:r>
-            <a:r>
-              <a:rPr lang="sv-SE" dirty="0"/>
-              <a:t> s var </a:t>
-            </a:r>
-            <a:r>
-              <a:rPr lang="sv-SE" dirty="0" err="1"/>
-              <a:t>exp</a:t>
-            </a:r>
-            <a:r>
-              <a:rPr lang="sv-SE" dirty="0"/>
-              <a:t> ;</a:t>
-            </a:r>
-          </a:p>
-          <a:p>
-            <a:endParaRPr lang="sv-SE" dirty="0"/>
-          </a:p>
-          <a:p>
-            <a:r>
-              <a:rPr lang="nl-NL" dirty="0" err="1"/>
-              <a:t>exp</a:t>
-            </a:r>
-            <a:r>
-              <a:rPr lang="nl-NL" dirty="0"/>
-              <a:t> :</a:t>
-            </a:r>
-            <a:r>
-              <a:rPr lang="nl-NL" dirty="0">
-                <a:solidFill>
-                  <a:srgbClr val="FF0000"/>
-                </a:solidFill>
-              </a:rPr>
-              <a:t> {+}</a:t>
-            </a:r>
-            <a:r>
-              <a:rPr lang="nl-NL" dirty="0"/>
-              <a:t> + </a:t>
-            </a:r>
-            <a:r>
-              <a:rPr lang="nl-NL" dirty="0" err="1"/>
-              <a:t>exp</a:t>
-            </a:r>
-            <a:r>
-              <a:rPr lang="nl-NL" dirty="0"/>
-              <a:t> </a:t>
-            </a:r>
-            <a:r>
-              <a:rPr lang="nl-NL" dirty="0" err="1"/>
-              <a:t>exp</a:t>
-            </a:r>
-            <a:endParaRPr lang="nl-NL" dirty="0"/>
-          </a:p>
-          <a:p>
-            <a:r>
-              <a:rPr lang="nl-NL" dirty="0"/>
-              <a:t>       |</a:t>
-            </a:r>
-            <a:r>
-              <a:rPr lang="nl-NL" dirty="0">
-                <a:solidFill>
-                  <a:srgbClr val="FF0000"/>
-                </a:solidFill>
-              </a:rPr>
-              <a:t> {-}</a:t>
-            </a:r>
-            <a:r>
-              <a:rPr lang="nl-NL" dirty="0"/>
-              <a:t> - </a:t>
-            </a:r>
-            <a:r>
-              <a:rPr lang="nl-NL" dirty="0" err="1"/>
-              <a:t>exp</a:t>
-            </a:r>
-            <a:r>
-              <a:rPr lang="nl-NL" dirty="0"/>
-              <a:t> </a:t>
-            </a:r>
-            <a:r>
-              <a:rPr lang="nl-NL" dirty="0" err="1"/>
-              <a:t>exp</a:t>
-            </a:r>
-            <a:endParaRPr lang="nl-NL" dirty="0"/>
-          </a:p>
-          <a:p>
-            <a:r>
-              <a:rPr lang="nl-NL" dirty="0"/>
-              <a:t>       | </a:t>
-            </a:r>
-            <a:r>
-              <a:rPr lang="nl-NL" dirty="0">
-                <a:solidFill>
-                  <a:srgbClr val="FF0000"/>
-                </a:solidFill>
-              </a:rPr>
-              <a:t>{(}</a:t>
-            </a:r>
-            <a:r>
-              <a:rPr lang="nl-NL" dirty="0"/>
-              <a:t> \( </a:t>
-            </a:r>
-            <a:r>
-              <a:rPr lang="nl-NL" dirty="0" err="1"/>
-              <a:t>exp</a:t>
-            </a:r>
-            <a:r>
-              <a:rPr lang="nl-NL" dirty="0"/>
-              <a:t> \)</a:t>
-            </a:r>
-          </a:p>
-          <a:p>
-            <a:r>
-              <a:rPr lang="nl-NL" dirty="0"/>
-              <a:t>       |</a:t>
-            </a:r>
-            <a:r>
-              <a:rPr lang="nl-NL" dirty="0">
-                <a:solidFill>
-                  <a:srgbClr val="FF0000"/>
-                </a:solidFill>
-              </a:rPr>
-              <a:t> {</a:t>
-            </a:r>
-            <a:r>
-              <a:rPr lang="nl-NL" dirty="0" err="1">
-                <a:solidFill>
-                  <a:srgbClr val="FF0000"/>
-                </a:solidFill>
-              </a:rPr>
-              <a:t>x,y,z</a:t>
-            </a:r>
-            <a:r>
-              <a:rPr lang="nl-NL" dirty="0">
-                <a:solidFill>
-                  <a:srgbClr val="FF0000"/>
-                </a:solidFill>
-              </a:rPr>
-              <a:t>}</a:t>
-            </a:r>
-            <a:r>
-              <a:rPr lang="nl-NL" dirty="0"/>
-              <a:t> var</a:t>
-            </a:r>
-          </a:p>
-          <a:p>
-            <a:r>
-              <a:rPr lang="ro-RO" dirty="0"/>
-              <a:t>       | </a:t>
-            </a:r>
-            <a:r>
-              <a:rPr lang="ro-RO" dirty="0">
-                <a:solidFill>
-                  <a:srgbClr val="FF0000"/>
-                </a:solidFill>
-              </a:rPr>
-              <a:t>{0,1,2,3,4,5,6,7,8,9}</a:t>
-            </a:r>
-            <a:r>
-              <a:rPr lang="ro-RO" dirty="0"/>
-              <a:t> num</a:t>
-            </a:r>
-          </a:p>
-          <a:p>
-            <a:endParaRPr lang="ro-RO" dirty="0"/>
-          </a:p>
-          <a:p>
-            <a:r>
-              <a:rPr lang="es-ES_tradnl" dirty="0" err="1"/>
-              <a:t>var</a:t>
-            </a:r>
-            <a:r>
-              <a:rPr lang="es-ES_tradnl" dirty="0"/>
-              <a:t> : </a:t>
-            </a:r>
-            <a:r>
-              <a:rPr lang="es-ES_tradnl" dirty="0">
-                <a:solidFill>
-                  <a:srgbClr val="FF0000"/>
-                </a:solidFill>
-              </a:rPr>
-              <a:t>{x}</a:t>
-            </a:r>
-            <a:r>
-              <a:rPr lang="es-ES_tradnl" dirty="0"/>
-              <a:t> x | </a:t>
-            </a:r>
-            <a:r>
-              <a:rPr lang="es-ES_tradnl" dirty="0">
-                <a:solidFill>
-                  <a:srgbClr val="FF0000"/>
-                </a:solidFill>
-              </a:rPr>
-              <a:t>{y}</a:t>
-            </a:r>
-            <a:r>
-              <a:rPr lang="es-ES_tradnl" dirty="0"/>
-              <a:t> y |</a:t>
-            </a:r>
-            <a:r>
-              <a:rPr lang="es-ES_tradnl" dirty="0">
-                <a:solidFill>
-                  <a:srgbClr val="FF0000"/>
-                </a:solidFill>
-              </a:rPr>
-              <a:t> {z}</a:t>
-            </a:r>
-            <a:r>
-              <a:rPr lang="es-ES_tradnl" dirty="0"/>
-              <a:t> z</a:t>
-            </a:r>
-          </a:p>
-          <a:p>
-            <a:endParaRPr lang="es-ES_tradnl" dirty="0"/>
-          </a:p>
-          <a:p>
-            <a:r>
-              <a:rPr lang="is-IS" dirty="0"/>
-              <a:t>num :</a:t>
-            </a:r>
-            <a:r>
-              <a:rPr lang="is-IS" dirty="0">
-                <a:solidFill>
-                  <a:srgbClr val="FF0000"/>
-                </a:solidFill>
-              </a:rPr>
-              <a:t> {0}</a:t>
-            </a:r>
-            <a:r>
-              <a:rPr lang="is-IS" dirty="0"/>
-              <a:t> 0 |</a:t>
-            </a:r>
-            <a:r>
-              <a:rPr lang="is-IS" dirty="0">
-                <a:solidFill>
-                  <a:srgbClr val="FF0000"/>
-                </a:solidFill>
-              </a:rPr>
-              <a:t> {1}</a:t>
-            </a:r>
-            <a:r>
-              <a:rPr lang="is-IS" dirty="0"/>
-              <a:t> 1 | </a:t>
-            </a:r>
-            <a:r>
-              <a:rPr lang="is-IS" dirty="0">
-                <a:solidFill>
-                  <a:srgbClr val="FF0000"/>
-                </a:solidFill>
-              </a:rPr>
-              <a:t>{2} </a:t>
-            </a:r>
-            <a:r>
-              <a:rPr lang="is-IS" dirty="0"/>
-              <a:t>2 | </a:t>
-            </a:r>
-            <a:r>
-              <a:rPr lang="is-IS" dirty="0">
-                <a:solidFill>
-                  <a:srgbClr val="000000"/>
-                </a:solidFill>
-              </a:rPr>
-              <a:t>... </a:t>
-            </a:r>
-            <a:r>
-              <a:rPr lang="is-IS" dirty="0"/>
-              <a:t>| </a:t>
-            </a:r>
-            <a:r>
-              <a:rPr lang="is-IS" dirty="0">
-                <a:solidFill>
-                  <a:srgbClr val="FF0000"/>
-                </a:solidFill>
-              </a:rPr>
-              <a:t>{8} </a:t>
-            </a:r>
-            <a:r>
-              <a:rPr lang="is-IS" dirty="0"/>
-              <a:t>8 | </a:t>
-            </a:r>
-            <a:r>
-              <a:rPr lang="is-IS" dirty="0">
-                <a:solidFill>
-                  <a:srgbClr val="FF0000"/>
-                </a:solidFill>
-              </a:rPr>
-              <a:t>{9}</a:t>
-            </a:r>
-            <a:r>
-              <a:rPr lang="is-IS" dirty="0"/>
-              <a:t> 9</a:t>
+              <a:t>Call the functions of other non-terminals as appropriate</a:t>
             </a:r>
           </a:p>
         </p:txBody>
@@ -12414,9 +13264,15 @@
       </p:grpSpPr>
       <p:sp>
         <p:nvSpPr>
-          <p:cNvPr id="2050" name="Rectangle 2"/>
+          <p:cNvPr id="2" name="Title 1">
+            <a:extLst>
+              <a:ext uri="{FF2B5EF4-FFF2-40B4-BE49-F238E27FC236}">
+                <a16:creationId xmlns:a16="http://schemas.microsoft.com/office/drawing/2014/main" id="{6906736A-935B-C647-8745-CEBD57F5BF33}"/>
+              </a:ext>
+            </a:extLst>
+          </p:cNvPr>
           <p:cNvSpPr>
-            <a:spLocks noGrp="1" noChangeArrowheads="1"/>
+            <a:spLocks noGrp="1"/>
           </p:cNvSpPr>
           <p:nvPr>
             <p:ph type="title"/>
@@ -12428,70 +13284,51 @@
           <a:lstStyle/>
           <a:p>
             <a:r>
-              <a:rPr lang="en-US"/>
-              <a:t>Grammars</a:t>
-            </a:r>
-          </a:p>
-        </p:txBody>
-      </p:sp>
-      <p:sp>
-        <p:nvSpPr>
-          <p:cNvPr id="2051" name="Rectangle 3"/>
+              <a:rPr lang="en-US" dirty="0"/>
+              <a:t>Reading</a:t>
+            </a:r>
+          </a:p>
+        </p:txBody>
+      </p:sp>
+      <p:sp>
+        <p:nvSpPr>
+          <p:cNvPr id="3" name="Content Placeholder 2">
+            <a:extLst>
+              <a:ext uri="{FF2B5EF4-FFF2-40B4-BE49-F238E27FC236}">
+                <a16:creationId xmlns:a16="http://schemas.microsoft.com/office/drawing/2014/main" id="{F8D78F05-FEA7-3641-898E-74048CB75EE3}"/>
+              </a:ext>
+            </a:extLst>
+          </p:cNvPr>
           <p:cNvSpPr>
-            <a:spLocks noGrp="1" noChangeArrowheads="1"/>
+            <a:spLocks noGrp="1"/>
           </p:cNvSpPr>
           <p:nvPr>
-            <p:ph type="body" idx="1"/>
+            <p:ph idx="1"/>
           </p:nvPr>
         </p:nvSpPr>
-        <p:spPr>
-          <a:xfrm>
-            <a:off x="381000" y="1719263"/>
-            <a:ext cx="8229600" cy="4411662"/>
-          </a:xfrm>
-        </p:spPr>
+        <p:spPr/>
         <p:txBody>
           <a:bodyPr/>
           <a:lstStyle/>
           <a:p>
             <a:r>
-              <a:rPr lang="en-US" sz="2400" dirty="0"/>
-              <a:t>The most convenient way to describe the structure of programming languages is using a context-free grammar (often called CFG or BNF for </a:t>
-            </a:r>
-            <a:r>
-              <a:rPr lang="en-US" sz="2400" i="1" dirty="0"/>
-              <a:t>Backus-</a:t>
-            </a:r>
-            <a:r>
-              <a:rPr lang="en-US" sz="2400" i="1" dirty="0" err="1"/>
-              <a:t>Nauer</a:t>
-            </a:r>
-            <a:r>
-              <a:rPr lang="en-US" sz="2400" i="1" dirty="0"/>
-              <a:t> Form</a:t>
-            </a:r>
-            <a:r>
-              <a:rPr lang="en-US" sz="2400" dirty="0"/>
-              <a:t>).  </a:t>
-            </a:r>
-          </a:p>
-          <a:p>
-            <a:r>
-              <a:rPr lang="en-US" sz="2400" dirty="0"/>
-              <a:t>Here we will simply refer to grammars with the understanding that we are referring to CFGs. (there are many kind of other grammars: regular grammars, context-sensitive grammars, </a:t>
-            </a:r>
-            <a:r>
-              <a:rPr lang="en-US" sz="2400" dirty="0" err="1"/>
-              <a:t>etc</a:t>
-            </a:r>
-            <a:r>
-              <a:rPr lang="en-US" sz="2400" dirty="0"/>
-              <a:t>)</a:t>
-            </a:r>
+              <a:rPr lang="en-US" dirty="0"/>
+              <a:t>Read Chap 2 in </a:t>
+            </a:r>
+            <a:r>
+              <a:rPr lang="en-US" dirty="0" err="1"/>
+              <a:t>ebook</a:t>
+            </a:r>
+            <a:endParaRPr lang="en-US" dirty="0"/>
           </a:p>
         </p:txBody>
       </p:sp>
     </p:spTree>
+    <p:extLst>
+      <p:ext uri="{BB962C8B-B14F-4D97-AF65-F5344CB8AC3E}">
+        <p14:creationId xmlns:p14="http://schemas.microsoft.com/office/powerpoint/2010/main" val="4089612084"/>
+      </p:ext>
+    </p:extLst>
   </p:cSld>
   <p:clrMapOvr>
     <a:masterClrMapping/>
@@ -12550,6 +13387,538 @@
         </p:nvSpPr>
         <p:spPr>
           <a:xfrm>
+            <a:off x="457200" y="1719263"/>
+            <a:ext cx="8229600" cy="719137"/>
+          </a:xfrm>
+        </p:spPr>
+        <p:txBody>
+          <a:bodyPr>
+            <a:normAutofit fontScale="77500" lnSpcReduction="20000"/>
+          </a:bodyPr>
+          <a:lstStyle/>
+          <a:p>
+            <a:pPr>
+              <a:lnSpc>
+                <a:spcPct val="90000"/>
+              </a:lnSpc>
+            </a:pPr>
+            <a:r>
+              <a:rPr lang="en-US" sz="2600" dirty="0"/>
+              <a:t>A parser for Exp0</a:t>
+            </a:r>
+          </a:p>
+          <a:p>
+            <a:pPr lvl="1">
+              <a:lnSpc>
+                <a:spcPct val="90000"/>
+              </a:lnSpc>
+            </a:pPr>
+            <a:r>
+              <a:rPr lang="en-US" sz="2200" dirty="0"/>
+              <a:t>We start with the grammar for Exp0 extended with the </a:t>
+            </a:r>
+            <a:r>
+              <a:rPr lang="en-US" sz="2200" dirty="0" err="1"/>
+              <a:t>lookahead</a:t>
+            </a:r>
+            <a:r>
+              <a:rPr lang="en-US" sz="2200" dirty="0"/>
+              <a:t> sets</a:t>
+            </a:r>
+          </a:p>
+        </p:txBody>
+      </p:sp>
+      <p:sp>
+        <p:nvSpPr>
+          <p:cNvPr id="10" name="Rectangle 9"/>
+          <p:cNvSpPr/>
+          <p:nvPr/>
+        </p:nvSpPr>
+        <p:spPr>
+          <a:xfrm>
+            <a:off x="2514600" y="2514600"/>
+            <a:ext cx="3505200" cy="3323987"/>
+          </a:xfrm>
+          <a:prstGeom prst="rect">
+            <a:avLst/>
+          </a:prstGeom>
+          <a:ln>
+            <a:solidFill>
+              <a:schemeClr val="tx1"/>
+            </a:solidFill>
+          </a:ln>
+        </p:spPr>
+        <p:txBody>
+          <a:bodyPr wrap="square">
+            <a:spAutoFit/>
+          </a:bodyPr>
+          <a:lstStyle/>
+          <a:p>
+            <a:r>
+              <a:rPr lang="en-US" dirty="0" err="1"/>
+              <a:t>stmt_list</a:t>
+            </a:r>
+            <a:r>
+              <a:rPr lang="en-US" dirty="0"/>
+              <a:t> : </a:t>
+            </a:r>
+            <a:r>
+              <a:rPr lang="en-US" dirty="0">
+                <a:solidFill>
+                  <a:srgbClr val="FF0000"/>
+                </a:solidFill>
+              </a:rPr>
+              <a:t>{</a:t>
+            </a:r>
+            <a:r>
+              <a:rPr lang="en-US" dirty="0" err="1">
+                <a:solidFill>
+                  <a:srgbClr val="FF0000"/>
+                </a:solidFill>
+              </a:rPr>
+              <a:t>p,s</a:t>
+            </a:r>
+            <a:r>
+              <a:rPr lang="en-US" dirty="0">
+                <a:solidFill>
+                  <a:srgbClr val="FF0000"/>
+                </a:solidFill>
+              </a:rPr>
+              <a:t>}</a:t>
+            </a:r>
+            <a:r>
+              <a:rPr lang="en-US" dirty="0"/>
+              <a:t> </a:t>
+            </a:r>
+            <a:r>
+              <a:rPr lang="en-US" dirty="0" err="1"/>
+              <a:t>stmt</a:t>
+            </a:r>
+            <a:r>
+              <a:rPr lang="en-US" dirty="0"/>
+              <a:t> </a:t>
+            </a:r>
+            <a:r>
+              <a:rPr lang="en-US" dirty="0" err="1"/>
+              <a:t>stmt_list</a:t>
+            </a:r>
+            <a:endParaRPr lang="en-US" dirty="0"/>
+          </a:p>
+          <a:p>
+            <a:r>
+              <a:rPr lang="en-US" dirty="0"/>
+              <a:t>         | </a:t>
+            </a:r>
+            <a:r>
+              <a:rPr lang="en-US" dirty="0">
+                <a:solidFill>
+                  <a:srgbClr val="FF0000"/>
+                </a:solidFill>
+              </a:rPr>
+              <a:t>{""}</a:t>
+            </a:r>
+            <a:r>
+              <a:rPr lang="en-US" dirty="0"/>
+              <a:t> ""</a:t>
+            </a:r>
+          </a:p>
+          <a:p>
+            <a:endParaRPr lang="en-US" dirty="0"/>
+          </a:p>
+          <a:p>
+            <a:r>
+              <a:rPr lang="nl-NL" dirty="0" err="1"/>
+              <a:t>stmt</a:t>
+            </a:r>
+            <a:r>
+              <a:rPr lang="nl-NL" dirty="0"/>
+              <a:t> : </a:t>
+            </a:r>
+            <a:r>
+              <a:rPr lang="nl-NL" dirty="0">
+                <a:solidFill>
+                  <a:srgbClr val="FF0000"/>
+                </a:solidFill>
+              </a:rPr>
+              <a:t>{p}</a:t>
+            </a:r>
+            <a:r>
+              <a:rPr lang="nl-NL" dirty="0"/>
+              <a:t> p </a:t>
+            </a:r>
+            <a:r>
+              <a:rPr lang="nl-NL" dirty="0" err="1"/>
+              <a:t>exp</a:t>
+            </a:r>
+            <a:r>
+              <a:rPr lang="nl-NL" dirty="0"/>
+              <a:t> ;</a:t>
+            </a:r>
+          </a:p>
+          <a:p>
+            <a:r>
+              <a:rPr lang="sv-SE" dirty="0"/>
+              <a:t>        | </a:t>
+            </a:r>
+            <a:r>
+              <a:rPr lang="sv-SE" dirty="0">
+                <a:solidFill>
+                  <a:srgbClr val="FF0000"/>
+                </a:solidFill>
+              </a:rPr>
+              <a:t>{s}</a:t>
+            </a:r>
+            <a:r>
+              <a:rPr lang="sv-SE" dirty="0"/>
+              <a:t> s var </a:t>
+            </a:r>
+            <a:r>
+              <a:rPr lang="sv-SE" dirty="0" err="1"/>
+              <a:t>exp</a:t>
+            </a:r>
+            <a:r>
+              <a:rPr lang="sv-SE" dirty="0"/>
+              <a:t> ;</a:t>
+            </a:r>
+          </a:p>
+          <a:p>
+            <a:endParaRPr lang="sv-SE" dirty="0"/>
+          </a:p>
+          <a:p>
+            <a:r>
+              <a:rPr lang="nl-NL" dirty="0" err="1"/>
+              <a:t>exp</a:t>
+            </a:r>
+            <a:r>
+              <a:rPr lang="nl-NL" dirty="0"/>
+              <a:t> :</a:t>
+            </a:r>
+            <a:r>
+              <a:rPr lang="nl-NL" dirty="0">
+                <a:solidFill>
+                  <a:srgbClr val="FF0000"/>
+                </a:solidFill>
+              </a:rPr>
+              <a:t> {+}</a:t>
+            </a:r>
+            <a:r>
+              <a:rPr lang="nl-NL" dirty="0"/>
+              <a:t> + </a:t>
+            </a:r>
+            <a:r>
+              <a:rPr lang="nl-NL" dirty="0" err="1"/>
+              <a:t>exp</a:t>
+            </a:r>
+            <a:r>
+              <a:rPr lang="nl-NL" dirty="0"/>
+              <a:t> </a:t>
+            </a:r>
+            <a:r>
+              <a:rPr lang="nl-NL" dirty="0" err="1"/>
+              <a:t>exp</a:t>
+            </a:r>
+            <a:endParaRPr lang="nl-NL" dirty="0"/>
+          </a:p>
+          <a:p>
+            <a:r>
+              <a:rPr lang="nl-NL" dirty="0"/>
+              <a:t>       |</a:t>
+            </a:r>
+            <a:r>
+              <a:rPr lang="nl-NL" dirty="0">
+                <a:solidFill>
+                  <a:srgbClr val="FF0000"/>
+                </a:solidFill>
+              </a:rPr>
+              <a:t> {-}</a:t>
+            </a:r>
+            <a:r>
+              <a:rPr lang="nl-NL" dirty="0"/>
+              <a:t> - </a:t>
+            </a:r>
+            <a:r>
+              <a:rPr lang="nl-NL" dirty="0" err="1"/>
+              <a:t>exp</a:t>
+            </a:r>
+            <a:r>
+              <a:rPr lang="nl-NL" dirty="0"/>
+              <a:t> </a:t>
+            </a:r>
+            <a:r>
+              <a:rPr lang="nl-NL" dirty="0" err="1"/>
+              <a:t>exp</a:t>
+            </a:r>
+            <a:endParaRPr lang="nl-NL" dirty="0"/>
+          </a:p>
+          <a:p>
+            <a:r>
+              <a:rPr lang="nl-NL" dirty="0"/>
+              <a:t>       | </a:t>
+            </a:r>
+            <a:r>
+              <a:rPr lang="nl-NL" dirty="0">
+                <a:solidFill>
+                  <a:srgbClr val="FF0000"/>
+                </a:solidFill>
+              </a:rPr>
+              <a:t>{(}</a:t>
+            </a:r>
+            <a:r>
+              <a:rPr lang="nl-NL" dirty="0"/>
+              <a:t> \( </a:t>
+            </a:r>
+            <a:r>
+              <a:rPr lang="nl-NL" dirty="0" err="1"/>
+              <a:t>exp</a:t>
+            </a:r>
+            <a:r>
+              <a:rPr lang="nl-NL" dirty="0"/>
+              <a:t> \)</a:t>
+            </a:r>
+          </a:p>
+          <a:p>
+            <a:r>
+              <a:rPr lang="nl-NL" dirty="0"/>
+              <a:t>       |</a:t>
+            </a:r>
+            <a:r>
+              <a:rPr lang="nl-NL" dirty="0">
+                <a:solidFill>
+                  <a:srgbClr val="FF0000"/>
+                </a:solidFill>
+              </a:rPr>
+              <a:t> {</a:t>
+            </a:r>
+            <a:r>
+              <a:rPr lang="nl-NL" dirty="0" err="1">
+                <a:solidFill>
+                  <a:srgbClr val="FF0000"/>
+                </a:solidFill>
+              </a:rPr>
+              <a:t>x,y,z</a:t>
+            </a:r>
+            <a:r>
+              <a:rPr lang="nl-NL" dirty="0">
+                <a:solidFill>
+                  <a:srgbClr val="FF0000"/>
+                </a:solidFill>
+              </a:rPr>
+              <a:t>}</a:t>
+            </a:r>
+            <a:r>
+              <a:rPr lang="nl-NL" dirty="0"/>
+              <a:t> var</a:t>
+            </a:r>
+          </a:p>
+          <a:p>
+            <a:r>
+              <a:rPr lang="ro-RO" dirty="0"/>
+              <a:t>       | </a:t>
+            </a:r>
+            <a:r>
+              <a:rPr lang="ro-RO" dirty="0">
+                <a:solidFill>
+                  <a:srgbClr val="FF0000"/>
+                </a:solidFill>
+              </a:rPr>
+              <a:t>{0,1,2,3,4,5,6,7,8,9}</a:t>
+            </a:r>
+            <a:r>
+              <a:rPr lang="ro-RO" dirty="0"/>
+              <a:t> num</a:t>
+            </a:r>
+          </a:p>
+          <a:p>
+            <a:endParaRPr lang="ro-RO" dirty="0"/>
+          </a:p>
+          <a:p>
+            <a:r>
+              <a:rPr lang="es-ES_tradnl" dirty="0" err="1"/>
+              <a:t>var</a:t>
+            </a:r>
+            <a:r>
+              <a:rPr lang="es-ES_tradnl" dirty="0"/>
+              <a:t> : </a:t>
+            </a:r>
+            <a:r>
+              <a:rPr lang="es-ES_tradnl" dirty="0">
+                <a:solidFill>
+                  <a:srgbClr val="FF0000"/>
+                </a:solidFill>
+              </a:rPr>
+              <a:t>{x}</a:t>
+            </a:r>
+            <a:r>
+              <a:rPr lang="es-ES_tradnl" dirty="0"/>
+              <a:t> x | </a:t>
+            </a:r>
+            <a:r>
+              <a:rPr lang="es-ES_tradnl" dirty="0">
+                <a:solidFill>
+                  <a:srgbClr val="FF0000"/>
+                </a:solidFill>
+              </a:rPr>
+              <a:t>{y}</a:t>
+            </a:r>
+            <a:r>
+              <a:rPr lang="es-ES_tradnl" dirty="0"/>
+              <a:t> y |</a:t>
+            </a:r>
+            <a:r>
+              <a:rPr lang="es-ES_tradnl" dirty="0">
+                <a:solidFill>
+                  <a:srgbClr val="FF0000"/>
+                </a:solidFill>
+              </a:rPr>
+              <a:t> {z}</a:t>
+            </a:r>
+            <a:r>
+              <a:rPr lang="es-ES_tradnl" dirty="0"/>
+              <a:t> z</a:t>
+            </a:r>
+          </a:p>
+          <a:p>
+            <a:endParaRPr lang="es-ES_tradnl" dirty="0"/>
+          </a:p>
+          <a:p>
+            <a:r>
+              <a:rPr lang="is-IS" dirty="0"/>
+              <a:t>num :</a:t>
+            </a:r>
+            <a:r>
+              <a:rPr lang="is-IS" dirty="0">
+                <a:solidFill>
+                  <a:srgbClr val="FF0000"/>
+                </a:solidFill>
+              </a:rPr>
+              <a:t> {0}</a:t>
+            </a:r>
+            <a:r>
+              <a:rPr lang="is-IS" dirty="0"/>
+              <a:t> 0 |</a:t>
+            </a:r>
+            <a:r>
+              <a:rPr lang="is-IS" dirty="0">
+                <a:solidFill>
+                  <a:srgbClr val="FF0000"/>
+                </a:solidFill>
+              </a:rPr>
+              <a:t> {1}</a:t>
+            </a:r>
+            <a:r>
+              <a:rPr lang="is-IS" dirty="0"/>
+              <a:t> 1 | </a:t>
+            </a:r>
+            <a:r>
+              <a:rPr lang="is-IS" dirty="0">
+                <a:solidFill>
+                  <a:srgbClr val="FF0000"/>
+                </a:solidFill>
+              </a:rPr>
+              <a:t>{2} </a:t>
+            </a:r>
+            <a:r>
+              <a:rPr lang="is-IS" dirty="0"/>
+              <a:t>2 | </a:t>
+            </a:r>
+            <a:r>
+              <a:rPr lang="is-IS" dirty="0">
+                <a:solidFill>
+                  <a:srgbClr val="000000"/>
+                </a:solidFill>
+              </a:rPr>
+              <a:t>... </a:t>
+            </a:r>
+            <a:r>
+              <a:rPr lang="is-IS" dirty="0"/>
+              <a:t>| </a:t>
+            </a:r>
+            <a:r>
+              <a:rPr lang="is-IS" dirty="0">
+                <a:solidFill>
+                  <a:srgbClr val="FF0000"/>
+                </a:solidFill>
+              </a:rPr>
+              <a:t>{8} </a:t>
+            </a:r>
+            <a:r>
+              <a:rPr lang="is-IS" dirty="0"/>
+              <a:t>8 | </a:t>
+            </a:r>
+            <a:r>
+              <a:rPr lang="is-IS" dirty="0">
+                <a:solidFill>
+                  <a:srgbClr val="FF0000"/>
+                </a:solidFill>
+              </a:rPr>
+              <a:t>{9}</a:t>
+            </a:r>
+            <a:r>
+              <a:rPr lang="is-IS" dirty="0"/>
+              <a:t> 9</a:t>
+            </a:r>
+          </a:p>
+        </p:txBody>
+      </p:sp>
+    </p:spTree>
+  </p:cSld>
+  <p:clrMapOvr>
+    <a:masterClrMapping/>
+  </p:clrMapOvr>
+</p:sld>
+</file>
+
+<file path=ppt/slides/slide21.xml><?xml version="1.0" encoding="utf-8"?>
+<p:sld xmlns:a="http://schemas.openxmlformats.org/drawingml/2006/main" xmlns:r="http://schemas.openxmlformats.org/officeDocument/2006/relationships" xmlns:p="http://schemas.openxmlformats.org/presentationml/2006/main">
+  <p:cSld>
+    <p:spTree>
+      <p:nvGrpSpPr>
+        <p:cNvPr id="1" name=""/>
+        <p:cNvGrpSpPr/>
+        <p:nvPr/>
+      </p:nvGrpSpPr>
+      <p:grpSpPr>
+        <a:xfrm>
+          <a:off x="0" y="0"/>
+          <a:ext cx="0" cy="0"/>
+          <a:chOff x="0" y="0"/>
+          <a:chExt cx="0" cy="0"/>
+        </a:xfrm>
+      </p:grpSpPr>
+      <p:sp>
+        <p:nvSpPr>
+          <p:cNvPr id="25602" name="Rectangle 2"/>
+          <p:cNvSpPr>
+            <a:spLocks noGrp="1" noChangeArrowheads="1"/>
+          </p:cNvSpPr>
+          <p:nvPr>
+            <p:ph type="title"/>
+          </p:nvPr>
+        </p:nvSpPr>
+        <p:spPr/>
+        <p:txBody>
+          <a:bodyPr/>
+          <a:lstStyle/>
+          <a:p>
+            <a:r>
+              <a:rPr lang="en-US" dirty="0"/>
+              <a:t>Constructing LL(1) Parsers</a:t>
+            </a:r>
+          </a:p>
+        </p:txBody>
+      </p:sp>
+      <p:sp>
+        <p:nvSpPr>
+          <p:cNvPr id="25603" name="Rectangle 3"/>
+          <p:cNvSpPr>
+            <a:spLocks noGrp="1" noChangeArrowheads="1"/>
+          </p:cNvSpPr>
+          <p:nvPr>
+            <p:ph type="body" idx="1"/>
+          </p:nvPr>
+        </p:nvSpPr>
+        <p:spPr>
+          <a:xfrm>
             <a:off x="428978" y="2345604"/>
             <a:ext cx="8229600" cy="719137"/>
           </a:xfrm>
@@ -12646,7 +14015,7 @@
 </p:sld>
 </file>
 
-<file path=ppt/slides/slide21.xml><?xml version="1.0" encoding="utf-8"?>
+<file path=ppt/slides/slide22.xml><?xml version="1.0" encoding="utf-8"?>
 <p:sld xmlns:a="http://schemas.openxmlformats.org/drawingml/2006/main" xmlns:r="http://schemas.openxmlformats.org/officeDocument/2006/relationships" xmlns:p="http://schemas.openxmlformats.org/presentationml/2006/main">
   <p:cSld>
     <p:spTree>
@@ -12795,7 +14164,7 @@
 </p:sld>
 </file>
 
-<file path=ppt/slides/slide22.xml><?xml version="1.0" encoding="utf-8"?>
+<file path=ppt/slides/slide23.xml><?xml version="1.0" encoding="utf-8"?>
 <p:sld xmlns:a="http://schemas.openxmlformats.org/drawingml/2006/main" xmlns:r="http://schemas.openxmlformats.org/officeDocument/2006/relationships" xmlns:p="http://schemas.openxmlformats.org/presentationml/2006/main">
   <p:cSld>
     <p:spTree>
@@ -12856,14 +14225,14 @@
           </a:ln>
           <a:extLst>
             <a:ext uri="{909E8E84-426E-40dd-AFC4-6F175D3DCCD1}">
-              <a14:hiddenFill xmlns="" xmlns:a14="http://schemas.microsoft.com/office/drawing/2010/main">
+              <a14:hiddenFill xmlns:a14="http://schemas.microsoft.com/office/drawing/2010/main" xmlns="">
                 <a:solidFill>
                   <a:schemeClr val="accent1"/>
                 </a:solidFill>
               </a14:hiddenFill>
             </a:ext>
             <a:ext uri="{91240B29-F687-4f45-9708-019B960494DF}">
-              <a14:hiddenLine xmlns="" xmlns:a14="http://schemas.microsoft.com/office/drawing/2010/main" w="9525">
+              <a14:hiddenLine xmlns:a14="http://schemas.microsoft.com/office/drawing/2010/main" xmlns="" w="9525">
                 <a:solidFill>
                   <a:schemeClr val="tx1"/>
                 </a:solidFill>
@@ -13125,7 +14494,7 @@
 </p:sld>
 </file>
 
-<file path=ppt/slides/slide23.xml><?xml version="1.0" encoding="utf-8"?>
+<file path=ppt/slides/slide24.xml><?xml version="1.0" encoding="utf-8"?>
 <p:sld xmlns:a="http://schemas.openxmlformats.org/drawingml/2006/main" xmlns:r="http://schemas.openxmlformats.org/officeDocument/2006/relationships" xmlns:p="http://schemas.openxmlformats.org/presentationml/2006/main">
   <p:cSld>
     <p:spTree>
@@ -13186,14 +14555,14 @@
           </a:ln>
           <a:extLst>
             <a:ext uri="{909E8E84-426E-40dd-AFC4-6F175D3DCCD1}">
-              <a14:hiddenFill xmlns="" xmlns:a14="http://schemas.microsoft.com/office/drawing/2010/main">
+              <a14:hiddenFill xmlns:a14="http://schemas.microsoft.com/office/drawing/2010/main" xmlns="">
                 <a:solidFill>
                   <a:schemeClr val="accent1"/>
                 </a:solidFill>
               </a14:hiddenFill>
             </a:ext>
             <a:ext uri="{91240B29-F687-4f45-9708-019B960494DF}">
-              <a14:hiddenLine xmlns="" xmlns:a14="http://schemas.microsoft.com/office/drawing/2010/main" w="9525">
+              <a14:hiddenLine xmlns:a14="http://schemas.microsoft.com/office/drawing/2010/main" xmlns="" w="9525">
                 <a:solidFill>
                   <a:schemeClr val="tx1"/>
                 </a:solidFill>
@@ -13557,7 +14926,7 @@
 </p:sld>
 </file>
 
-<file path=ppt/slides/slide24.xml><?xml version="1.0" encoding="utf-8"?>
+<file path=ppt/slides/slide25.xml><?xml version="1.0" encoding="utf-8"?>
 <p:sld xmlns:a="http://schemas.openxmlformats.org/drawingml/2006/main" xmlns:r="http://schemas.openxmlformats.org/officeDocument/2006/relationships" xmlns:p="http://schemas.openxmlformats.org/presentationml/2006/main">
   <p:cSld>
     <p:spTree>
@@ -13618,14 +14987,14 @@
           </a:ln>
           <a:extLst>
             <a:ext uri="{909E8E84-426E-40dd-AFC4-6F175D3DCCD1}">
-              <a14:hiddenFill xmlns="" xmlns:a14="http://schemas.microsoft.com/office/drawing/2010/main">
+              <a14:hiddenFill xmlns:a14="http://schemas.microsoft.com/office/drawing/2010/main" xmlns="">
                 <a:solidFill>
                   <a:schemeClr val="accent1"/>
                 </a:solidFill>
               </a14:hiddenFill>
             </a:ext>
             <a:ext uri="{91240B29-F687-4f45-9708-019B960494DF}">
-              <a14:hiddenLine xmlns="" xmlns:a14="http://schemas.microsoft.com/office/drawing/2010/main" w="9525">
+              <a14:hiddenLine xmlns:a14="http://schemas.microsoft.com/office/drawing/2010/main" xmlns="" w="9525">
                 <a:solidFill>
                   <a:schemeClr val="tx1"/>
                 </a:solidFill>
@@ -13924,7 +15293,7 @@
 </p:sld>
 </file>
 
-<file path=ppt/slides/slide25.xml><?xml version="1.0" encoding="utf-8"?>
+<file path=ppt/slides/slide26.xml><?xml version="1.0" encoding="utf-8"?>
 <p:sld xmlns:a="http://schemas.openxmlformats.org/drawingml/2006/main" xmlns:r="http://schemas.openxmlformats.org/officeDocument/2006/relationships" xmlns:p="http://schemas.openxmlformats.org/presentationml/2006/main">
   <p:cSld>
     <p:spTree>
@@ -13985,14 +15354,14 @@
           </a:ln>
           <a:extLst>
             <a:ext uri="{909E8E84-426E-40dd-AFC4-6F175D3DCCD1}">
-              <a14:hiddenFill xmlns="" xmlns:a14="http://schemas.microsoft.com/office/drawing/2010/main">
+              <a14:hiddenFill xmlns:a14="http://schemas.microsoft.com/office/drawing/2010/main" xmlns="">
                 <a:solidFill>
                   <a:schemeClr val="accent1"/>
                 </a:solidFill>
               </a14:hiddenFill>
             </a:ext>
             <a:ext uri="{91240B29-F687-4f45-9708-019B960494DF}">
-              <a14:hiddenLine xmlns="" xmlns:a14="http://schemas.microsoft.com/office/drawing/2010/main" w="9525">
+              <a14:hiddenLine xmlns:a14="http://schemas.microsoft.com/office/drawing/2010/main" xmlns="" w="9525">
                 <a:solidFill>
                   <a:schemeClr val="tx1"/>
                 </a:solidFill>
@@ -14254,7 +15623,7 @@
 </p:sld>
 </file>
 
-<file path=ppt/slides/slide26.xml><?xml version="1.0" encoding="utf-8"?>
+<file path=ppt/slides/slide27.xml><?xml version="1.0" encoding="utf-8"?>
 <p:sld xmlns:a="http://schemas.openxmlformats.org/drawingml/2006/main" xmlns:r="http://schemas.openxmlformats.org/officeDocument/2006/relationships" xmlns:p="http://schemas.openxmlformats.org/presentationml/2006/main">
   <p:cSld>
     <p:spTree>
@@ -14315,14 +15684,14 @@
           </a:ln>
           <a:extLst>
             <a:ext uri="{909E8E84-426E-40dd-AFC4-6F175D3DCCD1}">
-              <a14:hiddenFill xmlns="" xmlns:a14="http://schemas.microsoft.com/office/drawing/2010/main">
+              <a14:hiddenFill xmlns:a14="http://schemas.microsoft.com/office/drawing/2010/main" xmlns="">
                 <a:solidFill>
                   <a:schemeClr val="accent1"/>
                 </a:solidFill>
               </a14:hiddenFill>
             </a:ext>
             <a:ext uri="{91240B29-F687-4f45-9708-019B960494DF}">
-              <a14:hiddenLine xmlns="" xmlns:a14="http://schemas.microsoft.com/office/drawing/2010/main" w="9525">
+              <a14:hiddenLine xmlns:a14="http://schemas.microsoft.com/office/drawing/2010/main" xmlns="" w="9525">
                 <a:solidFill>
                   <a:schemeClr val="tx1"/>
                 </a:solidFill>
@@ -14592,7 +15961,7 @@
 </p:sld>
 </file>
 
-<file path=ppt/slides/slide27.xml><?xml version="1.0" encoding="utf-8"?>
+<file path=ppt/slides/slide28.xml><?xml version="1.0" encoding="utf-8"?>
 <p:sld xmlns:a="http://schemas.openxmlformats.org/drawingml/2006/main" xmlns:r="http://schemas.openxmlformats.org/officeDocument/2006/relationships" xmlns:p="http://schemas.openxmlformats.org/presentationml/2006/main">
   <p:cSld>
     <p:spTree>
@@ -14720,7 +16089,7 @@
 </p:sld>
 </file>
 
-<file path=ppt/slides/slide28.xml><?xml version="1.0" encoding="utf-8"?>
+<file path=ppt/slides/slide29.xml><?xml version="1.0" encoding="utf-8"?>
 <p:sld xmlns:a="http://schemas.openxmlformats.org/drawingml/2006/main" xmlns:r="http://schemas.openxmlformats.org/officeDocument/2006/relationships" xmlns:p="http://schemas.openxmlformats.org/presentationml/2006/main">
   <p:cSld>
     <p:spTree>
@@ -14901,7 +16270,7 @@
           <a:effectLst/>
           <a:extLst>
             <a:ext uri="{AF507438-7753-43e0-B8FC-AC1667EBCBE1}">
-              <a14:hiddenEffects xmlns:a14="http://schemas.microsoft.com/office/drawing/2010/main" xmlns="">
+              <a14:hiddenEffects xmlns="" xmlns:a14="http://schemas.microsoft.com/office/drawing/2010/main">
                 <a:effectLst>
                   <a:outerShdw blurRad="63500" dist="38099" dir="2700000" algn="ctr" rotWithShape="0">
                     <a:schemeClr val="bg2">
@@ -14927,7 +16296,111 @@
 </p:sld>
 </file>
 
-<file path=ppt/slides/slide29.xml><?xml version="1.0" encoding="utf-8"?>
+<file path=ppt/slides/slide3.xml><?xml version="1.0" encoding="utf-8"?>
+<p:sld xmlns:a="http://schemas.openxmlformats.org/drawingml/2006/main" xmlns:r="http://schemas.openxmlformats.org/officeDocument/2006/relationships" xmlns:p="http://schemas.openxmlformats.org/presentationml/2006/main">
+  <p:cSld>
+    <p:spTree>
+      <p:nvGrpSpPr>
+        <p:cNvPr id="1" name=""/>
+        <p:cNvGrpSpPr/>
+        <p:nvPr/>
+      </p:nvGrpSpPr>
+      <p:grpSpPr>
+        <a:xfrm>
+          <a:off x="0" y="0"/>
+          <a:ext cx="0" cy="0"/>
+          <a:chOff x="0" y="0"/>
+          <a:chExt cx="0" cy="0"/>
+        </a:xfrm>
+      </p:grpSpPr>
+      <p:sp>
+        <p:nvSpPr>
+          <p:cNvPr id="2050" name="Rectangle 2"/>
+          <p:cNvSpPr>
+            <a:spLocks noGrp="1" noChangeArrowheads="1"/>
+          </p:cNvSpPr>
+          <p:nvPr>
+            <p:ph type="title"/>
+          </p:nvPr>
+        </p:nvSpPr>
+        <p:spPr/>
+        <p:txBody>
+          <a:bodyPr/>
+          <a:lstStyle/>
+          <a:p>
+            <a:r>
+              <a:rPr lang="en-US"/>
+              <a:t>Grammars</a:t>
+            </a:r>
+          </a:p>
+        </p:txBody>
+      </p:sp>
+      <p:sp>
+        <p:nvSpPr>
+          <p:cNvPr id="2051" name="Rectangle 3"/>
+          <p:cNvSpPr>
+            <a:spLocks noGrp="1" noChangeArrowheads="1"/>
+          </p:cNvSpPr>
+          <p:nvPr>
+            <p:ph type="body" idx="1"/>
+          </p:nvPr>
+        </p:nvSpPr>
+        <p:spPr>
+          <a:xfrm>
+            <a:off x="381000" y="1719263"/>
+            <a:ext cx="8229600" cy="4411662"/>
+          </a:xfrm>
+        </p:spPr>
+        <p:txBody>
+          <a:bodyPr/>
+          <a:lstStyle/>
+          <a:p>
+            <a:r>
+              <a:rPr lang="en-US" sz="2400" dirty="0"/>
+              <a:t>The most convenient way to describe the structure of programming languages is using a context-free grammar (often called CFG or BNF for </a:t>
+            </a:r>
+            <a:r>
+              <a:rPr lang="en-US" sz="2400" i="1" dirty="0"/>
+              <a:t>Backus-</a:t>
+            </a:r>
+            <a:r>
+              <a:rPr lang="en-US" sz="2400" i="1" dirty="0" err="1"/>
+              <a:t>Nauer</a:t>
+            </a:r>
+            <a:r>
+              <a:rPr lang="en-US" sz="2400" i="1" dirty="0"/>
+              <a:t> Form</a:t>
+            </a:r>
+            <a:r>
+              <a:rPr lang="en-US" sz="2400" dirty="0"/>
+              <a:t>).  </a:t>
+            </a:r>
+          </a:p>
+          <a:p>
+            <a:r>
+              <a:rPr lang="en-US" sz="2400" dirty="0"/>
+              <a:t>Here we will simply refer to grammars with the understanding that we are referring to CFGs. (there are many kind of other grammars: regular grammars, context-sensitive grammars, </a:t>
+            </a:r>
+            <a:r>
+              <a:rPr lang="en-US" sz="2400" dirty="0" err="1"/>
+              <a:t>etc</a:t>
+            </a:r>
+            <a:r>
+              <a:rPr lang="en-US" sz="2400" dirty="0"/>
+              <a:t>)</a:t>
+            </a:r>
+          </a:p>
+        </p:txBody>
+      </p:sp>
+    </p:spTree>
+  </p:cSld>
+  <p:clrMapOvr>
+    <a:masterClrMapping/>
+  </p:clrMapOvr>
+</p:sld>
+</file>
+
+<file path=ppt/slides/slide30.xml><?xml version="1.0" encoding="utf-8"?>
 <p:sld xmlns:a="http://schemas.openxmlformats.org/drawingml/2006/main" xmlns:r="http://schemas.openxmlformats.org/officeDocument/2006/relationships" xmlns:p="http://schemas.openxmlformats.org/presentationml/2006/main">
   <p:cSld>
     <p:spTree>
@@ -15228,7 +16701,777 @@
 </p:sld>
 </file>
 
-<file path=ppt/slides/slide3.xml><?xml version="1.0" encoding="utf-8"?>
+<file path=ppt/slides/slide31.xml><?xml version="1.0" encoding="utf-8"?>
+<p:sld xmlns:a="http://schemas.openxmlformats.org/drawingml/2006/main" xmlns:r="http://schemas.openxmlformats.org/officeDocument/2006/relationships" xmlns:p="http://schemas.openxmlformats.org/presentationml/2006/main">
+  <p:cSld>
+    <p:spTree>
+      <p:nvGrpSpPr>
+        <p:cNvPr id="1" name=""/>
+        <p:cNvGrpSpPr/>
+        <p:nvPr/>
+      </p:nvGrpSpPr>
+      <p:grpSpPr>
+        <a:xfrm>
+          <a:off x="0" y="0"/>
+          <a:ext cx="0" cy="0"/>
+          <a:chOff x="0" y="0"/>
+          <a:chExt cx="0" cy="0"/>
+        </a:xfrm>
+      </p:grpSpPr>
+      <p:sp>
+        <p:nvSpPr>
+          <p:cNvPr id="2" name="Title 1">
+            <a:extLst>
+              <a:ext uri="{FF2B5EF4-FFF2-40B4-BE49-F238E27FC236}">
+                <a16:creationId xmlns:a16="http://schemas.microsoft.com/office/drawing/2014/main" id="{20B36E8E-3031-B04E-A23E-D938D3C3CE33}"/>
+              </a:ext>
+            </a:extLst>
+          </p:cNvPr>
+          <p:cNvSpPr>
+            <a:spLocks noGrp="1"/>
+          </p:cNvSpPr>
+          <p:nvPr>
+            <p:ph type="title"/>
+          </p:nvPr>
+        </p:nvSpPr>
+        <p:spPr/>
+        <p:txBody>
+          <a:bodyPr/>
+          <a:lstStyle/>
+          <a:p>
+            <a:r>
+              <a:rPr lang="en-US" dirty="0"/>
+              <a:t>Our First Language Processor	</a:t>
+            </a:r>
+          </a:p>
+        </p:txBody>
+      </p:sp>
+      <p:sp>
+        <p:nvSpPr>
+          <p:cNvPr id="3" name="Content Placeholder 2">
+            <a:extLst>
+              <a:ext uri="{FF2B5EF4-FFF2-40B4-BE49-F238E27FC236}">
+                <a16:creationId xmlns:a16="http://schemas.microsoft.com/office/drawing/2014/main" id="{5E37563C-89E2-0148-ABBC-2F2D8AB4B5D1}"/>
+              </a:ext>
+            </a:extLst>
+          </p:cNvPr>
+          <p:cNvSpPr>
+            <a:spLocks noGrp="1"/>
+          </p:cNvSpPr>
+          <p:nvPr>
+            <p:ph idx="1"/>
+          </p:nvPr>
+        </p:nvSpPr>
+        <p:spPr/>
+        <p:txBody>
+          <a:bodyPr>
+            <a:normAutofit fontScale="77500" lnSpcReduction="20000"/>
+          </a:bodyPr>
+          <a:lstStyle/>
+          <a:p>
+            <a:r>
+              <a:rPr lang="en-US" dirty="0"/>
+              <a:t>Parsers are good because they can tell us if a program is valid or not</a:t>
+            </a:r>
+          </a:p>
+          <a:p>
+            <a:r>
+              <a:rPr lang="en-US" dirty="0"/>
+              <a:t>But in order to have to extend it with “actions”, code that does something useful.</a:t>
+            </a:r>
+          </a:p>
+          <a:p>
+            <a:r>
+              <a:rPr lang="en-US" dirty="0"/>
+              <a:t>Idea: Our first language processor parses Exp0 programs and counts the number of times the value of a variable is accessed</a:t>
+            </a:r>
+          </a:p>
+          <a:p>
+            <a:pPr lvl="1"/>
+            <a:r>
+              <a:rPr lang="en-US" dirty="0"/>
+              <a:t>Example:  s x 1; s x (+ </a:t>
+            </a:r>
+            <a:r>
+              <a:rPr lang="en-US" dirty="0">
+                <a:solidFill>
+                  <a:srgbClr val="FF0000"/>
+                </a:solidFill>
+              </a:rPr>
+              <a:t>x</a:t>
+            </a:r>
+            <a:r>
+              <a:rPr lang="en-US" dirty="0"/>
+              <a:t> 1); </a:t>
+            </a:r>
+          </a:p>
+          <a:p>
+            <a:pPr lvl="1"/>
+            <a:r>
+              <a:rPr lang="en-US" dirty="0"/>
+              <a:t>In this program we only access the value of a variable once!</a:t>
+            </a:r>
+          </a:p>
+          <a:p>
+            <a:r>
+              <a:rPr lang="en-US" dirty="0"/>
+              <a:t>Note: Scanning for variable names and counting the number of times a variable name occurs does NOT work, we need to use a parser that understands the difference between a variable value reference and a variable storage reference (</a:t>
+            </a:r>
+            <a:r>
+              <a:rPr lang="en-US" dirty="0" err="1"/>
+              <a:t>rvalues</a:t>
+            </a:r>
+            <a:r>
+              <a:rPr lang="en-US" dirty="0"/>
+              <a:t> and </a:t>
+            </a:r>
+            <a:r>
+              <a:rPr lang="en-US" dirty="0" err="1"/>
+              <a:t>lvalues</a:t>
+            </a:r>
+            <a:r>
+              <a:rPr lang="en-US" dirty="0"/>
+              <a:t>).</a:t>
+            </a:r>
+          </a:p>
+        </p:txBody>
+      </p:sp>
+    </p:spTree>
+    <p:extLst>
+      <p:ext uri="{BB962C8B-B14F-4D97-AF65-F5344CB8AC3E}">
+        <p14:creationId xmlns:p14="http://schemas.microsoft.com/office/powerpoint/2010/main" val="1873311692"/>
+      </p:ext>
+    </p:extLst>
+  </p:cSld>
+  <p:clrMapOvr>
+    <a:masterClrMapping/>
+  </p:clrMapOvr>
+</p:sld>
+</file>
+
+<file path=ppt/slides/slide32.xml><?xml version="1.0" encoding="utf-8"?>
+<p:sld xmlns:a="http://schemas.openxmlformats.org/drawingml/2006/main" xmlns:r="http://schemas.openxmlformats.org/officeDocument/2006/relationships" xmlns:p="http://schemas.openxmlformats.org/presentationml/2006/main">
+  <p:cSld>
+    <p:spTree>
+      <p:nvGrpSpPr>
+        <p:cNvPr id="1" name=""/>
+        <p:cNvGrpSpPr/>
+        <p:nvPr/>
+      </p:nvGrpSpPr>
+      <p:grpSpPr>
+        <a:xfrm>
+          <a:off x="0" y="0"/>
+          <a:ext cx="0" cy="0"/>
+          <a:chOff x="0" y="0"/>
+          <a:chExt cx="0" cy="0"/>
+        </a:xfrm>
+      </p:grpSpPr>
+      <p:sp>
+        <p:nvSpPr>
+          <p:cNvPr id="2" name="Title 1">
+            <a:extLst>
+              <a:ext uri="{FF2B5EF4-FFF2-40B4-BE49-F238E27FC236}">
+                <a16:creationId xmlns:a16="http://schemas.microsoft.com/office/drawing/2014/main" id="{18E5D215-747A-434B-8768-A1CB92A2D25A}"/>
+              </a:ext>
+            </a:extLst>
+          </p:cNvPr>
+          <p:cNvSpPr>
+            <a:spLocks noGrp="1"/>
+          </p:cNvSpPr>
+          <p:nvPr>
+            <p:ph type="title"/>
+          </p:nvPr>
+        </p:nvSpPr>
+        <p:spPr/>
+        <p:txBody>
+          <a:bodyPr/>
+          <a:lstStyle/>
+          <a:p>
+            <a:r>
+              <a:rPr lang="en-US" dirty="0"/>
+              <a:t>Extended Parser</a:t>
+            </a:r>
+          </a:p>
+        </p:txBody>
+      </p:sp>
+      <p:pic>
+        <p:nvPicPr>
+          <p:cNvPr id="4" name="Picture 3">
+            <a:extLst>
+              <a:ext uri="{FF2B5EF4-FFF2-40B4-BE49-F238E27FC236}">
+                <a16:creationId xmlns:a16="http://schemas.microsoft.com/office/drawing/2014/main" id="{A3BC2440-57DA-154D-8609-B460CAB67BC5}"/>
+              </a:ext>
+            </a:extLst>
+          </p:cNvPr>
+          <p:cNvPicPr>
+            <a:picLocks noChangeAspect="1"/>
+          </p:cNvPicPr>
+          <p:nvPr/>
+        </p:nvPicPr>
+        <p:blipFill>
+          <a:blip r:embed="rId2"/>
+          <a:stretch>
+            <a:fillRect/>
+          </a:stretch>
+        </p:blipFill>
+        <p:spPr>
+          <a:xfrm>
+            <a:off x="381000" y="1417638"/>
+            <a:ext cx="5511800" cy="3033121"/>
+          </a:xfrm>
+          <a:prstGeom prst="rect">
+            <a:avLst/>
+          </a:prstGeom>
+          <a:ln>
+            <a:solidFill>
+              <a:schemeClr val="tx1"/>
+            </a:solidFill>
+          </a:ln>
+        </p:spPr>
+      </p:pic>
+      <p:sp>
+        <p:nvSpPr>
+          <p:cNvPr id="5" name="Left Arrow 4">
+            <a:extLst>
+              <a:ext uri="{FF2B5EF4-FFF2-40B4-BE49-F238E27FC236}">
+                <a16:creationId xmlns:a16="http://schemas.microsoft.com/office/drawing/2014/main" id="{40755A63-8889-944E-B0A9-F2B5A3831091}"/>
+              </a:ext>
+            </a:extLst>
+          </p:cNvPr>
+          <p:cNvSpPr/>
+          <p:nvPr/>
+        </p:nvSpPr>
+        <p:spPr bwMode="auto">
+          <a:xfrm>
+            <a:off x="1676400" y="1676400"/>
+            <a:ext cx="228600" cy="152400"/>
+          </a:xfrm>
+          <a:prstGeom prst="leftArrow">
+            <a:avLst/>
+          </a:prstGeom>
+          <a:solidFill>
+            <a:srgbClr val="FF0000"/>
+          </a:solidFill>
+          <a:ln w="9525" cap="flat" cmpd="sng" algn="ctr">
+            <a:solidFill>
+              <a:schemeClr val="tx1"/>
+            </a:solidFill>
+            <a:prstDash val="solid"/>
+            <a:round/>
+            <a:headEnd type="none" w="med" len="med"/>
+            <a:tailEnd type="none" w="med" len="med"/>
+          </a:ln>
+          <a:effectLst/>
+          <a:extLst>
+            <a:ext uri="{AF507438-7753-43e0-B8FC-AC1667EBCBE1}">
+              <a14:hiddenEffects xmlns="" xmlns:a14="http://schemas.microsoft.com/office/drawing/2010/main">
+                <a:effectLst>
+                  <a:outerShdw blurRad="63500" dist="38099" dir="2700000" algn="ctr" rotWithShape="0">
+                    <a:schemeClr val="bg2">
+                      <a:alpha val="74998"/>
+                    </a:schemeClr>
+                  </a:outerShdw>
+                </a:effectLst>
+              </a14:hiddenEffects>
+            </a:ext>
+          </a:extLst>
+        </p:spPr>
+        <p:txBody>
+          <a:bodyPr vert="horz" wrap="square" lIns="91440" tIns="45720" rIns="91440" bIns="45720" numCol="1" rtlCol="0" anchor="t" anchorCtr="0" compatLnSpc="1">
+            <a:prstTxWarp prst="textNoShape">
+              <a:avLst/>
+            </a:prstTxWarp>
+          </a:bodyPr>
+          <a:lstStyle/>
+          <a:p>
+            <a:pPr marL="0" marR="0" indent="0" algn="l" defTabSz="914400" rtl="0" eaLnBrk="0" fontAlgn="base" latinLnBrk="0" hangingPunct="0">
+              <a:lnSpc>
+                <a:spcPct val="100000"/>
+              </a:lnSpc>
+              <a:spcBef>
+                <a:spcPct val="0"/>
+              </a:spcBef>
+              <a:spcAft>
+                <a:spcPct val="0"/>
+              </a:spcAft>
+              <a:buClrTx/>
+              <a:buSzTx/>
+              <a:buFontTx/>
+              <a:buNone/>
+              <a:tabLst/>
+            </a:pPr>
+            <a:endParaRPr kumimoji="0" lang="en-US" sz="2400" b="0" i="0" u="none" strike="noStrike" cap="none" normalizeH="0" baseline="0">
+              <a:ln>
+                <a:noFill/>
+              </a:ln>
+              <a:solidFill>
+                <a:srgbClr val="000000"/>
+              </a:solidFill>
+              <a:effectLst/>
+              <a:latin typeface="Arial" charset="0"/>
+              <a:ea typeface="ＭＳ Ｐゴシック" charset="0"/>
+              <a:cs typeface="ＭＳ Ｐゴシック" charset="0"/>
+            </a:endParaRPr>
+          </a:p>
+        </p:txBody>
+      </p:sp>
+      <p:sp>
+        <p:nvSpPr>
+          <p:cNvPr id="6" name="Left Arrow 5">
+            <a:extLst>
+              <a:ext uri="{FF2B5EF4-FFF2-40B4-BE49-F238E27FC236}">
+                <a16:creationId xmlns:a16="http://schemas.microsoft.com/office/drawing/2014/main" id="{D93167B3-7561-7A42-8DE1-B86B86E970BB}"/>
+              </a:ext>
+            </a:extLst>
+          </p:cNvPr>
+          <p:cNvSpPr/>
+          <p:nvPr/>
+        </p:nvSpPr>
+        <p:spPr bwMode="auto">
+          <a:xfrm>
+            <a:off x="1790700" y="2209800"/>
+            <a:ext cx="228600" cy="152400"/>
+          </a:xfrm>
+          <a:prstGeom prst="leftArrow">
+            <a:avLst/>
+          </a:prstGeom>
+          <a:solidFill>
+            <a:srgbClr val="FF0000"/>
+          </a:solidFill>
+          <a:ln w="9525" cap="flat" cmpd="sng" algn="ctr">
+            <a:solidFill>
+              <a:schemeClr val="tx1"/>
+            </a:solidFill>
+            <a:prstDash val="solid"/>
+            <a:round/>
+            <a:headEnd type="none" w="med" len="med"/>
+            <a:tailEnd type="none" w="med" len="med"/>
+          </a:ln>
+          <a:effectLst/>
+          <a:extLst>
+            <a:ext uri="{AF507438-7753-43e0-B8FC-AC1667EBCBE1}">
+              <a14:hiddenEffects xmlns="" xmlns:a14="http://schemas.microsoft.com/office/drawing/2010/main">
+                <a:effectLst>
+                  <a:outerShdw blurRad="63500" dist="38099" dir="2700000" algn="ctr" rotWithShape="0">
+                    <a:schemeClr val="bg2">
+                      <a:alpha val="74998"/>
+                    </a:schemeClr>
+                  </a:outerShdw>
+                </a:effectLst>
+              </a14:hiddenEffects>
+            </a:ext>
+          </a:extLst>
+        </p:spPr>
+        <p:txBody>
+          <a:bodyPr vert="horz" wrap="square" lIns="91440" tIns="45720" rIns="91440" bIns="45720" numCol="1" rtlCol="0" anchor="t" anchorCtr="0" compatLnSpc="1">
+            <a:prstTxWarp prst="textNoShape">
+              <a:avLst/>
+            </a:prstTxWarp>
+          </a:bodyPr>
+          <a:lstStyle/>
+          <a:p>
+            <a:pPr marL="0" marR="0" indent="0" algn="l" defTabSz="914400" rtl="0" eaLnBrk="0" fontAlgn="base" latinLnBrk="0" hangingPunct="0">
+              <a:lnSpc>
+                <a:spcPct val="100000"/>
+              </a:lnSpc>
+              <a:spcBef>
+                <a:spcPct val="0"/>
+              </a:spcBef>
+              <a:spcAft>
+                <a:spcPct val="0"/>
+              </a:spcAft>
+              <a:buClrTx/>
+              <a:buSzTx/>
+              <a:buFontTx/>
+              <a:buNone/>
+              <a:tabLst/>
+            </a:pPr>
+            <a:endParaRPr kumimoji="0" lang="en-US" sz="2400" b="0" i="0" u="none" strike="noStrike" cap="none" normalizeH="0" baseline="0">
+              <a:ln>
+                <a:noFill/>
+              </a:ln>
+              <a:solidFill>
+                <a:srgbClr val="000000"/>
+              </a:solidFill>
+              <a:effectLst/>
+              <a:latin typeface="Arial" charset="0"/>
+              <a:ea typeface="ＭＳ Ｐゴシック" charset="0"/>
+              <a:cs typeface="ＭＳ Ｐゴシック" charset="0"/>
+            </a:endParaRPr>
+          </a:p>
+        </p:txBody>
+      </p:sp>
+      <p:sp>
+        <p:nvSpPr>
+          <p:cNvPr id="7" name="Left Arrow 6">
+            <a:extLst>
+              <a:ext uri="{FF2B5EF4-FFF2-40B4-BE49-F238E27FC236}">
+                <a16:creationId xmlns:a16="http://schemas.microsoft.com/office/drawing/2014/main" id="{7503F119-1A7B-BE43-8E24-5DEB091DBD0F}"/>
+              </a:ext>
+            </a:extLst>
+          </p:cNvPr>
+          <p:cNvSpPr/>
+          <p:nvPr/>
+        </p:nvSpPr>
+        <p:spPr bwMode="auto">
+          <a:xfrm>
+            <a:off x="4343400" y="3429000"/>
+            <a:ext cx="228600" cy="152400"/>
+          </a:xfrm>
+          <a:prstGeom prst="leftArrow">
+            <a:avLst/>
+          </a:prstGeom>
+          <a:solidFill>
+            <a:srgbClr val="FF0000"/>
+          </a:solidFill>
+          <a:ln w="9525" cap="flat" cmpd="sng" algn="ctr">
+            <a:solidFill>
+              <a:schemeClr val="tx1"/>
+            </a:solidFill>
+            <a:prstDash val="solid"/>
+            <a:round/>
+            <a:headEnd type="none" w="med" len="med"/>
+            <a:tailEnd type="none" w="med" len="med"/>
+          </a:ln>
+          <a:effectLst/>
+          <a:extLst>
+            <a:ext uri="{AF507438-7753-43e0-B8FC-AC1667EBCBE1}">
+              <a14:hiddenEffects xmlns="" xmlns:a14="http://schemas.microsoft.com/office/drawing/2010/main">
+                <a:effectLst>
+                  <a:outerShdw blurRad="63500" dist="38099" dir="2700000" algn="ctr" rotWithShape="0">
+                    <a:schemeClr val="bg2">
+                      <a:alpha val="74998"/>
+                    </a:schemeClr>
+                  </a:outerShdw>
+                </a:effectLst>
+              </a14:hiddenEffects>
+            </a:ext>
+          </a:extLst>
+        </p:spPr>
+        <p:txBody>
+          <a:bodyPr vert="horz" wrap="square" lIns="91440" tIns="45720" rIns="91440" bIns="45720" numCol="1" rtlCol="0" anchor="t" anchorCtr="0" compatLnSpc="1">
+            <a:prstTxWarp prst="textNoShape">
+              <a:avLst/>
+            </a:prstTxWarp>
+          </a:bodyPr>
+          <a:lstStyle/>
+          <a:p>
+            <a:pPr marL="0" marR="0" indent="0" algn="l" defTabSz="914400" rtl="0" eaLnBrk="0" fontAlgn="base" latinLnBrk="0" hangingPunct="0">
+              <a:lnSpc>
+                <a:spcPct val="100000"/>
+              </a:lnSpc>
+              <a:spcBef>
+                <a:spcPct val="0"/>
+              </a:spcBef>
+              <a:spcAft>
+                <a:spcPct val="0"/>
+              </a:spcAft>
+              <a:buClrTx/>
+              <a:buSzTx/>
+              <a:buFontTx/>
+              <a:buNone/>
+              <a:tabLst/>
+            </a:pPr>
+            <a:endParaRPr kumimoji="0" lang="en-US" sz="2400" b="0" i="0" u="none" strike="noStrike" cap="none" normalizeH="0" baseline="0">
+              <a:ln>
+                <a:noFill/>
+              </a:ln>
+              <a:solidFill>
+                <a:srgbClr val="000000"/>
+              </a:solidFill>
+              <a:effectLst/>
+              <a:latin typeface="Arial" charset="0"/>
+              <a:ea typeface="ＭＳ Ｐゴシック" charset="0"/>
+              <a:cs typeface="ＭＳ Ｐゴシック" charset="0"/>
+            </a:endParaRPr>
+          </a:p>
+        </p:txBody>
+      </p:sp>
+      <p:pic>
+        <p:nvPicPr>
+          <p:cNvPr id="8" name="Picture 7">
+            <a:extLst>
+              <a:ext uri="{FF2B5EF4-FFF2-40B4-BE49-F238E27FC236}">
+                <a16:creationId xmlns:a16="http://schemas.microsoft.com/office/drawing/2014/main" id="{E295B1F9-78D9-9547-B267-A05A047E23C5}"/>
+              </a:ext>
+            </a:extLst>
+          </p:cNvPr>
+          <p:cNvPicPr>
+            <a:picLocks noChangeAspect="1"/>
+          </p:cNvPicPr>
+          <p:nvPr/>
+        </p:nvPicPr>
+        <p:blipFill>
+          <a:blip r:embed="rId3"/>
+          <a:stretch>
+            <a:fillRect/>
+          </a:stretch>
+        </p:blipFill>
+        <p:spPr>
+          <a:xfrm>
+            <a:off x="3476625" y="4033470"/>
+            <a:ext cx="4832350" cy="2428651"/>
+          </a:xfrm>
+          <a:prstGeom prst="rect">
+            <a:avLst/>
+          </a:prstGeom>
+          <a:ln>
+            <a:solidFill>
+              <a:schemeClr val="tx1"/>
+            </a:solidFill>
+          </a:ln>
+        </p:spPr>
+      </p:pic>
+      <p:sp>
+        <p:nvSpPr>
+          <p:cNvPr id="9" name="Left Arrow 8">
+            <a:extLst>
+              <a:ext uri="{FF2B5EF4-FFF2-40B4-BE49-F238E27FC236}">
+                <a16:creationId xmlns:a16="http://schemas.microsoft.com/office/drawing/2014/main" id="{C903C18C-1204-5343-AA4C-85A39D79518E}"/>
+              </a:ext>
+            </a:extLst>
+          </p:cNvPr>
+          <p:cNvSpPr/>
+          <p:nvPr/>
+        </p:nvSpPr>
+        <p:spPr bwMode="auto">
+          <a:xfrm flipH="1">
+            <a:off x="3810000" y="5321430"/>
+            <a:ext cx="228600" cy="152400"/>
+          </a:xfrm>
+          <a:prstGeom prst="leftArrow">
+            <a:avLst/>
+          </a:prstGeom>
+          <a:solidFill>
+            <a:srgbClr val="FF0000"/>
+          </a:solidFill>
+          <a:ln w="9525" cap="flat" cmpd="sng" algn="ctr">
+            <a:solidFill>
+              <a:schemeClr val="tx1"/>
+            </a:solidFill>
+            <a:prstDash val="solid"/>
+            <a:round/>
+            <a:headEnd type="none" w="med" len="med"/>
+            <a:tailEnd type="none" w="med" len="med"/>
+          </a:ln>
+          <a:effectLst/>
+          <a:extLst>
+            <a:ext uri="{AF507438-7753-43e0-B8FC-AC1667EBCBE1}">
+              <a14:hiddenEffects xmlns="" xmlns:a14="http://schemas.microsoft.com/office/drawing/2010/main">
+                <a:effectLst>
+                  <a:outerShdw blurRad="63500" dist="38099" dir="2700000" algn="ctr" rotWithShape="0">
+                    <a:schemeClr val="bg2">
+                      <a:alpha val="74998"/>
+                    </a:schemeClr>
+                  </a:outerShdw>
+                </a:effectLst>
+              </a14:hiddenEffects>
+            </a:ext>
+          </a:extLst>
+        </p:spPr>
+        <p:txBody>
+          <a:bodyPr vert="horz" wrap="square" lIns="91440" tIns="45720" rIns="91440" bIns="45720" numCol="1" rtlCol="0" anchor="t" anchorCtr="0" compatLnSpc="1">
+            <a:prstTxWarp prst="textNoShape">
+              <a:avLst/>
+            </a:prstTxWarp>
+          </a:bodyPr>
+          <a:lstStyle/>
+          <a:p>
+            <a:pPr marL="0" marR="0" indent="0" algn="l" defTabSz="914400" rtl="0" eaLnBrk="0" fontAlgn="base" latinLnBrk="0" hangingPunct="0">
+              <a:lnSpc>
+                <a:spcPct val="100000"/>
+              </a:lnSpc>
+              <a:spcBef>
+                <a:spcPct val="0"/>
+              </a:spcBef>
+              <a:spcAft>
+                <a:spcPct val="0"/>
+              </a:spcAft>
+              <a:buClrTx/>
+              <a:buSzTx/>
+              <a:buFontTx/>
+              <a:buNone/>
+              <a:tabLst/>
+            </a:pPr>
+            <a:endParaRPr kumimoji="0" lang="en-US" sz="2400" b="0" i="0" u="none" strike="noStrike" cap="none" normalizeH="0" baseline="0">
+              <a:ln>
+                <a:noFill/>
+              </a:ln>
+              <a:solidFill>
+                <a:srgbClr val="000000"/>
+              </a:solidFill>
+              <a:effectLst/>
+              <a:latin typeface="Arial" charset="0"/>
+              <a:ea typeface="ＭＳ Ｐゴシック" charset="0"/>
+              <a:cs typeface="ＭＳ Ｐゴシック" charset="0"/>
+            </a:endParaRPr>
+          </a:p>
+        </p:txBody>
+      </p:sp>
+      <p:pic>
+        <p:nvPicPr>
+          <p:cNvPr id="11" name="Picture 10">
+            <a:extLst>
+              <a:ext uri="{FF2B5EF4-FFF2-40B4-BE49-F238E27FC236}">
+                <a16:creationId xmlns:a16="http://schemas.microsoft.com/office/drawing/2014/main" id="{6BE589C6-BE03-0B4F-B5F8-7BB2F7D66CB3}"/>
+              </a:ext>
+            </a:extLst>
+          </p:cNvPr>
+          <p:cNvPicPr>
+            <a:picLocks noChangeAspect="1"/>
+          </p:cNvPicPr>
+          <p:nvPr/>
+        </p:nvPicPr>
+        <p:blipFill>
+          <a:blip r:embed="rId4"/>
+          <a:stretch>
+            <a:fillRect/>
+          </a:stretch>
+        </p:blipFill>
+        <p:spPr>
+          <a:xfrm>
+            <a:off x="256822" y="5347858"/>
+            <a:ext cx="2943578" cy="870769"/>
+          </a:xfrm>
+          <a:prstGeom prst="rect">
+            <a:avLst/>
+          </a:prstGeom>
+          <a:ln>
+            <a:solidFill>
+              <a:schemeClr val="tx1"/>
+            </a:solidFill>
+          </a:ln>
+        </p:spPr>
+      </p:pic>
+      <p:sp>
+        <p:nvSpPr>
+          <p:cNvPr id="12" name="TextBox 11">
+            <a:extLst>
+              <a:ext uri="{FF2B5EF4-FFF2-40B4-BE49-F238E27FC236}">
+                <a16:creationId xmlns:a16="http://schemas.microsoft.com/office/drawing/2014/main" id="{7DFEFFD1-21CF-9140-8AA4-DAB35932153B}"/>
+              </a:ext>
+            </a:extLst>
+          </p:cNvPr>
+          <p:cNvSpPr txBox="1"/>
+          <p:nvPr/>
+        </p:nvSpPr>
+        <p:spPr>
+          <a:xfrm>
+            <a:off x="256822" y="5047484"/>
+            <a:ext cx="2005677" cy="307777"/>
+          </a:xfrm>
+          <a:prstGeom prst="rect">
+            <a:avLst/>
+          </a:prstGeom>
+          <a:noFill/>
+        </p:spPr>
+        <p:txBody>
+          <a:bodyPr wrap="none" rtlCol="0">
+            <a:spAutoFit/>
+          </a:bodyPr>
+          <a:lstStyle/>
+          <a:p>
+            <a:r>
+              <a:rPr lang="en-US" dirty="0"/>
+              <a:t>Running the Processor</a:t>
+            </a:r>
+          </a:p>
+        </p:txBody>
+      </p:sp>
+    </p:spTree>
+    <p:extLst>
+      <p:ext uri="{BB962C8B-B14F-4D97-AF65-F5344CB8AC3E}">
+        <p14:creationId xmlns:p14="http://schemas.microsoft.com/office/powerpoint/2010/main" val="2682712985"/>
+      </p:ext>
+    </p:extLst>
+  </p:cSld>
+  <p:clrMapOvr>
+    <a:masterClrMapping/>
+  </p:clrMapOvr>
+</p:sld>
+</file>
+
+<file path=ppt/slides/slide33.xml><?xml version="1.0" encoding="utf-8"?>
+<p:sld xmlns:a="http://schemas.openxmlformats.org/drawingml/2006/main" xmlns:r="http://schemas.openxmlformats.org/officeDocument/2006/relationships" xmlns:p="http://schemas.openxmlformats.org/presentationml/2006/main">
+  <p:cSld>
+    <p:spTree>
+      <p:nvGrpSpPr>
+        <p:cNvPr id="1" name=""/>
+        <p:cNvGrpSpPr/>
+        <p:nvPr/>
+      </p:nvGrpSpPr>
+      <p:grpSpPr>
+        <a:xfrm>
+          <a:off x="0" y="0"/>
+          <a:ext cx="0" cy="0"/>
+          <a:chOff x="0" y="0"/>
+          <a:chExt cx="0" cy="0"/>
+        </a:xfrm>
+      </p:grpSpPr>
+      <p:sp>
+        <p:nvSpPr>
+          <p:cNvPr id="28674" name="Rectangle 2"/>
+          <p:cNvSpPr>
+            <a:spLocks noGrp="1" noChangeArrowheads="1"/>
+          </p:cNvSpPr>
+          <p:nvPr>
+            <p:ph type="title"/>
+          </p:nvPr>
+        </p:nvSpPr>
+        <p:spPr/>
+        <p:txBody>
+          <a:bodyPr/>
+          <a:lstStyle/>
+          <a:p>
+            <a:r>
+              <a:rPr lang="en-US"/>
+              <a:t>Assignments</a:t>
+            </a:r>
+          </a:p>
+        </p:txBody>
+      </p:sp>
+      <p:sp>
+        <p:nvSpPr>
+          <p:cNvPr id="28675" name="Rectangle 3"/>
+          <p:cNvSpPr>
+            <a:spLocks noGrp="1" noChangeArrowheads="1"/>
+          </p:cNvSpPr>
+          <p:nvPr>
+            <p:ph type="body" idx="1"/>
+          </p:nvPr>
+        </p:nvSpPr>
+        <p:spPr/>
+        <p:txBody>
+          <a:bodyPr/>
+          <a:lstStyle/>
+          <a:p>
+            <a:r>
+              <a:rPr lang="en-US" dirty="0"/>
+              <a:t>Read Chapter 2</a:t>
+            </a:r>
+          </a:p>
+          <a:p>
+            <a:r>
+              <a:rPr lang="en-US" dirty="0"/>
+              <a:t>Assignment #1 -- see </a:t>
+            </a:r>
+            <a:r>
+              <a:rPr lang="en-US" dirty="0" err="1"/>
+              <a:t>BrightSpace</a:t>
+            </a:r>
+            <a:endParaRPr lang="en-US" dirty="0"/>
+          </a:p>
+        </p:txBody>
+      </p:sp>
+    </p:spTree>
+  </p:cSld>
+  <p:clrMapOvr>
+    <a:masterClrMapping/>
+  </p:clrMapOvr>
+</p:sld>
+</file>
+
+<file path=ppt/slides/slide4.xml><?xml version="1.0" encoding="utf-8"?>
 <p:sld xmlns:a="http://schemas.openxmlformats.org/drawingml/2006/main" xmlns:r="http://schemas.openxmlformats.org/officeDocument/2006/relationships" xmlns:p="http://schemas.openxmlformats.org/presentationml/2006/main">
   <p:cSld>
     <p:spTree>
@@ -15384,7 +17627,7 @@
 </p:sld>
 </file>
 
-<file path=ppt/slides/slide30.xml><?xml version="1.0" encoding="utf-8"?>
+<file path=ppt/slides/slide5.xml><?xml version="1.0" encoding="utf-8"?>
 <p:sld xmlns:a="http://schemas.openxmlformats.org/drawingml/2006/main" xmlns:r="http://schemas.openxmlformats.org/officeDocument/2006/relationships" xmlns:p="http://schemas.openxmlformats.org/presentationml/2006/main">
   <p:cSld>
     <p:spTree>
@@ -15403,697 +17646,7 @@
       </p:grpSpPr>
       <p:sp>
         <p:nvSpPr>
-          <p:cNvPr id="2" name="Title 1">
-            <a:extLst>
-              <a:ext uri="{FF2B5EF4-FFF2-40B4-BE49-F238E27FC236}">
-                <a16:creationId xmlns:a16="http://schemas.microsoft.com/office/drawing/2014/main" id="{20B36E8E-3031-B04E-A23E-D938D3C3CE33}"/>
-              </a:ext>
-            </a:extLst>
-          </p:cNvPr>
-          <p:cNvSpPr>
-            <a:spLocks noGrp="1"/>
-          </p:cNvSpPr>
-          <p:nvPr>
-            <p:ph type="title"/>
-          </p:nvPr>
-        </p:nvSpPr>
-        <p:spPr/>
-        <p:txBody>
-          <a:bodyPr/>
-          <a:lstStyle/>
-          <a:p>
-            <a:r>
-              <a:rPr lang="en-US" dirty="0"/>
-              <a:t>Our First Language Processor	</a:t>
-            </a:r>
-          </a:p>
-        </p:txBody>
-      </p:sp>
-      <p:sp>
-        <p:nvSpPr>
-          <p:cNvPr id="3" name="Content Placeholder 2">
-            <a:extLst>
-              <a:ext uri="{FF2B5EF4-FFF2-40B4-BE49-F238E27FC236}">
-                <a16:creationId xmlns:a16="http://schemas.microsoft.com/office/drawing/2014/main" id="{5E37563C-89E2-0148-ABBC-2F2D8AB4B5D1}"/>
-              </a:ext>
-            </a:extLst>
-          </p:cNvPr>
-          <p:cNvSpPr>
-            <a:spLocks noGrp="1"/>
-          </p:cNvSpPr>
-          <p:nvPr>
-            <p:ph idx="1"/>
-          </p:nvPr>
-        </p:nvSpPr>
-        <p:spPr/>
-        <p:txBody>
-          <a:bodyPr>
-            <a:normAutofit fontScale="77500" lnSpcReduction="20000"/>
-          </a:bodyPr>
-          <a:lstStyle/>
-          <a:p>
-            <a:r>
-              <a:rPr lang="en-US" dirty="0"/>
-              <a:t>Parsers are good because they can tell us if a program is valid or not</a:t>
-            </a:r>
-          </a:p>
-          <a:p>
-            <a:r>
-              <a:rPr lang="en-US" dirty="0"/>
-              <a:t>But in order to have to extend it with “actions”, code that does something useful.</a:t>
-            </a:r>
-          </a:p>
-          <a:p>
-            <a:r>
-              <a:rPr lang="en-US" dirty="0"/>
-              <a:t>Idea: Our first language processor parses Exp0 programs and counts the number of times the value of a variable is accessed</a:t>
-            </a:r>
-          </a:p>
-          <a:p>
-            <a:pPr lvl="1"/>
-            <a:r>
-              <a:rPr lang="en-US" dirty="0"/>
-              <a:t>Example:  s x 1; s x (+ </a:t>
-            </a:r>
-            <a:r>
-              <a:rPr lang="en-US" dirty="0">
-                <a:solidFill>
-                  <a:srgbClr val="FF0000"/>
-                </a:solidFill>
-              </a:rPr>
-              <a:t>x</a:t>
-            </a:r>
-            <a:r>
-              <a:rPr lang="en-US" dirty="0"/>
-              <a:t> 1); </a:t>
-            </a:r>
-          </a:p>
-          <a:p>
-            <a:pPr lvl="1"/>
-            <a:r>
-              <a:rPr lang="en-US" dirty="0"/>
-              <a:t>In this program we only access the value of a variable once!</a:t>
-            </a:r>
-          </a:p>
-          <a:p>
-            <a:r>
-              <a:rPr lang="en-US" dirty="0"/>
-              <a:t>Note: Scanning for variable names and counting the number of times a variable name occurs does NOT work, we need to use a parser that understands the difference between a variable value reference and a variable storage reference (</a:t>
-            </a:r>
-            <a:r>
-              <a:rPr lang="en-US" dirty="0" err="1"/>
-              <a:t>rvalues</a:t>
-            </a:r>
-            <a:r>
-              <a:rPr lang="en-US" dirty="0"/>
-              <a:t> and </a:t>
-            </a:r>
-            <a:r>
-              <a:rPr lang="en-US" dirty="0" err="1"/>
-              <a:t>lvalues</a:t>
-            </a:r>
-            <a:r>
-              <a:rPr lang="en-US" dirty="0"/>
-              <a:t>).</a:t>
-            </a:r>
-          </a:p>
-        </p:txBody>
-      </p:sp>
-    </p:spTree>
-    <p:extLst>
-      <p:ext uri="{BB962C8B-B14F-4D97-AF65-F5344CB8AC3E}">
-        <p14:creationId xmlns:p14="http://schemas.microsoft.com/office/powerpoint/2010/main" val="1873311692"/>
-      </p:ext>
-    </p:extLst>
-  </p:cSld>
-  <p:clrMapOvr>
-    <a:masterClrMapping/>
-  </p:clrMapOvr>
-</p:sld>
-</file>
-
-<file path=ppt/slides/slide31.xml><?xml version="1.0" encoding="utf-8"?>
-<p:sld xmlns:a="http://schemas.openxmlformats.org/drawingml/2006/main" xmlns:r="http://schemas.openxmlformats.org/officeDocument/2006/relationships" xmlns:p="http://schemas.openxmlformats.org/presentationml/2006/main">
-  <p:cSld>
-    <p:spTree>
-      <p:nvGrpSpPr>
-        <p:cNvPr id="1" name=""/>
-        <p:cNvGrpSpPr/>
-        <p:nvPr/>
-      </p:nvGrpSpPr>
-      <p:grpSpPr>
-        <a:xfrm>
-          <a:off x="0" y="0"/>
-          <a:ext cx="0" cy="0"/>
-          <a:chOff x="0" y="0"/>
-          <a:chExt cx="0" cy="0"/>
-        </a:xfrm>
-      </p:grpSpPr>
-      <p:sp>
-        <p:nvSpPr>
-          <p:cNvPr id="2" name="Title 1">
-            <a:extLst>
-              <a:ext uri="{FF2B5EF4-FFF2-40B4-BE49-F238E27FC236}">
-                <a16:creationId xmlns:a16="http://schemas.microsoft.com/office/drawing/2014/main" id="{18E5D215-747A-434B-8768-A1CB92A2D25A}"/>
-              </a:ext>
-            </a:extLst>
-          </p:cNvPr>
-          <p:cNvSpPr>
-            <a:spLocks noGrp="1"/>
-          </p:cNvSpPr>
-          <p:nvPr>
-            <p:ph type="title"/>
-          </p:nvPr>
-        </p:nvSpPr>
-        <p:spPr/>
-        <p:txBody>
-          <a:bodyPr/>
-          <a:lstStyle/>
-          <a:p>
-            <a:r>
-              <a:rPr lang="en-US" dirty="0"/>
-              <a:t>Extended Parser</a:t>
-            </a:r>
-          </a:p>
-        </p:txBody>
-      </p:sp>
-      <p:pic>
-        <p:nvPicPr>
-          <p:cNvPr id="4" name="Picture 3">
-            <a:extLst>
-              <a:ext uri="{FF2B5EF4-FFF2-40B4-BE49-F238E27FC236}">
-                <a16:creationId xmlns:a16="http://schemas.microsoft.com/office/drawing/2014/main" id="{A3BC2440-57DA-154D-8609-B460CAB67BC5}"/>
-              </a:ext>
-            </a:extLst>
-          </p:cNvPr>
-          <p:cNvPicPr>
-            <a:picLocks noChangeAspect="1"/>
-          </p:cNvPicPr>
-          <p:nvPr/>
-        </p:nvPicPr>
-        <p:blipFill>
-          <a:blip r:embed="rId2"/>
-          <a:stretch>
-            <a:fillRect/>
-          </a:stretch>
-        </p:blipFill>
-        <p:spPr>
-          <a:xfrm>
-            <a:off x="381000" y="1417638"/>
-            <a:ext cx="5511800" cy="3033121"/>
-          </a:xfrm>
-          <a:prstGeom prst="rect">
-            <a:avLst/>
-          </a:prstGeom>
-          <a:ln>
-            <a:solidFill>
-              <a:schemeClr val="tx1"/>
-            </a:solidFill>
-          </a:ln>
-        </p:spPr>
-      </p:pic>
-      <p:sp>
-        <p:nvSpPr>
-          <p:cNvPr id="5" name="Left Arrow 4">
-            <a:extLst>
-              <a:ext uri="{FF2B5EF4-FFF2-40B4-BE49-F238E27FC236}">
-                <a16:creationId xmlns:a16="http://schemas.microsoft.com/office/drawing/2014/main" id="{40755A63-8889-944E-B0A9-F2B5A3831091}"/>
-              </a:ext>
-            </a:extLst>
-          </p:cNvPr>
-          <p:cNvSpPr/>
-          <p:nvPr/>
-        </p:nvSpPr>
-        <p:spPr bwMode="auto">
-          <a:xfrm>
-            <a:off x="1676400" y="1676400"/>
-            <a:ext cx="228600" cy="152400"/>
-          </a:xfrm>
-          <a:prstGeom prst="leftArrow">
-            <a:avLst/>
-          </a:prstGeom>
-          <a:solidFill>
-            <a:srgbClr val="FF0000"/>
-          </a:solidFill>
-          <a:ln w="9525" cap="flat" cmpd="sng" algn="ctr">
-            <a:solidFill>
-              <a:schemeClr val="tx1"/>
-            </a:solidFill>
-            <a:prstDash val="solid"/>
-            <a:round/>
-            <a:headEnd type="none" w="med" len="med"/>
-            <a:tailEnd type="none" w="med" len="med"/>
-          </a:ln>
-          <a:effectLst/>
-          <a:extLst>
-            <a:ext uri="{AF507438-7753-43e0-B8FC-AC1667EBCBE1}">
-              <a14:hiddenEffects xmlns:a14="http://schemas.microsoft.com/office/drawing/2010/main" xmlns="">
-                <a:effectLst>
-                  <a:outerShdw blurRad="63500" dist="38099" dir="2700000" algn="ctr" rotWithShape="0">
-                    <a:schemeClr val="bg2">
-                      <a:alpha val="74998"/>
-                    </a:schemeClr>
-                  </a:outerShdw>
-                </a:effectLst>
-              </a14:hiddenEffects>
-            </a:ext>
-          </a:extLst>
-        </p:spPr>
-        <p:txBody>
-          <a:bodyPr vert="horz" wrap="square" lIns="91440" tIns="45720" rIns="91440" bIns="45720" numCol="1" rtlCol="0" anchor="t" anchorCtr="0" compatLnSpc="1">
-            <a:prstTxWarp prst="textNoShape">
-              <a:avLst/>
-            </a:prstTxWarp>
-          </a:bodyPr>
-          <a:lstStyle/>
-          <a:p>
-            <a:pPr marL="0" marR="0" indent="0" algn="l" defTabSz="914400" rtl="0" eaLnBrk="0" fontAlgn="base" latinLnBrk="0" hangingPunct="0">
-              <a:lnSpc>
-                <a:spcPct val="100000"/>
-              </a:lnSpc>
-              <a:spcBef>
-                <a:spcPct val="0"/>
-              </a:spcBef>
-              <a:spcAft>
-                <a:spcPct val="0"/>
-              </a:spcAft>
-              <a:buClrTx/>
-              <a:buSzTx/>
-              <a:buFontTx/>
-              <a:buNone/>
-              <a:tabLst/>
-            </a:pPr>
-            <a:endParaRPr kumimoji="0" lang="en-US" sz="2400" b="0" i="0" u="none" strike="noStrike" cap="none" normalizeH="0" baseline="0">
-              <a:ln>
-                <a:noFill/>
-              </a:ln>
-              <a:solidFill>
-                <a:srgbClr val="000000"/>
-              </a:solidFill>
-              <a:effectLst/>
-              <a:latin typeface="Arial" charset="0"/>
-              <a:ea typeface="ＭＳ Ｐゴシック" charset="0"/>
-              <a:cs typeface="ＭＳ Ｐゴシック" charset="0"/>
-            </a:endParaRPr>
-          </a:p>
-        </p:txBody>
-      </p:sp>
-      <p:sp>
-        <p:nvSpPr>
-          <p:cNvPr id="6" name="Left Arrow 5">
-            <a:extLst>
-              <a:ext uri="{FF2B5EF4-FFF2-40B4-BE49-F238E27FC236}">
-                <a16:creationId xmlns:a16="http://schemas.microsoft.com/office/drawing/2014/main" id="{D93167B3-7561-7A42-8DE1-B86B86E970BB}"/>
-              </a:ext>
-            </a:extLst>
-          </p:cNvPr>
-          <p:cNvSpPr/>
-          <p:nvPr/>
-        </p:nvSpPr>
-        <p:spPr bwMode="auto">
-          <a:xfrm>
-            <a:off x="1790700" y="2209800"/>
-            <a:ext cx="228600" cy="152400"/>
-          </a:xfrm>
-          <a:prstGeom prst="leftArrow">
-            <a:avLst/>
-          </a:prstGeom>
-          <a:solidFill>
-            <a:srgbClr val="FF0000"/>
-          </a:solidFill>
-          <a:ln w="9525" cap="flat" cmpd="sng" algn="ctr">
-            <a:solidFill>
-              <a:schemeClr val="tx1"/>
-            </a:solidFill>
-            <a:prstDash val="solid"/>
-            <a:round/>
-            <a:headEnd type="none" w="med" len="med"/>
-            <a:tailEnd type="none" w="med" len="med"/>
-          </a:ln>
-          <a:effectLst/>
-          <a:extLst>
-            <a:ext uri="{AF507438-7753-43e0-B8FC-AC1667EBCBE1}">
-              <a14:hiddenEffects xmlns:a14="http://schemas.microsoft.com/office/drawing/2010/main" xmlns="">
-                <a:effectLst>
-                  <a:outerShdw blurRad="63500" dist="38099" dir="2700000" algn="ctr" rotWithShape="0">
-                    <a:schemeClr val="bg2">
-                      <a:alpha val="74998"/>
-                    </a:schemeClr>
-                  </a:outerShdw>
-                </a:effectLst>
-              </a14:hiddenEffects>
-            </a:ext>
-          </a:extLst>
-        </p:spPr>
-        <p:txBody>
-          <a:bodyPr vert="horz" wrap="square" lIns="91440" tIns="45720" rIns="91440" bIns="45720" numCol="1" rtlCol="0" anchor="t" anchorCtr="0" compatLnSpc="1">
-            <a:prstTxWarp prst="textNoShape">
-              <a:avLst/>
-            </a:prstTxWarp>
-          </a:bodyPr>
-          <a:lstStyle/>
-          <a:p>
-            <a:pPr marL="0" marR="0" indent="0" algn="l" defTabSz="914400" rtl="0" eaLnBrk="0" fontAlgn="base" latinLnBrk="0" hangingPunct="0">
-              <a:lnSpc>
-                <a:spcPct val="100000"/>
-              </a:lnSpc>
-              <a:spcBef>
-                <a:spcPct val="0"/>
-              </a:spcBef>
-              <a:spcAft>
-                <a:spcPct val="0"/>
-              </a:spcAft>
-              <a:buClrTx/>
-              <a:buSzTx/>
-              <a:buFontTx/>
-              <a:buNone/>
-              <a:tabLst/>
-            </a:pPr>
-            <a:endParaRPr kumimoji="0" lang="en-US" sz="2400" b="0" i="0" u="none" strike="noStrike" cap="none" normalizeH="0" baseline="0">
-              <a:ln>
-                <a:noFill/>
-              </a:ln>
-              <a:solidFill>
-                <a:srgbClr val="000000"/>
-              </a:solidFill>
-              <a:effectLst/>
-              <a:latin typeface="Arial" charset="0"/>
-              <a:ea typeface="ＭＳ Ｐゴシック" charset="0"/>
-              <a:cs typeface="ＭＳ Ｐゴシック" charset="0"/>
-            </a:endParaRPr>
-          </a:p>
-        </p:txBody>
-      </p:sp>
-      <p:sp>
-        <p:nvSpPr>
-          <p:cNvPr id="7" name="Left Arrow 6">
-            <a:extLst>
-              <a:ext uri="{FF2B5EF4-FFF2-40B4-BE49-F238E27FC236}">
-                <a16:creationId xmlns:a16="http://schemas.microsoft.com/office/drawing/2014/main" id="{7503F119-1A7B-BE43-8E24-5DEB091DBD0F}"/>
-              </a:ext>
-            </a:extLst>
-          </p:cNvPr>
-          <p:cNvSpPr/>
-          <p:nvPr/>
-        </p:nvSpPr>
-        <p:spPr bwMode="auto">
-          <a:xfrm>
-            <a:off x="4343400" y="3429000"/>
-            <a:ext cx="228600" cy="152400"/>
-          </a:xfrm>
-          <a:prstGeom prst="leftArrow">
-            <a:avLst/>
-          </a:prstGeom>
-          <a:solidFill>
-            <a:srgbClr val="FF0000"/>
-          </a:solidFill>
-          <a:ln w="9525" cap="flat" cmpd="sng" algn="ctr">
-            <a:solidFill>
-              <a:schemeClr val="tx1"/>
-            </a:solidFill>
-            <a:prstDash val="solid"/>
-            <a:round/>
-            <a:headEnd type="none" w="med" len="med"/>
-            <a:tailEnd type="none" w="med" len="med"/>
-          </a:ln>
-          <a:effectLst/>
-          <a:extLst>
-            <a:ext uri="{AF507438-7753-43e0-B8FC-AC1667EBCBE1}">
-              <a14:hiddenEffects xmlns:a14="http://schemas.microsoft.com/office/drawing/2010/main" xmlns="">
-                <a:effectLst>
-                  <a:outerShdw blurRad="63500" dist="38099" dir="2700000" algn="ctr" rotWithShape="0">
-                    <a:schemeClr val="bg2">
-                      <a:alpha val="74998"/>
-                    </a:schemeClr>
-                  </a:outerShdw>
-                </a:effectLst>
-              </a14:hiddenEffects>
-            </a:ext>
-          </a:extLst>
-        </p:spPr>
-        <p:txBody>
-          <a:bodyPr vert="horz" wrap="square" lIns="91440" tIns="45720" rIns="91440" bIns="45720" numCol="1" rtlCol="0" anchor="t" anchorCtr="0" compatLnSpc="1">
-            <a:prstTxWarp prst="textNoShape">
-              <a:avLst/>
-            </a:prstTxWarp>
-          </a:bodyPr>
-          <a:lstStyle/>
-          <a:p>
-            <a:pPr marL="0" marR="0" indent="0" algn="l" defTabSz="914400" rtl="0" eaLnBrk="0" fontAlgn="base" latinLnBrk="0" hangingPunct="0">
-              <a:lnSpc>
-                <a:spcPct val="100000"/>
-              </a:lnSpc>
-              <a:spcBef>
-                <a:spcPct val="0"/>
-              </a:spcBef>
-              <a:spcAft>
-                <a:spcPct val="0"/>
-              </a:spcAft>
-              <a:buClrTx/>
-              <a:buSzTx/>
-              <a:buFontTx/>
-              <a:buNone/>
-              <a:tabLst/>
-            </a:pPr>
-            <a:endParaRPr kumimoji="0" lang="en-US" sz="2400" b="0" i="0" u="none" strike="noStrike" cap="none" normalizeH="0" baseline="0">
-              <a:ln>
-                <a:noFill/>
-              </a:ln>
-              <a:solidFill>
-                <a:srgbClr val="000000"/>
-              </a:solidFill>
-              <a:effectLst/>
-              <a:latin typeface="Arial" charset="0"/>
-              <a:ea typeface="ＭＳ Ｐゴシック" charset="0"/>
-              <a:cs typeface="ＭＳ Ｐゴシック" charset="0"/>
-            </a:endParaRPr>
-          </a:p>
-        </p:txBody>
-      </p:sp>
-      <p:pic>
-        <p:nvPicPr>
-          <p:cNvPr id="8" name="Picture 7">
-            <a:extLst>
-              <a:ext uri="{FF2B5EF4-FFF2-40B4-BE49-F238E27FC236}">
-                <a16:creationId xmlns:a16="http://schemas.microsoft.com/office/drawing/2014/main" id="{E295B1F9-78D9-9547-B267-A05A047E23C5}"/>
-              </a:ext>
-            </a:extLst>
-          </p:cNvPr>
-          <p:cNvPicPr>
-            <a:picLocks noChangeAspect="1"/>
-          </p:cNvPicPr>
-          <p:nvPr/>
-        </p:nvPicPr>
-        <p:blipFill>
-          <a:blip r:embed="rId3"/>
-          <a:stretch>
-            <a:fillRect/>
-          </a:stretch>
-        </p:blipFill>
-        <p:spPr>
-          <a:xfrm>
-            <a:off x="3476625" y="4033470"/>
-            <a:ext cx="4832350" cy="2428651"/>
-          </a:xfrm>
-          <a:prstGeom prst="rect">
-            <a:avLst/>
-          </a:prstGeom>
-          <a:ln>
-            <a:solidFill>
-              <a:schemeClr val="tx1"/>
-            </a:solidFill>
-          </a:ln>
-        </p:spPr>
-      </p:pic>
-      <p:sp>
-        <p:nvSpPr>
-          <p:cNvPr id="9" name="Left Arrow 8">
-            <a:extLst>
-              <a:ext uri="{FF2B5EF4-FFF2-40B4-BE49-F238E27FC236}">
-                <a16:creationId xmlns:a16="http://schemas.microsoft.com/office/drawing/2014/main" id="{C903C18C-1204-5343-AA4C-85A39D79518E}"/>
-              </a:ext>
-            </a:extLst>
-          </p:cNvPr>
-          <p:cNvSpPr/>
-          <p:nvPr/>
-        </p:nvSpPr>
-        <p:spPr bwMode="auto">
-          <a:xfrm flipH="1">
-            <a:off x="3810000" y="5321430"/>
-            <a:ext cx="228600" cy="152400"/>
-          </a:xfrm>
-          <a:prstGeom prst="leftArrow">
-            <a:avLst/>
-          </a:prstGeom>
-          <a:solidFill>
-            <a:srgbClr val="FF0000"/>
-          </a:solidFill>
-          <a:ln w="9525" cap="flat" cmpd="sng" algn="ctr">
-            <a:solidFill>
-              <a:schemeClr val="tx1"/>
-            </a:solidFill>
-            <a:prstDash val="solid"/>
-            <a:round/>
-            <a:headEnd type="none" w="med" len="med"/>
-            <a:tailEnd type="none" w="med" len="med"/>
-          </a:ln>
-          <a:effectLst/>
-          <a:extLst>
-            <a:ext uri="{AF507438-7753-43e0-B8FC-AC1667EBCBE1}">
-              <a14:hiddenEffects xmlns:a14="http://schemas.microsoft.com/office/drawing/2010/main" xmlns="">
-                <a:effectLst>
-                  <a:outerShdw blurRad="63500" dist="38099" dir="2700000" algn="ctr" rotWithShape="0">
-                    <a:schemeClr val="bg2">
-                      <a:alpha val="74998"/>
-                    </a:schemeClr>
-                  </a:outerShdw>
-                </a:effectLst>
-              </a14:hiddenEffects>
-            </a:ext>
-          </a:extLst>
-        </p:spPr>
-        <p:txBody>
-          <a:bodyPr vert="horz" wrap="square" lIns="91440" tIns="45720" rIns="91440" bIns="45720" numCol="1" rtlCol="0" anchor="t" anchorCtr="0" compatLnSpc="1">
-            <a:prstTxWarp prst="textNoShape">
-              <a:avLst/>
-            </a:prstTxWarp>
-          </a:bodyPr>
-          <a:lstStyle/>
-          <a:p>
-            <a:pPr marL="0" marR="0" indent="0" algn="l" defTabSz="914400" rtl="0" eaLnBrk="0" fontAlgn="base" latinLnBrk="0" hangingPunct="0">
-              <a:lnSpc>
-                <a:spcPct val="100000"/>
-              </a:lnSpc>
-              <a:spcBef>
-                <a:spcPct val="0"/>
-              </a:spcBef>
-              <a:spcAft>
-                <a:spcPct val="0"/>
-              </a:spcAft>
-              <a:buClrTx/>
-              <a:buSzTx/>
-              <a:buFontTx/>
-              <a:buNone/>
-              <a:tabLst/>
-            </a:pPr>
-            <a:endParaRPr kumimoji="0" lang="en-US" sz="2400" b="0" i="0" u="none" strike="noStrike" cap="none" normalizeH="0" baseline="0">
-              <a:ln>
-                <a:noFill/>
-              </a:ln>
-              <a:solidFill>
-                <a:srgbClr val="000000"/>
-              </a:solidFill>
-              <a:effectLst/>
-              <a:latin typeface="Arial" charset="0"/>
-              <a:ea typeface="ＭＳ Ｐゴシック" charset="0"/>
-              <a:cs typeface="ＭＳ Ｐゴシック" charset="0"/>
-            </a:endParaRPr>
-          </a:p>
-        </p:txBody>
-      </p:sp>
-      <p:pic>
-        <p:nvPicPr>
-          <p:cNvPr id="11" name="Picture 10">
-            <a:extLst>
-              <a:ext uri="{FF2B5EF4-FFF2-40B4-BE49-F238E27FC236}">
-                <a16:creationId xmlns:a16="http://schemas.microsoft.com/office/drawing/2014/main" id="{6BE589C6-BE03-0B4F-B5F8-7BB2F7D66CB3}"/>
-              </a:ext>
-            </a:extLst>
-          </p:cNvPr>
-          <p:cNvPicPr>
-            <a:picLocks noChangeAspect="1"/>
-          </p:cNvPicPr>
-          <p:nvPr/>
-        </p:nvPicPr>
-        <p:blipFill>
-          <a:blip r:embed="rId4"/>
-          <a:stretch>
-            <a:fillRect/>
-          </a:stretch>
-        </p:blipFill>
-        <p:spPr>
-          <a:xfrm>
-            <a:off x="256822" y="5347858"/>
-            <a:ext cx="2943578" cy="870769"/>
-          </a:xfrm>
-          <a:prstGeom prst="rect">
-            <a:avLst/>
-          </a:prstGeom>
-          <a:ln>
-            <a:solidFill>
-              <a:schemeClr val="tx1"/>
-            </a:solidFill>
-          </a:ln>
-        </p:spPr>
-      </p:pic>
-      <p:sp>
-        <p:nvSpPr>
-          <p:cNvPr id="12" name="TextBox 11">
-            <a:extLst>
-              <a:ext uri="{FF2B5EF4-FFF2-40B4-BE49-F238E27FC236}">
-                <a16:creationId xmlns:a16="http://schemas.microsoft.com/office/drawing/2014/main" id="{7DFEFFD1-21CF-9140-8AA4-DAB35932153B}"/>
-              </a:ext>
-            </a:extLst>
-          </p:cNvPr>
-          <p:cNvSpPr txBox="1"/>
-          <p:nvPr/>
-        </p:nvSpPr>
-        <p:spPr>
-          <a:xfrm>
-            <a:off x="256822" y="5047484"/>
-            <a:ext cx="2005677" cy="307777"/>
-          </a:xfrm>
-          <a:prstGeom prst="rect">
-            <a:avLst/>
-          </a:prstGeom>
-          <a:noFill/>
-        </p:spPr>
-        <p:txBody>
-          <a:bodyPr wrap="none" rtlCol="0">
-            <a:spAutoFit/>
-          </a:bodyPr>
-          <a:lstStyle/>
-          <a:p>
-            <a:r>
-              <a:rPr lang="en-US" dirty="0"/>
-              <a:t>Running the Processor</a:t>
-            </a:r>
-          </a:p>
-        </p:txBody>
-      </p:sp>
-    </p:spTree>
-    <p:extLst>
-      <p:ext uri="{BB962C8B-B14F-4D97-AF65-F5344CB8AC3E}">
-        <p14:creationId xmlns:p14="http://schemas.microsoft.com/office/powerpoint/2010/main" val="2682712985"/>
-      </p:ext>
-    </p:extLst>
-  </p:cSld>
-  <p:clrMapOvr>
-    <a:masterClrMapping/>
-  </p:clrMapOvr>
-</p:sld>
-</file>
-
-<file path=ppt/slides/slide32.xml><?xml version="1.0" encoding="utf-8"?>
-<p:sld xmlns:a="http://schemas.openxmlformats.org/drawingml/2006/main" xmlns:r="http://schemas.openxmlformats.org/officeDocument/2006/relationships" xmlns:p="http://schemas.openxmlformats.org/presentationml/2006/main">
-  <p:cSld>
-    <p:spTree>
-      <p:nvGrpSpPr>
-        <p:cNvPr id="1" name=""/>
-        <p:cNvGrpSpPr/>
-        <p:nvPr/>
-      </p:nvGrpSpPr>
-      <p:grpSpPr>
-        <a:xfrm>
-          <a:off x="0" y="0"/>
-          <a:ext cx="0" cy="0"/>
-          <a:chOff x="0" y="0"/>
-          <a:chExt cx="0" cy="0"/>
-        </a:xfrm>
-      </p:grpSpPr>
-      <p:sp>
-        <p:nvSpPr>
-          <p:cNvPr id="28674" name="Rectangle 2"/>
+          <p:cNvPr id="1026" name="Rectangle 2"/>
           <p:cNvSpPr>
             <a:spLocks noGrp="1" noChangeArrowheads="1"/>
           </p:cNvSpPr>
@@ -16108,14 +17661,14 @@
           <a:p>
             <a:r>
               <a:rPr lang="en-US"/>
-              <a:t>Assignments</a:t>
-            </a:r>
-          </a:p>
-        </p:txBody>
-      </p:sp>
-      <p:sp>
-        <p:nvSpPr>
-          <p:cNvPr id="28675" name="Rectangle 3"/>
+              <a:t>Grammars</a:t>
+            </a:r>
+          </a:p>
+        </p:txBody>
+      </p:sp>
+      <p:sp>
+        <p:nvSpPr>
+          <p:cNvPr id="1027" name="Rectangle 3"/>
           <p:cNvSpPr>
             <a:spLocks noGrp="1" noChangeArrowheads="1"/>
           </p:cNvSpPr>
@@ -16128,21 +17681,93 @@
           <a:bodyPr/>
           <a:lstStyle/>
           <a:p>
-            <a:r>
-              <a:rPr lang="en-US" dirty="0"/>
-              <a:t>Read Chapter 2</a:t>
-            </a:r>
-          </a:p>
-          <a:p>
-            <a:r>
-              <a:rPr lang="en-US" dirty="0"/>
-              <a:t>Assignment #1 -- see </a:t>
-            </a:r>
-            <a:r>
-              <a:rPr lang="en-US" dirty="0" err="1"/>
-              <a:t>BrightSpace</a:t>
-            </a:r>
-            <a:endParaRPr lang="en-US" dirty="0"/>
+            <a:pPr marL="571500" indent="-571500">
+              <a:lnSpc>
+                <a:spcPct val="90000"/>
+              </a:lnSpc>
+            </a:pPr>
+            <a:r>
+              <a:rPr lang="en-US" sz="2600" dirty="0"/>
+              <a:t>Grammars have 4 parts to them</a:t>
+            </a:r>
+          </a:p>
+          <a:p>
+            <a:pPr marL="839788" lvl="1" indent="-495300">
+              <a:lnSpc>
+                <a:spcPct val="90000"/>
+              </a:lnSpc>
+              <a:buFont typeface="Arial" charset="0"/>
+              <a:buAutoNum type="arabicPeriod"/>
+            </a:pPr>
+            <a:r>
+              <a:rPr lang="en-US" sz="2200" dirty="0"/>
+              <a:t>Non-terminal Symbols - these give names to phrase structures - e.g. program</a:t>
+            </a:r>
+          </a:p>
+          <a:p>
+            <a:pPr marL="839788" lvl="1" indent="-495300">
+              <a:lnSpc>
+                <a:spcPct val="90000"/>
+              </a:lnSpc>
+              <a:buFont typeface="Arial" charset="0"/>
+              <a:buAutoNum type="arabicPeriod"/>
+            </a:pPr>
+            <a:r>
+              <a:rPr lang="en-US" sz="2200" dirty="0"/>
+              <a:t>Terminal Symbols - these give names to the tokens in a language – e.g. x</a:t>
+            </a:r>
+            <a:r>
+              <a:rPr lang="en-US" sz="2200" b="1" dirty="0"/>
+              <a:t> </a:t>
+            </a:r>
+          </a:p>
+          <a:p>
+            <a:pPr marL="839788" lvl="1" indent="-495300">
+              <a:lnSpc>
+                <a:spcPct val="90000"/>
+              </a:lnSpc>
+              <a:buFont typeface="Arial" charset="0"/>
+              <a:buAutoNum type="arabicPeriod"/>
+            </a:pPr>
+            <a:r>
+              <a:rPr lang="en-US" sz="2200" dirty="0"/>
+              <a:t>Rules - these describe that actual structure of phrases in a language – e.g. expression : expression + expression</a:t>
+            </a:r>
+          </a:p>
+          <a:p>
+            <a:pPr marL="839788" lvl="1" indent="-495300">
+              <a:lnSpc>
+                <a:spcPct val="90000"/>
+              </a:lnSpc>
+              <a:buFont typeface="Arial" charset="0"/>
+              <a:buAutoNum type="arabicPeriod"/>
+            </a:pPr>
+            <a:r>
+              <a:rPr lang="en-US" sz="2200" dirty="0"/>
+              <a:t>Start Symbol - a special non-terminal that gives a name to the largest possible phrase(s) in the language</a:t>
+            </a:r>
+          </a:p>
+          <a:p>
+            <a:pPr marL="1135063" lvl="2" indent="-495300">
+              <a:lnSpc>
+                <a:spcPct val="90000"/>
+              </a:lnSpc>
+            </a:pPr>
+            <a:r>
+              <a:rPr lang="en-US" sz="1900" dirty="0"/>
+              <a:t>By convention it is usually the non-terminal defined by the first rule.</a:t>
+            </a:r>
+          </a:p>
+          <a:p>
+            <a:pPr marL="1135063" lvl="2" indent="-495300">
+              <a:lnSpc>
+                <a:spcPct val="90000"/>
+              </a:lnSpc>
+            </a:pPr>
+            <a:r>
+              <a:rPr lang="en-US" sz="1900" dirty="0"/>
+              <a:t>In our case that would be the program non-terminal</a:t>
+            </a:r>
           </a:p>
         </p:txBody>
       </p:sp>
@@ -16154,159 +17779,7 @@
 </p:sld>
 </file>
 
-<file path=ppt/slides/slide4.xml><?xml version="1.0" encoding="utf-8"?>
-<p:sld xmlns:a="http://schemas.openxmlformats.org/drawingml/2006/main" xmlns:r="http://schemas.openxmlformats.org/officeDocument/2006/relationships" xmlns:p="http://schemas.openxmlformats.org/presentationml/2006/main">
-  <p:cSld>
-    <p:spTree>
-      <p:nvGrpSpPr>
-        <p:cNvPr id="1" name=""/>
-        <p:cNvGrpSpPr/>
-        <p:nvPr/>
-      </p:nvGrpSpPr>
-      <p:grpSpPr>
-        <a:xfrm>
-          <a:off x="0" y="0"/>
-          <a:ext cx="0" cy="0"/>
-          <a:chOff x="0" y="0"/>
-          <a:chExt cx="0" cy="0"/>
-        </a:xfrm>
-      </p:grpSpPr>
-      <p:sp>
-        <p:nvSpPr>
-          <p:cNvPr id="1026" name="Rectangle 2"/>
-          <p:cNvSpPr>
-            <a:spLocks noGrp="1" noChangeArrowheads="1"/>
-          </p:cNvSpPr>
-          <p:nvPr>
-            <p:ph type="title"/>
-          </p:nvPr>
-        </p:nvSpPr>
-        <p:spPr/>
-        <p:txBody>
-          <a:bodyPr/>
-          <a:lstStyle/>
-          <a:p>
-            <a:r>
-              <a:rPr lang="en-US"/>
-              <a:t>Grammars</a:t>
-            </a:r>
-          </a:p>
-        </p:txBody>
-      </p:sp>
-      <p:sp>
-        <p:nvSpPr>
-          <p:cNvPr id="1027" name="Rectangle 3"/>
-          <p:cNvSpPr>
-            <a:spLocks noGrp="1" noChangeArrowheads="1"/>
-          </p:cNvSpPr>
-          <p:nvPr>
-            <p:ph type="body" idx="1"/>
-          </p:nvPr>
-        </p:nvSpPr>
-        <p:spPr/>
-        <p:txBody>
-          <a:bodyPr/>
-          <a:lstStyle/>
-          <a:p>
-            <a:pPr marL="571500" indent="-571500">
-              <a:lnSpc>
-                <a:spcPct val="90000"/>
-              </a:lnSpc>
-            </a:pPr>
-            <a:r>
-              <a:rPr lang="en-US" sz="2600" dirty="0"/>
-              <a:t>Grammars have 4 parts to them</a:t>
-            </a:r>
-          </a:p>
-          <a:p>
-            <a:pPr marL="839788" lvl="1" indent="-495300">
-              <a:lnSpc>
-                <a:spcPct val="90000"/>
-              </a:lnSpc>
-              <a:buFont typeface="Arial" charset="0"/>
-              <a:buAutoNum type="arabicPeriod"/>
-            </a:pPr>
-            <a:r>
-              <a:rPr lang="en-US" sz="2200" dirty="0"/>
-              <a:t>Non-terminal Symbols - these give names to phrase structures - e.g. program</a:t>
-            </a:r>
-          </a:p>
-          <a:p>
-            <a:pPr marL="839788" lvl="1" indent="-495300">
-              <a:lnSpc>
-                <a:spcPct val="90000"/>
-              </a:lnSpc>
-              <a:buFont typeface="Arial" charset="0"/>
-              <a:buAutoNum type="arabicPeriod"/>
-            </a:pPr>
-            <a:r>
-              <a:rPr lang="en-US" sz="2200" dirty="0"/>
-              <a:t>Terminal Symbols - these give names to the tokens in a language – e.g. x</a:t>
-            </a:r>
-            <a:r>
-              <a:rPr lang="en-US" sz="2200" b="1" dirty="0"/>
-              <a:t> </a:t>
-            </a:r>
-          </a:p>
-          <a:p>
-            <a:pPr marL="839788" lvl="1" indent="-495300">
-              <a:lnSpc>
-                <a:spcPct val="90000"/>
-              </a:lnSpc>
-              <a:buFont typeface="Arial" charset="0"/>
-              <a:buAutoNum type="arabicPeriod"/>
-            </a:pPr>
-            <a:r>
-              <a:rPr lang="en-US" sz="2200" dirty="0"/>
-              <a:t>Rules - these describe that actual structure of phrases in a language – e.g. expression : expression + expression</a:t>
-            </a:r>
-          </a:p>
-          <a:p>
-            <a:pPr marL="839788" lvl="1" indent="-495300">
-              <a:lnSpc>
-                <a:spcPct val="90000"/>
-              </a:lnSpc>
-              <a:buFont typeface="Arial" charset="0"/>
-              <a:buAutoNum type="arabicPeriod"/>
-            </a:pPr>
-            <a:r>
-              <a:rPr lang="en-US" sz="2200" dirty="0"/>
-              <a:t>Start Symbol - a special non-terminal that gives a name to the largest possible phrase(s) in the language</a:t>
-            </a:r>
-          </a:p>
-          <a:p>
-            <a:pPr marL="1135063" lvl="2" indent="-495300">
-              <a:lnSpc>
-                <a:spcPct val="90000"/>
-              </a:lnSpc>
-            </a:pPr>
-            <a:r>
-              <a:rPr lang="en-US" sz="1900" dirty="0"/>
-              <a:t>By convention it is usually the non-terminal defined by the first rule.</a:t>
-            </a:r>
-          </a:p>
-          <a:p>
-            <a:pPr marL="1135063" lvl="2" indent="-495300">
-              <a:lnSpc>
-                <a:spcPct val="90000"/>
-              </a:lnSpc>
-            </a:pPr>
-            <a:r>
-              <a:rPr lang="en-US" sz="1900" dirty="0"/>
-              <a:t>In our case that would be the program non-terminal</a:t>
-            </a:r>
-          </a:p>
-        </p:txBody>
-      </p:sp>
-    </p:spTree>
-  </p:cSld>
-  <p:clrMapOvr>
-    <a:masterClrMapping/>
-  </p:clrMapOvr>
-</p:sld>
-</file>
-
-<file path=ppt/slides/slide5.xml><?xml version="1.0" encoding="utf-8"?>
+<file path=ppt/slides/slide6.xml><?xml version="1.0" encoding="utf-8"?>
 <p:sld xmlns:a="http://schemas.openxmlformats.org/drawingml/2006/main" xmlns:r="http://schemas.openxmlformats.org/officeDocument/2006/relationships" xmlns:p="http://schemas.openxmlformats.org/presentationml/2006/main">
   <p:cSld>
     <p:spTree>
@@ -16595,7 +18068,7 @@
 </p:sld>
 </file>
 
-<file path=ppt/slides/slide6.xml><?xml version="1.0" encoding="utf-8"?>
+<file path=ppt/slides/slide7.xml><?xml version="1.0" encoding="utf-8"?>
 <p:sld xmlns:a="http://schemas.openxmlformats.org/drawingml/2006/main" xmlns:r="http://schemas.openxmlformats.org/officeDocument/2006/relationships" xmlns:p="http://schemas.openxmlformats.org/presentationml/2006/main">
   <p:cSld>
     <p:spTree>
@@ -16805,7 +18278,7 @@
 </p:sld>
 </file>
 
-<file path=ppt/slides/slide7.xml><?xml version="1.0" encoding="utf-8"?>
+<file path=ppt/slides/slide8.xml><?xml version="1.0" encoding="utf-8"?>
 <p:sld xmlns:a="http://schemas.openxmlformats.org/drawingml/2006/main" xmlns:r="http://schemas.openxmlformats.org/officeDocument/2006/relationships" xmlns:p="http://schemas.openxmlformats.org/presentationml/2006/main">
   <p:cSld>
     <p:spTree>
@@ -16871,7 +18344,7 @@
           </a:ln>
           <a:extLst>
             <a:ext uri="{909E8E84-426E-40dd-AFC4-6F175D3DCCD1}">
-              <a14:hiddenFill xmlns="" xmlns:a14="http://schemas.microsoft.com/office/drawing/2010/main">
+              <a14:hiddenFill xmlns:a14="http://schemas.microsoft.com/office/drawing/2010/main" xmlns="">
                 <a:solidFill>
                   <a:schemeClr val="accent1"/>
                 </a:solidFill>
@@ -17074,14 +18547,14 @@
           </a:ln>
           <a:extLst>
             <a:ext uri="{909E8E84-426E-40dd-AFC4-6F175D3DCCD1}">
-              <a14:hiddenFill xmlns="" xmlns:a14="http://schemas.microsoft.com/office/drawing/2010/main">
+              <a14:hiddenFill xmlns:a14="http://schemas.microsoft.com/office/drawing/2010/main" xmlns="">
                 <a:solidFill>
                   <a:schemeClr val="accent1"/>
                 </a:solidFill>
               </a14:hiddenFill>
             </a:ext>
             <a:ext uri="{91240B29-F687-4f45-9708-019B960494DF}">
-              <a14:hiddenLine xmlns="" xmlns:a14="http://schemas.microsoft.com/office/drawing/2010/main" w="9525">
+              <a14:hiddenLine xmlns:a14="http://schemas.microsoft.com/office/drawing/2010/main" xmlns="" w="9525">
                 <a:solidFill>
                   <a:schemeClr val="tx1"/>
                 </a:solidFill>
@@ -17139,127 +18612,6 @@
             <a:r>
               <a:rPr lang="en-US" dirty="0"/>
               <a:t>s x 1 ; p + x 1 ; </a:t>
-            </a:r>
-          </a:p>
-        </p:txBody>
-      </p:sp>
-    </p:spTree>
-  </p:cSld>
-  <p:clrMapOvr>
-    <a:masterClrMapping/>
-  </p:clrMapOvr>
-</p:sld>
-</file>
-
-<file path=ppt/slides/slide8.xml><?xml version="1.0" encoding="utf-8"?>
-<p:sld xmlns:a="http://schemas.openxmlformats.org/drawingml/2006/main" xmlns:r="http://schemas.openxmlformats.org/officeDocument/2006/relationships" xmlns:p="http://schemas.openxmlformats.org/presentationml/2006/main">
-  <p:cSld>
-    <p:spTree>
-      <p:nvGrpSpPr>
-        <p:cNvPr id="1" name=""/>
-        <p:cNvGrpSpPr/>
-        <p:nvPr/>
-      </p:nvGrpSpPr>
-      <p:grpSpPr>
-        <a:xfrm>
-          <a:off x="0" y="0"/>
-          <a:ext cx="0" cy="0"/>
-          <a:chOff x="0" y="0"/>
-          <a:chExt cx="0" cy="0"/>
-        </a:xfrm>
-      </p:grpSpPr>
-      <p:sp>
-        <p:nvSpPr>
-          <p:cNvPr id="11266" name="Rectangle 2"/>
-          <p:cNvSpPr>
-            <a:spLocks noGrp="1" noChangeArrowheads="1"/>
-          </p:cNvSpPr>
-          <p:nvPr>
-            <p:ph type="title"/>
-          </p:nvPr>
-        </p:nvSpPr>
-        <p:spPr/>
-        <p:txBody>
-          <a:bodyPr/>
-          <a:lstStyle/>
-          <a:p>
-            <a:r>
-              <a:rPr lang="en-US"/>
-              <a:t>Grammars</a:t>
-            </a:r>
-          </a:p>
-        </p:txBody>
-      </p:sp>
-      <p:sp>
-        <p:nvSpPr>
-          <p:cNvPr id="11267" name="Rectangle 3"/>
-          <p:cNvSpPr>
-            <a:spLocks noGrp="1" noChangeArrowheads="1"/>
-          </p:cNvSpPr>
-          <p:nvPr>
-            <p:ph type="body" idx="1"/>
-          </p:nvPr>
-        </p:nvSpPr>
-        <p:spPr>
-          <a:xfrm>
-            <a:off x="457200" y="1524000"/>
-            <a:ext cx="8229600" cy="1252537"/>
-          </a:xfrm>
-        </p:spPr>
-        <p:txBody>
-          <a:bodyPr/>
-          <a:lstStyle/>
-          <a:p>
-            <a:pPr>
-              <a:lnSpc>
-                <a:spcPct val="90000"/>
-              </a:lnSpc>
-            </a:pPr>
-            <a:r>
-              <a:rPr lang="en-US" sz="2600" dirty="0"/>
-              <a:t>A grammar tells us if a sentence belongs to the language, </a:t>
-            </a:r>
-          </a:p>
-          <a:p>
-            <a:pPr lvl="1">
-              <a:lnSpc>
-                <a:spcPct val="90000"/>
-              </a:lnSpc>
-            </a:pPr>
-            <a:r>
-              <a:rPr lang="en-US" sz="2200" dirty="0"/>
-              <a:t>e.g. Does </a:t>
-            </a:r>
-            <a:r>
-              <a:rPr lang="ja-JP" altLang="en-US" sz="2200" dirty="0">
-                <a:latin typeface="Arial"/>
-              </a:rPr>
-              <a:t>‘</a:t>
-            </a:r>
-            <a:r>
-              <a:rPr lang="en-US" sz="2200" dirty="0"/>
-              <a:t>s x 3 ;</a:t>
-            </a:r>
-            <a:r>
-              <a:rPr lang="ja-JP" altLang="en-US" sz="2200" dirty="0">
-                <a:latin typeface="Arial"/>
-              </a:rPr>
-              <a:t>’</a:t>
-            </a:r>
-            <a:r>
-              <a:rPr lang="en-US" sz="2200" dirty="0"/>
-              <a:t> belong to the language?</a:t>
-            </a:r>
-          </a:p>
-          <a:p>
-            <a:pPr>
-              <a:lnSpc>
-                <a:spcPct val="90000"/>
-              </a:lnSpc>
-            </a:pPr>
-            <a:r>
-              <a:rPr lang="en-US" dirty="0"/>
-              <a:t>We can show that a sentence belongs to the language by constructing a parse tree starting at the start symbol</a:t>
             </a:r>
           </a:p>
         </p:txBody>
@@ -17291,9 +18643,9 @@
       </p:grpSpPr>
       <p:sp>
         <p:nvSpPr>
-          <p:cNvPr id="4" name="Title 3"/>
+          <p:cNvPr id="11266" name="Rectangle 2"/>
           <p:cNvSpPr>
-            <a:spLocks noGrp="1"/>
+            <a:spLocks noGrp="1" noChangeArrowheads="1"/>
           </p:cNvSpPr>
           <p:nvPr>
             <p:ph type="title"/>
@@ -17305,7 +18657,7 @@
           <a:lstStyle/>
           <a:p>
             <a:r>
-              <a:rPr lang="en-US" dirty="0"/>
+              <a:rPr lang="en-US"/>
               <a:t>Grammars</a:t>
             </a:r>
           </a:p>
@@ -17313,1339 +18665,79 @@
       </p:sp>
       <p:sp>
         <p:nvSpPr>
-          <p:cNvPr id="5" name="TextBox 4"/>
-          <p:cNvSpPr txBox="1"/>
-          <p:nvPr/>
+          <p:cNvPr id="11267" name="Rectangle 3"/>
+          <p:cNvSpPr>
+            <a:spLocks noGrp="1" noChangeArrowheads="1"/>
+          </p:cNvSpPr>
+          <p:nvPr>
+            <p:ph type="body" idx="1"/>
+          </p:nvPr>
         </p:nvSpPr>
         <p:spPr>
           <a:xfrm>
-            <a:off x="704048" y="1988026"/>
-            <a:ext cx="800407" cy="369332"/>
+            <a:off x="457200" y="1524000"/>
+            <a:ext cx="8229600" cy="1252537"/>
           </a:xfrm>
-          <a:prstGeom prst="rect">
-            <a:avLst/>
-          </a:prstGeom>
-          <a:noFill/>
         </p:spPr>
         <p:txBody>
-          <a:bodyPr wrap="none" rtlCol="0">
-            <a:spAutoFit/>
-          </a:bodyPr>
+          <a:bodyPr/>
           <a:lstStyle/>
           <a:p>
-            <a:r>
-              <a:rPr lang="en-US" sz="1800" dirty="0"/>
+            <a:pPr>
+              <a:lnSpc>
+                <a:spcPct val="90000"/>
+              </a:lnSpc>
+            </a:pPr>
+            <a:r>
+              <a:rPr lang="en-US" sz="2600" dirty="0"/>
+              <a:t>A grammar tells us if a sentence belongs to the language, </a:t>
+            </a:r>
+          </a:p>
+          <a:p>
+            <a:pPr lvl="1">
+              <a:lnSpc>
+                <a:spcPct val="90000"/>
+              </a:lnSpc>
+            </a:pPr>
+            <a:r>
+              <a:rPr lang="en-US" sz="2200" dirty="0"/>
+              <a:t>e.g. Does </a:t>
+            </a:r>
+            <a:r>
+              <a:rPr lang="ja-JP" altLang="en-US" sz="2200" dirty="0">
+                <a:latin typeface="Arial"/>
+              </a:rPr>
+              <a:t>‘</a:t>
+            </a:r>
+            <a:r>
+              <a:rPr lang="en-US" sz="2200" dirty="0"/>
               <a:t>s x 3 ;</a:t>
             </a:r>
-          </a:p>
-        </p:txBody>
-      </p:sp>
-      <p:sp>
-        <p:nvSpPr>
-          <p:cNvPr id="6" name="TextBox 5"/>
-          <p:cNvSpPr txBox="1"/>
-          <p:nvPr/>
-        </p:nvSpPr>
-        <p:spPr>
-          <a:xfrm>
-            <a:off x="5633976" y="457200"/>
-            <a:ext cx="841897" cy="307777"/>
-          </a:xfrm>
-          <a:prstGeom prst="rect">
-            <a:avLst/>
-          </a:prstGeom>
-          <a:noFill/>
-        </p:spPr>
-        <p:txBody>
-          <a:bodyPr wrap="none" rtlCol="0">
-            <a:spAutoFit/>
-          </a:bodyPr>
-          <a:lstStyle/>
-          <a:p>
-            <a:r>
-              <a:rPr lang="en-US" dirty="0" err="1"/>
-              <a:t>stmt_list</a:t>
-            </a:r>
-            <a:endParaRPr lang="en-US" dirty="0"/>
-          </a:p>
-        </p:txBody>
-      </p:sp>
-      <p:sp>
-        <p:nvSpPr>
-          <p:cNvPr id="8" name="TextBox 7"/>
-          <p:cNvSpPr txBox="1"/>
-          <p:nvPr/>
-        </p:nvSpPr>
-        <p:spPr>
-          <a:xfrm>
-            <a:off x="4909400" y="1301445"/>
-            <a:ext cx="530915" cy="307777"/>
-          </a:xfrm>
-          <a:prstGeom prst="rect">
-            <a:avLst/>
-          </a:prstGeom>
-          <a:noFill/>
-        </p:spPr>
-        <p:txBody>
-          <a:bodyPr wrap="none" rtlCol="0">
-            <a:spAutoFit/>
-          </a:bodyPr>
-          <a:lstStyle/>
-          <a:p>
-            <a:r>
-              <a:rPr lang="en-US" dirty="0" err="1"/>
-              <a:t>stmt</a:t>
-            </a:r>
-            <a:endParaRPr lang="en-US" dirty="0"/>
-          </a:p>
-        </p:txBody>
-      </p:sp>
-      <p:sp>
-        <p:nvSpPr>
-          <p:cNvPr id="9" name="TextBox 8"/>
-          <p:cNvSpPr txBox="1"/>
-          <p:nvPr/>
-        </p:nvSpPr>
-        <p:spPr>
-          <a:xfrm>
-            <a:off x="4343400" y="1907977"/>
-            <a:ext cx="274434" cy="307777"/>
-          </a:xfrm>
-          <a:prstGeom prst="rect">
-            <a:avLst/>
-          </a:prstGeom>
-          <a:noFill/>
-        </p:spPr>
-        <p:txBody>
-          <a:bodyPr wrap="none" rtlCol="0">
-            <a:spAutoFit/>
-          </a:bodyPr>
-          <a:lstStyle/>
-          <a:p>
+            <a:r>
+              <a:rPr lang="ja-JP" altLang="en-US" sz="2200" dirty="0">
+                <a:latin typeface="Arial"/>
+              </a:rPr>
+              <a:t>’</a:t>
+            </a:r>
+            <a:r>
+              <a:rPr lang="en-US" sz="2200" dirty="0"/>
+              <a:t> belong to the language?</a:t>
+            </a:r>
+          </a:p>
+          <a:p>
+            <a:pPr>
+              <a:lnSpc>
+                <a:spcPct val="90000"/>
+              </a:lnSpc>
+            </a:pPr>
             <a:r>
               <a:rPr lang="en-US" dirty="0"/>
-              <a:t>s</a:t>
-            </a:r>
-          </a:p>
-        </p:txBody>
-      </p:sp>
-      <p:sp>
-        <p:nvSpPr>
-          <p:cNvPr id="10" name="TextBox 9"/>
-          <p:cNvSpPr txBox="1"/>
-          <p:nvPr/>
-        </p:nvSpPr>
-        <p:spPr>
-          <a:xfrm>
-            <a:off x="4923242" y="1907977"/>
-            <a:ext cx="453970" cy="307777"/>
-          </a:xfrm>
-          <a:prstGeom prst="rect">
-            <a:avLst/>
-          </a:prstGeom>
-          <a:noFill/>
-        </p:spPr>
-        <p:txBody>
-          <a:bodyPr wrap="none" rtlCol="0">
-            <a:spAutoFit/>
-          </a:bodyPr>
-          <a:lstStyle/>
-          <a:p>
-            <a:r>
-              <a:rPr lang="en-US" dirty="0" err="1"/>
-              <a:t>var</a:t>
-            </a:r>
-            <a:endParaRPr lang="en-US" dirty="0"/>
-          </a:p>
-        </p:txBody>
-      </p:sp>
-      <p:sp>
-        <p:nvSpPr>
-          <p:cNvPr id="11" name="TextBox 10"/>
-          <p:cNvSpPr txBox="1"/>
-          <p:nvPr/>
-        </p:nvSpPr>
-        <p:spPr>
-          <a:xfrm>
-            <a:off x="5703388" y="1905000"/>
-            <a:ext cx="474133" cy="307777"/>
-          </a:xfrm>
-          <a:prstGeom prst="rect">
-            <a:avLst/>
-          </a:prstGeom>
-          <a:noFill/>
-        </p:spPr>
-        <p:txBody>
-          <a:bodyPr wrap="none" rtlCol="0">
-            <a:spAutoFit/>
-          </a:bodyPr>
-          <a:lstStyle/>
-          <a:p>
-            <a:r>
-              <a:rPr lang="en-US" dirty="0" err="1"/>
-              <a:t>exp</a:t>
-            </a:r>
-            <a:endParaRPr lang="en-US" dirty="0"/>
-          </a:p>
-        </p:txBody>
-      </p:sp>
-      <p:sp>
-        <p:nvSpPr>
-          <p:cNvPr id="12" name="TextBox 11"/>
-          <p:cNvSpPr txBox="1"/>
-          <p:nvPr/>
-        </p:nvSpPr>
-        <p:spPr>
-          <a:xfrm>
-            <a:off x="6329921" y="1907977"/>
-            <a:ext cx="234547" cy="307777"/>
-          </a:xfrm>
-          <a:prstGeom prst="rect">
-            <a:avLst/>
-          </a:prstGeom>
-          <a:noFill/>
-        </p:spPr>
-        <p:txBody>
-          <a:bodyPr wrap="none" rtlCol="0">
-            <a:spAutoFit/>
-          </a:bodyPr>
-          <a:lstStyle/>
-          <a:p>
-            <a:r>
-              <a:rPr lang="en-US" dirty="0"/>
-              <a:t>;</a:t>
-            </a:r>
-          </a:p>
-        </p:txBody>
-      </p:sp>
-      <p:sp>
-        <p:nvSpPr>
-          <p:cNvPr id="13" name="TextBox 12"/>
-          <p:cNvSpPr txBox="1"/>
-          <p:nvPr/>
-        </p:nvSpPr>
-        <p:spPr>
-          <a:xfrm>
-            <a:off x="4958321" y="2590800"/>
-            <a:ext cx="274434" cy="307777"/>
-          </a:xfrm>
-          <a:prstGeom prst="rect">
-            <a:avLst/>
-          </a:prstGeom>
-          <a:noFill/>
-        </p:spPr>
-        <p:txBody>
-          <a:bodyPr wrap="none" rtlCol="0">
-            <a:spAutoFit/>
-          </a:bodyPr>
-          <a:lstStyle/>
-          <a:p>
-            <a:r>
-              <a:rPr lang="en-US" dirty="0"/>
-              <a:t>x</a:t>
-            </a:r>
-          </a:p>
-        </p:txBody>
-      </p:sp>
-      <p:sp>
-        <p:nvSpPr>
-          <p:cNvPr id="14" name="TextBox 13"/>
-          <p:cNvSpPr txBox="1"/>
-          <p:nvPr/>
-        </p:nvSpPr>
-        <p:spPr>
-          <a:xfrm>
-            <a:off x="5715000" y="2593777"/>
-            <a:ext cx="532518" cy="307777"/>
-          </a:xfrm>
-          <a:prstGeom prst="rect">
-            <a:avLst/>
-          </a:prstGeom>
-          <a:noFill/>
-        </p:spPr>
-        <p:txBody>
-          <a:bodyPr wrap="none" rtlCol="0">
-            <a:spAutoFit/>
-          </a:bodyPr>
-          <a:lstStyle/>
-          <a:p>
-            <a:r>
-              <a:rPr lang="en-US" dirty="0"/>
-              <a:t>num</a:t>
-            </a:r>
-          </a:p>
-        </p:txBody>
-      </p:sp>
-      <p:cxnSp>
-        <p:nvCxnSpPr>
-          <p:cNvPr id="16" name="Straight Connector 15"/>
-          <p:cNvCxnSpPr>
-            <a:stCxn id="6" idx="2"/>
-            <a:endCxn id="8" idx="0"/>
-          </p:cNvCxnSpPr>
-          <p:nvPr/>
-        </p:nvCxnSpPr>
-        <p:spPr bwMode="auto">
-          <a:xfrm flipH="1">
-            <a:off x="5174858" y="764977"/>
-            <a:ext cx="880067" cy="536468"/>
-          </a:xfrm>
-          <a:prstGeom prst="line">
-            <a:avLst/>
-          </a:prstGeom>
-          <a:solidFill>
-            <a:schemeClr val="accent1"/>
-          </a:solidFill>
-          <a:ln w="9525" cap="flat" cmpd="sng" algn="ctr">
-            <a:solidFill>
-              <a:schemeClr val="tx1"/>
-            </a:solidFill>
-            <a:prstDash val="solid"/>
-            <a:round/>
-            <a:headEnd type="none" w="med" len="med"/>
-            <a:tailEnd type="none" w="med" len="med"/>
-          </a:ln>
-          <a:effectLst/>
-          <a:extLst>
-            <a:ext uri="{AF507438-7753-43e0-B8FC-AC1667EBCBE1}">
-              <a14:hiddenEffects xmlns="" xmlns:a14="http://schemas.microsoft.com/office/drawing/2010/main">
-                <a:effectLst>
-                  <a:outerShdw blurRad="63500" dist="38099" dir="2700000" algn="ctr" rotWithShape="0">
-                    <a:schemeClr val="bg2">
-                      <a:alpha val="74998"/>
-                    </a:schemeClr>
-                  </a:outerShdw>
-                </a:effectLst>
-              </a14:hiddenEffects>
-            </a:ext>
-          </a:extLst>
-        </p:spPr>
-      </p:cxnSp>
-      <p:cxnSp>
-        <p:nvCxnSpPr>
-          <p:cNvPr id="18" name="Straight Connector 17"/>
-          <p:cNvCxnSpPr>
-            <a:stCxn id="8" idx="2"/>
-          </p:cNvCxnSpPr>
-          <p:nvPr/>
-        </p:nvCxnSpPr>
-        <p:spPr bwMode="auto">
-          <a:xfrm flipH="1">
-            <a:off x="4653523" y="1609222"/>
-            <a:ext cx="521335" cy="222555"/>
-          </a:xfrm>
-          <a:prstGeom prst="line">
-            <a:avLst/>
-          </a:prstGeom>
-          <a:solidFill>
-            <a:schemeClr val="accent1"/>
-          </a:solidFill>
-          <a:ln w="9525" cap="flat" cmpd="sng" algn="ctr">
-            <a:solidFill>
-              <a:schemeClr val="tx1"/>
-            </a:solidFill>
-            <a:prstDash val="solid"/>
-            <a:round/>
-            <a:headEnd type="none" w="med" len="med"/>
-            <a:tailEnd type="none" w="med" len="med"/>
-          </a:ln>
-          <a:effectLst/>
-          <a:extLst>
-            <a:ext uri="{AF507438-7753-43e0-B8FC-AC1667EBCBE1}">
-              <a14:hiddenEffects xmlns="" xmlns:a14="http://schemas.microsoft.com/office/drawing/2010/main">
-                <a:effectLst>
-                  <a:outerShdw blurRad="63500" dist="38099" dir="2700000" algn="ctr" rotWithShape="0">
-                    <a:schemeClr val="bg2">
-                      <a:alpha val="74998"/>
-                    </a:schemeClr>
-                  </a:outerShdw>
-                </a:effectLst>
-              </a14:hiddenEffects>
-            </a:ext>
-          </a:extLst>
-        </p:spPr>
-      </p:cxnSp>
-      <p:cxnSp>
-        <p:nvCxnSpPr>
-          <p:cNvPr id="20" name="Straight Connector 19"/>
-          <p:cNvCxnSpPr>
-            <a:stCxn id="8" idx="2"/>
-            <a:endCxn id="10" idx="0"/>
-          </p:cNvCxnSpPr>
-          <p:nvPr/>
-        </p:nvCxnSpPr>
-        <p:spPr bwMode="auto">
-          <a:xfrm flipH="1">
-            <a:off x="5150227" y="1609222"/>
-            <a:ext cx="24631" cy="298755"/>
-          </a:xfrm>
-          <a:prstGeom prst="line">
-            <a:avLst/>
-          </a:prstGeom>
-          <a:solidFill>
-            <a:schemeClr val="accent1"/>
-          </a:solidFill>
-          <a:ln w="9525" cap="flat" cmpd="sng" algn="ctr">
-            <a:solidFill>
-              <a:schemeClr val="tx1"/>
-            </a:solidFill>
-            <a:prstDash val="solid"/>
-            <a:round/>
-            <a:headEnd type="none" w="med" len="med"/>
-            <a:tailEnd type="none" w="med" len="med"/>
-          </a:ln>
-          <a:effectLst/>
-          <a:extLst>
-            <a:ext uri="{AF507438-7753-43e0-B8FC-AC1667EBCBE1}">
-              <a14:hiddenEffects xmlns="" xmlns:a14="http://schemas.microsoft.com/office/drawing/2010/main">
-                <a:effectLst>
-                  <a:outerShdw blurRad="63500" dist="38099" dir="2700000" algn="ctr" rotWithShape="0">
-                    <a:schemeClr val="bg2">
-                      <a:alpha val="74998"/>
-                    </a:schemeClr>
-                  </a:outerShdw>
-                </a:effectLst>
-              </a14:hiddenEffects>
-            </a:ext>
-          </a:extLst>
-        </p:spPr>
-      </p:cxnSp>
-      <p:cxnSp>
-        <p:nvCxnSpPr>
-          <p:cNvPr id="22" name="Straight Connector 21"/>
-          <p:cNvCxnSpPr>
-            <a:stCxn id="8" idx="2"/>
-            <a:endCxn id="11" idx="0"/>
-          </p:cNvCxnSpPr>
-          <p:nvPr/>
-        </p:nvCxnSpPr>
-        <p:spPr bwMode="auto">
-          <a:xfrm>
-            <a:off x="5174858" y="1609222"/>
-            <a:ext cx="765597" cy="295778"/>
-          </a:xfrm>
-          <a:prstGeom prst="line">
-            <a:avLst/>
-          </a:prstGeom>
-          <a:solidFill>
-            <a:schemeClr val="accent1"/>
-          </a:solidFill>
-          <a:ln w="9525" cap="flat" cmpd="sng" algn="ctr">
-            <a:solidFill>
-              <a:schemeClr val="tx1"/>
-            </a:solidFill>
-            <a:prstDash val="solid"/>
-            <a:round/>
-            <a:headEnd type="none" w="med" len="med"/>
-            <a:tailEnd type="none" w="med" len="med"/>
-          </a:ln>
-          <a:effectLst/>
-          <a:extLst>
-            <a:ext uri="{AF507438-7753-43e0-B8FC-AC1667EBCBE1}">
-              <a14:hiddenEffects xmlns="" xmlns:a14="http://schemas.microsoft.com/office/drawing/2010/main">
-                <a:effectLst>
-                  <a:outerShdw blurRad="63500" dist="38099" dir="2700000" algn="ctr" rotWithShape="0">
-                    <a:schemeClr val="bg2">
-                      <a:alpha val="74998"/>
-                    </a:schemeClr>
-                  </a:outerShdw>
-                </a:effectLst>
-              </a14:hiddenEffects>
-            </a:ext>
-          </a:extLst>
-        </p:spPr>
-      </p:cxnSp>
-      <p:cxnSp>
-        <p:nvCxnSpPr>
-          <p:cNvPr id="24" name="Straight Connector 23"/>
-          <p:cNvCxnSpPr>
-            <a:stCxn id="8" idx="2"/>
-            <a:endCxn id="12" idx="0"/>
-          </p:cNvCxnSpPr>
-          <p:nvPr/>
-        </p:nvCxnSpPr>
-        <p:spPr bwMode="auto">
-          <a:xfrm>
-            <a:off x="5174858" y="1609222"/>
-            <a:ext cx="1272337" cy="298755"/>
-          </a:xfrm>
-          <a:prstGeom prst="line">
-            <a:avLst/>
-          </a:prstGeom>
-          <a:solidFill>
-            <a:schemeClr val="accent1"/>
-          </a:solidFill>
-          <a:ln w="9525" cap="flat" cmpd="sng" algn="ctr">
-            <a:solidFill>
-              <a:schemeClr val="tx1"/>
-            </a:solidFill>
-            <a:prstDash val="solid"/>
-            <a:round/>
-            <a:headEnd type="none" w="med" len="med"/>
-            <a:tailEnd type="none" w="med" len="med"/>
-          </a:ln>
-          <a:effectLst/>
-          <a:extLst>
-            <a:ext uri="{AF507438-7753-43e0-B8FC-AC1667EBCBE1}">
-              <a14:hiddenEffects xmlns="" xmlns:a14="http://schemas.microsoft.com/office/drawing/2010/main">
-                <a:effectLst>
-                  <a:outerShdw blurRad="63500" dist="38099" dir="2700000" algn="ctr" rotWithShape="0">
-                    <a:schemeClr val="bg2">
-                      <a:alpha val="74998"/>
-                    </a:schemeClr>
-                  </a:outerShdw>
-                </a:effectLst>
-              </a14:hiddenEffects>
-            </a:ext>
-          </a:extLst>
-        </p:spPr>
-      </p:cxnSp>
-      <p:cxnSp>
-        <p:nvCxnSpPr>
-          <p:cNvPr id="26" name="Straight Connector 25"/>
-          <p:cNvCxnSpPr>
-            <a:stCxn id="10" idx="2"/>
-            <a:endCxn id="13" idx="0"/>
-          </p:cNvCxnSpPr>
-          <p:nvPr/>
-        </p:nvCxnSpPr>
-        <p:spPr bwMode="auto">
-          <a:xfrm flipH="1">
-            <a:off x="5095538" y="2215754"/>
-            <a:ext cx="54689" cy="375046"/>
-          </a:xfrm>
-          <a:prstGeom prst="line">
-            <a:avLst/>
-          </a:prstGeom>
-          <a:solidFill>
-            <a:schemeClr val="accent1"/>
-          </a:solidFill>
-          <a:ln w="9525" cap="flat" cmpd="sng" algn="ctr">
-            <a:solidFill>
-              <a:schemeClr val="tx1"/>
-            </a:solidFill>
-            <a:prstDash val="solid"/>
-            <a:round/>
-            <a:headEnd type="none" w="med" len="med"/>
-            <a:tailEnd type="none" w="med" len="med"/>
-          </a:ln>
-          <a:effectLst/>
-          <a:extLst>
-            <a:ext uri="{AF507438-7753-43e0-B8FC-AC1667EBCBE1}">
-              <a14:hiddenEffects xmlns="" xmlns:a14="http://schemas.microsoft.com/office/drawing/2010/main">
-                <a:effectLst>
-                  <a:outerShdw blurRad="63500" dist="38099" dir="2700000" algn="ctr" rotWithShape="0">
-                    <a:schemeClr val="bg2">
-                      <a:alpha val="74998"/>
-                    </a:schemeClr>
-                  </a:outerShdw>
-                </a:effectLst>
-              </a14:hiddenEffects>
-            </a:ext>
-          </a:extLst>
-        </p:spPr>
-      </p:cxnSp>
-      <p:cxnSp>
-        <p:nvCxnSpPr>
-          <p:cNvPr id="28" name="Straight Connector 27"/>
-          <p:cNvCxnSpPr>
-            <a:cxnSpLocks/>
-            <a:stCxn id="11" idx="2"/>
-            <a:endCxn id="14" idx="0"/>
-          </p:cNvCxnSpPr>
-          <p:nvPr/>
-        </p:nvCxnSpPr>
-        <p:spPr bwMode="auto">
-          <a:xfrm>
-            <a:off x="5940455" y="2212777"/>
-            <a:ext cx="40804" cy="381000"/>
-          </a:xfrm>
-          <a:prstGeom prst="line">
-            <a:avLst/>
-          </a:prstGeom>
-          <a:solidFill>
-            <a:schemeClr val="accent1"/>
-          </a:solidFill>
-          <a:ln w="9525" cap="flat" cmpd="sng" algn="ctr">
-            <a:solidFill>
-              <a:schemeClr val="tx1"/>
-            </a:solidFill>
-            <a:prstDash val="solid"/>
-            <a:round/>
-            <a:headEnd type="none" w="med" len="med"/>
-            <a:tailEnd type="none" w="med" len="med"/>
-          </a:ln>
-          <a:effectLst/>
-          <a:extLst>
-            <a:ext uri="{AF507438-7753-43e0-B8FC-AC1667EBCBE1}">
-              <a14:hiddenEffects xmlns="" xmlns:a14="http://schemas.microsoft.com/office/drawing/2010/main">
-                <a:effectLst>
-                  <a:outerShdw blurRad="63500" dist="38099" dir="2700000" algn="ctr" rotWithShape="0">
-                    <a:schemeClr val="bg2">
-                      <a:alpha val="74998"/>
-                    </a:schemeClr>
-                  </a:outerShdw>
-                </a:effectLst>
-              </a14:hiddenEffects>
-            </a:ext>
-          </a:extLst>
-        </p:spPr>
-      </p:cxnSp>
-      <p:sp>
-        <p:nvSpPr>
-          <p:cNvPr id="29" name="TextBox 28"/>
-          <p:cNvSpPr txBox="1"/>
-          <p:nvPr/>
-        </p:nvSpPr>
-        <p:spPr>
-          <a:xfrm>
-            <a:off x="3124200" y="3810000"/>
-            <a:ext cx="5355953" cy="2893100"/>
-          </a:xfrm>
-          <a:prstGeom prst="rect">
-            <a:avLst/>
-          </a:prstGeom>
-          <a:noFill/>
-        </p:spPr>
-        <p:txBody>
-          <a:bodyPr wrap="none" rtlCol="0">
-            <a:spAutoFit/>
-          </a:bodyPr>
-          <a:lstStyle/>
-          <a:p>
-            <a:r>
-              <a:rPr lang="en-US" dirty="0"/>
-              <a:t>Note: constructing the parse tree by filling in the leftmost</a:t>
-            </a:r>
-            <a:br>
-              <a:rPr lang="en-US" dirty="0"/>
-            </a:br>
-            <a:r>
-              <a:rPr lang="en-US" dirty="0"/>
-              <a:t>non-terminal at each step we obtain </a:t>
-            </a:r>
-            <a:r>
-              <a:rPr lang="en-US" b="1" dirty="0"/>
-              <a:t>the left-most derivation</a:t>
-            </a:r>
-            <a:r>
-              <a:rPr lang="en-US" dirty="0"/>
-              <a:t>:</a:t>
-            </a:r>
-          </a:p>
-          <a:p>
-            <a:endParaRPr lang="en-US" dirty="0"/>
-          </a:p>
-          <a:p>
-            <a:r>
-              <a:rPr lang="en-US" dirty="0" err="1"/>
-              <a:t>stmt_list</a:t>
-            </a:r>
-            <a:r>
-              <a:rPr lang="en-US" dirty="0"/>
-              <a:t> </a:t>
-            </a:r>
-            <a:r>
-              <a:rPr lang="en-US" dirty="0">
-                <a:sym typeface="Symbol"/>
-              </a:rPr>
-              <a:t></a:t>
-            </a:r>
-            <a:endParaRPr lang="en-US" dirty="0"/>
-          </a:p>
-          <a:p>
-            <a:r>
-              <a:rPr lang="en-US" dirty="0" err="1">
-                <a:sym typeface="Wingdings"/>
-              </a:rPr>
-              <a:t>stmt</a:t>
-            </a:r>
-            <a:r>
-              <a:rPr lang="en-US" dirty="0">
-                <a:sym typeface="Wingdings"/>
-              </a:rPr>
-              <a:t> </a:t>
-            </a:r>
-            <a:r>
-              <a:rPr lang="en-US" dirty="0" err="1">
-                <a:sym typeface="Wingdings"/>
-              </a:rPr>
-              <a:t>stmt_list</a:t>
-            </a:r>
-            <a:r>
-              <a:rPr lang="en-US" dirty="0">
-                <a:sym typeface="Wingdings"/>
-              </a:rPr>
-              <a:t> </a:t>
-            </a:r>
-            <a:r>
-              <a:rPr lang="en-US" dirty="0">
-                <a:sym typeface="Symbol"/>
-              </a:rPr>
-              <a:t></a:t>
-            </a:r>
-            <a:endParaRPr lang="en-US" dirty="0"/>
-          </a:p>
-          <a:p>
-            <a:r>
-              <a:rPr lang="en-US" dirty="0">
-                <a:latin typeface="+mn-lt"/>
-                <a:ea typeface="Wingdings"/>
-                <a:cs typeface="Wingdings"/>
-                <a:sym typeface="Wingdings"/>
-              </a:rPr>
-              <a:t>s var exp ; </a:t>
-            </a:r>
-            <a:r>
-              <a:rPr lang="en-US" dirty="0" err="1">
-                <a:latin typeface="+mn-lt"/>
-                <a:ea typeface="Wingdings"/>
-                <a:cs typeface="Wingdings"/>
-                <a:sym typeface="Wingdings"/>
-              </a:rPr>
-              <a:t>stmt_list</a:t>
-            </a:r>
-            <a:r>
-              <a:rPr lang="en-US" dirty="0">
-                <a:latin typeface="+mn-lt"/>
-                <a:ea typeface="Wingdings"/>
-                <a:cs typeface="Wingdings"/>
-                <a:sym typeface="Wingdings"/>
-              </a:rPr>
-              <a:t> </a:t>
-            </a:r>
-            <a:r>
-              <a:rPr lang="en-US" dirty="0">
-                <a:sym typeface="Symbol"/>
-              </a:rPr>
-              <a:t></a:t>
-            </a:r>
-            <a:endParaRPr lang="en-US" dirty="0"/>
-          </a:p>
-          <a:p>
-            <a:r>
-              <a:rPr lang="en-US" dirty="0">
-                <a:ea typeface="Wingdings"/>
-                <a:cs typeface="Wingdings"/>
-                <a:sym typeface="Wingdings"/>
-              </a:rPr>
-              <a:t>s x exp ; </a:t>
-            </a:r>
-            <a:r>
-              <a:rPr lang="en-US" dirty="0" err="1">
-                <a:ea typeface="Wingdings"/>
-                <a:cs typeface="Wingdings"/>
-                <a:sym typeface="Wingdings"/>
-              </a:rPr>
-              <a:t>stmt_list</a:t>
-            </a:r>
-            <a:r>
-              <a:rPr lang="en-US" dirty="0">
-                <a:ea typeface="Wingdings"/>
-                <a:cs typeface="Wingdings"/>
-                <a:sym typeface="Wingdings"/>
-              </a:rPr>
-              <a:t> </a:t>
-            </a:r>
-            <a:r>
-              <a:rPr lang="en-US" dirty="0">
-                <a:sym typeface="Symbol"/>
-              </a:rPr>
-              <a:t></a:t>
-            </a:r>
-            <a:endParaRPr lang="en-US" dirty="0"/>
-          </a:p>
-          <a:p>
-            <a:r>
-              <a:rPr lang="en-US" dirty="0">
-                <a:ea typeface="Wingdings"/>
-                <a:cs typeface="Wingdings"/>
-                <a:sym typeface="Wingdings"/>
-              </a:rPr>
-              <a:t>s x num ; </a:t>
-            </a:r>
-            <a:r>
-              <a:rPr lang="en-US" dirty="0" err="1">
-                <a:ea typeface="Wingdings"/>
-                <a:cs typeface="Wingdings"/>
-                <a:sym typeface="Wingdings"/>
-              </a:rPr>
-              <a:t>stmt_list</a:t>
-            </a:r>
-            <a:r>
-              <a:rPr lang="en-US" dirty="0">
-                <a:ea typeface="Wingdings"/>
-                <a:cs typeface="Wingdings"/>
-                <a:sym typeface="Wingdings"/>
-              </a:rPr>
-              <a:t> </a:t>
-            </a:r>
-            <a:r>
-              <a:rPr lang="en-US" dirty="0">
-                <a:sym typeface="Symbol"/>
-              </a:rPr>
-              <a:t></a:t>
-            </a:r>
-            <a:endParaRPr lang="en-US" dirty="0"/>
-          </a:p>
-          <a:p>
-            <a:r>
-              <a:rPr lang="en-US" dirty="0">
-                <a:latin typeface="+mn-lt"/>
-                <a:ea typeface="Wingdings"/>
-                <a:cs typeface="Wingdings"/>
-                <a:sym typeface="Wingdings"/>
-              </a:rPr>
-              <a:t>s x 3 ; </a:t>
-            </a:r>
-            <a:r>
-              <a:rPr lang="en-US" dirty="0" err="1">
-                <a:latin typeface="+mn-lt"/>
-                <a:ea typeface="Wingdings"/>
-                <a:cs typeface="Wingdings"/>
-                <a:sym typeface="Wingdings"/>
-              </a:rPr>
-              <a:t>stmt_list</a:t>
-            </a:r>
-            <a:r>
-              <a:rPr lang="en-US" dirty="0">
-                <a:latin typeface="+mn-lt"/>
-                <a:ea typeface="Wingdings"/>
-                <a:cs typeface="Wingdings"/>
-                <a:sym typeface="Wingdings"/>
-              </a:rPr>
-              <a:t> </a:t>
-            </a:r>
-            <a:r>
-              <a:rPr lang="en-US" dirty="0">
-                <a:sym typeface="Symbol"/>
-              </a:rPr>
-              <a:t></a:t>
-            </a:r>
-            <a:endParaRPr lang="en-US" dirty="0"/>
-          </a:p>
-          <a:p>
-            <a:r>
-              <a:rPr lang="en-US" dirty="0">
-                <a:ea typeface="Wingdings"/>
-                <a:cs typeface="Wingdings"/>
-                <a:sym typeface="Wingdings"/>
-              </a:rPr>
-              <a:t>s x 3 ;</a:t>
-            </a:r>
-            <a:endParaRPr lang="en-US" dirty="0">
-              <a:latin typeface="+mn-lt"/>
-              <a:ea typeface="Wingdings"/>
-              <a:cs typeface="Wingdings"/>
-              <a:sym typeface="Wingdings"/>
-            </a:endParaRPr>
-          </a:p>
-          <a:p>
-            <a:endParaRPr lang="en-US" dirty="0">
-              <a:latin typeface="+mn-lt"/>
-              <a:ea typeface="Wingdings"/>
-              <a:cs typeface="Wingdings"/>
-              <a:sym typeface="Wingdings"/>
-            </a:endParaRPr>
-          </a:p>
-          <a:p>
-            <a:r>
-              <a:rPr lang="en-US" dirty="0">
-                <a:latin typeface="+mn-lt"/>
-                <a:ea typeface="Wingdings"/>
-                <a:cs typeface="Wingdings"/>
-                <a:sym typeface="Wingdings"/>
-              </a:rPr>
-              <a:t>Constructing the parse tree by filling in the rightmost non-terminal</a:t>
-            </a:r>
-          </a:p>
-          <a:p>
-            <a:r>
-              <a:rPr lang="en-US" dirty="0">
-                <a:latin typeface="+mn-lt"/>
-                <a:ea typeface="Wingdings"/>
-                <a:cs typeface="Wingdings"/>
-                <a:sym typeface="Wingdings"/>
-              </a:rPr>
-              <a:t>at each step we obtain the </a:t>
-            </a:r>
-            <a:r>
-              <a:rPr lang="en-US" b="1" dirty="0">
-                <a:latin typeface="+mn-lt"/>
-                <a:ea typeface="Wingdings"/>
-                <a:cs typeface="Wingdings"/>
-                <a:sym typeface="Wingdings"/>
-              </a:rPr>
-              <a:t>right-most derivation.</a:t>
-            </a:r>
-            <a:r>
-              <a:rPr lang="en-US" dirty="0">
-                <a:latin typeface="+mn-lt"/>
-                <a:ea typeface="Wingdings"/>
-                <a:cs typeface="Wingdings"/>
-                <a:sym typeface="Wingdings"/>
-              </a:rPr>
-              <a:t> </a:t>
-            </a:r>
-          </a:p>
-        </p:txBody>
-      </p:sp>
-      <p:sp>
-        <p:nvSpPr>
-          <p:cNvPr id="3" name="TextBox 2"/>
-          <p:cNvSpPr txBox="1"/>
-          <p:nvPr/>
-        </p:nvSpPr>
-        <p:spPr>
-          <a:xfrm>
-            <a:off x="6477000" y="1292423"/>
-            <a:ext cx="841897" cy="307777"/>
-          </a:xfrm>
-          <a:prstGeom prst="rect">
-            <a:avLst/>
-          </a:prstGeom>
-          <a:noFill/>
-        </p:spPr>
-        <p:txBody>
-          <a:bodyPr wrap="none" rtlCol="0">
-            <a:spAutoFit/>
-          </a:bodyPr>
-          <a:lstStyle/>
-          <a:p>
-            <a:r>
-              <a:rPr lang="en-US" dirty="0" err="1"/>
-              <a:t>stmt_list</a:t>
-            </a:r>
-            <a:endParaRPr lang="en-US" dirty="0"/>
-          </a:p>
-        </p:txBody>
-      </p:sp>
-      <p:sp>
-        <p:nvSpPr>
-          <p:cNvPr id="15" name="TextBox 14"/>
-          <p:cNvSpPr txBox="1"/>
-          <p:nvPr/>
-        </p:nvSpPr>
-        <p:spPr>
-          <a:xfrm>
-            <a:off x="6778415" y="1902023"/>
-            <a:ext cx="308185" cy="307777"/>
-          </a:xfrm>
-          <a:prstGeom prst="rect">
-            <a:avLst/>
-          </a:prstGeom>
-          <a:noFill/>
-        </p:spPr>
-        <p:txBody>
-          <a:bodyPr wrap="none" rtlCol="0">
-            <a:spAutoFit/>
-          </a:bodyPr>
-          <a:lstStyle/>
-          <a:p>
-            <a:r>
-              <a:rPr lang="en-US" dirty="0"/>
-              <a:t>“”</a:t>
-            </a:r>
-          </a:p>
-        </p:txBody>
-      </p:sp>
-      <p:cxnSp>
-        <p:nvCxnSpPr>
-          <p:cNvPr id="19" name="Straight Connector 18"/>
-          <p:cNvCxnSpPr>
-            <a:stCxn id="6" idx="2"/>
-            <a:endCxn id="3" idx="0"/>
-          </p:cNvCxnSpPr>
-          <p:nvPr/>
-        </p:nvCxnSpPr>
-        <p:spPr bwMode="auto">
-          <a:xfrm>
-            <a:off x="6054925" y="764977"/>
-            <a:ext cx="843024" cy="527446"/>
-          </a:xfrm>
-          <a:prstGeom prst="line">
-            <a:avLst/>
-          </a:prstGeom>
-          <a:solidFill>
-            <a:schemeClr val="accent1"/>
-          </a:solidFill>
-          <a:ln w="9525" cap="flat" cmpd="sng" algn="ctr">
-            <a:solidFill>
-              <a:schemeClr val="tx1"/>
-            </a:solidFill>
-            <a:prstDash val="solid"/>
-            <a:round/>
-            <a:headEnd type="none" w="med" len="med"/>
-            <a:tailEnd type="none" w="med" len="med"/>
-          </a:ln>
-          <a:effectLst/>
-          <a:extLst>
-            <a:ext uri="{AF507438-7753-43e0-B8FC-AC1667EBCBE1}">
-              <a14:hiddenEffects xmlns="" xmlns:a14="http://schemas.microsoft.com/office/drawing/2010/main">
-                <a:effectLst>
-                  <a:outerShdw blurRad="63500" dist="38099" dir="2700000" algn="ctr" rotWithShape="0">
-                    <a:schemeClr val="bg2">
-                      <a:alpha val="74998"/>
-                    </a:schemeClr>
-                  </a:outerShdw>
-                </a:effectLst>
-              </a14:hiddenEffects>
-            </a:ext>
-          </a:extLst>
-        </p:spPr>
-      </p:cxnSp>
-      <p:cxnSp>
-        <p:nvCxnSpPr>
-          <p:cNvPr id="25" name="Straight Connector 24"/>
-          <p:cNvCxnSpPr>
-            <a:stCxn id="3" idx="2"/>
-            <a:endCxn id="15" idx="0"/>
-          </p:cNvCxnSpPr>
-          <p:nvPr/>
-        </p:nvCxnSpPr>
-        <p:spPr bwMode="auto">
-          <a:xfrm>
-            <a:off x="6897949" y="1600200"/>
-            <a:ext cx="34559" cy="301823"/>
-          </a:xfrm>
-          <a:prstGeom prst="line">
-            <a:avLst/>
-          </a:prstGeom>
-          <a:solidFill>
-            <a:schemeClr val="accent1"/>
-          </a:solidFill>
-          <a:ln w="9525" cap="flat" cmpd="sng" algn="ctr">
-            <a:solidFill>
-              <a:schemeClr val="tx1"/>
-            </a:solidFill>
-            <a:prstDash val="solid"/>
-            <a:round/>
-            <a:headEnd type="none" w="med" len="med"/>
-            <a:tailEnd type="none" w="med" len="med"/>
-          </a:ln>
-          <a:effectLst/>
-          <a:extLst>
-            <a:ext uri="{AF507438-7753-43e0-B8FC-AC1667EBCBE1}">
-              <a14:hiddenEffects xmlns="" xmlns:a14="http://schemas.microsoft.com/office/drawing/2010/main">
-                <a:effectLst>
-                  <a:outerShdw blurRad="63500" dist="38099" dir="2700000" algn="ctr" rotWithShape="0">
-                    <a:schemeClr val="bg2">
-                      <a:alpha val="74998"/>
-                    </a:schemeClr>
-                  </a:outerShdw>
-                </a:effectLst>
-              </a14:hiddenEffects>
-            </a:ext>
-          </a:extLst>
-        </p:spPr>
-      </p:cxnSp>
-      <p:sp>
-        <p:nvSpPr>
-          <p:cNvPr id="2" name="TextBox 1">
-            <a:extLst>
-              <a:ext uri="{FF2B5EF4-FFF2-40B4-BE49-F238E27FC236}">
-                <a16:creationId xmlns:a16="http://schemas.microsoft.com/office/drawing/2014/main" id="{6C53189A-791C-5A4F-8347-1F059EDB9A34}"/>
-              </a:ext>
-            </a:extLst>
-          </p:cNvPr>
-          <p:cNvSpPr txBox="1"/>
-          <p:nvPr/>
-        </p:nvSpPr>
-        <p:spPr>
-          <a:xfrm>
-            <a:off x="5879339" y="3194446"/>
-            <a:ext cx="284052" cy="307777"/>
-          </a:xfrm>
-          <a:prstGeom prst="rect">
-            <a:avLst/>
-          </a:prstGeom>
-          <a:noFill/>
-        </p:spPr>
-        <p:txBody>
-          <a:bodyPr wrap="none" rtlCol="0">
-            <a:spAutoFit/>
-          </a:bodyPr>
-          <a:lstStyle/>
-          <a:p>
-            <a:r>
-              <a:rPr lang="en-US" dirty="0"/>
-              <a:t>3</a:t>
-            </a:r>
-          </a:p>
-        </p:txBody>
-      </p:sp>
-      <p:cxnSp>
-        <p:nvCxnSpPr>
-          <p:cNvPr id="17" name="Straight Connector 16">
-            <a:extLst>
-              <a:ext uri="{FF2B5EF4-FFF2-40B4-BE49-F238E27FC236}">
-                <a16:creationId xmlns:a16="http://schemas.microsoft.com/office/drawing/2014/main" id="{C28DEA42-68A3-8B49-9C22-B6B47C0B5DBC}"/>
-              </a:ext>
-            </a:extLst>
-          </p:cNvPr>
-          <p:cNvCxnSpPr>
-            <a:cxnSpLocks/>
-            <a:stCxn id="2" idx="0"/>
-            <a:endCxn id="14" idx="2"/>
-          </p:cNvCxnSpPr>
-          <p:nvPr/>
-        </p:nvCxnSpPr>
-        <p:spPr bwMode="auto">
-          <a:xfrm flipH="1" flipV="1">
-            <a:off x="5981259" y="2901554"/>
-            <a:ext cx="40106" cy="292892"/>
-          </a:xfrm>
-          <a:prstGeom prst="line">
-            <a:avLst/>
-          </a:prstGeom>
-          <a:solidFill>
-            <a:schemeClr val="accent1"/>
-          </a:solidFill>
-          <a:ln w="9525" cap="flat" cmpd="sng" algn="ctr">
-            <a:solidFill>
-              <a:schemeClr val="tx1"/>
-            </a:solidFill>
-            <a:prstDash val="solid"/>
-            <a:round/>
-            <a:headEnd type="none" w="med" len="med"/>
-            <a:tailEnd type="none" w="med" len="med"/>
-          </a:ln>
-          <a:effectLst/>
-          <a:extLst>
-            <a:ext uri="{AF507438-7753-43e0-B8FC-AC1667EBCBE1}">
-              <a14:hiddenEffects xmlns:a14="http://schemas.microsoft.com/office/drawing/2010/main" xmlns="">
-                <a:effectLst>
-                  <a:outerShdw blurRad="63500" dist="38099" dir="2700000" algn="ctr" rotWithShape="0">
-                    <a:schemeClr val="bg2">
-                      <a:alpha val="74998"/>
-                    </a:schemeClr>
-                  </a:outerShdw>
-                </a:effectLst>
-              </a14:hiddenEffects>
-            </a:ext>
-          </a:extLst>
-        </p:spPr>
-      </p:cxnSp>
-      <p:sp>
-        <p:nvSpPr>
-          <p:cNvPr id="27" name="Text Box 4">
-            <a:extLst>
-              <a:ext uri="{FF2B5EF4-FFF2-40B4-BE49-F238E27FC236}">
-                <a16:creationId xmlns:a16="http://schemas.microsoft.com/office/drawing/2014/main" id="{E843ACC5-E151-2F4A-BB88-C7225A2C09F3}"/>
-              </a:ext>
-            </a:extLst>
-          </p:cNvPr>
-          <p:cNvSpPr txBox="1">
-            <a:spLocks noChangeArrowheads="1"/>
-          </p:cNvSpPr>
-          <p:nvPr/>
-        </p:nvSpPr>
-        <p:spPr bwMode="auto">
-          <a:xfrm>
-            <a:off x="302144" y="2812087"/>
-            <a:ext cx="2741844" cy="3046987"/>
-          </a:xfrm>
-          <a:prstGeom prst="rect">
-            <a:avLst/>
-          </a:prstGeom>
-          <a:noFill/>
-          <a:ln w="9525">
-            <a:solidFill>
-              <a:schemeClr val="tx1"/>
-            </a:solidFill>
-            <a:miter lim="800000"/>
-            <a:headEnd/>
-            <a:tailEnd/>
-          </a:ln>
-          <a:extLst>
-            <a:ext uri="{909E8E84-426E-40dd-AFC4-6F175D3DCCD1}">
-              <a14:hiddenFill xmlns="" xmlns:a14="http://schemas.microsoft.com/office/drawing/2010/main">
-                <a:solidFill>
-                  <a:schemeClr val="accent1"/>
-                </a:solidFill>
-              </a14:hiddenFill>
-            </a:ext>
-          </a:extLst>
-        </p:spPr>
-        <p:txBody>
-          <a:bodyPr wrap="square">
-            <a:spAutoFit/>
-          </a:bodyPr>
-          <a:lstStyle/>
-          <a:p>
-            <a:r>
-              <a:rPr lang="da-DK" sz="1200" dirty="0" err="1"/>
-              <a:t>stmt_list</a:t>
-            </a:r>
-            <a:r>
-              <a:rPr lang="da-DK" sz="1200" dirty="0"/>
-              <a:t> : </a:t>
-            </a:r>
-            <a:r>
-              <a:rPr lang="da-DK" sz="1200" dirty="0" err="1"/>
-              <a:t>stmt</a:t>
-            </a:r>
-            <a:r>
-              <a:rPr lang="da-DK" sz="1200" dirty="0"/>
-              <a:t> </a:t>
-            </a:r>
-            <a:r>
-              <a:rPr lang="da-DK" sz="1200" dirty="0" err="1"/>
-              <a:t>stmt_list</a:t>
-            </a:r>
-            <a:endParaRPr lang="da-DK" sz="1200" dirty="0"/>
-          </a:p>
-          <a:p>
-            <a:r>
-              <a:rPr lang="da-DK" sz="1200" dirty="0"/>
-              <a:t>               | ""</a:t>
-            </a:r>
-          </a:p>
-          <a:p>
-            <a:r>
-              <a:rPr lang="da-DK" sz="1200" dirty="0"/>
-              <a:t>          </a:t>
-            </a:r>
-          </a:p>
-          <a:p>
-            <a:r>
-              <a:rPr lang="da-DK" sz="1200" dirty="0" err="1"/>
-              <a:t>stmt</a:t>
-            </a:r>
-            <a:r>
-              <a:rPr lang="da-DK" sz="1200" dirty="0"/>
-              <a:t> : p </a:t>
-            </a:r>
-            <a:r>
-              <a:rPr lang="da-DK" sz="1200" dirty="0" err="1"/>
-              <a:t>exp</a:t>
-            </a:r>
-            <a:r>
-              <a:rPr lang="da-DK" sz="1200" dirty="0"/>
-              <a:t> ;</a:t>
-            </a:r>
-          </a:p>
-          <a:p>
-            <a:r>
-              <a:rPr lang="da-DK" sz="1200" dirty="0"/>
-              <a:t>        | s var </a:t>
-            </a:r>
-            <a:r>
-              <a:rPr lang="da-DK" sz="1200" dirty="0" err="1"/>
-              <a:t>exp</a:t>
-            </a:r>
-            <a:r>
-              <a:rPr lang="da-DK" sz="1200" dirty="0"/>
-              <a:t> ;</a:t>
-            </a:r>
-          </a:p>
-          <a:p>
-            <a:r>
-              <a:rPr lang="da-DK" sz="1200" dirty="0"/>
-              <a:t>     </a:t>
-            </a:r>
-          </a:p>
-          <a:p>
-            <a:r>
-              <a:rPr lang="da-DK" sz="1200" dirty="0" err="1"/>
-              <a:t>exp</a:t>
-            </a:r>
-            <a:r>
-              <a:rPr lang="da-DK" sz="1200" dirty="0"/>
-              <a:t> : + </a:t>
-            </a:r>
-            <a:r>
-              <a:rPr lang="da-DK" sz="1200" dirty="0" err="1"/>
-              <a:t>exp</a:t>
-            </a:r>
-            <a:r>
-              <a:rPr lang="da-DK" sz="1200" dirty="0"/>
-              <a:t> </a:t>
-            </a:r>
-            <a:r>
-              <a:rPr lang="da-DK" sz="1200" dirty="0" err="1"/>
-              <a:t>exp</a:t>
-            </a:r>
-            <a:endParaRPr lang="da-DK" sz="1200" dirty="0"/>
-          </a:p>
-          <a:p>
-            <a:r>
-              <a:rPr lang="da-DK" sz="1200" dirty="0"/>
-              <a:t>       | - </a:t>
-            </a:r>
-            <a:r>
-              <a:rPr lang="da-DK" sz="1200" dirty="0" err="1"/>
-              <a:t>exp</a:t>
-            </a:r>
-            <a:r>
-              <a:rPr lang="da-DK" sz="1200" dirty="0"/>
-              <a:t> </a:t>
-            </a:r>
-            <a:r>
-              <a:rPr lang="da-DK" sz="1200" dirty="0" err="1"/>
-              <a:t>exp</a:t>
-            </a:r>
-            <a:endParaRPr lang="da-DK" sz="1200" dirty="0"/>
-          </a:p>
-          <a:p>
-            <a:r>
-              <a:rPr lang="da-DK" sz="1200" dirty="0"/>
-              <a:t>       | \( exp \)</a:t>
-            </a:r>
-          </a:p>
-          <a:p>
-            <a:r>
-              <a:rPr lang="da-DK" sz="1200" dirty="0"/>
-              <a:t>       | var</a:t>
-            </a:r>
-          </a:p>
-          <a:p>
-            <a:r>
-              <a:rPr lang="da-DK" sz="1200" dirty="0"/>
-              <a:t>       | </a:t>
-            </a:r>
-            <a:r>
-              <a:rPr lang="da-DK" sz="1200" dirty="0" err="1"/>
-              <a:t>num</a:t>
-            </a:r>
-            <a:endParaRPr lang="da-DK" sz="1200" dirty="0"/>
-          </a:p>
-          <a:p>
-            <a:r>
-              <a:rPr lang="da-DK" sz="1200" dirty="0"/>
-              <a:t>	</a:t>
-            </a:r>
-          </a:p>
-          <a:p>
-            <a:r>
-              <a:rPr lang="da-DK" sz="1200" dirty="0"/>
-              <a:t>var : x | y | z</a:t>
-            </a:r>
-          </a:p>
-          <a:p>
-            <a:endParaRPr lang="da-DK" sz="1200" dirty="0"/>
-          </a:p>
-          <a:p>
-            <a:r>
-              <a:rPr lang="da-DK" sz="1200" dirty="0" err="1"/>
-              <a:t>num</a:t>
-            </a:r>
-            <a:r>
-              <a:rPr lang="da-DK" sz="1200" dirty="0"/>
-              <a:t> : 0 | 1 | 2 | 3 | 4 | 5 | 6 | 7 | 8 |9</a:t>
-            </a:r>
-          </a:p>
-          <a:p>
-            <a:endParaRPr lang="da-DK" sz="1200" dirty="0"/>
+              <a:t>We can show that a sentence belongs to the language by constructing a derivation or a parse tree starting at the start symbol</a:t>
+            </a:r>
           </a:p>
         </p:txBody>
       </p:sp>
     </p:spTree>
-    <p:extLst>
-      <p:ext uri="{BB962C8B-B14F-4D97-AF65-F5344CB8AC3E}">
-        <p14:creationId xmlns:p14="http://schemas.microsoft.com/office/powerpoint/2010/main" val="3484949466"/>
-      </p:ext>
-    </p:extLst>
   </p:cSld>
   <p:clrMapOvr>
     <a:masterClrMapping/>
@@ -18899,7 +18991,7 @@
         <a:effectLst/>
         <a:extLst>
           <a:ext uri="{AF507438-7753-43e0-B8FC-AC1667EBCBE1}">
-            <a14:hiddenEffects xmlns="" xmlns:a14="http://schemas.microsoft.com/office/drawing/2010/main">
+            <a14:hiddenEffects xmlns:a14="http://schemas.microsoft.com/office/drawing/2010/main" xmlns="">
               <a:effectLst>
                 <a:outerShdw blurRad="63500" dist="38099" dir="2700000" algn="ctr" rotWithShape="0">
                   <a:schemeClr val="bg2">
@@ -18976,7 +19068,7 @@
         <a:effectLst/>
         <a:extLst>
           <a:ext uri="{AF507438-7753-43e0-B8FC-AC1667EBCBE1}">
-            <a14:hiddenEffects xmlns="" xmlns:a14="http://schemas.microsoft.com/office/drawing/2010/main">
+            <a14:hiddenEffects xmlns:a14="http://schemas.microsoft.com/office/drawing/2010/main" xmlns="">
               <a:effectLst>
                 <a:outerShdw blurRad="63500" dist="38099" dir="2700000" algn="ctr" rotWithShape="0">
                   <a:schemeClr val="bg2">

--- a/notes/csc402-ln002.pptx
+++ b/notes/csc402-ln002.pptx
@@ -5,7 +5,7 @@
     <p:sldMasterId id="2147483649" r:id="rId1"/>
   </p:sldMasterIdLst>
   <p:notesMasterIdLst>
-    <p:notesMasterId r:id="rId35"/>
+    <p:notesMasterId r:id="rId36"/>
   </p:notesMasterIdLst>
   <p:sldIdLst>
     <p:sldId id="276" r:id="rId2"/>
@@ -37,10 +37,11 @@
     <p:sldId id="269" r:id="rId28"/>
     <p:sldId id="289" r:id="rId29"/>
     <p:sldId id="290" r:id="rId30"/>
-    <p:sldId id="293" r:id="rId31"/>
-    <p:sldId id="291" r:id="rId32"/>
-    <p:sldId id="292" r:id="rId33"/>
-    <p:sldId id="273" r:id="rId34"/>
+    <p:sldId id="295" r:id="rId31"/>
+    <p:sldId id="293" r:id="rId32"/>
+    <p:sldId id="291" r:id="rId33"/>
+    <p:sldId id="292" r:id="rId34"/>
+    <p:sldId id="273" r:id="rId35"/>
   </p:sldIdLst>
   <p:sldSz cx="9144000" cy="6858000" type="screen4x3"/>
   <p:notesSz cx="6858000" cy="9144000"/>
@@ -237,17 +238,17 @@
           </a:ln>
           <a:extLst>
             <a:ext uri="{FAA26D3D-D897-4be2-8F04-BA451C77F1D7}">
-              <ma14:placeholderFlag xmlns="" xmlns:ma14="http://schemas.microsoft.com/office/mac/drawingml/2011/main" val="1"/>
+              <ma14:placeholderFlag xmlns:ma14="http://schemas.microsoft.com/office/mac/drawingml/2011/main" xmlns="" val="1"/>
             </a:ext>
             <a:ext uri="{909E8E84-426E-40dd-AFC4-6F175D3DCCD1}">
-              <a14:hiddenFill xmlns:a14="http://schemas.microsoft.com/office/drawing/2010/main" xmlns="">
+              <a14:hiddenFill xmlns="" xmlns:a14="http://schemas.microsoft.com/office/drawing/2010/main">
                 <a:solidFill>
                   <a:schemeClr val="accent1"/>
                 </a:solidFill>
               </a14:hiddenFill>
             </a:ext>
             <a:ext uri="{91240B29-F687-4f45-9708-019B960494DF}">
-              <a14:hiddenLine xmlns:a14="http://schemas.microsoft.com/office/drawing/2010/main" xmlns="" w="9525">
+              <a14:hiddenLine xmlns="" xmlns:a14="http://schemas.microsoft.com/office/drawing/2010/main" w="9525">
                 <a:solidFill>
                   <a:schemeClr val="tx1"/>
                 </a:solidFill>
@@ -298,17 +299,17 @@
           </a:ln>
           <a:extLst>
             <a:ext uri="{FAA26D3D-D897-4be2-8F04-BA451C77F1D7}">
-              <ma14:placeholderFlag xmlns="" xmlns:ma14="http://schemas.microsoft.com/office/mac/drawingml/2011/main" val="1"/>
+              <ma14:placeholderFlag xmlns:ma14="http://schemas.microsoft.com/office/mac/drawingml/2011/main" xmlns="" val="1"/>
             </a:ext>
             <a:ext uri="{909E8E84-426E-40dd-AFC4-6F175D3DCCD1}">
-              <a14:hiddenFill xmlns:a14="http://schemas.microsoft.com/office/drawing/2010/main" xmlns="">
+              <a14:hiddenFill xmlns="" xmlns:a14="http://schemas.microsoft.com/office/drawing/2010/main">
                 <a:solidFill>
                   <a:schemeClr val="accent1"/>
                 </a:solidFill>
               </a14:hiddenFill>
             </a:ext>
             <a:ext uri="{91240B29-F687-4f45-9708-019B960494DF}">
-              <a14:hiddenLine xmlns:a14="http://schemas.microsoft.com/office/drawing/2010/main" xmlns="" w="9525">
+              <a14:hiddenLine xmlns="" xmlns:a14="http://schemas.microsoft.com/office/drawing/2010/main" w="9525">
                 <a:solidFill>
                   <a:schemeClr val="tx1"/>
                 </a:solidFill>
@@ -365,7 +366,7 @@
           <a:effectLst/>
           <a:extLst>
             <a:ext uri="{AF507438-7753-43e0-B8FC-AC1667EBCBE1}">
-              <a14:hiddenEffects xmlns:a14="http://schemas.microsoft.com/office/drawing/2010/main" xmlns="">
+              <a14:hiddenEffects xmlns="" xmlns:a14="http://schemas.microsoft.com/office/drawing/2010/main">
                 <a:effectLst>
                   <a:outerShdw blurRad="63500" dist="38099" dir="2700000" algn="ctr" rotWithShape="0">
                     <a:srgbClr val="000000">
@@ -376,7 +377,7 @@
               </a14:hiddenEffects>
             </a:ext>
             <a:ext uri="{53640926-AAD7-44d8-BBD7-CCE9431645EC}">
-              <a14:shadowObscured xmlns:a14="http://schemas.microsoft.com/office/drawing/2010/main" xmlns="" val="1"/>
+              <a14:shadowObscured xmlns="" xmlns:a14="http://schemas.microsoft.com/office/drawing/2010/main" val="1"/>
             </a:ext>
           </a:extLst>
         </p:spPr>
@@ -405,17 +406,17 @@
           </a:ln>
           <a:extLst>
             <a:ext uri="{FAA26D3D-D897-4be2-8F04-BA451C77F1D7}">
-              <ma14:placeholderFlag xmlns="" xmlns:ma14="http://schemas.microsoft.com/office/mac/drawingml/2011/main" val="1"/>
+              <ma14:placeholderFlag xmlns:ma14="http://schemas.microsoft.com/office/mac/drawingml/2011/main" xmlns="" val="1"/>
             </a:ext>
             <a:ext uri="{909E8E84-426E-40dd-AFC4-6F175D3DCCD1}">
-              <a14:hiddenFill xmlns:a14="http://schemas.microsoft.com/office/drawing/2010/main" xmlns="">
+              <a14:hiddenFill xmlns="" xmlns:a14="http://schemas.microsoft.com/office/drawing/2010/main">
                 <a:solidFill>
                   <a:schemeClr val="accent1"/>
                 </a:solidFill>
               </a14:hiddenFill>
             </a:ext>
             <a:ext uri="{91240B29-F687-4f45-9708-019B960494DF}">
-              <a14:hiddenLine xmlns:a14="http://schemas.microsoft.com/office/drawing/2010/main" xmlns="" w="9525">
+              <a14:hiddenLine xmlns="" xmlns:a14="http://schemas.microsoft.com/office/drawing/2010/main" w="9525">
                 <a:solidFill>
                   <a:schemeClr val="tx1"/>
                 </a:solidFill>
@@ -494,17 +495,17 @@
           </a:ln>
           <a:extLst>
             <a:ext uri="{FAA26D3D-D897-4be2-8F04-BA451C77F1D7}">
-              <ma14:placeholderFlag xmlns="" xmlns:ma14="http://schemas.microsoft.com/office/mac/drawingml/2011/main" val="1"/>
+              <ma14:placeholderFlag xmlns:ma14="http://schemas.microsoft.com/office/mac/drawingml/2011/main" xmlns="" val="1"/>
             </a:ext>
             <a:ext uri="{909E8E84-426E-40dd-AFC4-6F175D3DCCD1}">
-              <a14:hiddenFill xmlns:a14="http://schemas.microsoft.com/office/drawing/2010/main" xmlns="">
+              <a14:hiddenFill xmlns="" xmlns:a14="http://schemas.microsoft.com/office/drawing/2010/main">
                 <a:solidFill>
                   <a:schemeClr val="accent1"/>
                 </a:solidFill>
               </a14:hiddenFill>
             </a:ext>
             <a:ext uri="{91240B29-F687-4f45-9708-019B960494DF}">
-              <a14:hiddenLine xmlns:a14="http://schemas.microsoft.com/office/drawing/2010/main" xmlns="" w="9525">
+              <a14:hiddenLine xmlns="" xmlns:a14="http://schemas.microsoft.com/office/drawing/2010/main" w="9525">
                 <a:solidFill>
                   <a:schemeClr val="tx1"/>
                 </a:solidFill>
@@ -555,17 +556,17 @@
           </a:ln>
           <a:extLst>
             <a:ext uri="{FAA26D3D-D897-4be2-8F04-BA451C77F1D7}">
-              <ma14:placeholderFlag xmlns="" xmlns:ma14="http://schemas.microsoft.com/office/mac/drawingml/2011/main" val="1"/>
+              <ma14:placeholderFlag xmlns:ma14="http://schemas.microsoft.com/office/mac/drawingml/2011/main" xmlns="" val="1"/>
             </a:ext>
             <a:ext uri="{909E8E84-426E-40dd-AFC4-6F175D3DCCD1}">
-              <a14:hiddenFill xmlns:a14="http://schemas.microsoft.com/office/drawing/2010/main" xmlns="">
+              <a14:hiddenFill xmlns="" xmlns:a14="http://schemas.microsoft.com/office/drawing/2010/main">
                 <a:solidFill>
                   <a:schemeClr val="accent1"/>
                 </a:solidFill>
               </a14:hiddenFill>
             </a:ext>
             <a:ext uri="{91240B29-F687-4f45-9708-019B960494DF}">
-              <a14:hiddenLine xmlns:a14="http://schemas.microsoft.com/office/drawing/2010/main" xmlns="" w="9525">
+              <a14:hiddenLine xmlns="" xmlns:a14="http://schemas.microsoft.com/office/drawing/2010/main" w="9525">
                 <a:solidFill>
                   <a:schemeClr val="tx1"/>
                 </a:solidFill>
@@ -787,7 +788,7 @@
           <a:ln/>
           <a:extLst>
             <a:ext uri="{FAA26D3D-D897-4be2-8F04-BA451C77F1D7}">
-              <ma14:placeholderFlag xmlns="" xmlns:ma14="http://schemas.microsoft.com/office/mac/drawingml/2011/main" val="1"/>
+              <ma14:placeholderFlag xmlns:ma14="http://schemas.microsoft.com/office/mac/drawingml/2011/main" xmlns="" val="1"/>
             </a:ext>
           </a:extLst>
         </p:spPr>
@@ -876,7 +877,7 @@
           <a:ln/>
           <a:extLst>
             <a:ext uri="{FAA26D3D-D897-4be2-8F04-BA451C77F1D7}">
-              <ma14:placeholderFlag xmlns="" xmlns:ma14="http://schemas.microsoft.com/office/mac/drawingml/2011/main" val="1"/>
+              <ma14:placeholderFlag xmlns:ma14="http://schemas.microsoft.com/office/mac/drawingml/2011/main" xmlns="" val="1"/>
             </a:ext>
           </a:extLst>
         </p:spPr>
@@ -965,7 +966,7 @@
           <a:ln/>
           <a:extLst>
             <a:ext uri="{FAA26D3D-D897-4be2-8F04-BA451C77F1D7}">
-              <ma14:placeholderFlag xmlns="" xmlns:ma14="http://schemas.microsoft.com/office/mac/drawingml/2011/main" val="1"/>
+              <ma14:placeholderFlag xmlns:ma14="http://schemas.microsoft.com/office/mac/drawingml/2011/main" xmlns="" val="1"/>
             </a:ext>
           </a:extLst>
         </p:spPr>
@@ -1054,7 +1055,7 @@
           <a:ln/>
           <a:extLst>
             <a:ext uri="{FAA26D3D-D897-4be2-8F04-BA451C77F1D7}">
-              <ma14:placeholderFlag xmlns="" xmlns:ma14="http://schemas.microsoft.com/office/mac/drawingml/2011/main" val="1"/>
+              <ma14:placeholderFlag xmlns:ma14="http://schemas.microsoft.com/office/mac/drawingml/2011/main" xmlns="" val="1"/>
             </a:ext>
           </a:extLst>
         </p:spPr>
@@ -1143,7 +1144,7 @@
           <a:ln/>
           <a:extLst>
             <a:ext uri="{FAA26D3D-D897-4be2-8F04-BA451C77F1D7}">
-              <ma14:placeholderFlag xmlns="" xmlns:ma14="http://schemas.microsoft.com/office/mac/drawingml/2011/main" val="1"/>
+              <ma14:placeholderFlag xmlns:ma14="http://schemas.microsoft.com/office/mac/drawingml/2011/main" xmlns="" val="1"/>
             </a:ext>
           </a:extLst>
         </p:spPr>
@@ -1232,7 +1233,7 @@
           <a:ln/>
           <a:extLst>
             <a:ext uri="{FAA26D3D-D897-4be2-8F04-BA451C77F1D7}">
-              <ma14:placeholderFlag xmlns="" xmlns:ma14="http://schemas.microsoft.com/office/mac/drawingml/2011/main" val="1"/>
+              <ma14:placeholderFlag xmlns:ma14="http://schemas.microsoft.com/office/mac/drawingml/2011/main" xmlns="" val="1"/>
             </a:ext>
           </a:extLst>
         </p:spPr>
@@ -1321,7 +1322,7 @@
           <a:ln/>
           <a:extLst>
             <a:ext uri="{FAA26D3D-D897-4be2-8F04-BA451C77F1D7}">
-              <ma14:placeholderFlag xmlns="" xmlns:ma14="http://schemas.microsoft.com/office/mac/drawingml/2011/main" val="1"/>
+              <ma14:placeholderFlag xmlns:ma14="http://schemas.microsoft.com/office/mac/drawingml/2011/main" xmlns="" val="1"/>
             </a:ext>
           </a:extLst>
         </p:spPr>
@@ -1410,7 +1411,7 @@
           <a:ln/>
           <a:extLst>
             <a:ext uri="{FAA26D3D-D897-4be2-8F04-BA451C77F1D7}">
-              <ma14:placeholderFlag xmlns="" xmlns:ma14="http://schemas.microsoft.com/office/mac/drawingml/2011/main" val="1"/>
+              <ma14:placeholderFlag xmlns:ma14="http://schemas.microsoft.com/office/mac/drawingml/2011/main" xmlns="" val="1"/>
             </a:ext>
           </a:extLst>
         </p:spPr>
@@ -1499,7 +1500,7 @@
           <a:ln/>
           <a:extLst>
             <a:ext uri="{FAA26D3D-D897-4be2-8F04-BA451C77F1D7}">
-              <ma14:placeholderFlag xmlns="" xmlns:ma14="http://schemas.microsoft.com/office/mac/drawingml/2011/main" val="1"/>
+              <ma14:placeholderFlag xmlns:ma14="http://schemas.microsoft.com/office/mac/drawingml/2011/main" xmlns="" val="1"/>
             </a:ext>
           </a:extLst>
         </p:spPr>
@@ -1568,7 +1569,7 @@
             <a:fld id="{C4563DD0-9C28-644C-BF19-35289DCA5972}" type="slidenum">
               <a:rPr lang="en-US"/>
               <a:pPr/>
-              <a:t>33</a:t>
+              <a:t>34</a:t>
             </a:fld>
             <a:endParaRPr lang="en-US"/>
           </a:p>
@@ -1588,7 +1589,7 @@
           <a:ln/>
           <a:extLst>
             <a:ext uri="{FAA26D3D-D897-4be2-8F04-BA451C77F1D7}">
-              <ma14:placeholderFlag xmlns="" xmlns:ma14="http://schemas.microsoft.com/office/mac/drawingml/2011/main" val="1"/>
+              <ma14:placeholderFlag xmlns:ma14="http://schemas.microsoft.com/office/mac/drawingml/2011/main" xmlns="" val="1"/>
             </a:ext>
           </a:extLst>
         </p:spPr>
@@ -1677,7 +1678,7 @@
           <a:ln/>
           <a:extLst>
             <a:ext uri="{FAA26D3D-D897-4be2-8F04-BA451C77F1D7}">
-              <ma14:placeholderFlag xmlns="" xmlns:ma14="http://schemas.microsoft.com/office/mac/drawingml/2011/main" val="1"/>
+              <ma14:placeholderFlag xmlns:ma14="http://schemas.microsoft.com/office/mac/drawingml/2011/main" xmlns="" val="1"/>
             </a:ext>
           </a:extLst>
         </p:spPr>
@@ -1766,7 +1767,7 @@
           <a:ln/>
           <a:extLst>
             <a:ext uri="{FAA26D3D-D897-4be2-8F04-BA451C77F1D7}">
-              <ma14:placeholderFlag xmlns="" xmlns:ma14="http://schemas.microsoft.com/office/mac/drawingml/2011/main" val="1"/>
+              <ma14:placeholderFlag xmlns:ma14="http://schemas.microsoft.com/office/mac/drawingml/2011/main" xmlns="" val="1"/>
             </a:ext>
           </a:extLst>
         </p:spPr>
@@ -1855,7 +1856,7 @@
           <a:ln/>
           <a:extLst>
             <a:ext uri="{FAA26D3D-D897-4be2-8F04-BA451C77F1D7}">
-              <ma14:placeholderFlag xmlns="" xmlns:ma14="http://schemas.microsoft.com/office/mac/drawingml/2011/main" val="1"/>
+              <ma14:placeholderFlag xmlns:ma14="http://schemas.microsoft.com/office/mac/drawingml/2011/main" xmlns="" val="1"/>
             </a:ext>
           </a:extLst>
         </p:spPr>
@@ -1944,7 +1945,7 @@
           <a:ln/>
           <a:extLst>
             <a:ext uri="{FAA26D3D-D897-4be2-8F04-BA451C77F1D7}">
-              <ma14:placeholderFlag xmlns="" xmlns:ma14="http://schemas.microsoft.com/office/mac/drawingml/2011/main" val="1"/>
+              <ma14:placeholderFlag xmlns:ma14="http://schemas.microsoft.com/office/mac/drawingml/2011/main" xmlns="" val="1"/>
             </a:ext>
           </a:extLst>
         </p:spPr>
@@ -2033,7 +2034,7 @@
           <a:ln/>
           <a:extLst>
             <a:ext uri="{FAA26D3D-D897-4be2-8F04-BA451C77F1D7}">
-              <ma14:placeholderFlag xmlns="" xmlns:ma14="http://schemas.microsoft.com/office/mac/drawingml/2011/main" val="1"/>
+              <ma14:placeholderFlag xmlns:ma14="http://schemas.microsoft.com/office/mac/drawingml/2011/main" xmlns="" val="1"/>
             </a:ext>
           </a:extLst>
         </p:spPr>
@@ -2122,7 +2123,7 @@
           <a:ln/>
           <a:extLst>
             <a:ext uri="{FAA26D3D-D897-4be2-8F04-BA451C77F1D7}">
-              <ma14:placeholderFlag xmlns="" xmlns:ma14="http://schemas.microsoft.com/office/mac/drawingml/2011/main" val="1"/>
+              <ma14:placeholderFlag xmlns:ma14="http://schemas.microsoft.com/office/mac/drawingml/2011/main" xmlns="" val="1"/>
             </a:ext>
           </a:extLst>
         </p:spPr>
@@ -2211,7 +2212,7 @@
           <a:ln/>
           <a:extLst>
             <a:ext uri="{FAA26D3D-D897-4be2-8F04-BA451C77F1D7}">
-              <ma14:placeholderFlag xmlns="" xmlns:ma14="http://schemas.microsoft.com/office/mac/drawingml/2011/main" val="1"/>
+              <ma14:placeholderFlag xmlns:ma14="http://schemas.microsoft.com/office/mac/drawingml/2011/main" xmlns="" val="1"/>
             </a:ext>
           </a:extLst>
         </p:spPr>
@@ -2324,7 +2325,7 @@
           </a:ln>
           <a:extLst>
             <a:ext uri="{FAA26D3D-D897-4be2-8F04-BA451C77F1D7}">
-              <ma14:placeholderFlag xmlns="" xmlns:ma14="http://schemas.microsoft.com/office/mac/drawingml/2011/main" val="1"/>
+              <ma14:placeholderFlag xmlns:ma14="http://schemas.microsoft.com/office/mac/drawingml/2011/main" xmlns="" val="1"/>
             </a:ext>
           </a:extLst>
         </p:spPr>
@@ -2360,7 +2361,7 @@
           </a:ln>
           <a:extLst>
             <a:ext uri="{FAA26D3D-D897-4be2-8F04-BA451C77F1D7}">
-              <ma14:placeholderFlag xmlns="" xmlns:ma14="http://schemas.microsoft.com/office/mac/drawingml/2011/main" val="1"/>
+              <ma14:placeholderFlag xmlns:ma14="http://schemas.microsoft.com/office/mac/drawingml/2011/main" xmlns="" val="1"/>
             </a:ext>
           </a:extLst>
         </p:spPr>
@@ -2425,12 +2426,12 @@
           <a:effectLst/>
           <a:extLst>
             <a:ext uri="{909E8E84-426E-40dd-AFC4-6F175D3DCCD1}">
-              <a14:hiddenFill xmlns:a14="http://schemas.microsoft.com/office/drawing/2010/main" xmlns="">
+              <a14:hiddenFill xmlns="" xmlns:a14="http://schemas.microsoft.com/office/drawing/2010/main">
                 <a:noFill/>
               </a14:hiddenFill>
             </a:ext>
             <a:ext uri="{AF507438-7753-43e0-B8FC-AC1667EBCBE1}">
-              <a14:hiddenEffects xmlns:a14="http://schemas.microsoft.com/office/drawing/2010/main" xmlns="">
+              <a14:hiddenEffects xmlns="" xmlns:a14="http://schemas.microsoft.com/office/drawing/2010/main">
                 <a:effectLst>
                   <a:outerShdw blurRad="63500" dist="38099" dir="2700000" algn="ctr" rotWithShape="0">
                     <a:schemeClr val="bg2">
@@ -2631,7 +2632,7 @@
             <a:effectLst/>
             <a:extLst>
               <a:ext uri="{91240B29-F687-4f45-9708-019B960494DF}">
-                <a14:hiddenLine xmlns:a14="http://schemas.microsoft.com/office/drawing/2010/main" xmlns="" w="9525">
+                <a14:hiddenLine xmlns="" xmlns:a14="http://schemas.microsoft.com/office/drawing/2010/main" w="9525">
                   <a:solidFill>
                     <a:schemeClr val="tx1"/>
                   </a:solidFill>
@@ -2641,7 +2642,7 @@
                 </a14:hiddenLine>
               </a:ext>
               <a:ext uri="{AF507438-7753-43e0-B8FC-AC1667EBCBE1}">
-                <a14:hiddenEffects xmlns:a14="http://schemas.microsoft.com/office/drawing/2010/main" xmlns="">
+                <a14:hiddenEffects xmlns="" xmlns:a14="http://schemas.microsoft.com/office/drawing/2010/main">
                   <a:effectLst>
                     <a:outerShdw blurRad="63500" dist="38099" dir="2700000" algn="ctr" rotWithShape="0">
                       <a:schemeClr val="bg2">
@@ -2686,7 +2687,7 @@
             <a:effectLst/>
             <a:extLst>
               <a:ext uri="{91240B29-F687-4f45-9708-019B960494DF}">
-                <a14:hiddenLine xmlns:a14="http://schemas.microsoft.com/office/drawing/2010/main" xmlns="" w="9525">
+                <a14:hiddenLine xmlns="" xmlns:a14="http://schemas.microsoft.com/office/drawing/2010/main" w="9525">
                   <a:solidFill>
                     <a:schemeClr val="tx1"/>
                   </a:solidFill>
@@ -2696,7 +2697,7 @@
                 </a14:hiddenLine>
               </a:ext>
               <a:ext uri="{AF507438-7753-43e0-B8FC-AC1667EBCBE1}">
-                <a14:hiddenEffects xmlns:a14="http://schemas.microsoft.com/office/drawing/2010/main" xmlns="">
+                <a14:hiddenEffects xmlns="" xmlns:a14="http://schemas.microsoft.com/office/drawing/2010/main">
                   <a:effectLst>
                     <a:outerShdw blurRad="63500" dist="38099" dir="2700000" algn="ctr" rotWithShape="0">
                       <a:schemeClr val="bg2">
@@ -2741,7 +2742,7 @@
             <a:effectLst/>
             <a:extLst>
               <a:ext uri="{91240B29-F687-4f45-9708-019B960494DF}">
-                <a14:hiddenLine xmlns:a14="http://schemas.microsoft.com/office/drawing/2010/main" xmlns="" w="9525">
+                <a14:hiddenLine xmlns="" xmlns:a14="http://schemas.microsoft.com/office/drawing/2010/main" w="9525">
                   <a:solidFill>
                     <a:schemeClr val="tx1"/>
                   </a:solidFill>
@@ -2751,7 +2752,7 @@
                 </a14:hiddenLine>
               </a:ext>
               <a:ext uri="{AF507438-7753-43e0-B8FC-AC1667EBCBE1}">
-                <a14:hiddenEffects xmlns:a14="http://schemas.microsoft.com/office/drawing/2010/main" xmlns="">
+                <a14:hiddenEffects xmlns="" xmlns:a14="http://schemas.microsoft.com/office/drawing/2010/main">
                   <a:effectLst>
                     <a:outerShdw blurRad="63500" dist="38099" dir="2700000" algn="ctr" rotWithShape="0">
                       <a:schemeClr val="bg2">
@@ -2796,7 +2797,7 @@
             <a:effectLst/>
             <a:extLst>
               <a:ext uri="{91240B29-F687-4f45-9708-019B960494DF}">
-                <a14:hiddenLine xmlns:a14="http://schemas.microsoft.com/office/drawing/2010/main" xmlns="" w="9525">
+                <a14:hiddenLine xmlns="" xmlns:a14="http://schemas.microsoft.com/office/drawing/2010/main" w="9525">
                   <a:solidFill>
                     <a:schemeClr val="tx1"/>
                   </a:solidFill>
@@ -2806,7 +2807,7 @@
                 </a14:hiddenLine>
               </a:ext>
               <a:ext uri="{AF507438-7753-43e0-B8FC-AC1667EBCBE1}">
-                <a14:hiddenEffects xmlns:a14="http://schemas.microsoft.com/office/drawing/2010/main" xmlns="">
+                <a14:hiddenEffects xmlns="" xmlns:a14="http://schemas.microsoft.com/office/drawing/2010/main">
                   <a:effectLst>
                     <a:outerShdw blurRad="63500" dist="38099" dir="2700000" algn="ctr" rotWithShape="0">
                       <a:schemeClr val="bg2">
@@ -2851,7 +2852,7 @@
             <a:effectLst/>
             <a:extLst>
               <a:ext uri="{91240B29-F687-4f45-9708-019B960494DF}">
-                <a14:hiddenLine xmlns:a14="http://schemas.microsoft.com/office/drawing/2010/main" xmlns="" w="9525">
+                <a14:hiddenLine xmlns="" xmlns:a14="http://schemas.microsoft.com/office/drawing/2010/main" w="9525">
                   <a:solidFill>
                     <a:schemeClr val="tx1"/>
                   </a:solidFill>
@@ -2861,7 +2862,7 @@
                 </a14:hiddenLine>
               </a:ext>
               <a:ext uri="{AF507438-7753-43e0-B8FC-AC1667EBCBE1}">
-                <a14:hiddenEffects xmlns:a14="http://schemas.microsoft.com/office/drawing/2010/main" xmlns="">
+                <a14:hiddenEffects xmlns="" xmlns:a14="http://schemas.microsoft.com/office/drawing/2010/main">
                   <a:effectLst>
                     <a:outerShdw blurRad="63500" dist="38099" dir="2700000" algn="ctr" rotWithShape="0">
                       <a:schemeClr val="bg2">
@@ -2906,7 +2907,7 @@
             <a:effectLst/>
             <a:extLst>
               <a:ext uri="{91240B29-F687-4f45-9708-019B960494DF}">
-                <a14:hiddenLine xmlns:a14="http://schemas.microsoft.com/office/drawing/2010/main" xmlns="" w="9525">
+                <a14:hiddenLine xmlns="" xmlns:a14="http://schemas.microsoft.com/office/drawing/2010/main" w="9525">
                   <a:solidFill>
                     <a:schemeClr val="tx1"/>
                   </a:solidFill>
@@ -2916,7 +2917,7 @@
                 </a14:hiddenLine>
               </a:ext>
               <a:ext uri="{AF507438-7753-43e0-B8FC-AC1667EBCBE1}">
-                <a14:hiddenEffects xmlns:a14="http://schemas.microsoft.com/office/drawing/2010/main" xmlns="">
+                <a14:hiddenEffects xmlns="" xmlns:a14="http://schemas.microsoft.com/office/drawing/2010/main">
                   <a:effectLst>
                     <a:outerShdw blurRad="63500" dist="38099" dir="2700000" algn="ctr" rotWithShape="0">
                       <a:schemeClr val="bg2">
@@ -2961,7 +2962,7 @@
             <a:effectLst/>
             <a:extLst>
               <a:ext uri="{91240B29-F687-4f45-9708-019B960494DF}">
-                <a14:hiddenLine xmlns:a14="http://schemas.microsoft.com/office/drawing/2010/main" xmlns="" w="9525">
+                <a14:hiddenLine xmlns="" xmlns:a14="http://schemas.microsoft.com/office/drawing/2010/main" w="9525">
                   <a:solidFill>
                     <a:schemeClr val="tx1"/>
                   </a:solidFill>
@@ -2971,7 +2972,7 @@
                 </a14:hiddenLine>
               </a:ext>
               <a:ext uri="{AF507438-7753-43e0-B8FC-AC1667EBCBE1}">
-                <a14:hiddenEffects xmlns:a14="http://schemas.microsoft.com/office/drawing/2010/main" xmlns="">
+                <a14:hiddenEffects xmlns="" xmlns:a14="http://schemas.microsoft.com/office/drawing/2010/main">
                   <a:effectLst>
                     <a:outerShdw blurRad="63500" dist="38099" dir="2700000" algn="ctr" rotWithShape="0">
                       <a:schemeClr val="bg2">
@@ -3016,7 +3017,7 @@
             <a:effectLst/>
             <a:extLst>
               <a:ext uri="{91240B29-F687-4f45-9708-019B960494DF}">
-                <a14:hiddenLine xmlns:a14="http://schemas.microsoft.com/office/drawing/2010/main" xmlns="" w="9525">
+                <a14:hiddenLine xmlns="" xmlns:a14="http://schemas.microsoft.com/office/drawing/2010/main" w="9525">
                   <a:solidFill>
                     <a:schemeClr val="tx1"/>
                   </a:solidFill>
@@ -3026,7 +3027,7 @@
                 </a14:hiddenLine>
               </a:ext>
               <a:ext uri="{AF507438-7753-43e0-B8FC-AC1667EBCBE1}">
-                <a14:hiddenEffects xmlns:a14="http://schemas.microsoft.com/office/drawing/2010/main" xmlns="">
+                <a14:hiddenEffects xmlns="" xmlns:a14="http://schemas.microsoft.com/office/drawing/2010/main">
                   <a:effectLst>
                     <a:outerShdw blurRad="63500" dist="38099" dir="2700000" algn="ctr" rotWithShape="0">
                       <a:schemeClr val="bg2">
@@ -3071,7 +3072,7 @@
             <a:effectLst/>
             <a:extLst>
               <a:ext uri="{91240B29-F687-4f45-9708-019B960494DF}">
-                <a14:hiddenLine xmlns:a14="http://schemas.microsoft.com/office/drawing/2010/main" xmlns="" w="9525">
+                <a14:hiddenLine xmlns="" xmlns:a14="http://schemas.microsoft.com/office/drawing/2010/main" w="9525">
                   <a:solidFill>
                     <a:schemeClr val="tx1"/>
                   </a:solidFill>
@@ -3081,7 +3082,7 @@
                 </a14:hiddenLine>
               </a:ext>
               <a:ext uri="{AF507438-7753-43e0-B8FC-AC1667EBCBE1}">
-                <a14:hiddenEffects xmlns:a14="http://schemas.microsoft.com/office/drawing/2010/main" xmlns="">
+                <a14:hiddenEffects xmlns="" xmlns:a14="http://schemas.microsoft.com/office/drawing/2010/main">
                   <a:effectLst>
                     <a:outerShdw blurRad="63500" dist="38099" dir="2700000" algn="ctr" rotWithShape="0">
                       <a:schemeClr val="bg2">
@@ -3126,7 +3127,7 @@
             <a:effectLst/>
             <a:extLst>
               <a:ext uri="{91240B29-F687-4f45-9708-019B960494DF}">
-                <a14:hiddenLine xmlns:a14="http://schemas.microsoft.com/office/drawing/2010/main" xmlns="" w="9525">
+                <a14:hiddenLine xmlns="" xmlns:a14="http://schemas.microsoft.com/office/drawing/2010/main" w="9525">
                   <a:solidFill>
                     <a:schemeClr val="tx1"/>
                   </a:solidFill>
@@ -3136,7 +3137,7 @@
                 </a14:hiddenLine>
               </a:ext>
               <a:ext uri="{AF507438-7753-43e0-B8FC-AC1667EBCBE1}">
-                <a14:hiddenEffects xmlns:a14="http://schemas.microsoft.com/office/drawing/2010/main" xmlns="">
+                <a14:hiddenEffects xmlns="" xmlns:a14="http://schemas.microsoft.com/office/drawing/2010/main">
                   <a:effectLst>
                     <a:outerShdw blurRad="63500" dist="38099" dir="2700000" algn="ctr" rotWithShape="0">
                       <a:schemeClr val="bg2">
@@ -3181,7 +3182,7 @@
             <a:effectLst/>
             <a:extLst>
               <a:ext uri="{91240B29-F687-4f45-9708-019B960494DF}">
-                <a14:hiddenLine xmlns:a14="http://schemas.microsoft.com/office/drawing/2010/main" xmlns="" w="9525">
+                <a14:hiddenLine xmlns="" xmlns:a14="http://schemas.microsoft.com/office/drawing/2010/main" w="9525">
                   <a:solidFill>
                     <a:schemeClr val="tx1"/>
                   </a:solidFill>
@@ -3191,7 +3192,7 @@
                 </a14:hiddenLine>
               </a:ext>
               <a:ext uri="{AF507438-7753-43e0-B8FC-AC1667EBCBE1}">
-                <a14:hiddenEffects xmlns:a14="http://schemas.microsoft.com/office/drawing/2010/main" xmlns="">
+                <a14:hiddenEffects xmlns="" xmlns:a14="http://schemas.microsoft.com/office/drawing/2010/main">
                   <a:effectLst>
                     <a:outerShdw blurRad="63500" dist="38099" dir="2700000" algn="ctr" rotWithShape="0">
                       <a:schemeClr val="bg2">
@@ -3236,7 +3237,7 @@
             <a:effectLst/>
             <a:extLst>
               <a:ext uri="{91240B29-F687-4f45-9708-019B960494DF}">
-                <a14:hiddenLine xmlns:a14="http://schemas.microsoft.com/office/drawing/2010/main" xmlns="" w="9525">
+                <a14:hiddenLine xmlns="" xmlns:a14="http://schemas.microsoft.com/office/drawing/2010/main" w="9525">
                   <a:solidFill>
                     <a:schemeClr val="tx1"/>
                   </a:solidFill>
@@ -3246,7 +3247,7 @@
                 </a14:hiddenLine>
               </a:ext>
               <a:ext uri="{AF507438-7753-43e0-B8FC-AC1667EBCBE1}">
-                <a14:hiddenEffects xmlns:a14="http://schemas.microsoft.com/office/drawing/2010/main" xmlns="">
+                <a14:hiddenEffects xmlns="" xmlns:a14="http://schemas.microsoft.com/office/drawing/2010/main">
                   <a:effectLst>
                     <a:outerShdw blurRad="63500" dist="38099" dir="2700000" algn="ctr" rotWithShape="0">
                       <a:schemeClr val="bg2">
@@ -3291,7 +3292,7 @@
             <a:effectLst/>
             <a:extLst>
               <a:ext uri="{91240B29-F687-4f45-9708-019B960494DF}">
-                <a14:hiddenLine xmlns:a14="http://schemas.microsoft.com/office/drawing/2010/main" xmlns="" w="9525">
+                <a14:hiddenLine xmlns="" xmlns:a14="http://schemas.microsoft.com/office/drawing/2010/main" w="9525">
                   <a:solidFill>
                     <a:schemeClr val="tx1"/>
                   </a:solidFill>
@@ -3301,7 +3302,7 @@
                 </a14:hiddenLine>
               </a:ext>
               <a:ext uri="{AF507438-7753-43e0-B8FC-AC1667EBCBE1}">
-                <a14:hiddenEffects xmlns:a14="http://schemas.microsoft.com/office/drawing/2010/main" xmlns="">
+                <a14:hiddenEffects xmlns="" xmlns:a14="http://schemas.microsoft.com/office/drawing/2010/main">
                   <a:effectLst>
                     <a:outerShdw blurRad="63500" dist="38099" dir="2700000" algn="ctr" rotWithShape="0">
                       <a:schemeClr val="bg2">
@@ -3346,7 +3347,7 @@
             <a:effectLst/>
             <a:extLst>
               <a:ext uri="{91240B29-F687-4f45-9708-019B960494DF}">
-                <a14:hiddenLine xmlns:a14="http://schemas.microsoft.com/office/drawing/2010/main" xmlns="" w="9525">
+                <a14:hiddenLine xmlns="" xmlns:a14="http://schemas.microsoft.com/office/drawing/2010/main" w="9525">
                   <a:solidFill>
                     <a:schemeClr val="tx1"/>
                   </a:solidFill>
@@ -3356,7 +3357,7 @@
                 </a14:hiddenLine>
               </a:ext>
               <a:ext uri="{AF507438-7753-43e0-B8FC-AC1667EBCBE1}">
-                <a14:hiddenEffects xmlns:a14="http://schemas.microsoft.com/office/drawing/2010/main" xmlns="">
+                <a14:hiddenEffects xmlns="" xmlns:a14="http://schemas.microsoft.com/office/drawing/2010/main">
                   <a:effectLst>
                     <a:outerShdw blurRad="63500" dist="38099" dir="2700000" algn="ctr" rotWithShape="0">
                       <a:schemeClr val="bg2">
@@ -3401,7 +3402,7 @@
             <a:effectLst/>
             <a:extLst>
               <a:ext uri="{91240B29-F687-4f45-9708-019B960494DF}">
-                <a14:hiddenLine xmlns:a14="http://schemas.microsoft.com/office/drawing/2010/main" xmlns="" w="9525">
+                <a14:hiddenLine xmlns="" xmlns:a14="http://schemas.microsoft.com/office/drawing/2010/main" w="9525">
                   <a:solidFill>
                     <a:schemeClr val="tx1"/>
                   </a:solidFill>
@@ -3411,7 +3412,7 @@
                 </a14:hiddenLine>
               </a:ext>
               <a:ext uri="{AF507438-7753-43e0-B8FC-AC1667EBCBE1}">
-                <a14:hiddenEffects xmlns:a14="http://schemas.microsoft.com/office/drawing/2010/main" xmlns="">
+                <a14:hiddenEffects xmlns="" xmlns:a14="http://schemas.microsoft.com/office/drawing/2010/main">
                   <a:effectLst>
                     <a:outerShdw blurRad="63500" dist="38099" dir="2700000" algn="ctr" rotWithShape="0">
                       <a:schemeClr val="bg2">
@@ -3456,7 +3457,7 @@
             <a:effectLst/>
             <a:extLst>
               <a:ext uri="{91240B29-F687-4f45-9708-019B960494DF}">
-                <a14:hiddenLine xmlns:a14="http://schemas.microsoft.com/office/drawing/2010/main" xmlns="" w="9525">
+                <a14:hiddenLine xmlns="" xmlns:a14="http://schemas.microsoft.com/office/drawing/2010/main" w="9525">
                   <a:solidFill>
                     <a:schemeClr val="tx1"/>
                   </a:solidFill>
@@ -3466,7 +3467,7 @@
                 </a14:hiddenLine>
               </a:ext>
               <a:ext uri="{AF507438-7753-43e0-B8FC-AC1667EBCBE1}">
-                <a14:hiddenEffects xmlns:a14="http://schemas.microsoft.com/office/drawing/2010/main" xmlns="">
+                <a14:hiddenEffects xmlns="" xmlns:a14="http://schemas.microsoft.com/office/drawing/2010/main">
                   <a:effectLst>
                     <a:outerShdw blurRad="63500" dist="38099" dir="2700000" algn="ctr" rotWithShape="0">
                       <a:schemeClr val="bg2">
@@ -3511,7 +3512,7 @@
             <a:effectLst/>
             <a:extLst>
               <a:ext uri="{91240B29-F687-4f45-9708-019B960494DF}">
-                <a14:hiddenLine xmlns:a14="http://schemas.microsoft.com/office/drawing/2010/main" xmlns="" w="9525">
+                <a14:hiddenLine xmlns="" xmlns:a14="http://schemas.microsoft.com/office/drawing/2010/main" w="9525">
                   <a:solidFill>
                     <a:schemeClr val="tx1"/>
                   </a:solidFill>
@@ -3521,7 +3522,7 @@
                 </a14:hiddenLine>
               </a:ext>
               <a:ext uri="{AF507438-7753-43e0-B8FC-AC1667EBCBE1}">
-                <a14:hiddenEffects xmlns:a14="http://schemas.microsoft.com/office/drawing/2010/main" xmlns="">
+                <a14:hiddenEffects xmlns="" xmlns:a14="http://schemas.microsoft.com/office/drawing/2010/main">
                   <a:effectLst>
                     <a:outerShdw blurRad="63500" dist="38099" dir="2700000" algn="ctr" rotWithShape="0">
                       <a:schemeClr val="bg2">
@@ -3566,7 +3567,7 @@
             <a:effectLst/>
             <a:extLst>
               <a:ext uri="{91240B29-F687-4f45-9708-019B960494DF}">
-                <a14:hiddenLine xmlns:a14="http://schemas.microsoft.com/office/drawing/2010/main" xmlns="" w="9525">
+                <a14:hiddenLine xmlns="" xmlns:a14="http://schemas.microsoft.com/office/drawing/2010/main" w="9525">
                   <a:solidFill>
                     <a:schemeClr val="tx1"/>
                   </a:solidFill>
@@ -3576,7 +3577,7 @@
                 </a14:hiddenLine>
               </a:ext>
               <a:ext uri="{AF507438-7753-43e0-B8FC-AC1667EBCBE1}">
-                <a14:hiddenEffects xmlns:a14="http://schemas.microsoft.com/office/drawing/2010/main" xmlns="">
+                <a14:hiddenEffects xmlns="" xmlns:a14="http://schemas.microsoft.com/office/drawing/2010/main">
                   <a:effectLst>
                     <a:outerShdw blurRad="63500" dist="38099" dir="2700000" algn="ctr" rotWithShape="0">
                       <a:schemeClr val="bg2">
@@ -3621,7 +3622,7 @@
             <a:effectLst/>
             <a:extLst>
               <a:ext uri="{91240B29-F687-4f45-9708-019B960494DF}">
-                <a14:hiddenLine xmlns:a14="http://schemas.microsoft.com/office/drawing/2010/main" xmlns="" w="9525">
+                <a14:hiddenLine xmlns="" xmlns:a14="http://schemas.microsoft.com/office/drawing/2010/main" w="9525">
                   <a:solidFill>
                     <a:schemeClr val="tx1"/>
                   </a:solidFill>
@@ -3631,7 +3632,7 @@
                 </a14:hiddenLine>
               </a:ext>
               <a:ext uri="{AF507438-7753-43e0-B8FC-AC1667EBCBE1}">
-                <a14:hiddenEffects xmlns:a14="http://schemas.microsoft.com/office/drawing/2010/main" xmlns="">
+                <a14:hiddenEffects xmlns="" xmlns:a14="http://schemas.microsoft.com/office/drawing/2010/main">
                   <a:effectLst>
                     <a:outerShdw blurRad="63500" dist="38099" dir="2700000" algn="ctr" rotWithShape="0">
                       <a:schemeClr val="bg2">
@@ -3676,7 +3677,7 @@
             <a:effectLst/>
             <a:extLst>
               <a:ext uri="{91240B29-F687-4f45-9708-019B960494DF}">
-                <a14:hiddenLine xmlns:a14="http://schemas.microsoft.com/office/drawing/2010/main" xmlns="" w="9525">
+                <a14:hiddenLine xmlns="" xmlns:a14="http://schemas.microsoft.com/office/drawing/2010/main" w="9525">
                   <a:solidFill>
                     <a:schemeClr val="tx1"/>
                   </a:solidFill>
@@ -3686,7 +3687,7 @@
                 </a14:hiddenLine>
               </a:ext>
               <a:ext uri="{AF507438-7753-43e0-B8FC-AC1667EBCBE1}">
-                <a14:hiddenEffects xmlns:a14="http://schemas.microsoft.com/office/drawing/2010/main" xmlns="">
+                <a14:hiddenEffects xmlns="" xmlns:a14="http://schemas.microsoft.com/office/drawing/2010/main">
                   <a:effectLst>
                     <a:outerShdw blurRad="63500" dist="38099" dir="2700000" algn="ctr" rotWithShape="0">
                       <a:schemeClr val="bg2">
@@ -3731,7 +3732,7 @@
             <a:effectLst/>
             <a:extLst>
               <a:ext uri="{91240B29-F687-4f45-9708-019B960494DF}">
-                <a14:hiddenLine xmlns:a14="http://schemas.microsoft.com/office/drawing/2010/main" xmlns="" w="9525">
+                <a14:hiddenLine xmlns="" xmlns:a14="http://schemas.microsoft.com/office/drawing/2010/main" w="9525">
                   <a:solidFill>
                     <a:schemeClr val="tx1"/>
                   </a:solidFill>
@@ -3741,7 +3742,7 @@
                 </a14:hiddenLine>
               </a:ext>
               <a:ext uri="{AF507438-7753-43e0-B8FC-AC1667EBCBE1}">
-                <a14:hiddenEffects xmlns:a14="http://schemas.microsoft.com/office/drawing/2010/main" xmlns="">
+                <a14:hiddenEffects xmlns="" xmlns:a14="http://schemas.microsoft.com/office/drawing/2010/main">
                   <a:effectLst>
                     <a:outerShdw blurRad="63500" dist="38099" dir="2700000" algn="ctr" rotWithShape="0">
                       <a:schemeClr val="bg2">
@@ -3786,7 +3787,7 @@
             <a:effectLst/>
             <a:extLst>
               <a:ext uri="{91240B29-F687-4f45-9708-019B960494DF}">
-                <a14:hiddenLine xmlns:a14="http://schemas.microsoft.com/office/drawing/2010/main" xmlns="" w="9525">
+                <a14:hiddenLine xmlns="" xmlns:a14="http://schemas.microsoft.com/office/drawing/2010/main" w="9525">
                   <a:solidFill>
                     <a:schemeClr val="tx1"/>
                   </a:solidFill>
@@ -3796,7 +3797,7 @@
                 </a14:hiddenLine>
               </a:ext>
               <a:ext uri="{AF507438-7753-43e0-B8FC-AC1667EBCBE1}">
-                <a14:hiddenEffects xmlns:a14="http://schemas.microsoft.com/office/drawing/2010/main" xmlns="">
+                <a14:hiddenEffects xmlns="" xmlns:a14="http://schemas.microsoft.com/office/drawing/2010/main">
                   <a:effectLst>
                     <a:outerShdw blurRad="63500" dist="38099" dir="2700000" algn="ctr" rotWithShape="0">
                       <a:schemeClr val="bg2">
@@ -3841,7 +3842,7 @@
             <a:effectLst/>
             <a:extLst>
               <a:ext uri="{91240B29-F687-4f45-9708-019B960494DF}">
-                <a14:hiddenLine xmlns:a14="http://schemas.microsoft.com/office/drawing/2010/main" xmlns="" w="9525">
+                <a14:hiddenLine xmlns="" xmlns:a14="http://schemas.microsoft.com/office/drawing/2010/main" w="9525">
                   <a:solidFill>
                     <a:schemeClr val="tx1"/>
                   </a:solidFill>
@@ -3851,7 +3852,7 @@
                 </a14:hiddenLine>
               </a:ext>
               <a:ext uri="{AF507438-7753-43e0-B8FC-AC1667EBCBE1}">
-                <a14:hiddenEffects xmlns:a14="http://schemas.microsoft.com/office/drawing/2010/main" xmlns="">
+                <a14:hiddenEffects xmlns="" xmlns:a14="http://schemas.microsoft.com/office/drawing/2010/main">
                   <a:effectLst>
                     <a:outerShdw blurRad="63500" dist="38099" dir="2700000" algn="ctr" rotWithShape="0">
                       <a:schemeClr val="bg2">
@@ -3896,7 +3897,7 @@
             <a:effectLst/>
             <a:extLst>
               <a:ext uri="{91240B29-F687-4f45-9708-019B960494DF}">
-                <a14:hiddenLine xmlns:a14="http://schemas.microsoft.com/office/drawing/2010/main" xmlns="" w="9525">
+                <a14:hiddenLine xmlns="" xmlns:a14="http://schemas.microsoft.com/office/drawing/2010/main" w="9525">
                   <a:solidFill>
                     <a:schemeClr val="tx1"/>
                   </a:solidFill>
@@ -3906,7 +3907,7 @@
                 </a14:hiddenLine>
               </a:ext>
               <a:ext uri="{AF507438-7753-43e0-B8FC-AC1667EBCBE1}">
-                <a14:hiddenEffects xmlns:a14="http://schemas.microsoft.com/office/drawing/2010/main" xmlns="">
+                <a14:hiddenEffects xmlns="" xmlns:a14="http://schemas.microsoft.com/office/drawing/2010/main">
                   <a:effectLst>
                     <a:outerShdw blurRad="63500" dist="38099" dir="2700000" algn="ctr" rotWithShape="0">
                       <a:schemeClr val="bg2">
@@ -3951,7 +3952,7 @@
             <a:effectLst/>
             <a:extLst>
               <a:ext uri="{91240B29-F687-4f45-9708-019B960494DF}">
-                <a14:hiddenLine xmlns:a14="http://schemas.microsoft.com/office/drawing/2010/main" xmlns="" w="9525">
+                <a14:hiddenLine xmlns="" xmlns:a14="http://schemas.microsoft.com/office/drawing/2010/main" w="9525">
                   <a:solidFill>
                     <a:schemeClr val="tx1"/>
                   </a:solidFill>
@@ -3961,7 +3962,7 @@
                 </a14:hiddenLine>
               </a:ext>
               <a:ext uri="{AF507438-7753-43e0-B8FC-AC1667EBCBE1}">
-                <a14:hiddenEffects xmlns:a14="http://schemas.microsoft.com/office/drawing/2010/main" xmlns="">
+                <a14:hiddenEffects xmlns="" xmlns:a14="http://schemas.microsoft.com/office/drawing/2010/main">
                   <a:effectLst>
                     <a:outerShdw blurRad="63500" dist="38099" dir="2700000" algn="ctr" rotWithShape="0">
                       <a:schemeClr val="bg2">
@@ -4006,7 +4007,7 @@
             <a:effectLst/>
             <a:extLst>
               <a:ext uri="{91240B29-F687-4f45-9708-019B960494DF}">
-                <a14:hiddenLine xmlns:a14="http://schemas.microsoft.com/office/drawing/2010/main" xmlns="" w="9525">
+                <a14:hiddenLine xmlns="" xmlns:a14="http://schemas.microsoft.com/office/drawing/2010/main" w="9525">
                   <a:solidFill>
                     <a:schemeClr val="tx1"/>
                   </a:solidFill>
@@ -4016,7 +4017,7 @@
                 </a14:hiddenLine>
               </a:ext>
               <a:ext uri="{AF507438-7753-43e0-B8FC-AC1667EBCBE1}">
-                <a14:hiddenEffects xmlns:a14="http://schemas.microsoft.com/office/drawing/2010/main" xmlns="">
+                <a14:hiddenEffects xmlns="" xmlns:a14="http://schemas.microsoft.com/office/drawing/2010/main">
                   <a:effectLst>
                     <a:outerShdw blurRad="63500" dist="38099" dir="2700000" algn="ctr" rotWithShape="0">
                       <a:schemeClr val="bg2">
@@ -4061,7 +4062,7 @@
             <a:effectLst/>
             <a:extLst>
               <a:ext uri="{91240B29-F687-4f45-9708-019B960494DF}">
-                <a14:hiddenLine xmlns:a14="http://schemas.microsoft.com/office/drawing/2010/main" xmlns="" w="9525">
+                <a14:hiddenLine xmlns="" xmlns:a14="http://schemas.microsoft.com/office/drawing/2010/main" w="9525">
                   <a:solidFill>
                     <a:schemeClr val="tx1"/>
                   </a:solidFill>
@@ -4071,7 +4072,7 @@
                 </a14:hiddenLine>
               </a:ext>
               <a:ext uri="{AF507438-7753-43e0-B8FC-AC1667EBCBE1}">
-                <a14:hiddenEffects xmlns:a14="http://schemas.microsoft.com/office/drawing/2010/main" xmlns="">
+                <a14:hiddenEffects xmlns="" xmlns:a14="http://schemas.microsoft.com/office/drawing/2010/main">
                   <a:effectLst>
                     <a:outerShdw blurRad="63500" dist="38099" dir="2700000" algn="ctr" rotWithShape="0">
                       <a:schemeClr val="bg2">
@@ -4116,7 +4117,7 @@
             <a:effectLst/>
             <a:extLst>
               <a:ext uri="{91240B29-F687-4f45-9708-019B960494DF}">
-                <a14:hiddenLine xmlns:a14="http://schemas.microsoft.com/office/drawing/2010/main" xmlns="" w="9525">
+                <a14:hiddenLine xmlns="" xmlns:a14="http://schemas.microsoft.com/office/drawing/2010/main" w="9525">
                   <a:solidFill>
                     <a:schemeClr val="tx1"/>
                   </a:solidFill>
@@ -4126,7 +4127,7 @@
                 </a14:hiddenLine>
               </a:ext>
               <a:ext uri="{AF507438-7753-43e0-B8FC-AC1667EBCBE1}">
-                <a14:hiddenEffects xmlns:a14="http://schemas.microsoft.com/office/drawing/2010/main" xmlns="">
+                <a14:hiddenEffects xmlns="" xmlns:a14="http://schemas.microsoft.com/office/drawing/2010/main">
                   <a:effectLst>
                     <a:outerShdw blurRad="63500" dist="38099" dir="2700000" algn="ctr" rotWithShape="0">
                       <a:schemeClr val="bg2">
@@ -4171,7 +4172,7 @@
             <a:effectLst/>
             <a:extLst>
               <a:ext uri="{91240B29-F687-4f45-9708-019B960494DF}">
-                <a14:hiddenLine xmlns:a14="http://schemas.microsoft.com/office/drawing/2010/main" xmlns="" w="9525">
+                <a14:hiddenLine xmlns="" xmlns:a14="http://schemas.microsoft.com/office/drawing/2010/main" w="9525">
                   <a:solidFill>
                     <a:schemeClr val="tx1"/>
                   </a:solidFill>
@@ -4181,7 +4182,7 @@
                 </a14:hiddenLine>
               </a:ext>
               <a:ext uri="{AF507438-7753-43e0-B8FC-AC1667EBCBE1}">
-                <a14:hiddenEffects xmlns:a14="http://schemas.microsoft.com/office/drawing/2010/main" xmlns="">
+                <a14:hiddenEffects xmlns="" xmlns:a14="http://schemas.microsoft.com/office/drawing/2010/main">
                   <a:effectLst>
                     <a:outerShdw blurRad="63500" dist="38099" dir="2700000" algn="ctr" rotWithShape="0">
                       <a:schemeClr val="bg2">
@@ -4226,7 +4227,7 @@
             <a:effectLst/>
             <a:extLst>
               <a:ext uri="{91240B29-F687-4f45-9708-019B960494DF}">
-                <a14:hiddenLine xmlns:a14="http://schemas.microsoft.com/office/drawing/2010/main" xmlns="" w="9525">
+                <a14:hiddenLine xmlns="" xmlns:a14="http://schemas.microsoft.com/office/drawing/2010/main" w="9525">
                   <a:solidFill>
                     <a:schemeClr val="tx1"/>
                   </a:solidFill>
@@ -4236,7 +4237,7 @@
                 </a14:hiddenLine>
               </a:ext>
               <a:ext uri="{AF507438-7753-43e0-B8FC-AC1667EBCBE1}">
-                <a14:hiddenEffects xmlns:a14="http://schemas.microsoft.com/office/drawing/2010/main" xmlns="">
+                <a14:hiddenEffects xmlns="" xmlns:a14="http://schemas.microsoft.com/office/drawing/2010/main">
                   <a:effectLst>
                     <a:outerShdw blurRad="63500" dist="38099" dir="2700000" algn="ctr" rotWithShape="0">
                       <a:schemeClr val="bg2">
@@ -4281,7 +4282,7 @@
             <a:effectLst/>
             <a:extLst>
               <a:ext uri="{91240B29-F687-4f45-9708-019B960494DF}">
-                <a14:hiddenLine xmlns:a14="http://schemas.microsoft.com/office/drawing/2010/main" xmlns="" w="9525">
+                <a14:hiddenLine xmlns="" xmlns:a14="http://schemas.microsoft.com/office/drawing/2010/main" w="9525">
                   <a:solidFill>
                     <a:schemeClr val="tx1"/>
                   </a:solidFill>
@@ -4291,7 +4292,7 @@
                 </a14:hiddenLine>
               </a:ext>
               <a:ext uri="{AF507438-7753-43e0-B8FC-AC1667EBCBE1}">
-                <a14:hiddenEffects xmlns:a14="http://schemas.microsoft.com/office/drawing/2010/main" xmlns="">
+                <a14:hiddenEffects xmlns="" xmlns:a14="http://schemas.microsoft.com/office/drawing/2010/main">
                   <a:effectLst>
                     <a:outerShdw blurRad="63500" dist="38099" dir="2700000" algn="ctr" rotWithShape="0">
                       <a:schemeClr val="bg2">
@@ -4340,12 +4341,12 @@
           <a:effectLst/>
           <a:extLst>
             <a:ext uri="{909E8E84-426E-40dd-AFC4-6F175D3DCCD1}">
-              <a14:hiddenFill xmlns:a14="http://schemas.microsoft.com/office/drawing/2010/main" xmlns="">
+              <a14:hiddenFill xmlns="" xmlns:a14="http://schemas.microsoft.com/office/drawing/2010/main">
                 <a:noFill/>
               </a14:hiddenFill>
             </a:ext>
             <a:ext uri="{AF507438-7753-43e0-B8FC-AC1667EBCBE1}">
-              <a14:hiddenEffects xmlns:a14="http://schemas.microsoft.com/office/drawing/2010/main" xmlns="">
+              <a14:hiddenEffects xmlns="" xmlns:a14="http://schemas.microsoft.com/office/drawing/2010/main">
                 <a:effectLst>
                   <a:outerShdw blurRad="63500" dist="38099" dir="2700000" algn="ctr" rotWithShape="0">
                     <a:schemeClr val="bg2">
@@ -6669,12 +6670,12 @@
           <a:effectLst/>
           <a:extLst>
             <a:ext uri="{909E8E84-426E-40dd-AFC4-6F175D3DCCD1}">
-              <a14:hiddenFill xmlns:a14="http://schemas.microsoft.com/office/drawing/2010/main" xmlns="">
+              <a14:hiddenFill xmlns="" xmlns:a14="http://schemas.microsoft.com/office/drawing/2010/main">
                 <a:noFill/>
               </a14:hiddenFill>
             </a:ext>
             <a:ext uri="{AF507438-7753-43e0-B8FC-AC1667EBCBE1}">
-              <a14:hiddenEffects xmlns:a14="http://schemas.microsoft.com/office/drawing/2010/main" xmlns="">
+              <a14:hiddenEffects xmlns="" xmlns:a14="http://schemas.microsoft.com/office/drawing/2010/main">
                 <a:effectLst>
                   <a:outerShdw blurRad="63500" dist="38099" dir="2700000" algn="ctr" rotWithShape="0">
                     <a:schemeClr val="bg2">
@@ -6719,17 +6720,17 @@
           <a:effectLst/>
           <a:extLst>
             <a:ext uri="{FAA26D3D-D897-4be2-8F04-BA451C77F1D7}">
-              <ma14:placeholderFlag xmlns="" xmlns:ma14="http://schemas.microsoft.com/office/mac/drawingml/2011/main" val="1"/>
+              <ma14:placeholderFlag xmlns:ma14="http://schemas.microsoft.com/office/mac/drawingml/2011/main" xmlns="" val="1"/>
             </a:ext>
             <a:ext uri="{909E8E84-426E-40dd-AFC4-6F175D3DCCD1}">
-              <a14:hiddenFill xmlns:a14="http://schemas.microsoft.com/office/drawing/2010/main" xmlns="">
+              <a14:hiddenFill xmlns="" xmlns:a14="http://schemas.microsoft.com/office/drawing/2010/main">
                 <a:solidFill>
                   <a:schemeClr val="accent1"/>
                 </a:solidFill>
               </a14:hiddenFill>
             </a:ext>
             <a:ext uri="{91240B29-F687-4f45-9708-019B960494DF}">
-              <a14:hiddenLine xmlns:a14="http://schemas.microsoft.com/office/drawing/2010/main" xmlns="" w="9525">
+              <a14:hiddenLine xmlns="" xmlns:a14="http://schemas.microsoft.com/office/drawing/2010/main" w="9525">
                 <a:solidFill>
                   <a:schemeClr val="tx1"/>
                 </a:solidFill>
@@ -6739,7 +6740,7 @@
               </a14:hiddenLine>
             </a:ext>
             <a:ext uri="{AF507438-7753-43e0-B8FC-AC1667EBCBE1}">
-              <a14:hiddenEffects xmlns:a14="http://schemas.microsoft.com/office/drawing/2010/main" xmlns="">
+              <a14:hiddenEffects xmlns="" xmlns:a14="http://schemas.microsoft.com/office/drawing/2010/main">
                 <a:effectLst>
                   <a:outerShdw blurRad="63500" dist="38099" dir="2700000" algn="ctr" rotWithShape="0">
                     <a:schemeClr val="bg2">
@@ -6792,17 +6793,17 @@
           <a:effectLst/>
           <a:extLst>
             <a:ext uri="{FAA26D3D-D897-4be2-8F04-BA451C77F1D7}">
-              <ma14:placeholderFlag xmlns="" xmlns:ma14="http://schemas.microsoft.com/office/mac/drawingml/2011/main" val="1"/>
+              <ma14:placeholderFlag xmlns:ma14="http://schemas.microsoft.com/office/mac/drawingml/2011/main" xmlns="" val="1"/>
             </a:ext>
             <a:ext uri="{909E8E84-426E-40dd-AFC4-6F175D3DCCD1}">
-              <a14:hiddenFill xmlns:a14="http://schemas.microsoft.com/office/drawing/2010/main" xmlns="">
+              <a14:hiddenFill xmlns="" xmlns:a14="http://schemas.microsoft.com/office/drawing/2010/main">
                 <a:solidFill>
                   <a:schemeClr val="accent1"/>
                 </a:solidFill>
               </a14:hiddenFill>
             </a:ext>
             <a:ext uri="{91240B29-F687-4f45-9708-019B960494DF}">
-              <a14:hiddenLine xmlns:a14="http://schemas.microsoft.com/office/drawing/2010/main" xmlns="" w="9525">
+              <a14:hiddenLine xmlns="" xmlns:a14="http://schemas.microsoft.com/office/drawing/2010/main" w="9525">
                 <a:solidFill>
                   <a:schemeClr val="tx1"/>
                 </a:solidFill>
@@ -6812,7 +6813,7 @@
               </a14:hiddenLine>
             </a:ext>
             <a:ext uri="{AF507438-7753-43e0-B8FC-AC1667EBCBE1}">
-              <a14:hiddenEffects xmlns:a14="http://schemas.microsoft.com/office/drawing/2010/main" xmlns="">
+              <a14:hiddenEffects xmlns="" xmlns:a14="http://schemas.microsoft.com/office/drawing/2010/main">
                 <a:effectLst>
                   <a:outerShdw blurRad="63500" dist="38099" dir="2700000" algn="ctr" rotWithShape="0">
                     <a:schemeClr val="bg2">
@@ -6893,17 +6894,17 @@
           <a:effectLst/>
           <a:extLst>
             <a:ext uri="{FAA26D3D-D897-4be2-8F04-BA451C77F1D7}">
-              <ma14:placeholderFlag xmlns="" xmlns:ma14="http://schemas.microsoft.com/office/mac/drawingml/2011/main" val="1"/>
+              <ma14:placeholderFlag xmlns:ma14="http://schemas.microsoft.com/office/mac/drawingml/2011/main" xmlns="" val="1"/>
             </a:ext>
             <a:ext uri="{909E8E84-426E-40dd-AFC4-6F175D3DCCD1}">
-              <a14:hiddenFill xmlns:a14="http://schemas.microsoft.com/office/drawing/2010/main" xmlns="">
+              <a14:hiddenFill xmlns="" xmlns:a14="http://schemas.microsoft.com/office/drawing/2010/main">
                 <a:solidFill>
                   <a:schemeClr val="accent1"/>
                 </a:solidFill>
               </a14:hiddenFill>
             </a:ext>
             <a:ext uri="{91240B29-F687-4f45-9708-019B960494DF}">
-              <a14:hiddenLine xmlns:a14="http://schemas.microsoft.com/office/drawing/2010/main" xmlns="" w="9525">
+              <a14:hiddenLine xmlns="" xmlns:a14="http://schemas.microsoft.com/office/drawing/2010/main" w="9525">
                 <a:solidFill>
                   <a:schemeClr val="tx1"/>
                 </a:solidFill>
@@ -6913,7 +6914,7 @@
               </a14:hiddenLine>
             </a:ext>
             <a:ext uri="{AF507438-7753-43e0-B8FC-AC1667EBCBE1}">
-              <a14:hiddenEffects xmlns:a14="http://schemas.microsoft.com/office/drawing/2010/main" xmlns="">
+              <a14:hiddenEffects xmlns="" xmlns:a14="http://schemas.microsoft.com/office/drawing/2010/main">
                 <a:effectLst>
                   <a:outerShdw blurRad="63500" dist="38099" dir="2700000" algn="ctr" rotWithShape="0">
                     <a:schemeClr val="bg2">
@@ -6966,17 +6967,17 @@
           <a:effectLst/>
           <a:extLst>
             <a:ext uri="{FAA26D3D-D897-4be2-8F04-BA451C77F1D7}">
-              <ma14:placeholderFlag xmlns="" xmlns:ma14="http://schemas.microsoft.com/office/mac/drawingml/2011/main" val="1"/>
+              <ma14:placeholderFlag xmlns:ma14="http://schemas.microsoft.com/office/mac/drawingml/2011/main" xmlns="" val="1"/>
             </a:ext>
             <a:ext uri="{909E8E84-426E-40dd-AFC4-6F175D3DCCD1}">
-              <a14:hiddenFill xmlns:a14="http://schemas.microsoft.com/office/drawing/2010/main" xmlns="">
+              <a14:hiddenFill xmlns="" xmlns:a14="http://schemas.microsoft.com/office/drawing/2010/main">
                 <a:solidFill>
                   <a:schemeClr val="accent1"/>
                 </a:solidFill>
               </a14:hiddenFill>
             </a:ext>
             <a:ext uri="{91240B29-F687-4f45-9708-019B960494DF}">
-              <a14:hiddenLine xmlns:a14="http://schemas.microsoft.com/office/drawing/2010/main" xmlns="" w="9525">
+              <a14:hiddenLine xmlns="" xmlns:a14="http://schemas.microsoft.com/office/drawing/2010/main" w="9525">
                 <a:solidFill>
                   <a:schemeClr val="tx1"/>
                 </a:solidFill>
@@ -6986,7 +6987,7 @@
               </a14:hiddenLine>
             </a:ext>
             <a:ext uri="{AF507438-7753-43e0-B8FC-AC1667EBCBE1}">
-              <a14:hiddenEffects xmlns:a14="http://schemas.microsoft.com/office/drawing/2010/main" xmlns="">
+              <a14:hiddenEffects xmlns="" xmlns:a14="http://schemas.microsoft.com/office/drawing/2010/main">
                 <a:effectLst>
                   <a:outerShdw blurRad="63500" dist="38099" dir="2700000" algn="ctr" rotWithShape="0">
                     <a:schemeClr val="bg2">
@@ -7039,17 +7040,17 @@
           <a:effectLst/>
           <a:extLst>
             <a:ext uri="{FAA26D3D-D897-4be2-8F04-BA451C77F1D7}">
-              <ma14:placeholderFlag xmlns="" xmlns:ma14="http://schemas.microsoft.com/office/mac/drawingml/2011/main" val="1"/>
+              <ma14:placeholderFlag xmlns:ma14="http://schemas.microsoft.com/office/mac/drawingml/2011/main" xmlns="" val="1"/>
             </a:ext>
             <a:ext uri="{909E8E84-426E-40dd-AFC4-6F175D3DCCD1}">
-              <a14:hiddenFill xmlns:a14="http://schemas.microsoft.com/office/drawing/2010/main" xmlns="">
+              <a14:hiddenFill xmlns="" xmlns:a14="http://schemas.microsoft.com/office/drawing/2010/main">
                 <a:solidFill>
                   <a:schemeClr val="accent1"/>
                 </a:solidFill>
               </a14:hiddenFill>
             </a:ext>
             <a:ext uri="{91240B29-F687-4f45-9708-019B960494DF}">
-              <a14:hiddenLine xmlns:a14="http://schemas.microsoft.com/office/drawing/2010/main" xmlns="" w="9525">
+              <a14:hiddenLine xmlns="" xmlns:a14="http://schemas.microsoft.com/office/drawing/2010/main" w="9525">
                 <a:solidFill>
                   <a:schemeClr val="tx1"/>
                 </a:solidFill>
@@ -7059,7 +7060,7 @@
               </a14:hiddenLine>
             </a:ext>
             <a:ext uri="{AF507438-7753-43e0-B8FC-AC1667EBCBE1}">
-              <a14:hiddenEffects xmlns:a14="http://schemas.microsoft.com/office/drawing/2010/main" xmlns="">
+              <a14:hiddenEffects xmlns="" xmlns:a14="http://schemas.microsoft.com/office/drawing/2010/main">
                 <a:effectLst>
                   <a:outerShdw blurRad="63500" dist="38099" dir="2700000" algn="ctr" rotWithShape="0">
                     <a:schemeClr val="bg2">
@@ -7133,7 +7134,7 @@
             <a:effectLst/>
             <a:extLst>
               <a:ext uri="{91240B29-F687-4f45-9708-019B960494DF}">
-                <a14:hiddenLine xmlns:a14="http://schemas.microsoft.com/office/drawing/2010/main" xmlns="" w="9525">
+                <a14:hiddenLine xmlns="" xmlns:a14="http://schemas.microsoft.com/office/drawing/2010/main" w="9525">
                   <a:solidFill>
                     <a:schemeClr val="tx1"/>
                   </a:solidFill>
@@ -7143,7 +7144,7 @@
                 </a14:hiddenLine>
               </a:ext>
               <a:ext uri="{AF507438-7753-43e0-B8FC-AC1667EBCBE1}">
-                <a14:hiddenEffects xmlns:a14="http://schemas.microsoft.com/office/drawing/2010/main" xmlns="">
+                <a14:hiddenEffects xmlns="" xmlns:a14="http://schemas.microsoft.com/office/drawing/2010/main">
                   <a:effectLst>
                     <a:outerShdw blurRad="63500" dist="38099" dir="2700000" algn="ctr" rotWithShape="0">
                       <a:schemeClr val="bg2">
@@ -7188,7 +7189,7 @@
             <a:effectLst/>
             <a:extLst>
               <a:ext uri="{91240B29-F687-4f45-9708-019B960494DF}">
-                <a14:hiddenLine xmlns:a14="http://schemas.microsoft.com/office/drawing/2010/main" xmlns="" w="9525">
+                <a14:hiddenLine xmlns="" xmlns:a14="http://schemas.microsoft.com/office/drawing/2010/main" w="9525">
                   <a:solidFill>
                     <a:schemeClr val="tx1"/>
                   </a:solidFill>
@@ -7198,7 +7199,7 @@
                 </a14:hiddenLine>
               </a:ext>
               <a:ext uri="{AF507438-7753-43e0-B8FC-AC1667EBCBE1}">
-                <a14:hiddenEffects xmlns:a14="http://schemas.microsoft.com/office/drawing/2010/main" xmlns="">
+                <a14:hiddenEffects xmlns="" xmlns:a14="http://schemas.microsoft.com/office/drawing/2010/main">
                   <a:effectLst>
                     <a:outerShdw blurRad="63500" dist="38099" dir="2700000" algn="ctr" rotWithShape="0">
                       <a:schemeClr val="bg2">
@@ -7243,7 +7244,7 @@
             <a:effectLst/>
             <a:extLst>
               <a:ext uri="{91240B29-F687-4f45-9708-019B960494DF}">
-                <a14:hiddenLine xmlns:a14="http://schemas.microsoft.com/office/drawing/2010/main" xmlns="" w="9525">
+                <a14:hiddenLine xmlns="" xmlns:a14="http://schemas.microsoft.com/office/drawing/2010/main" w="9525">
                   <a:solidFill>
                     <a:schemeClr val="tx1"/>
                   </a:solidFill>
@@ -7253,7 +7254,7 @@
                 </a14:hiddenLine>
               </a:ext>
               <a:ext uri="{AF507438-7753-43e0-B8FC-AC1667EBCBE1}">
-                <a14:hiddenEffects xmlns:a14="http://schemas.microsoft.com/office/drawing/2010/main" xmlns="">
+                <a14:hiddenEffects xmlns="" xmlns:a14="http://schemas.microsoft.com/office/drawing/2010/main">
                   <a:effectLst>
                     <a:outerShdw blurRad="63500" dist="38099" dir="2700000" algn="ctr" rotWithShape="0">
                       <a:schemeClr val="bg2">
@@ -7298,7 +7299,7 @@
             <a:effectLst/>
             <a:extLst>
               <a:ext uri="{91240B29-F687-4f45-9708-019B960494DF}">
-                <a14:hiddenLine xmlns:a14="http://schemas.microsoft.com/office/drawing/2010/main" xmlns="" w="9525">
+                <a14:hiddenLine xmlns="" xmlns:a14="http://schemas.microsoft.com/office/drawing/2010/main" w="9525">
                   <a:solidFill>
                     <a:schemeClr val="tx1"/>
                   </a:solidFill>
@@ -7308,7 +7309,7 @@
                 </a14:hiddenLine>
               </a:ext>
               <a:ext uri="{AF507438-7753-43e0-B8FC-AC1667EBCBE1}">
-                <a14:hiddenEffects xmlns:a14="http://schemas.microsoft.com/office/drawing/2010/main" xmlns="">
+                <a14:hiddenEffects xmlns="" xmlns:a14="http://schemas.microsoft.com/office/drawing/2010/main">
                   <a:effectLst>
                     <a:outerShdw blurRad="63500" dist="38099" dir="2700000" algn="ctr" rotWithShape="0">
                       <a:schemeClr val="bg2">
@@ -7353,7 +7354,7 @@
             <a:effectLst/>
             <a:extLst>
               <a:ext uri="{91240B29-F687-4f45-9708-019B960494DF}">
-                <a14:hiddenLine xmlns:a14="http://schemas.microsoft.com/office/drawing/2010/main" xmlns="" w="9525">
+                <a14:hiddenLine xmlns="" xmlns:a14="http://schemas.microsoft.com/office/drawing/2010/main" w="9525">
                   <a:solidFill>
                     <a:schemeClr val="tx1"/>
                   </a:solidFill>
@@ -7363,7 +7364,7 @@
                 </a14:hiddenLine>
               </a:ext>
               <a:ext uri="{AF507438-7753-43e0-B8FC-AC1667EBCBE1}">
-                <a14:hiddenEffects xmlns:a14="http://schemas.microsoft.com/office/drawing/2010/main" xmlns="">
+                <a14:hiddenEffects xmlns="" xmlns:a14="http://schemas.microsoft.com/office/drawing/2010/main">
                   <a:effectLst>
                     <a:outerShdw blurRad="63500" dist="38099" dir="2700000" algn="ctr" rotWithShape="0">
                       <a:schemeClr val="bg2">
@@ -7408,7 +7409,7 @@
             <a:effectLst/>
             <a:extLst>
               <a:ext uri="{91240B29-F687-4f45-9708-019B960494DF}">
-                <a14:hiddenLine xmlns:a14="http://schemas.microsoft.com/office/drawing/2010/main" xmlns="" w="9525">
+                <a14:hiddenLine xmlns="" xmlns:a14="http://schemas.microsoft.com/office/drawing/2010/main" w="9525">
                   <a:solidFill>
                     <a:schemeClr val="tx1"/>
                   </a:solidFill>
@@ -7418,7 +7419,7 @@
                 </a14:hiddenLine>
               </a:ext>
               <a:ext uri="{AF507438-7753-43e0-B8FC-AC1667EBCBE1}">
-                <a14:hiddenEffects xmlns:a14="http://schemas.microsoft.com/office/drawing/2010/main" xmlns="">
+                <a14:hiddenEffects xmlns="" xmlns:a14="http://schemas.microsoft.com/office/drawing/2010/main">
                   <a:effectLst>
                     <a:outerShdw blurRad="63500" dist="38099" dir="2700000" algn="ctr" rotWithShape="0">
                       <a:schemeClr val="bg2">
@@ -7463,7 +7464,7 @@
             <a:effectLst/>
             <a:extLst>
               <a:ext uri="{91240B29-F687-4f45-9708-019B960494DF}">
-                <a14:hiddenLine xmlns:a14="http://schemas.microsoft.com/office/drawing/2010/main" xmlns="" w="9525">
+                <a14:hiddenLine xmlns="" xmlns:a14="http://schemas.microsoft.com/office/drawing/2010/main" w="9525">
                   <a:solidFill>
                     <a:schemeClr val="tx1"/>
                   </a:solidFill>
@@ -7473,7 +7474,7 @@
                 </a14:hiddenLine>
               </a:ext>
               <a:ext uri="{AF507438-7753-43e0-B8FC-AC1667EBCBE1}">
-                <a14:hiddenEffects xmlns:a14="http://schemas.microsoft.com/office/drawing/2010/main" xmlns="">
+                <a14:hiddenEffects xmlns="" xmlns:a14="http://schemas.microsoft.com/office/drawing/2010/main">
                   <a:effectLst>
                     <a:outerShdw blurRad="63500" dist="38099" dir="2700000" algn="ctr" rotWithShape="0">
                       <a:schemeClr val="bg2">
@@ -7518,7 +7519,7 @@
             <a:effectLst/>
             <a:extLst>
               <a:ext uri="{91240B29-F687-4f45-9708-019B960494DF}">
-                <a14:hiddenLine xmlns:a14="http://schemas.microsoft.com/office/drawing/2010/main" xmlns="" w="9525">
+                <a14:hiddenLine xmlns="" xmlns:a14="http://schemas.microsoft.com/office/drawing/2010/main" w="9525">
                   <a:solidFill>
                     <a:schemeClr val="tx1"/>
                   </a:solidFill>
@@ -7528,7 +7529,7 @@
                 </a14:hiddenLine>
               </a:ext>
               <a:ext uri="{AF507438-7753-43e0-B8FC-AC1667EBCBE1}">
-                <a14:hiddenEffects xmlns:a14="http://schemas.microsoft.com/office/drawing/2010/main" xmlns="">
+                <a14:hiddenEffects xmlns="" xmlns:a14="http://schemas.microsoft.com/office/drawing/2010/main">
                   <a:effectLst>
                     <a:outerShdw blurRad="63500" dist="38099" dir="2700000" algn="ctr" rotWithShape="0">
                       <a:schemeClr val="bg2">
@@ -7573,7 +7574,7 @@
             <a:effectLst/>
             <a:extLst>
               <a:ext uri="{91240B29-F687-4f45-9708-019B960494DF}">
-                <a14:hiddenLine xmlns:a14="http://schemas.microsoft.com/office/drawing/2010/main" xmlns="" w="9525">
+                <a14:hiddenLine xmlns="" xmlns:a14="http://schemas.microsoft.com/office/drawing/2010/main" w="9525">
                   <a:solidFill>
                     <a:schemeClr val="tx1"/>
                   </a:solidFill>
@@ -7583,7 +7584,7 @@
                 </a14:hiddenLine>
               </a:ext>
               <a:ext uri="{AF507438-7753-43e0-B8FC-AC1667EBCBE1}">
-                <a14:hiddenEffects xmlns:a14="http://schemas.microsoft.com/office/drawing/2010/main" xmlns="">
+                <a14:hiddenEffects xmlns="" xmlns:a14="http://schemas.microsoft.com/office/drawing/2010/main">
                   <a:effectLst>
                     <a:outerShdw blurRad="63500" dist="38099" dir="2700000" algn="ctr" rotWithShape="0">
                       <a:schemeClr val="bg2">
@@ -7628,7 +7629,7 @@
             <a:effectLst/>
             <a:extLst>
               <a:ext uri="{91240B29-F687-4f45-9708-019B960494DF}">
-                <a14:hiddenLine xmlns:a14="http://schemas.microsoft.com/office/drawing/2010/main" xmlns="" w="9525">
+                <a14:hiddenLine xmlns="" xmlns:a14="http://schemas.microsoft.com/office/drawing/2010/main" w="9525">
                   <a:solidFill>
                     <a:schemeClr val="tx1"/>
                   </a:solidFill>
@@ -7638,7 +7639,7 @@
                 </a14:hiddenLine>
               </a:ext>
               <a:ext uri="{AF507438-7753-43e0-B8FC-AC1667EBCBE1}">
-                <a14:hiddenEffects xmlns:a14="http://schemas.microsoft.com/office/drawing/2010/main" xmlns="">
+                <a14:hiddenEffects xmlns="" xmlns:a14="http://schemas.microsoft.com/office/drawing/2010/main">
                   <a:effectLst>
                     <a:outerShdw blurRad="63500" dist="38099" dir="2700000" algn="ctr" rotWithShape="0">
                       <a:schemeClr val="bg2">
@@ -7683,7 +7684,7 @@
             <a:effectLst/>
             <a:extLst>
               <a:ext uri="{91240B29-F687-4f45-9708-019B960494DF}">
-                <a14:hiddenLine xmlns:a14="http://schemas.microsoft.com/office/drawing/2010/main" xmlns="" w="9525">
+                <a14:hiddenLine xmlns="" xmlns:a14="http://schemas.microsoft.com/office/drawing/2010/main" w="9525">
                   <a:solidFill>
                     <a:schemeClr val="tx1"/>
                   </a:solidFill>
@@ -7693,7 +7694,7 @@
                 </a14:hiddenLine>
               </a:ext>
               <a:ext uri="{AF507438-7753-43e0-B8FC-AC1667EBCBE1}">
-                <a14:hiddenEffects xmlns:a14="http://schemas.microsoft.com/office/drawing/2010/main" xmlns="">
+                <a14:hiddenEffects xmlns="" xmlns:a14="http://schemas.microsoft.com/office/drawing/2010/main">
                   <a:effectLst>
                     <a:outerShdw blurRad="63500" dist="38099" dir="2700000" algn="ctr" rotWithShape="0">
                       <a:schemeClr val="bg2">
@@ -7738,7 +7739,7 @@
             <a:effectLst/>
             <a:extLst>
               <a:ext uri="{91240B29-F687-4f45-9708-019B960494DF}">
-                <a14:hiddenLine xmlns:a14="http://schemas.microsoft.com/office/drawing/2010/main" xmlns="" w="9525">
+                <a14:hiddenLine xmlns="" xmlns:a14="http://schemas.microsoft.com/office/drawing/2010/main" w="9525">
                   <a:solidFill>
                     <a:schemeClr val="tx1"/>
                   </a:solidFill>
@@ -7748,7 +7749,7 @@
                 </a14:hiddenLine>
               </a:ext>
               <a:ext uri="{AF507438-7753-43e0-B8FC-AC1667EBCBE1}">
-                <a14:hiddenEffects xmlns:a14="http://schemas.microsoft.com/office/drawing/2010/main" xmlns="">
+                <a14:hiddenEffects xmlns="" xmlns:a14="http://schemas.microsoft.com/office/drawing/2010/main">
                   <a:effectLst>
                     <a:outerShdw blurRad="63500" dist="38099" dir="2700000" algn="ctr" rotWithShape="0">
                       <a:schemeClr val="bg2">
@@ -7793,7 +7794,7 @@
             <a:effectLst/>
             <a:extLst>
               <a:ext uri="{91240B29-F687-4f45-9708-019B960494DF}">
-                <a14:hiddenLine xmlns:a14="http://schemas.microsoft.com/office/drawing/2010/main" xmlns="" w="9525">
+                <a14:hiddenLine xmlns="" xmlns:a14="http://schemas.microsoft.com/office/drawing/2010/main" w="9525">
                   <a:solidFill>
                     <a:schemeClr val="tx1"/>
                   </a:solidFill>
@@ -7803,7 +7804,7 @@
                 </a14:hiddenLine>
               </a:ext>
               <a:ext uri="{AF507438-7753-43e0-B8FC-AC1667EBCBE1}">
-                <a14:hiddenEffects xmlns:a14="http://schemas.microsoft.com/office/drawing/2010/main" xmlns="">
+                <a14:hiddenEffects xmlns="" xmlns:a14="http://schemas.microsoft.com/office/drawing/2010/main">
                   <a:effectLst>
                     <a:outerShdw blurRad="63500" dist="38099" dir="2700000" algn="ctr" rotWithShape="0">
                       <a:schemeClr val="bg2">
@@ -7848,7 +7849,7 @@
             <a:effectLst/>
             <a:extLst>
               <a:ext uri="{91240B29-F687-4f45-9708-019B960494DF}">
-                <a14:hiddenLine xmlns:a14="http://schemas.microsoft.com/office/drawing/2010/main" xmlns="" w="9525">
+                <a14:hiddenLine xmlns="" xmlns:a14="http://schemas.microsoft.com/office/drawing/2010/main" w="9525">
                   <a:solidFill>
                     <a:schemeClr val="tx1"/>
                   </a:solidFill>
@@ -7858,7 +7859,7 @@
                 </a14:hiddenLine>
               </a:ext>
               <a:ext uri="{AF507438-7753-43e0-B8FC-AC1667EBCBE1}">
-                <a14:hiddenEffects xmlns:a14="http://schemas.microsoft.com/office/drawing/2010/main" xmlns="">
+                <a14:hiddenEffects xmlns="" xmlns:a14="http://schemas.microsoft.com/office/drawing/2010/main">
                   <a:effectLst>
                     <a:outerShdw blurRad="63500" dist="38099" dir="2700000" algn="ctr" rotWithShape="0">
                       <a:schemeClr val="bg2">
@@ -7903,7 +7904,7 @@
             <a:effectLst/>
             <a:extLst>
               <a:ext uri="{91240B29-F687-4f45-9708-019B960494DF}">
-                <a14:hiddenLine xmlns:a14="http://schemas.microsoft.com/office/drawing/2010/main" xmlns="" w="9525">
+                <a14:hiddenLine xmlns="" xmlns:a14="http://schemas.microsoft.com/office/drawing/2010/main" w="9525">
                   <a:solidFill>
                     <a:schemeClr val="tx1"/>
                   </a:solidFill>
@@ -7913,7 +7914,7 @@
                 </a14:hiddenLine>
               </a:ext>
               <a:ext uri="{AF507438-7753-43e0-B8FC-AC1667EBCBE1}">
-                <a14:hiddenEffects xmlns:a14="http://schemas.microsoft.com/office/drawing/2010/main" xmlns="">
+                <a14:hiddenEffects xmlns="" xmlns:a14="http://schemas.microsoft.com/office/drawing/2010/main">
                   <a:effectLst>
                     <a:outerShdw blurRad="63500" dist="38099" dir="2700000" algn="ctr" rotWithShape="0">
                       <a:schemeClr val="bg2">
@@ -7958,7 +7959,7 @@
             <a:effectLst/>
             <a:extLst>
               <a:ext uri="{91240B29-F687-4f45-9708-019B960494DF}">
-                <a14:hiddenLine xmlns:a14="http://schemas.microsoft.com/office/drawing/2010/main" xmlns="" w="9525">
+                <a14:hiddenLine xmlns="" xmlns:a14="http://schemas.microsoft.com/office/drawing/2010/main" w="9525">
                   <a:solidFill>
                     <a:schemeClr val="tx1"/>
                   </a:solidFill>
@@ -7968,7 +7969,7 @@
                 </a14:hiddenLine>
               </a:ext>
               <a:ext uri="{AF507438-7753-43e0-B8FC-AC1667EBCBE1}">
-                <a14:hiddenEffects xmlns:a14="http://schemas.microsoft.com/office/drawing/2010/main" xmlns="">
+                <a14:hiddenEffects xmlns="" xmlns:a14="http://schemas.microsoft.com/office/drawing/2010/main">
                   <a:effectLst>
                     <a:outerShdw blurRad="63500" dist="38099" dir="2700000" algn="ctr" rotWithShape="0">
                       <a:schemeClr val="bg2">
@@ -8013,7 +8014,7 @@
             <a:effectLst/>
             <a:extLst>
               <a:ext uri="{91240B29-F687-4f45-9708-019B960494DF}">
-                <a14:hiddenLine xmlns:a14="http://schemas.microsoft.com/office/drawing/2010/main" xmlns="" w="9525">
+                <a14:hiddenLine xmlns="" xmlns:a14="http://schemas.microsoft.com/office/drawing/2010/main" w="9525">
                   <a:solidFill>
                     <a:schemeClr val="tx1"/>
                   </a:solidFill>
@@ -8023,7 +8024,7 @@
                 </a14:hiddenLine>
               </a:ext>
               <a:ext uri="{AF507438-7753-43e0-B8FC-AC1667EBCBE1}">
-                <a14:hiddenEffects xmlns:a14="http://schemas.microsoft.com/office/drawing/2010/main" xmlns="">
+                <a14:hiddenEffects xmlns="" xmlns:a14="http://schemas.microsoft.com/office/drawing/2010/main">
                   <a:effectLst>
                     <a:outerShdw blurRad="63500" dist="38099" dir="2700000" algn="ctr" rotWithShape="0">
                       <a:schemeClr val="bg2">
@@ -8068,7 +8069,7 @@
             <a:effectLst/>
             <a:extLst>
               <a:ext uri="{91240B29-F687-4f45-9708-019B960494DF}">
-                <a14:hiddenLine xmlns:a14="http://schemas.microsoft.com/office/drawing/2010/main" xmlns="" w="9525">
+                <a14:hiddenLine xmlns="" xmlns:a14="http://schemas.microsoft.com/office/drawing/2010/main" w="9525">
                   <a:solidFill>
                     <a:schemeClr val="tx1"/>
                   </a:solidFill>
@@ -8078,7 +8079,7 @@
                 </a14:hiddenLine>
               </a:ext>
               <a:ext uri="{AF507438-7753-43e0-B8FC-AC1667EBCBE1}">
-                <a14:hiddenEffects xmlns:a14="http://schemas.microsoft.com/office/drawing/2010/main" xmlns="">
+                <a14:hiddenEffects xmlns="" xmlns:a14="http://schemas.microsoft.com/office/drawing/2010/main">
                   <a:effectLst>
                     <a:outerShdw blurRad="63500" dist="38099" dir="2700000" algn="ctr" rotWithShape="0">
                       <a:schemeClr val="bg2">
@@ -8123,7 +8124,7 @@
             <a:effectLst/>
             <a:extLst>
               <a:ext uri="{91240B29-F687-4f45-9708-019B960494DF}">
-                <a14:hiddenLine xmlns:a14="http://schemas.microsoft.com/office/drawing/2010/main" xmlns="" w="9525">
+                <a14:hiddenLine xmlns="" xmlns:a14="http://schemas.microsoft.com/office/drawing/2010/main" w="9525">
                   <a:solidFill>
                     <a:schemeClr val="tx1"/>
                   </a:solidFill>
@@ -8133,7 +8134,7 @@
                 </a14:hiddenLine>
               </a:ext>
               <a:ext uri="{AF507438-7753-43e0-B8FC-AC1667EBCBE1}">
-                <a14:hiddenEffects xmlns:a14="http://schemas.microsoft.com/office/drawing/2010/main" xmlns="">
+                <a14:hiddenEffects xmlns="" xmlns:a14="http://schemas.microsoft.com/office/drawing/2010/main">
                   <a:effectLst>
                     <a:outerShdw blurRad="63500" dist="38099" dir="2700000" algn="ctr" rotWithShape="0">
                       <a:schemeClr val="bg2">
@@ -8178,7 +8179,7 @@
             <a:effectLst/>
             <a:extLst>
               <a:ext uri="{91240B29-F687-4f45-9708-019B960494DF}">
-                <a14:hiddenLine xmlns:a14="http://schemas.microsoft.com/office/drawing/2010/main" xmlns="" w="9525">
+                <a14:hiddenLine xmlns="" xmlns:a14="http://schemas.microsoft.com/office/drawing/2010/main" w="9525">
                   <a:solidFill>
                     <a:schemeClr val="tx1"/>
                   </a:solidFill>
@@ -8188,7 +8189,7 @@
                 </a14:hiddenLine>
               </a:ext>
               <a:ext uri="{AF507438-7753-43e0-B8FC-AC1667EBCBE1}">
-                <a14:hiddenEffects xmlns:a14="http://schemas.microsoft.com/office/drawing/2010/main" xmlns="">
+                <a14:hiddenEffects xmlns="" xmlns:a14="http://schemas.microsoft.com/office/drawing/2010/main">
                   <a:effectLst>
                     <a:outerShdw blurRad="63500" dist="38099" dir="2700000" algn="ctr" rotWithShape="0">
                       <a:schemeClr val="bg2">
@@ -8233,7 +8234,7 @@
             <a:effectLst/>
             <a:extLst>
               <a:ext uri="{91240B29-F687-4f45-9708-019B960494DF}">
-                <a14:hiddenLine xmlns:a14="http://schemas.microsoft.com/office/drawing/2010/main" xmlns="" w="9525">
+                <a14:hiddenLine xmlns="" xmlns:a14="http://schemas.microsoft.com/office/drawing/2010/main" w="9525">
                   <a:solidFill>
                     <a:schemeClr val="tx1"/>
                   </a:solidFill>
@@ -8243,7 +8244,7 @@
                 </a14:hiddenLine>
               </a:ext>
               <a:ext uri="{AF507438-7753-43e0-B8FC-AC1667EBCBE1}">
-                <a14:hiddenEffects xmlns:a14="http://schemas.microsoft.com/office/drawing/2010/main" xmlns="">
+                <a14:hiddenEffects xmlns="" xmlns:a14="http://schemas.microsoft.com/office/drawing/2010/main">
                   <a:effectLst>
                     <a:outerShdw blurRad="63500" dist="38099" dir="2700000" algn="ctr" rotWithShape="0">
                       <a:schemeClr val="bg2">
@@ -8288,7 +8289,7 @@
             <a:effectLst/>
             <a:extLst>
               <a:ext uri="{91240B29-F687-4f45-9708-019B960494DF}">
-                <a14:hiddenLine xmlns:a14="http://schemas.microsoft.com/office/drawing/2010/main" xmlns="" w="9525">
+                <a14:hiddenLine xmlns="" xmlns:a14="http://schemas.microsoft.com/office/drawing/2010/main" w="9525">
                   <a:solidFill>
                     <a:schemeClr val="tx1"/>
                   </a:solidFill>
@@ -8298,7 +8299,7 @@
                 </a14:hiddenLine>
               </a:ext>
               <a:ext uri="{AF507438-7753-43e0-B8FC-AC1667EBCBE1}">
-                <a14:hiddenEffects xmlns:a14="http://schemas.microsoft.com/office/drawing/2010/main" xmlns="">
+                <a14:hiddenEffects xmlns="" xmlns:a14="http://schemas.microsoft.com/office/drawing/2010/main">
                   <a:effectLst>
                     <a:outerShdw blurRad="63500" dist="38099" dir="2700000" algn="ctr" rotWithShape="0">
                       <a:schemeClr val="bg2">
@@ -8343,7 +8344,7 @@
             <a:effectLst/>
             <a:extLst>
               <a:ext uri="{91240B29-F687-4f45-9708-019B960494DF}">
-                <a14:hiddenLine xmlns:a14="http://schemas.microsoft.com/office/drawing/2010/main" xmlns="" w="9525">
+                <a14:hiddenLine xmlns="" xmlns:a14="http://schemas.microsoft.com/office/drawing/2010/main" w="9525">
                   <a:solidFill>
                     <a:schemeClr val="tx1"/>
                   </a:solidFill>
@@ -8353,7 +8354,7 @@
                 </a14:hiddenLine>
               </a:ext>
               <a:ext uri="{AF507438-7753-43e0-B8FC-AC1667EBCBE1}">
-                <a14:hiddenEffects xmlns:a14="http://schemas.microsoft.com/office/drawing/2010/main" xmlns="">
+                <a14:hiddenEffects xmlns="" xmlns:a14="http://schemas.microsoft.com/office/drawing/2010/main">
                   <a:effectLst>
                     <a:outerShdw blurRad="63500" dist="38099" dir="2700000" algn="ctr" rotWithShape="0">
                       <a:schemeClr val="bg2">
@@ -8398,7 +8399,7 @@
             <a:effectLst/>
             <a:extLst>
               <a:ext uri="{91240B29-F687-4f45-9708-019B960494DF}">
-                <a14:hiddenLine xmlns:a14="http://schemas.microsoft.com/office/drawing/2010/main" xmlns="" w="9525">
+                <a14:hiddenLine xmlns="" xmlns:a14="http://schemas.microsoft.com/office/drawing/2010/main" w="9525">
                   <a:solidFill>
                     <a:schemeClr val="tx1"/>
                   </a:solidFill>
@@ -8408,7 +8409,7 @@
                 </a14:hiddenLine>
               </a:ext>
               <a:ext uri="{AF507438-7753-43e0-B8FC-AC1667EBCBE1}">
-                <a14:hiddenEffects xmlns:a14="http://schemas.microsoft.com/office/drawing/2010/main" xmlns="">
+                <a14:hiddenEffects xmlns="" xmlns:a14="http://schemas.microsoft.com/office/drawing/2010/main">
                   <a:effectLst>
                     <a:outerShdw blurRad="63500" dist="38099" dir="2700000" algn="ctr" rotWithShape="0">
                       <a:schemeClr val="bg2">
@@ -8453,7 +8454,7 @@
             <a:effectLst/>
             <a:extLst>
               <a:ext uri="{91240B29-F687-4f45-9708-019B960494DF}">
-                <a14:hiddenLine xmlns:a14="http://schemas.microsoft.com/office/drawing/2010/main" xmlns="" w="9525">
+                <a14:hiddenLine xmlns="" xmlns:a14="http://schemas.microsoft.com/office/drawing/2010/main" w="9525">
                   <a:solidFill>
                     <a:schemeClr val="tx1"/>
                   </a:solidFill>
@@ -8463,7 +8464,7 @@
                 </a14:hiddenLine>
               </a:ext>
               <a:ext uri="{AF507438-7753-43e0-B8FC-AC1667EBCBE1}">
-                <a14:hiddenEffects xmlns:a14="http://schemas.microsoft.com/office/drawing/2010/main" xmlns="">
+                <a14:hiddenEffects xmlns="" xmlns:a14="http://schemas.microsoft.com/office/drawing/2010/main">
                   <a:effectLst>
                     <a:outerShdw blurRad="63500" dist="38099" dir="2700000" algn="ctr" rotWithShape="0">
                       <a:schemeClr val="bg2">
@@ -8508,7 +8509,7 @@
             <a:effectLst/>
             <a:extLst>
               <a:ext uri="{91240B29-F687-4f45-9708-019B960494DF}">
-                <a14:hiddenLine xmlns:a14="http://schemas.microsoft.com/office/drawing/2010/main" xmlns="" w="9525">
+                <a14:hiddenLine xmlns="" xmlns:a14="http://schemas.microsoft.com/office/drawing/2010/main" w="9525">
                   <a:solidFill>
                     <a:schemeClr val="tx1"/>
                   </a:solidFill>
@@ -8518,7 +8519,7 @@
                 </a14:hiddenLine>
               </a:ext>
               <a:ext uri="{AF507438-7753-43e0-B8FC-AC1667EBCBE1}">
-                <a14:hiddenEffects xmlns:a14="http://schemas.microsoft.com/office/drawing/2010/main" xmlns="">
+                <a14:hiddenEffects xmlns="" xmlns:a14="http://schemas.microsoft.com/office/drawing/2010/main">
                   <a:effectLst>
                     <a:outerShdw blurRad="63500" dist="38099" dir="2700000" algn="ctr" rotWithShape="0">
                       <a:schemeClr val="bg2">
@@ -8563,7 +8564,7 @@
             <a:effectLst/>
             <a:extLst>
               <a:ext uri="{91240B29-F687-4f45-9708-019B960494DF}">
-                <a14:hiddenLine xmlns:a14="http://schemas.microsoft.com/office/drawing/2010/main" xmlns="" w="9525">
+                <a14:hiddenLine xmlns="" xmlns:a14="http://schemas.microsoft.com/office/drawing/2010/main" w="9525">
                   <a:solidFill>
                     <a:schemeClr val="tx1"/>
                   </a:solidFill>
@@ -8573,7 +8574,7 @@
                 </a14:hiddenLine>
               </a:ext>
               <a:ext uri="{AF507438-7753-43e0-B8FC-AC1667EBCBE1}">
-                <a14:hiddenEffects xmlns:a14="http://schemas.microsoft.com/office/drawing/2010/main" xmlns="">
+                <a14:hiddenEffects xmlns="" xmlns:a14="http://schemas.microsoft.com/office/drawing/2010/main">
                   <a:effectLst>
                     <a:outerShdw blurRad="63500" dist="38099" dir="2700000" algn="ctr" rotWithShape="0">
                       <a:schemeClr val="bg2">
@@ -8618,7 +8619,7 @@
             <a:effectLst/>
             <a:extLst>
               <a:ext uri="{91240B29-F687-4f45-9708-019B960494DF}">
-                <a14:hiddenLine xmlns:a14="http://schemas.microsoft.com/office/drawing/2010/main" xmlns="" w="9525">
+                <a14:hiddenLine xmlns="" xmlns:a14="http://schemas.microsoft.com/office/drawing/2010/main" w="9525">
                   <a:solidFill>
                     <a:schemeClr val="tx1"/>
                   </a:solidFill>
@@ -8628,7 +8629,7 @@
                 </a14:hiddenLine>
               </a:ext>
               <a:ext uri="{AF507438-7753-43e0-B8FC-AC1667EBCBE1}">
-                <a14:hiddenEffects xmlns:a14="http://schemas.microsoft.com/office/drawing/2010/main" xmlns="">
+                <a14:hiddenEffects xmlns="" xmlns:a14="http://schemas.microsoft.com/office/drawing/2010/main">
                   <a:effectLst>
                     <a:outerShdw blurRad="63500" dist="38099" dir="2700000" algn="ctr" rotWithShape="0">
                       <a:schemeClr val="bg2">
@@ -8673,7 +8674,7 @@
             <a:effectLst/>
             <a:extLst>
               <a:ext uri="{91240B29-F687-4f45-9708-019B960494DF}">
-                <a14:hiddenLine xmlns:a14="http://schemas.microsoft.com/office/drawing/2010/main" xmlns="" w="9525">
+                <a14:hiddenLine xmlns="" xmlns:a14="http://schemas.microsoft.com/office/drawing/2010/main" w="9525">
                   <a:solidFill>
                     <a:schemeClr val="tx1"/>
                   </a:solidFill>
@@ -8683,7 +8684,7 @@
                 </a14:hiddenLine>
               </a:ext>
               <a:ext uri="{AF507438-7753-43e0-B8FC-AC1667EBCBE1}">
-                <a14:hiddenEffects xmlns:a14="http://schemas.microsoft.com/office/drawing/2010/main" xmlns="">
+                <a14:hiddenEffects xmlns="" xmlns:a14="http://schemas.microsoft.com/office/drawing/2010/main">
                   <a:effectLst>
                     <a:outerShdw blurRad="63500" dist="38099" dir="2700000" algn="ctr" rotWithShape="0">
                       <a:schemeClr val="bg2">
@@ -8728,7 +8729,7 @@
             <a:effectLst/>
             <a:extLst>
               <a:ext uri="{91240B29-F687-4f45-9708-019B960494DF}">
-                <a14:hiddenLine xmlns:a14="http://schemas.microsoft.com/office/drawing/2010/main" xmlns="" w="9525">
+                <a14:hiddenLine xmlns="" xmlns:a14="http://schemas.microsoft.com/office/drawing/2010/main" w="9525">
                   <a:solidFill>
                     <a:schemeClr val="tx1"/>
                   </a:solidFill>
@@ -8738,7 +8739,7 @@
                 </a14:hiddenLine>
               </a:ext>
               <a:ext uri="{AF507438-7753-43e0-B8FC-AC1667EBCBE1}">
-                <a14:hiddenEffects xmlns:a14="http://schemas.microsoft.com/office/drawing/2010/main" xmlns="">
+                <a14:hiddenEffects xmlns="" xmlns:a14="http://schemas.microsoft.com/office/drawing/2010/main">
                   <a:effectLst>
                     <a:outerShdw blurRad="63500" dist="38099" dir="2700000" algn="ctr" rotWithShape="0">
                       <a:schemeClr val="bg2">
@@ -8783,7 +8784,7 @@
             <a:effectLst/>
             <a:extLst>
               <a:ext uri="{91240B29-F687-4f45-9708-019B960494DF}">
-                <a14:hiddenLine xmlns:a14="http://schemas.microsoft.com/office/drawing/2010/main" xmlns="" w="9525">
+                <a14:hiddenLine xmlns="" xmlns:a14="http://schemas.microsoft.com/office/drawing/2010/main" w="9525">
                   <a:solidFill>
                     <a:schemeClr val="tx1"/>
                   </a:solidFill>
@@ -8793,7 +8794,7 @@
                 </a14:hiddenLine>
               </a:ext>
               <a:ext uri="{AF507438-7753-43e0-B8FC-AC1667EBCBE1}">
-                <a14:hiddenEffects xmlns:a14="http://schemas.microsoft.com/office/drawing/2010/main" xmlns="">
+                <a14:hiddenEffects xmlns="" xmlns:a14="http://schemas.microsoft.com/office/drawing/2010/main">
                   <a:effectLst>
                     <a:outerShdw blurRad="63500" dist="38099" dir="2700000" algn="ctr" rotWithShape="0">
                       <a:schemeClr val="bg2">
@@ -9715,7 +9716,7 @@
           <a:effectLst/>
           <a:extLst>
             <a:ext uri="{AF507438-7753-43e0-B8FC-AC1667EBCBE1}">
-              <a14:hiddenEffects xmlns:a14="http://schemas.microsoft.com/office/drawing/2010/main" xmlns="">
+              <a14:hiddenEffects xmlns="" xmlns:a14="http://schemas.microsoft.com/office/drawing/2010/main">
                 <a:effectLst>
                   <a:outerShdw blurRad="63500" dist="38099" dir="2700000" algn="ctr" rotWithShape="0">
                     <a:schemeClr val="bg2">
@@ -9759,7 +9760,7 @@
           <a:effectLst/>
           <a:extLst>
             <a:ext uri="{AF507438-7753-43e0-B8FC-AC1667EBCBE1}">
-              <a14:hiddenEffects xmlns:a14="http://schemas.microsoft.com/office/drawing/2010/main" xmlns="">
+              <a14:hiddenEffects xmlns="" xmlns:a14="http://schemas.microsoft.com/office/drawing/2010/main">
                 <a:effectLst>
                   <a:outerShdw blurRad="63500" dist="38099" dir="2700000" algn="ctr" rotWithShape="0">
                     <a:schemeClr val="bg2">
@@ -9804,7 +9805,7 @@
           <a:effectLst/>
           <a:extLst>
             <a:ext uri="{AF507438-7753-43e0-B8FC-AC1667EBCBE1}">
-              <a14:hiddenEffects xmlns:a14="http://schemas.microsoft.com/office/drawing/2010/main" xmlns="">
+              <a14:hiddenEffects xmlns="" xmlns:a14="http://schemas.microsoft.com/office/drawing/2010/main">
                 <a:effectLst>
                   <a:outerShdw blurRad="63500" dist="38099" dir="2700000" algn="ctr" rotWithShape="0">
                     <a:schemeClr val="bg2">
@@ -9849,7 +9850,7 @@
           <a:effectLst/>
           <a:extLst>
             <a:ext uri="{AF507438-7753-43e0-B8FC-AC1667EBCBE1}">
-              <a14:hiddenEffects xmlns:a14="http://schemas.microsoft.com/office/drawing/2010/main" xmlns="">
+              <a14:hiddenEffects xmlns="" xmlns:a14="http://schemas.microsoft.com/office/drawing/2010/main">
                 <a:effectLst>
                   <a:outerShdw blurRad="63500" dist="38099" dir="2700000" algn="ctr" rotWithShape="0">
                     <a:schemeClr val="bg2">
@@ -9894,7 +9895,7 @@
           <a:effectLst/>
           <a:extLst>
             <a:ext uri="{AF507438-7753-43e0-B8FC-AC1667EBCBE1}">
-              <a14:hiddenEffects xmlns:a14="http://schemas.microsoft.com/office/drawing/2010/main" xmlns="">
+              <a14:hiddenEffects xmlns="" xmlns:a14="http://schemas.microsoft.com/office/drawing/2010/main">
                 <a:effectLst>
                   <a:outerShdw blurRad="63500" dist="38099" dir="2700000" algn="ctr" rotWithShape="0">
                     <a:schemeClr val="bg2">
@@ -9939,7 +9940,7 @@
           <a:effectLst/>
           <a:extLst>
             <a:ext uri="{AF507438-7753-43e0-B8FC-AC1667EBCBE1}">
-              <a14:hiddenEffects xmlns:a14="http://schemas.microsoft.com/office/drawing/2010/main" xmlns="">
+              <a14:hiddenEffects xmlns="" xmlns:a14="http://schemas.microsoft.com/office/drawing/2010/main">
                 <a:effectLst>
                   <a:outerShdw blurRad="63500" dist="38099" dir="2700000" algn="ctr" rotWithShape="0">
                     <a:schemeClr val="bg2">
@@ -9985,7 +9986,7 @@
           <a:effectLst/>
           <a:extLst>
             <a:ext uri="{AF507438-7753-43e0-B8FC-AC1667EBCBE1}">
-              <a14:hiddenEffects xmlns:a14="http://schemas.microsoft.com/office/drawing/2010/main" xmlns="">
+              <a14:hiddenEffects xmlns="" xmlns:a14="http://schemas.microsoft.com/office/drawing/2010/main">
                 <a:effectLst>
                   <a:outerShdw blurRad="63500" dist="38099" dir="2700000" algn="ctr" rotWithShape="0">
                     <a:schemeClr val="bg2">
@@ -10388,7 +10389,7 @@
           <a:effectLst/>
           <a:extLst>
             <a:ext uri="{AF507438-7753-43e0-B8FC-AC1667EBCBE1}">
-              <a14:hiddenEffects xmlns:a14="http://schemas.microsoft.com/office/drawing/2010/main" xmlns="">
+              <a14:hiddenEffects xmlns="" xmlns:a14="http://schemas.microsoft.com/office/drawing/2010/main">
                 <a:effectLst>
                   <a:outerShdw blurRad="63500" dist="38099" dir="2700000" algn="ctr" rotWithShape="0">
                     <a:schemeClr val="bg2">
@@ -10433,7 +10434,7 @@
           <a:effectLst/>
           <a:extLst>
             <a:ext uri="{AF507438-7753-43e0-B8FC-AC1667EBCBE1}">
-              <a14:hiddenEffects xmlns:a14="http://schemas.microsoft.com/office/drawing/2010/main" xmlns="">
+              <a14:hiddenEffects xmlns="" xmlns:a14="http://schemas.microsoft.com/office/drawing/2010/main">
                 <a:effectLst>
                   <a:outerShdw blurRad="63500" dist="38099" dir="2700000" algn="ctr" rotWithShape="0">
                     <a:schemeClr val="bg2">
@@ -10520,7 +10521,7 @@
           <a:effectLst/>
           <a:extLst>
             <a:ext uri="{AF507438-7753-43e0-B8FC-AC1667EBCBE1}">
-              <a14:hiddenEffects xmlns="" xmlns:a14="http://schemas.microsoft.com/office/drawing/2010/main">
+              <a14:hiddenEffects xmlns:a14="http://schemas.microsoft.com/office/drawing/2010/main" xmlns="">
                 <a:effectLst>
                   <a:outerShdw blurRad="63500" dist="38099" dir="2700000" algn="ctr" rotWithShape="0">
                     <a:schemeClr val="bg2">
@@ -10566,7 +10567,7 @@
           </a:ln>
           <a:extLst>
             <a:ext uri="{909E8E84-426E-40dd-AFC4-6F175D3DCCD1}">
-              <a14:hiddenFill xmlns:a14="http://schemas.microsoft.com/office/drawing/2010/main" xmlns="">
+              <a14:hiddenFill xmlns="" xmlns:a14="http://schemas.microsoft.com/office/drawing/2010/main">
                 <a:solidFill>
                   <a:schemeClr val="accent1"/>
                 </a:solidFill>
@@ -11244,7 +11245,7 @@
           </a:ln>
           <a:extLst>
             <a:ext uri="{909E8E84-426E-40dd-AFC4-6F175D3DCCD1}">
-              <a14:hiddenFill xmlns:a14="http://schemas.microsoft.com/office/drawing/2010/main" xmlns="">
+              <a14:hiddenFill xmlns="" xmlns:a14="http://schemas.microsoft.com/office/drawing/2010/main">
                 <a:noFill/>
               </a14:hiddenFill>
             </a:ext>
@@ -11273,14 +11274,14 @@
           </a:ln>
           <a:extLst>
             <a:ext uri="{909E8E84-426E-40dd-AFC4-6F175D3DCCD1}">
-              <a14:hiddenFill xmlns:a14="http://schemas.microsoft.com/office/drawing/2010/main" xmlns="">
+              <a14:hiddenFill xmlns="" xmlns:a14="http://schemas.microsoft.com/office/drawing/2010/main">
                 <a:solidFill>
                   <a:schemeClr val="accent1"/>
                 </a:solidFill>
               </a14:hiddenFill>
             </a:ext>
             <a:ext uri="{91240B29-F687-4f45-9708-019B960494DF}">
-              <a14:hiddenLine xmlns:a14="http://schemas.microsoft.com/office/drawing/2010/main" xmlns="" w="9525">
+              <a14:hiddenLine xmlns="" xmlns:a14="http://schemas.microsoft.com/office/drawing/2010/main" w="9525">
                 <a:solidFill>
                   <a:schemeClr val="tx1"/>
                 </a:solidFill>
@@ -11330,14 +11331,14 @@
           </a:ln>
           <a:extLst>
             <a:ext uri="{909E8E84-426E-40dd-AFC4-6F175D3DCCD1}">
-              <a14:hiddenFill xmlns:a14="http://schemas.microsoft.com/office/drawing/2010/main" xmlns="">
+              <a14:hiddenFill xmlns="" xmlns:a14="http://schemas.microsoft.com/office/drawing/2010/main">
                 <a:solidFill>
                   <a:schemeClr val="accent1"/>
                 </a:solidFill>
               </a14:hiddenFill>
             </a:ext>
             <a:ext uri="{91240B29-F687-4f45-9708-019B960494DF}">
-              <a14:hiddenLine xmlns:a14="http://schemas.microsoft.com/office/drawing/2010/main" xmlns="" w="9525">
+              <a14:hiddenLine xmlns="" xmlns:a14="http://schemas.microsoft.com/office/drawing/2010/main" w="9525">
                 <a:solidFill>
                   <a:schemeClr val="tx1"/>
                 </a:solidFill>
@@ -12162,7 +12163,7 @@
           <a:effectLst/>
           <a:extLst>
             <a:ext uri="{AF507438-7753-43e0-B8FC-AC1667EBCBE1}">
-              <a14:hiddenEffects xmlns:a14="http://schemas.microsoft.com/office/drawing/2010/main" xmlns="">
+              <a14:hiddenEffects xmlns="" xmlns:a14="http://schemas.microsoft.com/office/drawing/2010/main">
                 <a:effectLst>
                   <a:outerShdw blurRad="63500" dist="38099" dir="2700000" algn="ctr" rotWithShape="0">
                     <a:schemeClr val="bg2">
@@ -12350,7 +12351,7 @@
           </a:ln>
           <a:extLst>
             <a:ext uri="{909E8E84-426E-40dd-AFC4-6F175D3DCCD1}">
-              <a14:hiddenFill xmlns:a14="http://schemas.microsoft.com/office/drawing/2010/main" xmlns="">
+              <a14:hiddenFill xmlns="" xmlns:a14="http://schemas.microsoft.com/office/drawing/2010/main">
                 <a:solidFill>
                   <a:schemeClr val="accent1"/>
                 </a:solidFill>
@@ -14225,14 +14226,14 @@
           </a:ln>
           <a:extLst>
             <a:ext uri="{909E8E84-426E-40dd-AFC4-6F175D3DCCD1}">
-              <a14:hiddenFill xmlns:a14="http://schemas.microsoft.com/office/drawing/2010/main" xmlns="">
+              <a14:hiddenFill xmlns="" xmlns:a14="http://schemas.microsoft.com/office/drawing/2010/main">
                 <a:solidFill>
                   <a:schemeClr val="accent1"/>
                 </a:solidFill>
               </a14:hiddenFill>
             </a:ext>
             <a:ext uri="{91240B29-F687-4f45-9708-019B960494DF}">
-              <a14:hiddenLine xmlns:a14="http://schemas.microsoft.com/office/drawing/2010/main" xmlns="" w="9525">
+              <a14:hiddenLine xmlns="" xmlns:a14="http://schemas.microsoft.com/office/drawing/2010/main" w="9525">
                 <a:solidFill>
                   <a:schemeClr val="tx1"/>
                 </a:solidFill>
@@ -14555,14 +14556,14 @@
           </a:ln>
           <a:extLst>
             <a:ext uri="{909E8E84-426E-40dd-AFC4-6F175D3DCCD1}">
-              <a14:hiddenFill xmlns:a14="http://schemas.microsoft.com/office/drawing/2010/main" xmlns="">
+              <a14:hiddenFill xmlns="" xmlns:a14="http://schemas.microsoft.com/office/drawing/2010/main">
                 <a:solidFill>
                   <a:schemeClr val="accent1"/>
                 </a:solidFill>
               </a14:hiddenFill>
             </a:ext>
             <a:ext uri="{91240B29-F687-4f45-9708-019B960494DF}">
-              <a14:hiddenLine xmlns:a14="http://schemas.microsoft.com/office/drawing/2010/main" xmlns="" w="9525">
+              <a14:hiddenLine xmlns="" xmlns:a14="http://schemas.microsoft.com/office/drawing/2010/main" w="9525">
                 <a:solidFill>
                   <a:schemeClr val="tx1"/>
                 </a:solidFill>
@@ -14987,14 +14988,14 @@
           </a:ln>
           <a:extLst>
             <a:ext uri="{909E8E84-426E-40dd-AFC4-6F175D3DCCD1}">
-              <a14:hiddenFill xmlns:a14="http://schemas.microsoft.com/office/drawing/2010/main" xmlns="">
+              <a14:hiddenFill xmlns="" xmlns:a14="http://schemas.microsoft.com/office/drawing/2010/main">
                 <a:solidFill>
                   <a:schemeClr val="accent1"/>
                 </a:solidFill>
               </a14:hiddenFill>
             </a:ext>
             <a:ext uri="{91240B29-F687-4f45-9708-019B960494DF}">
-              <a14:hiddenLine xmlns:a14="http://schemas.microsoft.com/office/drawing/2010/main" xmlns="" w="9525">
+              <a14:hiddenLine xmlns="" xmlns:a14="http://schemas.microsoft.com/office/drawing/2010/main" w="9525">
                 <a:solidFill>
                   <a:schemeClr val="tx1"/>
                 </a:solidFill>
@@ -15354,14 +15355,14 @@
           </a:ln>
           <a:extLst>
             <a:ext uri="{909E8E84-426E-40dd-AFC4-6F175D3DCCD1}">
-              <a14:hiddenFill xmlns:a14="http://schemas.microsoft.com/office/drawing/2010/main" xmlns="">
+              <a14:hiddenFill xmlns="" xmlns:a14="http://schemas.microsoft.com/office/drawing/2010/main">
                 <a:solidFill>
                   <a:schemeClr val="accent1"/>
                 </a:solidFill>
               </a14:hiddenFill>
             </a:ext>
             <a:ext uri="{91240B29-F687-4f45-9708-019B960494DF}">
-              <a14:hiddenLine xmlns:a14="http://schemas.microsoft.com/office/drawing/2010/main" xmlns="" w="9525">
+              <a14:hiddenLine xmlns="" xmlns:a14="http://schemas.microsoft.com/office/drawing/2010/main" w="9525">
                 <a:solidFill>
                   <a:schemeClr val="tx1"/>
                 </a:solidFill>
@@ -15684,14 +15685,14 @@
           </a:ln>
           <a:extLst>
             <a:ext uri="{909E8E84-426E-40dd-AFC4-6F175D3DCCD1}">
-              <a14:hiddenFill xmlns:a14="http://schemas.microsoft.com/office/drawing/2010/main" xmlns="">
+              <a14:hiddenFill xmlns="" xmlns:a14="http://schemas.microsoft.com/office/drawing/2010/main">
                 <a:solidFill>
                   <a:schemeClr val="accent1"/>
                 </a:solidFill>
               </a14:hiddenFill>
             </a:ext>
             <a:ext uri="{91240B29-F687-4f45-9708-019B960494DF}">
-              <a14:hiddenLine xmlns:a14="http://schemas.microsoft.com/office/drawing/2010/main" xmlns="" w="9525">
+              <a14:hiddenLine xmlns="" xmlns:a14="http://schemas.microsoft.com/office/drawing/2010/main" w="9525">
                 <a:solidFill>
                   <a:schemeClr val="tx1"/>
                 </a:solidFill>
@@ -16270,7 +16271,7 @@
           <a:effectLst/>
           <a:extLst>
             <a:ext uri="{AF507438-7753-43e0-B8FC-AC1667EBCBE1}">
-              <a14:hiddenEffects xmlns="" xmlns:a14="http://schemas.microsoft.com/office/drawing/2010/main">
+              <a14:hiddenEffects xmlns:a14="http://schemas.microsoft.com/office/drawing/2010/main" xmlns="">
                 <a:effectLst>
                   <a:outerShdw blurRad="63500" dist="38099" dir="2700000" algn="ctr" rotWithShape="0">
                     <a:schemeClr val="bg2">
@@ -16401,6 +16402,185 @@
 </file>
 
 <file path=ppt/slides/slide30.xml><?xml version="1.0" encoding="utf-8"?>
+<p:sld xmlns:a="http://schemas.openxmlformats.org/drawingml/2006/main" xmlns:r="http://schemas.openxmlformats.org/officeDocument/2006/relationships" xmlns:p="http://schemas.openxmlformats.org/presentationml/2006/main">
+  <p:cSld>
+    <p:spTree>
+      <p:nvGrpSpPr>
+        <p:cNvPr id="1" name=""/>
+        <p:cNvGrpSpPr/>
+        <p:nvPr/>
+      </p:nvGrpSpPr>
+      <p:grpSpPr>
+        <a:xfrm>
+          <a:off x="0" y="0"/>
+          <a:ext cx="0" cy="0"/>
+          <a:chOff x="0" y="0"/>
+          <a:chExt cx="0" cy="0"/>
+        </a:xfrm>
+      </p:grpSpPr>
+      <p:sp>
+        <p:nvSpPr>
+          <p:cNvPr id="2" name="Title 1">
+            <a:extLst>
+              <a:ext uri="{FF2B5EF4-FFF2-40B4-BE49-F238E27FC236}">
+                <a16:creationId xmlns:a16="http://schemas.microsoft.com/office/drawing/2014/main" id="{C83154DD-55ED-ED4E-86CF-AD137BBC6BA4}"/>
+              </a:ext>
+            </a:extLst>
+          </p:cNvPr>
+          <p:cNvSpPr>
+            <a:spLocks noGrp="1"/>
+          </p:cNvSpPr>
+          <p:nvPr>
+            <p:ph type="title"/>
+          </p:nvPr>
+        </p:nvSpPr>
+        <p:spPr/>
+        <p:txBody>
+          <a:bodyPr/>
+          <a:lstStyle/>
+          <a:p>
+            <a:r>
+              <a:rPr lang="en-US" dirty="0"/>
+              <a:t>Class Exercise</a:t>
+            </a:r>
+          </a:p>
+        </p:txBody>
+      </p:sp>
+      <p:sp>
+        <p:nvSpPr>
+          <p:cNvPr id="3" name="Content Placeholder 2">
+            <a:extLst>
+              <a:ext uri="{FF2B5EF4-FFF2-40B4-BE49-F238E27FC236}">
+                <a16:creationId xmlns:a16="http://schemas.microsoft.com/office/drawing/2014/main" id="{2FB41001-0F02-7947-938C-AB362E514431}"/>
+              </a:ext>
+            </a:extLst>
+          </p:cNvPr>
+          <p:cNvSpPr>
+            <a:spLocks noGrp="1"/>
+          </p:cNvSpPr>
+          <p:nvPr>
+            <p:ph idx="1"/>
+          </p:nvPr>
+        </p:nvSpPr>
+        <p:spPr/>
+        <p:txBody>
+          <a:bodyPr>
+            <a:normAutofit fontScale="85000" lnSpcReduction="10000"/>
+          </a:bodyPr>
+          <a:lstStyle/>
+          <a:p>
+            <a:r>
+              <a:rPr lang="en-US" dirty="0"/>
+              <a:t>Given the grammar G:</a:t>
+            </a:r>
+            <a:br>
+              <a:rPr lang="en-US" dirty="0"/>
+            </a:br>
+            <a:r>
+              <a:rPr lang="en-US" dirty="0"/>
+              <a:t>A : a B</a:t>
+            </a:r>
+            <a:br>
+              <a:rPr lang="en-US" dirty="0"/>
+            </a:br>
+            <a:r>
+              <a:rPr lang="en-US" dirty="0"/>
+              <a:t>    | “”</a:t>
+            </a:r>
+            <a:br>
+              <a:rPr lang="en-US" dirty="0"/>
+            </a:br>
+            <a:r>
+              <a:rPr lang="en-US" dirty="0"/>
+              <a:t>B : b A</a:t>
+            </a:r>
+          </a:p>
+          <a:p>
+            <a:r>
+              <a:rPr lang="en-US" dirty="0"/>
+              <a:t>Do the following:</a:t>
+            </a:r>
+          </a:p>
+          <a:p>
+            <a:pPr marL="858837" lvl="1" indent="-514350">
+              <a:buFont typeface="+mj-lt"/>
+              <a:buAutoNum type="arabicPeriod"/>
+            </a:pPr>
+            <a:r>
+              <a:rPr lang="en-US" dirty="0"/>
+              <a:t>Give three examples of </a:t>
+            </a:r>
+            <a:r>
+              <a:rPr lang="en-US"/>
+              <a:t>strings the </a:t>
+            </a:r>
+            <a:r>
+              <a:rPr lang="en-US" dirty="0"/>
+              <a:t>grammar generates.</a:t>
+            </a:r>
+          </a:p>
+          <a:p>
+            <a:pPr marL="858837" lvl="1" indent="-514350">
+              <a:buFont typeface="+mj-lt"/>
+              <a:buAutoNum type="arabicPeriod"/>
+            </a:pPr>
+            <a:r>
+              <a:rPr lang="en-US" dirty="0"/>
+              <a:t>Compute the lookahead sets for the grammar.</a:t>
+            </a:r>
+          </a:p>
+          <a:p>
+            <a:pPr marL="858837" lvl="1" indent="-514350">
+              <a:buFont typeface="+mj-lt"/>
+              <a:buAutoNum type="arabicPeriod"/>
+            </a:pPr>
+            <a:r>
+              <a:rPr lang="en-US" dirty="0"/>
+              <a:t>Construct a parser for L(G).</a:t>
+            </a:r>
+          </a:p>
+          <a:p>
+            <a:r>
+              <a:rPr lang="en-US" dirty="0"/>
+              <a:t>Resources:</a:t>
+            </a:r>
+          </a:p>
+          <a:p>
+            <a:pPr lvl="1"/>
+            <a:r>
+              <a:rPr lang="en-US" dirty="0">
+                <a:hlinkClick r:id="rId2"/>
+              </a:rPr>
+              <a:t>https://replit.com/@lutzhamel/plipy-code</a:t>
+            </a:r>
+            <a:endParaRPr lang="en-US" dirty="0"/>
+          </a:p>
+          <a:p>
+            <a:pPr lvl="1"/>
+            <a:r>
+              <a:rPr lang="en-US" dirty="0">
+                <a:hlinkClick r:id="rId3"/>
+              </a:rPr>
+              <a:t>https://github.com/lutzhamel/plipy-code</a:t>
+            </a:r>
+            <a:endParaRPr lang="en-US" dirty="0"/>
+          </a:p>
+        </p:txBody>
+      </p:sp>
+    </p:spTree>
+    <p:extLst>
+      <p:ext uri="{BB962C8B-B14F-4D97-AF65-F5344CB8AC3E}">
+        <p14:creationId xmlns:p14="http://schemas.microsoft.com/office/powerpoint/2010/main" val="903639216"/>
+      </p:ext>
+    </p:extLst>
+  </p:cSld>
+  <p:clrMapOvr>
+    <a:masterClrMapping/>
+  </p:clrMapOvr>
+</p:sld>
+</file>
+
+<file path=ppt/slides/slide31.xml><?xml version="1.0" encoding="utf-8"?>
 <p:sld xmlns:a="http://schemas.openxmlformats.org/drawingml/2006/main" xmlns:r="http://schemas.openxmlformats.org/officeDocument/2006/relationships" xmlns:p="http://schemas.openxmlformats.org/presentationml/2006/main">
   <p:cSld>
     <p:spTree>
@@ -16701,7 +16881,7 @@
 </p:sld>
 </file>
 
-<file path=ppt/slides/slide31.xml><?xml version="1.0" encoding="utf-8"?>
+<file path=ppt/slides/slide32.xml><?xml version="1.0" encoding="utf-8"?>
 <p:sld xmlns:a="http://schemas.openxmlformats.org/drawingml/2006/main" xmlns:r="http://schemas.openxmlformats.org/officeDocument/2006/relationships" xmlns:p="http://schemas.openxmlformats.org/presentationml/2006/main">
   <p:cSld>
     <p:spTree>
@@ -16849,7 +17029,7 @@
 </p:sld>
 </file>
 
-<file path=ppt/slides/slide32.xml><?xml version="1.0" encoding="utf-8"?>
+<file path=ppt/slides/slide33.xml><?xml version="1.0" encoding="utf-8"?>
 <p:sld xmlns:a="http://schemas.openxmlformats.org/drawingml/2006/main" xmlns:r="http://schemas.openxmlformats.org/officeDocument/2006/relationships" xmlns:p="http://schemas.openxmlformats.org/presentationml/2006/main">
   <p:cSld>
     <p:spTree>
@@ -16964,7 +17144,7 @@
           <a:effectLst/>
           <a:extLst>
             <a:ext uri="{AF507438-7753-43e0-B8FC-AC1667EBCBE1}">
-              <a14:hiddenEffects xmlns="" xmlns:a14="http://schemas.microsoft.com/office/drawing/2010/main">
+              <a14:hiddenEffects xmlns:a14="http://schemas.microsoft.com/office/drawing/2010/main" xmlns="">
                 <a:effectLst>
                   <a:outerShdw blurRad="63500" dist="38099" dir="2700000" algn="ctr" rotWithShape="0">
                     <a:schemeClr val="bg2">
@@ -17050,7 +17230,7 @@
           <a:effectLst/>
           <a:extLst>
             <a:ext uri="{AF507438-7753-43e0-B8FC-AC1667EBCBE1}">
-              <a14:hiddenEffects xmlns="" xmlns:a14="http://schemas.microsoft.com/office/drawing/2010/main">
+              <a14:hiddenEffects xmlns:a14="http://schemas.microsoft.com/office/drawing/2010/main" xmlns="">
                 <a:effectLst>
                   <a:outerShdw blurRad="63500" dist="38099" dir="2700000" algn="ctr" rotWithShape="0">
                     <a:schemeClr val="bg2">
@@ -17136,7 +17316,7 @@
           <a:effectLst/>
           <a:extLst>
             <a:ext uri="{AF507438-7753-43e0-B8FC-AC1667EBCBE1}">
-              <a14:hiddenEffects xmlns="" xmlns:a14="http://schemas.microsoft.com/office/drawing/2010/main">
+              <a14:hiddenEffects xmlns:a14="http://schemas.microsoft.com/office/drawing/2010/main" xmlns="">
                 <a:effectLst>
                   <a:outerShdw blurRad="63500" dist="38099" dir="2700000" algn="ctr" rotWithShape="0">
                     <a:schemeClr val="bg2">
@@ -17257,7 +17437,7 @@
           <a:effectLst/>
           <a:extLst>
             <a:ext uri="{AF507438-7753-43e0-B8FC-AC1667EBCBE1}">
-              <a14:hiddenEffects xmlns="" xmlns:a14="http://schemas.microsoft.com/office/drawing/2010/main">
+              <a14:hiddenEffects xmlns:a14="http://schemas.microsoft.com/office/drawing/2010/main" xmlns="">
                 <a:effectLst>
                   <a:outerShdw blurRad="63500" dist="38099" dir="2700000" algn="ctr" rotWithShape="0">
                     <a:schemeClr val="bg2">
@@ -17391,7 +17571,7 @@
 </p:sld>
 </file>
 
-<file path=ppt/slides/slide33.xml><?xml version="1.0" encoding="utf-8"?>
+<file path=ppt/slides/slide34.xml><?xml version="1.0" encoding="utf-8"?>
 <p:sld xmlns:a="http://schemas.openxmlformats.org/drawingml/2006/main" xmlns:r="http://schemas.openxmlformats.org/officeDocument/2006/relationships" xmlns:p="http://schemas.openxmlformats.org/presentationml/2006/main">
   <p:cSld>
     <p:spTree>
@@ -18344,7 +18524,7 @@
           </a:ln>
           <a:extLst>
             <a:ext uri="{909E8E84-426E-40dd-AFC4-6F175D3DCCD1}">
-              <a14:hiddenFill xmlns:a14="http://schemas.microsoft.com/office/drawing/2010/main" xmlns="">
+              <a14:hiddenFill xmlns="" xmlns:a14="http://schemas.microsoft.com/office/drawing/2010/main">
                 <a:solidFill>
                   <a:schemeClr val="accent1"/>
                 </a:solidFill>
@@ -18547,14 +18727,14 @@
           </a:ln>
           <a:extLst>
             <a:ext uri="{909E8E84-426E-40dd-AFC4-6F175D3DCCD1}">
-              <a14:hiddenFill xmlns:a14="http://schemas.microsoft.com/office/drawing/2010/main" xmlns="">
+              <a14:hiddenFill xmlns="" xmlns:a14="http://schemas.microsoft.com/office/drawing/2010/main">
                 <a:solidFill>
                   <a:schemeClr val="accent1"/>
                 </a:solidFill>
               </a14:hiddenFill>
             </a:ext>
             <a:ext uri="{91240B29-F687-4f45-9708-019B960494DF}">
-              <a14:hiddenLine xmlns:a14="http://schemas.microsoft.com/office/drawing/2010/main" xmlns="" w="9525">
+              <a14:hiddenLine xmlns="" xmlns:a14="http://schemas.microsoft.com/office/drawing/2010/main" w="9525">
                 <a:solidFill>
                   <a:schemeClr val="tx1"/>
                 </a:solidFill>
@@ -18991,7 +19171,7 @@
         <a:effectLst/>
         <a:extLst>
           <a:ext uri="{AF507438-7753-43e0-B8FC-AC1667EBCBE1}">
-            <a14:hiddenEffects xmlns:a14="http://schemas.microsoft.com/office/drawing/2010/main" xmlns="">
+            <a14:hiddenEffects xmlns="" xmlns:a14="http://schemas.microsoft.com/office/drawing/2010/main">
               <a:effectLst>
                 <a:outerShdw blurRad="63500" dist="38099" dir="2700000" algn="ctr" rotWithShape="0">
                   <a:schemeClr val="bg2">
@@ -19068,7 +19248,7 @@
         <a:effectLst/>
         <a:extLst>
           <a:ext uri="{AF507438-7753-43e0-B8FC-AC1667EBCBE1}">
-            <a14:hiddenEffects xmlns:a14="http://schemas.microsoft.com/office/drawing/2010/main" xmlns="">
+            <a14:hiddenEffects xmlns="" xmlns:a14="http://schemas.microsoft.com/office/drawing/2010/main">
               <a:effectLst>
                 <a:outerShdw blurRad="63500" dist="38099" dir="2700000" algn="ctr" rotWithShape="0">
                   <a:schemeClr val="bg2">

--- a/notes/csc402-ln002.pptx
+++ b/notes/csc402-ln002.pptx
@@ -238,17 +238,17 @@
           </a:ln>
           <a:extLst>
             <a:ext uri="{FAA26D3D-D897-4be2-8F04-BA451C77F1D7}">
-              <ma14:placeholderFlag xmlns:ma14="http://schemas.microsoft.com/office/mac/drawingml/2011/main" xmlns="" val="1"/>
+              <ma14:placeholderFlag xmlns="" xmlns:ma14="http://schemas.microsoft.com/office/mac/drawingml/2011/main" val="1"/>
             </a:ext>
             <a:ext uri="{909E8E84-426E-40dd-AFC4-6F175D3DCCD1}">
-              <a14:hiddenFill xmlns="" xmlns:a14="http://schemas.microsoft.com/office/drawing/2010/main">
+              <a14:hiddenFill xmlns:a14="http://schemas.microsoft.com/office/drawing/2010/main" xmlns="">
                 <a:solidFill>
                   <a:schemeClr val="accent1"/>
                 </a:solidFill>
               </a14:hiddenFill>
             </a:ext>
             <a:ext uri="{91240B29-F687-4f45-9708-019B960494DF}">
-              <a14:hiddenLine xmlns="" xmlns:a14="http://schemas.microsoft.com/office/drawing/2010/main" w="9525">
+              <a14:hiddenLine xmlns:a14="http://schemas.microsoft.com/office/drawing/2010/main" xmlns="" w="9525">
                 <a:solidFill>
                   <a:schemeClr val="tx1"/>
                 </a:solidFill>
@@ -299,17 +299,17 @@
           </a:ln>
           <a:extLst>
             <a:ext uri="{FAA26D3D-D897-4be2-8F04-BA451C77F1D7}">
-              <ma14:placeholderFlag xmlns:ma14="http://schemas.microsoft.com/office/mac/drawingml/2011/main" xmlns="" val="1"/>
+              <ma14:placeholderFlag xmlns="" xmlns:ma14="http://schemas.microsoft.com/office/mac/drawingml/2011/main" val="1"/>
             </a:ext>
             <a:ext uri="{909E8E84-426E-40dd-AFC4-6F175D3DCCD1}">
-              <a14:hiddenFill xmlns="" xmlns:a14="http://schemas.microsoft.com/office/drawing/2010/main">
+              <a14:hiddenFill xmlns:a14="http://schemas.microsoft.com/office/drawing/2010/main" xmlns="">
                 <a:solidFill>
                   <a:schemeClr val="accent1"/>
                 </a:solidFill>
               </a14:hiddenFill>
             </a:ext>
             <a:ext uri="{91240B29-F687-4f45-9708-019B960494DF}">
-              <a14:hiddenLine xmlns="" xmlns:a14="http://schemas.microsoft.com/office/drawing/2010/main" w="9525">
+              <a14:hiddenLine xmlns:a14="http://schemas.microsoft.com/office/drawing/2010/main" xmlns="" w="9525">
                 <a:solidFill>
                   <a:schemeClr val="tx1"/>
                 </a:solidFill>
@@ -366,7 +366,7 @@
           <a:effectLst/>
           <a:extLst>
             <a:ext uri="{AF507438-7753-43e0-B8FC-AC1667EBCBE1}">
-              <a14:hiddenEffects xmlns="" xmlns:a14="http://schemas.microsoft.com/office/drawing/2010/main">
+              <a14:hiddenEffects xmlns:a14="http://schemas.microsoft.com/office/drawing/2010/main" xmlns="">
                 <a:effectLst>
                   <a:outerShdw blurRad="63500" dist="38099" dir="2700000" algn="ctr" rotWithShape="0">
                     <a:srgbClr val="000000">
@@ -377,7 +377,7 @@
               </a14:hiddenEffects>
             </a:ext>
             <a:ext uri="{53640926-AAD7-44d8-BBD7-CCE9431645EC}">
-              <a14:shadowObscured xmlns="" xmlns:a14="http://schemas.microsoft.com/office/drawing/2010/main" val="1"/>
+              <a14:shadowObscured xmlns:a14="http://schemas.microsoft.com/office/drawing/2010/main" xmlns="" val="1"/>
             </a:ext>
           </a:extLst>
         </p:spPr>
@@ -406,17 +406,17 @@
           </a:ln>
           <a:extLst>
             <a:ext uri="{FAA26D3D-D897-4be2-8F04-BA451C77F1D7}">
-              <ma14:placeholderFlag xmlns:ma14="http://schemas.microsoft.com/office/mac/drawingml/2011/main" xmlns="" val="1"/>
+              <ma14:placeholderFlag xmlns="" xmlns:ma14="http://schemas.microsoft.com/office/mac/drawingml/2011/main" val="1"/>
             </a:ext>
             <a:ext uri="{909E8E84-426E-40dd-AFC4-6F175D3DCCD1}">
-              <a14:hiddenFill xmlns="" xmlns:a14="http://schemas.microsoft.com/office/drawing/2010/main">
+              <a14:hiddenFill xmlns:a14="http://schemas.microsoft.com/office/drawing/2010/main" xmlns="">
                 <a:solidFill>
                   <a:schemeClr val="accent1"/>
                 </a:solidFill>
               </a14:hiddenFill>
             </a:ext>
             <a:ext uri="{91240B29-F687-4f45-9708-019B960494DF}">
-              <a14:hiddenLine xmlns="" xmlns:a14="http://schemas.microsoft.com/office/drawing/2010/main" w="9525">
+              <a14:hiddenLine xmlns:a14="http://schemas.microsoft.com/office/drawing/2010/main" xmlns="" w="9525">
                 <a:solidFill>
                   <a:schemeClr val="tx1"/>
                 </a:solidFill>
@@ -495,17 +495,17 @@
           </a:ln>
           <a:extLst>
             <a:ext uri="{FAA26D3D-D897-4be2-8F04-BA451C77F1D7}">
-              <ma14:placeholderFlag xmlns:ma14="http://schemas.microsoft.com/office/mac/drawingml/2011/main" xmlns="" val="1"/>
+              <ma14:placeholderFlag xmlns="" xmlns:ma14="http://schemas.microsoft.com/office/mac/drawingml/2011/main" val="1"/>
             </a:ext>
             <a:ext uri="{909E8E84-426E-40dd-AFC4-6F175D3DCCD1}">
-              <a14:hiddenFill xmlns="" xmlns:a14="http://schemas.microsoft.com/office/drawing/2010/main">
+              <a14:hiddenFill xmlns:a14="http://schemas.microsoft.com/office/drawing/2010/main" xmlns="">
                 <a:solidFill>
                   <a:schemeClr val="accent1"/>
                 </a:solidFill>
               </a14:hiddenFill>
             </a:ext>
             <a:ext uri="{91240B29-F687-4f45-9708-019B960494DF}">
-              <a14:hiddenLine xmlns="" xmlns:a14="http://schemas.microsoft.com/office/drawing/2010/main" w="9525">
+              <a14:hiddenLine xmlns:a14="http://schemas.microsoft.com/office/drawing/2010/main" xmlns="" w="9525">
                 <a:solidFill>
                   <a:schemeClr val="tx1"/>
                 </a:solidFill>
@@ -556,17 +556,17 @@
           </a:ln>
           <a:extLst>
             <a:ext uri="{FAA26D3D-D897-4be2-8F04-BA451C77F1D7}">
-              <ma14:placeholderFlag xmlns:ma14="http://schemas.microsoft.com/office/mac/drawingml/2011/main" xmlns="" val="1"/>
+              <ma14:placeholderFlag xmlns="" xmlns:ma14="http://schemas.microsoft.com/office/mac/drawingml/2011/main" val="1"/>
             </a:ext>
             <a:ext uri="{909E8E84-426E-40dd-AFC4-6F175D3DCCD1}">
-              <a14:hiddenFill xmlns="" xmlns:a14="http://schemas.microsoft.com/office/drawing/2010/main">
+              <a14:hiddenFill xmlns:a14="http://schemas.microsoft.com/office/drawing/2010/main" xmlns="">
                 <a:solidFill>
                   <a:schemeClr val="accent1"/>
                 </a:solidFill>
               </a14:hiddenFill>
             </a:ext>
             <a:ext uri="{91240B29-F687-4f45-9708-019B960494DF}">
-              <a14:hiddenLine xmlns="" xmlns:a14="http://schemas.microsoft.com/office/drawing/2010/main" w="9525">
+              <a14:hiddenLine xmlns:a14="http://schemas.microsoft.com/office/drawing/2010/main" xmlns="" w="9525">
                 <a:solidFill>
                   <a:schemeClr val="tx1"/>
                 </a:solidFill>
@@ -788,7 +788,7 @@
           <a:ln/>
           <a:extLst>
             <a:ext uri="{FAA26D3D-D897-4be2-8F04-BA451C77F1D7}">
-              <ma14:placeholderFlag xmlns:ma14="http://schemas.microsoft.com/office/mac/drawingml/2011/main" xmlns="" val="1"/>
+              <ma14:placeholderFlag xmlns="" xmlns:ma14="http://schemas.microsoft.com/office/mac/drawingml/2011/main" val="1"/>
             </a:ext>
           </a:extLst>
         </p:spPr>
@@ -877,7 +877,7 @@
           <a:ln/>
           <a:extLst>
             <a:ext uri="{FAA26D3D-D897-4be2-8F04-BA451C77F1D7}">
-              <ma14:placeholderFlag xmlns:ma14="http://schemas.microsoft.com/office/mac/drawingml/2011/main" xmlns="" val="1"/>
+              <ma14:placeholderFlag xmlns="" xmlns:ma14="http://schemas.microsoft.com/office/mac/drawingml/2011/main" val="1"/>
             </a:ext>
           </a:extLst>
         </p:spPr>
@@ -966,7 +966,7 @@
           <a:ln/>
           <a:extLst>
             <a:ext uri="{FAA26D3D-D897-4be2-8F04-BA451C77F1D7}">
-              <ma14:placeholderFlag xmlns:ma14="http://schemas.microsoft.com/office/mac/drawingml/2011/main" xmlns="" val="1"/>
+              <ma14:placeholderFlag xmlns="" xmlns:ma14="http://schemas.microsoft.com/office/mac/drawingml/2011/main" val="1"/>
             </a:ext>
           </a:extLst>
         </p:spPr>
@@ -1055,7 +1055,7 @@
           <a:ln/>
           <a:extLst>
             <a:ext uri="{FAA26D3D-D897-4be2-8F04-BA451C77F1D7}">
-              <ma14:placeholderFlag xmlns:ma14="http://schemas.microsoft.com/office/mac/drawingml/2011/main" xmlns="" val="1"/>
+              <ma14:placeholderFlag xmlns="" xmlns:ma14="http://schemas.microsoft.com/office/mac/drawingml/2011/main" val="1"/>
             </a:ext>
           </a:extLst>
         </p:spPr>
@@ -1144,7 +1144,7 @@
           <a:ln/>
           <a:extLst>
             <a:ext uri="{FAA26D3D-D897-4be2-8F04-BA451C77F1D7}">
-              <ma14:placeholderFlag xmlns:ma14="http://schemas.microsoft.com/office/mac/drawingml/2011/main" xmlns="" val="1"/>
+              <ma14:placeholderFlag xmlns="" xmlns:ma14="http://schemas.microsoft.com/office/mac/drawingml/2011/main" val="1"/>
             </a:ext>
           </a:extLst>
         </p:spPr>
@@ -1233,7 +1233,7 @@
           <a:ln/>
           <a:extLst>
             <a:ext uri="{FAA26D3D-D897-4be2-8F04-BA451C77F1D7}">
-              <ma14:placeholderFlag xmlns:ma14="http://schemas.microsoft.com/office/mac/drawingml/2011/main" xmlns="" val="1"/>
+              <ma14:placeholderFlag xmlns="" xmlns:ma14="http://schemas.microsoft.com/office/mac/drawingml/2011/main" val="1"/>
             </a:ext>
           </a:extLst>
         </p:spPr>
@@ -1322,7 +1322,7 @@
           <a:ln/>
           <a:extLst>
             <a:ext uri="{FAA26D3D-D897-4be2-8F04-BA451C77F1D7}">
-              <ma14:placeholderFlag xmlns:ma14="http://schemas.microsoft.com/office/mac/drawingml/2011/main" xmlns="" val="1"/>
+              <ma14:placeholderFlag xmlns="" xmlns:ma14="http://schemas.microsoft.com/office/mac/drawingml/2011/main" val="1"/>
             </a:ext>
           </a:extLst>
         </p:spPr>
@@ -1411,7 +1411,7 @@
           <a:ln/>
           <a:extLst>
             <a:ext uri="{FAA26D3D-D897-4be2-8F04-BA451C77F1D7}">
-              <ma14:placeholderFlag xmlns:ma14="http://schemas.microsoft.com/office/mac/drawingml/2011/main" xmlns="" val="1"/>
+              <ma14:placeholderFlag xmlns="" xmlns:ma14="http://schemas.microsoft.com/office/mac/drawingml/2011/main" val="1"/>
             </a:ext>
           </a:extLst>
         </p:spPr>
@@ -1500,7 +1500,7 @@
           <a:ln/>
           <a:extLst>
             <a:ext uri="{FAA26D3D-D897-4be2-8F04-BA451C77F1D7}">
-              <ma14:placeholderFlag xmlns:ma14="http://schemas.microsoft.com/office/mac/drawingml/2011/main" xmlns="" val="1"/>
+              <ma14:placeholderFlag xmlns="" xmlns:ma14="http://schemas.microsoft.com/office/mac/drawingml/2011/main" val="1"/>
             </a:ext>
           </a:extLst>
         </p:spPr>
@@ -1589,7 +1589,7 @@
           <a:ln/>
           <a:extLst>
             <a:ext uri="{FAA26D3D-D897-4be2-8F04-BA451C77F1D7}">
-              <ma14:placeholderFlag xmlns:ma14="http://schemas.microsoft.com/office/mac/drawingml/2011/main" xmlns="" val="1"/>
+              <ma14:placeholderFlag xmlns="" xmlns:ma14="http://schemas.microsoft.com/office/mac/drawingml/2011/main" val="1"/>
             </a:ext>
           </a:extLst>
         </p:spPr>
@@ -1678,7 +1678,7 @@
           <a:ln/>
           <a:extLst>
             <a:ext uri="{FAA26D3D-D897-4be2-8F04-BA451C77F1D7}">
-              <ma14:placeholderFlag xmlns:ma14="http://schemas.microsoft.com/office/mac/drawingml/2011/main" xmlns="" val="1"/>
+              <ma14:placeholderFlag xmlns="" xmlns:ma14="http://schemas.microsoft.com/office/mac/drawingml/2011/main" val="1"/>
             </a:ext>
           </a:extLst>
         </p:spPr>
@@ -1767,7 +1767,7 @@
           <a:ln/>
           <a:extLst>
             <a:ext uri="{FAA26D3D-D897-4be2-8F04-BA451C77F1D7}">
-              <ma14:placeholderFlag xmlns:ma14="http://schemas.microsoft.com/office/mac/drawingml/2011/main" xmlns="" val="1"/>
+              <ma14:placeholderFlag xmlns="" xmlns:ma14="http://schemas.microsoft.com/office/mac/drawingml/2011/main" val="1"/>
             </a:ext>
           </a:extLst>
         </p:spPr>
@@ -1856,7 +1856,7 @@
           <a:ln/>
           <a:extLst>
             <a:ext uri="{FAA26D3D-D897-4be2-8F04-BA451C77F1D7}">
-              <ma14:placeholderFlag xmlns:ma14="http://schemas.microsoft.com/office/mac/drawingml/2011/main" xmlns="" val="1"/>
+              <ma14:placeholderFlag xmlns="" xmlns:ma14="http://schemas.microsoft.com/office/mac/drawingml/2011/main" val="1"/>
             </a:ext>
           </a:extLst>
         </p:spPr>
@@ -1945,7 +1945,7 @@
           <a:ln/>
           <a:extLst>
             <a:ext uri="{FAA26D3D-D897-4be2-8F04-BA451C77F1D7}">
-              <ma14:placeholderFlag xmlns:ma14="http://schemas.microsoft.com/office/mac/drawingml/2011/main" xmlns="" val="1"/>
+              <ma14:placeholderFlag xmlns="" xmlns:ma14="http://schemas.microsoft.com/office/mac/drawingml/2011/main" val="1"/>
             </a:ext>
           </a:extLst>
         </p:spPr>
@@ -2034,7 +2034,7 @@
           <a:ln/>
           <a:extLst>
             <a:ext uri="{FAA26D3D-D897-4be2-8F04-BA451C77F1D7}">
-              <ma14:placeholderFlag xmlns:ma14="http://schemas.microsoft.com/office/mac/drawingml/2011/main" xmlns="" val="1"/>
+              <ma14:placeholderFlag xmlns="" xmlns:ma14="http://schemas.microsoft.com/office/mac/drawingml/2011/main" val="1"/>
             </a:ext>
           </a:extLst>
         </p:spPr>
@@ -2123,7 +2123,7 @@
           <a:ln/>
           <a:extLst>
             <a:ext uri="{FAA26D3D-D897-4be2-8F04-BA451C77F1D7}">
-              <ma14:placeholderFlag xmlns:ma14="http://schemas.microsoft.com/office/mac/drawingml/2011/main" xmlns="" val="1"/>
+              <ma14:placeholderFlag xmlns="" xmlns:ma14="http://schemas.microsoft.com/office/mac/drawingml/2011/main" val="1"/>
             </a:ext>
           </a:extLst>
         </p:spPr>
@@ -2212,7 +2212,7 @@
           <a:ln/>
           <a:extLst>
             <a:ext uri="{FAA26D3D-D897-4be2-8F04-BA451C77F1D7}">
-              <ma14:placeholderFlag xmlns:ma14="http://schemas.microsoft.com/office/mac/drawingml/2011/main" xmlns="" val="1"/>
+              <ma14:placeholderFlag xmlns="" xmlns:ma14="http://schemas.microsoft.com/office/mac/drawingml/2011/main" val="1"/>
             </a:ext>
           </a:extLst>
         </p:spPr>
@@ -2325,7 +2325,7 @@
           </a:ln>
           <a:extLst>
             <a:ext uri="{FAA26D3D-D897-4be2-8F04-BA451C77F1D7}">
-              <ma14:placeholderFlag xmlns:ma14="http://schemas.microsoft.com/office/mac/drawingml/2011/main" xmlns="" val="1"/>
+              <ma14:placeholderFlag xmlns="" xmlns:ma14="http://schemas.microsoft.com/office/mac/drawingml/2011/main" val="1"/>
             </a:ext>
           </a:extLst>
         </p:spPr>
@@ -2361,7 +2361,7 @@
           </a:ln>
           <a:extLst>
             <a:ext uri="{FAA26D3D-D897-4be2-8F04-BA451C77F1D7}">
-              <ma14:placeholderFlag xmlns:ma14="http://schemas.microsoft.com/office/mac/drawingml/2011/main" xmlns="" val="1"/>
+              <ma14:placeholderFlag xmlns="" xmlns:ma14="http://schemas.microsoft.com/office/mac/drawingml/2011/main" val="1"/>
             </a:ext>
           </a:extLst>
         </p:spPr>
@@ -2426,12 +2426,12 @@
           <a:effectLst/>
           <a:extLst>
             <a:ext uri="{909E8E84-426E-40dd-AFC4-6F175D3DCCD1}">
-              <a14:hiddenFill xmlns="" xmlns:a14="http://schemas.microsoft.com/office/drawing/2010/main">
+              <a14:hiddenFill xmlns:a14="http://schemas.microsoft.com/office/drawing/2010/main" xmlns="">
                 <a:noFill/>
               </a14:hiddenFill>
             </a:ext>
             <a:ext uri="{AF507438-7753-43e0-B8FC-AC1667EBCBE1}">
-              <a14:hiddenEffects xmlns="" xmlns:a14="http://schemas.microsoft.com/office/drawing/2010/main">
+              <a14:hiddenEffects xmlns:a14="http://schemas.microsoft.com/office/drawing/2010/main" xmlns="">
                 <a:effectLst>
                   <a:outerShdw blurRad="63500" dist="38099" dir="2700000" algn="ctr" rotWithShape="0">
                     <a:schemeClr val="bg2">
@@ -2632,7 +2632,7 @@
             <a:effectLst/>
             <a:extLst>
               <a:ext uri="{91240B29-F687-4f45-9708-019B960494DF}">
-                <a14:hiddenLine xmlns="" xmlns:a14="http://schemas.microsoft.com/office/drawing/2010/main" w="9525">
+                <a14:hiddenLine xmlns:a14="http://schemas.microsoft.com/office/drawing/2010/main" xmlns="" w="9525">
                   <a:solidFill>
                     <a:schemeClr val="tx1"/>
                   </a:solidFill>
@@ -2642,7 +2642,7 @@
                 </a14:hiddenLine>
               </a:ext>
               <a:ext uri="{AF507438-7753-43e0-B8FC-AC1667EBCBE1}">
-                <a14:hiddenEffects xmlns="" xmlns:a14="http://schemas.microsoft.com/office/drawing/2010/main">
+                <a14:hiddenEffects xmlns:a14="http://schemas.microsoft.com/office/drawing/2010/main" xmlns="">
                   <a:effectLst>
                     <a:outerShdw blurRad="63500" dist="38099" dir="2700000" algn="ctr" rotWithShape="0">
                       <a:schemeClr val="bg2">
@@ -2687,7 +2687,7 @@
             <a:effectLst/>
             <a:extLst>
               <a:ext uri="{91240B29-F687-4f45-9708-019B960494DF}">
-                <a14:hiddenLine xmlns="" xmlns:a14="http://schemas.microsoft.com/office/drawing/2010/main" w="9525">
+                <a14:hiddenLine xmlns:a14="http://schemas.microsoft.com/office/drawing/2010/main" xmlns="" w="9525">
                   <a:solidFill>
                     <a:schemeClr val="tx1"/>
                   </a:solidFill>
@@ -2697,7 +2697,7 @@
                 </a14:hiddenLine>
               </a:ext>
               <a:ext uri="{AF507438-7753-43e0-B8FC-AC1667EBCBE1}">
-                <a14:hiddenEffects xmlns="" xmlns:a14="http://schemas.microsoft.com/office/drawing/2010/main">
+                <a14:hiddenEffects xmlns:a14="http://schemas.microsoft.com/office/drawing/2010/main" xmlns="">
                   <a:effectLst>
                     <a:outerShdw blurRad="63500" dist="38099" dir="2700000" algn="ctr" rotWithShape="0">
                       <a:schemeClr val="bg2">
@@ -2742,7 +2742,7 @@
             <a:effectLst/>
             <a:extLst>
               <a:ext uri="{91240B29-F687-4f45-9708-019B960494DF}">
-                <a14:hiddenLine xmlns="" xmlns:a14="http://schemas.microsoft.com/office/drawing/2010/main" w="9525">
+                <a14:hiddenLine xmlns:a14="http://schemas.microsoft.com/office/drawing/2010/main" xmlns="" w="9525">
                   <a:solidFill>
                     <a:schemeClr val="tx1"/>
                   </a:solidFill>
@@ -2752,7 +2752,7 @@
                 </a14:hiddenLine>
               </a:ext>
               <a:ext uri="{AF507438-7753-43e0-B8FC-AC1667EBCBE1}">
-                <a14:hiddenEffects xmlns="" xmlns:a14="http://schemas.microsoft.com/office/drawing/2010/main">
+                <a14:hiddenEffects xmlns:a14="http://schemas.microsoft.com/office/drawing/2010/main" xmlns="">
                   <a:effectLst>
                     <a:outerShdw blurRad="63500" dist="38099" dir="2700000" algn="ctr" rotWithShape="0">
                       <a:schemeClr val="bg2">
@@ -2797,7 +2797,7 @@
             <a:effectLst/>
             <a:extLst>
               <a:ext uri="{91240B29-F687-4f45-9708-019B960494DF}">
-                <a14:hiddenLine xmlns="" xmlns:a14="http://schemas.microsoft.com/office/drawing/2010/main" w="9525">
+                <a14:hiddenLine xmlns:a14="http://schemas.microsoft.com/office/drawing/2010/main" xmlns="" w="9525">
                   <a:solidFill>
                     <a:schemeClr val="tx1"/>
                   </a:solidFill>
@@ -2807,7 +2807,7 @@
                 </a14:hiddenLine>
               </a:ext>
               <a:ext uri="{AF507438-7753-43e0-B8FC-AC1667EBCBE1}">
-                <a14:hiddenEffects xmlns="" xmlns:a14="http://schemas.microsoft.com/office/drawing/2010/main">
+                <a14:hiddenEffects xmlns:a14="http://schemas.microsoft.com/office/drawing/2010/main" xmlns="">
                   <a:effectLst>
                     <a:outerShdw blurRad="63500" dist="38099" dir="2700000" algn="ctr" rotWithShape="0">
                       <a:schemeClr val="bg2">
@@ -2852,7 +2852,7 @@
             <a:effectLst/>
             <a:extLst>
               <a:ext uri="{91240B29-F687-4f45-9708-019B960494DF}">
-                <a14:hiddenLine xmlns="" xmlns:a14="http://schemas.microsoft.com/office/drawing/2010/main" w="9525">
+                <a14:hiddenLine xmlns:a14="http://schemas.microsoft.com/office/drawing/2010/main" xmlns="" w="9525">
                   <a:solidFill>
                     <a:schemeClr val="tx1"/>
                   </a:solidFill>
@@ -2862,7 +2862,7 @@
                 </a14:hiddenLine>
               </a:ext>
               <a:ext uri="{AF507438-7753-43e0-B8FC-AC1667EBCBE1}">
-                <a14:hiddenEffects xmlns="" xmlns:a14="http://schemas.microsoft.com/office/drawing/2010/main">
+                <a14:hiddenEffects xmlns:a14="http://schemas.microsoft.com/office/drawing/2010/main" xmlns="">
                   <a:effectLst>
                     <a:outerShdw blurRad="63500" dist="38099" dir="2700000" algn="ctr" rotWithShape="0">
                       <a:schemeClr val="bg2">
@@ -2907,7 +2907,7 @@
             <a:effectLst/>
             <a:extLst>
               <a:ext uri="{91240B29-F687-4f45-9708-019B960494DF}">
-                <a14:hiddenLine xmlns="" xmlns:a14="http://schemas.microsoft.com/office/drawing/2010/main" w="9525">
+                <a14:hiddenLine xmlns:a14="http://schemas.microsoft.com/office/drawing/2010/main" xmlns="" w="9525">
                   <a:solidFill>
                     <a:schemeClr val="tx1"/>
                   </a:solidFill>
@@ -2917,7 +2917,7 @@
                 </a14:hiddenLine>
               </a:ext>
               <a:ext uri="{AF507438-7753-43e0-B8FC-AC1667EBCBE1}">
-                <a14:hiddenEffects xmlns="" xmlns:a14="http://schemas.microsoft.com/office/drawing/2010/main">
+                <a14:hiddenEffects xmlns:a14="http://schemas.microsoft.com/office/drawing/2010/main" xmlns="">
                   <a:effectLst>
                     <a:outerShdw blurRad="63500" dist="38099" dir="2700000" algn="ctr" rotWithShape="0">
                       <a:schemeClr val="bg2">
@@ -2962,7 +2962,7 @@
             <a:effectLst/>
             <a:extLst>
               <a:ext uri="{91240B29-F687-4f45-9708-019B960494DF}">
-                <a14:hiddenLine xmlns="" xmlns:a14="http://schemas.microsoft.com/office/drawing/2010/main" w="9525">
+                <a14:hiddenLine xmlns:a14="http://schemas.microsoft.com/office/drawing/2010/main" xmlns="" w="9525">
                   <a:solidFill>
                     <a:schemeClr val="tx1"/>
                   </a:solidFill>
@@ -2972,7 +2972,7 @@
                 </a14:hiddenLine>
               </a:ext>
               <a:ext uri="{AF507438-7753-43e0-B8FC-AC1667EBCBE1}">
-                <a14:hiddenEffects xmlns="" xmlns:a14="http://schemas.microsoft.com/office/drawing/2010/main">
+                <a14:hiddenEffects xmlns:a14="http://schemas.microsoft.com/office/drawing/2010/main" xmlns="">
                   <a:effectLst>
                     <a:outerShdw blurRad="63500" dist="38099" dir="2700000" algn="ctr" rotWithShape="0">
                       <a:schemeClr val="bg2">
@@ -3017,7 +3017,7 @@
             <a:effectLst/>
             <a:extLst>
               <a:ext uri="{91240B29-F687-4f45-9708-019B960494DF}">
-                <a14:hiddenLine xmlns="" xmlns:a14="http://schemas.microsoft.com/office/drawing/2010/main" w="9525">
+                <a14:hiddenLine xmlns:a14="http://schemas.microsoft.com/office/drawing/2010/main" xmlns="" w="9525">
                   <a:solidFill>
                     <a:schemeClr val="tx1"/>
                   </a:solidFill>
@@ -3027,7 +3027,7 @@
                 </a14:hiddenLine>
               </a:ext>
               <a:ext uri="{AF507438-7753-43e0-B8FC-AC1667EBCBE1}">
-                <a14:hiddenEffects xmlns="" xmlns:a14="http://schemas.microsoft.com/office/drawing/2010/main">
+                <a14:hiddenEffects xmlns:a14="http://schemas.microsoft.com/office/drawing/2010/main" xmlns="">
                   <a:effectLst>
                     <a:outerShdw blurRad="63500" dist="38099" dir="2700000" algn="ctr" rotWithShape="0">
                       <a:schemeClr val="bg2">
@@ -3072,7 +3072,7 @@
             <a:effectLst/>
             <a:extLst>
               <a:ext uri="{91240B29-F687-4f45-9708-019B960494DF}">
-                <a14:hiddenLine xmlns="" xmlns:a14="http://schemas.microsoft.com/office/drawing/2010/main" w="9525">
+                <a14:hiddenLine xmlns:a14="http://schemas.microsoft.com/office/drawing/2010/main" xmlns="" w="9525">
                   <a:solidFill>
                     <a:schemeClr val="tx1"/>
                   </a:solidFill>
@@ -3082,7 +3082,7 @@
                 </a14:hiddenLine>
               </a:ext>
               <a:ext uri="{AF507438-7753-43e0-B8FC-AC1667EBCBE1}">
-                <a14:hiddenEffects xmlns="" xmlns:a14="http://schemas.microsoft.com/office/drawing/2010/main">
+                <a14:hiddenEffects xmlns:a14="http://schemas.microsoft.com/office/drawing/2010/main" xmlns="">
                   <a:effectLst>
                     <a:outerShdw blurRad="63500" dist="38099" dir="2700000" algn="ctr" rotWithShape="0">
                       <a:schemeClr val="bg2">
@@ -3127,7 +3127,7 @@
             <a:effectLst/>
             <a:extLst>
               <a:ext uri="{91240B29-F687-4f45-9708-019B960494DF}">
-                <a14:hiddenLine xmlns="" xmlns:a14="http://schemas.microsoft.com/office/drawing/2010/main" w="9525">
+                <a14:hiddenLine xmlns:a14="http://schemas.microsoft.com/office/drawing/2010/main" xmlns="" w="9525">
                   <a:solidFill>
                     <a:schemeClr val="tx1"/>
                   </a:solidFill>
@@ -3137,7 +3137,7 @@
                 </a14:hiddenLine>
               </a:ext>
               <a:ext uri="{AF507438-7753-43e0-B8FC-AC1667EBCBE1}">
-                <a14:hiddenEffects xmlns="" xmlns:a14="http://schemas.microsoft.com/office/drawing/2010/main">
+                <a14:hiddenEffects xmlns:a14="http://schemas.microsoft.com/office/drawing/2010/main" xmlns="">
                   <a:effectLst>
                     <a:outerShdw blurRad="63500" dist="38099" dir="2700000" algn="ctr" rotWithShape="0">
                       <a:schemeClr val="bg2">
@@ -3182,7 +3182,7 @@
             <a:effectLst/>
             <a:extLst>
               <a:ext uri="{91240B29-F687-4f45-9708-019B960494DF}">
-                <a14:hiddenLine xmlns="" xmlns:a14="http://schemas.microsoft.com/office/drawing/2010/main" w="9525">
+                <a14:hiddenLine xmlns:a14="http://schemas.microsoft.com/office/drawing/2010/main" xmlns="" w="9525">
                   <a:solidFill>
                     <a:schemeClr val="tx1"/>
                   </a:solidFill>
@@ -3192,7 +3192,7 @@
                 </a14:hiddenLine>
               </a:ext>
               <a:ext uri="{AF507438-7753-43e0-B8FC-AC1667EBCBE1}">
-                <a14:hiddenEffects xmlns="" xmlns:a14="http://schemas.microsoft.com/office/drawing/2010/main">
+                <a14:hiddenEffects xmlns:a14="http://schemas.microsoft.com/office/drawing/2010/main" xmlns="">
                   <a:effectLst>
                     <a:outerShdw blurRad="63500" dist="38099" dir="2700000" algn="ctr" rotWithShape="0">
                       <a:schemeClr val="bg2">
@@ -3237,7 +3237,7 @@
             <a:effectLst/>
             <a:extLst>
               <a:ext uri="{91240B29-F687-4f45-9708-019B960494DF}">
-                <a14:hiddenLine xmlns="" xmlns:a14="http://schemas.microsoft.com/office/drawing/2010/main" w="9525">
+                <a14:hiddenLine xmlns:a14="http://schemas.microsoft.com/office/drawing/2010/main" xmlns="" w="9525">
                   <a:solidFill>
                     <a:schemeClr val="tx1"/>
                   </a:solidFill>
@@ -3247,7 +3247,7 @@
                 </a14:hiddenLine>
               </a:ext>
               <a:ext uri="{AF507438-7753-43e0-B8FC-AC1667EBCBE1}">
-                <a14:hiddenEffects xmlns="" xmlns:a14="http://schemas.microsoft.com/office/drawing/2010/main">
+                <a14:hiddenEffects xmlns:a14="http://schemas.microsoft.com/office/drawing/2010/main" xmlns="">
                   <a:effectLst>
                     <a:outerShdw blurRad="63500" dist="38099" dir="2700000" algn="ctr" rotWithShape="0">
                       <a:schemeClr val="bg2">
@@ -3292,7 +3292,7 @@
             <a:effectLst/>
             <a:extLst>
               <a:ext uri="{91240B29-F687-4f45-9708-019B960494DF}">
-                <a14:hiddenLine xmlns="" xmlns:a14="http://schemas.microsoft.com/office/drawing/2010/main" w="9525">
+                <a14:hiddenLine xmlns:a14="http://schemas.microsoft.com/office/drawing/2010/main" xmlns="" w="9525">
                   <a:solidFill>
                     <a:schemeClr val="tx1"/>
                   </a:solidFill>
@@ -3302,7 +3302,7 @@
                 </a14:hiddenLine>
               </a:ext>
               <a:ext uri="{AF507438-7753-43e0-B8FC-AC1667EBCBE1}">
-                <a14:hiddenEffects xmlns="" xmlns:a14="http://schemas.microsoft.com/office/drawing/2010/main">
+                <a14:hiddenEffects xmlns:a14="http://schemas.microsoft.com/office/drawing/2010/main" xmlns="">
                   <a:effectLst>
                     <a:outerShdw blurRad="63500" dist="38099" dir="2700000" algn="ctr" rotWithShape="0">
                       <a:schemeClr val="bg2">
@@ -3347,7 +3347,7 @@
             <a:effectLst/>
             <a:extLst>
               <a:ext uri="{91240B29-F687-4f45-9708-019B960494DF}">
-                <a14:hiddenLine xmlns="" xmlns:a14="http://schemas.microsoft.com/office/drawing/2010/main" w="9525">
+                <a14:hiddenLine xmlns:a14="http://schemas.microsoft.com/office/drawing/2010/main" xmlns="" w="9525">
                   <a:solidFill>
                     <a:schemeClr val="tx1"/>
                   </a:solidFill>
@@ -3357,7 +3357,7 @@
                 </a14:hiddenLine>
               </a:ext>
               <a:ext uri="{AF507438-7753-43e0-B8FC-AC1667EBCBE1}">
-                <a14:hiddenEffects xmlns="" xmlns:a14="http://schemas.microsoft.com/office/drawing/2010/main">
+                <a14:hiddenEffects xmlns:a14="http://schemas.microsoft.com/office/drawing/2010/main" xmlns="">
                   <a:effectLst>
                     <a:outerShdw blurRad="63500" dist="38099" dir="2700000" algn="ctr" rotWithShape="0">
                       <a:schemeClr val="bg2">
@@ -3402,7 +3402,7 @@
             <a:effectLst/>
             <a:extLst>
               <a:ext uri="{91240B29-F687-4f45-9708-019B960494DF}">
-                <a14:hiddenLine xmlns="" xmlns:a14="http://schemas.microsoft.com/office/drawing/2010/main" w="9525">
+                <a14:hiddenLine xmlns:a14="http://schemas.microsoft.com/office/drawing/2010/main" xmlns="" w="9525">
                   <a:solidFill>
                     <a:schemeClr val="tx1"/>
                   </a:solidFill>
@@ -3412,7 +3412,7 @@
                 </a14:hiddenLine>
               </a:ext>
               <a:ext uri="{AF507438-7753-43e0-B8FC-AC1667EBCBE1}">
-                <a14:hiddenEffects xmlns="" xmlns:a14="http://schemas.microsoft.com/office/drawing/2010/main">
+                <a14:hiddenEffects xmlns:a14="http://schemas.microsoft.com/office/drawing/2010/main" xmlns="">
                   <a:effectLst>
                     <a:outerShdw blurRad="63500" dist="38099" dir="2700000" algn="ctr" rotWithShape="0">
                       <a:schemeClr val="bg2">
@@ -3457,7 +3457,7 @@
             <a:effectLst/>
             <a:extLst>
               <a:ext uri="{91240B29-F687-4f45-9708-019B960494DF}">
-                <a14:hiddenLine xmlns="" xmlns:a14="http://schemas.microsoft.com/office/drawing/2010/main" w="9525">
+                <a14:hiddenLine xmlns:a14="http://schemas.microsoft.com/office/drawing/2010/main" xmlns="" w="9525">
                   <a:solidFill>
                     <a:schemeClr val="tx1"/>
                   </a:solidFill>
@@ -3467,7 +3467,7 @@
                 </a14:hiddenLine>
               </a:ext>
               <a:ext uri="{AF507438-7753-43e0-B8FC-AC1667EBCBE1}">
-                <a14:hiddenEffects xmlns="" xmlns:a14="http://schemas.microsoft.com/office/drawing/2010/main">
+                <a14:hiddenEffects xmlns:a14="http://schemas.microsoft.com/office/drawing/2010/main" xmlns="">
                   <a:effectLst>
                     <a:outerShdw blurRad="63500" dist="38099" dir="2700000" algn="ctr" rotWithShape="0">
                       <a:schemeClr val="bg2">
@@ -3512,7 +3512,7 @@
             <a:effectLst/>
             <a:extLst>
               <a:ext uri="{91240B29-F687-4f45-9708-019B960494DF}">
-                <a14:hiddenLine xmlns="" xmlns:a14="http://schemas.microsoft.com/office/drawing/2010/main" w="9525">
+                <a14:hiddenLine xmlns:a14="http://schemas.microsoft.com/office/drawing/2010/main" xmlns="" w="9525">
                   <a:solidFill>
                     <a:schemeClr val="tx1"/>
                   </a:solidFill>
@@ -3522,7 +3522,7 @@
                 </a14:hiddenLine>
               </a:ext>
               <a:ext uri="{AF507438-7753-43e0-B8FC-AC1667EBCBE1}">
-                <a14:hiddenEffects xmlns="" xmlns:a14="http://schemas.microsoft.com/office/drawing/2010/main">
+                <a14:hiddenEffects xmlns:a14="http://schemas.microsoft.com/office/drawing/2010/main" xmlns="">
                   <a:effectLst>
                     <a:outerShdw blurRad="63500" dist="38099" dir="2700000" algn="ctr" rotWithShape="0">
                       <a:schemeClr val="bg2">
@@ -3567,7 +3567,7 @@
             <a:effectLst/>
             <a:extLst>
               <a:ext uri="{91240B29-F687-4f45-9708-019B960494DF}">
-                <a14:hiddenLine xmlns="" xmlns:a14="http://schemas.microsoft.com/office/drawing/2010/main" w="9525">
+                <a14:hiddenLine xmlns:a14="http://schemas.microsoft.com/office/drawing/2010/main" xmlns="" w="9525">
                   <a:solidFill>
                     <a:schemeClr val="tx1"/>
                   </a:solidFill>
@@ -3577,7 +3577,7 @@
                 </a14:hiddenLine>
               </a:ext>
               <a:ext uri="{AF507438-7753-43e0-B8FC-AC1667EBCBE1}">
-                <a14:hiddenEffects xmlns="" xmlns:a14="http://schemas.microsoft.com/office/drawing/2010/main">
+                <a14:hiddenEffects xmlns:a14="http://schemas.microsoft.com/office/drawing/2010/main" xmlns="">
                   <a:effectLst>
                     <a:outerShdw blurRad="63500" dist="38099" dir="2700000" algn="ctr" rotWithShape="0">
                       <a:schemeClr val="bg2">
@@ -3622,7 +3622,7 @@
             <a:effectLst/>
             <a:extLst>
               <a:ext uri="{91240B29-F687-4f45-9708-019B960494DF}">
-                <a14:hiddenLine xmlns="" xmlns:a14="http://schemas.microsoft.com/office/drawing/2010/main" w="9525">
+                <a14:hiddenLine xmlns:a14="http://schemas.microsoft.com/office/drawing/2010/main" xmlns="" w="9525">
                   <a:solidFill>
                     <a:schemeClr val="tx1"/>
                   </a:solidFill>
@@ -3632,7 +3632,7 @@
                 </a14:hiddenLine>
               </a:ext>
               <a:ext uri="{AF507438-7753-43e0-B8FC-AC1667EBCBE1}">
-                <a14:hiddenEffects xmlns="" xmlns:a14="http://schemas.microsoft.com/office/drawing/2010/main">
+                <a14:hiddenEffects xmlns:a14="http://schemas.microsoft.com/office/drawing/2010/main" xmlns="">
                   <a:effectLst>
                     <a:outerShdw blurRad="63500" dist="38099" dir="2700000" algn="ctr" rotWithShape="0">
                       <a:schemeClr val="bg2">
@@ -3677,7 +3677,7 @@
             <a:effectLst/>
             <a:extLst>
               <a:ext uri="{91240B29-F687-4f45-9708-019B960494DF}">
-                <a14:hiddenLine xmlns="" xmlns:a14="http://schemas.microsoft.com/office/drawing/2010/main" w="9525">
+                <a14:hiddenLine xmlns:a14="http://schemas.microsoft.com/office/drawing/2010/main" xmlns="" w="9525">
                   <a:solidFill>
                     <a:schemeClr val="tx1"/>
                   </a:solidFill>
@@ -3687,7 +3687,7 @@
                 </a14:hiddenLine>
               </a:ext>
               <a:ext uri="{AF507438-7753-43e0-B8FC-AC1667EBCBE1}">
-                <a14:hiddenEffects xmlns="" xmlns:a14="http://schemas.microsoft.com/office/drawing/2010/main">
+                <a14:hiddenEffects xmlns:a14="http://schemas.microsoft.com/office/drawing/2010/main" xmlns="">
                   <a:effectLst>
                     <a:outerShdw blurRad="63500" dist="38099" dir="2700000" algn="ctr" rotWithShape="0">
                       <a:schemeClr val="bg2">
@@ -3732,7 +3732,7 @@
             <a:effectLst/>
             <a:extLst>
               <a:ext uri="{91240B29-F687-4f45-9708-019B960494DF}">
-                <a14:hiddenLine xmlns="" xmlns:a14="http://schemas.microsoft.com/office/drawing/2010/main" w="9525">
+                <a14:hiddenLine xmlns:a14="http://schemas.microsoft.com/office/drawing/2010/main" xmlns="" w="9525">
                   <a:solidFill>
                     <a:schemeClr val="tx1"/>
                   </a:solidFill>
@@ -3742,7 +3742,7 @@
                 </a14:hiddenLine>
               </a:ext>
               <a:ext uri="{AF507438-7753-43e0-B8FC-AC1667EBCBE1}">
-                <a14:hiddenEffects xmlns="" xmlns:a14="http://schemas.microsoft.com/office/drawing/2010/main">
+                <a14:hiddenEffects xmlns:a14="http://schemas.microsoft.com/office/drawing/2010/main" xmlns="">
                   <a:effectLst>
                     <a:outerShdw blurRad="63500" dist="38099" dir="2700000" algn="ctr" rotWithShape="0">
                       <a:schemeClr val="bg2">
@@ -3787,7 +3787,7 @@
             <a:effectLst/>
             <a:extLst>
               <a:ext uri="{91240B29-F687-4f45-9708-019B960494DF}">
-                <a14:hiddenLine xmlns="" xmlns:a14="http://schemas.microsoft.com/office/drawing/2010/main" w="9525">
+                <a14:hiddenLine xmlns:a14="http://schemas.microsoft.com/office/drawing/2010/main" xmlns="" w="9525">
                   <a:solidFill>
                     <a:schemeClr val="tx1"/>
                   </a:solidFill>
@@ -3797,7 +3797,7 @@
                 </a14:hiddenLine>
               </a:ext>
               <a:ext uri="{AF507438-7753-43e0-B8FC-AC1667EBCBE1}">
-                <a14:hiddenEffects xmlns="" xmlns:a14="http://schemas.microsoft.com/office/drawing/2010/main">
+                <a14:hiddenEffects xmlns:a14="http://schemas.microsoft.com/office/drawing/2010/main" xmlns="">
                   <a:effectLst>
                     <a:outerShdw blurRad="63500" dist="38099" dir="2700000" algn="ctr" rotWithShape="0">
                       <a:schemeClr val="bg2">
@@ -3842,7 +3842,7 @@
             <a:effectLst/>
             <a:extLst>
               <a:ext uri="{91240B29-F687-4f45-9708-019B960494DF}">
-                <a14:hiddenLine xmlns="" xmlns:a14="http://schemas.microsoft.com/office/drawing/2010/main" w="9525">
+                <a14:hiddenLine xmlns:a14="http://schemas.microsoft.com/office/drawing/2010/main" xmlns="" w="9525">
                   <a:solidFill>
                     <a:schemeClr val="tx1"/>
                   </a:solidFill>
@@ -3852,7 +3852,7 @@
                 </a14:hiddenLine>
               </a:ext>
               <a:ext uri="{AF507438-7753-43e0-B8FC-AC1667EBCBE1}">
-                <a14:hiddenEffects xmlns="" xmlns:a14="http://schemas.microsoft.com/office/drawing/2010/main">
+                <a14:hiddenEffects xmlns:a14="http://schemas.microsoft.com/office/drawing/2010/main" xmlns="">
                   <a:effectLst>
                     <a:outerShdw blurRad="63500" dist="38099" dir="2700000" algn="ctr" rotWithShape="0">
                       <a:schemeClr val="bg2">
@@ -3897,7 +3897,7 @@
             <a:effectLst/>
             <a:extLst>
               <a:ext uri="{91240B29-F687-4f45-9708-019B960494DF}">
-                <a14:hiddenLine xmlns="" xmlns:a14="http://schemas.microsoft.com/office/drawing/2010/main" w="9525">
+                <a14:hiddenLine xmlns:a14="http://schemas.microsoft.com/office/drawing/2010/main" xmlns="" w="9525">
                   <a:solidFill>
                     <a:schemeClr val="tx1"/>
                   </a:solidFill>
@@ -3907,7 +3907,7 @@
                 </a14:hiddenLine>
               </a:ext>
               <a:ext uri="{AF507438-7753-43e0-B8FC-AC1667EBCBE1}">
-                <a14:hiddenEffects xmlns="" xmlns:a14="http://schemas.microsoft.com/office/drawing/2010/main">
+                <a14:hiddenEffects xmlns:a14="http://schemas.microsoft.com/office/drawing/2010/main" xmlns="">
                   <a:effectLst>
                     <a:outerShdw blurRad="63500" dist="38099" dir="2700000" algn="ctr" rotWithShape="0">
                       <a:schemeClr val="bg2">
@@ -3952,7 +3952,7 @@
             <a:effectLst/>
             <a:extLst>
               <a:ext uri="{91240B29-F687-4f45-9708-019B960494DF}">
-                <a14:hiddenLine xmlns="" xmlns:a14="http://schemas.microsoft.com/office/drawing/2010/main" w="9525">
+                <a14:hiddenLine xmlns:a14="http://schemas.microsoft.com/office/drawing/2010/main" xmlns="" w="9525">
                   <a:solidFill>
                     <a:schemeClr val="tx1"/>
                   </a:solidFill>
@@ -3962,7 +3962,7 @@
                 </a14:hiddenLine>
               </a:ext>
               <a:ext uri="{AF507438-7753-43e0-B8FC-AC1667EBCBE1}">
-                <a14:hiddenEffects xmlns="" xmlns:a14="http://schemas.microsoft.com/office/drawing/2010/main">
+                <a14:hiddenEffects xmlns:a14="http://schemas.microsoft.com/office/drawing/2010/main" xmlns="">
                   <a:effectLst>
                     <a:outerShdw blurRad="63500" dist="38099" dir="2700000" algn="ctr" rotWithShape="0">
                       <a:schemeClr val="bg2">
@@ -4007,7 +4007,7 @@
             <a:effectLst/>
             <a:extLst>
               <a:ext uri="{91240B29-F687-4f45-9708-019B960494DF}">
-                <a14:hiddenLine xmlns="" xmlns:a14="http://schemas.microsoft.com/office/drawing/2010/main" w="9525">
+                <a14:hiddenLine xmlns:a14="http://schemas.microsoft.com/office/drawing/2010/main" xmlns="" w="9525">
                   <a:solidFill>
                     <a:schemeClr val="tx1"/>
                   </a:solidFill>
@@ -4017,7 +4017,7 @@
                 </a14:hiddenLine>
               </a:ext>
               <a:ext uri="{AF507438-7753-43e0-B8FC-AC1667EBCBE1}">
-                <a14:hiddenEffects xmlns="" xmlns:a14="http://schemas.microsoft.com/office/drawing/2010/main">
+                <a14:hiddenEffects xmlns:a14="http://schemas.microsoft.com/office/drawing/2010/main" xmlns="">
                   <a:effectLst>
                     <a:outerShdw blurRad="63500" dist="38099" dir="2700000" algn="ctr" rotWithShape="0">
                       <a:schemeClr val="bg2">
@@ -4062,7 +4062,7 @@
             <a:effectLst/>
             <a:extLst>
               <a:ext uri="{91240B29-F687-4f45-9708-019B960494DF}">
-                <a14:hiddenLine xmlns="" xmlns:a14="http://schemas.microsoft.com/office/drawing/2010/main" w="9525">
+                <a14:hiddenLine xmlns:a14="http://schemas.microsoft.com/office/drawing/2010/main" xmlns="" w="9525">
                   <a:solidFill>
                     <a:schemeClr val="tx1"/>
                   </a:solidFill>
@@ -4072,7 +4072,7 @@
                 </a14:hiddenLine>
               </a:ext>
               <a:ext uri="{AF507438-7753-43e0-B8FC-AC1667EBCBE1}">
-                <a14:hiddenEffects xmlns="" xmlns:a14="http://schemas.microsoft.com/office/drawing/2010/main">
+                <a14:hiddenEffects xmlns:a14="http://schemas.microsoft.com/office/drawing/2010/main" xmlns="">
                   <a:effectLst>
                     <a:outerShdw blurRad="63500" dist="38099" dir="2700000" algn="ctr" rotWithShape="0">
                       <a:schemeClr val="bg2">
@@ -4117,7 +4117,7 @@
             <a:effectLst/>
             <a:extLst>
               <a:ext uri="{91240B29-F687-4f45-9708-019B960494DF}">
-                <a14:hiddenLine xmlns="" xmlns:a14="http://schemas.microsoft.com/office/drawing/2010/main" w="9525">
+                <a14:hiddenLine xmlns:a14="http://schemas.microsoft.com/office/drawing/2010/main" xmlns="" w="9525">
                   <a:solidFill>
                     <a:schemeClr val="tx1"/>
                   </a:solidFill>
@@ -4127,7 +4127,7 @@
                 </a14:hiddenLine>
               </a:ext>
               <a:ext uri="{AF507438-7753-43e0-B8FC-AC1667EBCBE1}">
-                <a14:hiddenEffects xmlns="" xmlns:a14="http://schemas.microsoft.com/office/drawing/2010/main">
+                <a14:hiddenEffects xmlns:a14="http://schemas.microsoft.com/office/drawing/2010/main" xmlns="">
                   <a:effectLst>
                     <a:outerShdw blurRad="63500" dist="38099" dir="2700000" algn="ctr" rotWithShape="0">
                       <a:schemeClr val="bg2">
@@ -4172,7 +4172,7 @@
             <a:effectLst/>
             <a:extLst>
               <a:ext uri="{91240B29-F687-4f45-9708-019B960494DF}">
-                <a14:hiddenLine xmlns="" xmlns:a14="http://schemas.microsoft.com/office/drawing/2010/main" w="9525">
+                <a14:hiddenLine xmlns:a14="http://schemas.microsoft.com/office/drawing/2010/main" xmlns="" w="9525">
                   <a:solidFill>
                     <a:schemeClr val="tx1"/>
                   </a:solidFill>
@@ -4182,7 +4182,7 @@
                 </a14:hiddenLine>
               </a:ext>
               <a:ext uri="{AF507438-7753-43e0-B8FC-AC1667EBCBE1}">
-                <a14:hiddenEffects xmlns="" xmlns:a14="http://schemas.microsoft.com/office/drawing/2010/main">
+                <a14:hiddenEffects xmlns:a14="http://schemas.microsoft.com/office/drawing/2010/main" xmlns="">
                   <a:effectLst>
                     <a:outerShdw blurRad="63500" dist="38099" dir="2700000" algn="ctr" rotWithShape="0">
                       <a:schemeClr val="bg2">
@@ -4227,7 +4227,7 @@
             <a:effectLst/>
             <a:extLst>
               <a:ext uri="{91240B29-F687-4f45-9708-019B960494DF}">
-                <a14:hiddenLine xmlns="" xmlns:a14="http://schemas.microsoft.com/office/drawing/2010/main" w="9525">
+                <a14:hiddenLine xmlns:a14="http://schemas.microsoft.com/office/drawing/2010/main" xmlns="" w="9525">
                   <a:solidFill>
                     <a:schemeClr val="tx1"/>
                   </a:solidFill>
@@ -4237,7 +4237,7 @@
                 </a14:hiddenLine>
               </a:ext>
               <a:ext uri="{AF507438-7753-43e0-B8FC-AC1667EBCBE1}">
-                <a14:hiddenEffects xmlns="" xmlns:a14="http://schemas.microsoft.com/office/drawing/2010/main">
+                <a14:hiddenEffects xmlns:a14="http://schemas.microsoft.com/office/drawing/2010/main" xmlns="">
                   <a:effectLst>
                     <a:outerShdw blurRad="63500" dist="38099" dir="2700000" algn="ctr" rotWithShape="0">
                       <a:schemeClr val="bg2">
@@ -4282,7 +4282,7 @@
             <a:effectLst/>
             <a:extLst>
               <a:ext uri="{91240B29-F687-4f45-9708-019B960494DF}">
-                <a14:hiddenLine xmlns="" xmlns:a14="http://schemas.microsoft.com/office/drawing/2010/main" w="9525">
+                <a14:hiddenLine xmlns:a14="http://schemas.microsoft.com/office/drawing/2010/main" xmlns="" w="9525">
                   <a:solidFill>
                     <a:schemeClr val="tx1"/>
                   </a:solidFill>
@@ -4292,7 +4292,7 @@
                 </a14:hiddenLine>
               </a:ext>
               <a:ext uri="{AF507438-7753-43e0-B8FC-AC1667EBCBE1}">
-                <a14:hiddenEffects xmlns="" xmlns:a14="http://schemas.microsoft.com/office/drawing/2010/main">
+                <a14:hiddenEffects xmlns:a14="http://schemas.microsoft.com/office/drawing/2010/main" xmlns="">
                   <a:effectLst>
                     <a:outerShdw blurRad="63500" dist="38099" dir="2700000" algn="ctr" rotWithShape="0">
                       <a:schemeClr val="bg2">
@@ -4341,12 +4341,12 @@
           <a:effectLst/>
           <a:extLst>
             <a:ext uri="{909E8E84-426E-40dd-AFC4-6F175D3DCCD1}">
-              <a14:hiddenFill xmlns="" xmlns:a14="http://schemas.microsoft.com/office/drawing/2010/main">
+              <a14:hiddenFill xmlns:a14="http://schemas.microsoft.com/office/drawing/2010/main" xmlns="">
                 <a:noFill/>
               </a14:hiddenFill>
             </a:ext>
             <a:ext uri="{AF507438-7753-43e0-B8FC-AC1667EBCBE1}">
-              <a14:hiddenEffects xmlns="" xmlns:a14="http://schemas.microsoft.com/office/drawing/2010/main">
+              <a14:hiddenEffects xmlns:a14="http://schemas.microsoft.com/office/drawing/2010/main" xmlns="">
                 <a:effectLst>
                   <a:outerShdw blurRad="63500" dist="38099" dir="2700000" algn="ctr" rotWithShape="0">
                     <a:schemeClr val="bg2">
@@ -6670,12 +6670,12 @@
           <a:effectLst/>
           <a:extLst>
             <a:ext uri="{909E8E84-426E-40dd-AFC4-6F175D3DCCD1}">
-              <a14:hiddenFill xmlns="" xmlns:a14="http://schemas.microsoft.com/office/drawing/2010/main">
+              <a14:hiddenFill xmlns:a14="http://schemas.microsoft.com/office/drawing/2010/main" xmlns="">
                 <a:noFill/>
               </a14:hiddenFill>
             </a:ext>
             <a:ext uri="{AF507438-7753-43e0-B8FC-AC1667EBCBE1}">
-              <a14:hiddenEffects xmlns="" xmlns:a14="http://schemas.microsoft.com/office/drawing/2010/main">
+              <a14:hiddenEffects xmlns:a14="http://schemas.microsoft.com/office/drawing/2010/main" xmlns="">
                 <a:effectLst>
                   <a:outerShdw blurRad="63500" dist="38099" dir="2700000" algn="ctr" rotWithShape="0">
                     <a:schemeClr val="bg2">
@@ -6720,17 +6720,17 @@
           <a:effectLst/>
           <a:extLst>
             <a:ext uri="{FAA26D3D-D897-4be2-8F04-BA451C77F1D7}">
-              <ma14:placeholderFlag xmlns:ma14="http://schemas.microsoft.com/office/mac/drawingml/2011/main" xmlns="" val="1"/>
+              <ma14:placeholderFlag xmlns="" xmlns:ma14="http://schemas.microsoft.com/office/mac/drawingml/2011/main" val="1"/>
             </a:ext>
             <a:ext uri="{909E8E84-426E-40dd-AFC4-6F175D3DCCD1}">
-              <a14:hiddenFill xmlns="" xmlns:a14="http://schemas.microsoft.com/office/drawing/2010/main">
+              <a14:hiddenFill xmlns:a14="http://schemas.microsoft.com/office/drawing/2010/main" xmlns="">
                 <a:solidFill>
                   <a:schemeClr val="accent1"/>
                 </a:solidFill>
               </a14:hiddenFill>
             </a:ext>
             <a:ext uri="{91240B29-F687-4f45-9708-019B960494DF}">
-              <a14:hiddenLine xmlns="" xmlns:a14="http://schemas.microsoft.com/office/drawing/2010/main" w="9525">
+              <a14:hiddenLine xmlns:a14="http://schemas.microsoft.com/office/drawing/2010/main" xmlns="" w="9525">
                 <a:solidFill>
                   <a:schemeClr val="tx1"/>
                 </a:solidFill>
@@ -6740,7 +6740,7 @@
               </a14:hiddenLine>
             </a:ext>
             <a:ext uri="{AF507438-7753-43e0-B8FC-AC1667EBCBE1}">
-              <a14:hiddenEffects xmlns="" xmlns:a14="http://schemas.microsoft.com/office/drawing/2010/main">
+              <a14:hiddenEffects xmlns:a14="http://schemas.microsoft.com/office/drawing/2010/main" xmlns="">
                 <a:effectLst>
                   <a:outerShdw blurRad="63500" dist="38099" dir="2700000" algn="ctr" rotWithShape="0">
                     <a:schemeClr val="bg2">
@@ -6793,17 +6793,17 @@
           <a:effectLst/>
           <a:extLst>
             <a:ext uri="{FAA26D3D-D897-4be2-8F04-BA451C77F1D7}">
-              <ma14:placeholderFlag xmlns:ma14="http://schemas.microsoft.com/office/mac/drawingml/2011/main" xmlns="" val="1"/>
+              <ma14:placeholderFlag xmlns="" xmlns:ma14="http://schemas.microsoft.com/office/mac/drawingml/2011/main" val="1"/>
             </a:ext>
             <a:ext uri="{909E8E84-426E-40dd-AFC4-6F175D3DCCD1}">
-              <a14:hiddenFill xmlns="" xmlns:a14="http://schemas.microsoft.com/office/drawing/2010/main">
+              <a14:hiddenFill xmlns:a14="http://schemas.microsoft.com/office/drawing/2010/main" xmlns="">
                 <a:solidFill>
                   <a:schemeClr val="accent1"/>
                 </a:solidFill>
               </a14:hiddenFill>
             </a:ext>
             <a:ext uri="{91240B29-F687-4f45-9708-019B960494DF}">
-              <a14:hiddenLine xmlns="" xmlns:a14="http://schemas.microsoft.com/office/drawing/2010/main" w="9525">
+              <a14:hiddenLine xmlns:a14="http://schemas.microsoft.com/office/drawing/2010/main" xmlns="" w="9525">
                 <a:solidFill>
                   <a:schemeClr val="tx1"/>
                 </a:solidFill>
@@ -6813,7 +6813,7 @@
               </a14:hiddenLine>
             </a:ext>
             <a:ext uri="{AF507438-7753-43e0-B8FC-AC1667EBCBE1}">
-              <a14:hiddenEffects xmlns="" xmlns:a14="http://schemas.microsoft.com/office/drawing/2010/main">
+              <a14:hiddenEffects xmlns:a14="http://schemas.microsoft.com/office/drawing/2010/main" xmlns="">
                 <a:effectLst>
                   <a:outerShdw blurRad="63500" dist="38099" dir="2700000" algn="ctr" rotWithShape="0">
                     <a:schemeClr val="bg2">
@@ -6894,17 +6894,17 @@
           <a:effectLst/>
           <a:extLst>
             <a:ext uri="{FAA26D3D-D897-4be2-8F04-BA451C77F1D7}">
-              <ma14:placeholderFlag xmlns:ma14="http://schemas.microsoft.com/office/mac/drawingml/2011/main" xmlns="" val="1"/>
+              <ma14:placeholderFlag xmlns="" xmlns:ma14="http://schemas.microsoft.com/office/mac/drawingml/2011/main" val="1"/>
             </a:ext>
             <a:ext uri="{909E8E84-426E-40dd-AFC4-6F175D3DCCD1}">
-              <a14:hiddenFill xmlns="" xmlns:a14="http://schemas.microsoft.com/office/drawing/2010/main">
+              <a14:hiddenFill xmlns:a14="http://schemas.microsoft.com/office/drawing/2010/main" xmlns="">
                 <a:solidFill>
                   <a:schemeClr val="accent1"/>
                 </a:solidFill>
               </a14:hiddenFill>
             </a:ext>
             <a:ext uri="{91240B29-F687-4f45-9708-019B960494DF}">
-              <a14:hiddenLine xmlns="" xmlns:a14="http://schemas.microsoft.com/office/drawing/2010/main" w="9525">
+              <a14:hiddenLine xmlns:a14="http://schemas.microsoft.com/office/drawing/2010/main" xmlns="" w="9525">
                 <a:solidFill>
                   <a:schemeClr val="tx1"/>
                 </a:solidFill>
@@ -6914,7 +6914,7 @@
               </a14:hiddenLine>
             </a:ext>
             <a:ext uri="{AF507438-7753-43e0-B8FC-AC1667EBCBE1}">
-              <a14:hiddenEffects xmlns="" xmlns:a14="http://schemas.microsoft.com/office/drawing/2010/main">
+              <a14:hiddenEffects xmlns:a14="http://schemas.microsoft.com/office/drawing/2010/main" xmlns="">
                 <a:effectLst>
                   <a:outerShdw blurRad="63500" dist="38099" dir="2700000" algn="ctr" rotWithShape="0">
                     <a:schemeClr val="bg2">
@@ -6967,17 +6967,17 @@
           <a:effectLst/>
           <a:extLst>
             <a:ext uri="{FAA26D3D-D897-4be2-8F04-BA451C77F1D7}">
-              <ma14:placeholderFlag xmlns:ma14="http://schemas.microsoft.com/office/mac/drawingml/2011/main" xmlns="" val="1"/>
+              <ma14:placeholderFlag xmlns="" xmlns:ma14="http://schemas.microsoft.com/office/mac/drawingml/2011/main" val="1"/>
             </a:ext>
             <a:ext uri="{909E8E84-426E-40dd-AFC4-6F175D3DCCD1}">
-              <a14:hiddenFill xmlns="" xmlns:a14="http://schemas.microsoft.com/office/drawing/2010/main">
+              <a14:hiddenFill xmlns:a14="http://schemas.microsoft.com/office/drawing/2010/main" xmlns="">
                 <a:solidFill>
                   <a:schemeClr val="accent1"/>
                 </a:solidFill>
               </a14:hiddenFill>
             </a:ext>
             <a:ext uri="{91240B29-F687-4f45-9708-019B960494DF}">
-              <a14:hiddenLine xmlns="" xmlns:a14="http://schemas.microsoft.com/office/drawing/2010/main" w="9525">
+              <a14:hiddenLine xmlns:a14="http://schemas.microsoft.com/office/drawing/2010/main" xmlns="" w="9525">
                 <a:solidFill>
                   <a:schemeClr val="tx1"/>
                 </a:solidFill>
@@ -6987,7 +6987,7 @@
               </a14:hiddenLine>
             </a:ext>
             <a:ext uri="{AF507438-7753-43e0-B8FC-AC1667EBCBE1}">
-              <a14:hiddenEffects xmlns="" xmlns:a14="http://schemas.microsoft.com/office/drawing/2010/main">
+              <a14:hiddenEffects xmlns:a14="http://schemas.microsoft.com/office/drawing/2010/main" xmlns="">
                 <a:effectLst>
                   <a:outerShdw blurRad="63500" dist="38099" dir="2700000" algn="ctr" rotWithShape="0">
                     <a:schemeClr val="bg2">
@@ -7040,17 +7040,17 @@
           <a:effectLst/>
           <a:extLst>
             <a:ext uri="{FAA26D3D-D897-4be2-8F04-BA451C77F1D7}">
-              <ma14:placeholderFlag xmlns:ma14="http://schemas.microsoft.com/office/mac/drawingml/2011/main" xmlns="" val="1"/>
+              <ma14:placeholderFlag xmlns="" xmlns:ma14="http://schemas.microsoft.com/office/mac/drawingml/2011/main" val="1"/>
             </a:ext>
             <a:ext uri="{909E8E84-426E-40dd-AFC4-6F175D3DCCD1}">
-              <a14:hiddenFill xmlns="" xmlns:a14="http://schemas.microsoft.com/office/drawing/2010/main">
+              <a14:hiddenFill xmlns:a14="http://schemas.microsoft.com/office/drawing/2010/main" xmlns="">
                 <a:solidFill>
                   <a:schemeClr val="accent1"/>
                 </a:solidFill>
               </a14:hiddenFill>
             </a:ext>
             <a:ext uri="{91240B29-F687-4f45-9708-019B960494DF}">
-              <a14:hiddenLine xmlns="" xmlns:a14="http://schemas.microsoft.com/office/drawing/2010/main" w="9525">
+              <a14:hiddenLine xmlns:a14="http://schemas.microsoft.com/office/drawing/2010/main" xmlns="" w="9525">
                 <a:solidFill>
                   <a:schemeClr val="tx1"/>
                 </a:solidFill>
@@ -7060,7 +7060,7 @@
               </a14:hiddenLine>
             </a:ext>
             <a:ext uri="{AF507438-7753-43e0-B8FC-AC1667EBCBE1}">
-              <a14:hiddenEffects xmlns="" xmlns:a14="http://schemas.microsoft.com/office/drawing/2010/main">
+              <a14:hiddenEffects xmlns:a14="http://schemas.microsoft.com/office/drawing/2010/main" xmlns="">
                 <a:effectLst>
                   <a:outerShdw blurRad="63500" dist="38099" dir="2700000" algn="ctr" rotWithShape="0">
                     <a:schemeClr val="bg2">
@@ -7134,7 +7134,7 @@
             <a:effectLst/>
             <a:extLst>
               <a:ext uri="{91240B29-F687-4f45-9708-019B960494DF}">
-                <a14:hiddenLine xmlns="" xmlns:a14="http://schemas.microsoft.com/office/drawing/2010/main" w="9525">
+                <a14:hiddenLine xmlns:a14="http://schemas.microsoft.com/office/drawing/2010/main" xmlns="" w="9525">
                   <a:solidFill>
                     <a:schemeClr val="tx1"/>
                   </a:solidFill>
@@ -7144,7 +7144,7 @@
                 </a14:hiddenLine>
               </a:ext>
               <a:ext uri="{AF507438-7753-43e0-B8FC-AC1667EBCBE1}">
-                <a14:hiddenEffects xmlns="" xmlns:a14="http://schemas.microsoft.com/office/drawing/2010/main">
+                <a14:hiddenEffects xmlns:a14="http://schemas.microsoft.com/office/drawing/2010/main" xmlns="">
                   <a:effectLst>
                     <a:outerShdw blurRad="63500" dist="38099" dir="2700000" algn="ctr" rotWithShape="0">
                       <a:schemeClr val="bg2">
@@ -7189,7 +7189,7 @@
             <a:effectLst/>
             <a:extLst>
               <a:ext uri="{91240B29-F687-4f45-9708-019B960494DF}">
-                <a14:hiddenLine xmlns="" xmlns:a14="http://schemas.microsoft.com/office/drawing/2010/main" w="9525">
+                <a14:hiddenLine xmlns:a14="http://schemas.microsoft.com/office/drawing/2010/main" xmlns="" w="9525">
                   <a:solidFill>
                     <a:schemeClr val="tx1"/>
                   </a:solidFill>
@@ -7199,7 +7199,7 @@
                 </a14:hiddenLine>
               </a:ext>
               <a:ext uri="{AF507438-7753-43e0-B8FC-AC1667EBCBE1}">
-                <a14:hiddenEffects xmlns="" xmlns:a14="http://schemas.microsoft.com/office/drawing/2010/main">
+                <a14:hiddenEffects xmlns:a14="http://schemas.microsoft.com/office/drawing/2010/main" xmlns="">
                   <a:effectLst>
                     <a:outerShdw blurRad="63500" dist="38099" dir="2700000" algn="ctr" rotWithShape="0">
                       <a:schemeClr val="bg2">
@@ -7244,7 +7244,7 @@
             <a:effectLst/>
             <a:extLst>
               <a:ext uri="{91240B29-F687-4f45-9708-019B960494DF}">
-                <a14:hiddenLine xmlns="" xmlns:a14="http://schemas.microsoft.com/office/drawing/2010/main" w="9525">
+                <a14:hiddenLine xmlns:a14="http://schemas.microsoft.com/office/drawing/2010/main" xmlns="" w="9525">
                   <a:solidFill>
                     <a:schemeClr val="tx1"/>
                   </a:solidFill>
@@ -7254,7 +7254,7 @@
                 </a14:hiddenLine>
               </a:ext>
               <a:ext uri="{AF507438-7753-43e0-B8FC-AC1667EBCBE1}">
-                <a14:hiddenEffects xmlns="" xmlns:a14="http://schemas.microsoft.com/office/drawing/2010/main">
+                <a14:hiddenEffects xmlns:a14="http://schemas.microsoft.com/office/drawing/2010/main" xmlns="">
                   <a:effectLst>
                     <a:outerShdw blurRad="63500" dist="38099" dir="2700000" algn="ctr" rotWithShape="0">
                       <a:schemeClr val="bg2">
@@ -7299,7 +7299,7 @@
             <a:effectLst/>
             <a:extLst>
               <a:ext uri="{91240B29-F687-4f45-9708-019B960494DF}">
-                <a14:hiddenLine xmlns="" xmlns:a14="http://schemas.microsoft.com/office/drawing/2010/main" w="9525">
+                <a14:hiddenLine xmlns:a14="http://schemas.microsoft.com/office/drawing/2010/main" xmlns="" w="9525">
                   <a:solidFill>
                     <a:schemeClr val="tx1"/>
                   </a:solidFill>
@@ -7309,7 +7309,7 @@
                 </a14:hiddenLine>
               </a:ext>
               <a:ext uri="{AF507438-7753-43e0-B8FC-AC1667EBCBE1}">
-                <a14:hiddenEffects xmlns="" xmlns:a14="http://schemas.microsoft.com/office/drawing/2010/main">
+                <a14:hiddenEffects xmlns:a14="http://schemas.microsoft.com/office/drawing/2010/main" xmlns="">
                   <a:effectLst>
                     <a:outerShdw blurRad="63500" dist="38099" dir="2700000" algn="ctr" rotWithShape="0">
                       <a:schemeClr val="bg2">
@@ -7354,7 +7354,7 @@
             <a:effectLst/>
             <a:extLst>
               <a:ext uri="{91240B29-F687-4f45-9708-019B960494DF}">
-                <a14:hiddenLine xmlns="" xmlns:a14="http://schemas.microsoft.com/office/drawing/2010/main" w="9525">
+                <a14:hiddenLine xmlns:a14="http://schemas.microsoft.com/office/drawing/2010/main" xmlns="" w="9525">
                   <a:solidFill>
                     <a:schemeClr val="tx1"/>
                   </a:solidFill>
@@ -7364,7 +7364,7 @@
                 </a14:hiddenLine>
               </a:ext>
               <a:ext uri="{AF507438-7753-43e0-B8FC-AC1667EBCBE1}">
-                <a14:hiddenEffects xmlns="" xmlns:a14="http://schemas.microsoft.com/office/drawing/2010/main">
+                <a14:hiddenEffects xmlns:a14="http://schemas.microsoft.com/office/drawing/2010/main" xmlns="">
                   <a:effectLst>
                     <a:outerShdw blurRad="63500" dist="38099" dir="2700000" algn="ctr" rotWithShape="0">
                       <a:schemeClr val="bg2">
@@ -7409,7 +7409,7 @@
             <a:effectLst/>
             <a:extLst>
               <a:ext uri="{91240B29-F687-4f45-9708-019B960494DF}">
-                <a14:hiddenLine xmlns="" xmlns:a14="http://schemas.microsoft.com/office/drawing/2010/main" w="9525">
+                <a14:hiddenLine xmlns:a14="http://schemas.microsoft.com/office/drawing/2010/main" xmlns="" w="9525">
                   <a:solidFill>
                     <a:schemeClr val="tx1"/>
                   </a:solidFill>
@@ -7419,7 +7419,7 @@
                 </a14:hiddenLine>
               </a:ext>
               <a:ext uri="{AF507438-7753-43e0-B8FC-AC1667EBCBE1}">
-                <a14:hiddenEffects xmlns="" xmlns:a14="http://schemas.microsoft.com/office/drawing/2010/main">
+                <a14:hiddenEffects xmlns:a14="http://schemas.microsoft.com/office/drawing/2010/main" xmlns="">
                   <a:effectLst>
                     <a:outerShdw blurRad="63500" dist="38099" dir="2700000" algn="ctr" rotWithShape="0">
                       <a:schemeClr val="bg2">
@@ -7464,7 +7464,7 @@
             <a:effectLst/>
             <a:extLst>
               <a:ext uri="{91240B29-F687-4f45-9708-019B960494DF}">
-                <a14:hiddenLine xmlns="" xmlns:a14="http://schemas.microsoft.com/office/drawing/2010/main" w="9525">
+                <a14:hiddenLine xmlns:a14="http://schemas.microsoft.com/office/drawing/2010/main" xmlns="" w="9525">
                   <a:solidFill>
                     <a:schemeClr val="tx1"/>
                   </a:solidFill>
@@ -7474,7 +7474,7 @@
                 </a14:hiddenLine>
               </a:ext>
               <a:ext uri="{AF507438-7753-43e0-B8FC-AC1667EBCBE1}">
-                <a14:hiddenEffects xmlns="" xmlns:a14="http://schemas.microsoft.com/office/drawing/2010/main">
+                <a14:hiddenEffects xmlns:a14="http://schemas.microsoft.com/office/drawing/2010/main" xmlns="">
                   <a:effectLst>
                     <a:outerShdw blurRad="63500" dist="38099" dir="2700000" algn="ctr" rotWithShape="0">
                       <a:schemeClr val="bg2">
@@ -7519,7 +7519,7 @@
             <a:effectLst/>
             <a:extLst>
               <a:ext uri="{91240B29-F687-4f45-9708-019B960494DF}">
-                <a14:hiddenLine xmlns="" xmlns:a14="http://schemas.microsoft.com/office/drawing/2010/main" w="9525">
+                <a14:hiddenLine xmlns:a14="http://schemas.microsoft.com/office/drawing/2010/main" xmlns="" w="9525">
                   <a:solidFill>
                     <a:schemeClr val="tx1"/>
                   </a:solidFill>
@@ -7529,7 +7529,7 @@
                 </a14:hiddenLine>
               </a:ext>
               <a:ext uri="{AF507438-7753-43e0-B8FC-AC1667EBCBE1}">
-                <a14:hiddenEffects xmlns="" xmlns:a14="http://schemas.microsoft.com/office/drawing/2010/main">
+                <a14:hiddenEffects xmlns:a14="http://schemas.microsoft.com/office/drawing/2010/main" xmlns="">
                   <a:effectLst>
                     <a:outerShdw blurRad="63500" dist="38099" dir="2700000" algn="ctr" rotWithShape="0">
                       <a:schemeClr val="bg2">
@@ -7574,7 +7574,7 @@
             <a:effectLst/>
             <a:extLst>
               <a:ext uri="{91240B29-F687-4f45-9708-019B960494DF}">
-                <a14:hiddenLine xmlns="" xmlns:a14="http://schemas.microsoft.com/office/drawing/2010/main" w="9525">
+                <a14:hiddenLine xmlns:a14="http://schemas.microsoft.com/office/drawing/2010/main" xmlns="" w="9525">
                   <a:solidFill>
                     <a:schemeClr val="tx1"/>
                   </a:solidFill>
@@ -7584,7 +7584,7 @@
                 </a14:hiddenLine>
               </a:ext>
               <a:ext uri="{AF507438-7753-43e0-B8FC-AC1667EBCBE1}">
-                <a14:hiddenEffects xmlns="" xmlns:a14="http://schemas.microsoft.com/office/drawing/2010/main">
+                <a14:hiddenEffects xmlns:a14="http://schemas.microsoft.com/office/drawing/2010/main" xmlns="">
                   <a:effectLst>
                     <a:outerShdw blurRad="63500" dist="38099" dir="2700000" algn="ctr" rotWithShape="0">
                       <a:schemeClr val="bg2">
@@ -7629,7 +7629,7 @@
             <a:effectLst/>
             <a:extLst>
               <a:ext uri="{91240B29-F687-4f45-9708-019B960494DF}">
-                <a14:hiddenLine xmlns="" xmlns:a14="http://schemas.microsoft.com/office/drawing/2010/main" w="9525">
+                <a14:hiddenLine xmlns:a14="http://schemas.microsoft.com/office/drawing/2010/main" xmlns="" w="9525">
                   <a:solidFill>
                     <a:schemeClr val="tx1"/>
                   </a:solidFill>
@@ -7639,7 +7639,7 @@
                 </a14:hiddenLine>
               </a:ext>
               <a:ext uri="{AF507438-7753-43e0-B8FC-AC1667EBCBE1}">
-                <a14:hiddenEffects xmlns="" xmlns:a14="http://schemas.microsoft.com/office/drawing/2010/main">
+                <a14:hiddenEffects xmlns:a14="http://schemas.microsoft.com/office/drawing/2010/main" xmlns="">
                   <a:effectLst>
                     <a:outerShdw blurRad="63500" dist="38099" dir="2700000" algn="ctr" rotWithShape="0">
                       <a:schemeClr val="bg2">
@@ -7684,7 +7684,7 @@
             <a:effectLst/>
             <a:extLst>
               <a:ext uri="{91240B29-F687-4f45-9708-019B960494DF}">
-                <a14:hiddenLine xmlns="" xmlns:a14="http://schemas.microsoft.com/office/drawing/2010/main" w="9525">
+                <a14:hiddenLine xmlns:a14="http://schemas.microsoft.com/office/drawing/2010/main" xmlns="" w="9525">
                   <a:solidFill>
                     <a:schemeClr val="tx1"/>
                   </a:solidFill>
@@ -7694,7 +7694,7 @@
                 </a14:hiddenLine>
               </a:ext>
               <a:ext uri="{AF507438-7753-43e0-B8FC-AC1667EBCBE1}">
-                <a14:hiddenEffects xmlns="" xmlns:a14="http://schemas.microsoft.com/office/drawing/2010/main">
+                <a14:hiddenEffects xmlns:a14="http://schemas.microsoft.com/office/drawing/2010/main" xmlns="">
                   <a:effectLst>
                     <a:outerShdw blurRad="63500" dist="38099" dir="2700000" algn="ctr" rotWithShape="0">
                       <a:schemeClr val="bg2">
@@ -7739,7 +7739,7 @@
             <a:effectLst/>
             <a:extLst>
               <a:ext uri="{91240B29-F687-4f45-9708-019B960494DF}">
-                <a14:hiddenLine xmlns="" xmlns:a14="http://schemas.microsoft.com/office/drawing/2010/main" w="9525">
+                <a14:hiddenLine xmlns:a14="http://schemas.microsoft.com/office/drawing/2010/main" xmlns="" w="9525">
                   <a:solidFill>
                     <a:schemeClr val="tx1"/>
                   </a:solidFill>
@@ -7749,7 +7749,7 @@
                 </a14:hiddenLine>
               </a:ext>
               <a:ext uri="{AF507438-7753-43e0-B8FC-AC1667EBCBE1}">
-                <a14:hiddenEffects xmlns="" xmlns:a14="http://schemas.microsoft.com/office/drawing/2010/main">
+                <a14:hiddenEffects xmlns:a14="http://schemas.microsoft.com/office/drawing/2010/main" xmlns="">
                   <a:effectLst>
                     <a:outerShdw blurRad="63500" dist="38099" dir="2700000" algn="ctr" rotWithShape="0">
                       <a:schemeClr val="bg2">
@@ -7794,7 +7794,7 @@
             <a:effectLst/>
             <a:extLst>
               <a:ext uri="{91240B29-F687-4f45-9708-019B960494DF}">
-                <a14:hiddenLine xmlns="" xmlns:a14="http://schemas.microsoft.com/office/drawing/2010/main" w="9525">
+                <a14:hiddenLine xmlns:a14="http://schemas.microsoft.com/office/drawing/2010/main" xmlns="" w="9525">
                   <a:solidFill>
                     <a:schemeClr val="tx1"/>
                   </a:solidFill>
@@ -7804,7 +7804,7 @@
                 </a14:hiddenLine>
               </a:ext>
               <a:ext uri="{AF507438-7753-43e0-B8FC-AC1667EBCBE1}">
-                <a14:hiddenEffects xmlns="" xmlns:a14="http://schemas.microsoft.com/office/drawing/2010/main">
+                <a14:hiddenEffects xmlns:a14="http://schemas.microsoft.com/office/drawing/2010/main" xmlns="">
                   <a:effectLst>
                     <a:outerShdw blurRad="63500" dist="38099" dir="2700000" algn="ctr" rotWithShape="0">
                       <a:schemeClr val="bg2">
@@ -7849,7 +7849,7 @@
             <a:effectLst/>
             <a:extLst>
               <a:ext uri="{91240B29-F687-4f45-9708-019B960494DF}">
-                <a14:hiddenLine xmlns="" xmlns:a14="http://schemas.microsoft.com/office/drawing/2010/main" w="9525">
+                <a14:hiddenLine xmlns:a14="http://schemas.microsoft.com/office/drawing/2010/main" xmlns="" w="9525">
                   <a:solidFill>
                     <a:schemeClr val="tx1"/>
                   </a:solidFill>
@@ -7859,7 +7859,7 @@
                 </a14:hiddenLine>
               </a:ext>
               <a:ext uri="{AF507438-7753-43e0-B8FC-AC1667EBCBE1}">
-                <a14:hiddenEffects xmlns="" xmlns:a14="http://schemas.microsoft.com/office/drawing/2010/main">
+                <a14:hiddenEffects xmlns:a14="http://schemas.microsoft.com/office/drawing/2010/main" xmlns="">
                   <a:effectLst>
                     <a:outerShdw blurRad="63500" dist="38099" dir="2700000" algn="ctr" rotWithShape="0">
                       <a:schemeClr val="bg2">
@@ -7904,7 +7904,7 @@
             <a:effectLst/>
             <a:extLst>
               <a:ext uri="{91240B29-F687-4f45-9708-019B960494DF}">
-                <a14:hiddenLine xmlns="" xmlns:a14="http://schemas.microsoft.com/office/drawing/2010/main" w="9525">
+                <a14:hiddenLine xmlns:a14="http://schemas.microsoft.com/office/drawing/2010/main" xmlns="" w="9525">
                   <a:solidFill>
                     <a:schemeClr val="tx1"/>
                   </a:solidFill>
@@ -7914,7 +7914,7 @@
                 </a14:hiddenLine>
               </a:ext>
               <a:ext uri="{AF507438-7753-43e0-B8FC-AC1667EBCBE1}">
-                <a14:hiddenEffects xmlns="" xmlns:a14="http://schemas.microsoft.com/office/drawing/2010/main">
+                <a14:hiddenEffects xmlns:a14="http://schemas.microsoft.com/office/drawing/2010/main" xmlns="">
                   <a:effectLst>
                     <a:outerShdw blurRad="63500" dist="38099" dir="2700000" algn="ctr" rotWithShape="0">
                       <a:schemeClr val="bg2">
@@ -7959,7 +7959,7 @@
             <a:effectLst/>
             <a:extLst>
               <a:ext uri="{91240B29-F687-4f45-9708-019B960494DF}">
-                <a14:hiddenLine xmlns="" xmlns:a14="http://schemas.microsoft.com/office/drawing/2010/main" w="9525">
+                <a14:hiddenLine xmlns:a14="http://schemas.microsoft.com/office/drawing/2010/main" xmlns="" w="9525">
                   <a:solidFill>
                     <a:schemeClr val="tx1"/>
                   </a:solidFill>
@@ -7969,7 +7969,7 @@
                 </a14:hiddenLine>
               </a:ext>
               <a:ext uri="{AF507438-7753-43e0-B8FC-AC1667EBCBE1}">
-                <a14:hiddenEffects xmlns="" xmlns:a14="http://schemas.microsoft.com/office/drawing/2010/main">
+                <a14:hiddenEffects xmlns:a14="http://schemas.microsoft.com/office/drawing/2010/main" xmlns="">
                   <a:effectLst>
                     <a:outerShdw blurRad="63500" dist="38099" dir="2700000" algn="ctr" rotWithShape="0">
                       <a:schemeClr val="bg2">
@@ -8014,7 +8014,7 @@
             <a:effectLst/>
             <a:extLst>
               <a:ext uri="{91240B29-F687-4f45-9708-019B960494DF}">
-                <a14:hiddenLine xmlns="" xmlns:a14="http://schemas.microsoft.com/office/drawing/2010/main" w="9525">
+                <a14:hiddenLine xmlns:a14="http://schemas.microsoft.com/office/drawing/2010/main" xmlns="" w="9525">
                   <a:solidFill>
                     <a:schemeClr val="tx1"/>
                   </a:solidFill>
@@ -8024,7 +8024,7 @@
                 </a14:hiddenLine>
               </a:ext>
               <a:ext uri="{AF507438-7753-43e0-B8FC-AC1667EBCBE1}">
-                <a14:hiddenEffects xmlns="" xmlns:a14="http://schemas.microsoft.com/office/drawing/2010/main">
+                <a14:hiddenEffects xmlns:a14="http://schemas.microsoft.com/office/drawing/2010/main" xmlns="">
                   <a:effectLst>
                     <a:outerShdw blurRad="63500" dist="38099" dir="2700000" algn="ctr" rotWithShape="0">
                       <a:schemeClr val="bg2">
@@ -8069,7 +8069,7 @@
             <a:effectLst/>
             <a:extLst>
               <a:ext uri="{91240B29-F687-4f45-9708-019B960494DF}">
-                <a14:hiddenLine xmlns="" xmlns:a14="http://schemas.microsoft.com/office/drawing/2010/main" w="9525">
+                <a14:hiddenLine xmlns:a14="http://schemas.microsoft.com/office/drawing/2010/main" xmlns="" w="9525">
                   <a:solidFill>
                     <a:schemeClr val="tx1"/>
                   </a:solidFill>
@@ -8079,7 +8079,7 @@
                 </a14:hiddenLine>
               </a:ext>
               <a:ext uri="{AF507438-7753-43e0-B8FC-AC1667EBCBE1}">
-                <a14:hiddenEffects xmlns="" xmlns:a14="http://schemas.microsoft.com/office/drawing/2010/main">
+                <a14:hiddenEffects xmlns:a14="http://schemas.microsoft.com/office/drawing/2010/main" xmlns="">
                   <a:effectLst>
                     <a:outerShdw blurRad="63500" dist="38099" dir="2700000" algn="ctr" rotWithShape="0">
                       <a:schemeClr val="bg2">
@@ -8124,7 +8124,7 @@
             <a:effectLst/>
             <a:extLst>
               <a:ext uri="{91240B29-F687-4f45-9708-019B960494DF}">
-                <a14:hiddenLine xmlns="" xmlns:a14="http://schemas.microsoft.com/office/drawing/2010/main" w="9525">
+                <a14:hiddenLine xmlns:a14="http://schemas.microsoft.com/office/drawing/2010/main" xmlns="" w="9525">
                   <a:solidFill>
                     <a:schemeClr val="tx1"/>
                   </a:solidFill>
@@ -8134,7 +8134,7 @@
                 </a14:hiddenLine>
               </a:ext>
               <a:ext uri="{AF507438-7753-43e0-B8FC-AC1667EBCBE1}">
-                <a14:hiddenEffects xmlns="" xmlns:a14="http://schemas.microsoft.com/office/drawing/2010/main">
+                <a14:hiddenEffects xmlns:a14="http://schemas.microsoft.com/office/drawing/2010/main" xmlns="">
                   <a:effectLst>
                     <a:outerShdw blurRad="63500" dist="38099" dir="2700000" algn="ctr" rotWithShape="0">
                       <a:schemeClr val="bg2">
@@ -8179,7 +8179,7 @@
             <a:effectLst/>
             <a:extLst>
               <a:ext uri="{91240B29-F687-4f45-9708-019B960494DF}">
-                <a14:hiddenLine xmlns="" xmlns:a14="http://schemas.microsoft.com/office/drawing/2010/main" w="9525">
+                <a14:hiddenLine xmlns:a14="http://schemas.microsoft.com/office/drawing/2010/main" xmlns="" w="9525">
                   <a:solidFill>
                     <a:schemeClr val="tx1"/>
                   </a:solidFill>
@@ -8189,7 +8189,7 @@
                 </a14:hiddenLine>
               </a:ext>
               <a:ext uri="{AF507438-7753-43e0-B8FC-AC1667EBCBE1}">
-                <a14:hiddenEffects xmlns="" xmlns:a14="http://schemas.microsoft.com/office/drawing/2010/main">
+                <a14:hiddenEffects xmlns:a14="http://schemas.microsoft.com/office/drawing/2010/main" xmlns="">
                   <a:effectLst>
                     <a:outerShdw blurRad="63500" dist="38099" dir="2700000" algn="ctr" rotWithShape="0">
                       <a:schemeClr val="bg2">
@@ -8234,7 +8234,7 @@
             <a:effectLst/>
             <a:extLst>
               <a:ext uri="{91240B29-F687-4f45-9708-019B960494DF}">
-                <a14:hiddenLine xmlns="" xmlns:a14="http://schemas.microsoft.com/office/drawing/2010/main" w="9525">
+                <a14:hiddenLine xmlns:a14="http://schemas.microsoft.com/office/drawing/2010/main" xmlns="" w="9525">
                   <a:solidFill>
                     <a:schemeClr val="tx1"/>
                   </a:solidFill>
@@ -8244,7 +8244,7 @@
                 </a14:hiddenLine>
               </a:ext>
               <a:ext uri="{AF507438-7753-43e0-B8FC-AC1667EBCBE1}">
-                <a14:hiddenEffects xmlns="" xmlns:a14="http://schemas.microsoft.com/office/drawing/2010/main">
+                <a14:hiddenEffects xmlns:a14="http://schemas.microsoft.com/office/drawing/2010/main" xmlns="">
                   <a:effectLst>
                     <a:outerShdw blurRad="63500" dist="38099" dir="2700000" algn="ctr" rotWithShape="0">
                       <a:schemeClr val="bg2">
@@ -8289,7 +8289,7 @@
             <a:effectLst/>
             <a:extLst>
               <a:ext uri="{91240B29-F687-4f45-9708-019B960494DF}">
-                <a14:hiddenLine xmlns="" xmlns:a14="http://schemas.microsoft.com/office/drawing/2010/main" w="9525">
+                <a14:hiddenLine xmlns:a14="http://schemas.microsoft.com/office/drawing/2010/main" xmlns="" w="9525">
                   <a:solidFill>
                     <a:schemeClr val="tx1"/>
                   </a:solidFill>
@@ -8299,7 +8299,7 @@
                 </a14:hiddenLine>
               </a:ext>
               <a:ext uri="{AF507438-7753-43e0-B8FC-AC1667EBCBE1}">
-                <a14:hiddenEffects xmlns="" xmlns:a14="http://schemas.microsoft.com/office/drawing/2010/main">
+                <a14:hiddenEffects xmlns:a14="http://schemas.microsoft.com/office/drawing/2010/main" xmlns="">
                   <a:effectLst>
                     <a:outerShdw blurRad="63500" dist="38099" dir="2700000" algn="ctr" rotWithShape="0">
                       <a:schemeClr val="bg2">
@@ -8344,7 +8344,7 @@
             <a:effectLst/>
             <a:extLst>
               <a:ext uri="{91240B29-F687-4f45-9708-019B960494DF}">
-                <a14:hiddenLine xmlns="" xmlns:a14="http://schemas.microsoft.com/office/drawing/2010/main" w="9525">
+                <a14:hiddenLine xmlns:a14="http://schemas.microsoft.com/office/drawing/2010/main" xmlns="" w="9525">
                   <a:solidFill>
                     <a:schemeClr val="tx1"/>
                   </a:solidFill>
@@ -8354,7 +8354,7 @@
                 </a14:hiddenLine>
               </a:ext>
               <a:ext uri="{AF507438-7753-43e0-B8FC-AC1667EBCBE1}">
-                <a14:hiddenEffects xmlns="" xmlns:a14="http://schemas.microsoft.com/office/drawing/2010/main">
+                <a14:hiddenEffects xmlns:a14="http://schemas.microsoft.com/office/drawing/2010/main" xmlns="">
                   <a:effectLst>
                     <a:outerShdw blurRad="63500" dist="38099" dir="2700000" algn="ctr" rotWithShape="0">
                       <a:schemeClr val="bg2">
@@ -8399,7 +8399,7 @@
             <a:effectLst/>
             <a:extLst>
               <a:ext uri="{91240B29-F687-4f45-9708-019B960494DF}">
-                <a14:hiddenLine xmlns="" xmlns:a14="http://schemas.microsoft.com/office/drawing/2010/main" w="9525">
+                <a14:hiddenLine xmlns:a14="http://schemas.microsoft.com/office/drawing/2010/main" xmlns="" w="9525">
                   <a:solidFill>
                     <a:schemeClr val="tx1"/>
                   </a:solidFill>
@@ -8409,7 +8409,7 @@
                 </a14:hiddenLine>
               </a:ext>
               <a:ext uri="{AF507438-7753-43e0-B8FC-AC1667EBCBE1}">
-                <a14:hiddenEffects xmlns="" xmlns:a14="http://schemas.microsoft.com/office/drawing/2010/main">
+                <a14:hiddenEffects xmlns:a14="http://schemas.microsoft.com/office/drawing/2010/main" xmlns="">
                   <a:effectLst>
                     <a:outerShdw blurRad="63500" dist="38099" dir="2700000" algn="ctr" rotWithShape="0">
                       <a:schemeClr val="bg2">
@@ -8454,7 +8454,7 @@
             <a:effectLst/>
             <a:extLst>
               <a:ext uri="{91240B29-F687-4f45-9708-019B960494DF}">
-                <a14:hiddenLine xmlns="" xmlns:a14="http://schemas.microsoft.com/office/drawing/2010/main" w="9525">
+                <a14:hiddenLine xmlns:a14="http://schemas.microsoft.com/office/drawing/2010/main" xmlns="" w="9525">
                   <a:solidFill>
                     <a:schemeClr val="tx1"/>
                   </a:solidFill>
@@ -8464,7 +8464,7 @@
                 </a14:hiddenLine>
               </a:ext>
               <a:ext uri="{AF507438-7753-43e0-B8FC-AC1667EBCBE1}">
-                <a14:hiddenEffects xmlns="" xmlns:a14="http://schemas.microsoft.com/office/drawing/2010/main">
+                <a14:hiddenEffects xmlns:a14="http://schemas.microsoft.com/office/drawing/2010/main" xmlns="">
                   <a:effectLst>
                     <a:outerShdw blurRad="63500" dist="38099" dir="2700000" algn="ctr" rotWithShape="0">
                       <a:schemeClr val="bg2">
@@ -8509,7 +8509,7 @@
             <a:effectLst/>
             <a:extLst>
               <a:ext uri="{91240B29-F687-4f45-9708-019B960494DF}">
-                <a14:hiddenLine xmlns="" xmlns:a14="http://schemas.microsoft.com/office/drawing/2010/main" w="9525">
+                <a14:hiddenLine xmlns:a14="http://schemas.microsoft.com/office/drawing/2010/main" xmlns="" w="9525">
                   <a:solidFill>
                     <a:schemeClr val="tx1"/>
                   </a:solidFill>
@@ -8519,7 +8519,7 @@
                 </a14:hiddenLine>
               </a:ext>
               <a:ext uri="{AF507438-7753-43e0-B8FC-AC1667EBCBE1}">
-                <a14:hiddenEffects xmlns="" xmlns:a14="http://schemas.microsoft.com/office/drawing/2010/main">
+                <a14:hiddenEffects xmlns:a14="http://schemas.microsoft.com/office/drawing/2010/main" xmlns="">
                   <a:effectLst>
                     <a:outerShdw blurRad="63500" dist="38099" dir="2700000" algn="ctr" rotWithShape="0">
                       <a:schemeClr val="bg2">
@@ -8564,7 +8564,7 @@
             <a:effectLst/>
             <a:extLst>
               <a:ext uri="{91240B29-F687-4f45-9708-019B960494DF}">
-                <a14:hiddenLine xmlns="" xmlns:a14="http://schemas.microsoft.com/office/drawing/2010/main" w="9525">
+                <a14:hiddenLine xmlns:a14="http://schemas.microsoft.com/office/drawing/2010/main" xmlns="" w="9525">
                   <a:solidFill>
                     <a:schemeClr val="tx1"/>
                   </a:solidFill>
@@ -8574,7 +8574,7 @@
                 </a14:hiddenLine>
               </a:ext>
               <a:ext uri="{AF507438-7753-43e0-B8FC-AC1667EBCBE1}">
-                <a14:hiddenEffects xmlns="" xmlns:a14="http://schemas.microsoft.com/office/drawing/2010/main">
+                <a14:hiddenEffects xmlns:a14="http://schemas.microsoft.com/office/drawing/2010/main" xmlns="">
                   <a:effectLst>
                     <a:outerShdw blurRad="63500" dist="38099" dir="2700000" algn="ctr" rotWithShape="0">
                       <a:schemeClr val="bg2">
@@ -8619,7 +8619,7 @@
             <a:effectLst/>
             <a:extLst>
               <a:ext uri="{91240B29-F687-4f45-9708-019B960494DF}">
-                <a14:hiddenLine xmlns="" xmlns:a14="http://schemas.microsoft.com/office/drawing/2010/main" w="9525">
+                <a14:hiddenLine xmlns:a14="http://schemas.microsoft.com/office/drawing/2010/main" xmlns="" w="9525">
                   <a:solidFill>
                     <a:schemeClr val="tx1"/>
                   </a:solidFill>
@@ -8629,7 +8629,7 @@
                 </a14:hiddenLine>
               </a:ext>
               <a:ext uri="{AF507438-7753-43e0-B8FC-AC1667EBCBE1}">
-                <a14:hiddenEffects xmlns="" xmlns:a14="http://schemas.microsoft.com/office/drawing/2010/main">
+                <a14:hiddenEffects xmlns:a14="http://schemas.microsoft.com/office/drawing/2010/main" xmlns="">
                   <a:effectLst>
                     <a:outerShdw blurRad="63500" dist="38099" dir="2700000" algn="ctr" rotWithShape="0">
                       <a:schemeClr val="bg2">
@@ -8674,7 +8674,7 @@
             <a:effectLst/>
             <a:extLst>
               <a:ext uri="{91240B29-F687-4f45-9708-019B960494DF}">
-                <a14:hiddenLine xmlns="" xmlns:a14="http://schemas.microsoft.com/office/drawing/2010/main" w="9525">
+                <a14:hiddenLine xmlns:a14="http://schemas.microsoft.com/office/drawing/2010/main" xmlns="" w="9525">
                   <a:solidFill>
                     <a:schemeClr val="tx1"/>
                   </a:solidFill>
@@ -8684,7 +8684,7 @@
                 </a14:hiddenLine>
               </a:ext>
               <a:ext uri="{AF507438-7753-43e0-B8FC-AC1667EBCBE1}">
-                <a14:hiddenEffects xmlns="" xmlns:a14="http://schemas.microsoft.com/office/drawing/2010/main">
+                <a14:hiddenEffects xmlns:a14="http://schemas.microsoft.com/office/drawing/2010/main" xmlns="">
                   <a:effectLst>
                     <a:outerShdw blurRad="63500" dist="38099" dir="2700000" algn="ctr" rotWithShape="0">
                       <a:schemeClr val="bg2">
@@ -8729,7 +8729,7 @@
             <a:effectLst/>
             <a:extLst>
               <a:ext uri="{91240B29-F687-4f45-9708-019B960494DF}">
-                <a14:hiddenLine xmlns="" xmlns:a14="http://schemas.microsoft.com/office/drawing/2010/main" w="9525">
+                <a14:hiddenLine xmlns:a14="http://schemas.microsoft.com/office/drawing/2010/main" xmlns="" w="9525">
                   <a:solidFill>
                     <a:schemeClr val="tx1"/>
                   </a:solidFill>
@@ -8739,7 +8739,7 @@
                 </a14:hiddenLine>
               </a:ext>
               <a:ext uri="{AF507438-7753-43e0-B8FC-AC1667EBCBE1}">
-                <a14:hiddenEffects xmlns="" xmlns:a14="http://schemas.microsoft.com/office/drawing/2010/main">
+                <a14:hiddenEffects xmlns:a14="http://schemas.microsoft.com/office/drawing/2010/main" xmlns="">
                   <a:effectLst>
                     <a:outerShdw blurRad="63500" dist="38099" dir="2700000" algn="ctr" rotWithShape="0">
                       <a:schemeClr val="bg2">
@@ -8784,7 +8784,7 @@
             <a:effectLst/>
             <a:extLst>
               <a:ext uri="{91240B29-F687-4f45-9708-019B960494DF}">
-                <a14:hiddenLine xmlns="" xmlns:a14="http://schemas.microsoft.com/office/drawing/2010/main" w="9525">
+                <a14:hiddenLine xmlns:a14="http://schemas.microsoft.com/office/drawing/2010/main" xmlns="" w="9525">
                   <a:solidFill>
                     <a:schemeClr val="tx1"/>
                   </a:solidFill>
@@ -8794,7 +8794,7 @@
                 </a14:hiddenLine>
               </a:ext>
               <a:ext uri="{AF507438-7753-43e0-B8FC-AC1667EBCBE1}">
-                <a14:hiddenEffects xmlns="" xmlns:a14="http://schemas.microsoft.com/office/drawing/2010/main">
+                <a14:hiddenEffects xmlns:a14="http://schemas.microsoft.com/office/drawing/2010/main" xmlns="">
                   <a:effectLst>
                     <a:outerShdw blurRad="63500" dist="38099" dir="2700000" algn="ctr" rotWithShape="0">
                       <a:schemeClr val="bg2">
@@ -9716,7 +9716,7 @@
           <a:effectLst/>
           <a:extLst>
             <a:ext uri="{AF507438-7753-43e0-B8FC-AC1667EBCBE1}">
-              <a14:hiddenEffects xmlns="" xmlns:a14="http://schemas.microsoft.com/office/drawing/2010/main">
+              <a14:hiddenEffects xmlns:a14="http://schemas.microsoft.com/office/drawing/2010/main" xmlns="">
                 <a:effectLst>
                   <a:outerShdw blurRad="63500" dist="38099" dir="2700000" algn="ctr" rotWithShape="0">
                     <a:schemeClr val="bg2">
@@ -9760,7 +9760,7 @@
           <a:effectLst/>
           <a:extLst>
             <a:ext uri="{AF507438-7753-43e0-B8FC-AC1667EBCBE1}">
-              <a14:hiddenEffects xmlns="" xmlns:a14="http://schemas.microsoft.com/office/drawing/2010/main">
+              <a14:hiddenEffects xmlns:a14="http://schemas.microsoft.com/office/drawing/2010/main" xmlns="">
                 <a:effectLst>
                   <a:outerShdw blurRad="63500" dist="38099" dir="2700000" algn="ctr" rotWithShape="0">
                     <a:schemeClr val="bg2">
@@ -9805,7 +9805,7 @@
           <a:effectLst/>
           <a:extLst>
             <a:ext uri="{AF507438-7753-43e0-B8FC-AC1667EBCBE1}">
-              <a14:hiddenEffects xmlns="" xmlns:a14="http://schemas.microsoft.com/office/drawing/2010/main">
+              <a14:hiddenEffects xmlns:a14="http://schemas.microsoft.com/office/drawing/2010/main" xmlns="">
                 <a:effectLst>
                   <a:outerShdw blurRad="63500" dist="38099" dir="2700000" algn="ctr" rotWithShape="0">
                     <a:schemeClr val="bg2">
@@ -9850,7 +9850,7 @@
           <a:effectLst/>
           <a:extLst>
             <a:ext uri="{AF507438-7753-43e0-B8FC-AC1667EBCBE1}">
-              <a14:hiddenEffects xmlns="" xmlns:a14="http://schemas.microsoft.com/office/drawing/2010/main">
+              <a14:hiddenEffects xmlns:a14="http://schemas.microsoft.com/office/drawing/2010/main" xmlns="">
                 <a:effectLst>
                   <a:outerShdw blurRad="63500" dist="38099" dir="2700000" algn="ctr" rotWithShape="0">
                     <a:schemeClr val="bg2">
@@ -9895,7 +9895,7 @@
           <a:effectLst/>
           <a:extLst>
             <a:ext uri="{AF507438-7753-43e0-B8FC-AC1667EBCBE1}">
-              <a14:hiddenEffects xmlns="" xmlns:a14="http://schemas.microsoft.com/office/drawing/2010/main">
+              <a14:hiddenEffects xmlns:a14="http://schemas.microsoft.com/office/drawing/2010/main" xmlns="">
                 <a:effectLst>
                   <a:outerShdw blurRad="63500" dist="38099" dir="2700000" algn="ctr" rotWithShape="0">
                     <a:schemeClr val="bg2">
@@ -9940,7 +9940,7 @@
           <a:effectLst/>
           <a:extLst>
             <a:ext uri="{AF507438-7753-43e0-B8FC-AC1667EBCBE1}">
-              <a14:hiddenEffects xmlns="" xmlns:a14="http://schemas.microsoft.com/office/drawing/2010/main">
+              <a14:hiddenEffects xmlns:a14="http://schemas.microsoft.com/office/drawing/2010/main" xmlns="">
                 <a:effectLst>
                   <a:outerShdw blurRad="63500" dist="38099" dir="2700000" algn="ctr" rotWithShape="0">
                     <a:schemeClr val="bg2">
@@ -9986,7 +9986,7 @@
           <a:effectLst/>
           <a:extLst>
             <a:ext uri="{AF507438-7753-43e0-B8FC-AC1667EBCBE1}">
-              <a14:hiddenEffects xmlns="" xmlns:a14="http://schemas.microsoft.com/office/drawing/2010/main">
+              <a14:hiddenEffects xmlns:a14="http://schemas.microsoft.com/office/drawing/2010/main" xmlns="">
                 <a:effectLst>
                   <a:outerShdw blurRad="63500" dist="38099" dir="2700000" algn="ctr" rotWithShape="0">
                     <a:schemeClr val="bg2">
@@ -10389,7 +10389,7 @@
           <a:effectLst/>
           <a:extLst>
             <a:ext uri="{AF507438-7753-43e0-B8FC-AC1667EBCBE1}">
-              <a14:hiddenEffects xmlns="" xmlns:a14="http://schemas.microsoft.com/office/drawing/2010/main">
+              <a14:hiddenEffects xmlns:a14="http://schemas.microsoft.com/office/drawing/2010/main" xmlns="">
                 <a:effectLst>
                   <a:outerShdw blurRad="63500" dist="38099" dir="2700000" algn="ctr" rotWithShape="0">
                     <a:schemeClr val="bg2">
@@ -10434,7 +10434,7 @@
           <a:effectLst/>
           <a:extLst>
             <a:ext uri="{AF507438-7753-43e0-B8FC-AC1667EBCBE1}">
-              <a14:hiddenEffects xmlns="" xmlns:a14="http://schemas.microsoft.com/office/drawing/2010/main">
+              <a14:hiddenEffects xmlns:a14="http://schemas.microsoft.com/office/drawing/2010/main" xmlns="">
                 <a:effectLst>
                   <a:outerShdw blurRad="63500" dist="38099" dir="2700000" algn="ctr" rotWithShape="0">
                     <a:schemeClr val="bg2">
@@ -10521,7 +10521,7 @@
           <a:effectLst/>
           <a:extLst>
             <a:ext uri="{AF507438-7753-43e0-B8FC-AC1667EBCBE1}">
-              <a14:hiddenEffects xmlns:a14="http://schemas.microsoft.com/office/drawing/2010/main" xmlns="">
+              <a14:hiddenEffects xmlns="" xmlns:a14="http://schemas.microsoft.com/office/drawing/2010/main">
                 <a:effectLst>
                   <a:outerShdw blurRad="63500" dist="38099" dir="2700000" algn="ctr" rotWithShape="0">
                     <a:schemeClr val="bg2">
@@ -10567,7 +10567,7 @@
           </a:ln>
           <a:extLst>
             <a:ext uri="{909E8E84-426E-40dd-AFC4-6F175D3DCCD1}">
-              <a14:hiddenFill xmlns="" xmlns:a14="http://schemas.microsoft.com/office/drawing/2010/main">
+              <a14:hiddenFill xmlns:a14="http://schemas.microsoft.com/office/drawing/2010/main" xmlns="">
                 <a:solidFill>
                   <a:schemeClr val="accent1"/>
                 </a:solidFill>
@@ -11245,7 +11245,7 @@
           </a:ln>
           <a:extLst>
             <a:ext uri="{909E8E84-426E-40dd-AFC4-6F175D3DCCD1}">
-              <a14:hiddenFill xmlns="" xmlns:a14="http://schemas.microsoft.com/office/drawing/2010/main">
+              <a14:hiddenFill xmlns:a14="http://schemas.microsoft.com/office/drawing/2010/main" xmlns="">
                 <a:noFill/>
               </a14:hiddenFill>
             </a:ext>
@@ -11274,14 +11274,14 @@
           </a:ln>
           <a:extLst>
             <a:ext uri="{909E8E84-426E-40dd-AFC4-6F175D3DCCD1}">
-              <a14:hiddenFill xmlns="" xmlns:a14="http://schemas.microsoft.com/office/drawing/2010/main">
+              <a14:hiddenFill xmlns:a14="http://schemas.microsoft.com/office/drawing/2010/main" xmlns="">
                 <a:solidFill>
                   <a:schemeClr val="accent1"/>
                 </a:solidFill>
               </a14:hiddenFill>
             </a:ext>
             <a:ext uri="{91240B29-F687-4f45-9708-019B960494DF}">
-              <a14:hiddenLine xmlns="" xmlns:a14="http://schemas.microsoft.com/office/drawing/2010/main" w="9525">
+              <a14:hiddenLine xmlns:a14="http://schemas.microsoft.com/office/drawing/2010/main" xmlns="" w="9525">
                 <a:solidFill>
                   <a:schemeClr val="tx1"/>
                 </a:solidFill>
@@ -11331,14 +11331,14 @@
           </a:ln>
           <a:extLst>
             <a:ext uri="{909E8E84-426E-40dd-AFC4-6F175D3DCCD1}">
-              <a14:hiddenFill xmlns="" xmlns:a14="http://schemas.microsoft.com/office/drawing/2010/main">
+              <a14:hiddenFill xmlns:a14="http://schemas.microsoft.com/office/drawing/2010/main" xmlns="">
                 <a:solidFill>
                   <a:schemeClr val="accent1"/>
                 </a:solidFill>
               </a14:hiddenFill>
             </a:ext>
             <a:ext uri="{91240B29-F687-4f45-9708-019B960494DF}">
-              <a14:hiddenLine xmlns="" xmlns:a14="http://schemas.microsoft.com/office/drawing/2010/main" w="9525">
+              <a14:hiddenLine xmlns:a14="http://schemas.microsoft.com/office/drawing/2010/main" xmlns="" w="9525">
                 <a:solidFill>
                   <a:schemeClr val="tx1"/>
                 </a:solidFill>
@@ -12163,7 +12163,7 @@
           <a:effectLst/>
           <a:extLst>
             <a:ext uri="{AF507438-7753-43e0-B8FC-AC1667EBCBE1}">
-              <a14:hiddenEffects xmlns="" xmlns:a14="http://schemas.microsoft.com/office/drawing/2010/main">
+              <a14:hiddenEffects xmlns:a14="http://schemas.microsoft.com/office/drawing/2010/main" xmlns="">
                 <a:effectLst>
                   <a:outerShdw blurRad="63500" dist="38099" dir="2700000" algn="ctr" rotWithShape="0">
                     <a:schemeClr val="bg2">
@@ -12351,7 +12351,7 @@
           </a:ln>
           <a:extLst>
             <a:ext uri="{909E8E84-426E-40dd-AFC4-6F175D3DCCD1}">
-              <a14:hiddenFill xmlns="" xmlns:a14="http://schemas.microsoft.com/office/drawing/2010/main">
+              <a14:hiddenFill xmlns:a14="http://schemas.microsoft.com/office/drawing/2010/main" xmlns="">
                 <a:solidFill>
                   <a:schemeClr val="accent1"/>
                 </a:solidFill>
@@ -14226,14 +14226,14 @@
           </a:ln>
           <a:extLst>
             <a:ext uri="{909E8E84-426E-40dd-AFC4-6F175D3DCCD1}">
-              <a14:hiddenFill xmlns="" xmlns:a14="http://schemas.microsoft.com/office/drawing/2010/main">
+              <a14:hiddenFill xmlns:a14="http://schemas.microsoft.com/office/drawing/2010/main" xmlns="">
                 <a:solidFill>
                   <a:schemeClr val="accent1"/>
                 </a:solidFill>
               </a14:hiddenFill>
             </a:ext>
             <a:ext uri="{91240B29-F687-4f45-9708-019B960494DF}">
-              <a14:hiddenLine xmlns="" xmlns:a14="http://schemas.microsoft.com/office/drawing/2010/main" w="9525">
+              <a14:hiddenLine xmlns:a14="http://schemas.microsoft.com/office/drawing/2010/main" xmlns="" w="9525">
                 <a:solidFill>
                   <a:schemeClr val="tx1"/>
                 </a:solidFill>
@@ -14556,14 +14556,14 @@
           </a:ln>
           <a:extLst>
             <a:ext uri="{909E8E84-426E-40dd-AFC4-6F175D3DCCD1}">
-              <a14:hiddenFill xmlns="" xmlns:a14="http://schemas.microsoft.com/office/drawing/2010/main">
+              <a14:hiddenFill xmlns:a14="http://schemas.microsoft.com/office/drawing/2010/main" xmlns="">
                 <a:solidFill>
                   <a:schemeClr val="accent1"/>
                 </a:solidFill>
               </a14:hiddenFill>
             </a:ext>
             <a:ext uri="{91240B29-F687-4f45-9708-019B960494DF}">
-              <a14:hiddenLine xmlns="" xmlns:a14="http://schemas.microsoft.com/office/drawing/2010/main" w="9525">
+              <a14:hiddenLine xmlns:a14="http://schemas.microsoft.com/office/drawing/2010/main" xmlns="" w="9525">
                 <a:solidFill>
                   <a:schemeClr val="tx1"/>
                 </a:solidFill>
@@ -14988,14 +14988,14 @@
           </a:ln>
           <a:extLst>
             <a:ext uri="{909E8E84-426E-40dd-AFC4-6F175D3DCCD1}">
-              <a14:hiddenFill xmlns="" xmlns:a14="http://schemas.microsoft.com/office/drawing/2010/main">
+              <a14:hiddenFill xmlns:a14="http://schemas.microsoft.com/office/drawing/2010/main" xmlns="">
                 <a:solidFill>
                   <a:schemeClr val="accent1"/>
                 </a:solidFill>
               </a14:hiddenFill>
             </a:ext>
             <a:ext uri="{91240B29-F687-4f45-9708-019B960494DF}">
-              <a14:hiddenLine xmlns="" xmlns:a14="http://schemas.microsoft.com/office/drawing/2010/main" w="9525">
+              <a14:hiddenLine xmlns:a14="http://schemas.microsoft.com/office/drawing/2010/main" xmlns="" w="9525">
                 <a:solidFill>
                   <a:schemeClr val="tx1"/>
                 </a:solidFill>
@@ -15355,14 +15355,14 @@
           </a:ln>
           <a:extLst>
             <a:ext uri="{909E8E84-426E-40dd-AFC4-6F175D3DCCD1}">
-              <a14:hiddenFill xmlns="" xmlns:a14="http://schemas.microsoft.com/office/drawing/2010/main">
+              <a14:hiddenFill xmlns:a14="http://schemas.microsoft.com/office/drawing/2010/main" xmlns="">
                 <a:solidFill>
                   <a:schemeClr val="accent1"/>
                 </a:solidFill>
               </a14:hiddenFill>
             </a:ext>
             <a:ext uri="{91240B29-F687-4f45-9708-019B960494DF}">
-              <a14:hiddenLine xmlns="" xmlns:a14="http://schemas.microsoft.com/office/drawing/2010/main" w="9525">
+              <a14:hiddenLine xmlns:a14="http://schemas.microsoft.com/office/drawing/2010/main" xmlns="" w="9525">
                 <a:solidFill>
                   <a:schemeClr val="tx1"/>
                 </a:solidFill>
@@ -15685,14 +15685,14 @@
           </a:ln>
           <a:extLst>
             <a:ext uri="{909E8E84-426E-40dd-AFC4-6F175D3DCCD1}">
-              <a14:hiddenFill xmlns="" xmlns:a14="http://schemas.microsoft.com/office/drawing/2010/main">
+              <a14:hiddenFill xmlns:a14="http://schemas.microsoft.com/office/drawing/2010/main" xmlns="">
                 <a:solidFill>
                   <a:schemeClr val="accent1"/>
                 </a:solidFill>
               </a14:hiddenFill>
             </a:ext>
             <a:ext uri="{91240B29-F687-4f45-9708-019B960494DF}">
-              <a14:hiddenLine xmlns="" xmlns:a14="http://schemas.microsoft.com/office/drawing/2010/main" w="9525">
+              <a14:hiddenLine xmlns:a14="http://schemas.microsoft.com/office/drawing/2010/main" xmlns="" w="9525">
                 <a:solidFill>
                   <a:schemeClr val="tx1"/>
                 </a:solidFill>
@@ -16271,7 +16271,7 @@
           <a:effectLst/>
           <a:extLst>
             <a:ext uri="{AF507438-7753-43e0-B8FC-AC1667EBCBE1}">
-              <a14:hiddenEffects xmlns:a14="http://schemas.microsoft.com/office/drawing/2010/main" xmlns="">
+              <a14:hiddenEffects xmlns="" xmlns:a14="http://schemas.microsoft.com/office/drawing/2010/main">
                 <a:effectLst>
                   <a:outerShdw blurRad="63500" dist="38099" dir="2700000" algn="ctr" rotWithShape="0">
                     <a:schemeClr val="bg2">
@@ -16649,13 +16649,13 @@
         </p:spPr>
         <p:txBody>
           <a:bodyPr>
-            <a:normAutofit fontScale="62500" lnSpcReduction="20000"/>
+            <a:normAutofit fontScale="70000" lnSpcReduction="20000"/>
           </a:bodyPr>
           <a:lstStyle/>
           <a:p>
             <a:r>
               <a:rPr lang="en-US" dirty="0"/>
-              <a:t>In order to see that parsers build parse trees in order to prove that a sentence belongs to a language consider the expression: + x y</a:t>
+              <a:t>To see that parsers build parse trees in order to prove that a sentence belongs to a language consider the expression: + x y</a:t>
             </a:r>
           </a:p>
         </p:txBody>
@@ -16957,13 +16957,21 @@
           <a:p>
             <a:r>
               <a:rPr lang="en-US" dirty="0"/>
-              <a:t>But in order to have to extend it with “actions”, code that does something useful.</a:t>
+              <a:t>But we have to extend it with “actions”, code that does something useful in order to go beyond just parsing</a:t>
             </a:r>
           </a:p>
           <a:p>
             <a:r>
               <a:rPr lang="en-US" dirty="0"/>
-              <a:t>Idea: Our first language processor parses Exp0 programs and counts the number of times the value of a variable is accessed</a:t>
+              <a:t>Idea: Our first language processor parses Exp0 programs and counts the number of times the </a:t>
+            </a:r>
+            <a:r>
+              <a:rPr lang="en-US" i="1" dirty="0"/>
+              <a:t>value of a variable </a:t>
+            </a:r>
+            <a:r>
+              <a:rPr lang="en-US" dirty="0"/>
+              <a:t>is accessed</a:t>
             </a:r>
           </a:p>
           <a:p>
@@ -16995,23 +17003,7 @@
           <a:p>
             <a:r>
               <a:rPr lang="en-US" dirty="0"/>
-              <a:t>Note: Scanning for variable names and counting the number of times a variable name occurs does NOT work, we need to use a parser that understands the difference between a variable value reference and a variable storage reference (</a:t>
-            </a:r>
-            <a:r>
-              <a:rPr lang="en-US" dirty="0" err="1"/>
-              <a:t>rvalues</a:t>
-            </a:r>
-            <a:r>
-              <a:rPr lang="en-US" dirty="0"/>
-              <a:t> and </a:t>
-            </a:r>
-            <a:r>
-              <a:rPr lang="en-US" dirty="0" err="1"/>
-              <a:t>lvalues</a:t>
-            </a:r>
-            <a:r>
-              <a:rPr lang="en-US" dirty="0"/>
-              <a:t>).</a:t>
+              <a:t>Note: Scanning for variable names and counting the number of times a variable name occurs does NOT work, we need to use a parser that understands the difference between a variable value reference and a variable storage reference (rvalues and lvalues, respectively).</a:t>
             </a:r>
           </a:p>
         </p:txBody>
@@ -17144,7 +17136,7 @@
           <a:effectLst/>
           <a:extLst>
             <a:ext uri="{AF507438-7753-43e0-B8FC-AC1667EBCBE1}">
-              <a14:hiddenEffects xmlns:a14="http://schemas.microsoft.com/office/drawing/2010/main" xmlns="">
+              <a14:hiddenEffects xmlns="" xmlns:a14="http://schemas.microsoft.com/office/drawing/2010/main">
                 <a:effectLst>
                   <a:outerShdw blurRad="63500" dist="38099" dir="2700000" algn="ctr" rotWithShape="0">
                     <a:schemeClr val="bg2">
@@ -17230,7 +17222,7 @@
           <a:effectLst/>
           <a:extLst>
             <a:ext uri="{AF507438-7753-43e0-B8FC-AC1667EBCBE1}">
-              <a14:hiddenEffects xmlns:a14="http://schemas.microsoft.com/office/drawing/2010/main" xmlns="">
+              <a14:hiddenEffects xmlns="" xmlns:a14="http://schemas.microsoft.com/office/drawing/2010/main">
                 <a:effectLst>
                   <a:outerShdw blurRad="63500" dist="38099" dir="2700000" algn="ctr" rotWithShape="0">
                     <a:schemeClr val="bg2">
@@ -17316,7 +17308,7 @@
           <a:effectLst/>
           <a:extLst>
             <a:ext uri="{AF507438-7753-43e0-B8FC-AC1667EBCBE1}">
-              <a14:hiddenEffects xmlns:a14="http://schemas.microsoft.com/office/drawing/2010/main" xmlns="">
+              <a14:hiddenEffects xmlns="" xmlns:a14="http://schemas.microsoft.com/office/drawing/2010/main">
                 <a:effectLst>
                   <a:outerShdw blurRad="63500" dist="38099" dir="2700000" algn="ctr" rotWithShape="0">
                     <a:schemeClr val="bg2">
@@ -17437,7 +17429,7 @@
           <a:effectLst/>
           <a:extLst>
             <a:ext uri="{AF507438-7753-43e0-B8FC-AC1667EBCBE1}">
-              <a14:hiddenEffects xmlns:a14="http://schemas.microsoft.com/office/drawing/2010/main" xmlns="">
+              <a14:hiddenEffects xmlns="" xmlns:a14="http://schemas.microsoft.com/office/drawing/2010/main">
                 <a:effectLst>
                   <a:outerShdw blurRad="63500" dist="38099" dir="2700000" algn="ctr" rotWithShape="0">
                     <a:schemeClr val="bg2">
@@ -18524,7 +18516,7 @@
           </a:ln>
           <a:extLst>
             <a:ext uri="{909E8E84-426E-40dd-AFC4-6F175D3DCCD1}">
-              <a14:hiddenFill xmlns="" xmlns:a14="http://schemas.microsoft.com/office/drawing/2010/main">
+              <a14:hiddenFill xmlns:a14="http://schemas.microsoft.com/office/drawing/2010/main" xmlns="">
                 <a:solidFill>
                   <a:schemeClr val="accent1"/>
                 </a:solidFill>
@@ -18727,14 +18719,14 @@
           </a:ln>
           <a:extLst>
             <a:ext uri="{909E8E84-426E-40dd-AFC4-6F175D3DCCD1}">
-              <a14:hiddenFill xmlns="" xmlns:a14="http://schemas.microsoft.com/office/drawing/2010/main">
+              <a14:hiddenFill xmlns:a14="http://schemas.microsoft.com/office/drawing/2010/main" xmlns="">
                 <a:solidFill>
                   <a:schemeClr val="accent1"/>
                 </a:solidFill>
               </a14:hiddenFill>
             </a:ext>
             <a:ext uri="{91240B29-F687-4f45-9708-019B960494DF}">
-              <a14:hiddenLine xmlns="" xmlns:a14="http://schemas.microsoft.com/office/drawing/2010/main" w="9525">
+              <a14:hiddenLine xmlns:a14="http://schemas.microsoft.com/office/drawing/2010/main" xmlns="" w="9525">
                 <a:solidFill>
                   <a:schemeClr val="tx1"/>
                 </a:solidFill>
@@ -19171,7 +19163,7 @@
         <a:effectLst/>
         <a:extLst>
           <a:ext uri="{AF507438-7753-43e0-B8FC-AC1667EBCBE1}">
-            <a14:hiddenEffects xmlns="" xmlns:a14="http://schemas.microsoft.com/office/drawing/2010/main">
+            <a14:hiddenEffects xmlns:a14="http://schemas.microsoft.com/office/drawing/2010/main" xmlns="">
               <a:effectLst>
                 <a:outerShdw blurRad="63500" dist="38099" dir="2700000" algn="ctr" rotWithShape="0">
                   <a:schemeClr val="bg2">
@@ -19248,7 +19240,7 @@
         <a:effectLst/>
         <a:extLst>
           <a:ext uri="{AF507438-7753-43e0-B8FC-AC1667EBCBE1}">
-            <a14:hiddenEffects xmlns="" xmlns:a14="http://schemas.microsoft.com/office/drawing/2010/main">
+            <a14:hiddenEffects xmlns:a14="http://schemas.microsoft.com/office/drawing/2010/main" xmlns="">
               <a:effectLst>
                 <a:outerShdw blurRad="63500" dist="38099" dir="2700000" algn="ctr" rotWithShape="0">
                   <a:schemeClr val="bg2">

--- a/notes/csc402-ln002.pptx
+++ b/notes/csc402-ln002.pptx
@@ -238,17 +238,17 @@
           </a:ln>
           <a:extLst>
             <a:ext uri="{FAA26D3D-D897-4be2-8F04-BA451C77F1D7}">
-              <ma14:placeholderFlag xmlns="" xmlns:ma14="http://schemas.microsoft.com/office/mac/drawingml/2011/main" val="1"/>
+              <ma14:placeholderFlag xmlns:ma14="http://schemas.microsoft.com/office/mac/drawingml/2011/main" xmlns="" val="1"/>
             </a:ext>
             <a:ext uri="{909E8E84-426E-40dd-AFC4-6F175D3DCCD1}">
-              <a14:hiddenFill xmlns:a14="http://schemas.microsoft.com/office/drawing/2010/main" xmlns="">
+              <a14:hiddenFill xmlns="" xmlns:a14="http://schemas.microsoft.com/office/drawing/2010/main">
                 <a:solidFill>
                   <a:schemeClr val="accent1"/>
                 </a:solidFill>
               </a14:hiddenFill>
             </a:ext>
             <a:ext uri="{91240B29-F687-4f45-9708-019B960494DF}">
-              <a14:hiddenLine xmlns:a14="http://schemas.microsoft.com/office/drawing/2010/main" xmlns="" w="9525">
+              <a14:hiddenLine xmlns="" xmlns:a14="http://schemas.microsoft.com/office/drawing/2010/main" w="9525">
                 <a:solidFill>
                   <a:schemeClr val="tx1"/>
                 </a:solidFill>
@@ -299,17 +299,17 @@
           </a:ln>
           <a:extLst>
             <a:ext uri="{FAA26D3D-D897-4be2-8F04-BA451C77F1D7}">
-              <ma14:placeholderFlag xmlns="" xmlns:ma14="http://schemas.microsoft.com/office/mac/drawingml/2011/main" val="1"/>
+              <ma14:placeholderFlag xmlns:ma14="http://schemas.microsoft.com/office/mac/drawingml/2011/main" xmlns="" val="1"/>
             </a:ext>
             <a:ext uri="{909E8E84-426E-40dd-AFC4-6F175D3DCCD1}">
-              <a14:hiddenFill xmlns:a14="http://schemas.microsoft.com/office/drawing/2010/main" xmlns="">
+              <a14:hiddenFill xmlns="" xmlns:a14="http://schemas.microsoft.com/office/drawing/2010/main">
                 <a:solidFill>
                   <a:schemeClr val="accent1"/>
                 </a:solidFill>
               </a14:hiddenFill>
             </a:ext>
             <a:ext uri="{91240B29-F687-4f45-9708-019B960494DF}">
-              <a14:hiddenLine xmlns:a14="http://schemas.microsoft.com/office/drawing/2010/main" xmlns="" w="9525">
+              <a14:hiddenLine xmlns="" xmlns:a14="http://schemas.microsoft.com/office/drawing/2010/main" w="9525">
                 <a:solidFill>
                   <a:schemeClr val="tx1"/>
                 </a:solidFill>
@@ -366,7 +366,7 @@
           <a:effectLst/>
           <a:extLst>
             <a:ext uri="{AF507438-7753-43e0-B8FC-AC1667EBCBE1}">
-              <a14:hiddenEffects xmlns:a14="http://schemas.microsoft.com/office/drawing/2010/main" xmlns="">
+              <a14:hiddenEffects xmlns="" xmlns:a14="http://schemas.microsoft.com/office/drawing/2010/main">
                 <a:effectLst>
                   <a:outerShdw blurRad="63500" dist="38099" dir="2700000" algn="ctr" rotWithShape="0">
                     <a:srgbClr val="000000">
@@ -377,7 +377,7 @@
               </a14:hiddenEffects>
             </a:ext>
             <a:ext uri="{53640926-AAD7-44d8-BBD7-CCE9431645EC}">
-              <a14:shadowObscured xmlns:a14="http://schemas.microsoft.com/office/drawing/2010/main" xmlns="" val="1"/>
+              <a14:shadowObscured xmlns="" xmlns:a14="http://schemas.microsoft.com/office/drawing/2010/main" val="1"/>
             </a:ext>
           </a:extLst>
         </p:spPr>
@@ -406,17 +406,17 @@
           </a:ln>
           <a:extLst>
             <a:ext uri="{FAA26D3D-D897-4be2-8F04-BA451C77F1D7}">
-              <ma14:placeholderFlag xmlns="" xmlns:ma14="http://schemas.microsoft.com/office/mac/drawingml/2011/main" val="1"/>
+              <ma14:placeholderFlag xmlns:ma14="http://schemas.microsoft.com/office/mac/drawingml/2011/main" xmlns="" val="1"/>
             </a:ext>
             <a:ext uri="{909E8E84-426E-40dd-AFC4-6F175D3DCCD1}">
-              <a14:hiddenFill xmlns:a14="http://schemas.microsoft.com/office/drawing/2010/main" xmlns="">
+              <a14:hiddenFill xmlns="" xmlns:a14="http://schemas.microsoft.com/office/drawing/2010/main">
                 <a:solidFill>
                   <a:schemeClr val="accent1"/>
                 </a:solidFill>
               </a14:hiddenFill>
             </a:ext>
             <a:ext uri="{91240B29-F687-4f45-9708-019B960494DF}">
-              <a14:hiddenLine xmlns:a14="http://schemas.microsoft.com/office/drawing/2010/main" xmlns="" w="9525">
+              <a14:hiddenLine xmlns="" xmlns:a14="http://schemas.microsoft.com/office/drawing/2010/main" w="9525">
                 <a:solidFill>
                   <a:schemeClr val="tx1"/>
                 </a:solidFill>
@@ -495,17 +495,17 @@
           </a:ln>
           <a:extLst>
             <a:ext uri="{FAA26D3D-D897-4be2-8F04-BA451C77F1D7}">
-              <ma14:placeholderFlag xmlns="" xmlns:ma14="http://schemas.microsoft.com/office/mac/drawingml/2011/main" val="1"/>
+              <ma14:placeholderFlag xmlns:ma14="http://schemas.microsoft.com/office/mac/drawingml/2011/main" xmlns="" val="1"/>
             </a:ext>
             <a:ext uri="{909E8E84-426E-40dd-AFC4-6F175D3DCCD1}">
-              <a14:hiddenFill xmlns:a14="http://schemas.microsoft.com/office/drawing/2010/main" xmlns="">
+              <a14:hiddenFill xmlns="" xmlns:a14="http://schemas.microsoft.com/office/drawing/2010/main">
                 <a:solidFill>
                   <a:schemeClr val="accent1"/>
                 </a:solidFill>
               </a14:hiddenFill>
             </a:ext>
             <a:ext uri="{91240B29-F687-4f45-9708-019B960494DF}">
-              <a14:hiddenLine xmlns:a14="http://schemas.microsoft.com/office/drawing/2010/main" xmlns="" w="9525">
+              <a14:hiddenLine xmlns="" xmlns:a14="http://schemas.microsoft.com/office/drawing/2010/main" w="9525">
                 <a:solidFill>
                   <a:schemeClr val="tx1"/>
                 </a:solidFill>
@@ -556,17 +556,17 @@
           </a:ln>
           <a:extLst>
             <a:ext uri="{FAA26D3D-D897-4be2-8F04-BA451C77F1D7}">
-              <ma14:placeholderFlag xmlns="" xmlns:ma14="http://schemas.microsoft.com/office/mac/drawingml/2011/main" val="1"/>
+              <ma14:placeholderFlag xmlns:ma14="http://schemas.microsoft.com/office/mac/drawingml/2011/main" xmlns="" val="1"/>
             </a:ext>
             <a:ext uri="{909E8E84-426E-40dd-AFC4-6F175D3DCCD1}">
-              <a14:hiddenFill xmlns:a14="http://schemas.microsoft.com/office/drawing/2010/main" xmlns="">
+              <a14:hiddenFill xmlns="" xmlns:a14="http://schemas.microsoft.com/office/drawing/2010/main">
                 <a:solidFill>
                   <a:schemeClr val="accent1"/>
                 </a:solidFill>
               </a14:hiddenFill>
             </a:ext>
             <a:ext uri="{91240B29-F687-4f45-9708-019B960494DF}">
-              <a14:hiddenLine xmlns:a14="http://schemas.microsoft.com/office/drawing/2010/main" xmlns="" w="9525">
+              <a14:hiddenLine xmlns="" xmlns:a14="http://schemas.microsoft.com/office/drawing/2010/main" w="9525">
                 <a:solidFill>
                   <a:schemeClr val="tx1"/>
                 </a:solidFill>
@@ -788,7 +788,7 @@
           <a:ln/>
           <a:extLst>
             <a:ext uri="{FAA26D3D-D897-4be2-8F04-BA451C77F1D7}">
-              <ma14:placeholderFlag xmlns="" xmlns:ma14="http://schemas.microsoft.com/office/mac/drawingml/2011/main" val="1"/>
+              <ma14:placeholderFlag xmlns:ma14="http://schemas.microsoft.com/office/mac/drawingml/2011/main" xmlns="" val="1"/>
             </a:ext>
           </a:extLst>
         </p:spPr>
@@ -877,7 +877,7 @@
           <a:ln/>
           <a:extLst>
             <a:ext uri="{FAA26D3D-D897-4be2-8F04-BA451C77F1D7}">
-              <ma14:placeholderFlag xmlns="" xmlns:ma14="http://schemas.microsoft.com/office/mac/drawingml/2011/main" val="1"/>
+              <ma14:placeholderFlag xmlns:ma14="http://schemas.microsoft.com/office/mac/drawingml/2011/main" xmlns="" val="1"/>
             </a:ext>
           </a:extLst>
         </p:spPr>
@@ -966,7 +966,7 @@
           <a:ln/>
           <a:extLst>
             <a:ext uri="{FAA26D3D-D897-4be2-8F04-BA451C77F1D7}">
-              <ma14:placeholderFlag xmlns="" xmlns:ma14="http://schemas.microsoft.com/office/mac/drawingml/2011/main" val="1"/>
+              <ma14:placeholderFlag xmlns:ma14="http://schemas.microsoft.com/office/mac/drawingml/2011/main" xmlns="" val="1"/>
             </a:ext>
           </a:extLst>
         </p:spPr>
@@ -1055,7 +1055,7 @@
           <a:ln/>
           <a:extLst>
             <a:ext uri="{FAA26D3D-D897-4be2-8F04-BA451C77F1D7}">
-              <ma14:placeholderFlag xmlns="" xmlns:ma14="http://schemas.microsoft.com/office/mac/drawingml/2011/main" val="1"/>
+              <ma14:placeholderFlag xmlns:ma14="http://schemas.microsoft.com/office/mac/drawingml/2011/main" xmlns="" val="1"/>
             </a:ext>
           </a:extLst>
         </p:spPr>
@@ -1144,7 +1144,7 @@
           <a:ln/>
           <a:extLst>
             <a:ext uri="{FAA26D3D-D897-4be2-8F04-BA451C77F1D7}">
-              <ma14:placeholderFlag xmlns="" xmlns:ma14="http://schemas.microsoft.com/office/mac/drawingml/2011/main" val="1"/>
+              <ma14:placeholderFlag xmlns:ma14="http://schemas.microsoft.com/office/mac/drawingml/2011/main" xmlns="" val="1"/>
             </a:ext>
           </a:extLst>
         </p:spPr>
@@ -1233,7 +1233,7 @@
           <a:ln/>
           <a:extLst>
             <a:ext uri="{FAA26D3D-D897-4be2-8F04-BA451C77F1D7}">
-              <ma14:placeholderFlag xmlns="" xmlns:ma14="http://schemas.microsoft.com/office/mac/drawingml/2011/main" val="1"/>
+              <ma14:placeholderFlag xmlns:ma14="http://schemas.microsoft.com/office/mac/drawingml/2011/main" xmlns="" val="1"/>
             </a:ext>
           </a:extLst>
         </p:spPr>
@@ -1322,7 +1322,7 @@
           <a:ln/>
           <a:extLst>
             <a:ext uri="{FAA26D3D-D897-4be2-8F04-BA451C77F1D7}">
-              <ma14:placeholderFlag xmlns="" xmlns:ma14="http://schemas.microsoft.com/office/mac/drawingml/2011/main" val="1"/>
+              <ma14:placeholderFlag xmlns:ma14="http://schemas.microsoft.com/office/mac/drawingml/2011/main" xmlns="" val="1"/>
             </a:ext>
           </a:extLst>
         </p:spPr>
@@ -1411,7 +1411,7 @@
           <a:ln/>
           <a:extLst>
             <a:ext uri="{FAA26D3D-D897-4be2-8F04-BA451C77F1D7}">
-              <ma14:placeholderFlag xmlns="" xmlns:ma14="http://schemas.microsoft.com/office/mac/drawingml/2011/main" val="1"/>
+              <ma14:placeholderFlag xmlns:ma14="http://schemas.microsoft.com/office/mac/drawingml/2011/main" xmlns="" val="1"/>
             </a:ext>
           </a:extLst>
         </p:spPr>
@@ -1500,7 +1500,7 @@
           <a:ln/>
           <a:extLst>
             <a:ext uri="{FAA26D3D-D897-4be2-8F04-BA451C77F1D7}">
-              <ma14:placeholderFlag xmlns="" xmlns:ma14="http://schemas.microsoft.com/office/mac/drawingml/2011/main" val="1"/>
+              <ma14:placeholderFlag xmlns:ma14="http://schemas.microsoft.com/office/mac/drawingml/2011/main" xmlns="" val="1"/>
             </a:ext>
           </a:extLst>
         </p:spPr>
@@ -1589,7 +1589,7 @@
           <a:ln/>
           <a:extLst>
             <a:ext uri="{FAA26D3D-D897-4be2-8F04-BA451C77F1D7}">
-              <ma14:placeholderFlag xmlns="" xmlns:ma14="http://schemas.microsoft.com/office/mac/drawingml/2011/main" val="1"/>
+              <ma14:placeholderFlag xmlns:ma14="http://schemas.microsoft.com/office/mac/drawingml/2011/main" xmlns="" val="1"/>
             </a:ext>
           </a:extLst>
         </p:spPr>
@@ -1678,7 +1678,7 @@
           <a:ln/>
           <a:extLst>
             <a:ext uri="{FAA26D3D-D897-4be2-8F04-BA451C77F1D7}">
-              <ma14:placeholderFlag xmlns="" xmlns:ma14="http://schemas.microsoft.com/office/mac/drawingml/2011/main" val="1"/>
+              <ma14:placeholderFlag xmlns:ma14="http://schemas.microsoft.com/office/mac/drawingml/2011/main" xmlns="" val="1"/>
             </a:ext>
           </a:extLst>
         </p:spPr>
@@ -1767,7 +1767,7 @@
           <a:ln/>
           <a:extLst>
             <a:ext uri="{FAA26D3D-D897-4be2-8F04-BA451C77F1D7}">
-              <ma14:placeholderFlag xmlns="" xmlns:ma14="http://schemas.microsoft.com/office/mac/drawingml/2011/main" val="1"/>
+              <ma14:placeholderFlag xmlns:ma14="http://schemas.microsoft.com/office/mac/drawingml/2011/main" xmlns="" val="1"/>
             </a:ext>
           </a:extLst>
         </p:spPr>
@@ -1856,7 +1856,7 @@
           <a:ln/>
           <a:extLst>
             <a:ext uri="{FAA26D3D-D897-4be2-8F04-BA451C77F1D7}">
-              <ma14:placeholderFlag xmlns="" xmlns:ma14="http://schemas.microsoft.com/office/mac/drawingml/2011/main" val="1"/>
+              <ma14:placeholderFlag xmlns:ma14="http://schemas.microsoft.com/office/mac/drawingml/2011/main" xmlns="" val="1"/>
             </a:ext>
           </a:extLst>
         </p:spPr>
@@ -1945,7 +1945,7 @@
           <a:ln/>
           <a:extLst>
             <a:ext uri="{FAA26D3D-D897-4be2-8F04-BA451C77F1D7}">
-              <ma14:placeholderFlag xmlns="" xmlns:ma14="http://schemas.microsoft.com/office/mac/drawingml/2011/main" val="1"/>
+              <ma14:placeholderFlag xmlns:ma14="http://schemas.microsoft.com/office/mac/drawingml/2011/main" xmlns="" val="1"/>
             </a:ext>
           </a:extLst>
         </p:spPr>
@@ -2034,7 +2034,7 @@
           <a:ln/>
           <a:extLst>
             <a:ext uri="{FAA26D3D-D897-4be2-8F04-BA451C77F1D7}">
-              <ma14:placeholderFlag xmlns="" xmlns:ma14="http://schemas.microsoft.com/office/mac/drawingml/2011/main" val="1"/>
+              <ma14:placeholderFlag xmlns:ma14="http://schemas.microsoft.com/office/mac/drawingml/2011/main" xmlns="" val="1"/>
             </a:ext>
           </a:extLst>
         </p:spPr>
@@ -2123,7 +2123,7 @@
           <a:ln/>
           <a:extLst>
             <a:ext uri="{FAA26D3D-D897-4be2-8F04-BA451C77F1D7}">
-              <ma14:placeholderFlag xmlns="" xmlns:ma14="http://schemas.microsoft.com/office/mac/drawingml/2011/main" val="1"/>
+              <ma14:placeholderFlag xmlns:ma14="http://schemas.microsoft.com/office/mac/drawingml/2011/main" xmlns="" val="1"/>
             </a:ext>
           </a:extLst>
         </p:spPr>
@@ -2212,7 +2212,7 @@
           <a:ln/>
           <a:extLst>
             <a:ext uri="{FAA26D3D-D897-4be2-8F04-BA451C77F1D7}">
-              <ma14:placeholderFlag xmlns="" xmlns:ma14="http://schemas.microsoft.com/office/mac/drawingml/2011/main" val="1"/>
+              <ma14:placeholderFlag xmlns:ma14="http://schemas.microsoft.com/office/mac/drawingml/2011/main" xmlns="" val="1"/>
             </a:ext>
           </a:extLst>
         </p:spPr>
@@ -2325,7 +2325,7 @@
           </a:ln>
           <a:extLst>
             <a:ext uri="{FAA26D3D-D897-4be2-8F04-BA451C77F1D7}">
-              <ma14:placeholderFlag xmlns="" xmlns:ma14="http://schemas.microsoft.com/office/mac/drawingml/2011/main" val="1"/>
+              <ma14:placeholderFlag xmlns:ma14="http://schemas.microsoft.com/office/mac/drawingml/2011/main" xmlns="" val="1"/>
             </a:ext>
           </a:extLst>
         </p:spPr>
@@ -2361,7 +2361,7 @@
           </a:ln>
           <a:extLst>
             <a:ext uri="{FAA26D3D-D897-4be2-8F04-BA451C77F1D7}">
-              <ma14:placeholderFlag xmlns="" xmlns:ma14="http://schemas.microsoft.com/office/mac/drawingml/2011/main" val="1"/>
+              <ma14:placeholderFlag xmlns:ma14="http://schemas.microsoft.com/office/mac/drawingml/2011/main" xmlns="" val="1"/>
             </a:ext>
           </a:extLst>
         </p:spPr>
@@ -2426,12 +2426,12 @@
           <a:effectLst/>
           <a:extLst>
             <a:ext uri="{909E8E84-426E-40dd-AFC4-6F175D3DCCD1}">
-              <a14:hiddenFill xmlns:a14="http://schemas.microsoft.com/office/drawing/2010/main" xmlns="">
+              <a14:hiddenFill xmlns="" xmlns:a14="http://schemas.microsoft.com/office/drawing/2010/main">
                 <a:noFill/>
               </a14:hiddenFill>
             </a:ext>
             <a:ext uri="{AF507438-7753-43e0-B8FC-AC1667EBCBE1}">
-              <a14:hiddenEffects xmlns:a14="http://schemas.microsoft.com/office/drawing/2010/main" xmlns="">
+              <a14:hiddenEffects xmlns="" xmlns:a14="http://schemas.microsoft.com/office/drawing/2010/main">
                 <a:effectLst>
                   <a:outerShdw blurRad="63500" dist="38099" dir="2700000" algn="ctr" rotWithShape="0">
                     <a:schemeClr val="bg2">
@@ -2632,7 +2632,7 @@
             <a:effectLst/>
             <a:extLst>
               <a:ext uri="{91240B29-F687-4f45-9708-019B960494DF}">
-                <a14:hiddenLine xmlns:a14="http://schemas.microsoft.com/office/drawing/2010/main" xmlns="" w="9525">
+                <a14:hiddenLine xmlns="" xmlns:a14="http://schemas.microsoft.com/office/drawing/2010/main" w="9525">
                   <a:solidFill>
                     <a:schemeClr val="tx1"/>
                   </a:solidFill>
@@ -2642,7 +2642,7 @@
                 </a14:hiddenLine>
               </a:ext>
               <a:ext uri="{AF507438-7753-43e0-B8FC-AC1667EBCBE1}">
-                <a14:hiddenEffects xmlns:a14="http://schemas.microsoft.com/office/drawing/2010/main" xmlns="">
+                <a14:hiddenEffects xmlns="" xmlns:a14="http://schemas.microsoft.com/office/drawing/2010/main">
                   <a:effectLst>
                     <a:outerShdw blurRad="63500" dist="38099" dir="2700000" algn="ctr" rotWithShape="0">
                       <a:schemeClr val="bg2">
@@ -2687,7 +2687,7 @@
             <a:effectLst/>
             <a:extLst>
               <a:ext uri="{91240B29-F687-4f45-9708-019B960494DF}">
-                <a14:hiddenLine xmlns:a14="http://schemas.microsoft.com/office/drawing/2010/main" xmlns="" w="9525">
+                <a14:hiddenLine xmlns="" xmlns:a14="http://schemas.microsoft.com/office/drawing/2010/main" w="9525">
                   <a:solidFill>
                     <a:schemeClr val="tx1"/>
                   </a:solidFill>
@@ -2697,7 +2697,7 @@
                 </a14:hiddenLine>
               </a:ext>
               <a:ext uri="{AF507438-7753-43e0-B8FC-AC1667EBCBE1}">
-                <a14:hiddenEffects xmlns:a14="http://schemas.microsoft.com/office/drawing/2010/main" xmlns="">
+                <a14:hiddenEffects xmlns="" xmlns:a14="http://schemas.microsoft.com/office/drawing/2010/main">
                   <a:effectLst>
                     <a:outerShdw blurRad="63500" dist="38099" dir="2700000" algn="ctr" rotWithShape="0">
                       <a:schemeClr val="bg2">
@@ -2742,7 +2742,7 @@
             <a:effectLst/>
             <a:extLst>
               <a:ext uri="{91240B29-F687-4f45-9708-019B960494DF}">
-                <a14:hiddenLine xmlns:a14="http://schemas.microsoft.com/office/drawing/2010/main" xmlns="" w="9525">
+                <a14:hiddenLine xmlns="" xmlns:a14="http://schemas.microsoft.com/office/drawing/2010/main" w="9525">
                   <a:solidFill>
                     <a:schemeClr val="tx1"/>
                   </a:solidFill>
@@ -2752,7 +2752,7 @@
                 </a14:hiddenLine>
               </a:ext>
               <a:ext uri="{AF507438-7753-43e0-B8FC-AC1667EBCBE1}">
-                <a14:hiddenEffects xmlns:a14="http://schemas.microsoft.com/office/drawing/2010/main" xmlns="">
+                <a14:hiddenEffects xmlns="" xmlns:a14="http://schemas.microsoft.com/office/drawing/2010/main">
                   <a:effectLst>
                     <a:outerShdw blurRad="63500" dist="38099" dir="2700000" algn="ctr" rotWithShape="0">
                       <a:schemeClr val="bg2">
@@ -2797,7 +2797,7 @@
             <a:effectLst/>
             <a:extLst>
               <a:ext uri="{91240B29-F687-4f45-9708-019B960494DF}">
-                <a14:hiddenLine xmlns:a14="http://schemas.microsoft.com/office/drawing/2010/main" xmlns="" w="9525">
+                <a14:hiddenLine xmlns="" xmlns:a14="http://schemas.microsoft.com/office/drawing/2010/main" w="9525">
                   <a:solidFill>
                     <a:schemeClr val="tx1"/>
                   </a:solidFill>
@@ -2807,7 +2807,7 @@
                 </a14:hiddenLine>
               </a:ext>
               <a:ext uri="{AF507438-7753-43e0-B8FC-AC1667EBCBE1}">
-                <a14:hiddenEffects xmlns:a14="http://schemas.microsoft.com/office/drawing/2010/main" xmlns="">
+                <a14:hiddenEffects xmlns="" xmlns:a14="http://schemas.microsoft.com/office/drawing/2010/main">
                   <a:effectLst>
                     <a:outerShdw blurRad="63500" dist="38099" dir="2700000" algn="ctr" rotWithShape="0">
                       <a:schemeClr val="bg2">
@@ -2852,7 +2852,7 @@
             <a:effectLst/>
             <a:extLst>
               <a:ext uri="{91240B29-F687-4f45-9708-019B960494DF}">
-                <a14:hiddenLine xmlns:a14="http://schemas.microsoft.com/office/drawing/2010/main" xmlns="" w="9525">
+                <a14:hiddenLine xmlns="" xmlns:a14="http://schemas.microsoft.com/office/drawing/2010/main" w="9525">
                   <a:solidFill>
                     <a:schemeClr val="tx1"/>
                   </a:solidFill>
@@ -2862,7 +2862,7 @@
                 </a14:hiddenLine>
               </a:ext>
               <a:ext uri="{AF507438-7753-43e0-B8FC-AC1667EBCBE1}">
-                <a14:hiddenEffects xmlns:a14="http://schemas.microsoft.com/office/drawing/2010/main" xmlns="">
+                <a14:hiddenEffects xmlns="" xmlns:a14="http://schemas.microsoft.com/office/drawing/2010/main">
                   <a:effectLst>
                     <a:outerShdw blurRad="63500" dist="38099" dir="2700000" algn="ctr" rotWithShape="0">
                       <a:schemeClr val="bg2">
@@ -2907,7 +2907,7 @@
             <a:effectLst/>
             <a:extLst>
               <a:ext uri="{91240B29-F687-4f45-9708-019B960494DF}">
-                <a14:hiddenLine xmlns:a14="http://schemas.microsoft.com/office/drawing/2010/main" xmlns="" w="9525">
+                <a14:hiddenLine xmlns="" xmlns:a14="http://schemas.microsoft.com/office/drawing/2010/main" w="9525">
                   <a:solidFill>
                     <a:schemeClr val="tx1"/>
                   </a:solidFill>
@@ -2917,7 +2917,7 @@
                 </a14:hiddenLine>
               </a:ext>
               <a:ext uri="{AF507438-7753-43e0-B8FC-AC1667EBCBE1}">
-                <a14:hiddenEffects xmlns:a14="http://schemas.microsoft.com/office/drawing/2010/main" xmlns="">
+                <a14:hiddenEffects xmlns="" xmlns:a14="http://schemas.microsoft.com/office/drawing/2010/main">
                   <a:effectLst>
                     <a:outerShdw blurRad="63500" dist="38099" dir="2700000" algn="ctr" rotWithShape="0">
                       <a:schemeClr val="bg2">
@@ -2962,7 +2962,7 @@
             <a:effectLst/>
             <a:extLst>
               <a:ext uri="{91240B29-F687-4f45-9708-019B960494DF}">
-                <a14:hiddenLine xmlns:a14="http://schemas.microsoft.com/office/drawing/2010/main" xmlns="" w="9525">
+                <a14:hiddenLine xmlns="" xmlns:a14="http://schemas.microsoft.com/office/drawing/2010/main" w="9525">
                   <a:solidFill>
                     <a:schemeClr val="tx1"/>
                   </a:solidFill>
@@ -2972,7 +2972,7 @@
                 </a14:hiddenLine>
               </a:ext>
               <a:ext uri="{AF507438-7753-43e0-B8FC-AC1667EBCBE1}">
-                <a14:hiddenEffects xmlns:a14="http://schemas.microsoft.com/office/drawing/2010/main" xmlns="">
+                <a14:hiddenEffects xmlns="" xmlns:a14="http://schemas.microsoft.com/office/drawing/2010/main">
                   <a:effectLst>
                     <a:outerShdw blurRad="63500" dist="38099" dir="2700000" algn="ctr" rotWithShape="0">
                       <a:schemeClr val="bg2">
@@ -3017,7 +3017,7 @@
             <a:effectLst/>
             <a:extLst>
               <a:ext uri="{91240B29-F687-4f45-9708-019B960494DF}">
-                <a14:hiddenLine xmlns:a14="http://schemas.microsoft.com/office/drawing/2010/main" xmlns="" w="9525">
+                <a14:hiddenLine xmlns="" xmlns:a14="http://schemas.microsoft.com/office/drawing/2010/main" w="9525">
                   <a:solidFill>
                     <a:schemeClr val="tx1"/>
                   </a:solidFill>
@@ -3027,7 +3027,7 @@
                 </a14:hiddenLine>
               </a:ext>
               <a:ext uri="{AF507438-7753-43e0-B8FC-AC1667EBCBE1}">
-                <a14:hiddenEffects xmlns:a14="http://schemas.microsoft.com/office/drawing/2010/main" xmlns="">
+                <a14:hiddenEffects xmlns="" xmlns:a14="http://schemas.microsoft.com/office/drawing/2010/main">
                   <a:effectLst>
                     <a:outerShdw blurRad="63500" dist="38099" dir="2700000" algn="ctr" rotWithShape="0">
                       <a:schemeClr val="bg2">
@@ -3072,7 +3072,7 @@
             <a:effectLst/>
             <a:extLst>
               <a:ext uri="{91240B29-F687-4f45-9708-019B960494DF}">
-                <a14:hiddenLine xmlns:a14="http://schemas.microsoft.com/office/drawing/2010/main" xmlns="" w="9525">
+                <a14:hiddenLine xmlns="" xmlns:a14="http://schemas.microsoft.com/office/drawing/2010/main" w="9525">
                   <a:solidFill>
                     <a:schemeClr val="tx1"/>
                   </a:solidFill>
@@ -3082,7 +3082,7 @@
                 </a14:hiddenLine>
               </a:ext>
               <a:ext uri="{AF507438-7753-43e0-B8FC-AC1667EBCBE1}">
-                <a14:hiddenEffects xmlns:a14="http://schemas.microsoft.com/office/drawing/2010/main" xmlns="">
+                <a14:hiddenEffects xmlns="" xmlns:a14="http://schemas.microsoft.com/office/drawing/2010/main">
                   <a:effectLst>
                     <a:outerShdw blurRad="63500" dist="38099" dir="2700000" algn="ctr" rotWithShape="0">
                       <a:schemeClr val="bg2">
@@ -3127,7 +3127,7 @@
             <a:effectLst/>
             <a:extLst>
               <a:ext uri="{91240B29-F687-4f45-9708-019B960494DF}">
-                <a14:hiddenLine xmlns:a14="http://schemas.microsoft.com/office/drawing/2010/main" xmlns="" w="9525">
+                <a14:hiddenLine xmlns="" xmlns:a14="http://schemas.microsoft.com/office/drawing/2010/main" w="9525">
                   <a:solidFill>
                     <a:schemeClr val="tx1"/>
                   </a:solidFill>
@@ -3137,7 +3137,7 @@
                 </a14:hiddenLine>
               </a:ext>
               <a:ext uri="{AF507438-7753-43e0-B8FC-AC1667EBCBE1}">
-                <a14:hiddenEffects xmlns:a14="http://schemas.microsoft.com/office/drawing/2010/main" xmlns="">
+                <a14:hiddenEffects xmlns="" xmlns:a14="http://schemas.microsoft.com/office/drawing/2010/main">
                   <a:effectLst>
                     <a:outerShdw blurRad="63500" dist="38099" dir="2700000" algn="ctr" rotWithShape="0">
                       <a:schemeClr val="bg2">
@@ -3182,7 +3182,7 @@
             <a:effectLst/>
             <a:extLst>
               <a:ext uri="{91240B29-F687-4f45-9708-019B960494DF}">
-                <a14:hiddenLine xmlns:a14="http://schemas.microsoft.com/office/drawing/2010/main" xmlns="" w="9525">
+                <a14:hiddenLine xmlns="" xmlns:a14="http://schemas.microsoft.com/office/drawing/2010/main" w="9525">
                   <a:solidFill>
                     <a:schemeClr val="tx1"/>
                   </a:solidFill>
@@ -3192,7 +3192,7 @@
                 </a14:hiddenLine>
               </a:ext>
               <a:ext uri="{AF507438-7753-43e0-B8FC-AC1667EBCBE1}">
-                <a14:hiddenEffects xmlns:a14="http://schemas.microsoft.com/office/drawing/2010/main" xmlns="">
+                <a14:hiddenEffects xmlns="" xmlns:a14="http://schemas.microsoft.com/office/drawing/2010/main">
                   <a:effectLst>
                     <a:outerShdw blurRad="63500" dist="38099" dir="2700000" algn="ctr" rotWithShape="0">
                       <a:schemeClr val="bg2">
@@ -3237,7 +3237,7 @@
             <a:effectLst/>
             <a:extLst>
               <a:ext uri="{91240B29-F687-4f45-9708-019B960494DF}">
-                <a14:hiddenLine xmlns:a14="http://schemas.microsoft.com/office/drawing/2010/main" xmlns="" w="9525">
+                <a14:hiddenLine xmlns="" xmlns:a14="http://schemas.microsoft.com/office/drawing/2010/main" w="9525">
                   <a:solidFill>
                     <a:schemeClr val="tx1"/>
                   </a:solidFill>
@@ -3247,7 +3247,7 @@
                 </a14:hiddenLine>
               </a:ext>
               <a:ext uri="{AF507438-7753-43e0-B8FC-AC1667EBCBE1}">
-                <a14:hiddenEffects xmlns:a14="http://schemas.microsoft.com/office/drawing/2010/main" xmlns="">
+                <a14:hiddenEffects xmlns="" xmlns:a14="http://schemas.microsoft.com/office/drawing/2010/main">
                   <a:effectLst>
                     <a:outerShdw blurRad="63500" dist="38099" dir="2700000" algn="ctr" rotWithShape="0">
                       <a:schemeClr val="bg2">
@@ -3292,7 +3292,7 @@
             <a:effectLst/>
             <a:extLst>
               <a:ext uri="{91240B29-F687-4f45-9708-019B960494DF}">
-                <a14:hiddenLine xmlns:a14="http://schemas.microsoft.com/office/drawing/2010/main" xmlns="" w="9525">
+                <a14:hiddenLine xmlns="" xmlns:a14="http://schemas.microsoft.com/office/drawing/2010/main" w="9525">
                   <a:solidFill>
                     <a:schemeClr val="tx1"/>
                   </a:solidFill>
@@ -3302,7 +3302,7 @@
                 </a14:hiddenLine>
               </a:ext>
               <a:ext uri="{AF507438-7753-43e0-B8FC-AC1667EBCBE1}">
-                <a14:hiddenEffects xmlns:a14="http://schemas.microsoft.com/office/drawing/2010/main" xmlns="">
+                <a14:hiddenEffects xmlns="" xmlns:a14="http://schemas.microsoft.com/office/drawing/2010/main">
                   <a:effectLst>
                     <a:outerShdw blurRad="63500" dist="38099" dir="2700000" algn="ctr" rotWithShape="0">
                       <a:schemeClr val="bg2">
@@ -3347,7 +3347,7 @@
             <a:effectLst/>
             <a:extLst>
               <a:ext uri="{91240B29-F687-4f45-9708-019B960494DF}">
-                <a14:hiddenLine xmlns:a14="http://schemas.microsoft.com/office/drawing/2010/main" xmlns="" w="9525">
+                <a14:hiddenLine xmlns="" xmlns:a14="http://schemas.microsoft.com/office/drawing/2010/main" w="9525">
                   <a:solidFill>
                     <a:schemeClr val="tx1"/>
                   </a:solidFill>
@@ -3357,7 +3357,7 @@
                 </a14:hiddenLine>
               </a:ext>
               <a:ext uri="{AF507438-7753-43e0-B8FC-AC1667EBCBE1}">
-                <a14:hiddenEffects xmlns:a14="http://schemas.microsoft.com/office/drawing/2010/main" xmlns="">
+                <a14:hiddenEffects xmlns="" xmlns:a14="http://schemas.microsoft.com/office/drawing/2010/main">
                   <a:effectLst>
                     <a:outerShdw blurRad="63500" dist="38099" dir="2700000" algn="ctr" rotWithShape="0">
                       <a:schemeClr val="bg2">
@@ -3402,7 +3402,7 @@
             <a:effectLst/>
             <a:extLst>
               <a:ext uri="{91240B29-F687-4f45-9708-019B960494DF}">
-                <a14:hiddenLine xmlns:a14="http://schemas.microsoft.com/office/drawing/2010/main" xmlns="" w="9525">
+                <a14:hiddenLine xmlns="" xmlns:a14="http://schemas.microsoft.com/office/drawing/2010/main" w="9525">
                   <a:solidFill>
                     <a:schemeClr val="tx1"/>
                   </a:solidFill>
@@ -3412,7 +3412,7 @@
                 </a14:hiddenLine>
               </a:ext>
               <a:ext uri="{AF507438-7753-43e0-B8FC-AC1667EBCBE1}">
-                <a14:hiddenEffects xmlns:a14="http://schemas.microsoft.com/office/drawing/2010/main" xmlns="">
+                <a14:hiddenEffects xmlns="" xmlns:a14="http://schemas.microsoft.com/office/drawing/2010/main">
                   <a:effectLst>
                     <a:outerShdw blurRad="63500" dist="38099" dir="2700000" algn="ctr" rotWithShape="0">
                       <a:schemeClr val="bg2">
@@ -3457,7 +3457,7 @@
             <a:effectLst/>
             <a:extLst>
               <a:ext uri="{91240B29-F687-4f45-9708-019B960494DF}">
-                <a14:hiddenLine xmlns:a14="http://schemas.microsoft.com/office/drawing/2010/main" xmlns="" w="9525">
+                <a14:hiddenLine xmlns="" xmlns:a14="http://schemas.microsoft.com/office/drawing/2010/main" w="9525">
                   <a:solidFill>
                     <a:schemeClr val="tx1"/>
                   </a:solidFill>
@@ -3467,7 +3467,7 @@
                 </a14:hiddenLine>
               </a:ext>
               <a:ext uri="{AF507438-7753-43e0-B8FC-AC1667EBCBE1}">
-                <a14:hiddenEffects xmlns:a14="http://schemas.microsoft.com/office/drawing/2010/main" xmlns="">
+                <a14:hiddenEffects xmlns="" xmlns:a14="http://schemas.microsoft.com/office/drawing/2010/main">
                   <a:effectLst>
                     <a:outerShdw blurRad="63500" dist="38099" dir="2700000" algn="ctr" rotWithShape="0">
                       <a:schemeClr val="bg2">
@@ -3512,7 +3512,7 @@
             <a:effectLst/>
             <a:extLst>
               <a:ext uri="{91240B29-F687-4f45-9708-019B960494DF}">
-                <a14:hiddenLine xmlns:a14="http://schemas.microsoft.com/office/drawing/2010/main" xmlns="" w="9525">
+                <a14:hiddenLine xmlns="" xmlns:a14="http://schemas.microsoft.com/office/drawing/2010/main" w="9525">
                   <a:solidFill>
                     <a:schemeClr val="tx1"/>
                   </a:solidFill>
@@ -3522,7 +3522,7 @@
                 </a14:hiddenLine>
               </a:ext>
               <a:ext uri="{AF507438-7753-43e0-B8FC-AC1667EBCBE1}">
-                <a14:hiddenEffects xmlns:a14="http://schemas.microsoft.com/office/drawing/2010/main" xmlns="">
+                <a14:hiddenEffects xmlns="" xmlns:a14="http://schemas.microsoft.com/office/drawing/2010/main">
                   <a:effectLst>
                     <a:outerShdw blurRad="63500" dist="38099" dir="2700000" algn="ctr" rotWithShape="0">
                       <a:schemeClr val="bg2">
@@ -3567,7 +3567,7 @@
             <a:effectLst/>
             <a:extLst>
               <a:ext uri="{91240B29-F687-4f45-9708-019B960494DF}">
-                <a14:hiddenLine xmlns:a14="http://schemas.microsoft.com/office/drawing/2010/main" xmlns="" w="9525">
+                <a14:hiddenLine xmlns="" xmlns:a14="http://schemas.microsoft.com/office/drawing/2010/main" w="9525">
                   <a:solidFill>
                     <a:schemeClr val="tx1"/>
                   </a:solidFill>
@@ -3577,7 +3577,7 @@
                 </a14:hiddenLine>
               </a:ext>
               <a:ext uri="{AF507438-7753-43e0-B8FC-AC1667EBCBE1}">
-                <a14:hiddenEffects xmlns:a14="http://schemas.microsoft.com/office/drawing/2010/main" xmlns="">
+                <a14:hiddenEffects xmlns="" xmlns:a14="http://schemas.microsoft.com/office/drawing/2010/main">
                   <a:effectLst>
                     <a:outerShdw blurRad="63500" dist="38099" dir="2700000" algn="ctr" rotWithShape="0">
                       <a:schemeClr val="bg2">
@@ -3622,7 +3622,7 @@
             <a:effectLst/>
             <a:extLst>
               <a:ext uri="{91240B29-F687-4f45-9708-019B960494DF}">
-                <a14:hiddenLine xmlns:a14="http://schemas.microsoft.com/office/drawing/2010/main" xmlns="" w="9525">
+                <a14:hiddenLine xmlns="" xmlns:a14="http://schemas.microsoft.com/office/drawing/2010/main" w="9525">
                   <a:solidFill>
                     <a:schemeClr val="tx1"/>
                   </a:solidFill>
@@ -3632,7 +3632,7 @@
                 </a14:hiddenLine>
               </a:ext>
               <a:ext uri="{AF507438-7753-43e0-B8FC-AC1667EBCBE1}">
-                <a14:hiddenEffects xmlns:a14="http://schemas.microsoft.com/office/drawing/2010/main" xmlns="">
+                <a14:hiddenEffects xmlns="" xmlns:a14="http://schemas.microsoft.com/office/drawing/2010/main">
                   <a:effectLst>
                     <a:outerShdw blurRad="63500" dist="38099" dir="2700000" algn="ctr" rotWithShape="0">
                       <a:schemeClr val="bg2">
@@ -3677,7 +3677,7 @@
             <a:effectLst/>
             <a:extLst>
               <a:ext uri="{91240B29-F687-4f45-9708-019B960494DF}">
-                <a14:hiddenLine xmlns:a14="http://schemas.microsoft.com/office/drawing/2010/main" xmlns="" w="9525">
+                <a14:hiddenLine xmlns="" xmlns:a14="http://schemas.microsoft.com/office/drawing/2010/main" w="9525">
                   <a:solidFill>
                     <a:schemeClr val="tx1"/>
                   </a:solidFill>
@@ -3687,7 +3687,7 @@
                 </a14:hiddenLine>
               </a:ext>
               <a:ext uri="{AF507438-7753-43e0-B8FC-AC1667EBCBE1}">
-                <a14:hiddenEffects xmlns:a14="http://schemas.microsoft.com/office/drawing/2010/main" xmlns="">
+                <a14:hiddenEffects xmlns="" xmlns:a14="http://schemas.microsoft.com/office/drawing/2010/main">
                   <a:effectLst>
                     <a:outerShdw blurRad="63500" dist="38099" dir="2700000" algn="ctr" rotWithShape="0">
                       <a:schemeClr val="bg2">
@@ -3732,7 +3732,7 @@
             <a:effectLst/>
             <a:extLst>
               <a:ext uri="{91240B29-F687-4f45-9708-019B960494DF}">
-                <a14:hiddenLine xmlns:a14="http://schemas.microsoft.com/office/drawing/2010/main" xmlns="" w="9525">
+                <a14:hiddenLine xmlns="" xmlns:a14="http://schemas.microsoft.com/office/drawing/2010/main" w="9525">
                   <a:solidFill>
                     <a:schemeClr val="tx1"/>
                   </a:solidFill>
@@ -3742,7 +3742,7 @@
                 </a14:hiddenLine>
               </a:ext>
               <a:ext uri="{AF507438-7753-43e0-B8FC-AC1667EBCBE1}">
-                <a14:hiddenEffects xmlns:a14="http://schemas.microsoft.com/office/drawing/2010/main" xmlns="">
+                <a14:hiddenEffects xmlns="" xmlns:a14="http://schemas.microsoft.com/office/drawing/2010/main">
                   <a:effectLst>
                     <a:outerShdw blurRad="63500" dist="38099" dir="2700000" algn="ctr" rotWithShape="0">
                       <a:schemeClr val="bg2">
@@ -3787,7 +3787,7 @@
             <a:effectLst/>
             <a:extLst>
               <a:ext uri="{91240B29-F687-4f45-9708-019B960494DF}">
-                <a14:hiddenLine xmlns:a14="http://schemas.microsoft.com/office/drawing/2010/main" xmlns="" w="9525">
+                <a14:hiddenLine xmlns="" xmlns:a14="http://schemas.microsoft.com/office/drawing/2010/main" w="9525">
                   <a:solidFill>
                     <a:schemeClr val="tx1"/>
                   </a:solidFill>
@@ -3797,7 +3797,7 @@
                 </a14:hiddenLine>
               </a:ext>
               <a:ext uri="{AF507438-7753-43e0-B8FC-AC1667EBCBE1}">
-                <a14:hiddenEffects xmlns:a14="http://schemas.microsoft.com/office/drawing/2010/main" xmlns="">
+                <a14:hiddenEffects xmlns="" xmlns:a14="http://schemas.microsoft.com/office/drawing/2010/main">
                   <a:effectLst>
                     <a:outerShdw blurRad="63500" dist="38099" dir="2700000" algn="ctr" rotWithShape="0">
                       <a:schemeClr val="bg2">
@@ -3842,7 +3842,7 @@
             <a:effectLst/>
             <a:extLst>
               <a:ext uri="{91240B29-F687-4f45-9708-019B960494DF}">
-                <a14:hiddenLine xmlns:a14="http://schemas.microsoft.com/office/drawing/2010/main" xmlns="" w="9525">
+                <a14:hiddenLine xmlns="" xmlns:a14="http://schemas.microsoft.com/office/drawing/2010/main" w="9525">
                   <a:solidFill>
                     <a:schemeClr val="tx1"/>
                   </a:solidFill>
@@ -3852,7 +3852,7 @@
                 </a14:hiddenLine>
               </a:ext>
               <a:ext uri="{AF507438-7753-43e0-B8FC-AC1667EBCBE1}">
-                <a14:hiddenEffects xmlns:a14="http://schemas.microsoft.com/office/drawing/2010/main" xmlns="">
+                <a14:hiddenEffects xmlns="" xmlns:a14="http://schemas.microsoft.com/office/drawing/2010/main">
                   <a:effectLst>
                     <a:outerShdw blurRad="63500" dist="38099" dir="2700000" algn="ctr" rotWithShape="0">
                       <a:schemeClr val="bg2">
@@ -3897,7 +3897,7 @@
             <a:effectLst/>
             <a:extLst>
               <a:ext uri="{91240B29-F687-4f45-9708-019B960494DF}">
-                <a14:hiddenLine xmlns:a14="http://schemas.microsoft.com/office/drawing/2010/main" xmlns="" w="9525">
+                <a14:hiddenLine xmlns="" xmlns:a14="http://schemas.microsoft.com/office/drawing/2010/main" w="9525">
                   <a:solidFill>
                     <a:schemeClr val="tx1"/>
                   </a:solidFill>
@@ -3907,7 +3907,7 @@
                 </a14:hiddenLine>
               </a:ext>
               <a:ext uri="{AF507438-7753-43e0-B8FC-AC1667EBCBE1}">
-                <a14:hiddenEffects xmlns:a14="http://schemas.microsoft.com/office/drawing/2010/main" xmlns="">
+                <a14:hiddenEffects xmlns="" xmlns:a14="http://schemas.microsoft.com/office/drawing/2010/main">
                   <a:effectLst>
                     <a:outerShdw blurRad="63500" dist="38099" dir="2700000" algn="ctr" rotWithShape="0">
                       <a:schemeClr val="bg2">
@@ -3952,7 +3952,7 @@
             <a:effectLst/>
             <a:extLst>
               <a:ext uri="{91240B29-F687-4f45-9708-019B960494DF}">
-                <a14:hiddenLine xmlns:a14="http://schemas.microsoft.com/office/drawing/2010/main" xmlns="" w="9525">
+                <a14:hiddenLine xmlns="" xmlns:a14="http://schemas.microsoft.com/office/drawing/2010/main" w="9525">
                   <a:solidFill>
                     <a:schemeClr val="tx1"/>
                   </a:solidFill>
@@ -3962,7 +3962,7 @@
                 </a14:hiddenLine>
               </a:ext>
               <a:ext uri="{AF507438-7753-43e0-B8FC-AC1667EBCBE1}">
-                <a14:hiddenEffects xmlns:a14="http://schemas.microsoft.com/office/drawing/2010/main" xmlns="">
+                <a14:hiddenEffects xmlns="" xmlns:a14="http://schemas.microsoft.com/office/drawing/2010/main">
                   <a:effectLst>
                     <a:outerShdw blurRad="63500" dist="38099" dir="2700000" algn="ctr" rotWithShape="0">
                       <a:schemeClr val="bg2">
@@ -4007,7 +4007,7 @@
             <a:effectLst/>
             <a:extLst>
               <a:ext uri="{91240B29-F687-4f45-9708-019B960494DF}">
-                <a14:hiddenLine xmlns:a14="http://schemas.microsoft.com/office/drawing/2010/main" xmlns="" w="9525">
+                <a14:hiddenLine xmlns="" xmlns:a14="http://schemas.microsoft.com/office/drawing/2010/main" w="9525">
                   <a:solidFill>
                     <a:schemeClr val="tx1"/>
                   </a:solidFill>
@@ -4017,7 +4017,7 @@
                 </a14:hiddenLine>
               </a:ext>
               <a:ext uri="{AF507438-7753-43e0-B8FC-AC1667EBCBE1}">
-                <a14:hiddenEffects xmlns:a14="http://schemas.microsoft.com/office/drawing/2010/main" xmlns="">
+                <a14:hiddenEffects xmlns="" xmlns:a14="http://schemas.microsoft.com/office/drawing/2010/main">
                   <a:effectLst>
                     <a:outerShdw blurRad="63500" dist="38099" dir="2700000" algn="ctr" rotWithShape="0">
                       <a:schemeClr val="bg2">
@@ -4062,7 +4062,7 @@
             <a:effectLst/>
             <a:extLst>
               <a:ext uri="{91240B29-F687-4f45-9708-019B960494DF}">
-                <a14:hiddenLine xmlns:a14="http://schemas.microsoft.com/office/drawing/2010/main" xmlns="" w="9525">
+                <a14:hiddenLine xmlns="" xmlns:a14="http://schemas.microsoft.com/office/drawing/2010/main" w="9525">
                   <a:solidFill>
                     <a:schemeClr val="tx1"/>
                   </a:solidFill>
@@ -4072,7 +4072,7 @@
                 </a14:hiddenLine>
               </a:ext>
               <a:ext uri="{AF507438-7753-43e0-B8FC-AC1667EBCBE1}">
-                <a14:hiddenEffects xmlns:a14="http://schemas.microsoft.com/office/drawing/2010/main" xmlns="">
+                <a14:hiddenEffects xmlns="" xmlns:a14="http://schemas.microsoft.com/office/drawing/2010/main">
                   <a:effectLst>
                     <a:outerShdw blurRad="63500" dist="38099" dir="2700000" algn="ctr" rotWithShape="0">
                       <a:schemeClr val="bg2">
@@ -4117,7 +4117,7 @@
             <a:effectLst/>
             <a:extLst>
               <a:ext uri="{91240B29-F687-4f45-9708-019B960494DF}">
-                <a14:hiddenLine xmlns:a14="http://schemas.microsoft.com/office/drawing/2010/main" xmlns="" w="9525">
+                <a14:hiddenLine xmlns="" xmlns:a14="http://schemas.microsoft.com/office/drawing/2010/main" w="9525">
                   <a:solidFill>
                     <a:schemeClr val="tx1"/>
                   </a:solidFill>
@@ -4127,7 +4127,7 @@
                 </a14:hiddenLine>
               </a:ext>
               <a:ext uri="{AF507438-7753-43e0-B8FC-AC1667EBCBE1}">
-                <a14:hiddenEffects xmlns:a14="http://schemas.microsoft.com/office/drawing/2010/main" xmlns="">
+                <a14:hiddenEffects xmlns="" xmlns:a14="http://schemas.microsoft.com/office/drawing/2010/main">
                   <a:effectLst>
                     <a:outerShdw blurRad="63500" dist="38099" dir="2700000" algn="ctr" rotWithShape="0">
                       <a:schemeClr val="bg2">
@@ -4172,7 +4172,7 @@
             <a:effectLst/>
             <a:extLst>
               <a:ext uri="{91240B29-F687-4f45-9708-019B960494DF}">
-                <a14:hiddenLine xmlns:a14="http://schemas.microsoft.com/office/drawing/2010/main" xmlns="" w="9525">
+                <a14:hiddenLine xmlns="" xmlns:a14="http://schemas.microsoft.com/office/drawing/2010/main" w="9525">
                   <a:solidFill>
                     <a:schemeClr val="tx1"/>
                   </a:solidFill>
@@ -4182,7 +4182,7 @@
                 </a14:hiddenLine>
               </a:ext>
               <a:ext uri="{AF507438-7753-43e0-B8FC-AC1667EBCBE1}">
-                <a14:hiddenEffects xmlns:a14="http://schemas.microsoft.com/office/drawing/2010/main" xmlns="">
+                <a14:hiddenEffects xmlns="" xmlns:a14="http://schemas.microsoft.com/office/drawing/2010/main">
                   <a:effectLst>
                     <a:outerShdw blurRad="63500" dist="38099" dir="2700000" algn="ctr" rotWithShape="0">
                       <a:schemeClr val="bg2">
@@ -4227,7 +4227,7 @@
             <a:effectLst/>
             <a:extLst>
               <a:ext uri="{91240B29-F687-4f45-9708-019B960494DF}">
-                <a14:hiddenLine xmlns:a14="http://schemas.microsoft.com/office/drawing/2010/main" xmlns="" w="9525">
+                <a14:hiddenLine xmlns="" xmlns:a14="http://schemas.microsoft.com/office/drawing/2010/main" w="9525">
                   <a:solidFill>
                     <a:schemeClr val="tx1"/>
                   </a:solidFill>
@@ -4237,7 +4237,7 @@
                 </a14:hiddenLine>
               </a:ext>
               <a:ext uri="{AF507438-7753-43e0-B8FC-AC1667EBCBE1}">
-                <a14:hiddenEffects xmlns:a14="http://schemas.microsoft.com/office/drawing/2010/main" xmlns="">
+                <a14:hiddenEffects xmlns="" xmlns:a14="http://schemas.microsoft.com/office/drawing/2010/main">
                   <a:effectLst>
                     <a:outerShdw blurRad="63500" dist="38099" dir="2700000" algn="ctr" rotWithShape="0">
                       <a:schemeClr val="bg2">
@@ -4282,7 +4282,7 @@
             <a:effectLst/>
             <a:extLst>
               <a:ext uri="{91240B29-F687-4f45-9708-019B960494DF}">
-                <a14:hiddenLine xmlns:a14="http://schemas.microsoft.com/office/drawing/2010/main" xmlns="" w="9525">
+                <a14:hiddenLine xmlns="" xmlns:a14="http://schemas.microsoft.com/office/drawing/2010/main" w="9525">
                   <a:solidFill>
                     <a:schemeClr val="tx1"/>
                   </a:solidFill>
@@ -4292,7 +4292,7 @@
                 </a14:hiddenLine>
               </a:ext>
               <a:ext uri="{AF507438-7753-43e0-B8FC-AC1667EBCBE1}">
-                <a14:hiddenEffects xmlns:a14="http://schemas.microsoft.com/office/drawing/2010/main" xmlns="">
+                <a14:hiddenEffects xmlns="" xmlns:a14="http://schemas.microsoft.com/office/drawing/2010/main">
                   <a:effectLst>
                     <a:outerShdw blurRad="63500" dist="38099" dir="2700000" algn="ctr" rotWithShape="0">
                       <a:schemeClr val="bg2">
@@ -4341,12 +4341,12 @@
           <a:effectLst/>
           <a:extLst>
             <a:ext uri="{909E8E84-426E-40dd-AFC4-6F175D3DCCD1}">
-              <a14:hiddenFill xmlns:a14="http://schemas.microsoft.com/office/drawing/2010/main" xmlns="">
+              <a14:hiddenFill xmlns="" xmlns:a14="http://schemas.microsoft.com/office/drawing/2010/main">
                 <a:noFill/>
               </a14:hiddenFill>
             </a:ext>
             <a:ext uri="{AF507438-7753-43e0-B8FC-AC1667EBCBE1}">
-              <a14:hiddenEffects xmlns:a14="http://schemas.microsoft.com/office/drawing/2010/main" xmlns="">
+              <a14:hiddenEffects xmlns="" xmlns:a14="http://schemas.microsoft.com/office/drawing/2010/main">
                 <a:effectLst>
                   <a:outerShdw blurRad="63500" dist="38099" dir="2700000" algn="ctr" rotWithShape="0">
                     <a:schemeClr val="bg2">
@@ -6670,12 +6670,12 @@
           <a:effectLst/>
           <a:extLst>
             <a:ext uri="{909E8E84-426E-40dd-AFC4-6F175D3DCCD1}">
-              <a14:hiddenFill xmlns:a14="http://schemas.microsoft.com/office/drawing/2010/main" xmlns="">
+              <a14:hiddenFill xmlns="" xmlns:a14="http://schemas.microsoft.com/office/drawing/2010/main">
                 <a:noFill/>
               </a14:hiddenFill>
             </a:ext>
             <a:ext uri="{AF507438-7753-43e0-B8FC-AC1667EBCBE1}">
-              <a14:hiddenEffects xmlns:a14="http://schemas.microsoft.com/office/drawing/2010/main" xmlns="">
+              <a14:hiddenEffects xmlns="" xmlns:a14="http://schemas.microsoft.com/office/drawing/2010/main">
                 <a:effectLst>
                   <a:outerShdw blurRad="63500" dist="38099" dir="2700000" algn="ctr" rotWithShape="0">
                     <a:schemeClr val="bg2">
@@ -6720,17 +6720,17 @@
           <a:effectLst/>
           <a:extLst>
             <a:ext uri="{FAA26D3D-D897-4be2-8F04-BA451C77F1D7}">
-              <ma14:placeholderFlag xmlns="" xmlns:ma14="http://schemas.microsoft.com/office/mac/drawingml/2011/main" val="1"/>
+              <ma14:placeholderFlag xmlns:ma14="http://schemas.microsoft.com/office/mac/drawingml/2011/main" xmlns="" val="1"/>
             </a:ext>
             <a:ext uri="{909E8E84-426E-40dd-AFC4-6F175D3DCCD1}">
-              <a14:hiddenFill xmlns:a14="http://schemas.microsoft.com/office/drawing/2010/main" xmlns="">
+              <a14:hiddenFill xmlns="" xmlns:a14="http://schemas.microsoft.com/office/drawing/2010/main">
                 <a:solidFill>
                   <a:schemeClr val="accent1"/>
                 </a:solidFill>
               </a14:hiddenFill>
             </a:ext>
             <a:ext uri="{91240B29-F687-4f45-9708-019B960494DF}">
-              <a14:hiddenLine xmlns:a14="http://schemas.microsoft.com/office/drawing/2010/main" xmlns="" w="9525">
+              <a14:hiddenLine xmlns="" xmlns:a14="http://schemas.microsoft.com/office/drawing/2010/main" w="9525">
                 <a:solidFill>
                   <a:schemeClr val="tx1"/>
                 </a:solidFill>
@@ -6740,7 +6740,7 @@
               </a14:hiddenLine>
             </a:ext>
             <a:ext uri="{AF507438-7753-43e0-B8FC-AC1667EBCBE1}">
-              <a14:hiddenEffects xmlns:a14="http://schemas.microsoft.com/office/drawing/2010/main" xmlns="">
+              <a14:hiddenEffects xmlns="" xmlns:a14="http://schemas.microsoft.com/office/drawing/2010/main">
                 <a:effectLst>
                   <a:outerShdw blurRad="63500" dist="38099" dir="2700000" algn="ctr" rotWithShape="0">
                     <a:schemeClr val="bg2">
@@ -6793,17 +6793,17 @@
           <a:effectLst/>
           <a:extLst>
             <a:ext uri="{FAA26D3D-D897-4be2-8F04-BA451C77F1D7}">
-              <ma14:placeholderFlag xmlns="" xmlns:ma14="http://schemas.microsoft.com/office/mac/drawingml/2011/main" val="1"/>
+              <ma14:placeholderFlag xmlns:ma14="http://schemas.microsoft.com/office/mac/drawingml/2011/main" xmlns="" val="1"/>
             </a:ext>
             <a:ext uri="{909E8E84-426E-40dd-AFC4-6F175D3DCCD1}">
-              <a14:hiddenFill xmlns:a14="http://schemas.microsoft.com/office/drawing/2010/main" xmlns="">
+              <a14:hiddenFill xmlns="" xmlns:a14="http://schemas.microsoft.com/office/drawing/2010/main">
                 <a:solidFill>
                   <a:schemeClr val="accent1"/>
                 </a:solidFill>
               </a14:hiddenFill>
             </a:ext>
             <a:ext uri="{91240B29-F687-4f45-9708-019B960494DF}">
-              <a14:hiddenLine xmlns:a14="http://schemas.microsoft.com/office/drawing/2010/main" xmlns="" w="9525">
+              <a14:hiddenLine xmlns="" xmlns:a14="http://schemas.microsoft.com/office/drawing/2010/main" w="9525">
                 <a:solidFill>
                   <a:schemeClr val="tx1"/>
                 </a:solidFill>
@@ -6813,7 +6813,7 @@
               </a14:hiddenLine>
             </a:ext>
             <a:ext uri="{AF507438-7753-43e0-B8FC-AC1667EBCBE1}">
-              <a14:hiddenEffects xmlns:a14="http://schemas.microsoft.com/office/drawing/2010/main" xmlns="">
+              <a14:hiddenEffects xmlns="" xmlns:a14="http://schemas.microsoft.com/office/drawing/2010/main">
                 <a:effectLst>
                   <a:outerShdw blurRad="63500" dist="38099" dir="2700000" algn="ctr" rotWithShape="0">
                     <a:schemeClr val="bg2">
@@ -6894,17 +6894,17 @@
           <a:effectLst/>
           <a:extLst>
             <a:ext uri="{FAA26D3D-D897-4be2-8F04-BA451C77F1D7}">
-              <ma14:placeholderFlag xmlns="" xmlns:ma14="http://schemas.microsoft.com/office/mac/drawingml/2011/main" val="1"/>
+              <ma14:placeholderFlag xmlns:ma14="http://schemas.microsoft.com/office/mac/drawingml/2011/main" xmlns="" val="1"/>
             </a:ext>
             <a:ext uri="{909E8E84-426E-40dd-AFC4-6F175D3DCCD1}">
-              <a14:hiddenFill xmlns:a14="http://schemas.microsoft.com/office/drawing/2010/main" xmlns="">
+              <a14:hiddenFill xmlns="" xmlns:a14="http://schemas.microsoft.com/office/drawing/2010/main">
                 <a:solidFill>
                   <a:schemeClr val="accent1"/>
                 </a:solidFill>
               </a14:hiddenFill>
             </a:ext>
             <a:ext uri="{91240B29-F687-4f45-9708-019B960494DF}">
-              <a14:hiddenLine xmlns:a14="http://schemas.microsoft.com/office/drawing/2010/main" xmlns="" w="9525">
+              <a14:hiddenLine xmlns="" xmlns:a14="http://schemas.microsoft.com/office/drawing/2010/main" w="9525">
                 <a:solidFill>
                   <a:schemeClr val="tx1"/>
                 </a:solidFill>
@@ -6914,7 +6914,7 @@
               </a14:hiddenLine>
             </a:ext>
             <a:ext uri="{AF507438-7753-43e0-B8FC-AC1667EBCBE1}">
-              <a14:hiddenEffects xmlns:a14="http://schemas.microsoft.com/office/drawing/2010/main" xmlns="">
+              <a14:hiddenEffects xmlns="" xmlns:a14="http://schemas.microsoft.com/office/drawing/2010/main">
                 <a:effectLst>
                   <a:outerShdw blurRad="63500" dist="38099" dir="2700000" algn="ctr" rotWithShape="0">
                     <a:schemeClr val="bg2">
@@ -6967,17 +6967,17 @@
           <a:effectLst/>
           <a:extLst>
             <a:ext uri="{FAA26D3D-D897-4be2-8F04-BA451C77F1D7}">
-              <ma14:placeholderFlag xmlns="" xmlns:ma14="http://schemas.microsoft.com/office/mac/drawingml/2011/main" val="1"/>
+              <ma14:placeholderFlag xmlns:ma14="http://schemas.microsoft.com/office/mac/drawingml/2011/main" xmlns="" val="1"/>
             </a:ext>
             <a:ext uri="{909E8E84-426E-40dd-AFC4-6F175D3DCCD1}">
-              <a14:hiddenFill xmlns:a14="http://schemas.microsoft.com/office/drawing/2010/main" xmlns="">
+              <a14:hiddenFill xmlns="" xmlns:a14="http://schemas.microsoft.com/office/drawing/2010/main">
                 <a:solidFill>
                   <a:schemeClr val="accent1"/>
                 </a:solidFill>
               </a14:hiddenFill>
             </a:ext>
             <a:ext uri="{91240B29-F687-4f45-9708-019B960494DF}">
-              <a14:hiddenLine xmlns:a14="http://schemas.microsoft.com/office/drawing/2010/main" xmlns="" w="9525">
+              <a14:hiddenLine xmlns="" xmlns:a14="http://schemas.microsoft.com/office/drawing/2010/main" w="9525">
                 <a:solidFill>
                   <a:schemeClr val="tx1"/>
                 </a:solidFill>
@@ -6987,7 +6987,7 @@
               </a14:hiddenLine>
             </a:ext>
             <a:ext uri="{AF507438-7753-43e0-B8FC-AC1667EBCBE1}">
-              <a14:hiddenEffects xmlns:a14="http://schemas.microsoft.com/office/drawing/2010/main" xmlns="">
+              <a14:hiddenEffects xmlns="" xmlns:a14="http://schemas.microsoft.com/office/drawing/2010/main">
                 <a:effectLst>
                   <a:outerShdw blurRad="63500" dist="38099" dir="2700000" algn="ctr" rotWithShape="0">
                     <a:schemeClr val="bg2">
@@ -7040,17 +7040,17 @@
           <a:effectLst/>
           <a:extLst>
             <a:ext uri="{FAA26D3D-D897-4be2-8F04-BA451C77F1D7}">
-              <ma14:placeholderFlag xmlns="" xmlns:ma14="http://schemas.microsoft.com/office/mac/drawingml/2011/main" val="1"/>
+              <ma14:placeholderFlag xmlns:ma14="http://schemas.microsoft.com/office/mac/drawingml/2011/main" xmlns="" val="1"/>
             </a:ext>
             <a:ext uri="{909E8E84-426E-40dd-AFC4-6F175D3DCCD1}">
-              <a14:hiddenFill xmlns:a14="http://schemas.microsoft.com/office/drawing/2010/main" xmlns="">
+              <a14:hiddenFill xmlns="" xmlns:a14="http://schemas.microsoft.com/office/drawing/2010/main">
                 <a:solidFill>
                   <a:schemeClr val="accent1"/>
                 </a:solidFill>
               </a14:hiddenFill>
             </a:ext>
             <a:ext uri="{91240B29-F687-4f45-9708-019B960494DF}">
-              <a14:hiddenLine xmlns:a14="http://schemas.microsoft.com/office/drawing/2010/main" xmlns="" w="9525">
+              <a14:hiddenLine xmlns="" xmlns:a14="http://schemas.microsoft.com/office/drawing/2010/main" w="9525">
                 <a:solidFill>
                   <a:schemeClr val="tx1"/>
                 </a:solidFill>
@@ -7060,7 +7060,7 @@
               </a14:hiddenLine>
             </a:ext>
             <a:ext uri="{AF507438-7753-43e0-B8FC-AC1667EBCBE1}">
-              <a14:hiddenEffects xmlns:a14="http://schemas.microsoft.com/office/drawing/2010/main" xmlns="">
+              <a14:hiddenEffects xmlns="" xmlns:a14="http://schemas.microsoft.com/office/drawing/2010/main">
                 <a:effectLst>
                   <a:outerShdw blurRad="63500" dist="38099" dir="2700000" algn="ctr" rotWithShape="0">
                     <a:schemeClr val="bg2">
@@ -7134,7 +7134,7 @@
             <a:effectLst/>
             <a:extLst>
               <a:ext uri="{91240B29-F687-4f45-9708-019B960494DF}">
-                <a14:hiddenLine xmlns:a14="http://schemas.microsoft.com/office/drawing/2010/main" xmlns="" w="9525">
+                <a14:hiddenLine xmlns="" xmlns:a14="http://schemas.microsoft.com/office/drawing/2010/main" w="9525">
                   <a:solidFill>
                     <a:schemeClr val="tx1"/>
                   </a:solidFill>
@@ -7144,7 +7144,7 @@
                 </a14:hiddenLine>
               </a:ext>
               <a:ext uri="{AF507438-7753-43e0-B8FC-AC1667EBCBE1}">
-                <a14:hiddenEffects xmlns:a14="http://schemas.microsoft.com/office/drawing/2010/main" xmlns="">
+                <a14:hiddenEffects xmlns="" xmlns:a14="http://schemas.microsoft.com/office/drawing/2010/main">
                   <a:effectLst>
                     <a:outerShdw blurRad="63500" dist="38099" dir="2700000" algn="ctr" rotWithShape="0">
                       <a:schemeClr val="bg2">
@@ -7189,7 +7189,7 @@
             <a:effectLst/>
             <a:extLst>
               <a:ext uri="{91240B29-F687-4f45-9708-019B960494DF}">
-                <a14:hiddenLine xmlns:a14="http://schemas.microsoft.com/office/drawing/2010/main" xmlns="" w="9525">
+                <a14:hiddenLine xmlns="" xmlns:a14="http://schemas.microsoft.com/office/drawing/2010/main" w="9525">
                   <a:solidFill>
                     <a:schemeClr val="tx1"/>
                   </a:solidFill>
@@ -7199,7 +7199,7 @@
                 </a14:hiddenLine>
               </a:ext>
               <a:ext uri="{AF507438-7753-43e0-B8FC-AC1667EBCBE1}">
-                <a14:hiddenEffects xmlns:a14="http://schemas.microsoft.com/office/drawing/2010/main" xmlns="">
+                <a14:hiddenEffects xmlns="" xmlns:a14="http://schemas.microsoft.com/office/drawing/2010/main">
                   <a:effectLst>
                     <a:outerShdw blurRad="63500" dist="38099" dir="2700000" algn="ctr" rotWithShape="0">
                       <a:schemeClr val="bg2">
@@ -7244,7 +7244,7 @@
             <a:effectLst/>
             <a:extLst>
               <a:ext uri="{91240B29-F687-4f45-9708-019B960494DF}">
-                <a14:hiddenLine xmlns:a14="http://schemas.microsoft.com/office/drawing/2010/main" xmlns="" w="9525">
+                <a14:hiddenLine xmlns="" xmlns:a14="http://schemas.microsoft.com/office/drawing/2010/main" w="9525">
                   <a:solidFill>
                     <a:schemeClr val="tx1"/>
                   </a:solidFill>
@@ -7254,7 +7254,7 @@
                 </a14:hiddenLine>
               </a:ext>
               <a:ext uri="{AF507438-7753-43e0-B8FC-AC1667EBCBE1}">
-                <a14:hiddenEffects xmlns:a14="http://schemas.microsoft.com/office/drawing/2010/main" xmlns="">
+                <a14:hiddenEffects xmlns="" xmlns:a14="http://schemas.microsoft.com/office/drawing/2010/main">
                   <a:effectLst>
                     <a:outerShdw blurRad="63500" dist="38099" dir="2700000" algn="ctr" rotWithShape="0">
                       <a:schemeClr val="bg2">
@@ -7299,7 +7299,7 @@
             <a:effectLst/>
             <a:extLst>
               <a:ext uri="{91240B29-F687-4f45-9708-019B960494DF}">
-                <a14:hiddenLine xmlns:a14="http://schemas.microsoft.com/office/drawing/2010/main" xmlns="" w="9525">
+                <a14:hiddenLine xmlns="" xmlns:a14="http://schemas.microsoft.com/office/drawing/2010/main" w="9525">
                   <a:solidFill>
                     <a:schemeClr val="tx1"/>
                   </a:solidFill>
@@ -7309,7 +7309,7 @@
                 </a14:hiddenLine>
               </a:ext>
               <a:ext uri="{AF507438-7753-43e0-B8FC-AC1667EBCBE1}">
-                <a14:hiddenEffects xmlns:a14="http://schemas.microsoft.com/office/drawing/2010/main" xmlns="">
+                <a14:hiddenEffects xmlns="" xmlns:a14="http://schemas.microsoft.com/office/drawing/2010/main">
                   <a:effectLst>
                     <a:outerShdw blurRad="63500" dist="38099" dir="2700000" algn="ctr" rotWithShape="0">
                       <a:schemeClr val="bg2">
@@ -7354,7 +7354,7 @@
             <a:effectLst/>
             <a:extLst>
               <a:ext uri="{91240B29-F687-4f45-9708-019B960494DF}">
-                <a14:hiddenLine xmlns:a14="http://schemas.microsoft.com/office/drawing/2010/main" xmlns="" w="9525">
+                <a14:hiddenLine xmlns="" xmlns:a14="http://schemas.microsoft.com/office/drawing/2010/main" w="9525">
                   <a:solidFill>
                     <a:schemeClr val="tx1"/>
                   </a:solidFill>
@@ -7364,7 +7364,7 @@
                 </a14:hiddenLine>
               </a:ext>
               <a:ext uri="{AF507438-7753-43e0-B8FC-AC1667EBCBE1}">
-                <a14:hiddenEffects xmlns:a14="http://schemas.microsoft.com/office/drawing/2010/main" xmlns="">
+                <a14:hiddenEffects xmlns="" xmlns:a14="http://schemas.microsoft.com/office/drawing/2010/main">
                   <a:effectLst>
                     <a:outerShdw blurRad="63500" dist="38099" dir="2700000" algn="ctr" rotWithShape="0">
                       <a:schemeClr val="bg2">
@@ -7409,7 +7409,7 @@
             <a:effectLst/>
             <a:extLst>
               <a:ext uri="{91240B29-F687-4f45-9708-019B960494DF}">
-                <a14:hiddenLine xmlns:a14="http://schemas.microsoft.com/office/drawing/2010/main" xmlns="" w="9525">
+                <a14:hiddenLine xmlns="" xmlns:a14="http://schemas.microsoft.com/office/drawing/2010/main" w="9525">
                   <a:solidFill>
                     <a:schemeClr val="tx1"/>
                   </a:solidFill>
@@ -7419,7 +7419,7 @@
                 </a14:hiddenLine>
               </a:ext>
               <a:ext uri="{AF507438-7753-43e0-B8FC-AC1667EBCBE1}">
-                <a14:hiddenEffects xmlns:a14="http://schemas.microsoft.com/office/drawing/2010/main" xmlns="">
+                <a14:hiddenEffects xmlns="" xmlns:a14="http://schemas.microsoft.com/office/drawing/2010/main">
                   <a:effectLst>
                     <a:outerShdw blurRad="63500" dist="38099" dir="2700000" algn="ctr" rotWithShape="0">
                       <a:schemeClr val="bg2">
@@ -7464,7 +7464,7 @@
             <a:effectLst/>
             <a:extLst>
               <a:ext uri="{91240B29-F687-4f45-9708-019B960494DF}">
-                <a14:hiddenLine xmlns:a14="http://schemas.microsoft.com/office/drawing/2010/main" xmlns="" w="9525">
+                <a14:hiddenLine xmlns="" xmlns:a14="http://schemas.microsoft.com/office/drawing/2010/main" w="9525">
                   <a:solidFill>
                     <a:schemeClr val="tx1"/>
                   </a:solidFill>
@@ -7474,7 +7474,7 @@
                 </a14:hiddenLine>
               </a:ext>
               <a:ext uri="{AF507438-7753-43e0-B8FC-AC1667EBCBE1}">
-                <a14:hiddenEffects xmlns:a14="http://schemas.microsoft.com/office/drawing/2010/main" xmlns="">
+                <a14:hiddenEffects xmlns="" xmlns:a14="http://schemas.microsoft.com/office/drawing/2010/main">
                   <a:effectLst>
                     <a:outerShdw blurRad="63500" dist="38099" dir="2700000" algn="ctr" rotWithShape="0">
                       <a:schemeClr val="bg2">
@@ -7519,7 +7519,7 @@
             <a:effectLst/>
             <a:extLst>
               <a:ext uri="{91240B29-F687-4f45-9708-019B960494DF}">
-                <a14:hiddenLine xmlns:a14="http://schemas.microsoft.com/office/drawing/2010/main" xmlns="" w="9525">
+                <a14:hiddenLine xmlns="" xmlns:a14="http://schemas.microsoft.com/office/drawing/2010/main" w="9525">
                   <a:solidFill>
                     <a:schemeClr val="tx1"/>
                   </a:solidFill>
@@ -7529,7 +7529,7 @@
                 </a14:hiddenLine>
               </a:ext>
               <a:ext uri="{AF507438-7753-43e0-B8FC-AC1667EBCBE1}">
-                <a14:hiddenEffects xmlns:a14="http://schemas.microsoft.com/office/drawing/2010/main" xmlns="">
+                <a14:hiddenEffects xmlns="" xmlns:a14="http://schemas.microsoft.com/office/drawing/2010/main">
                   <a:effectLst>
                     <a:outerShdw blurRad="63500" dist="38099" dir="2700000" algn="ctr" rotWithShape="0">
                       <a:schemeClr val="bg2">
@@ -7574,7 +7574,7 @@
             <a:effectLst/>
             <a:extLst>
               <a:ext uri="{91240B29-F687-4f45-9708-019B960494DF}">
-                <a14:hiddenLine xmlns:a14="http://schemas.microsoft.com/office/drawing/2010/main" xmlns="" w="9525">
+                <a14:hiddenLine xmlns="" xmlns:a14="http://schemas.microsoft.com/office/drawing/2010/main" w="9525">
                   <a:solidFill>
                     <a:schemeClr val="tx1"/>
                   </a:solidFill>
@@ -7584,7 +7584,7 @@
                 </a14:hiddenLine>
               </a:ext>
               <a:ext uri="{AF507438-7753-43e0-B8FC-AC1667EBCBE1}">
-                <a14:hiddenEffects xmlns:a14="http://schemas.microsoft.com/office/drawing/2010/main" xmlns="">
+                <a14:hiddenEffects xmlns="" xmlns:a14="http://schemas.microsoft.com/office/drawing/2010/main">
                   <a:effectLst>
                     <a:outerShdw blurRad="63500" dist="38099" dir="2700000" algn="ctr" rotWithShape="0">
                       <a:schemeClr val="bg2">
@@ -7629,7 +7629,7 @@
             <a:effectLst/>
             <a:extLst>
               <a:ext uri="{91240B29-F687-4f45-9708-019B960494DF}">
-                <a14:hiddenLine xmlns:a14="http://schemas.microsoft.com/office/drawing/2010/main" xmlns="" w="9525">
+                <a14:hiddenLine xmlns="" xmlns:a14="http://schemas.microsoft.com/office/drawing/2010/main" w="9525">
                   <a:solidFill>
                     <a:schemeClr val="tx1"/>
                   </a:solidFill>
@@ -7639,7 +7639,7 @@
                 </a14:hiddenLine>
               </a:ext>
               <a:ext uri="{AF507438-7753-43e0-B8FC-AC1667EBCBE1}">
-                <a14:hiddenEffects xmlns:a14="http://schemas.microsoft.com/office/drawing/2010/main" xmlns="">
+                <a14:hiddenEffects xmlns="" xmlns:a14="http://schemas.microsoft.com/office/drawing/2010/main">
                   <a:effectLst>
                     <a:outerShdw blurRad="63500" dist="38099" dir="2700000" algn="ctr" rotWithShape="0">
                       <a:schemeClr val="bg2">
@@ -7684,7 +7684,7 @@
             <a:effectLst/>
             <a:extLst>
               <a:ext uri="{91240B29-F687-4f45-9708-019B960494DF}">
-                <a14:hiddenLine xmlns:a14="http://schemas.microsoft.com/office/drawing/2010/main" xmlns="" w="9525">
+                <a14:hiddenLine xmlns="" xmlns:a14="http://schemas.microsoft.com/office/drawing/2010/main" w="9525">
                   <a:solidFill>
                     <a:schemeClr val="tx1"/>
                   </a:solidFill>
@@ -7694,7 +7694,7 @@
                 </a14:hiddenLine>
               </a:ext>
               <a:ext uri="{AF507438-7753-43e0-B8FC-AC1667EBCBE1}">
-                <a14:hiddenEffects xmlns:a14="http://schemas.microsoft.com/office/drawing/2010/main" xmlns="">
+                <a14:hiddenEffects xmlns="" xmlns:a14="http://schemas.microsoft.com/office/drawing/2010/main">
                   <a:effectLst>
                     <a:outerShdw blurRad="63500" dist="38099" dir="2700000" algn="ctr" rotWithShape="0">
                       <a:schemeClr val="bg2">
@@ -7739,7 +7739,7 @@
             <a:effectLst/>
             <a:extLst>
               <a:ext uri="{91240B29-F687-4f45-9708-019B960494DF}">
-                <a14:hiddenLine xmlns:a14="http://schemas.microsoft.com/office/drawing/2010/main" xmlns="" w="9525">
+                <a14:hiddenLine xmlns="" xmlns:a14="http://schemas.microsoft.com/office/drawing/2010/main" w="9525">
                   <a:solidFill>
                     <a:schemeClr val="tx1"/>
                   </a:solidFill>
@@ -7749,7 +7749,7 @@
                 </a14:hiddenLine>
               </a:ext>
               <a:ext uri="{AF507438-7753-43e0-B8FC-AC1667EBCBE1}">
-                <a14:hiddenEffects xmlns:a14="http://schemas.microsoft.com/office/drawing/2010/main" xmlns="">
+                <a14:hiddenEffects xmlns="" xmlns:a14="http://schemas.microsoft.com/office/drawing/2010/main">
                   <a:effectLst>
                     <a:outerShdw blurRad="63500" dist="38099" dir="2700000" algn="ctr" rotWithShape="0">
                       <a:schemeClr val="bg2">
@@ -7794,7 +7794,7 @@
             <a:effectLst/>
             <a:extLst>
               <a:ext uri="{91240B29-F687-4f45-9708-019B960494DF}">
-                <a14:hiddenLine xmlns:a14="http://schemas.microsoft.com/office/drawing/2010/main" xmlns="" w="9525">
+                <a14:hiddenLine xmlns="" xmlns:a14="http://schemas.microsoft.com/office/drawing/2010/main" w="9525">
                   <a:solidFill>
                     <a:schemeClr val="tx1"/>
                   </a:solidFill>
@@ -7804,7 +7804,7 @@
                 </a14:hiddenLine>
               </a:ext>
               <a:ext uri="{AF507438-7753-43e0-B8FC-AC1667EBCBE1}">
-                <a14:hiddenEffects xmlns:a14="http://schemas.microsoft.com/office/drawing/2010/main" xmlns="">
+                <a14:hiddenEffects xmlns="" xmlns:a14="http://schemas.microsoft.com/office/drawing/2010/main">
                   <a:effectLst>
                     <a:outerShdw blurRad="63500" dist="38099" dir="2700000" algn="ctr" rotWithShape="0">
                       <a:schemeClr val="bg2">
@@ -7849,7 +7849,7 @@
             <a:effectLst/>
             <a:extLst>
               <a:ext uri="{91240B29-F687-4f45-9708-019B960494DF}">
-                <a14:hiddenLine xmlns:a14="http://schemas.microsoft.com/office/drawing/2010/main" xmlns="" w="9525">
+                <a14:hiddenLine xmlns="" xmlns:a14="http://schemas.microsoft.com/office/drawing/2010/main" w="9525">
                   <a:solidFill>
                     <a:schemeClr val="tx1"/>
                   </a:solidFill>
@@ -7859,7 +7859,7 @@
                 </a14:hiddenLine>
               </a:ext>
               <a:ext uri="{AF507438-7753-43e0-B8FC-AC1667EBCBE1}">
-                <a14:hiddenEffects xmlns:a14="http://schemas.microsoft.com/office/drawing/2010/main" xmlns="">
+                <a14:hiddenEffects xmlns="" xmlns:a14="http://schemas.microsoft.com/office/drawing/2010/main">
                   <a:effectLst>
                     <a:outerShdw blurRad="63500" dist="38099" dir="2700000" algn="ctr" rotWithShape="0">
                       <a:schemeClr val="bg2">
@@ -7904,7 +7904,7 @@
             <a:effectLst/>
             <a:extLst>
               <a:ext uri="{91240B29-F687-4f45-9708-019B960494DF}">
-                <a14:hiddenLine xmlns:a14="http://schemas.microsoft.com/office/drawing/2010/main" xmlns="" w="9525">
+                <a14:hiddenLine xmlns="" xmlns:a14="http://schemas.microsoft.com/office/drawing/2010/main" w="9525">
                   <a:solidFill>
                     <a:schemeClr val="tx1"/>
                   </a:solidFill>
@@ -7914,7 +7914,7 @@
                 </a14:hiddenLine>
               </a:ext>
               <a:ext uri="{AF507438-7753-43e0-B8FC-AC1667EBCBE1}">
-                <a14:hiddenEffects xmlns:a14="http://schemas.microsoft.com/office/drawing/2010/main" xmlns="">
+                <a14:hiddenEffects xmlns="" xmlns:a14="http://schemas.microsoft.com/office/drawing/2010/main">
                   <a:effectLst>
                     <a:outerShdw blurRad="63500" dist="38099" dir="2700000" algn="ctr" rotWithShape="0">
                       <a:schemeClr val="bg2">
@@ -7959,7 +7959,7 @@
             <a:effectLst/>
             <a:extLst>
               <a:ext uri="{91240B29-F687-4f45-9708-019B960494DF}">
-                <a14:hiddenLine xmlns:a14="http://schemas.microsoft.com/office/drawing/2010/main" xmlns="" w="9525">
+                <a14:hiddenLine xmlns="" xmlns:a14="http://schemas.microsoft.com/office/drawing/2010/main" w="9525">
                   <a:solidFill>
                     <a:schemeClr val="tx1"/>
                   </a:solidFill>
@@ -7969,7 +7969,7 @@
                 </a14:hiddenLine>
               </a:ext>
               <a:ext uri="{AF507438-7753-43e0-B8FC-AC1667EBCBE1}">
-                <a14:hiddenEffects xmlns:a14="http://schemas.microsoft.com/office/drawing/2010/main" xmlns="">
+                <a14:hiddenEffects xmlns="" xmlns:a14="http://schemas.microsoft.com/office/drawing/2010/main">
                   <a:effectLst>
                     <a:outerShdw blurRad="63500" dist="38099" dir="2700000" algn="ctr" rotWithShape="0">
                       <a:schemeClr val="bg2">
@@ -8014,7 +8014,7 @@
             <a:effectLst/>
             <a:extLst>
               <a:ext uri="{91240B29-F687-4f45-9708-019B960494DF}">
-                <a14:hiddenLine xmlns:a14="http://schemas.microsoft.com/office/drawing/2010/main" xmlns="" w="9525">
+                <a14:hiddenLine xmlns="" xmlns:a14="http://schemas.microsoft.com/office/drawing/2010/main" w="9525">
                   <a:solidFill>
                     <a:schemeClr val="tx1"/>
                   </a:solidFill>
@@ -8024,7 +8024,7 @@
                 </a14:hiddenLine>
               </a:ext>
               <a:ext uri="{AF507438-7753-43e0-B8FC-AC1667EBCBE1}">
-                <a14:hiddenEffects xmlns:a14="http://schemas.microsoft.com/office/drawing/2010/main" xmlns="">
+                <a14:hiddenEffects xmlns="" xmlns:a14="http://schemas.microsoft.com/office/drawing/2010/main">
                   <a:effectLst>
                     <a:outerShdw blurRad="63500" dist="38099" dir="2700000" algn="ctr" rotWithShape="0">
                       <a:schemeClr val="bg2">
@@ -8069,7 +8069,7 @@
             <a:effectLst/>
             <a:extLst>
               <a:ext uri="{91240B29-F687-4f45-9708-019B960494DF}">
-                <a14:hiddenLine xmlns:a14="http://schemas.microsoft.com/office/drawing/2010/main" xmlns="" w="9525">
+                <a14:hiddenLine xmlns="" xmlns:a14="http://schemas.microsoft.com/office/drawing/2010/main" w="9525">
                   <a:solidFill>
                     <a:schemeClr val="tx1"/>
                   </a:solidFill>
@@ -8079,7 +8079,7 @@
                 </a14:hiddenLine>
               </a:ext>
               <a:ext uri="{AF507438-7753-43e0-B8FC-AC1667EBCBE1}">
-                <a14:hiddenEffects xmlns:a14="http://schemas.microsoft.com/office/drawing/2010/main" xmlns="">
+                <a14:hiddenEffects xmlns="" xmlns:a14="http://schemas.microsoft.com/office/drawing/2010/main">
                   <a:effectLst>
                     <a:outerShdw blurRad="63500" dist="38099" dir="2700000" algn="ctr" rotWithShape="0">
                       <a:schemeClr val="bg2">
@@ -8124,7 +8124,7 @@
             <a:effectLst/>
             <a:extLst>
               <a:ext uri="{91240B29-F687-4f45-9708-019B960494DF}">
-                <a14:hiddenLine xmlns:a14="http://schemas.microsoft.com/office/drawing/2010/main" xmlns="" w="9525">
+                <a14:hiddenLine xmlns="" xmlns:a14="http://schemas.microsoft.com/office/drawing/2010/main" w="9525">
                   <a:solidFill>
                     <a:schemeClr val="tx1"/>
                   </a:solidFill>
@@ -8134,7 +8134,7 @@
                 </a14:hiddenLine>
               </a:ext>
               <a:ext uri="{AF507438-7753-43e0-B8FC-AC1667EBCBE1}">
-                <a14:hiddenEffects xmlns:a14="http://schemas.microsoft.com/office/drawing/2010/main" xmlns="">
+                <a14:hiddenEffects xmlns="" xmlns:a14="http://schemas.microsoft.com/office/drawing/2010/main">
                   <a:effectLst>
                     <a:outerShdw blurRad="63500" dist="38099" dir="2700000" algn="ctr" rotWithShape="0">
                       <a:schemeClr val="bg2">
@@ -8179,7 +8179,7 @@
             <a:effectLst/>
             <a:extLst>
               <a:ext uri="{91240B29-F687-4f45-9708-019B960494DF}">
-                <a14:hiddenLine xmlns:a14="http://schemas.microsoft.com/office/drawing/2010/main" xmlns="" w="9525">
+                <a14:hiddenLine xmlns="" xmlns:a14="http://schemas.microsoft.com/office/drawing/2010/main" w="9525">
                   <a:solidFill>
                     <a:schemeClr val="tx1"/>
                   </a:solidFill>
@@ -8189,7 +8189,7 @@
                 </a14:hiddenLine>
               </a:ext>
               <a:ext uri="{AF507438-7753-43e0-B8FC-AC1667EBCBE1}">
-                <a14:hiddenEffects xmlns:a14="http://schemas.microsoft.com/office/drawing/2010/main" xmlns="">
+                <a14:hiddenEffects xmlns="" xmlns:a14="http://schemas.microsoft.com/office/drawing/2010/main">
                   <a:effectLst>
                     <a:outerShdw blurRad="63500" dist="38099" dir="2700000" algn="ctr" rotWithShape="0">
                       <a:schemeClr val="bg2">
@@ -8234,7 +8234,7 @@
             <a:effectLst/>
             <a:extLst>
               <a:ext uri="{91240B29-F687-4f45-9708-019B960494DF}">
-                <a14:hiddenLine xmlns:a14="http://schemas.microsoft.com/office/drawing/2010/main" xmlns="" w="9525">
+                <a14:hiddenLine xmlns="" xmlns:a14="http://schemas.microsoft.com/office/drawing/2010/main" w="9525">
                   <a:solidFill>
                     <a:schemeClr val="tx1"/>
                   </a:solidFill>
@@ -8244,7 +8244,7 @@
                 </a14:hiddenLine>
               </a:ext>
               <a:ext uri="{AF507438-7753-43e0-B8FC-AC1667EBCBE1}">
-                <a14:hiddenEffects xmlns:a14="http://schemas.microsoft.com/office/drawing/2010/main" xmlns="">
+                <a14:hiddenEffects xmlns="" xmlns:a14="http://schemas.microsoft.com/office/drawing/2010/main">
                   <a:effectLst>
                     <a:outerShdw blurRad="63500" dist="38099" dir="2700000" algn="ctr" rotWithShape="0">
                       <a:schemeClr val="bg2">
@@ -8289,7 +8289,7 @@
             <a:effectLst/>
             <a:extLst>
               <a:ext uri="{91240B29-F687-4f45-9708-019B960494DF}">
-                <a14:hiddenLine xmlns:a14="http://schemas.microsoft.com/office/drawing/2010/main" xmlns="" w="9525">
+                <a14:hiddenLine xmlns="" xmlns:a14="http://schemas.microsoft.com/office/drawing/2010/main" w="9525">
                   <a:solidFill>
                     <a:schemeClr val="tx1"/>
                   </a:solidFill>
@@ -8299,7 +8299,7 @@
                 </a14:hiddenLine>
               </a:ext>
               <a:ext uri="{AF507438-7753-43e0-B8FC-AC1667EBCBE1}">
-                <a14:hiddenEffects xmlns:a14="http://schemas.microsoft.com/office/drawing/2010/main" xmlns="">
+                <a14:hiddenEffects xmlns="" xmlns:a14="http://schemas.microsoft.com/office/drawing/2010/main">
                   <a:effectLst>
                     <a:outerShdw blurRad="63500" dist="38099" dir="2700000" algn="ctr" rotWithShape="0">
                       <a:schemeClr val="bg2">
@@ -8344,7 +8344,7 @@
             <a:effectLst/>
             <a:extLst>
               <a:ext uri="{91240B29-F687-4f45-9708-019B960494DF}">
-                <a14:hiddenLine xmlns:a14="http://schemas.microsoft.com/office/drawing/2010/main" xmlns="" w="9525">
+                <a14:hiddenLine xmlns="" xmlns:a14="http://schemas.microsoft.com/office/drawing/2010/main" w="9525">
                   <a:solidFill>
                     <a:schemeClr val="tx1"/>
                   </a:solidFill>
@@ -8354,7 +8354,7 @@
                 </a14:hiddenLine>
               </a:ext>
               <a:ext uri="{AF507438-7753-43e0-B8FC-AC1667EBCBE1}">
-                <a14:hiddenEffects xmlns:a14="http://schemas.microsoft.com/office/drawing/2010/main" xmlns="">
+                <a14:hiddenEffects xmlns="" xmlns:a14="http://schemas.microsoft.com/office/drawing/2010/main">
                   <a:effectLst>
                     <a:outerShdw blurRad="63500" dist="38099" dir="2700000" algn="ctr" rotWithShape="0">
                       <a:schemeClr val="bg2">
@@ -8399,7 +8399,7 @@
             <a:effectLst/>
             <a:extLst>
               <a:ext uri="{91240B29-F687-4f45-9708-019B960494DF}">
-                <a14:hiddenLine xmlns:a14="http://schemas.microsoft.com/office/drawing/2010/main" xmlns="" w="9525">
+                <a14:hiddenLine xmlns="" xmlns:a14="http://schemas.microsoft.com/office/drawing/2010/main" w="9525">
                   <a:solidFill>
                     <a:schemeClr val="tx1"/>
                   </a:solidFill>
@@ -8409,7 +8409,7 @@
                 </a14:hiddenLine>
               </a:ext>
               <a:ext uri="{AF507438-7753-43e0-B8FC-AC1667EBCBE1}">
-                <a14:hiddenEffects xmlns:a14="http://schemas.microsoft.com/office/drawing/2010/main" xmlns="">
+                <a14:hiddenEffects xmlns="" xmlns:a14="http://schemas.microsoft.com/office/drawing/2010/main">
                   <a:effectLst>
                     <a:outerShdw blurRad="63500" dist="38099" dir="2700000" algn="ctr" rotWithShape="0">
                       <a:schemeClr val="bg2">
@@ -8454,7 +8454,7 @@
             <a:effectLst/>
             <a:extLst>
               <a:ext uri="{91240B29-F687-4f45-9708-019B960494DF}">
-                <a14:hiddenLine xmlns:a14="http://schemas.microsoft.com/office/drawing/2010/main" xmlns="" w="9525">
+                <a14:hiddenLine xmlns="" xmlns:a14="http://schemas.microsoft.com/office/drawing/2010/main" w="9525">
                   <a:solidFill>
                     <a:schemeClr val="tx1"/>
                   </a:solidFill>
@@ -8464,7 +8464,7 @@
                 </a14:hiddenLine>
               </a:ext>
               <a:ext uri="{AF507438-7753-43e0-B8FC-AC1667EBCBE1}">
-                <a14:hiddenEffects xmlns:a14="http://schemas.microsoft.com/office/drawing/2010/main" xmlns="">
+                <a14:hiddenEffects xmlns="" xmlns:a14="http://schemas.microsoft.com/office/drawing/2010/main">
                   <a:effectLst>
                     <a:outerShdw blurRad="63500" dist="38099" dir="2700000" algn="ctr" rotWithShape="0">
                       <a:schemeClr val="bg2">
@@ -8509,7 +8509,7 @@
             <a:effectLst/>
             <a:extLst>
               <a:ext uri="{91240B29-F687-4f45-9708-019B960494DF}">
-                <a14:hiddenLine xmlns:a14="http://schemas.microsoft.com/office/drawing/2010/main" xmlns="" w="9525">
+                <a14:hiddenLine xmlns="" xmlns:a14="http://schemas.microsoft.com/office/drawing/2010/main" w="9525">
                   <a:solidFill>
                     <a:schemeClr val="tx1"/>
                   </a:solidFill>
@@ -8519,7 +8519,7 @@
                 </a14:hiddenLine>
               </a:ext>
               <a:ext uri="{AF507438-7753-43e0-B8FC-AC1667EBCBE1}">
-                <a14:hiddenEffects xmlns:a14="http://schemas.microsoft.com/office/drawing/2010/main" xmlns="">
+                <a14:hiddenEffects xmlns="" xmlns:a14="http://schemas.microsoft.com/office/drawing/2010/main">
                   <a:effectLst>
                     <a:outerShdw blurRad="63500" dist="38099" dir="2700000" algn="ctr" rotWithShape="0">
                       <a:schemeClr val="bg2">
@@ -8564,7 +8564,7 @@
             <a:effectLst/>
             <a:extLst>
               <a:ext uri="{91240B29-F687-4f45-9708-019B960494DF}">
-                <a14:hiddenLine xmlns:a14="http://schemas.microsoft.com/office/drawing/2010/main" xmlns="" w="9525">
+                <a14:hiddenLine xmlns="" xmlns:a14="http://schemas.microsoft.com/office/drawing/2010/main" w="9525">
                   <a:solidFill>
                     <a:schemeClr val="tx1"/>
                   </a:solidFill>
@@ -8574,7 +8574,7 @@
                 </a14:hiddenLine>
               </a:ext>
               <a:ext uri="{AF507438-7753-43e0-B8FC-AC1667EBCBE1}">
-                <a14:hiddenEffects xmlns:a14="http://schemas.microsoft.com/office/drawing/2010/main" xmlns="">
+                <a14:hiddenEffects xmlns="" xmlns:a14="http://schemas.microsoft.com/office/drawing/2010/main">
                   <a:effectLst>
                     <a:outerShdw blurRad="63500" dist="38099" dir="2700000" algn="ctr" rotWithShape="0">
                       <a:schemeClr val="bg2">
@@ -8619,7 +8619,7 @@
             <a:effectLst/>
             <a:extLst>
               <a:ext uri="{91240B29-F687-4f45-9708-019B960494DF}">
-                <a14:hiddenLine xmlns:a14="http://schemas.microsoft.com/office/drawing/2010/main" xmlns="" w="9525">
+                <a14:hiddenLine xmlns="" xmlns:a14="http://schemas.microsoft.com/office/drawing/2010/main" w="9525">
                   <a:solidFill>
                     <a:schemeClr val="tx1"/>
                   </a:solidFill>
@@ -8629,7 +8629,7 @@
                 </a14:hiddenLine>
               </a:ext>
               <a:ext uri="{AF507438-7753-43e0-B8FC-AC1667EBCBE1}">
-                <a14:hiddenEffects xmlns:a14="http://schemas.microsoft.com/office/drawing/2010/main" xmlns="">
+                <a14:hiddenEffects xmlns="" xmlns:a14="http://schemas.microsoft.com/office/drawing/2010/main">
                   <a:effectLst>
                     <a:outerShdw blurRad="63500" dist="38099" dir="2700000" algn="ctr" rotWithShape="0">
                       <a:schemeClr val="bg2">
@@ -8674,7 +8674,7 @@
             <a:effectLst/>
             <a:extLst>
               <a:ext uri="{91240B29-F687-4f45-9708-019B960494DF}">
-                <a14:hiddenLine xmlns:a14="http://schemas.microsoft.com/office/drawing/2010/main" xmlns="" w="9525">
+                <a14:hiddenLine xmlns="" xmlns:a14="http://schemas.microsoft.com/office/drawing/2010/main" w="9525">
                   <a:solidFill>
                     <a:schemeClr val="tx1"/>
                   </a:solidFill>
@@ -8684,7 +8684,7 @@
                 </a14:hiddenLine>
               </a:ext>
               <a:ext uri="{AF507438-7753-43e0-B8FC-AC1667EBCBE1}">
-                <a14:hiddenEffects xmlns:a14="http://schemas.microsoft.com/office/drawing/2010/main" xmlns="">
+                <a14:hiddenEffects xmlns="" xmlns:a14="http://schemas.microsoft.com/office/drawing/2010/main">
                   <a:effectLst>
                     <a:outerShdw blurRad="63500" dist="38099" dir="2700000" algn="ctr" rotWithShape="0">
                       <a:schemeClr val="bg2">
@@ -8729,7 +8729,7 @@
             <a:effectLst/>
             <a:extLst>
               <a:ext uri="{91240B29-F687-4f45-9708-019B960494DF}">
-                <a14:hiddenLine xmlns:a14="http://schemas.microsoft.com/office/drawing/2010/main" xmlns="" w="9525">
+                <a14:hiddenLine xmlns="" xmlns:a14="http://schemas.microsoft.com/office/drawing/2010/main" w="9525">
                   <a:solidFill>
                     <a:schemeClr val="tx1"/>
                   </a:solidFill>
@@ -8739,7 +8739,7 @@
                 </a14:hiddenLine>
               </a:ext>
               <a:ext uri="{AF507438-7753-43e0-B8FC-AC1667EBCBE1}">
-                <a14:hiddenEffects xmlns:a14="http://schemas.microsoft.com/office/drawing/2010/main" xmlns="">
+                <a14:hiddenEffects xmlns="" xmlns:a14="http://schemas.microsoft.com/office/drawing/2010/main">
                   <a:effectLst>
                     <a:outerShdw blurRad="63500" dist="38099" dir="2700000" algn="ctr" rotWithShape="0">
                       <a:schemeClr val="bg2">
@@ -8784,7 +8784,7 @@
             <a:effectLst/>
             <a:extLst>
               <a:ext uri="{91240B29-F687-4f45-9708-019B960494DF}">
-                <a14:hiddenLine xmlns:a14="http://schemas.microsoft.com/office/drawing/2010/main" xmlns="" w="9525">
+                <a14:hiddenLine xmlns="" xmlns:a14="http://schemas.microsoft.com/office/drawing/2010/main" w="9525">
                   <a:solidFill>
                     <a:schemeClr val="tx1"/>
                   </a:solidFill>
@@ -8794,7 +8794,7 @@
                 </a14:hiddenLine>
               </a:ext>
               <a:ext uri="{AF507438-7753-43e0-B8FC-AC1667EBCBE1}">
-                <a14:hiddenEffects xmlns:a14="http://schemas.microsoft.com/office/drawing/2010/main" xmlns="">
+                <a14:hiddenEffects xmlns="" xmlns:a14="http://schemas.microsoft.com/office/drawing/2010/main">
                   <a:effectLst>
                     <a:outerShdw blurRad="63500" dist="38099" dir="2700000" algn="ctr" rotWithShape="0">
                       <a:schemeClr val="bg2">
@@ -9716,7 +9716,7 @@
           <a:effectLst/>
           <a:extLst>
             <a:ext uri="{AF507438-7753-43e0-B8FC-AC1667EBCBE1}">
-              <a14:hiddenEffects xmlns:a14="http://schemas.microsoft.com/office/drawing/2010/main" xmlns="">
+              <a14:hiddenEffects xmlns="" xmlns:a14="http://schemas.microsoft.com/office/drawing/2010/main">
                 <a:effectLst>
                   <a:outerShdw blurRad="63500" dist="38099" dir="2700000" algn="ctr" rotWithShape="0">
                     <a:schemeClr val="bg2">
@@ -9760,7 +9760,7 @@
           <a:effectLst/>
           <a:extLst>
             <a:ext uri="{AF507438-7753-43e0-B8FC-AC1667EBCBE1}">
-              <a14:hiddenEffects xmlns:a14="http://schemas.microsoft.com/office/drawing/2010/main" xmlns="">
+              <a14:hiddenEffects xmlns="" xmlns:a14="http://schemas.microsoft.com/office/drawing/2010/main">
                 <a:effectLst>
                   <a:outerShdw blurRad="63500" dist="38099" dir="2700000" algn="ctr" rotWithShape="0">
                     <a:schemeClr val="bg2">
@@ -9805,7 +9805,7 @@
           <a:effectLst/>
           <a:extLst>
             <a:ext uri="{AF507438-7753-43e0-B8FC-AC1667EBCBE1}">
-              <a14:hiddenEffects xmlns:a14="http://schemas.microsoft.com/office/drawing/2010/main" xmlns="">
+              <a14:hiddenEffects xmlns="" xmlns:a14="http://schemas.microsoft.com/office/drawing/2010/main">
                 <a:effectLst>
                   <a:outerShdw blurRad="63500" dist="38099" dir="2700000" algn="ctr" rotWithShape="0">
                     <a:schemeClr val="bg2">
@@ -9850,7 +9850,7 @@
           <a:effectLst/>
           <a:extLst>
             <a:ext uri="{AF507438-7753-43e0-B8FC-AC1667EBCBE1}">
-              <a14:hiddenEffects xmlns:a14="http://schemas.microsoft.com/office/drawing/2010/main" xmlns="">
+              <a14:hiddenEffects xmlns="" xmlns:a14="http://schemas.microsoft.com/office/drawing/2010/main">
                 <a:effectLst>
                   <a:outerShdw blurRad="63500" dist="38099" dir="2700000" algn="ctr" rotWithShape="0">
                     <a:schemeClr val="bg2">
@@ -9895,7 +9895,7 @@
           <a:effectLst/>
           <a:extLst>
             <a:ext uri="{AF507438-7753-43e0-B8FC-AC1667EBCBE1}">
-              <a14:hiddenEffects xmlns:a14="http://schemas.microsoft.com/office/drawing/2010/main" xmlns="">
+              <a14:hiddenEffects xmlns="" xmlns:a14="http://schemas.microsoft.com/office/drawing/2010/main">
                 <a:effectLst>
                   <a:outerShdw blurRad="63500" dist="38099" dir="2700000" algn="ctr" rotWithShape="0">
                     <a:schemeClr val="bg2">
@@ -9940,7 +9940,7 @@
           <a:effectLst/>
           <a:extLst>
             <a:ext uri="{AF507438-7753-43e0-B8FC-AC1667EBCBE1}">
-              <a14:hiddenEffects xmlns:a14="http://schemas.microsoft.com/office/drawing/2010/main" xmlns="">
+              <a14:hiddenEffects xmlns="" xmlns:a14="http://schemas.microsoft.com/office/drawing/2010/main">
                 <a:effectLst>
                   <a:outerShdw blurRad="63500" dist="38099" dir="2700000" algn="ctr" rotWithShape="0">
                     <a:schemeClr val="bg2">
@@ -9986,7 +9986,7 @@
           <a:effectLst/>
           <a:extLst>
             <a:ext uri="{AF507438-7753-43e0-B8FC-AC1667EBCBE1}">
-              <a14:hiddenEffects xmlns:a14="http://schemas.microsoft.com/office/drawing/2010/main" xmlns="">
+              <a14:hiddenEffects xmlns="" xmlns:a14="http://schemas.microsoft.com/office/drawing/2010/main">
                 <a:effectLst>
                   <a:outerShdw blurRad="63500" dist="38099" dir="2700000" algn="ctr" rotWithShape="0">
                     <a:schemeClr val="bg2">
@@ -10389,7 +10389,7 @@
           <a:effectLst/>
           <a:extLst>
             <a:ext uri="{AF507438-7753-43e0-B8FC-AC1667EBCBE1}">
-              <a14:hiddenEffects xmlns:a14="http://schemas.microsoft.com/office/drawing/2010/main" xmlns="">
+              <a14:hiddenEffects xmlns="" xmlns:a14="http://schemas.microsoft.com/office/drawing/2010/main">
                 <a:effectLst>
                   <a:outerShdw blurRad="63500" dist="38099" dir="2700000" algn="ctr" rotWithShape="0">
                     <a:schemeClr val="bg2">
@@ -10434,7 +10434,7 @@
           <a:effectLst/>
           <a:extLst>
             <a:ext uri="{AF507438-7753-43e0-B8FC-AC1667EBCBE1}">
-              <a14:hiddenEffects xmlns:a14="http://schemas.microsoft.com/office/drawing/2010/main" xmlns="">
+              <a14:hiddenEffects xmlns="" xmlns:a14="http://schemas.microsoft.com/office/drawing/2010/main">
                 <a:effectLst>
                   <a:outerShdw blurRad="63500" dist="38099" dir="2700000" algn="ctr" rotWithShape="0">
                     <a:schemeClr val="bg2">
@@ -10521,7 +10521,7 @@
           <a:effectLst/>
           <a:extLst>
             <a:ext uri="{AF507438-7753-43e0-B8FC-AC1667EBCBE1}">
-              <a14:hiddenEffects xmlns="" xmlns:a14="http://schemas.microsoft.com/office/drawing/2010/main">
+              <a14:hiddenEffects xmlns:a14="http://schemas.microsoft.com/office/drawing/2010/main" xmlns="">
                 <a:effectLst>
                   <a:outerShdw blurRad="63500" dist="38099" dir="2700000" algn="ctr" rotWithShape="0">
                     <a:schemeClr val="bg2">
@@ -10567,7 +10567,7 @@
           </a:ln>
           <a:extLst>
             <a:ext uri="{909E8E84-426E-40dd-AFC4-6F175D3DCCD1}">
-              <a14:hiddenFill xmlns:a14="http://schemas.microsoft.com/office/drawing/2010/main" xmlns="">
+              <a14:hiddenFill xmlns="" xmlns:a14="http://schemas.microsoft.com/office/drawing/2010/main">
                 <a:solidFill>
                   <a:schemeClr val="accent1"/>
                 </a:solidFill>
@@ -10871,6 +10871,220 @@
           </a:p>
         </p:txBody>
       </p:sp>
+      <p:sp>
+        <p:nvSpPr>
+          <p:cNvPr id="6" name="Text Box 4">
+            <a:extLst>
+              <a:ext uri="{FF2B5EF4-FFF2-40B4-BE49-F238E27FC236}">
+                <a16:creationId xmlns:a16="http://schemas.microsoft.com/office/drawing/2014/main" id="{BDF0D13A-5C33-9141-9E8A-569CA6AF8E62}"/>
+              </a:ext>
+            </a:extLst>
+          </p:cNvPr>
+          <p:cNvSpPr txBox="1">
+            <a:spLocks noChangeArrowheads="1"/>
+          </p:cNvSpPr>
+          <p:nvPr/>
+        </p:nvSpPr>
+        <p:spPr bwMode="auto">
+          <a:xfrm>
+            <a:off x="5410200" y="3435752"/>
+            <a:ext cx="2741844" cy="3046987"/>
+          </a:xfrm>
+          <a:prstGeom prst="rect">
+            <a:avLst/>
+          </a:prstGeom>
+          <a:noFill/>
+          <a:ln w="9525">
+            <a:solidFill>
+              <a:schemeClr val="tx1"/>
+            </a:solidFill>
+            <a:miter lim="800000"/>
+            <a:headEnd/>
+            <a:tailEnd/>
+          </a:ln>
+          <a:extLst>
+            <a:ext uri="{909E8E84-426E-40dd-AFC4-6F175D3DCCD1}">
+              <a14:hiddenFill xmlns="" xmlns:a14="http://schemas.microsoft.com/office/drawing/2010/main">
+                <a:solidFill>
+                  <a:schemeClr val="accent1"/>
+                </a:solidFill>
+              </a14:hiddenFill>
+            </a:ext>
+          </a:extLst>
+        </p:spPr>
+        <p:txBody>
+          <a:bodyPr wrap="square">
+            <a:spAutoFit/>
+          </a:bodyPr>
+          <a:lstStyle/>
+          <a:p>
+            <a:r>
+              <a:rPr lang="da-DK" sz="1200" dirty="0" err="1"/>
+              <a:t>stmt_list</a:t>
+            </a:r>
+            <a:r>
+              <a:rPr lang="da-DK" sz="1200" dirty="0"/>
+              <a:t> : </a:t>
+            </a:r>
+            <a:r>
+              <a:rPr lang="da-DK" sz="1200" dirty="0" err="1"/>
+              <a:t>stmt</a:t>
+            </a:r>
+            <a:r>
+              <a:rPr lang="da-DK" sz="1200" dirty="0"/>
+              <a:t> </a:t>
+            </a:r>
+            <a:r>
+              <a:rPr lang="da-DK" sz="1200" dirty="0" err="1"/>
+              <a:t>stmt_list</a:t>
+            </a:r>
+            <a:endParaRPr lang="da-DK" sz="1200" dirty="0"/>
+          </a:p>
+          <a:p>
+            <a:r>
+              <a:rPr lang="da-DK" sz="1200" dirty="0"/>
+              <a:t>               | ""</a:t>
+            </a:r>
+          </a:p>
+          <a:p>
+            <a:r>
+              <a:rPr lang="da-DK" sz="1200" dirty="0"/>
+              <a:t>          </a:t>
+            </a:r>
+          </a:p>
+          <a:p>
+            <a:r>
+              <a:rPr lang="da-DK" sz="1200" dirty="0" err="1"/>
+              <a:t>stmt</a:t>
+            </a:r>
+            <a:r>
+              <a:rPr lang="da-DK" sz="1200" dirty="0"/>
+              <a:t> : p </a:t>
+            </a:r>
+            <a:r>
+              <a:rPr lang="da-DK" sz="1200" dirty="0" err="1"/>
+              <a:t>exp</a:t>
+            </a:r>
+            <a:r>
+              <a:rPr lang="da-DK" sz="1200" dirty="0"/>
+              <a:t> ;</a:t>
+            </a:r>
+          </a:p>
+          <a:p>
+            <a:r>
+              <a:rPr lang="da-DK" sz="1200" dirty="0"/>
+              <a:t>        | s var </a:t>
+            </a:r>
+            <a:r>
+              <a:rPr lang="da-DK" sz="1200" dirty="0" err="1"/>
+              <a:t>exp</a:t>
+            </a:r>
+            <a:r>
+              <a:rPr lang="da-DK" sz="1200" dirty="0"/>
+              <a:t> ;</a:t>
+            </a:r>
+          </a:p>
+          <a:p>
+            <a:r>
+              <a:rPr lang="da-DK" sz="1200" dirty="0"/>
+              <a:t>     </a:t>
+            </a:r>
+          </a:p>
+          <a:p>
+            <a:r>
+              <a:rPr lang="da-DK" sz="1200" dirty="0" err="1"/>
+              <a:t>exp</a:t>
+            </a:r>
+            <a:r>
+              <a:rPr lang="da-DK" sz="1200" dirty="0"/>
+              <a:t> : + </a:t>
+            </a:r>
+            <a:r>
+              <a:rPr lang="da-DK" sz="1200" dirty="0" err="1"/>
+              <a:t>exp</a:t>
+            </a:r>
+            <a:r>
+              <a:rPr lang="da-DK" sz="1200" dirty="0"/>
+              <a:t> </a:t>
+            </a:r>
+            <a:r>
+              <a:rPr lang="da-DK" sz="1200" dirty="0" err="1"/>
+              <a:t>exp</a:t>
+            </a:r>
+            <a:endParaRPr lang="da-DK" sz="1200" dirty="0"/>
+          </a:p>
+          <a:p>
+            <a:r>
+              <a:rPr lang="da-DK" sz="1200" dirty="0"/>
+              <a:t>       | - </a:t>
+            </a:r>
+            <a:r>
+              <a:rPr lang="da-DK" sz="1200" dirty="0" err="1"/>
+              <a:t>exp</a:t>
+            </a:r>
+            <a:r>
+              <a:rPr lang="da-DK" sz="1200" dirty="0"/>
+              <a:t> </a:t>
+            </a:r>
+            <a:r>
+              <a:rPr lang="da-DK" sz="1200" dirty="0" err="1"/>
+              <a:t>exp</a:t>
+            </a:r>
+            <a:endParaRPr lang="da-DK" sz="1200" dirty="0"/>
+          </a:p>
+          <a:p>
+            <a:r>
+              <a:rPr lang="da-DK" sz="1200" dirty="0"/>
+              <a:t>       | \( exp \)</a:t>
+            </a:r>
+          </a:p>
+          <a:p>
+            <a:r>
+              <a:rPr lang="da-DK" sz="1200" dirty="0"/>
+              <a:t>       | var</a:t>
+            </a:r>
+          </a:p>
+          <a:p>
+            <a:r>
+              <a:rPr lang="da-DK" sz="1200" dirty="0"/>
+              <a:t>       | </a:t>
+            </a:r>
+            <a:r>
+              <a:rPr lang="da-DK" sz="1200" dirty="0" err="1"/>
+              <a:t>num</a:t>
+            </a:r>
+            <a:endParaRPr lang="da-DK" sz="1200" dirty="0"/>
+          </a:p>
+          <a:p>
+            <a:r>
+              <a:rPr lang="da-DK" sz="1200" dirty="0"/>
+              <a:t>	</a:t>
+            </a:r>
+          </a:p>
+          <a:p>
+            <a:r>
+              <a:rPr lang="da-DK" sz="1200" dirty="0"/>
+              <a:t>var : x | y | z</a:t>
+            </a:r>
+          </a:p>
+          <a:p>
+            <a:endParaRPr lang="da-DK" sz="1200" dirty="0"/>
+          </a:p>
+          <a:p>
+            <a:r>
+              <a:rPr lang="da-DK" sz="1200" dirty="0" err="1"/>
+              <a:t>num</a:t>
+            </a:r>
+            <a:r>
+              <a:rPr lang="da-DK" sz="1200" dirty="0"/>
+              <a:t> : 0 | 1 | 2 | 3 | 4 | 5 | 6 | 7 | 8 |9</a:t>
+            </a:r>
+          </a:p>
+          <a:p>
+            <a:endParaRPr lang="da-DK" sz="1200" dirty="0"/>
+          </a:p>
+        </p:txBody>
+      </p:sp>
     </p:spTree>
   </p:cSld>
   <p:clrMapOvr>
@@ -11245,7 +11459,7 @@
           </a:ln>
           <a:extLst>
             <a:ext uri="{909E8E84-426E-40dd-AFC4-6F175D3DCCD1}">
-              <a14:hiddenFill xmlns:a14="http://schemas.microsoft.com/office/drawing/2010/main" xmlns="">
+              <a14:hiddenFill xmlns="" xmlns:a14="http://schemas.microsoft.com/office/drawing/2010/main">
                 <a:noFill/>
               </a14:hiddenFill>
             </a:ext>
@@ -11274,14 +11488,14 @@
           </a:ln>
           <a:extLst>
             <a:ext uri="{909E8E84-426E-40dd-AFC4-6F175D3DCCD1}">
-              <a14:hiddenFill xmlns:a14="http://schemas.microsoft.com/office/drawing/2010/main" xmlns="">
+              <a14:hiddenFill xmlns="" xmlns:a14="http://schemas.microsoft.com/office/drawing/2010/main">
                 <a:solidFill>
                   <a:schemeClr val="accent1"/>
                 </a:solidFill>
               </a14:hiddenFill>
             </a:ext>
             <a:ext uri="{91240B29-F687-4f45-9708-019B960494DF}">
-              <a14:hiddenLine xmlns:a14="http://schemas.microsoft.com/office/drawing/2010/main" xmlns="" w="9525">
+              <a14:hiddenLine xmlns="" xmlns:a14="http://schemas.microsoft.com/office/drawing/2010/main" w="9525">
                 <a:solidFill>
                   <a:schemeClr val="tx1"/>
                 </a:solidFill>
@@ -11331,14 +11545,14 @@
           </a:ln>
           <a:extLst>
             <a:ext uri="{909E8E84-426E-40dd-AFC4-6F175D3DCCD1}">
-              <a14:hiddenFill xmlns:a14="http://schemas.microsoft.com/office/drawing/2010/main" xmlns="">
+              <a14:hiddenFill xmlns="" xmlns:a14="http://schemas.microsoft.com/office/drawing/2010/main">
                 <a:solidFill>
                   <a:schemeClr val="accent1"/>
                 </a:solidFill>
               </a14:hiddenFill>
             </a:ext>
             <a:ext uri="{91240B29-F687-4f45-9708-019B960494DF}">
-              <a14:hiddenLine xmlns:a14="http://schemas.microsoft.com/office/drawing/2010/main" xmlns="" w="9525">
+              <a14:hiddenLine xmlns="" xmlns:a14="http://schemas.microsoft.com/office/drawing/2010/main" w="9525">
                 <a:solidFill>
                   <a:schemeClr val="tx1"/>
                 </a:solidFill>
@@ -12163,7 +12377,7 @@
           <a:effectLst/>
           <a:extLst>
             <a:ext uri="{AF507438-7753-43e0-B8FC-AC1667EBCBE1}">
-              <a14:hiddenEffects xmlns:a14="http://schemas.microsoft.com/office/drawing/2010/main" xmlns="">
+              <a14:hiddenEffects xmlns="" xmlns:a14="http://schemas.microsoft.com/office/drawing/2010/main">
                 <a:effectLst>
                   <a:outerShdw blurRad="63500" dist="38099" dir="2700000" algn="ctr" rotWithShape="0">
                     <a:schemeClr val="bg2">
@@ -12351,7 +12565,7 @@
           </a:ln>
           <a:extLst>
             <a:ext uri="{909E8E84-426E-40dd-AFC4-6F175D3DCCD1}">
-              <a14:hiddenFill xmlns:a14="http://schemas.microsoft.com/office/drawing/2010/main" xmlns="">
+              <a14:hiddenFill xmlns="" xmlns:a14="http://schemas.microsoft.com/office/drawing/2010/main">
                 <a:solidFill>
                   <a:schemeClr val="accent1"/>
                 </a:solidFill>
@@ -14226,14 +14440,14 @@
           </a:ln>
           <a:extLst>
             <a:ext uri="{909E8E84-426E-40dd-AFC4-6F175D3DCCD1}">
-              <a14:hiddenFill xmlns:a14="http://schemas.microsoft.com/office/drawing/2010/main" xmlns="">
+              <a14:hiddenFill xmlns="" xmlns:a14="http://schemas.microsoft.com/office/drawing/2010/main">
                 <a:solidFill>
                   <a:schemeClr val="accent1"/>
                 </a:solidFill>
               </a14:hiddenFill>
             </a:ext>
             <a:ext uri="{91240B29-F687-4f45-9708-019B960494DF}">
-              <a14:hiddenLine xmlns:a14="http://schemas.microsoft.com/office/drawing/2010/main" xmlns="" w="9525">
+              <a14:hiddenLine xmlns="" xmlns:a14="http://schemas.microsoft.com/office/drawing/2010/main" w="9525">
                 <a:solidFill>
                   <a:schemeClr val="tx1"/>
                 </a:solidFill>
@@ -14556,14 +14770,14 @@
           </a:ln>
           <a:extLst>
             <a:ext uri="{909E8E84-426E-40dd-AFC4-6F175D3DCCD1}">
-              <a14:hiddenFill xmlns:a14="http://schemas.microsoft.com/office/drawing/2010/main" xmlns="">
+              <a14:hiddenFill xmlns="" xmlns:a14="http://schemas.microsoft.com/office/drawing/2010/main">
                 <a:solidFill>
                   <a:schemeClr val="accent1"/>
                 </a:solidFill>
               </a14:hiddenFill>
             </a:ext>
             <a:ext uri="{91240B29-F687-4f45-9708-019B960494DF}">
-              <a14:hiddenLine xmlns:a14="http://schemas.microsoft.com/office/drawing/2010/main" xmlns="" w="9525">
+              <a14:hiddenLine xmlns="" xmlns:a14="http://schemas.microsoft.com/office/drawing/2010/main" w="9525">
                 <a:solidFill>
                   <a:schemeClr val="tx1"/>
                 </a:solidFill>
@@ -14988,14 +15202,14 @@
           </a:ln>
           <a:extLst>
             <a:ext uri="{909E8E84-426E-40dd-AFC4-6F175D3DCCD1}">
-              <a14:hiddenFill xmlns:a14="http://schemas.microsoft.com/office/drawing/2010/main" xmlns="">
+              <a14:hiddenFill xmlns="" xmlns:a14="http://schemas.microsoft.com/office/drawing/2010/main">
                 <a:solidFill>
                   <a:schemeClr val="accent1"/>
                 </a:solidFill>
               </a14:hiddenFill>
             </a:ext>
             <a:ext uri="{91240B29-F687-4f45-9708-019B960494DF}">
-              <a14:hiddenLine xmlns:a14="http://schemas.microsoft.com/office/drawing/2010/main" xmlns="" w="9525">
+              <a14:hiddenLine xmlns="" xmlns:a14="http://schemas.microsoft.com/office/drawing/2010/main" w="9525">
                 <a:solidFill>
                   <a:schemeClr val="tx1"/>
                 </a:solidFill>
@@ -15355,14 +15569,14 @@
           </a:ln>
           <a:extLst>
             <a:ext uri="{909E8E84-426E-40dd-AFC4-6F175D3DCCD1}">
-              <a14:hiddenFill xmlns:a14="http://schemas.microsoft.com/office/drawing/2010/main" xmlns="">
+              <a14:hiddenFill xmlns="" xmlns:a14="http://schemas.microsoft.com/office/drawing/2010/main">
                 <a:solidFill>
                   <a:schemeClr val="accent1"/>
                 </a:solidFill>
               </a14:hiddenFill>
             </a:ext>
             <a:ext uri="{91240B29-F687-4f45-9708-019B960494DF}">
-              <a14:hiddenLine xmlns:a14="http://schemas.microsoft.com/office/drawing/2010/main" xmlns="" w="9525">
+              <a14:hiddenLine xmlns="" xmlns:a14="http://schemas.microsoft.com/office/drawing/2010/main" w="9525">
                 <a:solidFill>
                   <a:schemeClr val="tx1"/>
                 </a:solidFill>
@@ -15685,14 +15899,14 @@
           </a:ln>
           <a:extLst>
             <a:ext uri="{909E8E84-426E-40dd-AFC4-6F175D3DCCD1}">
-              <a14:hiddenFill xmlns:a14="http://schemas.microsoft.com/office/drawing/2010/main" xmlns="">
+              <a14:hiddenFill xmlns="" xmlns:a14="http://schemas.microsoft.com/office/drawing/2010/main">
                 <a:solidFill>
                   <a:schemeClr val="accent1"/>
                 </a:solidFill>
               </a14:hiddenFill>
             </a:ext>
             <a:ext uri="{91240B29-F687-4f45-9708-019B960494DF}">
-              <a14:hiddenLine xmlns:a14="http://schemas.microsoft.com/office/drawing/2010/main" xmlns="" w="9525">
+              <a14:hiddenLine xmlns="" xmlns:a14="http://schemas.microsoft.com/office/drawing/2010/main" w="9525">
                 <a:solidFill>
                   <a:schemeClr val="tx1"/>
                 </a:solidFill>
@@ -16271,7 +16485,7 @@
           <a:effectLst/>
           <a:extLst>
             <a:ext uri="{AF507438-7753-43e0-B8FC-AC1667EBCBE1}">
-              <a14:hiddenEffects xmlns="" xmlns:a14="http://schemas.microsoft.com/office/drawing/2010/main">
+              <a14:hiddenEffects xmlns:a14="http://schemas.microsoft.com/office/drawing/2010/main" xmlns="">
                 <a:effectLst>
                   <a:outerShdw blurRad="63500" dist="38099" dir="2700000" algn="ctr" rotWithShape="0">
                     <a:schemeClr val="bg2">
@@ -17136,7 +17350,7 @@
           <a:effectLst/>
           <a:extLst>
             <a:ext uri="{AF507438-7753-43e0-B8FC-AC1667EBCBE1}">
-              <a14:hiddenEffects xmlns="" xmlns:a14="http://schemas.microsoft.com/office/drawing/2010/main">
+              <a14:hiddenEffects xmlns:a14="http://schemas.microsoft.com/office/drawing/2010/main" xmlns="">
                 <a:effectLst>
                   <a:outerShdw blurRad="63500" dist="38099" dir="2700000" algn="ctr" rotWithShape="0">
                     <a:schemeClr val="bg2">
@@ -17222,7 +17436,7 @@
           <a:effectLst/>
           <a:extLst>
             <a:ext uri="{AF507438-7753-43e0-B8FC-AC1667EBCBE1}">
-              <a14:hiddenEffects xmlns="" xmlns:a14="http://schemas.microsoft.com/office/drawing/2010/main">
+              <a14:hiddenEffects xmlns:a14="http://schemas.microsoft.com/office/drawing/2010/main" xmlns="">
                 <a:effectLst>
                   <a:outerShdw blurRad="63500" dist="38099" dir="2700000" algn="ctr" rotWithShape="0">
                     <a:schemeClr val="bg2">
@@ -17308,7 +17522,7 @@
           <a:effectLst/>
           <a:extLst>
             <a:ext uri="{AF507438-7753-43e0-B8FC-AC1667EBCBE1}">
-              <a14:hiddenEffects xmlns="" xmlns:a14="http://schemas.microsoft.com/office/drawing/2010/main">
+              <a14:hiddenEffects xmlns:a14="http://schemas.microsoft.com/office/drawing/2010/main" xmlns="">
                 <a:effectLst>
                   <a:outerShdw blurRad="63500" dist="38099" dir="2700000" algn="ctr" rotWithShape="0">
                     <a:schemeClr val="bg2">
@@ -17429,7 +17643,7 @@
           <a:effectLst/>
           <a:extLst>
             <a:ext uri="{AF507438-7753-43e0-B8FC-AC1667EBCBE1}">
-              <a14:hiddenEffects xmlns="" xmlns:a14="http://schemas.microsoft.com/office/drawing/2010/main">
+              <a14:hiddenEffects xmlns:a14="http://schemas.microsoft.com/office/drawing/2010/main" xmlns="">
                 <a:effectLst>
                   <a:outerShdw blurRad="63500" dist="38099" dir="2700000" algn="ctr" rotWithShape="0">
                     <a:schemeClr val="bg2">
@@ -18516,7 +18730,7 @@
           </a:ln>
           <a:extLst>
             <a:ext uri="{909E8E84-426E-40dd-AFC4-6F175D3DCCD1}">
-              <a14:hiddenFill xmlns:a14="http://schemas.microsoft.com/office/drawing/2010/main" xmlns="">
+              <a14:hiddenFill xmlns="" xmlns:a14="http://schemas.microsoft.com/office/drawing/2010/main">
                 <a:solidFill>
                   <a:schemeClr val="accent1"/>
                 </a:solidFill>
@@ -18719,14 +18933,14 @@
           </a:ln>
           <a:extLst>
             <a:ext uri="{909E8E84-426E-40dd-AFC4-6F175D3DCCD1}">
-              <a14:hiddenFill xmlns:a14="http://schemas.microsoft.com/office/drawing/2010/main" xmlns="">
+              <a14:hiddenFill xmlns="" xmlns:a14="http://schemas.microsoft.com/office/drawing/2010/main">
                 <a:solidFill>
                   <a:schemeClr val="accent1"/>
                 </a:solidFill>
               </a14:hiddenFill>
             </a:ext>
             <a:ext uri="{91240B29-F687-4f45-9708-019B960494DF}">
-              <a14:hiddenLine xmlns:a14="http://schemas.microsoft.com/office/drawing/2010/main" xmlns="" w="9525">
+              <a14:hiddenLine xmlns="" xmlns:a14="http://schemas.microsoft.com/office/drawing/2010/main" w="9525">
                 <a:solidFill>
                   <a:schemeClr val="tx1"/>
                 </a:solidFill>
@@ -19163,7 +19377,7 @@
         <a:effectLst/>
         <a:extLst>
           <a:ext uri="{AF507438-7753-43e0-B8FC-AC1667EBCBE1}">
-            <a14:hiddenEffects xmlns:a14="http://schemas.microsoft.com/office/drawing/2010/main" xmlns="">
+            <a14:hiddenEffects xmlns="" xmlns:a14="http://schemas.microsoft.com/office/drawing/2010/main">
               <a:effectLst>
                 <a:outerShdw blurRad="63500" dist="38099" dir="2700000" algn="ctr" rotWithShape="0">
                   <a:schemeClr val="bg2">
@@ -19240,7 +19454,7 @@
         <a:effectLst/>
         <a:extLst>
           <a:ext uri="{AF507438-7753-43e0-B8FC-AC1667EBCBE1}">
-            <a14:hiddenEffects xmlns:a14="http://schemas.microsoft.com/office/drawing/2010/main" xmlns="">
+            <a14:hiddenEffects xmlns="" xmlns:a14="http://schemas.microsoft.com/office/drawing/2010/main">
               <a:effectLst>
                 <a:outerShdw blurRad="63500" dist="38099" dir="2700000" algn="ctr" rotWithShape="0">
                   <a:schemeClr val="bg2">

--- a/notes/csc402-ln002.pptx
+++ b/notes/csc402-ln002.pptx
@@ -238,17 +238,17 @@
           </a:ln>
           <a:extLst>
             <a:ext uri="{FAA26D3D-D897-4be2-8F04-BA451C77F1D7}">
-              <ma14:placeholderFlag xmlns:ma14="http://schemas.microsoft.com/office/mac/drawingml/2011/main" xmlns="" val="1"/>
+              <ma14:placeholderFlag xmlns="" xmlns:ma14="http://schemas.microsoft.com/office/mac/drawingml/2011/main" val="1"/>
             </a:ext>
             <a:ext uri="{909E8E84-426E-40dd-AFC4-6F175D3DCCD1}">
-              <a14:hiddenFill xmlns="" xmlns:a14="http://schemas.microsoft.com/office/drawing/2010/main">
+              <a14:hiddenFill xmlns:a14="http://schemas.microsoft.com/office/drawing/2010/main" xmlns="">
                 <a:solidFill>
                   <a:schemeClr val="accent1"/>
                 </a:solidFill>
               </a14:hiddenFill>
             </a:ext>
             <a:ext uri="{91240B29-F687-4f45-9708-019B960494DF}">
-              <a14:hiddenLine xmlns="" xmlns:a14="http://schemas.microsoft.com/office/drawing/2010/main" w="9525">
+              <a14:hiddenLine xmlns:a14="http://schemas.microsoft.com/office/drawing/2010/main" xmlns="" w="9525">
                 <a:solidFill>
                   <a:schemeClr val="tx1"/>
                 </a:solidFill>
@@ -299,17 +299,17 @@
           </a:ln>
           <a:extLst>
             <a:ext uri="{FAA26D3D-D897-4be2-8F04-BA451C77F1D7}">
-              <ma14:placeholderFlag xmlns:ma14="http://schemas.microsoft.com/office/mac/drawingml/2011/main" xmlns="" val="1"/>
+              <ma14:placeholderFlag xmlns="" xmlns:ma14="http://schemas.microsoft.com/office/mac/drawingml/2011/main" val="1"/>
             </a:ext>
             <a:ext uri="{909E8E84-426E-40dd-AFC4-6F175D3DCCD1}">
-              <a14:hiddenFill xmlns="" xmlns:a14="http://schemas.microsoft.com/office/drawing/2010/main">
+              <a14:hiddenFill xmlns:a14="http://schemas.microsoft.com/office/drawing/2010/main" xmlns="">
                 <a:solidFill>
                   <a:schemeClr val="accent1"/>
                 </a:solidFill>
               </a14:hiddenFill>
             </a:ext>
             <a:ext uri="{91240B29-F687-4f45-9708-019B960494DF}">
-              <a14:hiddenLine xmlns="" xmlns:a14="http://schemas.microsoft.com/office/drawing/2010/main" w="9525">
+              <a14:hiddenLine xmlns:a14="http://schemas.microsoft.com/office/drawing/2010/main" xmlns="" w="9525">
                 <a:solidFill>
                   <a:schemeClr val="tx1"/>
                 </a:solidFill>
@@ -366,7 +366,7 @@
           <a:effectLst/>
           <a:extLst>
             <a:ext uri="{AF507438-7753-43e0-B8FC-AC1667EBCBE1}">
-              <a14:hiddenEffects xmlns="" xmlns:a14="http://schemas.microsoft.com/office/drawing/2010/main">
+              <a14:hiddenEffects xmlns:a14="http://schemas.microsoft.com/office/drawing/2010/main" xmlns="">
                 <a:effectLst>
                   <a:outerShdw blurRad="63500" dist="38099" dir="2700000" algn="ctr" rotWithShape="0">
                     <a:srgbClr val="000000">
@@ -377,7 +377,7 @@
               </a14:hiddenEffects>
             </a:ext>
             <a:ext uri="{53640926-AAD7-44d8-BBD7-CCE9431645EC}">
-              <a14:shadowObscured xmlns="" xmlns:a14="http://schemas.microsoft.com/office/drawing/2010/main" val="1"/>
+              <a14:shadowObscured xmlns:a14="http://schemas.microsoft.com/office/drawing/2010/main" xmlns="" val="1"/>
             </a:ext>
           </a:extLst>
         </p:spPr>
@@ -406,17 +406,17 @@
           </a:ln>
           <a:extLst>
             <a:ext uri="{FAA26D3D-D897-4be2-8F04-BA451C77F1D7}">
-              <ma14:placeholderFlag xmlns:ma14="http://schemas.microsoft.com/office/mac/drawingml/2011/main" xmlns="" val="1"/>
+              <ma14:placeholderFlag xmlns="" xmlns:ma14="http://schemas.microsoft.com/office/mac/drawingml/2011/main" val="1"/>
             </a:ext>
             <a:ext uri="{909E8E84-426E-40dd-AFC4-6F175D3DCCD1}">
-              <a14:hiddenFill xmlns="" xmlns:a14="http://schemas.microsoft.com/office/drawing/2010/main">
+              <a14:hiddenFill xmlns:a14="http://schemas.microsoft.com/office/drawing/2010/main" xmlns="">
                 <a:solidFill>
                   <a:schemeClr val="accent1"/>
                 </a:solidFill>
               </a14:hiddenFill>
             </a:ext>
             <a:ext uri="{91240B29-F687-4f45-9708-019B960494DF}">
-              <a14:hiddenLine xmlns="" xmlns:a14="http://schemas.microsoft.com/office/drawing/2010/main" w="9525">
+              <a14:hiddenLine xmlns:a14="http://schemas.microsoft.com/office/drawing/2010/main" xmlns="" w="9525">
                 <a:solidFill>
                   <a:schemeClr val="tx1"/>
                 </a:solidFill>
@@ -495,17 +495,17 @@
           </a:ln>
           <a:extLst>
             <a:ext uri="{FAA26D3D-D897-4be2-8F04-BA451C77F1D7}">
-              <ma14:placeholderFlag xmlns:ma14="http://schemas.microsoft.com/office/mac/drawingml/2011/main" xmlns="" val="1"/>
+              <ma14:placeholderFlag xmlns="" xmlns:ma14="http://schemas.microsoft.com/office/mac/drawingml/2011/main" val="1"/>
             </a:ext>
             <a:ext uri="{909E8E84-426E-40dd-AFC4-6F175D3DCCD1}">
-              <a14:hiddenFill xmlns="" xmlns:a14="http://schemas.microsoft.com/office/drawing/2010/main">
+              <a14:hiddenFill xmlns:a14="http://schemas.microsoft.com/office/drawing/2010/main" xmlns="">
                 <a:solidFill>
                   <a:schemeClr val="accent1"/>
                 </a:solidFill>
               </a14:hiddenFill>
             </a:ext>
             <a:ext uri="{91240B29-F687-4f45-9708-019B960494DF}">
-              <a14:hiddenLine xmlns="" xmlns:a14="http://schemas.microsoft.com/office/drawing/2010/main" w="9525">
+              <a14:hiddenLine xmlns:a14="http://schemas.microsoft.com/office/drawing/2010/main" xmlns="" w="9525">
                 <a:solidFill>
                   <a:schemeClr val="tx1"/>
                 </a:solidFill>
@@ -556,17 +556,17 @@
           </a:ln>
           <a:extLst>
             <a:ext uri="{FAA26D3D-D897-4be2-8F04-BA451C77F1D7}">
-              <ma14:placeholderFlag xmlns:ma14="http://schemas.microsoft.com/office/mac/drawingml/2011/main" xmlns="" val="1"/>
+              <ma14:placeholderFlag xmlns="" xmlns:ma14="http://schemas.microsoft.com/office/mac/drawingml/2011/main" val="1"/>
             </a:ext>
             <a:ext uri="{909E8E84-426E-40dd-AFC4-6F175D3DCCD1}">
-              <a14:hiddenFill xmlns="" xmlns:a14="http://schemas.microsoft.com/office/drawing/2010/main">
+              <a14:hiddenFill xmlns:a14="http://schemas.microsoft.com/office/drawing/2010/main" xmlns="">
                 <a:solidFill>
                   <a:schemeClr val="accent1"/>
                 </a:solidFill>
               </a14:hiddenFill>
             </a:ext>
             <a:ext uri="{91240B29-F687-4f45-9708-019B960494DF}">
-              <a14:hiddenLine xmlns="" xmlns:a14="http://schemas.microsoft.com/office/drawing/2010/main" w="9525">
+              <a14:hiddenLine xmlns:a14="http://schemas.microsoft.com/office/drawing/2010/main" xmlns="" w="9525">
                 <a:solidFill>
                   <a:schemeClr val="tx1"/>
                 </a:solidFill>
@@ -788,7 +788,7 @@
           <a:ln/>
           <a:extLst>
             <a:ext uri="{FAA26D3D-D897-4be2-8F04-BA451C77F1D7}">
-              <ma14:placeholderFlag xmlns:ma14="http://schemas.microsoft.com/office/mac/drawingml/2011/main" xmlns="" val="1"/>
+              <ma14:placeholderFlag xmlns="" xmlns:ma14="http://schemas.microsoft.com/office/mac/drawingml/2011/main" val="1"/>
             </a:ext>
           </a:extLst>
         </p:spPr>
@@ -877,7 +877,7 @@
           <a:ln/>
           <a:extLst>
             <a:ext uri="{FAA26D3D-D897-4be2-8F04-BA451C77F1D7}">
-              <ma14:placeholderFlag xmlns:ma14="http://schemas.microsoft.com/office/mac/drawingml/2011/main" xmlns="" val="1"/>
+              <ma14:placeholderFlag xmlns="" xmlns:ma14="http://schemas.microsoft.com/office/mac/drawingml/2011/main" val="1"/>
             </a:ext>
           </a:extLst>
         </p:spPr>
@@ -966,7 +966,7 @@
           <a:ln/>
           <a:extLst>
             <a:ext uri="{FAA26D3D-D897-4be2-8F04-BA451C77F1D7}">
-              <ma14:placeholderFlag xmlns:ma14="http://schemas.microsoft.com/office/mac/drawingml/2011/main" xmlns="" val="1"/>
+              <ma14:placeholderFlag xmlns="" xmlns:ma14="http://schemas.microsoft.com/office/mac/drawingml/2011/main" val="1"/>
             </a:ext>
           </a:extLst>
         </p:spPr>
@@ -1055,7 +1055,7 @@
           <a:ln/>
           <a:extLst>
             <a:ext uri="{FAA26D3D-D897-4be2-8F04-BA451C77F1D7}">
-              <ma14:placeholderFlag xmlns:ma14="http://schemas.microsoft.com/office/mac/drawingml/2011/main" xmlns="" val="1"/>
+              <ma14:placeholderFlag xmlns="" xmlns:ma14="http://schemas.microsoft.com/office/mac/drawingml/2011/main" val="1"/>
             </a:ext>
           </a:extLst>
         </p:spPr>
@@ -1144,7 +1144,7 @@
           <a:ln/>
           <a:extLst>
             <a:ext uri="{FAA26D3D-D897-4be2-8F04-BA451C77F1D7}">
-              <ma14:placeholderFlag xmlns:ma14="http://schemas.microsoft.com/office/mac/drawingml/2011/main" xmlns="" val="1"/>
+              <ma14:placeholderFlag xmlns="" xmlns:ma14="http://schemas.microsoft.com/office/mac/drawingml/2011/main" val="1"/>
             </a:ext>
           </a:extLst>
         </p:spPr>
@@ -1233,7 +1233,7 @@
           <a:ln/>
           <a:extLst>
             <a:ext uri="{FAA26D3D-D897-4be2-8F04-BA451C77F1D7}">
-              <ma14:placeholderFlag xmlns:ma14="http://schemas.microsoft.com/office/mac/drawingml/2011/main" xmlns="" val="1"/>
+              <ma14:placeholderFlag xmlns="" xmlns:ma14="http://schemas.microsoft.com/office/mac/drawingml/2011/main" val="1"/>
             </a:ext>
           </a:extLst>
         </p:spPr>
@@ -1322,7 +1322,7 @@
           <a:ln/>
           <a:extLst>
             <a:ext uri="{FAA26D3D-D897-4be2-8F04-BA451C77F1D7}">
-              <ma14:placeholderFlag xmlns:ma14="http://schemas.microsoft.com/office/mac/drawingml/2011/main" xmlns="" val="1"/>
+              <ma14:placeholderFlag xmlns="" xmlns:ma14="http://schemas.microsoft.com/office/mac/drawingml/2011/main" val="1"/>
             </a:ext>
           </a:extLst>
         </p:spPr>
@@ -1411,7 +1411,7 @@
           <a:ln/>
           <a:extLst>
             <a:ext uri="{FAA26D3D-D897-4be2-8F04-BA451C77F1D7}">
-              <ma14:placeholderFlag xmlns:ma14="http://schemas.microsoft.com/office/mac/drawingml/2011/main" xmlns="" val="1"/>
+              <ma14:placeholderFlag xmlns="" xmlns:ma14="http://schemas.microsoft.com/office/mac/drawingml/2011/main" val="1"/>
             </a:ext>
           </a:extLst>
         </p:spPr>
@@ -1500,7 +1500,7 @@
           <a:ln/>
           <a:extLst>
             <a:ext uri="{FAA26D3D-D897-4be2-8F04-BA451C77F1D7}">
-              <ma14:placeholderFlag xmlns:ma14="http://schemas.microsoft.com/office/mac/drawingml/2011/main" xmlns="" val="1"/>
+              <ma14:placeholderFlag xmlns="" xmlns:ma14="http://schemas.microsoft.com/office/mac/drawingml/2011/main" val="1"/>
             </a:ext>
           </a:extLst>
         </p:spPr>
@@ -1589,7 +1589,7 @@
           <a:ln/>
           <a:extLst>
             <a:ext uri="{FAA26D3D-D897-4be2-8F04-BA451C77F1D7}">
-              <ma14:placeholderFlag xmlns:ma14="http://schemas.microsoft.com/office/mac/drawingml/2011/main" xmlns="" val="1"/>
+              <ma14:placeholderFlag xmlns="" xmlns:ma14="http://schemas.microsoft.com/office/mac/drawingml/2011/main" val="1"/>
             </a:ext>
           </a:extLst>
         </p:spPr>
@@ -1678,7 +1678,7 @@
           <a:ln/>
           <a:extLst>
             <a:ext uri="{FAA26D3D-D897-4be2-8F04-BA451C77F1D7}">
-              <ma14:placeholderFlag xmlns:ma14="http://schemas.microsoft.com/office/mac/drawingml/2011/main" xmlns="" val="1"/>
+              <ma14:placeholderFlag xmlns="" xmlns:ma14="http://schemas.microsoft.com/office/mac/drawingml/2011/main" val="1"/>
             </a:ext>
           </a:extLst>
         </p:spPr>
@@ -1767,7 +1767,7 @@
           <a:ln/>
           <a:extLst>
             <a:ext uri="{FAA26D3D-D897-4be2-8F04-BA451C77F1D7}">
-              <ma14:placeholderFlag xmlns:ma14="http://schemas.microsoft.com/office/mac/drawingml/2011/main" xmlns="" val="1"/>
+              <ma14:placeholderFlag xmlns="" xmlns:ma14="http://schemas.microsoft.com/office/mac/drawingml/2011/main" val="1"/>
             </a:ext>
           </a:extLst>
         </p:spPr>
@@ -1856,7 +1856,7 @@
           <a:ln/>
           <a:extLst>
             <a:ext uri="{FAA26D3D-D897-4be2-8F04-BA451C77F1D7}">
-              <ma14:placeholderFlag xmlns:ma14="http://schemas.microsoft.com/office/mac/drawingml/2011/main" xmlns="" val="1"/>
+              <ma14:placeholderFlag xmlns="" xmlns:ma14="http://schemas.microsoft.com/office/mac/drawingml/2011/main" val="1"/>
             </a:ext>
           </a:extLst>
         </p:spPr>
@@ -1945,7 +1945,7 @@
           <a:ln/>
           <a:extLst>
             <a:ext uri="{FAA26D3D-D897-4be2-8F04-BA451C77F1D7}">
-              <ma14:placeholderFlag xmlns:ma14="http://schemas.microsoft.com/office/mac/drawingml/2011/main" xmlns="" val="1"/>
+              <ma14:placeholderFlag xmlns="" xmlns:ma14="http://schemas.microsoft.com/office/mac/drawingml/2011/main" val="1"/>
             </a:ext>
           </a:extLst>
         </p:spPr>
@@ -2034,7 +2034,7 @@
           <a:ln/>
           <a:extLst>
             <a:ext uri="{FAA26D3D-D897-4be2-8F04-BA451C77F1D7}">
-              <ma14:placeholderFlag xmlns:ma14="http://schemas.microsoft.com/office/mac/drawingml/2011/main" xmlns="" val="1"/>
+              <ma14:placeholderFlag xmlns="" xmlns:ma14="http://schemas.microsoft.com/office/mac/drawingml/2011/main" val="1"/>
             </a:ext>
           </a:extLst>
         </p:spPr>
@@ -2123,7 +2123,7 @@
           <a:ln/>
           <a:extLst>
             <a:ext uri="{FAA26D3D-D897-4be2-8F04-BA451C77F1D7}">
-              <ma14:placeholderFlag xmlns:ma14="http://schemas.microsoft.com/office/mac/drawingml/2011/main" xmlns="" val="1"/>
+              <ma14:placeholderFlag xmlns="" xmlns:ma14="http://schemas.microsoft.com/office/mac/drawingml/2011/main" val="1"/>
             </a:ext>
           </a:extLst>
         </p:spPr>
@@ -2212,7 +2212,7 @@
           <a:ln/>
           <a:extLst>
             <a:ext uri="{FAA26D3D-D897-4be2-8F04-BA451C77F1D7}">
-              <ma14:placeholderFlag xmlns:ma14="http://schemas.microsoft.com/office/mac/drawingml/2011/main" xmlns="" val="1"/>
+              <ma14:placeholderFlag xmlns="" xmlns:ma14="http://schemas.microsoft.com/office/mac/drawingml/2011/main" val="1"/>
             </a:ext>
           </a:extLst>
         </p:spPr>
@@ -2325,7 +2325,7 @@
           </a:ln>
           <a:extLst>
             <a:ext uri="{FAA26D3D-D897-4be2-8F04-BA451C77F1D7}">
-              <ma14:placeholderFlag xmlns:ma14="http://schemas.microsoft.com/office/mac/drawingml/2011/main" xmlns="" val="1"/>
+              <ma14:placeholderFlag xmlns="" xmlns:ma14="http://schemas.microsoft.com/office/mac/drawingml/2011/main" val="1"/>
             </a:ext>
           </a:extLst>
         </p:spPr>
@@ -2361,7 +2361,7 @@
           </a:ln>
           <a:extLst>
             <a:ext uri="{FAA26D3D-D897-4be2-8F04-BA451C77F1D7}">
-              <ma14:placeholderFlag xmlns:ma14="http://schemas.microsoft.com/office/mac/drawingml/2011/main" xmlns="" val="1"/>
+              <ma14:placeholderFlag xmlns="" xmlns:ma14="http://schemas.microsoft.com/office/mac/drawingml/2011/main" val="1"/>
             </a:ext>
           </a:extLst>
         </p:spPr>
@@ -2426,12 +2426,12 @@
           <a:effectLst/>
           <a:extLst>
             <a:ext uri="{909E8E84-426E-40dd-AFC4-6F175D3DCCD1}">
-              <a14:hiddenFill xmlns="" xmlns:a14="http://schemas.microsoft.com/office/drawing/2010/main">
+              <a14:hiddenFill xmlns:a14="http://schemas.microsoft.com/office/drawing/2010/main" xmlns="">
                 <a:noFill/>
               </a14:hiddenFill>
             </a:ext>
             <a:ext uri="{AF507438-7753-43e0-B8FC-AC1667EBCBE1}">
-              <a14:hiddenEffects xmlns="" xmlns:a14="http://schemas.microsoft.com/office/drawing/2010/main">
+              <a14:hiddenEffects xmlns:a14="http://schemas.microsoft.com/office/drawing/2010/main" xmlns="">
                 <a:effectLst>
                   <a:outerShdw blurRad="63500" dist="38099" dir="2700000" algn="ctr" rotWithShape="0">
                     <a:schemeClr val="bg2">
@@ -2632,7 +2632,7 @@
             <a:effectLst/>
             <a:extLst>
               <a:ext uri="{91240B29-F687-4f45-9708-019B960494DF}">
-                <a14:hiddenLine xmlns="" xmlns:a14="http://schemas.microsoft.com/office/drawing/2010/main" w="9525">
+                <a14:hiddenLine xmlns:a14="http://schemas.microsoft.com/office/drawing/2010/main" xmlns="" w="9525">
                   <a:solidFill>
                     <a:schemeClr val="tx1"/>
                   </a:solidFill>
@@ -2642,7 +2642,7 @@
                 </a14:hiddenLine>
               </a:ext>
               <a:ext uri="{AF507438-7753-43e0-B8FC-AC1667EBCBE1}">
-                <a14:hiddenEffects xmlns="" xmlns:a14="http://schemas.microsoft.com/office/drawing/2010/main">
+                <a14:hiddenEffects xmlns:a14="http://schemas.microsoft.com/office/drawing/2010/main" xmlns="">
                   <a:effectLst>
                     <a:outerShdw blurRad="63500" dist="38099" dir="2700000" algn="ctr" rotWithShape="0">
                       <a:schemeClr val="bg2">
@@ -2687,7 +2687,7 @@
             <a:effectLst/>
             <a:extLst>
               <a:ext uri="{91240B29-F687-4f45-9708-019B960494DF}">
-                <a14:hiddenLine xmlns="" xmlns:a14="http://schemas.microsoft.com/office/drawing/2010/main" w="9525">
+                <a14:hiddenLine xmlns:a14="http://schemas.microsoft.com/office/drawing/2010/main" xmlns="" w="9525">
                   <a:solidFill>
                     <a:schemeClr val="tx1"/>
                   </a:solidFill>
@@ -2697,7 +2697,7 @@
                 </a14:hiddenLine>
               </a:ext>
               <a:ext uri="{AF507438-7753-43e0-B8FC-AC1667EBCBE1}">
-                <a14:hiddenEffects xmlns="" xmlns:a14="http://schemas.microsoft.com/office/drawing/2010/main">
+                <a14:hiddenEffects xmlns:a14="http://schemas.microsoft.com/office/drawing/2010/main" xmlns="">
                   <a:effectLst>
                     <a:outerShdw blurRad="63500" dist="38099" dir="2700000" algn="ctr" rotWithShape="0">
                       <a:schemeClr val="bg2">
@@ -2742,7 +2742,7 @@
             <a:effectLst/>
             <a:extLst>
               <a:ext uri="{91240B29-F687-4f45-9708-019B960494DF}">
-                <a14:hiddenLine xmlns="" xmlns:a14="http://schemas.microsoft.com/office/drawing/2010/main" w="9525">
+                <a14:hiddenLine xmlns:a14="http://schemas.microsoft.com/office/drawing/2010/main" xmlns="" w="9525">
                   <a:solidFill>
                     <a:schemeClr val="tx1"/>
                   </a:solidFill>
@@ -2752,7 +2752,7 @@
                 </a14:hiddenLine>
               </a:ext>
               <a:ext uri="{AF507438-7753-43e0-B8FC-AC1667EBCBE1}">
-                <a14:hiddenEffects xmlns="" xmlns:a14="http://schemas.microsoft.com/office/drawing/2010/main">
+                <a14:hiddenEffects xmlns:a14="http://schemas.microsoft.com/office/drawing/2010/main" xmlns="">
                   <a:effectLst>
                     <a:outerShdw blurRad="63500" dist="38099" dir="2700000" algn="ctr" rotWithShape="0">
                       <a:schemeClr val="bg2">
@@ -2797,7 +2797,7 @@
             <a:effectLst/>
             <a:extLst>
               <a:ext uri="{91240B29-F687-4f45-9708-019B960494DF}">
-                <a14:hiddenLine xmlns="" xmlns:a14="http://schemas.microsoft.com/office/drawing/2010/main" w="9525">
+                <a14:hiddenLine xmlns:a14="http://schemas.microsoft.com/office/drawing/2010/main" xmlns="" w="9525">
                   <a:solidFill>
                     <a:schemeClr val="tx1"/>
                   </a:solidFill>
@@ -2807,7 +2807,7 @@
                 </a14:hiddenLine>
               </a:ext>
               <a:ext uri="{AF507438-7753-43e0-B8FC-AC1667EBCBE1}">
-                <a14:hiddenEffects xmlns="" xmlns:a14="http://schemas.microsoft.com/office/drawing/2010/main">
+                <a14:hiddenEffects xmlns:a14="http://schemas.microsoft.com/office/drawing/2010/main" xmlns="">
                   <a:effectLst>
                     <a:outerShdw blurRad="63500" dist="38099" dir="2700000" algn="ctr" rotWithShape="0">
                       <a:schemeClr val="bg2">
@@ -2852,7 +2852,7 @@
             <a:effectLst/>
             <a:extLst>
               <a:ext uri="{91240B29-F687-4f45-9708-019B960494DF}">
-                <a14:hiddenLine xmlns="" xmlns:a14="http://schemas.microsoft.com/office/drawing/2010/main" w="9525">
+                <a14:hiddenLine xmlns:a14="http://schemas.microsoft.com/office/drawing/2010/main" xmlns="" w="9525">
                   <a:solidFill>
                     <a:schemeClr val="tx1"/>
                   </a:solidFill>
@@ -2862,7 +2862,7 @@
                 </a14:hiddenLine>
               </a:ext>
               <a:ext uri="{AF507438-7753-43e0-B8FC-AC1667EBCBE1}">
-                <a14:hiddenEffects xmlns="" xmlns:a14="http://schemas.microsoft.com/office/drawing/2010/main">
+                <a14:hiddenEffects xmlns:a14="http://schemas.microsoft.com/office/drawing/2010/main" xmlns="">
                   <a:effectLst>
                     <a:outerShdw blurRad="63500" dist="38099" dir="2700000" algn="ctr" rotWithShape="0">
                       <a:schemeClr val="bg2">
@@ -2907,7 +2907,7 @@
             <a:effectLst/>
             <a:extLst>
               <a:ext uri="{91240B29-F687-4f45-9708-019B960494DF}">
-                <a14:hiddenLine xmlns="" xmlns:a14="http://schemas.microsoft.com/office/drawing/2010/main" w="9525">
+                <a14:hiddenLine xmlns:a14="http://schemas.microsoft.com/office/drawing/2010/main" xmlns="" w="9525">
                   <a:solidFill>
                     <a:schemeClr val="tx1"/>
                   </a:solidFill>
@@ -2917,7 +2917,7 @@
                 </a14:hiddenLine>
               </a:ext>
               <a:ext uri="{AF507438-7753-43e0-B8FC-AC1667EBCBE1}">
-                <a14:hiddenEffects xmlns="" xmlns:a14="http://schemas.microsoft.com/office/drawing/2010/main">
+                <a14:hiddenEffects xmlns:a14="http://schemas.microsoft.com/office/drawing/2010/main" xmlns="">
                   <a:effectLst>
                     <a:outerShdw blurRad="63500" dist="38099" dir="2700000" algn="ctr" rotWithShape="0">
                       <a:schemeClr val="bg2">
@@ -2962,7 +2962,7 @@
             <a:effectLst/>
             <a:extLst>
               <a:ext uri="{91240B29-F687-4f45-9708-019B960494DF}">
-                <a14:hiddenLine xmlns="" xmlns:a14="http://schemas.microsoft.com/office/drawing/2010/main" w="9525">
+                <a14:hiddenLine xmlns:a14="http://schemas.microsoft.com/office/drawing/2010/main" xmlns="" w="9525">
                   <a:solidFill>
                     <a:schemeClr val="tx1"/>
                   </a:solidFill>
@@ -2972,7 +2972,7 @@
                 </a14:hiddenLine>
               </a:ext>
               <a:ext uri="{AF507438-7753-43e0-B8FC-AC1667EBCBE1}">
-                <a14:hiddenEffects xmlns="" xmlns:a14="http://schemas.microsoft.com/office/drawing/2010/main">
+                <a14:hiddenEffects xmlns:a14="http://schemas.microsoft.com/office/drawing/2010/main" xmlns="">
                   <a:effectLst>
                     <a:outerShdw blurRad="63500" dist="38099" dir="2700000" algn="ctr" rotWithShape="0">
                       <a:schemeClr val="bg2">
@@ -3017,7 +3017,7 @@
             <a:effectLst/>
             <a:extLst>
               <a:ext uri="{91240B29-F687-4f45-9708-019B960494DF}">
-                <a14:hiddenLine xmlns="" xmlns:a14="http://schemas.microsoft.com/office/drawing/2010/main" w="9525">
+                <a14:hiddenLine xmlns:a14="http://schemas.microsoft.com/office/drawing/2010/main" xmlns="" w="9525">
                   <a:solidFill>
                     <a:schemeClr val="tx1"/>
                   </a:solidFill>
@@ -3027,7 +3027,7 @@
                 </a14:hiddenLine>
               </a:ext>
               <a:ext uri="{AF507438-7753-43e0-B8FC-AC1667EBCBE1}">
-                <a14:hiddenEffects xmlns="" xmlns:a14="http://schemas.microsoft.com/office/drawing/2010/main">
+                <a14:hiddenEffects xmlns:a14="http://schemas.microsoft.com/office/drawing/2010/main" xmlns="">
                   <a:effectLst>
                     <a:outerShdw blurRad="63500" dist="38099" dir="2700000" algn="ctr" rotWithShape="0">
                       <a:schemeClr val="bg2">
@@ -3072,7 +3072,7 @@
             <a:effectLst/>
             <a:extLst>
               <a:ext uri="{91240B29-F687-4f45-9708-019B960494DF}">
-                <a14:hiddenLine xmlns="" xmlns:a14="http://schemas.microsoft.com/office/drawing/2010/main" w="9525">
+                <a14:hiddenLine xmlns:a14="http://schemas.microsoft.com/office/drawing/2010/main" xmlns="" w="9525">
                   <a:solidFill>
                     <a:schemeClr val="tx1"/>
                   </a:solidFill>
@@ -3082,7 +3082,7 @@
                 </a14:hiddenLine>
               </a:ext>
               <a:ext uri="{AF507438-7753-43e0-B8FC-AC1667EBCBE1}">
-                <a14:hiddenEffects xmlns="" xmlns:a14="http://schemas.microsoft.com/office/drawing/2010/main">
+                <a14:hiddenEffects xmlns:a14="http://schemas.microsoft.com/office/drawing/2010/main" xmlns="">
                   <a:effectLst>
                     <a:outerShdw blurRad="63500" dist="38099" dir="2700000" algn="ctr" rotWithShape="0">
                       <a:schemeClr val="bg2">
@@ -3127,7 +3127,7 @@
             <a:effectLst/>
             <a:extLst>
               <a:ext uri="{91240B29-F687-4f45-9708-019B960494DF}">
-                <a14:hiddenLine xmlns="" xmlns:a14="http://schemas.microsoft.com/office/drawing/2010/main" w="9525">
+                <a14:hiddenLine xmlns:a14="http://schemas.microsoft.com/office/drawing/2010/main" xmlns="" w="9525">
                   <a:solidFill>
                     <a:schemeClr val="tx1"/>
                   </a:solidFill>
@@ -3137,7 +3137,7 @@
                 </a14:hiddenLine>
               </a:ext>
               <a:ext uri="{AF507438-7753-43e0-B8FC-AC1667EBCBE1}">
-                <a14:hiddenEffects xmlns="" xmlns:a14="http://schemas.microsoft.com/office/drawing/2010/main">
+                <a14:hiddenEffects xmlns:a14="http://schemas.microsoft.com/office/drawing/2010/main" xmlns="">
                   <a:effectLst>
                     <a:outerShdw blurRad="63500" dist="38099" dir="2700000" algn="ctr" rotWithShape="0">
                       <a:schemeClr val="bg2">
@@ -3182,7 +3182,7 @@
             <a:effectLst/>
             <a:extLst>
               <a:ext uri="{91240B29-F687-4f45-9708-019B960494DF}">
-                <a14:hiddenLine xmlns="" xmlns:a14="http://schemas.microsoft.com/office/drawing/2010/main" w="9525">
+                <a14:hiddenLine xmlns:a14="http://schemas.microsoft.com/office/drawing/2010/main" xmlns="" w="9525">
                   <a:solidFill>
                     <a:schemeClr val="tx1"/>
                   </a:solidFill>
@@ -3192,7 +3192,7 @@
                 </a14:hiddenLine>
               </a:ext>
               <a:ext uri="{AF507438-7753-43e0-B8FC-AC1667EBCBE1}">
-                <a14:hiddenEffects xmlns="" xmlns:a14="http://schemas.microsoft.com/office/drawing/2010/main">
+                <a14:hiddenEffects xmlns:a14="http://schemas.microsoft.com/office/drawing/2010/main" xmlns="">
                   <a:effectLst>
                     <a:outerShdw blurRad="63500" dist="38099" dir="2700000" algn="ctr" rotWithShape="0">
                       <a:schemeClr val="bg2">
@@ -3237,7 +3237,7 @@
             <a:effectLst/>
             <a:extLst>
               <a:ext uri="{91240B29-F687-4f45-9708-019B960494DF}">
-                <a14:hiddenLine xmlns="" xmlns:a14="http://schemas.microsoft.com/office/drawing/2010/main" w="9525">
+                <a14:hiddenLine xmlns:a14="http://schemas.microsoft.com/office/drawing/2010/main" xmlns="" w="9525">
                   <a:solidFill>
                     <a:schemeClr val="tx1"/>
                   </a:solidFill>
@@ -3247,7 +3247,7 @@
                 </a14:hiddenLine>
               </a:ext>
               <a:ext uri="{AF507438-7753-43e0-B8FC-AC1667EBCBE1}">
-                <a14:hiddenEffects xmlns="" xmlns:a14="http://schemas.microsoft.com/office/drawing/2010/main">
+                <a14:hiddenEffects xmlns:a14="http://schemas.microsoft.com/office/drawing/2010/main" xmlns="">
                   <a:effectLst>
                     <a:outerShdw blurRad="63500" dist="38099" dir="2700000" algn="ctr" rotWithShape="0">
                       <a:schemeClr val="bg2">
@@ -3292,7 +3292,7 @@
             <a:effectLst/>
             <a:extLst>
               <a:ext uri="{91240B29-F687-4f45-9708-019B960494DF}">
-                <a14:hiddenLine xmlns="" xmlns:a14="http://schemas.microsoft.com/office/drawing/2010/main" w="9525">
+                <a14:hiddenLine xmlns:a14="http://schemas.microsoft.com/office/drawing/2010/main" xmlns="" w="9525">
                   <a:solidFill>
                     <a:schemeClr val="tx1"/>
                   </a:solidFill>
@@ -3302,7 +3302,7 @@
                 </a14:hiddenLine>
               </a:ext>
               <a:ext uri="{AF507438-7753-43e0-B8FC-AC1667EBCBE1}">
-                <a14:hiddenEffects xmlns="" xmlns:a14="http://schemas.microsoft.com/office/drawing/2010/main">
+                <a14:hiddenEffects xmlns:a14="http://schemas.microsoft.com/office/drawing/2010/main" xmlns="">
                   <a:effectLst>
                     <a:outerShdw blurRad="63500" dist="38099" dir="2700000" algn="ctr" rotWithShape="0">
                       <a:schemeClr val="bg2">
@@ -3347,7 +3347,7 @@
             <a:effectLst/>
             <a:extLst>
               <a:ext uri="{91240B29-F687-4f45-9708-019B960494DF}">
-                <a14:hiddenLine xmlns="" xmlns:a14="http://schemas.microsoft.com/office/drawing/2010/main" w="9525">
+                <a14:hiddenLine xmlns:a14="http://schemas.microsoft.com/office/drawing/2010/main" xmlns="" w="9525">
                   <a:solidFill>
                     <a:schemeClr val="tx1"/>
                   </a:solidFill>
@@ -3357,7 +3357,7 @@
                 </a14:hiddenLine>
               </a:ext>
               <a:ext uri="{AF507438-7753-43e0-B8FC-AC1667EBCBE1}">
-                <a14:hiddenEffects xmlns="" xmlns:a14="http://schemas.microsoft.com/office/drawing/2010/main">
+                <a14:hiddenEffects xmlns:a14="http://schemas.microsoft.com/office/drawing/2010/main" xmlns="">
                   <a:effectLst>
                     <a:outerShdw blurRad="63500" dist="38099" dir="2700000" algn="ctr" rotWithShape="0">
                       <a:schemeClr val="bg2">
@@ -3402,7 +3402,7 @@
             <a:effectLst/>
             <a:extLst>
               <a:ext uri="{91240B29-F687-4f45-9708-019B960494DF}">
-                <a14:hiddenLine xmlns="" xmlns:a14="http://schemas.microsoft.com/office/drawing/2010/main" w="9525">
+                <a14:hiddenLine xmlns:a14="http://schemas.microsoft.com/office/drawing/2010/main" xmlns="" w="9525">
                   <a:solidFill>
                     <a:schemeClr val="tx1"/>
                   </a:solidFill>
@@ -3412,7 +3412,7 @@
                 </a14:hiddenLine>
               </a:ext>
               <a:ext uri="{AF507438-7753-43e0-B8FC-AC1667EBCBE1}">
-                <a14:hiddenEffects xmlns="" xmlns:a14="http://schemas.microsoft.com/office/drawing/2010/main">
+                <a14:hiddenEffects xmlns:a14="http://schemas.microsoft.com/office/drawing/2010/main" xmlns="">
                   <a:effectLst>
                     <a:outerShdw blurRad="63500" dist="38099" dir="2700000" algn="ctr" rotWithShape="0">
                       <a:schemeClr val="bg2">
@@ -3457,7 +3457,7 @@
             <a:effectLst/>
             <a:extLst>
               <a:ext uri="{91240B29-F687-4f45-9708-019B960494DF}">
-                <a14:hiddenLine xmlns="" xmlns:a14="http://schemas.microsoft.com/office/drawing/2010/main" w="9525">
+                <a14:hiddenLine xmlns:a14="http://schemas.microsoft.com/office/drawing/2010/main" xmlns="" w="9525">
                   <a:solidFill>
                     <a:schemeClr val="tx1"/>
                   </a:solidFill>
@@ -3467,7 +3467,7 @@
                 </a14:hiddenLine>
               </a:ext>
               <a:ext uri="{AF507438-7753-43e0-B8FC-AC1667EBCBE1}">
-                <a14:hiddenEffects xmlns="" xmlns:a14="http://schemas.microsoft.com/office/drawing/2010/main">
+                <a14:hiddenEffects xmlns:a14="http://schemas.microsoft.com/office/drawing/2010/main" xmlns="">
                   <a:effectLst>
                     <a:outerShdw blurRad="63500" dist="38099" dir="2700000" algn="ctr" rotWithShape="0">
                       <a:schemeClr val="bg2">
@@ -3512,7 +3512,7 @@
             <a:effectLst/>
             <a:extLst>
               <a:ext uri="{91240B29-F687-4f45-9708-019B960494DF}">
-                <a14:hiddenLine xmlns="" xmlns:a14="http://schemas.microsoft.com/office/drawing/2010/main" w="9525">
+                <a14:hiddenLine xmlns:a14="http://schemas.microsoft.com/office/drawing/2010/main" xmlns="" w="9525">
                   <a:solidFill>
                     <a:schemeClr val="tx1"/>
                   </a:solidFill>
@@ -3522,7 +3522,7 @@
                 </a14:hiddenLine>
               </a:ext>
               <a:ext uri="{AF507438-7753-43e0-B8FC-AC1667EBCBE1}">
-                <a14:hiddenEffects xmlns="" xmlns:a14="http://schemas.microsoft.com/office/drawing/2010/main">
+                <a14:hiddenEffects xmlns:a14="http://schemas.microsoft.com/office/drawing/2010/main" xmlns="">
                   <a:effectLst>
                     <a:outerShdw blurRad="63500" dist="38099" dir="2700000" algn="ctr" rotWithShape="0">
                       <a:schemeClr val="bg2">
@@ -3567,7 +3567,7 @@
             <a:effectLst/>
             <a:extLst>
               <a:ext uri="{91240B29-F687-4f45-9708-019B960494DF}">
-                <a14:hiddenLine xmlns="" xmlns:a14="http://schemas.microsoft.com/office/drawing/2010/main" w="9525">
+                <a14:hiddenLine xmlns:a14="http://schemas.microsoft.com/office/drawing/2010/main" xmlns="" w="9525">
                   <a:solidFill>
                     <a:schemeClr val="tx1"/>
                   </a:solidFill>
@@ -3577,7 +3577,7 @@
                 </a14:hiddenLine>
               </a:ext>
               <a:ext uri="{AF507438-7753-43e0-B8FC-AC1667EBCBE1}">
-                <a14:hiddenEffects xmlns="" xmlns:a14="http://schemas.microsoft.com/office/drawing/2010/main">
+                <a14:hiddenEffects xmlns:a14="http://schemas.microsoft.com/office/drawing/2010/main" xmlns="">
                   <a:effectLst>
                     <a:outerShdw blurRad="63500" dist="38099" dir="2700000" algn="ctr" rotWithShape="0">
                       <a:schemeClr val="bg2">
@@ -3622,7 +3622,7 @@
             <a:effectLst/>
             <a:extLst>
               <a:ext uri="{91240B29-F687-4f45-9708-019B960494DF}">
-                <a14:hiddenLine xmlns="" xmlns:a14="http://schemas.microsoft.com/office/drawing/2010/main" w="9525">
+                <a14:hiddenLine xmlns:a14="http://schemas.microsoft.com/office/drawing/2010/main" xmlns="" w="9525">
                   <a:solidFill>
                     <a:schemeClr val="tx1"/>
                   </a:solidFill>
@@ -3632,7 +3632,7 @@
                 </a14:hiddenLine>
               </a:ext>
               <a:ext uri="{AF507438-7753-43e0-B8FC-AC1667EBCBE1}">
-                <a14:hiddenEffects xmlns="" xmlns:a14="http://schemas.microsoft.com/office/drawing/2010/main">
+                <a14:hiddenEffects xmlns:a14="http://schemas.microsoft.com/office/drawing/2010/main" xmlns="">
                   <a:effectLst>
                     <a:outerShdw blurRad="63500" dist="38099" dir="2700000" algn="ctr" rotWithShape="0">
                       <a:schemeClr val="bg2">
@@ -3677,7 +3677,7 @@
             <a:effectLst/>
             <a:extLst>
               <a:ext uri="{91240B29-F687-4f45-9708-019B960494DF}">
-                <a14:hiddenLine xmlns="" xmlns:a14="http://schemas.microsoft.com/office/drawing/2010/main" w="9525">
+                <a14:hiddenLine xmlns:a14="http://schemas.microsoft.com/office/drawing/2010/main" xmlns="" w="9525">
                   <a:solidFill>
                     <a:schemeClr val="tx1"/>
                   </a:solidFill>
@@ -3687,7 +3687,7 @@
                 </a14:hiddenLine>
               </a:ext>
               <a:ext uri="{AF507438-7753-43e0-B8FC-AC1667EBCBE1}">
-                <a14:hiddenEffects xmlns="" xmlns:a14="http://schemas.microsoft.com/office/drawing/2010/main">
+                <a14:hiddenEffects xmlns:a14="http://schemas.microsoft.com/office/drawing/2010/main" xmlns="">
                   <a:effectLst>
                     <a:outerShdw blurRad="63500" dist="38099" dir="2700000" algn="ctr" rotWithShape="0">
                       <a:schemeClr val="bg2">
@@ -3732,7 +3732,7 @@
             <a:effectLst/>
             <a:extLst>
               <a:ext uri="{91240B29-F687-4f45-9708-019B960494DF}">
-                <a14:hiddenLine xmlns="" xmlns:a14="http://schemas.microsoft.com/office/drawing/2010/main" w="9525">
+                <a14:hiddenLine xmlns:a14="http://schemas.microsoft.com/office/drawing/2010/main" xmlns="" w="9525">
                   <a:solidFill>
                     <a:schemeClr val="tx1"/>
                   </a:solidFill>
@@ -3742,7 +3742,7 @@
                 </a14:hiddenLine>
               </a:ext>
               <a:ext uri="{AF507438-7753-43e0-B8FC-AC1667EBCBE1}">
-                <a14:hiddenEffects xmlns="" xmlns:a14="http://schemas.microsoft.com/office/drawing/2010/main">
+                <a14:hiddenEffects xmlns:a14="http://schemas.microsoft.com/office/drawing/2010/main" xmlns="">
                   <a:effectLst>
                     <a:outerShdw blurRad="63500" dist="38099" dir="2700000" algn="ctr" rotWithShape="0">
                       <a:schemeClr val="bg2">
@@ -3787,7 +3787,7 @@
             <a:effectLst/>
             <a:extLst>
               <a:ext uri="{91240B29-F687-4f45-9708-019B960494DF}">
-                <a14:hiddenLine xmlns="" xmlns:a14="http://schemas.microsoft.com/office/drawing/2010/main" w="9525">
+                <a14:hiddenLine xmlns:a14="http://schemas.microsoft.com/office/drawing/2010/main" xmlns="" w="9525">
                   <a:solidFill>
                     <a:schemeClr val="tx1"/>
                   </a:solidFill>
@@ -3797,7 +3797,7 @@
                 </a14:hiddenLine>
               </a:ext>
               <a:ext uri="{AF507438-7753-43e0-B8FC-AC1667EBCBE1}">
-                <a14:hiddenEffects xmlns="" xmlns:a14="http://schemas.microsoft.com/office/drawing/2010/main">
+                <a14:hiddenEffects xmlns:a14="http://schemas.microsoft.com/office/drawing/2010/main" xmlns="">
                   <a:effectLst>
                     <a:outerShdw blurRad="63500" dist="38099" dir="2700000" algn="ctr" rotWithShape="0">
                       <a:schemeClr val="bg2">
@@ -3842,7 +3842,7 @@
             <a:effectLst/>
             <a:extLst>
               <a:ext uri="{91240B29-F687-4f45-9708-019B960494DF}">
-                <a14:hiddenLine xmlns="" xmlns:a14="http://schemas.microsoft.com/office/drawing/2010/main" w="9525">
+                <a14:hiddenLine xmlns:a14="http://schemas.microsoft.com/office/drawing/2010/main" xmlns="" w="9525">
                   <a:solidFill>
                     <a:schemeClr val="tx1"/>
                   </a:solidFill>
@@ -3852,7 +3852,7 @@
                 </a14:hiddenLine>
               </a:ext>
               <a:ext uri="{AF507438-7753-43e0-B8FC-AC1667EBCBE1}">
-                <a14:hiddenEffects xmlns="" xmlns:a14="http://schemas.microsoft.com/office/drawing/2010/main">
+                <a14:hiddenEffects xmlns:a14="http://schemas.microsoft.com/office/drawing/2010/main" xmlns="">
                   <a:effectLst>
                     <a:outerShdw blurRad="63500" dist="38099" dir="2700000" algn="ctr" rotWithShape="0">
                       <a:schemeClr val="bg2">
@@ -3897,7 +3897,7 @@
             <a:effectLst/>
             <a:extLst>
               <a:ext uri="{91240B29-F687-4f45-9708-019B960494DF}">
-                <a14:hiddenLine xmlns="" xmlns:a14="http://schemas.microsoft.com/office/drawing/2010/main" w="9525">
+                <a14:hiddenLine xmlns:a14="http://schemas.microsoft.com/office/drawing/2010/main" xmlns="" w="9525">
                   <a:solidFill>
                     <a:schemeClr val="tx1"/>
                   </a:solidFill>
@@ -3907,7 +3907,7 @@
                 </a14:hiddenLine>
               </a:ext>
               <a:ext uri="{AF507438-7753-43e0-B8FC-AC1667EBCBE1}">
-                <a14:hiddenEffects xmlns="" xmlns:a14="http://schemas.microsoft.com/office/drawing/2010/main">
+                <a14:hiddenEffects xmlns:a14="http://schemas.microsoft.com/office/drawing/2010/main" xmlns="">
                   <a:effectLst>
                     <a:outerShdw blurRad="63500" dist="38099" dir="2700000" algn="ctr" rotWithShape="0">
                       <a:schemeClr val="bg2">
@@ -3952,7 +3952,7 @@
             <a:effectLst/>
             <a:extLst>
               <a:ext uri="{91240B29-F687-4f45-9708-019B960494DF}">
-                <a14:hiddenLine xmlns="" xmlns:a14="http://schemas.microsoft.com/office/drawing/2010/main" w="9525">
+                <a14:hiddenLine xmlns:a14="http://schemas.microsoft.com/office/drawing/2010/main" xmlns="" w="9525">
                   <a:solidFill>
                     <a:schemeClr val="tx1"/>
                   </a:solidFill>
@@ -3962,7 +3962,7 @@
                 </a14:hiddenLine>
               </a:ext>
               <a:ext uri="{AF507438-7753-43e0-B8FC-AC1667EBCBE1}">
-                <a14:hiddenEffects xmlns="" xmlns:a14="http://schemas.microsoft.com/office/drawing/2010/main">
+                <a14:hiddenEffects xmlns:a14="http://schemas.microsoft.com/office/drawing/2010/main" xmlns="">
                   <a:effectLst>
                     <a:outerShdw blurRad="63500" dist="38099" dir="2700000" algn="ctr" rotWithShape="0">
                       <a:schemeClr val="bg2">
@@ -4007,7 +4007,7 @@
             <a:effectLst/>
             <a:extLst>
               <a:ext uri="{91240B29-F687-4f45-9708-019B960494DF}">
-                <a14:hiddenLine xmlns="" xmlns:a14="http://schemas.microsoft.com/office/drawing/2010/main" w="9525">
+                <a14:hiddenLine xmlns:a14="http://schemas.microsoft.com/office/drawing/2010/main" xmlns="" w="9525">
                   <a:solidFill>
                     <a:schemeClr val="tx1"/>
                   </a:solidFill>
@@ -4017,7 +4017,7 @@
                 </a14:hiddenLine>
               </a:ext>
               <a:ext uri="{AF507438-7753-43e0-B8FC-AC1667EBCBE1}">
-                <a14:hiddenEffects xmlns="" xmlns:a14="http://schemas.microsoft.com/office/drawing/2010/main">
+                <a14:hiddenEffects xmlns:a14="http://schemas.microsoft.com/office/drawing/2010/main" xmlns="">
                   <a:effectLst>
                     <a:outerShdw blurRad="63500" dist="38099" dir="2700000" algn="ctr" rotWithShape="0">
                       <a:schemeClr val="bg2">
@@ -4062,7 +4062,7 @@
             <a:effectLst/>
             <a:extLst>
               <a:ext uri="{91240B29-F687-4f45-9708-019B960494DF}">
-                <a14:hiddenLine xmlns="" xmlns:a14="http://schemas.microsoft.com/office/drawing/2010/main" w="9525">
+                <a14:hiddenLine xmlns:a14="http://schemas.microsoft.com/office/drawing/2010/main" xmlns="" w="9525">
                   <a:solidFill>
                     <a:schemeClr val="tx1"/>
                   </a:solidFill>
@@ -4072,7 +4072,7 @@
                 </a14:hiddenLine>
               </a:ext>
               <a:ext uri="{AF507438-7753-43e0-B8FC-AC1667EBCBE1}">
-                <a14:hiddenEffects xmlns="" xmlns:a14="http://schemas.microsoft.com/office/drawing/2010/main">
+                <a14:hiddenEffects xmlns:a14="http://schemas.microsoft.com/office/drawing/2010/main" xmlns="">
                   <a:effectLst>
                     <a:outerShdw blurRad="63500" dist="38099" dir="2700000" algn="ctr" rotWithShape="0">
                       <a:schemeClr val="bg2">
@@ -4117,7 +4117,7 @@
             <a:effectLst/>
             <a:extLst>
               <a:ext uri="{91240B29-F687-4f45-9708-019B960494DF}">
-                <a14:hiddenLine xmlns="" xmlns:a14="http://schemas.microsoft.com/office/drawing/2010/main" w="9525">
+                <a14:hiddenLine xmlns:a14="http://schemas.microsoft.com/office/drawing/2010/main" xmlns="" w="9525">
                   <a:solidFill>
                     <a:schemeClr val="tx1"/>
                   </a:solidFill>
@@ -4127,7 +4127,7 @@
                 </a14:hiddenLine>
               </a:ext>
               <a:ext uri="{AF507438-7753-43e0-B8FC-AC1667EBCBE1}">
-                <a14:hiddenEffects xmlns="" xmlns:a14="http://schemas.microsoft.com/office/drawing/2010/main">
+                <a14:hiddenEffects xmlns:a14="http://schemas.microsoft.com/office/drawing/2010/main" xmlns="">
                   <a:effectLst>
                     <a:outerShdw blurRad="63500" dist="38099" dir="2700000" algn="ctr" rotWithShape="0">
                       <a:schemeClr val="bg2">
@@ -4172,7 +4172,7 @@
             <a:effectLst/>
             <a:extLst>
               <a:ext uri="{91240B29-F687-4f45-9708-019B960494DF}">
-                <a14:hiddenLine xmlns="" xmlns:a14="http://schemas.microsoft.com/office/drawing/2010/main" w="9525">
+                <a14:hiddenLine xmlns:a14="http://schemas.microsoft.com/office/drawing/2010/main" xmlns="" w="9525">
                   <a:solidFill>
                     <a:schemeClr val="tx1"/>
                   </a:solidFill>
@@ -4182,7 +4182,7 @@
                 </a14:hiddenLine>
               </a:ext>
               <a:ext uri="{AF507438-7753-43e0-B8FC-AC1667EBCBE1}">
-                <a14:hiddenEffects xmlns="" xmlns:a14="http://schemas.microsoft.com/office/drawing/2010/main">
+                <a14:hiddenEffects xmlns:a14="http://schemas.microsoft.com/office/drawing/2010/main" xmlns="">
                   <a:effectLst>
                     <a:outerShdw blurRad="63500" dist="38099" dir="2700000" algn="ctr" rotWithShape="0">
                       <a:schemeClr val="bg2">
@@ -4227,7 +4227,7 @@
             <a:effectLst/>
             <a:extLst>
               <a:ext uri="{91240B29-F687-4f45-9708-019B960494DF}">
-                <a14:hiddenLine xmlns="" xmlns:a14="http://schemas.microsoft.com/office/drawing/2010/main" w="9525">
+                <a14:hiddenLine xmlns:a14="http://schemas.microsoft.com/office/drawing/2010/main" xmlns="" w="9525">
                   <a:solidFill>
                     <a:schemeClr val="tx1"/>
                   </a:solidFill>
@@ -4237,7 +4237,7 @@
                 </a14:hiddenLine>
               </a:ext>
               <a:ext uri="{AF507438-7753-43e0-B8FC-AC1667EBCBE1}">
-                <a14:hiddenEffects xmlns="" xmlns:a14="http://schemas.microsoft.com/office/drawing/2010/main">
+                <a14:hiddenEffects xmlns:a14="http://schemas.microsoft.com/office/drawing/2010/main" xmlns="">
                   <a:effectLst>
                     <a:outerShdw blurRad="63500" dist="38099" dir="2700000" algn="ctr" rotWithShape="0">
                       <a:schemeClr val="bg2">
@@ -4282,7 +4282,7 @@
             <a:effectLst/>
             <a:extLst>
               <a:ext uri="{91240B29-F687-4f45-9708-019B960494DF}">
-                <a14:hiddenLine xmlns="" xmlns:a14="http://schemas.microsoft.com/office/drawing/2010/main" w="9525">
+                <a14:hiddenLine xmlns:a14="http://schemas.microsoft.com/office/drawing/2010/main" xmlns="" w="9525">
                   <a:solidFill>
                     <a:schemeClr val="tx1"/>
                   </a:solidFill>
@@ -4292,7 +4292,7 @@
                 </a14:hiddenLine>
               </a:ext>
               <a:ext uri="{AF507438-7753-43e0-B8FC-AC1667EBCBE1}">
-                <a14:hiddenEffects xmlns="" xmlns:a14="http://schemas.microsoft.com/office/drawing/2010/main">
+                <a14:hiddenEffects xmlns:a14="http://schemas.microsoft.com/office/drawing/2010/main" xmlns="">
                   <a:effectLst>
                     <a:outerShdw blurRad="63500" dist="38099" dir="2700000" algn="ctr" rotWithShape="0">
                       <a:schemeClr val="bg2">
@@ -4341,12 +4341,12 @@
           <a:effectLst/>
           <a:extLst>
             <a:ext uri="{909E8E84-426E-40dd-AFC4-6F175D3DCCD1}">
-              <a14:hiddenFill xmlns="" xmlns:a14="http://schemas.microsoft.com/office/drawing/2010/main">
+              <a14:hiddenFill xmlns:a14="http://schemas.microsoft.com/office/drawing/2010/main" xmlns="">
                 <a:noFill/>
               </a14:hiddenFill>
             </a:ext>
             <a:ext uri="{AF507438-7753-43e0-B8FC-AC1667EBCBE1}">
-              <a14:hiddenEffects xmlns="" xmlns:a14="http://schemas.microsoft.com/office/drawing/2010/main">
+              <a14:hiddenEffects xmlns:a14="http://schemas.microsoft.com/office/drawing/2010/main" xmlns="">
                 <a:effectLst>
                   <a:outerShdw blurRad="63500" dist="38099" dir="2700000" algn="ctr" rotWithShape="0">
                     <a:schemeClr val="bg2">
@@ -6670,12 +6670,12 @@
           <a:effectLst/>
           <a:extLst>
             <a:ext uri="{909E8E84-426E-40dd-AFC4-6F175D3DCCD1}">
-              <a14:hiddenFill xmlns="" xmlns:a14="http://schemas.microsoft.com/office/drawing/2010/main">
+              <a14:hiddenFill xmlns:a14="http://schemas.microsoft.com/office/drawing/2010/main" xmlns="">
                 <a:noFill/>
               </a14:hiddenFill>
             </a:ext>
             <a:ext uri="{AF507438-7753-43e0-B8FC-AC1667EBCBE1}">
-              <a14:hiddenEffects xmlns="" xmlns:a14="http://schemas.microsoft.com/office/drawing/2010/main">
+              <a14:hiddenEffects xmlns:a14="http://schemas.microsoft.com/office/drawing/2010/main" xmlns="">
                 <a:effectLst>
                   <a:outerShdw blurRad="63500" dist="38099" dir="2700000" algn="ctr" rotWithShape="0">
                     <a:schemeClr val="bg2">
@@ -6720,17 +6720,17 @@
           <a:effectLst/>
           <a:extLst>
             <a:ext uri="{FAA26D3D-D897-4be2-8F04-BA451C77F1D7}">
-              <ma14:placeholderFlag xmlns:ma14="http://schemas.microsoft.com/office/mac/drawingml/2011/main" xmlns="" val="1"/>
+              <ma14:placeholderFlag xmlns="" xmlns:ma14="http://schemas.microsoft.com/office/mac/drawingml/2011/main" val="1"/>
             </a:ext>
             <a:ext uri="{909E8E84-426E-40dd-AFC4-6F175D3DCCD1}">
-              <a14:hiddenFill xmlns="" xmlns:a14="http://schemas.microsoft.com/office/drawing/2010/main">
+              <a14:hiddenFill xmlns:a14="http://schemas.microsoft.com/office/drawing/2010/main" xmlns="">
                 <a:solidFill>
                   <a:schemeClr val="accent1"/>
                 </a:solidFill>
               </a14:hiddenFill>
             </a:ext>
             <a:ext uri="{91240B29-F687-4f45-9708-019B960494DF}">
-              <a14:hiddenLine xmlns="" xmlns:a14="http://schemas.microsoft.com/office/drawing/2010/main" w="9525">
+              <a14:hiddenLine xmlns:a14="http://schemas.microsoft.com/office/drawing/2010/main" xmlns="" w="9525">
                 <a:solidFill>
                   <a:schemeClr val="tx1"/>
                 </a:solidFill>
@@ -6740,7 +6740,7 @@
               </a14:hiddenLine>
             </a:ext>
             <a:ext uri="{AF507438-7753-43e0-B8FC-AC1667EBCBE1}">
-              <a14:hiddenEffects xmlns="" xmlns:a14="http://schemas.microsoft.com/office/drawing/2010/main">
+              <a14:hiddenEffects xmlns:a14="http://schemas.microsoft.com/office/drawing/2010/main" xmlns="">
                 <a:effectLst>
                   <a:outerShdw blurRad="63500" dist="38099" dir="2700000" algn="ctr" rotWithShape="0">
                     <a:schemeClr val="bg2">
@@ -6793,17 +6793,17 @@
           <a:effectLst/>
           <a:extLst>
             <a:ext uri="{FAA26D3D-D897-4be2-8F04-BA451C77F1D7}">
-              <ma14:placeholderFlag xmlns:ma14="http://schemas.microsoft.com/office/mac/drawingml/2011/main" xmlns="" val="1"/>
+              <ma14:placeholderFlag xmlns="" xmlns:ma14="http://schemas.microsoft.com/office/mac/drawingml/2011/main" val="1"/>
             </a:ext>
             <a:ext uri="{909E8E84-426E-40dd-AFC4-6F175D3DCCD1}">
-              <a14:hiddenFill xmlns="" xmlns:a14="http://schemas.microsoft.com/office/drawing/2010/main">
+              <a14:hiddenFill xmlns:a14="http://schemas.microsoft.com/office/drawing/2010/main" xmlns="">
                 <a:solidFill>
                   <a:schemeClr val="accent1"/>
                 </a:solidFill>
               </a14:hiddenFill>
             </a:ext>
             <a:ext uri="{91240B29-F687-4f45-9708-019B960494DF}">
-              <a14:hiddenLine xmlns="" xmlns:a14="http://schemas.microsoft.com/office/drawing/2010/main" w="9525">
+              <a14:hiddenLine xmlns:a14="http://schemas.microsoft.com/office/drawing/2010/main" xmlns="" w="9525">
                 <a:solidFill>
                   <a:schemeClr val="tx1"/>
                 </a:solidFill>
@@ -6813,7 +6813,7 @@
               </a14:hiddenLine>
             </a:ext>
             <a:ext uri="{AF507438-7753-43e0-B8FC-AC1667EBCBE1}">
-              <a14:hiddenEffects xmlns="" xmlns:a14="http://schemas.microsoft.com/office/drawing/2010/main">
+              <a14:hiddenEffects xmlns:a14="http://schemas.microsoft.com/office/drawing/2010/main" xmlns="">
                 <a:effectLst>
                   <a:outerShdw blurRad="63500" dist="38099" dir="2700000" algn="ctr" rotWithShape="0">
                     <a:schemeClr val="bg2">
@@ -6894,17 +6894,17 @@
           <a:effectLst/>
           <a:extLst>
             <a:ext uri="{FAA26D3D-D897-4be2-8F04-BA451C77F1D7}">
-              <ma14:placeholderFlag xmlns:ma14="http://schemas.microsoft.com/office/mac/drawingml/2011/main" xmlns="" val="1"/>
+              <ma14:placeholderFlag xmlns="" xmlns:ma14="http://schemas.microsoft.com/office/mac/drawingml/2011/main" val="1"/>
             </a:ext>
             <a:ext uri="{909E8E84-426E-40dd-AFC4-6F175D3DCCD1}">
-              <a14:hiddenFill xmlns="" xmlns:a14="http://schemas.microsoft.com/office/drawing/2010/main">
+              <a14:hiddenFill xmlns:a14="http://schemas.microsoft.com/office/drawing/2010/main" xmlns="">
                 <a:solidFill>
                   <a:schemeClr val="accent1"/>
                 </a:solidFill>
               </a14:hiddenFill>
             </a:ext>
             <a:ext uri="{91240B29-F687-4f45-9708-019B960494DF}">
-              <a14:hiddenLine xmlns="" xmlns:a14="http://schemas.microsoft.com/office/drawing/2010/main" w="9525">
+              <a14:hiddenLine xmlns:a14="http://schemas.microsoft.com/office/drawing/2010/main" xmlns="" w="9525">
                 <a:solidFill>
                   <a:schemeClr val="tx1"/>
                 </a:solidFill>
@@ -6914,7 +6914,7 @@
               </a14:hiddenLine>
             </a:ext>
             <a:ext uri="{AF507438-7753-43e0-B8FC-AC1667EBCBE1}">
-              <a14:hiddenEffects xmlns="" xmlns:a14="http://schemas.microsoft.com/office/drawing/2010/main">
+              <a14:hiddenEffects xmlns:a14="http://schemas.microsoft.com/office/drawing/2010/main" xmlns="">
                 <a:effectLst>
                   <a:outerShdw blurRad="63500" dist="38099" dir="2700000" algn="ctr" rotWithShape="0">
                     <a:schemeClr val="bg2">
@@ -6967,17 +6967,17 @@
           <a:effectLst/>
           <a:extLst>
             <a:ext uri="{FAA26D3D-D897-4be2-8F04-BA451C77F1D7}">
-              <ma14:placeholderFlag xmlns:ma14="http://schemas.microsoft.com/office/mac/drawingml/2011/main" xmlns="" val="1"/>
+              <ma14:placeholderFlag xmlns="" xmlns:ma14="http://schemas.microsoft.com/office/mac/drawingml/2011/main" val="1"/>
             </a:ext>
             <a:ext uri="{909E8E84-426E-40dd-AFC4-6F175D3DCCD1}">
-              <a14:hiddenFill xmlns="" xmlns:a14="http://schemas.microsoft.com/office/drawing/2010/main">
+              <a14:hiddenFill xmlns:a14="http://schemas.microsoft.com/office/drawing/2010/main" xmlns="">
                 <a:solidFill>
                   <a:schemeClr val="accent1"/>
                 </a:solidFill>
               </a14:hiddenFill>
             </a:ext>
             <a:ext uri="{91240B29-F687-4f45-9708-019B960494DF}">
-              <a14:hiddenLine xmlns="" xmlns:a14="http://schemas.microsoft.com/office/drawing/2010/main" w="9525">
+              <a14:hiddenLine xmlns:a14="http://schemas.microsoft.com/office/drawing/2010/main" xmlns="" w="9525">
                 <a:solidFill>
                   <a:schemeClr val="tx1"/>
                 </a:solidFill>
@@ -6987,7 +6987,7 @@
               </a14:hiddenLine>
             </a:ext>
             <a:ext uri="{AF507438-7753-43e0-B8FC-AC1667EBCBE1}">
-              <a14:hiddenEffects xmlns="" xmlns:a14="http://schemas.microsoft.com/office/drawing/2010/main">
+              <a14:hiddenEffects xmlns:a14="http://schemas.microsoft.com/office/drawing/2010/main" xmlns="">
                 <a:effectLst>
                   <a:outerShdw blurRad="63500" dist="38099" dir="2700000" algn="ctr" rotWithShape="0">
                     <a:schemeClr val="bg2">
@@ -7040,17 +7040,17 @@
           <a:effectLst/>
           <a:extLst>
             <a:ext uri="{FAA26D3D-D897-4be2-8F04-BA451C77F1D7}">
-              <ma14:placeholderFlag xmlns:ma14="http://schemas.microsoft.com/office/mac/drawingml/2011/main" xmlns="" val="1"/>
+              <ma14:placeholderFlag xmlns="" xmlns:ma14="http://schemas.microsoft.com/office/mac/drawingml/2011/main" val="1"/>
             </a:ext>
             <a:ext uri="{909E8E84-426E-40dd-AFC4-6F175D3DCCD1}">
-              <a14:hiddenFill xmlns="" xmlns:a14="http://schemas.microsoft.com/office/drawing/2010/main">
+              <a14:hiddenFill xmlns:a14="http://schemas.microsoft.com/office/drawing/2010/main" xmlns="">
                 <a:solidFill>
                   <a:schemeClr val="accent1"/>
                 </a:solidFill>
               </a14:hiddenFill>
             </a:ext>
             <a:ext uri="{91240B29-F687-4f45-9708-019B960494DF}">
-              <a14:hiddenLine xmlns="" xmlns:a14="http://schemas.microsoft.com/office/drawing/2010/main" w="9525">
+              <a14:hiddenLine xmlns:a14="http://schemas.microsoft.com/office/drawing/2010/main" xmlns="" w="9525">
                 <a:solidFill>
                   <a:schemeClr val="tx1"/>
                 </a:solidFill>
@@ -7060,7 +7060,7 @@
               </a14:hiddenLine>
             </a:ext>
             <a:ext uri="{AF507438-7753-43e0-B8FC-AC1667EBCBE1}">
-              <a14:hiddenEffects xmlns="" xmlns:a14="http://schemas.microsoft.com/office/drawing/2010/main">
+              <a14:hiddenEffects xmlns:a14="http://schemas.microsoft.com/office/drawing/2010/main" xmlns="">
                 <a:effectLst>
                   <a:outerShdw blurRad="63500" dist="38099" dir="2700000" algn="ctr" rotWithShape="0">
                     <a:schemeClr val="bg2">
@@ -7134,7 +7134,7 @@
             <a:effectLst/>
             <a:extLst>
               <a:ext uri="{91240B29-F687-4f45-9708-019B960494DF}">
-                <a14:hiddenLine xmlns="" xmlns:a14="http://schemas.microsoft.com/office/drawing/2010/main" w="9525">
+                <a14:hiddenLine xmlns:a14="http://schemas.microsoft.com/office/drawing/2010/main" xmlns="" w="9525">
                   <a:solidFill>
                     <a:schemeClr val="tx1"/>
                   </a:solidFill>
@@ -7144,7 +7144,7 @@
                 </a14:hiddenLine>
               </a:ext>
               <a:ext uri="{AF507438-7753-43e0-B8FC-AC1667EBCBE1}">
-                <a14:hiddenEffects xmlns="" xmlns:a14="http://schemas.microsoft.com/office/drawing/2010/main">
+                <a14:hiddenEffects xmlns:a14="http://schemas.microsoft.com/office/drawing/2010/main" xmlns="">
                   <a:effectLst>
                     <a:outerShdw blurRad="63500" dist="38099" dir="2700000" algn="ctr" rotWithShape="0">
                       <a:schemeClr val="bg2">
@@ -7189,7 +7189,7 @@
             <a:effectLst/>
             <a:extLst>
               <a:ext uri="{91240B29-F687-4f45-9708-019B960494DF}">
-                <a14:hiddenLine xmlns="" xmlns:a14="http://schemas.microsoft.com/office/drawing/2010/main" w="9525">
+                <a14:hiddenLine xmlns:a14="http://schemas.microsoft.com/office/drawing/2010/main" xmlns="" w="9525">
                   <a:solidFill>
                     <a:schemeClr val="tx1"/>
                   </a:solidFill>
@@ -7199,7 +7199,7 @@
                 </a14:hiddenLine>
               </a:ext>
               <a:ext uri="{AF507438-7753-43e0-B8FC-AC1667EBCBE1}">
-                <a14:hiddenEffects xmlns="" xmlns:a14="http://schemas.microsoft.com/office/drawing/2010/main">
+                <a14:hiddenEffects xmlns:a14="http://schemas.microsoft.com/office/drawing/2010/main" xmlns="">
                   <a:effectLst>
                     <a:outerShdw blurRad="63500" dist="38099" dir="2700000" algn="ctr" rotWithShape="0">
                       <a:schemeClr val="bg2">
@@ -7244,7 +7244,7 @@
             <a:effectLst/>
             <a:extLst>
               <a:ext uri="{91240B29-F687-4f45-9708-019B960494DF}">
-                <a14:hiddenLine xmlns="" xmlns:a14="http://schemas.microsoft.com/office/drawing/2010/main" w="9525">
+                <a14:hiddenLine xmlns:a14="http://schemas.microsoft.com/office/drawing/2010/main" xmlns="" w="9525">
                   <a:solidFill>
                     <a:schemeClr val="tx1"/>
                   </a:solidFill>
@@ -7254,7 +7254,7 @@
                 </a14:hiddenLine>
               </a:ext>
               <a:ext uri="{AF507438-7753-43e0-B8FC-AC1667EBCBE1}">
-                <a14:hiddenEffects xmlns="" xmlns:a14="http://schemas.microsoft.com/office/drawing/2010/main">
+                <a14:hiddenEffects xmlns:a14="http://schemas.microsoft.com/office/drawing/2010/main" xmlns="">
                   <a:effectLst>
                     <a:outerShdw blurRad="63500" dist="38099" dir="2700000" algn="ctr" rotWithShape="0">
                       <a:schemeClr val="bg2">
@@ -7299,7 +7299,7 @@
             <a:effectLst/>
             <a:extLst>
               <a:ext uri="{91240B29-F687-4f45-9708-019B960494DF}">
-                <a14:hiddenLine xmlns="" xmlns:a14="http://schemas.microsoft.com/office/drawing/2010/main" w="9525">
+                <a14:hiddenLine xmlns:a14="http://schemas.microsoft.com/office/drawing/2010/main" xmlns="" w="9525">
                   <a:solidFill>
                     <a:schemeClr val="tx1"/>
                   </a:solidFill>
@@ -7309,7 +7309,7 @@
                 </a14:hiddenLine>
               </a:ext>
               <a:ext uri="{AF507438-7753-43e0-B8FC-AC1667EBCBE1}">
-                <a14:hiddenEffects xmlns="" xmlns:a14="http://schemas.microsoft.com/office/drawing/2010/main">
+                <a14:hiddenEffects xmlns:a14="http://schemas.microsoft.com/office/drawing/2010/main" xmlns="">
                   <a:effectLst>
                     <a:outerShdw blurRad="63500" dist="38099" dir="2700000" algn="ctr" rotWithShape="0">
                       <a:schemeClr val="bg2">
@@ -7354,7 +7354,7 @@
             <a:effectLst/>
             <a:extLst>
               <a:ext uri="{91240B29-F687-4f45-9708-019B960494DF}">
-                <a14:hiddenLine xmlns="" xmlns:a14="http://schemas.microsoft.com/office/drawing/2010/main" w="9525">
+                <a14:hiddenLine xmlns:a14="http://schemas.microsoft.com/office/drawing/2010/main" xmlns="" w="9525">
                   <a:solidFill>
                     <a:schemeClr val="tx1"/>
                   </a:solidFill>
@@ -7364,7 +7364,7 @@
                 </a14:hiddenLine>
               </a:ext>
               <a:ext uri="{AF507438-7753-43e0-B8FC-AC1667EBCBE1}">
-                <a14:hiddenEffects xmlns="" xmlns:a14="http://schemas.microsoft.com/office/drawing/2010/main">
+                <a14:hiddenEffects xmlns:a14="http://schemas.microsoft.com/office/drawing/2010/main" xmlns="">
                   <a:effectLst>
                     <a:outerShdw blurRad="63500" dist="38099" dir="2700000" algn="ctr" rotWithShape="0">
                       <a:schemeClr val="bg2">
@@ -7409,7 +7409,7 @@
             <a:effectLst/>
             <a:extLst>
               <a:ext uri="{91240B29-F687-4f45-9708-019B960494DF}">
-                <a14:hiddenLine xmlns="" xmlns:a14="http://schemas.microsoft.com/office/drawing/2010/main" w="9525">
+                <a14:hiddenLine xmlns:a14="http://schemas.microsoft.com/office/drawing/2010/main" xmlns="" w="9525">
                   <a:solidFill>
                     <a:schemeClr val="tx1"/>
                   </a:solidFill>
@@ -7419,7 +7419,7 @@
                 </a14:hiddenLine>
               </a:ext>
               <a:ext uri="{AF507438-7753-43e0-B8FC-AC1667EBCBE1}">
-                <a14:hiddenEffects xmlns="" xmlns:a14="http://schemas.microsoft.com/office/drawing/2010/main">
+                <a14:hiddenEffects xmlns:a14="http://schemas.microsoft.com/office/drawing/2010/main" xmlns="">
                   <a:effectLst>
                     <a:outerShdw blurRad="63500" dist="38099" dir="2700000" algn="ctr" rotWithShape="0">
                       <a:schemeClr val="bg2">
@@ -7464,7 +7464,7 @@
             <a:effectLst/>
             <a:extLst>
               <a:ext uri="{91240B29-F687-4f45-9708-019B960494DF}">
-                <a14:hiddenLine xmlns="" xmlns:a14="http://schemas.microsoft.com/office/drawing/2010/main" w="9525">
+                <a14:hiddenLine xmlns:a14="http://schemas.microsoft.com/office/drawing/2010/main" xmlns="" w="9525">
                   <a:solidFill>
                     <a:schemeClr val="tx1"/>
                   </a:solidFill>
@@ -7474,7 +7474,7 @@
                 </a14:hiddenLine>
               </a:ext>
               <a:ext uri="{AF507438-7753-43e0-B8FC-AC1667EBCBE1}">
-                <a14:hiddenEffects xmlns="" xmlns:a14="http://schemas.microsoft.com/office/drawing/2010/main">
+                <a14:hiddenEffects xmlns:a14="http://schemas.microsoft.com/office/drawing/2010/main" xmlns="">
                   <a:effectLst>
                     <a:outerShdw blurRad="63500" dist="38099" dir="2700000" algn="ctr" rotWithShape="0">
                       <a:schemeClr val="bg2">
@@ -7519,7 +7519,7 @@
             <a:effectLst/>
             <a:extLst>
               <a:ext uri="{91240B29-F687-4f45-9708-019B960494DF}">
-                <a14:hiddenLine xmlns="" xmlns:a14="http://schemas.microsoft.com/office/drawing/2010/main" w="9525">
+                <a14:hiddenLine xmlns:a14="http://schemas.microsoft.com/office/drawing/2010/main" xmlns="" w="9525">
                   <a:solidFill>
                     <a:schemeClr val="tx1"/>
                   </a:solidFill>
@@ -7529,7 +7529,7 @@
                 </a14:hiddenLine>
               </a:ext>
               <a:ext uri="{AF507438-7753-43e0-B8FC-AC1667EBCBE1}">
-                <a14:hiddenEffects xmlns="" xmlns:a14="http://schemas.microsoft.com/office/drawing/2010/main">
+                <a14:hiddenEffects xmlns:a14="http://schemas.microsoft.com/office/drawing/2010/main" xmlns="">
                   <a:effectLst>
                     <a:outerShdw blurRad="63500" dist="38099" dir="2700000" algn="ctr" rotWithShape="0">
                       <a:schemeClr val="bg2">
@@ -7574,7 +7574,7 @@
             <a:effectLst/>
             <a:extLst>
               <a:ext uri="{91240B29-F687-4f45-9708-019B960494DF}">
-                <a14:hiddenLine xmlns="" xmlns:a14="http://schemas.microsoft.com/office/drawing/2010/main" w="9525">
+                <a14:hiddenLine xmlns:a14="http://schemas.microsoft.com/office/drawing/2010/main" xmlns="" w="9525">
                   <a:solidFill>
                     <a:schemeClr val="tx1"/>
                   </a:solidFill>
@@ -7584,7 +7584,7 @@
                 </a14:hiddenLine>
               </a:ext>
               <a:ext uri="{AF507438-7753-43e0-B8FC-AC1667EBCBE1}">
-                <a14:hiddenEffects xmlns="" xmlns:a14="http://schemas.microsoft.com/office/drawing/2010/main">
+                <a14:hiddenEffects xmlns:a14="http://schemas.microsoft.com/office/drawing/2010/main" xmlns="">
                   <a:effectLst>
                     <a:outerShdw blurRad="63500" dist="38099" dir="2700000" algn="ctr" rotWithShape="0">
                       <a:schemeClr val="bg2">
@@ -7629,7 +7629,7 @@
             <a:effectLst/>
             <a:extLst>
               <a:ext uri="{91240B29-F687-4f45-9708-019B960494DF}">
-                <a14:hiddenLine xmlns="" xmlns:a14="http://schemas.microsoft.com/office/drawing/2010/main" w="9525">
+                <a14:hiddenLine xmlns:a14="http://schemas.microsoft.com/office/drawing/2010/main" xmlns="" w="9525">
                   <a:solidFill>
                     <a:schemeClr val="tx1"/>
                   </a:solidFill>
@@ -7639,7 +7639,7 @@
                 </a14:hiddenLine>
               </a:ext>
               <a:ext uri="{AF507438-7753-43e0-B8FC-AC1667EBCBE1}">
-                <a14:hiddenEffects xmlns="" xmlns:a14="http://schemas.microsoft.com/office/drawing/2010/main">
+                <a14:hiddenEffects xmlns:a14="http://schemas.microsoft.com/office/drawing/2010/main" xmlns="">
                   <a:effectLst>
                     <a:outerShdw blurRad="63500" dist="38099" dir="2700000" algn="ctr" rotWithShape="0">
                       <a:schemeClr val="bg2">
@@ -7684,7 +7684,7 @@
             <a:effectLst/>
             <a:extLst>
               <a:ext uri="{91240B29-F687-4f45-9708-019B960494DF}">
-                <a14:hiddenLine xmlns="" xmlns:a14="http://schemas.microsoft.com/office/drawing/2010/main" w="9525">
+                <a14:hiddenLine xmlns:a14="http://schemas.microsoft.com/office/drawing/2010/main" xmlns="" w="9525">
                   <a:solidFill>
                     <a:schemeClr val="tx1"/>
                   </a:solidFill>
@@ -7694,7 +7694,7 @@
                 </a14:hiddenLine>
               </a:ext>
               <a:ext uri="{AF507438-7753-43e0-B8FC-AC1667EBCBE1}">
-                <a14:hiddenEffects xmlns="" xmlns:a14="http://schemas.microsoft.com/office/drawing/2010/main">
+                <a14:hiddenEffects xmlns:a14="http://schemas.microsoft.com/office/drawing/2010/main" xmlns="">
                   <a:effectLst>
                     <a:outerShdw blurRad="63500" dist="38099" dir="2700000" algn="ctr" rotWithShape="0">
                       <a:schemeClr val="bg2">
@@ -7739,7 +7739,7 @@
             <a:effectLst/>
             <a:extLst>
               <a:ext uri="{91240B29-F687-4f45-9708-019B960494DF}">
-                <a14:hiddenLine xmlns="" xmlns:a14="http://schemas.microsoft.com/office/drawing/2010/main" w="9525">
+                <a14:hiddenLine xmlns:a14="http://schemas.microsoft.com/office/drawing/2010/main" xmlns="" w="9525">
                   <a:solidFill>
                     <a:schemeClr val="tx1"/>
                   </a:solidFill>
@@ -7749,7 +7749,7 @@
                 </a14:hiddenLine>
               </a:ext>
               <a:ext uri="{AF507438-7753-43e0-B8FC-AC1667EBCBE1}">
-                <a14:hiddenEffects xmlns="" xmlns:a14="http://schemas.microsoft.com/office/drawing/2010/main">
+                <a14:hiddenEffects xmlns:a14="http://schemas.microsoft.com/office/drawing/2010/main" xmlns="">
                   <a:effectLst>
                     <a:outerShdw blurRad="63500" dist="38099" dir="2700000" algn="ctr" rotWithShape="0">
                       <a:schemeClr val="bg2">
@@ -7794,7 +7794,7 @@
             <a:effectLst/>
             <a:extLst>
               <a:ext uri="{91240B29-F687-4f45-9708-019B960494DF}">
-                <a14:hiddenLine xmlns="" xmlns:a14="http://schemas.microsoft.com/office/drawing/2010/main" w="9525">
+                <a14:hiddenLine xmlns:a14="http://schemas.microsoft.com/office/drawing/2010/main" xmlns="" w="9525">
                   <a:solidFill>
                     <a:schemeClr val="tx1"/>
                   </a:solidFill>
@@ -7804,7 +7804,7 @@
                 </a14:hiddenLine>
               </a:ext>
               <a:ext uri="{AF507438-7753-43e0-B8FC-AC1667EBCBE1}">
-                <a14:hiddenEffects xmlns="" xmlns:a14="http://schemas.microsoft.com/office/drawing/2010/main">
+                <a14:hiddenEffects xmlns:a14="http://schemas.microsoft.com/office/drawing/2010/main" xmlns="">
                   <a:effectLst>
                     <a:outerShdw blurRad="63500" dist="38099" dir="2700000" algn="ctr" rotWithShape="0">
                       <a:schemeClr val="bg2">
@@ -7849,7 +7849,7 @@
             <a:effectLst/>
             <a:extLst>
               <a:ext uri="{91240B29-F687-4f45-9708-019B960494DF}">
-                <a14:hiddenLine xmlns="" xmlns:a14="http://schemas.microsoft.com/office/drawing/2010/main" w="9525">
+                <a14:hiddenLine xmlns:a14="http://schemas.microsoft.com/office/drawing/2010/main" xmlns="" w="9525">
                   <a:solidFill>
                     <a:schemeClr val="tx1"/>
                   </a:solidFill>
@@ -7859,7 +7859,7 @@
                 </a14:hiddenLine>
               </a:ext>
               <a:ext uri="{AF507438-7753-43e0-B8FC-AC1667EBCBE1}">
-                <a14:hiddenEffects xmlns="" xmlns:a14="http://schemas.microsoft.com/office/drawing/2010/main">
+                <a14:hiddenEffects xmlns:a14="http://schemas.microsoft.com/office/drawing/2010/main" xmlns="">
                   <a:effectLst>
                     <a:outerShdw blurRad="63500" dist="38099" dir="2700000" algn="ctr" rotWithShape="0">
                       <a:schemeClr val="bg2">
@@ -7904,7 +7904,7 @@
             <a:effectLst/>
             <a:extLst>
               <a:ext uri="{91240B29-F687-4f45-9708-019B960494DF}">
-                <a14:hiddenLine xmlns="" xmlns:a14="http://schemas.microsoft.com/office/drawing/2010/main" w="9525">
+                <a14:hiddenLine xmlns:a14="http://schemas.microsoft.com/office/drawing/2010/main" xmlns="" w="9525">
                   <a:solidFill>
                     <a:schemeClr val="tx1"/>
                   </a:solidFill>
@@ -7914,7 +7914,7 @@
                 </a14:hiddenLine>
               </a:ext>
               <a:ext uri="{AF507438-7753-43e0-B8FC-AC1667EBCBE1}">
-                <a14:hiddenEffects xmlns="" xmlns:a14="http://schemas.microsoft.com/office/drawing/2010/main">
+                <a14:hiddenEffects xmlns:a14="http://schemas.microsoft.com/office/drawing/2010/main" xmlns="">
                   <a:effectLst>
                     <a:outerShdw blurRad="63500" dist="38099" dir="2700000" algn="ctr" rotWithShape="0">
                       <a:schemeClr val="bg2">
@@ -7959,7 +7959,7 @@
             <a:effectLst/>
             <a:extLst>
               <a:ext uri="{91240B29-F687-4f45-9708-019B960494DF}">
-                <a14:hiddenLine xmlns="" xmlns:a14="http://schemas.microsoft.com/office/drawing/2010/main" w="9525">
+                <a14:hiddenLine xmlns:a14="http://schemas.microsoft.com/office/drawing/2010/main" xmlns="" w="9525">
                   <a:solidFill>
                     <a:schemeClr val="tx1"/>
                   </a:solidFill>
@@ -7969,7 +7969,7 @@
                 </a14:hiddenLine>
               </a:ext>
               <a:ext uri="{AF507438-7753-43e0-B8FC-AC1667EBCBE1}">
-                <a14:hiddenEffects xmlns="" xmlns:a14="http://schemas.microsoft.com/office/drawing/2010/main">
+                <a14:hiddenEffects xmlns:a14="http://schemas.microsoft.com/office/drawing/2010/main" xmlns="">
                   <a:effectLst>
                     <a:outerShdw blurRad="63500" dist="38099" dir="2700000" algn="ctr" rotWithShape="0">
                       <a:schemeClr val="bg2">
@@ -8014,7 +8014,7 @@
             <a:effectLst/>
             <a:extLst>
               <a:ext uri="{91240B29-F687-4f45-9708-019B960494DF}">
-                <a14:hiddenLine xmlns="" xmlns:a14="http://schemas.microsoft.com/office/drawing/2010/main" w="9525">
+                <a14:hiddenLine xmlns:a14="http://schemas.microsoft.com/office/drawing/2010/main" xmlns="" w="9525">
                   <a:solidFill>
                     <a:schemeClr val="tx1"/>
                   </a:solidFill>
@@ -8024,7 +8024,7 @@
                 </a14:hiddenLine>
               </a:ext>
               <a:ext uri="{AF507438-7753-43e0-B8FC-AC1667EBCBE1}">
-                <a14:hiddenEffects xmlns="" xmlns:a14="http://schemas.microsoft.com/office/drawing/2010/main">
+                <a14:hiddenEffects xmlns:a14="http://schemas.microsoft.com/office/drawing/2010/main" xmlns="">
                   <a:effectLst>
                     <a:outerShdw blurRad="63500" dist="38099" dir="2700000" algn="ctr" rotWithShape="0">
                       <a:schemeClr val="bg2">
@@ -8069,7 +8069,7 @@
             <a:effectLst/>
             <a:extLst>
               <a:ext uri="{91240B29-F687-4f45-9708-019B960494DF}">
-                <a14:hiddenLine xmlns="" xmlns:a14="http://schemas.microsoft.com/office/drawing/2010/main" w="9525">
+                <a14:hiddenLine xmlns:a14="http://schemas.microsoft.com/office/drawing/2010/main" xmlns="" w="9525">
                   <a:solidFill>
                     <a:schemeClr val="tx1"/>
                   </a:solidFill>
@@ -8079,7 +8079,7 @@
                 </a14:hiddenLine>
               </a:ext>
               <a:ext uri="{AF507438-7753-43e0-B8FC-AC1667EBCBE1}">
-                <a14:hiddenEffects xmlns="" xmlns:a14="http://schemas.microsoft.com/office/drawing/2010/main">
+                <a14:hiddenEffects xmlns:a14="http://schemas.microsoft.com/office/drawing/2010/main" xmlns="">
                   <a:effectLst>
                     <a:outerShdw blurRad="63500" dist="38099" dir="2700000" algn="ctr" rotWithShape="0">
                       <a:schemeClr val="bg2">
@@ -8124,7 +8124,7 @@
             <a:effectLst/>
             <a:extLst>
               <a:ext uri="{91240B29-F687-4f45-9708-019B960494DF}">
-                <a14:hiddenLine xmlns="" xmlns:a14="http://schemas.microsoft.com/office/drawing/2010/main" w="9525">
+                <a14:hiddenLine xmlns:a14="http://schemas.microsoft.com/office/drawing/2010/main" xmlns="" w="9525">
                   <a:solidFill>
                     <a:schemeClr val="tx1"/>
                   </a:solidFill>
@@ -8134,7 +8134,7 @@
                 </a14:hiddenLine>
               </a:ext>
               <a:ext uri="{AF507438-7753-43e0-B8FC-AC1667EBCBE1}">
-                <a14:hiddenEffects xmlns="" xmlns:a14="http://schemas.microsoft.com/office/drawing/2010/main">
+                <a14:hiddenEffects xmlns:a14="http://schemas.microsoft.com/office/drawing/2010/main" xmlns="">
                   <a:effectLst>
                     <a:outerShdw blurRad="63500" dist="38099" dir="2700000" algn="ctr" rotWithShape="0">
                       <a:schemeClr val="bg2">
@@ -8179,7 +8179,7 @@
             <a:effectLst/>
             <a:extLst>
               <a:ext uri="{91240B29-F687-4f45-9708-019B960494DF}">
-                <a14:hiddenLine xmlns="" xmlns:a14="http://schemas.microsoft.com/office/drawing/2010/main" w="9525">
+                <a14:hiddenLine xmlns:a14="http://schemas.microsoft.com/office/drawing/2010/main" xmlns="" w="9525">
                   <a:solidFill>
                     <a:schemeClr val="tx1"/>
                   </a:solidFill>
@@ -8189,7 +8189,7 @@
                 </a14:hiddenLine>
               </a:ext>
               <a:ext uri="{AF507438-7753-43e0-B8FC-AC1667EBCBE1}">
-                <a14:hiddenEffects xmlns="" xmlns:a14="http://schemas.microsoft.com/office/drawing/2010/main">
+                <a14:hiddenEffects xmlns:a14="http://schemas.microsoft.com/office/drawing/2010/main" xmlns="">
                   <a:effectLst>
                     <a:outerShdw blurRad="63500" dist="38099" dir="2700000" algn="ctr" rotWithShape="0">
                       <a:schemeClr val="bg2">
@@ -8234,7 +8234,7 @@
             <a:effectLst/>
             <a:extLst>
               <a:ext uri="{91240B29-F687-4f45-9708-019B960494DF}">
-                <a14:hiddenLine xmlns="" xmlns:a14="http://schemas.microsoft.com/office/drawing/2010/main" w="9525">
+                <a14:hiddenLine xmlns:a14="http://schemas.microsoft.com/office/drawing/2010/main" xmlns="" w="9525">
                   <a:solidFill>
                     <a:schemeClr val="tx1"/>
                   </a:solidFill>
@@ -8244,7 +8244,7 @@
                 </a14:hiddenLine>
               </a:ext>
               <a:ext uri="{AF507438-7753-43e0-B8FC-AC1667EBCBE1}">
-                <a14:hiddenEffects xmlns="" xmlns:a14="http://schemas.microsoft.com/office/drawing/2010/main">
+                <a14:hiddenEffects xmlns:a14="http://schemas.microsoft.com/office/drawing/2010/main" xmlns="">
                   <a:effectLst>
                     <a:outerShdw blurRad="63500" dist="38099" dir="2700000" algn="ctr" rotWithShape="0">
                       <a:schemeClr val="bg2">
@@ -8289,7 +8289,7 @@
             <a:effectLst/>
             <a:extLst>
               <a:ext uri="{91240B29-F687-4f45-9708-019B960494DF}">
-                <a14:hiddenLine xmlns="" xmlns:a14="http://schemas.microsoft.com/office/drawing/2010/main" w="9525">
+                <a14:hiddenLine xmlns:a14="http://schemas.microsoft.com/office/drawing/2010/main" xmlns="" w="9525">
                   <a:solidFill>
                     <a:schemeClr val="tx1"/>
                   </a:solidFill>
@@ -8299,7 +8299,7 @@
                 </a14:hiddenLine>
               </a:ext>
               <a:ext uri="{AF507438-7753-43e0-B8FC-AC1667EBCBE1}">
-                <a14:hiddenEffects xmlns="" xmlns:a14="http://schemas.microsoft.com/office/drawing/2010/main">
+                <a14:hiddenEffects xmlns:a14="http://schemas.microsoft.com/office/drawing/2010/main" xmlns="">
                   <a:effectLst>
                     <a:outerShdw blurRad="63500" dist="38099" dir="2700000" algn="ctr" rotWithShape="0">
                       <a:schemeClr val="bg2">
@@ -8344,7 +8344,7 @@
             <a:effectLst/>
             <a:extLst>
               <a:ext uri="{91240B29-F687-4f45-9708-019B960494DF}">
-                <a14:hiddenLine xmlns="" xmlns:a14="http://schemas.microsoft.com/office/drawing/2010/main" w="9525">
+                <a14:hiddenLine xmlns:a14="http://schemas.microsoft.com/office/drawing/2010/main" xmlns="" w="9525">
                   <a:solidFill>
                     <a:schemeClr val="tx1"/>
                   </a:solidFill>
@@ -8354,7 +8354,7 @@
                 </a14:hiddenLine>
               </a:ext>
               <a:ext uri="{AF507438-7753-43e0-B8FC-AC1667EBCBE1}">
-                <a14:hiddenEffects xmlns="" xmlns:a14="http://schemas.microsoft.com/office/drawing/2010/main">
+                <a14:hiddenEffects xmlns:a14="http://schemas.microsoft.com/office/drawing/2010/main" xmlns="">
                   <a:effectLst>
                     <a:outerShdw blurRad="63500" dist="38099" dir="2700000" algn="ctr" rotWithShape="0">
                       <a:schemeClr val="bg2">
@@ -8399,7 +8399,7 @@
             <a:effectLst/>
             <a:extLst>
               <a:ext uri="{91240B29-F687-4f45-9708-019B960494DF}">
-                <a14:hiddenLine xmlns="" xmlns:a14="http://schemas.microsoft.com/office/drawing/2010/main" w="9525">
+                <a14:hiddenLine xmlns:a14="http://schemas.microsoft.com/office/drawing/2010/main" xmlns="" w="9525">
                   <a:solidFill>
                     <a:schemeClr val="tx1"/>
                   </a:solidFill>
@@ -8409,7 +8409,7 @@
                 </a14:hiddenLine>
               </a:ext>
               <a:ext uri="{AF507438-7753-43e0-B8FC-AC1667EBCBE1}">
-                <a14:hiddenEffects xmlns="" xmlns:a14="http://schemas.microsoft.com/office/drawing/2010/main">
+                <a14:hiddenEffects xmlns:a14="http://schemas.microsoft.com/office/drawing/2010/main" xmlns="">
                   <a:effectLst>
                     <a:outerShdw blurRad="63500" dist="38099" dir="2700000" algn="ctr" rotWithShape="0">
                       <a:schemeClr val="bg2">
@@ -8454,7 +8454,7 @@
             <a:effectLst/>
             <a:extLst>
               <a:ext uri="{91240B29-F687-4f45-9708-019B960494DF}">
-                <a14:hiddenLine xmlns="" xmlns:a14="http://schemas.microsoft.com/office/drawing/2010/main" w="9525">
+                <a14:hiddenLine xmlns:a14="http://schemas.microsoft.com/office/drawing/2010/main" xmlns="" w="9525">
                   <a:solidFill>
                     <a:schemeClr val="tx1"/>
                   </a:solidFill>
@@ -8464,7 +8464,7 @@
                 </a14:hiddenLine>
               </a:ext>
               <a:ext uri="{AF507438-7753-43e0-B8FC-AC1667EBCBE1}">
-                <a14:hiddenEffects xmlns="" xmlns:a14="http://schemas.microsoft.com/office/drawing/2010/main">
+                <a14:hiddenEffects xmlns:a14="http://schemas.microsoft.com/office/drawing/2010/main" xmlns="">
                   <a:effectLst>
                     <a:outerShdw blurRad="63500" dist="38099" dir="2700000" algn="ctr" rotWithShape="0">
                       <a:schemeClr val="bg2">
@@ -8509,7 +8509,7 @@
             <a:effectLst/>
             <a:extLst>
               <a:ext uri="{91240B29-F687-4f45-9708-019B960494DF}">
-                <a14:hiddenLine xmlns="" xmlns:a14="http://schemas.microsoft.com/office/drawing/2010/main" w="9525">
+                <a14:hiddenLine xmlns:a14="http://schemas.microsoft.com/office/drawing/2010/main" xmlns="" w="9525">
                   <a:solidFill>
                     <a:schemeClr val="tx1"/>
                   </a:solidFill>
@@ -8519,7 +8519,7 @@
                 </a14:hiddenLine>
               </a:ext>
               <a:ext uri="{AF507438-7753-43e0-B8FC-AC1667EBCBE1}">
-                <a14:hiddenEffects xmlns="" xmlns:a14="http://schemas.microsoft.com/office/drawing/2010/main">
+                <a14:hiddenEffects xmlns:a14="http://schemas.microsoft.com/office/drawing/2010/main" xmlns="">
                   <a:effectLst>
                     <a:outerShdw blurRad="63500" dist="38099" dir="2700000" algn="ctr" rotWithShape="0">
                       <a:schemeClr val="bg2">
@@ -8564,7 +8564,7 @@
             <a:effectLst/>
             <a:extLst>
               <a:ext uri="{91240B29-F687-4f45-9708-019B960494DF}">
-                <a14:hiddenLine xmlns="" xmlns:a14="http://schemas.microsoft.com/office/drawing/2010/main" w="9525">
+                <a14:hiddenLine xmlns:a14="http://schemas.microsoft.com/office/drawing/2010/main" xmlns="" w="9525">
                   <a:solidFill>
                     <a:schemeClr val="tx1"/>
                   </a:solidFill>
@@ -8574,7 +8574,7 @@
                 </a14:hiddenLine>
               </a:ext>
               <a:ext uri="{AF507438-7753-43e0-B8FC-AC1667EBCBE1}">
-                <a14:hiddenEffects xmlns="" xmlns:a14="http://schemas.microsoft.com/office/drawing/2010/main">
+                <a14:hiddenEffects xmlns:a14="http://schemas.microsoft.com/office/drawing/2010/main" xmlns="">
                   <a:effectLst>
                     <a:outerShdw blurRad="63500" dist="38099" dir="2700000" algn="ctr" rotWithShape="0">
                       <a:schemeClr val="bg2">
@@ -8619,7 +8619,7 @@
             <a:effectLst/>
             <a:extLst>
               <a:ext uri="{91240B29-F687-4f45-9708-019B960494DF}">
-                <a14:hiddenLine xmlns="" xmlns:a14="http://schemas.microsoft.com/office/drawing/2010/main" w="9525">
+                <a14:hiddenLine xmlns:a14="http://schemas.microsoft.com/office/drawing/2010/main" xmlns="" w="9525">
                   <a:solidFill>
                     <a:schemeClr val="tx1"/>
                   </a:solidFill>
@@ -8629,7 +8629,7 @@
                 </a14:hiddenLine>
               </a:ext>
               <a:ext uri="{AF507438-7753-43e0-B8FC-AC1667EBCBE1}">
-                <a14:hiddenEffects xmlns="" xmlns:a14="http://schemas.microsoft.com/office/drawing/2010/main">
+                <a14:hiddenEffects xmlns:a14="http://schemas.microsoft.com/office/drawing/2010/main" xmlns="">
                   <a:effectLst>
                     <a:outerShdw blurRad="63500" dist="38099" dir="2700000" algn="ctr" rotWithShape="0">
                       <a:schemeClr val="bg2">
@@ -8674,7 +8674,7 @@
             <a:effectLst/>
             <a:extLst>
               <a:ext uri="{91240B29-F687-4f45-9708-019B960494DF}">
-                <a14:hiddenLine xmlns="" xmlns:a14="http://schemas.microsoft.com/office/drawing/2010/main" w="9525">
+                <a14:hiddenLine xmlns:a14="http://schemas.microsoft.com/office/drawing/2010/main" xmlns="" w="9525">
                   <a:solidFill>
                     <a:schemeClr val="tx1"/>
                   </a:solidFill>
@@ -8684,7 +8684,7 @@
                 </a14:hiddenLine>
               </a:ext>
               <a:ext uri="{AF507438-7753-43e0-B8FC-AC1667EBCBE1}">
-                <a14:hiddenEffects xmlns="" xmlns:a14="http://schemas.microsoft.com/office/drawing/2010/main">
+                <a14:hiddenEffects xmlns:a14="http://schemas.microsoft.com/office/drawing/2010/main" xmlns="">
                   <a:effectLst>
                     <a:outerShdw blurRad="63500" dist="38099" dir="2700000" algn="ctr" rotWithShape="0">
                       <a:schemeClr val="bg2">
@@ -8729,7 +8729,7 @@
             <a:effectLst/>
             <a:extLst>
               <a:ext uri="{91240B29-F687-4f45-9708-019B960494DF}">
-                <a14:hiddenLine xmlns="" xmlns:a14="http://schemas.microsoft.com/office/drawing/2010/main" w="9525">
+                <a14:hiddenLine xmlns:a14="http://schemas.microsoft.com/office/drawing/2010/main" xmlns="" w="9525">
                   <a:solidFill>
                     <a:schemeClr val="tx1"/>
                   </a:solidFill>
@@ -8739,7 +8739,7 @@
                 </a14:hiddenLine>
               </a:ext>
               <a:ext uri="{AF507438-7753-43e0-B8FC-AC1667EBCBE1}">
-                <a14:hiddenEffects xmlns="" xmlns:a14="http://schemas.microsoft.com/office/drawing/2010/main">
+                <a14:hiddenEffects xmlns:a14="http://schemas.microsoft.com/office/drawing/2010/main" xmlns="">
                   <a:effectLst>
                     <a:outerShdw blurRad="63500" dist="38099" dir="2700000" algn="ctr" rotWithShape="0">
                       <a:schemeClr val="bg2">
@@ -8784,7 +8784,7 @@
             <a:effectLst/>
             <a:extLst>
               <a:ext uri="{91240B29-F687-4f45-9708-019B960494DF}">
-                <a14:hiddenLine xmlns="" xmlns:a14="http://schemas.microsoft.com/office/drawing/2010/main" w="9525">
+                <a14:hiddenLine xmlns:a14="http://schemas.microsoft.com/office/drawing/2010/main" xmlns="" w="9525">
                   <a:solidFill>
                     <a:schemeClr val="tx1"/>
                   </a:solidFill>
@@ -8794,7 +8794,7 @@
                 </a14:hiddenLine>
               </a:ext>
               <a:ext uri="{AF507438-7753-43e0-B8FC-AC1667EBCBE1}">
-                <a14:hiddenEffects xmlns="" xmlns:a14="http://schemas.microsoft.com/office/drawing/2010/main">
+                <a14:hiddenEffects xmlns:a14="http://schemas.microsoft.com/office/drawing/2010/main" xmlns="">
                   <a:effectLst>
                     <a:outerShdw blurRad="63500" dist="38099" dir="2700000" algn="ctr" rotWithShape="0">
                       <a:schemeClr val="bg2">
@@ -9716,7 +9716,7 @@
           <a:effectLst/>
           <a:extLst>
             <a:ext uri="{AF507438-7753-43e0-B8FC-AC1667EBCBE1}">
-              <a14:hiddenEffects xmlns="" xmlns:a14="http://schemas.microsoft.com/office/drawing/2010/main">
+              <a14:hiddenEffects xmlns:a14="http://schemas.microsoft.com/office/drawing/2010/main" xmlns="">
                 <a:effectLst>
                   <a:outerShdw blurRad="63500" dist="38099" dir="2700000" algn="ctr" rotWithShape="0">
                     <a:schemeClr val="bg2">
@@ -9760,7 +9760,7 @@
           <a:effectLst/>
           <a:extLst>
             <a:ext uri="{AF507438-7753-43e0-B8FC-AC1667EBCBE1}">
-              <a14:hiddenEffects xmlns="" xmlns:a14="http://schemas.microsoft.com/office/drawing/2010/main">
+              <a14:hiddenEffects xmlns:a14="http://schemas.microsoft.com/office/drawing/2010/main" xmlns="">
                 <a:effectLst>
                   <a:outerShdw blurRad="63500" dist="38099" dir="2700000" algn="ctr" rotWithShape="0">
                     <a:schemeClr val="bg2">
@@ -9805,7 +9805,7 @@
           <a:effectLst/>
           <a:extLst>
             <a:ext uri="{AF507438-7753-43e0-B8FC-AC1667EBCBE1}">
-              <a14:hiddenEffects xmlns="" xmlns:a14="http://schemas.microsoft.com/office/drawing/2010/main">
+              <a14:hiddenEffects xmlns:a14="http://schemas.microsoft.com/office/drawing/2010/main" xmlns="">
                 <a:effectLst>
                   <a:outerShdw blurRad="63500" dist="38099" dir="2700000" algn="ctr" rotWithShape="0">
                     <a:schemeClr val="bg2">
@@ -9850,7 +9850,7 @@
           <a:effectLst/>
           <a:extLst>
             <a:ext uri="{AF507438-7753-43e0-B8FC-AC1667EBCBE1}">
-              <a14:hiddenEffects xmlns="" xmlns:a14="http://schemas.microsoft.com/office/drawing/2010/main">
+              <a14:hiddenEffects xmlns:a14="http://schemas.microsoft.com/office/drawing/2010/main" xmlns="">
                 <a:effectLst>
                   <a:outerShdw blurRad="63500" dist="38099" dir="2700000" algn="ctr" rotWithShape="0">
                     <a:schemeClr val="bg2">
@@ -9895,7 +9895,7 @@
           <a:effectLst/>
           <a:extLst>
             <a:ext uri="{AF507438-7753-43e0-B8FC-AC1667EBCBE1}">
-              <a14:hiddenEffects xmlns="" xmlns:a14="http://schemas.microsoft.com/office/drawing/2010/main">
+              <a14:hiddenEffects xmlns:a14="http://schemas.microsoft.com/office/drawing/2010/main" xmlns="">
                 <a:effectLst>
                   <a:outerShdw blurRad="63500" dist="38099" dir="2700000" algn="ctr" rotWithShape="0">
                     <a:schemeClr val="bg2">
@@ -9940,7 +9940,7 @@
           <a:effectLst/>
           <a:extLst>
             <a:ext uri="{AF507438-7753-43e0-B8FC-AC1667EBCBE1}">
-              <a14:hiddenEffects xmlns="" xmlns:a14="http://schemas.microsoft.com/office/drawing/2010/main">
+              <a14:hiddenEffects xmlns:a14="http://schemas.microsoft.com/office/drawing/2010/main" xmlns="">
                 <a:effectLst>
                   <a:outerShdw blurRad="63500" dist="38099" dir="2700000" algn="ctr" rotWithShape="0">
                     <a:schemeClr val="bg2">
@@ -9986,7 +9986,7 @@
           <a:effectLst/>
           <a:extLst>
             <a:ext uri="{AF507438-7753-43e0-B8FC-AC1667EBCBE1}">
-              <a14:hiddenEffects xmlns="" xmlns:a14="http://schemas.microsoft.com/office/drawing/2010/main">
+              <a14:hiddenEffects xmlns:a14="http://schemas.microsoft.com/office/drawing/2010/main" xmlns="">
                 <a:effectLst>
                   <a:outerShdw blurRad="63500" dist="38099" dir="2700000" algn="ctr" rotWithShape="0">
                     <a:schemeClr val="bg2">
@@ -10389,7 +10389,7 @@
           <a:effectLst/>
           <a:extLst>
             <a:ext uri="{AF507438-7753-43e0-B8FC-AC1667EBCBE1}">
-              <a14:hiddenEffects xmlns="" xmlns:a14="http://schemas.microsoft.com/office/drawing/2010/main">
+              <a14:hiddenEffects xmlns:a14="http://schemas.microsoft.com/office/drawing/2010/main" xmlns="">
                 <a:effectLst>
                   <a:outerShdw blurRad="63500" dist="38099" dir="2700000" algn="ctr" rotWithShape="0">
                     <a:schemeClr val="bg2">
@@ -10434,7 +10434,7 @@
           <a:effectLst/>
           <a:extLst>
             <a:ext uri="{AF507438-7753-43e0-B8FC-AC1667EBCBE1}">
-              <a14:hiddenEffects xmlns="" xmlns:a14="http://schemas.microsoft.com/office/drawing/2010/main">
+              <a14:hiddenEffects xmlns:a14="http://schemas.microsoft.com/office/drawing/2010/main" xmlns="">
                 <a:effectLst>
                   <a:outerShdw blurRad="63500" dist="38099" dir="2700000" algn="ctr" rotWithShape="0">
                     <a:schemeClr val="bg2">
@@ -10521,7 +10521,7 @@
           <a:effectLst/>
           <a:extLst>
             <a:ext uri="{AF507438-7753-43e0-B8FC-AC1667EBCBE1}">
-              <a14:hiddenEffects xmlns:a14="http://schemas.microsoft.com/office/drawing/2010/main" xmlns="">
+              <a14:hiddenEffects xmlns="" xmlns:a14="http://schemas.microsoft.com/office/drawing/2010/main">
                 <a:effectLst>
                   <a:outerShdw blurRad="63500" dist="38099" dir="2700000" algn="ctr" rotWithShape="0">
                     <a:schemeClr val="bg2">
@@ -10567,7 +10567,7 @@
           </a:ln>
           <a:extLst>
             <a:ext uri="{909E8E84-426E-40dd-AFC4-6F175D3DCCD1}">
-              <a14:hiddenFill xmlns="" xmlns:a14="http://schemas.microsoft.com/office/drawing/2010/main">
+              <a14:hiddenFill xmlns:a14="http://schemas.microsoft.com/office/drawing/2010/main" xmlns="">
                 <a:solidFill>
                   <a:schemeClr val="accent1"/>
                 </a:solidFill>
@@ -10904,7 +10904,7 @@
           </a:ln>
           <a:extLst>
             <a:ext uri="{909E8E84-426E-40dd-AFC4-6F175D3DCCD1}">
-              <a14:hiddenFill xmlns="" xmlns:a14="http://schemas.microsoft.com/office/drawing/2010/main">
+              <a14:hiddenFill xmlns:a14="http://schemas.microsoft.com/office/drawing/2010/main" xmlns="">
                 <a:solidFill>
                   <a:schemeClr val="accent1"/>
                 </a:solidFill>
@@ -11459,7 +11459,7 @@
           </a:ln>
           <a:extLst>
             <a:ext uri="{909E8E84-426E-40dd-AFC4-6F175D3DCCD1}">
-              <a14:hiddenFill xmlns="" xmlns:a14="http://schemas.microsoft.com/office/drawing/2010/main">
+              <a14:hiddenFill xmlns:a14="http://schemas.microsoft.com/office/drawing/2010/main" xmlns="">
                 <a:noFill/>
               </a14:hiddenFill>
             </a:ext>
@@ -11488,14 +11488,14 @@
           </a:ln>
           <a:extLst>
             <a:ext uri="{909E8E84-426E-40dd-AFC4-6F175D3DCCD1}">
-              <a14:hiddenFill xmlns="" xmlns:a14="http://schemas.microsoft.com/office/drawing/2010/main">
+              <a14:hiddenFill xmlns:a14="http://schemas.microsoft.com/office/drawing/2010/main" xmlns="">
                 <a:solidFill>
                   <a:schemeClr val="accent1"/>
                 </a:solidFill>
               </a14:hiddenFill>
             </a:ext>
             <a:ext uri="{91240B29-F687-4f45-9708-019B960494DF}">
-              <a14:hiddenLine xmlns="" xmlns:a14="http://schemas.microsoft.com/office/drawing/2010/main" w="9525">
+              <a14:hiddenLine xmlns:a14="http://schemas.microsoft.com/office/drawing/2010/main" xmlns="" w="9525">
                 <a:solidFill>
                   <a:schemeClr val="tx1"/>
                 </a:solidFill>
@@ -11545,14 +11545,14 @@
           </a:ln>
           <a:extLst>
             <a:ext uri="{909E8E84-426E-40dd-AFC4-6F175D3DCCD1}">
-              <a14:hiddenFill xmlns="" xmlns:a14="http://schemas.microsoft.com/office/drawing/2010/main">
+              <a14:hiddenFill xmlns:a14="http://schemas.microsoft.com/office/drawing/2010/main" xmlns="">
                 <a:solidFill>
                   <a:schemeClr val="accent1"/>
                 </a:solidFill>
               </a14:hiddenFill>
             </a:ext>
             <a:ext uri="{91240B29-F687-4f45-9708-019B960494DF}">
-              <a14:hiddenLine xmlns="" xmlns:a14="http://schemas.microsoft.com/office/drawing/2010/main" w="9525">
+              <a14:hiddenLine xmlns:a14="http://schemas.microsoft.com/office/drawing/2010/main" xmlns="" w="9525">
                 <a:solidFill>
                   <a:schemeClr val="tx1"/>
                 </a:solidFill>
@@ -12377,7 +12377,7 @@
           <a:effectLst/>
           <a:extLst>
             <a:ext uri="{AF507438-7753-43e0-B8FC-AC1667EBCBE1}">
-              <a14:hiddenEffects xmlns="" xmlns:a14="http://schemas.microsoft.com/office/drawing/2010/main">
+              <a14:hiddenEffects xmlns:a14="http://schemas.microsoft.com/office/drawing/2010/main" xmlns="">
                 <a:effectLst>
                   <a:outerShdw blurRad="63500" dist="38099" dir="2700000" algn="ctr" rotWithShape="0">
                     <a:schemeClr val="bg2">
@@ -12565,7 +12565,7 @@
           </a:ln>
           <a:extLst>
             <a:ext uri="{909E8E84-426E-40dd-AFC4-6F175D3DCCD1}">
-              <a14:hiddenFill xmlns="" xmlns:a14="http://schemas.microsoft.com/office/drawing/2010/main">
+              <a14:hiddenFill xmlns:a14="http://schemas.microsoft.com/office/drawing/2010/main" xmlns="">
                 <a:solidFill>
                   <a:schemeClr val="accent1"/>
                 </a:solidFill>
@@ -14440,14 +14440,14 @@
           </a:ln>
           <a:extLst>
             <a:ext uri="{909E8E84-426E-40dd-AFC4-6F175D3DCCD1}">
-              <a14:hiddenFill xmlns="" xmlns:a14="http://schemas.microsoft.com/office/drawing/2010/main">
+              <a14:hiddenFill xmlns:a14="http://schemas.microsoft.com/office/drawing/2010/main" xmlns="">
                 <a:solidFill>
                   <a:schemeClr val="accent1"/>
                 </a:solidFill>
               </a14:hiddenFill>
             </a:ext>
             <a:ext uri="{91240B29-F687-4f45-9708-019B960494DF}">
-              <a14:hiddenLine xmlns="" xmlns:a14="http://schemas.microsoft.com/office/drawing/2010/main" w="9525">
+              <a14:hiddenLine xmlns:a14="http://schemas.microsoft.com/office/drawing/2010/main" xmlns="" w="9525">
                 <a:solidFill>
                   <a:schemeClr val="tx1"/>
                 </a:solidFill>
@@ -14770,14 +14770,14 @@
           </a:ln>
           <a:extLst>
             <a:ext uri="{909E8E84-426E-40dd-AFC4-6F175D3DCCD1}">
-              <a14:hiddenFill xmlns="" xmlns:a14="http://schemas.microsoft.com/office/drawing/2010/main">
+              <a14:hiddenFill xmlns:a14="http://schemas.microsoft.com/office/drawing/2010/main" xmlns="">
                 <a:solidFill>
                   <a:schemeClr val="accent1"/>
                 </a:solidFill>
               </a14:hiddenFill>
             </a:ext>
             <a:ext uri="{91240B29-F687-4f45-9708-019B960494DF}">
-              <a14:hiddenLine xmlns="" xmlns:a14="http://schemas.microsoft.com/office/drawing/2010/main" w="9525">
+              <a14:hiddenLine xmlns:a14="http://schemas.microsoft.com/office/drawing/2010/main" xmlns="" w="9525">
                 <a:solidFill>
                   <a:schemeClr val="tx1"/>
                 </a:solidFill>
@@ -15202,14 +15202,14 @@
           </a:ln>
           <a:extLst>
             <a:ext uri="{909E8E84-426E-40dd-AFC4-6F175D3DCCD1}">
-              <a14:hiddenFill xmlns="" xmlns:a14="http://schemas.microsoft.com/office/drawing/2010/main">
+              <a14:hiddenFill xmlns:a14="http://schemas.microsoft.com/office/drawing/2010/main" xmlns="">
                 <a:solidFill>
                   <a:schemeClr val="accent1"/>
                 </a:solidFill>
               </a14:hiddenFill>
             </a:ext>
             <a:ext uri="{91240B29-F687-4f45-9708-019B960494DF}">
-              <a14:hiddenLine xmlns="" xmlns:a14="http://schemas.microsoft.com/office/drawing/2010/main" w="9525">
+              <a14:hiddenLine xmlns:a14="http://schemas.microsoft.com/office/drawing/2010/main" xmlns="" w="9525">
                 <a:solidFill>
                   <a:schemeClr val="tx1"/>
                 </a:solidFill>
@@ -15569,14 +15569,14 @@
           </a:ln>
           <a:extLst>
             <a:ext uri="{909E8E84-426E-40dd-AFC4-6F175D3DCCD1}">
-              <a14:hiddenFill xmlns="" xmlns:a14="http://schemas.microsoft.com/office/drawing/2010/main">
+              <a14:hiddenFill xmlns:a14="http://schemas.microsoft.com/office/drawing/2010/main" xmlns="">
                 <a:solidFill>
                   <a:schemeClr val="accent1"/>
                 </a:solidFill>
               </a14:hiddenFill>
             </a:ext>
             <a:ext uri="{91240B29-F687-4f45-9708-019B960494DF}">
-              <a14:hiddenLine xmlns="" xmlns:a14="http://schemas.microsoft.com/office/drawing/2010/main" w="9525">
+              <a14:hiddenLine xmlns:a14="http://schemas.microsoft.com/office/drawing/2010/main" xmlns="" w="9525">
                 <a:solidFill>
                   <a:schemeClr val="tx1"/>
                 </a:solidFill>
@@ -15899,14 +15899,14 @@
           </a:ln>
           <a:extLst>
             <a:ext uri="{909E8E84-426E-40dd-AFC4-6F175D3DCCD1}">
-              <a14:hiddenFill xmlns="" xmlns:a14="http://schemas.microsoft.com/office/drawing/2010/main">
+              <a14:hiddenFill xmlns:a14="http://schemas.microsoft.com/office/drawing/2010/main" xmlns="">
                 <a:solidFill>
                   <a:schemeClr val="accent1"/>
                 </a:solidFill>
               </a14:hiddenFill>
             </a:ext>
             <a:ext uri="{91240B29-F687-4f45-9708-019B960494DF}">
-              <a14:hiddenLine xmlns="" xmlns:a14="http://schemas.microsoft.com/office/drawing/2010/main" w="9525">
+              <a14:hiddenLine xmlns:a14="http://schemas.microsoft.com/office/drawing/2010/main" xmlns="" w="9525">
                 <a:solidFill>
                   <a:schemeClr val="tx1"/>
                 </a:solidFill>
@@ -16485,7 +16485,7 @@
           <a:effectLst/>
           <a:extLst>
             <a:ext uri="{AF507438-7753-43e0-B8FC-AC1667EBCBE1}">
-              <a14:hiddenEffects xmlns:a14="http://schemas.microsoft.com/office/drawing/2010/main" xmlns="">
+              <a14:hiddenEffects xmlns="" xmlns:a14="http://schemas.microsoft.com/office/drawing/2010/main">
                 <a:effectLst>
                   <a:outerShdw blurRad="63500" dist="38099" dir="2700000" algn="ctr" rotWithShape="0">
                     <a:schemeClr val="bg2">
@@ -16679,103 +16679,17 @@
         <p:spPr/>
         <p:txBody>
           <a:bodyPr>
-            <a:normAutofit fontScale="85000" lnSpcReduction="10000"/>
+            <a:normAutofit/>
           </a:bodyPr>
           <a:lstStyle/>
           <a:p>
             <a:r>
               <a:rPr lang="en-US" dirty="0"/>
-              <a:t>Given the grammar G:</a:t>
-            </a:r>
-            <a:br>
-              <a:rPr lang="en-US" dirty="0"/>
-            </a:br>
-            <a:r>
-              <a:rPr lang="en-US" dirty="0"/>
-              <a:t>A : a B</a:t>
-            </a:r>
-            <a:br>
-              <a:rPr lang="en-US" dirty="0"/>
-            </a:br>
-            <a:r>
-              <a:rPr lang="en-US" dirty="0"/>
-              <a:t>    | “”</a:t>
-            </a:r>
-            <a:br>
-              <a:rPr lang="en-US" dirty="0"/>
-            </a:br>
-            <a:r>
-              <a:rPr lang="en-US" dirty="0"/>
-              <a:t>B : b A</a:t>
-            </a:r>
-          </a:p>
-          <a:p>
-            <a:r>
-              <a:rPr lang="en-US" dirty="0"/>
-              <a:t>Do the following:</a:t>
-            </a:r>
-          </a:p>
-          <a:p>
-            <a:pPr marL="858837" lvl="1" indent="-514350">
-              <a:buFont typeface="+mj-lt"/>
-              <a:buAutoNum type="arabicPeriod"/>
-            </a:pPr>
-            <a:r>
-              <a:rPr lang="en-US" dirty="0"/>
-              <a:t>Give three examples of </a:t>
+              <a:t>Please see </a:t>
             </a:r>
             <a:r>
               <a:rPr lang="en-US"/>
-              <a:t>strings the </a:t>
-            </a:r>
-            <a:r>
-              <a:rPr lang="en-US" dirty="0"/>
-              <a:t>grammar generates.</a:t>
-            </a:r>
-          </a:p>
-          <a:p>
-            <a:pPr marL="858837" lvl="1" indent="-514350">
-              <a:buFont typeface="+mj-lt"/>
-              <a:buAutoNum type="arabicPeriod"/>
-            </a:pPr>
-            <a:r>
-              <a:rPr lang="en-US" dirty="0"/>
-              <a:t>Compute the lookahead sets for the grammar.</a:t>
-            </a:r>
-          </a:p>
-          <a:p>
-            <a:pPr marL="858837" lvl="1" indent="-514350">
-              <a:buFont typeface="+mj-lt"/>
-              <a:buAutoNum type="arabicPeriod"/>
-            </a:pPr>
-            <a:r>
-              <a:rPr lang="en-US" dirty="0"/>
-              <a:t>Construct a parser for L(G).</a:t>
-            </a:r>
-          </a:p>
-          <a:p>
-            <a:r>
-              <a:rPr lang="en-US" dirty="0"/>
-              <a:t>Resources:</a:t>
-            </a:r>
-          </a:p>
-          <a:p>
-            <a:pPr lvl="1"/>
-            <a:r>
-              <a:rPr lang="en-US" dirty="0">
-                <a:hlinkClick r:id="rId2"/>
-              </a:rPr>
-              <a:t>https://replit.com/@lutzhamel/plipy-code</a:t>
-            </a:r>
-            <a:endParaRPr lang="en-US" dirty="0"/>
-          </a:p>
-          <a:p>
-            <a:pPr lvl="1"/>
-            <a:r>
-              <a:rPr lang="en-US" dirty="0">
-                <a:hlinkClick r:id="rId3"/>
-              </a:rPr>
-              <a:t>https://github.com/lutzhamel/plipy-code</a:t>
+              <a:t>BrightSpace</a:t>
             </a:r>
             <a:endParaRPr lang="en-US" dirty="0"/>
           </a:p>
@@ -17350,7 +17264,7 @@
           <a:effectLst/>
           <a:extLst>
             <a:ext uri="{AF507438-7753-43e0-B8FC-AC1667EBCBE1}">
-              <a14:hiddenEffects xmlns:a14="http://schemas.microsoft.com/office/drawing/2010/main" xmlns="">
+              <a14:hiddenEffects xmlns="" xmlns:a14="http://schemas.microsoft.com/office/drawing/2010/main">
                 <a:effectLst>
                   <a:outerShdw blurRad="63500" dist="38099" dir="2700000" algn="ctr" rotWithShape="0">
                     <a:schemeClr val="bg2">
@@ -17436,7 +17350,7 @@
           <a:effectLst/>
           <a:extLst>
             <a:ext uri="{AF507438-7753-43e0-B8FC-AC1667EBCBE1}">
-              <a14:hiddenEffects xmlns:a14="http://schemas.microsoft.com/office/drawing/2010/main" xmlns="">
+              <a14:hiddenEffects xmlns="" xmlns:a14="http://schemas.microsoft.com/office/drawing/2010/main">
                 <a:effectLst>
                   <a:outerShdw blurRad="63500" dist="38099" dir="2700000" algn="ctr" rotWithShape="0">
                     <a:schemeClr val="bg2">
@@ -17522,7 +17436,7 @@
           <a:effectLst/>
           <a:extLst>
             <a:ext uri="{AF507438-7753-43e0-B8FC-AC1667EBCBE1}">
-              <a14:hiddenEffects xmlns:a14="http://schemas.microsoft.com/office/drawing/2010/main" xmlns="">
+              <a14:hiddenEffects xmlns="" xmlns:a14="http://schemas.microsoft.com/office/drawing/2010/main">
                 <a:effectLst>
                   <a:outerShdw blurRad="63500" dist="38099" dir="2700000" algn="ctr" rotWithShape="0">
                     <a:schemeClr val="bg2">
@@ -17643,7 +17557,7 @@
           <a:effectLst/>
           <a:extLst>
             <a:ext uri="{AF507438-7753-43e0-B8FC-AC1667EBCBE1}">
-              <a14:hiddenEffects xmlns:a14="http://schemas.microsoft.com/office/drawing/2010/main" xmlns="">
+              <a14:hiddenEffects xmlns="" xmlns:a14="http://schemas.microsoft.com/office/drawing/2010/main">
                 <a:effectLst>
                   <a:outerShdw blurRad="63500" dist="38099" dir="2700000" algn="ctr" rotWithShape="0">
                     <a:schemeClr val="bg2">
@@ -18730,7 +18644,7 @@
           </a:ln>
           <a:extLst>
             <a:ext uri="{909E8E84-426E-40dd-AFC4-6F175D3DCCD1}">
-              <a14:hiddenFill xmlns="" xmlns:a14="http://schemas.microsoft.com/office/drawing/2010/main">
+              <a14:hiddenFill xmlns:a14="http://schemas.microsoft.com/office/drawing/2010/main" xmlns="">
                 <a:solidFill>
                   <a:schemeClr val="accent1"/>
                 </a:solidFill>
@@ -18933,14 +18847,14 @@
           </a:ln>
           <a:extLst>
             <a:ext uri="{909E8E84-426E-40dd-AFC4-6F175D3DCCD1}">
-              <a14:hiddenFill xmlns="" xmlns:a14="http://schemas.microsoft.com/office/drawing/2010/main">
+              <a14:hiddenFill xmlns:a14="http://schemas.microsoft.com/office/drawing/2010/main" xmlns="">
                 <a:solidFill>
                   <a:schemeClr val="accent1"/>
                 </a:solidFill>
               </a14:hiddenFill>
             </a:ext>
             <a:ext uri="{91240B29-F687-4f45-9708-019B960494DF}">
-              <a14:hiddenLine xmlns="" xmlns:a14="http://schemas.microsoft.com/office/drawing/2010/main" w="9525">
+              <a14:hiddenLine xmlns:a14="http://schemas.microsoft.com/office/drawing/2010/main" xmlns="" w="9525">
                 <a:solidFill>
                   <a:schemeClr val="tx1"/>
                 </a:solidFill>
@@ -19377,7 +19291,7 @@
         <a:effectLst/>
         <a:extLst>
           <a:ext uri="{AF507438-7753-43e0-B8FC-AC1667EBCBE1}">
-            <a14:hiddenEffects xmlns="" xmlns:a14="http://schemas.microsoft.com/office/drawing/2010/main">
+            <a14:hiddenEffects xmlns:a14="http://schemas.microsoft.com/office/drawing/2010/main" xmlns="">
               <a:effectLst>
                 <a:outerShdw blurRad="63500" dist="38099" dir="2700000" algn="ctr" rotWithShape="0">
                   <a:schemeClr val="bg2">
@@ -19454,7 +19368,7 @@
         <a:effectLst/>
         <a:extLst>
           <a:ext uri="{AF507438-7753-43e0-B8FC-AC1667EBCBE1}">
-            <a14:hiddenEffects xmlns="" xmlns:a14="http://schemas.microsoft.com/office/drawing/2010/main">
+            <a14:hiddenEffects xmlns:a14="http://schemas.microsoft.com/office/drawing/2010/main" xmlns="">
               <a:effectLst>
                 <a:outerShdw blurRad="63500" dist="38099" dir="2700000" algn="ctr" rotWithShape="0">
                   <a:schemeClr val="bg2">

--- a/notes/csc402-ln002.pptx
+++ b/notes/csc402-ln002.pptx
@@ -238,17 +238,17 @@
           </a:ln>
           <a:extLst>
             <a:ext uri="{FAA26D3D-D897-4be2-8F04-BA451C77F1D7}">
-              <ma14:placeholderFlag xmlns="" xmlns:ma14="http://schemas.microsoft.com/office/mac/drawingml/2011/main" val="1"/>
+              <ma14:placeholderFlag xmlns:ma14="http://schemas.microsoft.com/office/mac/drawingml/2011/main" xmlns="" val="1"/>
             </a:ext>
             <a:ext uri="{909E8E84-426E-40dd-AFC4-6F175D3DCCD1}">
-              <a14:hiddenFill xmlns:a14="http://schemas.microsoft.com/office/drawing/2010/main" xmlns="">
+              <a14:hiddenFill xmlns="" xmlns:a14="http://schemas.microsoft.com/office/drawing/2010/main">
                 <a:solidFill>
                   <a:schemeClr val="accent1"/>
                 </a:solidFill>
               </a14:hiddenFill>
             </a:ext>
             <a:ext uri="{91240B29-F687-4f45-9708-019B960494DF}">
-              <a14:hiddenLine xmlns:a14="http://schemas.microsoft.com/office/drawing/2010/main" xmlns="" w="9525">
+              <a14:hiddenLine xmlns="" xmlns:a14="http://schemas.microsoft.com/office/drawing/2010/main" w="9525">
                 <a:solidFill>
                   <a:schemeClr val="tx1"/>
                 </a:solidFill>
@@ -299,17 +299,17 @@
           </a:ln>
           <a:extLst>
             <a:ext uri="{FAA26D3D-D897-4be2-8F04-BA451C77F1D7}">
-              <ma14:placeholderFlag xmlns="" xmlns:ma14="http://schemas.microsoft.com/office/mac/drawingml/2011/main" val="1"/>
+              <ma14:placeholderFlag xmlns:ma14="http://schemas.microsoft.com/office/mac/drawingml/2011/main" xmlns="" val="1"/>
             </a:ext>
             <a:ext uri="{909E8E84-426E-40dd-AFC4-6F175D3DCCD1}">
-              <a14:hiddenFill xmlns:a14="http://schemas.microsoft.com/office/drawing/2010/main" xmlns="">
+              <a14:hiddenFill xmlns="" xmlns:a14="http://schemas.microsoft.com/office/drawing/2010/main">
                 <a:solidFill>
                   <a:schemeClr val="accent1"/>
                 </a:solidFill>
               </a14:hiddenFill>
             </a:ext>
             <a:ext uri="{91240B29-F687-4f45-9708-019B960494DF}">
-              <a14:hiddenLine xmlns:a14="http://schemas.microsoft.com/office/drawing/2010/main" xmlns="" w="9525">
+              <a14:hiddenLine xmlns="" xmlns:a14="http://schemas.microsoft.com/office/drawing/2010/main" w="9525">
                 <a:solidFill>
                   <a:schemeClr val="tx1"/>
                 </a:solidFill>
@@ -366,7 +366,7 @@
           <a:effectLst/>
           <a:extLst>
             <a:ext uri="{AF507438-7753-43e0-B8FC-AC1667EBCBE1}">
-              <a14:hiddenEffects xmlns:a14="http://schemas.microsoft.com/office/drawing/2010/main" xmlns="">
+              <a14:hiddenEffects xmlns="" xmlns:a14="http://schemas.microsoft.com/office/drawing/2010/main">
                 <a:effectLst>
                   <a:outerShdw blurRad="63500" dist="38099" dir="2700000" algn="ctr" rotWithShape="0">
                     <a:srgbClr val="000000">
@@ -377,7 +377,7 @@
               </a14:hiddenEffects>
             </a:ext>
             <a:ext uri="{53640926-AAD7-44d8-BBD7-CCE9431645EC}">
-              <a14:shadowObscured xmlns:a14="http://schemas.microsoft.com/office/drawing/2010/main" xmlns="" val="1"/>
+              <a14:shadowObscured xmlns="" xmlns:a14="http://schemas.microsoft.com/office/drawing/2010/main" val="1"/>
             </a:ext>
           </a:extLst>
         </p:spPr>
@@ -406,17 +406,17 @@
           </a:ln>
           <a:extLst>
             <a:ext uri="{FAA26D3D-D897-4be2-8F04-BA451C77F1D7}">
-              <ma14:placeholderFlag xmlns="" xmlns:ma14="http://schemas.microsoft.com/office/mac/drawingml/2011/main" val="1"/>
+              <ma14:placeholderFlag xmlns:ma14="http://schemas.microsoft.com/office/mac/drawingml/2011/main" xmlns="" val="1"/>
             </a:ext>
             <a:ext uri="{909E8E84-426E-40dd-AFC4-6F175D3DCCD1}">
-              <a14:hiddenFill xmlns:a14="http://schemas.microsoft.com/office/drawing/2010/main" xmlns="">
+              <a14:hiddenFill xmlns="" xmlns:a14="http://schemas.microsoft.com/office/drawing/2010/main">
                 <a:solidFill>
                   <a:schemeClr val="accent1"/>
                 </a:solidFill>
               </a14:hiddenFill>
             </a:ext>
             <a:ext uri="{91240B29-F687-4f45-9708-019B960494DF}">
-              <a14:hiddenLine xmlns:a14="http://schemas.microsoft.com/office/drawing/2010/main" xmlns="" w="9525">
+              <a14:hiddenLine xmlns="" xmlns:a14="http://schemas.microsoft.com/office/drawing/2010/main" w="9525">
                 <a:solidFill>
                   <a:schemeClr val="tx1"/>
                 </a:solidFill>
@@ -495,17 +495,17 @@
           </a:ln>
           <a:extLst>
             <a:ext uri="{FAA26D3D-D897-4be2-8F04-BA451C77F1D7}">
-              <ma14:placeholderFlag xmlns="" xmlns:ma14="http://schemas.microsoft.com/office/mac/drawingml/2011/main" val="1"/>
+              <ma14:placeholderFlag xmlns:ma14="http://schemas.microsoft.com/office/mac/drawingml/2011/main" xmlns="" val="1"/>
             </a:ext>
             <a:ext uri="{909E8E84-426E-40dd-AFC4-6F175D3DCCD1}">
-              <a14:hiddenFill xmlns:a14="http://schemas.microsoft.com/office/drawing/2010/main" xmlns="">
+              <a14:hiddenFill xmlns="" xmlns:a14="http://schemas.microsoft.com/office/drawing/2010/main">
                 <a:solidFill>
                   <a:schemeClr val="accent1"/>
                 </a:solidFill>
               </a14:hiddenFill>
             </a:ext>
             <a:ext uri="{91240B29-F687-4f45-9708-019B960494DF}">
-              <a14:hiddenLine xmlns:a14="http://schemas.microsoft.com/office/drawing/2010/main" xmlns="" w="9525">
+              <a14:hiddenLine xmlns="" xmlns:a14="http://schemas.microsoft.com/office/drawing/2010/main" w="9525">
                 <a:solidFill>
                   <a:schemeClr val="tx1"/>
                 </a:solidFill>
@@ -556,17 +556,17 @@
           </a:ln>
           <a:extLst>
             <a:ext uri="{FAA26D3D-D897-4be2-8F04-BA451C77F1D7}">
-              <ma14:placeholderFlag xmlns="" xmlns:ma14="http://schemas.microsoft.com/office/mac/drawingml/2011/main" val="1"/>
+              <ma14:placeholderFlag xmlns:ma14="http://schemas.microsoft.com/office/mac/drawingml/2011/main" xmlns="" val="1"/>
             </a:ext>
             <a:ext uri="{909E8E84-426E-40dd-AFC4-6F175D3DCCD1}">
-              <a14:hiddenFill xmlns:a14="http://schemas.microsoft.com/office/drawing/2010/main" xmlns="">
+              <a14:hiddenFill xmlns="" xmlns:a14="http://schemas.microsoft.com/office/drawing/2010/main">
                 <a:solidFill>
                   <a:schemeClr val="accent1"/>
                 </a:solidFill>
               </a14:hiddenFill>
             </a:ext>
             <a:ext uri="{91240B29-F687-4f45-9708-019B960494DF}">
-              <a14:hiddenLine xmlns:a14="http://schemas.microsoft.com/office/drawing/2010/main" xmlns="" w="9525">
+              <a14:hiddenLine xmlns="" xmlns:a14="http://schemas.microsoft.com/office/drawing/2010/main" w="9525">
                 <a:solidFill>
                   <a:schemeClr val="tx1"/>
                 </a:solidFill>
@@ -788,7 +788,7 @@
           <a:ln/>
           <a:extLst>
             <a:ext uri="{FAA26D3D-D897-4be2-8F04-BA451C77F1D7}">
-              <ma14:placeholderFlag xmlns="" xmlns:ma14="http://schemas.microsoft.com/office/mac/drawingml/2011/main" val="1"/>
+              <ma14:placeholderFlag xmlns:ma14="http://schemas.microsoft.com/office/mac/drawingml/2011/main" xmlns="" val="1"/>
             </a:ext>
           </a:extLst>
         </p:spPr>
@@ -877,7 +877,7 @@
           <a:ln/>
           <a:extLst>
             <a:ext uri="{FAA26D3D-D897-4be2-8F04-BA451C77F1D7}">
-              <ma14:placeholderFlag xmlns="" xmlns:ma14="http://schemas.microsoft.com/office/mac/drawingml/2011/main" val="1"/>
+              <ma14:placeholderFlag xmlns:ma14="http://schemas.microsoft.com/office/mac/drawingml/2011/main" xmlns="" val="1"/>
             </a:ext>
           </a:extLst>
         </p:spPr>
@@ -966,7 +966,7 @@
           <a:ln/>
           <a:extLst>
             <a:ext uri="{FAA26D3D-D897-4be2-8F04-BA451C77F1D7}">
-              <ma14:placeholderFlag xmlns="" xmlns:ma14="http://schemas.microsoft.com/office/mac/drawingml/2011/main" val="1"/>
+              <ma14:placeholderFlag xmlns:ma14="http://schemas.microsoft.com/office/mac/drawingml/2011/main" xmlns="" val="1"/>
             </a:ext>
           </a:extLst>
         </p:spPr>
@@ -1055,7 +1055,7 @@
           <a:ln/>
           <a:extLst>
             <a:ext uri="{FAA26D3D-D897-4be2-8F04-BA451C77F1D7}">
-              <ma14:placeholderFlag xmlns="" xmlns:ma14="http://schemas.microsoft.com/office/mac/drawingml/2011/main" val="1"/>
+              <ma14:placeholderFlag xmlns:ma14="http://schemas.microsoft.com/office/mac/drawingml/2011/main" xmlns="" val="1"/>
             </a:ext>
           </a:extLst>
         </p:spPr>
@@ -1144,7 +1144,7 @@
           <a:ln/>
           <a:extLst>
             <a:ext uri="{FAA26D3D-D897-4be2-8F04-BA451C77F1D7}">
-              <ma14:placeholderFlag xmlns="" xmlns:ma14="http://schemas.microsoft.com/office/mac/drawingml/2011/main" val="1"/>
+              <ma14:placeholderFlag xmlns:ma14="http://schemas.microsoft.com/office/mac/drawingml/2011/main" xmlns="" val="1"/>
             </a:ext>
           </a:extLst>
         </p:spPr>
@@ -1233,7 +1233,7 @@
           <a:ln/>
           <a:extLst>
             <a:ext uri="{FAA26D3D-D897-4be2-8F04-BA451C77F1D7}">
-              <ma14:placeholderFlag xmlns="" xmlns:ma14="http://schemas.microsoft.com/office/mac/drawingml/2011/main" val="1"/>
+              <ma14:placeholderFlag xmlns:ma14="http://schemas.microsoft.com/office/mac/drawingml/2011/main" xmlns="" val="1"/>
             </a:ext>
           </a:extLst>
         </p:spPr>
@@ -1322,7 +1322,7 @@
           <a:ln/>
           <a:extLst>
             <a:ext uri="{FAA26D3D-D897-4be2-8F04-BA451C77F1D7}">
-              <ma14:placeholderFlag xmlns="" xmlns:ma14="http://schemas.microsoft.com/office/mac/drawingml/2011/main" val="1"/>
+              <ma14:placeholderFlag xmlns:ma14="http://schemas.microsoft.com/office/mac/drawingml/2011/main" xmlns="" val="1"/>
             </a:ext>
           </a:extLst>
         </p:spPr>
@@ -1411,7 +1411,7 @@
           <a:ln/>
           <a:extLst>
             <a:ext uri="{FAA26D3D-D897-4be2-8F04-BA451C77F1D7}">
-              <ma14:placeholderFlag xmlns="" xmlns:ma14="http://schemas.microsoft.com/office/mac/drawingml/2011/main" val="1"/>
+              <ma14:placeholderFlag xmlns:ma14="http://schemas.microsoft.com/office/mac/drawingml/2011/main" xmlns="" val="1"/>
             </a:ext>
           </a:extLst>
         </p:spPr>
@@ -1500,7 +1500,7 @@
           <a:ln/>
           <a:extLst>
             <a:ext uri="{FAA26D3D-D897-4be2-8F04-BA451C77F1D7}">
-              <ma14:placeholderFlag xmlns="" xmlns:ma14="http://schemas.microsoft.com/office/mac/drawingml/2011/main" val="1"/>
+              <ma14:placeholderFlag xmlns:ma14="http://schemas.microsoft.com/office/mac/drawingml/2011/main" xmlns="" val="1"/>
             </a:ext>
           </a:extLst>
         </p:spPr>
@@ -1589,7 +1589,7 @@
           <a:ln/>
           <a:extLst>
             <a:ext uri="{FAA26D3D-D897-4be2-8F04-BA451C77F1D7}">
-              <ma14:placeholderFlag xmlns="" xmlns:ma14="http://schemas.microsoft.com/office/mac/drawingml/2011/main" val="1"/>
+              <ma14:placeholderFlag xmlns:ma14="http://schemas.microsoft.com/office/mac/drawingml/2011/main" xmlns="" val="1"/>
             </a:ext>
           </a:extLst>
         </p:spPr>
@@ -1678,7 +1678,7 @@
           <a:ln/>
           <a:extLst>
             <a:ext uri="{FAA26D3D-D897-4be2-8F04-BA451C77F1D7}">
-              <ma14:placeholderFlag xmlns="" xmlns:ma14="http://schemas.microsoft.com/office/mac/drawingml/2011/main" val="1"/>
+              <ma14:placeholderFlag xmlns:ma14="http://schemas.microsoft.com/office/mac/drawingml/2011/main" xmlns="" val="1"/>
             </a:ext>
           </a:extLst>
         </p:spPr>
@@ -1767,7 +1767,7 @@
           <a:ln/>
           <a:extLst>
             <a:ext uri="{FAA26D3D-D897-4be2-8F04-BA451C77F1D7}">
-              <ma14:placeholderFlag xmlns="" xmlns:ma14="http://schemas.microsoft.com/office/mac/drawingml/2011/main" val="1"/>
+              <ma14:placeholderFlag xmlns:ma14="http://schemas.microsoft.com/office/mac/drawingml/2011/main" xmlns="" val="1"/>
             </a:ext>
           </a:extLst>
         </p:spPr>
@@ -1856,7 +1856,7 @@
           <a:ln/>
           <a:extLst>
             <a:ext uri="{FAA26D3D-D897-4be2-8F04-BA451C77F1D7}">
-              <ma14:placeholderFlag xmlns="" xmlns:ma14="http://schemas.microsoft.com/office/mac/drawingml/2011/main" val="1"/>
+              <ma14:placeholderFlag xmlns:ma14="http://schemas.microsoft.com/office/mac/drawingml/2011/main" xmlns="" val="1"/>
             </a:ext>
           </a:extLst>
         </p:spPr>
@@ -1945,7 +1945,7 @@
           <a:ln/>
           <a:extLst>
             <a:ext uri="{FAA26D3D-D897-4be2-8F04-BA451C77F1D7}">
-              <ma14:placeholderFlag xmlns="" xmlns:ma14="http://schemas.microsoft.com/office/mac/drawingml/2011/main" val="1"/>
+              <ma14:placeholderFlag xmlns:ma14="http://schemas.microsoft.com/office/mac/drawingml/2011/main" xmlns="" val="1"/>
             </a:ext>
           </a:extLst>
         </p:spPr>
@@ -2034,7 +2034,7 @@
           <a:ln/>
           <a:extLst>
             <a:ext uri="{FAA26D3D-D897-4be2-8F04-BA451C77F1D7}">
-              <ma14:placeholderFlag xmlns="" xmlns:ma14="http://schemas.microsoft.com/office/mac/drawingml/2011/main" val="1"/>
+              <ma14:placeholderFlag xmlns:ma14="http://schemas.microsoft.com/office/mac/drawingml/2011/main" xmlns="" val="1"/>
             </a:ext>
           </a:extLst>
         </p:spPr>
@@ -2123,7 +2123,7 @@
           <a:ln/>
           <a:extLst>
             <a:ext uri="{FAA26D3D-D897-4be2-8F04-BA451C77F1D7}">
-              <ma14:placeholderFlag xmlns="" xmlns:ma14="http://schemas.microsoft.com/office/mac/drawingml/2011/main" val="1"/>
+              <ma14:placeholderFlag xmlns:ma14="http://schemas.microsoft.com/office/mac/drawingml/2011/main" xmlns="" val="1"/>
             </a:ext>
           </a:extLst>
         </p:spPr>
@@ -2212,7 +2212,7 @@
           <a:ln/>
           <a:extLst>
             <a:ext uri="{FAA26D3D-D897-4be2-8F04-BA451C77F1D7}">
-              <ma14:placeholderFlag xmlns="" xmlns:ma14="http://schemas.microsoft.com/office/mac/drawingml/2011/main" val="1"/>
+              <ma14:placeholderFlag xmlns:ma14="http://schemas.microsoft.com/office/mac/drawingml/2011/main" xmlns="" val="1"/>
             </a:ext>
           </a:extLst>
         </p:spPr>
@@ -2325,7 +2325,7 @@
           </a:ln>
           <a:extLst>
             <a:ext uri="{FAA26D3D-D897-4be2-8F04-BA451C77F1D7}">
-              <ma14:placeholderFlag xmlns="" xmlns:ma14="http://schemas.microsoft.com/office/mac/drawingml/2011/main" val="1"/>
+              <ma14:placeholderFlag xmlns:ma14="http://schemas.microsoft.com/office/mac/drawingml/2011/main" xmlns="" val="1"/>
             </a:ext>
           </a:extLst>
         </p:spPr>
@@ -2361,7 +2361,7 @@
           </a:ln>
           <a:extLst>
             <a:ext uri="{FAA26D3D-D897-4be2-8F04-BA451C77F1D7}">
-              <ma14:placeholderFlag xmlns="" xmlns:ma14="http://schemas.microsoft.com/office/mac/drawingml/2011/main" val="1"/>
+              <ma14:placeholderFlag xmlns:ma14="http://schemas.microsoft.com/office/mac/drawingml/2011/main" xmlns="" val="1"/>
             </a:ext>
           </a:extLst>
         </p:spPr>
@@ -2426,12 +2426,12 @@
           <a:effectLst/>
           <a:extLst>
             <a:ext uri="{909E8E84-426E-40dd-AFC4-6F175D3DCCD1}">
-              <a14:hiddenFill xmlns:a14="http://schemas.microsoft.com/office/drawing/2010/main" xmlns="">
+              <a14:hiddenFill xmlns="" xmlns:a14="http://schemas.microsoft.com/office/drawing/2010/main">
                 <a:noFill/>
               </a14:hiddenFill>
             </a:ext>
             <a:ext uri="{AF507438-7753-43e0-B8FC-AC1667EBCBE1}">
-              <a14:hiddenEffects xmlns:a14="http://schemas.microsoft.com/office/drawing/2010/main" xmlns="">
+              <a14:hiddenEffects xmlns="" xmlns:a14="http://schemas.microsoft.com/office/drawing/2010/main">
                 <a:effectLst>
                   <a:outerShdw blurRad="63500" dist="38099" dir="2700000" algn="ctr" rotWithShape="0">
                     <a:schemeClr val="bg2">
@@ -2632,7 +2632,7 @@
             <a:effectLst/>
             <a:extLst>
               <a:ext uri="{91240B29-F687-4f45-9708-019B960494DF}">
-                <a14:hiddenLine xmlns:a14="http://schemas.microsoft.com/office/drawing/2010/main" xmlns="" w="9525">
+                <a14:hiddenLine xmlns="" xmlns:a14="http://schemas.microsoft.com/office/drawing/2010/main" w="9525">
                   <a:solidFill>
                     <a:schemeClr val="tx1"/>
                   </a:solidFill>
@@ -2642,7 +2642,7 @@
                 </a14:hiddenLine>
               </a:ext>
               <a:ext uri="{AF507438-7753-43e0-B8FC-AC1667EBCBE1}">
-                <a14:hiddenEffects xmlns:a14="http://schemas.microsoft.com/office/drawing/2010/main" xmlns="">
+                <a14:hiddenEffects xmlns="" xmlns:a14="http://schemas.microsoft.com/office/drawing/2010/main">
                   <a:effectLst>
                     <a:outerShdw blurRad="63500" dist="38099" dir="2700000" algn="ctr" rotWithShape="0">
                       <a:schemeClr val="bg2">
@@ -2687,7 +2687,7 @@
             <a:effectLst/>
             <a:extLst>
               <a:ext uri="{91240B29-F687-4f45-9708-019B960494DF}">
-                <a14:hiddenLine xmlns:a14="http://schemas.microsoft.com/office/drawing/2010/main" xmlns="" w="9525">
+                <a14:hiddenLine xmlns="" xmlns:a14="http://schemas.microsoft.com/office/drawing/2010/main" w="9525">
                   <a:solidFill>
                     <a:schemeClr val="tx1"/>
                   </a:solidFill>
@@ -2697,7 +2697,7 @@
                 </a14:hiddenLine>
               </a:ext>
               <a:ext uri="{AF507438-7753-43e0-B8FC-AC1667EBCBE1}">
-                <a14:hiddenEffects xmlns:a14="http://schemas.microsoft.com/office/drawing/2010/main" xmlns="">
+                <a14:hiddenEffects xmlns="" xmlns:a14="http://schemas.microsoft.com/office/drawing/2010/main">
                   <a:effectLst>
                     <a:outerShdw blurRad="63500" dist="38099" dir="2700000" algn="ctr" rotWithShape="0">
                       <a:schemeClr val="bg2">
@@ -2742,7 +2742,7 @@
             <a:effectLst/>
             <a:extLst>
               <a:ext uri="{91240B29-F687-4f45-9708-019B960494DF}">
-                <a14:hiddenLine xmlns:a14="http://schemas.microsoft.com/office/drawing/2010/main" xmlns="" w="9525">
+                <a14:hiddenLine xmlns="" xmlns:a14="http://schemas.microsoft.com/office/drawing/2010/main" w="9525">
                   <a:solidFill>
                     <a:schemeClr val="tx1"/>
                   </a:solidFill>
@@ -2752,7 +2752,7 @@
                 </a14:hiddenLine>
               </a:ext>
               <a:ext uri="{AF507438-7753-43e0-B8FC-AC1667EBCBE1}">
-                <a14:hiddenEffects xmlns:a14="http://schemas.microsoft.com/office/drawing/2010/main" xmlns="">
+                <a14:hiddenEffects xmlns="" xmlns:a14="http://schemas.microsoft.com/office/drawing/2010/main">
                   <a:effectLst>
                     <a:outerShdw blurRad="63500" dist="38099" dir="2700000" algn="ctr" rotWithShape="0">
                       <a:schemeClr val="bg2">
@@ -2797,7 +2797,7 @@
             <a:effectLst/>
             <a:extLst>
               <a:ext uri="{91240B29-F687-4f45-9708-019B960494DF}">
-                <a14:hiddenLine xmlns:a14="http://schemas.microsoft.com/office/drawing/2010/main" xmlns="" w="9525">
+                <a14:hiddenLine xmlns="" xmlns:a14="http://schemas.microsoft.com/office/drawing/2010/main" w="9525">
                   <a:solidFill>
                     <a:schemeClr val="tx1"/>
                   </a:solidFill>
@@ -2807,7 +2807,7 @@
                 </a14:hiddenLine>
               </a:ext>
               <a:ext uri="{AF507438-7753-43e0-B8FC-AC1667EBCBE1}">
-                <a14:hiddenEffects xmlns:a14="http://schemas.microsoft.com/office/drawing/2010/main" xmlns="">
+                <a14:hiddenEffects xmlns="" xmlns:a14="http://schemas.microsoft.com/office/drawing/2010/main">
                   <a:effectLst>
                     <a:outerShdw blurRad="63500" dist="38099" dir="2700000" algn="ctr" rotWithShape="0">
                       <a:schemeClr val="bg2">
@@ -2852,7 +2852,7 @@
             <a:effectLst/>
             <a:extLst>
               <a:ext uri="{91240B29-F687-4f45-9708-019B960494DF}">
-                <a14:hiddenLine xmlns:a14="http://schemas.microsoft.com/office/drawing/2010/main" xmlns="" w="9525">
+                <a14:hiddenLine xmlns="" xmlns:a14="http://schemas.microsoft.com/office/drawing/2010/main" w="9525">
                   <a:solidFill>
                     <a:schemeClr val="tx1"/>
                   </a:solidFill>
@@ -2862,7 +2862,7 @@
                 </a14:hiddenLine>
               </a:ext>
               <a:ext uri="{AF507438-7753-43e0-B8FC-AC1667EBCBE1}">
-                <a14:hiddenEffects xmlns:a14="http://schemas.microsoft.com/office/drawing/2010/main" xmlns="">
+                <a14:hiddenEffects xmlns="" xmlns:a14="http://schemas.microsoft.com/office/drawing/2010/main">
                   <a:effectLst>
                     <a:outerShdw blurRad="63500" dist="38099" dir="2700000" algn="ctr" rotWithShape="0">
                       <a:schemeClr val="bg2">
@@ -2907,7 +2907,7 @@
             <a:effectLst/>
             <a:extLst>
               <a:ext uri="{91240B29-F687-4f45-9708-019B960494DF}">
-                <a14:hiddenLine xmlns:a14="http://schemas.microsoft.com/office/drawing/2010/main" xmlns="" w="9525">
+                <a14:hiddenLine xmlns="" xmlns:a14="http://schemas.microsoft.com/office/drawing/2010/main" w="9525">
                   <a:solidFill>
                     <a:schemeClr val="tx1"/>
                   </a:solidFill>
@@ -2917,7 +2917,7 @@
                 </a14:hiddenLine>
               </a:ext>
               <a:ext uri="{AF507438-7753-43e0-B8FC-AC1667EBCBE1}">
-                <a14:hiddenEffects xmlns:a14="http://schemas.microsoft.com/office/drawing/2010/main" xmlns="">
+                <a14:hiddenEffects xmlns="" xmlns:a14="http://schemas.microsoft.com/office/drawing/2010/main">
                   <a:effectLst>
                     <a:outerShdw blurRad="63500" dist="38099" dir="2700000" algn="ctr" rotWithShape="0">
                       <a:schemeClr val="bg2">
@@ -2962,7 +2962,7 @@
             <a:effectLst/>
             <a:extLst>
               <a:ext uri="{91240B29-F687-4f45-9708-019B960494DF}">
-                <a14:hiddenLine xmlns:a14="http://schemas.microsoft.com/office/drawing/2010/main" xmlns="" w="9525">
+                <a14:hiddenLine xmlns="" xmlns:a14="http://schemas.microsoft.com/office/drawing/2010/main" w="9525">
                   <a:solidFill>
                     <a:schemeClr val="tx1"/>
                   </a:solidFill>
@@ -2972,7 +2972,7 @@
                 </a14:hiddenLine>
               </a:ext>
               <a:ext uri="{AF507438-7753-43e0-B8FC-AC1667EBCBE1}">
-                <a14:hiddenEffects xmlns:a14="http://schemas.microsoft.com/office/drawing/2010/main" xmlns="">
+                <a14:hiddenEffects xmlns="" xmlns:a14="http://schemas.microsoft.com/office/drawing/2010/main">
                   <a:effectLst>
                     <a:outerShdw blurRad="63500" dist="38099" dir="2700000" algn="ctr" rotWithShape="0">
                       <a:schemeClr val="bg2">
@@ -3017,7 +3017,7 @@
             <a:effectLst/>
             <a:extLst>
               <a:ext uri="{91240B29-F687-4f45-9708-019B960494DF}">
-                <a14:hiddenLine xmlns:a14="http://schemas.microsoft.com/office/drawing/2010/main" xmlns="" w="9525">
+                <a14:hiddenLine xmlns="" xmlns:a14="http://schemas.microsoft.com/office/drawing/2010/main" w="9525">
                   <a:solidFill>
                     <a:schemeClr val="tx1"/>
                   </a:solidFill>
@@ -3027,7 +3027,7 @@
                 </a14:hiddenLine>
               </a:ext>
               <a:ext uri="{AF507438-7753-43e0-B8FC-AC1667EBCBE1}">
-                <a14:hiddenEffects xmlns:a14="http://schemas.microsoft.com/office/drawing/2010/main" xmlns="">
+                <a14:hiddenEffects xmlns="" xmlns:a14="http://schemas.microsoft.com/office/drawing/2010/main">
                   <a:effectLst>
                     <a:outerShdw blurRad="63500" dist="38099" dir="2700000" algn="ctr" rotWithShape="0">
                       <a:schemeClr val="bg2">
@@ -3072,7 +3072,7 @@
             <a:effectLst/>
             <a:extLst>
               <a:ext uri="{91240B29-F687-4f45-9708-019B960494DF}">
-                <a14:hiddenLine xmlns:a14="http://schemas.microsoft.com/office/drawing/2010/main" xmlns="" w="9525">
+                <a14:hiddenLine xmlns="" xmlns:a14="http://schemas.microsoft.com/office/drawing/2010/main" w="9525">
                   <a:solidFill>
                     <a:schemeClr val="tx1"/>
                   </a:solidFill>
@@ -3082,7 +3082,7 @@
                 </a14:hiddenLine>
               </a:ext>
               <a:ext uri="{AF507438-7753-43e0-B8FC-AC1667EBCBE1}">
-                <a14:hiddenEffects xmlns:a14="http://schemas.microsoft.com/office/drawing/2010/main" xmlns="">
+                <a14:hiddenEffects xmlns="" xmlns:a14="http://schemas.microsoft.com/office/drawing/2010/main">
                   <a:effectLst>
                     <a:outerShdw blurRad="63500" dist="38099" dir="2700000" algn="ctr" rotWithShape="0">
                       <a:schemeClr val="bg2">
@@ -3127,7 +3127,7 @@
             <a:effectLst/>
             <a:extLst>
               <a:ext uri="{91240B29-F687-4f45-9708-019B960494DF}">
-                <a14:hiddenLine xmlns:a14="http://schemas.microsoft.com/office/drawing/2010/main" xmlns="" w="9525">
+                <a14:hiddenLine xmlns="" xmlns:a14="http://schemas.microsoft.com/office/drawing/2010/main" w="9525">
                   <a:solidFill>
                     <a:schemeClr val="tx1"/>
                   </a:solidFill>
@@ -3137,7 +3137,7 @@
                 </a14:hiddenLine>
               </a:ext>
               <a:ext uri="{AF507438-7753-43e0-B8FC-AC1667EBCBE1}">
-                <a14:hiddenEffects xmlns:a14="http://schemas.microsoft.com/office/drawing/2010/main" xmlns="">
+                <a14:hiddenEffects xmlns="" xmlns:a14="http://schemas.microsoft.com/office/drawing/2010/main">
                   <a:effectLst>
                     <a:outerShdw blurRad="63500" dist="38099" dir="2700000" algn="ctr" rotWithShape="0">
                       <a:schemeClr val="bg2">
@@ -3182,7 +3182,7 @@
             <a:effectLst/>
             <a:extLst>
               <a:ext uri="{91240B29-F687-4f45-9708-019B960494DF}">
-                <a14:hiddenLine xmlns:a14="http://schemas.microsoft.com/office/drawing/2010/main" xmlns="" w="9525">
+                <a14:hiddenLine xmlns="" xmlns:a14="http://schemas.microsoft.com/office/drawing/2010/main" w="9525">
                   <a:solidFill>
                     <a:schemeClr val="tx1"/>
                   </a:solidFill>
@@ -3192,7 +3192,7 @@
                 </a14:hiddenLine>
               </a:ext>
               <a:ext uri="{AF507438-7753-43e0-B8FC-AC1667EBCBE1}">
-                <a14:hiddenEffects xmlns:a14="http://schemas.microsoft.com/office/drawing/2010/main" xmlns="">
+                <a14:hiddenEffects xmlns="" xmlns:a14="http://schemas.microsoft.com/office/drawing/2010/main">
                   <a:effectLst>
                     <a:outerShdw blurRad="63500" dist="38099" dir="2700000" algn="ctr" rotWithShape="0">
                       <a:schemeClr val="bg2">
@@ -3237,7 +3237,7 @@
             <a:effectLst/>
             <a:extLst>
               <a:ext uri="{91240B29-F687-4f45-9708-019B960494DF}">
-                <a14:hiddenLine xmlns:a14="http://schemas.microsoft.com/office/drawing/2010/main" xmlns="" w="9525">
+                <a14:hiddenLine xmlns="" xmlns:a14="http://schemas.microsoft.com/office/drawing/2010/main" w="9525">
                   <a:solidFill>
                     <a:schemeClr val="tx1"/>
                   </a:solidFill>
@@ -3247,7 +3247,7 @@
                 </a14:hiddenLine>
               </a:ext>
               <a:ext uri="{AF507438-7753-43e0-B8FC-AC1667EBCBE1}">
-                <a14:hiddenEffects xmlns:a14="http://schemas.microsoft.com/office/drawing/2010/main" xmlns="">
+                <a14:hiddenEffects xmlns="" xmlns:a14="http://schemas.microsoft.com/office/drawing/2010/main">
                   <a:effectLst>
                     <a:outerShdw blurRad="63500" dist="38099" dir="2700000" algn="ctr" rotWithShape="0">
                       <a:schemeClr val="bg2">
@@ -3292,7 +3292,7 @@
             <a:effectLst/>
             <a:extLst>
               <a:ext uri="{91240B29-F687-4f45-9708-019B960494DF}">
-                <a14:hiddenLine xmlns:a14="http://schemas.microsoft.com/office/drawing/2010/main" xmlns="" w="9525">
+                <a14:hiddenLine xmlns="" xmlns:a14="http://schemas.microsoft.com/office/drawing/2010/main" w="9525">
                   <a:solidFill>
                     <a:schemeClr val="tx1"/>
                   </a:solidFill>
@@ -3302,7 +3302,7 @@
                 </a14:hiddenLine>
               </a:ext>
               <a:ext uri="{AF507438-7753-43e0-B8FC-AC1667EBCBE1}">
-                <a14:hiddenEffects xmlns:a14="http://schemas.microsoft.com/office/drawing/2010/main" xmlns="">
+                <a14:hiddenEffects xmlns="" xmlns:a14="http://schemas.microsoft.com/office/drawing/2010/main">
                   <a:effectLst>
                     <a:outerShdw blurRad="63500" dist="38099" dir="2700000" algn="ctr" rotWithShape="0">
                       <a:schemeClr val="bg2">
@@ -3347,7 +3347,7 @@
             <a:effectLst/>
             <a:extLst>
               <a:ext uri="{91240B29-F687-4f45-9708-019B960494DF}">
-                <a14:hiddenLine xmlns:a14="http://schemas.microsoft.com/office/drawing/2010/main" xmlns="" w="9525">
+                <a14:hiddenLine xmlns="" xmlns:a14="http://schemas.microsoft.com/office/drawing/2010/main" w="9525">
                   <a:solidFill>
                     <a:schemeClr val="tx1"/>
                   </a:solidFill>
@@ -3357,7 +3357,7 @@
                 </a14:hiddenLine>
               </a:ext>
               <a:ext uri="{AF507438-7753-43e0-B8FC-AC1667EBCBE1}">
-                <a14:hiddenEffects xmlns:a14="http://schemas.microsoft.com/office/drawing/2010/main" xmlns="">
+                <a14:hiddenEffects xmlns="" xmlns:a14="http://schemas.microsoft.com/office/drawing/2010/main">
                   <a:effectLst>
                     <a:outerShdw blurRad="63500" dist="38099" dir="2700000" algn="ctr" rotWithShape="0">
                       <a:schemeClr val="bg2">
@@ -3402,7 +3402,7 @@
             <a:effectLst/>
             <a:extLst>
               <a:ext uri="{91240B29-F687-4f45-9708-019B960494DF}">
-                <a14:hiddenLine xmlns:a14="http://schemas.microsoft.com/office/drawing/2010/main" xmlns="" w="9525">
+                <a14:hiddenLine xmlns="" xmlns:a14="http://schemas.microsoft.com/office/drawing/2010/main" w="9525">
                   <a:solidFill>
                     <a:schemeClr val="tx1"/>
                   </a:solidFill>
@@ -3412,7 +3412,7 @@
                 </a14:hiddenLine>
               </a:ext>
               <a:ext uri="{AF507438-7753-43e0-B8FC-AC1667EBCBE1}">
-                <a14:hiddenEffects xmlns:a14="http://schemas.microsoft.com/office/drawing/2010/main" xmlns="">
+                <a14:hiddenEffects xmlns="" xmlns:a14="http://schemas.microsoft.com/office/drawing/2010/main">
                   <a:effectLst>
                     <a:outerShdw blurRad="63500" dist="38099" dir="2700000" algn="ctr" rotWithShape="0">
                       <a:schemeClr val="bg2">
@@ -3457,7 +3457,7 @@
             <a:effectLst/>
             <a:extLst>
               <a:ext uri="{91240B29-F687-4f45-9708-019B960494DF}">
-                <a14:hiddenLine xmlns:a14="http://schemas.microsoft.com/office/drawing/2010/main" xmlns="" w="9525">
+                <a14:hiddenLine xmlns="" xmlns:a14="http://schemas.microsoft.com/office/drawing/2010/main" w="9525">
                   <a:solidFill>
                     <a:schemeClr val="tx1"/>
                   </a:solidFill>
@@ -3467,7 +3467,7 @@
                 </a14:hiddenLine>
               </a:ext>
               <a:ext uri="{AF507438-7753-43e0-B8FC-AC1667EBCBE1}">
-                <a14:hiddenEffects xmlns:a14="http://schemas.microsoft.com/office/drawing/2010/main" xmlns="">
+                <a14:hiddenEffects xmlns="" xmlns:a14="http://schemas.microsoft.com/office/drawing/2010/main">
                   <a:effectLst>
                     <a:outerShdw blurRad="63500" dist="38099" dir="2700000" algn="ctr" rotWithShape="0">
                       <a:schemeClr val="bg2">
@@ -3512,7 +3512,7 @@
             <a:effectLst/>
             <a:extLst>
               <a:ext uri="{91240B29-F687-4f45-9708-019B960494DF}">
-                <a14:hiddenLine xmlns:a14="http://schemas.microsoft.com/office/drawing/2010/main" xmlns="" w="9525">
+                <a14:hiddenLine xmlns="" xmlns:a14="http://schemas.microsoft.com/office/drawing/2010/main" w="9525">
                   <a:solidFill>
                     <a:schemeClr val="tx1"/>
                   </a:solidFill>
@@ -3522,7 +3522,7 @@
                 </a14:hiddenLine>
               </a:ext>
               <a:ext uri="{AF507438-7753-43e0-B8FC-AC1667EBCBE1}">
-                <a14:hiddenEffects xmlns:a14="http://schemas.microsoft.com/office/drawing/2010/main" xmlns="">
+                <a14:hiddenEffects xmlns="" xmlns:a14="http://schemas.microsoft.com/office/drawing/2010/main">
                   <a:effectLst>
                     <a:outerShdw blurRad="63500" dist="38099" dir="2700000" algn="ctr" rotWithShape="0">
                       <a:schemeClr val="bg2">
@@ -3567,7 +3567,7 @@
             <a:effectLst/>
             <a:extLst>
               <a:ext uri="{91240B29-F687-4f45-9708-019B960494DF}">
-                <a14:hiddenLine xmlns:a14="http://schemas.microsoft.com/office/drawing/2010/main" xmlns="" w="9525">
+                <a14:hiddenLine xmlns="" xmlns:a14="http://schemas.microsoft.com/office/drawing/2010/main" w="9525">
                   <a:solidFill>
                     <a:schemeClr val="tx1"/>
                   </a:solidFill>
@@ -3577,7 +3577,7 @@
                 </a14:hiddenLine>
               </a:ext>
               <a:ext uri="{AF507438-7753-43e0-B8FC-AC1667EBCBE1}">
-                <a14:hiddenEffects xmlns:a14="http://schemas.microsoft.com/office/drawing/2010/main" xmlns="">
+                <a14:hiddenEffects xmlns="" xmlns:a14="http://schemas.microsoft.com/office/drawing/2010/main">
                   <a:effectLst>
                     <a:outerShdw blurRad="63500" dist="38099" dir="2700000" algn="ctr" rotWithShape="0">
                       <a:schemeClr val="bg2">
@@ -3622,7 +3622,7 @@
             <a:effectLst/>
             <a:extLst>
               <a:ext uri="{91240B29-F687-4f45-9708-019B960494DF}">
-                <a14:hiddenLine xmlns:a14="http://schemas.microsoft.com/office/drawing/2010/main" xmlns="" w="9525">
+                <a14:hiddenLine xmlns="" xmlns:a14="http://schemas.microsoft.com/office/drawing/2010/main" w="9525">
                   <a:solidFill>
                     <a:schemeClr val="tx1"/>
                   </a:solidFill>
@@ -3632,7 +3632,7 @@
                 </a14:hiddenLine>
               </a:ext>
               <a:ext uri="{AF507438-7753-43e0-B8FC-AC1667EBCBE1}">
-                <a14:hiddenEffects xmlns:a14="http://schemas.microsoft.com/office/drawing/2010/main" xmlns="">
+                <a14:hiddenEffects xmlns="" xmlns:a14="http://schemas.microsoft.com/office/drawing/2010/main">
                   <a:effectLst>
                     <a:outerShdw blurRad="63500" dist="38099" dir="2700000" algn="ctr" rotWithShape="0">
                       <a:schemeClr val="bg2">
@@ -3677,7 +3677,7 @@
             <a:effectLst/>
             <a:extLst>
               <a:ext uri="{91240B29-F687-4f45-9708-019B960494DF}">
-                <a14:hiddenLine xmlns:a14="http://schemas.microsoft.com/office/drawing/2010/main" xmlns="" w="9525">
+                <a14:hiddenLine xmlns="" xmlns:a14="http://schemas.microsoft.com/office/drawing/2010/main" w="9525">
                   <a:solidFill>
                     <a:schemeClr val="tx1"/>
                   </a:solidFill>
@@ -3687,7 +3687,7 @@
                 </a14:hiddenLine>
               </a:ext>
               <a:ext uri="{AF507438-7753-43e0-B8FC-AC1667EBCBE1}">
-                <a14:hiddenEffects xmlns:a14="http://schemas.microsoft.com/office/drawing/2010/main" xmlns="">
+                <a14:hiddenEffects xmlns="" xmlns:a14="http://schemas.microsoft.com/office/drawing/2010/main">
                   <a:effectLst>
                     <a:outerShdw blurRad="63500" dist="38099" dir="2700000" algn="ctr" rotWithShape="0">
                       <a:schemeClr val="bg2">
@@ -3732,7 +3732,7 @@
             <a:effectLst/>
             <a:extLst>
               <a:ext uri="{91240B29-F687-4f45-9708-019B960494DF}">
-                <a14:hiddenLine xmlns:a14="http://schemas.microsoft.com/office/drawing/2010/main" xmlns="" w="9525">
+                <a14:hiddenLine xmlns="" xmlns:a14="http://schemas.microsoft.com/office/drawing/2010/main" w="9525">
                   <a:solidFill>
                     <a:schemeClr val="tx1"/>
                   </a:solidFill>
@@ -3742,7 +3742,7 @@
                 </a14:hiddenLine>
               </a:ext>
               <a:ext uri="{AF507438-7753-43e0-B8FC-AC1667EBCBE1}">
-                <a14:hiddenEffects xmlns:a14="http://schemas.microsoft.com/office/drawing/2010/main" xmlns="">
+                <a14:hiddenEffects xmlns="" xmlns:a14="http://schemas.microsoft.com/office/drawing/2010/main">
                   <a:effectLst>
                     <a:outerShdw blurRad="63500" dist="38099" dir="2700000" algn="ctr" rotWithShape="0">
                       <a:schemeClr val="bg2">
@@ -3787,7 +3787,7 @@
             <a:effectLst/>
             <a:extLst>
               <a:ext uri="{91240B29-F687-4f45-9708-019B960494DF}">
-                <a14:hiddenLine xmlns:a14="http://schemas.microsoft.com/office/drawing/2010/main" xmlns="" w="9525">
+                <a14:hiddenLine xmlns="" xmlns:a14="http://schemas.microsoft.com/office/drawing/2010/main" w="9525">
                   <a:solidFill>
                     <a:schemeClr val="tx1"/>
                   </a:solidFill>
@@ -3797,7 +3797,7 @@
                 </a14:hiddenLine>
               </a:ext>
               <a:ext uri="{AF507438-7753-43e0-B8FC-AC1667EBCBE1}">
-                <a14:hiddenEffects xmlns:a14="http://schemas.microsoft.com/office/drawing/2010/main" xmlns="">
+                <a14:hiddenEffects xmlns="" xmlns:a14="http://schemas.microsoft.com/office/drawing/2010/main">
                   <a:effectLst>
                     <a:outerShdw blurRad="63500" dist="38099" dir="2700000" algn="ctr" rotWithShape="0">
                       <a:schemeClr val="bg2">
@@ -3842,7 +3842,7 @@
             <a:effectLst/>
             <a:extLst>
               <a:ext uri="{91240B29-F687-4f45-9708-019B960494DF}">
-                <a14:hiddenLine xmlns:a14="http://schemas.microsoft.com/office/drawing/2010/main" xmlns="" w="9525">
+                <a14:hiddenLine xmlns="" xmlns:a14="http://schemas.microsoft.com/office/drawing/2010/main" w="9525">
                   <a:solidFill>
                     <a:schemeClr val="tx1"/>
                   </a:solidFill>
@@ -3852,7 +3852,7 @@
                 </a14:hiddenLine>
               </a:ext>
               <a:ext uri="{AF507438-7753-43e0-B8FC-AC1667EBCBE1}">
-                <a14:hiddenEffects xmlns:a14="http://schemas.microsoft.com/office/drawing/2010/main" xmlns="">
+                <a14:hiddenEffects xmlns="" xmlns:a14="http://schemas.microsoft.com/office/drawing/2010/main">
                   <a:effectLst>
                     <a:outerShdw blurRad="63500" dist="38099" dir="2700000" algn="ctr" rotWithShape="0">
                       <a:schemeClr val="bg2">
@@ -3897,7 +3897,7 @@
             <a:effectLst/>
             <a:extLst>
               <a:ext uri="{91240B29-F687-4f45-9708-019B960494DF}">
-                <a14:hiddenLine xmlns:a14="http://schemas.microsoft.com/office/drawing/2010/main" xmlns="" w="9525">
+                <a14:hiddenLine xmlns="" xmlns:a14="http://schemas.microsoft.com/office/drawing/2010/main" w="9525">
                   <a:solidFill>
                     <a:schemeClr val="tx1"/>
                   </a:solidFill>
@@ -3907,7 +3907,7 @@
                 </a14:hiddenLine>
               </a:ext>
               <a:ext uri="{AF507438-7753-43e0-B8FC-AC1667EBCBE1}">
-                <a14:hiddenEffects xmlns:a14="http://schemas.microsoft.com/office/drawing/2010/main" xmlns="">
+                <a14:hiddenEffects xmlns="" xmlns:a14="http://schemas.microsoft.com/office/drawing/2010/main">
                   <a:effectLst>
                     <a:outerShdw blurRad="63500" dist="38099" dir="2700000" algn="ctr" rotWithShape="0">
                       <a:schemeClr val="bg2">
@@ -3952,7 +3952,7 @@
             <a:effectLst/>
             <a:extLst>
               <a:ext uri="{91240B29-F687-4f45-9708-019B960494DF}">
-                <a14:hiddenLine xmlns:a14="http://schemas.microsoft.com/office/drawing/2010/main" xmlns="" w="9525">
+                <a14:hiddenLine xmlns="" xmlns:a14="http://schemas.microsoft.com/office/drawing/2010/main" w="9525">
                   <a:solidFill>
                     <a:schemeClr val="tx1"/>
                   </a:solidFill>
@@ -3962,7 +3962,7 @@
                 </a14:hiddenLine>
               </a:ext>
               <a:ext uri="{AF507438-7753-43e0-B8FC-AC1667EBCBE1}">
-                <a14:hiddenEffects xmlns:a14="http://schemas.microsoft.com/office/drawing/2010/main" xmlns="">
+                <a14:hiddenEffects xmlns="" xmlns:a14="http://schemas.microsoft.com/office/drawing/2010/main">
                   <a:effectLst>
                     <a:outerShdw blurRad="63500" dist="38099" dir="2700000" algn="ctr" rotWithShape="0">
                       <a:schemeClr val="bg2">
@@ -4007,7 +4007,7 @@
             <a:effectLst/>
             <a:extLst>
               <a:ext uri="{91240B29-F687-4f45-9708-019B960494DF}">
-                <a14:hiddenLine xmlns:a14="http://schemas.microsoft.com/office/drawing/2010/main" xmlns="" w="9525">
+                <a14:hiddenLine xmlns="" xmlns:a14="http://schemas.microsoft.com/office/drawing/2010/main" w="9525">
                   <a:solidFill>
                     <a:schemeClr val="tx1"/>
                   </a:solidFill>
@@ -4017,7 +4017,7 @@
                 </a14:hiddenLine>
               </a:ext>
               <a:ext uri="{AF507438-7753-43e0-B8FC-AC1667EBCBE1}">
-                <a14:hiddenEffects xmlns:a14="http://schemas.microsoft.com/office/drawing/2010/main" xmlns="">
+                <a14:hiddenEffects xmlns="" xmlns:a14="http://schemas.microsoft.com/office/drawing/2010/main">
                   <a:effectLst>
                     <a:outerShdw blurRad="63500" dist="38099" dir="2700000" algn="ctr" rotWithShape="0">
                       <a:schemeClr val="bg2">
@@ -4062,7 +4062,7 @@
             <a:effectLst/>
             <a:extLst>
               <a:ext uri="{91240B29-F687-4f45-9708-019B960494DF}">
-                <a14:hiddenLine xmlns:a14="http://schemas.microsoft.com/office/drawing/2010/main" xmlns="" w="9525">
+                <a14:hiddenLine xmlns="" xmlns:a14="http://schemas.microsoft.com/office/drawing/2010/main" w="9525">
                   <a:solidFill>
                     <a:schemeClr val="tx1"/>
                   </a:solidFill>
@@ -4072,7 +4072,7 @@
                 </a14:hiddenLine>
               </a:ext>
               <a:ext uri="{AF507438-7753-43e0-B8FC-AC1667EBCBE1}">
-                <a14:hiddenEffects xmlns:a14="http://schemas.microsoft.com/office/drawing/2010/main" xmlns="">
+                <a14:hiddenEffects xmlns="" xmlns:a14="http://schemas.microsoft.com/office/drawing/2010/main">
                   <a:effectLst>
                     <a:outerShdw blurRad="63500" dist="38099" dir="2700000" algn="ctr" rotWithShape="0">
                       <a:schemeClr val="bg2">
@@ -4117,7 +4117,7 @@
             <a:effectLst/>
             <a:extLst>
               <a:ext uri="{91240B29-F687-4f45-9708-019B960494DF}">
-                <a14:hiddenLine xmlns:a14="http://schemas.microsoft.com/office/drawing/2010/main" xmlns="" w="9525">
+                <a14:hiddenLine xmlns="" xmlns:a14="http://schemas.microsoft.com/office/drawing/2010/main" w="9525">
                   <a:solidFill>
                     <a:schemeClr val="tx1"/>
                   </a:solidFill>
@@ -4127,7 +4127,7 @@
                 </a14:hiddenLine>
               </a:ext>
               <a:ext uri="{AF507438-7753-43e0-B8FC-AC1667EBCBE1}">
-                <a14:hiddenEffects xmlns:a14="http://schemas.microsoft.com/office/drawing/2010/main" xmlns="">
+                <a14:hiddenEffects xmlns="" xmlns:a14="http://schemas.microsoft.com/office/drawing/2010/main">
                   <a:effectLst>
                     <a:outerShdw blurRad="63500" dist="38099" dir="2700000" algn="ctr" rotWithShape="0">
                       <a:schemeClr val="bg2">
@@ -4172,7 +4172,7 @@
             <a:effectLst/>
             <a:extLst>
               <a:ext uri="{91240B29-F687-4f45-9708-019B960494DF}">
-                <a14:hiddenLine xmlns:a14="http://schemas.microsoft.com/office/drawing/2010/main" xmlns="" w="9525">
+                <a14:hiddenLine xmlns="" xmlns:a14="http://schemas.microsoft.com/office/drawing/2010/main" w="9525">
                   <a:solidFill>
                     <a:schemeClr val="tx1"/>
                   </a:solidFill>
@@ -4182,7 +4182,7 @@
                 </a14:hiddenLine>
               </a:ext>
               <a:ext uri="{AF507438-7753-43e0-B8FC-AC1667EBCBE1}">
-                <a14:hiddenEffects xmlns:a14="http://schemas.microsoft.com/office/drawing/2010/main" xmlns="">
+                <a14:hiddenEffects xmlns="" xmlns:a14="http://schemas.microsoft.com/office/drawing/2010/main">
                   <a:effectLst>
                     <a:outerShdw blurRad="63500" dist="38099" dir="2700000" algn="ctr" rotWithShape="0">
                       <a:schemeClr val="bg2">
@@ -4227,7 +4227,7 @@
             <a:effectLst/>
             <a:extLst>
               <a:ext uri="{91240B29-F687-4f45-9708-019B960494DF}">
-                <a14:hiddenLine xmlns:a14="http://schemas.microsoft.com/office/drawing/2010/main" xmlns="" w="9525">
+                <a14:hiddenLine xmlns="" xmlns:a14="http://schemas.microsoft.com/office/drawing/2010/main" w="9525">
                   <a:solidFill>
                     <a:schemeClr val="tx1"/>
                   </a:solidFill>
@@ -4237,7 +4237,7 @@
                 </a14:hiddenLine>
               </a:ext>
               <a:ext uri="{AF507438-7753-43e0-B8FC-AC1667EBCBE1}">
-                <a14:hiddenEffects xmlns:a14="http://schemas.microsoft.com/office/drawing/2010/main" xmlns="">
+                <a14:hiddenEffects xmlns="" xmlns:a14="http://schemas.microsoft.com/office/drawing/2010/main">
                   <a:effectLst>
                     <a:outerShdw blurRad="63500" dist="38099" dir="2700000" algn="ctr" rotWithShape="0">
                       <a:schemeClr val="bg2">
@@ -4282,7 +4282,7 @@
             <a:effectLst/>
             <a:extLst>
               <a:ext uri="{91240B29-F687-4f45-9708-019B960494DF}">
-                <a14:hiddenLine xmlns:a14="http://schemas.microsoft.com/office/drawing/2010/main" xmlns="" w="9525">
+                <a14:hiddenLine xmlns="" xmlns:a14="http://schemas.microsoft.com/office/drawing/2010/main" w="9525">
                   <a:solidFill>
                     <a:schemeClr val="tx1"/>
                   </a:solidFill>
@@ -4292,7 +4292,7 @@
                 </a14:hiddenLine>
               </a:ext>
               <a:ext uri="{AF507438-7753-43e0-B8FC-AC1667EBCBE1}">
-                <a14:hiddenEffects xmlns:a14="http://schemas.microsoft.com/office/drawing/2010/main" xmlns="">
+                <a14:hiddenEffects xmlns="" xmlns:a14="http://schemas.microsoft.com/office/drawing/2010/main">
                   <a:effectLst>
                     <a:outerShdw blurRad="63500" dist="38099" dir="2700000" algn="ctr" rotWithShape="0">
                       <a:schemeClr val="bg2">
@@ -4341,12 +4341,12 @@
           <a:effectLst/>
           <a:extLst>
             <a:ext uri="{909E8E84-426E-40dd-AFC4-6F175D3DCCD1}">
-              <a14:hiddenFill xmlns:a14="http://schemas.microsoft.com/office/drawing/2010/main" xmlns="">
+              <a14:hiddenFill xmlns="" xmlns:a14="http://schemas.microsoft.com/office/drawing/2010/main">
                 <a:noFill/>
               </a14:hiddenFill>
             </a:ext>
             <a:ext uri="{AF507438-7753-43e0-B8FC-AC1667EBCBE1}">
-              <a14:hiddenEffects xmlns:a14="http://schemas.microsoft.com/office/drawing/2010/main" xmlns="">
+              <a14:hiddenEffects xmlns="" xmlns:a14="http://schemas.microsoft.com/office/drawing/2010/main">
                 <a:effectLst>
                   <a:outerShdw blurRad="63500" dist="38099" dir="2700000" algn="ctr" rotWithShape="0">
                     <a:schemeClr val="bg2">
@@ -6670,12 +6670,12 @@
           <a:effectLst/>
           <a:extLst>
             <a:ext uri="{909E8E84-426E-40dd-AFC4-6F175D3DCCD1}">
-              <a14:hiddenFill xmlns:a14="http://schemas.microsoft.com/office/drawing/2010/main" xmlns="">
+              <a14:hiddenFill xmlns="" xmlns:a14="http://schemas.microsoft.com/office/drawing/2010/main">
                 <a:noFill/>
               </a14:hiddenFill>
             </a:ext>
             <a:ext uri="{AF507438-7753-43e0-B8FC-AC1667EBCBE1}">
-              <a14:hiddenEffects xmlns:a14="http://schemas.microsoft.com/office/drawing/2010/main" xmlns="">
+              <a14:hiddenEffects xmlns="" xmlns:a14="http://schemas.microsoft.com/office/drawing/2010/main">
                 <a:effectLst>
                   <a:outerShdw blurRad="63500" dist="38099" dir="2700000" algn="ctr" rotWithShape="0">
                     <a:schemeClr val="bg2">
@@ -6720,17 +6720,17 @@
           <a:effectLst/>
           <a:extLst>
             <a:ext uri="{FAA26D3D-D897-4be2-8F04-BA451C77F1D7}">
-              <ma14:placeholderFlag xmlns="" xmlns:ma14="http://schemas.microsoft.com/office/mac/drawingml/2011/main" val="1"/>
+              <ma14:placeholderFlag xmlns:ma14="http://schemas.microsoft.com/office/mac/drawingml/2011/main" xmlns="" val="1"/>
             </a:ext>
             <a:ext uri="{909E8E84-426E-40dd-AFC4-6F175D3DCCD1}">
-              <a14:hiddenFill xmlns:a14="http://schemas.microsoft.com/office/drawing/2010/main" xmlns="">
+              <a14:hiddenFill xmlns="" xmlns:a14="http://schemas.microsoft.com/office/drawing/2010/main">
                 <a:solidFill>
                   <a:schemeClr val="accent1"/>
                 </a:solidFill>
               </a14:hiddenFill>
             </a:ext>
             <a:ext uri="{91240B29-F687-4f45-9708-019B960494DF}">
-              <a14:hiddenLine xmlns:a14="http://schemas.microsoft.com/office/drawing/2010/main" xmlns="" w="9525">
+              <a14:hiddenLine xmlns="" xmlns:a14="http://schemas.microsoft.com/office/drawing/2010/main" w="9525">
                 <a:solidFill>
                   <a:schemeClr val="tx1"/>
                 </a:solidFill>
@@ -6740,7 +6740,7 @@
               </a14:hiddenLine>
             </a:ext>
             <a:ext uri="{AF507438-7753-43e0-B8FC-AC1667EBCBE1}">
-              <a14:hiddenEffects xmlns:a14="http://schemas.microsoft.com/office/drawing/2010/main" xmlns="">
+              <a14:hiddenEffects xmlns="" xmlns:a14="http://schemas.microsoft.com/office/drawing/2010/main">
                 <a:effectLst>
                   <a:outerShdw blurRad="63500" dist="38099" dir="2700000" algn="ctr" rotWithShape="0">
                     <a:schemeClr val="bg2">
@@ -6793,17 +6793,17 @@
           <a:effectLst/>
           <a:extLst>
             <a:ext uri="{FAA26D3D-D897-4be2-8F04-BA451C77F1D7}">
-              <ma14:placeholderFlag xmlns="" xmlns:ma14="http://schemas.microsoft.com/office/mac/drawingml/2011/main" val="1"/>
+              <ma14:placeholderFlag xmlns:ma14="http://schemas.microsoft.com/office/mac/drawingml/2011/main" xmlns="" val="1"/>
             </a:ext>
             <a:ext uri="{909E8E84-426E-40dd-AFC4-6F175D3DCCD1}">
-              <a14:hiddenFill xmlns:a14="http://schemas.microsoft.com/office/drawing/2010/main" xmlns="">
+              <a14:hiddenFill xmlns="" xmlns:a14="http://schemas.microsoft.com/office/drawing/2010/main">
                 <a:solidFill>
                   <a:schemeClr val="accent1"/>
                 </a:solidFill>
               </a14:hiddenFill>
             </a:ext>
             <a:ext uri="{91240B29-F687-4f45-9708-019B960494DF}">
-              <a14:hiddenLine xmlns:a14="http://schemas.microsoft.com/office/drawing/2010/main" xmlns="" w="9525">
+              <a14:hiddenLine xmlns="" xmlns:a14="http://schemas.microsoft.com/office/drawing/2010/main" w="9525">
                 <a:solidFill>
                   <a:schemeClr val="tx1"/>
                 </a:solidFill>
@@ -6813,7 +6813,7 @@
               </a14:hiddenLine>
             </a:ext>
             <a:ext uri="{AF507438-7753-43e0-B8FC-AC1667EBCBE1}">
-              <a14:hiddenEffects xmlns:a14="http://schemas.microsoft.com/office/drawing/2010/main" xmlns="">
+              <a14:hiddenEffects xmlns="" xmlns:a14="http://schemas.microsoft.com/office/drawing/2010/main">
                 <a:effectLst>
                   <a:outerShdw blurRad="63500" dist="38099" dir="2700000" algn="ctr" rotWithShape="0">
                     <a:schemeClr val="bg2">
@@ -6894,17 +6894,17 @@
           <a:effectLst/>
           <a:extLst>
             <a:ext uri="{FAA26D3D-D897-4be2-8F04-BA451C77F1D7}">
-              <ma14:placeholderFlag xmlns="" xmlns:ma14="http://schemas.microsoft.com/office/mac/drawingml/2011/main" val="1"/>
+              <ma14:placeholderFlag xmlns:ma14="http://schemas.microsoft.com/office/mac/drawingml/2011/main" xmlns="" val="1"/>
             </a:ext>
             <a:ext uri="{909E8E84-426E-40dd-AFC4-6F175D3DCCD1}">
-              <a14:hiddenFill xmlns:a14="http://schemas.microsoft.com/office/drawing/2010/main" xmlns="">
+              <a14:hiddenFill xmlns="" xmlns:a14="http://schemas.microsoft.com/office/drawing/2010/main">
                 <a:solidFill>
                   <a:schemeClr val="accent1"/>
                 </a:solidFill>
               </a14:hiddenFill>
             </a:ext>
             <a:ext uri="{91240B29-F687-4f45-9708-019B960494DF}">
-              <a14:hiddenLine xmlns:a14="http://schemas.microsoft.com/office/drawing/2010/main" xmlns="" w="9525">
+              <a14:hiddenLine xmlns="" xmlns:a14="http://schemas.microsoft.com/office/drawing/2010/main" w="9525">
                 <a:solidFill>
                   <a:schemeClr val="tx1"/>
                 </a:solidFill>
@@ -6914,7 +6914,7 @@
               </a14:hiddenLine>
             </a:ext>
             <a:ext uri="{AF507438-7753-43e0-B8FC-AC1667EBCBE1}">
-              <a14:hiddenEffects xmlns:a14="http://schemas.microsoft.com/office/drawing/2010/main" xmlns="">
+              <a14:hiddenEffects xmlns="" xmlns:a14="http://schemas.microsoft.com/office/drawing/2010/main">
                 <a:effectLst>
                   <a:outerShdw blurRad="63500" dist="38099" dir="2700000" algn="ctr" rotWithShape="0">
                     <a:schemeClr val="bg2">
@@ -6967,17 +6967,17 @@
           <a:effectLst/>
           <a:extLst>
             <a:ext uri="{FAA26D3D-D897-4be2-8F04-BA451C77F1D7}">
-              <ma14:placeholderFlag xmlns="" xmlns:ma14="http://schemas.microsoft.com/office/mac/drawingml/2011/main" val="1"/>
+              <ma14:placeholderFlag xmlns:ma14="http://schemas.microsoft.com/office/mac/drawingml/2011/main" xmlns="" val="1"/>
             </a:ext>
             <a:ext uri="{909E8E84-426E-40dd-AFC4-6F175D3DCCD1}">
-              <a14:hiddenFill xmlns:a14="http://schemas.microsoft.com/office/drawing/2010/main" xmlns="">
+              <a14:hiddenFill xmlns="" xmlns:a14="http://schemas.microsoft.com/office/drawing/2010/main">
                 <a:solidFill>
                   <a:schemeClr val="accent1"/>
                 </a:solidFill>
               </a14:hiddenFill>
             </a:ext>
             <a:ext uri="{91240B29-F687-4f45-9708-019B960494DF}">
-              <a14:hiddenLine xmlns:a14="http://schemas.microsoft.com/office/drawing/2010/main" xmlns="" w="9525">
+              <a14:hiddenLine xmlns="" xmlns:a14="http://schemas.microsoft.com/office/drawing/2010/main" w="9525">
                 <a:solidFill>
                   <a:schemeClr val="tx1"/>
                 </a:solidFill>
@@ -6987,7 +6987,7 @@
               </a14:hiddenLine>
             </a:ext>
             <a:ext uri="{AF507438-7753-43e0-B8FC-AC1667EBCBE1}">
-              <a14:hiddenEffects xmlns:a14="http://schemas.microsoft.com/office/drawing/2010/main" xmlns="">
+              <a14:hiddenEffects xmlns="" xmlns:a14="http://schemas.microsoft.com/office/drawing/2010/main">
                 <a:effectLst>
                   <a:outerShdw blurRad="63500" dist="38099" dir="2700000" algn="ctr" rotWithShape="0">
                     <a:schemeClr val="bg2">
@@ -7040,17 +7040,17 @@
           <a:effectLst/>
           <a:extLst>
             <a:ext uri="{FAA26D3D-D897-4be2-8F04-BA451C77F1D7}">
-              <ma14:placeholderFlag xmlns="" xmlns:ma14="http://schemas.microsoft.com/office/mac/drawingml/2011/main" val="1"/>
+              <ma14:placeholderFlag xmlns:ma14="http://schemas.microsoft.com/office/mac/drawingml/2011/main" xmlns="" val="1"/>
             </a:ext>
             <a:ext uri="{909E8E84-426E-40dd-AFC4-6F175D3DCCD1}">
-              <a14:hiddenFill xmlns:a14="http://schemas.microsoft.com/office/drawing/2010/main" xmlns="">
+              <a14:hiddenFill xmlns="" xmlns:a14="http://schemas.microsoft.com/office/drawing/2010/main">
                 <a:solidFill>
                   <a:schemeClr val="accent1"/>
                 </a:solidFill>
               </a14:hiddenFill>
             </a:ext>
             <a:ext uri="{91240B29-F687-4f45-9708-019B960494DF}">
-              <a14:hiddenLine xmlns:a14="http://schemas.microsoft.com/office/drawing/2010/main" xmlns="" w="9525">
+              <a14:hiddenLine xmlns="" xmlns:a14="http://schemas.microsoft.com/office/drawing/2010/main" w="9525">
                 <a:solidFill>
                   <a:schemeClr val="tx1"/>
                 </a:solidFill>
@@ -7060,7 +7060,7 @@
               </a14:hiddenLine>
             </a:ext>
             <a:ext uri="{AF507438-7753-43e0-B8FC-AC1667EBCBE1}">
-              <a14:hiddenEffects xmlns:a14="http://schemas.microsoft.com/office/drawing/2010/main" xmlns="">
+              <a14:hiddenEffects xmlns="" xmlns:a14="http://schemas.microsoft.com/office/drawing/2010/main">
                 <a:effectLst>
                   <a:outerShdw blurRad="63500" dist="38099" dir="2700000" algn="ctr" rotWithShape="0">
                     <a:schemeClr val="bg2">
@@ -7134,7 +7134,7 @@
             <a:effectLst/>
             <a:extLst>
               <a:ext uri="{91240B29-F687-4f45-9708-019B960494DF}">
-                <a14:hiddenLine xmlns:a14="http://schemas.microsoft.com/office/drawing/2010/main" xmlns="" w="9525">
+                <a14:hiddenLine xmlns="" xmlns:a14="http://schemas.microsoft.com/office/drawing/2010/main" w="9525">
                   <a:solidFill>
                     <a:schemeClr val="tx1"/>
                   </a:solidFill>
@@ -7144,7 +7144,7 @@
                 </a14:hiddenLine>
               </a:ext>
               <a:ext uri="{AF507438-7753-43e0-B8FC-AC1667EBCBE1}">
-                <a14:hiddenEffects xmlns:a14="http://schemas.microsoft.com/office/drawing/2010/main" xmlns="">
+                <a14:hiddenEffects xmlns="" xmlns:a14="http://schemas.microsoft.com/office/drawing/2010/main">
                   <a:effectLst>
                     <a:outerShdw blurRad="63500" dist="38099" dir="2700000" algn="ctr" rotWithShape="0">
                       <a:schemeClr val="bg2">
@@ -7189,7 +7189,7 @@
             <a:effectLst/>
             <a:extLst>
               <a:ext uri="{91240B29-F687-4f45-9708-019B960494DF}">
-                <a14:hiddenLine xmlns:a14="http://schemas.microsoft.com/office/drawing/2010/main" xmlns="" w="9525">
+                <a14:hiddenLine xmlns="" xmlns:a14="http://schemas.microsoft.com/office/drawing/2010/main" w="9525">
                   <a:solidFill>
                     <a:schemeClr val="tx1"/>
                   </a:solidFill>
@@ -7199,7 +7199,7 @@
                 </a14:hiddenLine>
               </a:ext>
               <a:ext uri="{AF507438-7753-43e0-B8FC-AC1667EBCBE1}">
-                <a14:hiddenEffects xmlns:a14="http://schemas.microsoft.com/office/drawing/2010/main" xmlns="">
+                <a14:hiddenEffects xmlns="" xmlns:a14="http://schemas.microsoft.com/office/drawing/2010/main">
                   <a:effectLst>
                     <a:outerShdw blurRad="63500" dist="38099" dir="2700000" algn="ctr" rotWithShape="0">
                       <a:schemeClr val="bg2">
@@ -7244,7 +7244,7 @@
             <a:effectLst/>
             <a:extLst>
               <a:ext uri="{91240B29-F687-4f45-9708-019B960494DF}">
-                <a14:hiddenLine xmlns:a14="http://schemas.microsoft.com/office/drawing/2010/main" xmlns="" w="9525">
+                <a14:hiddenLine xmlns="" xmlns:a14="http://schemas.microsoft.com/office/drawing/2010/main" w="9525">
                   <a:solidFill>
                     <a:schemeClr val="tx1"/>
                   </a:solidFill>
@@ -7254,7 +7254,7 @@
                 </a14:hiddenLine>
               </a:ext>
               <a:ext uri="{AF507438-7753-43e0-B8FC-AC1667EBCBE1}">
-                <a14:hiddenEffects xmlns:a14="http://schemas.microsoft.com/office/drawing/2010/main" xmlns="">
+                <a14:hiddenEffects xmlns="" xmlns:a14="http://schemas.microsoft.com/office/drawing/2010/main">
                   <a:effectLst>
                     <a:outerShdw blurRad="63500" dist="38099" dir="2700000" algn="ctr" rotWithShape="0">
                       <a:schemeClr val="bg2">
@@ -7299,7 +7299,7 @@
             <a:effectLst/>
             <a:extLst>
               <a:ext uri="{91240B29-F687-4f45-9708-019B960494DF}">
-                <a14:hiddenLine xmlns:a14="http://schemas.microsoft.com/office/drawing/2010/main" xmlns="" w="9525">
+                <a14:hiddenLine xmlns="" xmlns:a14="http://schemas.microsoft.com/office/drawing/2010/main" w="9525">
                   <a:solidFill>
                     <a:schemeClr val="tx1"/>
                   </a:solidFill>
@@ -7309,7 +7309,7 @@
                 </a14:hiddenLine>
               </a:ext>
               <a:ext uri="{AF507438-7753-43e0-B8FC-AC1667EBCBE1}">
-                <a14:hiddenEffects xmlns:a14="http://schemas.microsoft.com/office/drawing/2010/main" xmlns="">
+                <a14:hiddenEffects xmlns="" xmlns:a14="http://schemas.microsoft.com/office/drawing/2010/main">
                   <a:effectLst>
                     <a:outerShdw blurRad="63500" dist="38099" dir="2700000" algn="ctr" rotWithShape="0">
                       <a:schemeClr val="bg2">
@@ -7354,7 +7354,7 @@
             <a:effectLst/>
             <a:extLst>
               <a:ext uri="{91240B29-F687-4f45-9708-019B960494DF}">
-                <a14:hiddenLine xmlns:a14="http://schemas.microsoft.com/office/drawing/2010/main" xmlns="" w="9525">
+                <a14:hiddenLine xmlns="" xmlns:a14="http://schemas.microsoft.com/office/drawing/2010/main" w="9525">
                   <a:solidFill>
                     <a:schemeClr val="tx1"/>
                   </a:solidFill>
@@ -7364,7 +7364,7 @@
                 </a14:hiddenLine>
               </a:ext>
               <a:ext uri="{AF507438-7753-43e0-B8FC-AC1667EBCBE1}">
-                <a14:hiddenEffects xmlns:a14="http://schemas.microsoft.com/office/drawing/2010/main" xmlns="">
+                <a14:hiddenEffects xmlns="" xmlns:a14="http://schemas.microsoft.com/office/drawing/2010/main">
                   <a:effectLst>
                     <a:outerShdw blurRad="63500" dist="38099" dir="2700000" algn="ctr" rotWithShape="0">
                       <a:schemeClr val="bg2">
@@ -7409,7 +7409,7 @@
             <a:effectLst/>
             <a:extLst>
               <a:ext uri="{91240B29-F687-4f45-9708-019B960494DF}">
-                <a14:hiddenLine xmlns:a14="http://schemas.microsoft.com/office/drawing/2010/main" xmlns="" w="9525">
+                <a14:hiddenLine xmlns="" xmlns:a14="http://schemas.microsoft.com/office/drawing/2010/main" w="9525">
                   <a:solidFill>
                     <a:schemeClr val="tx1"/>
                   </a:solidFill>
@@ -7419,7 +7419,7 @@
                 </a14:hiddenLine>
               </a:ext>
               <a:ext uri="{AF507438-7753-43e0-B8FC-AC1667EBCBE1}">
-                <a14:hiddenEffects xmlns:a14="http://schemas.microsoft.com/office/drawing/2010/main" xmlns="">
+                <a14:hiddenEffects xmlns="" xmlns:a14="http://schemas.microsoft.com/office/drawing/2010/main">
                   <a:effectLst>
                     <a:outerShdw blurRad="63500" dist="38099" dir="2700000" algn="ctr" rotWithShape="0">
                       <a:schemeClr val="bg2">
@@ -7464,7 +7464,7 @@
             <a:effectLst/>
             <a:extLst>
               <a:ext uri="{91240B29-F687-4f45-9708-019B960494DF}">
-                <a14:hiddenLine xmlns:a14="http://schemas.microsoft.com/office/drawing/2010/main" xmlns="" w="9525">
+                <a14:hiddenLine xmlns="" xmlns:a14="http://schemas.microsoft.com/office/drawing/2010/main" w="9525">
                   <a:solidFill>
                     <a:schemeClr val="tx1"/>
                   </a:solidFill>
@@ -7474,7 +7474,7 @@
                 </a14:hiddenLine>
               </a:ext>
               <a:ext uri="{AF507438-7753-43e0-B8FC-AC1667EBCBE1}">
-                <a14:hiddenEffects xmlns:a14="http://schemas.microsoft.com/office/drawing/2010/main" xmlns="">
+                <a14:hiddenEffects xmlns="" xmlns:a14="http://schemas.microsoft.com/office/drawing/2010/main">
                   <a:effectLst>
                     <a:outerShdw blurRad="63500" dist="38099" dir="2700000" algn="ctr" rotWithShape="0">
                       <a:schemeClr val="bg2">
@@ -7519,7 +7519,7 @@
             <a:effectLst/>
             <a:extLst>
               <a:ext uri="{91240B29-F687-4f45-9708-019B960494DF}">
-                <a14:hiddenLine xmlns:a14="http://schemas.microsoft.com/office/drawing/2010/main" xmlns="" w="9525">
+                <a14:hiddenLine xmlns="" xmlns:a14="http://schemas.microsoft.com/office/drawing/2010/main" w="9525">
                   <a:solidFill>
                     <a:schemeClr val="tx1"/>
                   </a:solidFill>
@@ -7529,7 +7529,7 @@
                 </a14:hiddenLine>
               </a:ext>
               <a:ext uri="{AF507438-7753-43e0-B8FC-AC1667EBCBE1}">
-                <a14:hiddenEffects xmlns:a14="http://schemas.microsoft.com/office/drawing/2010/main" xmlns="">
+                <a14:hiddenEffects xmlns="" xmlns:a14="http://schemas.microsoft.com/office/drawing/2010/main">
                   <a:effectLst>
                     <a:outerShdw blurRad="63500" dist="38099" dir="2700000" algn="ctr" rotWithShape="0">
                       <a:schemeClr val="bg2">
@@ -7574,7 +7574,7 @@
             <a:effectLst/>
             <a:extLst>
               <a:ext uri="{91240B29-F687-4f45-9708-019B960494DF}">
-                <a14:hiddenLine xmlns:a14="http://schemas.microsoft.com/office/drawing/2010/main" xmlns="" w="9525">
+                <a14:hiddenLine xmlns="" xmlns:a14="http://schemas.microsoft.com/office/drawing/2010/main" w="9525">
                   <a:solidFill>
                     <a:schemeClr val="tx1"/>
                   </a:solidFill>
@@ -7584,7 +7584,7 @@
                 </a14:hiddenLine>
               </a:ext>
               <a:ext uri="{AF507438-7753-43e0-B8FC-AC1667EBCBE1}">
-                <a14:hiddenEffects xmlns:a14="http://schemas.microsoft.com/office/drawing/2010/main" xmlns="">
+                <a14:hiddenEffects xmlns="" xmlns:a14="http://schemas.microsoft.com/office/drawing/2010/main">
                   <a:effectLst>
                     <a:outerShdw blurRad="63500" dist="38099" dir="2700000" algn="ctr" rotWithShape="0">
                       <a:schemeClr val="bg2">
@@ -7629,7 +7629,7 @@
             <a:effectLst/>
             <a:extLst>
               <a:ext uri="{91240B29-F687-4f45-9708-019B960494DF}">
-                <a14:hiddenLine xmlns:a14="http://schemas.microsoft.com/office/drawing/2010/main" xmlns="" w="9525">
+                <a14:hiddenLine xmlns="" xmlns:a14="http://schemas.microsoft.com/office/drawing/2010/main" w="9525">
                   <a:solidFill>
                     <a:schemeClr val="tx1"/>
                   </a:solidFill>
@@ -7639,7 +7639,7 @@
                 </a14:hiddenLine>
               </a:ext>
               <a:ext uri="{AF507438-7753-43e0-B8FC-AC1667EBCBE1}">
-                <a14:hiddenEffects xmlns:a14="http://schemas.microsoft.com/office/drawing/2010/main" xmlns="">
+                <a14:hiddenEffects xmlns="" xmlns:a14="http://schemas.microsoft.com/office/drawing/2010/main">
                   <a:effectLst>
                     <a:outerShdw blurRad="63500" dist="38099" dir="2700000" algn="ctr" rotWithShape="0">
                       <a:schemeClr val="bg2">
@@ -7684,7 +7684,7 @@
             <a:effectLst/>
             <a:extLst>
               <a:ext uri="{91240B29-F687-4f45-9708-019B960494DF}">
-                <a14:hiddenLine xmlns:a14="http://schemas.microsoft.com/office/drawing/2010/main" xmlns="" w="9525">
+                <a14:hiddenLine xmlns="" xmlns:a14="http://schemas.microsoft.com/office/drawing/2010/main" w="9525">
                   <a:solidFill>
                     <a:schemeClr val="tx1"/>
                   </a:solidFill>
@@ -7694,7 +7694,7 @@
                 </a14:hiddenLine>
               </a:ext>
               <a:ext uri="{AF507438-7753-43e0-B8FC-AC1667EBCBE1}">
-                <a14:hiddenEffects xmlns:a14="http://schemas.microsoft.com/office/drawing/2010/main" xmlns="">
+                <a14:hiddenEffects xmlns="" xmlns:a14="http://schemas.microsoft.com/office/drawing/2010/main">
                   <a:effectLst>
                     <a:outerShdw blurRad="63500" dist="38099" dir="2700000" algn="ctr" rotWithShape="0">
                       <a:schemeClr val="bg2">
@@ -7739,7 +7739,7 @@
             <a:effectLst/>
             <a:extLst>
               <a:ext uri="{91240B29-F687-4f45-9708-019B960494DF}">
-                <a14:hiddenLine xmlns:a14="http://schemas.microsoft.com/office/drawing/2010/main" xmlns="" w="9525">
+                <a14:hiddenLine xmlns="" xmlns:a14="http://schemas.microsoft.com/office/drawing/2010/main" w="9525">
                   <a:solidFill>
                     <a:schemeClr val="tx1"/>
                   </a:solidFill>
@@ -7749,7 +7749,7 @@
                 </a14:hiddenLine>
               </a:ext>
               <a:ext uri="{AF507438-7753-43e0-B8FC-AC1667EBCBE1}">
-                <a14:hiddenEffects xmlns:a14="http://schemas.microsoft.com/office/drawing/2010/main" xmlns="">
+                <a14:hiddenEffects xmlns="" xmlns:a14="http://schemas.microsoft.com/office/drawing/2010/main">
                   <a:effectLst>
                     <a:outerShdw blurRad="63500" dist="38099" dir="2700000" algn="ctr" rotWithShape="0">
                       <a:schemeClr val="bg2">
@@ -7794,7 +7794,7 @@
             <a:effectLst/>
             <a:extLst>
               <a:ext uri="{91240B29-F687-4f45-9708-019B960494DF}">
-                <a14:hiddenLine xmlns:a14="http://schemas.microsoft.com/office/drawing/2010/main" xmlns="" w="9525">
+                <a14:hiddenLine xmlns="" xmlns:a14="http://schemas.microsoft.com/office/drawing/2010/main" w="9525">
                   <a:solidFill>
                     <a:schemeClr val="tx1"/>
                   </a:solidFill>
@@ -7804,7 +7804,7 @@
                 </a14:hiddenLine>
               </a:ext>
               <a:ext uri="{AF507438-7753-43e0-B8FC-AC1667EBCBE1}">
-                <a14:hiddenEffects xmlns:a14="http://schemas.microsoft.com/office/drawing/2010/main" xmlns="">
+                <a14:hiddenEffects xmlns="" xmlns:a14="http://schemas.microsoft.com/office/drawing/2010/main">
                   <a:effectLst>
                     <a:outerShdw blurRad="63500" dist="38099" dir="2700000" algn="ctr" rotWithShape="0">
                       <a:schemeClr val="bg2">
@@ -7849,7 +7849,7 @@
             <a:effectLst/>
             <a:extLst>
               <a:ext uri="{91240B29-F687-4f45-9708-019B960494DF}">
-                <a14:hiddenLine xmlns:a14="http://schemas.microsoft.com/office/drawing/2010/main" xmlns="" w="9525">
+                <a14:hiddenLine xmlns="" xmlns:a14="http://schemas.microsoft.com/office/drawing/2010/main" w="9525">
                   <a:solidFill>
                     <a:schemeClr val="tx1"/>
                   </a:solidFill>
@@ -7859,7 +7859,7 @@
                 </a14:hiddenLine>
               </a:ext>
               <a:ext uri="{AF507438-7753-43e0-B8FC-AC1667EBCBE1}">
-                <a14:hiddenEffects xmlns:a14="http://schemas.microsoft.com/office/drawing/2010/main" xmlns="">
+                <a14:hiddenEffects xmlns="" xmlns:a14="http://schemas.microsoft.com/office/drawing/2010/main">
                   <a:effectLst>
                     <a:outerShdw blurRad="63500" dist="38099" dir="2700000" algn="ctr" rotWithShape="0">
                       <a:schemeClr val="bg2">
@@ -7904,7 +7904,7 @@
             <a:effectLst/>
             <a:extLst>
               <a:ext uri="{91240B29-F687-4f45-9708-019B960494DF}">
-                <a14:hiddenLine xmlns:a14="http://schemas.microsoft.com/office/drawing/2010/main" xmlns="" w="9525">
+                <a14:hiddenLine xmlns="" xmlns:a14="http://schemas.microsoft.com/office/drawing/2010/main" w="9525">
                   <a:solidFill>
                     <a:schemeClr val="tx1"/>
                   </a:solidFill>
@@ -7914,7 +7914,7 @@
                 </a14:hiddenLine>
               </a:ext>
               <a:ext uri="{AF507438-7753-43e0-B8FC-AC1667EBCBE1}">
-                <a14:hiddenEffects xmlns:a14="http://schemas.microsoft.com/office/drawing/2010/main" xmlns="">
+                <a14:hiddenEffects xmlns="" xmlns:a14="http://schemas.microsoft.com/office/drawing/2010/main">
                   <a:effectLst>
                     <a:outerShdw blurRad="63500" dist="38099" dir="2700000" algn="ctr" rotWithShape="0">
                       <a:schemeClr val="bg2">
@@ -7959,7 +7959,7 @@
             <a:effectLst/>
             <a:extLst>
               <a:ext uri="{91240B29-F687-4f45-9708-019B960494DF}">
-                <a14:hiddenLine xmlns:a14="http://schemas.microsoft.com/office/drawing/2010/main" xmlns="" w="9525">
+                <a14:hiddenLine xmlns="" xmlns:a14="http://schemas.microsoft.com/office/drawing/2010/main" w="9525">
                   <a:solidFill>
                     <a:schemeClr val="tx1"/>
                   </a:solidFill>
@@ -7969,7 +7969,7 @@
                 </a14:hiddenLine>
               </a:ext>
               <a:ext uri="{AF507438-7753-43e0-B8FC-AC1667EBCBE1}">
-                <a14:hiddenEffects xmlns:a14="http://schemas.microsoft.com/office/drawing/2010/main" xmlns="">
+                <a14:hiddenEffects xmlns="" xmlns:a14="http://schemas.microsoft.com/office/drawing/2010/main">
                   <a:effectLst>
                     <a:outerShdw blurRad="63500" dist="38099" dir="2700000" algn="ctr" rotWithShape="0">
                       <a:schemeClr val="bg2">
@@ -8014,7 +8014,7 @@
             <a:effectLst/>
             <a:extLst>
               <a:ext uri="{91240B29-F687-4f45-9708-019B960494DF}">
-                <a14:hiddenLine xmlns:a14="http://schemas.microsoft.com/office/drawing/2010/main" xmlns="" w="9525">
+                <a14:hiddenLine xmlns="" xmlns:a14="http://schemas.microsoft.com/office/drawing/2010/main" w="9525">
                   <a:solidFill>
                     <a:schemeClr val="tx1"/>
                   </a:solidFill>
@@ -8024,7 +8024,7 @@
                 </a14:hiddenLine>
               </a:ext>
               <a:ext uri="{AF507438-7753-43e0-B8FC-AC1667EBCBE1}">
-                <a14:hiddenEffects xmlns:a14="http://schemas.microsoft.com/office/drawing/2010/main" xmlns="">
+                <a14:hiddenEffects xmlns="" xmlns:a14="http://schemas.microsoft.com/office/drawing/2010/main">
                   <a:effectLst>
                     <a:outerShdw blurRad="63500" dist="38099" dir="2700000" algn="ctr" rotWithShape="0">
                       <a:schemeClr val="bg2">
@@ -8069,7 +8069,7 @@
             <a:effectLst/>
             <a:extLst>
               <a:ext uri="{91240B29-F687-4f45-9708-019B960494DF}">
-                <a14:hiddenLine xmlns:a14="http://schemas.microsoft.com/office/drawing/2010/main" xmlns="" w="9525">
+                <a14:hiddenLine xmlns="" xmlns:a14="http://schemas.microsoft.com/office/drawing/2010/main" w="9525">
                   <a:solidFill>
                     <a:schemeClr val="tx1"/>
                   </a:solidFill>
@@ -8079,7 +8079,7 @@
                 </a14:hiddenLine>
               </a:ext>
               <a:ext uri="{AF507438-7753-43e0-B8FC-AC1667EBCBE1}">
-                <a14:hiddenEffects xmlns:a14="http://schemas.microsoft.com/office/drawing/2010/main" xmlns="">
+                <a14:hiddenEffects xmlns="" xmlns:a14="http://schemas.microsoft.com/office/drawing/2010/main">
                   <a:effectLst>
                     <a:outerShdw blurRad="63500" dist="38099" dir="2700000" algn="ctr" rotWithShape="0">
                       <a:schemeClr val="bg2">
@@ -8124,7 +8124,7 @@
             <a:effectLst/>
             <a:extLst>
               <a:ext uri="{91240B29-F687-4f45-9708-019B960494DF}">
-                <a14:hiddenLine xmlns:a14="http://schemas.microsoft.com/office/drawing/2010/main" xmlns="" w="9525">
+                <a14:hiddenLine xmlns="" xmlns:a14="http://schemas.microsoft.com/office/drawing/2010/main" w="9525">
                   <a:solidFill>
                     <a:schemeClr val="tx1"/>
                   </a:solidFill>
@@ -8134,7 +8134,7 @@
                 </a14:hiddenLine>
               </a:ext>
               <a:ext uri="{AF507438-7753-43e0-B8FC-AC1667EBCBE1}">
-                <a14:hiddenEffects xmlns:a14="http://schemas.microsoft.com/office/drawing/2010/main" xmlns="">
+                <a14:hiddenEffects xmlns="" xmlns:a14="http://schemas.microsoft.com/office/drawing/2010/main">
                   <a:effectLst>
                     <a:outerShdw blurRad="63500" dist="38099" dir="2700000" algn="ctr" rotWithShape="0">
                       <a:schemeClr val="bg2">
@@ -8179,7 +8179,7 @@
             <a:effectLst/>
             <a:extLst>
               <a:ext uri="{91240B29-F687-4f45-9708-019B960494DF}">
-                <a14:hiddenLine xmlns:a14="http://schemas.microsoft.com/office/drawing/2010/main" xmlns="" w="9525">
+                <a14:hiddenLine xmlns="" xmlns:a14="http://schemas.microsoft.com/office/drawing/2010/main" w="9525">
                   <a:solidFill>
                     <a:schemeClr val="tx1"/>
                   </a:solidFill>
@@ -8189,7 +8189,7 @@
                 </a14:hiddenLine>
               </a:ext>
               <a:ext uri="{AF507438-7753-43e0-B8FC-AC1667EBCBE1}">
-                <a14:hiddenEffects xmlns:a14="http://schemas.microsoft.com/office/drawing/2010/main" xmlns="">
+                <a14:hiddenEffects xmlns="" xmlns:a14="http://schemas.microsoft.com/office/drawing/2010/main">
                   <a:effectLst>
                     <a:outerShdw blurRad="63500" dist="38099" dir="2700000" algn="ctr" rotWithShape="0">
                       <a:schemeClr val="bg2">
@@ -8234,7 +8234,7 @@
             <a:effectLst/>
             <a:extLst>
               <a:ext uri="{91240B29-F687-4f45-9708-019B960494DF}">
-                <a14:hiddenLine xmlns:a14="http://schemas.microsoft.com/office/drawing/2010/main" xmlns="" w="9525">
+                <a14:hiddenLine xmlns="" xmlns:a14="http://schemas.microsoft.com/office/drawing/2010/main" w="9525">
                   <a:solidFill>
                     <a:schemeClr val="tx1"/>
                   </a:solidFill>
@@ -8244,7 +8244,7 @@
                 </a14:hiddenLine>
               </a:ext>
               <a:ext uri="{AF507438-7753-43e0-B8FC-AC1667EBCBE1}">
-                <a14:hiddenEffects xmlns:a14="http://schemas.microsoft.com/office/drawing/2010/main" xmlns="">
+                <a14:hiddenEffects xmlns="" xmlns:a14="http://schemas.microsoft.com/office/drawing/2010/main">
                   <a:effectLst>
                     <a:outerShdw blurRad="63500" dist="38099" dir="2700000" algn="ctr" rotWithShape="0">
                       <a:schemeClr val="bg2">
@@ -8289,7 +8289,7 @@
             <a:effectLst/>
             <a:extLst>
               <a:ext uri="{91240B29-F687-4f45-9708-019B960494DF}">
-                <a14:hiddenLine xmlns:a14="http://schemas.microsoft.com/office/drawing/2010/main" xmlns="" w="9525">
+                <a14:hiddenLine xmlns="" xmlns:a14="http://schemas.microsoft.com/office/drawing/2010/main" w="9525">
                   <a:solidFill>
                     <a:schemeClr val="tx1"/>
                   </a:solidFill>
@@ -8299,7 +8299,7 @@
                 </a14:hiddenLine>
               </a:ext>
               <a:ext uri="{AF507438-7753-43e0-B8FC-AC1667EBCBE1}">
-                <a14:hiddenEffects xmlns:a14="http://schemas.microsoft.com/office/drawing/2010/main" xmlns="">
+                <a14:hiddenEffects xmlns="" xmlns:a14="http://schemas.microsoft.com/office/drawing/2010/main">
                   <a:effectLst>
                     <a:outerShdw blurRad="63500" dist="38099" dir="2700000" algn="ctr" rotWithShape="0">
                       <a:schemeClr val="bg2">
@@ -8344,7 +8344,7 @@
             <a:effectLst/>
             <a:extLst>
               <a:ext uri="{91240B29-F687-4f45-9708-019B960494DF}">
-                <a14:hiddenLine xmlns:a14="http://schemas.microsoft.com/office/drawing/2010/main" xmlns="" w="9525">
+                <a14:hiddenLine xmlns="" xmlns:a14="http://schemas.microsoft.com/office/drawing/2010/main" w="9525">
                   <a:solidFill>
                     <a:schemeClr val="tx1"/>
                   </a:solidFill>
@@ -8354,7 +8354,7 @@
                 </a14:hiddenLine>
               </a:ext>
               <a:ext uri="{AF507438-7753-43e0-B8FC-AC1667EBCBE1}">
-                <a14:hiddenEffects xmlns:a14="http://schemas.microsoft.com/office/drawing/2010/main" xmlns="">
+                <a14:hiddenEffects xmlns="" xmlns:a14="http://schemas.microsoft.com/office/drawing/2010/main">
                   <a:effectLst>
                     <a:outerShdw blurRad="63500" dist="38099" dir="2700000" algn="ctr" rotWithShape="0">
                       <a:schemeClr val="bg2">
@@ -8399,7 +8399,7 @@
             <a:effectLst/>
             <a:extLst>
               <a:ext uri="{91240B29-F687-4f45-9708-019B960494DF}">
-                <a14:hiddenLine xmlns:a14="http://schemas.microsoft.com/office/drawing/2010/main" xmlns="" w="9525">
+                <a14:hiddenLine xmlns="" xmlns:a14="http://schemas.microsoft.com/office/drawing/2010/main" w="9525">
                   <a:solidFill>
                     <a:schemeClr val="tx1"/>
                   </a:solidFill>
@@ -8409,7 +8409,7 @@
                 </a14:hiddenLine>
               </a:ext>
               <a:ext uri="{AF507438-7753-43e0-B8FC-AC1667EBCBE1}">
-                <a14:hiddenEffects xmlns:a14="http://schemas.microsoft.com/office/drawing/2010/main" xmlns="">
+                <a14:hiddenEffects xmlns="" xmlns:a14="http://schemas.microsoft.com/office/drawing/2010/main">
                   <a:effectLst>
                     <a:outerShdw blurRad="63500" dist="38099" dir="2700000" algn="ctr" rotWithShape="0">
                       <a:schemeClr val="bg2">
@@ -8454,7 +8454,7 @@
             <a:effectLst/>
             <a:extLst>
               <a:ext uri="{91240B29-F687-4f45-9708-019B960494DF}">
-                <a14:hiddenLine xmlns:a14="http://schemas.microsoft.com/office/drawing/2010/main" xmlns="" w="9525">
+                <a14:hiddenLine xmlns="" xmlns:a14="http://schemas.microsoft.com/office/drawing/2010/main" w="9525">
                   <a:solidFill>
                     <a:schemeClr val="tx1"/>
                   </a:solidFill>
@@ -8464,7 +8464,7 @@
                 </a14:hiddenLine>
               </a:ext>
               <a:ext uri="{AF507438-7753-43e0-B8FC-AC1667EBCBE1}">
-                <a14:hiddenEffects xmlns:a14="http://schemas.microsoft.com/office/drawing/2010/main" xmlns="">
+                <a14:hiddenEffects xmlns="" xmlns:a14="http://schemas.microsoft.com/office/drawing/2010/main">
                   <a:effectLst>
                     <a:outerShdw blurRad="63500" dist="38099" dir="2700000" algn="ctr" rotWithShape="0">
                       <a:schemeClr val="bg2">
@@ -8509,7 +8509,7 @@
             <a:effectLst/>
             <a:extLst>
               <a:ext uri="{91240B29-F687-4f45-9708-019B960494DF}">
-                <a14:hiddenLine xmlns:a14="http://schemas.microsoft.com/office/drawing/2010/main" xmlns="" w="9525">
+                <a14:hiddenLine xmlns="" xmlns:a14="http://schemas.microsoft.com/office/drawing/2010/main" w="9525">
                   <a:solidFill>
                     <a:schemeClr val="tx1"/>
                   </a:solidFill>
@@ -8519,7 +8519,7 @@
                 </a14:hiddenLine>
               </a:ext>
               <a:ext uri="{AF507438-7753-43e0-B8FC-AC1667EBCBE1}">
-                <a14:hiddenEffects xmlns:a14="http://schemas.microsoft.com/office/drawing/2010/main" xmlns="">
+                <a14:hiddenEffects xmlns="" xmlns:a14="http://schemas.microsoft.com/office/drawing/2010/main">
                   <a:effectLst>
                     <a:outerShdw blurRad="63500" dist="38099" dir="2700000" algn="ctr" rotWithShape="0">
                       <a:schemeClr val="bg2">
@@ -8564,7 +8564,7 @@
             <a:effectLst/>
             <a:extLst>
               <a:ext uri="{91240B29-F687-4f45-9708-019B960494DF}">
-                <a14:hiddenLine xmlns:a14="http://schemas.microsoft.com/office/drawing/2010/main" xmlns="" w="9525">
+                <a14:hiddenLine xmlns="" xmlns:a14="http://schemas.microsoft.com/office/drawing/2010/main" w="9525">
                   <a:solidFill>
                     <a:schemeClr val="tx1"/>
                   </a:solidFill>
@@ -8574,7 +8574,7 @@
                 </a14:hiddenLine>
               </a:ext>
               <a:ext uri="{AF507438-7753-43e0-B8FC-AC1667EBCBE1}">
-                <a14:hiddenEffects xmlns:a14="http://schemas.microsoft.com/office/drawing/2010/main" xmlns="">
+                <a14:hiddenEffects xmlns="" xmlns:a14="http://schemas.microsoft.com/office/drawing/2010/main">
                   <a:effectLst>
                     <a:outerShdw blurRad="63500" dist="38099" dir="2700000" algn="ctr" rotWithShape="0">
                       <a:schemeClr val="bg2">
@@ -8619,7 +8619,7 @@
             <a:effectLst/>
             <a:extLst>
               <a:ext uri="{91240B29-F687-4f45-9708-019B960494DF}">
-                <a14:hiddenLine xmlns:a14="http://schemas.microsoft.com/office/drawing/2010/main" xmlns="" w="9525">
+                <a14:hiddenLine xmlns="" xmlns:a14="http://schemas.microsoft.com/office/drawing/2010/main" w="9525">
                   <a:solidFill>
                     <a:schemeClr val="tx1"/>
                   </a:solidFill>
@@ -8629,7 +8629,7 @@
                 </a14:hiddenLine>
               </a:ext>
               <a:ext uri="{AF507438-7753-43e0-B8FC-AC1667EBCBE1}">
-                <a14:hiddenEffects xmlns:a14="http://schemas.microsoft.com/office/drawing/2010/main" xmlns="">
+                <a14:hiddenEffects xmlns="" xmlns:a14="http://schemas.microsoft.com/office/drawing/2010/main">
                   <a:effectLst>
                     <a:outerShdw blurRad="63500" dist="38099" dir="2700000" algn="ctr" rotWithShape="0">
                       <a:schemeClr val="bg2">
@@ -8674,7 +8674,7 @@
             <a:effectLst/>
             <a:extLst>
               <a:ext uri="{91240B29-F687-4f45-9708-019B960494DF}">
-                <a14:hiddenLine xmlns:a14="http://schemas.microsoft.com/office/drawing/2010/main" xmlns="" w="9525">
+                <a14:hiddenLine xmlns="" xmlns:a14="http://schemas.microsoft.com/office/drawing/2010/main" w="9525">
                   <a:solidFill>
                     <a:schemeClr val="tx1"/>
                   </a:solidFill>
@@ -8684,7 +8684,7 @@
                 </a14:hiddenLine>
               </a:ext>
               <a:ext uri="{AF507438-7753-43e0-B8FC-AC1667EBCBE1}">
-                <a14:hiddenEffects xmlns:a14="http://schemas.microsoft.com/office/drawing/2010/main" xmlns="">
+                <a14:hiddenEffects xmlns="" xmlns:a14="http://schemas.microsoft.com/office/drawing/2010/main">
                   <a:effectLst>
                     <a:outerShdw blurRad="63500" dist="38099" dir="2700000" algn="ctr" rotWithShape="0">
                       <a:schemeClr val="bg2">
@@ -8729,7 +8729,7 @@
             <a:effectLst/>
             <a:extLst>
               <a:ext uri="{91240B29-F687-4f45-9708-019B960494DF}">
-                <a14:hiddenLine xmlns:a14="http://schemas.microsoft.com/office/drawing/2010/main" xmlns="" w="9525">
+                <a14:hiddenLine xmlns="" xmlns:a14="http://schemas.microsoft.com/office/drawing/2010/main" w="9525">
                   <a:solidFill>
                     <a:schemeClr val="tx1"/>
                   </a:solidFill>
@@ -8739,7 +8739,7 @@
                 </a14:hiddenLine>
               </a:ext>
               <a:ext uri="{AF507438-7753-43e0-B8FC-AC1667EBCBE1}">
-                <a14:hiddenEffects xmlns:a14="http://schemas.microsoft.com/office/drawing/2010/main" xmlns="">
+                <a14:hiddenEffects xmlns="" xmlns:a14="http://schemas.microsoft.com/office/drawing/2010/main">
                   <a:effectLst>
                     <a:outerShdw blurRad="63500" dist="38099" dir="2700000" algn="ctr" rotWithShape="0">
                       <a:schemeClr val="bg2">
@@ -8784,7 +8784,7 @@
             <a:effectLst/>
             <a:extLst>
               <a:ext uri="{91240B29-F687-4f45-9708-019B960494DF}">
-                <a14:hiddenLine xmlns:a14="http://schemas.microsoft.com/office/drawing/2010/main" xmlns="" w="9525">
+                <a14:hiddenLine xmlns="" xmlns:a14="http://schemas.microsoft.com/office/drawing/2010/main" w="9525">
                   <a:solidFill>
                     <a:schemeClr val="tx1"/>
                   </a:solidFill>
@@ -8794,7 +8794,7 @@
                 </a14:hiddenLine>
               </a:ext>
               <a:ext uri="{AF507438-7753-43e0-B8FC-AC1667EBCBE1}">
-                <a14:hiddenEffects xmlns:a14="http://schemas.microsoft.com/office/drawing/2010/main" xmlns="">
+                <a14:hiddenEffects xmlns="" xmlns:a14="http://schemas.microsoft.com/office/drawing/2010/main">
                   <a:effectLst>
                     <a:outerShdw blurRad="63500" dist="38099" dir="2700000" algn="ctr" rotWithShape="0">
                       <a:schemeClr val="bg2">
@@ -9716,7 +9716,7 @@
           <a:effectLst/>
           <a:extLst>
             <a:ext uri="{AF507438-7753-43e0-B8FC-AC1667EBCBE1}">
-              <a14:hiddenEffects xmlns:a14="http://schemas.microsoft.com/office/drawing/2010/main" xmlns="">
+              <a14:hiddenEffects xmlns="" xmlns:a14="http://schemas.microsoft.com/office/drawing/2010/main">
                 <a:effectLst>
                   <a:outerShdw blurRad="63500" dist="38099" dir="2700000" algn="ctr" rotWithShape="0">
                     <a:schemeClr val="bg2">
@@ -9760,7 +9760,7 @@
           <a:effectLst/>
           <a:extLst>
             <a:ext uri="{AF507438-7753-43e0-B8FC-AC1667EBCBE1}">
-              <a14:hiddenEffects xmlns:a14="http://schemas.microsoft.com/office/drawing/2010/main" xmlns="">
+              <a14:hiddenEffects xmlns="" xmlns:a14="http://schemas.microsoft.com/office/drawing/2010/main">
                 <a:effectLst>
                   <a:outerShdw blurRad="63500" dist="38099" dir="2700000" algn="ctr" rotWithShape="0">
                     <a:schemeClr val="bg2">
@@ -9805,7 +9805,7 @@
           <a:effectLst/>
           <a:extLst>
             <a:ext uri="{AF507438-7753-43e0-B8FC-AC1667EBCBE1}">
-              <a14:hiddenEffects xmlns:a14="http://schemas.microsoft.com/office/drawing/2010/main" xmlns="">
+              <a14:hiddenEffects xmlns="" xmlns:a14="http://schemas.microsoft.com/office/drawing/2010/main">
                 <a:effectLst>
                   <a:outerShdw blurRad="63500" dist="38099" dir="2700000" algn="ctr" rotWithShape="0">
                     <a:schemeClr val="bg2">
@@ -9850,7 +9850,7 @@
           <a:effectLst/>
           <a:extLst>
             <a:ext uri="{AF507438-7753-43e0-B8FC-AC1667EBCBE1}">
-              <a14:hiddenEffects xmlns:a14="http://schemas.microsoft.com/office/drawing/2010/main" xmlns="">
+              <a14:hiddenEffects xmlns="" xmlns:a14="http://schemas.microsoft.com/office/drawing/2010/main">
                 <a:effectLst>
                   <a:outerShdw blurRad="63500" dist="38099" dir="2700000" algn="ctr" rotWithShape="0">
                     <a:schemeClr val="bg2">
@@ -9895,7 +9895,7 @@
           <a:effectLst/>
           <a:extLst>
             <a:ext uri="{AF507438-7753-43e0-B8FC-AC1667EBCBE1}">
-              <a14:hiddenEffects xmlns:a14="http://schemas.microsoft.com/office/drawing/2010/main" xmlns="">
+              <a14:hiddenEffects xmlns="" xmlns:a14="http://schemas.microsoft.com/office/drawing/2010/main">
                 <a:effectLst>
                   <a:outerShdw blurRad="63500" dist="38099" dir="2700000" algn="ctr" rotWithShape="0">
                     <a:schemeClr val="bg2">
@@ -9940,7 +9940,7 @@
           <a:effectLst/>
           <a:extLst>
             <a:ext uri="{AF507438-7753-43e0-B8FC-AC1667EBCBE1}">
-              <a14:hiddenEffects xmlns:a14="http://schemas.microsoft.com/office/drawing/2010/main" xmlns="">
+              <a14:hiddenEffects xmlns="" xmlns:a14="http://schemas.microsoft.com/office/drawing/2010/main">
                 <a:effectLst>
                   <a:outerShdw blurRad="63500" dist="38099" dir="2700000" algn="ctr" rotWithShape="0">
                     <a:schemeClr val="bg2">
@@ -9986,7 +9986,7 @@
           <a:effectLst/>
           <a:extLst>
             <a:ext uri="{AF507438-7753-43e0-B8FC-AC1667EBCBE1}">
-              <a14:hiddenEffects xmlns:a14="http://schemas.microsoft.com/office/drawing/2010/main" xmlns="">
+              <a14:hiddenEffects xmlns="" xmlns:a14="http://schemas.microsoft.com/office/drawing/2010/main">
                 <a:effectLst>
                   <a:outerShdw blurRad="63500" dist="38099" dir="2700000" algn="ctr" rotWithShape="0">
                     <a:schemeClr val="bg2">
@@ -10389,7 +10389,7 @@
           <a:effectLst/>
           <a:extLst>
             <a:ext uri="{AF507438-7753-43e0-B8FC-AC1667EBCBE1}">
-              <a14:hiddenEffects xmlns:a14="http://schemas.microsoft.com/office/drawing/2010/main" xmlns="">
+              <a14:hiddenEffects xmlns="" xmlns:a14="http://schemas.microsoft.com/office/drawing/2010/main">
                 <a:effectLst>
                   <a:outerShdw blurRad="63500" dist="38099" dir="2700000" algn="ctr" rotWithShape="0">
                     <a:schemeClr val="bg2">
@@ -10434,7 +10434,7 @@
           <a:effectLst/>
           <a:extLst>
             <a:ext uri="{AF507438-7753-43e0-B8FC-AC1667EBCBE1}">
-              <a14:hiddenEffects xmlns:a14="http://schemas.microsoft.com/office/drawing/2010/main" xmlns="">
+              <a14:hiddenEffects xmlns="" xmlns:a14="http://schemas.microsoft.com/office/drawing/2010/main">
                 <a:effectLst>
                   <a:outerShdw blurRad="63500" dist="38099" dir="2700000" algn="ctr" rotWithShape="0">
                     <a:schemeClr val="bg2">
@@ -10521,7 +10521,7 @@
           <a:effectLst/>
           <a:extLst>
             <a:ext uri="{AF507438-7753-43e0-B8FC-AC1667EBCBE1}">
-              <a14:hiddenEffects xmlns="" xmlns:a14="http://schemas.microsoft.com/office/drawing/2010/main">
+              <a14:hiddenEffects xmlns:a14="http://schemas.microsoft.com/office/drawing/2010/main" xmlns="">
                 <a:effectLst>
                   <a:outerShdw blurRad="63500" dist="38099" dir="2700000" algn="ctr" rotWithShape="0">
                     <a:schemeClr val="bg2">
@@ -10567,7 +10567,7 @@
           </a:ln>
           <a:extLst>
             <a:ext uri="{909E8E84-426E-40dd-AFC4-6F175D3DCCD1}">
-              <a14:hiddenFill xmlns:a14="http://schemas.microsoft.com/office/drawing/2010/main" xmlns="">
+              <a14:hiddenFill xmlns="" xmlns:a14="http://schemas.microsoft.com/office/drawing/2010/main">
                 <a:solidFill>
                   <a:schemeClr val="accent1"/>
                 </a:solidFill>
@@ -10904,7 +10904,7 @@
           </a:ln>
           <a:extLst>
             <a:ext uri="{909E8E84-426E-40dd-AFC4-6F175D3DCCD1}">
-              <a14:hiddenFill xmlns:a14="http://schemas.microsoft.com/office/drawing/2010/main" xmlns="">
+              <a14:hiddenFill xmlns="" xmlns:a14="http://schemas.microsoft.com/office/drawing/2010/main">
                 <a:solidFill>
                   <a:schemeClr val="accent1"/>
                 </a:solidFill>
@@ -11459,7 +11459,7 @@
           </a:ln>
           <a:extLst>
             <a:ext uri="{909E8E84-426E-40dd-AFC4-6F175D3DCCD1}">
-              <a14:hiddenFill xmlns:a14="http://schemas.microsoft.com/office/drawing/2010/main" xmlns="">
+              <a14:hiddenFill xmlns="" xmlns:a14="http://schemas.microsoft.com/office/drawing/2010/main">
                 <a:noFill/>
               </a14:hiddenFill>
             </a:ext>
@@ -11488,14 +11488,14 @@
           </a:ln>
           <a:extLst>
             <a:ext uri="{909E8E84-426E-40dd-AFC4-6F175D3DCCD1}">
-              <a14:hiddenFill xmlns:a14="http://schemas.microsoft.com/office/drawing/2010/main" xmlns="">
+              <a14:hiddenFill xmlns="" xmlns:a14="http://schemas.microsoft.com/office/drawing/2010/main">
                 <a:solidFill>
                   <a:schemeClr val="accent1"/>
                 </a:solidFill>
               </a14:hiddenFill>
             </a:ext>
             <a:ext uri="{91240B29-F687-4f45-9708-019B960494DF}">
-              <a14:hiddenLine xmlns:a14="http://schemas.microsoft.com/office/drawing/2010/main" xmlns="" w="9525">
+              <a14:hiddenLine xmlns="" xmlns:a14="http://schemas.microsoft.com/office/drawing/2010/main" w="9525">
                 <a:solidFill>
                   <a:schemeClr val="tx1"/>
                 </a:solidFill>
@@ -11545,14 +11545,14 @@
           </a:ln>
           <a:extLst>
             <a:ext uri="{909E8E84-426E-40dd-AFC4-6F175D3DCCD1}">
-              <a14:hiddenFill xmlns:a14="http://schemas.microsoft.com/office/drawing/2010/main" xmlns="">
+              <a14:hiddenFill xmlns="" xmlns:a14="http://schemas.microsoft.com/office/drawing/2010/main">
                 <a:solidFill>
                   <a:schemeClr val="accent1"/>
                 </a:solidFill>
               </a14:hiddenFill>
             </a:ext>
             <a:ext uri="{91240B29-F687-4f45-9708-019B960494DF}">
-              <a14:hiddenLine xmlns:a14="http://schemas.microsoft.com/office/drawing/2010/main" xmlns="" w="9525">
+              <a14:hiddenLine xmlns="" xmlns:a14="http://schemas.microsoft.com/office/drawing/2010/main" w="9525">
                 <a:solidFill>
                   <a:schemeClr val="tx1"/>
                 </a:solidFill>
@@ -12377,7 +12377,7 @@
           <a:effectLst/>
           <a:extLst>
             <a:ext uri="{AF507438-7753-43e0-B8FC-AC1667EBCBE1}">
-              <a14:hiddenEffects xmlns:a14="http://schemas.microsoft.com/office/drawing/2010/main" xmlns="">
+              <a14:hiddenEffects xmlns="" xmlns:a14="http://schemas.microsoft.com/office/drawing/2010/main">
                 <a:effectLst>
                   <a:outerShdw blurRad="63500" dist="38099" dir="2700000" algn="ctr" rotWithShape="0">
                     <a:schemeClr val="bg2">
@@ -12565,7 +12565,7 @@
           </a:ln>
           <a:extLst>
             <a:ext uri="{909E8E84-426E-40dd-AFC4-6F175D3DCCD1}">
-              <a14:hiddenFill xmlns:a14="http://schemas.microsoft.com/office/drawing/2010/main" xmlns="">
+              <a14:hiddenFill xmlns="" xmlns:a14="http://schemas.microsoft.com/office/drawing/2010/main">
                 <a:solidFill>
                   <a:schemeClr val="accent1"/>
                 </a:solidFill>
@@ -13528,11 +13528,11 @@
           <a:p>
             <a:r>
               <a:rPr lang="en-US" dirty="0"/>
-              <a:t>Read Chap 2 in </a:t>
-            </a:r>
-            <a:r>
-              <a:rPr lang="en-US" dirty="0" err="1"/>
-              <a:t>ebook</a:t>
+              <a:t>Read </a:t>
+            </a:r>
+            <a:r>
+              <a:rPr lang="en-US"/>
+              <a:t>Chap 2</a:t>
             </a:r>
             <a:endParaRPr lang="en-US" dirty="0"/>
           </a:p>
@@ -14440,14 +14440,14 @@
           </a:ln>
           <a:extLst>
             <a:ext uri="{909E8E84-426E-40dd-AFC4-6F175D3DCCD1}">
-              <a14:hiddenFill xmlns:a14="http://schemas.microsoft.com/office/drawing/2010/main" xmlns="">
+              <a14:hiddenFill xmlns="" xmlns:a14="http://schemas.microsoft.com/office/drawing/2010/main">
                 <a:solidFill>
                   <a:schemeClr val="accent1"/>
                 </a:solidFill>
               </a14:hiddenFill>
             </a:ext>
             <a:ext uri="{91240B29-F687-4f45-9708-019B960494DF}">
-              <a14:hiddenLine xmlns:a14="http://schemas.microsoft.com/office/drawing/2010/main" xmlns="" w="9525">
+              <a14:hiddenLine xmlns="" xmlns:a14="http://schemas.microsoft.com/office/drawing/2010/main" w="9525">
                 <a:solidFill>
                   <a:schemeClr val="tx1"/>
                 </a:solidFill>
@@ -14770,14 +14770,14 @@
           </a:ln>
           <a:extLst>
             <a:ext uri="{909E8E84-426E-40dd-AFC4-6F175D3DCCD1}">
-              <a14:hiddenFill xmlns:a14="http://schemas.microsoft.com/office/drawing/2010/main" xmlns="">
+              <a14:hiddenFill xmlns="" xmlns:a14="http://schemas.microsoft.com/office/drawing/2010/main">
                 <a:solidFill>
                   <a:schemeClr val="accent1"/>
                 </a:solidFill>
               </a14:hiddenFill>
             </a:ext>
             <a:ext uri="{91240B29-F687-4f45-9708-019B960494DF}">
-              <a14:hiddenLine xmlns:a14="http://schemas.microsoft.com/office/drawing/2010/main" xmlns="" w="9525">
+              <a14:hiddenLine xmlns="" xmlns:a14="http://schemas.microsoft.com/office/drawing/2010/main" w="9525">
                 <a:solidFill>
                   <a:schemeClr val="tx1"/>
                 </a:solidFill>
@@ -15202,14 +15202,14 @@
           </a:ln>
           <a:extLst>
             <a:ext uri="{909E8E84-426E-40dd-AFC4-6F175D3DCCD1}">
-              <a14:hiddenFill xmlns:a14="http://schemas.microsoft.com/office/drawing/2010/main" xmlns="">
+              <a14:hiddenFill xmlns="" xmlns:a14="http://schemas.microsoft.com/office/drawing/2010/main">
                 <a:solidFill>
                   <a:schemeClr val="accent1"/>
                 </a:solidFill>
               </a14:hiddenFill>
             </a:ext>
             <a:ext uri="{91240B29-F687-4f45-9708-019B960494DF}">
-              <a14:hiddenLine xmlns:a14="http://schemas.microsoft.com/office/drawing/2010/main" xmlns="" w="9525">
+              <a14:hiddenLine xmlns="" xmlns:a14="http://schemas.microsoft.com/office/drawing/2010/main" w="9525">
                 <a:solidFill>
                   <a:schemeClr val="tx1"/>
                 </a:solidFill>
@@ -15569,14 +15569,14 @@
           </a:ln>
           <a:extLst>
             <a:ext uri="{909E8E84-426E-40dd-AFC4-6F175D3DCCD1}">
-              <a14:hiddenFill xmlns:a14="http://schemas.microsoft.com/office/drawing/2010/main" xmlns="">
+              <a14:hiddenFill xmlns="" xmlns:a14="http://schemas.microsoft.com/office/drawing/2010/main">
                 <a:solidFill>
                   <a:schemeClr val="accent1"/>
                 </a:solidFill>
               </a14:hiddenFill>
             </a:ext>
             <a:ext uri="{91240B29-F687-4f45-9708-019B960494DF}">
-              <a14:hiddenLine xmlns:a14="http://schemas.microsoft.com/office/drawing/2010/main" xmlns="" w="9525">
+              <a14:hiddenLine xmlns="" xmlns:a14="http://schemas.microsoft.com/office/drawing/2010/main" w="9525">
                 <a:solidFill>
                   <a:schemeClr val="tx1"/>
                 </a:solidFill>
@@ -15899,14 +15899,14 @@
           </a:ln>
           <a:extLst>
             <a:ext uri="{909E8E84-426E-40dd-AFC4-6F175D3DCCD1}">
-              <a14:hiddenFill xmlns:a14="http://schemas.microsoft.com/office/drawing/2010/main" xmlns="">
+              <a14:hiddenFill xmlns="" xmlns:a14="http://schemas.microsoft.com/office/drawing/2010/main">
                 <a:solidFill>
                   <a:schemeClr val="accent1"/>
                 </a:solidFill>
               </a14:hiddenFill>
             </a:ext>
             <a:ext uri="{91240B29-F687-4f45-9708-019B960494DF}">
-              <a14:hiddenLine xmlns:a14="http://schemas.microsoft.com/office/drawing/2010/main" xmlns="" w="9525">
+              <a14:hiddenLine xmlns="" xmlns:a14="http://schemas.microsoft.com/office/drawing/2010/main" w="9525">
                 <a:solidFill>
                   <a:schemeClr val="tx1"/>
                 </a:solidFill>
@@ -16485,7 +16485,7 @@
           <a:effectLst/>
           <a:extLst>
             <a:ext uri="{AF507438-7753-43e0-B8FC-AC1667EBCBE1}">
-              <a14:hiddenEffects xmlns="" xmlns:a14="http://schemas.microsoft.com/office/drawing/2010/main">
+              <a14:hiddenEffects xmlns:a14="http://schemas.microsoft.com/office/drawing/2010/main" xmlns="">
                 <a:effectLst>
                   <a:outerShdw blurRad="63500" dist="38099" dir="2700000" algn="ctr" rotWithShape="0">
                     <a:schemeClr val="bg2">
@@ -17264,7 +17264,7 @@
           <a:effectLst/>
           <a:extLst>
             <a:ext uri="{AF507438-7753-43e0-B8FC-AC1667EBCBE1}">
-              <a14:hiddenEffects xmlns="" xmlns:a14="http://schemas.microsoft.com/office/drawing/2010/main">
+              <a14:hiddenEffects xmlns:a14="http://schemas.microsoft.com/office/drawing/2010/main" xmlns="">
                 <a:effectLst>
                   <a:outerShdw blurRad="63500" dist="38099" dir="2700000" algn="ctr" rotWithShape="0">
                     <a:schemeClr val="bg2">
@@ -17350,7 +17350,7 @@
           <a:effectLst/>
           <a:extLst>
             <a:ext uri="{AF507438-7753-43e0-B8FC-AC1667EBCBE1}">
-              <a14:hiddenEffects xmlns="" xmlns:a14="http://schemas.microsoft.com/office/drawing/2010/main">
+              <a14:hiddenEffects xmlns:a14="http://schemas.microsoft.com/office/drawing/2010/main" xmlns="">
                 <a:effectLst>
                   <a:outerShdw blurRad="63500" dist="38099" dir="2700000" algn="ctr" rotWithShape="0">
                     <a:schemeClr val="bg2">
@@ -17436,7 +17436,7 @@
           <a:effectLst/>
           <a:extLst>
             <a:ext uri="{AF507438-7753-43e0-B8FC-AC1667EBCBE1}">
-              <a14:hiddenEffects xmlns="" xmlns:a14="http://schemas.microsoft.com/office/drawing/2010/main">
+              <a14:hiddenEffects xmlns:a14="http://schemas.microsoft.com/office/drawing/2010/main" xmlns="">
                 <a:effectLst>
                   <a:outerShdw blurRad="63500" dist="38099" dir="2700000" algn="ctr" rotWithShape="0">
                     <a:schemeClr val="bg2">
@@ -17557,7 +17557,7 @@
           <a:effectLst/>
           <a:extLst>
             <a:ext uri="{AF507438-7753-43e0-B8FC-AC1667EBCBE1}">
-              <a14:hiddenEffects xmlns="" xmlns:a14="http://schemas.microsoft.com/office/drawing/2010/main">
+              <a14:hiddenEffects xmlns:a14="http://schemas.microsoft.com/office/drawing/2010/main" xmlns="">
                 <a:effectLst>
                   <a:outerShdw blurRad="63500" dist="38099" dir="2700000" algn="ctr" rotWithShape="0">
                     <a:schemeClr val="bg2">
@@ -18644,7 +18644,7 @@
           </a:ln>
           <a:extLst>
             <a:ext uri="{909E8E84-426E-40dd-AFC4-6F175D3DCCD1}">
-              <a14:hiddenFill xmlns:a14="http://schemas.microsoft.com/office/drawing/2010/main" xmlns="">
+              <a14:hiddenFill xmlns="" xmlns:a14="http://schemas.microsoft.com/office/drawing/2010/main">
                 <a:solidFill>
                   <a:schemeClr val="accent1"/>
                 </a:solidFill>
@@ -18847,14 +18847,14 @@
           </a:ln>
           <a:extLst>
             <a:ext uri="{909E8E84-426E-40dd-AFC4-6F175D3DCCD1}">
-              <a14:hiddenFill xmlns:a14="http://schemas.microsoft.com/office/drawing/2010/main" xmlns="">
+              <a14:hiddenFill xmlns="" xmlns:a14="http://schemas.microsoft.com/office/drawing/2010/main">
                 <a:solidFill>
                   <a:schemeClr val="accent1"/>
                 </a:solidFill>
               </a14:hiddenFill>
             </a:ext>
             <a:ext uri="{91240B29-F687-4f45-9708-019B960494DF}">
-              <a14:hiddenLine xmlns:a14="http://schemas.microsoft.com/office/drawing/2010/main" xmlns="" w="9525">
+              <a14:hiddenLine xmlns="" xmlns:a14="http://schemas.microsoft.com/office/drawing/2010/main" w="9525">
                 <a:solidFill>
                   <a:schemeClr val="tx1"/>
                 </a:solidFill>
@@ -19291,7 +19291,7 @@
         <a:effectLst/>
         <a:extLst>
           <a:ext uri="{AF507438-7753-43e0-B8FC-AC1667EBCBE1}">
-            <a14:hiddenEffects xmlns:a14="http://schemas.microsoft.com/office/drawing/2010/main" xmlns="">
+            <a14:hiddenEffects xmlns="" xmlns:a14="http://schemas.microsoft.com/office/drawing/2010/main">
               <a:effectLst>
                 <a:outerShdw blurRad="63500" dist="38099" dir="2700000" algn="ctr" rotWithShape="0">
                   <a:schemeClr val="bg2">
@@ -19368,7 +19368,7 @@
         <a:effectLst/>
         <a:extLst>
           <a:ext uri="{AF507438-7753-43e0-B8FC-AC1667EBCBE1}">
-            <a14:hiddenEffects xmlns:a14="http://schemas.microsoft.com/office/drawing/2010/main" xmlns="">
+            <a14:hiddenEffects xmlns="" xmlns:a14="http://schemas.microsoft.com/office/drawing/2010/main">
               <a:effectLst>
                 <a:outerShdw blurRad="63500" dist="38099" dir="2700000" algn="ctr" rotWithShape="0">
                   <a:schemeClr val="bg2">

--- a/notes/csc402-ln002.pptx
+++ b/notes/csc402-ln002.pptx
@@ -5,7 +5,7 @@
     <p:sldMasterId id="2147483649" r:id="rId1"/>
   </p:sldMasterIdLst>
   <p:notesMasterIdLst>
-    <p:notesMasterId r:id="rId36"/>
+    <p:notesMasterId r:id="rId37"/>
   </p:notesMasterIdLst>
   <p:sldIdLst>
     <p:sldId id="276" r:id="rId2"/>
@@ -41,7 +41,8 @@
     <p:sldId id="293" r:id="rId32"/>
     <p:sldId id="291" r:id="rId33"/>
     <p:sldId id="292" r:id="rId34"/>
-    <p:sldId id="273" r:id="rId35"/>
+    <p:sldId id="296" r:id="rId35"/>
+    <p:sldId id="273" r:id="rId36"/>
   </p:sldIdLst>
   <p:sldSz cx="9144000" cy="6858000" type="screen4x3"/>
   <p:notesSz cx="6858000" cy="9144000"/>
@@ -238,17 +239,17 @@
           </a:ln>
           <a:extLst>
             <a:ext uri="{FAA26D3D-D897-4be2-8F04-BA451C77F1D7}">
-              <ma14:placeholderFlag xmlns:ma14="http://schemas.microsoft.com/office/mac/drawingml/2011/main" xmlns="" val="1"/>
+              <ma14:placeholderFlag xmlns="" xmlns:ma14="http://schemas.microsoft.com/office/mac/drawingml/2011/main" val="1"/>
             </a:ext>
             <a:ext uri="{909E8E84-426E-40dd-AFC4-6F175D3DCCD1}">
-              <a14:hiddenFill xmlns="" xmlns:a14="http://schemas.microsoft.com/office/drawing/2010/main">
+              <a14:hiddenFill xmlns:a14="http://schemas.microsoft.com/office/drawing/2010/main" xmlns="">
                 <a:solidFill>
                   <a:schemeClr val="accent1"/>
                 </a:solidFill>
               </a14:hiddenFill>
             </a:ext>
             <a:ext uri="{91240B29-F687-4f45-9708-019B960494DF}">
-              <a14:hiddenLine xmlns="" xmlns:a14="http://schemas.microsoft.com/office/drawing/2010/main" w="9525">
+              <a14:hiddenLine xmlns:a14="http://schemas.microsoft.com/office/drawing/2010/main" xmlns="" w="9525">
                 <a:solidFill>
                   <a:schemeClr val="tx1"/>
                 </a:solidFill>
@@ -299,17 +300,17 @@
           </a:ln>
           <a:extLst>
             <a:ext uri="{FAA26D3D-D897-4be2-8F04-BA451C77F1D7}">
-              <ma14:placeholderFlag xmlns:ma14="http://schemas.microsoft.com/office/mac/drawingml/2011/main" xmlns="" val="1"/>
+              <ma14:placeholderFlag xmlns="" xmlns:ma14="http://schemas.microsoft.com/office/mac/drawingml/2011/main" val="1"/>
             </a:ext>
             <a:ext uri="{909E8E84-426E-40dd-AFC4-6F175D3DCCD1}">
-              <a14:hiddenFill xmlns="" xmlns:a14="http://schemas.microsoft.com/office/drawing/2010/main">
+              <a14:hiddenFill xmlns:a14="http://schemas.microsoft.com/office/drawing/2010/main" xmlns="">
                 <a:solidFill>
                   <a:schemeClr val="accent1"/>
                 </a:solidFill>
               </a14:hiddenFill>
             </a:ext>
             <a:ext uri="{91240B29-F687-4f45-9708-019B960494DF}">
-              <a14:hiddenLine xmlns="" xmlns:a14="http://schemas.microsoft.com/office/drawing/2010/main" w="9525">
+              <a14:hiddenLine xmlns:a14="http://schemas.microsoft.com/office/drawing/2010/main" xmlns="" w="9525">
                 <a:solidFill>
                   <a:schemeClr val="tx1"/>
                 </a:solidFill>
@@ -366,7 +367,7 @@
           <a:effectLst/>
           <a:extLst>
             <a:ext uri="{AF507438-7753-43e0-B8FC-AC1667EBCBE1}">
-              <a14:hiddenEffects xmlns="" xmlns:a14="http://schemas.microsoft.com/office/drawing/2010/main">
+              <a14:hiddenEffects xmlns:a14="http://schemas.microsoft.com/office/drawing/2010/main" xmlns="">
                 <a:effectLst>
                   <a:outerShdw blurRad="63500" dist="38099" dir="2700000" algn="ctr" rotWithShape="0">
                     <a:srgbClr val="000000">
@@ -377,7 +378,7 @@
               </a14:hiddenEffects>
             </a:ext>
             <a:ext uri="{53640926-AAD7-44d8-BBD7-CCE9431645EC}">
-              <a14:shadowObscured xmlns="" xmlns:a14="http://schemas.microsoft.com/office/drawing/2010/main" val="1"/>
+              <a14:shadowObscured xmlns:a14="http://schemas.microsoft.com/office/drawing/2010/main" xmlns="" val="1"/>
             </a:ext>
           </a:extLst>
         </p:spPr>
@@ -406,17 +407,17 @@
           </a:ln>
           <a:extLst>
             <a:ext uri="{FAA26D3D-D897-4be2-8F04-BA451C77F1D7}">
-              <ma14:placeholderFlag xmlns:ma14="http://schemas.microsoft.com/office/mac/drawingml/2011/main" xmlns="" val="1"/>
+              <ma14:placeholderFlag xmlns="" xmlns:ma14="http://schemas.microsoft.com/office/mac/drawingml/2011/main" val="1"/>
             </a:ext>
             <a:ext uri="{909E8E84-426E-40dd-AFC4-6F175D3DCCD1}">
-              <a14:hiddenFill xmlns="" xmlns:a14="http://schemas.microsoft.com/office/drawing/2010/main">
+              <a14:hiddenFill xmlns:a14="http://schemas.microsoft.com/office/drawing/2010/main" xmlns="">
                 <a:solidFill>
                   <a:schemeClr val="accent1"/>
                 </a:solidFill>
               </a14:hiddenFill>
             </a:ext>
             <a:ext uri="{91240B29-F687-4f45-9708-019B960494DF}">
-              <a14:hiddenLine xmlns="" xmlns:a14="http://schemas.microsoft.com/office/drawing/2010/main" w="9525">
+              <a14:hiddenLine xmlns:a14="http://schemas.microsoft.com/office/drawing/2010/main" xmlns="" w="9525">
                 <a:solidFill>
                   <a:schemeClr val="tx1"/>
                 </a:solidFill>
@@ -495,17 +496,17 @@
           </a:ln>
           <a:extLst>
             <a:ext uri="{FAA26D3D-D897-4be2-8F04-BA451C77F1D7}">
-              <ma14:placeholderFlag xmlns:ma14="http://schemas.microsoft.com/office/mac/drawingml/2011/main" xmlns="" val="1"/>
+              <ma14:placeholderFlag xmlns="" xmlns:ma14="http://schemas.microsoft.com/office/mac/drawingml/2011/main" val="1"/>
             </a:ext>
             <a:ext uri="{909E8E84-426E-40dd-AFC4-6F175D3DCCD1}">
-              <a14:hiddenFill xmlns="" xmlns:a14="http://schemas.microsoft.com/office/drawing/2010/main">
+              <a14:hiddenFill xmlns:a14="http://schemas.microsoft.com/office/drawing/2010/main" xmlns="">
                 <a:solidFill>
                   <a:schemeClr val="accent1"/>
                 </a:solidFill>
               </a14:hiddenFill>
             </a:ext>
             <a:ext uri="{91240B29-F687-4f45-9708-019B960494DF}">
-              <a14:hiddenLine xmlns="" xmlns:a14="http://schemas.microsoft.com/office/drawing/2010/main" w="9525">
+              <a14:hiddenLine xmlns:a14="http://schemas.microsoft.com/office/drawing/2010/main" xmlns="" w="9525">
                 <a:solidFill>
                   <a:schemeClr val="tx1"/>
                 </a:solidFill>
@@ -556,17 +557,17 @@
           </a:ln>
           <a:extLst>
             <a:ext uri="{FAA26D3D-D897-4be2-8F04-BA451C77F1D7}">
-              <ma14:placeholderFlag xmlns:ma14="http://schemas.microsoft.com/office/mac/drawingml/2011/main" xmlns="" val="1"/>
+              <ma14:placeholderFlag xmlns="" xmlns:ma14="http://schemas.microsoft.com/office/mac/drawingml/2011/main" val="1"/>
             </a:ext>
             <a:ext uri="{909E8E84-426E-40dd-AFC4-6F175D3DCCD1}">
-              <a14:hiddenFill xmlns="" xmlns:a14="http://schemas.microsoft.com/office/drawing/2010/main">
+              <a14:hiddenFill xmlns:a14="http://schemas.microsoft.com/office/drawing/2010/main" xmlns="">
                 <a:solidFill>
                   <a:schemeClr val="accent1"/>
                 </a:solidFill>
               </a14:hiddenFill>
             </a:ext>
             <a:ext uri="{91240B29-F687-4f45-9708-019B960494DF}">
-              <a14:hiddenLine xmlns="" xmlns:a14="http://schemas.microsoft.com/office/drawing/2010/main" w="9525">
+              <a14:hiddenLine xmlns:a14="http://schemas.microsoft.com/office/drawing/2010/main" xmlns="" w="9525">
                 <a:solidFill>
                   <a:schemeClr val="tx1"/>
                 </a:solidFill>
@@ -788,7 +789,7 @@
           <a:ln/>
           <a:extLst>
             <a:ext uri="{FAA26D3D-D897-4be2-8F04-BA451C77F1D7}">
-              <ma14:placeholderFlag xmlns:ma14="http://schemas.microsoft.com/office/mac/drawingml/2011/main" xmlns="" val="1"/>
+              <ma14:placeholderFlag xmlns="" xmlns:ma14="http://schemas.microsoft.com/office/mac/drawingml/2011/main" val="1"/>
             </a:ext>
           </a:extLst>
         </p:spPr>
@@ -877,7 +878,7 @@
           <a:ln/>
           <a:extLst>
             <a:ext uri="{FAA26D3D-D897-4be2-8F04-BA451C77F1D7}">
-              <ma14:placeholderFlag xmlns:ma14="http://schemas.microsoft.com/office/mac/drawingml/2011/main" xmlns="" val="1"/>
+              <ma14:placeholderFlag xmlns="" xmlns:ma14="http://schemas.microsoft.com/office/mac/drawingml/2011/main" val="1"/>
             </a:ext>
           </a:extLst>
         </p:spPr>
@@ -966,7 +967,7 @@
           <a:ln/>
           <a:extLst>
             <a:ext uri="{FAA26D3D-D897-4be2-8F04-BA451C77F1D7}">
-              <ma14:placeholderFlag xmlns:ma14="http://schemas.microsoft.com/office/mac/drawingml/2011/main" xmlns="" val="1"/>
+              <ma14:placeholderFlag xmlns="" xmlns:ma14="http://schemas.microsoft.com/office/mac/drawingml/2011/main" val="1"/>
             </a:ext>
           </a:extLst>
         </p:spPr>
@@ -1055,7 +1056,7 @@
           <a:ln/>
           <a:extLst>
             <a:ext uri="{FAA26D3D-D897-4be2-8F04-BA451C77F1D7}">
-              <ma14:placeholderFlag xmlns:ma14="http://schemas.microsoft.com/office/mac/drawingml/2011/main" xmlns="" val="1"/>
+              <ma14:placeholderFlag xmlns="" xmlns:ma14="http://schemas.microsoft.com/office/mac/drawingml/2011/main" val="1"/>
             </a:ext>
           </a:extLst>
         </p:spPr>
@@ -1144,7 +1145,7 @@
           <a:ln/>
           <a:extLst>
             <a:ext uri="{FAA26D3D-D897-4be2-8F04-BA451C77F1D7}">
-              <ma14:placeholderFlag xmlns:ma14="http://schemas.microsoft.com/office/mac/drawingml/2011/main" xmlns="" val="1"/>
+              <ma14:placeholderFlag xmlns="" xmlns:ma14="http://schemas.microsoft.com/office/mac/drawingml/2011/main" val="1"/>
             </a:ext>
           </a:extLst>
         </p:spPr>
@@ -1233,7 +1234,7 @@
           <a:ln/>
           <a:extLst>
             <a:ext uri="{FAA26D3D-D897-4be2-8F04-BA451C77F1D7}">
-              <ma14:placeholderFlag xmlns:ma14="http://schemas.microsoft.com/office/mac/drawingml/2011/main" xmlns="" val="1"/>
+              <ma14:placeholderFlag xmlns="" xmlns:ma14="http://schemas.microsoft.com/office/mac/drawingml/2011/main" val="1"/>
             </a:ext>
           </a:extLst>
         </p:spPr>
@@ -1322,7 +1323,7 @@
           <a:ln/>
           <a:extLst>
             <a:ext uri="{FAA26D3D-D897-4be2-8F04-BA451C77F1D7}">
-              <ma14:placeholderFlag xmlns:ma14="http://schemas.microsoft.com/office/mac/drawingml/2011/main" xmlns="" val="1"/>
+              <ma14:placeholderFlag xmlns="" xmlns:ma14="http://schemas.microsoft.com/office/mac/drawingml/2011/main" val="1"/>
             </a:ext>
           </a:extLst>
         </p:spPr>
@@ -1411,7 +1412,7 @@
           <a:ln/>
           <a:extLst>
             <a:ext uri="{FAA26D3D-D897-4be2-8F04-BA451C77F1D7}">
-              <ma14:placeholderFlag xmlns:ma14="http://schemas.microsoft.com/office/mac/drawingml/2011/main" xmlns="" val="1"/>
+              <ma14:placeholderFlag xmlns="" xmlns:ma14="http://schemas.microsoft.com/office/mac/drawingml/2011/main" val="1"/>
             </a:ext>
           </a:extLst>
         </p:spPr>
@@ -1500,7 +1501,7 @@
           <a:ln/>
           <a:extLst>
             <a:ext uri="{FAA26D3D-D897-4be2-8F04-BA451C77F1D7}">
-              <ma14:placeholderFlag xmlns:ma14="http://schemas.microsoft.com/office/mac/drawingml/2011/main" xmlns="" val="1"/>
+              <ma14:placeholderFlag xmlns="" xmlns:ma14="http://schemas.microsoft.com/office/mac/drawingml/2011/main" val="1"/>
             </a:ext>
           </a:extLst>
         </p:spPr>
@@ -1569,7 +1570,7 @@
             <a:fld id="{C4563DD0-9C28-644C-BF19-35289DCA5972}" type="slidenum">
               <a:rPr lang="en-US"/>
               <a:pPr/>
-              <a:t>34</a:t>
+              <a:t>35</a:t>
             </a:fld>
             <a:endParaRPr lang="en-US"/>
           </a:p>
@@ -1589,7 +1590,7 @@
           <a:ln/>
           <a:extLst>
             <a:ext uri="{FAA26D3D-D897-4be2-8F04-BA451C77F1D7}">
-              <ma14:placeholderFlag xmlns:ma14="http://schemas.microsoft.com/office/mac/drawingml/2011/main" xmlns="" val="1"/>
+              <ma14:placeholderFlag xmlns="" xmlns:ma14="http://schemas.microsoft.com/office/mac/drawingml/2011/main" val="1"/>
             </a:ext>
           </a:extLst>
         </p:spPr>
@@ -1678,7 +1679,7 @@
           <a:ln/>
           <a:extLst>
             <a:ext uri="{FAA26D3D-D897-4be2-8F04-BA451C77F1D7}">
-              <ma14:placeholderFlag xmlns:ma14="http://schemas.microsoft.com/office/mac/drawingml/2011/main" xmlns="" val="1"/>
+              <ma14:placeholderFlag xmlns="" xmlns:ma14="http://schemas.microsoft.com/office/mac/drawingml/2011/main" val="1"/>
             </a:ext>
           </a:extLst>
         </p:spPr>
@@ -1767,7 +1768,7 @@
           <a:ln/>
           <a:extLst>
             <a:ext uri="{FAA26D3D-D897-4be2-8F04-BA451C77F1D7}">
-              <ma14:placeholderFlag xmlns:ma14="http://schemas.microsoft.com/office/mac/drawingml/2011/main" xmlns="" val="1"/>
+              <ma14:placeholderFlag xmlns="" xmlns:ma14="http://schemas.microsoft.com/office/mac/drawingml/2011/main" val="1"/>
             </a:ext>
           </a:extLst>
         </p:spPr>
@@ -1856,7 +1857,7 @@
           <a:ln/>
           <a:extLst>
             <a:ext uri="{FAA26D3D-D897-4be2-8F04-BA451C77F1D7}">
-              <ma14:placeholderFlag xmlns:ma14="http://schemas.microsoft.com/office/mac/drawingml/2011/main" xmlns="" val="1"/>
+              <ma14:placeholderFlag xmlns="" xmlns:ma14="http://schemas.microsoft.com/office/mac/drawingml/2011/main" val="1"/>
             </a:ext>
           </a:extLst>
         </p:spPr>
@@ -1945,7 +1946,7 @@
           <a:ln/>
           <a:extLst>
             <a:ext uri="{FAA26D3D-D897-4be2-8F04-BA451C77F1D7}">
-              <ma14:placeholderFlag xmlns:ma14="http://schemas.microsoft.com/office/mac/drawingml/2011/main" xmlns="" val="1"/>
+              <ma14:placeholderFlag xmlns="" xmlns:ma14="http://schemas.microsoft.com/office/mac/drawingml/2011/main" val="1"/>
             </a:ext>
           </a:extLst>
         </p:spPr>
@@ -2034,7 +2035,7 @@
           <a:ln/>
           <a:extLst>
             <a:ext uri="{FAA26D3D-D897-4be2-8F04-BA451C77F1D7}">
-              <ma14:placeholderFlag xmlns:ma14="http://schemas.microsoft.com/office/mac/drawingml/2011/main" xmlns="" val="1"/>
+              <ma14:placeholderFlag xmlns="" xmlns:ma14="http://schemas.microsoft.com/office/mac/drawingml/2011/main" val="1"/>
             </a:ext>
           </a:extLst>
         </p:spPr>
@@ -2123,7 +2124,7 @@
           <a:ln/>
           <a:extLst>
             <a:ext uri="{FAA26D3D-D897-4be2-8F04-BA451C77F1D7}">
-              <ma14:placeholderFlag xmlns:ma14="http://schemas.microsoft.com/office/mac/drawingml/2011/main" xmlns="" val="1"/>
+              <ma14:placeholderFlag xmlns="" xmlns:ma14="http://schemas.microsoft.com/office/mac/drawingml/2011/main" val="1"/>
             </a:ext>
           </a:extLst>
         </p:spPr>
@@ -2212,7 +2213,7 @@
           <a:ln/>
           <a:extLst>
             <a:ext uri="{FAA26D3D-D897-4be2-8F04-BA451C77F1D7}">
-              <ma14:placeholderFlag xmlns:ma14="http://schemas.microsoft.com/office/mac/drawingml/2011/main" xmlns="" val="1"/>
+              <ma14:placeholderFlag xmlns="" xmlns:ma14="http://schemas.microsoft.com/office/mac/drawingml/2011/main" val="1"/>
             </a:ext>
           </a:extLst>
         </p:spPr>
@@ -2325,7 +2326,7 @@
           </a:ln>
           <a:extLst>
             <a:ext uri="{FAA26D3D-D897-4be2-8F04-BA451C77F1D7}">
-              <ma14:placeholderFlag xmlns:ma14="http://schemas.microsoft.com/office/mac/drawingml/2011/main" xmlns="" val="1"/>
+              <ma14:placeholderFlag xmlns="" xmlns:ma14="http://schemas.microsoft.com/office/mac/drawingml/2011/main" val="1"/>
             </a:ext>
           </a:extLst>
         </p:spPr>
@@ -2361,7 +2362,7 @@
           </a:ln>
           <a:extLst>
             <a:ext uri="{FAA26D3D-D897-4be2-8F04-BA451C77F1D7}">
-              <ma14:placeholderFlag xmlns:ma14="http://schemas.microsoft.com/office/mac/drawingml/2011/main" xmlns="" val="1"/>
+              <ma14:placeholderFlag xmlns="" xmlns:ma14="http://schemas.microsoft.com/office/mac/drawingml/2011/main" val="1"/>
             </a:ext>
           </a:extLst>
         </p:spPr>
@@ -2426,12 +2427,12 @@
           <a:effectLst/>
           <a:extLst>
             <a:ext uri="{909E8E84-426E-40dd-AFC4-6F175D3DCCD1}">
-              <a14:hiddenFill xmlns="" xmlns:a14="http://schemas.microsoft.com/office/drawing/2010/main">
+              <a14:hiddenFill xmlns:a14="http://schemas.microsoft.com/office/drawing/2010/main" xmlns="">
                 <a:noFill/>
               </a14:hiddenFill>
             </a:ext>
             <a:ext uri="{AF507438-7753-43e0-B8FC-AC1667EBCBE1}">
-              <a14:hiddenEffects xmlns="" xmlns:a14="http://schemas.microsoft.com/office/drawing/2010/main">
+              <a14:hiddenEffects xmlns:a14="http://schemas.microsoft.com/office/drawing/2010/main" xmlns="">
                 <a:effectLst>
                   <a:outerShdw blurRad="63500" dist="38099" dir="2700000" algn="ctr" rotWithShape="0">
                     <a:schemeClr val="bg2">
@@ -2632,7 +2633,7 @@
             <a:effectLst/>
             <a:extLst>
               <a:ext uri="{91240B29-F687-4f45-9708-019B960494DF}">
-                <a14:hiddenLine xmlns="" xmlns:a14="http://schemas.microsoft.com/office/drawing/2010/main" w="9525">
+                <a14:hiddenLine xmlns:a14="http://schemas.microsoft.com/office/drawing/2010/main" xmlns="" w="9525">
                   <a:solidFill>
                     <a:schemeClr val="tx1"/>
                   </a:solidFill>
@@ -2642,7 +2643,7 @@
                 </a14:hiddenLine>
               </a:ext>
               <a:ext uri="{AF507438-7753-43e0-B8FC-AC1667EBCBE1}">
-                <a14:hiddenEffects xmlns="" xmlns:a14="http://schemas.microsoft.com/office/drawing/2010/main">
+                <a14:hiddenEffects xmlns:a14="http://schemas.microsoft.com/office/drawing/2010/main" xmlns="">
                   <a:effectLst>
                     <a:outerShdw blurRad="63500" dist="38099" dir="2700000" algn="ctr" rotWithShape="0">
                       <a:schemeClr val="bg2">
@@ -2687,7 +2688,7 @@
             <a:effectLst/>
             <a:extLst>
               <a:ext uri="{91240B29-F687-4f45-9708-019B960494DF}">
-                <a14:hiddenLine xmlns="" xmlns:a14="http://schemas.microsoft.com/office/drawing/2010/main" w="9525">
+                <a14:hiddenLine xmlns:a14="http://schemas.microsoft.com/office/drawing/2010/main" xmlns="" w="9525">
                   <a:solidFill>
                     <a:schemeClr val="tx1"/>
                   </a:solidFill>
@@ -2697,7 +2698,7 @@
                 </a14:hiddenLine>
               </a:ext>
               <a:ext uri="{AF507438-7753-43e0-B8FC-AC1667EBCBE1}">
-                <a14:hiddenEffects xmlns="" xmlns:a14="http://schemas.microsoft.com/office/drawing/2010/main">
+                <a14:hiddenEffects xmlns:a14="http://schemas.microsoft.com/office/drawing/2010/main" xmlns="">
                   <a:effectLst>
                     <a:outerShdw blurRad="63500" dist="38099" dir="2700000" algn="ctr" rotWithShape="0">
                       <a:schemeClr val="bg2">
@@ -2742,7 +2743,7 @@
             <a:effectLst/>
             <a:extLst>
               <a:ext uri="{91240B29-F687-4f45-9708-019B960494DF}">
-                <a14:hiddenLine xmlns="" xmlns:a14="http://schemas.microsoft.com/office/drawing/2010/main" w="9525">
+                <a14:hiddenLine xmlns:a14="http://schemas.microsoft.com/office/drawing/2010/main" xmlns="" w="9525">
                   <a:solidFill>
                     <a:schemeClr val="tx1"/>
                   </a:solidFill>
@@ -2752,7 +2753,7 @@
                 </a14:hiddenLine>
               </a:ext>
               <a:ext uri="{AF507438-7753-43e0-B8FC-AC1667EBCBE1}">
-                <a14:hiddenEffects xmlns="" xmlns:a14="http://schemas.microsoft.com/office/drawing/2010/main">
+                <a14:hiddenEffects xmlns:a14="http://schemas.microsoft.com/office/drawing/2010/main" xmlns="">
                   <a:effectLst>
                     <a:outerShdw blurRad="63500" dist="38099" dir="2700000" algn="ctr" rotWithShape="0">
                       <a:schemeClr val="bg2">
@@ -2797,7 +2798,7 @@
             <a:effectLst/>
             <a:extLst>
               <a:ext uri="{91240B29-F687-4f45-9708-019B960494DF}">
-                <a14:hiddenLine xmlns="" xmlns:a14="http://schemas.microsoft.com/office/drawing/2010/main" w="9525">
+                <a14:hiddenLine xmlns:a14="http://schemas.microsoft.com/office/drawing/2010/main" xmlns="" w="9525">
                   <a:solidFill>
                     <a:schemeClr val="tx1"/>
                   </a:solidFill>
@@ -2807,7 +2808,7 @@
                 </a14:hiddenLine>
               </a:ext>
               <a:ext uri="{AF507438-7753-43e0-B8FC-AC1667EBCBE1}">
-                <a14:hiddenEffects xmlns="" xmlns:a14="http://schemas.microsoft.com/office/drawing/2010/main">
+                <a14:hiddenEffects xmlns:a14="http://schemas.microsoft.com/office/drawing/2010/main" xmlns="">
                   <a:effectLst>
                     <a:outerShdw blurRad="63500" dist="38099" dir="2700000" algn="ctr" rotWithShape="0">
                       <a:schemeClr val="bg2">
@@ -2852,7 +2853,7 @@
             <a:effectLst/>
             <a:extLst>
               <a:ext uri="{91240B29-F687-4f45-9708-019B960494DF}">
-                <a14:hiddenLine xmlns="" xmlns:a14="http://schemas.microsoft.com/office/drawing/2010/main" w="9525">
+                <a14:hiddenLine xmlns:a14="http://schemas.microsoft.com/office/drawing/2010/main" xmlns="" w="9525">
                   <a:solidFill>
                     <a:schemeClr val="tx1"/>
                   </a:solidFill>
@@ -2862,7 +2863,7 @@
                 </a14:hiddenLine>
               </a:ext>
               <a:ext uri="{AF507438-7753-43e0-B8FC-AC1667EBCBE1}">
-                <a14:hiddenEffects xmlns="" xmlns:a14="http://schemas.microsoft.com/office/drawing/2010/main">
+                <a14:hiddenEffects xmlns:a14="http://schemas.microsoft.com/office/drawing/2010/main" xmlns="">
                   <a:effectLst>
                     <a:outerShdw blurRad="63500" dist="38099" dir="2700000" algn="ctr" rotWithShape="0">
                       <a:schemeClr val="bg2">
@@ -2907,7 +2908,7 @@
             <a:effectLst/>
             <a:extLst>
               <a:ext uri="{91240B29-F687-4f45-9708-019B960494DF}">
-                <a14:hiddenLine xmlns="" xmlns:a14="http://schemas.microsoft.com/office/drawing/2010/main" w="9525">
+                <a14:hiddenLine xmlns:a14="http://schemas.microsoft.com/office/drawing/2010/main" xmlns="" w="9525">
                   <a:solidFill>
                     <a:schemeClr val="tx1"/>
                   </a:solidFill>
@@ -2917,7 +2918,7 @@
                 </a14:hiddenLine>
               </a:ext>
               <a:ext uri="{AF507438-7753-43e0-B8FC-AC1667EBCBE1}">
-                <a14:hiddenEffects xmlns="" xmlns:a14="http://schemas.microsoft.com/office/drawing/2010/main">
+                <a14:hiddenEffects xmlns:a14="http://schemas.microsoft.com/office/drawing/2010/main" xmlns="">
                   <a:effectLst>
                     <a:outerShdw blurRad="63500" dist="38099" dir="2700000" algn="ctr" rotWithShape="0">
                       <a:schemeClr val="bg2">
@@ -2962,7 +2963,7 @@
             <a:effectLst/>
             <a:extLst>
               <a:ext uri="{91240B29-F687-4f45-9708-019B960494DF}">
-                <a14:hiddenLine xmlns="" xmlns:a14="http://schemas.microsoft.com/office/drawing/2010/main" w="9525">
+                <a14:hiddenLine xmlns:a14="http://schemas.microsoft.com/office/drawing/2010/main" xmlns="" w="9525">
                   <a:solidFill>
                     <a:schemeClr val="tx1"/>
                   </a:solidFill>
@@ -2972,7 +2973,7 @@
                 </a14:hiddenLine>
               </a:ext>
               <a:ext uri="{AF507438-7753-43e0-B8FC-AC1667EBCBE1}">
-                <a14:hiddenEffects xmlns="" xmlns:a14="http://schemas.microsoft.com/office/drawing/2010/main">
+                <a14:hiddenEffects xmlns:a14="http://schemas.microsoft.com/office/drawing/2010/main" xmlns="">
                   <a:effectLst>
                     <a:outerShdw blurRad="63500" dist="38099" dir="2700000" algn="ctr" rotWithShape="0">
                       <a:schemeClr val="bg2">
@@ -3017,7 +3018,7 @@
             <a:effectLst/>
             <a:extLst>
               <a:ext uri="{91240B29-F687-4f45-9708-019B960494DF}">
-                <a14:hiddenLine xmlns="" xmlns:a14="http://schemas.microsoft.com/office/drawing/2010/main" w="9525">
+                <a14:hiddenLine xmlns:a14="http://schemas.microsoft.com/office/drawing/2010/main" xmlns="" w="9525">
                   <a:solidFill>
                     <a:schemeClr val="tx1"/>
                   </a:solidFill>
@@ -3027,7 +3028,7 @@
                 </a14:hiddenLine>
               </a:ext>
               <a:ext uri="{AF507438-7753-43e0-B8FC-AC1667EBCBE1}">
-                <a14:hiddenEffects xmlns="" xmlns:a14="http://schemas.microsoft.com/office/drawing/2010/main">
+                <a14:hiddenEffects xmlns:a14="http://schemas.microsoft.com/office/drawing/2010/main" xmlns="">
                   <a:effectLst>
                     <a:outerShdw blurRad="63500" dist="38099" dir="2700000" algn="ctr" rotWithShape="0">
                       <a:schemeClr val="bg2">
@@ -3072,7 +3073,7 @@
             <a:effectLst/>
             <a:extLst>
               <a:ext uri="{91240B29-F687-4f45-9708-019B960494DF}">
-                <a14:hiddenLine xmlns="" xmlns:a14="http://schemas.microsoft.com/office/drawing/2010/main" w="9525">
+                <a14:hiddenLine xmlns:a14="http://schemas.microsoft.com/office/drawing/2010/main" xmlns="" w="9525">
                   <a:solidFill>
                     <a:schemeClr val="tx1"/>
                   </a:solidFill>
@@ -3082,7 +3083,7 @@
                 </a14:hiddenLine>
               </a:ext>
               <a:ext uri="{AF507438-7753-43e0-B8FC-AC1667EBCBE1}">
-                <a14:hiddenEffects xmlns="" xmlns:a14="http://schemas.microsoft.com/office/drawing/2010/main">
+                <a14:hiddenEffects xmlns:a14="http://schemas.microsoft.com/office/drawing/2010/main" xmlns="">
                   <a:effectLst>
                     <a:outerShdw blurRad="63500" dist="38099" dir="2700000" algn="ctr" rotWithShape="0">
                       <a:schemeClr val="bg2">
@@ -3127,7 +3128,7 @@
             <a:effectLst/>
             <a:extLst>
               <a:ext uri="{91240B29-F687-4f45-9708-019B960494DF}">
-                <a14:hiddenLine xmlns="" xmlns:a14="http://schemas.microsoft.com/office/drawing/2010/main" w="9525">
+                <a14:hiddenLine xmlns:a14="http://schemas.microsoft.com/office/drawing/2010/main" xmlns="" w="9525">
                   <a:solidFill>
                     <a:schemeClr val="tx1"/>
                   </a:solidFill>
@@ -3137,7 +3138,7 @@
                 </a14:hiddenLine>
               </a:ext>
               <a:ext uri="{AF507438-7753-43e0-B8FC-AC1667EBCBE1}">
-                <a14:hiddenEffects xmlns="" xmlns:a14="http://schemas.microsoft.com/office/drawing/2010/main">
+                <a14:hiddenEffects xmlns:a14="http://schemas.microsoft.com/office/drawing/2010/main" xmlns="">
                   <a:effectLst>
                     <a:outerShdw blurRad="63500" dist="38099" dir="2700000" algn="ctr" rotWithShape="0">
                       <a:schemeClr val="bg2">
@@ -3182,7 +3183,7 @@
             <a:effectLst/>
             <a:extLst>
               <a:ext uri="{91240B29-F687-4f45-9708-019B960494DF}">
-                <a14:hiddenLine xmlns="" xmlns:a14="http://schemas.microsoft.com/office/drawing/2010/main" w="9525">
+                <a14:hiddenLine xmlns:a14="http://schemas.microsoft.com/office/drawing/2010/main" xmlns="" w="9525">
                   <a:solidFill>
                     <a:schemeClr val="tx1"/>
                   </a:solidFill>
@@ -3192,7 +3193,7 @@
                 </a14:hiddenLine>
               </a:ext>
               <a:ext uri="{AF507438-7753-43e0-B8FC-AC1667EBCBE1}">
-                <a14:hiddenEffects xmlns="" xmlns:a14="http://schemas.microsoft.com/office/drawing/2010/main">
+                <a14:hiddenEffects xmlns:a14="http://schemas.microsoft.com/office/drawing/2010/main" xmlns="">
                   <a:effectLst>
                     <a:outerShdw blurRad="63500" dist="38099" dir="2700000" algn="ctr" rotWithShape="0">
                       <a:schemeClr val="bg2">
@@ -3237,7 +3238,7 @@
             <a:effectLst/>
             <a:extLst>
               <a:ext uri="{91240B29-F687-4f45-9708-019B960494DF}">
-                <a14:hiddenLine xmlns="" xmlns:a14="http://schemas.microsoft.com/office/drawing/2010/main" w="9525">
+                <a14:hiddenLine xmlns:a14="http://schemas.microsoft.com/office/drawing/2010/main" xmlns="" w="9525">
                   <a:solidFill>
                     <a:schemeClr val="tx1"/>
                   </a:solidFill>
@@ -3247,7 +3248,7 @@
                 </a14:hiddenLine>
               </a:ext>
               <a:ext uri="{AF507438-7753-43e0-B8FC-AC1667EBCBE1}">
-                <a14:hiddenEffects xmlns="" xmlns:a14="http://schemas.microsoft.com/office/drawing/2010/main">
+                <a14:hiddenEffects xmlns:a14="http://schemas.microsoft.com/office/drawing/2010/main" xmlns="">
                   <a:effectLst>
                     <a:outerShdw blurRad="63500" dist="38099" dir="2700000" algn="ctr" rotWithShape="0">
                       <a:schemeClr val="bg2">
@@ -3292,7 +3293,7 @@
             <a:effectLst/>
             <a:extLst>
               <a:ext uri="{91240B29-F687-4f45-9708-019B960494DF}">
-                <a14:hiddenLine xmlns="" xmlns:a14="http://schemas.microsoft.com/office/drawing/2010/main" w="9525">
+                <a14:hiddenLine xmlns:a14="http://schemas.microsoft.com/office/drawing/2010/main" xmlns="" w="9525">
                   <a:solidFill>
                     <a:schemeClr val="tx1"/>
                   </a:solidFill>
@@ -3302,7 +3303,7 @@
                 </a14:hiddenLine>
               </a:ext>
               <a:ext uri="{AF507438-7753-43e0-B8FC-AC1667EBCBE1}">
-                <a14:hiddenEffects xmlns="" xmlns:a14="http://schemas.microsoft.com/office/drawing/2010/main">
+                <a14:hiddenEffects xmlns:a14="http://schemas.microsoft.com/office/drawing/2010/main" xmlns="">
                   <a:effectLst>
                     <a:outerShdw blurRad="63500" dist="38099" dir="2700000" algn="ctr" rotWithShape="0">
                       <a:schemeClr val="bg2">
@@ -3347,7 +3348,7 @@
             <a:effectLst/>
             <a:extLst>
               <a:ext uri="{91240B29-F687-4f45-9708-019B960494DF}">
-                <a14:hiddenLine xmlns="" xmlns:a14="http://schemas.microsoft.com/office/drawing/2010/main" w="9525">
+                <a14:hiddenLine xmlns:a14="http://schemas.microsoft.com/office/drawing/2010/main" xmlns="" w="9525">
                   <a:solidFill>
                     <a:schemeClr val="tx1"/>
                   </a:solidFill>
@@ -3357,7 +3358,7 @@
                 </a14:hiddenLine>
               </a:ext>
               <a:ext uri="{AF507438-7753-43e0-B8FC-AC1667EBCBE1}">
-                <a14:hiddenEffects xmlns="" xmlns:a14="http://schemas.microsoft.com/office/drawing/2010/main">
+                <a14:hiddenEffects xmlns:a14="http://schemas.microsoft.com/office/drawing/2010/main" xmlns="">
                   <a:effectLst>
                     <a:outerShdw blurRad="63500" dist="38099" dir="2700000" algn="ctr" rotWithShape="0">
                       <a:schemeClr val="bg2">
@@ -3402,7 +3403,7 @@
             <a:effectLst/>
             <a:extLst>
               <a:ext uri="{91240B29-F687-4f45-9708-019B960494DF}">
-                <a14:hiddenLine xmlns="" xmlns:a14="http://schemas.microsoft.com/office/drawing/2010/main" w="9525">
+                <a14:hiddenLine xmlns:a14="http://schemas.microsoft.com/office/drawing/2010/main" xmlns="" w="9525">
                   <a:solidFill>
                     <a:schemeClr val="tx1"/>
                   </a:solidFill>
@@ -3412,7 +3413,7 @@
                 </a14:hiddenLine>
               </a:ext>
               <a:ext uri="{AF507438-7753-43e0-B8FC-AC1667EBCBE1}">
-                <a14:hiddenEffects xmlns="" xmlns:a14="http://schemas.microsoft.com/office/drawing/2010/main">
+                <a14:hiddenEffects xmlns:a14="http://schemas.microsoft.com/office/drawing/2010/main" xmlns="">
                   <a:effectLst>
                     <a:outerShdw blurRad="63500" dist="38099" dir="2700000" algn="ctr" rotWithShape="0">
                       <a:schemeClr val="bg2">
@@ -3457,7 +3458,7 @@
             <a:effectLst/>
             <a:extLst>
               <a:ext uri="{91240B29-F687-4f45-9708-019B960494DF}">
-                <a14:hiddenLine xmlns="" xmlns:a14="http://schemas.microsoft.com/office/drawing/2010/main" w="9525">
+                <a14:hiddenLine xmlns:a14="http://schemas.microsoft.com/office/drawing/2010/main" xmlns="" w="9525">
                   <a:solidFill>
                     <a:schemeClr val="tx1"/>
                   </a:solidFill>
@@ -3467,7 +3468,7 @@
                 </a14:hiddenLine>
               </a:ext>
               <a:ext uri="{AF507438-7753-43e0-B8FC-AC1667EBCBE1}">
-                <a14:hiddenEffects xmlns="" xmlns:a14="http://schemas.microsoft.com/office/drawing/2010/main">
+                <a14:hiddenEffects xmlns:a14="http://schemas.microsoft.com/office/drawing/2010/main" xmlns="">
                   <a:effectLst>
                     <a:outerShdw blurRad="63500" dist="38099" dir="2700000" algn="ctr" rotWithShape="0">
                       <a:schemeClr val="bg2">
@@ -3512,7 +3513,7 @@
             <a:effectLst/>
             <a:extLst>
               <a:ext uri="{91240B29-F687-4f45-9708-019B960494DF}">
-                <a14:hiddenLine xmlns="" xmlns:a14="http://schemas.microsoft.com/office/drawing/2010/main" w="9525">
+                <a14:hiddenLine xmlns:a14="http://schemas.microsoft.com/office/drawing/2010/main" xmlns="" w="9525">
                   <a:solidFill>
                     <a:schemeClr val="tx1"/>
                   </a:solidFill>
@@ -3522,7 +3523,7 @@
                 </a14:hiddenLine>
               </a:ext>
               <a:ext uri="{AF507438-7753-43e0-B8FC-AC1667EBCBE1}">
-                <a14:hiddenEffects xmlns="" xmlns:a14="http://schemas.microsoft.com/office/drawing/2010/main">
+                <a14:hiddenEffects xmlns:a14="http://schemas.microsoft.com/office/drawing/2010/main" xmlns="">
                   <a:effectLst>
                     <a:outerShdw blurRad="63500" dist="38099" dir="2700000" algn="ctr" rotWithShape="0">
                       <a:schemeClr val="bg2">
@@ -3567,7 +3568,7 @@
             <a:effectLst/>
             <a:extLst>
               <a:ext uri="{91240B29-F687-4f45-9708-019B960494DF}">
-                <a14:hiddenLine xmlns="" xmlns:a14="http://schemas.microsoft.com/office/drawing/2010/main" w="9525">
+                <a14:hiddenLine xmlns:a14="http://schemas.microsoft.com/office/drawing/2010/main" xmlns="" w="9525">
                   <a:solidFill>
                     <a:schemeClr val="tx1"/>
                   </a:solidFill>
@@ -3577,7 +3578,7 @@
                 </a14:hiddenLine>
               </a:ext>
               <a:ext uri="{AF507438-7753-43e0-B8FC-AC1667EBCBE1}">
-                <a14:hiddenEffects xmlns="" xmlns:a14="http://schemas.microsoft.com/office/drawing/2010/main">
+                <a14:hiddenEffects xmlns:a14="http://schemas.microsoft.com/office/drawing/2010/main" xmlns="">
                   <a:effectLst>
                     <a:outerShdw blurRad="63500" dist="38099" dir="2700000" algn="ctr" rotWithShape="0">
                       <a:schemeClr val="bg2">
@@ -3622,7 +3623,7 @@
             <a:effectLst/>
             <a:extLst>
               <a:ext uri="{91240B29-F687-4f45-9708-019B960494DF}">
-                <a14:hiddenLine xmlns="" xmlns:a14="http://schemas.microsoft.com/office/drawing/2010/main" w="9525">
+                <a14:hiddenLine xmlns:a14="http://schemas.microsoft.com/office/drawing/2010/main" xmlns="" w="9525">
                   <a:solidFill>
                     <a:schemeClr val="tx1"/>
                   </a:solidFill>
@@ -3632,7 +3633,7 @@
                 </a14:hiddenLine>
               </a:ext>
               <a:ext uri="{AF507438-7753-43e0-B8FC-AC1667EBCBE1}">
-                <a14:hiddenEffects xmlns="" xmlns:a14="http://schemas.microsoft.com/office/drawing/2010/main">
+                <a14:hiddenEffects xmlns:a14="http://schemas.microsoft.com/office/drawing/2010/main" xmlns="">
                   <a:effectLst>
                     <a:outerShdw blurRad="63500" dist="38099" dir="2700000" algn="ctr" rotWithShape="0">
                       <a:schemeClr val="bg2">
@@ -3677,7 +3678,7 @@
             <a:effectLst/>
             <a:extLst>
               <a:ext uri="{91240B29-F687-4f45-9708-019B960494DF}">
-                <a14:hiddenLine xmlns="" xmlns:a14="http://schemas.microsoft.com/office/drawing/2010/main" w="9525">
+                <a14:hiddenLine xmlns:a14="http://schemas.microsoft.com/office/drawing/2010/main" xmlns="" w="9525">
                   <a:solidFill>
                     <a:schemeClr val="tx1"/>
                   </a:solidFill>
@@ -3687,7 +3688,7 @@
                 </a14:hiddenLine>
               </a:ext>
               <a:ext uri="{AF507438-7753-43e0-B8FC-AC1667EBCBE1}">
-                <a14:hiddenEffects xmlns="" xmlns:a14="http://schemas.microsoft.com/office/drawing/2010/main">
+                <a14:hiddenEffects xmlns:a14="http://schemas.microsoft.com/office/drawing/2010/main" xmlns="">
                   <a:effectLst>
                     <a:outerShdw blurRad="63500" dist="38099" dir="2700000" algn="ctr" rotWithShape="0">
                       <a:schemeClr val="bg2">
@@ -3732,7 +3733,7 @@
             <a:effectLst/>
             <a:extLst>
               <a:ext uri="{91240B29-F687-4f45-9708-019B960494DF}">
-                <a14:hiddenLine xmlns="" xmlns:a14="http://schemas.microsoft.com/office/drawing/2010/main" w="9525">
+                <a14:hiddenLine xmlns:a14="http://schemas.microsoft.com/office/drawing/2010/main" xmlns="" w="9525">
                   <a:solidFill>
                     <a:schemeClr val="tx1"/>
                   </a:solidFill>
@@ -3742,7 +3743,7 @@
                 </a14:hiddenLine>
               </a:ext>
               <a:ext uri="{AF507438-7753-43e0-B8FC-AC1667EBCBE1}">
-                <a14:hiddenEffects xmlns="" xmlns:a14="http://schemas.microsoft.com/office/drawing/2010/main">
+                <a14:hiddenEffects xmlns:a14="http://schemas.microsoft.com/office/drawing/2010/main" xmlns="">
                   <a:effectLst>
                     <a:outerShdw blurRad="63500" dist="38099" dir="2700000" algn="ctr" rotWithShape="0">
                       <a:schemeClr val="bg2">
@@ -3787,7 +3788,7 @@
             <a:effectLst/>
             <a:extLst>
               <a:ext uri="{91240B29-F687-4f45-9708-019B960494DF}">
-                <a14:hiddenLine xmlns="" xmlns:a14="http://schemas.microsoft.com/office/drawing/2010/main" w="9525">
+                <a14:hiddenLine xmlns:a14="http://schemas.microsoft.com/office/drawing/2010/main" xmlns="" w="9525">
                   <a:solidFill>
                     <a:schemeClr val="tx1"/>
                   </a:solidFill>
@@ -3797,7 +3798,7 @@
                 </a14:hiddenLine>
               </a:ext>
               <a:ext uri="{AF507438-7753-43e0-B8FC-AC1667EBCBE1}">
-                <a14:hiddenEffects xmlns="" xmlns:a14="http://schemas.microsoft.com/office/drawing/2010/main">
+                <a14:hiddenEffects xmlns:a14="http://schemas.microsoft.com/office/drawing/2010/main" xmlns="">
                   <a:effectLst>
                     <a:outerShdw blurRad="63500" dist="38099" dir="2700000" algn="ctr" rotWithShape="0">
                       <a:schemeClr val="bg2">
@@ -3842,7 +3843,7 @@
             <a:effectLst/>
             <a:extLst>
               <a:ext uri="{91240B29-F687-4f45-9708-019B960494DF}">
-                <a14:hiddenLine xmlns="" xmlns:a14="http://schemas.microsoft.com/office/drawing/2010/main" w="9525">
+                <a14:hiddenLine xmlns:a14="http://schemas.microsoft.com/office/drawing/2010/main" xmlns="" w="9525">
                   <a:solidFill>
                     <a:schemeClr val="tx1"/>
                   </a:solidFill>
@@ -3852,7 +3853,7 @@
                 </a14:hiddenLine>
               </a:ext>
               <a:ext uri="{AF507438-7753-43e0-B8FC-AC1667EBCBE1}">
-                <a14:hiddenEffects xmlns="" xmlns:a14="http://schemas.microsoft.com/office/drawing/2010/main">
+                <a14:hiddenEffects xmlns:a14="http://schemas.microsoft.com/office/drawing/2010/main" xmlns="">
                   <a:effectLst>
                     <a:outerShdw blurRad="63500" dist="38099" dir="2700000" algn="ctr" rotWithShape="0">
                       <a:schemeClr val="bg2">
@@ -3897,7 +3898,7 @@
             <a:effectLst/>
             <a:extLst>
               <a:ext uri="{91240B29-F687-4f45-9708-019B960494DF}">
-                <a14:hiddenLine xmlns="" xmlns:a14="http://schemas.microsoft.com/office/drawing/2010/main" w="9525">
+                <a14:hiddenLine xmlns:a14="http://schemas.microsoft.com/office/drawing/2010/main" xmlns="" w="9525">
                   <a:solidFill>
                     <a:schemeClr val="tx1"/>
                   </a:solidFill>
@@ -3907,7 +3908,7 @@
                 </a14:hiddenLine>
               </a:ext>
               <a:ext uri="{AF507438-7753-43e0-B8FC-AC1667EBCBE1}">
-                <a14:hiddenEffects xmlns="" xmlns:a14="http://schemas.microsoft.com/office/drawing/2010/main">
+                <a14:hiddenEffects xmlns:a14="http://schemas.microsoft.com/office/drawing/2010/main" xmlns="">
                   <a:effectLst>
                     <a:outerShdw blurRad="63500" dist="38099" dir="2700000" algn="ctr" rotWithShape="0">
                       <a:schemeClr val="bg2">
@@ -3952,7 +3953,7 @@
             <a:effectLst/>
             <a:extLst>
               <a:ext uri="{91240B29-F687-4f45-9708-019B960494DF}">
-                <a14:hiddenLine xmlns="" xmlns:a14="http://schemas.microsoft.com/office/drawing/2010/main" w="9525">
+                <a14:hiddenLine xmlns:a14="http://schemas.microsoft.com/office/drawing/2010/main" xmlns="" w="9525">
                   <a:solidFill>
                     <a:schemeClr val="tx1"/>
                   </a:solidFill>
@@ -3962,7 +3963,7 @@
                 </a14:hiddenLine>
               </a:ext>
               <a:ext uri="{AF507438-7753-43e0-B8FC-AC1667EBCBE1}">
-                <a14:hiddenEffects xmlns="" xmlns:a14="http://schemas.microsoft.com/office/drawing/2010/main">
+                <a14:hiddenEffects xmlns:a14="http://schemas.microsoft.com/office/drawing/2010/main" xmlns="">
                   <a:effectLst>
                     <a:outerShdw blurRad="63500" dist="38099" dir="2700000" algn="ctr" rotWithShape="0">
                       <a:schemeClr val="bg2">
@@ -4007,7 +4008,7 @@
             <a:effectLst/>
             <a:extLst>
               <a:ext uri="{91240B29-F687-4f45-9708-019B960494DF}">
-                <a14:hiddenLine xmlns="" xmlns:a14="http://schemas.microsoft.com/office/drawing/2010/main" w="9525">
+                <a14:hiddenLine xmlns:a14="http://schemas.microsoft.com/office/drawing/2010/main" xmlns="" w="9525">
                   <a:solidFill>
                     <a:schemeClr val="tx1"/>
                   </a:solidFill>
@@ -4017,7 +4018,7 @@
                 </a14:hiddenLine>
               </a:ext>
               <a:ext uri="{AF507438-7753-43e0-B8FC-AC1667EBCBE1}">
-                <a14:hiddenEffects xmlns="" xmlns:a14="http://schemas.microsoft.com/office/drawing/2010/main">
+                <a14:hiddenEffects xmlns:a14="http://schemas.microsoft.com/office/drawing/2010/main" xmlns="">
                   <a:effectLst>
                     <a:outerShdw blurRad="63500" dist="38099" dir="2700000" algn="ctr" rotWithShape="0">
                       <a:schemeClr val="bg2">
@@ -4062,7 +4063,7 @@
             <a:effectLst/>
             <a:extLst>
               <a:ext uri="{91240B29-F687-4f45-9708-019B960494DF}">
-                <a14:hiddenLine xmlns="" xmlns:a14="http://schemas.microsoft.com/office/drawing/2010/main" w="9525">
+                <a14:hiddenLine xmlns:a14="http://schemas.microsoft.com/office/drawing/2010/main" xmlns="" w="9525">
                   <a:solidFill>
                     <a:schemeClr val="tx1"/>
                   </a:solidFill>
@@ -4072,7 +4073,7 @@
                 </a14:hiddenLine>
               </a:ext>
               <a:ext uri="{AF507438-7753-43e0-B8FC-AC1667EBCBE1}">
-                <a14:hiddenEffects xmlns="" xmlns:a14="http://schemas.microsoft.com/office/drawing/2010/main">
+                <a14:hiddenEffects xmlns:a14="http://schemas.microsoft.com/office/drawing/2010/main" xmlns="">
                   <a:effectLst>
                     <a:outerShdw blurRad="63500" dist="38099" dir="2700000" algn="ctr" rotWithShape="0">
                       <a:schemeClr val="bg2">
@@ -4117,7 +4118,7 @@
             <a:effectLst/>
             <a:extLst>
               <a:ext uri="{91240B29-F687-4f45-9708-019B960494DF}">
-                <a14:hiddenLine xmlns="" xmlns:a14="http://schemas.microsoft.com/office/drawing/2010/main" w="9525">
+                <a14:hiddenLine xmlns:a14="http://schemas.microsoft.com/office/drawing/2010/main" xmlns="" w="9525">
                   <a:solidFill>
                     <a:schemeClr val="tx1"/>
                   </a:solidFill>
@@ -4127,7 +4128,7 @@
                 </a14:hiddenLine>
               </a:ext>
               <a:ext uri="{AF507438-7753-43e0-B8FC-AC1667EBCBE1}">
-                <a14:hiddenEffects xmlns="" xmlns:a14="http://schemas.microsoft.com/office/drawing/2010/main">
+                <a14:hiddenEffects xmlns:a14="http://schemas.microsoft.com/office/drawing/2010/main" xmlns="">
                   <a:effectLst>
                     <a:outerShdw blurRad="63500" dist="38099" dir="2700000" algn="ctr" rotWithShape="0">
                       <a:schemeClr val="bg2">
@@ -4172,7 +4173,7 @@
             <a:effectLst/>
             <a:extLst>
               <a:ext uri="{91240B29-F687-4f45-9708-019B960494DF}">
-                <a14:hiddenLine xmlns="" xmlns:a14="http://schemas.microsoft.com/office/drawing/2010/main" w="9525">
+                <a14:hiddenLine xmlns:a14="http://schemas.microsoft.com/office/drawing/2010/main" xmlns="" w="9525">
                   <a:solidFill>
                     <a:schemeClr val="tx1"/>
                   </a:solidFill>
@@ -4182,7 +4183,7 @@
                 </a14:hiddenLine>
               </a:ext>
               <a:ext uri="{AF507438-7753-43e0-B8FC-AC1667EBCBE1}">
-                <a14:hiddenEffects xmlns="" xmlns:a14="http://schemas.microsoft.com/office/drawing/2010/main">
+                <a14:hiddenEffects xmlns:a14="http://schemas.microsoft.com/office/drawing/2010/main" xmlns="">
                   <a:effectLst>
                     <a:outerShdw blurRad="63500" dist="38099" dir="2700000" algn="ctr" rotWithShape="0">
                       <a:schemeClr val="bg2">
@@ -4227,7 +4228,7 @@
             <a:effectLst/>
             <a:extLst>
               <a:ext uri="{91240B29-F687-4f45-9708-019B960494DF}">
-                <a14:hiddenLine xmlns="" xmlns:a14="http://schemas.microsoft.com/office/drawing/2010/main" w="9525">
+                <a14:hiddenLine xmlns:a14="http://schemas.microsoft.com/office/drawing/2010/main" xmlns="" w="9525">
                   <a:solidFill>
                     <a:schemeClr val="tx1"/>
                   </a:solidFill>
@@ -4237,7 +4238,7 @@
                 </a14:hiddenLine>
               </a:ext>
               <a:ext uri="{AF507438-7753-43e0-B8FC-AC1667EBCBE1}">
-                <a14:hiddenEffects xmlns="" xmlns:a14="http://schemas.microsoft.com/office/drawing/2010/main">
+                <a14:hiddenEffects xmlns:a14="http://schemas.microsoft.com/office/drawing/2010/main" xmlns="">
                   <a:effectLst>
                     <a:outerShdw blurRad="63500" dist="38099" dir="2700000" algn="ctr" rotWithShape="0">
                       <a:schemeClr val="bg2">
@@ -4282,7 +4283,7 @@
             <a:effectLst/>
             <a:extLst>
               <a:ext uri="{91240B29-F687-4f45-9708-019B960494DF}">
-                <a14:hiddenLine xmlns="" xmlns:a14="http://schemas.microsoft.com/office/drawing/2010/main" w="9525">
+                <a14:hiddenLine xmlns:a14="http://schemas.microsoft.com/office/drawing/2010/main" xmlns="" w="9525">
                   <a:solidFill>
                     <a:schemeClr val="tx1"/>
                   </a:solidFill>
@@ -4292,7 +4293,7 @@
                 </a14:hiddenLine>
               </a:ext>
               <a:ext uri="{AF507438-7753-43e0-B8FC-AC1667EBCBE1}">
-                <a14:hiddenEffects xmlns="" xmlns:a14="http://schemas.microsoft.com/office/drawing/2010/main">
+                <a14:hiddenEffects xmlns:a14="http://schemas.microsoft.com/office/drawing/2010/main" xmlns="">
                   <a:effectLst>
                     <a:outerShdw blurRad="63500" dist="38099" dir="2700000" algn="ctr" rotWithShape="0">
                       <a:schemeClr val="bg2">
@@ -4341,12 +4342,12 @@
           <a:effectLst/>
           <a:extLst>
             <a:ext uri="{909E8E84-426E-40dd-AFC4-6F175D3DCCD1}">
-              <a14:hiddenFill xmlns="" xmlns:a14="http://schemas.microsoft.com/office/drawing/2010/main">
+              <a14:hiddenFill xmlns:a14="http://schemas.microsoft.com/office/drawing/2010/main" xmlns="">
                 <a:noFill/>
               </a14:hiddenFill>
             </a:ext>
             <a:ext uri="{AF507438-7753-43e0-B8FC-AC1667EBCBE1}">
-              <a14:hiddenEffects xmlns="" xmlns:a14="http://schemas.microsoft.com/office/drawing/2010/main">
+              <a14:hiddenEffects xmlns:a14="http://schemas.microsoft.com/office/drawing/2010/main" xmlns="">
                 <a:effectLst>
                   <a:outerShdw blurRad="63500" dist="38099" dir="2700000" algn="ctr" rotWithShape="0">
                     <a:schemeClr val="bg2">
@@ -6670,12 +6671,12 @@
           <a:effectLst/>
           <a:extLst>
             <a:ext uri="{909E8E84-426E-40dd-AFC4-6F175D3DCCD1}">
-              <a14:hiddenFill xmlns="" xmlns:a14="http://schemas.microsoft.com/office/drawing/2010/main">
+              <a14:hiddenFill xmlns:a14="http://schemas.microsoft.com/office/drawing/2010/main" xmlns="">
                 <a:noFill/>
               </a14:hiddenFill>
             </a:ext>
             <a:ext uri="{AF507438-7753-43e0-B8FC-AC1667EBCBE1}">
-              <a14:hiddenEffects xmlns="" xmlns:a14="http://schemas.microsoft.com/office/drawing/2010/main">
+              <a14:hiddenEffects xmlns:a14="http://schemas.microsoft.com/office/drawing/2010/main" xmlns="">
                 <a:effectLst>
                   <a:outerShdw blurRad="63500" dist="38099" dir="2700000" algn="ctr" rotWithShape="0">
                     <a:schemeClr val="bg2">
@@ -6720,17 +6721,17 @@
           <a:effectLst/>
           <a:extLst>
             <a:ext uri="{FAA26D3D-D897-4be2-8F04-BA451C77F1D7}">
-              <ma14:placeholderFlag xmlns:ma14="http://schemas.microsoft.com/office/mac/drawingml/2011/main" xmlns="" val="1"/>
+              <ma14:placeholderFlag xmlns="" xmlns:ma14="http://schemas.microsoft.com/office/mac/drawingml/2011/main" val="1"/>
             </a:ext>
             <a:ext uri="{909E8E84-426E-40dd-AFC4-6F175D3DCCD1}">
-              <a14:hiddenFill xmlns="" xmlns:a14="http://schemas.microsoft.com/office/drawing/2010/main">
+              <a14:hiddenFill xmlns:a14="http://schemas.microsoft.com/office/drawing/2010/main" xmlns="">
                 <a:solidFill>
                   <a:schemeClr val="accent1"/>
                 </a:solidFill>
               </a14:hiddenFill>
             </a:ext>
             <a:ext uri="{91240B29-F687-4f45-9708-019B960494DF}">
-              <a14:hiddenLine xmlns="" xmlns:a14="http://schemas.microsoft.com/office/drawing/2010/main" w="9525">
+              <a14:hiddenLine xmlns:a14="http://schemas.microsoft.com/office/drawing/2010/main" xmlns="" w="9525">
                 <a:solidFill>
                   <a:schemeClr val="tx1"/>
                 </a:solidFill>
@@ -6740,7 +6741,7 @@
               </a14:hiddenLine>
             </a:ext>
             <a:ext uri="{AF507438-7753-43e0-B8FC-AC1667EBCBE1}">
-              <a14:hiddenEffects xmlns="" xmlns:a14="http://schemas.microsoft.com/office/drawing/2010/main">
+              <a14:hiddenEffects xmlns:a14="http://schemas.microsoft.com/office/drawing/2010/main" xmlns="">
                 <a:effectLst>
                   <a:outerShdw blurRad="63500" dist="38099" dir="2700000" algn="ctr" rotWithShape="0">
                     <a:schemeClr val="bg2">
@@ -6793,17 +6794,17 @@
           <a:effectLst/>
           <a:extLst>
             <a:ext uri="{FAA26D3D-D897-4be2-8F04-BA451C77F1D7}">
-              <ma14:placeholderFlag xmlns:ma14="http://schemas.microsoft.com/office/mac/drawingml/2011/main" xmlns="" val="1"/>
+              <ma14:placeholderFlag xmlns="" xmlns:ma14="http://schemas.microsoft.com/office/mac/drawingml/2011/main" val="1"/>
             </a:ext>
             <a:ext uri="{909E8E84-426E-40dd-AFC4-6F175D3DCCD1}">
-              <a14:hiddenFill xmlns="" xmlns:a14="http://schemas.microsoft.com/office/drawing/2010/main">
+              <a14:hiddenFill xmlns:a14="http://schemas.microsoft.com/office/drawing/2010/main" xmlns="">
                 <a:solidFill>
                   <a:schemeClr val="accent1"/>
                 </a:solidFill>
               </a14:hiddenFill>
             </a:ext>
             <a:ext uri="{91240B29-F687-4f45-9708-019B960494DF}">
-              <a14:hiddenLine xmlns="" xmlns:a14="http://schemas.microsoft.com/office/drawing/2010/main" w="9525">
+              <a14:hiddenLine xmlns:a14="http://schemas.microsoft.com/office/drawing/2010/main" xmlns="" w="9525">
                 <a:solidFill>
                   <a:schemeClr val="tx1"/>
                 </a:solidFill>
@@ -6813,7 +6814,7 @@
               </a14:hiddenLine>
             </a:ext>
             <a:ext uri="{AF507438-7753-43e0-B8FC-AC1667EBCBE1}">
-              <a14:hiddenEffects xmlns="" xmlns:a14="http://schemas.microsoft.com/office/drawing/2010/main">
+              <a14:hiddenEffects xmlns:a14="http://schemas.microsoft.com/office/drawing/2010/main" xmlns="">
                 <a:effectLst>
                   <a:outerShdw blurRad="63500" dist="38099" dir="2700000" algn="ctr" rotWithShape="0">
                     <a:schemeClr val="bg2">
@@ -6894,17 +6895,17 @@
           <a:effectLst/>
           <a:extLst>
             <a:ext uri="{FAA26D3D-D897-4be2-8F04-BA451C77F1D7}">
-              <ma14:placeholderFlag xmlns:ma14="http://schemas.microsoft.com/office/mac/drawingml/2011/main" xmlns="" val="1"/>
+              <ma14:placeholderFlag xmlns="" xmlns:ma14="http://schemas.microsoft.com/office/mac/drawingml/2011/main" val="1"/>
             </a:ext>
             <a:ext uri="{909E8E84-426E-40dd-AFC4-6F175D3DCCD1}">
-              <a14:hiddenFill xmlns="" xmlns:a14="http://schemas.microsoft.com/office/drawing/2010/main">
+              <a14:hiddenFill xmlns:a14="http://schemas.microsoft.com/office/drawing/2010/main" xmlns="">
                 <a:solidFill>
                   <a:schemeClr val="accent1"/>
                 </a:solidFill>
               </a14:hiddenFill>
             </a:ext>
             <a:ext uri="{91240B29-F687-4f45-9708-019B960494DF}">
-              <a14:hiddenLine xmlns="" xmlns:a14="http://schemas.microsoft.com/office/drawing/2010/main" w="9525">
+              <a14:hiddenLine xmlns:a14="http://schemas.microsoft.com/office/drawing/2010/main" xmlns="" w="9525">
                 <a:solidFill>
                   <a:schemeClr val="tx1"/>
                 </a:solidFill>
@@ -6914,7 +6915,7 @@
               </a14:hiddenLine>
             </a:ext>
             <a:ext uri="{AF507438-7753-43e0-B8FC-AC1667EBCBE1}">
-              <a14:hiddenEffects xmlns="" xmlns:a14="http://schemas.microsoft.com/office/drawing/2010/main">
+              <a14:hiddenEffects xmlns:a14="http://schemas.microsoft.com/office/drawing/2010/main" xmlns="">
                 <a:effectLst>
                   <a:outerShdw blurRad="63500" dist="38099" dir="2700000" algn="ctr" rotWithShape="0">
                     <a:schemeClr val="bg2">
@@ -6967,17 +6968,17 @@
           <a:effectLst/>
           <a:extLst>
             <a:ext uri="{FAA26D3D-D897-4be2-8F04-BA451C77F1D7}">
-              <ma14:placeholderFlag xmlns:ma14="http://schemas.microsoft.com/office/mac/drawingml/2011/main" xmlns="" val="1"/>
+              <ma14:placeholderFlag xmlns="" xmlns:ma14="http://schemas.microsoft.com/office/mac/drawingml/2011/main" val="1"/>
             </a:ext>
             <a:ext uri="{909E8E84-426E-40dd-AFC4-6F175D3DCCD1}">
-              <a14:hiddenFill xmlns="" xmlns:a14="http://schemas.microsoft.com/office/drawing/2010/main">
+              <a14:hiddenFill xmlns:a14="http://schemas.microsoft.com/office/drawing/2010/main" xmlns="">
                 <a:solidFill>
                   <a:schemeClr val="accent1"/>
                 </a:solidFill>
               </a14:hiddenFill>
             </a:ext>
             <a:ext uri="{91240B29-F687-4f45-9708-019B960494DF}">
-              <a14:hiddenLine xmlns="" xmlns:a14="http://schemas.microsoft.com/office/drawing/2010/main" w="9525">
+              <a14:hiddenLine xmlns:a14="http://schemas.microsoft.com/office/drawing/2010/main" xmlns="" w="9525">
                 <a:solidFill>
                   <a:schemeClr val="tx1"/>
                 </a:solidFill>
@@ -6987,7 +6988,7 @@
               </a14:hiddenLine>
             </a:ext>
             <a:ext uri="{AF507438-7753-43e0-B8FC-AC1667EBCBE1}">
-              <a14:hiddenEffects xmlns="" xmlns:a14="http://schemas.microsoft.com/office/drawing/2010/main">
+              <a14:hiddenEffects xmlns:a14="http://schemas.microsoft.com/office/drawing/2010/main" xmlns="">
                 <a:effectLst>
                   <a:outerShdw blurRad="63500" dist="38099" dir="2700000" algn="ctr" rotWithShape="0">
                     <a:schemeClr val="bg2">
@@ -7040,17 +7041,17 @@
           <a:effectLst/>
           <a:extLst>
             <a:ext uri="{FAA26D3D-D897-4be2-8F04-BA451C77F1D7}">
-              <ma14:placeholderFlag xmlns:ma14="http://schemas.microsoft.com/office/mac/drawingml/2011/main" xmlns="" val="1"/>
+              <ma14:placeholderFlag xmlns="" xmlns:ma14="http://schemas.microsoft.com/office/mac/drawingml/2011/main" val="1"/>
             </a:ext>
             <a:ext uri="{909E8E84-426E-40dd-AFC4-6F175D3DCCD1}">
-              <a14:hiddenFill xmlns="" xmlns:a14="http://schemas.microsoft.com/office/drawing/2010/main">
+              <a14:hiddenFill xmlns:a14="http://schemas.microsoft.com/office/drawing/2010/main" xmlns="">
                 <a:solidFill>
                   <a:schemeClr val="accent1"/>
                 </a:solidFill>
               </a14:hiddenFill>
             </a:ext>
             <a:ext uri="{91240B29-F687-4f45-9708-019B960494DF}">
-              <a14:hiddenLine xmlns="" xmlns:a14="http://schemas.microsoft.com/office/drawing/2010/main" w="9525">
+              <a14:hiddenLine xmlns:a14="http://schemas.microsoft.com/office/drawing/2010/main" xmlns="" w="9525">
                 <a:solidFill>
                   <a:schemeClr val="tx1"/>
                 </a:solidFill>
@@ -7060,7 +7061,7 @@
               </a14:hiddenLine>
             </a:ext>
             <a:ext uri="{AF507438-7753-43e0-B8FC-AC1667EBCBE1}">
-              <a14:hiddenEffects xmlns="" xmlns:a14="http://schemas.microsoft.com/office/drawing/2010/main">
+              <a14:hiddenEffects xmlns:a14="http://schemas.microsoft.com/office/drawing/2010/main" xmlns="">
                 <a:effectLst>
                   <a:outerShdw blurRad="63500" dist="38099" dir="2700000" algn="ctr" rotWithShape="0">
                     <a:schemeClr val="bg2">
@@ -7134,7 +7135,7 @@
             <a:effectLst/>
             <a:extLst>
               <a:ext uri="{91240B29-F687-4f45-9708-019B960494DF}">
-                <a14:hiddenLine xmlns="" xmlns:a14="http://schemas.microsoft.com/office/drawing/2010/main" w="9525">
+                <a14:hiddenLine xmlns:a14="http://schemas.microsoft.com/office/drawing/2010/main" xmlns="" w="9525">
                   <a:solidFill>
                     <a:schemeClr val="tx1"/>
                   </a:solidFill>
@@ -7144,7 +7145,7 @@
                 </a14:hiddenLine>
               </a:ext>
               <a:ext uri="{AF507438-7753-43e0-B8FC-AC1667EBCBE1}">
-                <a14:hiddenEffects xmlns="" xmlns:a14="http://schemas.microsoft.com/office/drawing/2010/main">
+                <a14:hiddenEffects xmlns:a14="http://schemas.microsoft.com/office/drawing/2010/main" xmlns="">
                   <a:effectLst>
                     <a:outerShdw blurRad="63500" dist="38099" dir="2700000" algn="ctr" rotWithShape="0">
                       <a:schemeClr val="bg2">
@@ -7189,7 +7190,7 @@
             <a:effectLst/>
             <a:extLst>
               <a:ext uri="{91240B29-F687-4f45-9708-019B960494DF}">
-                <a14:hiddenLine xmlns="" xmlns:a14="http://schemas.microsoft.com/office/drawing/2010/main" w="9525">
+                <a14:hiddenLine xmlns:a14="http://schemas.microsoft.com/office/drawing/2010/main" xmlns="" w="9525">
                   <a:solidFill>
                     <a:schemeClr val="tx1"/>
                   </a:solidFill>
@@ -7199,7 +7200,7 @@
                 </a14:hiddenLine>
               </a:ext>
               <a:ext uri="{AF507438-7753-43e0-B8FC-AC1667EBCBE1}">
-                <a14:hiddenEffects xmlns="" xmlns:a14="http://schemas.microsoft.com/office/drawing/2010/main">
+                <a14:hiddenEffects xmlns:a14="http://schemas.microsoft.com/office/drawing/2010/main" xmlns="">
                   <a:effectLst>
                     <a:outerShdw blurRad="63500" dist="38099" dir="2700000" algn="ctr" rotWithShape="0">
                       <a:schemeClr val="bg2">
@@ -7244,7 +7245,7 @@
             <a:effectLst/>
             <a:extLst>
               <a:ext uri="{91240B29-F687-4f45-9708-019B960494DF}">
-                <a14:hiddenLine xmlns="" xmlns:a14="http://schemas.microsoft.com/office/drawing/2010/main" w="9525">
+                <a14:hiddenLine xmlns:a14="http://schemas.microsoft.com/office/drawing/2010/main" xmlns="" w="9525">
                   <a:solidFill>
                     <a:schemeClr val="tx1"/>
                   </a:solidFill>
@@ -7254,7 +7255,7 @@
                 </a14:hiddenLine>
               </a:ext>
               <a:ext uri="{AF507438-7753-43e0-B8FC-AC1667EBCBE1}">
-                <a14:hiddenEffects xmlns="" xmlns:a14="http://schemas.microsoft.com/office/drawing/2010/main">
+                <a14:hiddenEffects xmlns:a14="http://schemas.microsoft.com/office/drawing/2010/main" xmlns="">
                   <a:effectLst>
                     <a:outerShdw blurRad="63500" dist="38099" dir="2700000" algn="ctr" rotWithShape="0">
                       <a:schemeClr val="bg2">
@@ -7299,7 +7300,7 @@
             <a:effectLst/>
             <a:extLst>
               <a:ext uri="{91240B29-F687-4f45-9708-019B960494DF}">
-                <a14:hiddenLine xmlns="" xmlns:a14="http://schemas.microsoft.com/office/drawing/2010/main" w="9525">
+                <a14:hiddenLine xmlns:a14="http://schemas.microsoft.com/office/drawing/2010/main" xmlns="" w="9525">
                   <a:solidFill>
                     <a:schemeClr val="tx1"/>
                   </a:solidFill>
@@ -7309,7 +7310,7 @@
                 </a14:hiddenLine>
               </a:ext>
               <a:ext uri="{AF507438-7753-43e0-B8FC-AC1667EBCBE1}">
-                <a14:hiddenEffects xmlns="" xmlns:a14="http://schemas.microsoft.com/office/drawing/2010/main">
+                <a14:hiddenEffects xmlns:a14="http://schemas.microsoft.com/office/drawing/2010/main" xmlns="">
                   <a:effectLst>
                     <a:outerShdw blurRad="63500" dist="38099" dir="2700000" algn="ctr" rotWithShape="0">
                       <a:schemeClr val="bg2">
@@ -7354,7 +7355,7 @@
             <a:effectLst/>
             <a:extLst>
               <a:ext uri="{91240B29-F687-4f45-9708-019B960494DF}">
-                <a14:hiddenLine xmlns="" xmlns:a14="http://schemas.microsoft.com/office/drawing/2010/main" w="9525">
+                <a14:hiddenLine xmlns:a14="http://schemas.microsoft.com/office/drawing/2010/main" xmlns="" w="9525">
                   <a:solidFill>
                     <a:schemeClr val="tx1"/>
                   </a:solidFill>
@@ -7364,7 +7365,7 @@
                 </a14:hiddenLine>
               </a:ext>
               <a:ext uri="{AF507438-7753-43e0-B8FC-AC1667EBCBE1}">
-                <a14:hiddenEffects xmlns="" xmlns:a14="http://schemas.microsoft.com/office/drawing/2010/main">
+                <a14:hiddenEffects xmlns:a14="http://schemas.microsoft.com/office/drawing/2010/main" xmlns="">
                   <a:effectLst>
                     <a:outerShdw blurRad="63500" dist="38099" dir="2700000" algn="ctr" rotWithShape="0">
                       <a:schemeClr val="bg2">
@@ -7409,7 +7410,7 @@
             <a:effectLst/>
             <a:extLst>
               <a:ext uri="{91240B29-F687-4f45-9708-019B960494DF}">
-                <a14:hiddenLine xmlns="" xmlns:a14="http://schemas.microsoft.com/office/drawing/2010/main" w="9525">
+                <a14:hiddenLine xmlns:a14="http://schemas.microsoft.com/office/drawing/2010/main" xmlns="" w="9525">
                   <a:solidFill>
                     <a:schemeClr val="tx1"/>
                   </a:solidFill>
@@ -7419,7 +7420,7 @@
                 </a14:hiddenLine>
               </a:ext>
               <a:ext uri="{AF507438-7753-43e0-B8FC-AC1667EBCBE1}">
-                <a14:hiddenEffects xmlns="" xmlns:a14="http://schemas.microsoft.com/office/drawing/2010/main">
+                <a14:hiddenEffects xmlns:a14="http://schemas.microsoft.com/office/drawing/2010/main" xmlns="">
                   <a:effectLst>
                     <a:outerShdw blurRad="63500" dist="38099" dir="2700000" algn="ctr" rotWithShape="0">
                       <a:schemeClr val="bg2">
@@ -7464,7 +7465,7 @@
             <a:effectLst/>
             <a:extLst>
               <a:ext uri="{91240B29-F687-4f45-9708-019B960494DF}">
-                <a14:hiddenLine xmlns="" xmlns:a14="http://schemas.microsoft.com/office/drawing/2010/main" w="9525">
+                <a14:hiddenLine xmlns:a14="http://schemas.microsoft.com/office/drawing/2010/main" xmlns="" w="9525">
                   <a:solidFill>
                     <a:schemeClr val="tx1"/>
                   </a:solidFill>
@@ -7474,7 +7475,7 @@
                 </a14:hiddenLine>
               </a:ext>
               <a:ext uri="{AF507438-7753-43e0-B8FC-AC1667EBCBE1}">
-                <a14:hiddenEffects xmlns="" xmlns:a14="http://schemas.microsoft.com/office/drawing/2010/main">
+                <a14:hiddenEffects xmlns:a14="http://schemas.microsoft.com/office/drawing/2010/main" xmlns="">
                   <a:effectLst>
                     <a:outerShdw blurRad="63500" dist="38099" dir="2700000" algn="ctr" rotWithShape="0">
                       <a:schemeClr val="bg2">
@@ -7519,7 +7520,7 @@
             <a:effectLst/>
             <a:extLst>
               <a:ext uri="{91240B29-F687-4f45-9708-019B960494DF}">
-                <a14:hiddenLine xmlns="" xmlns:a14="http://schemas.microsoft.com/office/drawing/2010/main" w="9525">
+                <a14:hiddenLine xmlns:a14="http://schemas.microsoft.com/office/drawing/2010/main" xmlns="" w="9525">
                   <a:solidFill>
                     <a:schemeClr val="tx1"/>
                   </a:solidFill>
@@ -7529,7 +7530,7 @@
                 </a14:hiddenLine>
               </a:ext>
               <a:ext uri="{AF507438-7753-43e0-B8FC-AC1667EBCBE1}">
-                <a14:hiddenEffects xmlns="" xmlns:a14="http://schemas.microsoft.com/office/drawing/2010/main">
+                <a14:hiddenEffects xmlns:a14="http://schemas.microsoft.com/office/drawing/2010/main" xmlns="">
                   <a:effectLst>
                     <a:outerShdw blurRad="63500" dist="38099" dir="2700000" algn="ctr" rotWithShape="0">
                       <a:schemeClr val="bg2">
@@ -7574,7 +7575,7 @@
             <a:effectLst/>
             <a:extLst>
               <a:ext uri="{91240B29-F687-4f45-9708-019B960494DF}">
-                <a14:hiddenLine xmlns="" xmlns:a14="http://schemas.microsoft.com/office/drawing/2010/main" w="9525">
+                <a14:hiddenLine xmlns:a14="http://schemas.microsoft.com/office/drawing/2010/main" xmlns="" w="9525">
                   <a:solidFill>
                     <a:schemeClr val="tx1"/>
                   </a:solidFill>
@@ -7584,7 +7585,7 @@
                 </a14:hiddenLine>
               </a:ext>
               <a:ext uri="{AF507438-7753-43e0-B8FC-AC1667EBCBE1}">
-                <a14:hiddenEffects xmlns="" xmlns:a14="http://schemas.microsoft.com/office/drawing/2010/main">
+                <a14:hiddenEffects xmlns:a14="http://schemas.microsoft.com/office/drawing/2010/main" xmlns="">
                   <a:effectLst>
                     <a:outerShdw blurRad="63500" dist="38099" dir="2700000" algn="ctr" rotWithShape="0">
                       <a:schemeClr val="bg2">
@@ -7629,7 +7630,7 @@
             <a:effectLst/>
             <a:extLst>
               <a:ext uri="{91240B29-F687-4f45-9708-019B960494DF}">
-                <a14:hiddenLine xmlns="" xmlns:a14="http://schemas.microsoft.com/office/drawing/2010/main" w="9525">
+                <a14:hiddenLine xmlns:a14="http://schemas.microsoft.com/office/drawing/2010/main" xmlns="" w="9525">
                   <a:solidFill>
                     <a:schemeClr val="tx1"/>
                   </a:solidFill>
@@ -7639,7 +7640,7 @@
                 </a14:hiddenLine>
               </a:ext>
               <a:ext uri="{AF507438-7753-43e0-B8FC-AC1667EBCBE1}">
-                <a14:hiddenEffects xmlns="" xmlns:a14="http://schemas.microsoft.com/office/drawing/2010/main">
+                <a14:hiddenEffects xmlns:a14="http://schemas.microsoft.com/office/drawing/2010/main" xmlns="">
                   <a:effectLst>
                     <a:outerShdw blurRad="63500" dist="38099" dir="2700000" algn="ctr" rotWithShape="0">
                       <a:schemeClr val="bg2">
@@ -7684,7 +7685,7 @@
             <a:effectLst/>
             <a:extLst>
               <a:ext uri="{91240B29-F687-4f45-9708-019B960494DF}">
-                <a14:hiddenLine xmlns="" xmlns:a14="http://schemas.microsoft.com/office/drawing/2010/main" w="9525">
+                <a14:hiddenLine xmlns:a14="http://schemas.microsoft.com/office/drawing/2010/main" xmlns="" w="9525">
                   <a:solidFill>
                     <a:schemeClr val="tx1"/>
                   </a:solidFill>
@@ -7694,7 +7695,7 @@
                 </a14:hiddenLine>
               </a:ext>
               <a:ext uri="{AF507438-7753-43e0-B8FC-AC1667EBCBE1}">
-                <a14:hiddenEffects xmlns="" xmlns:a14="http://schemas.microsoft.com/office/drawing/2010/main">
+                <a14:hiddenEffects xmlns:a14="http://schemas.microsoft.com/office/drawing/2010/main" xmlns="">
                   <a:effectLst>
                     <a:outerShdw blurRad="63500" dist="38099" dir="2700000" algn="ctr" rotWithShape="0">
                       <a:schemeClr val="bg2">
@@ -7739,7 +7740,7 @@
             <a:effectLst/>
             <a:extLst>
               <a:ext uri="{91240B29-F687-4f45-9708-019B960494DF}">
-                <a14:hiddenLine xmlns="" xmlns:a14="http://schemas.microsoft.com/office/drawing/2010/main" w="9525">
+                <a14:hiddenLine xmlns:a14="http://schemas.microsoft.com/office/drawing/2010/main" xmlns="" w="9525">
                   <a:solidFill>
                     <a:schemeClr val="tx1"/>
                   </a:solidFill>
@@ -7749,7 +7750,7 @@
                 </a14:hiddenLine>
               </a:ext>
               <a:ext uri="{AF507438-7753-43e0-B8FC-AC1667EBCBE1}">
-                <a14:hiddenEffects xmlns="" xmlns:a14="http://schemas.microsoft.com/office/drawing/2010/main">
+                <a14:hiddenEffects xmlns:a14="http://schemas.microsoft.com/office/drawing/2010/main" xmlns="">
                   <a:effectLst>
                     <a:outerShdw blurRad="63500" dist="38099" dir="2700000" algn="ctr" rotWithShape="0">
                       <a:schemeClr val="bg2">
@@ -7794,7 +7795,7 @@
             <a:effectLst/>
             <a:extLst>
               <a:ext uri="{91240B29-F687-4f45-9708-019B960494DF}">
-                <a14:hiddenLine xmlns="" xmlns:a14="http://schemas.microsoft.com/office/drawing/2010/main" w="9525">
+                <a14:hiddenLine xmlns:a14="http://schemas.microsoft.com/office/drawing/2010/main" xmlns="" w="9525">
                   <a:solidFill>
                     <a:schemeClr val="tx1"/>
                   </a:solidFill>
@@ -7804,7 +7805,7 @@
                 </a14:hiddenLine>
               </a:ext>
               <a:ext uri="{AF507438-7753-43e0-B8FC-AC1667EBCBE1}">
-                <a14:hiddenEffects xmlns="" xmlns:a14="http://schemas.microsoft.com/office/drawing/2010/main">
+                <a14:hiddenEffects xmlns:a14="http://schemas.microsoft.com/office/drawing/2010/main" xmlns="">
                   <a:effectLst>
                     <a:outerShdw blurRad="63500" dist="38099" dir="2700000" algn="ctr" rotWithShape="0">
                       <a:schemeClr val="bg2">
@@ -7849,7 +7850,7 @@
             <a:effectLst/>
             <a:extLst>
               <a:ext uri="{91240B29-F687-4f45-9708-019B960494DF}">
-                <a14:hiddenLine xmlns="" xmlns:a14="http://schemas.microsoft.com/office/drawing/2010/main" w="9525">
+                <a14:hiddenLine xmlns:a14="http://schemas.microsoft.com/office/drawing/2010/main" xmlns="" w="9525">
                   <a:solidFill>
                     <a:schemeClr val="tx1"/>
                   </a:solidFill>
@@ -7859,7 +7860,7 @@
                 </a14:hiddenLine>
               </a:ext>
               <a:ext uri="{AF507438-7753-43e0-B8FC-AC1667EBCBE1}">
-                <a14:hiddenEffects xmlns="" xmlns:a14="http://schemas.microsoft.com/office/drawing/2010/main">
+                <a14:hiddenEffects xmlns:a14="http://schemas.microsoft.com/office/drawing/2010/main" xmlns="">
                   <a:effectLst>
                     <a:outerShdw blurRad="63500" dist="38099" dir="2700000" algn="ctr" rotWithShape="0">
                       <a:schemeClr val="bg2">
@@ -7904,7 +7905,7 @@
             <a:effectLst/>
             <a:extLst>
               <a:ext uri="{91240B29-F687-4f45-9708-019B960494DF}">
-                <a14:hiddenLine xmlns="" xmlns:a14="http://schemas.microsoft.com/office/drawing/2010/main" w="9525">
+                <a14:hiddenLine xmlns:a14="http://schemas.microsoft.com/office/drawing/2010/main" xmlns="" w="9525">
                   <a:solidFill>
                     <a:schemeClr val="tx1"/>
                   </a:solidFill>
@@ -7914,7 +7915,7 @@
                 </a14:hiddenLine>
               </a:ext>
               <a:ext uri="{AF507438-7753-43e0-B8FC-AC1667EBCBE1}">
-                <a14:hiddenEffects xmlns="" xmlns:a14="http://schemas.microsoft.com/office/drawing/2010/main">
+                <a14:hiddenEffects xmlns:a14="http://schemas.microsoft.com/office/drawing/2010/main" xmlns="">
                   <a:effectLst>
                     <a:outerShdw blurRad="63500" dist="38099" dir="2700000" algn="ctr" rotWithShape="0">
                       <a:schemeClr val="bg2">
@@ -7959,7 +7960,7 @@
             <a:effectLst/>
             <a:extLst>
               <a:ext uri="{91240B29-F687-4f45-9708-019B960494DF}">
-                <a14:hiddenLine xmlns="" xmlns:a14="http://schemas.microsoft.com/office/drawing/2010/main" w="9525">
+                <a14:hiddenLine xmlns:a14="http://schemas.microsoft.com/office/drawing/2010/main" xmlns="" w="9525">
                   <a:solidFill>
                     <a:schemeClr val="tx1"/>
                   </a:solidFill>
@@ -7969,7 +7970,7 @@
                 </a14:hiddenLine>
               </a:ext>
               <a:ext uri="{AF507438-7753-43e0-B8FC-AC1667EBCBE1}">
-                <a14:hiddenEffects xmlns="" xmlns:a14="http://schemas.microsoft.com/office/drawing/2010/main">
+                <a14:hiddenEffects xmlns:a14="http://schemas.microsoft.com/office/drawing/2010/main" xmlns="">
                   <a:effectLst>
                     <a:outerShdw blurRad="63500" dist="38099" dir="2700000" algn="ctr" rotWithShape="0">
                       <a:schemeClr val="bg2">
@@ -8014,7 +8015,7 @@
             <a:effectLst/>
             <a:extLst>
               <a:ext uri="{91240B29-F687-4f45-9708-019B960494DF}">
-                <a14:hiddenLine xmlns="" xmlns:a14="http://schemas.microsoft.com/office/drawing/2010/main" w="9525">
+                <a14:hiddenLine xmlns:a14="http://schemas.microsoft.com/office/drawing/2010/main" xmlns="" w="9525">
                   <a:solidFill>
                     <a:schemeClr val="tx1"/>
                   </a:solidFill>
@@ -8024,7 +8025,7 @@
                 </a14:hiddenLine>
               </a:ext>
               <a:ext uri="{AF507438-7753-43e0-B8FC-AC1667EBCBE1}">
-                <a14:hiddenEffects xmlns="" xmlns:a14="http://schemas.microsoft.com/office/drawing/2010/main">
+                <a14:hiddenEffects xmlns:a14="http://schemas.microsoft.com/office/drawing/2010/main" xmlns="">
                   <a:effectLst>
                     <a:outerShdw blurRad="63500" dist="38099" dir="2700000" algn="ctr" rotWithShape="0">
                       <a:schemeClr val="bg2">
@@ -8069,7 +8070,7 @@
             <a:effectLst/>
             <a:extLst>
               <a:ext uri="{91240B29-F687-4f45-9708-019B960494DF}">
-                <a14:hiddenLine xmlns="" xmlns:a14="http://schemas.microsoft.com/office/drawing/2010/main" w="9525">
+                <a14:hiddenLine xmlns:a14="http://schemas.microsoft.com/office/drawing/2010/main" xmlns="" w="9525">
                   <a:solidFill>
                     <a:schemeClr val="tx1"/>
                   </a:solidFill>
@@ -8079,7 +8080,7 @@
                 </a14:hiddenLine>
               </a:ext>
               <a:ext uri="{AF507438-7753-43e0-B8FC-AC1667EBCBE1}">
-                <a14:hiddenEffects xmlns="" xmlns:a14="http://schemas.microsoft.com/office/drawing/2010/main">
+                <a14:hiddenEffects xmlns:a14="http://schemas.microsoft.com/office/drawing/2010/main" xmlns="">
                   <a:effectLst>
                     <a:outerShdw blurRad="63500" dist="38099" dir="2700000" algn="ctr" rotWithShape="0">
                       <a:schemeClr val="bg2">
@@ -8124,7 +8125,7 @@
             <a:effectLst/>
             <a:extLst>
               <a:ext uri="{91240B29-F687-4f45-9708-019B960494DF}">
-                <a14:hiddenLine xmlns="" xmlns:a14="http://schemas.microsoft.com/office/drawing/2010/main" w="9525">
+                <a14:hiddenLine xmlns:a14="http://schemas.microsoft.com/office/drawing/2010/main" xmlns="" w="9525">
                   <a:solidFill>
                     <a:schemeClr val="tx1"/>
                   </a:solidFill>
@@ -8134,7 +8135,7 @@
                 </a14:hiddenLine>
               </a:ext>
               <a:ext uri="{AF507438-7753-43e0-B8FC-AC1667EBCBE1}">
-                <a14:hiddenEffects xmlns="" xmlns:a14="http://schemas.microsoft.com/office/drawing/2010/main">
+                <a14:hiddenEffects xmlns:a14="http://schemas.microsoft.com/office/drawing/2010/main" xmlns="">
                   <a:effectLst>
                     <a:outerShdw blurRad="63500" dist="38099" dir="2700000" algn="ctr" rotWithShape="0">
                       <a:schemeClr val="bg2">
@@ -8179,7 +8180,7 @@
             <a:effectLst/>
             <a:extLst>
               <a:ext uri="{91240B29-F687-4f45-9708-019B960494DF}">
-                <a14:hiddenLine xmlns="" xmlns:a14="http://schemas.microsoft.com/office/drawing/2010/main" w="9525">
+                <a14:hiddenLine xmlns:a14="http://schemas.microsoft.com/office/drawing/2010/main" xmlns="" w="9525">
                   <a:solidFill>
                     <a:schemeClr val="tx1"/>
                   </a:solidFill>
@@ -8189,7 +8190,7 @@
                 </a14:hiddenLine>
               </a:ext>
               <a:ext uri="{AF507438-7753-43e0-B8FC-AC1667EBCBE1}">
-                <a14:hiddenEffects xmlns="" xmlns:a14="http://schemas.microsoft.com/office/drawing/2010/main">
+                <a14:hiddenEffects xmlns:a14="http://schemas.microsoft.com/office/drawing/2010/main" xmlns="">
                   <a:effectLst>
                     <a:outerShdw blurRad="63500" dist="38099" dir="2700000" algn="ctr" rotWithShape="0">
                       <a:schemeClr val="bg2">
@@ -8234,7 +8235,7 @@
             <a:effectLst/>
             <a:extLst>
               <a:ext uri="{91240B29-F687-4f45-9708-019B960494DF}">
-                <a14:hiddenLine xmlns="" xmlns:a14="http://schemas.microsoft.com/office/drawing/2010/main" w="9525">
+                <a14:hiddenLine xmlns:a14="http://schemas.microsoft.com/office/drawing/2010/main" xmlns="" w="9525">
                   <a:solidFill>
                     <a:schemeClr val="tx1"/>
                   </a:solidFill>
@@ -8244,7 +8245,7 @@
                 </a14:hiddenLine>
               </a:ext>
               <a:ext uri="{AF507438-7753-43e0-B8FC-AC1667EBCBE1}">
-                <a14:hiddenEffects xmlns="" xmlns:a14="http://schemas.microsoft.com/office/drawing/2010/main">
+                <a14:hiddenEffects xmlns:a14="http://schemas.microsoft.com/office/drawing/2010/main" xmlns="">
                   <a:effectLst>
                     <a:outerShdw blurRad="63500" dist="38099" dir="2700000" algn="ctr" rotWithShape="0">
                       <a:schemeClr val="bg2">
@@ -8289,7 +8290,7 @@
             <a:effectLst/>
             <a:extLst>
               <a:ext uri="{91240B29-F687-4f45-9708-019B960494DF}">
-                <a14:hiddenLine xmlns="" xmlns:a14="http://schemas.microsoft.com/office/drawing/2010/main" w="9525">
+                <a14:hiddenLine xmlns:a14="http://schemas.microsoft.com/office/drawing/2010/main" xmlns="" w="9525">
                   <a:solidFill>
                     <a:schemeClr val="tx1"/>
                   </a:solidFill>
@@ -8299,7 +8300,7 @@
                 </a14:hiddenLine>
               </a:ext>
               <a:ext uri="{AF507438-7753-43e0-B8FC-AC1667EBCBE1}">
-                <a14:hiddenEffects xmlns="" xmlns:a14="http://schemas.microsoft.com/office/drawing/2010/main">
+                <a14:hiddenEffects xmlns:a14="http://schemas.microsoft.com/office/drawing/2010/main" xmlns="">
                   <a:effectLst>
                     <a:outerShdw blurRad="63500" dist="38099" dir="2700000" algn="ctr" rotWithShape="0">
                       <a:schemeClr val="bg2">
@@ -8344,7 +8345,7 @@
             <a:effectLst/>
             <a:extLst>
               <a:ext uri="{91240B29-F687-4f45-9708-019B960494DF}">
-                <a14:hiddenLine xmlns="" xmlns:a14="http://schemas.microsoft.com/office/drawing/2010/main" w="9525">
+                <a14:hiddenLine xmlns:a14="http://schemas.microsoft.com/office/drawing/2010/main" xmlns="" w="9525">
                   <a:solidFill>
                     <a:schemeClr val="tx1"/>
                   </a:solidFill>
@@ -8354,7 +8355,7 @@
                 </a14:hiddenLine>
               </a:ext>
               <a:ext uri="{AF507438-7753-43e0-B8FC-AC1667EBCBE1}">
-                <a14:hiddenEffects xmlns="" xmlns:a14="http://schemas.microsoft.com/office/drawing/2010/main">
+                <a14:hiddenEffects xmlns:a14="http://schemas.microsoft.com/office/drawing/2010/main" xmlns="">
                   <a:effectLst>
                     <a:outerShdw blurRad="63500" dist="38099" dir="2700000" algn="ctr" rotWithShape="0">
                       <a:schemeClr val="bg2">
@@ -8399,7 +8400,7 @@
             <a:effectLst/>
             <a:extLst>
               <a:ext uri="{91240B29-F687-4f45-9708-019B960494DF}">
-                <a14:hiddenLine xmlns="" xmlns:a14="http://schemas.microsoft.com/office/drawing/2010/main" w="9525">
+                <a14:hiddenLine xmlns:a14="http://schemas.microsoft.com/office/drawing/2010/main" xmlns="" w="9525">
                   <a:solidFill>
                     <a:schemeClr val="tx1"/>
                   </a:solidFill>
@@ -8409,7 +8410,7 @@
                 </a14:hiddenLine>
               </a:ext>
               <a:ext uri="{AF507438-7753-43e0-B8FC-AC1667EBCBE1}">
-                <a14:hiddenEffects xmlns="" xmlns:a14="http://schemas.microsoft.com/office/drawing/2010/main">
+                <a14:hiddenEffects xmlns:a14="http://schemas.microsoft.com/office/drawing/2010/main" xmlns="">
                   <a:effectLst>
                     <a:outerShdw blurRad="63500" dist="38099" dir="2700000" algn="ctr" rotWithShape="0">
                       <a:schemeClr val="bg2">
@@ -8454,7 +8455,7 @@
             <a:effectLst/>
             <a:extLst>
               <a:ext uri="{91240B29-F687-4f45-9708-019B960494DF}">
-                <a14:hiddenLine xmlns="" xmlns:a14="http://schemas.microsoft.com/office/drawing/2010/main" w="9525">
+                <a14:hiddenLine xmlns:a14="http://schemas.microsoft.com/office/drawing/2010/main" xmlns="" w="9525">
                   <a:solidFill>
                     <a:schemeClr val="tx1"/>
                   </a:solidFill>
@@ -8464,7 +8465,7 @@
                 </a14:hiddenLine>
               </a:ext>
               <a:ext uri="{AF507438-7753-43e0-B8FC-AC1667EBCBE1}">
-                <a14:hiddenEffects xmlns="" xmlns:a14="http://schemas.microsoft.com/office/drawing/2010/main">
+                <a14:hiddenEffects xmlns:a14="http://schemas.microsoft.com/office/drawing/2010/main" xmlns="">
                   <a:effectLst>
                     <a:outerShdw blurRad="63500" dist="38099" dir="2700000" algn="ctr" rotWithShape="0">
                       <a:schemeClr val="bg2">
@@ -8509,7 +8510,7 @@
             <a:effectLst/>
             <a:extLst>
               <a:ext uri="{91240B29-F687-4f45-9708-019B960494DF}">
-                <a14:hiddenLine xmlns="" xmlns:a14="http://schemas.microsoft.com/office/drawing/2010/main" w="9525">
+                <a14:hiddenLine xmlns:a14="http://schemas.microsoft.com/office/drawing/2010/main" xmlns="" w="9525">
                   <a:solidFill>
                     <a:schemeClr val="tx1"/>
                   </a:solidFill>
@@ -8519,7 +8520,7 @@
                 </a14:hiddenLine>
               </a:ext>
               <a:ext uri="{AF507438-7753-43e0-B8FC-AC1667EBCBE1}">
-                <a14:hiddenEffects xmlns="" xmlns:a14="http://schemas.microsoft.com/office/drawing/2010/main">
+                <a14:hiddenEffects xmlns:a14="http://schemas.microsoft.com/office/drawing/2010/main" xmlns="">
                   <a:effectLst>
                     <a:outerShdw blurRad="63500" dist="38099" dir="2700000" algn="ctr" rotWithShape="0">
                       <a:schemeClr val="bg2">
@@ -8564,7 +8565,7 @@
             <a:effectLst/>
             <a:extLst>
               <a:ext uri="{91240B29-F687-4f45-9708-019B960494DF}">
-                <a14:hiddenLine xmlns="" xmlns:a14="http://schemas.microsoft.com/office/drawing/2010/main" w="9525">
+                <a14:hiddenLine xmlns:a14="http://schemas.microsoft.com/office/drawing/2010/main" xmlns="" w="9525">
                   <a:solidFill>
                     <a:schemeClr val="tx1"/>
                   </a:solidFill>
@@ -8574,7 +8575,7 @@
                 </a14:hiddenLine>
               </a:ext>
               <a:ext uri="{AF507438-7753-43e0-B8FC-AC1667EBCBE1}">
-                <a14:hiddenEffects xmlns="" xmlns:a14="http://schemas.microsoft.com/office/drawing/2010/main">
+                <a14:hiddenEffects xmlns:a14="http://schemas.microsoft.com/office/drawing/2010/main" xmlns="">
                   <a:effectLst>
                     <a:outerShdw blurRad="63500" dist="38099" dir="2700000" algn="ctr" rotWithShape="0">
                       <a:schemeClr val="bg2">
@@ -8619,7 +8620,7 @@
             <a:effectLst/>
             <a:extLst>
               <a:ext uri="{91240B29-F687-4f45-9708-019B960494DF}">
-                <a14:hiddenLine xmlns="" xmlns:a14="http://schemas.microsoft.com/office/drawing/2010/main" w="9525">
+                <a14:hiddenLine xmlns:a14="http://schemas.microsoft.com/office/drawing/2010/main" xmlns="" w="9525">
                   <a:solidFill>
                     <a:schemeClr val="tx1"/>
                   </a:solidFill>
@@ -8629,7 +8630,7 @@
                 </a14:hiddenLine>
               </a:ext>
               <a:ext uri="{AF507438-7753-43e0-B8FC-AC1667EBCBE1}">
-                <a14:hiddenEffects xmlns="" xmlns:a14="http://schemas.microsoft.com/office/drawing/2010/main">
+                <a14:hiddenEffects xmlns:a14="http://schemas.microsoft.com/office/drawing/2010/main" xmlns="">
                   <a:effectLst>
                     <a:outerShdw blurRad="63500" dist="38099" dir="2700000" algn="ctr" rotWithShape="0">
                       <a:schemeClr val="bg2">
@@ -8674,7 +8675,7 @@
             <a:effectLst/>
             <a:extLst>
               <a:ext uri="{91240B29-F687-4f45-9708-019B960494DF}">
-                <a14:hiddenLine xmlns="" xmlns:a14="http://schemas.microsoft.com/office/drawing/2010/main" w="9525">
+                <a14:hiddenLine xmlns:a14="http://schemas.microsoft.com/office/drawing/2010/main" xmlns="" w="9525">
                   <a:solidFill>
                     <a:schemeClr val="tx1"/>
                   </a:solidFill>
@@ -8684,7 +8685,7 @@
                 </a14:hiddenLine>
               </a:ext>
               <a:ext uri="{AF507438-7753-43e0-B8FC-AC1667EBCBE1}">
-                <a14:hiddenEffects xmlns="" xmlns:a14="http://schemas.microsoft.com/office/drawing/2010/main">
+                <a14:hiddenEffects xmlns:a14="http://schemas.microsoft.com/office/drawing/2010/main" xmlns="">
                   <a:effectLst>
                     <a:outerShdw blurRad="63500" dist="38099" dir="2700000" algn="ctr" rotWithShape="0">
                       <a:schemeClr val="bg2">
@@ -8729,7 +8730,7 @@
             <a:effectLst/>
             <a:extLst>
               <a:ext uri="{91240B29-F687-4f45-9708-019B960494DF}">
-                <a14:hiddenLine xmlns="" xmlns:a14="http://schemas.microsoft.com/office/drawing/2010/main" w="9525">
+                <a14:hiddenLine xmlns:a14="http://schemas.microsoft.com/office/drawing/2010/main" xmlns="" w="9525">
                   <a:solidFill>
                     <a:schemeClr val="tx1"/>
                   </a:solidFill>
@@ -8739,7 +8740,7 @@
                 </a14:hiddenLine>
               </a:ext>
               <a:ext uri="{AF507438-7753-43e0-B8FC-AC1667EBCBE1}">
-                <a14:hiddenEffects xmlns="" xmlns:a14="http://schemas.microsoft.com/office/drawing/2010/main">
+                <a14:hiddenEffects xmlns:a14="http://schemas.microsoft.com/office/drawing/2010/main" xmlns="">
                   <a:effectLst>
                     <a:outerShdw blurRad="63500" dist="38099" dir="2700000" algn="ctr" rotWithShape="0">
                       <a:schemeClr val="bg2">
@@ -8784,7 +8785,7 @@
             <a:effectLst/>
             <a:extLst>
               <a:ext uri="{91240B29-F687-4f45-9708-019B960494DF}">
-                <a14:hiddenLine xmlns="" xmlns:a14="http://schemas.microsoft.com/office/drawing/2010/main" w="9525">
+                <a14:hiddenLine xmlns:a14="http://schemas.microsoft.com/office/drawing/2010/main" xmlns="" w="9525">
                   <a:solidFill>
                     <a:schemeClr val="tx1"/>
                   </a:solidFill>
@@ -8794,7 +8795,7 @@
                 </a14:hiddenLine>
               </a:ext>
               <a:ext uri="{AF507438-7753-43e0-B8FC-AC1667EBCBE1}">
-                <a14:hiddenEffects xmlns="" xmlns:a14="http://schemas.microsoft.com/office/drawing/2010/main">
+                <a14:hiddenEffects xmlns:a14="http://schemas.microsoft.com/office/drawing/2010/main" xmlns="">
                   <a:effectLst>
                     <a:outerShdw blurRad="63500" dist="38099" dir="2700000" algn="ctr" rotWithShape="0">
                       <a:schemeClr val="bg2">
@@ -9716,7 +9717,7 @@
           <a:effectLst/>
           <a:extLst>
             <a:ext uri="{AF507438-7753-43e0-B8FC-AC1667EBCBE1}">
-              <a14:hiddenEffects xmlns="" xmlns:a14="http://schemas.microsoft.com/office/drawing/2010/main">
+              <a14:hiddenEffects xmlns:a14="http://schemas.microsoft.com/office/drawing/2010/main" xmlns="">
                 <a:effectLst>
                   <a:outerShdw blurRad="63500" dist="38099" dir="2700000" algn="ctr" rotWithShape="0">
                     <a:schemeClr val="bg2">
@@ -9760,7 +9761,7 @@
           <a:effectLst/>
           <a:extLst>
             <a:ext uri="{AF507438-7753-43e0-B8FC-AC1667EBCBE1}">
-              <a14:hiddenEffects xmlns="" xmlns:a14="http://schemas.microsoft.com/office/drawing/2010/main">
+              <a14:hiddenEffects xmlns:a14="http://schemas.microsoft.com/office/drawing/2010/main" xmlns="">
                 <a:effectLst>
                   <a:outerShdw blurRad="63500" dist="38099" dir="2700000" algn="ctr" rotWithShape="0">
                     <a:schemeClr val="bg2">
@@ -9805,7 +9806,7 @@
           <a:effectLst/>
           <a:extLst>
             <a:ext uri="{AF507438-7753-43e0-B8FC-AC1667EBCBE1}">
-              <a14:hiddenEffects xmlns="" xmlns:a14="http://schemas.microsoft.com/office/drawing/2010/main">
+              <a14:hiddenEffects xmlns:a14="http://schemas.microsoft.com/office/drawing/2010/main" xmlns="">
                 <a:effectLst>
                   <a:outerShdw blurRad="63500" dist="38099" dir="2700000" algn="ctr" rotWithShape="0">
                     <a:schemeClr val="bg2">
@@ -9850,7 +9851,7 @@
           <a:effectLst/>
           <a:extLst>
             <a:ext uri="{AF507438-7753-43e0-B8FC-AC1667EBCBE1}">
-              <a14:hiddenEffects xmlns="" xmlns:a14="http://schemas.microsoft.com/office/drawing/2010/main">
+              <a14:hiddenEffects xmlns:a14="http://schemas.microsoft.com/office/drawing/2010/main" xmlns="">
                 <a:effectLst>
                   <a:outerShdw blurRad="63500" dist="38099" dir="2700000" algn="ctr" rotWithShape="0">
                     <a:schemeClr val="bg2">
@@ -9895,7 +9896,7 @@
           <a:effectLst/>
           <a:extLst>
             <a:ext uri="{AF507438-7753-43e0-B8FC-AC1667EBCBE1}">
-              <a14:hiddenEffects xmlns="" xmlns:a14="http://schemas.microsoft.com/office/drawing/2010/main">
+              <a14:hiddenEffects xmlns:a14="http://schemas.microsoft.com/office/drawing/2010/main" xmlns="">
                 <a:effectLst>
                   <a:outerShdw blurRad="63500" dist="38099" dir="2700000" algn="ctr" rotWithShape="0">
                     <a:schemeClr val="bg2">
@@ -9940,7 +9941,7 @@
           <a:effectLst/>
           <a:extLst>
             <a:ext uri="{AF507438-7753-43e0-B8FC-AC1667EBCBE1}">
-              <a14:hiddenEffects xmlns="" xmlns:a14="http://schemas.microsoft.com/office/drawing/2010/main">
+              <a14:hiddenEffects xmlns:a14="http://schemas.microsoft.com/office/drawing/2010/main" xmlns="">
                 <a:effectLst>
                   <a:outerShdw blurRad="63500" dist="38099" dir="2700000" algn="ctr" rotWithShape="0">
                     <a:schemeClr val="bg2">
@@ -9986,7 +9987,7 @@
           <a:effectLst/>
           <a:extLst>
             <a:ext uri="{AF507438-7753-43e0-B8FC-AC1667EBCBE1}">
-              <a14:hiddenEffects xmlns="" xmlns:a14="http://schemas.microsoft.com/office/drawing/2010/main">
+              <a14:hiddenEffects xmlns:a14="http://schemas.microsoft.com/office/drawing/2010/main" xmlns="">
                 <a:effectLst>
                   <a:outerShdw blurRad="63500" dist="38099" dir="2700000" algn="ctr" rotWithShape="0">
                     <a:schemeClr val="bg2">
@@ -10389,7 +10390,7 @@
           <a:effectLst/>
           <a:extLst>
             <a:ext uri="{AF507438-7753-43e0-B8FC-AC1667EBCBE1}">
-              <a14:hiddenEffects xmlns="" xmlns:a14="http://schemas.microsoft.com/office/drawing/2010/main">
+              <a14:hiddenEffects xmlns:a14="http://schemas.microsoft.com/office/drawing/2010/main" xmlns="">
                 <a:effectLst>
                   <a:outerShdw blurRad="63500" dist="38099" dir="2700000" algn="ctr" rotWithShape="0">
                     <a:schemeClr val="bg2">
@@ -10434,7 +10435,7 @@
           <a:effectLst/>
           <a:extLst>
             <a:ext uri="{AF507438-7753-43e0-B8FC-AC1667EBCBE1}">
-              <a14:hiddenEffects xmlns="" xmlns:a14="http://schemas.microsoft.com/office/drawing/2010/main">
+              <a14:hiddenEffects xmlns:a14="http://schemas.microsoft.com/office/drawing/2010/main" xmlns="">
                 <a:effectLst>
                   <a:outerShdw blurRad="63500" dist="38099" dir="2700000" algn="ctr" rotWithShape="0">
                     <a:schemeClr val="bg2">
@@ -10521,7 +10522,7 @@
           <a:effectLst/>
           <a:extLst>
             <a:ext uri="{AF507438-7753-43e0-B8FC-AC1667EBCBE1}">
-              <a14:hiddenEffects xmlns:a14="http://schemas.microsoft.com/office/drawing/2010/main" xmlns="">
+              <a14:hiddenEffects xmlns="" xmlns:a14="http://schemas.microsoft.com/office/drawing/2010/main">
                 <a:effectLst>
                   <a:outerShdw blurRad="63500" dist="38099" dir="2700000" algn="ctr" rotWithShape="0">
                     <a:schemeClr val="bg2">
@@ -10567,7 +10568,7 @@
           </a:ln>
           <a:extLst>
             <a:ext uri="{909E8E84-426E-40dd-AFC4-6F175D3DCCD1}">
-              <a14:hiddenFill xmlns="" xmlns:a14="http://schemas.microsoft.com/office/drawing/2010/main">
+              <a14:hiddenFill xmlns:a14="http://schemas.microsoft.com/office/drawing/2010/main" xmlns="">
                 <a:solidFill>
                   <a:schemeClr val="accent1"/>
                 </a:solidFill>
@@ -10904,7 +10905,7 @@
           </a:ln>
           <a:extLst>
             <a:ext uri="{909E8E84-426E-40dd-AFC4-6F175D3DCCD1}">
-              <a14:hiddenFill xmlns="" xmlns:a14="http://schemas.microsoft.com/office/drawing/2010/main">
+              <a14:hiddenFill xmlns:a14="http://schemas.microsoft.com/office/drawing/2010/main" xmlns="">
                 <a:solidFill>
                   <a:schemeClr val="accent1"/>
                 </a:solidFill>
@@ -11459,7 +11460,7 @@
           </a:ln>
           <a:extLst>
             <a:ext uri="{909E8E84-426E-40dd-AFC4-6F175D3DCCD1}">
-              <a14:hiddenFill xmlns="" xmlns:a14="http://schemas.microsoft.com/office/drawing/2010/main">
+              <a14:hiddenFill xmlns:a14="http://schemas.microsoft.com/office/drawing/2010/main" xmlns="">
                 <a:noFill/>
               </a14:hiddenFill>
             </a:ext>
@@ -11488,14 +11489,14 @@
           </a:ln>
           <a:extLst>
             <a:ext uri="{909E8E84-426E-40dd-AFC4-6F175D3DCCD1}">
-              <a14:hiddenFill xmlns="" xmlns:a14="http://schemas.microsoft.com/office/drawing/2010/main">
+              <a14:hiddenFill xmlns:a14="http://schemas.microsoft.com/office/drawing/2010/main" xmlns="">
                 <a:solidFill>
                   <a:schemeClr val="accent1"/>
                 </a:solidFill>
               </a14:hiddenFill>
             </a:ext>
             <a:ext uri="{91240B29-F687-4f45-9708-019B960494DF}">
-              <a14:hiddenLine xmlns="" xmlns:a14="http://schemas.microsoft.com/office/drawing/2010/main" w="9525">
+              <a14:hiddenLine xmlns:a14="http://schemas.microsoft.com/office/drawing/2010/main" xmlns="" w="9525">
                 <a:solidFill>
                   <a:schemeClr val="tx1"/>
                 </a:solidFill>
@@ -11545,14 +11546,14 @@
           </a:ln>
           <a:extLst>
             <a:ext uri="{909E8E84-426E-40dd-AFC4-6F175D3DCCD1}">
-              <a14:hiddenFill xmlns="" xmlns:a14="http://schemas.microsoft.com/office/drawing/2010/main">
+              <a14:hiddenFill xmlns:a14="http://schemas.microsoft.com/office/drawing/2010/main" xmlns="">
                 <a:solidFill>
                   <a:schemeClr val="accent1"/>
                 </a:solidFill>
               </a14:hiddenFill>
             </a:ext>
             <a:ext uri="{91240B29-F687-4f45-9708-019B960494DF}">
-              <a14:hiddenLine xmlns="" xmlns:a14="http://schemas.microsoft.com/office/drawing/2010/main" w="9525">
+              <a14:hiddenLine xmlns:a14="http://schemas.microsoft.com/office/drawing/2010/main" xmlns="" w="9525">
                 <a:solidFill>
                   <a:schemeClr val="tx1"/>
                 </a:solidFill>
@@ -12377,7 +12378,7 @@
           <a:effectLst/>
           <a:extLst>
             <a:ext uri="{AF507438-7753-43e0-B8FC-AC1667EBCBE1}">
-              <a14:hiddenEffects xmlns="" xmlns:a14="http://schemas.microsoft.com/office/drawing/2010/main">
+              <a14:hiddenEffects xmlns:a14="http://schemas.microsoft.com/office/drawing/2010/main" xmlns="">
                 <a:effectLst>
                   <a:outerShdw blurRad="63500" dist="38099" dir="2700000" algn="ctr" rotWithShape="0">
                     <a:schemeClr val="bg2">
@@ -12565,7 +12566,7 @@
           </a:ln>
           <a:extLst>
             <a:ext uri="{909E8E84-426E-40dd-AFC4-6F175D3DCCD1}">
-              <a14:hiddenFill xmlns="" xmlns:a14="http://schemas.microsoft.com/office/drawing/2010/main">
+              <a14:hiddenFill xmlns:a14="http://schemas.microsoft.com/office/drawing/2010/main" xmlns="">
                 <a:solidFill>
                   <a:schemeClr val="accent1"/>
                 </a:solidFill>
@@ -14440,14 +14441,14 @@
           </a:ln>
           <a:extLst>
             <a:ext uri="{909E8E84-426E-40dd-AFC4-6F175D3DCCD1}">
-              <a14:hiddenFill xmlns="" xmlns:a14="http://schemas.microsoft.com/office/drawing/2010/main">
+              <a14:hiddenFill xmlns:a14="http://schemas.microsoft.com/office/drawing/2010/main" xmlns="">
                 <a:solidFill>
                   <a:schemeClr val="accent1"/>
                 </a:solidFill>
               </a14:hiddenFill>
             </a:ext>
             <a:ext uri="{91240B29-F687-4f45-9708-019B960494DF}">
-              <a14:hiddenLine xmlns="" xmlns:a14="http://schemas.microsoft.com/office/drawing/2010/main" w="9525">
+              <a14:hiddenLine xmlns:a14="http://schemas.microsoft.com/office/drawing/2010/main" xmlns="" w="9525">
                 <a:solidFill>
                   <a:schemeClr val="tx1"/>
                 </a:solidFill>
@@ -14770,14 +14771,14 @@
           </a:ln>
           <a:extLst>
             <a:ext uri="{909E8E84-426E-40dd-AFC4-6F175D3DCCD1}">
-              <a14:hiddenFill xmlns="" xmlns:a14="http://schemas.microsoft.com/office/drawing/2010/main">
+              <a14:hiddenFill xmlns:a14="http://schemas.microsoft.com/office/drawing/2010/main" xmlns="">
                 <a:solidFill>
                   <a:schemeClr val="accent1"/>
                 </a:solidFill>
               </a14:hiddenFill>
             </a:ext>
             <a:ext uri="{91240B29-F687-4f45-9708-019B960494DF}">
-              <a14:hiddenLine xmlns="" xmlns:a14="http://schemas.microsoft.com/office/drawing/2010/main" w="9525">
+              <a14:hiddenLine xmlns:a14="http://schemas.microsoft.com/office/drawing/2010/main" xmlns="" w="9525">
                 <a:solidFill>
                   <a:schemeClr val="tx1"/>
                 </a:solidFill>
@@ -15202,14 +15203,14 @@
           </a:ln>
           <a:extLst>
             <a:ext uri="{909E8E84-426E-40dd-AFC4-6F175D3DCCD1}">
-              <a14:hiddenFill xmlns="" xmlns:a14="http://schemas.microsoft.com/office/drawing/2010/main">
+              <a14:hiddenFill xmlns:a14="http://schemas.microsoft.com/office/drawing/2010/main" xmlns="">
                 <a:solidFill>
                   <a:schemeClr val="accent1"/>
                 </a:solidFill>
               </a14:hiddenFill>
             </a:ext>
             <a:ext uri="{91240B29-F687-4f45-9708-019B960494DF}">
-              <a14:hiddenLine xmlns="" xmlns:a14="http://schemas.microsoft.com/office/drawing/2010/main" w="9525">
+              <a14:hiddenLine xmlns:a14="http://schemas.microsoft.com/office/drawing/2010/main" xmlns="" w="9525">
                 <a:solidFill>
                   <a:schemeClr val="tx1"/>
                 </a:solidFill>
@@ -15569,14 +15570,14 @@
           </a:ln>
           <a:extLst>
             <a:ext uri="{909E8E84-426E-40dd-AFC4-6F175D3DCCD1}">
-              <a14:hiddenFill xmlns="" xmlns:a14="http://schemas.microsoft.com/office/drawing/2010/main">
+              <a14:hiddenFill xmlns:a14="http://schemas.microsoft.com/office/drawing/2010/main" xmlns="">
                 <a:solidFill>
                   <a:schemeClr val="accent1"/>
                 </a:solidFill>
               </a14:hiddenFill>
             </a:ext>
             <a:ext uri="{91240B29-F687-4f45-9708-019B960494DF}">
-              <a14:hiddenLine xmlns="" xmlns:a14="http://schemas.microsoft.com/office/drawing/2010/main" w="9525">
+              <a14:hiddenLine xmlns:a14="http://schemas.microsoft.com/office/drawing/2010/main" xmlns="" w="9525">
                 <a:solidFill>
                   <a:schemeClr val="tx1"/>
                 </a:solidFill>
@@ -15899,14 +15900,14 @@
           </a:ln>
           <a:extLst>
             <a:ext uri="{909E8E84-426E-40dd-AFC4-6F175D3DCCD1}">
-              <a14:hiddenFill xmlns="" xmlns:a14="http://schemas.microsoft.com/office/drawing/2010/main">
+              <a14:hiddenFill xmlns:a14="http://schemas.microsoft.com/office/drawing/2010/main" xmlns="">
                 <a:solidFill>
                   <a:schemeClr val="accent1"/>
                 </a:solidFill>
               </a14:hiddenFill>
             </a:ext>
             <a:ext uri="{91240B29-F687-4f45-9708-019B960494DF}">
-              <a14:hiddenLine xmlns="" xmlns:a14="http://schemas.microsoft.com/office/drawing/2010/main" w="9525">
+              <a14:hiddenLine xmlns:a14="http://schemas.microsoft.com/office/drawing/2010/main" xmlns="" w="9525">
                 <a:solidFill>
                   <a:schemeClr val="tx1"/>
                 </a:solidFill>
@@ -16485,7 +16486,7 @@
           <a:effectLst/>
           <a:extLst>
             <a:ext uri="{AF507438-7753-43e0-B8FC-AC1667EBCBE1}">
-              <a14:hiddenEffects xmlns:a14="http://schemas.microsoft.com/office/drawing/2010/main" xmlns="">
+              <a14:hiddenEffects xmlns="" xmlns:a14="http://schemas.microsoft.com/office/drawing/2010/main">
                 <a:effectLst>
                   <a:outerShdw blurRad="63500" dist="38099" dir="2700000" algn="ctr" rotWithShape="0">
                     <a:schemeClr val="bg2">
@@ -16688,7 +16689,7 @@
               <a:t>Please see </a:t>
             </a:r>
             <a:r>
-              <a:rPr lang="en-US"/>
+              <a:rPr lang="en-US" dirty="0" err="1"/>
               <a:t>BrightSpace</a:t>
             </a:r>
             <a:endParaRPr lang="en-US" dirty="0"/>
@@ -17264,7 +17265,7 @@
           <a:effectLst/>
           <a:extLst>
             <a:ext uri="{AF507438-7753-43e0-B8FC-AC1667EBCBE1}">
-              <a14:hiddenEffects xmlns:a14="http://schemas.microsoft.com/office/drawing/2010/main" xmlns="">
+              <a14:hiddenEffects xmlns="" xmlns:a14="http://schemas.microsoft.com/office/drawing/2010/main">
                 <a:effectLst>
                   <a:outerShdw blurRad="63500" dist="38099" dir="2700000" algn="ctr" rotWithShape="0">
                     <a:schemeClr val="bg2">
@@ -17350,7 +17351,7 @@
           <a:effectLst/>
           <a:extLst>
             <a:ext uri="{AF507438-7753-43e0-B8FC-AC1667EBCBE1}">
-              <a14:hiddenEffects xmlns:a14="http://schemas.microsoft.com/office/drawing/2010/main" xmlns="">
+              <a14:hiddenEffects xmlns="" xmlns:a14="http://schemas.microsoft.com/office/drawing/2010/main">
                 <a:effectLst>
                   <a:outerShdw blurRad="63500" dist="38099" dir="2700000" algn="ctr" rotWithShape="0">
                     <a:schemeClr val="bg2">
@@ -17436,7 +17437,7 @@
           <a:effectLst/>
           <a:extLst>
             <a:ext uri="{AF507438-7753-43e0-B8FC-AC1667EBCBE1}">
-              <a14:hiddenEffects xmlns:a14="http://schemas.microsoft.com/office/drawing/2010/main" xmlns="">
+              <a14:hiddenEffects xmlns="" xmlns:a14="http://schemas.microsoft.com/office/drawing/2010/main">
                 <a:effectLst>
                   <a:outerShdw blurRad="63500" dist="38099" dir="2700000" algn="ctr" rotWithShape="0">
                     <a:schemeClr val="bg2">
@@ -17557,7 +17558,7 @@
           <a:effectLst/>
           <a:extLst>
             <a:ext uri="{AF507438-7753-43e0-B8FC-AC1667EBCBE1}">
-              <a14:hiddenEffects xmlns:a14="http://schemas.microsoft.com/office/drawing/2010/main" xmlns="">
+              <a14:hiddenEffects xmlns="" xmlns:a14="http://schemas.microsoft.com/office/drawing/2010/main">
                 <a:effectLst>
                   <a:outerShdw blurRad="63500" dist="38099" dir="2700000" algn="ctr" rotWithShape="0">
                     <a:schemeClr val="bg2">
@@ -17710,6 +17711,155 @@
       </p:grpSpPr>
       <p:sp>
         <p:nvSpPr>
+          <p:cNvPr id="3" name="Title 2">
+            <a:extLst>
+              <a:ext uri="{FF2B5EF4-FFF2-40B4-BE49-F238E27FC236}">
+                <a16:creationId xmlns:a16="http://schemas.microsoft.com/office/drawing/2014/main" id="{99C03005-2A07-23E1-AC75-579BF03F0B8B}"/>
+              </a:ext>
+            </a:extLst>
+          </p:cNvPr>
+          <p:cNvSpPr>
+            <a:spLocks noGrp="1"/>
+          </p:cNvSpPr>
+          <p:nvPr>
+            <p:ph type="title"/>
+          </p:nvPr>
+        </p:nvSpPr>
+        <p:spPr/>
+        <p:txBody>
+          <a:bodyPr/>
+          <a:lstStyle/>
+          <a:p>
+            <a:r>
+              <a:rPr lang="en-US" dirty="0"/>
+              <a:t>Class Exercise</a:t>
+            </a:r>
+          </a:p>
+        </p:txBody>
+      </p:sp>
+      <p:sp>
+        <p:nvSpPr>
+          <p:cNvPr id="4" name="Content Placeholder 3">
+            <a:extLst>
+              <a:ext uri="{FF2B5EF4-FFF2-40B4-BE49-F238E27FC236}">
+                <a16:creationId xmlns:a16="http://schemas.microsoft.com/office/drawing/2014/main" id="{FD1A6511-4973-5C75-04E9-23B9A5C1E2D1}"/>
+              </a:ext>
+            </a:extLst>
+          </p:cNvPr>
+          <p:cNvSpPr>
+            <a:spLocks noGrp="1"/>
+          </p:cNvSpPr>
+          <p:nvPr>
+            <p:ph idx="1"/>
+          </p:nvPr>
+        </p:nvSpPr>
+        <p:spPr/>
+        <p:txBody>
+          <a:bodyPr>
+            <a:normAutofit fontScale="92500" lnSpcReduction="20000"/>
+          </a:bodyPr>
+          <a:lstStyle/>
+          <a:p>
+            <a:r>
+              <a:rPr lang="en-US" dirty="0"/>
+              <a:t>Consider the grammar</a:t>
+            </a:r>
+            <a:br>
+              <a:rPr lang="en-US" dirty="0"/>
+            </a:br>
+            <a:br>
+              <a:rPr lang="en-US" sz="1800" dirty="0"/>
+            </a:br>
+            <a:r>
+              <a:rPr lang="en-US" sz="1800" dirty="0"/>
+              <a:t>M : N M</a:t>
+            </a:r>
+            <a:br>
+              <a:rPr lang="en-US" sz="1800" dirty="0"/>
+            </a:br>
+            <a:r>
+              <a:rPr lang="en-US" sz="1800" dirty="0"/>
+              <a:t>    | r</a:t>
+            </a:r>
+            <a:br>
+              <a:rPr lang="en-US" sz="1800" dirty="0"/>
+            </a:br>
+            <a:br>
+              <a:rPr lang="en-US" sz="1800" dirty="0"/>
+            </a:br>
+            <a:r>
+              <a:rPr lang="en-US" sz="1800" dirty="0"/>
+              <a:t>N : p</a:t>
+            </a:r>
+            <a:br>
+              <a:rPr lang="en-US" sz="1800" dirty="0"/>
+            </a:br>
+            <a:r>
+              <a:rPr lang="en-US" sz="1800" dirty="0"/>
+              <a:t>    | q</a:t>
+            </a:r>
+            <a:br>
+              <a:rPr lang="en-US" sz="1800" dirty="0"/>
+            </a:br>
+            <a:endParaRPr lang="en-US" sz="1800" dirty="0"/>
+          </a:p>
+          <a:p>
+            <a:r>
+              <a:rPr lang="en-US" dirty="0"/>
+              <a:t>Identify the terminal/non-terminal symbols.  Identify the start symbol</a:t>
+            </a:r>
+          </a:p>
+          <a:p>
+            <a:r>
+              <a:rPr lang="en-US" dirty="0"/>
+              <a:t>State three strings/sentences that are part of the language.</a:t>
+            </a:r>
+          </a:p>
+          <a:p>
+            <a:r>
+              <a:rPr lang="en-US" dirty="0"/>
+              <a:t>Compute the lookahead sets for the </a:t>
+            </a:r>
+            <a:r>
+              <a:rPr lang="en-US"/>
+              <a:t>grammar rules.</a:t>
+            </a:r>
+            <a:endParaRPr lang="en-US" dirty="0"/>
+          </a:p>
+        </p:txBody>
+      </p:sp>
+    </p:spTree>
+    <p:extLst>
+      <p:ext uri="{BB962C8B-B14F-4D97-AF65-F5344CB8AC3E}">
+        <p14:creationId xmlns:p14="http://schemas.microsoft.com/office/powerpoint/2010/main" val="3659122465"/>
+      </p:ext>
+    </p:extLst>
+  </p:cSld>
+  <p:clrMapOvr>
+    <a:masterClrMapping/>
+  </p:clrMapOvr>
+</p:sld>
+</file>
+
+<file path=ppt/slides/slide35.xml><?xml version="1.0" encoding="utf-8"?>
+<p:sld xmlns:a="http://schemas.openxmlformats.org/drawingml/2006/main" xmlns:r="http://schemas.openxmlformats.org/officeDocument/2006/relationships" xmlns:p="http://schemas.openxmlformats.org/presentationml/2006/main">
+  <p:cSld>
+    <p:spTree>
+      <p:nvGrpSpPr>
+        <p:cNvPr id="1" name=""/>
+        <p:cNvGrpSpPr/>
+        <p:nvPr/>
+      </p:nvGrpSpPr>
+      <p:grpSpPr>
+        <a:xfrm>
+          <a:off x="0" y="0"/>
+          <a:ext cx="0" cy="0"/>
+          <a:chOff x="0" y="0"/>
+          <a:chExt cx="0" cy="0"/>
+        </a:xfrm>
+      </p:grpSpPr>
+      <p:sp>
+        <p:nvSpPr>
           <p:cNvPr id="28674" name="Rectangle 2"/>
           <p:cNvSpPr>
             <a:spLocks noGrp="1" noChangeArrowheads="1"/>
@@ -17753,7 +17903,7 @@
           <a:p>
             <a:r>
               <a:rPr lang="en-US" dirty="0"/>
-              <a:t>Assignment #1 -- see </a:t>
+              <a:t>Class Exercise 1 -- see </a:t>
             </a:r>
             <a:r>
               <a:rPr lang="en-US" dirty="0" err="1"/>
@@ -18644,7 +18794,7 @@
           </a:ln>
           <a:extLst>
             <a:ext uri="{909E8E84-426E-40dd-AFC4-6F175D3DCCD1}">
-              <a14:hiddenFill xmlns="" xmlns:a14="http://schemas.microsoft.com/office/drawing/2010/main">
+              <a14:hiddenFill xmlns:a14="http://schemas.microsoft.com/office/drawing/2010/main" xmlns="">
                 <a:solidFill>
                   <a:schemeClr val="accent1"/>
                 </a:solidFill>
@@ -18847,14 +18997,14 @@
           </a:ln>
           <a:extLst>
             <a:ext uri="{909E8E84-426E-40dd-AFC4-6F175D3DCCD1}">
-              <a14:hiddenFill xmlns="" xmlns:a14="http://schemas.microsoft.com/office/drawing/2010/main">
+              <a14:hiddenFill xmlns:a14="http://schemas.microsoft.com/office/drawing/2010/main" xmlns="">
                 <a:solidFill>
                   <a:schemeClr val="accent1"/>
                 </a:solidFill>
               </a14:hiddenFill>
             </a:ext>
             <a:ext uri="{91240B29-F687-4f45-9708-019B960494DF}">
-              <a14:hiddenLine xmlns="" xmlns:a14="http://schemas.microsoft.com/office/drawing/2010/main" w="9525">
+              <a14:hiddenLine xmlns:a14="http://schemas.microsoft.com/office/drawing/2010/main" xmlns="" w="9525">
                 <a:solidFill>
                   <a:schemeClr val="tx1"/>
                 </a:solidFill>
@@ -19291,7 +19441,7 @@
         <a:effectLst/>
         <a:extLst>
           <a:ext uri="{AF507438-7753-43e0-B8FC-AC1667EBCBE1}">
-            <a14:hiddenEffects xmlns="" xmlns:a14="http://schemas.microsoft.com/office/drawing/2010/main">
+            <a14:hiddenEffects xmlns:a14="http://schemas.microsoft.com/office/drawing/2010/main" xmlns="">
               <a:effectLst>
                 <a:outerShdw blurRad="63500" dist="38099" dir="2700000" algn="ctr" rotWithShape="0">
                   <a:schemeClr val="bg2">
@@ -19368,7 +19518,7 @@
         <a:effectLst/>
         <a:extLst>
           <a:ext uri="{AF507438-7753-43e0-B8FC-AC1667EBCBE1}">
-            <a14:hiddenEffects xmlns="" xmlns:a14="http://schemas.microsoft.com/office/drawing/2010/main">
+            <a14:hiddenEffects xmlns:a14="http://schemas.microsoft.com/office/drawing/2010/main" xmlns="">
               <a:effectLst>
                 <a:outerShdw blurRad="63500" dist="38099" dir="2700000" algn="ctr" rotWithShape="0">
                   <a:schemeClr val="bg2">
